--- a/Media/SenseArchitecture.pptx
+++ b/Media/SenseArchitecture.pptx
@@ -2,18 +2,20 @@
 <file path=ppt/presentation.xml><?xml version="1.0" encoding="utf-8"?>
 <p:presentation xmlns:a="http://schemas.openxmlformats.org/drawingml/2006/main" xmlns:r="http://schemas.openxmlformats.org/officeDocument/2006/relationships" xmlns:p="http://schemas.openxmlformats.org/presentationml/2006/main" saveSubsetFonts="1" autoCompressPictures="0">
   <p:sldMasterIdLst>
-    <p:sldMasterId id="2147483648" r:id="rId1"/>
+    <p:sldMasterId id="2147483660" r:id="rId1"/>
   </p:sldMasterIdLst>
   <p:sldIdLst>
     <p:sldId id="257" r:id="rId2"/>
+    <p:sldId id="258" r:id="rId3"/>
+    <p:sldId id="259" r:id="rId4"/>
   </p:sldIdLst>
-  <p:sldSz cx="12192000" cy="6858000"/>
+  <p:sldSz cx="12192000" cy="13716000"/>
   <p:notesSz cx="6858000" cy="9144000"/>
   <p:defaultTextStyle>
     <a:defPPr>
       <a:defRPr lang="en-US"/>
     </a:defPPr>
-    <a:lvl1pPr marL="0" algn="l" defTabSz="914400" rtl="0" eaLnBrk="1" latinLnBrk="0" hangingPunct="1">
+    <a:lvl1pPr marL="0" algn="l" defTabSz="457200" rtl="0" eaLnBrk="1" latinLnBrk="0" hangingPunct="1">
       <a:defRPr sz="1800" kern="1200">
         <a:solidFill>
           <a:schemeClr val="tx1"/>
@@ -23,7 +25,7 @@
         <a:cs typeface="+mn-cs"/>
       </a:defRPr>
     </a:lvl1pPr>
-    <a:lvl2pPr marL="457200" algn="l" defTabSz="914400" rtl="0" eaLnBrk="1" latinLnBrk="0" hangingPunct="1">
+    <a:lvl2pPr marL="457200" algn="l" defTabSz="457200" rtl="0" eaLnBrk="1" latinLnBrk="0" hangingPunct="1">
       <a:defRPr sz="1800" kern="1200">
         <a:solidFill>
           <a:schemeClr val="tx1"/>
@@ -33,7 +35,7 @@
         <a:cs typeface="+mn-cs"/>
       </a:defRPr>
     </a:lvl2pPr>
-    <a:lvl3pPr marL="914400" algn="l" defTabSz="914400" rtl="0" eaLnBrk="1" latinLnBrk="0" hangingPunct="1">
+    <a:lvl3pPr marL="914400" algn="l" defTabSz="457200" rtl="0" eaLnBrk="1" latinLnBrk="0" hangingPunct="1">
       <a:defRPr sz="1800" kern="1200">
         <a:solidFill>
           <a:schemeClr val="tx1"/>
@@ -43,7 +45,7 @@
         <a:cs typeface="+mn-cs"/>
       </a:defRPr>
     </a:lvl3pPr>
-    <a:lvl4pPr marL="1371600" algn="l" defTabSz="914400" rtl="0" eaLnBrk="1" latinLnBrk="0" hangingPunct="1">
+    <a:lvl4pPr marL="1371600" algn="l" defTabSz="457200" rtl="0" eaLnBrk="1" latinLnBrk="0" hangingPunct="1">
       <a:defRPr sz="1800" kern="1200">
         <a:solidFill>
           <a:schemeClr val="tx1"/>
@@ -53,7 +55,7 @@
         <a:cs typeface="+mn-cs"/>
       </a:defRPr>
     </a:lvl4pPr>
-    <a:lvl5pPr marL="1828800" algn="l" defTabSz="914400" rtl="0" eaLnBrk="1" latinLnBrk="0" hangingPunct="1">
+    <a:lvl5pPr marL="1828800" algn="l" defTabSz="457200" rtl="0" eaLnBrk="1" latinLnBrk="0" hangingPunct="1">
       <a:defRPr sz="1800" kern="1200">
         <a:solidFill>
           <a:schemeClr val="tx1"/>
@@ -63,7 +65,7 @@
         <a:cs typeface="+mn-cs"/>
       </a:defRPr>
     </a:lvl5pPr>
-    <a:lvl6pPr marL="2286000" algn="l" defTabSz="914400" rtl="0" eaLnBrk="1" latinLnBrk="0" hangingPunct="1">
+    <a:lvl6pPr marL="2286000" algn="l" defTabSz="457200" rtl="0" eaLnBrk="1" latinLnBrk="0" hangingPunct="1">
       <a:defRPr sz="1800" kern="1200">
         <a:solidFill>
           <a:schemeClr val="tx1"/>
@@ -73,7 +75,7 @@
         <a:cs typeface="+mn-cs"/>
       </a:defRPr>
     </a:lvl6pPr>
-    <a:lvl7pPr marL="2743200" algn="l" defTabSz="914400" rtl="0" eaLnBrk="1" latinLnBrk="0" hangingPunct="1">
+    <a:lvl7pPr marL="2743200" algn="l" defTabSz="457200" rtl="0" eaLnBrk="1" latinLnBrk="0" hangingPunct="1">
       <a:defRPr sz="1800" kern="1200">
         <a:solidFill>
           <a:schemeClr val="tx1"/>
@@ -83,7 +85,7 @@
         <a:cs typeface="+mn-cs"/>
       </a:defRPr>
     </a:lvl7pPr>
-    <a:lvl8pPr marL="3200400" algn="l" defTabSz="914400" rtl="0" eaLnBrk="1" latinLnBrk="0" hangingPunct="1">
+    <a:lvl8pPr marL="3200400" algn="l" defTabSz="457200" rtl="0" eaLnBrk="1" latinLnBrk="0" hangingPunct="1">
       <a:defRPr sz="1800" kern="1200">
         <a:solidFill>
           <a:schemeClr val="tx1"/>
@@ -93,7 +95,7 @@
         <a:cs typeface="+mn-cs"/>
       </a:defRPr>
     </a:lvl8pPr>
-    <a:lvl9pPr marL="3657600" algn="l" defTabSz="914400" rtl="0" eaLnBrk="1" latinLnBrk="0" hangingPunct="1">
+    <a:lvl9pPr marL="3657600" algn="l" defTabSz="457200" rtl="0" eaLnBrk="1" latinLnBrk="0" hangingPunct="1">
       <a:defRPr sz="1800" kern="1200">
         <a:solidFill>
           <a:schemeClr val="tx1"/>
@@ -131,13 +133,7 @@
       </p:grpSpPr>
       <p:sp>
         <p:nvSpPr>
-          <p:cNvPr id="2" name="Title 1">
-            <a:extLst>
-              <a:ext uri="{FF2B5EF4-FFF2-40B4-BE49-F238E27FC236}">
-                <a16:creationId xmlns:a16="http://schemas.microsoft.com/office/drawing/2014/main" id="{108043C8-4640-5D49-9C1C-72E9BEC6099F}"/>
-              </a:ext>
-            </a:extLst>
-          </p:cNvPr>
+          <p:cNvPr id="2" name="Title 1"/>
           <p:cNvSpPr>
             <a:spLocks noGrp="1"/>
           </p:cNvSpPr>
@@ -147,35 +143,29 @@
         </p:nvSpPr>
         <p:spPr>
           <a:xfrm>
-            <a:off x="1524000" y="1122363"/>
-            <a:ext cx="9144000" cy="2387600"/>
+            <a:off x="914400" y="2244726"/>
+            <a:ext cx="10363200" cy="4775200"/>
           </a:xfrm>
         </p:spPr>
         <p:txBody>
           <a:bodyPr anchor="b"/>
           <a:lstStyle>
             <a:lvl1pPr algn="ctr">
-              <a:defRPr sz="6000"/>
+              <a:defRPr sz="8000"/>
             </a:lvl1pPr>
           </a:lstStyle>
           <a:p>
             <a:r>
-              <a:rPr lang="en-GB"/>
+              <a:rPr lang="en-GB" dirty="0"/>
               <a:t>Click to edit Master title style</a:t>
             </a:r>
-            <a:endParaRPr lang="en-US"/>
-          </a:p>
-        </p:txBody>
-      </p:sp>
-      <p:sp>
-        <p:nvSpPr>
-          <p:cNvPr id="3" name="Subtitle 2">
-            <a:extLst>
-              <a:ext uri="{FF2B5EF4-FFF2-40B4-BE49-F238E27FC236}">
-                <a16:creationId xmlns:a16="http://schemas.microsoft.com/office/drawing/2014/main" id="{1931C51B-1BD3-1E41-8D4B-581121C30BC2}"/>
-              </a:ext>
-            </a:extLst>
-          </p:cNvPr>
+            <a:endParaRPr lang="en-US" dirty="0"/>
+          </a:p>
+        </p:txBody>
+      </p:sp>
+      <p:sp>
+        <p:nvSpPr>
+          <p:cNvPr id="3" name="Subtitle 2"/>
           <p:cNvSpPr>
             <a:spLocks noGrp="1"/>
           </p:cNvSpPr>
@@ -185,8 +175,8 @@
         </p:nvSpPr>
         <p:spPr>
           <a:xfrm>
-            <a:off x="1524000" y="3602038"/>
-            <a:ext cx="9144000" cy="1655762"/>
+            <a:off x="1524000" y="7204076"/>
+            <a:ext cx="9144000" cy="3311524"/>
           </a:xfrm>
         </p:spPr>
         <p:txBody>
@@ -194,59 +184,53 @@
           <a:lstStyle>
             <a:lvl1pPr marL="0" indent="0" algn="ctr">
               <a:buNone/>
+              <a:defRPr sz="3200"/>
+            </a:lvl1pPr>
+            <a:lvl2pPr marL="609585" indent="0" algn="ctr">
+              <a:buNone/>
+              <a:defRPr sz="2667"/>
+            </a:lvl2pPr>
+            <a:lvl3pPr marL="1219170" indent="0" algn="ctr">
+              <a:buNone/>
               <a:defRPr sz="2400"/>
-            </a:lvl1pPr>
-            <a:lvl2pPr marL="457200" indent="0" algn="ctr">
+            </a:lvl3pPr>
+            <a:lvl4pPr marL="1828754" indent="0" algn="ctr">
               <a:buNone/>
-              <a:defRPr sz="2000"/>
-            </a:lvl2pPr>
-            <a:lvl3pPr marL="914400" indent="0" algn="ctr">
+              <a:defRPr sz="2133"/>
+            </a:lvl4pPr>
+            <a:lvl5pPr marL="2438339" indent="0" algn="ctr">
               <a:buNone/>
-              <a:defRPr sz="1800"/>
-            </a:lvl3pPr>
-            <a:lvl4pPr marL="1371600" indent="0" algn="ctr">
+              <a:defRPr sz="2133"/>
+            </a:lvl5pPr>
+            <a:lvl6pPr marL="3047924" indent="0" algn="ctr">
               <a:buNone/>
-              <a:defRPr sz="1600"/>
-            </a:lvl4pPr>
-            <a:lvl5pPr marL="1828800" indent="0" algn="ctr">
+              <a:defRPr sz="2133"/>
+            </a:lvl6pPr>
+            <a:lvl7pPr marL="3657509" indent="0" algn="ctr">
               <a:buNone/>
-              <a:defRPr sz="1600"/>
-            </a:lvl5pPr>
-            <a:lvl6pPr marL="2286000" indent="0" algn="ctr">
+              <a:defRPr sz="2133"/>
+            </a:lvl7pPr>
+            <a:lvl8pPr marL="4267093" indent="0" algn="ctr">
               <a:buNone/>
-              <a:defRPr sz="1600"/>
-            </a:lvl6pPr>
-            <a:lvl7pPr marL="2743200" indent="0" algn="ctr">
+              <a:defRPr sz="2133"/>
+            </a:lvl8pPr>
+            <a:lvl9pPr marL="4876678" indent="0" algn="ctr">
               <a:buNone/>
-              <a:defRPr sz="1600"/>
-            </a:lvl7pPr>
-            <a:lvl8pPr marL="3200400" indent="0" algn="ctr">
-              <a:buNone/>
-              <a:defRPr sz="1600"/>
-            </a:lvl8pPr>
-            <a:lvl9pPr marL="3657600" indent="0" algn="ctr">
-              <a:buNone/>
-              <a:defRPr sz="1600"/>
+              <a:defRPr sz="2133"/>
             </a:lvl9pPr>
           </a:lstStyle>
           <a:p>
             <a:r>
-              <a:rPr lang="en-GB"/>
+              <a:rPr lang="en-GB" dirty="0"/>
               <a:t>Click to edit Master subtitle style</a:t>
             </a:r>
-            <a:endParaRPr lang="en-US"/>
-          </a:p>
-        </p:txBody>
-      </p:sp>
-      <p:sp>
-        <p:nvSpPr>
-          <p:cNvPr id="4" name="Date Placeholder 3">
-            <a:extLst>
-              <a:ext uri="{FF2B5EF4-FFF2-40B4-BE49-F238E27FC236}">
-                <a16:creationId xmlns:a16="http://schemas.microsoft.com/office/drawing/2014/main" id="{F4DD86E3-FAD9-E646-94A8-4BCC3E1F1378}"/>
-              </a:ext>
-            </a:extLst>
-          </p:cNvPr>
+            <a:endParaRPr lang="en-US" dirty="0"/>
+          </a:p>
+        </p:txBody>
+      </p:sp>
+      <p:sp>
+        <p:nvSpPr>
+          <p:cNvPr id="4" name="Date Placeholder 3"/>
           <p:cNvSpPr>
             <a:spLocks noGrp="1"/>
           </p:cNvSpPr>
@@ -260,7 +244,7 @@
           <a:lstStyle/>
           <a:p>
             <a:fld id="{803220A4-8895-6D46-A558-2CE2469121C7}" type="datetimeFigureOut">
-              <a:t>4/4/20</a:t>
+              <a:t>4/5/20</a:t>
             </a:fld>
             <a:endParaRPr lang="en-US"/>
           </a:p>
@@ -268,13 +252,7 @@
       </p:sp>
       <p:sp>
         <p:nvSpPr>
-          <p:cNvPr id="5" name="Footer Placeholder 4">
-            <a:extLst>
-              <a:ext uri="{FF2B5EF4-FFF2-40B4-BE49-F238E27FC236}">
-                <a16:creationId xmlns:a16="http://schemas.microsoft.com/office/drawing/2014/main" id="{D5230401-F969-4D4F-B6A6-24AF5F18FFC5}"/>
-              </a:ext>
-            </a:extLst>
-          </p:cNvPr>
+          <p:cNvPr id="5" name="Footer Placeholder 4"/>
           <p:cNvSpPr>
             <a:spLocks noGrp="1"/>
           </p:cNvSpPr>
@@ -293,13 +271,7 @@
       </p:sp>
       <p:sp>
         <p:nvSpPr>
-          <p:cNvPr id="6" name="Slide Number Placeholder 5">
-            <a:extLst>
-              <a:ext uri="{FF2B5EF4-FFF2-40B4-BE49-F238E27FC236}">
-                <a16:creationId xmlns:a16="http://schemas.microsoft.com/office/drawing/2014/main" id="{D5535BF6-5143-BA4B-BD8B-FE8C94AD44E0}"/>
-              </a:ext>
-            </a:extLst>
-          </p:cNvPr>
+          <p:cNvPr id="6" name="Slide Number Placeholder 5"/>
           <p:cNvSpPr>
             <a:spLocks noGrp="1"/>
           </p:cNvSpPr>
@@ -313,16 +285,17 @@
           <a:lstStyle/>
           <a:p>
             <a:fld id="{CA186770-BDC0-7C42-8FD8-C80074263C29}" type="slidenum">
+              <a:rPr lang="en-GB"/>
               <a:t>‹#›</a:t>
             </a:fld>
-            <a:endParaRPr lang="en-US"/>
+            <a:endParaRPr lang="en-GB"/>
           </a:p>
         </p:txBody>
       </p:sp>
     </p:spTree>
     <p:extLst>
       <p:ext uri="{BB962C8B-B14F-4D97-AF65-F5344CB8AC3E}">
-        <p14:creationId xmlns:p14="http://schemas.microsoft.com/office/powerpoint/2010/main" val="451543112"/>
+        <p14:creationId xmlns:p14="http://schemas.microsoft.com/office/powerpoint/2010/main" val="955740006"/>
       </p:ext>
     </p:extLst>
   </p:cSld>
@@ -351,13 +324,7 @@
       </p:grpSpPr>
       <p:sp>
         <p:nvSpPr>
-          <p:cNvPr id="2" name="Title 1">
-            <a:extLst>
-              <a:ext uri="{FF2B5EF4-FFF2-40B4-BE49-F238E27FC236}">
-                <a16:creationId xmlns:a16="http://schemas.microsoft.com/office/drawing/2014/main" id="{A282398C-DFB3-1D4A-BAD9-62D6838169A7}"/>
-              </a:ext>
-            </a:extLst>
-          </p:cNvPr>
+          <p:cNvPr id="2" name="Title 1"/>
           <p:cNvSpPr>
             <a:spLocks noGrp="1"/>
           </p:cNvSpPr>
@@ -371,22 +338,16 @@
           <a:lstStyle/>
           <a:p>
             <a:r>
-              <a:rPr lang="en-GB"/>
+              <a:rPr lang="en-GB" dirty="0"/>
               <a:t>Click to edit Master title style</a:t>
             </a:r>
-            <a:endParaRPr lang="en-US"/>
-          </a:p>
-        </p:txBody>
-      </p:sp>
-      <p:sp>
-        <p:nvSpPr>
-          <p:cNvPr id="3" name="Vertical Text Placeholder 2">
-            <a:extLst>
-              <a:ext uri="{FF2B5EF4-FFF2-40B4-BE49-F238E27FC236}">
-                <a16:creationId xmlns:a16="http://schemas.microsoft.com/office/drawing/2014/main" id="{12ACAD34-5672-EE4E-A048-787D62EC60D7}"/>
-              </a:ext>
-            </a:extLst>
-          </p:cNvPr>
+            <a:endParaRPr lang="en-US" dirty="0"/>
+          </a:p>
+        </p:txBody>
+      </p:sp>
+      <p:sp>
+        <p:nvSpPr>
+          <p:cNvPr id="3" name="Vertical Text Placeholder 2"/>
           <p:cNvSpPr>
             <a:spLocks noGrp="1"/>
           </p:cNvSpPr>
@@ -401,50 +362,44 @@
           <a:p>
             <a:pPr lvl="0"/>
             <a:r>
-              <a:rPr lang="en-GB"/>
+              <a:rPr lang="en-GB" dirty="0"/>
               <a:t>Click to edit Master text styles</a:t>
             </a:r>
           </a:p>
           <a:p>
             <a:pPr lvl="1"/>
             <a:r>
-              <a:rPr lang="en-GB"/>
+              <a:rPr lang="en-GB" dirty="0"/>
               <a:t>Second level</a:t>
             </a:r>
           </a:p>
           <a:p>
             <a:pPr lvl="2"/>
             <a:r>
-              <a:rPr lang="en-GB"/>
+              <a:rPr lang="en-GB" dirty="0"/>
               <a:t>Third level</a:t>
             </a:r>
           </a:p>
           <a:p>
             <a:pPr lvl="3"/>
             <a:r>
-              <a:rPr lang="en-GB"/>
+              <a:rPr lang="en-GB" dirty="0"/>
               <a:t>Fourth level</a:t>
             </a:r>
           </a:p>
           <a:p>
             <a:pPr lvl="4"/>
             <a:r>
-              <a:rPr lang="en-GB"/>
+              <a:rPr lang="en-GB" dirty="0"/>
               <a:t>Fifth level</a:t>
             </a:r>
-            <a:endParaRPr lang="en-US"/>
-          </a:p>
-        </p:txBody>
-      </p:sp>
-      <p:sp>
-        <p:nvSpPr>
-          <p:cNvPr id="4" name="Date Placeholder 3">
-            <a:extLst>
-              <a:ext uri="{FF2B5EF4-FFF2-40B4-BE49-F238E27FC236}">
-                <a16:creationId xmlns:a16="http://schemas.microsoft.com/office/drawing/2014/main" id="{C72D835F-1AAE-9745-B92B-10C60DD32048}"/>
-              </a:ext>
-            </a:extLst>
-          </p:cNvPr>
+            <a:endParaRPr lang="en-US" dirty="0"/>
+          </a:p>
+        </p:txBody>
+      </p:sp>
+      <p:sp>
+        <p:nvSpPr>
+          <p:cNvPr id="4" name="Date Placeholder 3"/>
           <p:cNvSpPr>
             <a:spLocks noGrp="1"/>
           </p:cNvSpPr>
@@ -458,7 +413,7 @@
           <a:lstStyle/>
           <a:p>
             <a:fld id="{803220A4-8895-6D46-A558-2CE2469121C7}" type="datetimeFigureOut">
-              <a:t>4/4/20</a:t>
+              <a:t>4/5/20</a:t>
             </a:fld>
             <a:endParaRPr lang="en-US"/>
           </a:p>
@@ -466,13 +421,7 @@
       </p:sp>
       <p:sp>
         <p:nvSpPr>
-          <p:cNvPr id="5" name="Footer Placeholder 4">
-            <a:extLst>
-              <a:ext uri="{FF2B5EF4-FFF2-40B4-BE49-F238E27FC236}">
-                <a16:creationId xmlns:a16="http://schemas.microsoft.com/office/drawing/2014/main" id="{1E75D5E8-A9FE-A04A-82A2-826E5B5DAE07}"/>
-              </a:ext>
-            </a:extLst>
-          </p:cNvPr>
+          <p:cNvPr id="5" name="Footer Placeholder 4"/>
           <p:cNvSpPr>
             <a:spLocks noGrp="1"/>
           </p:cNvSpPr>
@@ -491,13 +440,7 @@
       </p:sp>
       <p:sp>
         <p:nvSpPr>
-          <p:cNvPr id="6" name="Slide Number Placeholder 5">
-            <a:extLst>
-              <a:ext uri="{FF2B5EF4-FFF2-40B4-BE49-F238E27FC236}">
-                <a16:creationId xmlns:a16="http://schemas.microsoft.com/office/drawing/2014/main" id="{AEBFA986-56B0-CB49-B6ED-CA518BCBDB67}"/>
-              </a:ext>
-            </a:extLst>
-          </p:cNvPr>
+          <p:cNvPr id="6" name="Slide Number Placeholder 5"/>
           <p:cNvSpPr>
             <a:spLocks noGrp="1"/>
           </p:cNvSpPr>
@@ -511,16 +454,17 @@
           <a:lstStyle/>
           <a:p>
             <a:fld id="{CA186770-BDC0-7C42-8FD8-C80074263C29}" type="slidenum">
+              <a:rPr lang="en-GB"/>
               <a:t>‹#›</a:t>
             </a:fld>
-            <a:endParaRPr lang="en-US"/>
+            <a:endParaRPr lang="en-GB"/>
           </a:p>
         </p:txBody>
       </p:sp>
     </p:spTree>
     <p:extLst>
       <p:ext uri="{BB962C8B-B14F-4D97-AF65-F5344CB8AC3E}">
-        <p14:creationId xmlns:p14="http://schemas.microsoft.com/office/powerpoint/2010/main" val="2362477474"/>
+        <p14:creationId xmlns:p14="http://schemas.microsoft.com/office/powerpoint/2010/main" val="2142915460"/>
       </p:ext>
     </p:extLst>
   </p:cSld>
@@ -549,13 +493,7 @@
       </p:grpSpPr>
       <p:sp>
         <p:nvSpPr>
-          <p:cNvPr id="2" name="Vertical Title 1">
-            <a:extLst>
-              <a:ext uri="{FF2B5EF4-FFF2-40B4-BE49-F238E27FC236}">
-                <a16:creationId xmlns:a16="http://schemas.microsoft.com/office/drawing/2014/main" id="{138A8548-47F0-FA44-8AF7-353FF043D019}"/>
-              </a:ext>
-            </a:extLst>
-          </p:cNvPr>
+          <p:cNvPr id="2" name="Vertical Title 1"/>
           <p:cNvSpPr>
             <a:spLocks noGrp="1"/>
           </p:cNvSpPr>
@@ -565,8 +503,8 @@
         </p:nvSpPr>
         <p:spPr>
           <a:xfrm>
-            <a:off x="8724900" y="365125"/>
-            <a:ext cx="2628900" cy="5811838"/>
+            <a:off x="8724901" y="730250"/>
+            <a:ext cx="2628900" cy="11623676"/>
           </a:xfrm>
         </p:spPr>
         <p:txBody>
@@ -574,22 +512,16 @@
           <a:lstStyle/>
           <a:p>
             <a:r>
-              <a:rPr lang="en-GB"/>
+              <a:rPr lang="en-GB" dirty="0"/>
               <a:t>Click to edit Master title style</a:t>
             </a:r>
-            <a:endParaRPr lang="en-US"/>
-          </a:p>
-        </p:txBody>
-      </p:sp>
-      <p:sp>
-        <p:nvSpPr>
-          <p:cNvPr id="3" name="Vertical Text Placeholder 2">
-            <a:extLst>
-              <a:ext uri="{FF2B5EF4-FFF2-40B4-BE49-F238E27FC236}">
-                <a16:creationId xmlns:a16="http://schemas.microsoft.com/office/drawing/2014/main" id="{BB2C6E44-C6B1-CD44-867A-45593904F561}"/>
-              </a:ext>
-            </a:extLst>
-          </p:cNvPr>
+            <a:endParaRPr lang="en-US" dirty="0"/>
+          </a:p>
+        </p:txBody>
+      </p:sp>
+      <p:sp>
+        <p:nvSpPr>
+          <p:cNvPr id="3" name="Vertical Text Placeholder 2"/>
           <p:cNvSpPr>
             <a:spLocks noGrp="1"/>
           </p:cNvSpPr>
@@ -599,8 +531,8 @@
         </p:nvSpPr>
         <p:spPr>
           <a:xfrm>
-            <a:off x="838200" y="365125"/>
-            <a:ext cx="7734300" cy="5811838"/>
+            <a:off x="838201" y="730250"/>
+            <a:ext cx="7734300" cy="11623676"/>
           </a:xfrm>
         </p:spPr>
         <p:txBody>
@@ -609,50 +541,44 @@
           <a:p>
             <a:pPr lvl="0"/>
             <a:r>
-              <a:rPr lang="en-GB"/>
+              <a:rPr lang="en-GB" dirty="0"/>
               <a:t>Click to edit Master text styles</a:t>
             </a:r>
           </a:p>
           <a:p>
             <a:pPr lvl="1"/>
             <a:r>
-              <a:rPr lang="en-GB"/>
+              <a:rPr lang="en-GB" dirty="0"/>
               <a:t>Second level</a:t>
             </a:r>
           </a:p>
           <a:p>
             <a:pPr lvl="2"/>
             <a:r>
-              <a:rPr lang="en-GB"/>
+              <a:rPr lang="en-GB" dirty="0"/>
               <a:t>Third level</a:t>
             </a:r>
           </a:p>
           <a:p>
             <a:pPr lvl="3"/>
             <a:r>
-              <a:rPr lang="en-GB"/>
+              <a:rPr lang="en-GB" dirty="0"/>
               <a:t>Fourth level</a:t>
             </a:r>
           </a:p>
           <a:p>
             <a:pPr lvl="4"/>
             <a:r>
-              <a:rPr lang="en-GB"/>
+              <a:rPr lang="en-GB" dirty="0"/>
               <a:t>Fifth level</a:t>
             </a:r>
-            <a:endParaRPr lang="en-US"/>
-          </a:p>
-        </p:txBody>
-      </p:sp>
-      <p:sp>
-        <p:nvSpPr>
-          <p:cNvPr id="4" name="Date Placeholder 3">
-            <a:extLst>
-              <a:ext uri="{FF2B5EF4-FFF2-40B4-BE49-F238E27FC236}">
-                <a16:creationId xmlns:a16="http://schemas.microsoft.com/office/drawing/2014/main" id="{FE4F61CC-A8EA-BC48-9AB0-F341559CC503}"/>
-              </a:ext>
-            </a:extLst>
-          </p:cNvPr>
+            <a:endParaRPr lang="en-US" dirty="0"/>
+          </a:p>
+        </p:txBody>
+      </p:sp>
+      <p:sp>
+        <p:nvSpPr>
+          <p:cNvPr id="4" name="Date Placeholder 3"/>
           <p:cNvSpPr>
             <a:spLocks noGrp="1"/>
           </p:cNvSpPr>
@@ -666,7 +592,7 @@
           <a:lstStyle/>
           <a:p>
             <a:fld id="{803220A4-8895-6D46-A558-2CE2469121C7}" type="datetimeFigureOut">
-              <a:t>4/4/20</a:t>
+              <a:t>4/5/20</a:t>
             </a:fld>
             <a:endParaRPr lang="en-US"/>
           </a:p>
@@ -674,13 +600,7 @@
       </p:sp>
       <p:sp>
         <p:nvSpPr>
-          <p:cNvPr id="5" name="Footer Placeholder 4">
-            <a:extLst>
-              <a:ext uri="{FF2B5EF4-FFF2-40B4-BE49-F238E27FC236}">
-                <a16:creationId xmlns:a16="http://schemas.microsoft.com/office/drawing/2014/main" id="{E435CED1-B85A-344D-B54A-47A069D5FE1E}"/>
-              </a:ext>
-            </a:extLst>
-          </p:cNvPr>
+          <p:cNvPr id="5" name="Footer Placeholder 4"/>
           <p:cNvSpPr>
             <a:spLocks noGrp="1"/>
           </p:cNvSpPr>
@@ -699,13 +619,7 @@
       </p:sp>
       <p:sp>
         <p:nvSpPr>
-          <p:cNvPr id="6" name="Slide Number Placeholder 5">
-            <a:extLst>
-              <a:ext uri="{FF2B5EF4-FFF2-40B4-BE49-F238E27FC236}">
-                <a16:creationId xmlns:a16="http://schemas.microsoft.com/office/drawing/2014/main" id="{64D595B5-3C2F-2841-AEB9-ACE3D2EEE804}"/>
-              </a:ext>
-            </a:extLst>
-          </p:cNvPr>
+          <p:cNvPr id="6" name="Slide Number Placeholder 5"/>
           <p:cNvSpPr>
             <a:spLocks noGrp="1"/>
           </p:cNvSpPr>
@@ -719,16 +633,17 @@
           <a:lstStyle/>
           <a:p>
             <a:fld id="{CA186770-BDC0-7C42-8FD8-C80074263C29}" type="slidenum">
+              <a:rPr lang="en-GB"/>
               <a:t>‹#›</a:t>
             </a:fld>
-            <a:endParaRPr lang="en-US"/>
+            <a:endParaRPr lang="en-GB"/>
           </a:p>
         </p:txBody>
       </p:sp>
     </p:spTree>
     <p:extLst>
       <p:ext uri="{BB962C8B-B14F-4D97-AF65-F5344CB8AC3E}">
-        <p14:creationId xmlns:p14="http://schemas.microsoft.com/office/powerpoint/2010/main" val="2540894450"/>
+        <p14:creationId xmlns:p14="http://schemas.microsoft.com/office/powerpoint/2010/main" val="2984552087"/>
       </p:ext>
     </p:extLst>
   </p:cSld>
@@ -757,13 +672,7 @@
       </p:grpSpPr>
       <p:sp>
         <p:nvSpPr>
-          <p:cNvPr id="2" name="Title 1">
-            <a:extLst>
-              <a:ext uri="{FF2B5EF4-FFF2-40B4-BE49-F238E27FC236}">
-                <a16:creationId xmlns:a16="http://schemas.microsoft.com/office/drawing/2014/main" id="{3863C985-A22E-3540-A822-A173ED6F78ED}"/>
-              </a:ext>
-            </a:extLst>
-          </p:cNvPr>
+          <p:cNvPr id="2" name="Title 1"/>
           <p:cNvSpPr>
             <a:spLocks noGrp="1"/>
           </p:cNvSpPr>
@@ -777,22 +686,16 @@
           <a:lstStyle/>
           <a:p>
             <a:r>
-              <a:rPr lang="en-GB"/>
+              <a:rPr lang="en-GB" dirty="0"/>
               <a:t>Click to edit Master title style</a:t>
             </a:r>
-            <a:endParaRPr lang="en-US"/>
-          </a:p>
-        </p:txBody>
-      </p:sp>
-      <p:sp>
-        <p:nvSpPr>
-          <p:cNvPr id="3" name="Content Placeholder 2">
-            <a:extLst>
-              <a:ext uri="{FF2B5EF4-FFF2-40B4-BE49-F238E27FC236}">
-                <a16:creationId xmlns:a16="http://schemas.microsoft.com/office/drawing/2014/main" id="{26C85F07-B00C-C143-A213-D00D9907B861}"/>
-              </a:ext>
-            </a:extLst>
-          </p:cNvPr>
+            <a:endParaRPr lang="en-US" dirty="0"/>
+          </a:p>
+        </p:txBody>
+      </p:sp>
+      <p:sp>
+        <p:nvSpPr>
+          <p:cNvPr id="3" name="Content Placeholder 2"/>
           <p:cNvSpPr>
             <a:spLocks noGrp="1"/>
           </p:cNvSpPr>
@@ -807,50 +710,44 @@
           <a:p>
             <a:pPr lvl="0"/>
             <a:r>
-              <a:rPr lang="en-GB"/>
+              <a:rPr lang="en-GB" dirty="0"/>
               <a:t>Click to edit Master text styles</a:t>
             </a:r>
           </a:p>
           <a:p>
             <a:pPr lvl="1"/>
             <a:r>
-              <a:rPr lang="en-GB"/>
+              <a:rPr lang="en-GB" dirty="0"/>
               <a:t>Second level</a:t>
             </a:r>
           </a:p>
           <a:p>
             <a:pPr lvl="2"/>
             <a:r>
-              <a:rPr lang="en-GB"/>
+              <a:rPr lang="en-GB" dirty="0"/>
               <a:t>Third level</a:t>
             </a:r>
           </a:p>
           <a:p>
             <a:pPr lvl="3"/>
             <a:r>
-              <a:rPr lang="en-GB"/>
+              <a:rPr lang="en-GB" dirty="0"/>
               <a:t>Fourth level</a:t>
             </a:r>
           </a:p>
           <a:p>
             <a:pPr lvl="4"/>
             <a:r>
-              <a:rPr lang="en-GB"/>
+              <a:rPr lang="en-GB" dirty="0"/>
               <a:t>Fifth level</a:t>
             </a:r>
-            <a:endParaRPr lang="en-US"/>
-          </a:p>
-        </p:txBody>
-      </p:sp>
-      <p:sp>
-        <p:nvSpPr>
-          <p:cNvPr id="4" name="Date Placeholder 3">
-            <a:extLst>
-              <a:ext uri="{FF2B5EF4-FFF2-40B4-BE49-F238E27FC236}">
-                <a16:creationId xmlns:a16="http://schemas.microsoft.com/office/drawing/2014/main" id="{E8BD34B1-47EB-AE46-AC50-A985A5B583F4}"/>
-              </a:ext>
-            </a:extLst>
-          </p:cNvPr>
+            <a:endParaRPr lang="en-US" dirty="0"/>
+          </a:p>
+        </p:txBody>
+      </p:sp>
+      <p:sp>
+        <p:nvSpPr>
+          <p:cNvPr id="4" name="Date Placeholder 3"/>
           <p:cNvSpPr>
             <a:spLocks noGrp="1"/>
           </p:cNvSpPr>
@@ -864,7 +761,7 @@
           <a:lstStyle/>
           <a:p>
             <a:fld id="{803220A4-8895-6D46-A558-2CE2469121C7}" type="datetimeFigureOut">
-              <a:t>4/4/20</a:t>
+              <a:t>4/5/20</a:t>
             </a:fld>
             <a:endParaRPr lang="en-US"/>
           </a:p>
@@ -872,13 +769,7 @@
       </p:sp>
       <p:sp>
         <p:nvSpPr>
-          <p:cNvPr id="5" name="Footer Placeholder 4">
-            <a:extLst>
-              <a:ext uri="{FF2B5EF4-FFF2-40B4-BE49-F238E27FC236}">
-                <a16:creationId xmlns:a16="http://schemas.microsoft.com/office/drawing/2014/main" id="{DA16E501-E407-5E4A-81A0-5D719A57CB00}"/>
-              </a:ext>
-            </a:extLst>
-          </p:cNvPr>
+          <p:cNvPr id="5" name="Footer Placeholder 4"/>
           <p:cNvSpPr>
             <a:spLocks noGrp="1"/>
           </p:cNvSpPr>
@@ -897,13 +788,7 @@
       </p:sp>
       <p:sp>
         <p:nvSpPr>
-          <p:cNvPr id="6" name="Slide Number Placeholder 5">
-            <a:extLst>
-              <a:ext uri="{FF2B5EF4-FFF2-40B4-BE49-F238E27FC236}">
-                <a16:creationId xmlns:a16="http://schemas.microsoft.com/office/drawing/2014/main" id="{80106B63-5E80-3241-95A1-D06875FB2C04}"/>
-              </a:ext>
-            </a:extLst>
-          </p:cNvPr>
+          <p:cNvPr id="6" name="Slide Number Placeholder 5"/>
           <p:cNvSpPr>
             <a:spLocks noGrp="1"/>
           </p:cNvSpPr>
@@ -917,16 +802,17 @@
           <a:lstStyle/>
           <a:p>
             <a:fld id="{CA186770-BDC0-7C42-8FD8-C80074263C29}" type="slidenum">
+              <a:rPr lang="en-GB"/>
               <a:t>‹#›</a:t>
             </a:fld>
-            <a:endParaRPr lang="en-US"/>
+            <a:endParaRPr lang="en-GB"/>
           </a:p>
         </p:txBody>
       </p:sp>
     </p:spTree>
     <p:extLst>
       <p:ext uri="{BB962C8B-B14F-4D97-AF65-F5344CB8AC3E}">
-        <p14:creationId xmlns:p14="http://schemas.microsoft.com/office/powerpoint/2010/main" val="924412536"/>
+        <p14:creationId xmlns:p14="http://schemas.microsoft.com/office/powerpoint/2010/main" val="2084520833"/>
       </p:ext>
     </p:extLst>
   </p:cSld>
@@ -955,13 +841,7 @@
       </p:grpSpPr>
       <p:sp>
         <p:nvSpPr>
-          <p:cNvPr id="2" name="Title 1">
-            <a:extLst>
-              <a:ext uri="{FF2B5EF4-FFF2-40B4-BE49-F238E27FC236}">
-                <a16:creationId xmlns:a16="http://schemas.microsoft.com/office/drawing/2014/main" id="{6AA109AE-8F3B-4A48-A984-D1F293D51BC0}"/>
-              </a:ext>
-            </a:extLst>
-          </p:cNvPr>
+          <p:cNvPr id="2" name="Title 1"/>
           <p:cNvSpPr>
             <a:spLocks noGrp="1"/>
           </p:cNvSpPr>
@@ -971,35 +851,29 @@
         </p:nvSpPr>
         <p:spPr>
           <a:xfrm>
-            <a:off x="831850" y="1709738"/>
-            <a:ext cx="10515600" cy="2852737"/>
+            <a:off x="831851" y="3419479"/>
+            <a:ext cx="10515600" cy="5705474"/>
           </a:xfrm>
         </p:spPr>
         <p:txBody>
           <a:bodyPr anchor="b"/>
           <a:lstStyle>
             <a:lvl1pPr>
-              <a:defRPr sz="6000"/>
+              <a:defRPr sz="8000"/>
             </a:lvl1pPr>
           </a:lstStyle>
           <a:p>
             <a:r>
-              <a:rPr lang="en-GB"/>
+              <a:rPr lang="en-GB" dirty="0"/>
               <a:t>Click to edit Master title style</a:t>
             </a:r>
-            <a:endParaRPr lang="en-US"/>
-          </a:p>
-        </p:txBody>
-      </p:sp>
-      <p:sp>
-        <p:nvSpPr>
-          <p:cNvPr id="3" name="Text Placeholder 2">
-            <a:extLst>
-              <a:ext uri="{FF2B5EF4-FFF2-40B4-BE49-F238E27FC236}">
-                <a16:creationId xmlns:a16="http://schemas.microsoft.com/office/drawing/2014/main" id="{836D456D-E00A-9547-8D66-4B333059F805}"/>
-              </a:ext>
-            </a:extLst>
-          </p:cNvPr>
+            <a:endParaRPr lang="en-US" dirty="0"/>
+          </a:p>
+        </p:txBody>
+      </p:sp>
+      <p:sp>
+        <p:nvSpPr>
+          <p:cNvPr id="3" name="Text Placeholder 2"/>
           <p:cNvSpPr>
             <a:spLocks noGrp="1"/>
           </p:cNvSpPr>
@@ -1009,14 +883,32 @@
         </p:nvSpPr>
         <p:spPr>
           <a:xfrm>
-            <a:off x="831850" y="4589463"/>
-            <a:ext cx="10515600" cy="1500187"/>
+            <a:off x="831851" y="9178929"/>
+            <a:ext cx="10515600" cy="3000374"/>
           </a:xfrm>
         </p:spPr>
         <p:txBody>
           <a:bodyPr/>
           <a:lstStyle>
             <a:lvl1pPr marL="0" indent="0">
+              <a:buNone/>
+              <a:defRPr sz="3200">
+                <a:solidFill>
+                  <a:schemeClr val="tx1"/>
+                </a:solidFill>
+              </a:defRPr>
+            </a:lvl1pPr>
+            <a:lvl2pPr marL="609585" indent="0">
+              <a:buNone/>
+              <a:defRPr sz="2667">
+                <a:solidFill>
+                  <a:schemeClr val="tx1">
+                    <a:tint val="75000"/>
+                  </a:schemeClr>
+                </a:solidFill>
+              </a:defRPr>
+            </a:lvl2pPr>
+            <a:lvl3pPr marL="1219170" indent="0">
               <a:buNone/>
               <a:defRPr sz="2400">
                 <a:solidFill>
@@ -1025,30 +917,10 @@
                   </a:schemeClr>
                 </a:solidFill>
               </a:defRPr>
-            </a:lvl1pPr>
-            <a:lvl2pPr marL="457200" indent="0">
+            </a:lvl3pPr>
+            <a:lvl4pPr marL="1828754" indent="0">
               <a:buNone/>
-              <a:defRPr sz="2000">
-                <a:solidFill>
-                  <a:schemeClr val="tx1">
-                    <a:tint val="75000"/>
-                  </a:schemeClr>
-                </a:solidFill>
-              </a:defRPr>
-            </a:lvl2pPr>
-            <a:lvl3pPr marL="914400" indent="0">
-              <a:buNone/>
-              <a:defRPr sz="1800">
-                <a:solidFill>
-                  <a:schemeClr val="tx1">
-                    <a:tint val="75000"/>
-                  </a:schemeClr>
-                </a:solidFill>
-              </a:defRPr>
-            </a:lvl3pPr>
-            <a:lvl4pPr marL="1371600" indent="0">
-              <a:buNone/>
-              <a:defRPr sz="1600">
+              <a:defRPr sz="2133">
                 <a:solidFill>
                   <a:schemeClr val="tx1">
                     <a:tint val="75000"/>
@@ -1056,9 +928,9 @@
                 </a:solidFill>
               </a:defRPr>
             </a:lvl4pPr>
-            <a:lvl5pPr marL="1828800" indent="0">
+            <a:lvl5pPr marL="2438339" indent="0">
               <a:buNone/>
-              <a:defRPr sz="1600">
+              <a:defRPr sz="2133">
                 <a:solidFill>
                   <a:schemeClr val="tx1">
                     <a:tint val="75000"/>
@@ -1066,9 +938,9 @@
                 </a:solidFill>
               </a:defRPr>
             </a:lvl5pPr>
-            <a:lvl6pPr marL="2286000" indent="0">
+            <a:lvl6pPr marL="3047924" indent="0">
               <a:buNone/>
-              <a:defRPr sz="1600">
+              <a:defRPr sz="2133">
                 <a:solidFill>
                   <a:schemeClr val="tx1">
                     <a:tint val="75000"/>
@@ -1076,9 +948,9 @@
                 </a:solidFill>
               </a:defRPr>
             </a:lvl6pPr>
-            <a:lvl7pPr marL="2743200" indent="0">
+            <a:lvl7pPr marL="3657509" indent="0">
               <a:buNone/>
-              <a:defRPr sz="1600">
+              <a:defRPr sz="2133">
                 <a:solidFill>
                   <a:schemeClr val="tx1">
                     <a:tint val="75000"/>
@@ -1086,9 +958,9 @@
                 </a:solidFill>
               </a:defRPr>
             </a:lvl7pPr>
-            <a:lvl8pPr marL="3200400" indent="0">
+            <a:lvl8pPr marL="4267093" indent="0">
               <a:buNone/>
-              <a:defRPr sz="1600">
+              <a:defRPr sz="2133">
                 <a:solidFill>
                   <a:schemeClr val="tx1">
                     <a:tint val="75000"/>
@@ -1096,9 +968,9 @@
                 </a:solidFill>
               </a:defRPr>
             </a:lvl8pPr>
-            <a:lvl9pPr marL="3657600" indent="0">
+            <a:lvl9pPr marL="4876678" indent="0">
               <a:buNone/>
-              <a:defRPr sz="1600">
+              <a:defRPr sz="2133">
                 <a:solidFill>
                   <a:schemeClr val="tx1">
                     <a:tint val="75000"/>
@@ -1110,7 +982,7 @@
           <a:p>
             <a:pPr lvl="0"/>
             <a:r>
-              <a:rPr lang="en-GB"/>
+              <a:rPr lang="en-GB" dirty="0"/>
               <a:t>Click to edit Master text styles</a:t>
             </a:r>
           </a:p>
@@ -1118,13 +990,7 @@
       </p:sp>
       <p:sp>
         <p:nvSpPr>
-          <p:cNvPr id="4" name="Date Placeholder 3">
-            <a:extLst>
-              <a:ext uri="{FF2B5EF4-FFF2-40B4-BE49-F238E27FC236}">
-                <a16:creationId xmlns:a16="http://schemas.microsoft.com/office/drawing/2014/main" id="{F4E1F043-A54C-B74F-80B6-74396B94D6A4}"/>
-              </a:ext>
-            </a:extLst>
-          </p:cNvPr>
+          <p:cNvPr id="4" name="Date Placeholder 3"/>
           <p:cNvSpPr>
             <a:spLocks noGrp="1"/>
           </p:cNvSpPr>
@@ -1138,7 +1004,7 @@
           <a:lstStyle/>
           <a:p>
             <a:fld id="{803220A4-8895-6D46-A558-2CE2469121C7}" type="datetimeFigureOut">
-              <a:t>4/4/20</a:t>
+              <a:t>4/5/20</a:t>
             </a:fld>
             <a:endParaRPr lang="en-US"/>
           </a:p>
@@ -1146,13 +1012,7 @@
       </p:sp>
       <p:sp>
         <p:nvSpPr>
-          <p:cNvPr id="5" name="Footer Placeholder 4">
-            <a:extLst>
-              <a:ext uri="{FF2B5EF4-FFF2-40B4-BE49-F238E27FC236}">
-                <a16:creationId xmlns:a16="http://schemas.microsoft.com/office/drawing/2014/main" id="{207C4FCD-81D3-7847-A790-AE29A3B658F3}"/>
-              </a:ext>
-            </a:extLst>
-          </p:cNvPr>
+          <p:cNvPr id="5" name="Footer Placeholder 4"/>
           <p:cNvSpPr>
             <a:spLocks noGrp="1"/>
           </p:cNvSpPr>
@@ -1171,13 +1031,7 @@
       </p:sp>
       <p:sp>
         <p:nvSpPr>
-          <p:cNvPr id="6" name="Slide Number Placeholder 5">
-            <a:extLst>
-              <a:ext uri="{FF2B5EF4-FFF2-40B4-BE49-F238E27FC236}">
-                <a16:creationId xmlns:a16="http://schemas.microsoft.com/office/drawing/2014/main" id="{8755971C-9615-2648-B292-D93AD119B7A7}"/>
-              </a:ext>
-            </a:extLst>
-          </p:cNvPr>
+          <p:cNvPr id="6" name="Slide Number Placeholder 5"/>
           <p:cNvSpPr>
             <a:spLocks noGrp="1"/>
           </p:cNvSpPr>
@@ -1191,16 +1045,17 @@
           <a:lstStyle/>
           <a:p>
             <a:fld id="{CA186770-BDC0-7C42-8FD8-C80074263C29}" type="slidenum">
+              <a:rPr lang="en-GB"/>
               <a:t>‹#›</a:t>
             </a:fld>
-            <a:endParaRPr lang="en-US"/>
+            <a:endParaRPr lang="en-GB"/>
           </a:p>
         </p:txBody>
       </p:sp>
     </p:spTree>
     <p:extLst>
       <p:ext uri="{BB962C8B-B14F-4D97-AF65-F5344CB8AC3E}">
-        <p14:creationId xmlns:p14="http://schemas.microsoft.com/office/powerpoint/2010/main" val="3356672403"/>
+        <p14:creationId xmlns:p14="http://schemas.microsoft.com/office/powerpoint/2010/main" val="2333202691"/>
       </p:ext>
     </p:extLst>
   </p:cSld>
@@ -1229,13 +1084,7 @@
       </p:grpSpPr>
       <p:sp>
         <p:nvSpPr>
-          <p:cNvPr id="2" name="Title 1">
-            <a:extLst>
-              <a:ext uri="{FF2B5EF4-FFF2-40B4-BE49-F238E27FC236}">
-                <a16:creationId xmlns:a16="http://schemas.microsoft.com/office/drawing/2014/main" id="{436D17EC-F6B3-DE40-97F8-B548FA43CC20}"/>
-              </a:ext>
-            </a:extLst>
-          </p:cNvPr>
+          <p:cNvPr id="2" name="Title 1"/>
           <p:cNvSpPr>
             <a:spLocks noGrp="1"/>
           </p:cNvSpPr>
@@ -1249,22 +1098,16 @@
           <a:lstStyle/>
           <a:p>
             <a:r>
-              <a:rPr lang="en-GB"/>
+              <a:rPr lang="en-GB" dirty="0"/>
               <a:t>Click to edit Master title style</a:t>
             </a:r>
-            <a:endParaRPr lang="en-US"/>
-          </a:p>
-        </p:txBody>
-      </p:sp>
-      <p:sp>
-        <p:nvSpPr>
-          <p:cNvPr id="3" name="Content Placeholder 2">
-            <a:extLst>
-              <a:ext uri="{FF2B5EF4-FFF2-40B4-BE49-F238E27FC236}">
-                <a16:creationId xmlns:a16="http://schemas.microsoft.com/office/drawing/2014/main" id="{EA801E3A-67AB-F946-9A67-18E36E338C3A}"/>
-              </a:ext>
-            </a:extLst>
-          </p:cNvPr>
+            <a:endParaRPr lang="en-US" dirty="0"/>
+          </a:p>
+        </p:txBody>
+      </p:sp>
+      <p:sp>
+        <p:nvSpPr>
+          <p:cNvPr id="3" name="Content Placeholder 2"/>
           <p:cNvSpPr>
             <a:spLocks noGrp="1"/>
           </p:cNvSpPr>
@@ -1274,8 +1117,8 @@
         </p:nvSpPr>
         <p:spPr>
           <a:xfrm>
-            <a:off x="838200" y="1825625"/>
-            <a:ext cx="5181600" cy="4351338"/>
+            <a:off x="838200" y="3651250"/>
+            <a:ext cx="5181600" cy="8702676"/>
           </a:xfrm>
         </p:spPr>
         <p:txBody>
@@ -1284,50 +1127,44 @@
           <a:p>
             <a:pPr lvl="0"/>
             <a:r>
-              <a:rPr lang="en-GB"/>
+              <a:rPr lang="en-GB" dirty="0"/>
               <a:t>Click to edit Master text styles</a:t>
             </a:r>
           </a:p>
           <a:p>
             <a:pPr lvl="1"/>
             <a:r>
-              <a:rPr lang="en-GB"/>
+              <a:rPr lang="en-GB" dirty="0"/>
               <a:t>Second level</a:t>
             </a:r>
           </a:p>
           <a:p>
             <a:pPr lvl="2"/>
             <a:r>
-              <a:rPr lang="en-GB"/>
+              <a:rPr lang="en-GB" dirty="0"/>
               <a:t>Third level</a:t>
             </a:r>
           </a:p>
           <a:p>
             <a:pPr lvl="3"/>
             <a:r>
-              <a:rPr lang="en-GB"/>
+              <a:rPr lang="en-GB" dirty="0"/>
               <a:t>Fourth level</a:t>
             </a:r>
           </a:p>
           <a:p>
             <a:pPr lvl="4"/>
             <a:r>
-              <a:rPr lang="en-GB"/>
+              <a:rPr lang="en-GB" dirty="0"/>
               <a:t>Fifth level</a:t>
             </a:r>
-            <a:endParaRPr lang="en-US"/>
-          </a:p>
-        </p:txBody>
-      </p:sp>
-      <p:sp>
-        <p:nvSpPr>
-          <p:cNvPr id="4" name="Content Placeholder 3">
-            <a:extLst>
-              <a:ext uri="{FF2B5EF4-FFF2-40B4-BE49-F238E27FC236}">
-                <a16:creationId xmlns:a16="http://schemas.microsoft.com/office/drawing/2014/main" id="{BD17E673-C00F-8F41-A14B-C5113EB82128}"/>
-              </a:ext>
-            </a:extLst>
-          </p:cNvPr>
+            <a:endParaRPr lang="en-US" dirty="0"/>
+          </a:p>
+        </p:txBody>
+      </p:sp>
+      <p:sp>
+        <p:nvSpPr>
+          <p:cNvPr id="4" name="Content Placeholder 3"/>
           <p:cNvSpPr>
             <a:spLocks noGrp="1"/>
           </p:cNvSpPr>
@@ -1337,8 +1174,8 @@
         </p:nvSpPr>
         <p:spPr>
           <a:xfrm>
-            <a:off x="6172200" y="1825625"/>
-            <a:ext cx="5181600" cy="4351338"/>
+            <a:off x="6172200" y="3651250"/>
+            <a:ext cx="5181600" cy="8702676"/>
           </a:xfrm>
         </p:spPr>
         <p:txBody>
@@ -1347,50 +1184,44 @@
           <a:p>
             <a:pPr lvl="0"/>
             <a:r>
-              <a:rPr lang="en-GB"/>
+              <a:rPr lang="en-GB" dirty="0"/>
               <a:t>Click to edit Master text styles</a:t>
             </a:r>
           </a:p>
           <a:p>
             <a:pPr lvl="1"/>
             <a:r>
-              <a:rPr lang="en-GB"/>
+              <a:rPr lang="en-GB" dirty="0"/>
               <a:t>Second level</a:t>
             </a:r>
           </a:p>
           <a:p>
             <a:pPr lvl="2"/>
             <a:r>
-              <a:rPr lang="en-GB"/>
+              <a:rPr lang="en-GB" dirty="0"/>
               <a:t>Third level</a:t>
             </a:r>
           </a:p>
           <a:p>
             <a:pPr lvl="3"/>
             <a:r>
-              <a:rPr lang="en-GB"/>
+              <a:rPr lang="en-GB" dirty="0"/>
               <a:t>Fourth level</a:t>
             </a:r>
           </a:p>
           <a:p>
             <a:pPr lvl="4"/>
             <a:r>
-              <a:rPr lang="en-GB"/>
+              <a:rPr lang="en-GB" dirty="0"/>
               <a:t>Fifth level</a:t>
             </a:r>
-            <a:endParaRPr lang="en-US"/>
-          </a:p>
-        </p:txBody>
-      </p:sp>
-      <p:sp>
-        <p:nvSpPr>
-          <p:cNvPr id="5" name="Date Placeholder 4">
-            <a:extLst>
-              <a:ext uri="{FF2B5EF4-FFF2-40B4-BE49-F238E27FC236}">
-                <a16:creationId xmlns:a16="http://schemas.microsoft.com/office/drawing/2014/main" id="{7FF7CA02-A4E8-7847-ACD0-B5F0E2C6CC07}"/>
-              </a:ext>
-            </a:extLst>
-          </p:cNvPr>
+            <a:endParaRPr lang="en-US" dirty="0"/>
+          </a:p>
+        </p:txBody>
+      </p:sp>
+      <p:sp>
+        <p:nvSpPr>
+          <p:cNvPr id="5" name="Date Placeholder 4"/>
           <p:cNvSpPr>
             <a:spLocks noGrp="1"/>
           </p:cNvSpPr>
@@ -1404,7 +1235,7 @@
           <a:lstStyle/>
           <a:p>
             <a:fld id="{803220A4-8895-6D46-A558-2CE2469121C7}" type="datetimeFigureOut">
-              <a:t>4/4/20</a:t>
+              <a:t>4/5/20</a:t>
             </a:fld>
             <a:endParaRPr lang="en-US"/>
           </a:p>
@@ -1412,13 +1243,7 @@
       </p:sp>
       <p:sp>
         <p:nvSpPr>
-          <p:cNvPr id="6" name="Footer Placeholder 5">
-            <a:extLst>
-              <a:ext uri="{FF2B5EF4-FFF2-40B4-BE49-F238E27FC236}">
-                <a16:creationId xmlns:a16="http://schemas.microsoft.com/office/drawing/2014/main" id="{4261859F-14A2-6B42-BC27-2D0581483A7C}"/>
-              </a:ext>
-            </a:extLst>
-          </p:cNvPr>
+          <p:cNvPr id="6" name="Footer Placeholder 5"/>
           <p:cNvSpPr>
             <a:spLocks noGrp="1"/>
           </p:cNvSpPr>
@@ -1437,13 +1262,7 @@
       </p:sp>
       <p:sp>
         <p:nvSpPr>
-          <p:cNvPr id="7" name="Slide Number Placeholder 6">
-            <a:extLst>
-              <a:ext uri="{FF2B5EF4-FFF2-40B4-BE49-F238E27FC236}">
-                <a16:creationId xmlns:a16="http://schemas.microsoft.com/office/drawing/2014/main" id="{E7CB30CE-852E-2E45-86CD-5DE7AD3899AD}"/>
-              </a:ext>
-            </a:extLst>
-          </p:cNvPr>
+          <p:cNvPr id="7" name="Slide Number Placeholder 6"/>
           <p:cNvSpPr>
             <a:spLocks noGrp="1"/>
           </p:cNvSpPr>
@@ -1457,16 +1276,17 @@
           <a:lstStyle/>
           <a:p>
             <a:fld id="{CA186770-BDC0-7C42-8FD8-C80074263C29}" type="slidenum">
+              <a:rPr lang="en-GB"/>
               <a:t>‹#›</a:t>
             </a:fld>
-            <a:endParaRPr lang="en-US"/>
+            <a:endParaRPr lang="en-GB"/>
           </a:p>
         </p:txBody>
       </p:sp>
     </p:spTree>
     <p:extLst>
       <p:ext uri="{BB962C8B-B14F-4D97-AF65-F5344CB8AC3E}">
-        <p14:creationId xmlns:p14="http://schemas.microsoft.com/office/powerpoint/2010/main" val="1226531559"/>
+        <p14:creationId xmlns:p14="http://schemas.microsoft.com/office/powerpoint/2010/main" val="3049575160"/>
       </p:ext>
     </p:extLst>
   </p:cSld>
@@ -1495,13 +1315,7 @@
       </p:grpSpPr>
       <p:sp>
         <p:nvSpPr>
-          <p:cNvPr id="2" name="Title 1">
-            <a:extLst>
-              <a:ext uri="{FF2B5EF4-FFF2-40B4-BE49-F238E27FC236}">
-                <a16:creationId xmlns:a16="http://schemas.microsoft.com/office/drawing/2014/main" id="{F270A1C2-F168-5645-9E33-27B85A513E97}"/>
-              </a:ext>
-            </a:extLst>
-          </p:cNvPr>
+          <p:cNvPr id="2" name="Title 1"/>
           <p:cNvSpPr>
             <a:spLocks noGrp="1"/>
           </p:cNvSpPr>
@@ -1511,8 +1325,8 @@
         </p:nvSpPr>
         <p:spPr>
           <a:xfrm>
-            <a:off x="839788" y="365125"/>
-            <a:ext cx="10515600" cy="1325563"/>
+            <a:off x="839788" y="730253"/>
+            <a:ext cx="10515600" cy="2651126"/>
           </a:xfrm>
         </p:spPr>
         <p:txBody>
@@ -1520,22 +1334,16 @@
           <a:lstStyle/>
           <a:p>
             <a:r>
-              <a:rPr lang="en-GB"/>
+              <a:rPr lang="en-GB" dirty="0"/>
               <a:t>Click to edit Master title style</a:t>
             </a:r>
-            <a:endParaRPr lang="en-US"/>
-          </a:p>
-        </p:txBody>
-      </p:sp>
-      <p:sp>
-        <p:nvSpPr>
-          <p:cNvPr id="3" name="Text Placeholder 2">
-            <a:extLst>
-              <a:ext uri="{FF2B5EF4-FFF2-40B4-BE49-F238E27FC236}">
-                <a16:creationId xmlns:a16="http://schemas.microsoft.com/office/drawing/2014/main" id="{9DA21CFC-E845-0242-B55D-E378B5C4B6E9}"/>
-              </a:ext>
-            </a:extLst>
-          </p:cNvPr>
+            <a:endParaRPr lang="en-US" dirty="0"/>
+          </a:p>
+        </p:txBody>
+      </p:sp>
+      <p:sp>
+        <p:nvSpPr>
+          <p:cNvPr id="3" name="Text Placeholder 2"/>
           <p:cNvSpPr>
             <a:spLocks noGrp="1"/>
           </p:cNvSpPr>
@@ -1545,8 +1353,8 @@
         </p:nvSpPr>
         <p:spPr>
           <a:xfrm>
-            <a:off x="839788" y="1681163"/>
-            <a:ext cx="5157787" cy="823912"/>
+            <a:off x="839789" y="3362326"/>
+            <a:ext cx="5157787" cy="1647824"/>
           </a:xfrm>
         </p:spPr>
         <p:txBody>
@@ -1554,45 +1362,45 @@
           <a:lstStyle>
             <a:lvl1pPr marL="0" indent="0">
               <a:buNone/>
+              <a:defRPr sz="3200" b="1"/>
+            </a:lvl1pPr>
+            <a:lvl2pPr marL="609585" indent="0">
+              <a:buNone/>
+              <a:defRPr sz="2667" b="1"/>
+            </a:lvl2pPr>
+            <a:lvl3pPr marL="1219170" indent="0">
+              <a:buNone/>
               <a:defRPr sz="2400" b="1"/>
-            </a:lvl1pPr>
-            <a:lvl2pPr marL="457200" indent="0">
+            </a:lvl3pPr>
+            <a:lvl4pPr marL="1828754" indent="0">
               <a:buNone/>
-              <a:defRPr sz="2000" b="1"/>
-            </a:lvl2pPr>
-            <a:lvl3pPr marL="914400" indent="0">
+              <a:defRPr sz="2133" b="1"/>
+            </a:lvl4pPr>
+            <a:lvl5pPr marL="2438339" indent="0">
               <a:buNone/>
-              <a:defRPr sz="1800" b="1"/>
-            </a:lvl3pPr>
-            <a:lvl4pPr marL="1371600" indent="0">
+              <a:defRPr sz="2133" b="1"/>
+            </a:lvl5pPr>
+            <a:lvl6pPr marL="3047924" indent="0">
               <a:buNone/>
-              <a:defRPr sz="1600" b="1"/>
-            </a:lvl4pPr>
-            <a:lvl5pPr marL="1828800" indent="0">
+              <a:defRPr sz="2133" b="1"/>
+            </a:lvl6pPr>
+            <a:lvl7pPr marL="3657509" indent="0">
               <a:buNone/>
-              <a:defRPr sz="1600" b="1"/>
-            </a:lvl5pPr>
-            <a:lvl6pPr marL="2286000" indent="0">
+              <a:defRPr sz="2133" b="1"/>
+            </a:lvl7pPr>
+            <a:lvl8pPr marL="4267093" indent="0">
               <a:buNone/>
-              <a:defRPr sz="1600" b="1"/>
-            </a:lvl6pPr>
-            <a:lvl7pPr marL="2743200" indent="0">
+              <a:defRPr sz="2133" b="1"/>
+            </a:lvl8pPr>
+            <a:lvl9pPr marL="4876678" indent="0">
               <a:buNone/>
-              <a:defRPr sz="1600" b="1"/>
-            </a:lvl7pPr>
-            <a:lvl8pPr marL="3200400" indent="0">
-              <a:buNone/>
-              <a:defRPr sz="1600" b="1"/>
-            </a:lvl8pPr>
-            <a:lvl9pPr marL="3657600" indent="0">
-              <a:buNone/>
-              <a:defRPr sz="1600" b="1"/>
+              <a:defRPr sz="2133" b="1"/>
             </a:lvl9pPr>
           </a:lstStyle>
           <a:p>
             <a:pPr lvl="0"/>
             <a:r>
-              <a:rPr lang="en-GB"/>
+              <a:rPr lang="en-GB" dirty="0"/>
               <a:t>Click to edit Master text styles</a:t>
             </a:r>
           </a:p>
@@ -1600,13 +1408,7 @@
       </p:sp>
       <p:sp>
         <p:nvSpPr>
-          <p:cNvPr id="4" name="Content Placeholder 3">
-            <a:extLst>
-              <a:ext uri="{FF2B5EF4-FFF2-40B4-BE49-F238E27FC236}">
-                <a16:creationId xmlns:a16="http://schemas.microsoft.com/office/drawing/2014/main" id="{57149837-1E64-A244-8501-CAD26C4CDCD5}"/>
-              </a:ext>
-            </a:extLst>
-          </p:cNvPr>
+          <p:cNvPr id="4" name="Content Placeholder 3"/>
           <p:cNvSpPr>
             <a:spLocks noGrp="1"/>
           </p:cNvSpPr>
@@ -1616,8 +1418,8 @@
         </p:nvSpPr>
         <p:spPr>
           <a:xfrm>
-            <a:off x="839788" y="2505075"/>
-            <a:ext cx="5157787" cy="3684588"/>
+            <a:off x="839789" y="5010150"/>
+            <a:ext cx="5157787" cy="7369176"/>
           </a:xfrm>
         </p:spPr>
         <p:txBody>
@@ -1626,50 +1428,44 @@
           <a:p>
             <a:pPr lvl="0"/>
             <a:r>
-              <a:rPr lang="en-GB"/>
+              <a:rPr lang="en-GB" dirty="0"/>
               <a:t>Click to edit Master text styles</a:t>
             </a:r>
           </a:p>
           <a:p>
             <a:pPr lvl="1"/>
             <a:r>
-              <a:rPr lang="en-GB"/>
+              <a:rPr lang="en-GB" dirty="0"/>
               <a:t>Second level</a:t>
             </a:r>
           </a:p>
           <a:p>
             <a:pPr lvl="2"/>
             <a:r>
-              <a:rPr lang="en-GB"/>
+              <a:rPr lang="en-GB" dirty="0"/>
               <a:t>Third level</a:t>
             </a:r>
           </a:p>
           <a:p>
             <a:pPr lvl="3"/>
             <a:r>
-              <a:rPr lang="en-GB"/>
+              <a:rPr lang="en-GB" dirty="0"/>
               <a:t>Fourth level</a:t>
             </a:r>
           </a:p>
           <a:p>
             <a:pPr lvl="4"/>
             <a:r>
-              <a:rPr lang="en-GB"/>
+              <a:rPr lang="en-GB" dirty="0"/>
               <a:t>Fifth level</a:t>
             </a:r>
-            <a:endParaRPr lang="en-US"/>
-          </a:p>
-        </p:txBody>
-      </p:sp>
-      <p:sp>
-        <p:nvSpPr>
-          <p:cNvPr id="5" name="Text Placeholder 4">
-            <a:extLst>
-              <a:ext uri="{FF2B5EF4-FFF2-40B4-BE49-F238E27FC236}">
-                <a16:creationId xmlns:a16="http://schemas.microsoft.com/office/drawing/2014/main" id="{2492A53A-425C-8743-87AA-4A5BA3F865C0}"/>
-              </a:ext>
-            </a:extLst>
-          </p:cNvPr>
+            <a:endParaRPr lang="en-US" dirty="0"/>
+          </a:p>
+        </p:txBody>
+      </p:sp>
+      <p:sp>
+        <p:nvSpPr>
+          <p:cNvPr id="5" name="Text Placeholder 4"/>
           <p:cNvSpPr>
             <a:spLocks noGrp="1"/>
           </p:cNvSpPr>
@@ -1679,8 +1475,8 @@
         </p:nvSpPr>
         <p:spPr>
           <a:xfrm>
-            <a:off x="6172200" y="1681163"/>
-            <a:ext cx="5183188" cy="823912"/>
+            <a:off x="6172201" y="3362326"/>
+            <a:ext cx="5183188" cy="1647824"/>
           </a:xfrm>
         </p:spPr>
         <p:txBody>
@@ -1688,45 +1484,45 @@
           <a:lstStyle>
             <a:lvl1pPr marL="0" indent="0">
               <a:buNone/>
+              <a:defRPr sz="3200" b="1"/>
+            </a:lvl1pPr>
+            <a:lvl2pPr marL="609585" indent="0">
+              <a:buNone/>
+              <a:defRPr sz="2667" b="1"/>
+            </a:lvl2pPr>
+            <a:lvl3pPr marL="1219170" indent="0">
+              <a:buNone/>
               <a:defRPr sz="2400" b="1"/>
-            </a:lvl1pPr>
-            <a:lvl2pPr marL="457200" indent="0">
+            </a:lvl3pPr>
+            <a:lvl4pPr marL="1828754" indent="0">
               <a:buNone/>
-              <a:defRPr sz="2000" b="1"/>
-            </a:lvl2pPr>
-            <a:lvl3pPr marL="914400" indent="0">
+              <a:defRPr sz="2133" b="1"/>
+            </a:lvl4pPr>
+            <a:lvl5pPr marL="2438339" indent="0">
               <a:buNone/>
-              <a:defRPr sz="1800" b="1"/>
-            </a:lvl3pPr>
-            <a:lvl4pPr marL="1371600" indent="0">
+              <a:defRPr sz="2133" b="1"/>
+            </a:lvl5pPr>
+            <a:lvl6pPr marL="3047924" indent="0">
               <a:buNone/>
-              <a:defRPr sz="1600" b="1"/>
-            </a:lvl4pPr>
-            <a:lvl5pPr marL="1828800" indent="0">
+              <a:defRPr sz="2133" b="1"/>
+            </a:lvl6pPr>
+            <a:lvl7pPr marL="3657509" indent="0">
               <a:buNone/>
-              <a:defRPr sz="1600" b="1"/>
-            </a:lvl5pPr>
-            <a:lvl6pPr marL="2286000" indent="0">
+              <a:defRPr sz="2133" b="1"/>
+            </a:lvl7pPr>
+            <a:lvl8pPr marL="4267093" indent="0">
               <a:buNone/>
-              <a:defRPr sz="1600" b="1"/>
-            </a:lvl6pPr>
-            <a:lvl7pPr marL="2743200" indent="0">
+              <a:defRPr sz="2133" b="1"/>
+            </a:lvl8pPr>
+            <a:lvl9pPr marL="4876678" indent="0">
               <a:buNone/>
-              <a:defRPr sz="1600" b="1"/>
-            </a:lvl7pPr>
-            <a:lvl8pPr marL="3200400" indent="0">
-              <a:buNone/>
-              <a:defRPr sz="1600" b="1"/>
-            </a:lvl8pPr>
-            <a:lvl9pPr marL="3657600" indent="0">
-              <a:buNone/>
-              <a:defRPr sz="1600" b="1"/>
+              <a:defRPr sz="2133" b="1"/>
             </a:lvl9pPr>
           </a:lstStyle>
           <a:p>
             <a:pPr lvl="0"/>
             <a:r>
-              <a:rPr lang="en-GB"/>
+              <a:rPr lang="en-GB" dirty="0"/>
               <a:t>Click to edit Master text styles</a:t>
             </a:r>
           </a:p>
@@ -1734,13 +1530,7 @@
       </p:sp>
       <p:sp>
         <p:nvSpPr>
-          <p:cNvPr id="6" name="Content Placeholder 5">
-            <a:extLst>
-              <a:ext uri="{FF2B5EF4-FFF2-40B4-BE49-F238E27FC236}">
-                <a16:creationId xmlns:a16="http://schemas.microsoft.com/office/drawing/2014/main" id="{4419D406-7DA2-F946-AC16-B387E5EC2BED}"/>
-              </a:ext>
-            </a:extLst>
-          </p:cNvPr>
+          <p:cNvPr id="6" name="Content Placeholder 5"/>
           <p:cNvSpPr>
             <a:spLocks noGrp="1"/>
           </p:cNvSpPr>
@@ -1750,8 +1540,8 @@
         </p:nvSpPr>
         <p:spPr>
           <a:xfrm>
-            <a:off x="6172200" y="2505075"/>
-            <a:ext cx="5183188" cy="3684588"/>
+            <a:off x="6172201" y="5010150"/>
+            <a:ext cx="5183188" cy="7369176"/>
           </a:xfrm>
         </p:spPr>
         <p:txBody>
@@ -1760,50 +1550,44 @@
           <a:p>
             <a:pPr lvl="0"/>
             <a:r>
-              <a:rPr lang="en-GB"/>
+              <a:rPr lang="en-GB" dirty="0"/>
               <a:t>Click to edit Master text styles</a:t>
             </a:r>
           </a:p>
           <a:p>
             <a:pPr lvl="1"/>
             <a:r>
-              <a:rPr lang="en-GB"/>
+              <a:rPr lang="en-GB" dirty="0"/>
               <a:t>Second level</a:t>
             </a:r>
           </a:p>
           <a:p>
             <a:pPr lvl="2"/>
             <a:r>
-              <a:rPr lang="en-GB"/>
+              <a:rPr lang="en-GB" dirty="0"/>
               <a:t>Third level</a:t>
             </a:r>
           </a:p>
           <a:p>
             <a:pPr lvl="3"/>
             <a:r>
-              <a:rPr lang="en-GB"/>
+              <a:rPr lang="en-GB" dirty="0"/>
               <a:t>Fourth level</a:t>
             </a:r>
           </a:p>
           <a:p>
             <a:pPr lvl="4"/>
             <a:r>
-              <a:rPr lang="en-GB"/>
+              <a:rPr lang="en-GB" dirty="0"/>
               <a:t>Fifth level</a:t>
             </a:r>
-            <a:endParaRPr lang="en-US"/>
-          </a:p>
-        </p:txBody>
-      </p:sp>
-      <p:sp>
-        <p:nvSpPr>
-          <p:cNvPr id="7" name="Date Placeholder 6">
-            <a:extLst>
-              <a:ext uri="{FF2B5EF4-FFF2-40B4-BE49-F238E27FC236}">
-                <a16:creationId xmlns:a16="http://schemas.microsoft.com/office/drawing/2014/main" id="{160DE8AF-07E7-244A-86A5-0F0046C5DBEE}"/>
-              </a:ext>
-            </a:extLst>
-          </p:cNvPr>
+            <a:endParaRPr lang="en-US" dirty="0"/>
+          </a:p>
+        </p:txBody>
+      </p:sp>
+      <p:sp>
+        <p:nvSpPr>
+          <p:cNvPr id="7" name="Date Placeholder 6"/>
           <p:cNvSpPr>
             <a:spLocks noGrp="1"/>
           </p:cNvSpPr>
@@ -1817,7 +1601,7 @@
           <a:lstStyle/>
           <a:p>
             <a:fld id="{803220A4-8895-6D46-A558-2CE2469121C7}" type="datetimeFigureOut">
-              <a:t>4/4/20</a:t>
+              <a:t>4/5/20</a:t>
             </a:fld>
             <a:endParaRPr lang="en-US"/>
           </a:p>
@@ -1825,13 +1609,7 @@
       </p:sp>
       <p:sp>
         <p:nvSpPr>
-          <p:cNvPr id="8" name="Footer Placeholder 7">
-            <a:extLst>
-              <a:ext uri="{FF2B5EF4-FFF2-40B4-BE49-F238E27FC236}">
-                <a16:creationId xmlns:a16="http://schemas.microsoft.com/office/drawing/2014/main" id="{D8F71A76-ADA4-D24B-8B76-7E6F72F16F71}"/>
-              </a:ext>
-            </a:extLst>
-          </p:cNvPr>
+          <p:cNvPr id="8" name="Footer Placeholder 7"/>
           <p:cNvSpPr>
             <a:spLocks noGrp="1"/>
           </p:cNvSpPr>
@@ -1850,13 +1628,7 @@
       </p:sp>
       <p:sp>
         <p:nvSpPr>
-          <p:cNvPr id="9" name="Slide Number Placeholder 8">
-            <a:extLst>
-              <a:ext uri="{FF2B5EF4-FFF2-40B4-BE49-F238E27FC236}">
-                <a16:creationId xmlns:a16="http://schemas.microsoft.com/office/drawing/2014/main" id="{8D68EFCE-64A7-6A49-8171-589B75D26855}"/>
-              </a:ext>
-            </a:extLst>
-          </p:cNvPr>
+          <p:cNvPr id="9" name="Slide Number Placeholder 8"/>
           <p:cNvSpPr>
             <a:spLocks noGrp="1"/>
           </p:cNvSpPr>
@@ -1870,16 +1642,17 @@
           <a:lstStyle/>
           <a:p>
             <a:fld id="{CA186770-BDC0-7C42-8FD8-C80074263C29}" type="slidenum">
+              <a:rPr lang="en-GB"/>
               <a:t>‹#›</a:t>
             </a:fld>
-            <a:endParaRPr lang="en-US"/>
+            <a:endParaRPr lang="en-GB"/>
           </a:p>
         </p:txBody>
       </p:sp>
     </p:spTree>
     <p:extLst>
       <p:ext uri="{BB962C8B-B14F-4D97-AF65-F5344CB8AC3E}">
-        <p14:creationId xmlns:p14="http://schemas.microsoft.com/office/powerpoint/2010/main" val="1819386376"/>
+        <p14:creationId xmlns:p14="http://schemas.microsoft.com/office/powerpoint/2010/main" val="645209440"/>
       </p:ext>
     </p:extLst>
   </p:cSld>
@@ -1908,13 +1681,7 @@
       </p:grpSpPr>
       <p:sp>
         <p:nvSpPr>
-          <p:cNvPr id="2" name="Title 1">
-            <a:extLst>
-              <a:ext uri="{FF2B5EF4-FFF2-40B4-BE49-F238E27FC236}">
-                <a16:creationId xmlns:a16="http://schemas.microsoft.com/office/drawing/2014/main" id="{59672753-BB1F-5D4A-994B-91B4E05675A5}"/>
-              </a:ext>
-            </a:extLst>
-          </p:cNvPr>
+          <p:cNvPr id="2" name="Title 1"/>
           <p:cNvSpPr>
             <a:spLocks noGrp="1"/>
           </p:cNvSpPr>
@@ -1928,22 +1695,16 @@
           <a:lstStyle/>
           <a:p>
             <a:r>
-              <a:rPr lang="en-GB"/>
+              <a:rPr lang="en-GB" dirty="0"/>
               <a:t>Click to edit Master title style</a:t>
             </a:r>
-            <a:endParaRPr lang="en-US"/>
-          </a:p>
-        </p:txBody>
-      </p:sp>
-      <p:sp>
-        <p:nvSpPr>
-          <p:cNvPr id="3" name="Date Placeholder 2">
-            <a:extLst>
-              <a:ext uri="{FF2B5EF4-FFF2-40B4-BE49-F238E27FC236}">
-                <a16:creationId xmlns:a16="http://schemas.microsoft.com/office/drawing/2014/main" id="{67623F92-19C4-224C-9824-41FF91112323}"/>
-              </a:ext>
-            </a:extLst>
-          </p:cNvPr>
+            <a:endParaRPr lang="en-US" dirty="0"/>
+          </a:p>
+        </p:txBody>
+      </p:sp>
+      <p:sp>
+        <p:nvSpPr>
+          <p:cNvPr id="3" name="Date Placeholder 2"/>
           <p:cNvSpPr>
             <a:spLocks noGrp="1"/>
           </p:cNvSpPr>
@@ -1957,7 +1718,7 @@
           <a:lstStyle/>
           <a:p>
             <a:fld id="{803220A4-8895-6D46-A558-2CE2469121C7}" type="datetimeFigureOut">
-              <a:t>4/4/20</a:t>
+              <a:t>4/5/20</a:t>
             </a:fld>
             <a:endParaRPr lang="en-US"/>
           </a:p>
@@ -1965,13 +1726,7 @@
       </p:sp>
       <p:sp>
         <p:nvSpPr>
-          <p:cNvPr id="4" name="Footer Placeholder 3">
-            <a:extLst>
-              <a:ext uri="{FF2B5EF4-FFF2-40B4-BE49-F238E27FC236}">
-                <a16:creationId xmlns:a16="http://schemas.microsoft.com/office/drawing/2014/main" id="{73F1E71D-7AC6-A545-B32E-5C0CE27B6A45}"/>
-              </a:ext>
-            </a:extLst>
-          </p:cNvPr>
+          <p:cNvPr id="4" name="Footer Placeholder 3"/>
           <p:cNvSpPr>
             <a:spLocks noGrp="1"/>
           </p:cNvSpPr>
@@ -1990,13 +1745,7 @@
       </p:sp>
       <p:sp>
         <p:nvSpPr>
-          <p:cNvPr id="5" name="Slide Number Placeholder 4">
-            <a:extLst>
-              <a:ext uri="{FF2B5EF4-FFF2-40B4-BE49-F238E27FC236}">
-                <a16:creationId xmlns:a16="http://schemas.microsoft.com/office/drawing/2014/main" id="{E9D0BA91-405E-F742-B0B0-30117F992F2C}"/>
-              </a:ext>
-            </a:extLst>
-          </p:cNvPr>
+          <p:cNvPr id="5" name="Slide Number Placeholder 4"/>
           <p:cNvSpPr>
             <a:spLocks noGrp="1"/>
           </p:cNvSpPr>
@@ -2010,16 +1759,17 @@
           <a:lstStyle/>
           <a:p>
             <a:fld id="{CA186770-BDC0-7C42-8FD8-C80074263C29}" type="slidenum">
+              <a:rPr lang="en-GB"/>
               <a:t>‹#›</a:t>
             </a:fld>
-            <a:endParaRPr lang="en-US"/>
+            <a:endParaRPr lang="en-GB"/>
           </a:p>
         </p:txBody>
       </p:sp>
     </p:spTree>
     <p:extLst>
       <p:ext uri="{BB962C8B-B14F-4D97-AF65-F5344CB8AC3E}">
-        <p14:creationId xmlns:p14="http://schemas.microsoft.com/office/powerpoint/2010/main" val="98830891"/>
+        <p14:creationId xmlns:p14="http://schemas.microsoft.com/office/powerpoint/2010/main" val="3726060413"/>
       </p:ext>
     </p:extLst>
   </p:cSld>
@@ -2048,13 +1798,7 @@
       </p:grpSpPr>
       <p:sp>
         <p:nvSpPr>
-          <p:cNvPr id="2" name="Date Placeholder 1">
-            <a:extLst>
-              <a:ext uri="{FF2B5EF4-FFF2-40B4-BE49-F238E27FC236}">
-                <a16:creationId xmlns:a16="http://schemas.microsoft.com/office/drawing/2014/main" id="{3357B15C-E4DE-2040-A127-2E2EB83BE939}"/>
-              </a:ext>
-            </a:extLst>
-          </p:cNvPr>
+          <p:cNvPr id="2" name="Date Placeholder 1"/>
           <p:cNvSpPr>
             <a:spLocks noGrp="1"/>
           </p:cNvSpPr>
@@ -2068,7 +1812,7 @@
           <a:lstStyle/>
           <a:p>
             <a:fld id="{803220A4-8895-6D46-A558-2CE2469121C7}" type="datetimeFigureOut">
-              <a:t>4/4/20</a:t>
+              <a:t>4/5/20</a:t>
             </a:fld>
             <a:endParaRPr lang="en-US"/>
           </a:p>
@@ -2076,13 +1820,7 @@
       </p:sp>
       <p:sp>
         <p:nvSpPr>
-          <p:cNvPr id="3" name="Footer Placeholder 2">
-            <a:extLst>
-              <a:ext uri="{FF2B5EF4-FFF2-40B4-BE49-F238E27FC236}">
-                <a16:creationId xmlns:a16="http://schemas.microsoft.com/office/drawing/2014/main" id="{9F9B5F66-A790-DC4B-8723-318CEBF2D36E}"/>
-              </a:ext>
-            </a:extLst>
-          </p:cNvPr>
+          <p:cNvPr id="3" name="Footer Placeholder 2"/>
           <p:cNvSpPr>
             <a:spLocks noGrp="1"/>
           </p:cNvSpPr>
@@ -2101,13 +1839,7 @@
       </p:sp>
       <p:sp>
         <p:nvSpPr>
-          <p:cNvPr id="4" name="Slide Number Placeholder 3">
-            <a:extLst>
-              <a:ext uri="{FF2B5EF4-FFF2-40B4-BE49-F238E27FC236}">
-                <a16:creationId xmlns:a16="http://schemas.microsoft.com/office/drawing/2014/main" id="{63D3D519-53C7-544E-BD7E-763AA5136DD3}"/>
-              </a:ext>
-            </a:extLst>
-          </p:cNvPr>
+          <p:cNvPr id="4" name="Slide Number Placeholder 3"/>
           <p:cNvSpPr>
             <a:spLocks noGrp="1"/>
           </p:cNvSpPr>
@@ -2121,16 +1853,17 @@
           <a:lstStyle/>
           <a:p>
             <a:fld id="{CA186770-BDC0-7C42-8FD8-C80074263C29}" type="slidenum">
+              <a:rPr lang="en-GB"/>
               <a:t>‹#›</a:t>
             </a:fld>
-            <a:endParaRPr lang="en-US"/>
+            <a:endParaRPr lang="en-GB"/>
           </a:p>
         </p:txBody>
       </p:sp>
     </p:spTree>
     <p:extLst>
       <p:ext uri="{BB962C8B-B14F-4D97-AF65-F5344CB8AC3E}">
-        <p14:creationId xmlns:p14="http://schemas.microsoft.com/office/powerpoint/2010/main" val="2618918057"/>
+        <p14:creationId xmlns:p14="http://schemas.microsoft.com/office/powerpoint/2010/main" val="1199673522"/>
       </p:ext>
     </p:extLst>
   </p:cSld>
@@ -2159,13 +1892,7 @@
       </p:grpSpPr>
       <p:sp>
         <p:nvSpPr>
-          <p:cNvPr id="2" name="Title 1">
-            <a:extLst>
-              <a:ext uri="{FF2B5EF4-FFF2-40B4-BE49-F238E27FC236}">
-                <a16:creationId xmlns:a16="http://schemas.microsoft.com/office/drawing/2014/main" id="{C3F0EAFC-3418-8746-A20D-7D9653E3ED9F}"/>
-              </a:ext>
-            </a:extLst>
-          </p:cNvPr>
+          <p:cNvPr id="2" name="Title 1"/>
           <p:cNvSpPr>
             <a:spLocks noGrp="1"/>
           </p:cNvSpPr>
@@ -2175,35 +1902,29 @@
         </p:nvSpPr>
         <p:spPr>
           <a:xfrm>
-            <a:off x="839788" y="457200"/>
-            <a:ext cx="3932237" cy="1600200"/>
+            <a:off x="839788" y="914400"/>
+            <a:ext cx="3932237" cy="3200400"/>
           </a:xfrm>
         </p:spPr>
         <p:txBody>
           <a:bodyPr anchor="b"/>
           <a:lstStyle>
             <a:lvl1pPr>
-              <a:defRPr sz="3200"/>
+              <a:defRPr sz="4267"/>
             </a:lvl1pPr>
           </a:lstStyle>
           <a:p>
             <a:r>
-              <a:rPr lang="en-GB"/>
+              <a:rPr lang="en-GB" dirty="0"/>
               <a:t>Click to edit Master title style</a:t>
             </a:r>
-            <a:endParaRPr lang="en-US"/>
-          </a:p>
-        </p:txBody>
-      </p:sp>
-      <p:sp>
-        <p:nvSpPr>
-          <p:cNvPr id="3" name="Content Placeholder 2">
-            <a:extLst>
-              <a:ext uri="{FF2B5EF4-FFF2-40B4-BE49-F238E27FC236}">
-                <a16:creationId xmlns:a16="http://schemas.microsoft.com/office/drawing/2014/main" id="{9859FF08-75F6-A547-A803-E7815AA18928}"/>
-              </a:ext>
-            </a:extLst>
-          </p:cNvPr>
+            <a:endParaRPr lang="en-US" dirty="0"/>
+          </a:p>
+        </p:txBody>
+      </p:sp>
+      <p:sp>
+        <p:nvSpPr>
+          <p:cNvPr id="3" name="Content Placeholder 2"/>
           <p:cNvSpPr>
             <a:spLocks noGrp="1"/>
           </p:cNvSpPr>
@@ -2213,88 +1934,82 @@
         </p:nvSpPr>
         <p:spPr>
           <a:xfrm>
-            <a:off x="5183188" y="987425"/>
-            <a:ext cx="6172200" cy="4873625"/>
+            <a:off x="5183188" y="1974853"/>
+            <a:ext cx="6172200" cy="9747250"/>
           </a:xfrm>
         </p:spPr>
         <p:txBody>
           <a:bodyPr/>
           <a:lstStyle>
             <a:lvl1pPr>
-              <a:defRPr sz="3200"/>
+              <a:defRPr sz="4267"/>
             </a:lvl1pPr>
             <a:lvl2pPr>
-              <a:defRPr sz="2800"/>
+              <a:defRPr sz="3733"/>
             </a:lvl2pPr>
             <a:lvl3pPr>
-              <a:defRPr sz="2400"/>
+              <a:defRPr sz="3200"/>
             </a:lvl3pPr>
             <a:lvl4pPr>
-              <a:defRPr sz="2000"/>
+              <a:defRPr sz="2667"/>
             </a:lvl4pPr>
             <a:lvl5pPr>
-              <a:defRPr sz="2000"/>
+              <a:defRPr sz="2667"/>
             </a:lvl5pPr>
             <a:lvl6pPr>
-              <a:defRPr sz="2000"/>
+              <a:defRPr sz="2667"/>
             </a:lvl6pPr>
             <a:lvl7pPr>
-              <a:defRPr sz="2000"/>
+              <a:defRPr sz="2667"/>
             </a:lvl7pPr>
             <a:lvl8pPr>
-              <a:defRPr sz="2000"/>
+              <a:defRPr sz="2667"/>
             </a:lvl8pPr>
             <a:lvl9pPr>
-              <a:defRPr sz="2000"/>
+              <a:defRPr sz="2667"/>
             </a:lvl9pPr>
           </a:lstStyle>
           <a:p>
             <a:pPr lvl="0"/>
             <a:r>
-              <a:rPr lang="en-GB"/>
+              <a:rPr lang="en-GB" dirty="0"/>
               <a:t>Click to edit Master text styles</a:t>
             </a:r>
           </a:p>
           <a:p>
             <a:pPr lvl="1"/>
             <a:r>
-              <a:rPr lang="en-GB"/>
+              <a:rPr lang="en-GB" dirty="0"/>
               <a:t>Second level</a:t>
             </a:r>
           </a:p>
           <a:p>
             <a:pPr lvl="2"/>
             <a:r>
-              <a:rPr lang="en-GB"/>
+              <a:rPr lang="en-GB" dirty="0"/>
               <a:t>Third level</a:t>
             </a:r>
           </a:p>
           <a:p>
             <a:pPr lvl="3"/>
             <a:r>
-              <a:rPr lang="en-GB"/>
+              <a:rPr lang="en-GB" dirty="0"/>
               <a:t>Fourth level</a:t>
             </a:r>
           </a:p>
           <a:p>
             <a:pPr lvl="4"/>
             <a:r>
-              <a:rPr lang="en-GB"/>
+              <a:rPr lang="en-GB" dirty="0"/>
               <a:t>Fifth level</a:t>
             </a:r>
-            <a:endParaRPr lang="en-US"/>
-          </a:p>
-        </p:txBody>
-      </p:sp>
-      <p:sp>
-        <p:nvSpPr>
-          <p:cNvPr id="4" name="Text Placeholder 3">
-            <a:extLst>
-              <a:ext uri="{FF2B5EF4-FFF2-40B4-BE49-F238E27FC236}">
-                <a16:creationId xmlns:a16="http://schemas.microsoft.com/office/drawing/2014/main" id="{5E41A5AE-BFB3-1546-8DB6-8D201040DEE5}"/>
-              </a:ext>
-            </a:extLst>
-          </p:cNvPr>
+            <a:endParaRPr lang="en-US" dirty="0"/>
+          </a:p>
+        </p:txBody>
+      </p:sp>
+      <p:sp>
+        <p:nvSpPr>
+          <p:cNvPr id="4" name="Text Placeholder 3"/>
           <p:cNvSpPr>
             <a:spLocks noGrp="1"/>
           </p:cNvSpPr>
@@ -2304,8 +2019,8 @@
         </p:nvSpPr>
         <p:spPr>
           <a:xfrm>
-            <a:off x="839788" y="2057400"/>
-            <a:ext cx="3932237" cy="3811588"/>
+            <a:off x="839788" y="4114800"/>
+            <a:ext cx="3932237" cy="7623176"/>
           </a:xfrm>
         </p:spPr>
         <p:txBody>
@@ -2313,45 +2028,45 @@
           <a:lstStyle>
             <a:lvl1pPr marL="0" indent="0">
               <a:buNone/>
+              <a:defRPr sz="2133"/>
+            </a:lvl1pPr>
+            <a:lvl2pPr marL="609585" indent="0">
+              <a:buNone/>
+              <a:defRPr sz="1867"/>
+            </a:lvl2pPr>
+            <a:lvl3pPr marL="1219170" indent="0">
+              <a:buNone/>
               <a:defRPr sz="1600"/>
-            </a:lvl1pPr>
-            <a:lvl2pPr marL="457200" indent="0">
+            </a:lvl3pPr>
+            <a:lvl4pPr marL="1828754" indent="0">
               <a:buNone/>
-              <a:defRPr sz="1400"/>
-            </a:lvl2pPr>
-            <a:lvl3pPr marL="914400" indent="0">
+              <a:defRPr sz="1333"/>
+            </a:lvl4pPr>
+            <a:lvl5pPr marL="2438339" indent="0">
               <a:buNone/>
-              <a:defRPr sz="1200"/>
-            </a:lvl3pPr>
-            <a:lvl4pPr marL="1371600" indent="0">
+              <a:defRPr sz="1333"/>
+            </a:lvl5pPr>
+            <a:lvl6pPr marL="3047924" indent="0">
               <a:buNone/>
-              <a:defRPr sz="1000"/>
-            </a:lvl4pPr>
-            <a:lvl5pPr marL="1828800" indent="0">
+              <a:defRPr sz="1333"/>
+            </a:lvl6pPr>
+            <a:lvl7pPr marL="3657509" indent="0">
               <a:buNone/>
-              <a:defRPr sz="1000"/>
-            </a:lvl5pPr>
-            <a:lvl6pPr marL="2286000" indent="0">
+              <a:defRPr sz="1333"/>
+            </a:lvl7pPr>
+            <a:lvl8pPr marL="4267093" indent="0">
               <a:buNone/>
-              <a:defRPr sz="1000"/>
-            </a:lvl6pPr>
-            <a:lvl7pPr marL="2743200" indent="0">
+              <a:defRPr sz="1333"/>
+            </a:lvl8pPr>
+            <a:lvl9pPr marL="4876678" indent="0">
               <a:buNone/>
-              <a:defRPr sz="1000"/>
-            </a:lvl7pPr>
-            <a:lvl8pPr marL="3200400" indent="0">
-              <a:buNone/>
-              <a:defRPr sz="1000"/>
-            </a:lvl8pPr>
-            <a:lvl9pPr marL="3657600" indent="0">
-              <a:buNone/>
-              <a:defRPr sz="1000"/>
+              <a:defRPr sz="1333"/>
             </a:lvl9pPr>
           </a:lstStyle>
           <a:p>
             <a:pPr lvl="0"/>
             <a:r>
-              <a:rPr lang="en-GB"/>
+              <a:rPr lang="en-GB" dirty="0"/>
               <a:t>Click to edit Master text styles</a:t>
             </a:r>
           </a:p>
@@ -2359,13 +2074,7 @@
       </p:sp>
       <p:sp>
         <p:nvSpPr>
-          <p:cNvPr id="5" name="Date Placeholder 4">
-            <a:extLst>
-              <a:ext uri="{FF2B5EF4-FFF2-40B4-BE49-F238E27FC236}">
-                <a16:creationId xmlns:a16="http://schemas.microsoft.com/office/drawing/2014/main" id="{D6C50B31-B36D-BC42-83FE-481DA3D21A81}"/>
-              </a:ext>
-            </a:extLst>
-          </p:cNvPr>
+          <p:cNvPr id="5" name="Date Placeholder 4"/>
           <p:cNvSpPr>
             <a:spLocks noGrp="1"/>
           </p:cNvSpPr>
@@ -2379,7 +2088,7 @@
           <a:lstStyle/>
           <a:p>
             <a:fld id="{803220A4-8895-6D46-A558-2CE2469121C7}" type="datetimeFigureOut">
-              <a:t>4/4/20</a:t>
+              <a:t>4/5/20</a:t>
             </a:fld>
             <a:endParaRPr lang="en-US"/>
           </a:p>
@@ -2387,13 +2096,7 @@
       </p:sp>
       <p:sp>
         <p:nvSpPr>
-          <p:cNvPr id="6" name="Footer Placeholder 5">
-            <a:extLst>
-              <a:ext uri="{FF2B5EF4-FFF2-40B4-BE49-F238E27FC236}">
-                <a16:creationId xmlns:a16="http://schemas.microsoft.com/office/drawing/2014/main" id="{8A9C3D08-10E8-B249-BF63-86C7D9BDF61C}"/>
-              </a:ext>
-            </a:extLst>
-          </p:cNvPr>
+          <p:cNvPr id="6" name="Footer Placeholder 5"/>
           <p:cNvSpPr>
             <a:spLocks noGrp="1"/>
           </p:cNvSpPr>
@@ -2412,13 +2115,7 @@
       </p:sp>
       <p:sp>
         <p:nvSpPr>
-          <p:cNvPr id="7" name="Slide Number Placeholder 6">
-            <a:extLst>
-              <a:ext uri="{FF2B5EF4-FFF2-40B4-BE49-F238E27FC236}">
-                <a16:creationId xmlns:a16="http://schemas.microsoft.com/office/drawing/2014/main" id="{B9FE1A43-EF21-714F-8221-122CC49DAD93}"/>
-              </a:ext>
-            </a:extLst>
-          </p:cNvPr>
+          <p:cNvPr id="7" name="Slide Number Placeholder 6"/>
           <p:cNvSpPr>
             <a:spLocks noGrp="1"/>
           </p:cNvSpPr>
@@ -2432,16 +2129,17 @@
           <a:lstStyle/>
           <a:p>
             <a:fld id="{CA186770-BDC0-7C42-8FD8-C80074263C29}" type="slidenum">
+              <a:rPr lang="en-GB"/>
               <a:t>‹#›</a:t>
             </a:fld>
-            <a:endParaRPr lang="en-US"/>
+            <a:endParaRPr lang="en-GB"/>
           </a:p>
         </p:txBody>
       </p:sp>
     </p:spTree>
     <p:extLst>
       <p:ext uri="{BB962C8B-B14F-4D97-AF65-F5344CB8AC3E}">
-        <p14:creationId xmlns:p14="http://schemas.microsoft.com/office/powerpoint/2010/main" val="4246891817"/>
+        <p14:creationId xmlns:p14="http://schemas.microsoft.com/office/powerpoint/2010/main" val="2709144475"/>
       </p:ext>
     </p:extLst>
   </p:cSld>
@@ -2470,13 +2168,7 @@
       </p:grpSpPr>
       <p:sp>
         <p:nvSpPr>
-          <p:cNvPr id="2" name="Title 1">
-            <a:extLst>
-              <a:ext uri="{FF2B5EF4-FFF2-40B4-BE49-F238E27FC236}">
-                <a16:creationId xmlns:a16="http://schemas.microsoft.com/office/drawing/2014/main" id="{90670FA1-C3B5-8F4E-8575-4A0C5407BA73}"/>
-              </a:ext>
-            </a:extLst>
-          </p:cNvPr>
+          <p:cNvPr id="2" name="Title 1"/>
           <p:cNvSpPr>
             <a:spLocks noGrp="1"/>
           </p:cNvSpPr>
@@ -2486,37 +2178,31 @@
         </p:nvSpPr>
         <p:spPr>
           <a:xfrm>
-            <a:off x="839788" y="457200"/>
-            <a:ext cx="3932237" cy="1600200"/>
+            <a:off x="839788" y="914400"/>
+            <a:ext cx="3932237" cy="3200400"/>
           </a:xfrm>
         </p:spPr>
         <p:txBody>
           <a:bodyPr anchor="b"/>
           <a:lstStyle>
             <a:lvl1pPr>
-              <a:defRPr sz="3200"/>
+              <a:defRPr sz="4267"/>
             </a:lvl1pPr>
           </a:lstStyle>
           <a:p>
             <a:r>
-              <a:rPr lang="en-GB"/>
+              <a:rPr lang="en-GB" dirty="0"/>
               <a:t>Click to edit Master title style</a:t>
             </a:r>
-            <a:endParaRPr lang="en-US"/>
-          </a:p>
-        </p:txBody>
-      </p:sp>
-      <p:sp>
-        <p:nvSpPr>
-          <p:cNvPr id="3" name="Picture Placeholder 2">
-            <a:extLst>
-              <a:ext uri="{FF2B5EF4-FFF2-40B4-BE49-F238E27FC236}">
-                <a16:creationId xmlns:a16="http://schemas.microsoft.com/office/drawing/2014/main" id="{D4CDAE20-FFB1-7644-82D3-EBA9BA317399}"/>
-              </a:ext>
-            </a:extLst>
-          </p:cNvPr>
+            <a:endParaRPr lang="en-US" dirty="0"/>
+          </a:p>
+        </p:txBody>
+      </p:sp>
+      <p:sp>
+        <p:nvSpPr>
+          <p:cNvPr id="3" name="Picture Placeholder 2"/>
           <p:cNvSpPr>
-            <a:spLocks noGrp="1"/>
+            <a:spLocks noGrp="1" noChangeAspect="1"/>
           </p:cNvSpPr>
           <p:nvPr>
             <p:ph type="pic" idx="1"/>
@@ -2524,64 +2210,62 @@
         </p:nvSpPr>
         <p:spPr>
           <a:xfrm>
-            <a:off x="5183188" y="987425"/>
-            <a:ext cx="6172200" cy="4873625"/>
-          </a:xfrm>
-        </p:spPr>
-        <p:txBody>
-          <a:bodyPr/>
+            <a:off x="5183188" y="1974853"/>
+            <a:ext cx="6172200" cy="9747250"/>
+          </a:xfrm>
+        </p:spPr>
+        <p:txBody>
+          <a:bodyPr anchor="t"/>
           <a:lstStyle>
             <a:lvl1pPr marL="0" indent="0">
               <a:buNone/>
+              <a:defRPr sz="4267"/>
+            </a:lvl1pPr>
+            <a:lvl2pPr marL="609585" indent="0">
+              <a:buNone/>
+              <a:defRPr sz="3733"/>
+            </a:lvl2pPr>
+            <a:lvl3pPr marL="1219170" indent="0">
+              <a:buNone/>
               <a:defRPr sz="3200"/>
-            </a:lvl1pPr>
-            <a:lvl2pPr marL="457200" indent="0">
+            </a:lvl3pPr>
+            <a:lvl4pPr marL="1828754" indent="0">
               <a:buNone/>
-              <a:defRPr sz="2800"/>
-            </a:lvl2pPr>
-            <a:lvl3pPr marL="914400" indent="0">
+              <a:defRPr sz="2667"/>
+            </a:lvl4pPr>
+            <a:lvl5pPr marL="2438339" indent="0">
               <a:buNone/>
-              <a:defRPr sz="2400"/>
-            </a:lvl3pPr>
-            <a:lvl4pPr marL="1371600" indent="0">
+              <a:defRPr sz="2667"/>
+            </a:lvl5pPr>
+            <a:lvl6pPr marL="3047924" indent="0">
               <a:buNone/>
-              <a:defRPr sz="2000"/>
-            </a:lvl4pPr>
-            <a:lvl5pPr marL="1828800" indent="0">
+              <a:defRPr sz="2667"/>
+            </a:lvl6pPr>
+            <a:lvl7pPr marL="3657509" indent="0">
               <a:buNone/>
-              <a:defRPr sz="2000"/>
-            </a:lvl5pPr>
-            <a:lvl6pPr marL="2286000" indent="0">
+              <a:defRPr sz="2667"/>
+            </a:lvl7pPr>
+            <a:lvl8pPr marL="4267093" indent="0">
               <a:buNone/>
-              <a:defRPr sz="2000"/>
-            </a:lvl6pPr>
-            <a:lvl7pPr marL="2743200" indent="0">
+              <a:defRPr sz="2667"/>
+            </a:lvl8pPr>
+            <a:lvl9pPr marL="4876678" indent="0">
               <a:buNone/>
-              <a:defRPr sz="2000"/>
-            </a:lvl7pPr>
-            <a:lvl8pPr marL="3200400" indent="0">
-              <a:buNone/>
-              <a:defRPr sz="2000"/>
-            </a:lvl8pPr>
-            <a:lvl9pPr marL="3657600" indent="0">
-              <a:buNone/>
-              <a:defRPr sz="2000"/>
+              <a:defRPr sz="2667"/>
             </a:lvl9pPr>
           </a:lstStyle>
           <a:p>
-            <a:endParaRPr lang="en-US"/>
-          </a:p>
-        </p:txBody>
-      </p:sp>
-      <p:sp>
-        <p:nvSpPr>
-          <p:cNvPr id="4" name="Text Placeholder 3">
-            <a:extLst>
-              <a:ext uri="{FF2B5EF4-FFF2-40B4-BE49-F238E27FC236}">
-                <a16:creationId xmlns:a16="http://schemas.microsoft.com/office/drawing/2014/main" id="{27EA7323-A129-9649-8813-D70E0CE14A87}"/>
-              </a:ext>
-            </a:extLst>
-          </p:cNvPr>
+            <a:r>
+              <a:rPr lang="en-GB" dirty="0"/>
+              <a:t>Click icon to add picture</a:t>
+            </a:r>
+            <a:endParaRPr lang="en-US" dirty="0"/>
+          </a:p>
+        </p:txBody>
+      </p:sp>
+      <p:sp>
+        <p:nvSpPr>
+          <p:cNvPr id="4" name="Text Placeholder 3"/>
           <p:cNvSpPr>
             <a:spLocks noGrp="1"/>
           </p:cNvSpPr>
@@ -2591,8 +2275,8 @@
         </p:nvSpPr>
         <p:spPr>
           <a:xfrm>
-            <a:off x="839788" y="2057400"/>
-            <a:ext cx="3932237" cy="3811588"/>
+            <a:off x="839788" y="4114800"/>
+            <a:ext cx="3932237" cy="7623176"/>
           </a:xfrm>
         </p:spPr>
         <p:txBody>
@@ -2600,45 +2284,45 @@
           <a:lstStyle>
             <a:lvl1pPr marL="0" indent="0">
               <a:buNone/>
+              <a:defRPr sz="2133"/>
+            </a:lvl1pPr>
+            <a:lvl2pPr marL="609585" indent="0">
+              <a:buNone/>
+              <a:defRPr sz="1867"/>
+            </a:lvl2pPr>
+            <a:lvl3pPr marL="1219170" indent="0">
+              <a:buNone/>
               <a:defRPr sz="1600"/>
-            </a:lvl1pPr>
-            <a:lvl2pPr marL="457200" indent="0">
+            </a:lvl3pPr>
+            <a:lvl4pPr marL="1828754" indent="0">
               <a:buNone/>
-              <a:defRPr sz="1400"/>
-            </a:lvl2pPr>
-            <a:lvl3pPr marL="914400" indent="0">
+              <a:defRPr sz="1333"/>
+            </a:lvl4pPr>
+            <a:lvl5pPr marL="2438339" indent="0">
               <a:buNone/>
-              <a:defRPr sz="1200"/>
-            </a:lvl3pPr>
-            <a:lvl4pPr marL="1371600" indent="0">
+              <a:defRPr sz="1333"/>
+            </a:lvl5pPr>
+            <a:lvl6pPr marL="3047924" indent="0">
               <a:buNone/>
-              <a:defRPr sz="1000"/>
-            </a:lvl4pPr>
-            <a:lvl5pPr marL="1828800" indent="0">
+              <a:defRPr sz="1333"/>
+            </a:lvl6pPr>
+            <a:lvl7pPr marL="3657509" indent="0">
               <a:buNone/>
-              <a:defRPr sz="1000"/>
-            </a:lvl5pPr>
-            <a:lvl6pPr marL="2286000" indent="0">
+              <a:defRPr sz="1333"/>
+            </a:lvl7pPr>
+            <a:lvl8pPr marL="4267093" indent="0">
               <a:buNone/>
-              <a:defRPr sz="1000"/>
-            </a:lvl6pPr>
-            <a:lvl7pPr marL="2743200" indent="0">
+              <a:defRPr sz="1333"/>
+            </a:lvl8pPr>
+            <a:lvl9pPr marL="4876678" indent="0">
               <a:buNone/>
-              <a:defRPr sz="1000"/>
-            </a:lvl7pPr>
-            <a:lvl8pPr marL="3200400" indent="0">
-              <a:buNone/>
-              <a:defRPr sz="1000"/>
-            </a:lvl8pPr>
-            <a:lvl9pPr marL="3657600" indent="0">
-              <a:buNone/>
-              <a:defRPr sz="1000"/>
+              <a:defRPr sz="1333"/>
             </a:lvl9pPr>
           </a:lstStyle>
           <a:p>
             <a:pPr lvl="0"/>
             <a:r>
-              <a:rPr lang="en-GB"/>
+              <a:rPr lang="en-GB" dirty="0"/>
               <a:t>Click to edit Master text styles</a:t>
             </a:r>
           </a:p>
@@ -2646,13 +2330,7 @@
       </p:sp>
       <p:sp>
         <p:nvSpPr>
-          <p:cNvPr id="5" name="Date Placeholder 4">
-            <a:extLst>
-              <a:ext uri="{FF2B5EF4-FFF2-40B4-BE49-F238E27FC236}">
-                <a16:creationId xmlns:a16="http://schemas.microsoft.com/office/drawing/2014/main" id="{85354E92-021B-2A41-AFC4-2132491D73F2}"/>
-              </a:ext>
-            </a:extLst>
-          </p:cNvPr>
+          <p:cNvPr id="5" name="Date Placeholder 4"/>
           <p:cNvSpPr>
             <a:spLocks noGrp="1"/>
           </p:cNvSpPr>
@@ -2666,7 +2344,7 @@
           <a:lstStyle/>
           <a:p>
             <a:fld id="{803220A4-8895-6D46-A558-2CE2469121C7}" type="datetimeFigureOut">
-              <a:t>4/4/20</a:t>
+              <a:t>4/5/20</a:t>
             </a:fld>
             <a:endParaRPr lang="en-US"/>
           </a:p>
@@ -2674,13 +2352,7 @@
       </p:sp>
       <p:sp>
         <p:nvSpPr>
-          <p:cNvPr id="6" name="Footer Placeholder 5">
-            <a:extLst>
-              <a:ext uri="{FF2B5EF4-FFF2-40B4-BE49-F238E27FC236}">
-                <a16:creationId xmlns:a16="http://schemas.microsoft.com/office/drawing/2014/main" id="{6A03CD65-02FD-DC4E-8246-0B64DA95A01E}"/>
-              </a:ext>
-            </a:extLst>
-          </p:cNvPr>
+          <p:cNvPr id="6" name="Footer Placeholder 5"/>
           <p:cNvSpPr>
             <a:spLocks noGrp="1"/>
           </p:cNvSpPr>
@@ -2699,13 +2371,7 @@
       </p:sp>
       <p:sp>
         <p:nvSpPr>
-          <p:cNvPr id="7" name="Slide Number Placeholder 6">
-            <a:extLst>
-              <a:ext uri="{FF2B5EF4-FFF2-40B4-BE49-F238E27FC236}">
-                <a16:creationId xmlns:a16="http://schemas.microsoft.com/office/drawing/2014/main" id="{A1A1BBE8-AFE6-5D46-B4D5-BCCCEC0DBF0F}"/>
-              </a:ext>
-            </a:extLst>
-          </p:cNvPr>
+          <p:cNvPr id="7" name="Slide Number Placeholder 6"/>
           <p:cNvSpPr>
             <a:spLocks noGrp="1"/>
           </p:cNvSpPr>
@@ -2719,16 +2385,17 @@
           <a:lstStyle/>
           <a:p>
             <a:fld id="{CA186770-BDC0-7C42-8FD8-C80074263C29}" type="slidenum">
+              <a:rPr lang="en-GB"/>
               <a:t>‹#›</a:t>
             </a:fld>
-            <a:endParaRPr lang="en-US"/>
+            <a:endParaRPr lang="en-GB"/>
           </a:p>
         </p:txBody>
       </p:sp>
     </p:spTree>
     <p:extLst>
       <p:ext uri="{BB962C8B-B14F-4D97-AF65-F5344CB8AC3E}">
-        <p14:creationId xmlns:p14="http://schemas.microsoft.com/office/powerpoint/2010/main" val="2092326320"/>
+        <p14:creationId xmlns:p14="http://schemas.microsoft.com/office/powerpoint/2010/main" val="206101354"/>
       </p:ext>
     </p:extLst>
   </p:cSld>
@@ -2762,13 +2429,7 @@
       </p:grpSpPr>
       <p:sp>
         <p:nvSpPr>
-          <p:cNvPr id="2" name="Title Placeholder 1">
-            <a:extLst>
-              <a:ext uri="{FF2B5EF4-FFF2-40B4-BE49-F238E27FC236}">
-                <a16:creationId xmlns:a16="http://schemas.microsoft.com/office/drawing/2014/main" id="{4CEF9B53-B435-3E4F-89D9-2BCB42B6626E}"/>
-              </a:ext>
-            </a:extLst>
-          </p:cNvPr>
+          <p:cNvPr id="2" name="Title Placeholder 1"/>
           <p:cNvSpPr>
             <a:spLocks noGrp="1"/>
           </p:cNvSpPr>
@@ -2778,8 +2439,8 @@
         </p:nvSpPr>
         <p:spPr>
           <a:xfrm>
-            <a:off x="838200" y="365125"/>
-            <a:ext cx="10515600" cy="1325563"/>
+            <a:off x="838200" y="730253"/>
+            <a:ext cx="10515600" cy="2651126"/>
           </a:xfrm>
           <a:prstGeom prst="rect">
             <a:avLst/>
@@ -2792,22 +2453,16 @@
           <a:lstStyle/>
           <a:p>
             <a:r>
-              <a:rPr lang="en-GB"/>
+              <a:rPr lang="en-GB" dirty="0"/>
               <a:t>Click to edit Master title style</a:t>
             </a:r>
-            <a:endParaRPr lang="en-US"/>
-          </a:p>
-        </p:txBody>
-      </p:sp>
-      <p:sp>
-        <p:nvSpPr>
-          <p:cNvPr id="3" name="Text Placeholder 2">
-            <a:extLst>
-              <a:ext uri="{FF2B5EF4-FFF2-40B4-BE49-F238E27FC236}">
-                <a16:creationId xmlns:a16="http://schemas.microsoft.com/office/drawing/2014/main" id="{3BDB9A59-A2DE-6145-89C4-7EAB3E22E237}"/>
-              </a:ext>
-            </a:extLst>
-          </p:cNvPr>
+            <a:endParaRPr lang="en-US" dirty="0"/>
+          </a:p>
+        </p:txBody>
+      </p:sp>
+      <p:sp>
+        <p:nvSpPr>
+          <p:cNvPr id="3" name="Text Placeholder 2"/>
           <p:cNvSpPr>
             <a:spLocks noGrp="1"/>
           </p:cNvSpPr>
@@ -2817,8 +2472,8 @@
         </p:nvSpPr>
         <p:spPr>
           <a:xfrm>
-            <a:off x="838200" y="1825625"/>
-            <a:ext cx="10515600" cy="4351338"/>
+            <a:off x="838200" y="3651250"/>
+            <a:ext cx="10515600" cy="8702676"/>
           </a:xfrm>
           <a:prstGeom prst="rect">
             <a:avLst/>
@@ -2832,50 +2487,44 @@
           <a:p>
             <a:pPr lvl="0"/>
             <a:r>
-              <a:rPr lang="en-GB"/>
+              <a:rPr lang="en-GB" dirty="0"/>
               <a:t>Click to edit Master text styles</a:t>
             </a:r>
           </a:p>
           <a:p>
             <a:pPr lvl="1"/>
             <a:r>
-              <a:rPr lang="en-GB"/>
+              <a:rPr lang="en-GB" dirty="0"/>
               <a:t>Second level</a:t>
             </a:r>
           </a:p>
           <a:p>
             <a:pPr lvl="2"/>
             <a:r>
-              <a:rPr lang="en-GB"/>
+              <a:rPr lang="en-GB" dirty="0"/>
               <a:t>Third level</a:t>
             </a:r>
           </a:p>
           <a:p>
             <a:pPr lvl="3"/>
             <a:r>
-              <a:rPr lang="en-GB"/>
+              <a:rPr lang="en-GB" dirty="0"/>
               <a:t>Fourth level</a:t>
             </a:r>
           </a:p>
           <a:p>
             <a:pPr lvl="4"/>
             <a:r>
-              <a:rPr lang="en-GB"/>
+              <a:rPr lang="en-GB" dirty="0"/>
               <a:t>Fifth level</a:t>
             </a:r>
-            <a:endParaRPr lang="en-US"/>
-          </a:p>
-        </p:txBody>
-      </p:sp>
-      <p:sp>
-        <p:nvSpPr>
-          <p:cNvPr id="4" name="Date Placeholder 3">
-            <a:extLst>
-              <a:ext uri="{FF2B5EF4-FFF2-40B4-BE49-F238E27FC236}">
-                <a16:creationId xmlns:a16="http://schemas.microsoft.com/office/drawing/2014/main" id="{0B3CBC4C-3D2D-DF4F-B66C-949C2E378937}"/>
-              </a:ext>
-            </a:extLst>
-          </p:cNvPr>
+            <a:endParaRPr lang="en-US" dirty="0"/>
+          </a:p>
+        </p:txBody>
+      </p:sp>
+      <p:sp>
+        <p:nvSpPr>
+          <p:cNvPr id="4" name="Date Placeholder 3"/>
           <p:cNvSpPr>
             <a:spLocks noGrp="1"/>
           </p:cNvSpPr>
@@ -2885,8 +2534,8 @@
         </p:nvSpPr>
         <p:spPr>
           <a:xfrm>
-            <a:off x="838200" y="6356350"/>
-            <a:ext cx="2743200" cy="365125"/>
+            <a:off x="838200" y="12712703"/>
+            <a:ext cx="2743200" cy="730250"/>
           </a:xfrm>
           <a:prstGeom prst="rect">
             <a:avLst/>
@@ -2896,7 +2545,7 @@
           <a:bodyPr vert="horz" lIns="91440" tIns="45720" rIns="91440" bIns="45720" rtlCol="0" anchor="ctr"/>
           <a:lstStyle>
             <a:lvl1pPr algn="l">
-              <a:defRPr sz="1200">
+              <a:defRPr sz="1600">
                 <a:solidFill>
                   <a:schemeClr val="tx1">
                     <a:tint val="75000"/>
@@ -2907,7 +2556,7 @@
           </a:lstStyle>
           <a:p>
             <a:fld id="{803220A4-8895-6D46-A558-2CE2469121C7}" type="datetimeFigureOut">
-              <a:t>4/4/20</a:t>
+              <a:t>4/5/20</a:t>
             </a:fld>
             <a:endParaRPr lang="en-US"/>
           </a:p>
@@ -2915,13 +2564,7 @@
       </p:sp>
       <p:sp>
         <p:nvSpPr>
-          <p:cNvPr id="5" name="Footer Placeholder 4">
-            <a:extLst>
-              <a:ext uri="{FF2B5EF4-FFF2-40B4-BE49-F238E27FC236}">
-                <a16:creationId xmlns:a16="http://schemas.microsoft.com/office/drawing/2014/main" id="{1F7601DD-CC04-EE44-AAA7-41AAFE96FDF4}"/>
-              </a:ext>
-            </a:extLst>
-          </p:cNvPr>
+          <p:cNvPr id="5" name="Footer Placeholder 4"/>
           <p:cNvSpPr>
             <a:spLocks noGrp="1"/>
           </p:cNvSpPr>
@@ -2931,8 +2574,8 @@
         </p:nvSpPr>
         <p:spPr>
           <a:xfrm>
-            <a:off x="4038600" y="6356350"/>
-            <a:ext cx="4114800" cy="365125"/>
+            <a:off x="4038600" y="12712703"/>
+            <a:ext cx="4114800" cy="730250"/>
           </a:xfrm>
           <a:prstGeom prst="rect">
             <a:avLst/>
@@ -2942,7 +2585,7 @@
           <a:bodyPr vert="horz" lIns="91440" tIns="45720" rIns="91440" bIns="45720" rtlCol="0" anchor="ctr"/>
           <a:lstStyle>
             <a:lvl1pPr algn="ctr">
-              <a:defRPr sz="1200">
+              <a:defRPr sz="1600">
                 <a:solidFill>
                   <a:schemeClr val="tx1">
                     <a:tint val="75000"/>
@@ -2958,13 +2601,7 @@
       </p:sp>
       <p:sp>
         <p:nvSpPr>
-          <p:cNvPr id="6" name="Slide Number Placeholder 5">
-            <a:extLst>
-              <a:ext uri="{FF2B5EF4-FFF2-40B4-BE49-F238E27FC236}">
-                <a16:creationId xmlns:a16="http://schemas.microsoft.com/office/drawing/2014/main" id="{A587CF04-E621-9143-88E4-282C017F7759}"/>
-              </a:ext>
-            </a:extLst>
-          </p:cNvPr>
+          <p:cNvPr id="6" name="Slide Number Placeholder 5"/>
           <p:cNvSpPr>
             <a:spLocks noGrp="1"/>
           </p:cNvSpPr>
@@ -2974,8 +2611,8 @@
         </p:nvSpPr>
         <p:spPr>
           <a:xfrm>
-            <a:off x="8610600" y="6356350"/>
-            <a:ext cx="2743200" cy="365125"/>
+            <a:off x="8610600" y="12712703"/>
+            <a:ext cx="2743200" cy="730250"/>
           </a:xfrm>
           <a:prstGeom prst="rect">
             <a:avLst/>
@@ -2985,7 +2622,7 @@
           <a:bodyPr vert="horz" lIns="91440" tIns="45720" rIns="91440" bIns="45720" rtlCol="0" anchor="ctr"/>
           <a:lstStyle>
             <a:lvl1pPr algn="r">
-              <a:defRPr sz="1200">
+              <a:defRPr sz="1600">
                 <a:solidFill>
                   <a:schemeClr val="tx1">
                     <a:tint val="75000"/>
@@ -2996,36 +2633,37 @@
           </a:lstStyle>
           <a:p>
             <a:fld id="{CA186770-BDC0-7C42-8FD8-C80074263C29}" type="slidenum">
+              <a:rPr lang="en-GB"/>
               <a:t>‹#›</a:t>
             </a:fld>
-            <a:endParaRPr lang="en-US"/>
+            <a:endParaRPr lang="en-GB"/>
           </a:p>
         </p:txBody>
       </p:sp>
     </p:spTree>
     <p:extLst>
       <p:ext uri="{BB962C8B-B14F-4D97-AF65-F5344CB8AC3E}">
-        <p14:creationId xmlns:p14="http://schemas.microsoft.com/office/powerpoint/2010/main" val="3749519335"/>
+        <p14:creationId xmlns:p14="http://schemas.microsoft.com/office/powerpoint/2010/main" val="842641844"/>
       </p:ext>
     </p:extLst>
   </p:cSld>
   <p:clrMap bg1="lt1" tx1="dk1" bg2="lt2" tx2="dk2" accent1="accent1" accent2="accent2" accent3="accent3" accent4="accent4" accent5="accent5" accent6="accent6" hlink="hlink" folHlink="folHlink"/>
   <p:sldLayoutIdLst>
-    <p:sldLayoutId id="2147483649" r:id="rId1"/>
-    <p:sldLayoutId id="2147483650" r:id="rId2"/>
-    <p:sldLayoutId id="2147483651" r:id="rId3"/>
-    <p:sldLayoutId id="2147483652" r:id="rId4"/>
-    <p:sldLayoutId id="2147483653" r:id="rId5"/>
-    <p:sldLayoutId id="2147483654" r:id="rId6"/>
-    <p:sldLayoutId id="2147483655" r:id="rId7"/>
-    <p:sldLayoutId id="2147483656" r:id="rId8"/>
-    <p:sldLayoutId id="2147483657" r:id="rId9"/>
-    <p:sldLayoutId id="2147483658" r:id="rId10"/>
-    <p:sldLayoutId id="2147483659" r:id="rId11"/>
+    <p:sldLayoutId id="2147483661" r:id="rId1"/>
+    <p:sldLayoutId id="2147483662" r:id="rId2"/>
+    <p:sldLayoutId id="2147483663" r:id="rId3"/>
+    <p:sldLayoutId id="2147483664" r:id="rId4"/>
+    <p:sldLayoutId id="2147483665" r:id="rId5"/>
+    <p:sldLayoutId id="2147483666" r:id="rId6"/>
+    <p:sldLayoutId id="2147483667" r:id="rId7"/>
+    <p:sldLayoutId id="2147483668" r:id="rId8"/>
+    <p:sldLayoutId id="2147483669" r:id="rId9"/>
+    <p:sldLayoutId id="2147483670" r:id="rId10"/>
+    <p:sldLayoutId id="2147483671" r:id="rId11"/>
   </p:sldLayoutIdLst>
   <p:txStyles>
     <p:titleStyle>
-      <a:lvl1pPr algn="l" defTabSz="914400" rtl="0" eaLnBrk="1" latinLnBrk="0" hangingPunct="1">
+      <a:lvl1pPr algn="l" defTabSz="1219170" rtl="0" eaLnBrk="1" latinLnBrk="0" hangingPunct="1">
         <a:lnSpc>
           <a:spcPct val="90000"/>
         </a:lnSpc>
@@ -3033,7 +2671,7 @@
           <a:spcPct val="0"/>
         </a:spcBef>
         <a:buNone/>
-        <a:defRPr sz="4400" kern="1200">
+        <a:defRPr sz="5867" kern="1200">
           <a:solidFill>
             <a:schemeClr val="tx1"/>
           </a:solidFill>
@@ -3044,16 +2682,16 @@
       </a:lvl1pPr>
     </p:titleStyle>
     <p:bodyStyle>
-      <a:lvl1pPr marL="228600" indent="-228600" algn="l" defTabSz="914400" rtl="0" eaLnBrk="1" latinLnBrk="0" hangingPunct="1">
+      <a:lvl1pPr marL="304792" indent="-304792" algn="l" defTabSz="1219170" rtl="0" eaLnBrk="1" latinLnBrk="0" hangingPunct="1">
         <a:lnSpc>
           <a:spcPct val="90000"/>
         </a:lnSpc>
         <a:spcBef>
-          <a:spcPts val="1000"/>
+          <a:spcPts val="1333"/>
         </a:spcBef>
         <a:buFont typeface="Arial" panose="020B0604020202020204" pitchFamily="34" charset="0"/>
         <a:buChar char="•"/>
-        <a:defRPr sz="2800" kern="1200">
+        <a:defRPr sz="3733" kern="1200">
           <a:solidFill>
             <a:schemeClr val="tx1"/>
           </a:solidFill>
@@ -3062,12 +2700,48 @@
           <a:cs typeface="+mn-cs"/>
         </a:defRPr>
       </a:lvl1pPr>
-      <a:lvl2pPr marL="685800" indent="-228600" algn="l" defTabSz="914400" rtl="0" eaLnBrk="1" latinLnBrk="0" hangingPunct="1">
+      <a:lvl2pPr marL="914377" indent="-304792" algn="l" defTabSz="1219170" rtl="0" eaLnBrk="1" latinLnBrk="0" hangingPunct="1">
         <a:lnSpc>
           <a:spcPct val="90000"/>
         </a:lnSpc>
         <a:spcBef>
-          <a:spcPts val="500"/>
+          <a:spcPts val="667"/>
+        </a:spcBef>
+        <a:buFont typeface="Arial" panose="020B0604020202020204" pitchFamily="34" charset="0"/>
+        <a:buChar char="•"/>
+        <a:defRPr sz="3200" kern="1200">
+          <a:solidFill>
+            <a:schemeClr val="tx1"/>
+          </a:solidFill>
+          <a:latin typeface="+mn-lt"/>
+          <a:ea typeface="+mn-ea"/>
+          <a:cs typeface="+mn-cs"/>
+        </a:defRPr>
+      </a:lvl2pPr>
+      <a:lvl3pPr marL="1523962" indent="-304792" algn="l" defTabSz="1219170" rtl="0" eaLnBrk="1" latinLnBrk="0" hangingPunct="1">
+        <a:lnSpc>
+          <a:spcPct val="90000"/>
+        </a:lnSpc>
+        <a:spcBef>
+          <a:spcPts val="667"/>
+        </a:spcBef>
+        <a:buFont typeface="Arial" panose="020B0604020202020204" pitchFamily="34" charset="0"/>
+        <a:buChar char="•"/>
+        <a:defRPr sz="2667" kern="1200">
+          <a:solidFill>
+            <a:schemeClr val="tx1"/>
+          </a:solidFill>
+          <a:latin typeface="+mn-lt"/>
+          <a:ea typeface="+mn-ea"/>
+          <a:cs typeface="+mn-cs"/>
+        </a:defRPr>
+      </a:lvl3pPr>
+      <a:lvl4pPr marL="2133547" indent="-304792" algn="l" defTabSz="1219170" rtl="0" eaLnBrk="1" latinLnBrk="0" hangingPunct="1">
+        <a:lnSpc>
+          <a:spcPct val="90000"/>
+        </a:lnSpc>
+        <a:spcBef>
+          <a:spcPts val="667"/>
         </a:spcBef>
         <a:buFont typeface="Arial" panose="020B0604020202020204" pitchFamily="34" charset="0"/>
         <a:buChar char="•"/>
@@ -3079,53 +2753,17 @@
           <a:ea typeface="+mn-ea"/>
           <a:cs typeface="+mn-cs"/>
         </a:defRPr>
-      </a:lvl2pPr>
-      <a:lvl3pPr marL="1143000" indent="-228600" algn="l" defTabSz="914400" rtl="0" eaLnBrk="1" latinLnBrk="0" hangingPunct="1">
+      </a:lvl4pPr>
+      <a:lvl5pPr marL="2743131" indent="-304792" algn="l" defTabSz="1219170" rtl="0" eaLnBrk="1" latinLnBrk="0" hangingPunct="1">
         <a:lnSpc>
           <a:spcPct val="90000"/>
         </a:lnSpc>
         <a:spcBef>
-          <a:spcPts val="500"/>
+          <a:spcPts val="667"/>
         </a:spcBef>
         <a:buFont typeface="Arial" panose="020B0604020202020204" pitchFamily="34" charset="0"/>
         <a:buChar char="•"/>
-        <a:defRPr sz="2000" kern="1200">
-          <a:solidFill>
-            <a:schemeClr val="tx1"/>
-          </a:solidFill>
-          <a:latin typeface="+mn-lt"/>
-          <a:ea typeface="+mn-ea"/>
-          <a:cs typeface="+mn-cs"/>
-        </a:defRPr>
-      </a:lvl3pPr>
-      <a:lvl4pPr marL="1600200" indent="-228600" algn="l" defTabSz="914400" rtl="0" eaLnBrk="1" latinLnBrk="0" hangingPunct="1">
-        <a:lnSpc>
-          <a:spcPct val="90000"/>
-        </a:lnSpc>
-        <a:spcBef>
-          <a:spcPts val="500"/>
-        </a:spcBef>
-        <a:buFont typeface="Arial" panose="020B0604020202020204" pitchFamily="34" charset="0"/>
-        <a:buChar char="•"/>
-        <a:defRPr sz="1800" kern="1200">
-          <a:solidFill>
-            <a:schemeClr val="tx1"/>
-          </a:solidFill>
-          <a:latin typeface="+mn-lt"/>
-          <a:ea typeface="+mn-ea"/>
-          <a:cs typeface="+mn-cs"/>
-        </a:defRPr>
-      </a:lvl4pPr>
-      <a:lvl5pPr marL="2057400" indent="-228600" algn="l" defTabSz="914400" rtl="0" eaLnBrk="1" latinLnBrk="0" hangingPunct="1">
-        <a:lnSpc>
-          <a:spcPct val="90000"/>
-        </a:lnSpc>
-        <a:spcBef>
-          <a:spcPts val="500"/>
-        </a:spcBef>
-        <a:buFont typeface="Arial" panose="020B0604020202020204" pitchFamily="34" charset="0"/>
-        <a:buChar char="•"/>
-        <a:defRPr sz="1800" kern="1200">
+        <a:defRPr sz="2400" kern="1200">
           <a:solidFill>
             <a:schemeClr val="tx1"/>
           </a:solidFill>
@@ -3134,16 +2772,16 @@
           <a:cs typeface="+mn-cs"/>
         </a:defRPr>
       </a:lvl5pPr>
-      <a:lvl6pPr marL="2514600" indent="-228600" algn="l" defTabSz="914400" rtl="0" eaLnBrk="1" latinLnBrk="0" hangingPunct="1">
+      <a:lvl6pPr marL="3352716" indent="-304792" algn="l" defTabSz="1219170" rtl="0" eaLnBrk="1" latinLnBrk="0" hangingPunct="1">
         <a:lnSpc>
           <a:spcPct val="90000"/>
         </a:lnSpc>
         <a:spcBef>
-          <a:spcPts val="500"/>
+          <a:spcPts val="667"/>
         </a:spcBef>
         <a:buFont typeface="Arial" panose="020B0604020202020204" pitchFamily="34" charset="0"/>
         <a:buChar char="•"/>
-        <a:defRPr sz="1800" kern="1200">
+        <a:defRPr sz="2400" kern="1200">
           <a:solidFill>
             <a:schemeClr val="tx1"/>
           </a:solidFill>
@@ -3152,16 +2790,16 @@
           <a:cs typeface="+mn-cs"/>
         </a:defRPr>
       </a:lvl6pPr>
-      <a:lvl7pPr marL="2971800" indent="-228600" algn="l" defTabSz="914400" rtl="0" eaLnBrk="1" latinLnBrk="0" hangingPunct="1">
+      <a:lvl7pPr marL="3962301" indent="-304792" algn="l" defTabSz="1219170" rtl="0" eaLnBrk="1" latinLnBrk="0" hangingPunct="1">
         <a:lnSpc>
           <a:spcPct val="90000"/>
         </a:lnSpc>
         <a:spcBef>
-          <a:spcPts val="500"/>
+          <a:spcPts val="667"/>
         </a:spcBef>
         <a:buFont typeface="Arial" panose="020B0604020202020204" pitchFamily="34" charset="0"/>
         <a:buChar char="•"/>
-        <a:defRPr sz="1800" kern="1200">
+        <a:defRPr sz="2400" kern="1200">
           <a:solidFill>
             <a:schemeClr val="tx1"/>
           </a:solidFill>
@@ -3170,16 +2808,16 @@
           <a:cs typeface="+mn-cs"/>
         </a:defRPr>
       </a:lvl7pPr>
-      <a:lvl8pPr marL="3429000" indent="-228600" algn="l" defTabSz="914400" rtl="0" eaLnBrk="1" latinLnBrk="0" hangingPunct="1">
+      <a:lvl8pPr marL="4571886" indent="-304792" algn="l" defTabSz="1219170" rtl="0" eaLnBrk="1" latinLnBrk="0" hangingPunct="1">
         <a:lnSpc>
           <a:spcPct val="90000"/>
         </a:lnSpc>
         <a:spcBef>
-          <a:spcPts val="500"/>
+          <a:spcPts val="667"/>
         </a:spcBef>
         <a:buFont typeface="Arial" panose="020B0604020202020204" pitchFamily="34" charset="0"/>
         <a:buChar char="•"/>
-        <a:defRPr sz="1800" kern="1200">
+        <a:defRPr sz="2400" kern="1200">
           <a:solidFill>
             <a:schemeClr val="tx1"/>
           </a:solidFill>
@@ -3188,16 +2826,16 @@
           <a:cs typeface="+mn-cs"/>
         </a:defRPr>
       </a:lvl8pPr>
-      <a:lvl9pPr marL="3886200" indent="-228600" algn="l" defTabSz="914400" rtl="0" eaLnBrk="1" latinLnBrk="0" hangingPunct="1">
+      <a:lvl9pPr marL="5181470" indent="-304792" algn="l" defTabSz="1219170" rtl="0" eaLnBrk="1" latinLnBrk="0" hangingPunct="1">
         <a:lnSpc>
           <a:spcPct val="90000"/>
         </a:lnSpc>
         <a:spcBef>
-          <a:spcPts val="500"/>
+          <a:spcPts val="667"/>
         </a:spcBef>
         <a:buFont typeface="Arial" panose="020B0604020202020204" pitchFamily="34" charset="0"/>
         <a:buChar char="•"/>
-        <a:defRPr sz="1800" kern="1200">
+        <a:defRPr sz="2400" kern="1200">
           <a:solidFill>
             <a:schemeClr val="tx1"/>
           </a:solidFill>
@@ -3211,8 +2849,8 @@
       <a:defPPr>
         <a:defRPr lang="en-US"/>
       </a:defPPr>
-      <a:lvl1pPr marL="0" algn="l" defTabSz="914400" rtl="0" eaLnBrk="1" latinLnBrk="0" hangingPunct="1">
-        <a:defRPr sz="1800" kern="1200">
+      <a:lvl1pPr marL="0" algn="l" defTabSz="1219170" rtl="0" eaLnBrk="1" latinLnBrk="0" hangingPunct="1">
+        <a:defRPr sz="2400" kern="1200">
           <a:solidFill>
             <a:schemeClr val="tx1"/>
           </a:solidFill>
@@ -3221,8 +2859,8 @@
           <a:cs typeface="+mn-cs"/>
         </a:defRPr>
       </a:lvl1pPr>
-      <a:lvl2pPr marL="457200" algn="l" defTabSz="914400" rtl="0" eaLnBrk="1" latinLnBrk="0" hangingPunct="1">
-        <a:defRPr sz="1800" kern="1200">
+      <a:lvl2pPr marL="609585" algn="l" defTabSz="1219170" rtl="0" eaLnBrk="1" latinLnBrk="0" hangingPunct="1">
+        <a:defRPr sz="2400" kern="1200">
           <a:solidFill>
             <a:schemeClr val="tx1"/>
           </a:solidFill>
@@ -3231,8 +2869,8 @@
           <a:cs typeface="+mn-cs"/>
         </a:defRPr>
       </a:lvl2pPr>
-      <a:lvl3pPr marL="914400" algn="l" defTabSz="914400" rtl="0" eaLnBrk="1" latinLnBrk="0" hangingPunct="1">
-        <a:defRPr sz="1800" kern="1200">
+      <a:lvl3pPr marL="1219170" algn="l" defTabSz="1219170" rtl="0" eaLnBrk="1" latinLnBrk="0" hangingPunct="1">
+        <a:defRPr sz="2400" kern="1200">
           <a:solidFill>
             <a:schemeClr val="tx1"/>
           </a:solidFill>
@@ -3241,8 +2879,8 @@
           <a:cs typeface="+mn-cs"/>
         </a:defRPr>
       </a:lvl3pPr>
-      <a:lvl4pPr marL="1371600" algn="l" defTabSz="914400" rtl="0" eaLnBrk="1" latinLnBrk="0" hangingPunct="1">
-        <a:defRPr sz="1800" kern="1200">
+      <a:lvl4pPr marL="1828754" algn="l" defTabSz="1219170" rtl="0" eaLnBrk="1" latinLnBrk="0" hangingPunct="1">
+        <a:defRPr sz="2400" kern="1200">
           <a:solidFill>
             <a:schemeClr val="tx1"/>
           </a:solidFill>
@@ -3251,8 +2889,8 @@
           <a:cs typeface="+mn-cs"/>
         </a:defRPr>
       </a:lvl4pPr>
-      <a:lvl5pPr marL="1828800" algn="l" defTabSz="914400" rtl="0" eaLnBrk="1" latinLnBrk="0" hangingPunct="1">
-        <a:defRPr sz="1800" kern="1200">
+      <a:lvl5pPr marL="2438339" algn="l" defTabSz="1219170" rtl="0" eaLnBrk="1" latinLnBrk="0" hangingPunct="1">
+        <a:defRPr sz="2400" kern="1200">
           <a:solidFill>
             <a:schemeClr val="tx1"/>
           </a:solidFill>
@@ -3261,8 +2899,8 @@
           <a:cs typeface="+mn-cs"/>
         </a:defRPr>
       </a:lvl5pPr>
-      <a:lvl6pPr marL="2286000" algn="l" defTabSz="914400" rtl="0" eaLnBrk="1" latinLnBrk="0" hangingPunct="1">
-        <a:defRPr sz="1800" kern="1200">
+      <a:lvl6pPr marL="3047924" algn="l" defTabSz="1219170" rtl="0" eaLnBrk="1" latinLnBrk="0" hangingPunct="1">
+        <a:defRPr sz="2400" kern="1200">
           <a:solidFill>
             <a:schemeClr val="tx1"/>
           </a:solidFill>
@@ -3271,8 +2909,8 @@
           <a:cs typeface="+mn-cs"/>
         </a:defRPr>
       </a:lvl6pPr>
-      <a:lvl7pPr marL="2743200" algn="l" defTabSz="914400" rtl="0" eaLnBrk="1" latinLnBrk="0" hangingPunct="1">
-        <a:defRPr sz="1800" kern="1200">
+      <a:lvl7pPr marL="3657509" algn="l" defTabSz="1219170" rtl="0" eaLnBrk="1" latinLnBrk="0" hangingPunct="1">
+        <a:defRPr sz="2400" kern="1200">
           <a:solidFill>
             <a:schemeClr val="tx1"/>
           </a:solidFill>
@@ -3281,8 +2919,8 @@
           <a:cs typeface="+mn-cs"/>
         </a:defRPr>
       </a:lvl7pPr>
-      <a:lvl8pPr marL="3200400" algn="l" defTabSz="914400" rtl="0" eaLnBrk="1" latinLnBrk="0" hangingPunct="1">
-        <a:defRPr sz="1800" kern="1200">
+      <a:lvl8pPr marL="4267093" algn="l" defTabSz="1219170" rtl="0" eaLnBrk="1" latinLnBrk="0" hangingPunct="1">
+        <a:defRPr sz="2400" kern="1200">
           <a:solidFill>
             <a:schemeClr val="tx1"/>
           </a:solidFill>
@@ -3291,8 +2929,8 @@
           <a:cs typeface="+mn-cs"/>
         </a:defRPr>
       </a:lvl8pPr>
-      <a:lvl9pPr marL="3657600" algn="l" defTabSz="914400" rtl="0" eaLnBrk="1" latinLnBrk="0" hangingPunct="1">
-        <a:defRPr sz="1800" kern="1200">
+      <a:lvl9pPr marL="4876678" algn="l" defTabSz="1219170" rtl="0" eaLnBrk="1" latinLnBrk="0" hangingPunct="1">
+        <a:defRPr sz="2400" kern="1200">
           <a:solidFill>
             <a:schemeClr val="tx1"/>
           </a:solidFill>
@@ -3337,7 +2975,7 @@
         </p:nvSpPr>
         <p:spPr>
           <a:xfrm>
-            <a:off x="457030" y="608332"/>
+            <a:off x="481744" y="901704"/>
             <a:ext cx="1987475" cy="645277"/>
           </a:xfrm>
           <a:prstGeom prst="rect">
@@ -3372,7 +3010,7 @@
           <a:p>
             <a:pPr algn="ctr"/>
             <a:r>
-              <a:rPr lang="en-US" sz="1600"/>
+              <a:rPr lang="en-US" sz="1600" b="1"/>
               <a:t>move.global</a:t>
             </a:r>
             <a:br>
@@ -3403,7 +3041,7 @@
         </p:nvSpPr>
         <p:spPr>
           <a:xfrm>
-            <a:off x="3861170" y="99856"/>
+            <a:off x="3885884" y="393228"/>
             <a:ext cx="835349" cy="480087"/>
           </a:xfrm>
           <a:prstGeom prst="hexagon">
@@ -3450,7 +3088,7 @@
         </p:nvSpPr>
         <p:spPr>
           <a:xfrm>
-            <a:off x="6211261" y="737882"/>
+            <a:off x="6235975" y="1031253"/>
             <a:ext cx="831749" cy="386178"/>
           </a:xfrm>
           <a:prstGeom prst="hexagon">
@@ -3497,7 +3135,7 @@
         </p:nvSpPr>
         <p:spPr>
           <a:xfrm>
-            <a:off x="6662990" y="66755"/>
+            <a:off x="6687703" y="360126"/>
             <a:ext cx="823536" cy="338554"/>
           </a:xfrm>
           <a:prstGeom prst="hexagon">
@@ -3544,7 +3182,7 @@
         </p:nvSpPr>
         <p:spPr>
           <a:xfrm>
-            <a:off x="3225701" y="110723"/>
+            <a:off x="3250414" y="404094"/>
             <a:ext cx="245404" cy="243020"/>
           </a:xfrm>
           <a:prstGeom prst="ellipse">
@@ -3591,7 +3229,7 @@
         </p:nvSpPr>
         <p:spPr>
           <a:xfrm>
-            <a:off x="3233035" y="376351"/>
+            <a:off x="3257748" y="669722"/>
             <a:ext cx="238070" cy="247296"/>
           </a:xfrm>
           <a:prstGeom prst="ellipse">
@@ -3635,7 +3273,7 @@
         </p:nvSpPr>
         <p:spPr>
           <a:xfrm>
-            <a:off x="3486449" y="450863"/>
+            <a:off x="3511162" y="744234"/>
             <a:ext cx="238070" cy="247296"/>
           </a:xfrm>
           <a:prstGeom prst="ellipse">
@@ -3679,7 +3317,7 @@
         </p:nvSpPr>
         <p:spPr>
           <a:xfrm>
-            <a:off x="7259658" y="545920"/>
+            <a:off x="7284371" y="839292"/>
             <a:ext cx="226868" cy="239229"/>
           </a:xfrm>
           <a:prstGeom prst="ellipse">
@@ -3726,7 +3364,7 @@
         </p:nvSpPr>
         <p:spPr>
           <a:xfrm>
-            <a:off x="7597149" y="555712"/>
+            <a:off x="7621862" y="849084"/>
             <a:ext cx="226868" cy="239229"/>
           </a:xfrm>
           <a:prstGeom prst="ellipse">
@@ -3770,7 +3408,7 @@
         </p:nvSpPr>
         <p:spPr>
           <a:xfrm>
-            <a:off x="3255083" y="835171"/>
+            <a:off x="3279796" y="1128542"/>
             <a:ext cx="222092" cy="207374"/>
           </a:xfrm>
           <a:prstGeom prst="ellipse">
@@ -3817,7 +3455,7 @@
         </p:nvSpPr>
         <p:spPr>
           <a:xfrm>
-            <a:off x="3513625" y="835171"/>
+            <a:off x="3538338" y="1128543"/>
             <a:ext cx="222092" cy="207375"/>
           </a:xfrm>
           <a:prstGeom prst="ellipse">
@@ -3861,7 +3499,7 @@
         </p:nvSpPr>
         <p:spPr>
           <a:xfrm>
-            <a:off x="3769951" y="827239"/>
+            <a:off x="3794664" y="1120610"/>
             <a:ext cx="230160" cy="217500"/>
           </a:xfrm>
           <a:prstGeom prst="ellipse">
@@ -3905,7 +3543,7 @@
         </p:nvSpPr>
         <p:spPr>
           <a:xfrm>
-            <a:off x="7230844" y="977110"/>
+            <a:off x="7255558" y="1270482"/>
             <a:ext cx="196753" cy="194887"/>
           </a:xfrm>
           <a:prstGeom prst="ellipse">
@@ -3952,7 +3590,7 @@
         </p:nvSpPr>
         <p:spPr>
           <a:xfrm>
-            <a:off x="7597149" y="963155"/>
+            <a:off x="7621862" y="1256526"/>
             <a:ext cx="198642" cy="208172"/>
           </a:xfrm>
           <a:prstGeom prst="ellipse">
@@ -4000,7 +3638,7 @@
         </p:nvCxnSpPr>
         <p:spPr>
           <a:xfrm flipV="1">
-            <a:off x="3435166" y="99856"/>
+            <a:off x="3459879" y="393227"/>
             <a:ext cx="546026" cy="218298"/>
           </a:xfrm>
           <a:prstGeom prst="straightConnector1">
@@ -4043,7 +3681,7 @@
         </p:nvCxnSpPr>
         <p:spPr>
           <a:xfrm flipV="1">
-            <a:off x="3352070" y="99856"/>
+            <a:off x="3376783" y="393228"/>
             <a:ext cx="629122" cy="523791"/>
           </a:xfrm>
           <a:prstGeom prst="straightConnector1">
@@ -4086,7 +3724,7 @@
         </p:nvCxnSpPr>
         <p:spPr>
           <a:xfrm flipV="1">
-            <a:off x="3521314" y="339900"/>
+            <a:off x="3546027" y="633272"/>
             <a:ext cx="339856" cy="322043"/>
           </a:xfrm>
           <a:prstGeom prst="straightConnector1">
@@ -4129,7 +3767,7 @@
         </p:nvCxnSpPr>
         <p:spPr>
           <a:xfrm flipH="1" flipV="1">
-            <a:off x="6946466" y="737882"/>
+            <a:off x="6971179" y="1031254"/>
             <a:ext cx="346416" cy="12233"/>
           </a:xfrm>
           <a:prstGeom prst="straightConnector1">
@@ -4172,7 +3810,7 @@
         </p:nvCxnSpPr>
         <p:spPr>
           <a:xfrm flipH="1" flipV="1">
-            <a:off x="6946466" y="737882"/>
+            <a:off x="6971180" y="1031254"/>
             <a:ext cx="683907" cy="22025"/>
           </a:xfrm>
           <a:prstGeom prst="straightConnector1">
@@ -4215,7 +3853,7 @@
         </p:nvCxnSpPr>
         <p:spPr>
           <a:xfrm flipV="1">
-            <a:off x="3444650" y="579943"/>
+            <a:off x="3469363" y="873315"/>
             <a:ext cx="536542" cy="285597"/>
           </a:xfrm>
           <a:prstGeom prst="straightConnector1">
@@ -4258,7 +3896,7 @@
         </p:nvCxnSpPr>
         <p:spPr>
           <a:xfrm flipV="1">
-            <a:off x="3624671" y="579943"/>
+            <a:off x="3649385" y="873314"/>
             <a:ext cx="356521" cy="255228"/>
           </a:xfrm>
           <a:prstGeom prst="straightConnector1">
@@ -4301,7 +3939,7 @@
         </p:nvCxnSpPr>
         <p:spPr>
           <a:xfrm flipV="1">
-            <a:off x="3885031" y="579943"/>
+            <a:off x="3909744" y="873314"/>
             <a:ext cx="691466" cy="247296"/>
           </a:xfrm>
           <a:prstGeom prst="straightConnector1">
@@ -4344,7 +3982,7 @@
         </p:nvCxnSpPr>
         <p:spPr>
           <a:xfrm flipH="1" flipV="1">
-            <a:off x="7043010" y="930971"/>
+            <a:off x="7067723" y="1224342"/>
             <a:ext cx="216648" cy="74680"/>
           </a:xfrm>
           <a:prstGeom prst="straightConnector1">
@@ -4387,7 +4025,7 @@
         </p:nvCxnSpPr>
         <p:spPr>
           <a:xfrm flipH="1" flipV="1">
-            <a:off x="6946466" y="1124060"/>
+            <a:off x="6971180" y="1417432"/>
             <a:ext cx="679773" cy="16781"/>
           </a:xfrm>
           <a:prstGeom prst="straightConnector1">
@@ -4426,7 +4064,7 @@
         </p:nvSpPr>
         <p:spPr>
           <a:xfrm>
-            <a:off x="5069565" y="321446"/>
+            <a:off x="5094279" y="614817"/>
             <a:ext cx="780133" cy="531862"/>
           </a:xfrm>
           <a:prstGeom prst="rect">
@@ -4486,7 +4124,7 @@
         </p:nvCxnSpPr>
         <p:spPr>
           <a:xfrm flipH="1">
-            <a:off x="4696519" y="321446"/>
+            <a:off x="4721233" y="614817"/>
             <a:ext cx="763113" cy="18454"/>
           </a:xfrm>
           <a:prstGeom prst="straightConnector1">
@@ -4529,7 +4167,7 @@
         </p:nvCxnSpPr>
         <p:spPr>
           <a:xfrm>
-            <a:off x="5849698" y="587377"/>
+            <a:off x="5874412" y="880748"/>
             <a:ext cx="361563" cy="343594"/>
           </a:xfrm>
           <a:prstGeom prst="straightConnector1">
@@ -4572,7 +4210,7 @@
         </p:nvCxnSpPr>
         <p:spPr>
           <a:xfrm>
-            <a:off x="5459632" y="321446"/>
+            <a:off x="5484346" y="614818"/>
             <a:ext cx="1287997" cy="83863"/>
           </a:xfrm>
           <a:prstGeom prst="straightConnector1">
@@ -4615,7 +4253,7 @@
         </p:nvCxnSpPr>
         <p:spPr>
           <a:xfrm flipH="1">
-            <a:off x="6946466" y="665535"/>
+            <a:off x="6971179" y="958907"/>
             <a:ext cx="313192" cy="72347"/>
           </a:xfrm>
           <a:prstGeom prst="straightConnector1">
@@ -4654,7 +4292,7 @@
         </p:nvSpPr>
         <p:spPr>
           <a:xfrm rot="-5400000">
-            <a:off x="5168745" y="-1535380"/>
+            <a:off x="5193458" y="-1242008"/>
             <a:ext cx="794092" cy="5165571"/>
           </a:xfrm>
           <a:prstGeom prst="leftBracket">
@@ -4699,7 +4337,7 @@
         </p:nvSpPr>
         <p:spPr>
           <a:xfrm>
-            <a:off x="5268649" y="1444453"/>
+            <a:off x="5293362" y="1737824"/>
             <a:ext cx="381964" cy="473604"/>
           </a:xfrm>
           <a:prstGeom prst="downArrow">
@@ -4748,7 +4386,7 @@
         </p:nvSpPr>
         <p:spPr>
           <a:xfrm>
-            <a:off x="4248054" y="1913393"/>
+            <a:off x="4272768" y="2206764"/>
             <a:ext cx="2423155" cy="835996"/>
           </a:xfrm>
           <a:prstGeom prst="diamond">
@@ -4804,7 +4442,7 @@
         </p:nvSpPr>
         <p:spPr>
           <a:xfrm>
-            <a:off x="4074244" y="1157365"/>
+            <a:off x="4098957" y="1450736"/>
             <a:ext cx="3460892" cy="338554"/>
           </a:xfrm>
           <a:prstGeom prst="rect">
@@ -4839,7 +4477,7 @@
         </p:nvSpPr>
         <p:spPr>
           <a:xfrm>
-            <a:off x="4477467" y="3232825"/>
+            <a:off x="4502181" y="3526197"/>
             <a:ext cx="1987475" cy="645277"/>
           </a:xfrm>
           <a:prstGeom prst="rect">
@@ -4868,7 +4506,7 @@
           <a:p>
             <a:pPr algn="ctr"/>
             <a:r>
-              <a:rPr lang="en-US" sz="1600"/>
+              <a:rPr lang="en-US" sz="1600" b="1"/>
               <a:t>move.global</a:t>
             </a:r>
             <a:br>
@@ -4899,7 +4537,7 @@
         </p:nvSpPr>
         <p:spPr>
           <a:xfrm>
-            <a:off x="5268647" y="2749389"/>
+            <a:off x="5293360" y="3042761"/>
             <a:ext cx="381964" cy="473605"/>
           </a:xfrm>
           <a:prstGeom prst="downArrow">
@@ -4948,7 +4586,7 @@
         </p:nvSpPr>
         <p:spPr>
           <a:xfrm>
-            <a:off x="9855391" y="555712"/>
+            <a:off x="9880105" y="849083"/>
             <a:ext cx="831749" cy="386178"/>
           </a:xfrm>
           <a:prstGeom prst="hexagon">
@@ -4995,7 +4633,7 @@
         </p:nvSpPr>
         <p:spPr>
           <a:xfrm>
-            <a:off x="10897654" y="352958"/>
+            <a:off x="10922367" y="646330"/>
             <a:ext cx="226868" cy="239229"/>
           </a:xfrm>
           <a:prstGeom prst="ellipse">
@@ -5042,7 +4680,7 @@
         </p:nvSpPr>
         <p:spPr>
           <a:xfrm>
-            <a:off x="11235145" y="362750"/>
+            <a:off x="11259858" y="656122"/>
             <a:ext cx="226868" cy="239229"/>
           </a:xfrm>
           <a:prstGeom prst="ellipse">
@@ -5086,7 +4724,7 @@
         </p:nvSpPr>
         <p:spPr>
           <a:xfrm>
-            <a:off x="10868840" y="784148"/>
+            <a:off x="10893554" y="1077520"/>
             <a:ext cx="196753" cy="194887"/>
           </a:xfrm>
           <a:prstGeom prst="ellipse">
@@ -5133,7 +4771,7 @@
         </p:nvSpPr>
         <p:spPr>
           <a:xfrm>
-            <a:off x="11235145" y="770193"/>
+            <a:off x="11259858" y="1063564"/>
             <a:ext cx="198642" cy="208172"/>
           </a:xfrm>
           <a:prstGeom prst="ellipse">
@@ -5180,7 +4818,7 @@
         </p:nvCxnSpPr>
         <p:spPr>
           <a:xfrm flipH="1" flipV="1">
-            <a:off x="10584462" y="544920"/>
+            <a:off x="10609175" y="838292"/>
             <a:ext cx="346416" cy="12233"/>
           </a:xfrm>
           <a:prstGeom prst="straightConnector1">
@@ -5222,7 +4860,7 @@
         </p:nvCxnSpPr>
         <p:spPr>
           <a:xfrm flipH="1" flipV="1">
-            <a:off x="10584462" y="544920"/>
+            <a:off x="10609176" y="838292"/>
             <a:ext cx="683907" cy="22025"/>
           </a:xfrm>
           <a:prstGeom prst="straightConnector1">
@@ -5264,7 +4902,7 @@
         </p:nvCxnSpPr>
         <p:spPr>
           <a:xfrm flipH="1" flipV="1">
-            <a:off x="10681006" y="738009"/>
+            <a:off x="10705719" y="1031380"/>
             <a:ext cx="216648" cy="74680"/>
           </a:xfrm>
           <a:prstGeom prst="straightConnector1">
@@ -5306,7 +4944,7 @@
         </p:nvCxnSpPr>
         <p:spPr>
           <a:xfrm flipH="1" flipV="1">
-            <a:off x="10584462" y="931098"/>
+            <a:off x="10609176" y="1224470"/>
             <a:ext cx="679773" cy="16781"/>
           </a:xfrm>
           <a:prstGeom prst="straightConnector1">
@@ -5348,7 +4986,7 @@
         </p:nvCxnSpPr>
         <p:spPr>
           <a:xfrm flipH="1">
-            <a:off x="10584462" y="472573"/>
+            <a:off x="10609175" y="765945"/>
             <a:ext cx="313192" cy="72347"/>
           </a:xfrm>
           <a:prstGeom prst="straightConnector1">
@@ -5387,7 +5025,7 @@
         </p:nvSpPr>
         <p:spPr>
           <a:xfrm>
-            <a:off x="8779003" y="110723"/>
+            <a:off x="8803716" y="404095"/>
             <a:ext cx="696864" cy="512923"/>
           </a:xfrm>
           <a:prstGeom prst="rect">
@@ -5446,7 +5084,7 @@
         </p:nvCxnSpPr>
         <p:spPr>
           <a:xfrm>
-            <a:off x="9475867" y="367185"/>
+            <a:off x="9500580" y="660557"/>
             <a:ext cx="361562" cy="334125"/>
           </a:xfrm>
           <a:prstGeom prst="straightConnector1">
@@ -5485,7 +5123,7 @@
         </p:nvSpPr>
         <p:spPr>
           <a:xfrm rot="-5400000">
-            <a:off x="9700491" y="-458860"/>
+            <a:off x="9725204" y="-165489"/>
             <a:ext cx="794092" cy="3020996"/>
           </a:xfrm>
           <a:prstGeom prst="leftBracket">
@@ -5530,7 +5168,7 @@
         </p:nvSpPr>
         <p:spPr>
           <a:xfrm>
-            <a:off x="9553823" y="1159649"/>
+            <a:off x="9578537" y="1453020"/>
             <a:ext cx="1137913" cy="338554"/>
           </a:xfrm>
           <a:prstGeom prst="rect">
@@ -5565,7 +5203,7 @@
         </p:nvSpPr>
         <p:spPr>
           <a:xfrm>
-            <a:off x="10031227" y="1445411"/>
+            <a:off x="10055940" y="1738782"/>
             <a:ext cx="381964" cy="473604"/>
           </a:xfrm>
           <a:prstGeom prst="downArrow">
@@ -5614,7 +5252,7 @@
         </p:nvSpPr>
         <p:spPr>
           <a:xfrm>
-            <a:off x="9010632" y="1914351"/>
+            <a:off x="9035346" y="2207722"/>
             <a:ext cx="2423155" cy="835996"/>
           </a:xfrm>
           <a:prstGeom prst="diamond">
@@ -5670,7 +5308,7 @@
         </p:nvSpPr>
         <p:spPr>
           <a:xfrm>
-            <a:off x="9228470" y="3233783"/>
+            <a:off x="9253184" y="3527155"/>
             <a:ext cx="1987475" cy="645277"/>
           </a:xfrm>
           <a:prstGeom prst="rect">
@@ -5697,8 +5335,183 @@
           <a:p>
             <a:pPr algn="ctr"/>
             <a:r>
+              <a:rPr lang="en-US" sz="1600" b="1"/>
+              <a:t>Move.v.2</a:t>
+            </a:r>
+            <a:br>
+              <a:rPr lang="en-US" sz="1600" b="1"/>
+            </a:br>
+            <a:r>
+              <a:rPr lang="en-US" sz="1600" b="1">
+                <a:solidFill>
+                  <a:schemeClr val="tx1"/>
+                </a:solidFill>
+              </a:rPr>
+              <a:t>Sense Node State</a:t>
+            </a:r>
+          </a:p>
+        </p:txBody>
+      </p:sp>
+      <p:sp>
+        <p:nvSpPr>
+          <p:cNvPr id="244" name="Down Arrow 243">
+            <a:extLst>
+              <a:ext uri="{FF2B5EF4-FFF2-40B4-BE49-F238E27FC236}">
+                <a16:creationId xmlns:a16="http://schemas.microsoft.com/office/drawing/2014/main" id="{0DA49BFB-6749-8843-9177-952B3C468E60}"/>
+              </a:ext>
+            </a:extLst>
+          </p:cNvPr>
+          <p:cNvSpPr/>
+          <p:nvPr/>
+        </p:nvSpPr>
+        <p:spPr>
+          <a:xfrm>
+            <a:off x="10055938" y="3043719"/>
+            <a:ext cx="381964" cy="473605"/>
+          </a:xfrm>
+          <a:prstGeom prst="downArrow">
+            <a:avLst/>
+          </a:prstGeom>
+          <a:solidFill>
+            <a:schemeClr val="bg1"/>
+          </a:solidFill>
+        </p:spPr>
+        <p:style>
+          <a:lnRef idx="2">
+            <a:schemeClr val="accent1">
+              <a:shade val="50000"/>
+            </a:schemeClr>
+          </a:lnRef>
+          <a:fillRef idx="1">
+            <a:schemeClr val="accent1"/>
+          </a:fillRef>
+          <a:effectRef idx="0">
+            <a:schemeClr val="accent1"/>
+          </a:effectRef>
+          <a:fontRef idx="minor">
+            <a:schemeClr val="lt1"/>
+          </a:fontRef>
+        </p:style>
+        <p:txBody>
+          <a:bodyPr rtlCol="0" anchor="ctr"/>
+          <a:lstStyle/>
+          <a:p>
+            <a:pPr algn="ctr"/>
+            <a:endParaRPr lang="en-US"/>
+          </a:p>
+        </p:txBody>
+      </p:sp>
+      <p:sp>
+        <p:nvSpPr>
+          <p:cNvPr id="246" name="Rectangle 245">
+            <a:extLst>
+              <a:ext uri="{FF2B5EF4-FFF2-40B4-BE49-F238E27FC236}">
+                <a16:creationId xmlns:a16="http://schemas.microsoft.com/office/drawing/2014/main" id="{21EBD558-2A2F-AE47-AA00-988700403061}"/>
+              </a:ext>
+            </a:extLst>
+          </p:cNvPr>
+          <p:cNvSpPr/>
+          <p:nvPr/>
+        </p:nvSpPr>
+        <p:spPr>
+          <a:xfrm>
+            <a:off x="2498784" y="4675942"/>
+            <a:ext cx="1987475" cy="645277"/>
+          </a:xfrm>
+          <a:prstGeom prst="rect">
+            <a:avLst/>
+          </a:prstGeom>
+          <a:solidFill>
+            <a:schemeClr val="accent2">
+              <a:lumMod val="60000"/>
+              <a:lumOff val="40000"/>
+            </a:schemeClr>
+          </a:solidFill>
+        </p:spPr>
+        <p:style>
+          <a:lnRef idx="2">
+            <a:schemeClr val="accent4">
+              <a:shade val="50000"/>
+            </a:schemeClr>
+          </a:lnRef>
+          <a:fillRef idx="1">
+            <a:schemeClr val="accent4"/>
+          </a:fillRef>
+          <a:effectRef idx="0">
+            <a:schemeClr val="accent4"/>
+          </a:effectRef>
+          <a:fontRef idx="minor">
+            <a:schemeClr val="lt1"/>
+          </a:fontRef>
+        </p:style>
+        <p:txBody>
+          <a:bodyPr rtlCol="0" anchor="ctr"/>
+          <a:lstStyle/>
+          <a:p>
+            <a:pPr algn="ctr"/>
+            <a:r>
               <a:rPr lang="en-US" sz="1600"/>
-              <a:t>Move.v.2</a:t>
+              <a:t>move.global</a:t>
+            </a:r>
+            <a:br>
+              <a:rPr lang="en-US" sz="1600" b="1"/>
+            </a:br>
+            <a:r>
+              <a:rPr lang="en-US" sz="1600" b="1">
+                <a:solidFill>
+                  <a:schemeClr val="tx1"/>
+                </a:solidFill>
+              </a:rPr>
+              <a:t>Word Embedding</a:t>
+            </a:r>
+          </a:p>
+        </p:txBody>
+      </p:sp>
+      <p:sp>
+        <p:nvSpPr>
+          <p:cNvPr id="247" name="Rectangle 246">
+            <a:extLst>
+              <a:ext uri="{FF2B5EF4-FFF2-40B4-BE49-F238E27FC236}">
+                <a16:creationId xmlns:a16="http://schemas.microsoft.com/office/drawing/2014/main" id="{4FE39300-1A73-8E45-BF1A-6C75B44DC8C0}"/>
+              </a:ext>
+            </a:extLst>
+          </p:cNvPr>
+          <p:cNvSpPr/>
+          <p:nvPr/>
+        </p:nvSpPr>
+        <p:spPr>
+          <a:xfrm>
+            <a:off x="4509628" y="4675942"/>
+            <a:ext cx="1987475" cy="645277"/>
+          </a:xfrm>
+          <a:prstGeom prst="rect">
+            <a:avLst/>
+          </a:prstGeom>
+        </p:spPr>
+        <p:style>
+          <a:lnRef idx="2">
+            <a:schemeClr val="accent4">
+              <a:shade val="50000"/>
+            </a:schemeClr>
+          </a:lnRef>
+          <a:fillRef idx="1">
+            <a:schemeClr val="accent4"/>
+          </a:fillRef>
+          <a:effectRef idx="0">
+            <a:schemeClr val="accent4"/>
+          </a:effectRef>
+          <a:fontRef idx="minor">
+            <a:schemeClr val="lt1"/>
+          </a:fontRef>
+        </p:style>
+        <p:txBody>
+          <a:bodyPr rtlCol="0" anchor="ctr"/>
+          <a:lstStyle/>
+          <a:p>
+            <a:pPr algn="ctr"/>
+            <a:r>
+              <a:rPr lang="en-US" sz="1600"/>
+              <a:t>move.global</a:t>
             </a:r>
             <a:br>
               <a:rPr lang="en-US" sz="1600" b="1"/>
@@ -5716,10 +5529,10 @@
       </p:sp>
       <p:sp>
         <p:nvSpPr>
-          <p:cNvPr id="244" name="Down Arrow 243">
-            <a:extLst>
-              <a:ext uri="{FF2B5EF4-FFF2-40B4-BE49-F238E27FC236}">
-                <a16:creationId xmlns:a16="http://schemas.microsoft.com/office/drawing/2014/main" id="{0DA49BFB-6749-8843-9177-952B3C468E60}"/>
+          <p:cNvPr id="248" name="Rectangle 247">
+            <a:extLst>
+              <a:ext uri="{FF2B5EF4-FFF2-40B4-BE49-F238E27FC236}">
+                <a16:creationId xmlns:a16="http://schemas.microsoft.com/office/drawing/2014/main" id="{D35CF018-7FC4-684A-9DA9-60D958BF6D57}"/>
               </a:ext>
             </a:extLst>
           </p:cNvPr>
@@ -5728,7 +5541,230 @@
         </p:nvSpPr>
         <p:spPr>
           <a:xfrm>
-            <a:off x="10031225" y="2750347"/>
+            <a:off x="6520472" y="4675942"/>
+            <a:ext cx="1987475" cy="645277"/>
+          </a:xfrm>
+          <a:prstGeom prst="rect">
+            <a:avLst/>
+          </a:prstGeom>
+        </p:spPr>
+        <p:style>
+          <a:lnRef idx="1">
+            <a:schemeClr val="accent6"/>
+          </a:lnRef>
+          <a:fillRef idx="2">
+            <a:schemeClr val="accent6"/>
+          </a:fillRef>
+          <a:effectRef idx="1">
+            <a:schemeClr val="accent6"/>
+          </a:effectRef>
+          <a:fontRef idx="minor">
+            <a:schemeClr val="dk1"/>
+          </a:fontRef>
+        </p:style>
+        <p:txBody>
+          <a:bodyPr rtlCol="0" anchor="ctr"/>
+          <a:lstStyle/>
+          <a:p>
+            <a:pPr algn="ctr"/>
+            <a:r>
+              <a:rPr lang="en-US" sz="1600"/>
+              <a:t>Move.v.2</a:t>
+            </a:r>
+            <a:br>
+              <a:rPr lang="en-US" sz="1600" b="1"/>
+            </a:br>
+            <a:r>
+              <a:rPr lang="en-US" sz="1600" b="1"/>
+              <a:t>Sense </a:t>
+            </a:r>
+            <a:r>
+              <a:rPr lang="en-US" sz="1600" b="1">
+                <a:solidFill>
+                  <a:schemeClr val="tx1"/>
+                </a:solidFill>
+              </a:rPr>
+              <a:t>Node State</a:t>
+            </a:r>
+          </a:p>
+        </p:txBody>
+      </p:sp>
+      <p:sp>
+        <p:nvSpPr>
+          <p:cNvPr id="249" name="TextBox 248">
+            <a:extLst>
+              <a:ext uri="{FF2B5EF4-FFF2-40B4-BE49-F238E27FC236}">
+                <a16:creationId xmlns:a16="http://schemas.microsoft.com/office/drawing/2014/main" id="{1AD4AF1E-29BB-C843-81FD-DB36FE67382B}"/>
+              </a:ext>
+            </a:extLst>
+          </p:cNvPr>
+          <p:cNvSpPr txBox="1"/>
+          <p:nvPr/>
+        </p:nvSpPr>
+        <p:spPr>
+          <a:xfrm>
+            <a:off x="808882" y="4991329"/>
+            <a:ext cx="1602487" cy="369332"/>
+          </a:xfrm>
+          <a:prstGeom prst="rect">
+            <a:avLst/>
+          </a:prstGeom>
+          <a:noFill/>
+        </p:spPr>
+        <p:txBody>
+          <a:bodyPr wrap="square" rtlCol="0">
+            <a:spAutoFit/>
+          </a:bodyPr>
+          <a:lstStyle/>
+          <a:p>
+            <a:r>
+              <a:rPr lang="en-US"/>
+              <a:t>Concatenated:</a:t>
+            </a:r>
+          </a:p>
+        </p:txBody>
+      </p:sp>
+      <p:cxnSp>
+        <p:nvCxnSpPr>
+          <p:cNvPr id="251" name="Straight Arrow Connector 250">
+            <a:extLst>
+              <a:ext uri="{FF2B5EF4-FFF2-40B4-BE49-F238E27FC236}">
+                <a16:creationId xmlns:a16="http://schemas.microsoft.com/office/drawing/2014/main" id="{05A03702-9650-124E-8F2F-D57C4BCDBF27}"/>
+              </a:ext>
+            </a:extLst>
+          </p:cNvPr>
+          <p:cNvCxnSpPr>
+            <a:stCxn id="57" idx="2"/>
+            <a:endCxn id="246" idx="0"/>
+          </p:cNvCxnSpPr>
+          <p:nvPr/>
+        </p:nvCxnSpPr>
+        <p:spPr>
+          <a:xfrm>
+            <a:off x="1475481" y="1546981"/>
+            <a:ext cx="2017040" cy="3128961"/>
+          </a:xfrm>
+          <a:prstGeom prst="straightConnector1">
+            <a:avLst/>
+          </a:prstGeom>
+          <a:ln>
+            <a:tailEnd type="triangle"/>
+          </a:ln>
+        </p:spPr>
+        <p:style>
+          <a:lnRef idx="1">
+            <a:schemeClr val="dk1"/>
+          </a:lnRef>
+          <a:fillRef idx="0">
+            <a:schemeClr val="dk1"/>
+          </a:fillRef>
+          <a:effectRef idx="0">
+            <a:schemeClr val="dk1"/>
+          </a:effectRef>
+          <a:fontRef idx="minor">
+            <a:schemeClr val="tx1"/>
+          </a:fontRef>
+        </p:style>
+      </p:cxnSp>
+      <p:cxnSp>
+        <p:nvCxnSpPr>
+          <p:cNvPr id="252" name="Straight Arrow Connector 251">
+            <a:extLst>
+              <a:ext uri="{FF2B5EF4-FFF2-40B4-BE49-F238E27FC236}">
+                <a16:creationId xmlns:a16="http://schemas.microsoft.com/office/drawing/2014/main" id="{E2539D3D-161B-7045-BFAE-9C6773EE27C1}"/>
+              </a:ext>
+            </a:extLst>
+          </p:cNvPr>
+          <p:cNvCxnSpPr>
+            <a:cxnSpLocks/>
+            <a:stCxn id="222" idx="2"/>
+          </p:cNvCxnSpPr>
+          <p:nvPr/>
+        </p:nvCxnSpPr>
+        <p:spPr>
+          <a:xfrm>
+            <a:off x="5495919" y="4171473"/>
+            <a:ext cx="7447" cy="504468"/>
+          </a:xfrm>
+          <a:prstGeom prst="straightConnector1">
+            <a:avLst/>
+          </a:prstGeom>
+          <a:ln>
+            <a:tailEnd type="triangle"/>
+          </a:ln>
+        </p:spPr>
+        <p:style>
+          <a:lnRef idx="1">
+            <a:schemeClr val="dk1"/>
+          </a:lnRef>
+          <a:fillRef idx="0">
+            <a:schemeClr val="dk1"/>
+          </a:fillRef>
+          <a:effectRef idx="0">
+            <a:schemeClr val="dk1"/>
+          </a:effectRef>
+          <a:fontRef idx="minor">
+            <a:schemeClr val="tx1"/>
+          </a:fontRef>
+        </p:style>
+      </p:cxnSp>
+      <p:cxnSp>
+        <p:nvCxnSpPr>
+          <p:cNvPr id="255" name="Straight Arrow Connector 254">
+            <a:extLst>
+              <a:ext uri="{FF2B5EF4-FFF2-40B4-BE49-F238E27FC236}">
+                <a16:creationId xmlns:a16="http://schemas.microsoft.com/office/drawing/2014/main" id="{2ABD30DF-312D-3D45-B2CD-9E696DD20694}"/>
+              </a:ext>
+            </a:extLst>
+          </p:cNvPr>
+          <p:cNvCxnSpPr>
+            <a:cxnSpLocks/>
+            <a:endCxn id="248" idx="0"/>
+          </p:cNvCxnSpPr>
+          <p:nvPr/>
+        </p:nvCxnSpPr>
+        <p:spPr>
+          <a:xfrm flipH="1">
+            <a:off x="7514209" y="3848835"/>
+            <a:ext cx="1733692" cy="827107"/>
+          </a:xfrm>
+          <a:prstGeom prst="straightConnector1">
+            <a:avLst/>
+          </a:prstGeom>
+          <a:ln>
+            <a:tailEnd type="triangle"/>
+          </a:ln>
+        </p:spPr>
+        <p:style>
+          <a:lnRef idx="1">
+            <a:schemeClr val="dk1"/>
+          </a:lnRef>
+          <a:fillRef idx="0">
+            <a:schemeClr val="dk1"/>
+          </a:fillRef>
+          <a:effectRef idx="0">
+            <a:schemeClr val="dk1"/>
+          </a:effectRef>
+          <a:fontRef idx="minor">
+            <a:schemeClr val="tx1"/>
+          </a:fontRef>
+        </p:style>
+      </p:cxnSp>
+      <p:sp>
+        <p:nvSpPr>
+          <p:cNvPr id="257" name="Down Arrow 256">
+            <a:extLst>
+              <a:ext uri="{FF2B5EF4-FFF2-40B4-BE49-F238E27FC236}">
+                <a16:creationId xmlns:a16="http://schemas.microsoft.com/office/drawing/2014/main" id="{18F0D862-3477-2D4C-BA18-3CA75A087836}"/>
+              </a:ext>
+            </a:extLst>
+          </p:cNvPr>
+          <p:cNvSpPr/>
+          <p:nvPr/>
+        </p:nvSpPr>
+        <p:spPr>
+          <a:xfrm>
+            <a:off x="5319695" y="5520402"/>
             <a:ext cx="381964" cy="473605"/>
           </a:xfrm>
           <a:prstGeom prst="downArrow">
@@ -5765,10 +5801,10 @@
       </p:sp>
       <p:sp>
         <p:nvSpPr>
-          <p:cNvPr id="246" name="Rectangle 245">
-            <a:extLst>
-              <a:ext uri="{FF2B5EF4-FFF2-40B4-BE49-F238E27FC236}">
-                <a16:creationId xmlns:a16="http://schemas.microsoft.com/office/drawing/2014/main" id="{21EBD558-2A2F-AE47-AA00-988700403061}"/>
+          <p:cNvPr id="258" name="Left Bracket 257">
+            <a:extLst>
+              <a:ext uri="{FF2B5EF4-FFF2-40B4-BE49-F238E27FC236}">
+                <a16:creationId xmlns:a16="http://schemas.microsoft.com/office/drawing/2014/main" id="{161D59A0-97E8-A340-937B-F8E6E9BF767B}"/>
               </a:ext>
             </a:extLst>
           </p:cNvPr>
@@ -5776,9 +5812,1042 @@
           <p:nvPr/>
         </p:nvSpPr>
         <p:spPr>
-          <a:xfrm>
-            <a:off x="2474070" y="4382570"/>
-            <a:ext cx="1987475" cy="645277"/>
+          <a:xfrm rot="-5400000">
+            <a:off x="5359392" y="2177174"/>
+            <a:ext cx="299326" cy="6370202"/>
+          </a:xfrm>
+          <a:prstGeom prst="leftBracket">
+            <a:avLst/>
+          </a:prstGeom>
+          <a:ln w="12700"/>
+        </p:spPr>
+        <p:style>
+          <a:lnRef idx="1">
+            <a:schemeClr val="accent1"/>
+          </a:lnRef>
+          <a:fillRef idx="0">
+            <a:schemeClr val="accent1"/>
+          </a:fillRef>
+          <a:effectRef idx="0">
+            <a:schemeClr val="accent1"/>
+          </a:effectRef>
+          <a:fontRef idx="minor">
+            <a:schemeClr val="tx1"/>
+          </a:fontRef>
+        </p:style>
+        <p:txBody>
+          <a:bodyPr rtlCol="0" anchor="ctr"/>
+          <a:lstStyle/>
+          <a:p>
+            <a:pPr algn="ctr"/>
+            <a:endParaRPr lang="en-US"/>
+          </a:p>
+        </p:txBody>
+      </p:sp>
+      <p:sp>
+        <p:nvSpPr>
+          <p:cNvPr id="259" name="Diamond 258">
+            <a:extLst>
+              <a:ext uri="{FF2B5EF4-FFF2-40B4-BE49-F238E27FC236}">
+                <a16:creationId xmlns:a16="http://schemas.microsoft.com/office/drawing/2014/main" id="{39D90A8D-B5BB-4B48-AC59-75E00CEEE05C}"/>
+              </a:ext>
+            </a:extLst>
+          </p:cNvPr>
+          <p:cNvSpPr/>
+          <p:nvPr/>
+        </p:nvSpPr>
+        <p:spPr>
+          <a:xfrm>
+            <a:off x="4297976" y="6022004"/>
+            <a:ext cx="2423155" cy="835996"/>
+          </a:xfrm>
+          <a:prstGeom prst="diamond">
+            <a:avLst/>
+          </a:prstGeom>
+        </p:spPr>
+        <p:style>
+          <a:lnRef idx="2">
+            <a:schemeClr val="accent1">
+              <a:shade val="50000"/>
+            </a:schemeClr>
+          </a:lnRef>
+          <a:fillRef idx="1">
+            <a:schemeClr val="accent1"/>
+          </a:fillRef>
+          <a:effectRef idx="0">
+            <a:schemeClr val="accent1"/>
+          </a:effectRef>
+          <a:fontRef idx="minor">
+            <a:schemeClr val="lt1"/>
+          </a:fontRef>
+        </p:style>
+        <p:txBody>
+          <a:bodyPr rtlCol="0" anchor="ctr"/>
+          <a:lstStyle/>
+          <a:p>
+            <a:pPr algn="ctr"/>
+            <a:r>
+              <a:rPr lang="en-US"/>
+              <a:t>2-layers</a:t>
+            </a:r>
+            <a:br>
+              <a:rPr lang="en-US"/>
+            </a:br>
+            <a:r>
+              <a:rPr lang="en-US"/>
+              <a:t>GRU</a:t>
+            </a:r>
+          </a:p>
+        </p:txBody>
+      </p:sp>
+      <p:sp>
+        <p:nvSpPr>
+          <p:cNvPr id="86" name="Rectangle 85">
+            <a:extLst>
+              <a:ext uri="{FF2B5EF4-FFF2-40B4-BE49-F238E27FC236}">
+                <a16:creationId xmlns:a16="http://schemas.microsoft.com/office/drawing/2014/main" id="{04720A63-B472-2649-946A-1480BD193270}"/>
+              </a:ext>
+            </a:extLst>
+          </p:cNvPr>
+          <p:cNvSpPr/>
+          <p:nvPr/>
+        </p:nvSpPr>
+        <p:spPr>
+          <a:xfrm>
+            <a:off x="4289485" y="7175531"/>
+            <a:ext cx="1987475" cy="530651"/>
+          </a:xfrm>
+          <a:prstGeom prst="rect">
+            <a:avLst/>
+          </a:prstGeom>
+          <a:solidFill>
+            <a:schemeClr val="accent5">
+              <a:lumMod val="40000"/>
+              <a:lumOff val="60000"/>
+            </a:schemeClr>
+          </a:solidFill>
+        </p:spPr>
+        <p:style>
+          <a:lnRef idx="2">
+            <a:schemeClr val="accent5">
+              <a:shade val="50000"/>
+            </a:schemeClr>
+          </a:lnRef>
+          <a:fillRef idx="1">
+            <a:schemeClr val="accent5"/>
+          </a:fillRef>
+          <a:effectRef idx="0">
+            <a:schemeClr val="accent5"/>
+          </a:effectRef>
+          <a:fontRef idx="minor">
+            <a:schemeClr val="lt1"/>
+          </a:fontRef>
+        </p:style>
+        <p:txBody>
+          <a:bodyPr rtlCol="0" anchor="ctr"/>
+          <a:lstStyle/>
+          <a:p>
+            <a:pPr algn="ctr"/>
+            <a:r>
+              <a:rPr lang="en-US" sz="1600">
+                <a:solidFill>
+                  <a:schemeClr val="tx1"/>
+                </a:solidFill>
+              </a:rPr>
+              <a:t>Encoding </a:t>
+            </a:r>
+            <a:br>
+              <a:rPr lang="en-US" sz="1600">
+                <a:solidFill>
+                  <a:schemeClr val="tx1"/>
+                </a:solidFill>
+              </a:rPr>
+            </a:br>
+            <a:r>
+              <a:rPr lang="en-US" sz="1600">
+                <a:solidFill>
+                  <a:schemeClr val="tx1"/>
+                </a:solidFill>
+              </a:rPr>
+              <a:t>(Hidden state 2)</a:t>
+            </a:r>
+            <a:endParaRPr lang="en-US" sz="1600" b="1">
+              <a:solidFill>
+                <a:schemeClr val="tx1"/>
+              </a:solidFill>
+            </a:endParaRPr>
+          </a:p>
+        </p:txBody>
+      </p:sp>
+      <p:sp>
+        <p:nvSpPr>
+          <p:cNvPr id="87" name="Diamond 86">
+            <a:extLst>
+              <a:ext uri="{FF2B5EF4-FFF2-40B4-BE49-F238E27FC236}">
+                <a16:creationId xmlns:a16="http://schemas.microsoft.com/office/drawing/2014/main" id="{D720A14A-448F-C74D-9782-DA58BDCF5657}"/>
+              </a:ext>
+            </a:extLst>
+          </p:cNvPr>
+          <p:cNvSpPr/>
+          <p:nvPr/>
+        </p:nvSpPr>
+        <p:spPr>
+          <a:xfrm>
+            <a:off x="4071644" y="8151229"/>
+            <a:ext cx="2423155" cy="835996"/>
+          </a:xfrm>
+          <a:prstGeom prst="diamond">
+            <a:avLst/>
+          </a:prstGeom>
+        </p:spPr>
+        <p:style>
+          <a:lnRef idx="2">
+            <a:schemeClr val="accent1">
+              <a:shade val="50000"/>
+            </a:schemeClr>
+          </a:lnRef>
+          <a:fillRef idx="1">
+            <a:schemeClr val="accent1"/>
+          </a:fillRef>
+          <a:effectRef idx="0">
+            <a:schemeClr val="accent1"/>
+          </a:effectRef>
+          <a:fontRef idx="minor">
+            <a:schemeClr val="lt1"/>
+          </a:fontRef>
+        </p:style>
+        <p:txBody>
+          <a:bodyPr wrap="none" lIns="36000" rIns="36000" rtlCol="0" anchor="ctr"/>
+          <a:lstStyle/>
+          <a:p>
+            <a:pPr algn="ctr"/>
+            <a:r>
+              <a:rPr lang="en-GB"/>
+              <a:t>FF-NN:</a:t>
+            </a:r>
+            <a:br>
+              <a:rPr lang="en-GB"/>
+            </a:br>
+            <a:r>
+              <a:rPr lang="en-GB"/>
+              <a:t>linear2global</a:t>
+            </a:r>
+            <a:endParaRPr lang="en-US"/>
+          </a:p>
+        </p:txBody>
+      </p:sp>
+      <p:sp>
+        <p:nvSpPr>
+          <p:cNvPr id="88" name="Rectangle 87">
+            <a:extLst>
+              <a:ext uri="{FF2B5EF4-FFF2-40B4-BE49-F238E27FC236}">
+                <a16:creationId xmlns:a16="http://schemas.microsoft.com/office/drawing/2014/main" id="{B6224982-B82A-1543-8A21-0A983FA65669}"/>
+              </a:ext>
+            </a:extLst>
+          </p:cNvPr>
+          <p:cNvSpPr/>
+          <p:nvPr/>
+        </p:nvSpPr>
+        <p:spPr>
+          <a:xfrm>
+            <a:off x="4313750" y="9448428"/>
+            <a:ext cx="1987475" cy="530651"/>
+          </a:xfrm>
+          <a:prstGeom prst="rect">
+            <a:avLst/>
+          </a:prstGeom>
+          <a:solidFill>
+            <a:schemeClr val="accent5">
+              <a:lumMod val="40000"/>
+              <a:lumOff val="60000"/>
+            </a:schemeClr>
+          </a:solidFill>
+        </p:spPr>
+        <p:style>
+          <a:lnRef idx="2">
+            <a:schemeClr val="accent5">
+              <a:shade val="50000"/>
+            </a:schemeClr>
+          </a:lnRef>
+          <a:fillRef idx="1">
+            <a:schemeClr val="accent5"/>
+          </a:fillRef>
+          <a:effectRef idx="0">
+            <a:schemeClr val="accent5"/>
+          </a:effectRef>
+          <a:fontRef idx="minor">
+            <a:schemeClr val="lt1"/>
+          </a:fontRef>
+        </p:style>
+        <p:txBody>
+          <a:bodyPr rtlCol="0" anchor="ctr"/>
+          <a:lstStyle/>
+          <a:p>
+            <a:pPr algn="ctr"/>
+            <a:r>
+              <a:rPr lang="en-US" sz="1600">
+                <a:solidFill>
+                  <a:schemeClr val="tx1"/>
+                </a:solidFill>
+              </a:rPr>
+              <a:t>Logits of global words</a:t>
+            </a:r>
+          </a:p>
+        </p:txBody>
+      </p:sp>
+      <p:sp>
+        <p:nvSpPr>
+          <p:cNvPr id="89" name="Oval 88">
+            <a:extLst>
+              <a:ext uri="{FF2B5EF4-FFF2-40B4-BE49-F238E27FC236}">
+                <a16:creationId xmlns:a16="http://schemas.microsoft.com/office/drawing/2014/main" id="{CFD90A3F-D25D-C244-8A21-32EFC539FF5A}"/>
+              </a:ext>
+            </a:extLst>
+          </p:cNvPr>
+          <p:cNvSpPr/>
+          <p:nvPr/>
+        </p:nvSpPr>
+        <p:spPr>
+          <a:xfrm>
+            <a:off x="4907043" y="10404000"/>
+            <a:ext cx="752354" cy="755561"/>
+          </a:xfrm>
+          <a:prstGeom prst="ellipse">
+            <a:avLst/>
+          </a:prstGeom>
+        </p:spPr>
+        <p:style>
+          <a:lnRef idx="1">
+            <a:schemeClr val="accent3"/>
+          </a:lnRef>
+          <a:fillRef idx="2">
+            <a:schemeClr val="accent3"/>
+          </a:fillRef>
+          <a:effectRef idx="1">
+            <a:schemeClr val="accent3"/>
+          </a:effectRef>
+          <a:fontRef idx="minor">
+            <a:schemeClr val="dk1"/>
+          </a:fontRef>
+        </p:style>
+        <p:txBody>
+          <a:bodyPr wrap="none" rtlCol="0" anchor="ctr"/>
+          <a:lstStyle/>
+          <a:p>
+            <a:pPr algn="ctr"/>
+            <a:r>
+              <a:rPr lang="en-US"/>
+              <a:t>Softmax</a:t>
+            </a:r>
+          </a:p>
+        </p:txBody>
+      </p:sp>
+      <p:cxnSp>
+        <p:nvCxnSpPr>
+          <p:cNvPr id="91" name="Straight Arrow Connector 90">
+            <a:extLst>
+              <a:ext uri="{FF2B5EF4-FFF2-40B4-BE49-F238E27FC236}">
+                <a16:creationId xmlns:a16="http://schemas.microsoft.com/office/drawing/2014/main" id="{9544C424-A1A3-2D40-9806-8B36B62ECA49}"/>
+              </a:ext>
+            </a:extLst>
+          </p:cNvPr>
+          <p:cNvCxnSpPr>
+            <a:cxnSpLocks/>
+            <a:endCxn id="86" idx="0"/>
+          </p:cNvCxnSpPr>
+          <p:nvPr/>
+        </p:nvCxnSpPr>
+        <p:spPr>
+          <a:xfrm flipH="1">
+            <a:off x="5283223" y="6830078"/>
+            <a:ext cx="1" cy="345452"/>
+          </a:xfrm>
+          <a:prstGeom prst="straightConnector1">
+            <a:avLst/>
+          </a:prstGeom>
+          <a:ln>
+            <a:tailEnd type="triangle"/>
+          </a:ln>
+        </p:spPr>
+        <p:style>
+          <a:lnRef idx="1">
+            <a:schemeClr val="dk1"/>
+          </a:lnRef>
+          <a:fillRef idx="0">
+            <a:schemeClr val="dk1"/>
+          </a:fillRef>
+          <a:effectRef idx="0">
+            <a:schemeClr val="dk1"/>
+          </a:effectRef>
+          <a:fontRef idx="minor">
+            <a:schemeClr val="tx1"/>
+          </a:fontRef>
+        </p:style>
+      </p:cxnSp>
+      <p:sp>
+        <p:nvSpPr>
+          <p:cNvPr id="92" name="Down Arrow 91">
+            <a:extLst>
+              <a:ext uri="{FF2B5EF4-FFF2-40B4-BE49-F238E27FC236}">
+                <a16:creationId xmlns:a16="http://schemas.microsoft.com/office/drawing/2014/main" id="{8B86E277-3EBE-4D4D-906B-94475D1125B4}"/>
+              </a:ext>
+            </a:extLst>
+          </p:cNvPr>
+          <p:cNvSpPr/>
+          <p:nvPr/>
+        </p:nvSpPr>
+        <p:spPr>
+          <a:xfrm>
+            <a:off x="5103814" y="7701452"/>
+            <a:ext cx="381964" cy="428262"/>
+          </a:xfrm>
+          <a:prstGeom prst="downArrow">
+            <a:avLst/>
+          </a:prstGeom>
+          <a:solidFill>
+            <a:schemeClr val="bg1"/>
+          </a:solidFill>
+        </p:spPr>
+        <p:style>
+          <a:lnRef idx="2">
+            <a:schemeClr val="accent1">
+              <a:shade val="50000"/>
+            </a:schemeClr>
+          </a:lnRef>
+          <a:fillRef idx="1">
+            <a:schemeClr val="accent1"/>
+          </a:fillRef>
+          <a:effectRef idx="0">
+            <a:schemeClr val="accent1"/>
+          </a:effectRef>
+          <a:fontRef idx="minor">
+            <a:schemeClr val="lt1"/>
+          </a:fontRef>
+        </p:style>
+        <p:txBody>
+          <a:bodyPr rtlCol="0" anchor="ctr"/>
+          <a:lstStyle/>
+          <a:p>
+            <a:pPr algn="ctr"/>
+            <a:endParaRPr lang="en-US"/>
+          </a:p>
+        </p:txBody>
+      </p:sp>
+      <p:sp>
+        <p:nvSpPr>
+          <p:cNvPr id="93" name="Down Arrow 92">
+            <a:extLst>
+              <a:ext uri="{FF2B5EF4-FFF2-40B4-BE49-F238E27FC236}">
+                <a16:creationId xmlns:a16="http://schemas.microsoft.com/office/drawing/2014/main" id="{5A0602D7-C1C7-184A-B336-BDBBEA25EBA2}"/>
+              </a:ext>
+            </a:extLst>
+          </p:cNvPr>
+          <p:cNvSpPr/>
+          <p:nvPr/>
+        </p:nvSpPr>
+        <p:spPr>
+          <a:xfrm>
+            <a:off x="5103814" y="8987225"/>
+            <a:ext cx="381964" cy="428262"/>
+          </a:xfrm>
+          <a:prstGeom prst="downArrow">
+            <a:avLst/>
+          </a:prstGeom>
+          <a:solidFill>
+            <a:schemeClr val="bg1"/>
+          </a:solidFill>
+        </p:spPr>
+        <p:style>
+          <a:lnRef idx="2">
+            <a:schemeClr val="accent1">
+              <a:shade val="50000"/>
+            </a:schemeClr>
+          </a:lnRef>
+          <a:fillRef idx="1">
+            <a:schemeClr val="accent1"/>
+          </a:fillRef>
+          <a:effectRef idx="0">
+            <a:schemeClr val="accent1"/>
+          </a:effectRef>
+          <a:fontRef idx="minor">
+            <a:schemeClr val="lt1"/>
+          </a:fontRef>
+        </p:style>
+        <p:txBody>
+          <a:bodyPr rtlCol="0" anchor="ctr"/>
+          <a:lstStyle/>
+          <a:p>
+            <a:pPr algn="ctr"/>
+            <a:endParaRPr lang="en-US"/>
+          </a:p>
+        </p:txBody>
+      </p:sp>
+      <p:sp>
+        <p:nvSpPr>
+          <p:cNvPr id="94" name="Down Arrow 93">
+            <a:extLst>
+              <a:ext uri="{FF2B5EF4-FFF2-40B4-BE49-F238E27FC236}">
+                <a16:creationId xmlns:a16="http://schemas.microsoft.com/office/drawing/2014/main" id="{9C0E5ABE-5384-D840-81FE-E7F6C349D18F}"/>
+              </a:ext>
+            </a:extLst>
+          </p:cNvPr>
+          <p:cNvSpPr/>
+          <p:nvPr/>
+        </p:nvSpPr>
+        <p:spPr>
+          <a:xfrm>
+            <a:off x="5092238" y="9971701"/>
+            <a:ext cx="381964" cy="428262"/>
+          </a:xfrm>
+          <a:prstGeom prst="downArrow">
+            <a:avLst/>
+          </a:prstGeom>
+          <a:solidFill>
+            <a:schemeClr val="bg1"/>
+          </a:solidFill>
+        </p:spPr>
+        <p:style>
+          <a:lnRef idx="2">
+            <a:schemeClr val="accent1">
+              <a:shade val="50000"/>
+            </a:schemeClr>
+          </a:lnRef>
+          <a:fillRef idx="1">
+            <a:schemeClr val="accent1"/>
+          </a:fillRef>
+          <a:effectRef idx="0">
+            <a:schemeClr val="accent1"/>
+          </a:effectRef>
+          <a:fontRef idx="minor">
+            <a:schemeClr val="lt1"/>
+          </a:fontRef>
+        </p:style>
+        <p:txBody>
+          <a:bodyPr rtlCol="0" anchor="ctr"/>
+          <a:lstStyle/>
+          <a:p>
+            <a:pPr algn="ctr"/>
+            <a:endParaRPr lang="en-US"/>
+          </a:p>
+        </p:txBody>
+      </p:sp>
+      <p:sp>
+        <p:nvSpPr>
+          <p:cNvPr id="95" name="Down Arrow 94">
+            <a:extLst>
+              <a:ext uri="{FF2B5EF4-FFF2-40B4-BE49-F238E27FC236}">
+                <a16:creationId xmlns:a16="http://schemas.microsoft.com/office/drawing/2014/main" id="{DE00B892-F4BD-8246-B94F-4394B3C18E76}"/>
+              </a:ext>
+            </a:extLst>
+          </p:cNvPr>
+          <p:cNvSpPr/>
+          <p:nvPr/>
+        </p:nvSpPr>
+        <p:spPr>
+          <a:xfrm>
+            <a:off x="5092238" y="11169052"/>
+            <a:ext cx="381964" cy="428262"/>
+          </a:xfrm>
+          <a:prstGeom prst="downArrow">
+            <a:avLst/>
+          </a:prstGeom>
+          <a:solidFill>
+            <a:schemeClr val="bg1"/>
+          </a:solidFill>
+        </p:spPr>
+        <p:style>
+          <a:lnRef idx="2">
+            <a:schemeClr val="accent1">
+              <a:shade val="50000"/>
+            </a:schemeClr>
+          </a:lnRef>
+          <a:fillRef idx="1">
+            <a:schemeClr val="accent1"/>
+          </a:fillRef>
+          <a:effectRef idx="0">
+            <a:schemeClr val="accent1"/>
+          </a:effectRef>
+          <a:fontRef idx="minor">
+            <a:schemeClr val="lt1"/>
+          </a:fontRef>
+        </p:style>
+        <p:txBody>
+          <a:bodyPr rtlCol="0" anchor="ctr"/>
+          <a:lstStyle/>
+          <a:p>
+            <a:pPr algn="ctr"/>
+            <a:endParaRPr lang="en-US"/>
+          </a:p>
+        </p:txBody>
+      </p:sp>
+      <p:sp>
+        <p:nvSpPr>
+          <p:cNvPr id="96" name="Rectangle 95">
+            <a:extLst>
+              <a:ext uri="{FF2B5EF4-FFF2-40B4-BE49-F238E27FC236}">
+                <a16:creationId xmlns:a16="http://schemas.microsoft.com/office/drawing/2014/main" id="{8A94CFEB-FC92-364F-99C0-4829BD8C0DAA}"/>
+              </a:ext>
+            </a:extLst>
+          </p:cNvPr>
+          <p:cNvSpPr/>
+          <p:nvPr/>
+        </p:nvSpPr>
+        <p:spPr>
+          <a:xfrm>
+            <a:off x="4289483" y="11597315"/>
+            <a:ext cx="1987475" cy="755561"/>
+          </a:xfrm>
+          <a:prstGeom prst="rect">
+            <a:avLst/>
+          </a:prstGeom>
+          <a:solidFill>
+            <a:schemeClr val="accent4">
+              <a:lumMod val="40000"/>
+              <a:lumOff val="60000"/>
+            </a:schemeClr>
+          </a:solidFill>
+        </p:spPr>
+        <p:style>
+          <a:lnRef idx="2">
+            <a:schemeClr val="accent5">
+              <a:shade val="50000"/>
+            </a:schemeClr>
+          </a:lnRef>
+          <a:fillRef idx="1">
+            <a:schemeClr val="accent5"/>
+          </a:fillRef>
+          <a:effectRef idx="0">
+            <a:schemeClr val="accent5"/>
+          </a:effectRef>
+          <a:fontRef idx="minor">
+            <a:schemeClr val="lt1"/>
+          </a:fontRef>
+        </p:style>
+        <p:txBody>
+          <a:bodyPr rtlCol="0" anchor="ctr"/>
+          <a:lstStyle/>
+          <a:p>
+            <a:pPr algn="ctr"/>
+            <a:r>
+              <a:rPr lang="en-US" sz="1600">
+                <a:solidFill>
+                  <a:schemeClr val="tx1"/>
+                </a:solidFill>
+              </a:rPr>
+              <a:t>Predicted probabilities – next global word</a:t>
+            </a:r>
+          </a:p>
+        </p:txBody>
+      </p:sp>
+      <p:sp>
+        <p:nvSpPr>
+          <p:cNvPr id="97" name="Rectangle 96">
+            <a:extLst>
+              <a:ext uri="{FF2B5EF4-FFF2-40B4-BE49-F238E27FC236}">
+                <a16:creationId xmlns:a16="http://schemas.microsoft.com/office/drawing/2014/main" id="{A58CB02F-E5F6-DC40-9916-827FEEA07178}"/>
+              </a:ext>
+            </a:extLst>
+          </p:cNvPr>
+          <p:cNvSpPr/>
+          <p:nvPr/>
+        </p:nvSpPr>
+        <p:spPr>
+          <a:xfrm>
+            <a:off x="8065877" y="9448428"/>
+            <a:ext cx="1987475" cy="530651"/>
+          </a:xfrm>
+          <a:prstGeom prst="rect">
+            <a:avLst/>
+          </a:prstGeom>
+          <a:solidFill>
+            <a:schemeClr val="accent5">
+              <a:lumMod val="40000"/>
+              <a:lumOff val="60000"/>
+            </a:schemeClr>
+          </a:solidFill>
+        </p:spPr>
+        <p:style>
+          <a:lnRef idx="2">
+            <a:schemeClr val="accent5">
+              <a:shade val="50000"/>
+            </a:schemeClr>
+          </a:lnRef>
+          <a:fillRef idx="1">
+            <a:schemeClr val="accent5"/>
+          </a:fillRef>
+          <a:effectRef idx="0">
+            <a:schemeClr val="accent5"/>
+          </a:effectRef>
+          <a:fontRef idx="minor">
+            <a:schemeClr val="lt1"/>
+          </a:fontRef>
+        </p:style>
+        <p:txBody>
+          <a:bodyPr rtlCol="0" anchor="ctr"/>
+          <a:lstStyle/>
+          <a:p>
+            <a:pPr algn="ctr"/>
+            <a:r>
+              <a:rPr lang="en-US" sz="1600">
+                <a:solidFill>
+                  <a:schemeClr val="tx1"/>
+                </a:solidFill>
+              </a:rPr>
+              <a:t>Logits of senses</a:t>
+            </a:r>
+          </a:p>
+        </p:txBody>
+      </p:sp>
+      <p:sp>
+        <p:nvSpPr>
+          <p:cNvPr id="98" name="Oval 97">
+            <a:extLst>
+              <a:ext uri="{FF2B5EF4-FFF2-40B4-BE49-F238E27FC236}">
+                <a16:creationId xmlns:a16="http://schemas.microsoft.com/office/drawing/2014/main" id="{6BA11136-0803-0643-81B3-C99C87470CED}"/>
+              </a:ext>
+            </a:extLst>
+          </p:cNvPr>
+          <p:cNvSpPr/>
+          <p:nvPr/>
+        </p:nvSpPr>
+        <p:spPr>
+          <a:xfrm>
+            <a:off x="8659170" y="10404000"/>
+            <a:ext cx="752354" cy="755561"/>
+          </a:xfrm>
+          <a:prstGeom prst="ellipse">
+            <a:avLst/>
+          </a:prstGeom>
+        </p:spPr>
+        <p:style>
+          <a:lnRef idx="1">
+            <a:schemeClr val="accent3"/>
+          </a:lnRef>
+          <a:fillRef idx="2">
+            <a:schemeClr val="accent3"/>
+          </a:fillRef>
+          <a:effectRef idx="1">
+            <a:schemeClr val="accent3"/>
+          </a:effectRef>
+          <a:fontRef idx="minor">
+            <a:schemeClr val="dk1"/>
+          </a:fontRef>
+        </p:style>
+        <p:txBody>
+          <a:bodyPr wrap="none" rtlCol="0" anchor="ctr"/>
+          <a:lstStyle/>
+          <a:p>
+            <a:pPr algn="ctr"/>
+            <a:r>
+              <a:rPr lang="en-US"/>
+              <a:t>Softmax</a:t>
+            </a:r>
+          </a:p>
+        </p:txBody>
+      </p:sp>
+      <p:sp>
+        <p:nvSpPr>
+          <p:cNvPr id="99" name="Down Arrow 98">
+            <a:extLst>
+              <a:ext uri="{FF2B5EF4-FFF2-40B4-BE49-F238E27FC236}">
+                <a16:creationId xmlns:a16="http://schemas.microsoft.com/office/drawing/2014/main" id="{F51D490F-46EF-B84B-A119-C4E3B360FA11}"/>
+              </a:ext>
+            </a:extLst>
+          </p:cNvPr>
+          <p:cNvSpPr/>
+          <p:nvPr/>
+        </p:nvSpPr>
+        <p:spPr>
+          <a:xfrm>
+            <a:off x="8844365" y="9971701"/>
+            <a:ext cx="381964" cy="428262"/>
+          </a:xfrm>
+          <a:prstGeom prst="downArrow">
+            <a:avLst/>
+          </a:prstGeom>
+          <a:solidFill>
+            <a:schemeClr val="bg1"/>
+          </a:solidFill>
+        </p:spPr>
+        <p:style>
+          <a:lnRef idx="2">
+            <a:schemeClr val="accent1">
+              <a:shade val="50000"/>
+            </a:schemeClr>
+          </a:lnRef>
+          <a:fillRef idx="1">
+            <a:schemeClr val="accent1"/>
+          </a:fillRef>
+          <a:effectRef idx="0">
+            <a:schemeClr val="accent1"/>
+          </a:effectRef>
+          <a:fontRef idx="minor">
+            <a:schemeClr val="lt1"/>
+          </a:fontRef>
+        </p:style>
+        <p:txBody>
+          <a:bodyPr rtlCol="0" anchor="ctr"/>
+          <a:lstStyle/>
+          <a:p>
+            <a:pPr algn="ctr"/>
+            <a:endParaRPr lang="en-US"/>
+          </a:p>
+        </p:txBody>
+      </p:sp>
+      <p:sp>
+        <p:nvSpPr>
+          <p:cNvPr id="100" name="Down Arrow 99">
+            <a:extLst>
+              <a:ext uri="{FF2B5EF4-FFF2-40B4-BE49-F238E27FC236}">
+                <a16:creationId xmlns:a16="http://schemas.microsoft.com/office/drawing/2014/main" id="{B2CEBE77-243D-954D-896B-3C6FEDF33FB2}"/>
+              </a:ext>
+            </a:extLst>
+          </p:cNvPr>
+          <p:cNvSpPr/>
+          <p:nvPr/>
+        </p:nvSpPr>
+        <p:spPr>
+          <a:xfrm>
+            <a:off x="8844365" y="11169052"/>
+            <a:ext cx="381964" cy="428262"/>
+          </a:xfrm>
+          <a:prstGeom prst="downArrow">
+            <a:avLst/>
+          </a:prstGeom>
+          <a:solidFill>
+            <a:schemeClr val="bg1"/>
+          </a:solidFill>
+        </p:spPr>
+        <p:style>
+          <a:lnRef idx="2">
+            <a:schemeClr val="accent1">
+              <a:shade val="50000"/>
+            </a:schemeClr>
+          </a:lnRef>
+          <a:fillRef idx="1">
+            <a:schemeClr val="accent1"/>
+          </a:fillRef>
+          <a:effectRef idx="0">
+            <a:schemeClr val="accent1"/>
+          </a:effectRef>
+          <a:fontRef idx="minor">
+            <a:schemeClr val="lt1"/>
+          </a:fontRef>
+        </p:style>
+        <p:txBody>
+          <a:bodyPr rtlCol="0" anchor="ctr"/>
+          <a:lstStyle/>
+          <a:p>
+            <a:pPr algn="ctr"/>
+            <a:endParaRPr lang="en-US"/>
+          </a:p>
+        </p:txBody>
+      </p:sp>
+      <p:sp>
+        <p:nvSpPr>
+          <p:cNvPr id="101" name="Rectangle 100">
+            <a:extLst>
+              <a:ext uri="{FF2B5EF4-FFF2-40B4-BE49-F238E27FC236}">
+                <a16:creationId xmlns:a16="http://schemas.microsoft.com/office/drawing/2014/main" id="{CB9828B1-AA70-1942-93A3-9CE0D0846196}"/>
+              </a:ext>
+            </a:extLst>
+          </p:cNvPr>
+          <p:cNvSpPr/>
+          <p:nvPr/>
+        </p:nvSpPr>
+        <p:spPr>
+          <a:xfrm>
+            <a:off x="8041610" y="11597315"/>
+            <a:ext cx="1987475" cy="755561"/>
+          </a:xfrm>
+          <a:prstGeom prst="rect">
+            <a:avLst/>
+          </a:prstGeom>
+          <a:solidFill>
+            <a:schemeClr val="accent4">
+              <a:lumMod val="40000"/>
+              <a:lumOff val="60000"/>
+            </a:schemeClr>
+          </a:solidFill>
+        </p:spPr>
+        <p:style>
+          <a:lnRef idx="2">
+            <a:schemeClr val="accent5">
+              <a:shade val="50000"/>
+            </a:schemeClr>
+          </a:lnRef>
+          <a:fillRef idx="1">
+            <a:schemeClr val="accent5"/>
+          </a:fillRef>
+          <a:effectRef idx="0">
+            <a:schemeClr val="accent5"/>
+          </a:effectRef>
+          <a:fontRef idx="minor">
+            <a:schemeClr val="lt1"/>
+          </a:fontRef>
+        </p:style>
+        <p:txBody>
+          <a:bodyPr rtlCol="0" anchor="ctr"/>
+          <a:lstStyle/>
+          <a:p>
+            <a:pPr algn="ctr"/>
+            <a:r>
+              <a:rPr lang="en-US" sz="1600">
+                <a:solidFill>
+                  <a:schemeClr val="tx1"/>
+                </a:solidFill>
+              </a:rPr>
+              <a:t>Predicted probabilities – next word sense</a:t>
+            </a:r>
+          </a:p>
+        </p:txBody>
+      </p:sp>
+      <p:sp>
+        <p:nvSpPr>
+          <p:cNvPr id="102" name="Down Arrow 101">
+            <a:extLst>
+              <a:ext uri="{FF2B5EF4-FFF2-40B4-BE49-F238E27FC236}">
+                <a16:creationId xmlns:a16="http://schemas.microsoft.com/office/drawing/2014/main" id="{31DB659C-D85B-EC47-91A2-A01F8156B42B}"/>
+              </a:ext>
+            </a:extLst>
+          </p:cNvPr>
+          <p:cNvSpPr/>
+          <p:nvPr/>
+        </p:nvSpPr>
+        <p:spPr>
+          <a:xfrm>
+            <a:off x="8844364" y="5843343"/>
+            <a:ext cx="376278" cy="986735"/>
+          </a:xfrm>
+          <a:prstGeom prst="downArrow">
+            <a:avLst/>
+          </a:prstGeom>
+          <a:solidFill>
+            <a:schemeClr val="bg1"/>
+          </a:solidFill>
+        </p:spPr>
+        <p:style>
+          <a:lnRef idx="2">
+            <a:schemeClr val="accent1">
+              <a:shade val="50000"/>
+            </a:schemeClr>
+          </a:lnRef>
+          <a:fillRef idx="1">
+            <a:schemeClr val="accent1"/>
+          </a:fillRef>
+          <a:effectRef idx="0">
+            <a:schemeClr val="accent1"/>
+          </a:effectRef>
+          <a:fontRef idx="minor">
+            <a:schemeClr val="lt1"/>
+          </a:fontRef>
+        </p:style>
+        <p:txBody>
+          <a:bodyPr wrap="none" rtlCol="0" anchor="ctr"/>
+          <a:lstStyle/>
+          <a:p>
+            <a:pPr algn="ctr"/>
+            <a:endParaRPr lang="en-US" b="1">
+              <a:solidFill>
+                <a:schemeClr val="tx1"/>
+              </a:solidFill>
+            </a:endParaRPr>
+          </a:p>
+        </p:txBody>
+      </p:sp>
+      <p:cxnSp>
+        <p:nvCxnSpPr>
+          <p:cNvPr id="103" name="Straight Arrow Connector 102">
+            <a:extLst>
+              <a:ext uri="{FF2B5EF4-FFF2-40B4-BE49-F238E27FC236}">
+                <a16:creationId xmlns:a16="http://schemas.microsoft.com/office/drawing/2014/main" id="{48E82184-43C1-7D46-9834-06EBC665D3F5}"/>
+              </a:ext>
+            </a:extLst>
+          </p:cNvPr>
+          <p:cNvCxnSpPr>
+            <a:cxnSpLocks/>
+            <a:stCxn id="86" idx="3"/>
+          </p:cNvCxnSpPr>
+          <p:nvPr/>
+        </p:nvCxnSpPr>
+        <p:spPr>
+          <a:xfrm flipV="1">
+            <a:off x="6276960" y="7421518"/>
+            <a:ext cx="1577403" cy="19338"/>
+          </a:xfrm>
+          <a:prstGeom prst="straightConnector1">
+            <a:avLst/>
+          </a:prstGeom>
+          <a:ln>
+            <a:tailEnd type="triangle"/>
+          </a:ln>
+        </p:spPr>
+        <p:style>
+          <a:lnRef idx="1">
+            <a:schemeClr val="dk1"/>
+          </a:lnRef>
+          <a:fillRef idx="0">
+            <a:schemeClr val="dk1"/>
+          </a:fillRef>
+          <a:effectRef idx="0">
+            <a:schemeClr val="dk1"/>
+          </a:effectRef>
+          <a:fontRef idx="minor">
+            <a:schemeClr val="tx1"/>
+          </a:fontRef>
+        </p:style>
+      </p:cxnSp>
+      <p:sp>
+        <p:nvSpPr>
+          <p:cNvPr id="104" name="TextBox 103">
+            <a:extLst>
+              <a:ext uri="{FF2B5EF4-FFF2-40B4-BE49-F238E27FC236}">
+                <a16:creationId xmlns:a16="http://schemas.microsoft.com/office/drawing/2014/main" id="{B33B7106-170F-2048-9067-00A2AF81F8F8}"/>
+              </a:ext>
+            </a:extLst>
+          </p:cNvPr>
+          <p:cNvSpPr txBox="1"/>
+          <p:nvPr/>
+        </p:nvSpPr>
+        <p:spPr>
+          <a:xfrm>
+            <a:off x="8400397" y="6755730"/>
+            <a:ext cx="1602487" cy="369332"/>
+          </a:xfrm>
+          <a:prstGeom prst="rect">
+            <a:avLst/>
+          </a:prstGeom>
+          <a:noFill/>
+        </p:spPr>
+        <p:txBody>
+          <a:bodyPr wrap="square" rtlCol="0">
+            <a:spAutoFit/>
+          </a:bodyPr>
+          <a:lstStyle/>
+          <a:p>
+            <a:r>
+              <a:rPr lang="en-US"/>
+              <a:t>Concatenate:</a:t>
+            </a:r>
+          </a:p>
+        </p:txBody>
+      </p:sp>
+      <p:sp>
+        <p:nvSpPr>
+          <p:cNvPr id="105" name="Rectangle 104">
+            <a:extLst>
+              <a:ext uri="{FF2B5EF4-FFF2-40B4-BE49-F238E27FC236}">
+                <a16:creationId xmlns:a16="http://schemas.microsoft.com/office/drawing/2014/main" id="{E1E9A32B-88D5-BC41-B7A7-6C28DBA64B0E}"/>
+              </a:ext>
+            </a:extLst>
+          </p:cNvPr>
+          <p:cNvSpPr/>
+          <p:nvPr/>
+        </p:nvSpPr>
+        <p:spPr>
+          <a:xfrm>
+            <a:off x="8748175" y="7186340"/>
+            <a:ext cx="906930" cy="554077"/>
           </a:xfrm>
           <a:prstGeom prst="rect">
             <a:avLst/>
@@ -5812,14 +6881,7 @@
           <a:p>
             <a:pPr algn="ctr"/>
             <a:r>
-              <a:rPr lang="en-US" sz="1600"/>
-              <a:t>move.global</a:t>
-            </a:r>
-            <a:br>
-              <a:rPr lang="en-US" sz="1600" b="1"/>
-            </a:br>
-            <a:r>
-              <a:rPr lang="en-US" sz="1600" b="1">
+              <a:rPr lang="en-US" sz="1200" b="1">
                 <a:solidFill>
                   <a:schemeClr val="tx1"/>
                 </a:solidFill>
@@ -5831,10 +6893,10 @@
       </p:sp>
       <p:sp>
         <p:nvSpPr>
-          <p:cNvPr id="247" name="Rectangle 246">
-            <a:extLst>
-              <a:ext uri="{FF2B5EF4-FFF2-40B4-BE49-F238E27FC236}">
-                <a16:creationId xmlns:a16="http://schemas.microsoft.com/office/drawing/2014/main" id="{4FE39300-1A73-8E45-BF1A-6C75B44DC8C0}"/>
+          <p:cNvPr id="106" name="Rectangle 105">
+            <a:extLst>
+              <a:ext uri="{FF2B5EF4-FFF2-40B4-BE49-F238E27FC236}">
+                <a16:creationId xmlns:a16="http://schemas.microsoft.com/office/drawing/2014/main" id="{A1AFB24C-B026-AA4E-9DBF-3DD0369BCF40}"/>
               </a:ext>
             </a:extLst>
           </p:cNvPr>
@@ -5843,8 +6905,8 @@
         </p:nvSpPr>
         <p:spPr>
           <a:xfrm>
-            <a:off x="4484914" y="4382570"/>
-            <a:ext cx="1987475" cy="645277"/>
+            <a:off x="9655105" y="7175531"/>
+            <a:ext cx="973594" cy="564886"/>
           </a:xfrm>
           <a:prstGeom prst="rect">
             <a:avLst/>
@@ -5872,14 +6934,7 @@
           <a:p>
             <a:pPr algn="ctr"/>
             <a:r>
-              <a:rPr lang="en-US" sz="1600"/>
-              <a:t>move.global</a:t>
-            </a:r>
-            <a:br>
-              <a:rPr lang="en-US" sz="1600" b="1"/>
-            </a:br>
-            <a:r>
-              <a:rPr lang="en-US" sz="1600" b="1">
+              <a:rPr lang="en-US" sz="1200" b="1">
                 <a:solidFill>
                   <a:schemeClr val="tx1"/>
                 </a:solidFill>
@@ -5891,10 +6946,10 @@
       </p:sp>
       <p:sp>
         <p:nvSpPr>
-          <p:cNvPr id="248" name="Rectangle 247">
-            <a:extLst>
-              <a:ext uri="{FF2B5EF4-FFF2-40B4-BE49-F238E27FC236}">
-                <a16:creationId xmlns:a16="http://schemas.microsoft.com/office/drawing/2014/main" id="{D35CF018-7FC4-684A-9DA9-60D958BF6D57}"/>
+          <p:cNvPr id="107" name="Rectangle 106">
+            <a:extLst>
+              <a:ext uri="{FF2B5EF4-FFF2-40B4-BE49-F238E27FC236}">
+                <a16:creationId xmlns:a16="http://schemas.microsoft.com/office/drawing/2014/main" id="{C3CB9358-0B5D-6E40-8A48-6D51B9AFC752}"/>
               </a:ext>
             </a:extLst>
           </p:cNvPr>
@@ -5903,8 +6958,8 @@
         </p:nvSpPr>
         <p:spPr>
           <a:xfrm>
-            <a:off x="6495758" y="4382570"/>
-            <a:ext cx="1987475" cy="645277"/>
+            <a:off x="10628700" y="7174366"/>
+            <a:ext cx="732793" cy="564884"/>
           </a:xfrm>
           <a:prstGeom prst="rect">
             <a:avLst/>
@@ -5930,18 +6985,11 @@
           <a:p>
             <a:pPr algn="ctr"/>
             <a:r>
-              <a:rPr lang="en-US" sz="1600"/>
-              <a:t>Move.v.2</a:t>
-            </a:r>
-            <a:br>
-              <a:rPr lang="en-US" sz="1600" b="1"/>
-            </a:br>
-            <a:r>
-              <a:rPr lang="en-US" sz="1600" b="1"/>
+              <a:rPr lang="en-US" sz="1200" b="1"/>
               <a:t>Sense </a:t>
             </a:r>
             <a:r>
-              <a:rPr lang="en-US" sz="1600" b="1">
+              <a:rPr lang="en-US" sz="1200" b="1">
                 <a:solidFill>
                   <a:schemeClr val="tx1"/>
                 </a:solidFill>
@@ -5953,10 +7001,10 @@
       </p:sp>
       <p:sp>
         <p:nvSpPr>
-          <p:cNvPr id="249" name="TextBox 248">
-            <a:extLst>
-              <a:ext uri="{FF2B5EF4-FFF2-40B4-BE49-F238E27FC236}">
-                <a16:creationId xmlns:a16="http://schemas.microsoft.com/office/drawing/2014/main" id="{1AD4AF1E-29BB-C843-81FD-DB36FE67382B}"/>
+          <p:cNvPr id="108" name="TextBox 107">
+            <a:extLst>
+              <a:ext uri="{FF2B5EF4-FFF2-40B4-BE49-F238E27FC236}">
+                <a16:creationId xmlns:a16="http://schemas.microsoft.com/office/drawing/2014/main" id="{6B8B41D5-2792-E24C-9120-30F5AFCFD7B4}"/>
               </a:ext>
             </a:extLst>
           </p:cNvPr>
@@ -5965,8 +7013,8 @@
         </p:nvSpPr>
         <p:spPr>
           <a:xfrm>
-            <a:off x="784168" y="4697958"/>
-            <a:ext cx="1602487" cy="369332"/>
+            <a:off x="6367463" y="6963803"/>
+            <a:ext cx="1490636" cy="954107"/>
           </a:xfrm>
           <a:prstGeom prst="rect">
             <a:avLst/>
@@ -5980,144 +7028,112 @@
           <a:lstStyle/>
           <a:p>
             <a:r>
-              <a:rPr lang="en-US"/>
-              <a:t>Concatenated:</a:t>
-            </a:r>
-          </a:p>
-        </p:txBody>
-      </p:sp>
-      <p:cxnSp>
-        <p:nvCxnSpPr>
-          <p:cNvPr id="251" name="Straight Arrow Connector 250">
-            <a:extLst>
-              <a:ext uri="{FF2B5EF4-FFF2-40B4-BE49-F238E27FC236}">
-                <a16:creationId xmlns:a16="http://schemas.microsoft.com/office/drawing/2014/main" id="{05A03702-9650-124E-8F2F-D57C4BCDBF27}"/>
-              </a:ext>
-            </a:extLst>
-          </p:cNvPr>
-          <p:cNvCxnSpPr>
-            <a:stCxn id="57" idx="2"/>
-            <a:endCxn id="246" idx="0"/>
-          </p:cNvCxnSpPr>
-          <p:nvPr/>
-        </p:nvCxnSpPr>
-        <p:spPr>
-          <a:xfrm>
-            <a:off x="1450768" y="1253609"/>
-            <a:ext cx="2017040" cy="3128961"/>
-          </a:xfrm>
-          <a:prstGeom prst="straightConnector1">
-            <a:avLst/>
-          </a:prstGeom>
-          <a:ln>
-            <a:tailEnd type="triangle"/>
-          </a:ln>
-        </p:spPr>
-        <p:style>
-          <a:lnRef idx="1">
-            <a:schemeClr val="dk1"/>
-          </a:lnRef>
-          <a:fillRef idx="0">
-            <a:schemeClr val="dk1"/>
+              <a:rPr lang="en-US" sz="1400"/>
+              <a:t>Copy without gradient</a:t>
+            </a:r>
+            <a:br>
+              <a:rPr lang="en-US" sz="1400"/>
+            </a:br>
+            <a:r>
+              <a:rPr lang="en-US" sz="1400"/>
+              <a:t>(</a:t>
+            </a:r>
+            <a:r>
+              <a:rPr lang="en-US" sz="1400" b="1"/>
+              <a:t>“photo” of the current context</a:t>
+            </a:r>
+            <a:r>
+              <a:rPr lang="en-US" sz="1400"/>
+              <a:t>)</a:t>
+            </a:r>
+          </a:p>
+        </p:txBody>
+      </p:sp>
+      <p:sp>
+        <p:nvSpPr>
+          <p:cNvPr id="109" name="Rectangle 108">
+            <a:extLst>
+              <a:ext uri="{FF2B5EF4-FFF2-40B4-BE49-F238E27FC236}">
+                <a16:creationId xmlns:a16="http://schemas.microsoft.com/office/drawing/2014/main" id="{D58BB6DA-9694-6C45-8407-9C3126FD32A4}"/>
+              </a:ext>
+            </a:extLst>
+          </p:cNvPr>
+          <p:cNvSpPr/>
+          <p:nvPr/>
+        </p:nvSpPr>
+        <p:spPr>
+          <a:xfrm>
+            <a:off x="7851715" y="7186958"/>
+            <a:ext cx="896461" cy="552292"/>
+          </a:xfrm>
+          <a:prstGeom prst="rect">
+            <a:avLst/>
+          </a:prstGeom>
+          <a:solidFill>
+            <a:schemeClr val="accent5">
+              <a:lumMod val="40000"/>
+              <a:lumOff val="60000"/>
+            </a:schemeClr>
+          </a:solidFill>
+        </p:spPr>
+        <p:style>
+          <a:lnRef idx="2">
+            <a:schemeClr val="accent5">
+              <a:shade val="50000"/>
+            </a:schemeClr>
+          </a:lnRef>
+          <a:fillRef idx="1">
+            <a:schemeClr val="accent5"/>
           </a:fillRef>
           <a:effectRef idx="0">
-            <a:schemeClr val="dk1"/>
-          </a:effectRef>
-          <a:fontRef idx="minor">
-            <a:schemeClr val="tx1"/>
-          </a:fontRef>
-        </p:style>
-      </p:cxnSp>
-      <p:cxnSp>
-        <p:nvCxnSpPr>
-          <p:cNvPr id="252" name="Straight Arrow Connector 251">
-            <a:extLst>
-              <a:ext uri="{FF2B5EF4-FFF2-40B4-BE49-F238E27FC236}">
-                <a16:creationId xmlns:a16="http://schemas.microsoft.com/office/drawing/2014/main" id="{E2539D3D-161B-7045-BFAE-9C6773EE27C1}"/>
-              </a:ext>
-            </a:extLst>
-          </p:cNvPr>
-          <p:cNvCxnSpPr>
-            <a:cxnSpLocks/>
-            <a:stCxn id="222" idx="2"/>
-          </p:cNvCxnSpPr>
-          <p:nvPr/>
-        </p:nvCxnSpPr>
-        <p:spPr>
-          <a:xfrm>
-            <a:off x="5471205" y="3878102"/>
-            <a:ext cx="7447" cy="504468"/>
-          </a:xfrm>
-          <a:prstGeom prst="straightConnector1">
-            <a:avLst/>
-          </a:prstGeom>
-          <a:ln>
-            <a:tailEnd type="triangle"/>
-          </a:ln>
-        </p:spPr>
-        <p:style>
-          <a:lnRef idx="1">
-            <a:schemeClr val="dk1"/>
-          </a:lnRef>
-          <a:fillRef idx="0">
-            <a:schemeClr val="dk1"/>
-          </a:fillRef>
-          <a:effectRef idx="0">
-            <a:schemeClr val="dk1"/>
-          </a:effectRef>
-          <a:fontRef idx="minor">
-            <a:schemeClr val="tx1"/>
-          </a:fontRef>
-        </p:style>
-      </p:cxnSp>
-      <p:cxnSp>
-        <p:nvCxnSpPr>
-          <p:cNvPr id="255" name="Straight Arrow Connector 254">
-            <a:extLst>
-              <a:ext uri="{FF2B5EF4-FFF2-40B4-BE49-F238E27FC236}">
-                <a16:creationId xmlns:a16="http://schemas.microsoft.com/office/drawing/2014/main" id="{2ABD30DF-312D-3D45-B2CD-9E696DD20694}"/>
-              </a:ext>
-            </a:extLst>
-          </p:cNvPr>
-          <p:cNvCxnSpPr>
-            <a:cxnSpLocks/>
-            <a:endCxn id="248" idx="0"/>
-          </p:cNvCxnSpPr>
-          <p:nvPr/>
-        </p:nvCxnSpPr>
-        <p:spPr>
-          <a:xfrm flipH="1">
-            <a:off x="7489496" y="3555463"/>
-            <a:ext cx="1733692" cy="827107"/>
-          </a:xfrm>
-          <a:prstGeom prst="straightConnector1">
-            <a:avLst/>
-          </a:prstGeom>
-          <a:ln>
-            <a:tailEnd type="triangle"/>
-          </a:ln>
-        </p:spPr>
-        <p:style>
-          <a:lnRef idx="1">
-            <a:schemeClr val="dk1"/>
-          </a:lnRef>
-          <a:fillRef idx="0">
-            <a:schemeClr val="dk1"/>
-          </a:fillRef>
-          <a:effectRef idx="0">
-            <a:schemeClr val="dk1"/>
-          </a:effectRef>
-          <a:fontRef idx="minor">
-            <a:schemeClr val="tx1"/>
-          </a:fontRef>
-        </p:style>
-      </p:cxnSp>
-      <p:sp>
-        <p:nvSpPr>
-          <p:cNvPr id="257" name="Down Arrow 256">
-            <a:extLst>
-              <a:ext uri="{FF2B5EF4-FFF2-40B4-BE49-F238E27FC236}">
-                <a16:creationId xmlns:a16="http://schemas.microsoft.com/office/drawing/2014/main" id="{18F0D862-3477-2D4C-BA18-3CA75A087836}"/>
+            <a:schemeClr val="accent5"/>
+          </a:effectRef>
+          <a:fontRef idx="minor">
+            <a:schemeClr val="lt1"/>
+          </a:fontRef>
+        </p:style>
+        <p:txBody>
+          <a:bodyPr rtlCol="0" anchor="ctr"/>
+          <a:lstStyle/>
+          <a:p>
+            <a:pPr algn="ctr"/>
+            <a:r>
+              <a:rPr lang="en-US" sz="1400">
+                <a:solidFill>
+                  <a:schemeClr val="tx1"/>
+                </a:solidFill>
+              </a:rPr>
+              <a:t>Encoding </a:t>
+            </a:r>
+            <a:br>
+              <a:rPr lang="en-US" sz="1400">
+                <a:solidFill>
+                  <a:schemeClr val="tx1"/>
+                </a:solidFill>
+              </a:rPr>
+            </a:br>
+            <a:r>
+              <a:rPr lang="en-US" sz="1400">
+                <a:solidFill>
+                  <a:schemeClr val="tx1"/>
+                </a:solidFill>
+              </a:rPr>
+              <a:t>(Hidden state 2)</a:t>
+            </a:r>
+            <a:endParaRPr lang="en-US" sz="1400" b="1">
+              <a:solidFill>
+                <a:schemeClr val="tx1"/>
+              </a:solidFill>
+            </a:endParaRPr>
+          </a:p>
+        </p:txBody>
+      </p:sp>
+      <p:sp>
+        <p:nvSpPr>
+          <p:cNvPr id="110" name="Diamond 109">
+            <a:extLst>
+              <a:ext uri="{FF2B5EF4-FFF2-40B4-BE49-F238E27FC236}">
+                <a16:creationId xmlns:a16="http://schemas.microsoft.com/office/drawing/2014/main" id="{AE4C2E08-C7CA-1A4F-8A6E-6E8D16B38182}"/>
               </a:ext>
             </a:extLst>
           </p:cNvPr>
@@ -6126,15 +7142,12 @@
         </p:nvSpPr>
         <p:spPr>
           <a:xfrm>
-            <a:off x="5294982" y="5227030"/>
-            <a:ext cx="381964" cy="473605"/>
-          </a:xfrm>
-          <a:prstGeom prst="downArrow">
-            <a:avLst/>
-          </a:prstGeom>
-          <a:solidFill>
-            <a:schemeClr val="bg1"/>
-          </a:solidFill>
+            <a:off x="7806508" y="8177004"/>
+            <a:ext cx="2423155" cy="835996"/>
+          </a:xfrm>
+          <a:prstGeom prst="diamond">
+            <a:avLst/>
+          </a:prstGeom>
         </p:spPr>
         <p:style>
           <a:lnRef idx="2">
@@ -6153,20 +7166,31 @@
           </a:fontRef>
         </p:style>
         <p:txBody>
-          <a:bodyPr rtlCol="0" anchor="ctr"/>
+          <a:bodyPr wrap="none" lIns="36000" rIns="36000" rtlCol="0" anchor="ctr"/>
           <a:lstStyle/>
           <a:p>
             <a:pPr algn="ctr"/>
+            <a:r>
+              <a:rPr lang="en-GB"/>
+              <a:t>FF-NN:</a:t>
+            </a:r>
+            <a:br>
+              <a:rPr lang="en-GB"/>
+            </a:br>
+            <a:r>
+              <a:rPr lang="en-GB"/>
+              <a:t>linear2senses</a:t>
+            </a:r>
             <a:endParaRPr lang="en-US"/>
           </a:p>
         </p:txBody>
       </p:sp>
       <p:sp>
         <p:nvSpPr>
-          <p:cNvPr id="258" name="Left Bracket 257">
-            <a:extLst>
-              <a:ext uri="{FF2B5EF4-FFF2-40B4-BE49-F238E27FC236}">
-                <a16:creationId xmlns:a16="http://schemas.microsoft.com/office/drawing/2014/main" id="{161D59A0-97E8-A340-937B-F8E6E9BF767B}"/>
+          <p:cNvPr id="111" name="Down Arrow 110">
+            <a:extLst>
+              <a:ext uri="{FF2B5EF4-FFF2-40B4-BE49-F238E27FC236}">
+                <a16:creationId xmlns:a16="http://schemas.microsoft.com/office/drawing/2014/main" id="{C4A77C34-6AAE-CF4F-9234-5F76595DAA01}"/>
               </a:ext>
             </a:extLst>
           </p:cNvPr>
@@ -6174,58 +7198,16 @@
           <p:nvPr/>
         </p:nvSpPr>
         <p:spPr>
-          <a:xfrm rot="-5400000">
-            <a:off x="5334679" y="1883803"/>
-            <a:ext cx="299326" cy="6370202"/>
-          </a:xfrm>
-          <a:prstGeom prst="leftBracket">
-            <a:avLst/>
-          </a:prstGeom>
-          <a:ln w="12700"/>
-        </p:spPr>
-        <p:style>
-          <a:lnRef idx="1">
-            <a:schemeClr val="accent1"/>
-          </a:lnRef>
-          <a:fillRef idx="0">
-            <a:schemeClr val="accent1"/>
-          </a:fillRef>
-          <a:effectRef idx="0">
-            <a:schemeClr val="accent1"/>
-          </a:effectRef>
-          <a:fontRef idx="minor">
-            <a:schemeClr val="tx1"/>
-          </a:fontRef>
-        </p:style>
-        <p:txBody>
-          <a:bodyPr rtlCol="0" anchor="ctr"/>
-          <a:lstStyle/>
-          <a:p>
-            <a:pPr algn="ctr"/>
-            <a:endParaRPr lang="en-US"/>
-          </a:p>
-        </p:txBody>
-      </p:sp>
-      <p:sp>
-        <p:nvSpPr>
-          <p:cNvPr id="259" name="Diamond 258">
-            <a:extLst>
-              <a:ext uri="{FF2B5EF4-FFF2-40B4-BE49-F238E27FC236}">
-                <a16:creationId xmlns:a16="http://schemas.microsoft.com/office/drawing/2014/main" id="{39D90A8D-B5BB-4B48-AC59-75E00CEEE05C}"/>
-              </a:ext>
-            </a:extLst>
-          </p:cNvPr>
-          <p:cNvSpPr/>
-          <p:nvPr/>
-        </p:nvSpPr>
-        <p:spPr>
-          <a:xfrm>
-            <a:off x="4296412" y="5728633"/>
-            <a:ext cx="2423155" cy="835996"/>
-          </a:xfrm>
-          <a:prstGeom prst="diamond">
-            <a:avLst/>
-          </a:prstGeom>
+          <a:xfrm>
+            <a:off x="8838678" y="7727227"/>
+            <a:ext cx="381964" cy="428262"/>
+          </a:xfrm>
+          <a:prstGeom prst="downArrow">
+            <a:avLst/>
+          </a:prstGeom>
+          <a:solidFill>
+            <a:schemeClr val="bg1"/>
+          </a:solidFill>
         </p:spPr>
         <p:style>
           <a:lnRef idx="2">
@@ -6248,17 +7230,154 @@
           <a:lstStyle/>
           <a:p>
             <a:pPr algn="ctr"/>
-            <a:r>
-              <a:rPr lang="en-US"/>
-              <a:t>2-layers</a:t>
-            </a:r>
-            <a:br>
-              <a:rPr lang="en-US"/>
-            </a:br>
-            <a:r>
-              <a:rPr lang="en-US"/>
-              <a:t>GRU</a:t>
-            </a:r>
+            <a:endParaRPr lang="en-US"/>
+          </a:p>
+        </p:txBody>
+      </p:sp>
+      <p:sp>
+        <p:nvSpPr>
+          <p:cNvPr id="112" name="Down Arrow 111">
+            <a:extLst>
+              <a:ext uri="{FF2B5EF4-FFF2-40B4-BE49-F238E27FC236}">
+                <a16:creationId xmlns:a16="http://schemas.microsoft.com/office/drawing/2014/main" id="{FDC1CB01-C028-6C48-95D2-4C7288B55F66}"/>
+              </a:ext>
+            </a:extLst>
+          </p:cNvPr>
+          <p:cNvSpPr/>
+          <p:nvPr/>
+        </p:nvSpPr>
+        <p:spPr>
+          <a:xfrm>
+            <a:off x="8838678" y="9013000"/>
+            <a:ext cx="381964" cy="428262"/>
+          </a:xfrm>
+          <a:prstGeom prst="downArrow">
+            <a:avLst/>
+          </a:prstGeom>
+          <a:solidFill>
+            <a:schemeClr val="bg1"/>
+          </a:solidFill>
+        </p:spPr>
+        <p:style>
+          <a:lnRef idx="2">
+            <a:schemeClr val="accent1">
+              <a:shade val="50000"/>
+            </a:schemeClr>
+          </a:lnRef>
+          <a:fillRef idx="1">
+            <a:schemeClr val="accent1"/>
+          </a:fillRef>
+          <a:effectRef idx="0">
+            <a:schemeClr val="accent1"/>
+          </a:effectRef>
+          <a:fontRef idx="minor">
+            <a:schemeClr val="lt1"/>
+          </a:fontRef>
+        </p:style>
+        <p:txBody>
+          <a:bodyPr rtlCol="0" anchor="ctr"/>
+          <a:lstStyle/>
+          <a:p>
+            <a:pPr algn="ctr"/>
+            <a:endParaRPr lang="en-US"/>
+          </a:p>
+        </p:txBody>
+      </p:sp>
+      <p:sp>
+        <p:nvSpPr>
+          <p:cNvPr id="3" name="Rectangle 2">
+            <a:extLst>
+              <a:ext uri="{FF2B5EF4-FFF2-40B4-BE49-F238E27FC236}">
+                <a16:creationId xmlns:a16="http://schemas.microsoft.com/office/drawing/2014/main" id="{191F51C0-B77D-3F44-8E75-00DE001A271E}"/>
+              </a:ext>
+            </a:extLst>
+          </p:cNvPr>
+          <p:cNvSpPr/>
+          <p:nvPr/>
+        </p:nvSpPr>
+        <p:spPr>
+          <a:xfrm>
+            <a:off x="6878320" y="5843343"/>
+            <a:ext cx="2251488" cy="170984"/>
+          </a:xfrm>
+          <a:prstGeom prst="rect">
+            <a:avLst/>
+          </a:prstGeom>
+          <a:solidFill>
+            <a:schemeClr val="bg1"/>
+          </a:solidFill>
+        </p:spPr>
+        <p:style>
+          <a:lnRef idx="2">
+            <a:schemeClr val="accent1">
+              <a:shade val="50000"/>
+            </a:schemeClr>
+          </a:lnRef>
+          <a:fillRef idx="1">
+            <a:schemeClr val="accent1"/>
+          </a:fillRef>
+          <a:effectRef idx="0">
+            <a:schemeClr val="accent1"/>
+          </a:effectRef>
+          <a:fontRef idx="minor">
+            <a:schemeClr val="lt1"/>
+          </a:fontRef>
+        </p:style>
+        <p:txBody>
+          <a:bodyPr rtlCol="0" anchor="ctr"/>
+          <a:lstStyle/>
+          <a:p>
+            <a:pPr algn="ctr"/>
+            <a:endParaRPr lang="en-US"/>
+          </a:p>
+        </p:txBody>
+      </p:sp>
+      <p:sp>
+        <p:nvSpPr>
+          <p:cNvPr id="113" name="Rectangle 112">
+            <a:extLst>
+              <a:ext uri="{FF2B5EF4-FFF2-40B4-BE49-F238E27FC236}">
+                <a16:creationId xmlns:a16="http://schemas.microsoft.com/office/drawing/2014/main" id="{A38E439A-B180-D542-8369-90B5E0DA3F17}"/>
+              </a:ext>
+            </a:extLst>
+          </p:cNvPr>
+          <p:cNvSpPr/>
+          <p:nvPr/>
+        </p:nvSpPr>
+        <p:spPr>
+          <a:xfrm rot="5400000">
+            <a:off x="6707289" y="5682970"/>
+            <a:ext cx="506226" cy="164164"/>
+          </a:xfrm>
+          <a:prstGeom prst="rect">
+            <a:avLst/>
+          </a:prstGeom>
+          <a:solidFill>
+            <a:schemeClr val="bg1"/>
+          </a:solidFill>
+        </p:spPr>
+        <p:style>
+          <a:lnRef idx="2">
+            <a:schemeClr val="accent1">
+              <a:shade val="50000"/>
+            </a:schemeClr>
+          </a:lnRef>
+          <a:fillRef idx="1">
+            <a:schemeClr val="accent1"/>
+          </a:fillRef>
+          <a:effectRef idx="0">
+            <a:schemeClr val="accent1"/>
+          </a:effectRef>
+          <a:fontRef idx="minor">
+            <a:schemeClr val="lt1"/>
+          </a:fontRef>
+        </p:style>
+        <p:txBody>
+          <a:bodyPr rtlCol="0" anchor="ctr"/>
+          <a:lstStyle/>
+          <a:p>
+            <a:pPr algn="ctr"/>
+            <a:endParaRPr lang="en-US"/>
           </a:p>
         </p:txBody>
       </p:sp>
@@ -6275,10 +7394,2530 @@
 </p:sld>
 </file>
 
+<file path=ppt/slides/slide2.xml><?xml version="1.0" encoding="utf-8"?>
+<p:sld xmlns:a="http://schemas.openxmlformats.org/drawingml/2006/main" xmlns:r="http://schemas.openxmlformats.org/officeDocument/2006/relationships" xmlns:p="http://schemas.openxmlformats.org/presentationml/2006/main">
+  <p:cSld>
+    <p:spTree>
+      <p:nvGrpSpPr>
+        <p:cNvPr id="1" name=""/>
+        <p:cNvGrpSpPr/>
+        <p:nvPr/>
+      </p:nvGrpSpPr>
+      <p:grpSpPr>
+        <a:xfrm>
+          <a:off x="0" y="0"/>
+          <a:ext cx="0" cy="0"/>
+          <a:chOff x="0" y="0"/>
+          <a:chExt cx="0" cy="0"/>
+        </a:xfrm>
+      </p:grpSpPr>
+      <p:sp>
+        <p:nvSpPr>
+          <p:cNvPr id="4" name="Diamond 3">
+            <a:extLst>
+              <a:ext uri="{FF2B5EF4-FFF2-40B4-BE49-F238E27FC236}">
+                <a16:creationId xmlns:a16="http://schemas.microsoft.com/office/drawing/2014/main" id="{DBB06CCC-4012-7142-8209-4D3CA3521F99}"/>
+              </a:ext>
+            </a:extLst>
+          </p:cNvPr>
+          <p:cNvSpPr/>
+          <p:nvPr/>
+        </p:nvSpPr>
+        <p:spPr>
+          <a:xfrm>
+            <a:off x="4354286" y="3857263"/>
+            <a:ext cx="2423155" cy="835996"/>
+          </a:xfrm>
+          <a:prstGeom prst="diamond">
+            <a:avLst/>
+          </a:prstGeom>
+        </p:spPr>
+        <p:style>
+          <a:lnRef idx="2">
+            <a:schemeClr val="accent1">
+              <a:shade val="50000"/>
+            </a:schemeClr>
+          </a:lnRef>
+          <a:fillRef idx="1">
+            <a:schemeClr val="accent1"/>
+          </a:fillRef>
+          <a:effectRef idx="0">
+            <a:schemeClr val="accent1"/>
+          </a:effectRef>
+          <a:fontRef idx="minor">
+            <a:schemeClr val="lt1"/>
+          </a:fontRef>
+        </p:style>
+        <p:txBody>
+          <a:bodyPr rtlCol="0" anchor="ctr"/>
+          <a:lstStyle/>
+          <a:p>
+            <a:pPr algn="ctr"/>
+            <a:r>
+              <a:rPr lang="en-US"/>
+              <a:t>2-layers</a:t>
+            </a:r>
+            <a:br>
+              <a:rPr lang="en-US"/>
+            </a:br>
+            <a:r>
+              <a:rPr lang="en-US"/>
+              <a:t>GRU</a:t>
+            </a:r>
+          </a:p>
+        </p:txBody>
+      </p:sp>
+      <p:sp>
+        <p:nvSpPr>
+          <p:cNvPr id="5" name="Down Arrow 4">
+            <a:extLst>
+              <a:ext uri="{FF2B5EF4-FFF2-40B4-BE49-F238E27FC236}">
+                <a16:creationId xmlns:a16="http://schemas.microsoft.com/office/drawing/2014/main" id="{2E1E1C2B-5B16-004D-95B2-00203BDC4738}"/>
+              </a:ext>
+            </a:extLst>
+          </p:cNvPr>
+          <p:cNvSpPr/>
+          <p:nvPr/>
+        </p:nvSpPr>
+        <p:spPr>
+          <a:xfrm>
+            <a:off x="5386454" y="3429001"/>
+            <a:ext cx="381964" cy="428262"/>
+          </a:xfrm>
+          <a:prstGeom prst="downArrow">
+            <a:avLst/>
+          </a:prstGeom>
+          <a:solidFill>
+            <a:schemeClr val="bg1"/>
+          </a:solidFill>
+        </p:spPr>
+        <p:style>
+          <a:lnRef idx="2">
+            <a:schemeClr val="accent1">
+              <a:shade val="50000"/>
+            </a:schemeClr>
+          </a:lnRef>
+          <a:fillRef idx="1">
+            <a:schemeClr val="accent1"/>
+          </a:fillRef>
+          <a:effectRef idx="0">
+            <a:schemeClr val="accent1"/>
+          </a:effectRef>
+          <a:fontRef idx="minor">
+            <a:schemeClr val="lt1"/>
+          </a:fontRef>
+        </p:style>
+        <p:txBody>
+          <a:bodyPr wrap="none" rtlCol="0" anchor="ctr"/>
+          <a:lstStyle/>
+          <a:p>
+            <a:pPr algn="ctr"/>
+            <a:r>
+              <a:rPr lang="en-US" b="1">
+                <a:solidFill>
+                  <a:schemeClr val="tx1"/>
+                </a:solidFill>
+              </a:rPr>
+              <a:t>I n p u t</a:t>
+            </a:r>
+          </a:p>
+        </p:txBody>
+      </p:sp>
+      <p:sp>
+        <p:nvSpPr>
+          <p:cNvPr id="7" name="Rectangle 6">
+            <a:extLst>
+              <a:ext uri="{FF2B5EF4-FFF2-40B4-BE49-F238E27FC236}">
+                <a16:creationId xmlns:a16="http://schemas.microsoft.com/office/drawing/2014/main" id="{CEB94528-BBB3-B44D-860D-084ECFCFE803}"/>
+              </a:ext>
+            </a:extLst>
+          </p:cNvPr>
+          <p:cNvSpPr/>
+          <p:nvPr/>
+        </p:nvSpPr>
+        <p:spPr>
+          <a:xfrm>
+            <a:off x="4572125" y="5038712"/>
+            <a:ext cx="1987475" cy="530651"/>
+          </a:xfrm>
+          <a:prstGeom prst="rect">
+            <a:avLst/>
+          </a:prstGeom>
+          <a:solidFill>
+            <a:schemeClr val="accent5">
+              <a:lumMod val="40000"/>
+              <a:lumOff val="60000"/>
+            </a:schemeClr>
+          </a:solidFill>
+        </p:spPr>
+        <p:style>
+          <a:lnRef idx="2">
+            <a:schemeClr val="accent5">
+              <a:shade val="50000"/>
+            </a:schemeClr>
+          </a:lnRef>
+          <a:fillRef idx="1">
+            <a:schemeClr val="accent5"/>
+          </a:fillRef>
+          <a:effectRef idx="0">
+            <a:schemeClr val="accent5"/>
+          </a:effectRef>
+          <a:fontRef idx="minor">
+            <a:schemeClr val="lt1"/>
+          </a:fontRef>
+        </p:style>
+        <p:txBody>
+          <a:bodyPr rtlCol="0" anchor="ctr"/>
+          <a:lstStyle/>
+          <a:p>
+            <a:pPr algn="ctr"/>
+            <a:r>
+              <a:rPr lang="en-US" sz="1600">
+                <a:solidFill>
+                  <a:schemeClr val="tx1"/>
+                </a:solidFill>
+              </a:rPr>
+              <a:t>Encoding </a:t>
+            </a:r>
+            <a:br>
+              <a:rPr lang="en-US" sz="1600">
+                <a:solidFill>
+                  <a:schemeClr val="tx1"/>
+                </a:solidFill>
+              </a:rPr>
+            </a:br>
+            <a:r>
+              <a:rPr lang="en-US" sz="1600">
+                <a:solidFill>
+                  <a:schemeClr val="tx1"/>
+                </a:solidFill>
+              </a:rPr>
+              <a:t>(Hidden state 2)</a:t>
+            </a:r>
+            <a:endParaRPr lang="en-US" sz="1600" b="1">
+              <a:solidFill>
+                <a:schemeClr val="tx1"/>
+              </a:solidFill>
+            </a:endParaRPr>
+          </a:p>
+        </p:txBody>
+      </p:sp>
+      <p:sp>
+        <p:nvSpPr>
+          <p:cNvPr id="10" name="Diamond 9">
+            <a:extLst>
+              <a:ext uri="{FF2B5EF4-FFF2-40B4-BE49-F238E27FC236}">
+                <a16:creationId xmlns:a16="http://schemas.microsoft.com/office/drawing/2014/main" id="{E26FEDF0-E397-024D-A02E-1E1D21E34639}"/>
+              </a:ext>
+            </a:extLst>
+          </p:cNvPr>
+          <p:cNvSpPr/>
+          <p:nvPr/>
+        </p:nvSpPr>
+        <p:spPr>
+          <a:xfrm>
+            <a:off x="4354284" y="6014410"/>
+            <a:ext cx="2423155" cy="835996"/>
+          </a:xfrm>
+          <a:prstGeom prst="diamond">
+            <a:avLst/>
+          </a:prstGeom>
+        </p:spPr>
+        <p:style>
+          <a:lnRef idx="2">
+            <a:schemeClr val="accent1">
+              <a:shade val="50000"/>
+            </a:schemeClr>
+          </a:lnRef>
+          <a:fillRef idx="1">
+            <a:schemeClr val="accent1"/>
+          </a:fillRef>
+          <a:effectRef idx="0">
+            <a:schemeClr val="accent1"/>
+          </a:effectRef>
+          <a:fontRef idx="minor">
+            <a:schemeClr val="lt1"/>
+          </a:fontRef>
+        </p:style>
+        <p:txBody>
+          <a:bodyPr wrap="none" lIns="36000" rIns="36000" rtlCol="0" anchor="ctr"/>
+          <a:lstStyle/>
+          <a:p>
+            <a:pPr algn="ctr"/>
+            <a:r>
+              <a:rPr lang="en-GB"/>
+              <a:t>FF-NN:</a:t>
+            </a:r>
+            <a:br>
+              <a:rPr lang="en-GB"/>
+            </a:br>
+            <a:r>
+              <a:rPr lang="en-GB"/>
+              <a:t>linear2global</a:t>
+            </a:r>
+            <a:endParaRPr lang="en-US"/>
+          </a:p>
+        </p:txBody>
+      </p:sp>
+      <p:sp>
+        <p:nvSpPr>
+          <p:cNvPr id="12" name="Rectangle 11">
+            <a:extLst>
+              <a:ext uri="{FF2B5EF4-FFF2-40B4-BE49-F238E27FC236}">
+                <a16:creationId xmlns:a16="http://schemas.microsoft.com/office/drawing/2014/main" id="{BF9CF074-2BFA-2E4A-A782-5519DDEB6F3B}"/>
+              </a:ext>
+            </a:extLst>
+          </p:cNvPr>
+          <p:cNvSpPr/>
+          <p:nvPr/>
+        </p:nvSpPr>
+        <p:spPr>
+          <a:xfrm>
+            <a:off x="4596390" y="7311609"/>
+            <a:ext cx="1987475" cy="530651"/>
+          </a:xfrm>
+          <a:prstGeom prst="rect">
+            <a:avLst/>
+          </a:prstGeom>
+          <a:solidFill>
+            <a:schemeClr val="accent5">
+              <a:lumMod val="40000"/>
+              <a:lumOff val="60000"/>
+            </a:schemeClr>
+          </a:solidFill>
+        </p:spPr>
+        <p:style>
+          <a:lnRef idx="2">
+            <a:schemeClr val="accent5">
+              <a:shade val="50000"/>
+            </a:schemeClr>
+          </a:lnRef>
+          <a:fillRef idx="1">
+            <a:schemeClr val="accent5"/>
+          </a:fillRef>
+          <a:effectRef idx="0">
+            <a:schemeClr val="accent5"/>
+          </a:effectRef>
+          <a:fontRef idx="minor">
+            <a:schemeClr val="lt1"/>
+          </a:fontRef>
+        </p:style>
+        <p:txBody>
+          <a:bodyPr rtlCol="0" anchor="ctr"/>
+          <a:lstStyle/>
+          <a:p>
+            <a:pPr algn="ctr"/>
+            <a:r>
+              <a:rPr lang="en-US" sz="1600">
+                <a:solidFill>
+                  <a:schemeClr val="tx1"/>
+                </a:solidFill>
+              </a:rPr>
+              <a:t>Logits of global words</a:t>
+            </a:r>
+          </a:p>
+        </p:txBody>
+      </p:sp>
+      <p:sp>
+        <p:nvSpPr>
+          <p:cNvPr id="14" name="Oval 13">
+            <a:extLst>
+              <a:ext uri="{FF2B5EF4-FFF2-40B4-BE49-F238E27FC236}">
+                <a16:creationId xmlns:a16="http://schemas.microsoft.com/office/drawing/2014/main" id="{CC2973EE-8363-8F47-BA1C-C19ED98DECD3}"/>
+              </a:ext>
+            </a:extLst>
+          </p:cNvPr>
+          <p:cNvSpPr/>
+          <p:nvPr/>
+        </p:nvSpPr>
+        <p:spPr>
+          <a:xfrm>
+            <a:off x="5189683" y="8267181"/>
+            <a:ext cx="752354" cy="755561"/>
+          </a:xfrm>
+          <a:prstGeom prst="ellipse">
+            <a:avLst/>
+          </a:prstGeom>
+        </p:spPr>
+        <p:style>
+          <a:lnRef idx="1">
+            <a:schemeClr val="accent3"/>
+          </a:lnRef>
+          <a:fillRef idx="2">
+            <a:schemeClr val="accent3"/>
+          </a:fillRef>
+          <a:effectRef idx="1">
+            <a:schemeClr val="accent3"/>
+          </a:effectRef>
+          <a:fontRef idx="minor">
+            <a:schemeClr val="dk1"/>
+          </a:fontRef>
+        </p:style>
+        <p:txBody>
+          <a:bodyPr wrap="none" rtlCol="0" anchor="ctr"/>
+          <a:lstStyle/>
+          <a:p>
+            <a:pPr algn="ctr"/>
+            <a:r>
+              <a:rPr lang="en-US"/>
+              <a:t>Softmax</a:t>
+            </a:r>
+          </a:p>
+        </p:txBody>
+      </p:sp>
+      <p:cxnSp>
+        <p:nvCxnSpPr>
+          <p:cNvPr id="16" name="Straight Arrow Connector 15">
+            <a:extLst>
+              <a:ext uri="{FF2B5EF4-FFF2-40B4-BE49-F238E27FC236}">
+                <a16:creationId xmlns:a16="http://schemas.microsoft.com/office/drawing/2014/main" id="{085041C8-9843-9647-A903-D4B6FE815AA6}"/>
+              </a:ext>
+            </a:extLst>
+          </p:cNvPr>
+          <p:cNvCxnSpPr>
+            <a:stCxn id="4" idx="2"/>
+            <a:endCxn id="7" idx="0"/>
+          </p:cNvCxnSpPr>
+          <p:nvPr/>
+        </p:nvCxnSpPr>
+        <p:spPr>
+          <a:xfrm flipH="1">
+            <a:off x="5565863" y="4693259"/>
+            <a:ext cx="1" cy="345452"/>
+          </a:xfrm>
+          <a:prstGeom prst="straightConnector1">
+            <a:avLst/>
+          </a:prstGeom>
+          <a:ln>
+            <a:tailEnd type="triangle"/>
+          </a:ln>
+        </p:spPr>
+        <p:style>
+          <a:lnRef idx="1">
+            <a:schemeClr val="dk1"/>
+          </a:lnRef>
+          <a:fillRef idx="0">
+            <a:schemeClr val="dk1"/>
+          </a:fillRef>
+          <a:effectRef idx="0">
+            <a:schemeClr val="dk1"/>
+          </a:effectRef>
+          <a:fontRef idx="minor">
+            <a:schemeClr val="tx1"/>
+          </a:fontRef>
+        </p:style>
+      </p:cxnSp>
+      <p:sp>
+        <p:nvSpPr>
+          <p:cNvPr id="17" name="Down Arrow 16">
+            <a:extLst>
+              <a:ext uri="{FF2B5EF4-FFF2-40B4-BE49-F238E27FC236}">
+                <a16:creationId xmlns:a16="http://schemas.microsoft.com/office/drawing/2014/main" id="{DBF5080D-6078-4A4D-A114-6B041E937229}"/>
+              </a:ext>
+            </a:extLst>
+          </p:cNvPr>
+          <p:cNvSpPr/>
+          <p:nvPr/>
+        </p:nvSpPr>
+        <p:spPr>
+          <a:xfrm>
+            <a:off x="5386454" y="5564633"/>
+            <a:ext cx="381964" cy="428262"/>
+          </a:xfrm>
+          <a:prstGeom prst="downArrow">
+            <a:avLst/>
+          </a:prstGeom>
+          <a:solidFill>
+            <a:schemeClr val="bg1"/>
+          </a:solidFill>
+        </p:spPr>
+        <p:style>
+          <a:lnRef idx="2">
+            <a:schemeClr val="accent1">
+              <a:shade val="50000"/>
+            </a:schemeClr>
+          </a:lnRef>
+          <a:fillRef idx="1">
+            <a:schemeClr val="accent1"/>
+          </a:fillRef>
+          <a:effectRef idx="0">
+            <a:schemeClr val="accent1"/>
+          </a:effectRef>
+          <a:fontRef idx="minor">
+            <a:schemeClr val="lt1"/>
+          </a:fontRef>
+        </p:style>
+        <p:txBody>
+          <a:bodyPr rtlCol="0" anchor="ctr"/>
+          <a:lstStyle/>
+          <a:p>
+            <a:pPr algn="ctr"/>
+            <a:endParaRPr lang="en-US"/>
+          </a:p>
+        </p:txBody>
+      </p:sp>
+      <p:sp>
+        <p:nvSpPr>
+          <p:cNvPr id="18" name="Down Arrow 17">
+            <a:extLst>
+              <a:ext uri="{FF2B5EF4-FFF2-40B4-BE49-F238E27FC236}">
+                <a16:creationId xmlns:a16="http://schemas.microsoft.com/office/drawing/2014/main" id="{78948B97-2EB5-7C44-8661-F8FF659EEC11}"/>
+              </a:ext>
+            </a:extLst>
+          </p:cNvPr>
+          <p:cNvSpPr/>
+          <p:nvPr/>
+        </p:nvSpPr>
+        <p:spPr>
+          <a:xfrm>
+            <a:off x="5386454" y="6850406"/>
+            <a:ext cx="381964" cy="428262"/>
+          </a:xfrm>
+          <a:prstGeom prst="downArrow">
+            <a:avLst/>
+          </a:prstGeom>
+          <a:solidFill>
+            <a:schemeClr val="bg1"/>
+          </a:solidFill>
+        </p:spPr>
+        <p:style>
+          <a:lnRef idx="2">
+            <a:schemeClr val="accent1">
+              <a:shade val="50000"/>
+            </a:schemeClr>
+          </a:lnRef>
+          <a:fillRef idx="1">
+            <a:schemeClr val="accent1"/>
+          </a:fillRef>
+          <a:effectRef idx="0">
+            <a:schemeClr val="accent1"/>
+          </a:effectRef>
+          <a:fontRef idx="minor">
+            <a:schemeClr val="lt1"/>
+          </a:fontRef>
+        </p:style>
+        <p:txBody>
+          <a:bodyPr rtlCol="0" anchor="ctr"/>
+          <a:lstStyle/>
+          <a:p>
+            <a:pPr algn="ctr"/>
+            <a:endParaRPr lang="en-US"/>
+          </a:p>
+        </p:txBody>
+      </p:sp>
+      <p:sp>
+        <p:nvSpPr>
+          <p:cNvPr id="19" name="Down Arrow 18">
+            <a:extLst>
+              <a:ext uri="{FF2B5EF4-FFF2-40B4-BE49-F238E27FC236}">
+                <a16:creationId xmlns:a16="http://schemas.microsoft.com/office/drawing/2014/main" id="{8C470EB7-41A5-5C4D-8682-9F0FDF9C952B}"/>
+              </a:ext>
+            </a:extLst>
+          </p:cNvPr>
+          <p:cNvSpPr/>
+          <p:nvPr/>
+        </p:nvSpPr>
+        <p:spPr>
+          <a:xfrm>
+            <a:off x="5374878" y="7834882"/>
+            <a:ext cx="381964" cy="428262"/>
+          </a:xfrm>
+          <a:prstGeom prst="downArrow">
+            <a:avLst/>
+          </a:prstGeom>
+          <a:solidFill>
+            <a:schemeClr val="bg1"/>
+          </a:solidFill>
+        </p:spPr>
+        <p:style>
+          <a:lnRef idx="2">
+            <a:schemeClr val="accent1">
+              <a:shade val="50000"/>
+            </a:schemeClr>
+          </a:lnRef>
+          <a:fillRef idx="1">
+            <a:schemeClr val="accent1"/>
+          </a:fillRef>
+          <a:effectRef idx="0">
+            <a:schemeClr val="accent1"/>
+          </a:effectRef>
+          <a:fontRef idx="minor">
+            <a:schemeClr val="lt1"/>
+          </a:fontRef>
+        </p:style>
+        <p:txBody>
+          <a:bodyPr rtlCol="0" anchor="ctr"/>
+          <a:lstStyle/>
+          <a:p>
+            <a:pPr algn="ctr"/>
+            <a:endParaRPr lang="en-US"/>
+          </a:p>
+        </p:txBody>
+      </p:sp>
+      <p:sp>
+        <p:nvSpPr>
+          <p:cNvPr id="20" name="Down Arrow 19">
+            <a:extLst>
+              <a:ext uri="{FF2B5EF4-FFF2-40B4-BE49-F238E27FC236}">
+                <a16:creationId xmlns:a16="http://schemas.microsoft.com/office/drawing/2014/main" id="{3D411D0C-0351-B247-8E17-DF97F0AC5EA3}"/>
+              </a:ext>
+            </a:extLst>
+          </p:cNvPr>
+          <p:cNvSpPr/>
+          <p:nvPr/>
+        </p:nvSpPr>
+        <p:spPr>
+          <a:xfrm>
+            <a:off x="5374878" y="9032233"/>
+            <a:ext cx="381964" cy="428262"/>
+          </a:xfrm>
+          <a:prstGeom prst="downArrow">
+            <a:avLst/>
+          </a:prstGeom>
+          <a:solidFill>
+            <a:schemeClr val="bg1"/>
+          </a:solidFill>
+        </p:spPr>
+        <p:style>
+          <a:lnRef idx="2">
+            <a:schemeClr val="accent1">
+              <a:shade val="50000"/>
+            </a:schemeClr>
+          </a:lnRef>
+          <a:fillRef idx="1">
+            <a:schemeClr val="accent1"/>
+          </a:fillRef>
+          <a:effectRef idx="0">
+            <a:schemeClr val="accent1"/>
+          </a:effectRef>
+          <a:fontRef idx="minor">
+            <a:schemeClr val="lt1"/>
+          </a:fontRef>
+        </p:style>
+        <p:txBody>
+          <a:bodyPr rtlCol="0" anchor="ctr"/>
+          <a:lstStyle/>
+          <a:p>
+            <a:pPr algn="ctr"/>
+            <a:endParaRPr lang="en-US"/>
+          </a:p>
+        </p:txBody>
+      </p:sp>
+      <p:sp>
+        <p:nvSpPr>
+          <p:cNvPr id="21" name="Rectangle 20">
+            <a:extLst>
+              <a:ext uri="{FF2B5EF4-FFF2-40B4-BE49-F238E27FC236}">
+                <a16:creationId xmlns:a16="http://schemas.microsoft.com/office/drawing/2014/main" id="{5BACE416-FE57-2945-89A6-FCFC8709676C}"/>
+              </a:ext>
+            </a:extLst>
+          </p:cNvPr>
+          <p:cNvSpPr/>
+          <p:nvPr/>
+        </p:nvSpPr>
+        <p:spPr>
+          <a:xfrm>
+            <a:off x="4572123" y="9460496"/>
+            <a:ext cx="1987475" cy="755561"/>
+          </a:xfrm>
+          <a:prstGeom prst="rect">
+            <a:avLst/>
+          </a:prstGeom>
+          <a:solidFill>
+            <a:schemeClr val="accent4">
+              <a:lumMod val="40000"/>
+              <a:lumOff val="60000"/>
+            </a:schemeClr>
+          </a:solidFill>
+        </p:spPr>
+        <p:style>
+          <a:lnRef idx="2">
+            <a:schemeClr val="accent5">
+              <a:shade val="50000"/>
+            </a:schemeClr>
+          </a:lnRef>
+          <a:fillRef idx="1">
+            <a:schemeClr val="accent5"/>
+          </a:fillRef>
+          <a:effectRef idx="0">
+            <a:schemeClr val="accent5"/>
+          </a:effectRef>
+          <a:fontRef idx="minor">
+            <a:schemeClr val="lt1"/>
+          </a:fontRef>
+        </p:style>
+        <p:txBody>
+          <a:bodyPr rtlCol="0" anchor="ctr"/>
+          <a:lstStyle/>
+          <a:p>
+            <a:pPr algn="ctr"/>
+            <a:r>
+              <a:rPr lang="en-US" sz="1600">
+                <a:solidFill>
+                  <a:schemeClr val="tx1"/>
+                </a:solidFill>
+              </a:rPr>
+              <a:t>Predicted probabilities – next global word</a:t>
+            </a:r>
+          </a:p>
+        </p:txBody>
+      </p:sp>
+      <p:sp>
+        <p:nvSpPr>
+          <p:cNvPr id="22" name="Rectangle 21">
+            <a:extLst>
+              <a:ext uri="{FF2B5EF4-FFF2-40B4-BE49-F238E27FC236}">
+                <a16:creationId xmlns:a16="http://schemas.microsoft.com/office/drawing/2014/main" id="{3F7175FE-C5F5-9A4E-A7A6-7C7AE95F8F13}"/>
+              </a:ext>
+            </a:extLst>
+          </p:cNvPr>
+          <p:cNvSpPr/>
+          <p:nvPr/>
+        </p:nvSpPr>
+        <p:spPr>
+          <a:xfrm>
+            <a:off x="8348517" y="7311609"/>
+            <a:ext cx="1987475" cy="530651"/>
+          </a:xfrm>
+          <a:prstGeom prst="rect">
+            <a:avLst/>
+          </a:prstGeom>
+          <a:solidFill>
+            <a:schemeClr val="accent5">
+              <a:lumMod val="40000"/>
+              <a:lumOff val="60000"/>
+            </a:schemeClr>
+          </a:solidFill>
+        </p:spPr>
+        <p:style>
+          <a:lnRef idx="2">
+            <a:schemeClr val="accent5">
+              <a:shade val="50000"/>
+            </a:schemeClr>
+          </a:lnRef>
+          <a:fillRef idx="1">
+            <a:schemeClr val="accent5"/>
+          </a:fillRef>
+          <a:effectRef idx="0">
+            <a:schemeClr val="accent5"/>
+          </a:effectRef>
+          <a:fontRef idx="minor">
+            <a:schemeClr val="lt1"/>
+          </a:fontRef>
+        </p:style>
+        <p:txBody>
+          <a:bodyPr rtlCol="0" anchor="ctr"/>
+          <a:lstStyle/>
+          <a:p>
+            <a:pPr algn="ctr"/>
+            <a:r>
+              <a:rPr lang="en-US" sz="1600">
+                <a:solidFill>
+                  <a:schemeClr val="tx1"/>
+                </a:solidFill>
+              </a:rPr>
+              <a:t>Logits of senses</a:t>
+            </a:r>
+          </a:p>
+        </p:txBody>
+      </p:sp>
+      <p:sp>
+        <p:nvSpPr>
+          <p:cNvPr id="23" name="Oval 22">
+            <a:extLst>
+              <a:ext uri="{FF2B5EF4-FFF2-40B4-BE49-F238E27FC236}">
+                <a16:creationId xmlns:a16="http://schemas.microsoft.com/office/drawing/2014/main" id="{6EE07ECA-65A2-0641-AE45-4F768DCC5DBD}"/>
+              </a:ext>
+            </a:extLst>
+          </p:cNvPr>
+          <p:cNvSpPr/>
+          <p:nvPr/>
+        </p:nvSpPr>
+        <p:spPr>
+          <a:xfrm>
+            <a:off x="8941810" y="8267181"/>
+            <a:ext cx="752354" cy="755561"/>
+          </a:xfrm>
+          <a:prstGeom prst="ellipse">
+            <a:avLst/>
+          </a:prstGeom>
+        </p:spPr>
+        <p:style>
+          <a:lnRef idx="1">
+            <a:schemeClr val="accent3"/>
+          </a:lnRef>
+          <a:fillRef idx="2">
+            <a:schemeClr val="accent3"/>
+          </a:fillRef>
+          <a:effectRef idx="1">
+            <a:schemeClr val="accent3"/>
+          </a:effectRef>
+          <a:fontRef idx="minor">
+            <a:schemeClr val="dk1"/>
+          </a:fontRef>
+        </p:style>
+        <p:txBody>
+          <a:bodyPr wrap="none" rtlCol="0" anchor="ctr"/>
+          <a:lstStyle/>
+          <a:p>
+            <a:pPr algn="ctr"/>
+            <a:r>
+              <a:rPr lang="en-US"/>
+              <a:t>Softmax</a:t>
+            </a:r>
+          </a:p>
+        </p:txBody>
+      </p:sp>
+      <p:sp>
+        <p:nvSpPr>
+          <p:cNvPr id="24" name="Down Arrow 23">
+            <a:extLst>
+              <a:ext uri="{FF2B5EF4-FFF2-40B4-BE49-F238E27FC236}">
+                <a16:creationId xmlns:a16="http://schemas.microsoft.com/office/drawing/2014/main" id="{5B8A8200-1A61-9A43-8F04-80F717E9B000}"/>
+              </a:ext>
+            </a:extLst>
+          </p:cNvPr>
+          <p:cNvSpPr/>
+          <p:nvPr/>
+        </p:nvSpPr>
+        <p:spPr>
+          <a:xfrm>
+            <a:off x="9127005" y="7834882"/>
+            <a:ext cx="381964" cy="428262"/>
+          </a:xfrm>
+          <a:prstGeom prst="downArrow">
+            <a:avLst/>
+          </a:prstGeom>
+          <a:solidFill>
+            <a:schemeClr val="bg1"/>
+          </a:solidFill>
+        </p:spPr>
+        <p:style>
+          <a:lnRef idx="2">
+            <a:schemeClr val="accent1">
+              <a:shade val="50000"/>
+            </a:schemeClr>
+          </a:lnRef>
+          <a:fillRef idx="1">
+            <a:schemeClr val="accent1"/>
+          </a:fillRef>
+          <a:effectRef idx="0">
+            <a:schemeClr val="accent1"/>
+          </a:effectRef>
+          <a:fontRef idx="minor">
+            <a:schemeClr val="lt1"/>
+          </a:fontRef>
+        </p:style>
+        <p:txBody>
+          <a:bodyPr rtlCol="0" anchor="ctr"/>
+          <a:lstStyle/>
+          <a:p>
+            <a:pPr algn="ctr"/>
+            <a:endParaRPr lang="en-US"/>
+          </a:p>
+        </p:txBody>
+      </p:sp>
+      <p:sp>
+        <p:nvSpPr>
+          <p:cNvPr id="25" name="Down Arrow 24">
+            <a:extLst>
+              <a:ext uri="{FF2B5EF4-FFF2-40B4-BE49-F238E27FC236}">
+                <a16:creationId xmlns:a16="http://schemas.microsoft.com/office/drawing/2014/main" id="{454F61DD-CF26-0343-993B-E71B9524B95F}"/>
+              </a:ext>
+            </a:extLst>
+          </p:cNvPr>
+          <p:cNvSpPr/>
+          <p:nvPr/>
+        </p:nvSpPr>
+        <p:spPr>
+          <a:xfrm>
+            <a:off x="9127005" y="9032233"/>
+            <a:ext cx="381964" cy="428262"/>
+          </a:xfrm>
+          <a:prstGeom prst="downArrow">
+            <a:avLst/>
+          </a:prstGeom>
+          <a:solidFill>
+            <a:schemeClr val="bg1"/>
+          </a:solidFill>
+        </p:spPr>
+        <p:style>
+          <a:lnRef idx="2">
+            <a:schemeClr val="accent1">
+              <a:shade val="50000"/>
+            </a:schemeClr>
+          </a:lnRef>
+          <a:fillRef idx="1">
+            <a:schemeClr val="accent1"/>
+          </a:fillRef>
+          <a:effectRef idx="0">
+            <a:schemeClr val="accent1"/>
+          </a:effectRef>
+          <a:fontRef idx="minor">
+            <a:schemeClr val="lt1"/>
+          </a:fontRef>
+        </p:style>
+        <p:txBody>
+          <a:bodyPr rtlCol="0" anchor="ctr"/>
+          <a:lstStyle/>
+          <a:p>
+            <a:pPr algn="ctr"/>
+            <a:endParaRPr lang="en-US"/>
+          </a:p>
+        </p:txBody>
+      </p:sp>
+      <p:sp>
+        <p:nvSpPr>
+          <p:cNvPr id="26" name="Rectangle 25">
+            <a:extLst>
+              <a:ext uri="{FF2B5EF4-FFF2-40B4-BE49-F238E27FC236}">
+                <a16:creationId xmlns:a16="http://schemas.microsoft.com/office/drawing/2014/main" id="{F289D602-95DA-9B40-AE72-9263EC9FE3D9}"/>
+              </a:ext>
+            </a:extLst>
+          </p:cNvPr>
+          <p:cNvSpPr/>
+          <p:nvPr/>
+        </p:nvSpPr>
+        <p:spPr>
+          <a:xfrm>
+            <a:off x="8324250" y="9460496"/>
+            <a:ext cx="1987475" cy="755561"/>
+          </a:xfrm>
+          <a:prstGeom prst="rect">
+            <a:avLst/>
+          </a:prstGeom>
+          <a:solidFill>
+            <a:schemeClr val="accent4">
+              <a:lumMod val="40000"/>
+              <a:lumOff val="60000"/>
+            </a:schemeClr>
+          </a:solidFill>
+        </p:spPr>
+        <p:style>
+          <a:lnRef idx="2">
+            <a:schemeClr val="accent5">
+              <a:shade val="50000"/>
+            </a:schemeClr>
+          </a:lnRef>
+          <a:fillRef idx="1">
+            <a:schemeClr val="accent5"/>
+          </a:fillRef>
+          <a:effectRef idx="0">
+            <a:schemeClr val="accent5"/>
+          </a:effectRef>
+          <a:fontRef idx="minor">
+            <a:schemeClr val="lt1"/>
+          </a:fontRef>
+        </p:style>
+        <p:txBody>
+          <a:bodyPr rtlCol="0" anchor="ctr"/>
+          <a:lstStyle/>
+          <a:p>
+            <a:pPr algn="ctr"/>
+            <a:r>
+              <a:rPr lang="en-US" sz="1600">
+                <a:solidFill>
+                  <a:schemeClr val="tx1"/>
+                </a:solidFill>
+              </a:rPr>
+              <a:t>Predicted probabilities – next word sense</a:t>
+            </a:r>
+          </a:p>
+        </p:txBody>
+      </p:sp>
+      <p:sp>
+        <p:nvSpPr>
+          <p:cNvPr id="28" name="Down Arrow 27">
+            <a:extLst>
+              <a:ext uri="{FF2B5EF4-FFF2-40B4-BE49-F238E27FC236}">
+                <a16:creationId xmlns:a16="http://schemas.microsoft.com/office/drawing/2014/main" id="{60FC0E32-05FF-644D-A9BE-9952CF06BC45}"/>
+              </a:ext>
+            </a:extLst>
+          </p:cNvPr>
+          <p:cNvSpPr/>
+          <p:nvPr/>
+        </p:nvSpPr>
+        <p:spPr>
+          <a:xfrm>
+            <a:off x="9127004" y="3429000"/>
+            <a:ext cx="381964" cy="1264260"/>
+          </a:xfrm>
+          <a:prstGeom prst="downArrow">
+            <a:avLst/>
+          </a:prstGeom>
+          <a:solidFill>
+            <a:schemeClr val="bg1"/>
+          </a:solidFill>
+        </p:spPr>
+        <p:style>
+          <a:lnRef idx="2">
+            <a:schemeClr val="accent1">
+              <a:shade val="50000"/>
+            </a:schemeClr>
+          </a:lnRef>
+          <a:fillRef idx="1">
+            <a:schemeClr val="accent1"/>
+          </a:fillRef>
+          <a:effectRef idx="0">
+            <a:schemeClr val="accent1"/>
+          </a:effectRef>
+          <a:fontRef idx="minor">
+            <a:schemeClr val="lt1"/>
+          </a:fontRef>
+        </p:style>
+        <p:txBody>
+          <a:bodyPr wrap="none" rtlCol="0" anchor="ctr"/>
+          <a:lstStyle/>
+          <a:p>
+            <a:pPr algn="ctr"/>
+            <a:r>
+              <a:rPr lang="en-US" b="1">
+                <a:solidFill>
+                  <a:schemeClr val="tx1"/>
+                </a:solidFill>
+              </a:rPr>
+              <a:t>I n p u t</a:t>
+            </a:r>
+          </a:p>
+        </p:txBody>
+      </p:sp>
+      <p:cxnSp>
+        <p:nvCxnSpPr>
+          <p:cNvPr id="29" name="Straight Arrow Connector 28">
+            <a:extLst>
+              <a:ext uri="{FF2B5EF4-FFF2-40B4-BE49-F238E27FC236}">
+                <a16:creationId xmlns:a16="http://schemas.microsoft.com/office/drawing/2014/main" id="{CB7E18E4-7196-0F45-BCF5-E91BA4004445}"/>
+              </a:ext>
+            </a:extLst>
+          </p:cNvPr>
+          <p:cNvCxnSpPr>
+            <a:cxnSpLocks/>
+            <a:stCxn id="7" idx="3"/>
+          </p:cNvCxnSpPr>
+          <p:nvPr/>
+        </p:nvCxnSpPr>
+        <p:spPr>
+          <a:xfrm flipV="1">
+            <a:off x="6559600" y="5284699"/>
+            <a:ext cx="1577403" cy="19338"/>
+          </a:xfrm>
+          <a:prstGeom prst="straightConnector1">
+            <a:avLst/>
+          </a:prstGeom>
+          <a:ln>
+            <a:tailEnd type="triangle"/>
+          </a:ln>
+        </p:spPr>
+        <p:style>
+          <a:lnRef idx="1">
+            <a:schemeClr val="dk1"/>
+          </a:lnRef>
+          <a:fillRef idx="0">
+            <a:schemeClr val="dk1"/>
+          </a:fillRef>
+          <a:effectRef idx="0">
+            <a:schemeClr val="dk1"/>
+          </a:effectRef>
+          <a:fontRef idx="minor">
+            <a:schemeClr val="tx1"/>
+          </a:fontRef>
+        </p:style>
+      </p:cxnSp>
+      <p:sp>
+        <p:nvSpPr>
+          <p:cNvPr id="32" name="TextBox 31">
+            <a:extLst>
+              <a:ext uri="{FF2B5EF4-FFF2-40B4-BE49-F238E27FC236}">
+                <a16:creationId xmlns:a16="http://schemas.microsoft.com/office/drawing/2014/main" id="{F5562014-DAFF-0F47-A405-000F54031463}"/>
+              </a:ext>
+            </a:extLst>
+          </p:cNvPr>
+          <p:cNvSpPr txBox="1"/>
+          <p:nvPr/>
+        </p:nvSpPr>
+        <p:spPr>
+          <a:xfrm>
+            <a:off x="8683037" y="4618911"/>
+            <a:ext cx="1602487" cy="369332"/>
+          </a:xfrm>
+          <a:prstGeom prst="rect">
+            <a:avLst/>
+          </a:prstGeom>
+          <a:noFill/>
+        </p:spPr>
+        <p:txBody>
+          <a:bodyPr wrap="square" rtlCol="0">
+            <a:spAutoFit/>
+          </a:bodyPr>
+          <a:lstStyle/>
+          <a:p>
+            <a:r>
+              <a:rPr lang="en-US"/>
+              <a:t>Concatenate:</a:t>
+            </a:r>
+          </a:p>
+        </p:txBody>
+      </p:sp>
+      <p:sp>
+        <p:nvSpPr>
+          <p:cNvPr id="33" name="Rectangle 32">
+            <a:extLst>
+              <a:ext uri="{FF2B5EF4-FFF2-40B4-BE49-F238E27FC236}">
+                <a16:creationId xmlns:a16="http://schemas.microsoft.com/office/drawing/2014/main" id="{CBBDC58C-FB79-9743-AC32-4E975544F29D}"/>
+              </a:ext>
+            </a:extLst>
+          </p:cNvPr>
+          <p:cNvSpPr/>
+          <p:nvPr/>
+        </p:nvSpPr>
+        <p:spPr>
+          <a:xfrm>
+            <a:off x="9030815" y="5049521"/>
+            <a:ext cx="906930" cy="554077"/>
+          </a:xfrm>
+          <a:prstGeom prst="rect">
+            <a:avLst/>
+          </a:prstGeom>
+          <a:solidFill>
+            <a:schemeClr val="accent2">
+              <a:lumMod val="60000"/>
+              <a:lumOff val="40000"/>
+            </a:schemeClr>
+          </a:solidFill>
+        </p:spPr>
+        <p:style>
+          <a:lnRef idx="2">
+            <a:schemeClr val="accent4">
+              <a:shade val="50000"/>
+            </a:schemeClr>
+          </a:lnRef>
+          <a:fillRef idx="1">
+            <a:schemeClr val="accent4"/>
+          </a:fillRef>
+          <a:effectRef idx="0">
+            <a:schemeClr val="accent4"/>
+          </a:effectRef>
+          <a:fontRef idx="minor">
+            <a:schemeClr val="lt1"/>
+          </a:fontRef>
+        </p:style>
+        <p:txBody>
+          <a:bodyPr rtlCol="0" anchor="ctr"/>
+          <a:lstStyle/>
+          <a:p>
+            <a:pPr algn="ctr"/>
+            <a:r>
+              <a:rPr lang="en-US" sz="1200" b="1">
+                <a:solidFill>
+                  <a:schemeClr val="tx1"/>
+                </a:solidFill>
+              </a:rPr>
+              <a:t>Word Embedding</a:t>
+            </a:r>
+          </a:p>
+        </p:txBody>
+      </p:sp>
+      <p:sp>
+        <p:nvSpPr>
+          <p:cNvPr id="34" name="Rectangle 33">
+            <a:extLst>
+              <a:ext uri="{FF2B5EF4-FFF2-40B4-BE49-F238E27FC236}">
+                <a16:creationId xmlns:a16="http://schemas.microsoft.com/office/drawing/2014/main" id="{CEE65BB6-CFD3-7948-933E-EBD1D87BDFF3}"/>
+              </a:ext>
+            </a:extLst>
+          </p:cNvPr>
+          <p:cNvSpPr/>
+          <p:nvPr/>
+        </p:nvSpPr>
+        <p:spPr>
+          <a:xfrm>
+            <a:off x="9937745" y="5038712"/>
+            <a:ext cx="973594" cy="564886"/>
+          </a:xfrm>
+          <a:prstGeom prst="rect">
+            <a:avLst/>
+          </a:prstGeom>
+        </p:spPr>
+        <p:style>
+          <a:lnRef idx="2">
+            <a:schemeClr val="accent4">
+              <a:shade val="50000"/>
+            </a:schemeClr>
+          </a:lnRef>
+          <a:fillRef idx="1">
+            <a:schemeClr val="accent4"/>
+          </a:fillRef>
+          <a:effectRef idx="0">
+            <a:schemeClr val="accent4"/>
+          </a:effectRef>
+          <a:fontRef idx="minor">
+            <a:schemeClr val="lt1"/>
+          </a:fontRef>
+        </p:style>
+        <p:txBody>
+          <a:bodyPr rtlCol="0" anchor="ctr"/>
+          <a:lstStyle/>
+          <a:p>
+            <a:pPr algn="ctr"/>
+            <a:r>
+              <a:rPr lang="en-US" sz="1200" b="1">
+                <a:solidFill>
+                  <a:schemeClr val="tx1"/>
+                </a:solidFill>
+              </a:rPr>
+              <a:t>Word Node State</a:t>
+            </a:r>
+          </a:p>
+        </p:txBody>
+      </p:sp>
+      <p:sp>
+        <p:nvSpPr>
+          <p:cNvPr id="35" name="Rectangle 34">
+            <a:extLst>
+              <a:ext uri="{FF2B5EF4-FFF2-40B4-BE49-F238E27FC236}">
+                <a16:creationId xmlns:a16="http://schemas.microsoft.com/office/drawing/2014/main" id="{75DA4D2A-83BD-AB40-B037-4DABB3945422}"/>
+              </a:ext>
+            </a:extLst>
+          </p:cNvPr>
+          <p:cNvSpPr/>
+          <p:nvPr/>
+        </p:nvSpPr>
+        <p:spPr>
+          <a:xfrm>
+            <a:off x="10911340" y="5037547"/>
+            <a:ext cx="732793" cy="564884"/>
+          </a:xfrm>
+          <a:prstGeom prst="rect">
+            <a:avLst/>
+          </a:prstGeom>
+        </p:spPr>
+        <p:style>
+          <a:lnRef idx="1">
+            <a:schemeClr val="accent6"/>
+          </a:lnRef>
+          <a:fillRef idx="2">
+            <a:schemeClr val="accent6"/>
+          </a:fillRef>
+          <a:effectRef idx="1">
+            <a:schemeClr val="accent6"/>
+          </a:effectRef>
+          <a:fontRef idx="minor">
+            <a:schemeClr val="dk1"/>
+          </a:fontRef>
+        </p:style>
+        <p:txBody>
+          <a:bodyPr rtlCol="0" anchor="ctr"/>
+          <a:lstStyle/>
+          <a:p>
+            <a:pPr algn="ctr"/>
+            <a:r>
+              <a:rPr lang="en-US" sz="1200" b="1"/>
+              <a:t>Sense </a:t>
+            </a:r>
+            <a:r>
+              <a:rPr lang="en-US" sz="1200" b="1">
+                <a:solidFill>
+                  <a:schemeClr val="tx1"/>
+                </a:solidFill>
+              </a:rPr>
+              <a:t>Node State</a:t>
+            </a:r>
+          </a:p>
+        </p:txBody>
+      </p:sp>
+      <p:sp>
+        <p:nvSpPr>
+          <p:cNvPr id="38" name="TextBox 37">
+            <a:extLst>
+              <a:ext uri="{FF2B5EF4-FFF2-40B4-BE49-F238E27FC236}">
+                <a16:creationId xmlns:a16="http://schemas.microsoft.com/office/drawing/2014/main" id="{61B43942-276C-6D46-8BD6-0F7B64E361B8}"/>
+              </a:ext>
+            </a:extLst>
+          </p:cNvPr>
+          <p:cNvSpPr txBox="1"/>
+          <p:nvPr/>
+        </p:nvSpPr>
+        <p:spPr>
+          <a:xfrm>
+            <a:off x="6877573" y="4826984"/>
+            <a:ext cx="1364765" cy="954107"/>
+          </a:xfrm>
+          <a:prstGeom prst="rect">
+            <a:avLst/>
+          </a:prstGeom>
+          <a:noFill/>
+        </p:spPr>
+        <p:txBody>
+          <a:bodyPr wrap="square" rtlCol="0">
+            <a:spAutoFit/>
+          </a:bodyPr>
+          <a:lstStyle/>
+          <a:p>
+            <a:r>
+              <a:rPr lang="en-US" sz="1400"/>
+              <a:t>Copy without gradient</a:t>
+            </a:r>
+            <a:br>
+              <a:rPr lang="en-US" sz="1400"/>
+            </a:br>
+            <a:r>
+              <a:rPr lang="en-US" sz="1400"/>
+              <a:t>(photo of the current context)</a:t>
+            </a:r>
+          </a:p>
+        </p:txBody>
+      </p:sp>
+      <p:sp>
+        <p:nvSpPr>
+          <p:cNvPr id="39" name="Rectangle 38">
+            <a:extLst>
+              <a:ext uri="{FF2B5EF4-FFF2-40B4-BE49-F238E27FC236}">
+                <a16:creationId xmlns:a16="http://schemas.microsoft.com/office/drawing/2014/main" id="{457E5AAA-6CCC-434B-95B5-DA10C85A4334}"/>
+              </a:ext>
+            </a:extLst>
+          </p:cNvPr>
+          <p:cNvSpPr/>
+          <p:nvPr/>
+        </p:nvSpPr>
+        <p:spPr>
+          <a:xfrm>
+            <a:off x="8134355" y="5050139"/>
+            <a:ext cx="896461" cy="552292"/>
+          </a:xfrm>
+          <a:prstGeom prst="rect">
+            <a:avLst/>
+          </a:prstGeom>
+          <a:solidFill>
+            <a:schemeClr val="accent5">
+              <a:lumMod val="40000"/>
+              <a:lumOff val="60000"/>
+            </a:schemeClr>
+          </a:solidFill>
+        </p:spPr>
+        <p:style>
+          <a:lnRef idx="2">
+            <a:schemeClr val="accent5">
+              <a:shade val="50000"/>
+            </a:schemeClr>
+          </a:lnRef>
+          <a:fillRef idx="1">
+            <a:schemeClr val="accent5"/>
+          </a:fillRef>
+          <a:effectRef idx="0">
+            <a:schemeClr val="accent5"/>
+          </a:effectRef>
+          <a:fontRef idx="minor">
+            <a:schemeClr val="lt1"/>
+          </a:fontRef>
+        </p:style>
+        <p:txBody>
+          <a:bodyPr rtlCol="0" anchor="ctr"/>
+          <a:lstStyle/>
+          <a:p>
+            <a:pPr algn="ctr"/>
+            <a:r>
+              <a:rPr lang="en-US" sz="1400">
+                <a:solidFill>
+                  <a:schemeClr val="tx1"/>
+                </a:solidFill>
+              </a:rPr>
+              <a:t>Encoding </a:t>
+            </a:r>
+            <a:br>
+              <a:rPr lang="en-US" sz="1400">
+                <a:solidFill>
+                  <a:schemeClr val="tx1"/>
+                </a:solidFill>
+              </a:rPr>
+            </a:br>
+            <a:r>
+              <a:rPr lang="en-US" sz="1400">
+                <a:solidFill>
+                  <a:schemeClr val="tx1"/>
+                </a:solidFill>
+              </a:rPr>
+              <a:t>(Hidden state 2)</a:t>
+            </a:r>
+            <a:endParaRPr lang="en-US" sz="1400" b="1">
+              <a:solidFill>
+                <a:schemeClr val="tx1"/>
+              </a:solidFill>
+            </a:endParaRPr>
+          </a:p>
+        </p:txBody>
+      </p:sp>
+      <p:sp>
+        <p:nvSpPr>
+          <p:cNvPr id="40" name="Diamond 39">
+            <a:extLst>
+              <a:ext uri="{FF2B5EF4-FFF2-40B4-BE49-F238E27FC236}">
+                <a16:creationId xmlns:a16="http://schemas.microsoft.com/office/drawing/2014/main" id="{811FA52D-6D28-F24F-8E62-DF24DACE56DD}"/>
+              </a:ext>
+            </a:extLst>
+          </p:cNvPr>
+          <p:cNvSpPr/>
+          <p:nvPr/>
+        </p:nvSpPr>
+        <p:spPr>
+          <a:xfrm>
+            <a:off x="8089148" y="6040185"/>
+            <a:ext cx="2423155" cy="835996"/>
+          </a:xfrm>
+          <a:prstGeom prst="diamond">
+            <a:avLst/>
+          </a:prstGeom>
+        </p:spPr>
+        <p:style>
+          <a:lnRef idx="2">
+            <a:schemeClr val="accent1">
+              <a:shade val="50000"/>
+            </a:schemeClr>
+          </a:lnRef>
+          <a:fillRef idx="1">
+            <a:schemeClr val="accent1"/>
+          </a:fillRef>
+          <a:effectRef idx="0">
+            <a:schemeClr val="accent1"/>
+          </a:effectRef>
+          <a:fontRef idx="minor">
+            <a:schemeClr val="lt1"/>
+          </a:fontRef>
+        </p:style>
+        <p:txBody>
+          <a:bodyPr wrap="none" lIns="36000" rIns="36000" rtlCol="0" anchor="ctr"/>
+          <a:lstStyle/>
+          <a:p>
+            <a:pPr algn="ctr"/>
+            <a:r>
+              <a:rPr lang="en-GB"/>
+              <a:t>FF-NN:</a:t>
+            </a:r>
+            <a:br>
+              <a:rPr lang="en-GB"/>
+            </a:br>
+            <a:r>
+              <a:rPr lang="en-GB"/>
+              <a:t>linear2senses</a:t>
+            </a:r>
+            <a:endParaRPr lang="en-US"/>
+          </a:p>
+        </p:txBody>
+      </p:sp>
+      <p:sp>
+        <p:nvSpPr>
+          <p:cNvPr id="41" name="Down Arrow 40">
+            <a:extLst>
+              <a:ext uri="{FF2B5EF4-FFF2-40B4-BE49-F238E27FC236}">
+                <a16:creationId xmlns:a16="http://schemas.microsoft.com/office/drawing/2014/main" id="{AB2C63ED-0E0E-1D4D-A763-A7BA067BFD03}"/>
+              </a:ext>
+            </a:extLst>
+          </p:cNvPr>
+          <p:cNvSpPr/>
+          <p:nvPr/>
+        </p:nvSpPr>
+        <p:spPr>
+          <a:xfrm>
+            <a:off x="9121318" y="5590408"/>
+            <a:ext cx="381964" cy="428262"/>
+          </a:xfrm>
+          <a:prstGeom prst="downArrow">
+            <a:avLst/>
+          </a:prstGeom>
+          <a:solidFill>
+            <a:schemeClr val="bg1"/>
+          </a:solidFill>
+        </p:spPr>
+        <p:style>
+          <a:lnRef idx="2">
+            <a:schemeClr val="accent1">
+              <a:shade val="50000"/>
+            </a:schemeClr>
+          </a:lnRef>
+          <a:fillRef idx="1">
+            <a:schemeClr val="accent1"/>
+          </a:fillRef>
+          <a:effectRef idx="0">
+            <a:schemeClr val="accent1"/>
+          </a:effectRef>
+          <a:fontRef idx="minor">
+            <a:schemeClr val="lt1"/>
+          </a:fontRef>
+        </p:style>
+        <p:txBody>
+          <a:bodyPr rtlCol="0" anchor="ctr"/>
+          <a:lstStyle/>
+          <a:p>
+            <a:pPr algn="ctr"/>
+            <a:endParaRPr lang="en-US"/>
+          </a:p>
+        </p:txBody>
+      </p:sp>
+      <p:sp>
+        <p:nvSpPr>
+          <p:cNvPr id="42" name="Down Arrow 41">
+            <a:extLst>
+              <a:ext uri="{FF2B5EF4-FFF2-40B4-BE49-F238E27FC236}">
+                <a16:creationId xmlns:a16="http://schemas.microsoft.com/office/drawing/2014/main" id="{66F620D5-822A-5248-8FB1-03CE9BBC3DC1}"/>
+              </a:ext>
+            </a:extLst>
+          </p:cNvPr>
+          <p:cNvSpPr/>
+          <p:nvPr/>
+        </p:nvSpPr>
+        <p:spPr>
+          <a:xfrm>
+            <a:off x="9121318" y="6876181"/>
+            <a:ext cx="381964" cy="428262"/>
+          </a:xfrm>
+          <a:prstGeom prst="downArrow">
+            <a:avLst/>
+          </a:prstGeom>
+          <a:solidFill>
+            <a:schemeClr val="bg1"/>
+          </a:solidFill>
+        </p:spPr>
+        <p:style>
+          <a:lnRef idx="2">
+            <a:schemeClr val="accent1">
+              <a:shade val="50000"/>
+            </a:schemeClr>
+          </a:lnRef>
+          <a:fillRef idx="1">
+            <a:schemeClr val="accent1"/>
+          </a:fillRef>
+          <a:effectRef idx="0">
+            <a:schemeClr val="accent1"/>
+          </a:effectRef>
+          <a:fontRef idx="minor">
+            <a:schemeClr val="lt1"/>
+          </a:fontRef>
+        </p:style>
+        <p:txBody>
+          <a:bodyPr rtlCol="0" anchor="ctr"/>
+          <a:lstStyle/>
+          <a:p>
+            <a:pPr algn="ctr"/>
+            <a:endParaRPr lang="en-US"/>
+          </a:p>
+        </p:txBody>
+      </p:sp>
+    </p:spTree>
+    <p:extLst>
+      <p:ext uri="{BB962C8B-B14F-4D97-AF65-F5344CB8AC3E}">
+        <p14:creationId xmlns:p14="http://schemas.microsoft.com/office/powerpoint/2010/main" val="1331181461"/>
+      </p:ext>
+    </p:extLst>
+  </p:cSld>
+  <p:clrMapOvr>
+    <a:masterClrMapping/>
+  </p:clrMapOvr>
+</p:sld>
+</file>
+
+<file path=ppt/slides/slide3.xml><?xml version="1.0" encoding="utf-8"?>
+<p:sld xmlns:a="http://schemas.openxmlformats.org/drawingml/2006/main" xmlns:r="http://schemas.openxmlformats.org/officeDocument/2006/relationships" xmlns:p="http://schemas.openxmlformats.org/presentationml/2006/main">
+  <p:cSld>
+    <p:spTree>
+      <p:nvGrpSpPr>
+        <p:cNvPr id="1" name=""/>
+        <p:cNvGrpSpPr/>
+        <p:nvPr/>
+      </p:nvGrpSpPr>
+      <p:grpSpPr>
+        <a:xfrm>
+          <a:off x="0" y="0"/>
+          <a:ext cx="0" cy="0"/>
+          <a:chOff x="0" y="0"/>
+          <a:chExt cx="0" cy="0"/>
+        </a:xfrm>
+      </p:grpSpPr>
+      <p:sp>
+        <p:nvSpPr>
+          <p:cNvPr id="4" name="Diamond 3">
+            <a:extLst>
+              <a:ext uri="{FF2B5EF4-FFF2-40B4-BE49-F238E27FC236}">
+                <a16:creationId xmlns:a16="http://schemas.microsoft.com/office/drawing/2014/main" id="{DBB06CCC-4012-7142-8209-4D3CA3521F99}"/>
+              </a:ext>
+            </a:extLst>
+          </p:cNvPr>
+          <p:cNvSpPr/>
+          <p:nvPr/>
+        </p:nvSpPr>
+        <p:spPr>
+          <a:xfrm>
+            <a:off x="4354286" y="3857263"/>
+            <a:ext cx="2423155" cy="835996"/>
+          </a:xfrm>
+          <a:prstGeom prst="diamond">
+            <a:avLst/>
+          </a:prstGeom>
+        </p:spPr>
+        <p:style>
+          <a:lnRef idx="2">
+            <a:schemeClr val="accent1">
+              <a:shade val="50000"/>
+            </a:schemeClr>
+          </a:lnRef>
+          <a:fillRef idx="1">
+            <a:schemeClr val="accent1"/>
+          </a:fillRef>
+          <a:effectRef idx="0">
+            <a:schemeClr val="accent1"/>
+          </a:effectRef>
+          <a:fontRef idx="minor">
+            <a:schemeClr val="lt1"/>
+          </a:fontRef>
+        </p:style>
+        <p:txBody>
+          <a:bodyPr rtlCol="0" anchor="ctr"/>
+          <a:lstStyle/>
+          <a:p>
+            <a:pPr algn="ctr"/>
+            <a:r>
+              <a:rPr lang="en-US"/>
+              <a:t>2-layers</a:t>
+            </a:r>
+            <a:br>
+              <a:rPr lang="en-US"/>
+            </a:br>
+            <a:r>
+              <a:rPr lang="en-US"/>
+              <a:t>GRU</a:t>
+            </a:r>
+          </a:p>
+        </p:txBody>
+      </p:sp>
+      <p:sp>
+        <p:nvSpPr>
+          <p:cNvPr id="5" name="Down Arrow 4">
+            <a:extLst>
+              <a:ext uri="{FF2B5EF4-FFF2-40B4-BE49-F238E27FC236}">
+                <a16:creationId xmlns:a16="http://schemas.microsoft.com/office/drawing/2014/main" id="{2E1E1C2B-5B16-004D-95B2-00203BDC4738}"/>
+              </a:ext>
+            </a:extLst>
+          </p:cNvPr>
+          <p:cNvSpPr/>
+          <p:nvPr/>
+        </p:nvSpPr>
+        <p:spPr>
+          <a:xfrm>
+            <a:off x="5386454" y="3429001"/>
+            <a:ext cx="381964" cy="428262"/>
+          </a:xfrm>
+          <a:prstGeom prst="downArrow">
+            <a:avLst/>
+          </a:prstGeom>
+          <a:solidFill>
+            <a:schemeClr val="bg1"/>
+          </a:solidFill>
+        </p:spPr>
+        <p:style>
+          <a:lnRef idx="2">
+            <a:schemeClr val="accent1">
+              <a:shade val="50000"/>
+            </a:schemeClr>
+          </a:lnRef>
+          <a:fillRef idx="1">
+            <a:schemeClr val="accent1"/>
+          </a:fillRef>
+          <a:effectRef idx="0">
+            <a:schemeClr val="accent1"/>
+          </a:effectRef>
+          <a:fontRef idx="minor">
+            <a:schemeClr val="lt1"/>
+          </a:fontRef>
+        </p:style>
+        <p:txBody>
+          <a:bodyPr wrap="none" rtlCol="0" anchor="ctr"/>
+          <a:lstStyle/>
+          <a:p>
+            <a:pPr algn="ctr"/>
+            <a:r>
+              <a:rPr lang="en-US" b="1">
+                <a:solidFill>
+                  <a:schemeClr val="tx1"/>
+                </a:solidFill>
+              </a:rPr>
+              <a:t>I n p u t</a:t>
+            </a:r>
+          </a:p>
+        </p:txBody>
+      </p:sp>
+      <p:sp>
+        <p:nvSpPr>
+          <p:cNvPr id="7" name="Rectangle 6">
+            <a:extLst>
+              <a:ext uri="{FF2B5EF4-FFF2-40B4-BE49-F238E27FC236}">
+                <a16:creationId xmlns:a16="http://schemas.microsoft.com/office/drawing/2014/main" id="{CEB94528-BBB3-B44D-860D-084ECFCFE803}"/>
+              </a:ext>
+            </a:extLst>
+          </p:cNvPr>
+          <p:cNvSpPr/>
+          <p:nvPr/>
+        </p:nvSpPr>
+        <p:spPr>
+          <a:xfrm>
+            <a:off x="4572125" y="5038712"/>
+            <a:ext cx="1987475" cy="530651"/>
+          </a:xfrm>
+          <a:prstGeom prst="rect">
+            <a:avLst/>
+          </a:prstGeom>
+          <a:solidFill>
+            <a:schemeClr val="accent5">
+              <a:lumMod val="40000"/>
+              <a:lumOff val="60000"/>
+            </a:schemeClr>
+          </a:solidFill>
+        </p:spPr>
+        <p:style>
+          <a:lnRef idx="2">
+            <a:schemeClr val="accent5">
+              <a:shade val="50000"/>
+            </a:schemeClr>
+          </a:lnRef>
+          <a:fillRef idx="1">
+            <a:schemeClr val="accent5"/>
+          </a:fillRef>
+          <a:effectRef idx="0">
+            <a:schemeClr val="accent5"/>
+          </a:effectRef>
+          <a:fontRef idx="minor">
+            <a:schemeClr val="lt1"/>
+          </a:fontRef>
+        </p:style>
+        <p:txBody>
+          <a:bodyPr rtlCol="0" anchor="ctr"/>
+          <a:lstStyle/>
+          <a:p>
+            <a:pPr algn="ctr"/>
+            <a:r>
+              <a:rPr lang="en-US" sz="1600">
+                <a:solidFill>
+                  <a:schemeClr val="tx1"/>
+                </a:solidFill>
+              </a:rPr>
+              <a:t>Encoding </a:t>
+            </a:r>
+            <a:br>
+              <a:rPr lang="en-US" sz="1600">
+                <a:solidFill>
+                  <a:schemeClr val="tx1"/>
+                </a:solidFill>
+              </a:rPr>
+            </a:br>
+            <a:r>
+              <a:rPr lang="en-US" sz="1600">
+                <a:solidFill>
+                  <a:schemeClr val="tx1"/>
+                </a:solidFill>
+              </a:rPr>
+              <a:t>(Hidden state 2)</a:t>
+            </a:r>
+            <a:endParaRPr lang="en-US" sz="1600" b="1">
+              <a:solidFill>
+                <a:schemeClr val="tx1"/>
+              </a:solidFill>
+            </a:endParaRPr>
+          </a:p>
+        </p:txBody>
+      </p:sp>
+      <p:sp>
+        <p:nvSpPr>
+          <p:cNvPr id="10" name="Diamond 9">
+            <a:extLst>
+              <a:ext uri="{FF2B5EF4-FFF2-40B4-BE49-F238E27FC236}">
+                <a16:creationId xmlns:a16="http://schemas.microsoft.com/office/drawing/2014/main" id="{E26FEDF0-E397-024D-A02E-1E1D21E34639}"/>
+              </a:ext>
+            </a:extLst>
+          </p:cNvPr>
+          <p:cNvSpPr/>
+          <p:nvPr/>
+        </p:nvSpPr>
+        <p:spPr>
+          <a:xfrm>
+            <a:off x="4354284" y="6014410"/>
+            <a:ext cx="2423155" cy="835996"/>
+          </a:xfrm>
+          <a:prstGeom prst="diamond">
+            <a:avLst/>
+          </a:prstGeom>
+        </p:spPr>
+        <p:style>
+          <a:lnRef idx="2">
+            <a:schemeClr val="accent1">
+              <a:shade val="50000"/>
+            </a:schemeClr>
+          </a:lnRef>
+          <a:fillRef idx="1">
+            <a:schemeClr val="accent1"/>
+          </a:fillRef>
+          <a:effectRef idx="0">
+            <a:schemeClr val="accent1"/>
+          </a:effectRef>
+          <a:fontRef idx="minor">
+            <a:schemeClr val="lt1"/>
+          </a:fontRef>
+        </p:style>
+        <p:txBody>
+          <a:bodyPr wrap="none" lIns="36000" rIns="36000" rtlCol="0" anchor="ctr"/>
+          <a:lstStyle/>
+          <a:p>
+            <a:pPr algn="ctr"/>
+            <a:r>
+              <a:rPr lang="en-GB"/>
+              <a:t>FF-NN:</a:t>
+            </a:r>
+            <a:br>
+              <a:rPr lang="en-GB"/>
+            </a:br>
+            <a:r>
+              <a:rPr lang="en-GB"/>
+              <a:t>linear2global</a:t>
+            </a:r>
+            <a:endParaRPr lang="en-US"/>
+          </a:p>
+        </p:txBody>
+      </p:sp>
+      <p:sp>
+        <p:nvSpPr>
+          <p:cNvPr id="12" name="Rectangle 11">
+            <a:extLst>
+              <a:ext uri="{FF2B5EF4-FFF2-40B4-BE49-F238E27FC236}">
+                <a16:creationId xmlns:a16="http://schemas.microsoft.com/office/drawing/2014/main" id="{BF9CF074-2BFA-2E4A-A782-5519DDEB6F3B}"/>
+              </a:ext>
+            </a:extLst>
+          </p:cNvPr>
+          <p:cNvSpPr/>
+          <p:nvPr/>
+        </p:nvSpPr>
+        <p:spPr>
+          <a:xfrm>
+            <a:off x="4596390" y="7311609"/>
+            <a:ext cx="1987475" cy="530651"/>
+          </a:xfrm>
+          <a:prstGeom prst="rect">
+            <a:avLst/>
+          </a:prstGeom>
+          <a:solidFill>
+            <a:schemeClr val="accent5">
+              <a:lumMod val="40000"/>
+              <a:lumOff val="60000"/>
+            </a:schemeClr>
+          </a:solidFill>
+        </p:spPr>
+        <p:style>
+          <a:lnRef idx="2">
+            <a:schemeClr val="accent5">
+              <a:shade val="50000"/>
+            </a:schemeClr>
+          </a:lnRef>
+          <a:fillRef idx="1">
+            <a:schemeClr val="accent5"/>
+          </a:fillRef>
+          <a:effectRef idx="0">
+            <a:schemeClr val="accent5"/>
+          </a:effectRef>
+          <a:fontRef idx="minor">
+            <a:schemeClr val="lt1"/>
+          </a:fontRef>
+        </p:style>
+        <p:txBody>
+          <a:bodyPr rtlCol="0" anchor="ctr"/>
+          <a:lstStyle/>
+          <a:p>
+            <a:pPr algn="ctr"/>
+            <a:r>
+              <a:rPr lang="en-US" sz="1600">
+                <a:solidFill>
+                  <a:schemeClr val="tx1"/>
+                </a:solidFill>
+              </a:rPr>
+              <a:t>Logits of global words</a:t>
+            </a:r>
+          </a:p>
+        </p:txBody>
+      </p:sp>
+      <p:sp>
+        <p:nvSpPr>
+          <p:cNvPr id="14" name="Oval 13">
+            <a:extLst>
+              <a:ext uri="{FF2B5EF4-FFF2-40B4-BE49-F238E27FC236}">
+                <a16:creationId xmlns:a16="http://schemas.microsoft.com/office/drawing/2014/main" id="{CC2973EE-8363-8F47-BA1C-C19ED98DECD3}"/>
+              </a:ext>
+            </a:extLst>
+          </p:cNvPr>
+          <p:cNvSpPr/>
+          <p:nvPr/>
+        </p:nvSpPr>
+        <p:spPr>
+          <a:xfrm>
+            <a:off x="5189683" y="8267181"/>
+            <a:ext cx="752354" cy="755561"/>
+          </a:xfrm>
+          <a:prstGeom prst="ellipse">
+            <a:avLst/>
+          </a:prstGeom>
+        </p:spPr>
+        <p:style>
+          <a:lnRef idx="1">
+            <a:schemeClr val="accent3"/>
+          </a:lnRef>
+          <a:fillRef idx="2">
+            <a:schemeClr val="accent3"/>
+          </a:fillRef>
+          <a:effectRef idx="1">
+            <a:schemeClr val="accent3"/>
+          </a:effectRef>
+          <a:fontRef idx="minor">
+            <a:schemeClr val="dk1"/>
+          </a:fontRef>
+        </p:style>
+        <p:txBody>
+          <a:bodyPr wrap="none" rtlCol="0" anchor="ctr"/>
+          <a:lstStyle/>
+          <a:p>
+            <a:pPr algn="ctr"/>
+            <a:r>
+              <a:rPr lang="en-US"/>
+              <a:t>Softmax</a:t>
+            </a:r>
+          </a:p>
+        </p:txBody>
+      </p:sp>
+      <p:cxnSp>
+        <p:nvCxnSpPr>
+          <p:cNvPr id="16" name="Straight Arrow Connector 15">
+            <a:extLst>
+              <a:ext uri="{FF2B5EF4-FFF2-40B4-BE49-F238E27FC236}">
+                <a16:creationId xmlns:a16="http://schemas.microsoft.com/office/drawing/2014/main" id="{085041C8-9843-9647-A903-D4B6FE815AA6}"/>
+              </a:ext>
+            </a:extLst>
+          </p:cNvPr>
+          <p:cNvCxnSpPr>
+            <a:stCxn id="4" idx="2"/>
+            <a:endCxn id="7" idx="0"/>
+          </p:cNvCxnSpPr>
+          <p:nvPr/>
+        </p:nvCxnSpPr>
+        <p:spPr>
+          <a:xfrm flipH="1">
+            <a:off x="5565863" y="4693259"/>
+            <a:ext cx="1" cy="345452"/>
+          </a:xfrm>
+          <a:prstGeom prst="straightConnector1">
+            <a:avLst/>
+          </a:prstGeom>
+          <a:ln>
+            <a:tailEnd type="triangle"/>
+          </a:ln>
+        </p:spPr>
+        <p:style>
+          <a:lnRef idx="1">
+            <a:schemeClr val="dk1"/>
+          </a:lnRef>
+          <a:fillRef idx="0">
+            <a:schemeClr val="dk1"/>
+          </a:fillRef>
+          <a:effectRef idx="0">
+            <a:schemeClr val="dk1"/>
+          </a:effectRef>
+          <a:fontRef idx="minor">
+            <a:schemeClr val="tx1"/>
+          </a:fontRef>
+        </p:style>
+      </p:cxnSp>
+      <p:sp>
+        <p:nvSpPr>
+          <p:cNvPr id="17" name="Down Arrow 16">
+            <a:extLst>
+              <a:ext uri="{FF2B5EF4-FFF2-40B4-BE49-F238E27FC236}">
+                <a16:creationId xmlns:a16="http://schemas.microsoft.com/office/drawing/2014/main" id="{DBF5080D-6078-4A4D-A114-6B041E937229}"/>
+              </a:ext>
+            </a:extLst>
+          </p:cNvPr>
+          <p:cNvSpPr/>
+          <p:nvPr/>
+        </p:nvSpPr>
+        <p:spPr>
+          <a:xfrm>
+            <a:off x="5386454" y="5564633"/>
+            <a:ext cx="381964" cy="428262"/>
+          </a:xfrm>
+          <a:prstGeom prst="downArrow">
+            <a:avLst/>
+          </a:prstGeom>
+          <a:solidFill>
+            <a:schemeClr val="bg1"/>
+          </a:solidFill>
+        </p:spPr>
+        <p:style>
+          <a:lnRef idx="2">
+            <a:schemeClr val="accent1">
+              <a:shade val="50000"/>
+            </a:schemeClr>
+          </a:lnRef>
+          <a:fillRef idx="1">
+            <a:schemeClr val="accent1"/>
+          </a:fillRef>
+          <a:effectRef idx="0">
+            <a:schemeClr val="accent1"/>
+          </a:effectRef>
+          <a:fontRef idx="minor">
+            <a:schemeClr val="lt1"/>
+          </a:fontRef>
+        </p:style>
+        <p:txBody>
+          <a:bodyPr rtlCol="0" anchor="ctr"/>
+          <a:lstStyle/>
+          <a:p>
+            <a:pPr algn="ctr"/>
+            <a:endParaRPr lang="en-US"/>
+          </a:p>
+        </p:txBody>
+      </p:sp>
+      <p:sp>
+        <p:nvSpPr>
+          <p:cNvPr id="18" name="Down Arrow 17">
+            <a:extLst>
+              <a:ext uri="{FF2B5EF4-FFF2-40B4-BE49-F238E27FC236}">
+                <a16:creationId xmlns:a16="http://schemas.microsoft.com/office/drawing/2014/main" id="{78948B97-2EB5-7C44-8661-F8FF659EEC11}"/>
+              </a:ext>
+            </a:extLst>
+          </p:cNvPr>
+          <p:cNvSpPr/>
+          <p:nvPr/>
+        </p:nvSpPr>
+        <p:spPr>
+          <a:xfrm>
+            <a:off x="5386454" y="6850406"/>
+            <a:ext cx="381964" cy="428262"/>
+          </a:xfrm>
+          <a:prstGeom prst="downArrow">
+            <a:avLst/>
+          </a:prstGeom>
+          <a:solidFill>
+            <a:schemeClr val="bg1"/>
+          </a:solidFill>
+        </p:spPr>
+        <p:style>
+          <a:lnRef idx="2">
+            <a:schemeClr val="accent1">
+              <a:shade val="50000"/>
+            </a:schemeClr>
+          </a:lnRef>
+          <a:fillRef idx="1">
+            <a:schemeClr val="accent1"/>
+          </a:fillRef>
+          <a:effectRef idx="0">
+            <a:schemeClr val="accent1"/>
+          </a:effectRef>
+          <a:fontRef idx="minor">
+            <a:schemeClr val="lt1"/>
+          </a:fontRef>
+        </p:style>
+        <p:txBody>
+          <a:bodyPr rtlCol="0" anchor="ctr"/>
+          <a:lstStyle/>
+          <a:p>
+            <a:pPr algn="ctr"/>
+            <a:endParaRPr lang="en-US"/>
+          </a:p>
+        </p:txBody>
+      </p:sp>
+      <p:sp>
+        <p:nvSpPr>
+          <p:cNvPr id="19" name="Down Arrow 18">
+            <a:extLst>
+              <a:ext uri="{FF2B5EF4-FFF2-40B4-BE49-F238E27FC236}">
+                <a16:creationId xmlns:a16="http://schemas.microsoft.com/office/drawing/2014/main" id="{8C470EB7-41A5-5C4D-8682-9F0FDF9C952B}"/>
+              </a:ext>
+            </a:extLst>
+          </p:cNvPr>
+          <p:cNvSpPr/>
+          <p:nvPr/>
+        </p:nvSpPr>
+        <p:spPr>
+          <a:xfrm>
+            <a:off x="5374878" y="7834882"/>
+            <a:ext cx="381964" cy="428262"/>
+          </a:xfrm>
+          <a:prstGeom prst="downArrow">
+            <a:avLst/>
+          </a:prstGeom>
+          <a:solidFill>
+            <a:schemeClr val="bg1"/>
+          </a:solidFill>
+        </p:spPr>
+        <p:style>
+          <a:lnRef idx="2">
+            <a:schemeClr val="accent1">
+              <a:shade val="50000"/>
+            </a:schemeClr>
+          </a:lnRef>
+          <a:fillRef idx="1">
+            <a:schemeClr val="accent1"/>
+          </a:fillRef>
+          <a:effectRef idx="0">
+            <a:schemeClr val="accent1"/>
+          </a:effectRef>
+          <a:fontRef idx="minor">
+            <a:schemeClr val="lt1"/>
+          </a:fontRef>
+        </p:style>
+        <p:txBody>
+          <a:bodyPr rtlCol="0" anchor="ctr"/>
+          <a:lstStyle/>
+          <a:p>
+            <a:pPr algn="ctr"/>
+            <a:endParaRPr lang="en-US"/>
+          </a:p>
+        </p:txBody>
+      </p:sp>
+      <p:sp>
+        <p:nvSpPr>
+          <p:cNvPr id="20" name="Down Arrow 19">
+            <a:extLst>
+              <a:ext uri="{FF2B5EF4-FFF2-40B4-BE49-F238E27FC236}">
+                <a16:creationId xmlns:a16="http://schemas.microsoft.com/office/drawing/2014/main" id="{3D411D0C-0351-B247-8E17-DF97F0AC5EA3}"/>
+              </a:ext>
+            </a:extLst>
+          </p:cNvPr>
+          <p:cNvSpPr/>
+          <p:nvPr/>
+        </p:nvSpPr>
+        <p:spPr>
+          <a:xfrm>
+            <a:off x="5374878" y="9032233"/>
+            <a:ext cx="381964" cy="428262"/>
+          </a:xfrm>
+          <a:prstGeom prst="downArrow">
+            <a:avLst/>
+          </a:prstGeom>
+          <a:solidFill>
+            <a:schemeClr val="bg1"/>
+          </a:solidFill>
+        </p:spPr>
+        <p:style>
+          <a:lnRef idx="2">
+            <a:schemeClr val="accent1">
+              <a:shade val="50000"/>
+            </a:schemeClr>
+          </a:lnRef>
+          <a:fillRef idx="1">
+            <a:schemeClr val="accent1"/>
+          </a:fillRef>
+          <a:effectRef idx="0">
+            <a:schemeClr val="accent1"/>
+          </a:effectRef>
+          <a:fontRef idx="minor">
+            <a:schemeClr val="lt1"/>
+          </a:fontRef>
+        </p:style>
+        <p:txBody>
+          <a:bodyPr rtlCol="0" anchor="ctr"/>
+          <a:lstStyle/>
+          <a:p>
+            <a:pPr algn="ctr"/>
+            <a:endParaRPr lang="en-US"/>
+          </a:p>
+        </p:txBody>
+      </p:sp>
+      <p:sp>
+        <p:nvSpPr>
+          <p:cNvPr id="21" name="Rectangle 20">
+            <a:extLst>
+              <a:ext uri="{FF2B5EF4-FFF2-40B4-BE49-F238E27FC236}">
+                <a16:creationId xmlns:a16="http://schemas.microsoft.com/office/drawing/2014/main" id="{5BACE416-FE57-2945-89A6-FCFC8709676C}"/>
+              </a:ext>
+            </a:extLst>
+          </p:cNvPr>
+          <p:cNvSpPr/>
+          <p:nvPr/>
+        </p:nvSpPr>
+        <p:spPr>
+          <a:xfrm>
+            <a:off x="4572123" y="9460496"/>
+            <a:ext cx="1987475" cy="755561"/>
+          </a:xfrm>
+          <a:prstGeom prst="rect">
+            <a:avLst/>
+          </a:prstGeom>
+          <a:solidFill>
+            <a:schemeClr val="accent4">
+              <a:lumMod val="40000"/>
+              <a:lumOff val="60000"/>
+            </a:schemeClr>
+          </a:solidFill>
+        </p:spPr>
+        <p:style>
+          <a:lnRef idx="2">
+            <a:schemeClr val="accent5">
+              <a:shade val="50000"/>
+            </a:schemeClr>
+          </a:lnRef>
+          <a:fillRef idx="1">
+            <a:schemeClr val="accent5"/>
+          </a:fillRef>
+          <a:effectRef idx="0">
+            <a:schemeClr val="accent5"/>
+          </a:effectRef>
+          <a:fontRef idx="minor">
+            <a:schemeClr val="lt1"/>
+          </a:fontRef>
+        </p:style>
+        <p:txBody>
+          <a:bodyPr rtlCol="0" anchor="ctr"/>
+          <a:lstStyle/>
+          <a:p>
+            <a:pPr algn="ctr"/>
+            <a:r>
+              <a:rPr lang="en-US" sz="1600">
+                <a:solidFill>
+                  <a:schemeClr val="tx1"/>
+                </a:solidFill>
+              </a:rPr>
+              <a:t>Predicted probabilities – next global word</a:t>
+            </a:r>
+          </a:p>
+        </p:txBody>
+      </p:sp>
+      <p:sp>
+        <p:nvSpPr>
+          <p:cNvPr id="22" name="Rectangle 21">
+            <a:extLst>
+              <a:ext uri="{FF2B5EF4-FFF2-40B4-BE49-F238E27FC236}">
+                <a16:creationId xmlns:a16="http://schemas.microsoft.com/office/drawing/2014/main" id="{3F7175FE-C5F5-9A4E-A7A6-7C7AE95F8F13}"/>
+              </a:ext>
+            </a:extLst>
+          </p:cNvPr>
+          <p:cNvSpPr/>
+          <p:nvPr/>
+        </p:nvSpPr>
+        <p:spPr>
+          <a:xfrm>
+            <a:off x="8348517" y="7311609"/>
+            <a:ext cx="1987475" cy="530651"/>
+          </a:xfrm>
+          <a:prstGeom prst="rect">
+            <a:avLst/>
+          </a:prstGeom>
+          <a:solidFill>
+            <a:schemeClr val="accent5">
+              <a:lumMod val="40000"/>
+              <a:lumOff val="60000"/>
+            </a:schemeClr>
+          </a:solidFill>
+        </p:spPr>
+        <p:style>
+          <a:lnRef idx="2">
+            <a:schemeClr val="accent5">
+              <a:shade val="50000"/>
+            </a:schemeClr>
+          </a:lnRef>
+          <a:fillRef idx="1">
+            <a:schemeClr val="accent5"/>
+          </a:fillRef>
+          <a:effectRef idx="0">
+            <a:schemeClr val="accent5"/>
+          </a:effectRef>
+          <a:fontRef idx="minor">
+            <a:schemeClr val="lt1"/>
+          </a:fontRef>
+        </p:style>
+        <p:txBody>
+          <a:bodyPr rtlCol="0" anchor="ctr"/>
+          <a:lstStyle/>
+          <a:p>
+            <a:pPr algn="ctr"/>
+            <a:r>
+              <a:rPr lang="en-US" sz="1600">
+                <a:solidFill>
+                  <a:schemeClr val="tx1"/>
+                </a:solidFill>
+              </a:rPr>
+              <a:t>Logits of senses</a:t>
+            </a:r>
+          </a:p>
+        </p:txBody>
+      </p:sp>
+      <p:sp>
+        <p:nvSpPr>
+          <p:cNvPr id="23" name="Oval 22">
+            <a:extLst>
+              <a:ext uri="{FF2B5EF4-FFF2-40B4-BE49-F238E27FC236}">
+                <a16:creationId xmlns:a16="http://schemas.microsoft.com/office/drawing/2014/main" id="{6EE07ECA-65A2-0641-AE45-4F768DCC5DBD}"/>
+              </a:ext>
+            </a:extLst>
+          </p:cNvPr>
+          <p:cNvSpPr/>
+          <p:nvPr/>
+        </p:nvSpPr>
+        <p:spPr>
+          <a:xfrm>
+            <a:off x="8941810" y="8267181"/>
+            <a:ext cx="752354" cy="755561"/>
+          </a:xfrm>
+          <a:prstGeom prst="ellipse">
+            <a:avLst/>
+          </a:prstGeom>
+        </p:spPr>
+        <p:style>
+          <a:lnRef idx="1">
+            <a:schemeClr val="accent3"/>
+          </a:lnRef>
+          <a:fillRef idx="2">
+            <a:schemeClr val="accent3"/>
+          </a:fillRef>
+          <a:effectRef idx="1">
+            <a:schemeClr val="accent3"/>
+          </a:effectRef>
+          <a:fontRef idx="minor">
+            <a:schemeClr val="dk1"/>
+          </a:fontRef>
+        </p:style>
+        <p:txBody>
+          <a:bodyPr wrap="none" rtlCol="0" anchor="ctr"/>
+          <a:lstStyle/>
+          <a:p>
+            <a:pPr algn="ctr"/>
+            <a:r>
+              <a:rPr lang="en-US"/>
+              <a:t>Softmax</a:t>
+            </a:r>
+          </a:p>
+        </p:txBody>
+      </p:sp>
+      <p:sp>
+        <p:nvSpPr>
+          <p:cNvPr id="24" name="Down Arrow 23">
+            <a:extLst>
+              <a:ext uri="{FF2B5EF4-FFF2-40B4-BE49-F238E27FC236}">
+                <a16:creationId xmlns:a16="http://schemas.microsoft.com/office/drawing/2014/main" id="{5B8A8200-1A61-9A43-8F04-80F717E9B000}"/>
+              </a:ext>
+            </a:extLst>
+          </p:cNvPr>
+          <p:cNvSpPr/>
+          <p:nvPr/>
+        </p:nvSpPr>
+        <p:spPr>
+          <a:xfrm>
+            <a:off x="9127005" y="7834882"/>
+            <a:ext cx="381964" cy="428262"/>
+          </a:xfrm>
+          <a:prstGeom prst="downArrow">
+            <a:avLst/>
+          </a:prstGeom>
+          <a:solidFill>
+            <a:schemeClr val="bg1"/>
+          </a:solidFill>
+        </p:spPr>
+        <p:style>
+          <a:lnRef idx="2">
+            <a:schemeClr val="accent1">
+              <a:shade val="50000"/>
+            </a:schemeClr>
+          </a:lnRef>
+          <a:fillRef idx="1">
+            <a:schemeClr val="accent1"/>
+          </a:fillRef>
+          <a:effectRef idx="0">
+            <a:schemeClr val="accent1"/>
+          </a:effectRef>
+          <a:fontRef idx="minor">
+            <a:schemeClr val="lt1"/>
+          </a:fontRef>
+        </p:style>
+        <p:txBody>
+          <a:bodyPr rtlCol="0" anchor="ctr"/>
+          <a:lstStyle/>
+          <a:p>
+            <a:pPr algn="ctr"/>
+            <a:endParaRPr lang="en-US"/>
+          </a:p>
+        </p:txBody>
+      </p:sp>
+      <p:sp>
+        <p:nvSpPr>
+          <p:cNvPr id="25" name="Down Arrow 24">
+            <a:extLst>
+              <a:ext uri="{FF2B5EF4-FFF2-40B4-BE49-F238E27FC236}">
+                <a16:creationId xmlns:a16="http://schemas.microsoft.com/office/drawing/2014/main" id="{454F61DD-CF26-0343-993B-E71B9524B95F}"/>
+              </a:ext>
+            </a:extLst>
+          </p:cNvPr>
+          <p:cNvSpPr/>
+          <p:nvPr/>
+        </p:nvSpPr>
+        <p:spPr>
+          <a:xfrm>
+            <a:off x="9127005" y="9032233"/>
+            <a:ext cx="381964" cy="428262"/>
+          </a:xfrm>
+          <a:prstGeom prst="downArrow">
+            <a:avLst/>
+          </a:prstGeom>
+          <a:solidFill>
+            <a:schemeClr val="bg1"/>
+          </a:solidFill>
+        </p:spPr>
+        <p:style>
+          <a:lnRef idx="2">
+            <a:schemeClr val="accent1">
+              <a:shade val="50000"/>
+            </a:schemeClr>
+          </a:lnRef>
+          <a:fillRef idx="1">
+            <a:schemeClr val="accent1"/>
+          </a:fillRef>
+          <a:effectRef idx="0">
+            <a:schemeClr val="accent1"/>
+          </a:effectRef>
+          <a:fontRef idx="minor">
+            <a:schemeClr val="lt1"/>
+          </a:fontRef>
+        </p:style>
+        <p:txBody>
+          <a:bodyPr rtlCol="0" anchor="ctr"/>
+          <a:lstStyle/>
+          <a:p>
+            <a:pPr algn="ctr"/>
+            <a:endParaRPr lang="en-US"/>
+          </a:p>
+        </p:txBody>
+      </p:sp>
+      <p:sp>
+        <p:nvSpPr>
+          <p:cNvPr id="26" name="Rectangle 25">
+            <a:extLst>
+              <a:ext uri="{FF2B5EF4-FFF2-40B4-BE49-F238E27FC236}">
+                <a16:creationId xmlns:a16="http://schemas.microsoft.com/office/drawing/2014/main" id="{F289D602-95DA-9B40-AE72-9263EC9FE3D9}"/>
+              </a:ext>
+            </a:extLst>
+          </p:cNvPr>
+          <p:cNvSpPr/>
+          <p:nvPr/>
+        </p:nvSpPr>
+        <p:spPr>
+          <a:xfrm>
+            <a:off x="8324250" y="9460496"/>
+            <a:ext cx="1987475" cy="755561"/>
+          </a:xfrm>
+          <a:prstGeom prst="rect">
+            <a:avLst/>
+          </a:prstGeom>
+          <a:solidFill>
+            <a:schemeClr val="accent4">
+              <a:lumMod val="40000"/>
+              <a:lumOff val="60000"/>
+            </a:schemeClr>
+          </a:solidFill>
+        </p:spPr>
+        <p:style>
+          <a:lnRef idx="2">
+            <a:schemeClr val="accent5">
+              <a:shade val="50000"/>
+            </a:schemeClr>
+          </a:lnRef>
+          <a:fillRef idx="1">
+            <a:schemeClr val="accent5"/>
+          </a:fillRef>
+          <a:effectRef idx="0">
+            <a:schemeClr val="accent5"/>
+          </a:effectRef>
+          <a:fontRef idx="minor">
+            <a:schemeClr val="lt1"/>
+          </a:fontRef>
+        </p:style>
+        <p:txBody>
+          <a:bodyPr rtlCol="0" anchor="ctr"/>
+          <a:lstStyle/>
+          <a:p>
+            <a:pPr algn="ctr"/>
+            <a:r>
+              <a:rPr lang="en-US" sz="1600">
+                <a:solidFill>
+                  <a:schemeClr val="tx1"/>
+                </a:solidFill>
+              </a:rPr>
+              <a:t>Predicted probabilities – next word sense</a:t>
+            </a:r>
+          </a:p>
+        </p:txBody>
+      </p:sp>
+      <p:sp>
+        <p:nvSpPr>
+          <p:cNvPr id="28" name="Down Arrow 27">
+            <a:extLst>
+              <a:ext uri="{FF2B5EF4-FFF2-40B4-BE49-F238E27FC236}">
+                <a16:creationId xmlns:a16="http://schemas.microsoft.com/office/drawing/2014/main" id="{60FC0E32-05FF-644D-A9BE-9952CF06BC45}"/>
+              </a:ext>
+            </a:extLst>
+          </p:cNvPr>
+          <p:cNvSpPr/>
+          <p:nvPr/>
+        </p:nvSpPr>
+        <p:spPr>
+          <a:xfrm>
+            <a:off x="9127004" y="3429000"/>
+            <a:ext cx="381964" cy="1609711"/>
+          </a:xfrm>
+          <a:prstGeom prst="downArrow">
+            <a:avLst/>
+          </a:prstGeom>
+          <a:solidFill>
+            <a:schemeClr val="bg1"/>
+          </a:solidFill>
+        </p:spPr>
+        <p:style>
+          <a:lnRef idx="2">
+            <a:schemeClr val="accent1">
+              <a:shade val="50000"/>
+            </a:schemeClr>
+          </a:lnRef>
+          <a:fillRef idx="1">
+            <a:schemeClr val="accent1"/>
+          </a:fillRef>
+          <a:effectRef idx="0">
+            <a:schemeClr val="accent1"/>
+          </a:effectRef>
+          <a:fontRef idx="minor">
+            <a:schemeClr val="lt1"/>
+          </a:fontRef>
+        </p:style>
+        <p:txBody>
+          <a:bodyPr wrap="none" rtlCol="0" anchor="ctr"/>
+          <a:lstStyle/>
+          <a:p>
+            <a:pPr algn="ctr"/>
+            <a:r>
+              <a:rPr lang="en-US" b="1">
+                <a:solidFill>
+                  <a:schemeClr val="tx1"/>
+                </a:solidFill>
+              </a:rPr>
+              <a:t>I n p u t</a:t>
+            </a:r>
+          </a:p>
+        </p:txBody>
+      </p:sp>
+    </p:spTree>
+    <p:extLst>
+      <p:ext uri="{BB962C8B-B14F-4D97-AF65-F5344CB8AC3E}">
+        <p14:creationId xmlns:p14="http://schemas.microsoft.com/office/powerpoint/2010/main" val="2454454559"/>
+      </p:ext>
+    </p:extLst>
+  </p:cSld>
+  <p:clrMapOvr>
+    <a:masterClrMapping/>
+  </p:clrMapOvr>
+</p:sld>
+</file>
+
 <file path=ppt/theme/theme1.xml><?xml version="1.0" encoding="utf-8"?>
 <a:theme xmlns:a="http://schemas.openxmlformats.org/drawingml/2006/main" name="Office Theme">
   <a:themeElements>
-    <a:clrScheme name="Office">
+    <a:clrScheme name="Office Theme">
       <a:dk1>
         <a:sysClr val="windowText" lastClr="000000"/>
       </a:dk1>
@@ -6316,7 +9955,7 @@
         <a:srgbClr val="954F72"/>
       </a:folHlink>
     </a:clrScheme>
-    <a:fontScheme name="Office">
+    <a:fontScheme name="Office Theme">
       <a:majorFont>
         <a:latin typeface="Calibri Light" panose="020F0302020204030204"/>
         <a:ea typeface=""/>
@@ -6351,23 +9990,6 @@
         <a:font script="Viet" typeface="Times New Roman"/>
         <a:font script="Uigh" typeface="Microsoft Uighur"/>
         <a:font script="Geor" typeface="Sylfaen"/>
-        <a:font script="Armn" typeface="Arial"/>
-        <a:font script="Bugi" typeface="Leelawadee UI"/>
-        <a:font script="Bopo" typeface="Microsoft JhengHei"/>
-        <a:font script="Java" typeface="Javanese Text"/>
-        <a:font script="Lisu" typeface="Segoe UI"/>
-        <a:font script="Mymr" typeface="Myanmar Text"/>
-        <a:font script="Nkoo" typeface="Ebrima"/>
-        <a:font script="Olck" typeface="Nirmala UI"/>
-        <a:font script="Osma" typeface="Ebrima"/>
-        <a:font script="Phag" typeface="Phagspa"/>
-        <a:font script="Syrn" typeface="Estrangelo Edessa"/>
-        <a:font script="Syrj" typeface="Estrangelo Edessa"/>
-        <a:font script="Syre" typeface="Estrangelo Edessa"/>
-        <a:font script="Sora" typeface="Nirmala UI"/>
-        <a:font script="Tale" typeface="Microsoft Tai Le"/>
-        <a:font script="Talu" typeface="Microsoft New Tai Lue"/>
-        <a:font script="Tfng" typeface="Ebrima"/>
       </a:majorFont>
       <a:minorFont>
         <a:latin typeface="Calibri" panose="020F0502020204030204"/>
@@ -6403,26 +10025,9 @@
         <a:font script="Viet" typeface="Arial"/>
         <a:font script="Uigh" typeface="Microsoft Uighur"/>
         <a:font script="Geor" typeface="Sylfaen"/>
-        <a:font script="Armn" typeface="Arial"/>
-        <a:font script="Bugi" typeface="Leelawadee UI"/>
-        <a:font script="Bopo" typeface="Microsoft JhengHei"/>
-        <a:font script="Java" typeface="Javanese Text"/>
-        <a:font script="Lisu" typeface="Segoe UI"/>
-        <a:font script="Mymr" typeface="Myanmar Text"/>
-        <a:font script="Nkoo" typeface="Ebrima"/>
-        <a:font script="Olck" typeface="Nirmala UI"/>
-        <a:font script="Osma" typeface="Ebrima"/>
-        <a:font script="Phag" typeface="Phagspa"/>
-        <a:font script="Syrn" typeface="Estrangelo Edessa"/>
-        <a:font script="Syrj" typeface="Estrangelo Edessa"/>
-        <a:font script="Syre" typeface="Estrangelo Edessa"/>
-        <a:font script="Sora" typeface="Nirmala UI"/>
-        <a:font script="Tale" typeface="Microsoft Tai Le"/>
-        <a:font script="Talu" typeface="Microsoft New Tai Lue"/>
-        <a:font script="Tfng" typeface="Ebrima"/>
       </a:minorFont>
     </a:fontScheme>
-    <a:fmtScheme name="Office">
+    <a:fmtScheme name="Office Theme">
       <a:fillStyleLst>
         <a:solidFill>
           <a:schemeClr val="phClr"/>

--- a/Media/SenseArchitecture.pptx
+++ b/Media/SenseArchitecture.pptx
@@ -7,7 +7,8 @@
   <p:sldIdLst>
     <p:sldId id="257" r:id="rId2"/>
     <p:sldId id="258" r:id="rId3"/>
-    <p:sldId id="259" r:id="rId4"/>
+    <p:sldId id="260" r:id="rId4"/>
+    <p:sldId id="259" r:id="rId5"/>
   </p:sldIdLst>
   <p:sldSz cx="12192000" cy="13716000"/>
   <p:notesSz cx="6858000" cy="9144000"/>
@@ -244,7 +245,7 @@
           <a:lstStyle/>
           <a:p>
             <a:fld id="{803220A4-8895-6D46-A558-2CE2469121C7}" type="datetimeFigureOut">
-              <a:t>4/5/20</a:t>
+              <a:t>4/12/20</a:t>
             </a:fld>
             <a:endParaRPr lang="en-US"/>
           </a:p>
@@ -413,7 +414,7 @@
           <a:lstStyle/>
           <a:p>
             <a:fld id="{803220A4-8895-6D46-A558-2CE2469121C7}" type="datetimeFigureOut">
-              <a:t>4/5/20</a:t>
+              <a:t>4/12/20</a:t>
             </a:fld>
             <a:endParaRPr lang="en-US"/>
           </a:p>
@@ -592,7 +593,7 @@
           <a:lstStyle/>
           <a:p>
             <a:fld id="{803220A4-8895-6D46-A558-2CE2469121C7}" type="datetimeFigureOut">
-              <a:t>4/5/20</a:t>
+              <a:t>4/12/20</a:t>
             </a:fld>
             <a:endParaRPr lang="en-US"/>
           </a:p>
@@ -761,7 +762,7 @@
           <a:lstStyle/>
           <a:p>
             <a:fld id="{803220A4-8895-6D46-A558-2CE2469121C7}" type="datetimeFigureOut">
-              <a:t>4/5/20</a:t>
+              <a:t>4/12/20</a:t>
             </a:fld>
             <a:endParaRPr lang="en-US"/>
           </a:p>
@@ -1004,7 +1005,7 @@
           <a:lstStyle/>
           <a:p>
             <a:fld id="{803220A4-8895-6D46-A558-2CE2469121C7}" type="datetimeFigureOut">
-              <a:t>4/5/20</a:t>
+              <a:t>4/12/20</a:t>
             </a:fld>
             <a:endParaRPr lang="en-US"/>
           </a:p>
@@ -1235,7 +1236,7 @@
           <a:lstStyle/>
           <a:p>
             <a:fld id="{803220A4-8895-6D46-A558-2CE2469121C7}" type="datetimeFigureOut">
-              <a:t>4/5/20</a:t>
+              <a:t>4/12/20</a:t>
             </a:fld>
             <a:endParaRPr lang="en-US"/>
           </a:p>
@@ -1601,7 +1602,7 @@
           <a:lstStyle/>
           <a:p>
             <a:fld id="{803220A4-8895-6D46-A558-2CE2469121C7}" type="datetimeFigureOut">
-              <a:t>4/5/20</a:t>
+              <a:t>4/12/20</a:t>
             </a:fld>
             <a:endParaRPr lang="en-US"/>
           </a:p>
@@ -1718,7 +1719,7 @@
           <a:lstStyle/>
           <a:p>
             <a:fld id="{803220A4-8895-6D46-A558-2CE2469121C7}" type="datetimeFigureOut">
-              <a:t>4/5/20</a:t>
+              <a:t>4/12/20</a:t>
             </a:fld>
             <a:endParaRPr lang="en-US"/>
           </a:p>
@@ -1812,7 +1813,7 @@
           <a:lstStyle/>
           <a:p>
             <a:fld id="{803220A4-8895-6D46-A558-2CE2469121C7}" type="datetimeFigureOut">
-              <a:t>4/5/20</a:t>
+              <a:t>4/12/20</a:t>
             </a:fld>
             <a:endParaRPr lang="en-US"/>
           </a:p>
@@ -2088,7 +2089,7 @@
           <a:lstStyle/>
           <a:p>
             <a:fld id="{803220A4-8895-6D46-A558-2CE2469121C7}" type="datetimeFigureOut">
-              <a:t>4/5/20</a:t>
+              <a:t>4/12/20</a:t>
             </a:fld>
             <a:endParaRPr lang="en-US"/>
           </a:p>
@@ -2344,7 +2345,7 @@
           <a:lstStyle/>
           <a:p>
             <a:fld id="{803220A4-8895-6D46-A558-2CE2469121C7}" type="datetimeFigureOut">
-              <a:t>4/5/20</a:t>
+              <a:t>4/12/20</a:t>
             </a:fld>
             <a:endParaRPr lang="en-US"/>
           </a:p>
@@ -2556,7 +2557,7 @@
           </a:lstStyle>
           <a:p>
             <a:fld id="{803220A4-8895-6D46-A558-2CE2469121C7}" type="datetimeFigureOut">
-              <a:t>4/5/20</a:t>
+              <a:t>4/12/20</a:t>
             </a:fld>
             <a:endParaRPr lang="en-US"/>
           </a:p>
@@ -5859,7 +5860,7 @@
         <p:spPr>
           <a:xfrm>
             <a:off x="4297976" y="6022004"/>
-            <a:ext cx="2423155" cy="835996"/>
+            <a:ext cx="2423155" cy="756806"/>
           </a:xfrm>
           <a:prstGeom prst="diamond">
             <a:avLst/>
@@ -5888,14 +5889,7 @@
             <a:pPr algn="ctr"/>
             <a:r>
               <a:rPr lang="en-US"/>
-              <a:t>2-layers</a:t>
-            </a:r>
-            <a:br>
-              <a:rPr lang="en-US"/>
-            </a:br>
-            <a:r>
-              <a:rPr lang="en-US"/>
-              <a:t>GRU</a:t>
+              <a:t>Layer 1 of GRU</a:t>
             </a:r>
           </a:p>
         </p:txBody>
@@ -5914,8 +5908,8 @@
         </p:nvSpPr>
         <p:spPr>
           <a:xfrm>
-            <a:off x="4289485" y="7175531"/>
-            <a:ext cx="1987475" cy="530651"/>
+            <a:off x="4486259" y="6795142"/>
+            <a:ext cx="1987475" cy="299327"/>
           </a:xfrm>
           <a:prstGeom prst="rect">
             <a:avLst/>
@@ -5954,28 +5948,8 @@
                   <a:schemeClr val="tx1"/>
                 </a:solidFill>
               </a:rPr>
-              <a:t>Encoding </a:t>
-            </a:r>
-            <a:br>
-              <a:rPr lang="en-US" sz="1600">
-                <a:solidFill>
-                  <a:schemeClr val="tx1"/>
-                </a:solidFill>
-              </a:rPr>
-            </a:br>
-            <a:r>
-              <a:rPr lang="en-US" sz="1600">
-                <a:solidFill>
-                  <a:schemeClr val="tx1"/>
-                </a:solidFill>
-              </a:rPr>
-              <a:t>(Hidden state 2)</a:t>
-            </a:r>
-            <a:endParaRPr lang="en-US" sz="1600" b="1">
-              <a:solidFill>
-                <a:schemeClr val="tx1"/>
-              </a:solidFill>
-            </a:endParaRPr>
+              <a:t>Hidden state 1</a:t>
+            </a:r>
           </a:p>
         </p:txBody>
       </p:sp>
@@ -5993,7 +5967,7 @@
         </p:nvSpPr>
         <p:spPr>
           <a:xfrm>
-            <a:off x="4071644" y="8151229"/>
+            <a:off x="4297362" y="9021377"/>
             <a:ext cx="2423155" cy="835996"/>
           </a:xfrm>
           <a:prstGeom prst="diamond">
@@ -6050,7 +6024,7 @@
         </p:nvSpPr>
         <p:spPr>
           <a:xfrm>
-            <a:off x="4313750" y="9448428"/>
+            <a:off x="4539468" y="10318576"/>
             <a:ext cx="1987475" cy="530651"/>
           </a:xfrm>
           <a:prstGeom prst="rect">
@@ -6109,7 +6083,7 @@
         </p:nvSpPr>
         <p:spPr>
           <a:xfrm>
-            <a:off x="4907043" y="10404000"/>
+            <a:off x="5132761" y="11274148"/>
             <a:ext cx="752354" cy="755561"/>
           </a:xfrm>
           <a:prstGeom prst="ellipse">
@@ -6142,48 +6116,6 @@
           </a:p>
         </p:txBody>
       </p:sp>
-      <p:cxnSp>
-        <p:nvCxnSpPr>
-          <p:cNvPr id="91" name="Straight Arrow Connector 90">
-            <a:extLst>
-              <a:ext uri="{FF2B5EF4-FFF2-40B4-BE49-F238E27FC236}">
-                <a16:creationId xmlns:a16="http://schemas.microsoft.com/office/drawing/2014/main" id="{9544C424-A1A3-2D40-9806-8B36B62ECA49}"/>
-              </a:ext>
-            </a:extLst>
-          </p:cNvPr>
-          <p:cNvCxnSpPr>
-            <a:cxnSpLocks/>
-            <a:endCxn id="86" idx="0"/>
-          </p:cNvCxnSpPr>
-          <p:nvPr/>
-        </p:nvCxnSpPr>
-        <p:spPr>
-          <a:xfrm flipH="1">
-            <a:off x="5283223" y="6830078"/>
-            <a:ext cx="1" cy="345452"/>
-          </a:xfrm>
-          <a:prstGeom prst="straightConnector1">
-            <a:avLst/>
-          </a:prstGeom>
-          <a:ln>
-            <a:tailEnd type="triangle"/>
-          </a:ln>
-        </p:spPr>
-        <p:style>
-          <a:lnRef idx="1">
-            <a:schemeClr val="dk1"/>
-          </a:lnRef>
-          <a:fillRef idx="0">
-            <a:schemeClr val="dk1"/>
-          </a:fillRef>
-          <a:effectRef idx="0">
-            <a:schemeClr val="dk1"/>
-          </a:effectRef>
-          <a:fontRef idx="minor">
-            <a:schemeClr val="tx1"/>
-          </a:fontRef>
-        </p:style>
-      </p:cxnSp>
       <p:sp>
         <p:nvSpPr>
           <p:cNvPr id="92" name="Down Arrow 91">
@@ -6198,8 +6130,8 @@
         </p:nvSpPr>
         <p:spPr>
           <a:xfrm>
-            <a:off x="5103814" y="7701452"/>
-            <a:ext cx="381964" cy="428262"/>
+            <a:off x="5340143" y="8185382"/>
+            <a:ext cx="381964" cy="835995"/>
           </a:xfrm>
           <a:prstGeom prst="downArrow">
             <a:avLst/>
@@ -6247,7 +6179,7 @@
         </p:nvSpPr>
         <p:spPr>
           <a:xfrm>
-            <a:off x="5103814" y="8987225"/>
+            <a:off x="5329532" y="9857373"/>
             <a:ext cx="381964" cy="428262"/>
           </a:xfrm>
           <a:prstGeom prst="downArrow">
@@ -6296,7 +6228,7 @@
         </p:nvSpPr>
         <p:spPr>
           <a:xfrm>
-            <a:off x="5092238" y="9971701"/>
+            <a:off x="5317956" y="10841849"/>
             <a:ext cx="381964" cy="428262"/>
           </a:xfrm>
           <a:prstGeom prst="downArrow">
@@ -6345,7 +6277,7 @@
         </p:nvSpPr>
         <p:spPr>
           <a:xfrm>
-            <a:off x="5092238" y="11169052"/>
+            <a:off x="5317956" y="12039200"/>
             <a:ext cx="381964" cy="428262"/>
           </a:xfrm>
           <a:prstGeom prst="downArrow">
@@ -6394,7 +6326,7 @@
         </p:nvSpPr>
         <p:spPr>
           <a:xfrm>
-            <a:off x="4289483" y="11597315"/>
+            <a:off x="4515201" y="12467463"/>
             <a:ext cx="1987475" cy="755561"/>
           </a:xfrm>
           <a:prstGeom prst="rect">
@@ -6453,7 +6385,7 @@
         </p:nvSpPr>
         <p:spPr>
           <a:xfrm>
-            <a:off x="8065877" y="9448428"/>
+            <a:off x="7698356" y="10269299"/>
             <a:ext cx="1987475" cy="530651"/>
           </a:xfrm>
           <a:prstGeom prst="rect">
@@ -6512,7 +6444,7 @@
         </p:nvSpPr>
         <p:spPr>
           <a:xfrm>
-            <a:off x="8659170" y="10404000"/>
+            <a:off x="8291649" y="11224871"/>
             <a:ext cx="752354" cy="755561"/>
           </a:xfrm>
           <a:prstGeom prst="ellipse">
@@ -6559,7 +6491,7 @@
         </p:nvSpPr>
         <p:spPr>
           <a:xfrm>
-            <a:off x="8844365" y="9971701"/>
+            <a:off x="8476844" y="10792572"/>
             <a:ext cx="381964" cy="428262"/>
           </a:xfrm>
           <a:prstGeom prst="downArrow">
@@ -6608,7 +6540,7 @@
         </p:nvSpPr>
         <p:spPr>
           <a:xfrm>
-            <a:off x="8844365" y="11169052"/>
+            <a:off x="8476844" y="11989923"/>
             <a:ext cx="381964" cy="428262"/>
           </a:xfrm>
           <a:prstGeom prst="downArrow">
@@ -6657,7 +6589,7 @@
         </p:nvSpPr>
         <p:spPr>
           <a:xfrm>
-            <a:off x="8041610" y="11597315"/>
+            <a:off x="7674089" y="12418186"/>
             <a:ext cx="1987475" cy="755561"/>
           </a:xfrm>
           <a:prstGeom prst="rect">
@@ -6702,29 +6634,68 @@
           </a:p>
         </p:txBody>
       </p:sp>
-      <p:sp>
-        <p:nvSpPr>
-          <p:cNvPr id="102" name="Down Arrow 101">
-            <a:extLst>
-              <a:ext uri="{FF2B5EF4-FFF2-40B4-BE49-F238E27FC236}">
-                <a16:creationId xmlns:a16="http://schemas.microsoft.com/office/drawing/2014/main" id="{31DB659C-D85B-EC47-91A2-A01F8156B42B}"/>
-              </a:ext>
-            </a:extLst>
-          </p:cNvPr>
-          <p:cNvSpPr/>
-          <p:nvPr/>
-        </p:nvSpPr>
-        <p:spPr>
-          <a:xfrm>
-            <a:off x="8844364" y="5843343"/>
-            <a:ext cx="376278" cy="986735"/>
-          </a:xfrm>
-          <a:prstGeom prst="downArrow">
-            <a:avLst/>
-          </a:prstGeom>
-          <a:solidFill>
-            <a:schemeClr val="bg1"/>
-          </a:solidFill>
+      <p:cxnSp>
+        <p:nvCxnSpPr>
+          <p:cNvPr id="103" name="Straight Arrow Connector 102">
+            <a:extLst>
+              <a:ext uri="{FF2B5EF4-FFF2-40B4-BE49-F238E27FC236}">
+                <a16:creationId xmlns:a16="http://schemas.microsoft.com/office/drawing/2014/main" id="{48E82184-43C1-7D46-9834-06EBC665D3F5}"/>
+              </a:ext>
+            </a:extLst>
+          </p:cNvPr>
+          <p:cNvCxnSpPr>
+            <a:cxnSpLocks/>
+            <a:stCxn id="86" idx="3"/>
+          </p:cNvCxnSpPr>
+          <p:nvPr/>
+        </p:nvCxnSpPr>
+        <p:spPr>
+          <a:xfrm>
+            <a:off x="6473734" y="6944806"/>
+            <a:ext cx="1374996" cy="344069"/>
+          </a:xfrm>
+          <a:prstGeom prst="straightConnector1">
+            <a:avLst/>
+          </a:prstGeom>
+          <a:ln>
+            <a:tailEnd type="triangle"/>
+          </a:ln>
+        </p:spPr>
+        <p:style>
+          <a:lnRef idx="1">
+            <a:schemeClr val="dk1"/>
+          </a:lnRef>
+          <a:fillRef idx="0">
+            <a:schemeClr val="dk1"/>
+          </a:fillRef>
+          <a:effectRef idx="0">
+            <a:schemeClr val="dk1"/>
+          </a:effectRef>
+          <a:fontRef idx="minor">
+            <a:schemeClr val="tx1"/>
+          </a:fontRef>
+        </p:style>
+      </p:cxnSp>
+      <p:sp>
+        <p:nvSpPr>
+          <p:cNvPr id="110" name="Diamond 109">
+            <a:extLst>
+              <a:ext uri="{FF2B5EF4-FFF2-40B4-BE49-F238E27FC236}">
+                <a16:creationId xmlns:a16="http://schemas.microsoft.com/office/drawing/2014/main" id="{AE4C2E08-C7CA-1A4F-8A6E-6E8D16B38182}"/>
+              </a:ext>
+            </a:extLst>
+          </p:cNvPr>
+          <p:cNvSpPr/>
+          <p:nvPr/>
+        </p:nvSpPr>
+        <p:spPr>
+          <a:xfrm>
+            <a:off x="7460760" y="9019235"/>
+            <a:ext cx="2423155" cy="835996"/>
+          </a:xfrm>
+          <a:prstGeom prst="diamond">
+            <a:avLst/>
+          </a:prstGeom>
         </p:spPr>
         <p:style>
           <a:lnRef idx="2">
@@ -6743,66 +6714,174 @@
           </a:fontRef>
         </p:style>
         <p:txBody>
-          <a:bodyPr wrap="none" rtlCol="0" anchor="ctr"/>
-          <a:lstStyle/>
-          <a:p>
-            <a:pPr algn="ctr"/>
-            <a:endParaRPr lang="en-US" b="1">
-              <a:solidFill>
-                <a:schemeClr val="tx1"/>
-              </a:solidFill>
-            </a:endParaRPr>
-          </a:p>
-        </p:txBody>
-      </p:sp>
-      <p:cxnSp>
-        <p:nvCxnSpPr>
-          <p:cNvPr id="103" name="Straight Arrow Connector 102">
-            <a:extLst>
-              <a:ext uri="{FF2B5EF4-FFF2-40B4-BE49-F238E27FC236}">
-                <a16:creationId xmlns:a16="http://schemas.microsoft.com/office/drawing/2014/main" id="{48E82184-43C1-7D46-9834-06EBC665D3F5}"/>
-              </a:ext>
-            </a:extLst>
-          </p:cNvPr>
-          <p:cNvCxnSpPr>
-            <a:cxnSpLocks/>
-            <a:stCxn id="86" idx="3"/>
-          </p:cNvCxnSpPr>
-          <p:nvPr/>
-        </p:nvCxnSpPr>
-        <p:spPr>
-          <a:xfrm flipV="1">
-            <a:off x="6276960" y="7421518"/>
-            <a:ext cx="1577403" cy="19338"/>
-          </a:xfrm>
-          <a:prstGeom prst="straightConnector1">
-            <a:avLst/>
-          </a:prstGeom>
-          <a:ln>
-            <a:tailEnd type="triangle"/>
-          </a:ln>
+          <a:bodyPr wrap="none" lIns="36000" rIns="36000" rtlCol="0" anchor="ctr"/>
+          <a:lstStyle/>
+          <a:p>
+            <a:pPr algn="ctr"/>
+            <a:r>
+              <a:rPr lang="en-GB"/>
+              <a:t>FF-NN:</a:t>
+            </a:r>
+            <a:br>
+              <a:rPr lang="en-GB"/>
+            </a:br>
+            <a:r>
+              <a:rPr lang="en-GB"/>
+              <a:t>linear2senses</a:t>
+            </a:r>
+            <a:endParaRPr lang="en-US"/>
+          </a:p>
+        </p:txBody>
+      </p:sp>
+      <p:sp>
+        <p:nvSpPr>
+          <p:cNvPr id="111" name="Down Arrow 110">
+            <a:extLst>
+              <a:ext uri="{FF2B5EF4-FFF2-40B4-BE49-F238E27FC236}">
+                <a16:creationId xmlns:a16="http://schemas.microsoft.com/office/drawing/2014/main" id="{C4A77C34-6AAE-CF4F-9234-5F76595DAA01}"/>
+              </a:ext>
+            </a:extLst>
+          </p:cNvPr>
+          <p:cNvSpPr/>
+          <p:nvPr/>
+        </p:nvSpPr>
+        <p:spPr>
+          <a:xfrm>
+            <a:off x="8472906" y="8163960"/>
+            <a:ext cx="381964" cy="868992"/>
+          </a:xfrm>
+          <a:prstGeom prst="downArrow">
+            <a:avLst/>
+          </a:prstGeom>
+          <a:solidFill>
+            <a:schemeClr val="bg1"/>
+          </a:solidFill>
+        </p:spPr>
+        <p:style>
+          <a:lnRef idx="2">
+            <a:schemeClr val="accent1">
+              <a:shade val="50000"/>
+            </a:schemeClr>
+          </a:lnRef>
+          <a:fillRef idx="1">
+            <a:schemeClr val="accent1"/>
+          </a:fillRef>
+          <a:effectRef idx="0">
+            <a:schemeClr val="accent1"/>
+          </a:effectRef>
+          <a:fontRef idx="minor">
+            <a:schemeClr val="lt1"/>
+          </a:fontRef>
+        </p:style>
+        <p:txBody>
+          <a:bodyPr rtlCol="0" anchor="ctr"/>
+          <a:lstStyle/>
+          <a:p>
+            <a:pPr algn="ctr"/>
+            <a:endParaRPr lang="en-US"/>
+          </a:p>
+        </p:txBody>
+      </p:sp>
+      <p:sp>
+        <p:nvSpPr>
+          <p:cNvPr id="112" name="Down Arrow 111">
+            <a:extLst>
+              <a:ext uri="{FF2B5EF4-FFF2-40B4-BE49-F238E27FC236}">
+                <a16:creationId xmlns:a16="http://schemas.microsoft.com/office/drawing/2014/main" id="{FDC1CB01-C028-6C48-95D2-4C7288B55F66}"/>
+              </a:ext>
+            </a:extLst>
+          </p:cNvPr>
+          <p:cNvSpPr/>
+          <p:nvPr/>
+        </p:nvSpPr>
+        <p:spPr>
+          <a:xfrm>
+            <a:off x="8471157" y="9833871"/>
+            <a:ext cx="381964" cy="428262"/>
+          </a:xfrm>
+          <a:prstGeom prst="downArrow">
+            <a:avLst/>
+          </a:prstGeom>
+          <a:solidFill>
+            <a:schemeClr val="bg1"/>
+          </a:solidFill>
+        </p:spPr>
+        <p:style>
+          <a:lnRef idx="2">
+            <a:schemeClr val="accent1">
+              <a:shade val="50000"/>
+            </a:schemeClr>
+          </a:lnRef>
+          <a:fillRef idx="1">
+            <a:schemeClr val="accent1"/>
+          </a:fillRef>
+          <a:effectRef idx="0">
+            <a:schemeClr val="accent1"/>
+          </a:effectRef>
+          <a:fontRef idx="minor">
+            <a:schemeClr val="lt1"/>
+          </a:fontRef>
+        </p:style>
+        <p:txBody>
+          <a:bodyPr rtlCol="0" anchor="ctr"/>
+          <a:lstStyle/>
+          <a:p>
+            <a:pPr algn="ctr"/>
+            <a:endParaRPr lang="en-US"/>
+          </a:p>
+        </p:txBody>
+      </p:sp>
+      <p:sp>
+        <p:nvSpPr>
+          <p:cNvPr id="114" name="Left Bracket 113">
+            <a:extLst>
+              <a:ext uri="{FF2B5EF4-FFF2-40B4-BE49-F238E27FC236}">
+                <a16:creationId xmlns:a16="http://schemas.microsoft.com/office/drawing/2014/main" id="{D6FA0586-C9C1-0645-96D3-C580A6E207AE}"/>
+              </a:ext>
+            </a:extLst>
+          </p:cNvPr>
+          <p:cNvSpPr/>
+          <p:nvPr/>
+        </p:nvSpPr>
+        <p:spPr>
+          <a:xfrm>
+            <a:off x="2942194" y="6227180"/>
+            <a:ext cx="299326" cy="1111170"/>
+          </a:xfrm>
+          <a:prstGeom prst="leftBracket">
+            <a:avLst/>
+          </a:prstGeom>
+          <a:ln w="12700"/>
         </p:spPr>
         <p:style>
           <a:lnRef idx="1">
-            <a:schemeClr val="dk1"/>
+            <a:schemeClr val="accent1"/>
           </a:lnRef>
           <a:fillRef idx="0">
-            <a:schemeClr val="dk1"/>
-          </a:fillRef>
-          <a:effectRef idx="0">
-            <a:schemeClr val="dk1"/>
+            <a:schemeClr val="accent1"/>
+          </a:fillRef>
+          <a:effectRef idx="0">
+            <a:schemeClr val="accent1"/>
           </a:effectRef>
           <a:fontRef idx="minor">
             <a:schemeClr val="tx1"/>
           </a:fontRef>
         </p:style>
-      </p:cxnSp>
-      <p:sp>
-        <p:nvSpPr>
-          <p:cNvPr id="104" name="TextBox 103">
-            <a:extLst>
-              <a:ext uri="{FF2B5EF4-FFF2-40B4-BE49-F238E27FC236}">
-                <a16:creationId xmlns:a16="http://schemas.microsoft.com/office/drawing/2014/main" id="{B33B7106-170F-2048-9067-00A2AF81F8F8}"/>
+        <p:txBody>
+          <a:bodyPr rtlCol="0" anchor="ctr"/>
+          <a:lstStyle/>
+          <a:p>
+            <a:pPr algn="ctr"/>
+            <a:endParaRPr lang="en-US"/>
+          </a:p>
+        </p:txBody>
+      </p:sp>
+      <p:sp>
+        <p:nvSpPr>
+          <p:cNvPr id="2" name="TextBox 1">
+            <a:extLst>
+              <a:ext uri="{FF2B5EF4-FFF2-40B4-BE49-F238E27FC236}">
+                <a16:creationId xmlns:a16="http://schemas.microsoft.com/office/drawing/2014/main" id="{CD51F447-4C90-B042-B3E2-0278C3F50ABF}"/>
               </a:ext>
             </a:extLst>
           </p:cNvPr>
@@ -6811,8 +6890,8 @@
         </p:nvSpPr>
         <p:spPr>
           <a:xfrm>
-            <a:off x="8400397" y="6755730"/>
-            <a:ext cx="1602487" cy="369332"/>
+            <a:off x="1967696" y="6493397"/>
+            <a:ext cx="1040022" cy="369332"/>
           </a:xfrm>
           <a:prstGeom prst="rect">
             <a:avLst/>
@@ -6826,50 +6905,44 @@
           <a:lstStyle/>
           <a:p>
             <a:r>
-              <a:rPr lang="en-US"/>
-              <a:t>Concatenate:</a:t>
-            </a:r>
-          </a:p>
-        </p:txBody>
-      </p:sp>
-      <p:sp>
-        <p:nvSpPr>
-          <p:cNvPr id="105" name="Rectangle 104">
-            <a:extLst>
-              <a:ext uri="{FF2B5EF4-FFF2-40B4-BE49-F238E27FC236}">
-                <a16:creationId xmlns:a16="http://schemas.microsoft.com/office/drawing/2014/main" id="{E1E9A32B-88D5-BC41-B7A7-6C28DBA64B0E}"/>
-              </a:ext>
-            </a:extLst>
-          </p:cNvPr>
-          <p:cNvSpPr/>
-          <p:nvPr/>
-        </p:nvSpPr>
-        <p:spPr>
-          <a:xfrm>
-            <a:off x="8748175" y="7186340"/>
-            <a:ext cx="906930" cy="554077"/>
-          </a:xfrm>
-          <a:prstGeom prst="rect">
-            <a:avLst/>
-          </a:prstGeom>
-          <a:solidFill>
-            <a:schemeClr val="accent2">
-              <a:lumMod val="60000"/>
-              <a:lumOff val="40000"/>
-            </a:schemeClr>
-          </a:solidFill>
+              <a:rPr lang="en-US" b="1"/>
+              <a:t>GRU</a:t>
+            </a:r>
+          </a:p>
+        </p:txBody>
+      </p:sp>
+      <p:sp>
+        <p:nvSpPr>
+          <p:cNvPr id="115" name="Diamond 114">
+            <a:extLst>
+              <a:ext uri="{FF2B5EF4-FFF2-40B4-BE49-F238E27FC236}">
+                <a16:creationId xmlns:a16="http://schemas.microsoft.com/office/drawing/2014/main" id="{F069E149-BA77-2B4D-A2C9-3C304350BADE}"/>
+              </a:ext>
+            </a:extLst>
+          </p:cNvPr>
+          <p:cNvSpPr/>
+          <p:nvPr/>
+        </p:nvSpPr>
+        <p:spPr>
+          <a:xfrm>
+            <a:off x="4308067" y="7100480"/>
+            <a:ext cx="2423155" cy="756806"/>
+          </a:xfrm>
+          <a:prstGeom prst="diamond">
+            <a:avLst/>
+          </a:prstGeom>
         </p:spPr>
         <p:style>
           <a:lnRef idx="2">
-            <a:schemeClr val="accent4">
+            <a:schemeClr val="accent1">
               <a:shade val="50000"/>
             </a:schemeClr>
           </a:lnRef>
           <a:fillRef idx="1">
-            <a:schemeClr val="accent4"/>
-          </a:fillRef>
-          <a:effectRef idx="0">
-            <a:schemeClr val="accent4"/>
+            <a:schemeClr val="accent1"/>
+          </a:fillRef>
+          <a:effectRef idx="0">
+            <a:schemeClr val="accent1"/>
           </a:effectRef>
           <a:fontRef idx="minor">
             <a:schemeClr val="lt1"/>
@@ -6881,190 +6954,28 @@
           <a:p>
             <a:pPr algn="ctr"/>
             <a:r>
-              <a:rPr lang="en-US" sz="1200" b="1">
-                <a:solidFill>
-                  <a:schemeClr val="tx1"/>
-                </a:solidFill>
-              </a:rPr>
-              <a:t>Word Embedding</a:t>
-            </a:r>
-          </a:p>
-        </p:txBody>
-      </p:sp>
-      <p:sp>
-        <p:nvSpPr>
-          <p:cNvPr id="106" name="Rectangle 105">
-            <a:extLst>
-              <a:ext uri="{FF2B5EF4-FFF2-40B4-BE49-F238E27FC236}">
-                <a16:creationId xmlns:a16="http://schemas.microsoft.com/office/drawing/2014/main" id="{A1AFB24C-B026-AA4E-9DBF-3DD0369BCF40}"/>
-              </a:ext>
-            </a:extLst>
-          </p:cNvPr>
-          <p:cNvSpPr/>
-          <p:nvPr/>
-        </p:nvSpPr>
-        <p:spPr>
-          <a:xfrm>
-            <a:off x="9655105" y="7175531"/>
-            <a:ext cx="973594" cy="564886"/>
-          </a:xfrm>
-          <a:prstGeom prst="rect">
-            <a:avLst/>
-          </a:prstGeom>
-        </p:spPr>
-        <p:style>
-          <a:lnRef idx="2">
-            <a:schemeClr val="accent4">
-              <a:shade val="50000"/>
-            </a:schemeClr>
-          </a:lnRef>
-          <a:fillRef idx="1">
-            <a:schemeClr val="accent4"/>
-          </a:fillRef>
-          <a:effectRef idx="0">
-            <a:schemeClr val="accent4"/>
-          </a:effectRef>
-          <a:fontRef idx="minor">
-            <a:schemeClr val="lt1"/>
-          </a:fontRef>
-        </p:style>
-        <p:txBody>
-          <a:bodyPr rtlCol="0" anchor="ctr"/>
-          <a:lstStyle/>
-          <a:p>
-            <a:pPr algn="ctr"/>
-            <a:r>
-              <a:rPr lang="en-US" sz="1200" b="1">
-                <a:solidFill>
-                  <a:schemeClr val="tx1"/>
-                </a:solidFill>
-              </a:rPr>
-              <a:t>Word Node State</a:t>
-            </a:r>
-          </a:p>
-        </p:txBody>
-      </p:sp>
-      <p:sp>
-        <p:nvSpPr>
-          <p:cNvPr id="107" name="Rectangle 106">
-            <a:extLst>
-              <a:ext uri="{FF2B5EF4-FFF2-40B4-BE49-F238E27FC236}">
-                <a16:creationId xmlns:a16="http://schemas.microsoft.com/office/drawing/2014/main" id="{C3CB9358-0B5D-6E40-8A48-6D51B9AFC752}"/>
-              </a:ext>
-            </a:extLst>
-          </p:cNvPr>
-          <p:cNvSpPr/>
-          <p:nvPr/>
-        </p:nvSpPr>
-        <p:spPr>
-          <a:xfrm>
-            <a:off x="10628700" y="7174366"/>
-            <a:ext cx="732793" cy="564884"/>
-          </a:xfrm>
-          <a:prstGeom prst="rect">
-            <a:avLst/>
-          </a:prstGeom>
-        </p:spPr>
-        <p:style>
-          <a:lnRef idx="1">
-            <a:schemeClr val="accent6"/>
-          </a:lnRef>
-          <a:fillRef idx="2">
-            <a:schemeClr val="accent6"/>
-          </a:fillRef>
-          <a:effectRef idx="1">
-            <a:schemeClr val="accent6"/>
-          </a:effectRef>
-          <a:fontRef idx="minor">
-            <a:schemeClr val="dk1"/>
-          </a:fontRef>
-        </p:style>
-        <p:txBody>
-          <a:bodyPr rtlCol="0" anchor="ctr"/>
-          <a:lstStyle/>
-          <a:p>
-            <a:pPr algn="ctr"/>
-            <a:r>
-              <a:rPr lang="en-US" sz="1200" b="1"/>
-              <a:t>Sense </a:t>
-            </a:r>
-            <a:r>
-              <a:rPr lang="en-US" sz="1200" b="1">
-                <a:solidFill>
-                  <a:schemeClr val="tx1"/>
-                </a:solidFill>
-              </a:rPr>
-              <a:t>Node State</a:t>
-            </a:r>
-          </a:p>
-        </p:txBody>
-      </p:sp>
-      <p:sp>
-        <p:nvSpPr>
-          <p:cNvPr id="108" name="TextBox 107">
-            <a:extLst>
-              <a:ext uri="{FF2B5EF4-FFF2-40B4-BE49-F238E27FC236}">
-                <a16:creationId xmlns:a16="http://schemas.microsoft.com/office/drawing/2014/main" id="{6B8B41D5-2792-E24C-9120-30F5AFCFD7B4}"/>
-              </a:ext>
-            </a:extLst>
-          </p:cNvPr>
-          <p:cNvSpPr txBox="1"/>
-          <p:nvPr/>
-        </p:nvSpPr>
-        <p:spPr>
-          <a:xfrm>
-            <a:off x="6367463" y="6963803"/>
-            <a:ext cx="1490636" cy="954107"/>
-          </a:xfrm>
-          <a:prstGeom prst="rect">
-            <a:avLst/>
-          </a:prstGeom>
-          <a:noFill/>
-        </p:spPr>
-        <p:txBody>
-          <a:bodyPr wrap="square" rtlCol="0">
-            <a:spAutoFit/>
-          </a:bodyPr>
-          <a:lstStyle/>
-          <a:p>
-            <a:r>
-              <a:rPr lang="en-US" sz="1400"/>
-              <a:t>Copy without gradient</a:t>
-            </a:r>
-            <a:br>
-              <a:rPr lang="en-US" sz="1400"/>
-            </a:br>
-            <a:r>
-              <a:rPr lang="en-US" sz="1400"/>
-              <a:t>(</a:t>
-            </a:r>
-            <a:r>
-              <a:rPr lang="en-US" sz="1400" b="1"/>
-              <a:t>“photo” of the current context</a:t>
-            </a:r>
-            <a:r>
-              <a:rPr lang="en-US" sz="1400"/>
-              <a:t>)</a:t>
-            </a:r>
-          </a:p>
-        </p:txBody>
-      </p:sp>
-      <p:sp>
-        <p:nvSpPr>
-          <p:cNvPr id="109" name="Rectangle 108">
-            <a:extLst>
-              <a:ext uri="{FF2B5EF4-FFF2-40B4-BE49-F238E27FC236}">
-                <a16:creationId xmlns:a16="http://schemas.microsoft.com/office/drawing/2014/main" id="{D58BB6DA-9694-6C45-8407-9C3126FD32A4}"/>
-              </a:ext>
-            </a:extLst>
-          </p:cNvPr>
-          <p:cNvSpPr/>
-          <p:nvPr/>
-        </p:nvSpPr>
-        <p:spPr>
-          <a:xfrm>
-            <a:off x="7851715" y="7186958"/>
-            <a:ext cx="896461" cy="552292"/>
+              <a:rPr lang="en-US"/>
+              <a:t>Layer 2 of GRU</a:t>
+            </a:r>
+          </a:p>
+        </p:txBody>
+      </p:sp>
+      <p:sp>
+        <p:nvSpPr>
+          <p:cNvPr id="116" name="Rectangle 115">
+            <a:extLst>
+              <a:ext uri="{FF2B5EF4-FFF2-40B4-BE49-F238E27FC236}">
+                <a16:creationId xmlns:a16="http://schemas.microsoft.com/office/drawing/2014/main" id="{DFA289A8-0F99-5146-8DC5-32B647A8B770}"/>
+              </a:ext>
+            </a:extLst>
+          </p:cNvPr>
+          <p:cNvSpPr/>
+          <p:nvPr/>
+        </p:nvSpPr>
+        <p:spPr>
+          <a:xfrm>
+            <a:off x="4486258" y="7876565"/>
+            <a:ext cx="1987475" cy="299327"/>
           </a:xfrm>
           <a:prstGeom prst="rect">
             <a:avLst/>
@@ -7098,286 +7009,121 @@
           <a:p>
             <a:pPr algn="ctr"/>
             <a:r>
-              <a:rPr lang="en-US" sz="1400">
+              <a:rPr lang="en-US" sz="1600">
                 <a:solidFill>
                   <a:schemeClr val="tx1"/>
                 </a:solidFill>
               </a:rPr>
-              <a:t>Encoding </a:t>
-            </a:r>
-            <a:br>
-              <a:rPr lang="en-US" sz="1400">
+              <a:t>Hidden state 2</a:t>
+            </a:r>
+          </a:p>
+        </p:txBody>
+      </p:sp>
+      <p:sp>
+        <p:nvSpPr>
+          <p:cNvPr id="117" name="Diamond 116">
+            <a:extLst>
+              <a:ext uri="{FF2B5EF4-FFF2-40B4-BE49-F238E27FC236}">
+                <a16:creationId xmlns:a16="http://schemas.microsoft.com/office/drawing/2014/main" id="{FA4779EC-9A0D-CB41-868F-70F7E232C442}"/>
+              </a:ext>
+            </a:extLst>
+          </p:cNvPr>
+          <p:cNvSpPr/>
+          <p:nvPr/>
+        </p:nvSpPr>
+        <p:spPr>
+          <a:xfrm>
+            <a:off x="7452311" y="7085503"/>
+            <a:ext cx="2423155" cy="756806"/>
+          </a:xfrm>
+          <a:prstGeom prst="diamond">
+            <a:avLst/>
+          </a:prstGeom>
+        </p:spPr>
+        <p:style>
+          <a:lnRef idx="2">
+            <a:schemeClr val="accent1">
+              <a:shade val="50000"/>
+            </a:schemeClr>
+          </a:lnRef>
+          <a:fillRef idx="1">
+            <a:schemeClr val="accent1"/>
+          </a:fillRef>
+          <a:effectRef idx="0">
+            <a:schemeClr val="accent1"/>
+          </a:effectRef>
+          <a:fontRef idx="minor">
+            <a:schemeClr val="lt1"/>
+          </a:fontRef>
+        </p:style>
+        <p:txBody>
+          <a:bodyPr rtlCol="0" anchor="ctr"/>
+          <a:lstStyle/>
+          <a:p>
+            <a:pPr algn="ctr"/>
+            <a:r>
+              <a:rPr lang="en-US"/>
+              <a:t>Layer 2b of GRU</a:t>
+            </a:r>
+          </a:p>
+        </p:txBody>
+      </p:sp>
+      <p:sp>
+        <p:nvSpPr>
+          <p:cNvPr id="118" name="Rectangle 117">
+            <a:extLst>
+              <a:ext uri="{FF2B5EF4-FFF2-40B4-BE49-F238E27FC236}">
+                <a16:creationId xmlns:a16="http://schemas.microsoft.com/office/drawing/2014/main" id="{1D7FA5EB-8E41-BE4A-9971-CF1924145332}"/>
+              </a:ext>
+            </a:extLst>
+          </p:cNvPr>
+          <p:cNvSpPr/>
+          <p:nvPr/>
+        </p:nvSpPr>
+        <p:spPr>
+          <a:xfrm>
+            <a:off x="7670890" y="7849475"/>
+            <a:ext cx="1987475" cy="299327"/>
+          </a:xfrm>
+          <a:prstGeom prst="rect">
+            <a:avLst/>
+          </a:prstGeom>
+          <a:solidFill>
+            <a:schemeClr val="accent5">
+              <a:lumMod val="40000"/>
+              <a:lumOff val="60000"/>
+            </a:schemeClr>
+          </a:solidFill>
+        </p:spPr>
+        <p:style>
+          <a:lnRef idx="2">
+            <a:schemeClr val="accent5">
+              <a:shade val="50000"/>
+            </a:schemeClr>
+          </a:lnRef>
+          <a:fillRef idx="1">
+            <a:schemeClr val="accent5"/>
+          </a:fillRef>
+          <a:effectRef idx="0">
+            <a:schemeClr val="accent5"/>
+          </a:effectRef>
+          <a:fontRef idx="minor">
+            <a:schemeClr val="lt1"/>
+          </a:fontRef>
+        </p:style>
+        <p:txBody>
+          <a:bodyPr rtlCol="0" anchor="ctr"/>
+          <a:lstStyle/>
+          <a:p>
+            <a:pPr algn="ctr"/>
+            <a:r>
+              <a:rPr lang="en-US" sz="1600">
                 <a:solidFill>
                   <a:schemeClr val="tx1"/>
                 </a:solidFill>
               </a:rPr>
-            </a:br>
-            <a:r>
-              <a:rPr lang="en-US" sz="1400">
-                <a:solidFill>
-                  <a:schemeClr val="tx1"/>
-                </a:solidFill>
-              </a:rPr>
-              <a:t>(Hidden state 2)</a:t>
-            </a:r>
-            <a:endParaRPr lang="en-US" sz="1400" b="1">
-              <a:solidFill>
-                <a:schemeClr val="tx1"/>
-              </a:solidFill>
-            </a:endParaRPr>
-          </a:p>
-        </p:txBody>
-      </p:sp>
-      <p:sp>
-        <p:nvSpPr>
-          <p:cNvPr id="110" name="Diamond 109">
-            <a:extLst>
-              <a:ext uri="{FF2B5EF4-FFF2-40B4-BE49-F238E27FC236}">
-                <a16:creationId xmlns:a16="http://schemas.microsoft.com/office/drawing/2014/main" id="{AE4C2E08-C7CA-1A4F-8A6E-6E8D16B38182}"/>
-              </a:ext>
-            </a:extLst>
-          </p:cNvPr>
-          <p:cNvSpPr/>
-          <p:nvPr/>
-        </p:nvSpPr>
-        <p:spPr>
-          <a:xfrm>
-            <a:off x="7806508" y="8177004"/>
-            <a:ext cx="2423155" cy="835996"/>
-          </a:xfrm>
-          <a:prstGeom prst="diamond">
-            <a:avLst/>
-          </a:prstGeom>
-        </p:spPr>
-        <p:style>
-          <a:lnRef idx="2">
-            <a:schemeClr val="accent1">
-              <a:shade val="50000"/>
-            </a:schemeClr>
-          </a:lnRef>
-          <a:fillRef idx="1">
-            <a:schemeClr val="accent1"/>
-          </a:fillRef>
-          <a:effectRef idx="0">
-            <a:schemeClr val="accent1"/>
-          </a:effectRef>
-          <a:fontRef idx="minor">
-            <a:schemeClr val="lt1"/>
-          </a:fontRef>
-        </p:style>
-        <p:txBody>
-          <a:bodyPr wrap="none" lIns="36000" rIns="36000" rtlCol="0" anchor="ctr"/>
-          <a:lstStyle/>
-          <a:p>
-            <a:pPr algn="ctr"/>
-            <a:r>
-              <a:rPr lang="en-GB"/>
-              <a:t>FF-NN:</a:t>
-            </a:r>
-            <a:br>
-              <a:rPr lang="en-GB"/>
-            </a:br>
-            <a:r>
-              <a:rPr lang="en-GB"/>
-              <a:t>linear2senses</a:t>
-            </a:r>
-            <a:endParaRPr lang="en-US"/>
-          </a:p>
-        </p:txBody>
-      </p:sp>
-      <p:sp>
-        <p:nvSpPr>
-          <p:cNvPr id="111" name="Down Arrow 110">
-            <a:extLst>
-              <a:ext uri="{FF2B5EF4-FFF2-40B4-BE49-F238E27FC236}">
-                <a16:creationId xmlns:a16="http://schemas.microsoft.com/office/drawing/2014/main" id="{C4A77C34-6AAE-CF4F-9234-5F76595DAA01}"/>
-              </a:ext>
-            </a:extLst>
-          </p:cNvPr>
-          <p:cNvSpPr/>
-          <p:nvPr/>
-        </p:nvSpPr>
-        <p:spPr>
-          <a:xfrm>
-            <a:off x="8838678" y="7727227"/>
-            <a:ext cx="381964" cy="428262"/>
-          </a:xfrm>
-          <a:prstGeom prst="downArrow">
-            <a:avLst/>
-          </a:prstGeom>
-          <a:solidFill>
-            <a:schemeClr val="bg1"/>
-          </a:solidFill>
-        </p:spPr>
-        <p:style>
-          <a:lnRef idx="2">
-            <a:schemeClr val="accent1">
-              <a:shade val="50000"/>
-            </a:schemeClr>
-          </a:lnRef>
-          <a:fillRef idx="1">
-            <a:schemeClr val="accent1"/>
-          </a:fillRef>
-          <a:effectRef idx="0">
-            <a:schemeClr val="accent1"/>
-          </a:effectRef>
-          <a:fontRef idx="minor">
-            <a:schemeClr val="lt1"/>
-          </a:fontRef>
-        </p:style>
-        <p:txBody>
-          <a:bodyPr rtlCol="0" anchor="ctr"/>
-          <a:lstStyle/>
-          <a:p>
-            <a:pPr algn="ctr"/>
-            <a:endParaRPr lang="en-US"/>
-          </a:p>
-        </p:txBody>
-      </p:sp>
-      <p:sp>
-        <p:nvSpPr>
-          <p:cNvPr id="112" name="Down Arrow 111">
-            <a:extLst>
-              <a:ext uri="{FF2B5EF4-FFF2-40B4-BE49-F238E27FC236}">
-                <a16:creationId xmlns:a16="http://schemas.microsoft.com/office/drawing/2014/main" id="{FDC1CB01-C028-6C48-95D2-4C7288B55F66}"/>
-              </a:ext>
-            </a:extLst>
-          </p:cNvPr>
-          <p:cNvSpPr/>
-          <p:nvPr/>
-        </p:nvSpPr>
-        <p:spPr>
-          <a:xfrm>
-            <a:off x="8838678" y="9013000"/>
-            <a:ext cx="381964" cy="428262"/>
-          </a:xfrm>
-          <a:prstGeom prst="downArrow">
-            <a:avLst/>
-          </a:prstGeom>
-          <a:solidFill>
-            <a:schemeClr val="bg1"/>
-          </a:solidFill>
-        </p:spPr>
-        <p:style>
-          <a:lnRef idx="2">
-            <a:schemeClr val="accent1">
-              <a:shade val="50000"/>
-            </a:schemeClr>
-          </a:lnRef>
-          <a:fillRef idx="1">
-            <a:schemeClr val="accent1"/>
-          </a:fillRef>
-          <a:effectRef idx="0">
-            <a:schemeClr val="accent1"/>
-          </a:effectRef>
-          <a:fontRef idx="minor">
-            <a:schemeClr val="lt1"/>
-          </a:fontRef>
-        </p:style>
-        <p:txBody>
-          <a:bodyPr rtlCol="0" anchor="ctr"/>
-          <a:lstStyle/>
-          <a:p>
-            <a:pPr algn="ctr"/>
-            <a:endParaRPr lang="en-US"/>
-          </a:p>
-        </p:txBody>
-      </p:sp>
-      <p:sp>
-        <p:nvSpPr>
-          <p:cNvPr id="3" name="Rectangle 2">
-            <a:extLst>
-              <a:ext uri="{FF2B5EF4-FFF2-40B4-BE49-F238E27FC236}">
-                <a16:creationId xmlns:a16="http://schemas.microsoft.com/office/drawing/2014/main" id="{191F51C0-B77D-3F44-8E75-00DE001A271E}"/>
-              </a:ext>
-            </a:extLst>
-          </p:cNvPr>
-          <p:cNvSpPr/>
-          <p:nvPr/>
-        </p:nvSpPr>
-        <p:spPr>
-          <a:xfrm>
-            <a:off x="6878320" y="5843343"/>
-            <a:ext cx="2251488" cy="170984"/>
-          </a:xfrm>
-          <a:prstGeom prst="rect">
-            <a:avLst/>
-          </a:prstGeom>
-          <a:solidFill>
-            <a:schemeClr val="bg1"/>
-          </a:solidFill>
-        </p:spPr>
-        <p:style>
-          <a:lnRef idx="2">
-            <a:schemeClr val="accent1">
-              <a:shade val="50000"/>
-            </a:schemeClr>
-          </a:lnRef>
-          <a:fillRef idx="1">
-            <a:schemeClr val="accent1"/>
-          </a:fillRef>
-          <a:effectRef idx="0">
-            <a:schemeClr val="accent1"/>
-          </a:effectRef>
-          <a:fontRef idx="minor">
-            <a:schemeClr val="lt1"/>
-          </a:fontRef>
-        </p:style>
-        <p:txBody>
-          <a:bodyPr rtlCol="0" anchor="ctr"/>
-          <a:lstStyle/>
-          <a:p>
-            <a:pPr algn="ctr"/>
-            <a:endParaRPr lang="en-US"/>
-          </a:p>
-        </p:txBody>
-      </p:sp>
-      <p:sp>
-        <p:nvSpPr>
-          <p:cNvPr id="113" name="Rectangle 112">
-            <a:extLst>
-              <a:ext uri="{FF2B5EF4-FFF2-40B4-BE49-F238E27FC236}">
-                <a16:creationId xmlns:a16="http://schemas.microsoft.com/office/drawing/2014/main" id="{A38E439A-B180-D542-8369-90B5E0DA3F17}"/>
-              </a:ext>
-            </a:extLst>
-          </p:cNvPr>
-          <p:cNvSpPr/>
-          <p:nvPr/>
-        </p:nvSpPr>
-        <p:spPr>
-          <a:xfrm rot="5400000">
-            <a:off x="6707289" y="5682970"/>
-            <a:ext cx="506226" cy="164164"/>
-          </a:xfrm>
-          <a:prstGeom prst="rect">
-            <a:avLst/>
-          </a:prstGeom>
-          <a:solidFill>
-            <a:schemeClr val="bg1"/>
-          </a:solidFill>
-        </p:spPr>
-        <p:style>
-          <a:lnRef idx="2">
-            <a:schemeClr val="accent1">
-              <a:shade val="50000"/>
-            </a:schemeClr>
-          </a:lnRef>
-          <a:fillRef idx="1">
-            <a:schemeClr val="accent1"/>
-          </a:fillRef>
-          <a:effectRef idx="0">
-            <a:schemeClr val="accent1"/>
-          </a:effectRef>
-          <a:fontRef idx="minor">
-            <a:schemeClr val="lt1"/>
-          </a:fontRef>
-        </p:style>
-        <p:txBody>
-          <a:bodyPr rtlCol="0" anchor="ctr"/>
-          <a:lstStyle/>
-          <a:p>
-            <a:pPr algn="ctr"/>
-            <a:endParaRPr lang="en-US"/>
+              <a:t>Hidden state 2b</a:t>
+            </a:r>
           </a:p>
         </p:txBody>
       </p:sp>
@@ -8915,6 +8661,663 @@
 </file>
 
 <file path=ppt/slides/slide3.xml><?xml version="1.0" encoding="utf-8"?>
+<p:sld xmlns:a="http://schemas.openxmlformats.org/drawingml/2006/main" xmlns:r="http://schemas.openxmlformats.org/officeDocument/2006/relationships" xmlns:p="http://schemas.openxmlformats.org/presentationml/2006/main">
+  <p:cSld>
+    <p:spTree>
+      <p:nvGrpSpPr>
+        <p:cNvPr id="1" name=""/>
+        <p:cNvGrpSpPr/>
+        <p:nvPr/>
+      </p:nvGrpSpPr>
+      <p:grpSpPr>
+        <a:xfrm>
+          <a:off x="0" y="0"/>
+          <a:ext cx="0" cy="0"/>
+          <a:chOff x="0" y="0"/>
+          <a:chExt cx="0" cy="0"/>
+        </a:xfrm>
+      </p:grpSpPr>
+      <p:sp>
+        <p:nvSpPr>
+          <p:cNvPr id="4" name="Down Arrow 3">
+            <a:extLst>
+              <a:ext uri="{FF2B5EF4-FFF2-40B4-BE49-F238E27FC236}">
+                <a16:creationId xmlns:a16="http://schemas.microsoft.com/office/drawing/2014/main" id="{F4553749-CBD8-9A42-9051-4EFBAC54EFB5}"/>
+              </a:ext>
+            </a:extLst>
+          </p:cNvPr>
+          <p:cNvSpPr/>
+          <p:nvPr/>
+        </p:nvSpPr>
+        <p:spPr>
+          <a:xfrm>
+            <a:off x="5268895" y="4072602"/>
+            <a:ext cx="381964" cy="473605"/>
+          </a:xfrm>
+          <a:prstGeom prst="downArrow">
+            <a:avLst/>
+          </a:prstGeom>
+          <a:solidFill>
+            <a:schemeClr val="bg1"/>
+          </a:solidFill>
+        </p:spPr>
+        <p:style>
+          <a:lnRef idx="2">
+            <a:schemeClr val="accent1">
+              <a:shade val="50000"/>
+            </a:schemeClr>
+          </a:lnRef>
+          <a:fillRef idx="1">
+            <a:schemeClr val="accent1"/>
+          </a:fillRef>
+          <a:effectRef idx="0">
+            <a:schemeClr val="accent1"/>
+          </a:effectRef>
+          <a:fontRef idx="minor">
+            <a:schemeClr val="lt1"/>
+          </a:fontRef>
+        </p:style>
+        <p:txBody>
+          <a:bodyPr rtlCol="0" anchor="ctr"/>
+          <a:lstStyle/>
+          <a:p>
+            <a:pPr algn="ctr"/>
+            <a:endParaRPr lang="en-US"/>
+          </a:p>
+        </p:txBody>
+      </p:sp>
+      <p:sp>
+        <p:nvSpPr>
+          <p:cNvPr id="5" name="Diamond 4">
+            <a:extLst>
+              <a:ext uri="{FF2B5EF4-FFF2-40B4-BE49-F238E27FC236}">
+                <a16:creationId xmlns:a16="http://schemas.microsoft.com/office/drawing/2014/main" id="{8291E682-7B0C-964B-BB00-E9FC1E6B5E72}"/>
+              </a:ext>
+            </a:extLst>
+          </p:cNvPr>
+          <p:cNvSpPr/>
+          <p:nvPr/>
+        </p:nvSpPr>
+        <p:spPr>
+          <a:xfrm>
+            <a:off x="4247176" y="4574204"/>
+            <a:ext cx="2423155" cy="756806"/>
+          </a:xfrm>
+          <a:prstGeom prst="diamond">
+            <a:avLst/>
+          </a:prstGeom>
+        </p:spPr>
+        <p:style>
+          <a:lnRef idx="2">
+            <a:schemeClr val="accent1">
+              <a:shade val="50000"/>
+            </a:schemeClr>
+          </a:lnRef>
+          <a:fillRef idx="1">
+            <a:schemeClr val="accent1"/>
+          </a:fillRef>
+          <a:effectRef idx="0">
+            <a:schemeClr val="accent1"/>
+          </a:effectRef>
+          <a:fontRef idx="minor">
+            <a:schemeClr val="lt1"/>
+          </a:fontRef>
+        </p:style>
+        <p:txBody>
+          <a:bodyPr rtlCol="0" anchor="ctr"/>
+          <a:lstStyle/>
+          <a:p>
+            <a:pPr algn="ctr"/>
+            <a:r>
+              <a:rPr lang="en-US"/>
+              <a:t>Layer 1 of GRU</a:t>
+            </a:r>
+          </a:p>
+        </p:txBody>
+      </p:sp>
+      <p:sp>
+        <p:nvSpPr>
+          <p:cNvPr id="6" name="Rectangle 5">
+            <a:extLst>
+              <a:ext uri="{FF2B5EF4-FFF2-40B4-BE49-F238E27FC236}">
+                <a16:creationId xmlns:a16="http://schemas.microsoft.com/office/drawing/2014/main" id="{44C41CE1-A288-E847-94B0-9D08AF9CCF38}"/>
+              </a:ext>
+            </a:extLst>
+          </p:cNvPr>
+          <p:cNvSpPr/>
+          <p:nvPr/>
+        </p:nvSpPr>
+        <p:spPr>
+          <a:xfrm>
+            <a:off x="4435459" y="5347342"/>
+            <a:ext cx="1987475" cy="299327"/>
+          </a:xfrm>
+          <a:prstGeom prst="rect">
+            <a:avLst/>
+          </a:prstGeom>
+          <a:solidFill>
+            <a:schemeClr val="accent5">
+              <a:lumMod val="40000"/>
+              <a:lumOff val="60000"/>
+            </a:schemeClr>
+          </a:solidFill>
+        </p:spPr>
+        <p:style>
+          <a:lnRef idx="2">
+            <a:schemeClr val="accent5">
+              <a:shade val="50000"/>
+            </a:schemeClr>
+          </a:lnRef>
+          <a:fillRef idx="1">
+            <a:schemeClr val="accent5"/>
+          </a:fillRef>
+          <a:effectRef idx="0">
+            <a:schemeClr val="accent5"/>
+          </a:effectRef>
+          <a:fontRef idx="minor">
+            <a:schemeClr val="lt1"/>
+          </a:fontRef>
+        </p:style>
+        <p:txBody>
+          <a:bodyPr rtlCol="0" anchor="ctr"/>
+          <a:lstStyle/>
+          <a:p>
+            <a:pPr algn="ctr"/>
+            <a:r>
+              <a:rPr lang="en-US" sz="1600">
+                <a:solidFill>
+                  <a:schemeClr val="tx1"/>
+                </a:solidFill>
+              </a:rPr>
+              <a:t>Hidden state 1</a:t>
+            </a:r>
+          </a:p>
+        </p:txBody>
+      </p:sp>
+      <p:sp>
+        <p:nvSpPr>
+          <p:cNvPr id="7" name="Diamond 6">
+            <a:extLst>
+              <a:ext uri="{FF2B5EF4-FFF2-40B4-BE49-F238E27FC236}">
+                <a16:creationId xmlns:a16="http://schemas.microsoft.com/office/drawing/2014/main" id="{F704BE73-4914-7A44-84D6-FB34338AC5C2}"/>
+              </a:ext>
+            </a:extLst>
+          </p:cNvPr>
+          <p:cNvSpPr/>
+          <p:nvPr/>
+        </p:nvSpPr>
+        <p:spPr>
+          <a:xfrm>
+            <a:off x="4246562" y="7573577"/>
+            <a:ext cx="2423155" cy="835996"/>
+          </a:xfrm>
+          <a:prstGeom prst="diamond">
+            <a:avLst/>
+          </a:prstGeom>
+        </p:spPr>
+        <p:style>
+          <a:lnRef idx="2">
+            <a:schemeClr val="accent1">
+              <a:shade val="50000"/>
+            </a:schemeClr>
+          </a:lnRef>
+          <a:fillRef idx="1">
+            <a:schemeClr val="accent1"/>
+          </a:fillRef>
+          <a:effectRef idx="0">
+            <a:schemeClr val="accent1"/>
+          </a:effectRef>
+          <a:fontRef idx="minor">
+            <a:schemeClr val="lt1"/>
+          </a:fontRef>
+        </p:style>
+        <p:txBody>
+          <a:bodyPr wrap="none" lIns="36000" rIns="36000" rtlCol="0" anchor="ctr"/>
+          <a:lstStyle/>
+          <a:p>
+            <a:pPr algn="ctr"/>
+            <a:r>
+              <a:rPr lang="en-GB"/>
+              <a:t>FF-NN:</a:t>
+            </a:r>
+            <a:br>
+              <a:rPr lang="en-GB"/>
+            </a:br>
+            <a:r>
+              <a:rPr lang="en-GB"/>
+              <a:t>linear2global</a:t>
+            </a:r>
+            <a:endParaRPr lang="en-US"/>
+          </a:p>
+        </p:txBody>
+      </p:sp>
+      <p:sp>
+        <p:nvSpPr>
+          <p:cNvPr id="8" name="Down Arrow 7">
+            <a:extLst>
+              <a:ext uri="{FF2B5EF4-FFF2-40B4-BE49-F238E27FC236}">
+                <a16:creationId xmlns:a16="http://schemas.microsoft.com/office/drawing/2014/main" id="{6C75A9D1-6CA4-104B-B26C-A83BDFF58C7F}"/>
+              </a:ext>
+            </a:extLst>
+          </p:cNvPr>
+          <p:cNvSpPr/>
+          <p:nvPr/>
+        </p:nvSpPr>
+        <p:spPr>
+          <a:xfrm>
+            <a:off x="5289343" y="6737582"/>
+            <a:ext cx="381964" cy="835995"/>
+          </a:xfrm>
+          <a:prstGeom prst="downArrow">
+            <a:avLst/>
+          </a:prstGeom>
+          <a:solidFill>
+            <a:schemeClr val="bg1"/>
+          </a:solidFill>
+        </p:spPr>
+        <p:style>
+          <a:lnRef idx="2">
+            <a:schemeClr val="accent1">
+              <a:shade val="50000"/>
+            </a:schemeClr>
+          </a:lnRef>
+          <a:fillRef idx="1">
+            <a:schemeClr val="accent1"/>
+          </a:fillRef>
+          <a:effectRef idx="0">
+            <a:schemeClr val="accent1"/>
+          </a:effectRef>
+          <a:fontRef idx="minor">
+            <a:schemeClr val="lt1"/>
+          </a:fontRef>
+        </p:style>
+        <p:txBody>
+          <a:bodyPr rtlCol="0" anchor="ctr"/>
+          <a:lstStyle/>
+          <a:p>
+            <a:pPr algn="ctr"/>
+            <a:endParaRPr lang="en-US"/>
+          </a:p>
+        </p:txBody>
+      </p:sp>
+      <p:cxnSp>
+        <p:nvCxnSpPr>
+          <p:cNvPr id="9" name="Straight Arrow Connector 8">
+            <a:extLst>
+              <a:ext uri="{FF2B5EF4-FFF2-40B4-BE49-F238E27FC236}">
+                <a16:creationId xmlns:a16="http://schemas.microsoft.com/office/drawing/2014/main" id="{521343C1-64A6-ED4B-A577-85AAB09B8863}"/>
+              </a:ext>
+            </a:extLst>
+          </p:cNvPr>
+          <p:cNvCxnSpPr>
+            <a:cxnSpLocks/>
+            <a:stCxn id="6" idx="3"/>
+          </p:cNvCxnSpPr>
+          <p:nvPr/>
+        </p:nvCxnSpPr>
+        <p:spPr>
+          <a:xfrm>
+            <a:off x="6422934" y="5497006"/>
+            <a:ext cx="1374996" cy="344069"/>
+          </a:xfrm>
+          <a:prstGeom prst="straightConnector1">
+            <a:avLst/>
+          </a:prstGeom>
+          <a:ln>
+            <a:tailEnd type="triangle"/>
+          </a:ln>
+        </p:spPr>
+        <p:style>
+          <a:lnRef idx="1">
+            <a:schemeClr val="dk1"/>
+          </a:lnRef>
+          <a:fillRef idx="0">
+            <a:schemeClr val="dk1"/>
+          </a:fillRef>
+          <a:effectRef idx="0">
+            <a:schemeClr val="dk1"/>
+          </a:effectRef>
+          <a:fontRef idx="minor">
+            <a:schemeClr val="tx1"/>
+          </a:fontRef>
+        </p:style>
+      </p:cxnSp>
+      <p:sp>
+        <p:nvSpPr>
+          <p:cNvPr id="10" name="Diamond 9">
+            <a:extLst>
+              <a:ext uri="{FF2B5EF4-FFF2-40B4-BE49-F238E27FC236}">
+                <a16:creationId xmlns:a16="http://schemas.microsoft.com/office/drawing/2014/main" id="{2477C978-998B-F64C-B520-674745B74FE1}"/>
+              </a:ext>
+            </a:extLst>
+          </p:cNvPr>
+          <p:cNvSpPr/>
+          <p:nvPr/>
+        </p:nvSpPr>
+        <p:spPr>
+          <a:xfrm>
+            <a:off x="7409960" y="7571435"/>
+            <a:ext cx="2423155" cy="835996"/>
+          </a:xfrm>
+          <a:prstGeom prst="diamond">
+            <a:avLst/>
+          </a:prstGeom>
+        </p:spPr>
+        <p:style>
+          <a:lnRef idx="2">
+            <a:schemeClr val="accent1">
+              <a:shade val="50000"/>
+            </a:schemeClr>
+          </a:lnRef>
+          <a:fillRef idx="1">
+            <a:schemeClr val="accent1"/>
+          </a:fillRef>
+          <a:effectRef idx="0">
+            <a:schemeClr val="accent1"/>
+          </a:effectRef>
+          <a:fontRef idx="minor">
+            <a:schemeClr val="lt1"/>
+          </a:fontRef>
+        </p:style>
+        <p:txBody>
+          <a:bodyPr wrap="none" lIns="36000" rIns="36000" rtlCol="0" anchor="ctr"/>
+          <a:lstStyle/>
+          <a:p>
+            <a:pPr algn="ctr"/>
+            <a:r>
+              <a:rPr lang="en-GB"/>
+              <a:t>FF-NN:</a:t>
+            </a:r>
+            <a:br>
+              <a:rPr lang="en-GB"/>
+            </a:br>
+            <a:r>
+              <a:rPr lang="en-GB"/>
+              <a:t>linear2senses</a:t>
+            </a:r>
+            <a:endParaRPr lang="en-US"/>
+          </a:p>
+        </p:txBody>
+      </p:sp>
+      <p:sp>
+        <p:nvSpPr>
+          <p:cNvPr id="11" name="Down Arrow 10">
+            <a:extLst>
+              <a:ext uri="{FF2B5EF4-FFF2-40B4-BE49-F238E27FC236}">
+                <a16:creationId xmlns:a16="http://schemas.microsoft.com/office/drawing/2014/main" id="{F12928D0-A34C-E547-A76C-1A40E294DD9B}"/>
+              </a:ext>
+            </a:extLst>
+          </p:cNvPr>
+          <p:cNvSpPr/>
+          <p:nvPr/>
+        </p:nvSpPr>
+        <p:spPr>
+          <a:xfrm>
+            <a:off x="8422106" y="6716160"/>
+            <a:ext cx="381964" cy="868992"/>
+          </a:xfrm>
+          <a:prstGeom prst="downArrow">
+            <a:avLst/>
+          </a:prstGeom>
+          <a:solidFill>
+            <a:schemeClr val="bg1"/>
+          </a:solidFill>
+        </p:spPr>
+        <p:style>
+          <a:lnRef idx="2">
+            <a:schemeClr val="accent1">
+              <a:shade val="50000"/>
+            </a:schemeClr>
+          </a:lnRef>
+          <a:fillRef idx="1">
+            <a:schemeClr val="accent1"/>
+          </a:fillRef>
+          <a:effectRef idx="0">
+            <a:schemeClr val="accent1"/>
+          </a:effectRef>
+          <a:fontRef idx="minor">
+            <a:schemeClr val="lt1"/>
+          </a:fontRef>
+        </p:style>
+        <p:txBody>
+          <a:bodyPr rtlCol="0" anchor="ctr"/>
+          <a:lstStyle/>
+          <a:p>
+            <a:pPr algn="ctr"/>
+            <a:endParaRPr lang="en-US"/>
+          </a:p>
+        </p:txBody>
+      </p:sp>
+      <p:sp>
+        <p:nvSpPr>
+          <p:cNvPr id="12" name="Diamond 11">
+            <a:extLst>
+              <a:ext uri="{FF2B5EF4-FFF2-40B4-BE49-F238E27FC236}">
+                <a16:creationId xmlns:a16="http://schemas.microsoft.com/office/drawing/2014/main" id="{B0547D60-0157-A94A-AFD8-EEE9E51D3C06}"/>
+              </a:ext>
+            </a:extLst>
+          </p:cNvPr>
+          <p:cNvSpPr/>
+          <p:nvPr/>
+        </p:nvSpPr>
+        <p:spPr>
+          <a:xfrm>
+            <a:off x="4257267" y="5652680"/>
+            <a:ext cx="2423155" cy="756806"/>
+          </a:xfrm>
+          <a:prstGeom prst="diamond">
+            <a:avLst/>
+          </a:prstGeom>
+        </p:spPr>
+        <p:style>
+          <a:lnRef idx="2">
+            <a:schemeClr val="accent1">
+              <a:shade val="50000"/>
+            </a:schemeClr>
+          </a:lnRef>
+          <a:fillRef idx="1">
+            <a:schemeClr val="accent1"/>
+          </a:fillRef>
+          <a:effectRef idx="0">
+            <a:schemeClr val="accent1"/>
+          </a:effectRef>
+          <a:fontRef idx="minor">
+            <a:schemeClr val="lt1"/>
+          </a:fontRef>
+        </p:style>
+        <p:txBody>
+          <a:bodyPr rtlCol="0" anchor="ctr"/>
+          <a:lstStyle/>
+          <a:p>
+            <a:pPr algn="ctr"/>
+            <a:r>
+              <a:rPr lang="en-US"/>
+              <a:t>Layer 2 of GRU</a:t>
+            </a:r>
+          </a:p>
+        </p:txBody>
+      </p:sp>
+      <p:sp>
+        <p:nvSpPr>
+          <p:cNvPr id="13" name="Rectangle 12">
+            <a:extLst>
+              <a:ext uri="{FF2B5EF4-FFF2-40B4-BE49-F238E27FC236}">
+                <a16:creationId xmlns:a16="http://schemas.microsoft.com/office/drawing/2014/main" id="{6847FF22-6F21-5340-BD44-5331D7EC51DF}"/>
+              </a:ext>
+            </a:extLst>
+          </p:cNvPr>
+          <p:cNvSpPr/>
+          <p:nvPr/>
+        </p:nvSpPr>
+        <p:spPr>
+          <a:xfrm>
+            <a:off x="4435458" y="6428765"/>
+            <a:ext cx="1987475" cy="299327"/>
+          </a:xfrm>
+          <a:prstGeom prst="rect">
+            <a:avLst/>
+          </a:prstGeom>
+          <a:solidFill>
+            <a:schemeClr val="accent5">
+              <a:lumMod val="40000"/>
+              <a:lumOff val="60000"/>
+            </a:schemeClr>
+          </a:solidFill>
+        </p:spPr>
+        <p:style>
+          <a:lnRef idx="2">
+            <a:schemeClr val="accent5">
+              <a:shade val="50000"/>
+            </a:schemeClr>
+          </a:lnRef>
+          <a:fillRef idx="1">
+            <a:schemeClr val="accent5"/>
+          </a:fillRef>
+          <a:effectRef idx="0">
+            <a:schemeClr val="accent5"/>
+          </a:effectRef>
+          <a:fontRef idx="minor">
+            <a:schemeClr val="lt1"/>
+          </a:fontRef>
+        </p:style>
+        <p:txBody>
+          <a:bodyPr rtlCol="0" anchor="ctr"/>
+          <a:lstStyle/>
+          <a:p>
+            <a:pPr algn="ctr"/>
+            <a:r>
+              <a:rPr lang="en-US" sz="1600">
+                <a:solidFill>
+                  <a:schemeClr val="tx1"/>
+                </a:solidFill>
+              </a:rPr>
+              <a:t>Hidden state 2</a:t>
+            </a:r>
+          </a:p>
+        </p:txBody>
+      </p:sp>
+      <p:sp>
+        <p:nvSpPr>
+          <p:cNvPr id="14" name="Diamond 13">
+            <a:extLst>
+              <a:ext uri="{FF2B5EF4-FFF2-40B4-BE49-F238E27FC236}">
+                <a16:creationId xmlns:a16="http://schemas.microsoft.com/office/drawing/2014/main" id="{C5EE5228-EF5D-2F49-A083-7ED7067E87C3}"/>
+              </a:ext>
+            </a:extLst>
+          </p:cNvPr>
+          <p:cNvSpPr/>
+          <p:nvPr/>
+        </p:nvSpPr>
+        <p:spPr>
+          <a:xfrm>
+            <a:off x="7401511" y="5637703"/>
+            <a:ext cx="2423155" cy="756806"/>
+          </a:xfrm>
+          <a:prstGeom prst="diamond">
+            <a:avLst/>
+          </a:prstGeom>
+        </p:spPr>
+        <p:style>
+          <a:lnRef idx="2">
+            <a:schemeClr val="accent1">
+              <a:shade val="50000"/>
+            </a:schemeClr>
+          </a:lnRef>
+          <a:fillRef idx="1">
+            <a:schemeClr val="accent1"/>
+          </a:fillRef>
+          <a:effectRef idx="0">
+            <a:schemeClr val="accent1"/>
+          </a:effectRef>
+          <a:fontRef idx="minor">
+            <a:schemeClr val="lt1"/>
+          </a:fontRef>
+        </p:style>
+        <p:txBody>
+          <a:bodyPr rtlCol="0" anchor="ctr"/>
+          <a:lstStyle/>
+          <a:p>
+            <a:pPr algn="ctr"/>
+            <a:r>
+              <a:rPr lang="en-US"/>
+              <a:t>Layer 2b of GRU</a:t>
+            </a:r>
+          </a:p>
+        </p:txBody>
+      </p:sp>
+      <p:sp>
+        <p:nvSpPr>
+          <p:cNvPr id="15" name="Rectangle 14">
+            <a:extLst>
+              <a:ext uri="{FF2B5EF4-FFF2-40B4-BE49-F238E27FC236}">
+                <a16:creationId xmlns:a16="http://schemas.microsoft.com/office/drawing/2014/main" id="{22CB8D79-60B5-7A44-A644-2E1603902D2F}"/>
+              </a:ext>
+            </a:extLst>
+          </p:cNvPr>
+          <p:cNvSpPr/>
+          <p:nvPr/>
+        </p:nvSpPr>
+        <p:spPr>
+          <a:xfrm>
+            <a:off x="7620090" y="6401675"/>
+            <a:ext cx="1987475" cy="299327"/>
+          </a:xfrm>
+          <a:prstGeom prst="rect">
+            <a:avLst/>
+          </a:prstGeom>
+          <a:solidFill>
+            <a:schemeClr val="accent5">
+              <a:lumMod val="40000"/>
+              <a:lumOff val="60000"/>
+            </a:schemeClr>
+          </a:solidFill>
+        </p:spPr>
+        <p:style>
+          <a:lnRef idx="2">
+            <a:schemeClr val="accent5">
+              <a:shade val="50000"/>
+            </a:schemeClr>
+          </a:lnRef>
+          <a:fillRef idx="1">
+            <a:schemeClr val="accent5"/>
+          </a:fillRef>
+          <a:effectRef idx="0">
+            <a:schemeClr val="accent5"/>
+          </a:effectRef>
+          <a:fontRef idx="minor">
+            <a:schemeClr val="lt1"/>
+          </a:fontRef>
+        </p:style>
+        <p:txBody>
+          <a:bodyPr rtlCol="0" anchor="ctr"/>
+          <a:lstStyle/>
+          <a:p>
+            <a:pPr algn="ctr"/>
+            <a:r>
+              <a:rPr lang="en-US" sz="1600">
+                <a:solidFill>
+                  <a:schemeClr val="tx1"/>
+                </a:solidFill>
+              </a:rPr>
+              <a:t>Hidden state 2b</a:t>
+            </a:r>
+          </a:p>
+        </p:txBody>
+      </p:sp>
+    </p:spTree>
+    <p:extLst>
+      <p:ext uri="{BB962C8B-B14F-4D97-AF65-F5344CB8AC3E}">
+        <p14:creationId xmlns:p14="http://schemas.microsoft.com/office/powerpoint/2010/main" val="3454238088"/>
+      </p:ext>
+    </p:extLst>
+  </p:cSld>
+  <p:clrMapOvr>
+    <a:masterClrMapping/>
+  </p:clrMapOvr>
+</p:sld>
+</file>
+
+<file path=ppt/slides/slide4.xml><?xml version="1.0" encoding="utf-8"?>
 <p:sld xmlns:a="http://schemas.openxmlformats.org/drawingml/2006/main" xmlns:r="http://schemas.openxmlformats.org/officeDocument/2006/relationships" xmlns:p="http://schemas.openxmlformats.org/presentationml/2006/main">
   <p:cSld>
     <p:spTree>

--- a/Media/SenseArchitecture.pptx
+++ b/Media/SenseArchitecture.pptx
@@ -2964,6 +2964,55 @@
       </p:grpSpPr>
       <p:sp>
         <p:nvSpPr>
+          <p:cNvPr id="91" name="Down Arrow 90">
+            <a:extLst>
+              <a:ext uri="{FF2B5EF4-FFF2-40B4-BE49-F238E27FC236}">
+                <a16:creationId xmlns:a16="http://schemas.microsoft.com/office/drawing/2014/main" id="{302CAB8D-38F7-5847-8966-4A1B4B63D0C4}"/>
+              </a:ext>
+            </a:extLst>
+          </p:cNvPr>
+          <p:cNvSpPr/>
+          <p:nvPr/>
+        </p:nvSpPr>
+        <p:spPr>
+          <a:xfrm rot="20063934">
+            <a:off x="2243273" y="1355207"/>
+            <a:ext cx="381964" cy="2464001"/>
+          </a:xfrm>
+          <a:prstGeom prst="downArrow">
+            <a:avLst/>
+          </a:prstGeom>
+          <a:solidFill>
+            <a:schemeClr val="bg1"/>
+          </a:solidFill>
+        </p:spPr>
+        <p:style>
+          <a:lnRef idx="2">
+            <a:schemeClr val="accent1">
+              <a:shade val="50000"/>
+            </a:schemeClr>
+          </a:lnRef>
+          <a:fillRef idx="1">
+            <a:schemeClr val="accent1"/>
+          </a:fillRef>
+          <a:effectRef idx="0">
+            <a:schemeClr val="accent1"/>
+          </a:effectRef>
+          <a:fontRef idx="minor">
+            <a:schemeClr val="lt1"/>
+          </a:fontRef>
+        </p:style>
+        <p:txBody>
+          <a:bodyPr rtlCol="0" anchor="ctr"/>
+          <a:lstStyle/>
+          <a:p>
+            <a:pPr algn="ctr"/>
+            <a:endParaRPr lang="en-US"/>
+          </a:p>
+        </p:txBody>
+      </p:sp>
+      <p:sp>
+        <p:nvSpPr>
           <p:cNvPr id="57" name="Rectangle 56">
             <a:extLst>
               <a:ext uri="{FF2B5EF4-FFF2-40B4-BE49-F238E27FC236}">
@@ -4466,20 +4515,508 @@
       </p:sp>
       <p:sp>
         <p:nvSpPr>
-          <p:cNvPr id="222" name="Rectangle 221">
-            <a:extLst>
-              <a:ext uri="{FF2B5EF4-FFF2-40B4-BE49-F238E27FC236}">
-                <a16:creationId xmlns:a16="http://schemas.microsoft.com/office/drawing/2014/main" id="{2E1DD145-7CA2-7246-A594-BE42D4917926}"/>
-              </a:ext>
-            </a:extLst>
-          </p:cNvPr>
-          <p:cNvSpPr/>
-          <p:nvPr/>
-        </p:nvSpPr>
-        <p:spPr>
-          <a:xfrm>
-            <a:off x="4502181" y="3526197"/>
-            <a:ext cx="1987475" cy="645277"/>
+          <p:cNvPr id="223" name="Down Arrow 222">
+            <a:extLst>
+              <a:ext uri="{FF2B5EF4-FFF2-40B4-BE49-F238E27FC236}">
+                <a16:creationId xmlns:a16="http://schemas.microsoft.com/office/drawing/2014/main" id="{B90D40EA-4A66-1E4B-BF12-5C820A66DDAB}"/>
+              </a:ext>
+            </a:extLst>
+          </p:cNvPr>
+          <p:cNvSpPr/>
+          <p:nvPr/>
+        </p:nvSpPr>
+        <p:spPr>
+          <a:xfrm>
+            <a:off x="5293360" y="3042761"/>
+            <a:ext cx="381964" cy="637651"/>
+          </a:xfrm>
+          <a:prstGeom prst="downArrow">
+            <a:avLst/>
+          </a:prstGeom>
+          <a:solidFill>
+            <a:schemeClr val="bg1"/>
+          </a:solidFill>
+        </p:spPr>
+        <p:style>
+          <a:lnRef idx="2">
+            <a:schemeClr val="accent1">
+              <a:shade val="50000"/>
+            </a:schemeClr>
+          </a:lnRef>
+          <a:fillRef idx="1">
+            <a:schemeClr val="accent1"/>
+          </a:fillRef>
+          <a:effectRef idx="0">
+            <a:schemeClr val="accent1"/>
+          </a:effectRef>
+          <a:fontRef idx="minor">
+            <a:schemeClr val="lt1"/>
+          </a:fontRef>
+        </p:style>
+        <p:txBody>
+          <a:bodyPr rtlCol="0" anchor="ctr"/>
+          <a:lstStyle/>
+          <a:p>
+            <a:pPr algn="ctr"/>
+            <a:endParaRPr lang="en-US"/>
+          </a:p>
+        </p:txBody>
+      </p:sp>
+      <p:sp>
+        <p:nvSpPr>
+          <p:cNvPr id="224" name="Hexagon 223">
+            <a:extLst>
+              <a:ext uri="{FF2B5EF4-FFF2-40B4-BE49-F238E27FC236}">
+                <a16:creationId xmlns:a16="http://schemas.microsoft.com/office/drawing/2014/main" id="{2777E972-23C8-FA43-9165-EAD57AA551C8}"/>
+              </a:ext>
+            </a:extLst>
+          </p:cNvPr>
+          <p:cNvSpPr/>
+          <p:nvPr/>
+        </p:nvSpPr>
+        <p:spPr>
+          <a:xfrm>
+            <a:off x="9880105" y="849083"/>
+            <a:ext cx="831749" cy="386178"/>
+          </a:xfrm>
+          <a:prstGeom prst="hexagon">
+            <a:avLst/>
+          </a:prstGeom>
+        </p:spPr>
+        <p:style>
+          <a:lnRef idx="1">
+            <a:schemeClr val="accent6"/>
+          </a:lnRef>
+          <a:fillRef idx="2">
+            <a:schemeClr val="accent6"/>
+          </a:fillRef>
+          <a:effectRef idx="1">
+            <a:schemeClr val="accent6"/>
+          </a:effectRef>
+          <a:fontRef idx="minor">
+            <a:schemeClr val="dk1"/>
+          </a:fontRef>
+        </p:style>
+        <p:txBody>
+          <a:bodyPr rtlCol="0" anchor="ctr"/>
+          <a:lstStyle/>
+          <a:p>
+            <a:pPr algn="ctr"/>
+            <a:r>
+              <a:rPr lang="en-US" sz="1400" b="1"/>
+              <a:t>Move.v.2</a:t>
+            </a:r>
+          </a:p>
+        </p:txBody>
+      </p:sp>
+      <p:sp>
+        <p:nvSpPr>
+          <p:cNvPr id="225" name="Oval 224">
+            <a:extLst>
+              <a:ext uri="{FF2B5EF4-FFF2-40B4-BE49-F238E27FC236}">
+                <a16:creationId xmlns:a16="http://schemas.microsoft.com/office/drawing/2014/main" id="{1B3D2C30-97B2-D740-B26C-AF6247189B3C}"/>
+              </a:ext>
+            </a:extLst>
+          </p:cNvPr>
+          <p:cNvSpPr/>
+          <p:nvPr/>
+        </p:nvSpPr>
+        <p:spPr>
+          <a:xfrm>
+            <a:off x="10922367" y="646330"/>
+            <a:ext cx="226868" cy="239229"/>
+          </a:xfrm>
+          <a:prstGeom prst="ellipse">
+            <a:avLst/>
+          </a:prstGeom>
+        </p:spPr>
+        <p:style>
+          <a:lnRef idx="1">
+            <a:schemeClr val="accent5"/>
+          </a:lnRef>
+          <a:fillRef idx="2">
+            <a:schemeClr val="accent5"/>
+          </a:fillRef>
+          <a:effectRef idx="1">
+            <a:schemeClr val="accent5"/>
+          </a:effectRef>
+          <a:fontRef idx="minor">
+            <a:schemeClr val="dk1"/>
+          </a:fontRef>
+        </p:style>
+        <p:txBody>
+          <a:bodyPr rtlCol="0" anchor="ctr"/>
+          <a:lstStyle/>
+          <a:p>
+            <a:pPr algn="ctr"/>
+            <a:r>
+              <a:rPr lang="en-US" sz="1400"/>
+              <a:t>d</a:t>
+            </a:r>
+          </a:p>
+        </p:txBody>
+      </p:sp>
+      <p:sp>
+        <p:nvSpPr>
+          <p:cNvPr id="226" name="Oval 225">
+            <a:extLst>
+              <a:ext uri="{FF2B5EF4-FFF2-40B4-BE49-F238E27FC236}">
+                <a16:creationId xmlns:a16="http://schemas.microsoft.com/office/drawing/2014/main" id="{2B3EBBBE-E05F-DC43-B2C1-D85F890C9770}"/>
+              </a:ext>
+            </a:extLst>
+          </p:cNvPr>
+          <p:cNvSpPr/>
+          <p:nvPr/>
+        </p:nvSpPr>
+        <p:spPr>
+          <a:xfrm>
+            <a:off x="11259858" y="656122"/>
+            <a:ext cx="226868" cy="239229"/>
+          </a:xfrm>
+          <a:prstGeom prst="ellipse">
+            <a:avLst/>
+          </a:prstGeom>
+        </p:spPr>
+        <p:style>
+          <a:lnRef idx="1">
+            <a:schemeClr val="accent5"/>
+          </a:lnRef>
+          <a:fillRef idx="2">
+            <a:schemeClr val="accent5"/>
+          </a:fillRef>
+          <a:effectRef idx="1">
+            <a:schemeClr val="accent5"/>
+          </a:effectRef>
+          <a:fontRef idx="minor">
+            <a:schemeClr val="dk1"/>
+          </a:fontRef>
+        </p:style>
+        <p:txBody>
+          <a:bodyPr rtlCol="0" anchor="ctr"/>
+          <a:lstStyle/>
+          <a:p>
+            <a:pPr algn="ctr"/>
+            <a:endParaRPr lang="en-US"/>
+          </a:p>
+        </p:txBody>
+      </p:sp>
+      <p:sp>
+        <p:nvSpPr>
+          <p:cNvPr id="227" name="Oval 226">
+            <a:extLst>
+              <a:ext uri="{FF2B5EF4-FFF2-40B4-BE49-F238E27FC236}">
+                <a16:creationId xmlns:a16="http://schemas.microsoft.com/office/drawing/2014/main" id="{12F2E03F-34BA-A144-847C-CA8D2059B613}"/>
+              </a:ext>
+            </a:extLst>
+          </p:cNvPr>
+          <p:cNvSpPr/>
+          <p:nvPr/>
+        </p:nvSpPr>
+        <p:spPr>
+          <a:xfrm>
+            <a:off x="10893554" y="1077520"/>
+            <a:ext cx="196753" cy="194887"/>
+          </a:xfrm>
+          <a:prstGeom prst="ellipse">
+            <a:avLst/>
+          </a:prstGeom>
+        </p:spPr>
+        <p:style>
+          <a:lnRef idx="1">
+            <a:schemeClr val="accent5"/>
+          </a:lnRef>
+          <a:fillRef idx="3">
+            <a:schemeClr val="accent5"/>
+          </a:fillRef>
+          <a:effectRef idx="2">
+            <a:schemeClr val="accent5"/>
+          </a:effectRef>
+          <a:fontRef idx="minor">
+            <a:schemeClr val="lt1"/>
+          </a:fontRef>
+        </p:style>
+        <p:txBody>
+          <a:bodyPr rtlCol="0" anchor="ctr"/>
+          <a:lstStyle/>
+          <a:p>
+            <a:pPr algn="ctr"/>
+            <a:r>
+              <a:rPr lang="en-US" sz="1400"/>
+              <a:t>e</a:t>
+            </a:r>
+          </a:p>
+        </p:txBody>
+      </p:sp>
+      <p:sp>
+        <p:nvSpPr>
+          <p:cNvPr id="228" name="Oval 227">
+            <a:extLst>
+              <a:ext uri="{FF2B5EF4-FFF2-40B4-BE49-F238E27FC236}">
+                <a16:creationId xmlns:a16="http://schemas.microsoft.com/office/drawing/2014/main" id="{63E4CE92-87A7-5545-9173-2A9BEF4C0373}"/>
+              </a:ext>
+            </a:extLst>
+          </p:cNvPr>
+          <p:cNvSpPr/>
+          <p:nvPr/>
+        </p:nvSpPr>
+        <p:spPr>
+          <a:xfrm>
+            <a:off x="11259858" y="1063564"/>
+            <a:ext cx="198642" cy="208172"/>
+          </a:xfrm>
+          <a:prstGeom prst="ellipse">
+            <a:avLst/>
+          </a:prstGeom>
+        </p:spPr>
+        <p:style>
+          <a:lnRef idx="1">
+            <a:schemeClr val="accent5"/>
+          </a:lnRef>
+          <a:fillRef idx="3">
+            <a:schemeClr val="accent5"/>
+          </a:fillRef>
+          <a:effectRef idx="2">
+            <a:schemeClr val="accent5"/>
+          </a:effectRef>
+          <a:fontRef idx="minor">
+            <a:schemeClr val="lt1"/>
+          </a:fontRef>
+        </p:style>
+        <p:txBody>
+          <a:bodyPr rtlCol="0" anchor="ctr"/>
+          <a:lstStyle/>
+          <a:p>
+            <a:pPr algn="ctr"/>
+            <a:endParaRPr lang="en-US"/>
+          </a:p>
+        </p:txBody>
+      </p:sp>
+      <p:cxnSp>
+        <p:nvCxnSpPr>
+          <p:cNvPr id="229" name="Straight Arrow Connector 228">
+            <a:extLst>
+              <a:ext uri="{FF2B5EF4-FFF2-40B4-BE49-F238E27FC236}">
+                <a16:creationId xmlns:a16="http://schemas.microsoft.com/office/drawing/2014/main" id="{68838763-39CE-4041-9C89-F21108F36FED}"/>
+              </a:ext>
+            </a:extLst>
+          </p:cNvPr>
+          <p:cNvCxnSpPr>
+            <a:cxnSpLocks/>
+            <a:stCxn id="225" idx="3"/>
+          </p:cNvCxnSpPr>
+          <p:nvPr/>
+        </p:nvCxnSpPr>
+        <p:spPr>
+          <a:xfrm flipH="1" flipV="1">
+            <a:off x="10609175" y="838292"/>
+            <a:ext cx="346416" cy="12233"/>
+          </a:xfrm>
+          <a:prstGeom prst="straightConnector1">
+            <a:avLst/>
+          </a:prstGeom>
+          <a:ln>
+            <a:tailEnd type="triangle"/>
+          </a:ln>
+        </p:spPr>
+        <p:style>
+          <a:lnRef idx="1">
+            <a:schemeClr val="accent1"/>
+          </a:lnRef>
+          <a:fillRef idx="0">
+            <a:schemeClr val="accent1"/>
+          </a:fillRef>
+          <a:effectRef idx="0">
+            <a:schemeClr val="accent1"/>
+          </a:effectRef>
+          <a:fontRef idx="minor">
+            <a:schemeClr val="tx1"/>
+          </a:fontRef>
+        </p:style>
+      </p:cxnSp>
+      <p:cxnSp>
+        <p:nvCxnSpPr>
+          <p:cNvPr id="230" name="Straight Arrow Connector 229">
+            <a:extLst>
+              <a:ext uri="{FF2B5EF4-FFF2-40B4-BE49-F238E27FC236}">
+                <a16:creationId xmlns:a16="http://schemas.microsoft.com/office/drawing/2014/main" id="{E20C38B8-0422-2748-B844-6A35EE786435}"/>
+              </a:ext>
+            </a:extLst>
+          </p:cNvPr>
+          <p:cNvCxnSpPr>
+            <a:cxnSpLocks/>
+            <a:stCxn id="226" idx="3"/>
+          </p:cNvCxnSpPr>
+          <p:nvPr/>
+        </p:nvCxnSpPr>
+        <p:spPr>
+          <a:xfrm flipH="1" flipV="1">
+            <a:off x="10609176" y="838292"/>
+            <a:ext cx="683907" cy="22025"/>
+          </a:xfrm>
+          <a:prstGeom prst="straightConnector1">
+            <a:avLst/>
+          </a:prstGeom>
+          <a:ln>
+            <a:tailEnd type="triangle"/>
+          </a:ln>
+        </p:spPr>
+        <p:style>
+          <a:lnRef idx="1">
+            <a:schemeClr val="accent1"/>
+          </a:lnRef>
+          <a:fillRef idx="0">
+            <a:schemeClr val="accent1"/>
+          </a:fillRef>
+          <a:effectRef idx="0">
+            <a:schemeClr val="accent1"/>
+          </a:effectRef>
+          <a:fontRef idx="minor">
+            <a:schemeClr val="tx1"/>
+          </a:fontRef>
+        </p:style>
+      </p:cxnSp>
+      <p:cxnSp>
+        <p:nvCxnSpPr>
+          <p:cNvPr id="231" name="Straight Arrow Connector 230">
+            <a:extLst>
+              <a:ext uri="{FF2B5EF4-FFF2-40B4-BE49-F238E27FC236}">
+                <a16:creationId xmlns:a16="http://schemas.microsoft.com/office/drawing/2014/main" id="{86FA59E4-E6C9-5B42-8C55-4FEAEBA14718}"/>
+              </a:ext>
+            </a:extLst>
+          </p:cNvPr>
+          <p:cNvCxnSpPr>
+            <a:cxnSpLocks/>
+            <a:stCxn id="227" idx="1"/>
+          </p:cNvCxnSpPr>
+          <p:nvPr/>
+        </p:nvCxnSpPr>
+        <p:spPr>
+          <a:xfrm flipH="1" flipV="1">
+            <a:off x="10705719" y="1031380"/>
+            <a:ext cx="216648" cy="74680"/>
+          </a:xfrm>
+          <a:prstGeom prst="straightConnector1">
+            <a:avLst/>
+          </a:prstGeom>
+          <a:ln>
+            <a:tailEnd type="triangle"/>
+          </a:ln>
+        </p:spPr>
+        <p:style>
+          <a:lnRef idx="1">
+            <a:schemeClr val="accent1"/>
+          </a:lnRef>
+          <a:fillRef idx="0">
+            <a:schemeClr val="accent1"/>
+          </a:fillRef>
+          <a:effectRef idx="0">
+            <a:schemeClr val="accent1"/>
+          </a:effectRef>
+          <a:fontRef idx="minor">
+            <a:schemeClr val="tx1"/>
+          </a:fontRef>
+        </p:style>
+      </p:cxnSp>
+      <p:cxnSp>
+        <p:nvCxnSpPr>
+          <p:cNvPr id="232" name="Straight Arrow Connector 231">
+            <a:extLst>
+              <a:ext uri="{FF2B5EF4-FFF2-40B4-BE49-F238E27FC236}">
+                <a16:creationId xmlns:a16="http://schemas.microsoft.com/office/drawing/2014/main" id="{A1017439-0FCA-7849-A4DF-70F37FFE81FE}"/>
+              </a:ext>
+            </a:extLst>
+          </p:cNvPr>
+          <p:cNvCxnSpPr>
+            <a:cxnSpLocks/>
+            <a:stCxn id="228" idx="3"/>
+          </p:cNvCxnSpPr>
+          <p:nvPr/>
+        </p:nvCxnSpPr>
+        <p:spPr>
+          <a:xfrm flipH="1" flipV="1">
+            <a:off x="10609176" y="1224470"/>
+            <a:ext cx="679773" cy="16781"/>
+          </a:xfrm>
+          <a:prstGeom prst="straightConnector1">
+            <a:avLst/>
+          </a:prstGeom>
+          <a:ln>
+            <a:tailEnd type="triangle"/>
+          </a:ln>
+        </p:spPr>
+        <p:style>
+          <a:lnRef idx="1">
+            <a:schemeClr val="accent1"/>
+          </a:lnRef>
+          <a:fillRef idx="0">
+            <a:schemeClr val="accent1"/>
+          </a:fillRef>
+          <a:effectRef idx="0">
+            <a:schemeClr val="accent1"/>
+          </a:effectRef>
+          <a:fontRef idx="minor">
+            <a:schemeClr val="tx1"/>
+          </a:fontRef>
+        </p:style>
+      </p:cxnSp>
+      <p:cxnSp>
+        <p:nvCxnSpPr>
+          <p:cNvPr id="233" name="Straight Arrow Connector 232">
+            <a:extLst>
+              <a:ext uri="{FF2B5EF4-FFF2-40B4-BE49-F238E27FC236}">
+                <a16:creationId xmlns:a16="http://schemas.microsoft.com/office/drawing/2014/main" id="{11762662-A11A-0949-84F2-3B49DFDEB360}"/>
+              </a:ext>
+            </a:extLst>
+          </p:cNvPr>
+          <p:cNvCxnSpPr>
+            <a:cxnSpLocks/>
+            <a:stCxn id="225" idx="2"/>
+          </p:cNvCxnSpPr>
+          <p:nvPr/>
+        </p:nvCxnSpPr>
+        <p:spPr>
+          <a:xfrm flipH="1">
+            <a:off x="10609175" y="765945"/>
+            <a:ext cx="313192" cy="72347"/>
+          </a:xfrm>
+          <a:prstGeom prst="straightConnector1">
+            <a:avLst/>
+          </a:prstGeom>
+          <a:ln>
+            <a:tailEnd type="triangle"/>
+          </a:ln>
+        </p:spPr>
+        <p:style>
+          <a:lnRef idx="1">
+            <a:schemeClr val="accent1"/>
+          </a:lnRef>
+          <a:fillRef idx="0">
+            <a:schemeClr val="accent1"/>
+          </a:fillRef>
+          <a:effectRef idx="0">
+            <a:schemeClr val="accent1"/>
+          </a:effectRef>
+          <a:fontRef idx="minor">
+            <a:schemeClr val="tx1"/>
+          </a:fontRef>
+        </p:style>
+      </p:cxnSp>
+      <p:sp>
+        <p:nvSpPr>
+          <p:cNvPr id="234" name="Rectangle 233">
+            <a:extLst>
+              <a:ext uri="{FF2B5EF4-FFF2-40B4-BE49-F238E27FC236}">
+                <a16:creationId xmlns:a16="http://schemas.microsoft.com/office/drawing/2014/main" id="{C617B3BA-87C6-5445-8DFA-3B8D3AB6A878}"/>
+              </a:ext>
+            </a:extLst>
+          </p:cNvPr>
+          <p:cNvSpPr/>
+          <p:nvPr/>
+        </p:nvSpPr>
+        <p:spPr>
+          <a:xfrm>
+            <a:off x="8803716" y="404095"/>
+            <a:ext cx="696864" cy="512923"/>
           </a:xfrm>
           <a:prstGeom prst="rect">
             <a:avLst/>
@@ -4507,7 +5044,405 @@
           <a:p>
             <a:pPr algn="ctr"/>
             <a:r>
+              <a:rPr lang="en-US" sz="1400"/>
+              <a:t>move.</a:t>
+            </a:r>
+            <a:br>
+              <a:rPr lang="en-US" sz="1400"/>
+            </a:br>
+            <a:r>
+              <a:rPr lang="en-US" sz="1400"/>
+              <a:t>global</a:t>
+            </a:r>
+          </a:p>
+        </p:txBody>
+      </p:sp>
+      <p:cxnSp>
+        <p:nvCxnSpPr>
+          <p:cNvPr id="235" name="Straight Arrow Connector 234">
+            <a:extLst>
+              <a:ext uri="{FF2B5EF4-FFF2-40B4-BE49-F238E27FC236}">
+                <a16:creationId xmlns:a16="http://schemas.microsoft.com/office/drawing/2014/main" id="{182B2BBF-6FBA-1145-84C5-0F86E1FDD8D4}"/>
+              </a:ext>
+            </a:extLst>
+          </p:cNvPr>
+          <p:cNvCxnSpPr>
+            <a:cxnSpLocks/>
+            <a:stCxn id="234" idx="3"/>
+          </p:cNvCxnSpPr>
+          <p:nvPr/>
+        </p:nvCxnSpPr>
+        <p:spPr>
+          <a:xfrm>
+            <a:off x="9500580" y="660557"/>
+            <a:ext cx="361562" cy="334125"/>
+          </a:xfrm>
+          <a:prstGeom prst="straightConnector1">
+            <a:avLst/>
+          </a:prstGeom>
+          <a:ln>
+            <a:tailEnd type="triangle"/>
+          </a:ln>
+        </p:spPr>
+        <p:style>
+          <a:lnRef idx="1">
+            <a:schemeClr val="accent1"/>
+          </a:lnRef>
+          <a:fillRef idx="0">
+            <a:schemeClr val="accent1"/>
+          </a:fillRef>
+          <a:effectRef idx="0">
+            <a:schemeClr val="accent1"/>
+          </a:effectRef>
+          <a:fontRef idx="minor">
+            <a:schemeClr val="tx1"/>
+          </a:fontRef>
+        </p:style>
+      </p:cxnSp>
+      <p:sp>
+        <p:nvSpPr>
+          <p:cNvPr id="239" name="Left Bracket 238">
+            <a:extLst>
+              <a:ext uri="{FF2B5EF4-FFF2-40B4-BE49-F238E27FC236}">
+                <a16:creationId xmlns:a16="http://schemas.microsoft.com/office/drawing/2014/main" id="{1CBB1B64-9BE6-E54A-AF79-A12BB63015CA}"/>
+              </a:ext>
+            </a:extLst>
+          </p:cNvPr>
+          <p:cNvSpPr/>
+          <p:nvPr/>
+        </p:nvSpPr>
+        <p:spPr>
+          <a:xfrm rot="-5400000">
+            <a:off x="9725204" y="-165489"/>
+            <a:ext cx="794092" cy="3020996"/>
+          </a:xfrm>
+          <a:prstGeom prst="leftBracket">
+            <a:avLst/>
+          </a:prstGeom>
+          <a:ln w="12700"/>
+        </p:spPr>
+        <p:style>
+          <a:lnRef idx="1">
+            <a:schemeClr val="accent1"/>
+          </a:lnRef>
+          <a:fillRef idx="0">
+            <a:schemeClr val="accent1"/>
+          </a:fillRef>
+          <a:effectRef idx="0">
+            <a:schemeClr val="accent1"/>
+          </a:effectRef>
+          <a:fontRef idx="minor">
+            <a:schemeClr val="tx1"/>
+          </a:fontRef>
+        </p:style>
+        <p:txBody>
+          <a:bodyPr rtlCol="0" anchor="ctr"/>
+          <a:lstStyle/>
+          <a:p>
+            <a:pPr algn="ctr"/>
+            <a:endParaRPr lang="en-US"/>
+          </a:p>
+        </p:txBody>
+      </p:sp>
+      <p:sp>
+        <p:nvSpPr>
+          <p:cNvPr id="240" name="TextBox 239">
+            <a:extLst>
+              <a:ext uri="{FF2B5EF4-FFF2-40B4-BE49-F238E27FC236}">
+                <a16:creationId xmlns:a16="http://schemas.microsoft.com/office/drawing/2014/main" id="{39A53C50-D96B-5C49-8E40-F2A306AE2511}"/>
+              </a:ext>
+            </a:extLst>
+          </p:cNvPr>
+          <p:cNvSpPr txBox="1"/>
+          <p:nvPr/>
+        </p:nvSpPr>
+        <p:spPr>
+          <a:xfrm>
+            <a:off x="9578537" y="1453020"/>
+            <a:ext cx="1137913" cy="338554"/>
+          </a:xfrm>
+          <a:prstGeom prst="rect">
+            <a:avLst/>
+          </a:prstGeom>
+          <a:noFill/>
+        </p:spPr>
+        <p:txBody>
+          <a:bodyPr wrap="square" rtlCol="0">
+            <a:spAutoFit/>
+          </a:bodyPr>
+          <a:lstStyle/>
+          <a:p>
+            <a:r>
+              <a:rPr lang="en-US" sz="1600"/>
+              <a:t>Graph area</a:t>
+            </a:r>
+          </a:p>
+        </p:txBody>
+      </p:sp>
+      <p:sp>
+        <p:nvSpPr>
+          <p:cNvPr id="241" name="Down Arrow 240">
+            <a:extLst>
+              <a:ext uri="{FF2B5EF4-FFF2-40B4-BE49-F238E27FC236}">
+                <a16:creationId xmlns:a16="http://schemas.microsoft.com/office/drawing/2014/main" id="{0D603E07-2E51-CF43-BD73-F94D5DF3ABAD}"/>
+              </a:ext>
+            </a:extLst>
+          </p:cNvPr>
+          <p:cNvSpPr/>
+          <p:nvPr/>
+        </p:nvSpPr>
+        <p:spPr>
+          <a:xfrm>
+            <a:off x="10055940" y="1738782"/>
+            <a:ext cx="381964" cy="473604"/>
+          </a:xfrm>
+          <a:prstGeom prst="downArrow">
+            <a:avLst/>
+          </a:prstGeom>
+          <a:solidFill>
+            <a:schemeClr val="bg1"/>
+          </a:solidFill>
+        </p:spPr>
+        <p:style>
+          <a:lnRef idx="2">
+            <a:schemeClr val="accent1">
+              <a:shade val="50000"/>
+            </a:schemeClr>
+          </a:lnRef>
+          <a:fillRef idx="1">
+            <a:schemeClr val="accent1"/>
+          </a:fillRef>
+          <a:effectRef idx="0">
+            <a:schemeClr val="accent1"/>
+          </a:effectRef>
+          <a:fontRef idx="minor">
+            <a:schemeClr val="lt1"/>
+          </a:fontRef>
+        </p:style>
+        <p:txBody>
+          <a:bodyPr rtlCol="0" anchor="ctr"/>
+          <a:lstStyle/>
+          <a:p>
+            <a:pPr algn="ctr"/>
+            <a:endParaRPr lang="en-US"/>
+          </a:p>
+        </p:txBody>
+      </p:sp>
+      <p:sp>
+        <p:nvSpPr>
+          <p:cNvPr id="242" name="Diamond 241">
+            <a:extLst>
+              <a:ext uri="{FF2B5EF4-FFF2-40B4-BE49-F238E27FC236}">
+                <a16:creationId xmlns:a16="http://schemas.microsoft.com/office/drawing/2014/main" id="{C9EFA4D8-F60E-FC4A-8A68-0742E6108DA5}"/>
+              </a:ext>
+            </a:extLst>
+          </p:cNvPr>
+          <p:cNvSpPr/>
+          <p:nvPr/>
+        </p:nvSpPr>
+        <p:spPr>
+          <a:xfrm>
+            <a:off x="9035346" y="2207722"/>
+            <a:ext cx="2423155" cy="835996"/>
+          </a:xfrm>
+          <a:prstGeom prst="diamond">
+            <a:avLst/>
+          </a:prstGeom>
+        </p:spPr>
+        <p:style>
+          <a:lnRef idx="2">
+            <a:schemeClr val="accent1">
+              <a:shade val="50000"/>
+            </a:schemeClr>
+          </a:lnRef>
+          <a:fillRef idx="1">
+            <a:schemeClr val="accent1"/>
+          </a:fillRef>
+          <a:effectRef idx="0">
+            <a:schemeClr val="accent1"/>
+          </a:effectRef>
+          <a:fontRef idx="minor">
+            <a:schemeClr val="lt1"/>
+          </a:fontRef>
+        </p:style>
+        <p:txBody>
+          <a:bodyPr rtlCol="0" anchor="ctr"/>
+          <a:lstStyle/>
+          <a:p>
+            <a:pPr algn="ctr"/>
+            <a:r>
+              <a:rPr lang="en-US"/>
+              <a:t>GNN 2</a:t>
+            </a:r>
+            <a:br>
+              <a:rPr lang="en-US"/>
+            </a:br>
+            <a:r>
+              <a:rPr lang="en-US"/>
+              <a:t>(e.g. GAT)</a:t>
+            </a:r>
+          </a:p>
+        </p:txBody>
+      </p:sp>
+      <p:sp>
+        <p:nvSpPr>
+          <p:cNvPr id="244" name="Down Arrow 243">
+            <a:extLst>
+              <a:ext uri="{FF2B5EF4-FFF2-40B4-BE49-F238E27FC236}">
+                <a16:creationId xmlns:a16="http://schemas.microsoft.com/office/drawing/2014/main" id="{0DA49BFB-6749-8843-9177-952B3C468E60}"/>
+              </a:ext>
+            </a:extLst>
+          </p:cNvPr>
+          <p:cNvSpPr/>
+          <p:nvPr/>
+        </p:nvSpPr>
+        <p:spPr>
+          <a:xfrm rot="1550679">
+            <a:off x="8699874" y="2601648"/>
+            <a:ext cx="381964" cy="1136502"/>
+          </a:xfrm>
+          <a:prstGeom prst="downArrow">
+            <a:avLst/>
+          </a:prstGeom>
+          <a:solidFill>
+            <a:schemeClr val="bg1"/>
+          </a:solidFill>
+        </p:spPr>
+        <p:style>
+          <a:lnRef idx="2">
+            <a:schemeClr val="accent1">
+              <a:shade val="50000"/>
+            </a:schemeClr>
+          </a:lnRef>
+          <a:fillRef idx="1">
+            <a:schemeClr val="accent1"/>
+          </a:fillRef>
+          <a:effectRef idx="0">
+            <a:schemeClr val="accent1"/>
+          </a:effectRef>
+          <a:fontRef idx="minor">
+            <a:schemeClr val="lt1"/>
+          </a:fontRef>
+        </p:style>
+        <p:txBody>
+          <a:bodyPr rtlCol="0" anchor="ctr"/>
+          <a:lstStyle/>
+          <a:p>
+            <a:pPr algn="ctr"/>
+            <a:endParaRPr lang="en-US"/>
+          </a:p>
+        </p:txBody>
+      </p:sp>
+      <p:sp>
+        <p:nvSpPr>
+          <p:cNvPr id="246" name="Rectangle 245">
+            <a:extLst>
+              <a:ext uri="{FF2B5EF4-FFF2-40B4-BE49-F238E27FC236}">
+                <a16:creationId xmlns:a16="http://schemas.microsoft.com/office/drawing/2014/main" id="{21EBD558-2A2F-AE47-AA00-988700403061}"/>
+              </a:ext>
+            </a:extLst>
+          </p:cNvPr>
+          <p:cNvSpPr/>
+          <p:nvPr/>
+        </p:nvSpPr>
+        <p:spPr>
+          <a:xfrm>
+            <a:off x="2636928" y="3680413"/>
+            <a:ext cx="1987475" cy="645277"/>
+          </a:xfrm>
+          <a:prstGeom prst="rect">
+            <a:avLst/>
+          </a:prstGeom>
+          <a:solidFill>
+            <a:schemeClr val="accent2">
+              <a:lumMod val="60000"/>
+              <a:lumOff val="40000"/>
+            </a:schemeClr>
+          </a:solidFill>
+        </p:spPr>
+        <p:style>
+          <a:lnRef idx="2">
+            <a:schemeClr val="accent4">
+              <a:shade val="50000"/>
+            </a:schemeClr>
+          </a:lnRef>
+          <a:fillRef idx="1">
+            <a:schemeClr val="accent4"/>
+          </a:fillRef>
+          <a:effectRef idx="0">
+            <a:schemeClr val="accent4"/>
+          </a:effectRef>
+          <a:fontRef idx="minor">
+            <a:schemeClr val="lt1"/>
+          </a:fontRef>
+        </p:style>
+        <p:txBody>
+          <a:bodyPr rtlCol="0" anchor="ctr"/>
+          <a:lstStyle/>
+          <a:p>
+            <a:pPr algn="ctr"/>
+            <a:r>
+              <a:rPr lang="en-US" sz="1600"/>
+              <a:t>move.global</a:t>
+            </a:r>
+            <a:br>
               <a:rPr lang="en-US" sz="1600" b="1"/>
+            </a:br>
+            <a:r>
+              <a:rPr lang="en-US" sz="1600" b="1">
+                <a:solidFill>
+                  <a:schemeClr val="tx1"/>
+                </a:solidFill>
+              </a:rPr>
+              <a:t>Word Embedding</a:t>
+            </a:r>
+          </a:p>
+        </p:txBody>
+      </p:sp>
+      <p:sp>
+        <p:nvSpPr>
+          <p:cNvPr id="247" name="Rectangle 246">
+            <a:extLst>
+              <a:ext uri="{FF2B5EF4-FFF2-40B4-BE49-F238E27FC236}">
+                <a16:creationId xmlns:a16="http://schemas.microsoft.com/office/drawing/2014/main" id="{4FE39300-1A73-8E45-BF1A-6C75B44DC8C0}"/>
+              </a:ext>
+            </a:extLst>
+          </p:cNvPr>
+          <p:cNvSpPr/>
+          <p:nvPr/>
+        </p:nvSpPr>
+        <p:spPr>
+          <a:xfrm>
+            <a:off x="4647772" y="3680413"/>
+            <a:ext cx="1987475" cy="645277"/>
+          </a:xfrm>
+          <a:prstGeom prst="rect">
+            <a:avLst/>
+          </a:prstGeom>
+        </p:spPr>
+        <p:style>
+          <a:lnRef idx="2">
+            <a:schemeClr val="accent4">
+              <a:shade val="50000"/>
+            </a:schemeClr>
+          </a:lnRef>
+          <a:fillRef idx="1">
+            <a:schemeClr val="accent4"/>
+          </a:fillRef>
+          <a:effectRef idx="0">
+            <a:schemeClr val="accent4"/>
+          </a:effectRef>
+          <a:fontRef idx="minor">
+            <a:schemeClr val="lt1"/>
+          </a:fontRef>
+        </p:style>
+        <p:txBody>
+          <a:bodyPr rtlCol="0" anchor="ctr"/>
+          <a:lstStyle/>
+          <a:p>
+            <a:pPr algn="ctr"/>
+            <a:r>
+              <a:rPr lang="en-US" sz="1600"/>
               <a:t>move.global</a:t>
             </a:r>
             <a:br>
@@ -4526,1010 +5461,6 @@
       </p:sp>
       <p:sp>
         <p:nvSpPr>
-          <p:cNvPr id="223" name="Down Arrow 222">
-            <a:extLst>
-              <a:ext uri="{FF2B5EF4-FFF2-40B4-BE49-F238E27FC236}">
-                <a16:creationId xmlns:a16="http://schemas.microsoft.com/office/drawing/2014/main" id="{B90D40EA-4A66-1E4B-BF12-5C820A66DDAB}"/>
-              </a:ext>
-            </a:extLst>
-          </p:cNvPr>
-          <p:cNvSpPr/>
-          <p:nvPr/>
-        </p:nvSpPr>
-        <p:spPr>
-          <a:xfrm>
-            <a:off x="5293360" y="3042761"/>
-            <a:ext cx="381964" cy="473605"/>
-          </a:xfrm>
-          <a:prstGeom prst="downArrow">
-            <a:avLst/>
-          </a:prstGeom>
-          <a:solidFill>
-            <a:schemeClr val="bg1"/>
-          </a:solidFill>
-        </p:spPr>
-        <p:style>
-          <a:lnRef idx="2">
-            <a:schemeClr val="accent1">
-              <a:shade val="50000"/>
-            </a:schemeClr>
-          </a:lnRef>
-          <a:fillRef idx="1">
-            <a:schemeClr val="accent1"/>
-          </a:fillRef>
-          <a:effectRef idx="0">
-            <a:schemeClr val="accent1"/>
-          </a:effectRef>
-          <a:fontRef idx="minor">
-            <a:schemeClr val="lt1"/>
-          </a:fontRef>
-        </p:style>
-        <p:txBody>
-          <a:bodyPr rtlCol="0" anchor="ctr"/>
-          <a:lstStyle/>
-          <a:p>
-            <a:pPr algn="ctr"/>
-            <a:endParaRPr lang="en-US"/>
-          </a:p>
-        </p:txBody>
-      </p:sp>
-      <p:sp>
-        <p:nvSpPr>
-          <p:cNvPr id="224" name="Hexagon 223">
-            <a:extLst>
-              <a:ext uri="{FF2B5EF4-FFF2-40B4-BE49-F238E27FC236}">
-                <a16:creationId xmlns:a16="http://schemas.microsoft.com/office/drawing/2014/main" id="{2777E972-23C8-FA43-9165-EAD57AA551C8}"/>
-              </a:ext>
-            </a:extLst>
-          </p:cNvPr>
-          <p:cNvSpPr/>
-          <p:nvPr/>
-        </p:nvSpPr>
-        <p:spPr>
-          <a:xfrm>
-            <a:off x="9880105" y="849083"/>
-            <a:ext cx="831749" cy="386178"/>
-          </a:xfrm>
-          <a:prstGeom prst="hexagon">
-            <a:avLst/>
-          </a:prstGeom>
-        </p:spPr>
-        <p:style>
-          <a:lnRef idx="1">
-            <a:schemeClr val="accent6"/>
-          </a:lnRef>
-          <a:fillRef idx="2">
-            <a:schemeClr val="accent6"/>
-          </a:fillRef>
-          <a:effectRef idx="1">
-            <a:schemeClr val="accent6"/>
-          </a:effectRef>
-          <a:fontRef idx="minor">
-            <a:schemeClr val="dk1"/>
-          </a:fontRef>
-        </p:style>
-        <p:txBody>
-          <a:bodyPr rtlCol="0" anchor="ctr"/>
-          <a:lstStyle/>
-          <a:p>
-            <a:pPr algn="ctr"/>
-            <a:r>
-              <a:rPr lang="en-US" sz="1400" b="1"/>
-              <a:t>Move.v.2</a:t>
-            </a:r>
-          </a:p>
-        </p:txBody>
-      </p:sp>
-      <p:sp>
-        <p:nvSpPr>
-          <p:cNvPr id="225" name="Oval 224">
-            <a:extLst>
-              <a:ext uri="{FF2B5EF4-FFF2-40B4-BE49-F238E27FC236}">
-                <a16:creationId xmlns:a16="http://schemas.microsoft.com/office/drawing/2014/main" id="{1B3D2C30-97B2-D740-B26C-AF6247189B3C}"/>
-              </a:ext>
-            </a:extLst>
-          </p:cNvPr>
-          <p:cNvSpPr/>
-          <p:nvPr/>
-        </p:nvSpPr>
-        <p:spPr>
-          <a:xfrm>
-            <a:off x="10922367" y="646330"/>
-            <a:ext cx="226868" cy="239229"/>
-          </a:xfrm>
-          <a:prstGeom prst="ellipse">
-            <a:avLst/>
-          </a:prstGeom>
-        </p:spPr>
-        <p:style>
-          <a:lnRef idx="1">
-            <a:schemeClr val="accent5"/>
-          </a:lnRef>
-          <a:fillRef idx="2">
-            <a:schemeClr val="accent5"/>
-          </a:fillRef>
-          <a:effectRef idx="1">
-            <a:schemeClr val="accent5"/>
-          </a:effectRef>
-          <a:fontRef idx="minor">
-            <a:schemeClr val="dk1"/>
-          </a:fontRef>
-        </p:style>
-        <p:txBody>
-          <a:bodyPr rtlCol="0" anchor="ctr"/>
-          <a:lstStyle/>
-          <a:p>
-            <a:pPr algn="ctr"/>
-            <a:r>
-              <a:rPr lang="en-US" sz="1400"/>
-              <a:t>d</a:t>
-            </a:r>
-          </a:p>
-        </p:txBody>
-      </p:sp>
-      <p:sp>
-        <p:nvSpPr>
-          <p:cNvPr id="226" name="Oval 225">
-            <a:extLst>
-              <a:ext uri="{FF2B5EF4-FFF2-40B4-BE49-F238E27FC236}">
-                <a16:creationId xmlns:a16="http://schemas.microsoft.com/office/drawing/2014/main" id="{2B3EBBBE-E05F-DC43-B2C1-D85F890C9770}"/>
-              </a:ext>
-            </a:extLst>
-          </p:cNvPr>
-          <p:cNvSpPr/>
-          <p:nvPr/>
-        </p:nvSpPr>
-        <p:spPr>
-          <a:xfrm>
-            <a:off x="11259858" y="656122"/>
-            <a:ext cx="226868" cy="239229"/>
-          </a:xfrm>
-          <a:prstGeom prst="ellipse">
-            <a:avLst/>
-          </a:prstGeom>
-        </p:spPr>
-        <p:style>
-          <a:lnRef idx="1">
-            <a:schemeClr val="accent5"/>
-          </a:lnRef>
-          <a:fillRef idx="2">
-            <a:schemeClr val="accent5"/>
-          </a:fillRef>
-          <a:effectRef idx="1">
-            <a:schemeClr val="accent5"/>
-          </a:effectRef>
-          <a:fontRef idx="minor">
-            <a:schemeClr val="dk1"/>
-          </a:fontRef>
-        </p:style>
-        <p:txBody>
-          <a:bodyPr rtlCol="0" anchor="ctr"/>
-          <a:lstStyle/>
-          <a:p>
-            <a:pPr algn="ctr"/>
-            <a:endParaRPr lang="en-US"/>
-          </a:p>
-        </p:txBody>
-      </p:sp>
-      <p:sp>
-        <p:nvSpPr>
-          <p:cNvPr id="227" name="Oval 226">
-            <a:extLst>
-              <a:ext uri="{FF2B5EF4-FFF2-40B4-BE49-F238E27FC236}">
-                <a16:creationId xmlns:a16="http://schemas.microsoft.com/office/drawing/2014/main" id="{12F2E03F-34BA-A144-847C-CA8D2059B613}"/>
-              </a:ext>
-            </a:extLst>
-          </p:cNvPr>
-          <p:cNvSpPr/>
-          <p:nvPr/>
-        </p:nvSpPr>
-        <p:spPr>
-          <a:xfrm>
-            <a:off x="10893554" y="1077520"/>
-            <a:ext cx="196753" cy="194887"/>
-          </a:xfrm>
-          <a:prstGeom prst="ellipse">
-            <a:avLst/>
-          </a:prstGeom>
-        </p:spPr>
-        <p:style>
-          <a:lnRef idx="1">
-            <a:schemeClr val="accent5"/>
-          </a:lnRef>
-          <a:fillRef idx="3">
-            <a:schemeClr val="accent5"/>
-          </a:fillRef>
-          <a:effectRef idx="2">
-            <a:schemeClr val="accent5"/>
-          </a:effectRef>
-          <a:fontRef idx="minor">
-            <a:schemeClr val="lt1"/>
-          </a:fontRef>
-        </p:style>
-        <p:txBody>
-          <a:bodyPr rtlCol="0" anchor="ctr"/>
-          <a:lstStyle/>
-          <a:p>
-            <a:pPr algn="ctr"/>
-            <a:r>
-              <a:rPr lang="en-US" sz="1400"/>
-              <a:t>e</a:t>
-            </a:r>
-          </a:p>
-        </p:txBody>
-      </p:sp>
-      <p:sp>
-        <p:nvSpPr>
-          <p:cNvPr id="228" name="Oval 227">
-            <a:extLst>
-              <a:ext uri="{FF2B5EF4-FFF2-40B4-BE49-F238E27FC236}">
-                <a16:creationId xmlns:a16="http://schemas.microsoft.com/office/drawing/2014/main" id="{63E4CE92-87A7-5545-9173-2A9BEF4C0373}"/>
-              </a:ext>
-            </a:extLst>
-          </p:cNvPr>
-          <p:cNvSpPr/>
-          <p:nvPr/>
-        </p:nvSpPr>
-        <p:spPr>
-          <a:xfrm>
-            <a:off x="11259858" y="1063564"/>
-            <a:ext cx="198642" cy="208172"/>
-          </a:xfrm>
-          <a:prstGeom prst="ellipse">
-            <a:avLst/>
-          </a:prstGeom>
-        </p:spPr>
-        <p:style>
-          <a:lnRef idx="1">
-            <a:schemeClr val="accent5"/>
-          </a:lnRef>
-          <a:fillRef idx="3">
-            <a:schemeClr val="accent5"/>
-          </a:fillRef>
-          <a:effectRef idx="2">
-            <a:schemeClr val="accent5"/>
-          </a:effectRef>
-          <a:fontRef idx="minor">
-            <a:schemeClr val="lt1"/>
-          </a:fontRef>
-        </p:style>
-        <p:txBody>
-          <a:bodyPr rtlCol="0" anchor="ctr"/>
-          <a:lstStyle/>
-          <a:p>
-            <a:pPr algn="ctr"/>
-            <a:endParaRPr lang="en-US"/>
-          </a:p>
-        </p:txBody>
-      </p:sp>
-      <p:cxnSp>
-        <p:nvCxnSpPr>
-          <p:cNvPr id="229" name="Straight Arrow Connector 228">
-            <a:extLst>
-              <a:ext uri="{FF2B5EF4-FFF2-40B4-BE49-F238E27FC236}">
-                <a16:creationId xmlns:a16="http://schemas.microsoft.com/office/drawing/2014/main" id="{68838763-39CE-4041-9C89-F21108F36FED}"/>
-              </a:ext>
-            </a:extLst>
-          </p:cNvPr>
-          <p:cNvCxnSpPr>
-            <a:cxnSpLocks/>
-            <a:stCxn id="225" idx="3"/>
-          </p:cNvCxnSpPr>
-          <p:nvPr/>
-        </p:nvCxnSpPr>
-        <p:spPr>
-          <a:xfrm flipH="1" flipV="1">
-            <a:off x="10609175" y="838292"/>
-            <a:ext cx="346416" cy="12233"/>
-          </a:xfrm>
-          <a:prstGeom prst="straightConnector1">
-            <a:avLst/>
-          </a:prstGeom>
-          <a:ln>
-            <a:tailEnd type="triangle"/>
-          </a:ln>
-        </p:spPr>
-        <p:style>
-          <a:lnRef idx="1">
-            <a:schemeClr val="accent1"/>
-          </a:lnRef>
-          <a:fillRef idx="0">
-            <a:schemeClr val="accent1"/>
-          </a:fillRef>
-          <a:effectRef idx="0">
-            <a:schemeClr val="accent1"/>
-          </a:effectRef>
-          <a:fontRef idx="minor">
-            <a:schemeClr val="tx1"/>
-          </a:fontRef>
-        </p:style>
-      </p:cxnSp>
-      <p:cxnSp>
-        <p:nvCxnSpPr>
-          <p:cNvPr id="230" name="Straight Arrow Connector 229">
-            <a:extLst>
-              <a:ext uri="{FF2B5EF4-FFF2-40B4-BE49-F238E27FC236}">
-                <a16:creationId xmlns:a16="http://schemas.microsoft.com/office/drawing/2014/main" id="{E20C38B8-0422-2748-B844-6A35EE786435}"/>
-              </a:ext>
-            </a:extLst>
-          </p:cNvPr>
-          <p:cNvCxnSpPr>
-            <a:cxnSpLocks/>
-            <a:stCxn id="226" idx="3"/>
-          </p:cNvCxnSpPr>
-          <p:nvPr/>
-        </p:nvCxnSpPr>
-        <p:spPr>
-          <a:xfrm flipH="1" flipV="1">
-            <a:off x="10609176" y="838292"/>
-            <a:ext cx="683907" cy="22025"/>
-          </a:xfrm>
-          <a:prstGeom prst="straightConnector1">
-            <a:avLst/>
-          </a:prstGeom>
-          <a:ln>
-            <a:tailEnd type="triangle"/>
-          </a:ln>
-        </p:spPr>
-        <p:style>
-          <a:lnRef idx="1">
-            <a:schemeClr val="accent1"/>
-          </a:lnRef>
-          <a:fillRef idx="0">
-            <a:schemeClr val="accent1"/>
-          </a:fillRef>
-          <a:effectRef idx="0">
-            <a:schemeClr val="accent1"/>
-          </a:effectRef>
-          <a:fontRef idx="minor">
-            <a:schemeClr val="tx1"/>
-          </a:fontRef>
-        </p:style>
-      </p:cxnSp>
-      <p:cxnSp>
-        <p:nvCxnSpPr>
-          <p:cNvPr id="231" name="Straight Arrow Connector 230">
-            <a:extLst>
-              <a:ext uri="{FF2B5EF4-FFF2-40B4-BE49-F238E27FC236}">
-                <a16:creationId xmlns:a16="http://schemas.microsoft.com/office/drawing/2014/main" id="{86FA59E4-E6C9-5B42-8C55-4FEAEBA14718}"/>
-              </a:ext>
-            </a:extLst>
-          </p:cNvPr>
-          <p:cNvCxnSpPr>
-            <a:cxnSpLocks/>
-            <a:stCxn id="227" idx="1"/>
-          </p:cNvCxnSpPr>
-          <p:nvPr/>
-        </p:nvCxnSpPr>
-        <p:spPr>
-          <a:xfrm flipH="1" flipV="1">
-            <a:off x="10705719" y="1031380"/>
-            <a:ext cx="216648" cy="74680"/>
-          </a:xfrm>
-          <a:prstGeom prst="straightConnector1">
-            <a:avLst/>
-          </a:prstGeom>
-          <a:ln>
-            <a:tailEnd type="triangle"/>
-          </a:ln>
-        </p:spPr>
-        <p:style>
-          <a:lnRef idx="1">
-            <a:schemeClr val="accent1"/>
-          </a:lnRef>
-          <a:fillRef idx="0">
-            <a:schemeClr val="accent1"/>
-          </a:fillRef>
-          <a:effectRef idx="0">
-            <a:schemeClr val="accent1"/>
-          </a:effectRef>
-          <a:fontRef idx="minor">
-            <a:schemeClr val="tx1"/>
-          </a:fontRef>
-        </p:style>
-      </p:cxnSp>
-      <p:cxnSp>
-        <p:nvCxnSpPr>
-          <p:cNvPr id="232" name="Straight Arrow Connector 231">
-            <a:extLst>
-              <a:ext uri="{FF2B5EF4-FFF2-40B4-BE49-F238E27FC236}">
-                <a16:creationId xmlns:a16="http://schemas.microsoft.com/office/drawing/2014/main" id="{A1017439-0FCA-7849-A4DF-70F37FFE81FE}"/>
-              </a:ext>
-            </a:extLst>
-          </p:cNvPr>
-          <p:cNvCxnSpPr>
-            <a:cxnSpLocks/>
-            <a:stCxn id="228" idx="3"/>
-          </p:cNvCxnSpPr>
-          <p:nvPr/>
-        </p:nvCxnSpPr>
-        <p:spPr>
-          <a:xfrm flipH="1" flipV="1">
-            <a:off x="10609176" y="1224470"/>
-            <a:ext cx="679773" cy="16781"/>
-          </a:xfrm>
-          <a:prstGeom prst="straightConnector1">
-            <a:avLst/>
-          </a:prstGeom>
-          <a:ln>
-            <a:tailEnd type="triangle"/>
-          </a:ln>
-        </p:spPr>
-        <p:style>
-          <a:lnRef idx="1">
-            <a:schemeClr val="accent1"/>
-          </a:lnRef>
-          <a:fillRef idx="0">
-            <a:schemeClr val="accent1"/>
-          </a:fillRef>
-          <a:effectRef idx="0">
-            <a:schemeClr val="accent1"/>
-          </a:effectRef>
-          <a:fontRef idx="minor">
-            <a:schemeClr val="tx1"/>
-          </a:fontRef>
-        </p:style>
-      </p:cxnSp>
-      <p:cxnSp>
-        <p:nvCxnSpPr>
-          <p:cNvPr id="233" name="Straight Arrow Connector 232">
-            <a:extLst>
-              <a:ext uri="{FF2B5EF4-FFF2-40B4-BE49-F238E27FC236}">
-                <a16:creationId xmlns:a16="http://schemas.microsoft.com/office/drawing/2014/main" id="{11762662-A11A-0949-84F2-3B49DFDEB360}"/>
-              </a:ext>
-            </a:extLst>
-          </p:cNvPr>
-          <p:cNvCxnSpPr>
-            <a:cxnSpLocks/>
-            <a:stCxn id="225" idx="2"/>
-          </p:cNvCxnSpPr>
-          <p:nvPr/>
-        </p:nvCxnSpPr>
-        <p:spPr>
-          <a:xfrm flipH="1">
-            <a:off x="10609175" y="765945"/>
-            <a:ext cx="313192" cy="72347"/>
-          </a:xfrm>
-          <a:prstGeom prst="straightConnector1">
-            <a:avLst/>
-          </a:prstGeom>
-          <a:ln>
-            <a:tailEnd type="triangle"/>
-          </a:ln>
-        </p:spPr>
-        <p:style>
-          <a:lnRef idx="1">
-            <a:schemeClr val="accent1"/>
-          </a:lnRef>
-          <a:fillRef idx="0">
-            <a:schemeClr val="accent1"/>
-          </a:fillRef>
-          <a:effectRef idx="0">
-            <a:schemeClr val="accent1"/>
-          </a:effectRef>
-          <a:fontRef idx="minor">
-            <a:schemeClr val="tx1"/>
-          </a:fontRef>
-        </p:style>
-      </p:cxnSp>
-      <p:sp>
-        <p:nvSpPr>
-          <p:cNvPr id="234" name="Rectangle 233">
-            <a:extLst>
-              <a:ext uri="{FF2B5EF4-FFF2-40B4-BE49-F238E27FC236}">
-                <a16:creationId xmlns:a16="http://schemas.microsoft.com/office/drawing/2014/main" id="{C617B3BA-87C6-5445-8DFA-3B8D3AB6A878}"/>
-              </a:ext>
-            </a:extLst>
-          </p:cNvPr>
-          <p:cNvSpPr/>
-          <p:nvPr/>
-        </p:nvSpPr>
-        <p:spPr>
-          <a:xfrm>
-            <a:off x="8803716" y="404095"/>
-            <a:ext cx="696864" cy="512923"/>
-          </a:xfrm>
-          <a:prstGeom prst="rect">
-            <a:avLst/>
-          </a:prstGeom>
-        </p:spPr>
-        <p:style>
-          <a:lnRef idx="2">
-            <a:schemeClr val="accent4">
-              <a:shade val="50000"/>
-            </a:schemeClr>
-          </a:lnRef>
-          <a:fillRef idx="1">
-            <a:schemeClr val="accent4"/>
-          </a:fillRef>
-          <a:effectRef idx="0">
-            <a:schemeClr val="accent4"/>
-          </a:effectRef>
-          <a:fontRef idx="minor">
-            <a:schemeClr val="lt1"/>
-          </a:fontRef>
-        </p:style>
-        <p:txBody>
-          <a:bodyPr rtlCol="0" anchor="ctr"/>
-          <a:lstStyle/>
-          <a:p>
-            <a:pPr algn="ctr"/>
-            <a:r>
-              <a:rPr lang="en-US" sz="1400"/>
-              <a:t>move.</a:t>
-            </a:r>
-            <a:br>
-              <a:rPr lang="en-US" sz="1400"/>
-            </a:br>
-            <a:r>
-              <a:rPr lang="en-US" sz="1400"/>
-              <a:t>global</a:t>
-            </a:r>
-          </a:p>
-        </p:txBody>
-      </p:sp>
-      <p:cxnSp>
-        <p:nvCxnSpPr>
-          <p:cNvPr id="235" name="Straight Arrow Connector 234">
-            <a:extLst>
-              <a:ext uri="{FF2B5EF4-FFF2-40B4-BE49-F238E27FC236}">
-                <a16:creationId xmlns:a16="http://schemas.microsoft.com/office/drawing/2014/main" id="{182B2BBF-6FBA-1145-84C5-0F86E1FDD8D4}"/>
-              </a:ext>
-            </a:extLst>
-          </p:cNvPr>
-          <p:cNvCxnSpPr>
-            <a:cxnSpLocks/>
-            <a:stCxn id="234" idx="3"/>
-          </p:cNvCxnSpPr>
-          <p:nvPr/>
-        </p:nvCxnSpPr>
-        <p:spPr>
-          <a:xfrm>
-            <a:off x="9500580" y="660557"/>
-            <a:ext cx="361562" cy="334125"/>
-          </a:xfrm>
-          <a:prstGeom prst="straightConnector1">
-            <a:avLst/>
-          </a:prstGeom>
-          <a:ln>
-            <a:tailEnd type="triangle"/>
-          </a:ln>
-        </p:spPr>
-        <p:style>
-          <a:lnRef idx="1">
-            <a:schemeClr val="accent1"/>
-          </a:lnRef>
-          <a:fillRef idx="0">
-            <a:schemeClr val="accent1"/>
-          </a:fillRef>
-          <a:effectRef idx="0">
-            <a:schemeClr val="accent1"/>
-          </a:effectRef>
-          <a:fontRef idx="minor">
-            <a:schemeClr val="tx1"/>
-          </a:fontRef>
-        </p:style>
-      </p:cxnSp>
-      <p:sp>
-        <p:nvSpPr>
-          <p:cNvPr id="239" name="Left Bracket 238">
-            <a:extLst>
-              <a:ext uri="{FF2B5EF4-FFF2-40B4-BE49-F238E27FC236}">
-                <a16:creationId xmlns:a16="http://schemas.microsoft.com/office/drawing/2014/main" id="{1CBB1B64-9BE6-E54A-AF79-A12BB63015CA}"/>
-              </a:ext>
-            </a:extLst>
-          </p:cNvPr>
-          <p:cNvSpPr/>
-          <p:nvPr/>
-        </p:nvSpPr>
-        <p:spPr>
-          <a:xfrm rot="-5400000">
-            <a:off x="9725204" y="-165489"/>
-            <a:ext cx="794092" cy="3020996"/>
-          </a:xfrm>
-          <a:prstGeom prst="leftBracket">
-            <a:avLst/>
-          </a:prstGeom>
-          <a:ln w="12700"/>
-        </p:spPr>
-        <p:style>
-          <a:lnRef idx="1">
-            <a:schemeClr val="accent1"/>
-          </a:lnRef>
-          <a:fillRef idx="0">
-            <a:schemeClr val="accent1"/>
-          </a:fillRef>
-          <a:effectRef idx="0">
-            <a:schemeClr val="accent1"/>
-          </a:effectRef>
-          <a:fontRef idx="minor">
-            <a:schemeClr val="tx1"/>
-          </a:fontRef>
-        </p:style>
-        <p:txBody>
-          <a:bodyPr rtlCol="0" anchor="ctr"/>
-          <a:lstStyle/>
-          <a:p>
-            <a:pPr algn="ctr"/>
-            <a:endParaRPr lang="en-US"/>
-          </a:p>
-        </p:txBody>
-      </p:sp>
-      <p:sp>
-        <p:nvSpPr>
-          <p:cNvPr id="240" name="TextBox 239">
-            <a:extLst>
-              <a:ext uri="{FF2B5EF4-FFF2-40B4-BE49-F238E27FC236}">
-                <a16:creationId xmlns:a16="http://schemas.microsoft.com/office/drawing/2014/main" id="{39A53C50-D96B-5C49-8E40-F2A306AE2511}"/>
-              </a:ext>
-            </a:extLst>
-          </p:cNvPr>
-          <p:cNvSpPr txBox="1"/>
-          <p:nvPr/>
-        </p:nvSpPr>
-        <p:spPr>
-          <a:xfrm>
-            <a:off x="9578537" y="1453020"/>
-            <a:ext cx="1137913" cy="338554"/>
-          </a:xfrm>
-          <a:prstGeom prst="rect">
-            <a:avLst/>
-          </a:prstGeom>
-          <a:noFill/>
-        </p:spPr>
-        <p:txBody>
-          <a:bodyPr wrap="square" rtlCol="0">
-            <a:spAutoFit/>
-          </a:bodyPr>
-          <a:lstStyle/>
-          <a:p>
-            <a:r>
-              <a:rPr lang="en-US" sz="1600"/>
-              <a:t>Graph area</a:t>
-            </a:r>
-          </a:p>
-        </p:txBody>
-      </p:sp>
-      <p:sp>
-        <p:nvSpPr>
-          <p:cNvPr id="241" name="Down Arrow 240">
-            <a:extLst>
-              <a:ext uri="{FF2B5EF4-FFF2-40B4-BE49-F238E27FC236}">
-                <a16:creationId xmlns:a16="http://schemas.microsoft.com/office/drawing/2014/main" id="{0D603E07-2E51-CF43-BD73-F94D5DF3ABAD}"/>
-              </a:ext>
-            </a:extLst>
-          </p:cNvPr>
-          <p:cNvSpPr/>
-          <p:nvPr/>
-        </p:nvSpPr>
-        <p:spPr>
-          <a:xfrm>
-            <a:off x="10055940" y="1738782"/>
-            <a:ext cx="381964" cy="473604"/>
-          </a:xfrm>
-          <a:prstGeom prst="downArrow">
-            <a:avLst/>
-          </a:prstGeom>
-          <a:solidFill>
-            <a:schemeClr val="bg1"/>
-          </a:solidFill>
-        </p:spPr>
-        <p:style>
-          <a:lnRef idx="2">
-            <a:schemeClr val="accent1">
-              <a:shade val="50000"/>
-            </a:schemeClr>
-          </a:lnRef>
-          <a:fillRef idx="1">
-            <a:schemeClr val="accent1"/>
-          </a:fillRef>
-          <a:effectRef idx="0">
-            <a:schemeClr val="accent1"/>
-          </a:effectRef>
-          <a:fontRef idx="minor">
-            <a:schemeClr val="lt1"/>
-          </a:fontRef>
-        </p:style>
-        <p:txBody>
-          <a:bodyPr rtlCol="0" anchor="ctr"/>
-          <a:lstStyle/>
-          <a:p>
-            <a:pPr algn="ctr"/>
-            <a:endParaRPr lang="en-US"/>
-          </a:p>
-        </p:txBody>
-      </p:sp>
-      <p:sp>
-        <p:nvSpPr>
-          <p:cNvPr id="242" name="Diamond 241">
-            <a:extLst>
-              <a:ext uri="{FF2B5EF4-FFF2-40B4-BE49-F238E27FC236}">
-                <a16:creationId xmlns:a16="http://schemas.microsoft.com/office/drawing/2014/main" id="{C9EFA4D8-F60E-FC4A-8A68-0742E6108DA5}"/>
-              </a:ext>
-            </a:extLst>
-          </p:cNvPr>
-          <p:cNvSpPr/>
-          <p:nvPr/>
-        </p:nvSpPr>
-        <p:spPr>
-          <a:xfrm>
-            <a:off x="9035346" y="2207722"/>
-            <a:ext cx="2423155" cy="835996"/>
-          </a:xfrm>
-          <a:prstGeom prst="diamond">
-            <a:avLst/>
-          </a:prstGeom>
-        </p:spPr>
-        <p:style>
-          <a:lnRef idx="2">
-            <a:schemeClr val="accent1">
-              <a:shade val="50000"/>
-            </a:schemeClr>
-          </a:lnRef>
-          <a:fillRef idx="1">
-            <a:schemeClr val="accent1"/>
-          </a:fillRef>
-          <a:effectRef idx="0">
-            <a:schemeClr val="accent1"/>
-          </a:effectRef>
-          <a:fontRef idx="minor">
-            <a:schemeClr val="lt1"/>
-          </a:fontRef>
-        </p:style>
-        <p:txBody>
-          <a:bodyPr rtlCol="0" anchor="ctr"/>
-          <a:lstStyle/>
-          <a:p>
-            <a:pPr algn="ctr"/>
-            <a:r>
-              <a:rPr lang="en-US"/>
-              <a:t>GNN 2</a:t>
-            </a:r>
-            <a:br>
-              <a:rPr lang="en-US"/>
-            </a:br>
-            <a:r>
-              <a:rPr lang="en-US"/>
-              <a:t>(e.g. GAT)</a:t>
-            </a:r>
-          </a:p>
-        </p:txBody>
-      </p:sp>
-      <p:sp>
-        <p:nvSpPr>
-          <p:cNvPr id="243" name="Rectangle 242">
-            <a:extLst>
-              <a:ext uri="{FF2B5EF4-FFF2-40B4-BE49-F238E27FC236}">
-                <a16:creationId xmlns:a16="http://schemas.microsoft.com/office/drawing/2014/main" id="{84CA11CF-60F4-FC47-A864-0178A5911173}"/>
-              </a:ext>
-            </a:extLst>
-          </p:cNvPr>
-          <p:cNvSpPr/>
-          <p:nvPr/>
-        </p:nvSpPr>
-        <p:spPr>
-          <a:xfrm>
-            <a:off x="9253184" y="3527155"/>
-            <a:ext cx="1987475" cy="645277"/>
-          </a:xfrm>
-          <a:prstGeom prst="rect">
-            <a:avLst/>
-          </a:prstGeom>
-        </p:spPr>
-        <p:style>
-          <a:lnRef idx="1">
-            <a:schemeClr val="accent6"/>
-          </a:lnRef>
-          <a:fillRef idx="2">
-            <a:schemeClr val="accent6"/>
-          </a:fillRef>
-          <a:effectRef idx="1">
-            <a:schemeClr val="accent6"/>
-          </a:effectRef>
-          <a:fontRef idx="minor">
-            <a:schemeClr val="dk1"/>
-          </a:fontRef>
-        </p:style>
-        <p:txBody>
-          <a:bodyPr rtlCol="0" anchor="ctr"/>
-          <a:lstStyle/>
-          <a:p>
-            <a:pPr algn="ctr"/>
-            <a:r>
-              <a:rPr lang="en-US" sz="1600" b="1"/>
-              <a:t>Move.v.2</a:t>
-            </a:r>
-            <a:br>
-              <a:rPr lang="en-US" sz="1600" b="1"/>
-            </a:br>
-            <a:r>
-              <a:rPr lang="en-US" sz="1600" b="1">
-                <a:solidFill>
-                  <a:schemeClr val="tx1"/>
-                </a:solidFill>
-              </a:rPr>
-              <a:t>Sense Node State</a:t>
-            </a:r>
-          </a:p>
-        </p:txBody>
-      </p:sp>
-      <p:sp>
-        <p:nvSpPr>
-          <p:cNvPr id="244" name="Down Arrow 243">
-            <a:extLst>
-              <a:ext uri="{FF2B5EF4-FFF2-40B4-BE49-F238E27FC236}">
-                <a16:creationId xmlns:a16="http://schemas.microsoft.com/office/drawing/2014/main" id="{0DA49BFB-6749-8843-9177-952B3C468E60}"/>
-              </a:ext>
-            </a:extLst>
-          </p:cNvPr>
-          <p:cNvSpPr/>
-          <p:nvPr/>
-        </p:nvSpPr>
-        <p:spPr>
-          <a:xfrm>
-            <a:off x="10055938" y="3043719"/>
-            <a:ext cx="381964" cy="473605"/>
-          </a:xfrm>
-          <a:prstGeom prst="downArrow">
-            <a:avLst/>
-          </a:prstGeom>
-          <a:solidFill>
-            <a:schemeClr val="bg1"/>
-          </a:solidFill>
-        </p:spPr>
-        <p:style>
-          <a:lnRef idx="2">
-            <a:schemeClr val="accent1">
-              <a:shade val="50000"/>
-            </a:schemeClr>
-          </a:lnRef>
-          <a:fillRef idx="1">
-            <a:schemeClr val="accent1"/>
-          </a:fillRef>
-          <a:effectRef idx="0">
-            <a:schemeClr val="accent1"/>
-          </a:effectRef>
-          <a:fontRef idx="minor">
-            <a:schemeClr val="lt1"/>
-          </a:fontRef>
-        </p:style>
-        <p:txBody>
-          <a:bodyPr rtlCol="0" anchor="ctr"/>
-          <a:lstStyle/>
-          <a:p>
-            <a:pPr algn="ctr"/>
-            <a:endParaRPr lang="en-US"/>
-          </a:p>
-        </p:txBody>
-      </p:sp>
-      <p:sp>
-        <p:nvSpPr>
-          <p:cNvPr id="246" name="Rectangle 245">
-            <a:extLst>
-              <a:ext uri="{FF2B5EF4-FFF2-40B4-BE49-F238E27FC236}">
-                <a16:creationId xmlns:a16="http://schemas.microsoft.com/office/drawing/2014/main" id="{21EBD558-2A2F-AE47-AA00-988700403061}"/>
-              </a:ext>
-            </a:extLst>
-          </p:cNvPr>
-          <p:cNvSpPr/>
-          <p:nvPr/>
-        </p:nvSpPr>
-        <p:spPr>
-          <a:xfrm>
-            <a:off x="2498784" y="4675942"/>
-            <a:ext cx="1987475" cy="645277"/>
-          </a:xfrm>
-          <a:prstGeom prst="rect">
-            <a:avLst/>
-          </a:prstGeom>
-          <a:solidFill>
-            <a:schemeClr val="accent2">
-              <a:lumMod val="60000"/>
-              <a:lumOff val="40000"/>
-            </a:schemeClr>
-          </a:solidFill>
-        </p:spPr>
-        <p:style>
-          <a:lnRef idx="2">
-            <a:schemeClr val="accent4">
-              <a:shade val="50000"/>
-            </a:schemeClr>
-          </a:lnRef>
-          <a:fillRef idx="1">
-            <a:schemeClr val="accent4"/>
-          </a:fillRef>
-          <a:effectRef idx="0">
-            <a:schemeClr val="accent4"/>
-          </a:effectRef>
-          <a:fontRef idx="minor">
-            <a:schemeClr val="lt1"/>
-          </a:fontRef>
-        </p:style>
-        <p:txBody>
-          <a:bodyPr rtlCol="0" anchor="ctr"/>
-          <a:lstStyle/>
-          <a:p>
-            <a:pPr algn="ctr"/>
-            <a:r>
-              <a:rPr lang="en-US" sz="1600"/>
-              <a:t>move.global</a:t>
-            </a:r>
-            <a:br>
-              <a:rPr lang="en-US" sz="1600" b="1"/>
-            </a:br>
-            <a:r>
-              <a:rPr lang="en-US" sz="1600" b="1">
-                <a:solidFill>
-                  <a:schemeClr val="tx1"/>
-                </a:solidFill>
-              </a:rPr>
-              <a:t>Word Embedding</a:t>
-            </a:r>
-          </a:p>
-        </p:txBody>
-      </p:sp>
-      <p:sp>
-        <p:nvSpPr>
-          <p:cNvPr id="247" name="Rectangle 246">
-            <a:extLst>
-              <a:ext uri="{FF2B5EF4-FFF2-40B4-BE49-F238E27FC236}">
-                <a16:creationId xmlns:a16="http://schemas.microsoft.com/office/drawing/2014/main" id="{4FE39300-1A73-8E45-BF1A-6C75B44DC8C0}"/>
-              </a:ext>
-            </a:extLst>
-          </p:cNvPr>
-          <p:cNvSpPr/>
-          <p:nvPr/>
-        </p:nvSpPr>
-        <p:spPr>
-          <a:xfrm>
-            <a:off x="4509628" y="4675942"/>
-            <a:ext cx="1987475" cy="645277"/>
-          </a:xfrm>
-          <a:prstGeom prst="rect">
-            <a:avLst/>
-          </a:prstGeom>
-        </p:spPr>
-        <p:style>
-          <a:lnRef idx="2">
-            <a:schemeClr val="accent4">
-              <a:shade val="50000"/>
-            </a:schemeClr>
-          </a:lnRef>
-          <a:fillRef idx="1">
-            <a:schemeClr val="accent4"/>
-          </a:fillRef>
-          <a:effectRef idx="0">
-            <a:schemeClr val="accent4"/>
-          </a:effectRef>
-          <a:fontRef idx="minor">
-            <a:schemeClr val="lt1"/>
-          </a:fontRef>
-        </p:style>
-        <p:txBody>
-          <a:bodyPr rtlCol="0" anchor="ctr"/>
-          <a:lstStyle/>
-          <a:p>
-            <a:pPr algn="ctr"/>
-            <a:r>
-              <a:rPr lang="en-US" sz="1600"/>
-              <a:t>move.global</a:t>
-            </a:r>
-            <a:br>
-              <a:rPr lang="en-US" sz="1600" b="1"/>
-            </a:br>
-            <a:r>
-              <a:rPr lang="en-US" sz="1600" b="1">
-                <a:solidFill>
-                  <a:schemeClr val="tx1"/>
-                </a:solidFill>
-              </a:rPr>
-              <a:t>Word Node State</a:t>
-            </a:r>
-          </a:p>
-        </p:txBody>
-      </p:sp>
-      <p:sp>
-        <p:nvSpPr>
           <p:cNvPr id="248" name="Rectangle 247">
             <a:extLst>
               <a:ext uri="{FF2B5EF4-FFF2-40B4-BE49-F238E27FC236}">
@@ -5542,7 +5473,7 @@
         </p:nvSpPr>
         <p:spPr>
           <a:xfrm>
-            <a:off x="6520472" y="4675942"/>
+            <a:off x="6658616" y="3680413"/>
             <a:ext cx="1987475" cy="645277"/>
           </a:xfrm>
           <a:prstGeom prst="rect">
@@ -5604,7 +5535,7 @@
         </p:nvSpPr>
         <p:spPr>
           <a:xfrm>
-            <a:off x="808882" y="4991329"/>
+            <a:off x="838722" y="3869277"/>
             <a:ext cx="1602487" cy="369332"/>
           </a:xfrm>
           <a:prstGeom prst="rect">
@@ -5625,132 +5556,6 @@
           </a:p>
         </p:txBody>
       </p:sp>
-      <p:cxnSp>
-        <p:nvCxnSpPr>
-          <p:cNvPr id="251" name="Straight Arrow Connector 250">
-            <a:extLst>
-              <a:ext uri="{FF2B5EF4-FFF2-40B4-BE49-F238E27FC236}">
-                <a16:creationId xmlns:a16="http://schemas.microsoft.com/office/drawing/2014/main" id="{05A03702-9650-124E-8F2F-D57C4BCDBF27}"/>
-              </a:ext>
-            </a:extLst>
-          </p:cNvPr>
-          <p:cNvCxnSpPr>
-            <a:stCxn id="57" idx="2"/>
-            <a:endCxn id="246" idx="0"/>
-          </p:cNvCxnSpPr>
-          <p:nvPr/>
-        </p:nvCxnSpPr>
-        <p:spPr>
-          <a:xfrm>
-            <a:off x="1475481" y="1546981"/>
-            <a:ext cx="2017040" cy="3128961"/>
-          </a:xfrm>
-          <a:prstGeom prst="straightConnector1">
-            <a:avLst/>
-          </a:prstGeom>
-          <a:ln>
-            <a:tailEnd type="triangle"/>
-          </a:ln>
-        </p:spPr>
-        <p:style>
-          <a:lnRef idx="1">
-            <a:schemeClr val="dk1"/>
-          </a:lnRef>
-          <a:fillRef idx="0">
-            <a:schemeClr val="dk1"/>
-          </a:fillRef>
-          <a:effectRef idx="0">
-            <a:schemeClr val="dk1"/>
-          </a:effectRef>
-          <a:fontRef idx="minor">
-            <a:schemeClr val="tx1"/>
-          </a:fontRef>
-        </p:style>
-      </p:cxnSp>
-      <p:cxnSp>
-        <p:nvCxnSpPr>
-          <p:cNvPr id="252" name="Straight Arrow Connector 251">
-            <a:extLst>
-              <a:ext uri="{FF2B5EF4-FFF2-40B4-BE49-F238E27FC236}">
-                <a16:creationId xmlns:a16="http://schemas.microsoft.com/office/drawing/2014/main" id="{E2539D3D-161B-7045-BFAE-9C6773EE27C1}"/>
-              </a:ext>
-            </a:extLst>
-          </p:cNvPr>
-          <p:cNvCxnSpPr>
-            <a:cxnSpLocks/>
-            <a:stCxn id="222" idx="2"/>
-          </p:cNvCxnSpPr>
-          <p:nvPr/>
-        </p:nvCxnSpPr>
-        <p:spPr>
-          <a:xfrm>
-            <a:off x="5495919" y="4171473"/>
-            <a:ext cx="7447" cy="504468"/>
-          </a:xfrm>
-          <a:prstGeom prst="straightConnector1">
-            <a:avLst/>
-          </a:prstGeom>
-          <a:ln>
-            <a:tailEnd type="triangle"/>
-          </a:ln>
-        </p:spPr>
-        <p:style>
-          <a:lnRef idx="1">
-            <a:schemeClr val="dk1"/>
-          </a:lnRef>
-          <a:fillRef idx="0">
-            <a:schemeClr val="dk1"/>
-          </a:fillRef>
-          <a:effectRef idx="0">
-            <a:schemeClr val="dk1"/>
-          </a:effectRef>
-          <a:fontRef idx="minor">
-            <a:schemeClr val="tx1"/>
-          </a:fontRef>
-        </p:style>
-      </p:cxnSp>
-      <p:cxnSp>
-        <p:nvCxnSpPr>
-          <p:cNvPr id="255" name="Straight Arrow Connector 254">
-            <a:extLst>
-              <a:ext uri="{FF2B5EF4-FFF2-40B4-BE49-F238E27FC236}">
-                <a16:creationId xmlns:a16="http://schemas.microsoft.com/office/drawing/2014/main" id="{2ABD30DF-312D-3D45-B2CD-9E696DD20694}"/>
-              </a:ext>
-            </a:extLst>
-          </p:cNvPr>
-          <p:cNvCxnSpPr>
-            <a:cxnSpLocks/>
-            <a:endCxn id="248" idx="0"/>
-          </p:cNvCxnSpPr>
-          <p:nvPr/>
-        </p:nvCxnSpPr>
-        <p:spPr>
-          <a:xfrm flipH="1">
-            <a:off x="7514209" y="3848835"/>
-            <a:ext cx="1733692" cy="827107"/>
-          </a:xfrm>
-          <a:prstGeom prst="straightConnector1">
-            <a:avLst/>
-          </a:prstGeom>
-          <a:ln>
-            <a:tailEnd type="triangle"/>
-          </a:ln>
-        </p:spPr>
-        <p:style>
-          <a:lnRef idx="1">
-            <a:schemeClr val="dk1"/>
-          </a:lnRef>
-          <a:fillRef idx="0">
-            <a:schemeClr val="dk1"/>
-          </a:fillRef>
-          <a:effectRef idx="0">
-            <a:schemeClr val="dk1"/>
-          </a:effectRef>
-          <a:fontRef idx="minor">
-            <a:schemeClr val="tx1"/>
-          </a:fontRef>
-        </p:style>
-      </p:cxnSp>
       <p:sp>
         <p:nvSpPr>
           <p:cNvPr id="257" name="Down Arrow 256">
@@ -5765,7 +5570,7 @@
         </p:nvSpPr>
         <p:spPr>
           <a:xfrm>
-            <a:off x="5319695" y="5520402"/>
+            <a:off x="5075919" y="4525190"/>
             <a:ext cx="381964" cy="473605"/>
           </a:xfrm>
           <a:prstGeom prst="downArrow">
@@ -5814,7 +5619,7 @@
         </p:nvSpPr>
         <p:spPr>
           <a:xfrm rot="-5400000">
-            <a:off x="5359392" y="2177174"/>
+            <a:off x="5497536" y="1181645"/>
             <a:ext cx="299326" cy="6370202"/>
           </a:xfrm>
           <a:prstGeom prst="leftBracket">
@@ -5859,7 +5664,7 @@
         </p:nvSpPr>
         <p:spPr>
           <a:xfrm>
-            <a:off x="4297976" y="6022004"/>
+            <a:off x="4054200" y="5026792"/>
             <a:ext cx="2423155" cy="756806"/>
           </a:xfrm>
           <a:prstGeom prst="diamond">
@@ -5908,7 +5713,7 @@
         </p:nvSpPr>
         <p:spPr>
           <a:xfrm>
-            <a:off x="4486259" y="6795142"/>
+            <a:off x="4242483" y="5799930"/>
             <a:ext cx="1987475" cy="299327"/>
           </a:xfrm>
           <a:prstGeom prst="rect">
@@ -5967,7 +5772,7 @@
         </p:nvSpPr>
         <p:spPr>
           <a:xfrm>
-            <a:off x="4297362" y="9021377"/>
+            <a:off x="4053586" y="8026165"/>
             <a:ext cx="2423155" cy="835996"/>
           </a:xfrm>
           <a:prstGeom prst="diamond">
@@ -6024,7 +5829,7 @@
         </p:nvSpPr>
         <p:spPr>
           <a:xfrm>
-            <a:off x="4539468" y="10318576"/>
+            <a:off x="4295692" y="9323364"/>
             <a:ext cx="1987475" cy="530651"/>
           </a:xfrm>
           <a:prstGeom prst="rect">
@@ -6083,7 +5888,7 @@
         </p:nvSpPr>
         <p:spPr>
           <a:xfrm>
-            <a:off x="5132761" y="11274148"/>
+            <a:off x="4888985" y="10278936"/>
             <a:ext cx="752354" cy="755561"/>
           </a:xfrm>
           <a:prstGeom prst="ellipse">
@@ -6130,7 +5935,7 @@
         </p:nvSpPr>
         <p:spPr>
           <a:xfrm>
-            <a:off x="5340143" y="8185382"/>
+            <a:off x="5096367" y="7190170"/>
             <a:ext cx="381964" cy="835995"/>
           </a:xfrm>
           <a:prstGeom prst="downArrow">
@@ -6179,7 +5984,7 @@
         </p:nvSpPr>
         <p:spPr>
           <a:xfrm>
-            <a:off x="5329532" y="9857373"/>
+            <a:off x="5085756" y="8862161"/>
             <a:ext cx="381964" cy="428262"/>
           </a:xfrm>
           <a:prstGeom prst="downArrow">
@@ -6228,7 +6033,7 @@
         </p:nvSpPr>
         <p:spPr>
           <a:xfrm>
-            <a:off x="5317956" y="10841849"/>
+            <a:off x="5074180" y="9846637"/>
             <a:ext cx="381964" cy="428262"/>
           </a:xfrm>
           <a:prstGeom prst="downArrow">
@@ -6277,7 +6082,7 @@
         </p:nvSpPr>
         <p:spPr>
           <a:xfrm>
-            <a:off x="5317956" y="12039200"/>
+            <a:off x="5074180" y="11043988"/>
             <a:ext cx="381964" cy="428262"/>
           </a:xfrm>
           <a:prstGeom prst="downArrow">
@@ -6326,7 +6131,7 @@
         </p:nvSpPr>
         <p:spPr>
           <a:xfrm>
-            <a:off x="4515201" y="12467463"/>
+            <a:off x="4271425" y="11472251"/>
             <a:ext cx="1987475" cy="755561"/>
           </a:xfrm>
           <a:prstGeom prst="rect">
@@ -6385,7 +6190,7 @@
         </p:nvSpPr>
         <p:spPr>
           <a:xfrm>
-            <a:off x="7698356" y="10269299"/>
+            <a:off x="7454580" y="9274087"/>
             <a:ext cx="1987475" cy="530651"/>
           </a:xfrm>
           <a:prstGeom prst="rect">
@@ -6444,7 +6249,7 @@
         </p:nvSpPr>
         <p:spPr>
           <a:xfrm>
-            <a:off x="8291649" y="11224871"/>
+            <a:off x="8047873" y="10229659"/>
             <a:ext cx="752354" cy="755561"/>
           </a:xfrm>
           <a:prstGeom prst="ellipse">
@@ -6491,7 +6296,7 @@
         </p:nvSpPr>
         <p:spPr>
           <a:xfrm>
-            <a:off x="8476844" y="10792572"/>
+            <a:off x="8233068" y="9797360"/>
             <a:ext cx="381964" cy="428262"/>
           </a:xfrm>
           <a:prstGeom prst="downArrow">
@@ -6540,7 +6345,7 @@
         </p:nvSpPr>
         <p:spPr>
           <a:xfrm>
-            <a:off x="8476844" y="11989923"/>
+            <a:off x="8233068" y="10994711"/>
             <a:ext cx="381964" cy="428262"/>
           </a:xfrm>
           <a:prstGeom prst="downArrow">
@@ -6589,7 +6394,7 @@
         </p:nvSpPr>
         <p:spPr>
           <a:xfrm>
-            <a:off x="7674089" y="12418186"/>
+            <a:off x="7430313" y="11422974"/>
             <a:ext cx="1987475" cy="755561"/>
           </a:xfrm>
           <a:prstGeom prst="rect">
@@ -6651,7 +6456,7 @@
         </p:nvCxnSpPr>
         <p:spPr>
           <a:xfrm>
-            <a:off x="6473734" y="6944806"/>
+            <a:off x="6229958" y="5949594"/>
             <a:ext cx="1374996" cy="344069"/>
           </a:xfrm>
           <a:prstGeom prst="straightConnector1">
@@ -6690,7 +6495,7 @@
         </p:nvSpPr>
         <p:spPr>
           <a:xfrm>
-            <a:off x="7460760" y="9019235"/>
+            <a:off x="7216984" y="8024023"/>
             <a:ext cx="2423155" cy="835996"/>
           </a:xfrm>
           <a:prstGeom prst="diamond">
@@ -6747,7 +6552,7 @@
         </p:nvSpPr>
         <p:spPr>
           <a:xfrm>
-            <a:off x="8472906" y="8163960"/>
+            <a:off x="8229130" y="7168748"/>
             <a:ext cx="381964" cy="868992"/>
           </a:xfrm>
           <a:prstGeom prst="downArrow">
@@ -6796,7 +6601,7 @@
         </p:nvSpPr>
         <p:spPr>
           <a:xfrm>
-            <a:off x="8471157" y="9833871"/>
+            <a:off x="8227381" y="8838659"/>
             <a:ext cx="381964" cy="428262"/>
           </a:xfrm>
           <a:prstGeom prst="downArrow">
@@ -6845,7 +6650,7 @@
         </p:nvSpPr>
         <p:spPr>
           <a:xfrm>
-            <a:off x="2942194" y="6227180"/>
+            <a:off x="2698418" y="5231968"/>
             <a:ext cx="299326" cy="1111170"/>
           </a:xfrm>
           <a:prstGeom prst="leftBracket">
@@ -6890,7 +6695,7 @@
         </p:nvSpPr>
         <p:spPr>
           <a:xfrm>
-            <a:off x="1967696" y="6493397"/>
+            <a:off x="1723920" y="5498185"/>
             <a:ext cx="1040022" cy="369332"/>
           </a:xfrm>
           <a:prstGeom prst="rect">
@@ -6925,7 +6730,7 @@
         </p:nvSpPr>
         <p:spPr>
           <a:xfrm>
-            <a:off x="4308067" y="7100480"/>
+            <a:off x="4064291" y="6105268"/>
             <a:ext cx="2423155" cy="756806"/>
           </a:xfrm>
           <a:prstGeom prst="diamond">
@@ -6974,7 +6779,7 @@
         </p:nvSpPr>
         <p:spPr>
           <a:xfrm>
-            <a:off x="4486258" y="7876565"/>
+            <a:off x="4242482" y="6881353"/>
             <a:ext cx="1987475" cy="299327"/>
           </a:xfrm>
           <a:prstGeom prst="rect">
@@ -7033,7 +6838,7 @@
         </p:nvSpPr>
         <p:spPr>
           <a:xfrm>
-            <a:off x="7452311" y="7085503"/>
+            <a:off x="7208535" y="6090291"/>
             <a:ext cx="2423155" cy="756806"/>
           </a:xfrm>
           <a:prstGeom prst="diamond">
@@ -7082,7 +6887,7 @@
         </p:nvSpPr>
         <p:spPr>
           <a:xfrm>
-            <a:off x="7670890" y="7849475"/>
+            <a:off x="7427114" y="6854263"/>
             <a:ext cx="1987475" cy="299327"/>
           </a:xfrm>
           <a:prstGeom prst="rect">

--- a/Media/SenseArchitecture.pptx
+++ b/Media/SenseArchitecture.pptx
@@ -6,9 +6,10 @@
   </p:sldMasterIdLst>
   <p:sldIdLst>
     <p:sldId id="257" r:id="rId2"/>
-    <p:sldId id="258" r:id="rId3"/>
-    <p:sldId id="260" r:id="rId4"/>
-    <p:sldId id="259" r:id="rId5"/>
+    <p:sldId id="261" r:id="rId3"/>
+    <p:sldId id="258" r:id="rId4"/>
+    <p:sldId id="260" r:id="rId5"/>
+    <p:sldId id="259" r:id="rId6"/>
   </p:sldIdLst>
   <p:sldSz cx="12192000" cy="13716000"/>
   <p:notesSz cx="6858000" cy="9144000"/>
@@ -245,7 +246,7 @@
           <a:lstStyle/>
           <a:p>
             <a:fld id="{803220A4-8895-6D46-A558-2CE2469121C7}" type="datetimeFigureOut">
-              <a:t>4/12/20</a:t>
+              <a:t>4/18/20</a:t>
             </a:fld>
             <a:endParaRPr lang="en-US"/>
           </a:p>
@@ -414,7 +415,7 @@
           <a:lstStyle/>
           <a:p>
             <a:fld id="{803220A4-8895-6D46-A558-2CE2469121C7}" type="datetimeFigureOut">
-              <a:t>4/12/20</a:t>
+              <a:t>4/18/20</a:t>
             </a:fld>
             <a:endParaRPr lang="en-US"/>
           </a:p>
@@ -593,7 +594,7 @@
           <a:lstStyle/>
           <a:p>
             <a:fld id="{803220A4-8895-6D46-A558-2CE2469121C7}" type="datetimeFigureOut">
-              <a:t>4/12/20</a:t>
+              <a:t>4/18/20</a:t>
             </a:fld>
             <a:endParaRPr lang="en-US"/>
           </a:p>
@@ -762,7 +763,7 @@
           <a:lstStyle/>
           <a:p>
             <a:fld id="{803220A4-8895-6D46-A558-2CE2469121C7}" type="datetimeFigureOut">
-              <a:t>4/12/20</a:t>
+              <a:t>4/18/20</a:t>
             </a:fld>
             <a:endParaRPr lang="en-US"/>
           </a:p>
@@ -1005,7 +1006,7 @@
           <a:lstStyle/>
           <a:p>
             <a:fld id="{803220A4-8895-6D46-A558-2CE2469121C7}" type="datetimeFigureOut">
-              <a:t>4/12/20</a:t>
+              <a:t>4/18/20</a:t>
             </a:fld>
             <a:endParaRPr lang="en-US"/>
           </a:p>
@@ -1236,7 +1237,7 @@
           <a:lstStyle/>
           <a:p>
             <a:fld id="{803220A4-8895-6D46-A558-2CE2469121C7}" type="datetimeFigureOut">
-              <a:t>4/12/20</a:t>
+              <a:t>4/18/20</a:t>
             </a:fld>
             <a:endParaRPr lang="en-US"/>
           </a:p>
@@ -1602,7 +1603,7 @@
           <a:lstStyle/>
           <a:p>
             <a:fld id="{803220A4-8895-6D46-A558-2CE2469121C7}" type="datetimeFigureOut">
-              <a:t>4/12/20</a:t>
+              <a:t>4/18/20</a:t>
             </a:fld>
             <a:endParaRPr lang="en-US"/>
           </a:p>
@@ -1719,7 +1720,7 @@
           <a:lstStyle/>
           <a:p>
             <a:fld id="{803220A4-8895-6D46-A558-2CE2469121C7}" type="datetimeFigureOut">
-              <a:t>4/12/20</a:t>
+              <a:t>4/18/20</a:t>
             </a:fld>
             <a:endParaRPr lang="en-US"/>
           </a:p>
@@ -1813,7 +1814,7 @@
           <a:lstStyle/>
           <a:p>
             <a:fld id="{803220A4-8895-6D46-A558-2CE2469121C7}" type="datetimeFigureOut">
-              <a:t>4/12/20</a:t>
+              <a:t>4/18/20</a:t>
             </a:fld>
             <a:endParaRPr lang="en-US"/>
           </a:p>
@@ -2089,7 +2090,7 @@
           <a:lstStyle/>
           <a:p>
             <a:fld id="{803220A4-8895-6D46-A558-2CE2469121C7}" type="datetimeFigureOut">
-              <a:t>4/12/20</a:t>
+              <a:t>4/18/20</a:t>
             </a:fld>
             <a:endParaRPr lang="en-US"/>
           </a:p>
@@ -2345,7 +2346,7 @@
           <a:lstStyle/>
           <a:p>
             <a:fld id="{803220A4-8895-6D46-A558-2CE2469121C7}" type="datetimeFigureOut">
-              <a:t>4/12/20</a:t>
+              <a:t>4/18/20</a:t>
             </a:fld>
             <a:endParaRPr lang="en-US"/>
           </a:p>
@@ -2557,7 +2558,7 @@
           </a:lstStyle>
           <a:p>
             <a:fld id="{803220A4-8895-6D46-A558-2CE2469121C7}" type="datetimeFigureOut">
-              <a:t>4/12/20</a:t>
+              <a:t>4/18/20</a:t>
             </a:fld>
             <a:endParaRPr lang="en-US"/>
           </a:p>
@@ -5413,7 +5414,7 @@
         </p:nvSpPr>
         <p:spPr>
           <a:xfrm>
-            <a:off x="4647772" y="3680413"/>
+            <a:off x="4082423" y="3680412"/>
             <a:ext cx="1987475" cy="645277"/>
           </a:xfrm>
           <a:prstGeom prst="rect">
@@ -5570,7 +5571,7 @@
         </p:nvSpPr>
         <p:spPr>
           <a:xfrm>
-            <a:off x="5075919" y="4525190"/>
+            <a:off x="4510570" y="4525189"/>
             <a:ext cx="381964" cy="473605"/>
           </a:xfrm>
           <a:prstGeom prst="downArrow">
@@ -5664,7 +5665,7 @@
         </p:nvSpPr>
         <p:spPr>
           <a:xfrm>
-            <a:off x="4054200" y="5026792"/>
+            <a:off x="3488851" y="5026791"/>
             <a:ext cx="2423155" cy="756806"/>
           </a:xfrm>
           <a:prstGeom prst="diamond">
@@ -5713,7 +5714,7 @@
         </p:nvSpPr>
         <p:spPr>
           <a:xfrm>
-            <a:off x="4242483" y="5799930"/>
+            <a:off x="3677134" y="5799929"/>
             <a:ext cx="1987475" cy="299327"/>
           </a:xfrm>
           <a:prstGeom prst="rect">
@@ -5772,7 +5773,7 @@
         </p:nvSpPr>
         <p:spPr>
           <a:xfrm>
-            <a:off x="4053586" y="8026165"/>
+            <a:off x="3488237" y="8026164"/>
             <a:ext cx="2423155" cy="835996"/>
           </a:xfrm>
           <a:prstGeom prst="diamond">
@@ -5829,7 +5830,7 @@
         </p:nvSpPr>
         <p:spPr>
           <a:xfrm>
-            <a:off x="4295692" y="9323364"/>
+            <a:off x="3730343" y="9323363"/>
             <a:ext cx="1987475" cy="530651"/>
           </a:xfrm>
           <a:prstGeom prst="rect">
@@ -5888,7 +5889,7 @@
         </p:nvSpPr>
         <p:spPr>
           <a:xfrm>
-            <a:off x="4888985" y="10278936"/>
+            <a:off x="4323636" y="10278935"/>
             <a:ext cx="752354" cy="755561"/>
           </a:xfrm>
           <a:prstGeom prst="ellipse">
@@ -5935,7 +5936,7 @@
         </p:nvSpPr>
         <p:spPr>
           <a:xfrm>
-            <a:off x="5096367" y="7190170"/>
+            <a:off x="4531018" y="7190169"/>
             <a:ext cx="381964" cy="835995"/>
           </a:xfrm>
           <a:prstGeom prst="downArrow">
@@ -5984,7 +5985,7 @@
         </p:nvSpPr>
         <p:spPr>
           <a:xfrm>
-            <a:off x="5085756" y="8862161"/>
+            <a:off x="4520407" y="8862160"/>
             <a:ext cx="381964" cy="428262"/>
           </a:xfrm>
           <a:prstGeom prst="downArrow">
@@ -6033,7 +6034,7 @@
         </p:nvSpPr>
         <p:spPr>
           <a:xfrm>
-            <a:off x="5074180" y="9846637"/>
+            <a:off x="4508831" y="9846636"/>
             <a:ext cx="381964" cy="428262"/>
           </a:xfrm>
           <a:prstGeom prst="downArrow">
@@ -6082,7 +6083,7 @@
         </p:nvSpPr>
         <p:spPr>
           <a:xfrm>
-            <a:off x="5074180" y="11043988"/>
+            <a:off x="4508831" y="11043987"/>
             <a:ext cx="381964" cy="428262"/>
           </a:xfrm>
           <a:prstGeom prst="downArrow">
@@ -6131,7 +6132,7 @@
         </p:nvSpPr>
         <p:spPr>
           <a:xfrm>
-            <a:off x="4271425" y="11472251"/>
+            <a:off x="3706076" y="11472250"/>
             <a:ext cx="1987475" cy="755561"/>
           </a:xfrm>
           <a:prstGeom prst="rect">
@@ -6439,48 +6440,6 @@
           </a:p>
         </p:txBody>
       </p:sp>
-      <p:cxnSp>
-        <p:nvCxnSpPr>
-          <p:cNvPr id="103" name="Straight Arrow Connector 102">
-            <a:extLst>
-              <a:ext uri="{FF2B5EF4-FFF2-40B4-BE49-F238E27FC236}">
-                <a16:creationId xmlns:a16="http://schemas.microsoft.com/office/drawing/2014/main" id="{48E82184-43C1-7D46-9834-06EBC665D3F5}"/>
-              </a:ext>
-            </a:extLst>
-          </p:cNvPr>
-          <p:cNvCxnSpPr>
-            <a:cxnSpLocks/>
-            <a:stCxn id="86" idx="3"/>
-          </p:cNvCxnSpPr>
-          <p:nvPr/>
-        </p:nvCxnSpPr>
-        <p:spPr>
-          <a:xfrm>
-            <a:off x="6229958" y="5949594"/>
-            <a:ext cx="1374996" cy="344069"/>
-          </a:xfrm>
-          <a:prstGeom prst="straightConnector1">
-            <a:avLst/>
-          </a:prstGeom>
-          <a:ln>
-            <a:tailEnd type="triangle"/>
-          </a:ln>
-        </p:spPr>
-        <p:style>
-          <a:lnRef idx="1">
-            <a:schemeClr val="dk1"/>
-          </a:lnRef>
-          <a:fillRef idx="0">
-            <a:schemeClr val="dk1"/>
-          </a:fillRef>
-          <a:effectRef idx="0">
-            <a:schemeClr val="dk1"/>
-          </a:effectRef>
-          <a:fontRef idx="minor">
-            <a:schemeClr val="tx1"/>
-          </a:fontRef>
-        </p:style>
-      </p:cxnSp>
       <p:sp>
         <p:nvSpPr>
           <p:cNvPr id="110" name="Diamond 109">
@@ -6650,8 +6609,8 @@
         </p:nvSpPr>
         <p:spPr>
           <a:xfrm>
-            <a:off x="2698418" y="5231968"/>
-            <a:ext cx="299326" cy="1111170"/>
+            <a:off x="2698417" y="5026791"/>
+            <a:ext cx="440421" cy="2126799"/>
           </a:xfrm>
           <a:prstGeom prst="leftBracket">
             <a:avLst/>
@@ -6730,7 +6689,7 @@
         </p:nvSpPr>
         <p:spPr>
           <a:xfrm>
-            <a:off x="4064291" y="6105268"/>
+            <a:off x="3498942" y="6105267"/>
             <a:ext cx="2423155" cy="756806"/>
           </a:xfrm>
           <a:prstGeom prst="diamond">
@@ -6779,7 +6738,7 @@
         </p:nvSpPr>
         <p:spPr>
           <a:xfrm>
-            <a:off x="4242482" y="6881353"/>
+            <a:off x="3677133" y="6881352"/>
             <a:ext cx="1987475" cy="299327"/>
           </a:xfrm>
           <a:prstGeom prst="rect">
@@ -6964,36 +6923,42 @@
       </p:grpSpPr>
       <p:sp>
         <p:nvSpPr>
-          <p:cNvPr id="4" name="Diamond 3">
-            <a:extLst>
-              <a:ext uri="{FF2B5EF4-FFF2-40B4-BE49-F238E27FC236}">
-                <a16:creationId xmlns:a16="http://schemas.microsoft.com/office/drawing/2014/main" id="{DBB06CCC-4012-7142-8209-4D3CA3521F99}"/>
-              </a:ext>
-            </a:extLst>
-          </p:cNvPr>
-          <p:cNvSpPr/>
-          <p:nvPr/>
-        </p:nvSpPr>
-        <p:spPr>
-          <a:xfrm>
-            <a:off x="4354286" y="3857263"/>
-            <a:ext cx="2423155" cy="835996"/>
-          </a:xfrm>
-          <a:prstGeom prst="diamond">
-            <a:avLst/>
-          </a:prstGeom>
+          <p:cNvPr id="246" name="Rectangle 245">
+            <a:extLst>
+              <a:ext uri="{FF2B5EF4-FFF2-40B4-BE49-F238E27FC236}">
+                <a16:creationId xmlns:a16="http://schemas.microsoft.com/office/drawing/2014/main" id="{21EBD558-2A2F-AE47-AA00-988700403061}"/>
+              </a:ext>
+            </a:extLst>
+          </p:cNvPr>
+          <p:cNvSpPr/>
+          <p:nvPr/>
+        </p:nvSpPr>
+        <p:spPr>
+          <a:xfrm>
+            <a:off x="2636928" y="3680413"/>
+            <a:ext cx="1987475" cy="645277"/>
+          </a:xfrm>
+          <a:prstGeom prst="rect">
+            <a:avLst/>
+          </a:prstGeom>
+          <a:solidFill>
+            <a:schemeClr val="accent2">
+              <a:lumMod val="60000"/>
+              <a:lumOff val="40000"/>
+            </a:schemeClr>
+          </a:solidFill>
         </p:spPr>
         <p:style>
           <a:lnRef idx="2">
-            <a:schemeClr val="accent1">
+            <a:schemeClr val="accent4">
               <a:shade val="50000"/>
             </a:schemeClr>
           </a:lnRef>
           <a:fillRef idx="1">
-            <a:schemeClr val="accent1"/>
-          </a:fillRef>
-          <a:effectRef idx="0">
-            <a:schemeClr val="accent1"/>
+            <a:schemeClr val="accent4"/>
+          </a:fillRef>
+          <a:effectRef idx="0">
+            <a:schemeClr val="accent4"/>
           </a:effectRef>
           <a:fontRef idx="minor">
             <a:schemeClr val="lt1"/>
@@ -7005,91 +6970,339 @@
           <a:p>
             <a:pPr algn="ctr"/>
             <a:r>
-              <a:rPr lang="en-US"/>
-              <a:t>2-layers</a:t>
+              <a:rPr lang="en-US" sz="1600"/>
+              <a:t>move.global</a:t>
             </a:r>
             <a:br>
-              <a:rPr lang="en-US"/>
+              <a:rPr lang="en-US" sz="1600" b="1"/>
             </a:br>
             <a:r>
-              <a:rPr lang="en-US"/>
-              <a:t>GRU</a:t>
-            </a:r>
-          </a:p>
-        </p:txBody>
-      </p:sp>
-      <p:sp>
-        <p:nvSpPr>
-          <p:cNvPr id="5" name="Down Arrow 4">
-            <a:extLst>
-              <a:ext uri="{FF2B5EF4-FFF2-40B4-BE49-F238E27FC236}">
-                <a16:creationId xmlns:a16="http://schemas.microsoft.com/office/drawing/2014/main" id="{2E1E1C2B-5B16-004D-95B2-00203BDC4738}"/>
-              </a:ext>
-            </a:extLst>
-          </p:cNvPr>
-          <p:cNvSpPr/>
-          <p:nvPr/>
-        </p:nvSpPr>
-        <p:spPr>
-          <a:xfrm>
-            <a:off x="5386454" y="3429001"/>
-            <a:ext cx="381964" cy="428262"/>
-          </a:xfrm>
-          <a:prstGeom prst="downArrow">
-            <a:avLst/>
-          </a:prstGeom>
-          <a:solidFill>
-            <a:schemeClr val="bg1"/>
-          </a:solidFill>
-        </p:spPr>
-        <p:style>
-          <a:lnRef idx="2">
-            <a:schemeClr val="accent1">
-              <a:shade val="50000"/>
-            </a:schemeClr>
-          </a:lnRef>
-          <a:fillRef idx="1">
-            <a:schemeClr val="accent1"/>
-          </a:fillRef>
-          <a:effectRef idx="0">
-            <a:schemeClr val="accent1"/>
-          </a:effectRef>
-          <a:fontRef idx="minor">
-            <a:schemeClr val="lt1"/>
-          </a:fontRef>
-        </p:style>
-        <p:txBody>
-          <a:bodyPr wrap="none" rtlCol="0" anchor="ctr"/>
-          <a:lstStyle/>
-          <a:p>
-            <a:pPr algn="ctr"/>
-            <a:r>
-              <a:rPr lang="en-US" b="1">
+              <a:rPr lang="en-US" sz="1600" b="1">
                 <a:solidFill>
                   <a:schemeClr val="tx1"/>
                 </a:solidFill>
               </a:rPr>
-              <a:t>I n p u t</a:t>
-            </a:r>
-          </a:p>
-        </p:txBody>
-      </p:sp>
-      <p:sp>
-        <p:nvSpPr>
-          <p:cNvPr id="7" name="Rectangle 6">
-            <a:extLst>
-              <a:ext uri="{FF2B5EF4-FFF2-40B4-BE49-F238E27FC236}">
-                <a16:creationId xmlns:a16="http://schemas.microsoft.com/office/drawing/2014/main" id="{CEB94528-BBB3-B44D-860D-084ECFCFE803}"/>
-              </a:ext>
-            </a:extLst>
-          </p:cNvPr>
-          <p:cNvSpPr/>
-          <p:nvPr/>
-        </p:nvSpPr>
-        <p:spPr>
-          <a:xfrm>
-            <a:off x="4572125" y="5038712"/>
-            <a:ext cx="1987475" cy="530651"/>
+              <a:t>Word Embedding</a:t>
+            </a:r>
+          </a:p>
+        </p:txBody>
+      </p:sp>
+      <p:sp>
+        <p:nvSpPr>
+          <p:cNvPr id="247" name="Rectangle 246">
+            <a:extLst>
+              <a:ext uri="{FF2B5EF4-FFF2-40B4-BE49-F238E27FC236}">
+                <a16:creationId xmlns:a16="http://schemas.microsoft.com/office/drawing/2014/main" id="{4FE39300-1A73-8E45-BF1A-6C75B44DC8C0}"/>
+              </a:ext>
+            </a:extLst>
+          </p:cNvPr>
+          <p:cNvSpPr/>
+          <p:nvPr/>
+        </p:nvSpPr>
+        <p:spPr>
+          <a:xfrm>
+            <a:off x="4647772" y="3680413"/>
+            <a:ext cx="1987475" cy="645277"/>
+          </a:xfrm>
+          <a:prstGeom prst="rect">
+            <a:avLst/>
+          </a:prstGeom>
+        </p:spPr>
+        <p:style>
+          <a:lnRef idx="2">
+            <a:schemeClr val="accent4">
+              <a:shade val="50000"/>
+            </a:schemeClr>
+          </a:lnRef>
+          <a:fillRef idx="1">
+            <a:schemeClr val="accent4"/>
+          </a:fillRef>
+          <a:effectRef idx="0">
+            <a:schemeClr val="accent4"/>
+          </a:effectRef>
+          <a:fontRef idx="minor">
+            <a:schemeClr val="lt1"/>
+          </a:fontRef>
+        </p:style>
+        <p:txBody>
+          <a:bodyPr rtlCol="0" anchor="ctr"/>
+          <a:lstStyle/>
+          <a:p>
+            <a:pPr algn="ctr"/>
+            <a:r>
+              <a:rPr lang="en-US" sz="1600"/>
+              <a:t>move.global</a:t>
+            </a:r>
+            <a:br>
+              <a:rPr lang="en-US" sz="1600" b="1"/>
+            </a:br>
+            <a:r>
+              <a:rPr lang="en-US" sz="1600" b="1">
+                <a:solidFill>
+                  <a:schemeClr val="tx1"/>
+                </a:solidFill>
+              </a:rPr>
+              <a:t>Word Node State</a:t>
+            </a:r>
+          </a:p>
+        </p:txBody>
+      </p:sp>
+      <p:sp>
+        <p:nvSpPr>
+          <p:cNvPr id="248" name="Rectangle 247">
+            <a:extLst>
+              <a:ext uri="{FF2B5EF4-FFF2-40B4-BE49-F238E27FC236}">
+                <a16:creationId xmlns:a16="http://schemas.microsoft.com/office/drawing/2014/main" id="{D35CF018-7FC4-684A-9DA9-60D958BF6D57}"/>
+              </a:ext>
+            </a:extLst>
+          </p:cNvPr>
+          <p:cNvSpPr/>
+          <p:nvPr/>
+        </p:nvSpPr>
+        <p:spPr>
+          <a:xfrm>
+            <a:off x="6658616" y="3680413"/>
+            <a:ext cx="1987475" cy="645277"/>
+          </a:xfrm>
+          <a:prstGeom prst="rect">
+            <a:avLst/>
+          </a:prstGeom>
+        </p:spPr>
+        <p:style>
+          <a:lnRef idx="1">
+            <a:schemeClr val="accent6"/>
+          </a:lnRef>
+          <a:fillRef idx="2">
+            <a:schemeClr val="accent6"/>
+          </a:fillRef>
+          <a:effectRef idx="1">
+            <a:schemeClr val="accent6"/>
+          </a:effectRef>
+          <a:fontRef idx="minor">
+            <a:schemeClr val="dk1"/>
+          </a:fontRef>
+        </p:style>
+        <p:txBody>
+          <a:bodyPr rtlCol="0" anchor="ctr"/>
+          <a:lstStyle/>
+          <a:p>
+            <a:pPr algn="ctr"/>
+            <a:r>
+              <a:rPr lang="en-US" sz="1600"/>
+              <a:t>Move.v.2</a:t>
+            </a:r>
+            <a:br>
+              <a:rPr lang="en-US" sz="1600" b="1"/>
+            </a:br>
+            <a:r>
+              <a:rPr lang="en-US" sz="1600" b="1"/>
+              <a:t>Sense </a:t>
+            </a:r>
+            <a:r>
+              <a:rPr lang="en-US" sz="1600" b="1">
+                <a:solidFill>
+                  <a:schemeClr val="tx1"/>
+                </a:solidFill>
+              </a:rPr>
+              <a:t>Node State</a:t>
+            </a:r>
+          </a:p>
+        </p:txBody>
+      </p:sp>
+      <p:sp>
+        <p:nvSpPr>
+          <p:cNvPr id="249" name="TextBox 248">
+            <a:extLst>
+              <a:ext uri="{FF2B5EF4-FFF2-40B4-BE49-F238E27FC236}">
+                <a16:creationId xmlns:a16="http://schemas.microsoft.com/office/drawing/2014/main" id="{1AD4AF1E-29BB-C843-81FD-DB36FE67382B}"/>
+              </a:ext>
+            </a:extLst>
+          </p:cNvPr>
+          <p:cNvSpPr txBox="1"/>
+          <p:nvPr/>
+        </p:nvSpPr>
+        <p:spPr>
+          <a:xfrm>
+            <a:off x="838722" y="3869277"/>
+            <a:ext cx="1602487" cy="369332"/>
+          </a:xfrm>
+          <a:prstGeom prst="rect">
+            <a:avLst/>
+          </a:prstGeom>
+          <a:noFill/>
+        </p:spPr>
+        <p:txBody>
+          <a:bodyPr wrap="square" rtlCol="0">
+            <a:spAutoFit/>
+          </a:bodyPr>
+          <a:lstStyle/>
+          <a:p>
+            <a:r>
+              <a:rPr lang="en-US"/>
+              <a:t>Concatenated:</a:t>
+            </a:r>
+          </a:p>
+        </p:txBody>
+      </p:sp>
+      <p:sp>
+        <p:nvSpPr>
+          <p:cNvPr id="257" name="Down Arrow 256">
+            <a:extLst>
+              <a:ext uri="{FF2B5EF4-FFF2-40B4-BE49-F238E27FC236}">
+                <a16:creationId xmlns:a16="http://schemas.microsoft.com/office/drawing/2014/main" id="{18F0D862-3477-2D4C-BA18-3CA75A087836}"/>
+              </a:ext>
+            </a:extLst>
+          </p:cNvPr>
+          <p:cNvSpPr/>
+          <p:nvPr/>
+        </p:nvSpPr>
+        <p:spPr>
+          <a:xfrm>
+            <a:off x="5075919" y="4525190"/>
+            <a:ext cx="381964" cy="473605"/>
+          </a:xfrm>
+          <a:prstGeom prst="downArrow">
+            <a:avLst/>
+          </a:prstGeom>
+          <a:solidFill>
+            <a:schemeClr val="bg1"/>
+          </a:solidFill>
+        </p:spPr>
+        <p:style>
+          <a:lnRef idx="2">
+            <a:schemeClr val="accent1">
+              <a:shade val="50000"/>
+            </a:schemeClr>
+          </a:lnRef>
+          <a:fillRef idx="1">
+            <a:schemeClr val="accent1"/>
+          </a:fillRef>
+          <a:effectRef idx="0">
+            <a:schemeClr val="accent1"/>
+          </a:effectRef>
+          <a:fontRef idx="minor">
+            <a:schemeClr val="lt1"/>
+          </a:fontRef>
+        </p:style>
+        <p:txBody>
+          <a:bodyPr rtlCol="0" anchor="ctr"/>
+          <a:lstStyle/>
+          <a:p>
+            <a:pPr algn="ctr"/>
+            <a:endParaRPr lang="en-US"/>
+          </a:p>
+        </p:txBody>
+      </p:sp>
+      <p:sp>
+        <p:nvSpPr>
+          <p:cNvPr id="258" name="Left Bracket 257">
+            <a:extLst>
+              <a:ext uri="{FF2B5EF4-FFF2-40B4-BE49-F238E27FC236}">
+                <a16:creationId xmlns:a16="http://schemas.microsoft.com/office/drawing/2014/main" id="{161D59A0-97E8-A340-937B-F8E6E9BF767B}"/>
+              </a:ext>
+            </a:extLst>
+          </p:cNvPr>
+          <p:cNvSpPr/>
+          <p:nvPr/>
+        </p:nvSpPr>
+        <p:spPr>
+          <a:xfrm rot="-5400000">
+            <a:off x="5497536" y="1181645"/>
+            <a:ext cx="299326" cy="6370202"/>
+          </a:xfrm>
+          <a:prstGeom prst="leftBracket">
+            <a:avLst/>
+          </a:prstGeom>
+          <a:ln w="12700"/>
+        </p:spPr>
+        <p:style>
+          <a:lnRef idx="1">
+            <a:schemeClr val="accent1"/>
+          </a:lnRef>
+          <a:fillRef idx="0">
+            <a:schemeClr val="accent1"/>
+          </a:fillRef>
+          <a:effectRef idx="0">
+            <a:schemeClr val="accent1"/>
+          </a:effectRef>
+          <a:fontRef idx="minor">
+            <a:schemeClr val="tx1"/>
+          </a:fontRef>
+        </p:style>
+        <p:txBody>
+          <a:bodyPr rtlCol="0" anchor="ctr"/>
+          <a:lstStyle/>
+          <a:p>
+            <a:pPr algn="ctr"/>
+            <a:endParaRPr lang="en-US"/>
+          </a:p>
+        </p:txBody>
+      </p:sp>
+      <p:sp>
+        <p:nvSpPr>
+          <p:cNvPr id="259" name="Diamond 258">
+            <a:extLst>
+              <a:ext uri="{FF2B5EF4-FFF2-40B4-BE49-F238E27FC236}">
+                <a16:creationId xmlns:a16="http://schemas.microsoft.com/office/drawing/2014/main" id="{39D90A8D-B5BB-4B48-AC59-75E00CEEE05C}"/>
+              </a:ext>
+            </a:extLst>
+          </p:cNvPr>
+          <p:cNvSpPr/>
+          <p:nvPr/>
+        </p:nvSpPr>
+        <p:spPr>
+          <a:xfrm>
+            <a:off x="4054200" y="5026792"/>
+            <a:ext cx="2423155" cy="756806"/>
+          </a:xfrm>
+          <a:prstGeom prst="diamond">
+            <a:avLst/>
+          </a:prstGeom>
+        </p:spPr>
+        <p:style>
+          <a:lnRef idx="2">
+            <a:schemeClr val="accent1">
+              <a:shade val="50000"/>
+            </a:schemeClr>
+          </a:lnRef>
+          <a:fillRef idx="1">
+            <a:schemeClr val="accent1"/>
+          </a:fillRef>
+          <a:effectRef idx="0">
+            <a:schemeClr val="accent1"/>
+          </a:effectRef>
+          <a:fontRef idx="minor">
+            <a:schemeClr val="lt1"/>
+          </a:fontRef>
+        </p:style>
+        <p:txBody>
+          <a:bodyPr rtlCol="0" anchor="ctr"/>
+          <a:lstStyle/>
+          <a:p>
+            <a:pPr algn="ctr"/>
+            <a:r>
+              <a:rPr lang="en-US"/>
+              <a:t>Layer 1 of GRU</a:t>
+            </a:r>
+          </a:p>
+        </p:txBody>
+      </p:sp>
+      <p:sp>
+        <p:nvSpPr>
+          <p:cNvPr id="86" name="Rectangle 85">
+            <a:extLst>
+              <a:ext uri="{FF2B5EF4-FFF2-40B4-BE49-F238E27FC236}">
+                <a16:creationId xmlns:a16="http://schemas.microsoft.com/office/drawing/2014/main" id="{04720A63-B472-2649-946A-1480BD193270}"/>
+              </a:ext>
+            </a:extLst>
+          </p:cNvPr>
+          <p:cNvSpPr/>
+          <p:nvPr/>
+        </p:nvSpPr>
+        <p:spPr>
+          <a:xfrm>
+            <a:off x="4242483" y="5799930"/>
+            <a:ext cx="1987475" cy="299327"/>
           </a:xfrm>
           <a:prstGeom prst="rect">
             <a:avLst/>
@@ -7128,46 +7341,26 @@
                   <a:schemeClr val="tx1"/>
                 </a:solidFill>
               </a:rPr>
-              <a:t>Encoding </a:t>
-            </a:r>
-            <a:br>
-              <a:rPr lang="en-US" sz="1600">
-                <a:solidFill>
-                  <a:schemeClr val="tx1"/>
-                </a:solidFill>
-              </a:rPr>
-            </a:br>
-            <a:r>
-              <a:rPr lang="en-US" sz="1600">
-                <a:solidFill>
-                  <a:schemeClr val="tx1"/>
-                </a:solidFill>
-              </a:rPr>
-              <a:t>(Hidden state 2)</a:t>
-            </a:r>
-            <a:endParaRPr lang="en-US" sz="1600" b="1">
-              <a:solidFill>
-                <a:schemeClr val="tx1"/>
-              </a:solidFill>
-            </a:endParaRPr>
-          </a:p>
-        </p:txBody>
-      </p:sp>
-      <p:sp>
-        <p:nvSpPr>
-          <p:cNvPr id="10" name="Diamond 9">
-            <a:extLst>
-              <a:ext uri="{FF2B5EF4-FFF2-40B4-BE49-F238E27FC236}">
-                <a16:creationId xmlns:a16="http://schemas.microsoft.com/office/drawing/2014/main" id="{E26FEDF0-E397-024D-A02E-1E1D21E34639}"/>
-              </a:ext>
-            </a:extLst>
-          </p:cNvPr>
-          <p:cNvSpPr/>
-          <p:nvPr/>
-        </p:nvSpPr>
-        <p:spPr>
-          <a:xfrm>
-            <a:off x="4354284" y="6014410"/>
+              <a:t>Hidden state 1</a:t>
+            </a:r>
+          </a:p>
+        </p:txBody>
+      </p:sp>
+      <p:sp>
+        <p:nvSpPr>
+          <p:cNvPr id="87" name="Diamond 86">
+            <a:extLst>
+              <a:ext uri="{FF2B5EF4-FFF2-40B4-BE49-F238E27FC236}">
+                <a16:creationId xmlns:a16="http://schemas.microsoft.com/office/drawing/2014/main" id="{D720A14A-448F-C74D-9782-DA58BDCF5657}"/>
+              </a:ext>
+            </a:extLst>
+          </p:cNvPr>
+          <p:cNvSpPr/>
+          <p:nvPr/>
+        </p:nvSpPr>
+        <p:spPr>
+          <a:xfrm>
+            <a:off x="4053586" y="8026165"/>
             <a:ext cx="2423155" cy="835996"/>
           </a:xfrm>
           <a:prstGeom prst="diamond">
@@ -7212,19 +7405,19 @@
       </p:sp>
       <p:sp>
         <p:nvSpPr>
-          <p:cNvPr id="12" name="Rectangle 11">
-            <a:extLst>
-              <a:ext uri="{FF2B5EF4-FFF2-40B4-BE49-F238E27FC236}">
-                <a16:creationId xmlns:a16="http://schemas.microsoft.com/office/drawing/2014/main" id="{BF9CF074-2BFA-2E4A-A782-5519DDEB6F3B}"/>
-              </a:ext>
-            </a:extLst>
-          </p:cNvPr>
-          <p:cNvSpPr/>
-          <p:nvPr/>
-        </p:nvSpPr>
-        <p:spPr>
-          <a:xfrm>
-            <a:off x="4596390" y="7311609"/>
+          <p:cNvPr id="88" name="Rectangle 87">
+            <a:extLst>
+              <a:ext uri="{FF2B5EF4-FFF2-40B4-BE49-F238E27FC236}">
+                <a16:creationId xmlns:a16="http://schemas.microsoft.com/office/drawing/2014/main" id="{B6224982-B82A-1543-8A21-0A983FA65669}"/>
+              </a:ext>
+            </a:extLst>
+          </p:cNvPr>
+          <p:cNvSpPr/>
+          <p:nvPr/>
+        </p:nvSpPr>
+        <p:spPr>
+          <a:xfrm>
+            <a:off x="4295692" y="9323364"/>
             <a:ext cx="1987475" cy="530651"/>
           </a:xfrm>
           <a:prstGeom prst="rect">
@@ -7271,109 +7464,20 @@
       </p:sp>
       <p:sp>
         <p:nvSpPr>
-          <p:cNvPr id="14" name="Oval 13">
-            <a:extLst>
-              <a:ext uri="{FF2B5EF4-FFF2-40B4-BE49-F238E27FC236}">
-                <a16:creationId xmlns:a16="http://schemas.microsoft.com/office/drawing/2014/main" id="{CC2973EE-8363-8F47-BA1C-C19ED98DECD3}"/>
-              </a:ext>
-            </a:extLst>
-          </p:cNvPr>
-          <p:cNvSpPr/>
-          <p:nvPr/>
-        </p:nvSpPr>
-        <p:spPr>
-          <a:xfrm>
-            <a:off x="5189683" y="8267181"/>
-            <a:ext cx="752354" cy="755561"/>
-          </a:xfrm>
-          <a:prstGeom prst="ellipse">
-            <a:avLst/>
-          </a:prstGeom>
-        </p:spPr>
-        <p:style>
-          <a:lnRef idx="1">
-            <a:schemeClr val="accent3"/>
-          </a:lnRef>
-          <a:fillRef idx="2">
-            <a:schemeClr val="accent3"/>
-          </a:fillRef>
-          <a:effectRef idx="1">
-            <a:schemeClr val="accent3"/>
-          </a:effectRef>
-          <a:fontRef idx="minor">
-            <a:schemeClr val="dk1"/>
-          </a:fontRef>
-        </p:style>
-        <p:txBody>
-          <a:bodyPr wrap="none" rtlCol="0" anchor="ctr"/>
-          <a:lstStyle/>
-          <a:p>
-            <a:pPr algn="ctr"/>
-            <a:r>
-              <a:rPr lang="en-US"/>
-              <a:t>Softmax</a:t>
-            </a:r>
-          </a:p>
-        </p:txBody>
-      </p:sp>
-      <p:cxnSp>
-        <p:nvCxnSpPr>
-          <p:cNvPr id="16" name="Straight Arrow Connector 15">
-            <a:extLst>
-              <a:ext uri="{FF2B5EF4-FFF2-40B4-BE49-F238E27FC236}">
-                <a16:creationId xmlns:a16="http://schemas.microsoft.com/office/drawing/2014/main" id="{085041C8-9843-9647-A903-D4B6FE815AA6}"/>
-              </a:ext>
-            </a:extLst>
-          </p:cNvPr>
-          <p:cNvCxnSpPr>
-            <a:stCxn id="4" idx="2"/>
-            <a:endCxn id="7" idx="0"/>
-          </p:cNvCxnSpPr>
-          <p:nvPr/>
-        </p:nvCxnSpPr>
-        <p:spPr>
-          <a:xfrm flipH="1">
-            <a:off x="5565863" y="4693259"/>
-            <a:ext cx="1" cy="345452"/>
-          </a:xfrm>
-          <a:prstGeom prst="straightConnector1">
-            <a:avLst/>
-          </a:prstGeom>
-          <a:ln>
-            <a:tailEnd type="triangle"/>
-          </a:ln>
-        </p:spPr>
-        <p:style>
-          <a:lnRef idx="1">
-            <a:schemeClr val="dk1"/>
-          </a:lnRef>
-          <a:fillRef idx="0">
-            <a:schemeClr val="dk1"/>
-          </a:fillRef>
-          <a:effectRef idx="0">
-            <a:schemeClr val="dk1"/>
-          </a:effectRef>
-          <a:fontRef idx="minor">
-            <a:schemeClr val="tx1"/>
-          </a:fontRef>
-        </p:style>
-      </p:cxnSp>
-      <p:sp>
-        <p:nvSpPr>
-          <p:cNvPr id="17" name="Down Arrow 16">
-            <a:extLst>
-              <a:ext uri="{FF2B5EF4-FFF2-40B4-BE49-F238E27FC236}">
-                <a16:creationId xmlns:a16="http://schemas.microsoft.com/office/drawing/2014/main" id="{DBF5080D-6078-4A4D-A114-6B041E937229}"/>
-              </a:ext>
-            </a:extLst>
-          </p:cNvPr>
-          <p:cNvSpPr/>
-          <p:nvPr/>
-        </p:nvSpPr>
-        <p:spPr>
-          <a:xfrm>
-            <a:off x="5386454" y="5564633"/>
-            <a:ext cx="381964" cy="428262"/>
+          <p:cNvPr id="92" name="Down Arrow 91">
+            <a:extLst>
+              <a:ext uri="{FF2B5EF4-FFF2-40B4-BE49-F238E27FC236}">
+                <a16:creationId xmlns:a16="http://schemas.microsoft.com/office/drawing/2014/main" id="{8B86E277-3EBE-4D4D-906B-94475D1125B4}"/>
+              </a:ext>
+            </a:extLst>
+          </p:cNvPr>
+          <p:cNvSpPr/>
+          <p:nvPr/>
+        </p:nvSpPr>
+        <p:spPr>
+          <a:xfrm>
+            <a:off x="5096367" y="7190170"/>
+            <a:ext cx="381964" cy="835995"/>
           </a:xfrm>
           <a:prstGeom prst="downArrow">
             <a:avLst/>
@@ -7409,19 +7513,19 @@
       </p:sp>
       <p:sp>
         <p:nvSpPr>
-          <p:cNvPr id="18" name="Down Arrow 17">
-            <a:extLst>
-              <a:ext uri="{FF2B5EF4-FFF2-40B4-BE49-F238E27FC236}">
-                <a16:creationId xmlns:a16="http://schemas.microsoft.com/office/drawing/2014/main" id="{78948B97-2EB5-7C44-8661-F8FF659EEC11}"/>
-              </a:ext>
-            </a:extLst>
-          </p:cNvPr>
-          <p:cNvSpPr/>
-          <p:nvPr/>
-        </p:nvSpPr>
-        <p:spPr>
-          <a:xfrm>
-            <a:off x="5386454" y="6850406"/>
+          <p:cNvPr id="93" name="Down Arrow 92">
+            <a:extLst>
+              <a:ext uri="{FF2B5EF4-FFF2-40B4-BE49-F238E27FC236}">
+                <a16:creationId xmlns:a16="http://schemas.microsoft.com/office/drawing/2014/main" id="{5A0602D7-C1C7-184A-B336-BDBBEA25EBA2}"/>
+              </a:ext>
+            </a:extLst>
+          </p:cNvPr>
+          <p:cNvSpPr/>
+          <p:nvPr/>
+        </p:nvSpPr>
+        <p:spPr>
+          <a:xfrm>
+            <a:off x="5085756" y="8862161"/>
             <a:ext cx="381964" cy="428262"/>
           </a:xfrm>
           <a:prstGeom prst="downArrow">
@@ -7458,19 +7562,19 @@
       </p:sp>
       <p:sp>
         <p:nvSpPr>
-          <p:cNvPr id="19" name="Down Arrow 18">
-            <a:extLst>
-              <a:ext uri="{FF2B5EF4-FFF2-40B4-BE49-F238E27FC236}">
-                <a16:creationId xmlns:a16="http://schemas.microsoft.com/office/drawing/2014/main" id="{8C470EB7-41A5-5C4D-8682-9F0FDF9C952B}"/>
-              </a:ext>
-            </a:extLst>
-          </p:cNvPr>
-          <p:cNvSpPr/>
-          <p:nvPr/>
-        </p:nvSpPr>
-        <p:spPr>
-          <a:xfrm>
-            <a:off x="5374878" y="7834882"/>
+          <p:cNvPr id="94" name="Down Arrow 93">
+            <a:extLst>
+              <a:ext uri="{FF2B5EF4-FFF2-40B4-BE49-F238E27FC236}">
+                <a16:creationId xmlns:a16="http://schemas.microsoft.com/office/drawing/2014/main" id="{9C0E5ABE-5384-D840-81FE-E7F6C349D18F}"/>
+              </a:ext>
+            </a:extLst>
+          </p:cNvPr>
+          <p:cNvSpPr/>
+          <p:nvPr/>
+        </p:nvSpPr>
+        <p:spPr>
+          <a:xfrm>
+            <a:off x="5074180" y="9846637"/>
             <a:ext cx="381964" cy="428262"/>
           </a:xfrm>
           <a:prstGeom prst="downArrow">
@@ -7507,127 +7611,19 @@
       </p:sp>
       <p:sp>
         <p:nvSpPr>
-          <p:cNvPr id="20" name="Down Arrow 19">
-            <a:extLst>
-              <a:ext uri="{FF2B5EF4-FFF2-40B4-BE49-F238E27FC236}">
-                <a16:creationId xmlns:a16="http://schemas.microsoft.com/office/drawing/2014/main" id="{3D411D0C-0351-B247-8E17-DF97F0AC5EA3}"/>
-              </a:ext>
-            </a:extLst>
-          </p:cNvPr>
-          <p:cNvSpPr/>
-          <p:nvPr/>
-        </p:nvSpPr>
-        <p:spPr>
-          <a:xfrm>
-            <a:off x="5374878" y="9032233"/>
-            <a:ext cx="381964" cy="428262"/>
-          </a:xfrm>
-          <a:prstGeom prst="downArrow">
-            <a:avLst/>
-          </a:prstGeom>
-          <a:solidFill>
-            <a:schemeClr val="bg1"/>
-          </a:solidFill>
-        </p:spPr>
-        <p:style>
-          <a:lnRef idx="2">
-            <a:schemeClr val="accent1">
-              <a:shade val="50000"/>
-            </a:schemeClr>
-          </a:lnRef>
-          <a:fillRef idx="1">
-            <a:schemeClr val="accent1"/>
-          </a:fillRef>
-          <a:effectRef idx="0">
-            <a:schemeClr val="accent1"/>
-          </a:effectRef>
-          <a:fontRef idx="minor">
-            <a:schemeClr val="lt1"/>
-          </a:fontRef>
-        </p:style>
-        <p:txBody>
-          <a:bodyPr rtlCol="0" anchor="ctr"/>
-          <a:lstStyle/>
-          <a:p>
-            <a:pPr algn="ctr"/>
-            <a:endParaRPr lang="en-US"/>
-          </a:p>
-        </p:txBody>
-      </p:sp>
-      <p:sp>
-        <p:nvSpPr>
-          <p:cNvPr id="21" name="Rectangle 20">
-            <a:extLst>
-              <a:ext uri="{FF2B5EF4-FFF2-40B4-BE49-F238E27FC236}">
-                <a16:creationId xmlns:a16="http://schemas.microsoft.com/office/drawing/2014/main" id="{5BACE416-FE57-2945-89A6-FCFC8709676C}"/>
-              </a:ext>
-            </a:extLst>
-          </p:cNvPr>
-          <p:cNvSpPr/>
-          <p:nvPr/>
-        </p:nvSpPr>
-        <p:spPr>
-          <a:xfrm>
-            <a:off x="4572123" y="9460496"/>
-            <a:ext cx="1987475" cy="755561"/>
-          </a:xfrm>
-          <a:prstGeom prst="rect">
-            <a:avLst/>
-          </a:prstGeom>
-          <a:solidFill>
-            <a:schemeClr val="accent4">
-              <a:lumMod val="40000"/>
-              <a:lumOff val="60000"/>
-            </a:schemeClr>
-          </a:solidFill>
-        </p:spPr>
-        <p:style>
-          <a:lnRef idx="2">
-            <a:schemeClr val="accent5">
-              <a:shade val="50000"/>
-            </a:schemeClr>
-          </a:lnRef>
-          <a:fillRef idx="1">
-            <a:schemeClr val="accent5"/>
-          </a:fillRef>
-          <a:effectRef idx="0">
-            <a:schemeClr val="accent5"/>
-          </a:effectRef>
-          <a:fontRef idx="minor">
-            <a:schemeClr val="lt1"/>
-          </a:fontRef>
-        </p:style>
-        <p:txBody>
-          <a:bodyPr rtlCol="0" anchor="ctr"/>
-          <a:lstStyle/>
-          <a:p>
-            <a:pPr algn="ctr"/>
-            <a:r>
-              <a:rPr lang="en-US" sz="1600">
-                <a:solidFill>
-                  <a:schemeClr val="tx1"/>
-                </a:solidFill>
-              </a:rPr>
-              <a:t>Predicted probabilities – next global word</a:t>
-            </a:r>
-          </a:p>
-        </p:txBody>
-      </p:sp>
-      <p:sp>
-        <p:nvSpPr>
-          <p:cNvPr id="22" name="Rectangle 21">
-            <a:extLst>
-              <a:ext uri="{FF2B5EF4-FFF2-40B4-BE49-F238E27FC236}">
-                <a16:creationId xmlns:a16="http://schemas.microsoft.com/office/drawing/2014/main" id="{3F7175FE-C5F5-9A4E-A7A6-7C7AE95F8F13}"/>
-              </a:ext>
-            </a:extLst>
-          </p:cNvPr>
-          <p:cNvSpPr/>
-          <p:nvPr/>
-        </p:nvSpPr>
-        <p:spPr>
-          <a:xfrm>
-            <a:off x="8348517" y="7311609"/>
+          <p:cNvPr id="97" name="Rectangle 96">
+            <a:extLst>
+              <a:ext uri="{FF2B5EF4-FFF2-40B4-BE49-F238E27FC236}">
+                <a16:creationId xmlns:a16="http://schemas.microsoft.com/office/drawing/2014/main" id="{A58CB02F-E5F6-DC40-9916-827FEEA07178}"/>
+              </a:ext>
+            </a:extLst>
+          </p:cNvPr>
+          <p:cNvSpPr/>
+          <p:nvPr/>
+        </p:nvSpPr>
+        <p:spPr>
+          <a:xfrm>
+            <a:off x="7454580" y="9274087"/>
             <a:ext cx="1987475" cy="530651"/>
           </a:xfrm>
           <a:prstGeom prst="rect">
@@ -7674,66 +7670,19 @@
       </p:sp>
       <p:sp>
         <p:nvSpPr>
-          <p:cNvPr id="23" name="Oval 22">
-            <a:extLst>
-              <a:ext uri="{FF2B5EF4-FFF2-40B4-BE49-F238E27FC236}">
-                <a16:creationId xmlns:a16="http://schemas.microsoft.com/office/drawing/2014/main" id="{6EE07ECA-65A2-0641-AE45-4F768DCC5DBD}"/>
-              </a:ext>
-            </a:extLst>
-          </p:cNvPr>
-          <p:cNvSpPr/>
-          <p:nvPr/>
-        </p:nvSpPr>
-        <p:spPr>
-          <a:xfrm>
-            <a:off x="8941810" y="8267181"/>
-            <a:ext cx="752354" cy="755561"/>
-          </a:xfrm>
-          <a:prstGeom prst="ellipse">
-            <a:avLst/>
-          </a:prstGeom>
-        </p:spPr>
-        <p:style>
-          <a:lnRef idx="1">
-            <a:schemeClr val="accent3"/>
-          </a:lnRef>
-          <a:fillRef idx="2">
-            <a:schemeClr val="accent3"/>
-          </a:fillRef>
-          <a:effectRef idx="1">
-            <a:schemeClr val="accent3"/>
-          </a:effectRef>
-          <a:fontRef idx="minor">
-            <a:schemeClr val="dk1"/>
-          </a:fontRef>
-        </p:style>
-        <p:txBody>
-          <a:bodyPr wrap="none" rtlCol="0" anchor="ctr"/>
-          <a:lstStyle/>
-          <a:p>
-            <a:pPr algn="ctr"/>
-            <a:r>
-              <a:rPr lang="en-US"/>
-              <a:t>Softmax</a:t>
-            </a:r>
-          </a:p>
-        </p:txBody>
-      </p:sp>
-      <p:sp>
-        <p:nvSpPr>
-          <p:cNvPr id="24" name="Down Arrow 23">
-            <a:extLst>
-              <a:ext uri="{FF2B5EF4-FFF2-40B4-BE49-F238E27FC236}">
-                <a16:creationId xmlns:a16="http://schemas.microsoft.com/office/drawing/2014/main" id="{5B8A8200-1A61-9A43-8F04-80F717E9B000}"/>
-              </a:ext>
-            </a:extLst>
-          </p:cNvPr>
-          <p:cNvSpPr/>
-          <p:nvPr/>
-        </p:nvSpPr>
-        <p:spPr>
-          <a:xfrm>
-            <a:off x="9127005" y="7834882"/>
+          <p:cNvPr id="99" name="Down Arrow 98">
+            <a:extLst>
+              <a:ext uri="{FF2B5EF4-FFF2-40B4-BE49-F238E27FC236}">
+                <a16:creationId xmlns:a16="http://schemas.microsoft.com/office/drawing/2014/main" id="{F51D490F-46EF-B84B-A119-C4E3B360FA11}"/>
+              </a:ext>
+            </a:extLst>
+          </p:cNvPr>
+          <p:cNvSpPr/>
+          <p:nvPr/>
+        </p:nvSpPr>
+        <p:spPr>
+          <a:xfrm>
+            <a:off x="8233068" y="9797360"/>
             <a:ext cx="381964" cy="428262"/>
           </a:xfrm>
           <a:prstGeom prst="downArrow">
@@ -7768,22 +7717,121 @@
           </a:p>
         </p:txBody>
       </p:sp>
-      <p:sp>
-        <p:nvSpPr>
-          <p:cNvPr id="25" name="Down Arrow 24">
-            <a:extLst>
-              <a:ext uri="{FF2B5EF4-FFF2-40B4-BE49-F238E27FC236}">
-                <a16:creationId xmlns:a16="http://schemas.microsoft.com/office/drawing/2014/main" id="{454F61DD-CF26-0343-993B-E71B9524B95F}"/>
-              </a:ext>
-            </a:extLst>
-          </p:cNvPr>
-          <p:cNvSpPr/>
-          <p:nvPr/>
-        </p:nvSpPr>
-        <p:spPr>
-          <a:xfrm>
-            <a:off x="9127005" y="9032233"/>
-            <a:ext cx="381964" cy="428262"/>
+      <p:cxnSp>
+        <p:nvCxnSpPr>
+          <p:cNvPr id="103" name="Straight Arrow Connector 102">
+            <a:extLst>
+              <a:ext uri="{FF2B5EF4-FFF2-40B4-BE49-F238E27FC236}">
+                <a16:creationId xmlns:a16="http://schemas.microsoft.com/office/drawing/2014/main" id="{48E82184-43C1-7D46-9834-06EBC665D3F5}"/>
+              </a:ext>
+            </a:extLst>
+          </p:cNvPr>
+          <p:cNvCxnSpPr>
+            <a:cxnSpLocks/>
+            <a:stCxn id="86" idx="3"/>
+          </p:cNvCxnSpPr>
+          <p:nvPr/>
+        </p:nvCxnSpPr>
+        <p:spPr>
+          <a:xfrm>
+            <a:off x="6229958" y="5949594"/>
+            <a:ext cx="1374996" cy="344069"/>
+          </a:xfrm>
+          <a:prstGeom prst="straightConnector1">
+            <a:avLst/>
+          </a:prstGeom>
+          <a:ln>
+            <a:tailEnd type="triangle"/>
+          </a:ln>
+        </p:spPr>
+        <p:style>
+          <a:lnRef idx="1">
+            <a:schemeClr val="dk1"/>
+          </a:lnRef>
+          <a:fillRef idx="0">
+            <a:schemeClr val="dk1"/>
+          </a:fillRef>
+          <a:effectRef idx="0">
+            <a:schemeClr val="dk1"/>
+          </a:effectRef>
+          <a:fontRef idx="minor">
+            <a:schemeClr val="tx1"/>
+          </a:fontRef>
+        </p:style>
+      </p:cxnSp>
+      <p:sp>
+        <p:nvSpPr>
+          <p:cNvPr id="110" name="Diamond 109">
+            <a:extLst>
+              <a:ext uri="{FF2B5EF4-FFF2-40B4-BE49-F238E27FC236}">
+                <a16:creationId xmlns:a16="http://schemas.microsoft.com/office/drawing/2014/main" id="{AE4C2E08-C7CA-1A4F-8A6E-6E8D16B38182}"/>
+              </a:ext>
+            </a:extLst>
+          </p:cNvPr>
+          <p:cNvSpPr/>
+          <p:nvPr/>
+        </p:nvSpPr>
+        <p:spPr>
+          <a:xfrm>
+            <a:off x="7216984" y="8024023"/>
+            <a:ext cx="2423155" cy="835996"/>
+          </a:xfrm>
+          <a:prstGeom prst="diamond">
+            <a:avLst/>
+          </a:prstGeom>
+        </p:spPr>
+        <p:style>
+          <a:lnRef idx="2">
+            <a:schemeClr val="accent1">
+              <a:shade val="50000"/>
+            </a:schemeClr>
+          </a:lnRef>
+          <a:fillRef idx="1">
+            <a:schemeClr val="accent1"/>
+          </a:fillRef>
+          <a:effectRef idx="0">
+            <a:schemeClr val="accent1"/>
+          </a:effectRef>
+          <a:fontRef idx="minor">
+            <a:schemeClr val="lt1"/>
+          </a:fontRef>
+        </p:style>
+        <p:txBody>
+          <a:bodyPr wrap="none" lIns="36000" rIns="36000" rtlCol="0" anchor="ctr"/>
+          <a:lstStyle/>
+          <a:p>
+            <a:pPr algn="ctr"/>
+            <a:r>
+              <a:rPr lang="en-GB"/>
+              <a:t>FF-NN:</a:t>
+            </a:r>
+            <a:br>
+              <a:rPr lang="en-GB"/>
+            </a:br>
+            <a:r>
+              <a:rPr lang="en-GB"/>
+              <a:t>linear2senses</a:t>
+            </a:r>
+            <a:endParaRPr lang="en-US"/>
+          </a:p>
+        </p:txBody>
+      </p:sp>
+      <p:sp>
+        <p:nvSpPr>
+          <p:cNvPr id="111" name="Down Arrow 110">
+            <a:extLst>
+              <a:ext uri="{FF2B5EF4-FFF2-40B4-BE49-F238E27FC236}">
+                <a16:creationId xmlns:a16="http://schemas.microsoft.com/office/drawing/2014/main" id="{C4A77C34-6AAE-CF4F-9234-5F76595DAA01}"/>
+              </a:ext>
+            </a:extLst>
+          </p:cNvPr>
+          <p:cNvSpPr/>
+          <p:nvPr/>
+        </p:nvSpPr>
+        <p:spPr>
+          <a:xfrm>
+            <a:off x="8229130" y="7168748"/>
+            <a:ext cx="381964" cy="868992"/>
           </a:xfrm>
           <a:prstGeom prst="downArrow">
             <a:avLst/>
@@ -7819,26 +7867,204 @@
       </p:sp>
       <p:sp>
         <p:nvSpPr>
-          <p:cNvPr id="26" name="Rectangle 25">
-            <a:extLst>
-              <a:ext uri="{FF2B5EF4-FFF2-40B4-BE49-F238E27FC236}">
-                <a16:creationId xmlns:a16="http://schemas.microsoft.com/office/drawing/2014/main" id="{F289D602-95DA-9B40-AE72-9263EC9FE3D9}"/>
-              </a:ext>
-            </a:extLst>
-          </p:cNvPr>
-          <p:cNvSpPr/>
-          <p:nvPr/>
-        </p:nvSpPr>
-        <p:spPr>
-          <a:xfrm>
-            <a:off x="8324250" y="9460496"/>
-            <a:ext cx="1987475" cy="755561"/>
+          <p:cNvPr id="112" name="Down Arrow 111">
+            <a:extLst>
+              <a:ext uri="{FF2B5EF4-FFF2-40B4-BE49-F238E27FC236}">
+                <a16:creationId xmlns:a16="http://schemas.microsoft.com/office/drawing/2014/main" id="{FDC1CB01-C028-6C48-95D2-4C7288B55F66}"/>
+              </a:ext>
+            </a:extLst>
+          </p:cNvPr>
+          <p:cNvSpPr/>
+          <p:nvPr/>
+        </p:nvSpPr>
+        <p:spPr>
+          <a:xfrm>
+            <a:off x="8227381" y="8838659"/>
+            <a:ext cx="381964" cy="428262"/>
+          </a:xfrm>
+          <a:prstGeom prst="downArrow">
+            <a:avLst/>
+          </a:prstGeom>
+          <a:solidFill>
+            <a:schemeClr val="bg1"/>
+          </a:solidFill>
+        </p:spPr>
+        <p:style>
+          <a:lnRef idx="2">
+            <a:schemeClr val="accent1">
+              <a:shade val="50000"/>
+            </a:schemeClr>
+          </a:lnRef>
+          <a:fillRef idx="1">
+            <a:schemeClr val="accent1"/>
+          </a:fillRef>
+          <a:effectRef idx="0">
+            <a:schemeClr val="accent1"/>
+          </a:effectRef>
+          <a:fontRef idx="minor">
+            <a:schemeClr val="lt1"/>
+          </a:fontRef>
+        </p:style>
+        <p:txBody>
+          <a:bodyPr rtlCol="0" anchor="ctr"/>
+          <a:lstStyle/>
+          <a:p>
+            <a:pPr algn="ctr"/>
+            <a:endParaRPr lang="en-US"/>
+          </a:p>
+        </p:txBody>
+      </p:sp>
+      <p:sp>
+        <p:nvSpPr>
+          <p:cNvPr id="114" name="Left Bracket 113">
+            <a:extLst>
+              <a:ext uri="{FF2B5EF4-FFF2-40B4-BE49-F238E27FC236}">
+                <a16:creationId xmlns:a16="http://schemas.microsoft.com/office/drawing/2014/main" id="{D6FA0586-C9C1-0645-96D3-C580A6E207AE}"/>
+              </a:ext>
+            </a:extLst>
+          </p:cNvPr>
+          <p:cNvSpPr/>
+          <p:nvPr/>
+        </p:nvSpPr>
+        <p:spPr>
+          <a:xfrm>
+            <a:off x="2698418" y="5231968"/>
+            <a:ext cx="299326" cy="1111170"/>
+          </a:xfrm>
+          <a:prstGeom prst="leftBracket">
+            <a:avLst/>
+          </a:prstGeom>
+          <a:ln w="12700"/>
+        </p:spPr>
+        <p:style>
+          <a:lnRef idx="1">
+            <a:schemeClr val="accent1"/>
+          </a:lnRef>
+          <a:fillRef idx="0">
+            <a:schemeClr val="accent1"/>
+          </a:fillRef>
+          <a:effectRef idx="0">
+            <a:schemeClr val="accent1"/>
+          </a:effectRef>
+          <a:fontRef idx="minor">
+            <a:schemeClr val="tx1"/>
+          </a:fontRef>
+        </p:style>
+        <p:txBody>
+          <a:bodyPr rtlCol="0" anchor="ctr"/>
+          <a:lstStyle/>
+          <a:p>
+            <a:pPr algn="ctr"/>
+            <a:endParaRPr lang="en-US"/>
+          </a:p>
+        </p:txBody>
+      </p:sp>
+      <p:sp>
+        <p:nvSpPr>
+          <p:cNvPr id="2" name="TextBox 1">
+            <a:extLst>
+              <a:ext uri="{FF2B5EF4-FFF2-40B4-BE49-F238E27FC236}">
+                <a16:creationId xmlns:a16="http://schemas.microsoft.com/office/drawing/2014/main" id="{CD51F447-4C90-B042-B3E2-0278C3F50ABF}"/>
+              </a:ext>
+            </a:extLst>
+          </p:cNvPr>
+          <p:cNvSpPr txBox="1"/>
+          <p:nvPr/>
+        </p:nvSpPr>
+        <p:spPr>
+          <a:xfrm>
+            <a:off x="1723920" y="5498185"/>
+            <a:ext cx="1040022" cy="369332"/>
           </a:xfrm>
           <a:prstGeom prst="rect">
             <a:avLst/>
           </a:prstGeom>
+          <a:noFill/>
+        </p:spPr>
+        <p:txBody>
+          <a:bodyPr wrap="square" rtlCol="0">
+            <a:spAutoFit/>
+          </a:bodyPr>
+          <a:lstStyle/>
+          <a:p>
+            <a:r>
+              <a:rPr lang="en-US" b="1"/>
+              <a:t>GRU</a:t>
+            </a:r>
+          </a:p>
+        </p:txBody>
+      </p:sp>
+      <p:sp>
+        <p:nvSpPr>
+          <p:cNvPr id="115" name="Diamond 114">
+            <a:extLst>
+              <a:ext uri="{FF2B5EF4-FFF2-40B4-BE49-F238E27FC236}">
+                <a16:creationId xmlns:a16="http://schemas.microsoft.com/office/drawing/2014/main" id="{F069E149-BA77-2B4D-A2C9-3C304350BADE}"/>
+              </a:ext>
+            </a:extLst>
+          </p:cNvPr>
+          <p:cNvSpPr/>
+          <p:nvPr/>
+        </p:nvSpPr>
+        <p:spPr>
+          <a:xfrm>
+            <a:off x="4064291" y="6105268"/>
+            <a:ext cx="2423155" cy="756806"/>
+          </a:xfrm>
+          <a:prstGeom prst="diamond">
+            <a:avLst/>
+          </a:prstGeom>
+        </p:spPr>
+        <p:style>
+          <a:lnRef idx="2">
+            <a:schemeClr val="accent1">
+              <a:shade val="50000"/>
+            </a:schemeClr>
+          </a:lnRef>
+          <a:fillRef idx="1">
+            <a:schemeClr val="accent1"/>
+          </a:fillRef>
+          <a:effectRef idx="0">
+            <a:schemeClr val="accent1"/>
+          </a:effectRef>
+          <a:fontRef idx="minor">
+            <a:schemeClr val="lt1"/>
+          </a:fontRef>
+        </p:style>
+        <p:txBody>
+          <a:bodyPr rtlCol="0" anchor="ctr"/>
+          <a:lstStyle/>
+          <a:p>
+            <a:pPr algn="ctr"/>
+            <a:r>
+              <a:rPr lang="en-US"/>
+              <a:t>Layer 2 of GRU</a:t>
+            </a:r>
+          </a:p>
+        </p:txBody>
+      </p:sp>
+      <p:sp>
+        <p:nvSpPr>
+          <p:cNvPr id="116" name="Rectangle 115">
+            <a:extLst>
+              <a:ext uri="{FF2B5EF4-FFF2-40B4-BE49-F238E27FC236}">
+                <a16:creationId xmlns:a16="http://schemas.microsoft.com/office/drawing/2014/main" id="{DFA289A8-0F99-5146-8DC5-32B647A8B770}"/>
+              </a:ext>
+            </a:extLst>
+          </p:cNvPr>
+          <p:cNvSpPr/>
+          <p:nvPr/>
+        </p:nvSpPr>
+        <p:spPr>
+          <a:xfrm>
+            <a:off x="4242482" y="6881353"/>
+            <a:ext cx="1987475" cy="299327"/>
+          </a:xfrm>
+          <a:prstGeom prst="rect">
+            <a:avLst/>
+          </a:prstGeom>
           <a:solidFill>
-            <a:schemeClr val="accent4">
+            <a:schemeClr val="accent5">
               <a:lumMod val="40000"/>
               <a:lumOff val="60000"/>
             </a:schemeClr>
@@ -7871,34 +8097,31 @@
                   <a:schemeClr val="tx1"/>
                 </a:solidFill>
               </a:rPr>
-              <a:t>Predicted probabilities – next word sense</a:t>
-            </a:r>
-          </a:p>
-        </p:txBody>
-      </p:sp>
-      <p:sp>
-        <p:nvSpPr>
-          <p:cNvPr id="28" name="Down Arrow 27">
-            <a:extLst>
-              <a:ext uri="{FF2B5EF4-FFF2-40B4-BE49-F238E27FC236}">
-                <a16:creationId xmlns:a16="http://schemas.microsoft.com/office/drawing/2014/main" id="{60FC0E32-05FF-644D-A9BE-9952CF06BC45}"/>
-              </a:ext>
-            </a:extLst>
-          </p:cNvPr>
-          <p:cNvSpPr/>
-          <p:nvPr/>
-        </p:nvSpPr>
-        <p:spPr>
-          <a:xfrm>
-            <a:off x="9127004" y="3429000"/>
-            <a:ext cx="381964" cy="1264260"/>
-          </a:xfrm>
-          <a:prstGeom prst="downArrow">
-            <a:avLst/>
-          </a:prstGeom>
-          <a:solidFill>
-            <a:schemeClr val="bg1"/>
-          </a:solidFill>
+              <a:t>Hidden state 2</a:t>
+            </a:r>
+          </a:p>
+        </p:txBody>
+      </p:sp>
+      <p:sp>
+        <p:nvSpPr>
+          <p:cNvPr id="117" name="Diamond 116">
+            <a:extLst>
+              <a:ext uri="{FF2B5EF4-FFF2-40B4-BE49-F238E27FC236}">
+                <a16:creationId xmlns:a16="http://schemas.microsoft.com/office/drawing/2014/main" id="{FA4779EC-9A0D-CB41-868F-70F7E232C442}"/>
+              </a:ext>
+            </a:extLst>
+          </p:cNvPr>
+          <p:cNvSpPr/>
+          <p:nvPr/>
+        </p:nvSpPr>
+        <p:spPr>
+          <a:xfrm>
+            <a:off x="7208535" y="6090291"/>
+            <a:ext cx="2423155" cy="756806"/>
+          </a:xfrm>
+          <a:prstGeom prst="diamond">
+            <a:avLst/>
+          </a:prstGeom>
         </p:spPr>
         <p:style>
           <a:lnRef idx="2">
@@ -7917,545 +8140,80 @@
           </a:fontRef>
         </p:style>
         <p:txBody>
-          <a:bodyPr wrap="none" rtlCol="0" anchor="ctr"/>
-          <a:lstStyle/>
-          <a:p>
-            <a:pPr algn="ctr"/>
-            <a:r>
-              <a:rPr lang="en-US" b="1">
+          <a:bodyPr rtlCol="0" anchor="ctr"/>
+          <a:lstStyle/>
+          <a:p>
+            <a:pPr algn="ctr"/>
+            <a:r>
+              <a:rPr lang="en-US"/>
+              <a:t>Layer 2b of GRU</a:t>
+            </a:r>
+          </a:p>
+        </p:txBody>
+      </p:sp>
+      <p:sp>
+        <p:nvSpPr>
+          <p:cNvPr id="118" name="Rectangle 117">
+            <a:extLst>
+              <a:ext uri="{FF2B5EF4-FFF2-40B4-BE49-F238E27FC236}">
+                <a16:creationId xmlns:a16="http://schemas.microsoft.com/office/drawing/2014/main" id="{1D7FA5EB-8E41-BE4A-9971-CF1924145332}"/>
+              </a:ext>
+            </a:extLst>
+          </p:cNvPr>
+          <p:cNvSpPr/>
+          <p:nvPr/>
+        </p:nvSpPr>
+        <p:spPr>
+          <a:xfrm>
+            <a:off x="7427114" y="6854263"/>
+            <a:ext cx="1987475" cy="299327"/>
+          </a:xfrm>
+          <a:prstGeom prst="rect">
+            <a:avLst/>
+          </a:prstGeom>
+          <a:solidFill>
+            <a:schemeClr val="accent5">
+              <a:lumMod val="40000"/>
+              <a:lumOff val="60000"/>
+            </a:schemeClr>
+          </a:solidFill>
+        </p:spPr>
+        <p:style>
+          <a:lnRef idx="2">
+            <a:schemeClr val="accent5">
+              <a:shade val="50000"/>
+            </a:schemeClr>
+          </a:lnRef>
+          <a:fillRef idx="1">
+            <a:schemeClr val="accent5"/>
+          </a:fillRef>
+          <a:effectRef idx="0">
+            <a:schemeClr val="accent5"/>
+          </a:effectRef>
+          <a:fontRef idx="minor">
+            <a:schemeClr val="lt1"/>
+          </a:fontRef>
+        </p:style>
+        <p:txBody>
+          <a:bodyPr rtlCol="0" anchor="ctr"/>
+          <a:lstStyle/>
+          <a:p>
+            <a:pPr algn="ctr"/>
+            <a:r>
+              <a:rPr lang="en-US" sz="1600">
                 <a:solidFill>
                   <a:schemeClr val="tx1"/>
                 </a:solidFill>
               </a:rPr>
-              <a:t>I n p u t</a:t>
-            </a:r>
-          </a:p>
-        </p:txBody>
-      </p:sp>
-      <p:cxnSp>
-        <p:nvCxnSpPr>
-          <p:cNvPr id="29" name="Straight Arrow Connector 28">
-            <a:extLst>
-              <a:ext uri="{FF2B5EF4-FFF2-40B4-BE49-F238E27FC236}">
-                <a16:creationId xmlns:a16="http://schemas.microsoft.com/office/drawing/2014/main" id="{CB7E18E4-7196-0F45-BCF5-E91BA4004445}"/>
-              </a:ext>
-            </a:extLst>
-          </p:cNvPr>
-          <p:cNvCxnSpPr>
-            <a:cxnSpLocks/>
-            <a:stCxn id="7" idx="3"/>
-          </p:cNvCxnSpPr>
-          <p:nvPr/>
-        </p:nvCxnSpPr>
-        <p:spPr>
-          <a:xfrm flipV="1">
-            <a:off x="6559600" y="5284699"/>
-            <a:ext cx="1577403" cy="19338"/>
-          </a:xfrm>
-          <a:prstGeom prst="straightConnector1">
-            <a:avLst/>
-          </a:prstGeom>
-          <a:ln>
-            <a:tailEnd type="triangle"/>
-          </a:ln>
-        </p:spPr>
-        <p:style>
-          <a:lnRef idx="1">
-            <a:schemeClr val="dk1"/>
-          </a:lnRef>
-          <a:fillRef idx="0">
-            <a:schemeClr val="dk1"/>
-          </a:fillRef>
-          <a:effectRef idx="0">
-            <a:schemeClr val="dk1"/>
-          </a:effectRef>
-          <a:fontRef idx="minor">
-            <a:schemeClr val="tx1"/>
-          </a:fontRef>
-        </p:style>
-      </p:cxnSp>
-      <p:sp>
-        <p:nvSpPr>
-          <p:cNvPr id="32" name="TextBox 31">
-            <a:extLst>
-              <a:ext uri="{FF2B5EF4-FFF2-40B4-BE49-F238E27FC236}">
-                <a16:creationId xmlns:a16="http://schemas.microsoft.com/office/drawing/2014/main" id="{F5562014-DAFF-0F47-A405-000F54031463}"/>
-              </a:ext>
-            </a:extLst>
-          </p:cNvPr>
-          <p:cNvSpPr txBox="1"/>
-          <p:nvPr/>
-        </p:nvSpPr>
-        <p:spPr>
-          <a:xfrm>
-            <a:off x="8683037" y="4618911"/>
-            <a:ext cx="1602487" cy="369332"/>
-          </a:xfrm>
-          <a:prstGeom prst="rect">
-            <a:avLst/>
-          </a:prstGeom>
-          <a:noFill/>
-        </p:spPr>
-        <p:txBody>
-          <a:bodyPr wrap="square" rtlCol="0">
-            <a:spAutoFit/>
-          </a:bodyPr>
-          <a:lstStyle/>
-          <a:p>
-            <a:r>
-              <a:rPr lang="en-US"/>
-              <a:t>Concatenate:</a:t>
-            </a:r>
-          </a:p>
-        </p:txBody>
-      </p:sp>
-      <p:sp>
-        <p:nvSpPr>
-          <p:cNvPr id="33" name="Rectangle 32">
-            <a:extLst>
-              <a:ext uri="{FF2B5EF4-FFF2-40B4-BE49-F238E27FC236}">
-                <a16:creationId xmlns:a16="http://schemas.microsoft.com/office/drawing/2014/main" id="{CBBDC58C-FB79-9743-AC32-4E975544F29D}"/>
-              </a:ext>
-            </a:extLst>
-          </p:cNvPr>
-          <p:cNvSpPr/>
-          <p:nvPr/>
-        </p:nvSpPr>
-        <p:spPr>
-          <a:xfrm>
-            <a:off x="9030815" y="5049521"/>
-            <a:ext cx="906930" cy="554077"/>
-          </a:xfrm>
-          <a:prstGeom prst="rect">
-            <a:avLst/>
-          </a:prstGeom>
-          <a:solidFill>
-            <a:schemeClr val="accent2">
-              <a:lumMod val="60000"/>
-              <a:lumOff val="40000"/>
-            </a:schemeClr>
-          </a:solidFill>
-        </p:spPr>
-        <p:style>
-          <a:lnRef idx="2">
-            <a:schemeClr val="accent4">
-              <a:shade val="50000"/>
-            </a:schemeClr>
-          </a:lnRef>
-          <a:fillRef idx="1">
-            <a:schemeClr val="accent4"/>
-          </a:fillRef>
-          <a:effectRef idx="0">
-            <a:schemeClr val="accent4"/>
-          </a:effectRef>
-          <a:fontRef idx="minor">
-            <a:schemeClr val="lt1"/>
-          </a:fontRef>
-        </p:style>
-        <p:txBody>
-          <a:bodyPr rtlCol="0" anchor="ctr"/>
-          <a:lstStyle/>
-          <a:p>
-            <a:pPr algn="ctr"/>
-            <a:r>
-              <a:rPr lang="en-US" sz="1200" b="1">
-                <a:solidFill>
-                  <a:schemeClr val="tx1"/>
-                </a:solidFill>
-              </a:rPr>
-              <a:t>Word Embedding</a:t>
-            </a:r>
-          </a:p>
-        </p:txBody>
-      </p:sp>
-      <p:sp>
-        <p:nvSpPr>
-          <p:cNvPr id="34" name="Rectangle 33">
-            <a:extLst>
-              <a:ext uri="{FF2B5EF4-FFF2-40B4-BE49-F238E27FC236}">
-                <a16:creationId xmlns:a16="http://schemas.microsoft.com/office/drawing/2014/main" id="{CEE65BB6-CFD3-7948-933E-EBD1D87BDFF3}"/>
-              </a:ext>
-            </a:extLst>
-          </p:cNvPr>
-          <p:cNvSpPr/>
-          <p:nvPr/>
-        </p:nvSpPr>
-        <p:spPr>
-          <a:xfrm>
-            <a:off x="9937745" y="5038712"/>
-            <a:ext cx="973594" cy="564886"/>
-          </a:xfrm>
-          <a:prstGeom prst="rect">
-            <a:avLst/>
-          </a:prstGeom>
-        </p:spPr>
-        <p:style>
-          <a:lnRef idx="2">
-            <a:schemeClr val="accent4">
-              <a:shade val="50000"/>
-            </a:schemeClr>
-          </a:lnRef>
-          <a:fillRef idx="1">
-            <a:schemeClr val="accent4"/>
-          </a:fillRef>
-          <a:effectRef idx="0">
-            <a:schemeClr val="accent4"/>
-          </a:effectRef>
-          <a:fontRef idx="minor">
-            <a:schemeClr val="lt1"/>
-          </a:fontRef>
-        </p:style>
-        <p:txBody>
-          <a:bodyPr rtlCol="0" anchor="ctr"/>
-          <a:lstStyle/>
-          <a:p>
-            <a:pPr algn="ctr"/>
-            <a:r>
-              <a:rPr lang="en-US" sz="1200" b="1">
-                <a:solidFill>
-                  <a:schemeClr val="tx1"/>
-                </a:solidFill>
-              </a:rPr>
-              <a:t>Word Node State</a:t>
-            </a:r>
-          </a:p>
-        </p:txBody>
-      </p:sp>
-      <p:sp>
-        <p:nvSpPr>
-          <p:cNvPr id="35" name="Rectangle 34">
-            <a:extLst>
-              <a:ext uri="{FF2B5EF4-FFF2-40B4-BE49-F238E27FC236}">
-                <a16:creationId xmlns:a16="http://schemas.microsoft.com/office/drawing/2014/main" id="{75DA4D2A-83BD-AB40-B037-4DABB3945422}"/>
-              </a:ext>
-            </a:extLst>
-          </p:cNvPr>
-          <p:cNvSpPr/>
-          <p:nvPr/>
-        </p:nvSpPr>
-        <p:spPr>
-          <a:xfrm>
-            <a:off x="10911340" y="5037547"/>
-            <a:ext cx="732793" cy="564884"/>
-          </a:xfrm>
-          <a:prstGeom prst="rect">
-            <a:avLst/>
-          </a:prstGeom>
-        </p:spPr>
-        <p:style>
-          <a:lnRef idx="1">
-            <a:schemeClr val="accent6"/>
-          </a:lnRef>
-          <a:fillRef idx="2">
-            <a:schemeClr val="accent6"/>
-          </a:fillRef>
-          <a:effectRef idx="1">
-            <a:schemeClr val="accent6"/>
-          </a:effectRef>
-          <a:fontRef idx="minor">
-            <a:schemeClr val="dk1"/>
-          </a:fontRef>
-        </p:style>
-        <p:txBody>
-          <a:bodyPr rtlCol="0" anchor="ctr"/>
-          <a:lstStyle/>
-          <a:p>
-            <a:pPr algn="ctr"/>
-            <a:r>
-              <a:rPr lang="en-US" sz="1200" b="1"/>
-              <a:t>Sense </a:t>
-            </a:r>
-            <a:r>
-              <a:rPr lang="en-US" sz="1200" b="1">
-                <a:solidFill>
-                  <a:schemeClr val="tx1"/>
-                </a:solidFill>
-              </a:rPr>
-              <a:t>Node State</a:t>
-            </a:r>
-          </a:p>
-        </p:txBody>
-      </p:sp>
-      <p:sp>
-        <p:nvSpPr>
-          <p:cNvPr id="38" name="TextBox 37">
-            <a:extLst>
-              <a:ext uri="{FF2B5EF4-FFF2-40B4-BE49-F238E27FC236}">
-                <a16:creationId xmlns:a16="http://schemas.microsoft.com/office/drawing/2014/main" id="{61B43942-276C-6D46-8BD6-0F7B64E361B8}"/>
-              </a:ext>
-            </a:extLst>
-          </p:cNvPr>
-          <p:cNvSpPr txBox="1"/>
-          <p:nvPr/>
-        </p:nvSpPr>
-        <p:spPr>
-          <a:xfrm>
-            <a:off x="6877573" y="4826984"/>
-            <a:ext cx="1364765" cy="954107"/>
-          </a:xfrm>
-          <a:prstGeom prst="rect">
-            <a:avLst/>
-          </a:prstGeom>
-          <a:noFill/>
-        </p:spPr>
-        <p:txBody>
-          <a:bodyPr wrap="square" rtlCol="0">
-            <a:spAutoFit/>
-          </a:bodyPr>
-          <a:lstStyle/>
-          <a:p>
-            <a:r>
-              <a:rPr lang="en-US" sz="1400"/>
-              <a:t>Copy without gradient</a:t>
-            </a:r>
-            <a:br>
-              <a:rPr lang="en-US" sz="1400"/>
-            </a:br>
-            <a:r>
-              <a:rPr lang="en-US" sz="1400"/>
-              <a:t>(photo of the current context)</a:t>
-            </a:r>
-          </a:p>
-        </p:txBody>
-      </p:sp>
-      <p:sp>
-        <p:nvSpPr>
-          <p:cNvPr id="39" name="Rectangle 38">
-            <a:extLst>
-              <a:ext uri="{FF2B5EF4-FFF2-40B4-BE49-F238E27FC236}">
-                <a16:creationId xmlns:a16="http://schemas.microsoft.com/office/drawing/2014/main" id="{457E5AAA-6CCC-434B-95B5-DA10C85A4334}"/>
-              </a:ext>
-            </a:extLst>
-          </p:cNvPr>
-          <p:cNvSpPr/>
-          <p:nvPr/>
-        </p:nvSpPr>
-        <p:spPr>
-          <a:xfrm>
-            <a:off x="8134355" y="5050139"/>
-            <a:ext cx="896461" cy="552292"/>
-          </a:xfrm>
-          <a:prstGeom prst="rect">
-            <a:avLst/>
-          </a:prstGeom>
-          <a:solidFill>
-            <a:schemeClr val="accent5">
-              <a:lumMod val="40000"/>
-              <a:lumOff val="60000"/>
-            </a:schemeClr>
-          </a:solidFill>
-        </p:spPr>
-        <p:style>
-          <a:lnRef idx="2">
-            <a:schemeClr val="accent5">
-              <a:shade val="50000"/>
-            </a:schemeClr>
-          </a:lnRef>
-          <a:fillRef idx="1">
-            <a:schemeClr val="accent5"/>
-          </a:fillRef>
-          <a:effectRef idx="0">
-            <a:schemeClr val="accent5"/>
-          </a:effectRef>
-          <a:fontRef idx="minor">
-            <a:schemeClr val="lt1"/>
-          </a:fontRef>
-        </p:style>
-        <p:txBody>
-          <a:bodyPr rtlCol="0" anchor="ctr"/>
-          <a:lstStyle/>
-          <a:p>
-            <a:pPr algn="ctr"/>
-            <a:r>
-              <a:rPr lang="en-US" sz="1400">
-                <a:solidFill>
-                  <a:schemeClr val="tx1"/>
-                </a:solidFill>
-              </a:rPr>
-              <a:t>Encoding </a:t>
-            </a:r>
-            <a:br>
-              <a:rPr lang="en-US" sz="1400">
-                <a:solidFill>
-                  <a:schemeClr val="tx1"/>
-                </a:solidFill>
-              </a:rPr>
-            </a:br>
-            <a:r>
-              <a:rPr lang="en-US" sz="1400">
-                <a:solidFill>
-                  <a:schemeClr val="tx1"/>
-                </a:solidFill>
-              </a:rPr>
-              <a:t>(Hidden state 2)</a:t>
-            </a:r>
-            <a:endParaRPr lang="en-US" sz="1400" b="1">
-              <a:solidFill>
-                <a:schemeClr val="tx1"/>
-              </a:solidFill>
-            </a:endParaRPr>
-          </a:p>
-        </p:txBody>
-      </p:sp>
-      <p:sp>
-        <p:nvSpPr>
-          <p:cNvPr id="40" name="Diamond 39">
-            <a:extLst>
-              <a:ext uri="{FF2B5EF4-FFF2-40B4-BE49-F238E27FC236}">
-                <a16:creationId xmlns:a16="http://schemas.microsoft.com/office/drawing/2014/main" id="{811FA52D-6D28-F24F-8E62-DF24DACE56DD}"/>
-              </a:ext>
-            </a:extLst>
-          </p:cNvPr>
-          <p:cNvSpPr/>
-          <p:nvPr/>
-        </p:nvSpPr>
-        <p:spPr>
-          <a:xfrm>
-            <a:off x="8089148" y="6040185"/>
-            <a:ext cx="2423155" cy="835996"/>
-          </a:xfrm>
-          <a:prstGeom prst="diamond">
-            <a:avLst/>
-          </a:prstGeom>
-        </p:spPr>
-        <p:style>
-          <a:lnRef idx="2">
-            <a:schemeClr val="accent1">
-              <a:shade val="50000"/>
-            </a:schemeClr>
-          </a:lnRef>
-          <a:fillRef idx="1">
-            <a:schemeClr val="accent1"/>
-          </a:fillRef>
-          <a:effectRef idx="0">
-            <a:schemeClr val="accent1"/>
-          </a:effectRef>
-          <a:fontRef idx="minor">
-            <a:schemeClr val="lt1"/>
-          </a:fontRef>
-        </p:style>
-        <p:txBody>
-          <a:bodyPr wrap="none" lIns="36000" rIns="36000" rtlCol="0" anchor="ctr"/>
-          <a:lstStyle/>
-          <a:p>
-            <a:pPr algn="ctr"/>
-            <a:r>
-              <a:rPr lang="en-GB"/>
-              <a:t>FF-NN:</a:t>
-            </a:r>
-            <a:br>
-              <a:rPr lang="en-GB"/>
-            </a:br>
-            <a:r>
-              <a:rPr lang="en-GB"/>
-              <a:t>linear2senses</a:t>
-            </a:r>
-            <a:endParaRPr lang="en-US"/>
-          </a:p>
-        </p:txBody>
-      </p:sp>
-      <p:sp>
-        <p:nvSpPr>
-          <p:cNvPr id="41" name="Down Arrow 40">
-            <a:extLst>
-              <a:ext uri="{FF2B5EF4-FFF2-40B4-BE49-F238E27FC236}">
-                <a16:creationId xmlns:a16="http://schemas.microsoft.com/office/drawing/2014/main" id="{AB2C63ED-0E0E-1D4D-A763-A7BA067BFD03}"/>
-              </a:ext>
-            </a:extLst>
-          </p:cNvPr>
-          <p:cNvSpPr/>
-          <p:nvPr/>
-        </p:nvSpPr>
-        <p:spPr>
-          <a:xfrm>
-            <a:off x="9121318" y="5590408"/>
-            <a:ext cx="381964" cy="428262"/>
-          </a:xfrm>
-          <a:prstGeom prst="downArrow">
-            <a:avLst/>
-          </a:prstGeom>
-          <a:solidFill>
-            <a:schemeClr val="bg1"/>
-          </a:solidFill>
-        </p:spPr>
-        <p:style>
-          <a:lnRef idx="2">
-            <a:schemeClr val="accent1">
-              <a:shade val="50000"/>
-            </a:schemeClr>
-          </a:lnRef>
-          <a:fillRef idx="1">
-            <a:schemeClr val="accent1"/>
-          </a:fillRef>
-          <a:effectRef idx="0">
-            <a:schemeClr val="accent1"/>
-          </a:effectRef>
-          <a:fontRef idx="minor">
-            <a:schemeClr val="lt1"/>
-          </a:fontRef>
-        </p:style>
-        <p:txBody>
-          <a:bodyPr rtlCol="0" anchor="ctr"/>
-          <a:lstStyle/>
-          <a:p>
-            <a:pPr algn="ctr"/>
-            <a:endParaRPr lang="en-US"/>
-          </a:p>
-        </p:txBody>
-      </p:sp>
-      <p:sp>
-        <p:nvSpPr>
-          <p:cNvPr id="42" name="Down Arrow 41">
-            <a:extLst>
-              <a:ext uri="{FF2B5EF4-FFF2-40B4-BE49-F238E27FC236}">
-                <a16:creationId xmlns:a16="http://schemas.microsoft.com/office/drawing/2014/main" id="{66F620D5-822A-5248-8FB1-03CE9BBC3DC1}"/>
-              </a:ext>
-            </a:extLst>
-          </p:cNvPr>
-          <p:cNvSpPr/>
-          <p:nvPr/>
-        </p:nvSpPr>
-        <p:spPr>
-          <a:xfrm>
-            <a:off x="9121318" y="6876181"/>
-            <a:ext cx="381964" cy="428262"/>
-          </a:xfrm>
-          <a:prstGeom prst="downArrow">
-            <a:avLst/>
-          </a:prstGeom>
-          <a:solidFill>
-            <a:schemeClr val="bg1"/>
-          </a:solidFill>
-        </p:spPr>
-        <p:style>
-          <a:lnRef idx="2">
-            <a:schemeClr val="accent1">
-              <a:shade val="50000"/>
-            </a:schemeClr>
-          </a:lnRef>
-          <a:fillRef idx="1">
-            <a:schemeClr val="accent1"/>
-          </a:fillRef>
-          <a:effectRef idx="0">
-            <a:schemeClr val="accent1"/>
-          </a:effectRef>
-          <a:fontRef idx="minor">
-            <a:schemeClr val="lt1"/>
-          </a:fontRef>
-        </p:style>
-        <p:txBody>
-          <a:bodyPr rtlCol="0" anchor="ctr"/>
-          <a:lstStyle/>
-          <a:p>
-            <a:pPr algn="ctr"/>
-            <a:endParaRPr lang="en-US"/>
+              <a:t>Hidden state 2b</a:t>
+            </a:r>
           </a:p>
         </p:txBody>
       </p:sp>
     </p:spTree>
     <p:extLst>
       <p:ext uri="{BB962C8B-B14F-4D97-AF65-F5344CB8AC3E}">
-        <p14:creationId xmlns:p14="http://schemas.microsoft.com/office/powerpoint/2010/main" val="1331181461"/>
+        <p14:creationId xmlns:p14="http://schemas.microsoft.com/office/powerpoint/2010/main" val="657849569"/>
       </p:ext>
     </p:extLst>
   </p:cSld>
@@ -8484,6 +8242,1526 @@
       </p:grpSpPr>
       <p:sp>
         <p:nvSpPr>
+          <p:cNvPr id="4" name="Diamond 3">
+            <a:extLst>
+              <a:ext uri="{FF2B5EF4-FFF2-40B4-BE49-F238E27FC236}">
+                <a16:creationId xmlns:a16="http://schemas.microsoft.com/office/drawing/2014/main" id="{DBB06CCC-4012-7142-8209-4D3CA3521F99}"/>
+              </a:ext>
+            </a:extLst>
+          </p:cNvPr>
+          <p:cNvSpPr/>
+          <p:nvPr/>
+        </p:nvSpPr>
+        <p:spPr>
+          <a:xfrm>
+            <a:off x="4354286" y="3857263"/>
+            <a:ext cx="2423155" cy="835996"/>
+          </a:xfrm>
+          <a:prstGeom prst="diamond">
+            <a:avLst/>
+          </a:prstGeom>
+        </p:spPr>
+        <p:style>
+          <a:lnRef idx="2">
+            <a:schemeClr val="accent1">
+              <a:shade val="50000"/>
+            </a:schemeClr>
+          </a:lnRef>
+          <a:fillRef idx="1">
+            <a:schemeClr val="accent1"/>
+          </a:fillRef>
+          <a:effectRef idx="0">
+            <a:schemeClr val="accent1"/>
+          </a:effectRef>
+          <a:fontRef idx="minor">
+            <a:schemeClr val="lt1"/>
+          </a:fontRef>
+        </p:style>
+        <p:txBody>
+          <a:bodyPr rtlCol="0" anchor="ctr"/>
+          <a:lstStyle/>
+          <a:p>
+            <a:pPr algn="ctr"/>
+            <a:r>
+              <a:rPr lang="en-US"/>
+              <a:t>2-layers</a:t>
+            </a:r>
+            <a:br>
+              <a:rPr lang="en-US"/>
+            </a:br>
+            <a:r>
+              <a:rPr lang="en-US"/>
+              <a:t>GRU</a:t>
+            </a:r>
+          </a:p>
+        </p:txBody>
+      </p:sp>
+      <p:sp>
+        <p:nvSpPr>
+          <p:cNvPr id="5" name="Down Arrow 4">
+            <a:extLst>
+              <a:ext uri="{FF2B5EF4-FFF2-40B4-BE49-F238E27FC236}">
+                <a16:creationId xmlns:a16="http://schemas.microsoft.com/office/drawing/2014/main" id="{2E1E1C2B-5B16-004D-95B2-00203BDC4738}"/>
+              </a:ext>
+            </a:extLst>
+          </p:cNvPr>
+          <p:cNvSpPr/>
+          <p:nvPr/>
+        </p:nvSpPr>
+        <p:spPr>
+          <a:xfrm>
+            <a:off x="5386454" y="3429001"/>
+            <a:ext cx="381964" cy="428262"/>
+          </a:xfrm>
+          <a:prstGeom prst="downArrow">
+            <a:avLst/>
+          </a:prstGeom>
+          <a:solidFill>
+            <a:schemeClr val="bg1"/>
+          </a:solidFill>
+        </p:spPr>
+        <p:style>
+          <a:lnRef idx="2">
+            <a:schemeClr val="accent1">
+              <a:shade val="50000"/>
+            </a:schemeClr>
+          </a:lnRef>
+          <a:fillRef idx="1">
+            <a:schemeClr val="accent1"/>
+          </a:fillRef>
+          <a:effectRef idx="0">
+            <a:schemeClr val="accent1"/>
+          </a:effectRef>
+          <a:fontRef idx="minor">
+            <a:schemeClr val="lt1"/>
+          </a:fontRef>
+        </p:style>
+        <p:txBody>
+          <a:bodyPr wrap="none" rtlCol="0" anchor="ctr"/>
+          <a:lstStyle/>
+          <a:p>
+            <a:pPr algn="ctr"/>
+            <a:r>
+              <a:rPr lang="en-US" b="1">
+                <a:solidFill>
+                  <a:schemeClr val="tx1"/>
+                </a:solidFill>
+              </a:rPr>
+              <a:t>I n p u t</a:t>
+            </a:r>
+          </a:p>
+        </p:txBody>
+      </p:sp>
+      <p:sp>
+        <p:nvSpPr>
+          <p:cNvPr id="7" name="Rectangle 6">
+            <a:extLst>
+              <a:ext uri="{FF2B5EF4-FFF2-40B4-BE49-F238E27FC236}">
+                <a16:creationId xmlns:a16="http://schemas.microsoft.com/office/drawing/2014/main" id="{CEB94528-BBB3-B44D-860D-084ECFCFE803}"/>
+              </a:ext>
+            </a:extLst>
+          </p:cNvPr>
+          <p:cNvSpPr/>
+          <p:nvPr/>
+        </p:nvSpPr>
+        <p:spPr>
+          <a:xfrm>
+            <a:off x="4572125" y="5038712"/>
+            <a:ext cx="1987475" cy="530651"/>
+          </a:xfrm>
+          <a:prstGeom prst="rect">
+            <a:avLst/>
+          </a:prstGeom>
+          <a:solidFill>
+            <a:schemeClr val="accent5">
+              <a:lumMod val="40000"/>
+              <a:lumOff val="60000"/>
+            </a:schemeClr>
+          </a:solidFill>
+        </p:spPr>
+        <p:style>
+          <a:lnRef idx="2">
+            <a:schemeClr val="accent5">
+              <a:shade val="50000"/>
+            </a:schemeClr>
+          </a:lnRef>
+          <a:fillRef idx="1">
+            <a:schemeClr val="accent5"/>
+          </a:fillRef>
+          <a:effectRef idx="0">
+            <a:schemeClr val="accent5"/>
+          </a:effectRef>
+          <a:fontRef idx="minor">
+            <a:schemeClr val="lt1"/>
+          </a:fontRef>
+        </p:style>
+        <p:txBody>
+          <a:bodyPr rtlCol="0" anchor="ctr"/>
+          <a:lstStyle/>
+          <a:p>
+            <a:pPr algn="ctr"/>
+            <a:r>
+              <a:rPr lang="en-US" sz="1600">
+                <a:solidFill>
+                  <a:schemeClr val="tx1"/>
+                </a:solidFill>
+              </a:rPr>
+              <a:t>Encoding </a:t>
+            </a:r>
+            <a:br>
+              <a:rPr lang="en-US" sz="1600">
+                <a:solidFill>
+                  <a:schemeClr val="tx1"/>
+                </a:solidFill>
+              </a:rPr>
+            </a:br>
+            <a:r>
+              <a:rPr lang="en-US" sz="1600">
+                <a:solidFill>
+                  <a:schemeClr val="tx1"/>
+                </a:solidFill>
+              </a:rPr>
+              <a:t>(Hidden state 2)</a:t>
+            </a:r>
+            <a:endParaRPr lang="en-US" sz="1600" b="1">
+              <a:solidFill>
+                <a:schemeClr val="tx1"/>
+              </a:solidFill>
+            </a:endParaRPr>
+          </a:p>
+        </p:txBody>
+      </p:sp>
+      <p:sp>
+        <p:nvSpPr>
+          <p:cNvPr id="10" name="Diamond 9">
+            <a:extLst>
+              <a:ext uri="{FF2B5EF4-FFF2-40B4-BE49-F238E27FC236}">
+                <a16:creationId xmlns:a16="http://schemas.microsoft.com/office/drawing/2014/main" id="{E26FEDF0-E397-024D-A02E-1E1D21E34639}"/>
+              </a:ext>
+            </a:extLst>
+          </p:cNvPr>
+          <p:cNvSpPr/>
+          <p:nvPr/>
+        </p:nvSpPr>
+        <p:spPr>
+          <a:xfrm>
+            <a:off x="4354284" y="6014410"/>
+            <a:ext cx="2423155" cy="835996"/>
+          </a:xfrm>
+          <a:prstGeom prst="diamond">
+            <a:avLst/>
+          </a:prstGeom>
+        </p:spPr>
+        <p:style>
+          <a:lnRef idx="2">
+            <a:schemeClr val="accent1">
+              <a:shade val="50000"/>
+            </a:schemeClr>
+          </a:lnRef>
+          <a:fillRef idx="1">
+            <a:schemeClr val="accent1"/>
+          </a:fillRef>
+          <a:effectRef idx="0">
+            <a:schemeClr val="accent1"/>
+          </a:effectRef>
+          <a:fontRef idx="minor">
+            <a:schemeClr val="lt1"/>
+          </a:fontRef>
+        </p:style>
+        <p:txBody>
+          <a:bodyPr wrap="none" lIns="36000" rIns="36000" rtlCol="0" anchor="ctr"/>
+          <a:lstStyle/>
+          <a:p>
+            <a:pPr algn="ctr"/>
+            <a:r>
+              <a:rPr lang="en-GB"/>
+              <a:t>FF-NN:</a:t>
+            </a:r>
+            <a:br>
+              <a:rPr lang="en-GB"/>
+            </a:br>
+            <a:r>
+              <a:rPr lang="en-GB"/>
+              <a:t>linear2global</a:t>
+            </a:r>
+            <a:endParaRPr lang="en-US"/>
+          </a:p>
+        </p:txBody>
+      </p:sp>
+      <p:sp>
+        <p:nvSpPr>
+          <p:cNvPr id="12" name="Rectangle 11">
+            <a:extLst>
+              <a:ext uri="{FF2B5EF4-FFF2-40B4-BE49-F238E27FC236}">
+                <a16:creationId xmlns:a16="http://schemas.microsoft.com/office/drawing/2014/main" id="{BF9CF074-2BFA-2E4A-A782-5519DDEB6F3B}"/>
+              </a:ext>
+            </a:extLst>
+          </p:cNvPr>
+          <p:cNvSpPr/>
+          <p:nvPr/>
+        </p:nvSpPr>
+        <p:spPr>
+          <a:xfrm>
+            <a:off x="4596390" y="7311609"/>
+            <a:ext cx="1987475" cy="530651"/>
+          </a:xfrm>
+          <a:prstGeom prst="rect">
+            <a:avLst/>
+          </a:prstGeom>
+          <a:solidFill>
+            <a:schemeClr val="accent5">
+              <a:lumMod val="40000"/>
+              <a:lumOff val="60000"/>
+            </a:schemeClr>
+          </a:solidFill>
+        </p:spPr>
+        <p:style>
+          <a:lnRef idx="2">
+            <a:schemeClr val="accent5">
+              <a:shade val="50000"/>
+            </a:schemeClr>
+          </a:lnRef>
+          <a:fillRef idx="1">
+            <a:schemeClr val="accent5"/>
+          </a:fillRef>
+          <a:effectRef idx="0">
+            <a:schemeClr val="accent5"/>
+          </a:effectRef>
+          <a:fontRef idx="minor">
+            <a:schemeClr val="lt1"/>
+          </a:fontRef>
+        </p:style>
+        <p:txBody>
+          <a:bodyPr rtlCol="0" anchor="ctr"/>
+          <a:lstStyle/>
+          <a:p>
+            <a:pPr algn="ctr"/>
+            <a:r>
+              <a:rPr lang="en-US" sz="1600">
+                <a:solidFill>
+                  <a:schemeClr val="tx1"/>
+                </a:solidFill>
+              </a:rPr>
+              <a:t>Logits of global words</a:t>
+            </a:r>
+          </a:p>
+        </p:txBody>
+      </p:sp>
+      <p:sp>
+        <p:nvSpPr>
+          <p:cNvPr id="14" name="Oval 13">
+            <a:extLst>
+              <a:ext uri="{FF2B5EF4-FFF2-40B4-BE49-F238E27FC236}">
+                <a16:creationId xmlns:a16="http://schemas.microsoft.com/office/drawing/2014/main" id="{CC2973EE-8363-8F47-BA1C-C19ED98DECD3}"/>
+              </a:ext>
+            </a:extLst>
+          </p:cNvPr>
+          <p:cNvSpPr/>
+          <p:nvPr/>
+        </p:nvSpPr>
+        <p:spPr>
+          <a:xfrm>
+            <a:off x="5189683" y="8267181"/>
+            <a:ext cx="752354" cy="755561"/>
+          </a:xfrm>
+          <a:prstGeom prst="ellipse">
+            <a:avLst/>
+          </a:prstGeom>
+        </p:spPr>
+        <p:style>
+          <a:lnRef idx="1">
+            <a:schemeClr val="accent3"/>
+          </a:lnRef>
+          <a:fillRef idx="2">
+            <a:schemeClr val="accent3"/>
+          </a:fillRef>
+          <a:effectRef idx="1">
+            <a:schemeClr val="accent3"/>
+          </a:effectRef>
+          <a:fontRef idx="minor">
+            <a:schemeClr val="dk1"/>
+          </a:fontRef>
+        </p:style>
+        <p:txBody>
+          <a:bodyPr wrap="none" rtlCol="0" anchor="ctr"/>
+          <a:lstStyle/>
+          <a:p>
+            <a:pPr algn="ctr"/>
+            <a:r>
+              <a:rPr lang="en-US"/>
+              <a:t>Softmax</a:t>
+            </a:r>
+          </a:p>
+        </p:txBody>
+      </p:sp>
+      <p:cxnSp>
+        <p:nvCxnSpPr>
+          <p:cNvPr id="16" name="Straight Arrow Connector 15">
+            <a:extLst>
+              <a:ext uri="{FF2B5EF4-FFF2-40B4-BE49-F238E27FC236}">
+                <a16:creationId xmlns:a16="http://schemas.microsoft.com/office/drawing/2014/main" id="{085041C8-9843-9647-A903-D4B6FE815AA6}"/>
+              </a:ext>
+            </a:extLst>
+          </p:cNvPr>
+          <p:cNvCxnSpPr>
+            <a:stCxn id="4" idx="2"/>
+            <a:endCxn id="7" idx="0"/>
+          </p:cNvCxnSpPr>
+          <p:nvPr/>
+        </p:nvCxnSpPr>
+        <p:spPr>
+          <a:xfrm flipH="1">
+            <a:off x="5565863" y="4693259"/>
+            <a:ext cx="1" cy="345452"/>
+          </a:xfrm>
+          <a:prstGeom prst="straightConnector1">
+            <a:avLst/>
+          </a:prstGeom>
+          <a:ln>
+            <a:tailEnd type="triangle"/>
+          </a:ln>
+        </p:spPr>
+        <p:style>
+          <a:lnRef idx="1">
+            <a:schemeClr val="dk1"/>
+          </a:lnRef>
+          <a:fillRef idx="0">
+            <a:schemeClr val="dk1"/>
+          </a:fillRef>
+          <a:effectRef idx="0">
+            <a:schemeClr val="dk1"/>
+          </a:effectRef>
+          <a:fontRef idx="minor">
+            <a:schemeClr val="tx1"/>
+          </a:fontRef>
+        </p:style>
+      </p:cxnSp>
+      <p:sp>
+        <p:nvSpPr>
+          <p:cNvPr id="17" name="Down Arrow 16">
+            <a:extLst>
+              <a:ext uri="{FF2B5EF4-FFF2-40B4-BE49-F238E27FC236}">
+                <a16:creationId xmlns:a16="http://schemas.microsoft.com/office/drawing/2014/main" id="{DBF5080D-6078-4A4D-A114-6B041E937229}"/>
+              </a:ext>
+            </a:extLst>
+          </p:cNvPr>
+          <p:cNvSpPr/>
+          <p:nvPr/>
+        </p:nvSpPr>
+        <p:spPr>
+          <a:xfrm>
+            <a:off x="5386454" y="5564633"/>
+            <a:ext cx="381964" cy="428262"/>
+          </a:xfrm>
+          <a:prstGeom prst="downArrow">
+            <a:avLst/>
+          </a:prstGeom>
+          <a:solidFill>
+            <a:schemeClr val="bg1"/>
+          </a:solidFill>
+        </p:spPr>
+        <p:style>
+          <a:lnRef idx="2">
+            <a:schemeClr val="accent1">
+              <a:shade val="50000"/>
+            </a:schemeClr>
+          </a:lnRef>
+          <a:fillRef idx="1">
+            <a:schemeClr val="accent1"/>
+          </a:fillRef>
+          <a:effectRef idx="0">
+            <a:schemeClr val="accent1"/>
+          </a:effectRef>
+          <a:fontRef idx="minor">
+            <a:schemeClr val="lt1"/>
+          </a:fontRef>
+        </p:style>
+        <p:txBody>
+          <a:bodyPr rtlCol="0" anchor="ctr"/>
+          <a:lstStyle/>
+          <a:p>
+            <a:pPr algn="ctr"/>
+            <a:endParaRPr lang="en-US"/>
+          </a:p>
+        </p:txBody>
+      </p:sp>
+      <p:sp>
+        <p:nvSpPr>
+          <p:cNvPr id="18" name="Down Arrow 17">
+            <a:extLst>
+              <a:ext uri="{FF2B5EF4-FFF2-40B4-BE49-F238E27FC236}">
+                <a16:creationId xmlns:a16="http://schemas.microsoft.com/office/drawing/2014/main" id="{78948B97-2EB5-7C44-8661-F8FF659EEC11}"/>
+              </a:ext>
+            </a:extLst>
+          </p:cNvPr>
+          <p:cNvSpPr/>
+          <p:nvPr/>
+        </p:nvSpPr>
+        <p:spPr>
+          <a:xfrm>
+            <a:off x="5386454" y="6850406"/>
+            <a:ext cx="381964" cy="428262"/>
+          </a:xfrm>
+          <a:prstGeom prst="downArrow">
+            <a:avLst/>
+          </a:prstGeom>
+          <a:solidFill>
+            <a:schemeClr val="bg1"/>
+          </a:solidFill>
+        </p:spPr>
+        <p:style>
+          <a:lnRef idx="2">
+            <a:schemeClr val="accent1">
+              <a:shade val="50000"/>
+            </a:schemeClr>
+          </a:lnRef>
+          <a:fillRef idx="1">
+            <a:schemeClr val="accent1"/>
+          </a:fillRef>
+          <a:effectRef idx="0">
+            <a:schemeClr val="accent1"/>
+          </a:effectRef>
+          <a:fontRef idx="minor">
+            <a:schemeClr val="lt1"/>
+          </a:fontRef>
+        </p:style>
+        <p:txBody>
+          <a:bodyPr rtlCol="0" anchor="ctr"/>
+          <a:lstStyle/>
+          <a:p>
+            <a:pPr algn="ctr"/>
+            <a:endParaRPr lang="en-US"/>
+          </a:p>
+        </p:txBody>
+      </p:sp>
+      <p:sp>
+        <p:nvSpPr>
+          <p:cNvPr id="19" name="Down Arrow 18">
+            <a:extLst>
+              <a:ext uri="{FF2B5EF4-FFF2-40B4-BE49-F238E27FC236}">
+                <a16:creationId xmlns:a16="http://schemas.microsoft.com/office/drawing/2014/main" id="{8C470EB7-41A5-5C4D-8682-9F0FDF9C952B}"/>
+              </a:ext>
+            </a:extLst>
+          </p:cNvPr>
+          <p:cNvSpPr/>
+          <p:nvPr/>
+        </p:nvSpPr>
+        <p:spPr>
+          <a:xfrm>
+            <a:off x="5374878" y="7834882"/>
+            <a:ext cx="381964" cy="428262"/>
+          </a:xfrm>
+          <a:prstGeom prst="downArrow">
+            <a:avLst/>
+          </a:prstGeom>
+          <a:solidFill>
+            <a:schemeClr val="bg1"/>
+          </a:solidFill>
+        </p:spPr>
+        <p:style>
+          <a:lnRef idx="2">
+            <a:schemeClr val="accent1">
+              <a:shade val="50000"/>
+            </a:schemeClr>
+          </a:lnRef>
+          <a:fillRef idx="1">
+            <a:schemeClr val="accent1"/>
+          </a:fillRef>
+          <a:effectRef idx="0">
+            <a:schemeClr val="accent1"/>
+          </a:effectRef>
+          <a:fontRef idx="minor">
+            <a:schemeClr val="lt1"/>
+          </a:fontRef>
+        </p:style>
+        <p:txBody>
+          <a:bodyPr rtlCol="0" anchor="ctr"/>
+          <a:lstStyle/>
+          <a:p>
+            <a:pPr algn="ctr"/>
+            <a:endParaRPr lang="en-US"/>
+          </a:p>
+        </p:txBody>
+      </p:sp>
+      <p:sp>
+        <p:nvSpPr>
+          <p:cNvPr id="20" name="Down Arrow 19">
+            <a:extLst>
+              <a:ext uri="{FF2B5EF4-FFF2-40B4-BE49-F238E27FC236}">
+                <a16:creationId xmlns:a16="http://schemas.microsoft.com/office/drawing/2014/main" id="{3D411D0C-0351-B247-8E17-DF97F0AC5EA3}"/>
+              </a:ext>
+            </a:extLst>
+          </p:cNvPr>
+          <p:cNvSpPr/>
+          <p:nvPr/>
+        </p:nvSpPr>
+        <p:spPr>
+          <a:xfrm>
+            <a:off x="5374878" y="9032233"/>
+            <a:ext cx="381964" cy="428262"/>
+          </a:xfrm>
+          <a:prstGeom prst="downArrow">
+            <a:avLst/>
+          </a:prstGeom>
+          <a:solidFill>
+            <a:schemeClr val="bg1"/>
+          </a:solidFill>
+        </p:spPr>
+        <p:style>
+          <a:lnRef idx="2">
+            <a:schemeClr val="accent1">
+              <a:shade val="50000"/>
+            </a:schemeClr>
+          </a:lnRef>
+          <a:fillRef idx="1">
+            <a:schemeClr val="accent1"/>
+          </a:fillRef>
+          <a:effectRef idx="0">
+            <a:schemeClr val="accent1"/>
+          </a:effectRef>
+          <a:fontRef idx="minor">
+            <a:schemeClr val="lt1"/>
+          </a:fontRef>
+        </p:style>
+        <p:txBody>
+          <a:bodyPr rtlCol="0" anchor="ctr"/>
+          <a:lstStyle/>
+          <a:p>
+            <a:pPr algn="ctr"/>
+            <a:endParaRPr lang="en-US"/>
+          </a:p>
+        </p:txBody>
+      </p:sp>
+      <p:sp>
+        <p:nvSpPr>
+          <p:cNvPr id="21" name="Rectangle 20">
+            <a:extLst>
+              <a:ext uri="{FF2B5EF4-FFF2-40B4-BE49-F238E27FC236}">
+                <a16:creationId xmlns:a16="http://schemas.microsoft.com/office/drawing/2014/main" id="{5BACE416-FE57-2945-89A6-FCFC8709676C}"/>
+              </a:ext>
+            </a:extLst>
+          </p:cNvPr>
+          <p:cNvSpPr/>
+          <p:nvPr/>
+        </p:nvSpPr>
+        <p:spPr>
+          <a:xfrm>
+            <a:off x="4572123" y="9460496"/>
+            <a:ext cx="1987475" cy="755561"/>
+          </a:xfrm>
+          <a:prstGeom prst="rect">
+            <a:avLst/>
+          </a:prstGeom>
+          <a:solidFill>
+            <a:schemeClr val="accent4">
+              <a:lumMod val="40000"/>
+              <a:lumOff val="60000"/>
+            </a:schemeClr>
+          </a:solidFill>
+        </p:spPr>
+        <p:style>
+          <a:lnRef idx="2">
+            <a:schemeClr val="accent5">
+              <a:shade val="50000"/>
+            </a:schemeClr>
+          </a:lnRef>
+          <a:fillRef idx="1">
+            <a:schemeClr val="accent5"/>
+          </a:fillRef>
+          <a:effectRef idx="0">
+            <a:schemeClr val="accent5"/>
+          </a:effectRef>
+          <a:fontRef idx="minor">
+            <a:schemeClr val="lt1"/>
+          </a:fontRef>
+        </p:style>
+        <p:txBody>
+          <a:bodyPr rtlCol="0" anchor="ctr"/>
+          <a:lstStyle/>
+          <a:p>
+            <a:pPr algn="ctr"/>
+            <a:r>
+              <a:rPr lang="en-US" sz="1600">
+                <a:solidFill>
+                  <a:schemeClr val="tx1"/>
+                </a:solidFill>
+              </a:rPr>
+              <a:t>Predicted probabilities – next global word</a:t>
+            </a:r>
+          </a:p>
+        </p:txBody>
+      </p:sp>
+      <p:sp>
+        <p:nvSpPr>
+          <p:cNvPr id="22" name="Rectangle 21">
+            <a:extLst>
+              <a:ext uri="{FF2B5EF4-FFF2-40B4-BE49-F238E27FC236}">
+                <a16:creationId xmlns:a16="http://schemas.microsoft.com/office/drawing/2014/main" id="{3F7175FE-C5F5-9A4E-A7A6-7C7AE95F8F13}"/>
+              </a:ext>
+            </a:extLst>
+          </p:cNvPr>
+          <p:cNvSpPr/>
+          <p:nvPr/>
+        </p:nvSpPr>
+        <p:spPr>
+          <a:xfrm>
+            <a:off x="8348517" y="7311609"/>
+            <a:ext cx="1987475" cy="530651"/>
+          </a:xfrm>
+          <a:prstGeom prst="rect">
+            <a:avLst/>
+          </a:prstGeom>
+          <a:solidFill>
+            <a:schemeClr val="accent5">
+              <a:lumMod val="40000"/>
+              <a:lumOff val="60000"/>
+            </a:schemeClr>
+          </a:solidFill>
+        </p:spPr>
+        <p:style>
+          <a:lnRef idx="2">
+            <a:schemeClr val="accent5">
+              <a:shade val="50000"/>
+            </a:schemeClr>
+          </a:lnRef>
+          <a:fillRef idx="1">
+            <a:schemeClr val="accent5"/>
+          </a:fillRef>
+          <a:effectRef idx="0">
+            <a:schemeClr val="accent5"/>
+          </a:effectRef>
+          <a:fontRef idx="minor">
+            <a:schemeClr val="lt1"/>
+          </a:fontRef>
+        </p:style>
+        <p:txBody>
+          <a:bodyPr rtlCol="0" anchor="ctr"/>
+          <a:lstStyle/>
+          <a:p>
+            <a:pPr algn="ctr"/>
+            <a:r>
+              <a:rPr lang="en-US" sz="1600">
+                <a:solidFill>
+                  <a:schemeClr val="tx1"/>
+                </a:solidFill>
+              </a:rPr>
+              <a:t>Logits of senses</a:t>
+            </a:r>
+          </a:p>
+        </p:txBody>
+      </p:sp>
+      <p:sp>
+        <p:nvSpPr>
+          <p:cNvPr id="23" name="Oval 22">
+            <a:extLst>
+              <a:ext uri="{FF2B5EF4-FFF2-40B4-BE49-F238E27FC236}">
+                <a16:creationId xmlns:a16="http://schemas.microsoft.com/office/drawing/2014/main" id="{6EE07ECA-65A2-0641-AE45-4F768DCC5DBD}"/>
+              </a:ext>
+            </a:extLst>
+          </p:cNvPr>
+          <p:cNvSpPr/>
+          <p:nvPr/>
+        </p:nvSpPr>
+        <p:spPr>
+          <a:xfrm>
+            <a:off x="8941810" y="8267181"/>
+            <a:ext cx="752354" cy="755561"/>
+          </a:xfrm>
+          <a:prstGeom prst="ellipse">
+            <a:avLst/>
+          </a:prstGeom>
+        </p:spPr>
+        <p:style>
+          <a:lnRef idx="1">
+            <a:schemeClr val="accent3"/>
+          </a:lnRef>
+          <a:fillRef idx="2">
+            <a:schemeClr val="accent3"/>
+          </a:fillRef>
+          <a:effectRef idx="1">
+            <a:schemeClr val="accent3"/>
+          </a:effectRef>
+          <a:fontRef idx="minor">
+            <a:schemeClr val="dk1"/>
+          </a:fontRef>
+        </p:style>
+        <p:txBody>
+          <a:bodyPr wrap="none" rtlCol="0" anchor="ctr"/>
+          <a:lstStyle/>
+          <a:p>
+            <a:pPr algn="ctr"/>
+            <a:r>
+              <a:rPr lang="en-US"/>
+              <a:t>Softmax</a:t>
+            </a:r>
+          </a:p>
+        </p:txBody>
+      </p:sp>
+      <p:sp>
+        <p:nvSpPr>
+          <p:cNvPr id="24" name="Down Arrow 23">
+            <a:extLst>
+              <a:ext uri="{FF2B5EF4-FFF2-40B4-BE49-F238E27FC236}">
+                <a16:creationId xmlns:a16="http://schemas.microsoft.com/office/drawing/2014/main" id="{5B8A8200-1A61-9A43-8F04-80F717E9B000}"/>
+              </a:ext>
+            </a:extLst>
+          </p:cNvPr>
+          <p:cNvSpPr/>
+          <p:nvPr/>
+        </p:nvSpPr>
+        <p:spPr>
+          <a:xfrm>
+            <a:off x="9127005" y="7834882"/>
+            <a:ext cx="381964" cy="428262"/>
+          </a:xfrm>
+          <a:prstGeom prst="downArrow">
+            <a:avLst/>
+          </a:prstGeom>
+          <a:solidFill>
+            <a:schemeClr val="bg1"/>
+          </a:solidFill>
+        </p:spPr>
+        <p:style>
+          <a:lnRef idx="2">
+            <a:schemeClr val="accent1">
+              <a:shade val="50000"/>
+            </a:schemeClr>
+          </a:lnRef>
+          <a:fillRef idx="1">
+            <a:schemeClr val="accent1"/>
+          </a:fillRef>
+          <a:effectRef idx="0">
+            <a:schemeClr val="accent1"/>
+          </a:effectRef>
+          <a:fontRef idx="minor">
+            <a:schemeClr val="lt1"/>
+          </a:fontRef>
+        </p:style>
+        <p:txBody>
+          <a:bodyPr rtlCol="0" anchor="ctr"/>
+          <a:lstStyle/>
+          <a:p>
+            <a:pPr algn="ctr"/>
+            <a:endParaRPr lang="en-US"/>
+          </a:p>
+        </p:txBody>
+      </p:sp>
+      <p:sp>
+        <p:nvSpPr>
+          <p:cNvPr id="25" name="Down Arrow 24">
+            <a:extLst>
+              <a:ext uri="{FF2B5EF4-FFF2-40B4-BE49-F238E27FC236}">
+                <a16:creationId xmlns:a16="http://schemas.microsoft.com/office/drawing/2014/main" id="{454F61DD-CF26-0343-993B-E71B9524B95F}"/>
+              </a:ext>
+            </a:extLst>
+          </p:cNvPr>
+          <p:cNvSpPr/>
+          <p:nvPr/>
+        </p:nvSpPr>
+        <p:spPr>
+          <a:xfrm>
+            <a:off x="9127005" y="9032233"/>
+            <a:ext cx="381964" cy="428262"/>
+          </a:xfrm>
+          <a:prstGeom prst="downArrow">
+            <a:avLst/>
+          </a:prstGeom>
+          <a:solidFill>
+            <a:schemeClr val="bg1"/>
+          </a:solidFill>
+        </p:spPr>
+        <p:style>
+          <a:lnRef idx="2">
+            <a:schemeClr val="accent1">
+              <a:shade val="50000"/>
+            </a:schemeClr>
+          </a:lnRef>
+          <a:fillRef idx="1">
+            <a:schemeClr val="accent1"/>
+          </a:fillRef>
+          <a:effectRef idx="0">
+            <a:schemeClr val="accent1"/>
+          </a:effectRef>
+          <a:fontRef idx="minor">
+            <a:schemeClr val="lt1"/>
+          </a:fontRef>
+        </p:style>
+        <p:txBody>
+          <a:bodyPr rtlCol="0" anchor="ctr"/>
+          <a:lstStyle/>
+          <a:p>
+            <a:pPr algn="ctr"/>
+            <a:endParaRPr lang="en-US"/>
+          </a:p>
+        </p:txBody>
+      </p:sp>
+      <p:sp>
+        <p:nvSpPr>
+          <p:cNvPr id="26" name="Rectangle 25">
+            <a:extLst>
+              <a:ext uri="{FF2B5EF4-FFF2-40B4-BE49-F238E27FC236}">
+                <a16:creationId xmlns:a16="http://schemas.microsoft.com/office/drawing/2014/main" id="{F289D602-95DA-9B40-AE72-9263EC9FE3D9}"/>
+              </a:ext>
+            </a:extLst>
+          </p:cNvPr>
+          <p:cNvSpPr/>
+          <p:nvPr/>
+        </p:nvSpPr>
+        <p:spPr>
+          <a:xfrm>
+            <a:off x="8324250" y="9460496"/>
+            <a:ext cx="1987475" cy="755561"/>
+          </a:xfrm>
+          <a:prstGeom prst="rect">
+            <a:avLst/>
+          </a:prstGeom>
+          <a:solidFill>
+            <a:schemeClr val="accent4">
+              <a:lumMod val="40000"/>
+              <a:lumOff val="60000"/>
+            </a:schemeClr>
+          </a:solidFill>
+        </p:spPr>
+        <p:style>
+          <a:lnRef idx="2">
+            <a:schemeClr val="accent5">
+              <a:shade val="50000"/>
+            </a:schemeClr>
+          </a:lnRef>
+          <a:fillRef idx="1">
+            <a:schemeClr val="accent5"/>
+          </a:fillRef>
+          <a:effectRef idx="0">
+            <a:schemeClr val="accent5"/>
+          </a:effectRef>
+          <a:fontRef idx="minor">
+            <a:schemeClr val="lt1"/>
+          </a:fontRef>
+        </p:style>
+        <p:txBody>
+          <a:bodyPr rtlCol="0" anchor="ctr"/>
+          <a:lstStyle/>
+          <a:p>
+            <a:pPr algn="ctr"/>
+            <a:r>
+              <a:rPr lang="en-US" sz="1600">
+                <a:solidFill>
+                  <a:schemeClr val="tx1"/>
+                </a:solidFill>
+              </a:rPr>
+              <a:t>Predicted probabilities – next word sense</a:t>
+            </a:r>
+          </a:p>
+        </p:txBody>
+      </p:sp>
+      <p:sp>
+        <p:nvSpPr>
+          <p:cNvPr id="28" name="Down Arrow 27">
+            <a:extLst>
+              <a:ext uri="{FF2B5EF4-FFF2-40B4-BE49-F238E27FC236}">
+                <a16:creationId xmlns:a16="http://schemas.microsoft.com/office/drawing/2014/main" id="{60FC0E32-05FF-644D-A9BE-9952CF06BC45}"/>
+              </a:ext>
+            </a:extLst>
+          </p:cNvPr>
+          <p:cNvSpPr/>
+          <p:nvPr/>
+        </p:nvSpPr>
+        <p:spPr>
+          <a:xfrm>
+            <a:off x="9127004" y="3429000"/>
+            <a:ext cx="381964" cy="1264260"/>
+          </a:xfrm>
+          <a:prstGeom prst="downArrow">
+            <a:avLst/>
+          </a:prstGeom>
+          <a:solidFill>
+            <a:schemeClr val="bg1"/>
+          </a:solidFill>
+        </p:spPr>
+        <p:style>
+          <a:lnRef idx="2">
+            <a:schemeClr val="accent1">
+              <a:shade val="50000"/>
+            </a:schemeClr>
+          </a:lnRef>
+          <a:fillRef idx="1">
+            <a:schemeClr val="accent1"/>
+          </a:fillRef>
+          <a:effectRef idx="0">
+            <a:schemeClr val="accent1"/>
+          </a:effectRef>
+          <a:fontRef idx="minor">
+            <a:schemeClr val="lt1"/>
+          </a:fontRef>
+        </p:style>
+        <p:txBody>
+          <a:bodyPr wrap="none" rtlCol="0" anchor="ctr"/>
+          <a:lstStyle/>
+          <a:p>
+            <a:pPr algn="ctr"/>
+            <a:r>
+              <a:rPr lang="en-US" b="1">
+                <a:solidFill>
+                  <a:schemeClr val="tx1"/>
+                </a:solidFill>
+              </a:rPr>
+              <a:t>I n p u t</a:t>
+            </a:r>
+          </a:p>
+        </p:txBody>
+      </p:sp>
+      <p:cxnSp>
+        <p:nvCxnSpPr>
+          <p:cNvPr id="29" name="Straight Arrow Connector 28">
+            <a:extLst>
+              <a:ext uri="{FF2B5EF4-FFF2-40B4-BE49-F238E27FC236}">
+                <a16:creationId xmlns:a16="http://schemas.microsoft.com/office/drawing/2014/main" id="{CB7E18E4-7196-0F45-BCF5-E91BA4004445}"/>
+              </a:ext>
+            </a:extLst>
+          </p:cNvPr>
+          <p:cNvCxnSpPr>
+            <a:cxnSpLocks/>
+            <a:stCxn id="7" idx="3"/>
+          </p:cNvCxnSpPr>
+          <p:nvPr/>
+        </p:nvCxnSpPr>
+        <p:spPr>
+          <a:xfrm flipV="1">
+            <a:off x="6559600" y="5284699"/>
+            <a:ext cx="1577403" cy="19338"/>
+          </a:xfrm>
+          <a:prstGeom prst="straightConnector1">
+            <a:avLst/>
+          </a:prstGeom>
+          <a:ln>
+            <a:tailEnd type="triangle"/>
+          </a:ln>
+        </p:spPr>
+        <p:style>
+          <a:lnRef idx="1">
+            <a:schemeClr val="dk1"/>
+          </a:lnRef>
+          <a:fillRef idx="0">
+            <a:schemeClr val="dk1"/>
+          </a:fillRef>
+          <a:effectRef idx="0">
+            <a:schemeClr val="dk1"/>
+          </a:effectRef>
+          <a:fontRef idx="minor">
+            <a:schemeClr val="tx1"/>
+          </a:fontRef>
+        </p:style>
+      </p:cxnSp>
+      <p:sp>
+        <p:nvSpPr>
+          <p:cNvPr id="32" name="TextBox 31">
+            <a:extLst>
+              <a:ext uri="{FF2B5EF4-FFF2-40B4-BE49-F238E27FC236}">
+                <a16:creationId xmlns:a16="http://schemas.microsoft.com/office/drawing/2014/main" id="{F5562014-DAFF-0F47-A405-000F54031463}"/>
+              </a:ext>
+            </a:extLst>
+          </p:cNvPr>
+          <p:cNvSpPr txBox="1"/>
+          <p:nvPr/>
+        </p:nvSpPr>
+        <p:spPr>
+          <a:xfrm>
+            <a:off x="8683037" y="4618911"/>
+            <a:ext cx="1602487" cy="369332"/>
+          </a:xfrm>
+          <a:prstGeom prst="rect">
+            <a:avLst/>
+          </a:prstGeom>
+          <a:noFill/>
+        </p:spPr>
+        <p:txBody>
+          <a:bodyPr wrap="square" rtlCol="0">
+            <a:spAutoFit/>
+          </a:bodyPr>
+          <a:lstStyle/>
+          <a:p>
+            <a:r>
+              <a:rPr lang="en-US"/>
+              <a:t>Concatenate:</a:t>
+            </a:r>
+          </a:p>
+        </p:txBody>
+      </p:sp>
+      <p:sp>
+        <p:nvSpPr>
+          <p:cNvPr id="33" name="Rectangle 32">
+            <a:extLst>
+              <a:ext uri="{FF2B5EF4-FFF2-40B4-BE49-F238E27FC236}">
+                <a16:creationId xmlns:a16="http://schemas.microsoft.com/office/drawing/2014/main" id="{CBBDC58C-FB79-9743-AC32-4E975544F29D}"/>
+              </a:ext>
+            </a:extLst>
+          </p:cNvPr>
+          <p:cNvSpPr/>
+          <p:nvPr/>
+        </p:nvSpPr>
+        <p:spPr>
+          <a:xfrm>
+            <a:off x="9030815" y="5049521"/>
+            <a:ext cx="906930" cy="554077"/>
+          </a:xfrm>
+          <a:prstGeom prst="rect">
+            <a:avLst/>
+          </a:prstGeom>
+          <a:solidFill>
+            <a:schemeClr val="accent2">
+              <a:lumMod val="60000"/>
+              <a:lumOff val="40000"/>
+            </a:schemeClr>
+          </a:solidFill>
+        </p:spPr>
+        <p:style>
+          <a:lnRef idx="2">
+            <a:schemeClr val="accent4">
+              <a:shade val="50000"/>
+            </a:schemeClr>
+          </a:lnRef>
+          <a:fillRef idx="1">
+            <a:schemeClr val="accent4"/>
+          </a:fillRef>
+          <a:effectRef idx="0">
+            <a:schemeClr val="accent4"/>
+          </a:effectRef>
+          <a:fontRef idx="minor">
+            <a:schemeClr val="lt1"/>
+          </a:fontRef>
+        </p:style>
+        <p:txBody>
+          <a:bodyPr rtlCol="0" anchor="ctr"/>
+          <a:lstStyle/>
+          <a:p>
+            <a:pPr algn="ctr"/>
+            <a:r>
+              <a:rPr lang="en-US" sz="1200" b="1">
+                <a:solidFill>
+                  <a:schemeClr val="tx1"/>
+                </a:solidFill>
+              </a:rPr>
+              <a:t>Word Embedding</a:t>
+            </a:r>
+          </a:p>
+        </p:txBody>
+      </p:sp>
+      <p:sp>
+        <p:nvSpPr>
+          <p:cNvPr id="34" name="Rectangle 33">
+            <a:extLst>
+              <a:ext uri="{FF2B5EF4-FFF2-40B4-BE49-F238E27FC236}">
+                <a16:creationId xmlns:a16="http://schemas.microsoft.com/office/drawing/2014/main" id="{CEE65BB6-CFD3-7948-933E-EBD1D87BDFF3}"/>
+              </a:ext>
+            </a:extLst>
+          </p:cNvPr>
+          <p:cNvSpPr/>
+          <p:nvPr/>
+        </p:nvSpPr>
+        <p:spPr>
+          <a:xfrm>
+            <a:off x="9937745" y="5038712"/>
+            <a:ext cx="973594" cy="564886"/>
+          </a:xfrm>
+          <a:prstGeom prst="rect">
+            <a:avLst/>
+          </a:prstGeom>
+        </p:spPr>
+        <p:style>
+          <a:lnRef idx="2">
+            <a:schemeClr val="accent4">
+              <a:shade val="50000"/>
+            </a:schemeClr>
+          </a:lnRef>
+          <a:fillRef idx="1">
+            <a:schemeClr val="accent4"/>
+          </a:fillRef>
+          <a:effectRef idx="0">
+            <a:schemeClr val="accent4"/>
+          </a:effectRef>
+          <a:fontRef idx="minor">
+            <a:schemeClr val="lt1"/>
+          </a:fontRef>
+        </p:style>
+        <p:txBody>
+          <a:bodyPr rtlCol="0" anchor="ctr"/>
+          <a:lstStyle/>
+          <a:p>
+            <a:pPr algn="ctr"/>
+            <a:r>
+              <a:rPr lang="en-US" sz="1200" b="1">
+                <a:solidFill>
+                  <a:schemeClr val="tx1"/>
+                </a:solidFill>
+              </a:rPr>
+              <a:t>Word Node State</a:t>
+            </a:r>
+          </a:p>
+        </p:txBody>
+      </p:sp>
+      <p:sp>
+        <p:nvSpPr>
+          <p:cNvPr id="35" name="Rectangle 34">
+            <a:extLst>
+              <a:ext uri="{FF2B5EF4-FFF2-40B4-BE49-F238E27FC236}">
+                <a16:creationId xmlns:a16="http://schemas.microsoft.com/office/drawing/2014/main" id="{75DA4D2A-83BD-AB40-B037-4DABB3945422}"/>
+              </a:ext>
+            </a:extLst>
+          </p:cNvPr>
+          <p:cNvSpPr/>
+          <p:nvPr/>
+        </p:nvSpPr>
+        <p:spPr>
+          <a:xfrm>
+            <a:off x="10911340" y="5037547"/>
+            <a:ext cx="732793" cy="564884"/>
+          </a:xfrm>
+          <a:prstGeom prst="rect">
+            <a:avLst/>
+          </a:prstGeom>
+        </p:spPr>
+        <p:style>
+          <a:lnRef idx="1">
+            <a:schemeClr val="accent6"/>
+          </a:lnRef>
+          <a:fillRef idx="2">
+            <a:schemeClr val="accent6"/>
+          </a:fillRef>
+          <a:effectRef idx="1">
+            <a:schemeClr val="accent6"/>
+          </a:effectRef>
+          <a:fontRef idx="minor">
+            <a:schemeClr val="dk1"/>
+          </a:fontRef>
+        </p:style>
+        <p:txBody>
+          <a:bodyPr rtlCol="0" anchor="ctr"/>
+          <a:lstStyle/>
+          <a:p>
+            <a:pPr algn="ctr"/>
+            <a:r>
+              <a:rPr lang="en-US" sz="1200" b="1"/>
+              <a:t>Sense </a:t>
+            </a:r>
+            <a:r>
+              <a:rPr lang="en-US" sz="1200" b="1">
+                <a:solidFill>
+                  <a:schemeClr val="tx1"/>
+                </a:solidFill>
+              </a:rPr>
+              <a:t>Node State</a:t>
+            </a:r>
+          </a:p>
+        </p:txBody>
+      </p:sp>
+      <p:sp>
+        <p:nvSpPr>
+          <p:cNvPr id="38" name="TextBox 37">
+            <a:extLst>
+              <a:ext uri="{FF2B5EF4-FFF2-40B4-BE49-F238E27FC236}">
+                <a16:creationId xmlns:a16="http://schemas.microsoft.com/office/drawing/2014/main" id="{61B43942-276C-6D46-8BD6-0F7B64E361B8}"/>
+              </a:ext>
+            </a:extLst>
+          </p:cNvPr>
+          <p:cNvSpPr txBox="1"/>
+          <p:nvPr/>
+        </p:nvSpPr>
+        <p:spPr>
+          <a:xfrm>
+            <a:off x="6877573" y="4826984"/>
+            <a:ext cx="1364765" cy="954107"/>
+          </a:xfrm>
+          <a:prstGeom prst="rect">
+            <a:avLst/>
+          </a:prstGeom>
+          <a:noFill/>
+        </p:spPr>
+        <p:txBody>
+          <a:bodyPr wrap="square" rtlCol="0">
+            <a:spAutoFit/>
+          </a:bodyPr>
+          <a:lstStyle/>
+          <a:p>
+            <a:r>
+              <a:rPr lang="en-US" sz="1400"/>
+              <a:t>Copy without gradient</a:t>
+            </a:r>
+            <a:br>
+              <a:rPr lang="en-US" sz="1400"/>
+            </a:br>
+            <a:r>
+              <a:rPr lang="en-US" sz="1400"/>
+              <a:t>(photo of the current context)</a:t>
+            </a:r>
+          </a:p>
+        </p:txBody>
+      </p:sp>
+      <p:sp>
+        <p:nvSpPr>
+          <p:cNvPr id="39" name="Rectangle 38">
+            <a:extLst>
+              <a:ext uri="{FF2B5EF4-FFF2-40B4-BE49-F238E27FC236}">
+                <a16:creationId xmlns:a16="http://schemas.microsoft.com/office/drawing/2014/main" id="{457E5AAA-6CCC-434B-95B5-DA10C85A4334}"/>
+              </a:ext>
+            </a:extLst>
+          </p:cNvPr>
+          <p:cNvSpPr/>
+          <p:nvPr/>
+        </p:nvSpPr>
+        <p:spPr>
+          <a:xfrm>
+            <a:off x="8134355" y="5050139"/>
+            <a:ext cx="896461" cy="552292"/>
+          </a:xfrm>
+          <a:prstGeom prst="rect">
+            <a:avLst/>
+          </a:prstGeom>
+          <a:solidFill>
+            <a:schemeClr val="accent5">
+              <a:lumMod val="40000"/>
+              <a:lumOff val="60000"/>
+            </a:schemeClr>
+          </a:solidFill>
+        </p:spPr>
+        <p:style>
+          <a:lnRef idx="2">
+            <a:schemeClr val="accent5">
+              <a:shade val="50000"/>
+            </a:schemeClr>
+          </a:lnRef>
+          <a:fillRef idx="1">
+            <a:schemeClr val="accent5"/>
+          </a:fillRef>
+          <a:effectRef idx="0">
+            <a:schemeClr val="accent5"/>
+          </a:effectRef>
+          <a:fontRef idx="minor">
+            <a:schemeClr val="lt1"/>
+          </a:fontRef>
+        </p:style>
+        <p:txBody>
+          <a:bodyPr rtlCol="0" anchor="ctr"/>
+          <a:lstStyle/>
+          <a:p>
+            <a:pPr algn="ctr"/>
+            <a:r>
+              <a:rPr lang="en-US" sz="1400">
+                <a:solidFill>
+                  <a:schemeClr val="tx1"/>
+                </a:solidFill>
+              </a:rPr>
+              <a:t>Encoding </a:t>
+            </a:r>
+            <a:br>
+              <a:rPr lang="en-US" sz="1400">
+                <a:solidFill>
+                  <a:schemeClr val="tx1"/>
+                </a:solidFill>
+              </a:rPr>
+            </a:br>
+            <a:r>
+              <a:rPr lang="en-US" sz="1400">
+                <a:solidFill>
+                  <a:schemeClr val="tx1"/>
+                </a:solidFill>
+              </a:rPr>
+              <a:t>(Hidden state 2)</a:t>
+            </a:r>
+            <a:endParaRPr lang="en-US" sz="1400" b="1">
+              <a:solidFill>
+                <a:schemeClr val="tx1"/>
+              </a:solidFill>
+            </a:endParaRPr>
+          </a:p>
+        </p:txBody>
+      </p:sp>
+      <p:sp>
+        <p:nvSpPr>
+          <p:cNvPr id="40" name="Diamond 39">
+            <a:extLst>
+              <a:ext uri="{FF2B5EF4-FFF2-40B4-BE49-F238E27FC236}">
+                <a16:creationId xmlns:a16="http://schemas.microsoft.com/office/drawing/2014/main" id="{811FA52D-6D28-F24F-8E62-DF24DACE56DD}"/>
+              </a:ext>
+            </a:extLst>
+          </p:cNvPr>
+          <p:cNvSpPr/>
+          <p:nvPr/>
+        </p:nvSpPr>
+        <p:spPr>
+          <a:xfrm>
+            <a:off x="8089148" y="6040185"/>
+            <a:ext cx="2423155" cy="835996"/>
+          </a:xfrm>
+          <a:prstGeom prst="diamond">
+            <a:avLst/>
+          </a:prstGeom>
+        </p:spPr>
+        <p:style>
+          <a:lnRef idx="2">
+            <a:schemeClr val="accent1">
+              <a:shade val="50000"/>
+            </a:schemeClr>
+          </a:lnRef>
+          <a:fillRef idx="1">
+            <a:schemeClr val="accent1"/>
+          </a:fillRef>
+          <a:effectRef idx="0">
+            <a:schemeClr val="accent1"/>
+          </a:effectRef>
+          <a:fontRef idx="minor">
+            <a:schemeClr val="lt1"/>
+          </a:fontRef>
+        </p:style>
+        <p:txBody>
+          <a:bodyPr wrap="none" lIns="36000" rIns="36000" rtlCol="0" anchor="ctr"/>
+          <a:lstStyle/>
+          <a:p>
+            <a:pPr algn="ctr"/>
+            <a:r>
+              <a:rPr lang="en-GB"/>
+              <a:t>FF-NN:</a:t>
+            </a:r>
+            <a:br>
+              <a:rPr lang="en-GB"/>
+            </a:br>
+            <a:r>
+              <a:rPr lang="en-GB"/>
+              <a:t>linear2senses</a:t>
+            </a:r>
+            <a:endParaRPr lang="en-US"/>
+          </a:p>
+        </p:txBody>
+      </p:sp>
+      <p:sp>
+        <p:nvSpPr>
+          <p:cNvPr id="41" name="Down Arrow 40">
+            <a:extLst>
+              <a:ext uri="{FF2B5EF4-FFF2-40B4-BE49-F238E27FC236}">
+                <a16:creationId xmlns:a16="http://schemas.microsoft.com/office/drawing/2014/main" id="{AB2C63ED-0E0E-1D4D-A763-A7BA067BFD03}"/>
+              </a:ext>
+            </a:extLst>
+          </p:cNvPr>
+          <p:cNvSpPr/>
+          <p:nvPr/>
+        </p:nvSpPr>
+        <p:spPr>
+          <a:xfrm>
+            <a:off x="9121318" y="5590408"/>
+            <a:ext cx="381964" cy="428262"/>
+          </a:xfrm>
+          <a:prstGeom prst="downArrow">
+            <a:avLst/>
+          </a:prstGeom>
+          <a:solidFill>
+            <a:schemeClr val="bg1"/>
+          </a:solidFill>
+        </p:spPr>
+        <p:style>
+          <a:lnRef idx="2">
+            <a:schemeClr val="accent1">
+              <a:shade val="50000"/>
+            </a:schemeClr>
+          </a:lnRef>
+          <a:fillRef idx="1">
+            <a:schemeClr val="accent1"/>
+          </a:fillRef>
+          <a:effectRef idx="0">
+            <a:schemeClr val="accent1"/>
+          </a:effectRef>
+          <a:fontRef idx="minor">
+            <a:schemeClr val="lt1"/>
+          </a:fontRef>
+        </p:style>
+        <p:txBody>
+          <a:bodyPr rtlCol="0" anchor="ctr"/>
+          <a:lstStyle/>
+          <a:p>
+            <a:pPr algn="ctr"/>
+            <a:endParaRPr lang="en-US"/>
+          </a:p>
+        </p:txBody>
+      </p:sp>
+      <p:sp>
+        <p:nvSpPr>
+          <p:cNvPr id="42" name="Down Arrow 41">
+            <a:extLst>
+              <a:ext uri="{FF2B5EF4-FFF2-40B4-BE49-F238E27FC236}">
+                <a16:creationId xmlns:a16="http://schemas.microsoft.com/office/drawing/2014/main" id="{66F620D5-822A-5248-8FB1-03CE9BBC3DC1}"/>
+              </a:ext>
+            </a:extLst>
+          </p:cNvPr>
+          <p:cNvSpPr/>
+          <p:nvPr/>
+        </p:nvSpPr>
+        <p:spPr>
+          <a:xfrm>
+            <a:off x="9121318" y="6876181"/>
+            <a:ext cx="381964" cy="428262"/>
+          </a:xfrm>
+          <a:prstGeom prst="downArrow">
+            <a:avLst/>
+          </a:prstGeom>
+          <a:solidFill>
+            <a:schemeClr val="bg1"/>
+          </a:solidFill>
+        </p:spPr>
+        <p:style>
+          <a:lnRef idx="2">
+            <a:schemeClr val="accent1">
+              <a:shade val="50000"/>
+            </a:schemeClr>
+          </a:lnRef>
+          <a:fillRef idx="1">
+            <a:schemeClr val="accent1"/>
+          </a:fillRef>
+          <a:effectRef idx="0">
+            <a:schemeClr val="accent1"/>
+          </a:effectRef>
+          <a:fontRef idx="minor">
+            <a:schemeClr val="lt1"/>
+          </a:fontRef>
+        </p:style>
+        <p:txBody>
+          <a:bodyPr rtlCol="0" anchor="ctr"/>
+          <a:lstStyle/>
+          <a:p>
+            <a:pPr algn="ctr"/>
+            <a:endParaRPr lang="en-US"/>
+          </a:p>
+        </p:txBody>
+      </p:sp>
+    </p:spTree>
+    <p:extLst>
+      <p:ext uri="{BB962C8B-B14F-4D97-AF65-F5344CB8AC3E}">
+        <p14:creationId xmlns:p14="http://schemas.microsoft.com/office/powerpoint/2010/main" val="1331181461"/>
+      </p:ext>
+    </p:extLst>
+  </p:cSld>
+  <p:clrMapOvr>
+    <a:masterClrMapping/>
+  </p:clrMapOvr>
+</p:sld>
+</file>
+
+<file path=ppt/slides/slide4.xml><?xml version="1.0" encoding="utf-8"?>
+<p:sld xmlns:a="http://schemas.openxmlformats.org/drawingml/2006/main" xmlns:r="http://schemas.openxmlformats.org/officeDocument/2006/relationships" xmlns:p="http://schemas.openxmlformats.org/presentationml/2006/main">
+  <p:cSld>
+    <p:spTree>
+      <p:nvGrpSpPr>
+        <p:cNvPr id="1" name=""/>
+        <p:cNvGrpSpPr/>
+        <p:nvPr/>
+      </p:nvGrpSpPr>
+      <p:grpSpPr>
+        <a:xfrm>
+          <a:off x="0" y="0"/>
+          <a:ext cx="0" cy="0"/>
+          <a:chOff x="0" y="0"/>
+          <a:chExt cx="0" cy="0"/>
+        </a:xfrm>
+      </p:grpSpPr>
+      <p:sp>
+        <p:nvSpPr>
           <p:cNvPr id="4" name="Down Arrow 3">
             <a:extLst>
               <a:ext uri="{FF2B5EF4-FFF2-40B4-BE49-F238E27FC236}">
@@ -9122,7 +10400,7 @@
 </p:sld>
 </file>
 
-<file path=ppt/slides/slide4.xml><?xml version="1.0" encoding="utf-8"?>
+<file path=ppt/slides/slide5.xml><?xml version="1.0" encoding="utf-8"?>
 <p:sld xmlns:a="http://schemas.openxmlformats.org/drawingml/2006/main" xmlns:r="http://schemas.openxmlformats.org/officeDocument/2006/relationships" xmlns:p="http://schemas.openxmlformats.org/presentationml/2006/main">
   <p:cSld>
     <p:spTree>

--- a/Media/SenseArchitecture.pptx
+++ b/Media/SenseArchitecture.pptx
@@ -6655,7 +6655,7 @@
         <p:spPr>
           <a:xfrm>
             <a:off x="1723920" y="5498185"/>
-            <a:ext cx="1040022" cy="369332"/>
+            <a:ext cx="1040022" cy="646331"/>
           </a:xfrm>
           <a:prstGeom prst="rect">
             <a:avLst/>
@@ -6670,7 +6670,14 @@
           <a:p>
             <a:r>
               <a:rPr lang="en-US" b="1"/>
-              <a:t>GRU</a:t>
+              <a:t>GRU – </a:t>
+            </a:r>
+            <a:br>
+              <a:rPr lang="en-US" b="1"/>
+            </a:br>
+            <a:r>
+              <a:rPr lang="en-US" b="1"/>
+              <a:t>Globals</a:t>
             </a:r>
           </a:p>
         </p:txBody>

--- a/Media/SenseArchitecture.pptx
+++ b/Media/SenseArchitecture.pptx
@@ -6,10 +6,11 @@
   </p:sldMasterIdLst>
   <p:sldIdLst>
     <p:sldId id="257" r:id="rId2"/>
-    <p:sldId id="261" r:id="rId3"/>
-    <p:sldId id="258" r:id="rId4"/>
-    <p:sldId id="260" r:id="rId5"/>
-    <p:sldId id="259" r:id="rId6"/>
+    <p:sldId id="262" r:id="rId3"/>
+    <p:sldId id="261" r:id="rId4"/>
+    <p:sldId id="258" r:id="rId5"/>
+    <p:sldId id="260" r:id="rId6"/>
+    <p:sldId id="259" r:id="rId7"/>
   </p:sldIdLst>
   <p:sldSz cx="12192000" cy="13716000"/>
   <p:notesSz cx="6858000" cy="9144000"/>
@@ -246,7 +247,7 @@
           <a:lstStyle/>
           <a:p>
             <a:fld id="{803220A4-8895-6D46-A558-2CE2469121C7}" type="datetimeFigureOut">
-              <a:t>4/18/20</a:t>
+              <a:t>04.09.2020</a:t>
             </a:fld>
             <a:endParaRPr lang="en-US"/>
           </a:p>
@@ -415,7 +416,7 @@
           <a:lstStyle/>
           <a:p>
             <a:fld id="{803220A4-8895-6D46-A558-2CE2469121C7}" type="datetimeFigureOut">
-              <a:t>4/18/20</a:t>
+              <a:t>04.09.2020</a:t>
             </a:fld>
             <a:endParaRPr lang="en-US"/>
           </a:p>
@@ -594,7 +595,7 @@
           <a:lstStyle/>
           <a:p>
             <a:fld id="{803220A4-8895-6D46-A558-2CE2469121C7}" type="datetimeFigureOut">
-              <a:t>4/18/20</a:t>
+              <a:t>04.09.2020</a:t>
             </a:fld>
             <a:endParaRPr lang="en-US"/>
           </a:p>
@@ -763,7 +764,7 @@
           <a:lstStyle/>
           <a:p>
             <a:fld id="{803220A4-8895-6D46-A558-2CE2469121C7}" type="datetimeFigureOut">
-              <a:t>4/18/20</a:t>
+              <a:t>04.09.2020</a:t>
             </a:fld>
             <a:endParaRPr lang="en-US"/>
           </a:p>
@@ -1006,7 +1007,7 @@
           <a:lstStyle/>
           <a:p>
             <a:fld id="{803220A4-8895-6D46-A558-2CE2469121C7}" type="datetimeFigureOut">
-              <a:t>4/18/20</a:t>
+              <a:t>04.09.2020</a:t>
             </a:fld>
             <a:endParaRPr lang="en-US"/>
           </a:p>
@@ -1237,7 +1238,7 @@
           <a:lstStyle/>
           <a:p>
             <a:fld id="{803220A4-8895-6D46-A558-2CE2469121C7}" type="datetimeFigureOut">
-              <a:t>4/18/20</a:t>
+              <a:t>04.09.2020</a:t>
             </a:fld>
             <a:endParaRPr lang="en-US"/>
           </a:p>
@@ -1603,7 +1604,7 @@
           <a:lstStyle/>
           <a:p>
             <a:fld id="{803220A4-8895-6D46-A558-2CE2469121C7}" type="datetimeFigureOut">
-              <a:t>4/18/20</a:t>
+              <a:t>04.09.2020</a:t>
             </a:fld>
             <a:endParaRPr lang="en-US"/>
           </a:p>
@@ -1720,7 +1721,7 @@
           <a:lstStyle/>
           <a:p>
             <a:fld id="{803220A4-8895-6D46-A558-2CE2469121C7}" type="datetimeFigureOut">
-              <a:t>4/18/20</a:t>
+              <a:t>04.09.2020</a:t>
             </a:fld>
             <a:endParaRPr lang="en-US"/>
           </a:p>
@@ -1814,7 +1815,7 @@
           <a:lstStyle/>
           <a:p>
             <a:fld id="{803220A4-8895-6D46-A558-2CE2469121C7}" type="datetimeFigureOut">
-              <a:t>4/18/20</a:t>
+              <a:t>04.09.2020</a:t>
             </a:fld>
             <a:endParaRPr lang="en-US"/>
           </a:p>
@@ -2090,7 +2091,7 @@
           <a:lstStyle/>
           <a:p>
             <a:fld id="{803220A4-8895-6D46-A558-2CE2469121C7}" type="datetimeFigureOut">
-              <a:t>4/18/20</a:t>
+              <a:t>04.09.2020</a:t>
             </a:fld>
             <a:endParaRPr lang="en-US"/>
           </a:p>
@@ -2346,7 +2347,7 @@
           <a:lstStyle/>
           <a:p>
             <a:fld id="{803220A4-8895-6D46-A558-2CE2469121C7}" type="datetimeFigureOut">
-              <a:t>4/18/20</a:t>
+              <a:t>04.09.2020</a:t>
             </a:fld>
             <a:endParaRPr lang="en-US"/>
           </a:p>
@@ -2558,7 +2559,7 @@
           </a:lstStyle>
           <a:p>
             <a:fld id="{803220A4-8895-6D46-A558-2CE2469121C7}" type="datetimeFigureOut">
-              <a:t>4/18/20</a:t>
+              <a:t>04.09.2020</a:t>
             </a:fld>
             <a:endParaRPr lang="en-US"/>
           </a:p>
@@ -6930,19 +6931,1157 @@
       </p:grpSpPr>
       <p:sp>
         <p:nvSpPr>
-          <p:cNvPr id="246" name="Rectangle 245">
-            <a:extLst>
-              <a:ext uri="{FF2B5EF4-FFF2-40B4-BE49-F238E27FC236}">
-                <a16:creationId xmlns:a16="http://schemas.microsoft.com/office/drawing/2014/main" id="{21EBD558-2A2F-AE47-AA00-988700403061}"/>
-              </a:ext>
-            </a:extLst>
-          </p:cNvPr>
-          <p:cNvSpPr/>
-          <p:nvPr/>
-        </p:nvSpPr>
-        <p:spPr>
-          <a:xfrm>
-            <a:off x="2636928" y="3680413"/>
+          <p:cNvPr id="42" name="Down Arrow 41">
+            <a:extLst>
+              <a:ext uri="{FF2B5EF4-FFF2-40B4-BE49-F238E27FC236}">
+                <a16:creationId xmlns:a16="http://schemas.microsoft.com/office/drawing/2014/main" id="{BAAA1F9F-2859-0C46-BA4D-E8A13AC51CA0}"/>
+              </a:ext>
+            </a:extLst>
+          </p:cNvPr>
+          <p:cNvSpPr/>
+          <p:nvPr/>
+        </p:nvSpPr>
+        <p:spPr>
+          <a:xfrm rot="20028264">
+            <a:off x="3899185" y="3133669"/>
+            <a:ext cx="277323" cy="1327083"/>
+          </a:xfrm>
+          <a:prstGeom prst="downArrow">
+            <a:avLst/>
+          </a:prstGeom>
+          <a:solidFill>
+            <a:schemeClr val="bg1"/>
+          </a:solidFill>
+          <a:ln w="25400"/>
+        </p:spPr>
+        <p:style>
+          <a:lnRef idx="2">
+            <a:schemeClr val="accent1">
+              <a:shade val="50000"/>
+            </a:schemeClr>
+          </a:lnRef>
+          <a:fillRef idx="1">
+            <a:schemeClr val="accent1"/>
+          </a:fillRef>
+          <a:effectRef idx="0">
+            <a:schemeClr val="accent1"/>
+          </a:effectRef>
+          <a:fontRef idx="minor">
+            <a:schemeClr val="lt1"/>
+          </a:fontRef>
+        </p:style>
+        <p:txBody>
+          <a:bodyPr rtlCol="0" anchor="ctr"/>
+          <a:lstStyle/>
+          <a:p>
+            <a:pPr algn="ctr"/>
+            <a:endParaRPr lang="en-US"/>
+          </a:p>
+        </p:txBody>
+      </p:sp>
+      <p:sp>
+        <p:nvSpPr>
+          <p:cNvPr id="109" name="Down Arrow 108">
+            <a:extLst>
+              <a:ext uri="{FF2B5EF4-FFF2-40B4-BE49-F238E27FC236}">
+                <a16:creationId xmlns:a16="http://schemas.microsoft.com/office/drawing/2014/main" id="{D1C86BE8-AB9F-3041-B936-F28916657186}"/>
+              </a:ext>
+            </a:extLst>
+          </p:cNvPr>
+          <p:cNvSpPr/>
+          <p:nvPr/>
+        </p:nvSpPr>
+        <p:spPr>
+          <a:xfrm>
+            <a:off x="6759863" y="3718335"/>
+            <a:ext cx="277323" cy="693159"/>
+          </a:xfrm>
+          <a:prstGeom prst="downArrow">
+            <a:avLst/>
+          </a:prstGeom>
+          <a:solidFill>
+            <a:schemeClr val="bg1"/>
+          </a:solidFill>
+          <a:ln w="25400"/>
+        </p:spPr>
+        <p:style>
+          <a:lnRef idx="2">
+            <a:schemeClr val="accent1">
+              <a:shade val="50000"/>
+            </a:schemeClr>
+          </a:lnRef>
+          <a:fillRef idx="1">
+            <a:schemeClr val="accent1"/>
+          </a:fillRef>
+          <a:effectRef idx="0">
+            <a:schemeClr val="accent1"/>
+          </a:effectRef>
+          <a:fontRef idx="minor">
+            <a:schemeClr val="lt1"/>
+          </a:fontRef>
+        </p:style>
+        <p:txBody>
+          <a:bodyPr rtlCol="0" anchor="ctr"/>
+          <a:lstStyle/>
+          <a:p>
+            <a:pPr algn="ctr"/>
+            <a:endParaRPr lang="en-US"/>
+          </a:p>
+        </p:txBody>
+      </p:sp>
+      <p:sp>
+        <p:nvSpPr>
+          <p:cNvPr id="6" name="Hexagon 5">
+            <a:extLst>
+              <a:ext uri="{FF2B5EF4-FFF2-40B4-BE49-F238E27FC236}">
+                <a16:creationId xmlns:a16="http://schemas.microsoft.com/office/drawing/2014/main" id="{B9F5FB16-C08F-3246-A19F-5249A511A94E}"/>
+              </a:ext>
+            </a:extLst>
+          </p:cNvPr>
+          <p:cNvSpPr/>
+          <p:nvPr/>
+        </p:nvSpPr>
+        <p:spPr>
+          <a:xfrm>
+            <a:off x="4392419" y="599147"/>
+            <a:ext cx="905005" cy="603890"/>
+          </a:xfrm>
+          <a:prstGeom prst="hexagon">
+            <a:avLst/>
+          </a:prstGeom>
+        </p:spPr>
+        <p:style>
+          <a:lnRef idx="1">
+            <a:schemeClr val="accent6"/>
+          </a:lnRef>
+          <a:fillRef idx="2">
+            <a:schemeClr val="accent6"/>
+          </a:fillRef>
+          <a:effectRef idx="1">
+            <a:schemeClr val="accent6"/>
+          </a:effectRef>
+          <a:fontRef idx="minor">
+            <a:schemeClr val="dk1"/>
+          </a:fontRef>
+        </p:style>
+        <p:txBody>
+          <a:bodyPr rtlCol="0" anchor="ctr"/>
+          <a:lstStyle/>
+          <a:p>
+            <a:pPr algn="ctr"/>
+            <a:r>
+              <a:rPr lang="en-US" sz="1600"/>
+              <a:t>move.n.1</a:t>
+            </a:r>
+          </a:p>
+        </p:txBody>
+      </p:sp>
+      <p:sp>
+        <p:nvSpPr>
+          <p:cNvPr id="7" name="Hexagon 6">
+            <a:extLst>
+              <a:ext uri="{FF2B5EF4-FFF2-40B4-BE49-F238E27FC236}">
+                <a16:creationId xmlns:a16="http://schemas.microsoft.com/office/drawing/2014/main" id="{B1C06240-AEB9-4947-925A-8920BEA1706B}"/>
+              </a:ext>
+            </a:extLst>
+          </p:cNvPr>
+          <p:cNvSpPr/>
+          <p:nvPr/>
+        </p:nvSpPr>
+        <p:spPr>
+          <a:xfrm>
+            <a:off x="6764499" y="321174"/>
+            <a:ext cx="910438" cy="515727"/>
+          </a:xfrm>
+          <a:prstGeom prst="hexagon">
+            <a:avLst/>
+          </a:prstGeom>
+        </p:spPr>
+        <p:style>
+          <a:lnRef idx="1">
+            <a:schemeClr val="accent6"/>
+          </a:lnRef>
+          <a:fillRef idx="2">
+            <a:schemeClr val="accent6"/>
+          </a:fillRef>
+          <a:effectRef idx="1">
+            <a:schemeClr val="accent6"/>
+          </a:effectRef>
+          <a:fontRef idx="minor">
+            <a:schemeClr val="dk1"/>
+          </a:fontRef>
+        </p:style>
+        <p:txBody>
+          <a:bodyPr rtlCol="0" anchor="ctr"/>
+          <a:lstStyle/>
+          <a:p>
+            <a:pPr algn="ctr"/>
+            <a:r>
+              <a:rPr lang="en-US" sz="1600"/>
+              <a:t>Move.v.2</a:t>
+            </a:r>
+          </a:p>
+        </p:txBody>
+      </p:sp>
+      <p:sp>
+        <p:nvSpPr>
+          <p:cNvPr id="8" name="Hexagon 7">
+            <a:extLst>
+              <a:ext uri="{FF2B5EF4-FFF2-40B4-BE49-F238E27FC236}">
+                <a16:creationId xmlns:a16="http://schemas.microsoft.com/office/drawing/2014/main" id="{B61C1C5B-0BD1-964A-A000-19B3966DF23A}"/>
+              </a:ext>
+            </a:extLst>
+          </p:cNvPr>
+          <p:cNvSpPr/>
+          <p:nvPr/>
+        </p:nvSpPr>
+        <p:spPr>
+          <a:xfrm>
+            <a:off x="6764499" y="1242892"/>
+            <a:ext cx="905005" cy="517509"/>
+          </a:xfrm>
+          <a:prstGeom prst="hexagon">
+            <a:avLst/>
+          </a:prstGeom>
+        </p:spPr>
+        <p:style>
+          <a:lnRef idx="1">
+            <a:schemeClr val="accent6"/>
+          </a:lnRef>
+          <a:fillRef idx="2">
+            <a:schemeClr val="accent6"/>
+          </a:fillRef>
+          <a:effectRef idx="1">
+            <a:schemeClr val="accent6"/>
+          </a:effectRef>
+          <a:fontRef idx="minor">
+            <a:schemeClr val="dk1"/>
+          </a:fontRef>
+        </p:style>
+        <p:txBody>
+          <a:bodyPr rtlCol="0" anchor="ctr"/>
+          <a:lstStyle/>
+          <a:p>
+            <a:pPr algn="ctr"/>
+            <a:r>
+              <a:rPr lang="en-US" sz="1600"/>
+              <a:t>Move.v.5</a:t>
+            </a:r>
+          </a:p>
+        </p:txBody>
+      </p:sp>
+      <p:sp>
+        <p:nvSpPr>
+          <p:cNvPr id="12" name="Oval 11">
+            <a:extLst>
+              <a:ext uri="{FF2B5EF4-FFF2-40B4-BE49-F238E27FC236}">
+                <a16:creationId xmlns:a16="http://schemas.microsoft.com/office/drawing/2014/main" id="{94D6F858-6725-B745-B91B-B683CD959924}"/>
+              </a:ext>
+            </a:extLst>
+          </p:cNvPr>
+          <p:cNvSpPr/>
+          <p:nvPr/>
+        </p:nvSpPr>
+        <p:spPr>
+          <a:xfrm>
+            <a:off x="7878391" y="265389"/>
+            <a:ext cx="275478" cy="281318"/>
+          </a:xfrm>
+          <a:prstGeom prst="ellipse">
+            <a:avLst/>
+          </a:prstGeom>
+        </p:spPr>
+        <p:style>
+          <a:lnRef idx="1">
+            <a:schemeClr val="accent5"/>
+          </a:lnRef>
+          <a:fillRef idx="2">
+            <a:schemeClr val="accent5"/>
+          </a:fillRef>
+          <a:effectRef idx="1">
+            <a:schemeClr val="accent5"/>
+          </a:effectRef>
+          <a:fontRef idx="minor">
+            <a:schemeClr val="dk1"/>
+          </a:fontRef>
+        </p:style>
+        <p:txBody>
+          <a:bodyPr rtlCol="0" anchor="ctr"/>
+          <a:lstStyle/>
+          <a:p>
+            <a:pPr algn="ctr"/>
+            <a:r>
+              <a:rPr lang="en-US" sz="1600"/>
+              <a:t>d</a:t>
+            </a:r>
+            <a:endParaRPr lang="en-US" sz="1400"/>
+          </a:p>
+        </p:txBody>
+      </p:sp>
+      <p:sp>
+        <p:nvSpPr>
+          <p:cNvPr id="13" name="Oval 12">
+            <a:extLst>
+              <a:ext uri="{FF2B5EF4-FFF2-40B4-BE49-F238E27FC236}">
+                <a16:creationId xmlns:a16="http://schemas.microsoft.com/office/drawing/2014/main" id="{F30636A2-A46C-FB44-8080-905EE3177FDA}"/>
+              </a:ext>
+            </a:extLst>
+          </p:cNvPr>
+          <p:cNvSpPr/>
+          <p:nvPr/>
+        </p:nvSpPr>
+        <p:spPr>
+          <a:xfrm>
+            <a:off x="8215881" y="275181"/>
+            <a:ext cx="277883" cy="271526"/>
+          </a:xfrm>
+          <a:prstGeom prst="ellipse">
+            <a:avLst/>
+          </a:prstGeom>
+        </p:spPr>
+        <p:style>
+          <a:lnRef idx="1">
+            <a:schemeClr val="accent5"/>
+          </a:lnRef>
+          <a:fillRef idx="2">
+            <a:schemeClr val="accent5"/>
+          </a:fillRef>
+          <a:effectRef idx="1">
+            <a:schemeClr val="accent5"/>
+          </a:effectRef>
+          <a:fontRef idx="minor">
+            <a:schemeClr val="dk1"/>
+          </a:fontRef>
+        </p:style>
+        <p:txBody>
+          <a:bodyPr rtlCol="0" anchor="ctr"/>
+          <a:lstStyle/>
+          <a:p>
+            <a:pPr algn="ctr"/>
+            <a:endParaRPr lang="en-US"/>
+          </a:p>
+        </p:txBody>
+      </p:sp>
+      <p:sp>
+        <p:nvSpPr>
+          <p:cNvPr id="17" name="Oval 16">
+            <a:extLst>
+              <a:ext uri="{FF2B5EF4-FFF2-40B4-BE49-F238E27FC236}">
+                <a16:creationId xmlns:a16="http://schemas.microsoft.com/office/drawing/2014/main" id="{C84F0CB5-C438-064D-A3E4-B7046DBAD7C8}"/>
+              </a:ext>
+            </a:extLst>
+          </p:cNvPr>
+          <p:cNvSpPr/>
+          <p:nvPr/>
+        </p:nvSpPr>
+        <p:spPr>
+          <a:xfrm>
+            <a:off x="7849578" y="696579"/>
+            <a:ext cx="275478" cy="276498"/>
+          </a:xfrm>
+          <a:prstGeom prst="ellipse">
+            <a:avLst/>
+          </a:prstGeom>
+        </p:spPr>
+        <p:style>
+          <a:lnRef idx="1">
+            <a:schemeClr val="accent5"/>
+          </a:lnRef>
+          <a:fillRef idx="3">
+            <a:schemeClr val="accent5"/>
+          </a:fillRef>
+          <a:effectRef idx="2">
+            <a:schemeClr val="accent5"/>
+          </a:effectRef>
+          <a:fontRef idx="minor">
+            <a:schemeClr val="lt1"/>
+          </a:fontRef>
+        </p:style>
+        <p:txBody>
+          <a:bodyPr rtlCol="0" anchor="ctr"/>
+          <a:lstStyle/>
+          <a:p>
+            <a:pPr algn="ctr"/>
+            <a:r>
+              <a:rPr lang="en-US" sz="1600"/>
+              <a:t>e</a:t>
+            </a:r>
+          </a:p>
+        </p:txBody>
+      </p:sp>
+      <p:sp>
+        <p:nvSpPr>
+          <p:cNvPr id="18" name="Oval 17">
+            <a:extLst>
+              <a:ext uri="{FF2B5EF4-FFF2-40B4-BE49-F238E27FC236}">
+                <a16:creationId xmlns:a16="http://schemas.microsoft.com/office/drawing/2014/main" id="{5439994B-AF66-AA41-959E-7550A2E95109}"/>
+              </a:ext>
+            </a:extLst>
+          </p:cNvPr>
+          <p:cNvSpPr/>
+          <p:nvPr/>
+        </p:nvSpPr>
+        <p:spPr>
+          <a:xfrm>
+            <a:off x="8215882" y="696579"/>
+            <a:ext cx="277884" cy="276498"/>
+          </a:xfrm>
+          <a:prstGeom prst="ellipse">
+            <a:avLst/>
+          </a:prstGeom>
+        </p:spPr>
+        <p:style>
+          <a:lnRef idx="1">
+            <a:schemeClr val="accent5"/>
+          </a:lnRef>
+          <a:fillRef idx="3">
+            <a:schemeClr val="accent5"/>
+          </a:fillRef>
+          <a:effectRef idx="2">
+            <a:schemeClr val="accent5"/>
+          </a:effectRef>
+          <a:fontRef idx="minor">
+            <a:schemeClr val="lt1"/>
+          </a:fontRef>
+        </p:style>
+        <p:txBody>
+          <a:bodyPr rtlCol="0" anchor="ctr"/>
+          <a:lstStyle/>
+          <a:p>
+            <a:pPr algn="ctr"/>
+            <a:endParaRPr lang="en-US"/>
+          </a:p>
+        </p:txBody>
+      </p:sp>
+      <p:cxnSp>
+        <p:nvCxnSpPr>
+          <p:cNvPr id="19" name="Straight Arrow Connector 18">
+            <a:extLst>
+              <a:ext uri="{FF2B5EF4-FFF2-40B4-BE49-F238E27FC236}">
+                <a16:creationId xmlns:a16="http://schemas.microsoft.com/office/drawing/2014/main" id="{AE503C77-7FDA-F34B-A439-49258FF1DCBF}"/>
+              </a:ext>
+            </a:extLst>
+          </p:cNvPr>
+          <p:cNvCxnSpPr>
+            <a:cxnSpLocks/>
+            <a:stCxn id="50" idx="6"/>
+            <a:endCxn id="6" idx="3"/>
+          </p:cNvCxnSpPr>
+          <p:nvPr/>
+        </p:nvCxnSpPr>
+        <p:spPr>
+          <a:xfrm flipV="1">
+            <a:off x="4060156" y="901092"/>
+            <a:ext cx="332263" cy="68488"/>
+          </a:xfrm>
+          <a:prstGeom prst="straightConnector1">
+            <a:avLst/>
+          </a:prstGeom>
+          <a:ln>
+            <a:tailEnd type="triangle"/>
+          </a:ln>
+        </p:spPr>
+        <p:style>
+          <a:lnRef idx="1">
+            <a:schemeClr val="accent1"/>
+          </a:lnRef>
+          <a:fillRef idx="0">
+            <a:schemeClr val="accent1"/>
+          </a:fillRef>
+          <a:effectRef idx="0">
+            <a:schemeClr val="accent1"/>
+          </a:effectRef>
+          <a:fontRef idx="minor">
+            <a:schemeClr val="tx1"/>
+          </a:fontRef>
+        </p:style>
+      </p:cxnSp>
+      <p:cxnSp>
+        <p:nvCxnSpPr>
+          <p:cNvPr id="22" name="Straight Arrow Connector 21">
+            <a:extLst>
+              <a:ext uri="{FF2B5EF4-FFF2-40B4-BE49-F238E27FC236}">
+                <a16:creationId xmlns:a16="http://schemas.microsoft.com/office/drawing/2014/main" id="{1BECA0FA-EAE7-CF42-8A17-579687C1541A}"/>
+              </a:ext>
+            </a:extLst>
+          </p:cNvPr>
+          <p:cNvCxnSpPr>
+            <a:cxnSpLocks/>
+            <a:stCxn id="12" idx="2"/>
+            <a:endCxn id="7" idx="5"/>
+          </p:cNvCxnSpPr>
+          <p:nvPr/>
+        </p:nvCxnSpPr>
+        <p:spPr>
+          <a:xfrm flipH="1" flipV="1">
+            <a:off x="7546005" y="321174"/>
+            <a:ext cx="332386" cy="84874"/>
+          </a:xfrm>
+          <a:prstGeom prst="straightConnector1">
+            <a:avLst/>
+          </a:prstGeom>
+          <a:ln>
+            <a:tailEnd type="triangle"/>
+          </a:ln>
+        </p:spPr>
+        <p:style>
+          <a:lnRef idx="1">
+            <a:schemeClr val="accent1"/>
+          </a:lnRef>
+          <a:fillRef idx="0">
+            <a:schemeClr val="accent1"/>
+          </a:fillRef>
+          <a:effectRef idx="0">
+            <a:schemeClr val="accent1"/>
+          </a:effectRef>
+          <a:fontRef idx="minor">
+            <a:schemeClr val="tx1"/>
+          </a:fontRef>
+        </p:style>
+      </p:cxnSp>
+      <p:cxnSp>
+        <p:nvCxnSpPr>
+          <p:cNvPr id="23" name="Straight Arrow Connector 22">
+            <a:extLst>
+              <a:ext uri="{FF2B5EF4-FFF2-40B4-BE49-F238E27FC236}">
+                <a16:creationId xmlns:a16="http://schemas.microsoft.com/office/drawing/2014/main" id="{3DF8CF7D-D2C4-3D47-9955-3AF532FB2195}"/>
+              </a:ext>
+            </a:extLst>
+          </p:cNvPr>
+          <p:cNvCxnSpPr>
+            <a:cxnSpLocks/>
+            <a:stCxn id="13" idx="1"/>
+            <a:endCxn id="7" idx="5"/>
+          </p:cNvCxnSpPr>
+          <p:nvPr/>
+        </p:nvCxnSpPr>
+        <p:spPr>
+          <a:xfrm flipH="1">
+            <a:off x="7546005" y="314945"/>
+            <a:ext cx="710571" cy="6229"/>
+          </a:xfrm>
+          <a:prstGeom prst="straightConnector1">
+            <a:avLst/>
+          </a:prstGeom>
+          <a:ln>
+            <a:tailEnd type="triangle"/>
+          </a:ln>
+        </p:spPr>
+        <p:style>
+          <a:lnRef idx="1">
+            <a:schemeClr val="accent1"/>
+          </a:lnRef>
+          <a:fillRef idx="0">
+            <a:schemeClr val="accent1"/>
+          </a:fillRef>
+          <a:effectRef idx="0">
+            <a:schemeClr val="accent1"/>
+          </a:effectRef>
+          <a:fontRef idx="minor">
+            <a:schemeClr val="tx1"/>
+          </a:fontRef>
+        </p:style>
+      </p:cxnSp>
+      <p:cxnSp>
+        <p:nvCxnSpPr>
+          <p:cNvPr id="24" name="Straight Arrow Connector 23">
+            <a:extLst>
+              <a:ext uri="{FF2B5EF4-FFF2-40B4-BE49-F238E27FC236}">
+                <a16:creationId xmlns:a16="http://schemas.microsoft.com/office/drawing/2014/main" id="{27448903-DF5D-6B46-9509-1BE75AC76DBA}"/>
+              </a:ext>
+            </a:extLst>
+          </p:cNvPr>
+          <p:cNvCxnSpPr>
+            <a:cxnSpLocks/>
+            <a:stCxn id="51" idx="7"/>
+            <a:endCxn id="6" idx="3"/>
+          </p:cNvCxnSpPr>
+          <p:nvPr/>
+        </p:nvCxnSpPr>
+        <p:spPr>
+          <a:xfrm flipV="1">
+            <a:off x="4022511" y="901092"/>
+            <a:ext cx="369908" cy="386819"/>
+          </a:xfrm>
+          <a:prstGeom prst="straightConnector1">
+            <a:avLst/>
+          </a:prstGeom>
+          <a:ln>
+            <a:tailEnd type="triangle"/>
+          </a:ln>
+        </p:spPr>
+        <p:style>
+          <a:lnRef idx="1">
+            <a:schemeClr val="accent1"/>
+          </a:lnRef>
+          <a:fillRef idx="0">
+            <a:schemeClr val="accent1"/>
+          </a:fillRef>
+          <a:effectRef idx="0">
+            <a:schemeClr val="accent1"/>
+          </a:effectRef>
+          <a:fontRef idx="minor">
+            <a:schemeClr val="tx1"/>
+          </a:fontRef>
+        </p:style>
+      </p:cxnSp>
+      <p:cxnSp>
+        <p:nvCxnSpPr>
+          <p:cNvPr id="25" name="Straight Arrow Connector 24">
+            <a:extLst>
+              <a:ext uri="{FF2B5EF4-FFF2-40B4-BE49-F238E27FC236}">
+                <a16:creationId xmlns:a16="http://schemas.microsoft.com/office/drawing/2014/main" id="{A08AFBF7-BC85-0442-838B-3B3D395684AE}"/>
+              </a:ext>
+            </a:extLst>
+          </p:cNvPr>
+          <p:cNvCxnSpPr>
+            <a:cxnSpLocks/>
+            <a:stCxn id="56" idx="7"/>
+            <a:endCxn id="6" idx="2"/>
+          </p:cNvCxnSpPr>
+          <p:nvPr/>
+        </p:nvCxnSpPr>
+        <p:spPr>
+          <a:xfrm flipV="1">
+            <a:off x="4323774" y="1203037"/>
+            <a:ext cx="219618" cy="301053"/>
+          </a:xfrm>
+          <a:prstGeom prst="straightConnector1">
+            <a:avLst/>
+          </a:prstGeom>
+          <a:ln>
+            <a:tailEnd type="triangle"/>
+          </a:ln>
+        </p:spPr>
+        <p:style>
+          <a:lnRef idx="1">
+            <a:schemeClr val="accent1"/>
+          </a:lnRef>
+          <a:fillRef idx="0">
+            <a:schemeClr val="accent1"/>
+          </a:fillRef>
+          <a:effectRef idx="0">
+            <a:schemeClr val="accent1"/>
+          </a:effectRef>
+          <a:fontRef idx="minor">
+            <a:schemeClr val="tx1"/>
+          </a:fontRef>
+        </p:style>
+      </p:cxnSp>
+      <p:cxnSp>
+        <p:nvCxnSpPr>
+          <p:cNvPr id="26" name="Straight Arrow Connector 25">
+            <a:extLst>
+              <a:ext uri="{FF2B5EF4-FFF2-40B4-BE49-F238E27FC236}">
+                <a16:creationId xmlns:a16="http://schemas.microsoft.com/office/drawing/2014/main" id="{1AA4A852-D5D9-484D-B139-879158F39CCD}"/>
+              </a:ext>
+            </a:extLst>
+          </p:cNvPr>
+          <p:cNvCxnSpPr>
+            <a:cxnSpLocks/>
+            <a:stCxn id="58" idx="0"/>
+          </p:cNvCxnSpPr>
+          <p:nvPr/>
+        </p:nvCxnSpPr>
+        <p:spPr>
+          <a:xfrm flipH="1" flipV="1">
+            <a:off x="4930240" y="1212113"/>
+            <a:ext cx="45554" cy="256397"/>
+          </a:xfrm>
+          <a:prstGeom prst="straightConnector1">
+            <a:avLst/>
+          </a:prstGeom>
+          <a:ln>
+            <a:tailEnd type="triangle"/>
+          </a:ln>
+        </p:spPr>
+        <p:style>
+          <a:lnRef idx="1">
+            <a:schemeClr val="accent1"/>
+          </a:lnRef>
+          <a:fillRef idx="0">
+            <a:schemeClr val="accent1"/>
+          </a:fillRef>
+          <a:effectRef idx="0">
+            <a:schemeClr val="accent1"/>
+          </a:effectRef>
+          <a:fontRef idx="minor">
+            <a:schemeClr val="tx1"/>
+          </a:fontRef>
+        </p:style>
+      </p:cxnSp>
+      <p:cxnSp>
+        <p:nvCxnSpPr>
+          <p:cNvPr id="27" name="Straight Arrow Connector 26">
+            <a:extLst>
+              <a:ext uri="{FF2B5EF4-FFF2-40B4-BE49-F238E27FC236}">
+                <a16:creationId xmlns:a16="http://schemas.microsoft.com/office/drawing/2014/main" id="{BA5CDD90-ED6D-8743-ABFB-8D39BECF391E}"/>
+              </a:ext>
+            </a:extLst>
+          </p:cNvPr>
+          <p:cNvCxnSpPr>
+            <a:cxnSpLocks/>
+            <a:stCxn id="17" idx="2"/>
+            <a:endCxn id="7" idx="0"/>
+          </p:cNvCxnSpPr>
+          <p:nvPr/>
+        </p:nvCxnSpPr>
+        <p:spPr>
+          <a:xfrm flipH="1" flipV="1">
+            <a:off x="7674937" y="579038"/>
+            <a:ext cx="174641" cy="255790"/>
+          </a:xfrm>
+          <a:prstGeom prst="straightConnector1">
+            <a:avLst/>
+          </a:prstGeom>
+          <a:ln>
+            <a:tailEnd type="triangle"/>
+          </a:ln>
+        </p:spPr>
+        <p:style>
+          <a:lnRef idx="1">
+            <a:schemeClr val="accent1"/>
+          </a:lnRef>
+          <a:fillRef idx="0">
+            <a:schemeClr val="accent1"/>
+          </a:fillRef>
+          <a:effectRef idx="0">
+            <a:schemeClr val="accent1"/>
+          </a:effectRef>
+          <a:fontRef idx="minor">
+            <a:schemeClr val="tx1"/>
+          </a:fontRef>
+        </p:style>
+      </p:cxnSp>
+      <p:cxnSp>
+        <p:nvCxnSpPr>
+          <p:cNvPr id="28" name="Straight Arrow Connector 27">
+            <a:extLst>
+              <a:ext uri="{FF2B5EF4-FFF2-40B4-BE49-F238E27FC236}">
+                <a16:creationId xmlns:a16="http://schemas.microsoft.com/office/drawing/2014/main" id="{12A020E5-726A-AD46-8DBB-5644F0512951}"/>
+              </a:ext>
+            </a:extLst>
+          </p:cNvPr>
+          <p:cNvCxnSpPr>
+            <a:cxnSpLocks/>
+            <a:stCxn id="18" idx="1"/>
+            <a:endCxn id="7" idx="0"/>
+          </p:cNvCxnSpPr>
+          <p:nvPr/>
+        </p:nvCxnSpPr>
+        <p:spPr>
+          <a:xfrm flipH="1" flipV="1">
+            <a:off x="7674937" y="579038"/>
+            <a:ext cx="581640" cy="158033"/>
+          </a:xfrm>
+          <a:prstGeom prst="straightConnector1">
+            <a:avLst/>
+          </a:prstGeom>
+          <a:ln>
+            <a:tailEnd type="triangle"/>
+          </a:ln>
+        </p:spPr>
+        <p:style>
+          <a:lnRef idx="1">
+            <a:schemeClr val="accent1"/>
+          </a:lnRef>
+          <a:fillRef idx="0">
+            <a:schemeClr val="accent1"/>
+          </a:fillRef>
+          <a:effectRef idx="0">
+            <a:schemeClr val="accent1"/>
+          </a:effectRef>
+          <a:fontRef idx="minor">
+            <a:schemeClr val="tx1"/>
+          </a:fontRef>
+        </p:style>
+      </p:cxnSp>
+      <p:sp>
+        <p:nvSpPr>
+          <p:cNvPr id="29" name="Rectangle 28">
+            <a:extLst>
+              <a:ext uri="{FF2B5EF4-FFF2-40B4-BE49-F238E27FC236}">
+                <a16:creationId xmlns:a16="http://schemas.microsoft.com/office/drawing/2014/main" id="{6B1128C9-D8E7-0F46-933C-426C2E29794A}"/>
+              </a:ext>
+            </a:extLst>
+          </p:cNvPr>
+          <p:cNvSpPr/>
+          <p:nvPr/>
+        </p:nvSpPr>
+        <p:spPr>
+          <a:xfrm>
+            <a:off x="5640895" y="698887"/>
+            <a:ext cx="780133" cy="531862"/>
+          </a:xfrm>
+          <a:prstGeom prst="rect">
+            <a:avLst/>
+          </a:prstGeom>
+        </p:spPr>
+        <p:style>
+          <a:lnRef idx="2">
+            <a:schemeClr val="accent4">
+              <a:shade val="50000"/>
+            </a:schemeClr>
+          </a:lnRef>
+          <a:fillRef idx="1">
+            <a:schemeClr val="accent4"/>
+          </a:fillRef>
+          <a:effectRef idx="0">
+            <a:schemeClr val="accent4"/>
+          </a:effectRef>
+          <a:fontRef idx="minor">
+            <a:schemeClr val="lt1"/>
+          </a:fontRef>
+        </p:style>
+        <p:txBody>
+          <a:bodyPr rtlCol="0" anchor="ctr"/>
+          <a:lstStyle/>
+          <a:p>
+            <a:pPr algn="ctr"/>
+            <a:r>
+              <a:rPr lang="en-US" sz="1600" b="1"/>
+              <a:t>move.</a:t>
+            </a:r>
+            <a:br>
+              <a:rPr lang="en-US" sz="1600" b="1"/>
+            </a:br>
+            <a:r>
+              <a:rPr lang="en-US" sz="1600" b="1"/>
+              <a:t>global</a:t>
+            </a:r>
+          </a:p>
+        </p:txBody>
+      </p:sp>
+      <p:cxnSp>
+        <p:nvCxnSpPr>
+          <p:cNvPr id="30" name="Straight Arrow Connector 29">
+            <a:extLst>
+              <a:ext uri="{FF2B5EF4-FFF2-40B4-BE49-F238E27FC236}">
+                <a16:creationId xmlns:a16="http://schemas.microsoft.com/office/drawing/2014/main" id="{A736506B-C893-FE40-89CB-D66739EAF473}"/>
+              </a:ext>
+            </a:extLst>
+          </p:cNvPr>
+          <p:cNvCxnSpPr>
+            <a:cxnSpLocks/>
+            <a:stCxn id="29" idx="1"/>
+            <a:endCxn id="6" idx="0"/>
+          </p:cNvCxnSpPr>
+          <p:nvPr/>
+        </p:nvCxnSpPr>
+        <p:spPr>
+          <a:xfrm flipH="1" flipV="1">
+            <a:off x="5297424" y="901092"/>
+            <a:ext cx="343471" cy="63726"/>
+          </a:xfrm>
+          <a:prstGeom prst="straightConnector1">
+            <a:avLst/>
+          </a:prstGeom>
+          <a:ln>
+            <a:tailEnd type="triangle"/>
+          </a:ln>
+        </p:spPr>
+        <p:style>
+          <a:lnRef idx="1">
+            <a:schemeClr val="accent1"/>
+          </a:lnRef>
+          <a:fillRef idx="0">
+            <a:schemeClr val="accent1"/>
+          </a:fillRef>
+          <a:effectRef idx="0">
+            <a:schemeClr val="accent1"/>
+          </a:effectRef>
+          <a:fontRef idx="minor">
+            <a:schemeClr val="tx1"/>
+          </a:fontRef>
+        </p:style>
+      </p:cxnSp>
+      <p:cxnSp>
+        <p:nvCxnSpPr>
+          <p:cNvPr id="31" name="Straight Arrow Connector 30">
+            <a:extLst>
+              <a:ext uri="{FF2B5EF4-FFF2-40B4-BE49-F238E27FC236}">
+                <a16:creationId xmlns:a16="http://schemas.microsoft.com/office/drawing/2014/main" id="{04B1E177-FA39-8841-8579-A92B86CA7B05}"/>
+              </a:ext>
+            </a:extLst>
+          </p:cNvPr>
+          <p:cNvCxnSpPr>
+            <a:cxnSpLocks/>
+            <a:stCxn id="29" idx="3"/>
+            <a:endCxn id="7" idx="3"/>
+          </p:cNvCxnSpPr>
+          <p:nvPr/>
+        </p:nvCxnSpPr>
+        <p:spPr>
+          <a:xfrm flipV="1">
+            <a:off x="6421028" y="579038"/>
+            <a:ext cx="343471" cy="385780"/>
+          </a:xfrm>
+          <a:prstGeom prst="straightConnector1">
+            <a:avLst/>
+          </a:prstGeom>
+          <a:ln>
+            <a:tailEnd type="triangle"/>
+          </a:ln>
+        </p:spPr>
+        <p:style>
+          <a:lnRef idx="1">
+            <a:schemeClr val="accent1"/>
+          </a:lnRef>
+          <a:fillRef idx="0">
+            <a:schemeClr val="accent1"/>
+          </a:fillRef>
+          <a:effectRef idx="0">
+            <a:schemeClr val="accent1"/>
+          </a:effectRef>
+          <a:fontRef idx="minor">
+            <a:schemeClr val="tx1"/>
+          </a:fontRef>
+        </p:style>
+      </p:cxnSp>
+      <p:cxnSp>
+        <p:nvCxnSpPr>
+          <p:cNvPr id="32" name="Straight Arrow Connector 31">
+            <a:extLst>
+              <a:ext uri="{FF2B5EF4-FFF2-40B4-BE49-F238E27FC236}">
+                <a16:creationId xmlns:a16="http://schemas.microsoft.com/office/drawing/2014/main" id="{974EBBFC-6471-8F4E-BDAC-C9ECC1B26619}"/>
+              </a:ext>
+            </a:extLst>
+          </p:cNvPr>
+          <p:cNvCxnSpPr>
+            <a:cxnSpLocks/>
+            <a:stCxn id="29" idx="3"/>
+            <a:endCxn id="8" idx="2"/>
+          </p:cNvCxnSpPr>
+          <p:nvPr/>
+        </p:nvCxnSpPr>
+        <p:spPr>
+          <a:xfrm>
+            <a:off x="6421028" y="964818"/>
+            <a:ext cx="472848" cy="795583"/>
+          </a:xfrm>
+          <a:prstGeom prst="straightConnector1">
+            <a:avLst/>
+          </a:prstGeom>
+          <a:ln>
+            <a:tailEnd type="triangle"/>
+          </a:ln>
+        </p:spPr>
+        <p:style>
+          <a:lnRef idx="1">
+            <a:schemeClr val="accent1"/>
+          </a:lnRef>
+          <a:fillRef idx="0">
+            <a:schemeClr val="accent1"/>
+          </a:fillRef>
+          <a:effectRef idx="0">
+            <a:schemeClr val="accent1"/>
+          </a:effectRef>
+          <a:fontRef idx="minor">
+            <a:schemeClr val="tx1"/>
+          </a:fontRef>
+        </p:style>
+      </p:cxnSp>
+      <p:sp>
+        <p:nvSpPr>
+          <p:cNvPr id="34" name="Left Bracket 33">
+            <a:extLst>
+              <a:ext uri="{FF2B5EF4-FFF2-40B4-BE49-F238E27FC236}">
+                <a16:creationId xmlns:a16="http://schemas.microsoft.com/office/drawing/2014/main" id="{058402C6-37B8-4549-AC4D-6678F36C7CAC}"/>
+              </a:ext>
+            </a:extLst>
+          </p:cNvPr>
+          <p:cNvSpPr/>
+          <p:nvPr/>
+        </p:nvSpPr>
+        <p:spPr>
+          <a:xfrm rot="-5400000">
+            <a:off x="5772014" y="-739707"/>
+            <a:ext cx="794092" cy="5165571"/>
+          </a:xfrm>
+          <a:prstGeom prst="leftBracket">
+            <a:avLst/>
+          </a:prstGeom>
+          <a:ln w="12700"/>
+        </p:spPr>
+        <p:style>
+          <a:lnRef idx="1">
+            <a:schemeClr val="accent1"/>
+          </a:lnRef>
+          <a:fillRef idx="0">
+            <a:schemeClr val="accent1"/>
+          </a:fillRef>
+          <a:effectRef idx="0">
+            <a:schemeClr val="accent1"/>
+          </a:effectRef>
+          <a:fontRef idx="minor">
+            <a:schemeClr val="tx1"/>
+          </a:fontRef>
+        </p:style>
+        <p:txBody>
+          <a:bodyPr rtlCol="0" anchor="ctr"/>
+          <a:lstStyle/>
+          <a:p>
+            <a:pPr algn="ctr"/>
+            <a:endParaRPr lang="en-US"/>
+          </a:p>
+        </p:txBody>
+      </p:sp>
+      <p:sp>
+        <p:nvSpPr>
+          <p:cNvPr id="35" name="Down Arrow 34">
+            <a:extLst>
+              <a:ext uri="{FF2B5EF4-FFF2-40B4-BE49-F238E27FC236}">
+                <a16:creationId xmlns:a16="http://schemas.microsoft.com/office/drawing/2014/main" id="{A44F7057-F457-9C41-BBC3-7C1C28952E6D}"/>
+              </a:ext>
+            </a:extLst>
+          </p:cNvPr>
+          <p:cNvSpPr/>
+          <p:nvPr/>
+        </p:nvSpPr>
+        <p:spPr>
+          <a:xfrm>
+            <a:off x="6759863" y="2242665"/>
+            <a:ext cx="277323" cy="655582"/>
+          </a:xfrm>
+          <a:prstGeom prst="downArrow">
+            <a:avLst/>
+          </a:prstGeom>
+          <a:solidFill>
+            <a:schemeClr val="bg1"/>
+          </a:solidFill>
+          <a:ln w="25400"/>
+        </p:spPr>
+        <p:style>
+          <a:lnRef idx="2">
+            <a:schemeClr val="accent1">
+              <a:shade val="50000"/>
+            </a:schemeClr>
+          </a:lnRef>
+          <a:fillRef idx="1">
+            <a:schemeClr val="accent1"/>
+          </a:fillRef>
+          <a:effectRef idx="0">
+            <a:schemeClr val="accent1"/>
+          </a:effectRef>
+          <a:fontRef idx="minor">
+            <a:schemeClr val="lt1"/>
+          </a:fontRef>
+        </p:style>
+        <p:txBody>
+          <a:bodyPr rtlCol="0" anchor="ctr"/>
+          <a:lstStyle/>
+          <a:p>
+            <a:pPr algn="ctr"/>
+            <a:endParaRPr lang="en-US"/>
+          </a:p>
+        </p:txBody>
+      </p:sp>
+      <p:sp>
+        <p:nvSpPr>
+          <p:cNvPr id="36" name="Diamond 35">
+            <a:extLst>
+              <a:ext uri="{FF2B5EF4-FFF2-40B4-BE49-F238E27FC236}">
+                <a16:creationId xmlns:a16="http://schemas.microsoft.com/office/drawing/2014/main" id="{55E24309-70B3-AC4C-82EC-23A84ED501B5}"/>
+              </a:ext>
+            </a:extLst>
+          </p:cNvPr>
+          <p:cNvSpPr/>
+          <p:nvPr/>
+        </p:nvSpPr>
+        <p:spPr>
+          <a:xfrm>
+            <a:off x="5688834" y="2892685"/>
+            <a:ext cx="2423155" cy="835996"/>
+          </a:xfrm>
+          <a:prstGeom prst="diamond">
+            <a:avLst/>
+          </a:prstGeom>
+        </p:spPr>
+        <p:style>
+          <a:lnRef idx="2">
+            <a:schemeClr val="accent1">
+              <a:shade val="50000"/>
+            </a:schemeClr>
+          </a:lnRef>
+          <a:fillRef idx="1">
+            <a:schemeClr val="accent1"/>
+          </a:fillRef>
+          <a:effectRef idx="0">
+            <a:schemeClr val="accent1"/>
+          </a:effectRef>
+          <a:fontRef idx="minor">
+            <a:schemeClr val="lt1"/>
+          </a:fontRef>
+        </p:style>
+        <p:txBody>
+          <a:bodyPr rtlCol="0" anchor="ctr"/>
+          <a:lstStyle/>
+          <a:p>
+            <a:pPr algn="ctr"/>
+            <a:r>
+              <a:rPr lang="en-US"/>
+              <a:t>Graph NN</a:t>
+            </a:r>
+            <a:br>
+              <a:rPr lang="en-US"/>
+            </a:br>
+            <a:r>
+              <a:rPr lang="en-US"/>
+              <a:t>(e.g. GAT)</a:t>
+            </a:r>
+          </a:p>
+        </p:txBody>
+      </p:sp>
+      <p:sp>
+        <p:nvSpPr>
+          <p:cNvPr id="37" name="TextBox 36">
+            <a:extLst>
+              <a:ext uri="{FF2B5EF4-FFF2-40B4-BE49-F238E27FC236}">
+                <a16:creationId xmlns:a16="http://schemas.microsoft.com/office/drawing/2014/main" id="{AAA389CF-74FD-3146-A0BE-C186A89EB181}"/>
+              </a:ext>
+            </a:extLst>
+          </p:cNvPr>
+          <p:cNvSpPr txBox="1"/>
+          <p:nvPr/>
+        </p:nvSpPr>
+        <p:spPr>
+          <a:xfrm>
+            <a:off x="4640937" y="1936650"/>
+            <a:ext cx="3460892" cy="338554"/>
+          </a:xfrm>
+          <a:prstGeom prst="rect">
+            <a:avLst/>
+          </a:prstGeom>
+          <a:noFill/>
+        </p:spPr>
+        <p:txBody>
+          <a:bodyPr wrap="square" rtlCol="0">
+            <a:spAutoFit/>
+          </a:bodyPr>
+          <a:lstStyle/>
+          <a:p>
+            <a:r>
+              <a:rPr lang="en-US" sz="1600"/>
+              <a:t>Graph area (i.e. ~ neighbourhood)</a:t>
+            </a:r>
+          </a:p>
+        </p:txBody>
+      </p:sp>
+      <p:sp>
+        <p:nvSpPr>
+          <p:cNvPr id="39" name="Rectangle 38">
+            <a:extLst>
+              <a:ext uri="{FF2B5EF4-FFF2-40B4-BE49-F238E27FC236}">
+                <a16:creationId xmlns:a16="http://schemas.microsoft.com/office/drawing/2014/main" id="{6AF0C0C8-AF3F-CF40-8510-9B719BE10B41}"/>
+              </a:ext>
+            </a:extLst>
+          </p:cNvPr>
+          <p:cNvSpPr/>
+          <p:nvPr/>
+        </p:nvSpPr>
+        <p:spPr>
+          <a:xfrm>
+            <a:off x="3884625" y="4411932"/>
             <a:ext cx="1987475" cy="645277"/>
           </a:xfrm>
           <a:prstGeom prst="rect">
@@ -6978,7 +8117,7 @@
             <a:pPr algn="ctr"/>
             <a:r>
               <a:rPr lang="en-US" sz="1600"/>
-              <a:t>move.global</a:t>
+              <a:t>move</a:t>
             </a:r>
             <a:br>
               <a:rPr lang="en-US" sz="1600" b="1"/>
@@ -6996,19 +8135,19 @@
       </p:sp>
       <p:sp>
         <p:nvSpPr>
-          <p:cNvPr id="247" name="Rectangle 246">
-            <a:extLst>
-              <a:ext uri="{FF2B5EF4-FFF2-40B4-BE49-F238E27FC236}">
-                <a16:creationId xmlns:a16="http://schemas.microsoft.com/office/drawing/2014/main" id="{4FE39300-1A73-8E45-BF1A-6C75B44DC8C0}"/>
-              </a:ext>
-            </a:extLst>
-          </p:cNvPr>
-          <p:cNvSpPr/>
-          <p:nvPr/>
-        </p:nvSpPr>
-        <p:spPr>
-          <a:xfrm>
-            <a:off x="4647772" y="3680413"/>
+          <p:cNvPr id="40" name="Rectangle 39">
+            <a:extLst>
+              <a:ext uri="{FF2B5EF4-FFF2-40B4-BE49-F238E27FC236}">
+                <a16:creationId xmlns:a16="http://schemas.microsoft.com/office/drawing/2014/main" id="{E7485753-453C-B242-86E5-671A8BF00634}"/>
+              </a:ext>
+            </a:extLst>
+          </p:cNvPr>
+          <p:cNvSpPr/>
+          <p:nvPr/>
+        </p:nvSpPr>
+        <p:spPr>
+          <a:xfrm>
+            <a:off x="5872100" y="4411933"/>
             <a:ext cx="1987475" cy="645277"/>
           </a:xfrm>
           <a:prstGeom prst="rect">
@@ -7056,72 +8195,10 @@
       </p:sp>
       <p:sp>
         <p:nvSpPr>
-          <p:cNvPr id="248" name="Rectangle 247">
-            <a:extLst>
-              <a:ext uri="{FF2B5EF4-FFF2-40B4-BE49-F238E27FC236}">
-                <a16:creationId xmlns:a16="http://schemas.microsoft.com/office/drawing/2014/main" id="{D35CF018-7FC4-684A-9DA9-60D958BF6D57}"/>
-              </a:ext>
-            </a:extLst>
-          </p:cNvPr>
-          <p:cNvSpPr/>
-          <p:nvPr/>
-        </p:nvSpPr>
-        <p:spPr>
-          <a:xfrm>
-            <a:off x="6658616" y="3680413"/>
-            <a:ext cx="1987475" cy="645277"/>
-          </a:xfrm>
-          <a:prstGeom prst="rect">
-            <a:avLst/>
-          </a:prstGeom>
-        </p:spPr>
-        <p:style>
-          <a:lnRef idx="1">
-            <a:schemeClr val="accent6"/>
-          </a:lnRef>
-          <a:fillRef idx="2">
-            <a:schemeClr val="accent6"/>
-          </a:fillRef>
-          <a:effectRef idx="1">
-            <a:schemeClr val="accent6"/>
-          </a:effectRef>
-          <a:fontRef idx="minor">
-            <a:schemeClr val="dk1"/>
-          </a:fontRef>
-        </p:style>
-        <p:txBody>
-          <a:bodyPr rtlCol="0" anchor="ctr"/>
-          <a:lstStyle/>
-          <a:p>
-            <a:pPr algn="ctr"/>
-            <a:r>
-              <a:rPr lang="en-US" sz="1600"/>
-              <a:t>Move.v.2</a:t>
-            </a:r>
-            <a:br>
-              <a:rPr lang="en-US" sz="1600" b="1"/>
-            </a:br>
-            <a:r>
-              <a:rPr lang="en-US" sz="1600" b="1"/>
-              <a:t>Sense </a:t>
-            </a:r>
-            <a:r>
-              <a:rPr lang="en-US" sz="1600" b="1">
-                <a:solidFill>
-                  <a:schemeClr val="tx1"/>
-                </a:solidFill>
-              </a:rPr>
-              <a:t>Node State</a:t>
-            </a:r>
-          </a:p>
-        </p:txBody>
-      </p:sp>
-      <p:sp>
-        <p:nvSpPr>
-          <p:cNvPr id="249" name="TextBox 248">
-            <a:extLst>
-              <a:ext uri="{FF2B5EF4-FFF2-40B4-BE49-F238E27FC236}">
-                <a16:creationId xmlns:a16="http://schemas.microsoft.com/office/drawing/2014/main" id="{1AD4AF1E-29BB-C843-81FD-DB36FE67382B}"/>
+          <p:cNvPr id="41" name="TextBox 40">
+            <a:extLst>
+              <a:ext uri="{FF2B5EF4-FFF2-40B4-BE49-F238E27FC236}">
+                <a16:creationId xmlns:a16="http://schemas.microsoft.com/office/drawing/2014/main" id="{AF811355-C686-8A4D-A212-C43515DC3854}"/>
               </a:ext>
             </a:extLst>
           </p:cNvPr>
@@ -7130,7 +8207,7 @@
         </p:nvSpPr>
         <p:spPr>
           <a:xfrm>
-            <a:off x="838722" y="3869277"/>
+            <a:off x="2189907" y="4549904"/>
             <a:ext cx="1602487" cy="369332"/>
           </a:xfrm>
           <a:prstGeom prst="rect">
@@ -7153,39 +8230,126 @@
       </p:sp>
       <p:sp>
         <p:nvSpPr>
-          <p:cNvPr id="257" name="Down Arrow 256">
-            <a:extLst>
-              <a:ext uri="{FF2B5EF4-FFF2-40B4-BE49-F238E27FC236}">
-                <a16:creationId xmlns:a16="http://schemas.microsoft.com/office/drawing/2014/main" id="{18F0D862-3477-2D4C-BA18-3CA75A087836}"/>
-              </a:ext>
-            </a:extLst>
-          </p:cNvPr>
-          <p:cNvSpPr/>
-          <p:nvPr/>
-        </p:nvSpPr>
-        <p:spPr>
-          <a:xfrm>
-            <a:off x="5075919" y="4525190"/>
-            <a:ext cx="381964" cy="473605"/>
-          </a:xfrm>
-          <a:prstGeom prst="downArrow">
-            <a:avLst/>
-          </a:prstGeom>
-          <a:solidFill>
-            <a:schemeClr val="bg1"/>
-          </a:solidFill>
-        </p:spPr>
-        <p:style>
-          <a:lnRef idx="2">
-            <a:schemeClr val="accent1">
-              <a:shade val="50000"/>
-            </a:schemeClr>
-          </a:lnRef>
-          <a:fillRef idx="1">
-            <a:schemeClr val="accent1"/>
-          </a:fillRef>
-          <a:effectRef idx="0">
-            <a:schemeClr val="accent1"/>
+          <p:cNvPr id="50" name="Oval 49">
+            <a:extLst>
+              <a:ext uri="{FF2B5EF4-FFF2-40B4-BE49-F238E27FC236}">
+                <a16:creationId xmlns:a16="http://schemas.microsoft.com/office/drawing/2014/main" id="{4562F59A-112B-564A-8BD3-540A3E1811B2}"/>
+              </a:ext>
+            </a:extLst>
+          </p:cNvPr>
+          <p:cNvSpPr/>
+          <p:nvPr/>
+        </p:nvSpPr>
+        <p:spPr>
+          <a:xfrm>
+            <a:off x="3784678" y="828921"/>
+            <a:ext cx="275478" cy="281318"/>
+          </a:xfrm>
+          <a:prstGeom prst="ellipse">
+            <a:avLst/>
+          </a:prstGeom>
+        </p:spPr>
+        <p:style>
+          <a:lnRef idx="1">
+            <a:schemeClr val="accent5"/>
+          </a:lnRef>
+          <a:fillRef idx="2">
+            <a:schemeClr val="accent5"/>
+          </a:fillRef>
+          <a:effectRef idx="1">
+            <a:schemeClr val="accent5"/>
+          </a:effectRef>
+          <a:fontRef idx="minor">
+            <a:schemeClr val="dk1"/>
+          </a:fontRef>
+        </p:style>
+        <p:txBody>
+          <a:bodyPr rtlCol="0" anchor="ctr"/>
+          <a:lstStyle/>
+          <a:p>
+            <a:pPr algn="ctr"/>
+            <a:r>
+              <a:rPr lang="en-US" sz="1600"/>
+              <a:t>d</a:t>
+            </a:r>
+            <a:endParaRPr lang="en-US" sz="1400"/>
+          </a:p>
+        </p:txBody>
+      </p:sp>
+      <p:sp>
+        <p:nvSpPr>
+          <p:cNvPr id="51" name="Oval 50">
+            <a:extLst>
+              <a:ext uri="{FF2B5EF4-FFF2-40B4-BE49-F238E27FC236}">
+                <a16:creationId xmlns:a16="http://schemas.microsoft.com/office/drawing/2014/main" id="{097CFB90-5417-F74F-B44E-B2DAD85F7567}"/>
+              </a:ext>
+            </a:extLst>
+          </p:cNvPr>
+          <p:cNvSpPr/>
+          <p:nvPr/>
+        </p:nvSpPr>
+        <p:spPr>
+          <a:xfrm>
+            <a:off x="3785323" y="1248147"/>
+            <a:ext cx="277883" cy="271526"/>
+          </a:xfrm>
+          <a:prstGeom prst="ellipse">
+            <a:avLst/>
+          </a:prstGeom>
+        </p:spPr>
+        <p:style>
+          <a:lnRef idx="1">
+            <a:schemeClr val="accent5"/>
+          </a:lnRef>
+          <a:fillRef idx="2">
+            <a:schemeClr val="accent5"/>
+          </a:fillRef>
+          <a:effectRef idx="1">
+            <a:schemeClr val="accent5"/>
+          </a:effectRef>
+          <a:fontRef idx="minor">
+            <a:schemeClr val="dk1"/>
+          </a:fontRef>
+        </p:style>
+        <p:txBody>
+          <a:bodyPr rtlCol="0" anchor="ctr"/>
+          <a:lstStyle/>
+          <a:p>
+            <a:pPr algn="ctr"/>
+            <a:endParaRPr lang="en-US"/>
+          </a:p>
+        </p:txBody>
+      </p:sp>
+      <p:sp>
+        <p:nvSpPr>
+          <p:cNvPr id="56" name="Oval 55">
+            <a:extLst>
+              <a:ext uri="{FF2B5EF4-FFF2-40B4-BE49-F238E27FC236}">
+                <a16:creationId xmlns:a16="http://schemas.microsoft.com/office/drawing/2014/main" id="{E86B9250-3420-614D-8DF0-49E89F160662}"/>
+              </a:ext>
+            </a:extLst>
+          </p:cNvPr>
+          <p:cNvSpPr/>
+          <p:nvPr/>
+        </p:nvSpPr>
+        <p:spPr>
+          <a:xfrm>
+            <a:off x="4088639" y="1463598"/>
+            <a:ext cx="275478" cy="276498"/>
+          </a:xfrm>
+          <a:prstGeom prst="ellipse">
+            <a:avLst/>
+          </a:prstGeom>
+        </p:spPr>
+        <p:style>
+          <a:lnRef idx="1">
+            <a:schemeClr val="accent5"/>
+          </a:lnRef>
+          <a:fillRef idx="3">
+            <a:schemeClr val="accent5"/>
+          </a:fillRef>
+          <a:effectRef idx="2">
+            <a:schemeClr val="accent5"/>
           </a:effectRef>
           <a:fontRef idx="minor">
             <a:schemeClr val="lt1"/>
@@ -7196,520 +8360,88 @@
           <a:lstStyle/>
           <a:p>
             <a:pPr algn="ctr"/>
+            <a:r>
+              <a:rPr lang="en-US" sz="1600"/>
+              <a:t>e</a:t>
+            </a:r>
+            <a:endParaRPr lang="en-US" sz="1400"/>
+          </a:p>
+        </p:txBody>
+      </p:sp>
+      <p:sp>
+        <p:nvSpPr>
+          <p:cNvPr id="57" name="Oval 56">
+            <a:extLst>
+              <a:ext uri="{FF2B5EF4-FFF2-40B4-BE49-F238E27FC236}">
+                <a16:creationId xmlns:a16="http://schemas.microsoft.com/office/drawing/2014/main" id="{DB3EBBC5-8D77-ED42-9F51-12EED5051F8E}"/>
+              </a:ext>
+            </a:extLst>
+          </p:cNvPr>
+          <p:cNvSpPr/>
+          <p:nvPr/>
+        </p:nvSpPr>
+        <p:spPr>
+          <a:xfrm>
+            <a:off x="4454943" y="1463598"/>
+            <a:ext cx="277884" cy="276498"/>
+          </a:xfrm>
+          <a:prstGeom prst="ellipse">
+            <a:avLst/>
+          </a:prstGeom>
+        </p:spPr>
+        <p:style>
+          <a:lnRef idx="1">
+            <a:schemeClr val="accent5"/>
+          </a:lnRef>
+          <a:fillRef idx="3">
+            <a:schemeClr val="accent5"/>
+          </a:fillRef>
+          <a:effectRef idx="2">
+            <a:schemeClr val="accent5"/>
+          </a:effectRef>
+          <a:fontRef idx="minor">
+            <a:schemeClr val="lt1"/>
+          </a:fontRef>
+        </p:style>
+        <p:txBody>
+          <a:bodyPr rtlCol="0" anchor="ctr"/>
+          <a:lstStyle/>
+          <a:p>
+            <a:pPr algn="ctr"/>
             <a:endParaRPr lang="en-US"/>
           </a:p>
         </p:txBody>
       </p:sp>
       <p:sp>
         <p:nvSpPr>
-          <p:cNvPr id="258" name="Left Bracket 257">
-            <a:extLst>
-              <a:ext uri="{FF2B5EF4-FFF2-40B4-BE49-F238E27FC236}">
-                <a16:creationId xmlns:a16="http://schemas.microsoft.com/office/drawing/2014/main" id="{161D59A0-97E8-A340-937B-F8E6E9BF767B}"/>
-              </a:ext>
-            </a:extLst>
-          </p:cNvPr>
-          <p:cNvSpPr/>
-          <p:nvPr/>
-        </p:nvSpPr>
-        <p:spPr>
-          <a:xfrm rot="-5400000">
-            <a:off x="5497536" y="1181645"/>
-            <a:ext cx="299326" cy="6370202"/>
-          </a:xfrm>
-          <a:prstGeom prst="leftBracket">
-            <a:avLst/>
-          </a:prstGeom>
-          <a:ln w="12700"/>
+          <p:cNvPr id="58" name="Oval 57">
+            <a:extLst>
+              <a:ext uri="{FF2B5EF4-FFF2-40B4-BE49-F238E27FC236}">
+                <a16:creationId xmlns:a16="http://schemas.microsoft.com/office/drawing/2014/main" id="{2FCB8F75-42AB-F84B-AD48-D8D639DF295A}"/>
+              </a:ext>
+            </a:extLst>
+          </p:cNvPr>
+          <p:cNvSpPr/>
+          <p:nvPr/>
+        </p:nvSpPr>
+        <p:spPr>
+          <a:xfrm>
+            <a:off x="4836852" y="1468510"/>
+            <a:ext cx="277884" cy="276498"/>
+          </a:xfrm>
+          <a:prstGeom prst="ellipse">
+            <a:avLst/>
+          </a:prstGeom>
         </p:spPr>
         <p:style>
           <a:lnRef idx="1">
-            <a:schemeClr val="accent1"/>
-          </a:lnRef>
-          <a:fillRef idx="0">
-            <a:schemeClr val="accent1"/>
-          </a:fillRef>
-          <a:effectRef idx="0">
-            <a:schemeClr val="accent1"/>
-          </a:effectRef>
-          <a:fontRef idx="minor">
-            <a:schemeClr val="tx1"/>
-          </a:fontRef>
-        </p:style>
-        <p:txBody>
-          <a:bodyPr rtlCol="0" anchor="ctr"/>
-          <a:lstStyle/>
-          <a:p>
-            <a:pPr algn="ctr"/>
-            <a:endParaRPr lang="en-US"/>
-          </a:p>
-        </p:txBody>
-      </p:sp>
-      <p:sp>
-        <p:nvSpPr>
-          <p:cNvPr id="259" name="Diamond 258">
-            <a:extLst>
-              <a:ext uri="{FF2B5EF4-FFF2-40B4-BE49-F238E27FC236}">
-                <a16:creationId xmlns:a16="http://schemas.microsoft.com/office/drawing/2014/main" id="{39D90A8D-B5BB-4B48-AC59-75E00CEEE05C}"/>
-              </a:ext>
-            </a:extLst>
-          </p:cNvPr>
-          <p:cNvSpPr/>
-          <p:nvPr/>
-        </p:nvSpPr>
-        <p:spPr>
-          <a:xfrm>
-            <a:off x="4054200" y="5026792"/>
-            <a:ext cx="2423155" cy="756806"/>
-          </a:xfrm>
-          <a:prstGeom prst="diamond">
-            <a:avLst/>
-          </a:prstGeom>
-        </p:spPr>
-        <p:style>
-          <a:lnRef idx="2">
-            <a:schemeClr val="accent1">
-              <a:shade val="50000"/>
-            </a:schemeClr>
-          </a:lnRef>
-          <a:fillRef idx="1">
-            <a:schemeClr val="accent1"/>
-          </a:fillRef>
-          <a:effectRef idx="0">
-            <a:schemeClr val="accent1"/>
-          </a:effectRef>
-          <a:fontRef idx="minor">
-            <a:schemeClr val="lt1"/>
-          </a:fontRef>
-        </p:style>
-        <p:txBody>
-          <a:bodyPr rtlCol="0" anchor="ctr"/>
-          <a:lstStyle/>
-          <a:p>
-            <a:pPr algn="ctr"/>
-            <a:r>
-              <a:rPr lang="en-US"/>
-              <a:t>Layer 1 of GRU</a:t>
-            </a:r>
-          </a:p>
-        </p:txBody>
-      </p:sp>
-      <p:sp>
-        <p:nvSpPr>
-          <p:cNvPr id="86" name="Rectangle 85">
-            <a:extLst>
-              <a:ext uri="{FF2B5EF4-FFF2-40B4-BE49-F238E27FC236}">
-                <a16:creationId xmlns:a16="http://schemas.microsoft.com/office/drawing/2014/main" id="{04720A63-B472-2649-946A-1480BD193270}"/>
-              </a:ext>
-            </a:extLst>
-          </p:cNvPr>
-          <p:cNvSpPr/>
-          <p:nvPr/>
-        </p:nvSpPr>
-        <p:spPr>
-          <a:xfrm>
-            <a:off x="4242483" y="5799930"/>
-            <a:ext cx="1987475" cy="299327"/>
-          </a:xfrm>
-          <a:prstGeom prst="rect">
-            <a:avLst/>
-          </a:prstGeom>
-          <a:solidFill>
-            <a:schemeClr val="accent5">
-              <a:lumMod val="40000"/>
-              <a:lumOff val="60000"/>
-            </a:schemeClr>
-          </a:solidFill>
-        </p:spPr>
-        <p:style>
-          <a:lnRef idx="2">
-            <a:schemeClr val="accent5">
-              <a:shade val="50000"/>
-            </a:schemeClr>
-          </a:lnRef>
-          <a:fillRef idx="1">
             <a:schemeClr val="accent5"/>
-          </a:fillRef>
-          <a:effectRef idx="0">
+          </a:lnRef>
+          <a:fillRef idx="3">
             <a:schemeClr val="accent5"/>
-          </a:effectRef>
-          <a:fontRef idx="minor">
-            <a:schemeClr val="lt1"/>
-          </a:fontRef>
-        </p:style>
-        <p:txBody>
-          <a:bodyPr rtlCol="0" anchor="ctr"/>
-          <a:lstStyle/>
-          <a:p>
-            <a:pPr algn="ctr"/>
-            <a:r>
-              <a:rPr lang="en-US" sz="1600">
-                <a:solidFill>
-                  <a:schemeClr val="tx1"/>
-                </a:solidFill>
-              </a:rPr>
-              <a:t>Hidden state 1</a:t>
-            </a:r>
-          </a:p>
-        </p:txBody>
-      </p:sp>
-      <p:sp>
-        <p:nvSpPr>
-          <p:cNvPr id="87" name="Diamond 86">
-            <a:extLst>
-              <a:ext uri="{FF2B5EF4-FFF2-40B4-BE49-F238E27FC236}">
-                <a16:creationId xmlns:a16="http://schemas.microsoft.com/office/drawing/2014/main" id="{D720A14A-448F-C74D-9782-DA58BDCF5657}"/>
-              </a:ext>
-            </a:extLst>
-          </p:cNvPr>
-          <p:cNvSpPr/>
-          <p:nvPr/>
-        </p:nvSpPr>
-        <p:spPr>
-          <a:xfrm>
-            <a:off x="4053586" y="8026165"/>
-            <a:ext cx="2423155" cy="835996"/>
-          </a:xfrm>
-          <a:prstGeom prst="diamond">
-            <a:avLst/>
-          </a:prstGeom>
-        </p:spPr>
-        <p:style>
-          <a:lnRef idx="2">
-            <a:schemeClr val="accent1">
-              <a:shade val="50000"/>
-            </a:schemeClr>
-          </a:lnRef>
-          <a:fillRef idx="1">
-            <a:schemeClr val="accent1"/>
-          </a:fillRef>
-          <a:effectRef idx="0">
-            <a:schemeClr val="accent1"/>
-          </a:effectRef>
-          <a:fontRef idx="minor">
-            <a:schemeClr val="lt1"/>
-          </a:fontRef>
-        </p:style>
-        <p:txBody>
-          <a:bodyPr wrap="none" lIns="36000" rIns="36000" rtlCol="0" anchor="ctr"/>
-          <a:lstStyle/>
-          <a:p>
-            <a:pPr algn="ctr"/>
-            <a:r>
-              <a:rPr lang="en-GB"/>
-              <a:t>FF-NN:</a:t>
-            </a:r>
-            <a:br>
-              <a:rPr lang="en-GB"/>
-            </a:br>
-            <a:r>
-              <a:rPr lang="en-GB"/>
-              <a:t>linear2global</a:t>
-            </a:r>
-            <a:endParaRPr lang="en-US"/>
-          </a:p>
-        </p:txBody>
-      </p:sp>
-      <p:sp>
-        <p:nvSpPr>
-          <p:cNvPr id="88" name="Rectangle 87">
-            <a:extLst>
-              <a:ext uri="{FF2B5EF4-FFF2-40B4-BE49-F238E27FC236}">
-                <a16:creationId xmlns:a16="http://schemas.microsoft.com/office/drawing/2014/main" id="{B6224982-B82A-1543-8A21-0A983FA65669}"/>
-              </a:ext>
-            </a:extLst>
-          </p:cNvPr>
-          <p:cNvSpPr/>
-          <p:nvPr/>
-        </p:nvSpPr>
-        <p:spPr>
-          <a:xfrm>
-            <a:off x="4295692" y="9323364"/>
-            <a:ext cx="1987475" cy="530651"/>
-          </a:xfrm>
-          <a:prstGeom prst="rect">
-            <a:avLst/>
-          </a:prstGeom>
-          <a:solidFill>
-            <a:schemeClr val="accent5">
-              <a:lumMod val="40000"/>
-              <a:lumOff val="60000"/>
-            </a:schemeClr>
-          </a:solidFill>
-        </p:spPr>
-        <p:style>
-          <a:lnRef idx="2">
-            <a:schemeClr val="accent5">
-              <a:shade val="50000"/>
-            </a:schemeClr>
-          </a:lnRef>
-          <a:fillRef idx="1">
+          </a:fillRef>
+          <a:effectRef idx="2">
             <a:schemeClr val="accent5"/>
-          </a:fillRef>
-          <a:effectRef idx="0">
-            <a:schemeClr val="accent5"/>
-          </a:effectRef>
-          <a:fontRef idx="minor">
-            <a:schemeClr val="lt1"/>
-          </a:fontRef>
-        </p:style>
-        <p:txBody>
-          <a:bodyPr rtlCol="0" anchor="ctr"/>
-          <a:lstStyle/>
-          <a:p>
-            <a:pPr algn="ctr"/>
-            <a:r>
-              <a:rPr lang="en-US" sz="1600">
-                <a:solidFill>
-                  <a:schemeClr val="tx1"/>
-                </a:solidFill>
-              </a:rPr>
-              <a:t>Logits of global words</a:t>
-            </a:r>
-          </a:p>
-        </p:txBody>
-      </p:sp>
-      <p:sp>
-        <p:nvSpPr>
-          <p:cNvPr id="92" name="Down Arrow 91">
-            <a:extLst>
-              <a:ext uri="{FF2B5EF4-FFF2-40B4-BE49-F238E27FC236}">
-                <a16:creationId xmlns:a16="http://schemas.microsoft.com/office/drawing/2014/main" id="{8B86E277-3EBE-4D4D-906B-94475D1125B4}"/>
-              </a:ext>
-            </a:extLst>
-          </p:cNvPr>
-          <p:cNvSpPr/>
-          <p:nvPr/>
-        </p:nvSpPr>
-        <p:spPr>
-          <a:xfrm>
-            <a:off x="5096367" y="7190170"/>
-            <a:ext cx="381964" cy="835995"/>
-          </a:xfrm>
-          <a:prstGeom prst="downArrow">
-            <a:avLst/>
-          </a:prstGeom>
-          <a:solidFill>
-            <a:schemeClr val="bg1"/>
-          </a:solidFill>
-        </p:spPr>
-        <p:style>
-          <a:lnRef idx="2">
-            <a:schemeClr val="accent1">
-              <a:shade val="50000"/>
-            </a:schemeClr>
-          </a:lnRef>
-          <a:fillRef idx="1">
-            <a:schemeClr val="accent1"/>
-          </a:fillRef>
-          <a:effectRef idx="0">
-            <a:schemeClr val="accent1"/>
-          </a:effectRef>
-          <a:fontRef idx="minor">
-            <a:schemeClr val="lt1"/>
-          </a:fontRef>
-        </p:style>
-        <p:txBody>
-          <a:bodyPr rtlCol="0" anchor="ctr"/>
-          <a:lstStyle/>
-          <a:p>
-            <a:pPr algn="ctr"/>
-            <a:endParaRPr lang="en-US"/>
-          </a:p>
-        </p:txBody>
-      </p:sp>
-      <p:sp>
-        <p:nvSpPr>
-          <p:cNvPr id="93" name="Down Arrow 92">
-            <a:extLst>
-              <a:ext uri="{FF2B5EF4-FFF2-40B4-BE49-F238E27FC236}">
-                <a16:creationId xmlns:a16="http://schemas.microsoft.com/office/drawing/2014/main" id="{5A0602D7-C1C7-184A-B336-BDBBEA25EBA2}"/>
-              </a:ext>
-            </a:extLst>
-          </p:cNvPr>
-          <p:cNvSpPr/>
-          <p:nvPr/>
-        </p:nvSpPr>
-        <p:spPr>
-          <a:xfrm>
-            <a:off x="5085756" y="8862161"/>
-            <a:ext cx="381964" cy="428262"/>
-          </a:xfrm>
-          <a:prstGeom prst="downArrow">
-            <a:avLst/>
-          </a:prstGeom>
-          <a:solidFill>
-            <a:schemeClr val="bg1"/>
-          </a:solidFill>
-        </p:spPr>
-        <p:style>
-          <a:lnRef idx="2">
-            <a:schemeClr val="accent1">
-              <a:shade val="50000"/>
-            </a:schemeClr>
-          </a:lnRef>
-          <a:fillRef idx="1">
-            <a:schemeClr val="accent1"/>
-          </a:fillRef>
-          <a:effectRef idx="0">
-            <a:schemeClr val="accent1"/>
-          </a:effectRef>
-          <a:fontRef idx="minor">
-            <a:schemeClr val="lt1"/>
-          </a:fontRef>
-        </p:style>
-        <p:txBody>
-          <a:bodyPr rtlCol="0" anchor="ctr"/>
-          <a:lstStyle/>
-          <a:p>
-            <a:pPr algn="ctr"/>
-            <a:endParaRPr lang="en-US"/>
-          </a:p>
-        </p:txBody>
-      </p:sp>
-      <p:sp>
-        <p:nvSpPr>
-          <p:cNvPr id="94" name="Down Arrow 93">
-            <a:extLst>
-              <a:ext uri="{FF2B5EF4-FFF2-40B4-BE49-F238E27FC236}">
-                <a16:creationId xmlns:a16="http://schemas.microsoft.com/office/drawing/2014/main" id="{9C0E5ABE-5384-D840-81FE-E7F6C349D18F}"/>
-              </a:ext>
-            </a:extLst>
-          </p:cNvPr>
-          <p:cNvSpPr/>
-          <p:nvPr/>
-        </p:nvSpPr>
-        <p:spPr>
-          <a:xfrm>
-            <a:off x="5074180" y="9846637"/>
-            <a:ext cx="381964" cy="428262"/>
-          </a:xfrm>
-          <a:prstGeom prst="downArrow">
-            <a:avLst/>
-          </a:prstGeom>
-          <a:solidFill>
-            <a:schemeClr val="bg1"/>
-          </a:solidFill>
-        </p:spPr>
-        <p:style>
-          <a:lnRef idx="2">
-            <a:schemeClr val="accent1">
-              <a:shade val="50000"/>
-            </a:schemeClr>
-          </a:lnRef>
-          <a:fillRef idx="1">
-            <a:schemeClr val="accent1"/>
-          </a:fillRef>
-          <a:effectRef idx="0">
-            <a:schemeClr val="accent1"/>
-          </a:effectRef>
-          <a:fontRef idx="minor">
-            <a:schemeClr val="lt1"/>
-          </a:fontRef>
-        </p:style>
-        <p:txBody>
-          <a:bodyPr rtlCol="0" anchor="ctr"/>
-          <a:lstStyle/>
-          <a:p>
-            <a:pPr algn="ctr"/>
-            <a:endParaRPr lang="en-US"/>
-          </a:p>
-        </p:txBody>
-      </p:sp>
-      <p:sp>
-        <p:nvSpPr>
-          <p:cNvPr id="97" name="Rectangle 96">
-            <a:extLst>
-              <a:ext uri="{FF2B5EF4-FFF2-40B4-BE49-F238E27FC236}">
-                <a16:creationId xmlns:a16="http://schemas.microsoft.com/office/drawing/2014/main" id="{A58CB02F-E5F6-DC40-9916-827FEEA07178}"/>
-              </a:ext>
-            </a:extLst>
-          </p:cNvPr>
-          <p:cNvSpPr/>
-          <p:nvPr/>
-        </p:nvSpPr>
-        <p:spPr>
-          <a:xfrm>
-            <a:off x="7454580" y="9274087"/>
-            <a:ext cx="1987475" cy="530651"/>
-          </a:xfrm>
-          <a:prstGeom prst="rect">
-            <a:avLst/>
-          </a:prstGeom>
-          <a:solidFill>
-            <a:schemeClr val="accent5">
-              <a:lumMod val="40000"/>
-              <a:lumOff val="60000"/>
-            </a:schemeClr>
-          </a:solidFill>
-        </p:spPr>
-        <p:style>
-          <a:lnRef idx="2">
-            <a:schemeClr val="accent5">
-              <a:shade val="50000"/>
-            </a:schemeClr>
-          </a:lnRef>
-          <a:fillRef idx="1">
-            <a:schemeClr val="accent5"/>
-          </a:fillRef>
-          <a:effectRef idx="0">
-            <a:schemeClr val="accent5"/>
-          </a:effectRef>
-          <a:fontRef idx="minor">
-            <a:schemeClr val="lt1"/>
-          </a:fontRef>
-        </p:style>
-        <p:txBody>
-          <a:bodyPr rtlCol="0" anchor="ctr"/>
-          <a:lstStyle/>
-          <a:p>
-            <a:pPr algn="ctr"/>
-            <a:r>
-              <a:rPr lang="en-US" sz="1600">
-                <a:solidFill>
-                  <a:schemeClr val="tx1"/>
-                </a:solidFill>
-              </a:rPr>
-              <a:t>Logits of senses</a:t>
-            </a:r>
-          </a:p>
-        </p:txBody>
-      </p:sp>
-      <p:sp>
-        <p:nvSpPr>
-          <p:cNvPr id="99" name="Down Arrow 98">
-            <a:extLst>
-              <a:ext uri="{FF2B5EF4-FFF2-40B4-BE49-F238E27FC236}">
-                <a16:creationId xmlns:a16="http://schemas.microsoft.com/office/drawing/2014/main" id="{F51D490F-46EF-B84B-A119-C4E3B360FA11}"/>
-              </a:ext>
-            </a:extLst>
-          </p:cNvPr>
-          <p:cNvSpPr/>
-          <p:nvPr/>
-        </p:nvSpPr>
-        <p:spPr>
-          <a:xfrm>
-            <a:off x="8233068" y="9797360"/>
-            <a:ext cx="381964" cy="428262"/>
-          </a:xfrm>
-          <a:prstGeom prst="downArrow">
-            <a:avLst/>
-          </a:prstGeom>
-          <a:solidFill>
-            <a:schemeClr val="bg1"/>
-          </a:solidFill>
-        </p:spPr>
-        <p:style>
-          <a:lnRef idx="2">
-            <a:schemeClr val="accent1">
-              <a:shade val="50000"/>
-            </a:schemeClr>
-          </a:lnRef>
-          <a:fillRef idx="1">
-            <a:schemeClr val="accent1"/>
-          </a:fillRef>
-          <a:effectRef idx="0">
-            <a:schemeClr val="accent1"/>
           </a:effectRef>
           <a:fontRef idx="minor">
             <a:schemeClr val="lt1"/>
@@ -7726,23 +8458,24 @@
       </p:sp>
       <p:cxnSp>
         <p:nvCxnSpPr>
-          <p:cNvPr id="103" name="Straight Arrow Connector 102">
-            <a:extLst>
-              <a:ext uri="{FF2B5EF4-FFF2-40B4-BE49-F238E27FC236}">
-                <a16:creationId xmlns:a16="http://schemas.microsoft.com/office/drawing/2014/main" id="{48E82184-43C1-7D46-9834-06EBC665D3F5}"/>
+          <p:cNvPr id="61" name="Straight Arrow Connector 60">
+            <a:extLst>
+              <a:ext uri="{FF2B5EF4-FFF2-40B4-BE49-F238E27FC236}">
+                <a16:creationId xmlns:a16="http://schemas.microsoft.com/office/drawing/2014/main" id="{6A3A36AB-C992-6A4B-96F4-1C811A07B79D}"/>
               </a:ext>
             </a:extLst>
           </p:cNvPr>
           <p:cNvCxnSpPr>
             <a:cxnSpLocks/>
-            <a:stCxn id="86" idx="3"/>
+            <a:stCxn id="57" idx="0"/>
+            <a:endCxn id="6" idx="2"/>
           </p:cNvCxnSpPr>
           <p:nvPr/>
         </p:nvCxnSpPr>
         <p:spPr>
-          <a:xfrm>
-            <a:off x="6229958" y="5949594"/>
-            <a:ext cx="1374996" cy="344069"/>
+          <a:xfrm flipH="1" flipV="1">
+            <a:off x="4543392" y="1203037"/>
+            <a:ext cx="50493" cy="260561"/>
           </a:xfrm>
           <a:prstGeom prst="straightConnector1">
             <a:avLst/>
@@ -7753,474 +8486,172 @@
         </p:spPr>
         <p:style>
           <a:lnRef idx="1">
+            <a:schemeClr val="accent1"/>
+          </a:lnRef>
+          <a:fillRef idx="0">
+            <a:schemeClr val="accent1"/>
+          </a:fillRef>
+          <a:effectRef idx="0">
+            <a:schemeClr val="accent1"/>
+          </a:effectRef>
+          <a:fontRef idx="minor">
+            <a:schemeClr val="tx1"/>
+          </a:fontRef>
+        </p:style>
+      </p:cxnSp>
+      <p:cxnSp>
+        <p:nvCxnSpPr>
+          <p:cNvPr id="105" name="Straight Arrow Connector 104">
+            <a:extLst>
+              <a:ext uri="{FF2B5EF4-FFF2-40B4-BE49-F238E27FC236}">
+                <a16:creationId xmlns:a16="http://schemas.microsoft.com/office/drawing/2014/main" id="{D3333E0A-4CAD-D544-84C9-BB40D0502734}"/>
+              </a:ext>
+            </a:extLst>
+          </p:cNvPr>
+          <p:cNvCxnSpPr>
+            <a:cxnSpLocks/>
+          </p:cNvCxnSpPr>
+          <p:nvPr/>
+        </p:nvCxnSpPr>
+        <p:spPr>
+          <a:xfrm flipH="1" flipV="1">
+            <a:off x="7669504" y="1508244"/>
+            <a:ext cx="581640" cy="158033"/>
+          </a:xfrm>
+          <a:prstGeom prst="straightConnector1">
+            <a:avLst/>
+          </a:prstGeom>
+          <a:ln>
+            <a:tailEnd type="triangle"/>
+          </a:ln>
+        </p:spPr>
+        <p:style>
+          <a:lnRef idx="1">
+            <a:schemeClr val="accent1"/>
+          </a:lnRef>
+          <a:fillRef idx="0">
+            <a:schemeClr val="accent1"/>
+          </a:fillRef>
+          <a:effectRef idx="0">
+            <a:schemeClr val="accent1"/>
+          </a:effectRef>
+          <a:fontRef idx="minor">
+            <a:schemeClr val="tx1"/>
+          </a:fontRef>
+        </p:style>
+      </p:cxnSp>
+      <p:sp>
+        <p:nvSpPr>
+          <p:cNvPr id="106" name="Oval 105">
+            <a:extLst>
+              <a:ext uri="{FF2B5EF4-FFF2-40B4-BE49-F238E27FC236}">
+                <a16:creationId xmlns:a16="http://schemas.microsoft.com/office/drawing/2014/main" id="{0F5EA80F-821B-7A49-839A-F2C01C80C392}"/>
+              </a:ext>
+            </a:extLst>
+          </p:cNvPr>
+          <p:cNvSpPr/>
+          <p:nvPr/>
+        </p:nvSpPr>
+        <p:spPr>
+          <a:xfrm>
+            <a:off x="8232856" y="1572684"/>
+            <a:ext cx="275478" cy="281318"/>
+          </a:xfrm>
+          <a:prstGeom prst="ellipse">
+            <a:avLst/>
+          </a:prstGeom>
+        </p:spPr>
+        <p:style>
+          <a:lnRef idx="1">
+            <a:schemeClr val="accent5"/>
+          </a:lnRef>
+          <a:fillRef idx="2">
+            <a:schemeClr val="accent5"/>
+          </a:fillRef>
+          <a:effectRef idx="1">
+            <a:schemeClr val="accent5"/>
+          </a:effectRef>
+          <a:fontRef idx="minor">
             <a:schemeClr val="dk1"/>
-          </a:lnRef>
-          <a:fillRef idx="0">
-            <a:schemeClr val="dk1"/>
-          </a:fillRef>
-          <a:effectRef idx="0">
-            <a:schemeClr val="dk1"/>
-          </a:effectRef>
-          <a:fontRef idx="minor">
-            <a:schemeClr val="tx1"/>
-          </a:fontRef>
-        </p:style>
-      </p:cxnSp>
-      <p:sp>
-        <p:nvSpPr>
-          <p:cNvPr id="110" name="Diamond 109">
-            <a:extLst>
-              <a:ext uri="{FF2B5EF4-FFF2-40B4-BE49-F238E27FC236}">
-                <a16:creationId xmlns:a16="http://schemas.microsoft.com/office/drawing/2014/main" id="{AE4C2E08-C7CA-1A4F-8A6E-6E8D16B38182}"/>
-              </a:ext>
-            </a:extLst>
-          </p:cNvPr>
-          <p:cNvSpPr/>
-          <p:nvPr/>
-        </p:nvSpPr>
-        <p:spPr>
-          <a:xfrm>
-            <a:off x="7216984" y="8024023"/>
-            <a:ext cx="2423155" cy="835996"/>
-          </a:xfrm>
-          <a:prstGeom prst="diamond">
-            <a:avLst/>
-          </a:prstGeom>
+          </a:fontRef>
+        </p:style>
+        <p:txBody>
+          <a:bodyPr rtlCol="0" anchor="ctr"/>
+          <a:lstStyle/>
+          <a:p>
+            <a:pPr algn="ctr"/>
+            <a:r>
+              <a:rPr lang="en-US" sz="1600"/>
+              <a:t>d</a:t>
+            </a:r>
+            <a:endParaRPr lang="en-US" sz="1400"/>
+          </a:p>
+        </p:txBody>
+      </p:sp>
+      <p:sp>
+        <p:nvSpPr>
+          <p:cNvPr id="5" name="Rectangle 4">
+            <a:extLst>
+              <a:ext uri="{FF2B5EF4-FFF2-40B4-BE49-F238E27FC236}">
+                <a16:creationId xmlns:a16="http://schemas.microsoft.com/office/drawing/2014/main" id="{DCC2B1D0-F381-C14D-B327-CF627AE1DC2B}"/>
+              </a:ext>
+            </a:extLst>
+          </p:cNvPr>
+          <p:cNvSpPr/>
+          <p:nvPr/>
+        </p:nvSpPr>
+        <p:spPr>
+          <a:xfrm>
+            <a:off x="2035036" y="2611765"/>
+            <a:ext cx="1987475" cy="645277"/>
+          </a:xfrm>
+          <a:prstGeom prst="rect">
+            <a:avLst/>
+          </a:prstGeom>
+          <a:solidFill>
+            <a:schemeClr val="accent2">
+              <a:lumMod val="60000"/>
+              <a:lumOff val="40000"/>
+            </a:schemeClr>
+          </a:solidFill>
         </p:spPr>
         <p:style>
           <a:lnRef idx="2">
-            <a:schemeClr val="accent1">
+            <a:schemeClr val="accent4">
               <a:shade val="50000"/>
             </a:schemeClr>
           </a:lnRef>
           <a:fillRef idx="1">
-            <a:schemeClr val="accent1"/>
-          </a:fillRef>
-          <a:effectRef idx="0">
-            <a:schemeClr val="accent1"/>
+            <a:schemeClr val="accent4"/>
+          </a:fillRef>
+          <a:effectRef idx="0">
+            <a:schemeClr val="accent4"/>
           </a:effectRef>
           <a:fontRef idx="minor">
             <a:schemeClr val="lt1"/>
           </a:fontRef>
         </p:style>
         <p:txBody>
-          <a:bodyPr wrap="none" lIns="36000" rIns="36000" rtlCol="0" anchor="ctr"/>
-          <a:lstStyle/>
-          <a:p>
-            <a:pPr algn="ctr"/>
-            <a:r>
-              <a:rPr lang="en-GB"/>
-              <a:t>FF-NN:</a:t>
-            </a:r>
-            <a:br>
-              <a:rPr lang="en-GB"/>
-            </a:br>
-            <a:r>
-              <a:rPr lang="en-GB"/>
-              <a:t>linear2senses</a:t>
-            </a:r>
-            <a:endParaRPr lang="en-US"/>
-          </a:p>
-        </p:txBody>
-      </p:sp>
-      <p:sp>
-        <p:nvSpPr>
-          <p:cNvPr id="111" name="Down Arrow 110">
-            <a:extLst>
-              <a:ext uri="{FF2B5EF4-FFF2-40B4-BE49-F238E27FC236}">
-                <a16:creationId xmlns:a16="http://schemas.microsoft.com/office/drawing/2014/main" id="{C4A77C34-6AAE-CF4F-9234-5F76595DAA01}"/>
-              </a:ext>
-            </a:extLst>
-          </p:cNvPr>
-          <p:cNvSpPr/>
-          <p:nvPr/>
-        </p:nvSpPr>
-        <p:spPr>
-          <a:xfrm>
-            <a:off x="8229130" y="7168748"/>
-            <a:ext cx="381964" cy="868992"/>
-          </a:xfrm>
-          <a:prstGeom prst="downArrow">
-            <a:avLst/>
-          </a:prstGeom>
-          <a:solidFill>
-            <a:schemeClr val="bg1"/>
-          </a:solidFill>
-        </p:spPr>
-        <p:style>
-          <a:lnRef idx="2">
-            <a:schemeClr val="accent1">
-              <a:shade val="50000"/>
-            </a:schemeClr>
-          </a:lnRef>
-          <a:fillRef idx="1">
-            <a:schemeClr val="accent1"/>
-          </a:fillRef>
-          <a:effectRef idx="0">
-            <a:schemeClr val="accent1"/>
-          </a:effectRef>
-          <a:fontRef idx="minor">
-            <a:schemeClr val="lt1"/>
-          </a:fontRef>
-        </p:style>
-        <p:txBody>
           <a:bodyPr rtlCol="0" anchor="ctr"/>
           <a:lstStyle/>
           <a:p>
             <a:pPr algn="ctr"/>
-            <a:endParaRPr lang="en-US"/>
-          </a:p>
-        </p:txBody>
-      </p:sp>
-      <p:sp>
-        <p:nvSpPr>
-          <p:cNvPr id="112" name="Down Arrow 111">
-            <a:extLst>
-              <a:ext uri="{FF2B5EF4-FFF2-40B4-BE49-F238E27FC236}">
-                <a16:creationId xmlns:a16="http://schemas.microsoft.com/office/drawing/2014/main" id="{FDC1CB01-C028-6C48-95D2-4C7288B55F66}"/>
-              </a:ext>
-            </a:extLst>
-          </p:cNvPr>
-          <p:cNvSpPr/>
-          <p:nvPr/>
-        </p:nvSpPr>
-        <p:spPr>
-          <a:xfrm>
-            <a:off x="8227381" y="8838659"/>
-            <a:ext cx="381964" cy="428262"/>
-          </a:xfrm>
-          <a:prstGeom prst="downArrow">
-            <a:avLst/>
-          </a:prstGeom>
-          <a:solidFill>
-            <a:schemeClr val="bg1"/>
-          </a:solidFill>
-        </p:spPr>
-        <p:style>
-          <a:lnRef idx="2">
-            <a:schemeClr val="accent1">
-              <a:shade val="50000"/>
-            </a:schemeClr>
-          </a:lnRef>
-          <a:fillRef idx="1">
-            <a:schemeClr val="accent1"/>
-          </a:fillRef>
-          <a:effectRef idx="0">
-            <a:schemeClr val="accent1"/>
-          </a:effectRef>
-          <a:fontRef idx="minor">
-            <a:schemeClr val="lt1"/>
-          </a:fontRef>
-        </p:style>
-        <p:txBody>
-          <a:bodyPr rtlCol="0" anchor="ctr"/>
-          <a:lstStyle/>
-          <a:p>
-            <a:pPr algn="ctr"/>
-            <a:endParaRPr lang="en-US"/>
-          </a:p>
-        </p:txBody>
-      </p:sp>
-      <p:sp>
-        <p:nvSpPr>
-          <p:cNvPr id="114" name="Left Bracket 113">
-            <a:extLst>
-              <a:ext uri="{FF2B5EF4-FFF2-40B4-BE49-F238E27FC236}">
-                <a16:creationId xmlns:a16="http://schemas.microsoft.com/office/drawing/2014/main" id="{D6FA0586-C9C1-0645-96D3-C580A6E207AE}"/>
-              </a:ext>
-            </a:extLst>
-          </p:cNvPr>
-          <p:cNvSpPr/>
-          <p:nvPr/>
-        </p:nvSpPr>
-        <p:spPr>
-          <a:xfrm>
-            <a:off x="2698418" y="5231968"/>
-            <a:ext cx="299326" cy="1111170"/>
-          </a:xfrm>
-          <a:prstGeom prst="leftBracket">
-            <a:avLst/>
-          </a:prstGeom>
-          <a:ln w="12700"/>
-        </p:spPr>
-        <p:style>
-          <a:lnRef idx="1">
-            <a:schemeClr val="accent1"/>
-          </a:lnRef>
-          <a:fillRef idx="0">
-            <a:schemeClr val="accent1"/>
-          </a:fillRef>
-          <a:effectRef idx="0">
-            <a:schemeClr val="accent1"/>
-          </a:effectRef>
-          <a:fontRef idx="minor">
-            <a:schemeClr val="tx1"/>
-          </a:fontRef>
-        </p:style>
-        <p:txBody>
-          <a:bodyPr rtlCol="0" anchor="ctr"/>
-          <a:lstStyle/>
-          <a:p>
-            <a:pPr algn="ctr"/>
-            <a:endParaRPr lang="en-US"/>
-          </a:p>
-        </p:txBody>
-      </p:sp>
-      <p:sp>
-        <p:nvSpPr>
-          <p:cNvPr id="2" name="TextBox 1">
-            <a:extLst>
-              <a:ext uri="{FF2B5EF4-FFF2-40B4-BE49-F238E27FC236}">
-                <a16:creationId xmlns:a16="http://schemas.microsoft.com/office/drawing/2014/main" id="{CD51F447-4C90-B042-B3E2-0278C3F50ABF}"/>
-              </a:ext>
-            </a:extLst>
-          </p:cNvPr>
-          <p:cNvSpPr txBox="1"/>
-          <p:nvPr/>
-        </p:nvSpPr>
-        <p:spPr>
-          <a:xfrm>
-            <a:off x="1723920" y="5498185"/>
-            <a:ext cx="1040022" cy="369332"/>
-          </a:xfrm>
-          <a:prstGeom prst="rect">
-            <a:avLst/>
-          </a:prstGeom>
-          <a:noFill/>
-        </p:spPr>
-        <p:txBody>
-          <a:bodyPr wrap="square" rtlCol="0">
-            <a:spAutoFit/>
-          </a:bodyPr>
-          <a:lstStyle/>
-          <a:p>
-            <a:r>
-              <a:rPr lang="en-US" b="1"/>
-              <a:t>GRU</a:t>
-            </a:r>
-          </a:p>
-        </p:txBody>
-      </p:sp>
-      <p:sp>
-        <p:nvSpPr>
-          <p:cNvPr id="115" name="Diamond 114">
-            <a:extLst>
-              <a:ext uri="{FF2B5EF4-FFF2-40B4-BE49-F238E27FC236}">
-                <a16:creationId xmlns:a16="http://schemas.microsoft.com/office/drawing/2014/main" id="{F069E149-BA77-2B4D-A2C9-3C304350BADE}"/>
-              </a:ext>
-            </a:extLst>
-          </p:cNvPr>
-          <p:cNvSpPr/>
-          <p:nvPr/>
-        </p:nvSpPr>
-        <p:spPr>
-          <a:xfrm>
-            <a:off x="4064291" y="6105268"/>
-            <a:ext cx="2423155" cy="756806"/>
-          </a:xfrm>
-          <a:prstGeom prst="diamond">
-            <a:avLst/>
-          </a:prstGeom>
-        </p:spPr>
-        <p:style>
-          <a:lnRef idx="2">
-            <a:schemeClr val="accent1">
-              <a:shade val="50000"/>
-            </a:schemeClr>
-          </a:lnRef>
-          <a:fillRef idx="1">
-            <a:schemeClr val="accent1"/>
-          </a:fillRef>
-          <a:effectRef idx="0">
-            <a:schemeClr val="accent1"/>
-          </a:effectRef>
-          <a:fontRef idx="minor">
-            <a:schemeClr val="lt1"/>
-          </a:fontRef>
-        </p:style>
-        <p:txBody>
-          <a:bodyPr rtlCol="0" anchor="ctr"/>
-          <a:lstStyle/>
-          <a:p>
-            <a:pPr algn="ctr"/>
-            <a:r>
-              <a:rPr lang="en-US"/>
-              <a:t>Layer 2 of GRU</a:t>
-            </a:r>
-          </a:p>
-        </p:txBody>
-      </p:sp>
-      <p:sp>
-        <p:nvSpPr>
-          <p:cNvPr id="116" name="Rectangle 115">
-            <a:extLst>
-              <a:ext uri="{FF2B5EF4-FFF2-40B4-BE49-F238E27FC236}">
-                <a16:creationId xmlns:a16="http://schemas.microsoft.com/office/drawing/2014/main" id="{DFA289A8-0F99-5146-8DC5-32B647A8B770}"/>
-              </a:ext>
-            </a:extLst>
-          </p:cNvPr>
-          <p:cNvSpPr/>
-          <p:nvPr/>
-        </p:nvSpPr>
-        <p:spPr>
-          <a:xfrm>
-            <a:off x="4242482" y="6881353"/>
-            <a:ext cx="1987475" cy="299327"/>
-          </a:xfrm>
-          <a:prstGeom prst="rect">
-            <a:avLst/>
-          </a:prstGeom>
-          <a:solidFill>
-            <a:schemeClr val="accent5">
-              <a:lumMod val="40000"/>
-              <a:lumOff val="60000"/>
-            </a:schemeClr>
-          </a:solidFill>
-        </p:spPr>
-        <p:style>
-          <a:lnRef idx="2">
-            <a:schemeClr val="accent5">
-              <a:shade val="50000"/>
-            </a:schemeClr>
-          </a:lnRef>
-          <a:fillRef idx="1">
-            <a:schemeClr val="accent5"/>
-          </a:fillRef>
-          <a:effectRef idx="0">
-            <a:schemeClr val="accent5"/>
-          </a:effectRef>
-          <a:fontRef idx="minor">
-            <a:schemeClr val="lt1"/>
-          </a:fontRef>
-        </p:style>
-        <p:txBody>
-          <a:bodyPr rtlCol="0" anchor="ctr"/>
-          <a:lstStyle/>
-          <a:p>
-            <a:pPr algn="ctr"/>
-            <a:r>
-              <a:rPr lang="en-US" sz="1600">
-                <a:solidFill>
-                  <a:schemeClr val="tx1"/>
-                </a:solidFill>
-              </a:rPr>
-              <a:t>Hidden state 2</a:t>
-            </a:r>
-          </a:p>
-        </p:txBody>
-      </p:sp>
-      <p:sp>
-        <p:nvSpPr>
-          <p:cNvPr id="117" name="Diamond 116">
-            <a:extLst>
-              <a:ext uri="{FF2B5EF4-FFF2-40B4-BE49-F238E27FC236}">
-                <a16:creationId xmlns:a16="http://schemas.microsoft.com/office/drawing/2014/main" id="{FA4779EC-9A0D-CB41-868F-70F7E232C442}"/>
-              </a:ext>
-            </a:extLst>
-          </p:cNvPr>
-          <p:cNvSpPr/>
-          <p:nvPr/>
-        </p:nvSpPr>
-        <p:spPr>
-          <a:xfrm>
-            <a:off x="7208535" y="6090291"/>
-            <a:ext cx="2423155" cy="756806"/>
-          </a:xfrm>
-          <a:prstGeom prst="diamond">
-            <a:avLst/>
-          </a:prstGeom>
-        </p:spPr>
-        <p:style>
-          <a:lnRef idx="2">
-            <a:schemeClr val="accent1">
-              <a:shade val="50000"/>
-            </a:schemeClr>
-          </a:lnRef>
-          <a:fillRef idx="1">
-            <a:schemeClr val="accent1"/>
-          </a:fillRef>
-          <a:effectRef idx="0">
-            <a:schemeClr val="accent1"/>
-          </a:effectRef>
-          <a:fontRef idx="minor">
-            <a:schemeClr val="lt1"/>
-          </a:fontRef>
-        </p:style>
-        <p:txBody>
-          <a:bodyPr rtlCol="0" anchor="ctr"/>
-          <a:lstStyle/>
-          <a:p>
-            <a:pPr algn="ctr"/>
-            <a:r>
-              <a:rPr lang="en-US"/>
-              <a:t>Layer 2b of GRU</a:t>
-            </a:r>
-          </a:p>
-        </p:txBody>
-      </p:sp>
-      <p:sp>
-        <p:nvSpPr>
-          <p:cNvPr id="118" name="Rectangle 117">
-            <a:extLst>
-              <a:ext uri="{FF2B5EF4-FFF2-40B4-BE49-F238E27FC236}">
-                <a16:creationId xmlns:a16="http://schemas.microsoft.com/office/drawing/2014/main" id="{1D7FA5EB-8E41-BE4A-9971-CF1924145332}"/>
-              </a:ext>
-            </a:extLst>
-          </p:cNvPr>
-          <p:cNvSpPr/>
-          <p:nvPr/>
-        </p:nvSpPr>
-        <p:spPr>
-          <a:xfrm>
-            <a:off x="7427114" y="6854263"/>
-            <a:ext cx="1987475" cy="299327"/>
-          </a:xfrm>
-          <a:prstGeom prst="rect">
-            <a:avLst/>
-          </a:prstGeom>
-          <a:solidFill>
-            <a:schemeClr val="accent5">
-              <a:lumMod val="40000"/>
-              <a:lumOff val="60000"/>
-            </a:schemeClr>
-          </a:solidFill>
-        </p:spPr>
-        <p:style>
-          <a:lnRef idx="2">
-            <a:schemeClr val="accent5">
-              <a:shade val="50000"/>
-            </a:schemeClr>
-          </a:lnRef>
-          <a:fillRef idx="1">
-            <a:schemeClr val="accent5"/>
-          </a:fillRef>
-          <a:effectRef idx="0">
-            <a:schemeClr val="accent5"/>
-          </a:effectRef>
-          <a:fontRef idx="minor">
-            <a:schemeClr val="lt1"/>
-          </a:fontRef>
-        </p:style>
-        <p:txBody>
-          <a:bodyPr rtlCol="0" anchor="ctr"/>
-          <a:lstStyle/>
-          <a:p>
-            <a:pPr algn="ctr"/>
-            <a:r>
-              <a:rPr lang="en-US" sz="1600">
-                <a:solidFill>
-                  <a:schemeClr val="tx1"/>
-                </a:solidFill>
-              </a:rPr>
-              <a:t>Hidden state 2b</a:t>
-            </a:r>
+            <a:r>
+              <a:rPr lang="en-US" sz="1600" b="1"/>
+              <a:t>FastText vectors</a:t>
+            </a:r>
+            <a:endParaRPr lang="en-US" sz="1600" b="1">
+              <a:solidFill>
+                <a:schemeClr val="tx1"/>
+              </a:solidFill>
+            </a:endParaRPr>
           </a:p>
         </p:txBody>
       </p:sp>
     </p:spTree>
     <p:extLst>
       <p:ext uri="{BB962C8B-B14F-4D97-AF65-F5344CB8AC3E}">
-        <p14:creationId xmlns:p14="http://schemas.microsoft.com/office/powerpoint/2010/main" val="657849569"/>
+        <p14:creationId xmlns:p14="http://schemas.microsoft.com/office/powerpoint/2010/main" val="3732675719"/>
       </p:ext>
     </p:extLst>
   </p:cSld>
@@ -8249,36 +8680,42 @@
       </p:grpSpPr>
       <p:sp>
         <p:nvSpPr>
-          <p:cNvPr id="4" name="Diamond 3">
-            <a:extLst>
-              <a:ext uri="{FF2B5EF4-FFF2-40B4-BE49-F238E27FC236}">
-                <a16:creationId xmlns:a16="http://schemas.microsoft.com/office/drawing/2014/main" id="{DBB06CCC-4012-7142-8209-4D3CA3521F99}"/>
-              </a:ext>
-            </a:extLst>
-          </p:cNvPr>
-          <p:cNvSpPr/>
-          <p:nvPr/>
-        </p:nvSpPr>
-        <p:spPr>
-          <a:xfrm>
-            <a:off x="4354286" y="3857263"/>
-            <a:ext cx="2423155" cy="835996"/>
-          </a:xfrm>
-          <a:prstGeom prst="diamond">
-            <a:avLst/>
-          </a:prstGeom>
+          <p:cNvPr id="246" name="Rectangle 245">
+            <a:extLst>
+              <a:ext uri="{FF2B5EF4-FFF2-40B4-BE49-F238E27FC236}">
+                <a16:creationId xmlns:a16="http://schemas.microsoft.com/office/drawing/2014/main" id="{21EBD558-2A2F-AE47-AA00-988700403061}"/>
+              </a:ext>
+            </a:extLst>
+          </p:cNvPr>
+          <p:cNvSpPr/>
+          <p:nvPr/>
+        </p:nvSpPr>
+        <p:spPr>
+          <a:xfrm>
+            <a:off x="2636928" y="3680413"/>
+            <a:ext cx="1987475" cy="645277"/>
+          </a:xfrm>
+          <a:prstGeom prst="rect">
+            <a:avLst/>
+          </a:prstGeom>
+          <a:solidFill>
+            <a:schemeClr val="accent2">
+              <a:lumMod val="60000"/>
+              <a:lumOff val="40000"/>
+            </a:schemeClr>
+          </a:solidFill>
         </p:spPr>
         <p:style>
           <a:lnRef idx="2">
-            <a:schemeClr val="accent1">
+            <a:schemeClr val="accent4">
               <a:shade val="50000"/>
             </a:schemeClr>
           </a:lnRef>
           <a:fillRef idx="1">
-            <a:schemeClr val="accent1"/>
-          </a:fillRef>
-          <a:effectRef idx="0">
-            <a:schemeClr val="accent1"/>
+            <a:schemeClr val="accent4"/>
+          </a:fillRef>
+          <a:effectRef idx="0">
+            <a:schemeClr val="accent4"/>
           </a:effectRef>
           <a:fontRef idx="minor">
             <a:schemeClr val="lt1"/>
@@ -8290,91 +8727,339 @@
           <a:p>
             <a:pPr algn="ctr"/>
             <a:r>
-              <a:rPr lang="en-US"/>
-              <a:t>2-layers</a:t>
+              <a:rPr lang="en-US" sz="1600"/>
+              <a:t>move.global</a:t>
             </a:r>
             <a:br>
-              <a:rPr lang="en-US"/>
+              <a:rPr lang="en-US" sz="1600" b="1"/>
             </a:br>
             <a:r>
-              <a:rPr lang="en-US"/>
-              <a:t>GRU</a:t>
-            </a:r>
-          </a:p>
-        </p:txBody>
-      </p:sp>
-      <p:sp>
-        <p:nvSpPr>
-          <p:cNvPr id="5" name="Down Arrow 4">
-            <a:extLst>
-              <a:ext uri="{FF2B5EF4-FFF2-40B4-BE49-F238E27FC236}">
-                <a16:creationId xmlns:a16="http://schemas.microsoft.com/office/drawing/2014/main" id="{2E1E1C2B-5B16-004D-95B2-00203BDC4738}"/>
-              </a:ext>
-            </a:extLst>
-          </p:cNvPr>
-          <p:cNvSpPr/>
-          <p:nvPr/>
-        </p:nvSpPr>
-        <p:spPr>
-          <a:xfrm>
-            <a:off x="5386454" y="3429001"/>
-            <a:ext cx="381964" cy="428262"/>
-          </a:xfrm>
-          <a:prstGeom prst="downArrow">
-            <a:avLst/>
-          </a:prstGeom>
-          <a:solidFill>
-            <a:schemeClr val="bg1"/>
-          </a:solidFill>
-        </p:spPr>
-        <p:style>
-          <a:lnRef idx="2">
-            <a:schemeClr val="accent1">
-              <a:shade val="50000"/>
-            </a:schemeClr>
-          </a:lnRef>
-          <a:fillRef idx="1">
-            <a:schemeClr val="accent1"/>
-          </a:fillRef>
-          <a:effectRef idx="0">
-            <a:schemeClr val="accent1"/>
-          </a:effectRef>
-          <a:fontRef idx="minor">
-            <a:schemeClr val="lt1"/>
-          </a:fontRef>
-        </p:style>
-        <p:txBody>
-          <a:bodyPr wrap="none" rtlCol="0" anchor="ctr"/>
-          <a:lstStyle/>
-          <a:p>
-            <a:pPr algn="ctr"/>
-            <a:r>
-              <a:rPr lang="en-US" b="1">
+              <a:rPr lang="en-US" sz="1600" b="1">
                 <a:solidFill>
                   <a:schemeClr val="tx1"/>
                 </a:solidFill>
               </a:rPr>
-              <a:t>I n p u t</a:t>
-            </a:r>
-          </a:p>
-        </p:txBody>
-      </p:sp>
-      <p:sp>
-        <p:nvSpPr>
-          <p:cNvPr id="7" name="Rectangle 6">
-            <a:extLst>
-              <a:ext uri="{FF2B5EF4-FFF2-40B4-BE49-F238E27FC236}">
-                <a16:creationId xmlns:a16="http://schemas.microsoft.com/office/drawing/2014/main" id="{CEB94528-BBB3-B44D-860D-084ECFCFE803}"/>
-              </a:ext>
-            </a:extLst>
-          </p:cNvPr>
-          <p:cNvSpPr/>
-          <p:nvPr/>
-        </p:nvSpPr>
-        <p:spPr>
-          <a:xfrm>
-            <a:off x="4572125" y="5038712"/>
-            <a:ext cx="1987475" cy="530651"/>
+              <a:t>Word Embedding</a:t>
+            </a:r>
+          </a:p>
+        </p:txBody>
+      </p:sp>
+      <p:sp>
+        <p:nvSpPr>
+          <p:cNvPr id="247" name="Rectangle 246">
+            <a:extLst>
+              <a:ext uri="{FF2B5EF4-FFF2-40B4-BE49-F238E27FC236}">
+                <a16:creationId xmlns:a16="http://schemas.microsoft.com/office/drawing/2014/main" id="{4FE39300-1A73-8E45-BF1A-6C75B44DC8C0}"/>
+              </a:ext>
+            </a:extLst>
+          </p:cNvPr>
+          <p:cNvSpPr/>
+          <p:nvPr/>
+        </p:nvSpPr>
+        <p:spPr>
+          <a:xfrm>
+            <a:off x="4647772" y="3680413"/>
+            <a:ext cx="1987475" cy="645277"/>
+          </a:xfrm>
+          <a:prstGeom prst="rect">
+            <a:avLst/>
+          </a:prstGeom>
+        </p:spPr>
+        <p:style>
+          <a:lnRef idx="2">
+            <a:schemeClr val="accent4">
+              <a:shade val="50000"/>
+            </a:schemeClr>
+          </a:lnRef>
+          <a:fillRef idx="1">
+            <a:schemeClr val="accent4"/>
+          </a:fillRef>
+          <a:effectRef idx="0">
+            <a:schemeClr val="accent4"/>
+          </a:effectRef>
+          <a:fontRef idx="minor">
+            <a:schemeClr val="lt1"/>
+          </a:fontRef>
+        </p:style>
+        <p:txBody>
+          <a:bodyPr rtlCol="0" anchor="ctr"/>
+          <a:lstStyle/>
+          <a:p>
+            <a:pPr algn="ctr"/>
+            <a:r>
+              <a:rPr lang="en-US" sz="1600"/>
+              <a:t>move.global</a:t>
+            </a:r>
+            <a:br>
+              <a:rPr lang="en-US" sz="1600" b="1"/>
+            </a:br>
+            <a:r>
+              <a:rPr lang="en-US" sz="1600" b="1">
+                <a:solidFill>
+                  <a:schemeClr val="tx1"/>
+                </a:solidFill>
+              </a:rPr>
+              <a:t>Word Node State</a:t>
+            </a:r>
+          </a:p>
+        </p:txBody>
+      </p:sp>
+      <p:sp>
+        <p:nvSpPr>
+          <p:cNvPr id="248" name="Rectangle 247">
+            <a:extLst>
+              <a:ext uri="{FF2B5EF4-FFF2-40B4-BE49-F238E27FC236}">
+                <a16:creationId xmlns:a16="http://schemas.microsoft.com/office/drawing/2014/main" id="{D35CF018-7FC4-684A-9DA9-60D958BF6D57}"/>
+              </a:ext>
+            </a:extLst>
+          </p:cNvPr>
+          <p:cNvSpPr/>
+          <p:nvPr/>
+        </p:nvSpPr>
+        <p:spPr>
+          <a:xfrm>
+            <a:off x="6658616" y="3680413"/>
+            <a:ext cx="1987475" cy="645277"/>
+          </a:xfrm>
+          <a:prstGeom prst="rect">
+            <a:avLst/>
+          </a:prstGeom>
+        </p:spPr>
+        <p:style>
+          <a:lnRef idx="1">
+            <a:schemeClr val="accent6"/>
+          </a:lnRef>
+          <a:fillRef idx="2">
+            <a:schemeClr val="accent6"/>
+          </a:fillRef>
+          <a:effectRef idx="1">
+            <a:schemeClr val="accent6"/>
+          </a:effectRef>
+          <a:fontRef idx="minor">
+            <a:schemeClr val="dk1"/>
+          </a:fontRef>
+        </p:style>
+        <p:txBody>
+          <a:bodyPr rtlCol="0" anchor="ctr"/>
+          <a:lstStyle/>
+          <a:p>
+            <a:pPr algn="ctr"/>
+            <a:r>
+              <a:rPr lang="en-US" sz="1600"/>
+              <a:t>Move.v.2</a:t>
+            </a:r>
+            <a:br>
+              <a:rPr lang="en-US" sz="1600" b="1"/>
+            </a:br>
+            <a:r>
+              <a:rPr lang="en-US" sz="1600" b="1"/>
+              <a:t>Sense </a:t>
+            </a:r>
+            <a:r>
+              <a:rPr lang="en-US" sz="1600" b="1">
+                <a:solidFill>
+                  <a:schemeClr val="tx1"/>
+                </a:solidFill>
+              </a:rPr>
+              <a:t>Node State</a:t>
+            </a:r>
+          </a:p>
+        </p:txBody>
+      </p:sp>
+      <p:sp>
+        <p:nvSpPr>
+          <p:cNvPr id="249" name="TextBox 248">
+            <a:extLst>
+              <a:ext uri="{FF2B5EF4-FFF2-40B4-BE49-F238E27FC236}">
+                <a16:creationId xmlns:a16="http://schemas.microsoft.com/office/drawing/2014/main" id="{1AD4AF1E-29BB-C843-81FD-DB36FE67382B}"/>
+              </a:ext>
+            </a:extLst>
+          </p:cNvPr>
+          <p:cNvSpPr txBox="1"/>
+          <p:nvPr/>
+        </p:nvSpPr>
+        <p:spPr>
+          <a:xfrm>
+            <a:off x="838722" y="3869277"/>
+            <a:ext cx="1602487" cy="369332"/>
+          </a:xfrm>
+          <a:prstGeom prst="rect">
+            <a:avLst/>
+          </a:prstGeom>
+          <a:noFill/>
+        </p:spPr>
+        <p:txBody>
+          <a:bodyPr wrap="square" rtlCol="0">
+            <a:spAutoFit/>
+          </a:bodyPr>
+          <a:lstStyle/>
+          <a:p>
+            <a:r>
+              <a:rPr lang="en-US"/>
+              <a:t>Concatenated:</a:t>
+            </a:r>
+          </a:p>
+        </p:txBody>
+      </p:sp>
+      <p:sp>
+        <p:nvSpPr>
+          <p:cNvPr id="257" name="Down Arrow 256">
+            <a:extLst>
+              <a:ext uri="{FF2B5EF4-FFF2-40B4-BE49-F238E27FC236}">
+                <a16:creationId xmlns:a16="http://schemas.microsoft.com/office/drawing/2014/main" id="{18F0D862-3477-2D4C-BA18-3CA75A087836}"/>
+              </a:ext>
+            </a:extLst>
+          </p:cNvPr>
+          <p:cNvSpPr/>
+          <p:nvPr/>
+        </p:nvSpPr>
+        <p:spPr>
+          <a:xfrm>
+            <a:off x="5075919" y="4525190"/>
+            <a:ext cx="381964" cy="473605"/>
+          </a:xfrm>
+          <a:prstGeom prst="downArrow">
+            <a:avLst/>
+          </a:prstGeom>
+          <a:solidFill>
+            <a:schemeClr val="bg1"/>
+          </a:solidFill>
+        </p:spPr>
+        <p:style>
+          <a:lnRef idx="2">
+            <a:schemeClr val="accent1">
+              <a:shade val="50000"/>
+            </a:schemeClr>
+          </a:lnRef>
+          <a:fillRef idx="1">
+            <a:schemeClr val="accent1"/>
+          </a:fillRef>
+          <a:effectRef idx="0">
+            <a:schemeClr val="accent1"/>
+          </a:effectRef>
+          <a:fontRef idx="minor">
+            <a:schemeClr val="lt1"/>
+          </a:fontRef>
+        </p:style>
+        <p:txBody>
+          <a:bodyPr rtlCol="0" anchor="ctr"/>
+          <a:lstStyle/>
+          <a:p>
+            <a:pPr algn="ctr"/>
+            <a:endParaRPr lang="en-US"/>
+          </a:p>
+        </p:txBody>
+      </p:sp>
+      <p:sp>
+        <p:nvSpPr>
+          <p:cNvPr id="258" name="Left Bracket 257">
+            <a:extLst>
+              <a:ext uri="{FF2B5EF4-FFF2-40B4-BE49-F238E27FC236}">
+                <a16:creationId xmlns:a16="http://schemas.microsoft.com/office/drawing/2014/main" id="{161D59A0-97E8-A340-937B-F8E6E9BF767B}"/>
+              </a:ext>
+            </a:extLst>
+          </p:cNvPr>
+          <p:cNvSpPr/>
+          <p:nvPr/>
+        </p:nvSpPr>
+        <p:spPr>
+          <a:xfrm rot="-5400000">
+            <a:off x="5497536" y="1181645"/>
+            <a:ext cx="299326" cy="6370202"/>
+          </a:xfrm>
+          <a:prstGeom prst="leftBracket">
+            <a:avLst/>
+          </a:prstGeom>
+          <a:ln w="12700"/>
+        </p:spPr>
+        <p:style>
+          <a:lnRef idx="1">
+            <a:schemeClr val="accent1"/>
+          </a:lnRef>
+          <a:fillRef idx="0">
+            <a:schemeClr val="accent1"/>
+          </a:fillRef>
+          <a:effectRef idx="0">
+            <a:schemeClr val="accent1"/>
+          </a:effectRef>
+          <a:fontRef idx="minor">
+            <a:schemeClr val="tx1"/>
+          </a:fontRef>
+        </p:style>
+        <p:txBody>
+          <a:bodyPr rtlCol="0" anchor="ctr"/>
+          <a:lstStyle/>
+          <a:p>
+            <a:pPr algn="ctr"/>
+            <a:endParaRPr lang="en-US"/>
+          </a:p>
+        </p:txBody>
+      </p:sp>
+      <p:sp>
+        <p:nvSpPr>
+          <p:cNvPr id="259" name="Diamond 258">
+            <a:extLst>
+              <a:ext uri="{FF2B5EF4-FFF2-40B4-BE49-F238E27FC236}">
+                <a16:creationId xmlns:a16="http://schemas.microsoft.com/office/drawing/2014/main" id="{39D90A8D-B5BB-4B48-AC59-75E00CEEE05C}"/>
+              </a:ext>
+            </a:extLst>
+          </p:cNvPr>
+          <p:cNvSpPr/>
+          <p:nvPr/>
+        </p:nvSpPr>
+        <p:spPr>
+          <a:xfrm>
+            <a:off x="4054200" y="5026792"/>
+            <a:ext cx="2423155" cy="756806"/>
+          </a:xfrm>
+          <a:prstGeom prst="diamond">
+            <a:avLst/>
+          </a:prstGeom>
+        </p:spPr>
+        <p:style>
+          <a:lnRef idx="2">
+            <a:schemeClr val="accent1">
+              <a:shade val="50000"/>
+            </a:schemeClr>
+          </a:lnRef>
+          <a:fillRef idx="1">
+            <a:schemeClr val="accent1"/>
+          </a:fillRef>
+          <a:effectRef idx="0">
+            <a:schemeClr val="accent1"/>
+          </a:effectRef>
+          <a:fontRef idx="minor">
+            <a:schemeClr val="lt1"/>
+          </a:fontRef>
+        </p:style>
+        <p:txBody>
+          <a:bodyPr rtlCol="0" anchor="ctr"/>
+          <a:lstStyle/>
+          <a:p>
+            <a:pPr algn="ctr"/>
+            <a:r>
+              <a:rPr lang="en-US"/>
+              <a:t>Layer 1 of GRU</a:t>
+            </a:r>
+          </a:p>
+        </p:txBody>
+      </p:sp>
+      <p:sp>
+        <p:nvSpPr>
+          <p:cNvPr id="86" name="Rectangle 85">
+            <a:extLst>
+              <a:ext uri="{FF2B5EF4-FFF2-40B4-BE49-F238E27FC236}">
+                <a16:creationId xmlns:a16="http://schemas.microsoft.com/office/drawing/2014/main" id="{04720A63-B472-2649-946A-1480BD193270}"/>
+              </a:ext>
+            </a:extLst>
+          </p:cNvPr>
+          <p:cNvSpPr/>
+          <p:nvPr/>
+        </p:nvSpPr>
+        <p:spPr>
+          <a:xfrm>
+            <a:off x="4242483" y="5799930"/>
+            <a:ext cx="1987475" cy="299327"/>
           </a:xfrm>
           <a:prstGeom prst="rect">
             <a:avLst/>
@@ -8413,46 +9098,26 @@
                   <a:schemeClr val="tx1"/>
                 </a:solidFill>
               </a:rPr>
-              <a:t>Encoding </a:t>
-            </a:r>
-            <a:br>
-              <a:rPr lang="en-US" sz="1600">
-                <a:solidFill>
-                  <a:schemeClr val="tx1"/>
-                </a:solidFill>
-              </a:rPr>
-            </a:br>
-            <a:r>
-              <a:rPr lang="en-US" sz="1600">
-                <a:solidFill>
-                  <a:schemeClr val="tx1"/>
-                </a:solidFill>
-              </a:rPr>
-              <a:t>(Hidden state 2)</a:t>
-            </a:r>
-            <a:endParaRPr lang="en-US" sz="1600" b="1">
-              <a:solidFill>
-                <a:schemeClr val="tx1"/>
-              </a:solidFill>
-            </a:endParaRPr>
-          </a:p>
-        </p:txBody>
-      </p:sp>
-      <p:sp>
-        <p:nvSpPr>
-          <p:cNvPr id="10" name="Diamond 9">
-            <a:extLst>
-              <a:ext uri="{FF2B5EF4-FFF2-40B4-BE49-F238E27FC236}">
-                <a16:creationId xmlns:a16="http://schemas.microsoft.com/office/drawing/2014/main" id="{E26FEDF0-E397-024D-A02E-1E1D21E34639}"/>
-              </a:ext>
-            </a:extLst>
-          </p:cNvPr>
-          <p:cNvSpPr/>
-          <p:nvPr/>
-        </p:nvSpPr>
-        <p:spPr>
-          <a:xfrm>
-            <a:off x="4354284" y="6014410"/>
+              <a:t>Hidden state 1</a:t>
+            </a:r>
+          </a:p>
+        </p:txBody>
+      </p:sp>
+      <p:sp>
+        <p:nvSpPr>
+          <p:cNvPr id="87" name="Diamond 86">
+            <a:extLst>
+              <a:ext uri="{FF2B5EF4-FFF2-40B4-BE49-F238E27FC236}">
+                <a16:creationId xmlns:a16="http://schemas.microsoft.com/office/drawing/2014/main" id="{D720A14A-448F-C74D-9782-DA58BDCF5657}"/>
+              </a:ext>
+            </a:extLst>
+          </p:cNvPr>
+          <p:cNvSpPr/>
+          <p:nvPr/>
+        </p:nvSpPr>
+        <p:spPr>
+          <a:xfrm>
+            <a:off x="4053586" y="8026165"/>
             <a:ext cx="2423155" cy="835996"/>
           </a:xfrm>
           <a:prstGeom prst="diamond">
@@ -8497,19 +9162,19 @@
       </p:sp>
       <p:sp>
         <p:nvSpPr>
-          <p:cNvPr id="12" name="Rectangle 11">
-            <a:extLst>
-              <a:ext uri="{FF2B5EF4-FFF2-40B4-BE49-F238E27FC236}">
-                <a16:creationId xmlns:a16="http://schemas.microsoft.com/office/drawing/2014/main" id="{BF9CF074-2BFA-2E4A-A782-5519DDEB6F3B}"/>
-              </a:ext>
-            </a:extLst>
-          </p:cNvPr>
-          <p:cNvSpPr/>
-          <p:nvPr/>
-        </p:nvSpPr>
-        <p:spPr>
-          <a:xfrm>
-            <a:off x="4596390" y="7311609"/>
+          <p:cNvPr id="88" name="Rectangle 87">
+            <a:extLst>
+              <a:ext uri="{FF2B5EF4-FFF2-40B4-BE49-F238E27FC236}">
+                <a16:creationId xmlns:a16="http://schemas.microsoft.com/office/drawing/2014/main" id="{B6224982-B82A-1543-8A21-0A983FA65669}"/>
+              </a:ext>
+            </a:extLst>
+          </p:cNvPr>
+          <p:cNvSpPr/>
+          <p:nvPr/>
+        </p:nvSpPr>
+        <p:spPr>
+          <a:xfrm>
+            <a:off x="4295692" y="9323364"/>
             <a:ext cx="1987475" cy="530651"/>
           </a:xfrm>
           <a:prstGeom prst="rect">
@@ -8556,109 +9221,20 @@
       </p:sp>
       <p:sp>
         <p:nvSpPr>
-          <p:cNvPr id="14" name="Oval 13">
-            <a:extLst>
-              <a:ext uri="{FF2B5EF4-FFF2-40B4-BE49-F238E27FC236}">
-                <a16:creationId xmlns:a16="http://schemas.microsoft.com/office/drawing/2014/main" id="{CC2973EE-8363-8F47-BA1C-C19ED98DECD3}"/>
-              </a:ext>
-            </a:extLst>
-          </p:cNvPr>
-          <p:cNvSpPr/>
-          <p:nvPr/>
-        </p:nvSpPr>
-        <p:spPr>
-          <a:xfrm>
-            <a:off x="5189683" y="8267181"/>
-            <a:ext cx="752354" cy="755561"/>
-          </a:xfrm>
-          <a:prstGeom prst="ellipse">
-            <a:avLst/>
-          </a:prstGeom>
-        </p:spPr>
-        <p:style>
-          <a:lnRef idx="1">
-            <a:schemeClr val="accent3"/>
-          </a:lnRef>
-          <a:fillRef idx="2">
-            <a:schemeClr val="accent3"/>
-          </a:fillRef>
-          <a:effectRef idx="1">
-            <a:schemeClr val="accent3"/>
-          </a:effectRef>
-          <a:fontRef idx="minor">
-            <a:schemeClr val="dk1"/>
-          </a:fontRef>
-        </p:style>
-        <p:txBody>
-          <a:bodyPr wrap="none" rtlCol="0" anchor="ctr"/>
-          <a:lstStyle/>
-          <a:p>
-            <a:pPr algn="ctr"/>
-            <a:r>
-              <a:rPr lang="en-US"/>
-              <a:t>Softmax</a:t>
-            </a:r>
-          </a:p>
-        </p:txBody>
-      </p:sp>
-      <p:cxnSp>
-        <p:nvCxnSpPr>
-          <p:cNvPr id="16" name="Straight Arrow Connector 15">
-            <a:extLst>
-              <a:ext uri="{FF2B5EF4-FFF2-40B4-BE49-F238E27FC236}">
-                <a16:creationId xmlns:a16="http://schemas.microsoft.com/office/drawing/2014/main" id="{085041C8-9843-9647-A903-D4B6FE815AA6}"/>
-              </a:ext>
-            </a:extLst>
-          </p:cNvPr>
-          <p:cNvCxnSpPr>
-            <a:stCxn id="4" idx="2"/>
-            <a:endCxn id="7" idx="0"/>
-          </p:cNvCxnSpPr>
-          <p:nvPr/>
-        </p:nvCxnSpPr>
-        <p:spPr>
-          <a:xfrm flipH="1">
-            <a:off x="5565863" y="4693259"/>
-            <a:ext cx="1" cy="345452"/>
-          </a:xfrm>
-          <a:prstGeom prst="straightConnector1">
-            <a:avLst/>
-          </a:prstGeom>
-          <a:ln>
-            <a:tailEnd type="triangle"/>
-          </a:ln>
-        </p:spPr>
-        <p:style>
-          <a:lnRef idx="1">
-            <a:schemeClr val="dk1"/>
-          </a:lnRef>
-          <a:fillRef idx="0">
-            <a:schemeClr val="dk1"/>
-          </a:fillRef>
-          <a:effectRef idx="0">
-            <a:schemeClr val="dk1"/>
-          </a:effectRef>
-          <a:fontRef idx="minor">
-            <a:schemeClr val="tx1"/>
-          </a:fontRef>
-        </p:style>
-      </p:cxnSp>
-      <p:sp>
-        <p:nvSpPr>
-          <p:cNvPr id="17" name="Down Arrow 16">
-            <a:extLst>
-              <a:ext uri="{FF2B5EF4-FFF2-40B4-BE49-F238E27FC236}">
-                <a16:creationId xmlns:a16="http://schemas.microsoft.com/office/drawing/2014/main" id="{DBF5080D-6078-4A4D-A114-6B041E937229}"/>
-              </a:ext>
-            </a:extLst>
-          </p:cNvPr>
-          <p:cNvSpPr/>
-          <p:nvPr/>
-        </p:nvSpPr>
-        <p:spPr>
-          <a:xfrm>
-            <a:off x="5386454" y="5564633"/>
-            <a:ext cx="381964" cy="428262"/>
+          <p:cNvPr id="92" name="Down Arrow 91">
+            <a:extLst>
+              <a:ext uri="{FF2B5EF4-FFF2-40B4-BE49-F238E27FC236}">
+                <a16:creationId xmlns:a16="http://schemas.microsoft.com/office/drawing/2014/main" id="{8B86E277-3EBE-4D4D-906B-94475D1125B4}"/>
+              </a:ext>
+            </a:extLst>
+          </p:cNvPr>
+          <p:cNvSpPr/>
+          <p:nvPr/>
+        </p:nvSpPr>
+        <p:spPr>
+          <a:xfrm>
+            <a:off x="5096367" y="7190170"/>
+            <a:ext cx="381964" cy="835995"/>
           </a:xfrm>
           <a:prstGeom prst="downArrow">
             <a:avLst/>
@@ -8694,19 +9270,19 @@
       </p:sp>
       <p:sp>
         <p:nvSpPr>
-          <p:cNvPr id="18" name="Down Arrow 17">
-            <a:extLst>
-              <a:ext uri="{FF2B5EF4-FFF2-40B4-BE49-F238E27FC236}">
-                <a16:creationId xmlns:a16="http://schemas.microsoft.com/office/drawing/2014/main" id="{78948B97-2EB5-7C44-8661-F8FF659EEC11}"/>
-              </a:ext>
-            </a:extLst>
-          </p:cNvPr>
-          <p:cNvSpPr/>
-          <p:nvPr/>
-        </p:nvSpPr>
-        <p:spPr>
-          <a:xfrm>
-            <a:off x="5386454" y="6850406"/>
+          <p:cNvPr id="93" name="Down Arrow 92">
+            <a:extLst>
+              <a:ext uri="{FF2B5EF4-FFF2-40B4-BE49-F238E27FC236}">
+                <a16:creationId xmlns:a16="http://schemas.microsoft.com/office/drawing/2014/main" id="{5A0602D7-C1C7-184A-B336-BDBBEA25EBA2}"/>
+              </a:ext>
+            </a:extLst>
+          </p:cNvPr>
+          <p:cNvSpPr/>
+          <p:nvPr/>
+        </p:nvSpPr>
+        <p:spPr>
+          <a:xfrm>
+            <a:off x="5085756" y="8862161"/>
             <a:ext cx="381964" cy="428262"/>
           </a:xfrm>
           <a:prstGeom prst="downArrow">
@@ -8743,19 +9319,19 @@
       </p:sp>
       <p:sp>
         <p:nvSpPr>
-          <p:cNvPr id="19" name="Down Arrow 18">
-            <a:extLst>
-              <a:ext uri="{FF2B5EF4-FFF2-40B4-BE49-F238E27FC236}">
-                <a16:creationId xmlns:a16="http://schemas.microsoft.com/office/drawing/2014/main" id="{8C470EB7-41A5-5C4D-8682-9F0FDF9C952B}"/>
-              </a:ext>
-            </a:extLst>
-          </p:cNvPr>
-          <p:cNvSpPr/>
-          <p:nvPr/>
-        </p:nvSpPr>
-        <p:spPr>
-          <a:xfrm>
-            <a:off x="5374878" y="7834882"/>
+          <p:cNvPr id="94" name="Down Arrow 93">
+            <a:extLst>
+              <a:ext uri="{FF2B5EF4-FFF2-40B4-BE49-F238E27FC236}">
+                <a16:creationId xmlns:a16="http://schemas.microsoft.com/office/drawing/2014/main" id="{9C0E5ABE-5384-D840-81FE-E7F6C349D18F}"/>
+              </a:ext>
+            </a:extLst>
+          </p:cNvPr>
+          <p:cNvSpPr/>
+          <p:nvPr/>
+        </p:nvSpPr>
+        <p:spPr>
+          <a:xfrm>
+            <a:off x="5074180" y="9846637"/>
             <a:ext cx="381964" cy="428262"/>
           </a:xfrm>
           <a:prstGeom prst="downArrow">
@@ -8792,127 +9368,19 @@
       </p:sp>
       <p:sp>
         <p:nvSpPr>
-          <p:cNvPr id="20" name="Down Arrow 19">
-            <a:extLst>
-              <a:ext uri="{FF2B5EF4-FFF2-40B4-BE49-F238E27FC236}">
-                <a16:creationId xmlns:a16="http://schemas.microsoft.com/office/drawing/2014/main" id="{3D411D0C-0351-B247-8E17-DF97F0AC5EA3}"/>
-              </a:ext>
-            </a:extLst>
-          </p:cNvPr>
-          <p:cNvSpPr/>
-          <p:nvPr/>
-        </p:nvSpPr>
-        <p:spPr>
-          <a:xfrm>
-            <a:off x="5374878" y="9032233"/>
-            <a:ext cx="381964" cy="428262"/>
-          </a:xfrm>
-          <a:prstGeom prst="downArrow">
-            <a:avLst/>
-          </a:prstGeom>
-          <a:solidFill>
-            <a:schemeClr val="bg1"/>
-          </a:solidFill>
-        </p:spPr>
-        <p:style>
-          <a:lnRef idx="2">
-            <a:schemeClr val="accent1">
-              <a:shade val="50000"/>
-            </a:schemeClr>
-          </a:lnRef>
-          <a:fillRef idx="1">
-            <a:schemeClr val="accent1"/>
-          </a:fillRef>
-          <a:effectRef idx="0">
-            <a:schemeClr val="accent1"/>
-          </a:effectRef>
-          <a:fontRef idx="minor">
-            <a:schemeClr val="lt1"/>
-          </a:fontRef>
-        </p:style>
-        <p:txBody>
-          <a:bodyPr rtlCol="0" anchor="ctr"/>
-          <a:lstStyle/>
-          <a:p>
-            <a:pPr algn="ctr"/>
-            <a:endParaRPr lang="en-US"/>
-          </a:p>
-        </p:txBody>
-      </p:sp>
-      <p:sp>
-        <p:nvSpPr>
-          <p:cNvPr id="21" name="Rectangle 20">
-            <a:extLst>
-              <a:ext uri="{FF2B5EF4-FFF2-40B4-BE49-F238E27FC236}">
-                <a16:creationId xmlns:a16="http://schemas.microsoft.com/office/drawing/2014/main" id="{5BACE416-FE57-2945-89A6-FCFC8709676C}"/>
-              </a:ext>
-            </a:extLst>
-          </p:cNvPr>
-          <p:cNvSpPr/>
-          <p:nvPr/>
-        </p:nvSpPr>
-        <p:spPr>
-          <a:xfrm>
-            <a:off x="4572123" y="9460496"/>
-            <a:ext cx="1987475" cy="755561"/>
-          </a:xfrm>
-          <a:prstGeom prst="rect">
-            <a:avLst/>
-          </a:prstGeom>
-          <a:solidFill>
-            <a:schemeClr val="accent4">
-              <a:lumMod val="40000"/>
-              <a:lumOff val="60000"/>
-            </a:schemeClr>
-          </a:solidFill>
-        </p:spPr>
-        <p:style>
-          <a:lnRef idx="2">
-            <a:schemeClr val="accent5">
-              <a:shade val="50000"/>
-            </a:schemeClr>
-          </a:lnRef>
-          <a:fillRef idx="1">
-            <a:schemeClr val="accent5"/>
-          </a:fillRef>
-          <a:effectRef idx="0">
-            <a:schemeClr val="accent5"/>
-          </a:effectRef>
-          <a:fontRef idx="minor">
-            <a:schemeClr val="lt1"/>
-          </a:fontRef>
-        </p:style>
-        <p:txBody>
-          <a:bodyPr rtlCol="0" anchor="ctr"/>
-          <a:lstStyle/>
-          <a:p>
-            <a:pPr algn="ctr"/>
-            <a:r>
-              <a:rPr lang="en-US" sz="1600">
-                <a:solidFill>
-                  <a:schemeClr val="tx1"/>
-                </a:solidFill>
-              </a:rPr>
-              <a:t>Predicted probabilities – next global word</a:t>
-            </a:r>
-          </a:p>
-        </p:txBody>
-      </p:sp>
-      <p:sp>
-        <p:nvSpPr>
-          <p:cNvPr id="22" name="Rectangle 21">
-            <a:extLst>
-              <a:ext uri="{FF2B5EF4-FFF2-40B4-BE49-F238E27FC236}">
-                <a16:creationId xmlns:a16="http://schemas.microsoft.com/office/drawing/2014/main" id="{3F7175FE-C5F5-9A4E-A7A6-7C7AE95F8F13}"/>
-              </a:ext>
-            </a:extLst>
-          </p:cNvPr>
-          <p:cNvSpPr/>
-          <p:nvPr/>
-        </p:nvSpPr>
-        <p:spPr>
-          <a:xfrm>
-            <a:off x="8348517" y="7311609"/>
+          <p:cNvPr id="97" name="Rectangle 96">
+            <a:extLst>
+              <a:ext uri="{FF2B5EF4-FFF2-40B4-BE49-F238E27FC236}">
+                <a16:creationId xmlns:a16="http://schemas.microsoft.com/office/drawing/2014/main" id="{A58CB02F-E5F6-DC40-9916-827FEEA07178}"/>
+              </a:ext>
+            </a:extLst>
+          </p:cNvPr>
+          <p:cNvSpPr/>
+          <p:nvPr/>
+        </p:nvSpPr>
+        <p:spPr>
+          <a:xfrm>
+            <a:off x="7454580" y="9274087"/>
             <a:ext cx="1987475" cy="530651"/>
           </a:xfrm>
           <a:prstGeom prst="rect">
@@ -8959,66 +9427,19 @@
       </p:sp>
       <p:sp>
         <p:nvSpPr>
-          <p:cNvPr id="23" name="Oval 22">
-            <a:extLst>
-              <a:ext uri="{FF2B5EF4-FFF2-40B4-BE49-F238E27FC236}">
-                <a16:creationId xmlns:a16="http://schemas.microsoft.com/office/drawing/2014/main" id="{6EE07ECA-65A2-0641-AE45-4F768DCC5DBD}"/>
-              </a:ext>
-            </a:extLst>
-          </p:cNvPr>
-          <p:cNvSpPr/>
-          <p:nvPr/>
-        </p:nvSpPr>
-        <p:spPr>
-          <a:xfrm>
-            <a:off x="8941810" y="8267181"/>
-            <a:ext cx="752354" cy="755561"/>
-          </a:xfrm>
-          <a:prstGeom prst="ellipse">
-            <a:avLst/>
-          </a:prstGeom>
-        </p:spPr>
-        <p:style>
-          <a:lnRef idx="1">
-            <a:schemeClr val="accent3"/>
-          </a:lnRef>
-          <a:fillRef idx="2">
-            <a:schemeClr val="accent3"/>
-          </a:fillRef>
-          <a:effectRef idx="1">
-            <a:schemeClr val="accent3"/>
-          </a:effectRef>
-          <a:fontRef idx="minor">
-            <a:schemeClr val="dk1"/>
-          </a:fontRef>
-        </p:style>
-        <p:txBody>
-          <a:bodyPr wrap="none" rtlCol="0" anchor="ctr"/>
-          <a:lstStyle/>
-          <a:p>
-            <a:pPr algn="ctr"/>
-            <a:r>
-              <a:rPr lang="en-US"/>
-              <a:t>Softmax</a:t>
-            </a:r>
-          </a:p>
-        </p:txBody>
-      </p:sp>
-      <p:sp>
-        <p:nvSpPr>
-          <p:cNvPr id="24" name="Down Arrow 23">
-            <a:extLst>
-              <a:ext uri="{FF2B5EF4-FFF2-40B4-BE49-F238E27FC236}">
-                <a16:creationId xmlns:a16="http://schemas.microsoft.com/office/drawing/2014/main" id="{5B8A8200-1A61-9A43-8F04-80F717E9B000}"/>
-              </a:ext>
-            </a:extLst>
-          </p:cNvPr>
-          <p:cNvSpPr/>
-          <p:nvPr/>
-        </p:nvSpPr>
-        <p:spPr>
-          <a:xfrm>
-            <a:off x="9127005" y="7834882"/>
+          <p:cNvPr id="99" name="Down Arrow 98">
+            <a:extLst>
+              <a:ext uri="{FF2B5EF4-FFF2-40B4-BE49-F238E27FC236}">
+                <a16:creationId xmlns:a16="http://schemas.microsoft.com/office/drawing/2014/main" id="{F51D490F-46EF-B84B-A119-C4E3B360FA11}"/>
+              </a:ext>
+            </a:extLst>
+          </p:cNvPr>
+          <p:cNvSpPr/>
+          <p:nvPr/>
+        </p:nvSpPr>
+        <p:spPr>
+          <a:xfrm>
+            <a:off x="8233068" y="9797360"/>
             <a:ext cx="381964" cy="428262"/>
           </a:xfrm>
           <a:prstGeom prst="downArrow">
@@ -9053,22 +9474,121 @@
           </a:p>
         </p:txBody>
       </p:sp>
-      <p:sp>
-        <p:nvSpPr>
-          <p:cNvPr id="25" name="Down Arrow 24">
-            <a:extLst>
-              <a:ext uri="{FF2B5EF4-FFF2-40B4-BE49-F238E27FC236}">
-                <a16:creationId xmlns:a16="http://schemas.microsoft.com/office/drawing/2014/main" id="{454F61DD-CF26-0343-993B-E71B9524B95F}"/>
-              </a:ext>
-            </a:extLst>
-          </p:cNvPr>
-          <p:cNvSpPr/>
-          <p:nvPr/>
-        </p:nvSpPr>
-        <p:spPr>
-          <a:xfrm>
-            <a:off x="9127005" y="9032233"/>
-            <a:ext cx="381964" cy="428262"/>
+      <p:cxnSp>
+        <p:nvCxnSpPr>
+          <p:cNvPr id="103" name="Straight Arrow Connector 102">
+            <a:extLst>
+              <a:ext uri="{FF2B5EF4-FFF2-40B4-BE49-F238E27FC236}">
+                <a16:creationId xmlns:a16="http://schemas.microsoft.com/office/drawing/2014/main" id="{48E82184-43C1-7D46-9834-06EBC665D3F5}"/>
+              </a:ext>
+            </a:extLst>
+          </p:cNvPr>
+          <p:cNvCxnSpPr>
+            <a:cxnSpLocks/>
+            <a:stCxn id="86" idx="3"/>
+          </p:cNvCxnSpPr>
+          <p:nvPr/>
+        </p:nvCxnSpPr>
+        <p:spPr>
+          <a:xfrm>
+            <a:off x="6229958" y="5949594"/>
+            <a:ext cx="1374996" cy="344069"/>
+          </a:xfrm>
+          <a:prstGeom prst="straightConnector1">
+            <a:avLst/>
+          </a:prstGeom>
+          <a:ln>
+            <a:tailEnd type="triangle"/>
+          </a:ln>
+        </p:spPr>
+        <p:style>
+          <a:lnRef idx="1">
+            <a:schemeClr val="dk1"/>
+          </a:lnRef>
+          <a:fillRef idx="0">
+            <a:schemeClr val="dk1"/>
+          </a:fillRef>
+          <a:effectRef idx="0">
+            <a:schemeClr val="dk1"/>
+          </a:effectRef>
+          <a:fontRef idx="minor">
+            <a:schemeClr val="tx1"/>
+          </a:fontRef>
+        </p:style>
+      </p:cxnSp>
+      <p:sp>
+        <p:nvSpPr>
+          <p:cNvPr id="110" name="Diamond 109">
+            <a:extLst>
+              <a:ext uri="{FF2B5EF4-FFF2-40B4-BE49-F238E27FC236}">
+                <a16:creationId xmlns:a16="http://schemas.microsoft.com/office/drawing/2014/main" id="{AE4C2E08-C7CA-1A4F-8A6E-6E8D16B38182}"/>
+              </a:ext>
+            </a:extLst>
+          </p:cNvPr>
+          <p:cNvSpPr/>
+          <p:nvPr/>
+        </p:nvSpPr>
+        <p:spPr>
+          <a:xfrm>
+            <a:off x="7216984" y="8024023"/>
+            <a:ext cx="2423155" cy="835996"/>
+          </a:xfrm>
+          <a:prstGeom prst="diamond">
+            <a:avLst/>
+          </a:prstGeom>
+        </p:spPr>
+        <p:style>
+          <a:lnRef idx="2">
+            <a:schemeClr val="accent1">
+              <a:shade val="50000"/>
+            </a:schemeClr>
+          </a:lnRef>
+          <a:fillRef idx="1">
+            <a:schemeClr val="accent1"/>
+          </a:fillRef>
+          <a:effectRef idx="0">
+            <a:schemeClr val="accent1"/>
+          </a:effectRef>
+          <a:fontRef idx="minor">
+            <a:schemeClr val="lt1"/>
+          </a:fontRef>
+        </p:style>
+        <p:txBody>
+          <a:bodyPr wrap="none" lIns="36000" rIns="36000" rtlCol="0" anchor="ctr"/>
+          <a:lstStyle/>
+          <a:p>
+            <a:pPr algn="ctr"/>
+            <a:r>
+              <a:rPr lang="en-GB"/>
+              <a:t>FF-NN:</a:t>
+            </a:r>
+            <a:br>
+              <a:rPr lang="en-GB"/>
+            </a:br>
+            <a:r>
+              <a:rPr lang="en-GB"/>
+              <a:t>linear2senses</a:t>
+            </a:r>
+            <a:endParaRPr lang="en-US"/>
+          </a:p>
+        </p:txBody>
+      </p:sp>
+      <p:sp>
+        <p:nvSpPr>
+          <p:cNvPr id="111" name="Down Arrow 110">
+            <a:extLst>
+              <a:ext uri="{FF2B5EF4-FFF2-40B4-BE49-F238E27FC236}">
+                <a16:creationId xmlns:a16="http://schemas.microsoft.com/office/drawing/2014/main" id="{C4A77C34-6AAE-CF4F-9234-5F76595DAA01}"/>
+              </a:ext>
+            </a:extLst>
+          </p:cNvPr>
+          <p:cNvSpPr/>
+          <p:nvPr/>
+        </p:nvSpPr>
+        <p:spPr>
+          <a:xfrm>
+            <a:off x="8229130" y="7168748"/>
+            <a:ext cx="381964" cy="868992"/>
           </a:xfrm>
           <a:prstGeom prst="downArrow">
             <a:avLst/>
@@ -9104,26 +9624,204 @@
       </p:sp>
       <p:sp>
         <p:nvSpPr>
-          <p:cNvPr id="26" name="Rectangle 25">
-            <a:extLst>
-              <a:ext uri="{FF2B5EF4-FFF2-40B4-BE49-F238E27FC236}">
-                <a16:creationId xmlns:a16="http://schemas.microsoft.com/office/drawing/2014/main" id="{F289D602-95DA-9B40-AE72-9263EC9FE3D9}"/>
-              </a:ext>
-            </a:extLst>
-          </p:cNvPr>
-          <p:cNvSpPr/>
-          <p:nvPr/>
-        </p:nvSpPr>
-        <p:spPr>
-          <a:xfrm>
-            <a:off x="8324250" y="9460496"/>
-            <a:ext cx="1987475" cy="755561"/>
+          <p:cNvPr id="112" name="Down Arrow 111">
+            <a:extLst>
+              <a:ext uri="{FF2B5EF4-FFF2-40B4-BE49-F238E27FC236}">
+                <a16:creationId xmlns:a16="http://schemas.microsoft.com/office/drawing/2014/main" id="{FDC1CB01-C028-6C48-95D2-4C7288B55F66}"/>
+              </a:ext>
+            </a:extLst>
+          </p:cNvPr>
+          <p:cNvSpPr/>
+          <p:nvPr/>
+        </p:nvSpPr>
+        <p:spPr>
+          <a:xfrm>
+            <a:off x="8227381" y="8838659"/>
+            <a:ext cx="381964" cy="428262"/>
+          </a:xfrm>
+          <a:prstGeom prst="downArrow">
+            <a:avLst/>
+          </a:prstGeom>
+          <a:solidFill>
+            <a:schemeClr val="bg1"/>
+          </a:solidFill>
+        </p:spPr>
+        <p:style>
+          <a:lnRef idx="2">
+            <a:schemeClr val="accent1">
+              <a:shade val="50000"/>
+            </a:schemeClr>
+          </a:lnRef>
+          <a:fillRef idx="1">
+            <a:schemeClr val="accent1"/>
+          </a:fillRef>
+          <a:effectRef idx="0">
+            <a:schemeClr val="accent1"/>
+          </a:effectRef>
+          <a:fontRef idx="minor">
+            <a:schemeClr val="lt1"/>
+          </a:fontRef>
+        </p:style>
+        <p:txBody>
+          <a:bodyPr rtlCol="0" anchor="ctr"/>
+          <a:lstStyle/>
+          <a:p>
+            <a:pPr algn="ctr"/>
+            <a:endParaRPr lang="en-US"/>
+          </a:p>
+        </p:txBody>
+      </p:sp>
+      <p:sp>
+        <p:nvSpPr>
+          <p:cNvPr id="114" name="Left Bracket 113">
+            <a:extLst>
+              <a:ext uri="{FF2B5EF4-FFF2-40B4-BE49-F238E27FC236}">
+                <a16:creationId xmlns:a16="http://schemas.microsoft.com/office/drawing/2014/main" id="{D6FA0586-C9C1-0645-96D3-C580A6E207AE}"/>
+              </a:ext>
+            </a:extLst>
+          </p:cNvPr>
+          <p:cNvSpPr/>
+          <p:nvPr/>
+        </p:nvSpPr>
+        <p:spPr>
+          <a:xfrm>
+            <a:off x="2698418" y="5231968"/>
+            <a:ext cx="299326" cy="1111170"/>
+          </a:xfrm>
+          <a:prstGeom prst="leftBracket">
+            <a:avLst/>
+          </a:prstGeom>
+          <a:ln w="12700"/>
+        </p:spPr>
+        <p:style>
+          <a:lnRef idx="1">
+            <a:schemeClr val="accent1"/>
+          </a:lnRef>
+          <a:fillRef idx="0">
+            <a:schemeClr val="accent1"/>
+          </a:fillRef>
+          <a:effectRef idx="0">
+            <a:schemeClr val="accent1"/>
+          </a:effectRef>
+          <a:fontRef idx="minor">
+            <a:schemeClr val="tx1"/>
+          </a:fontRef>
+        </p:style>
+        <p:txBody>
+          <a:bodyPr rtlCol="0" anchor="ctr"/>
+          <a:lstStyle/>
+          <a:p>
+            <a:pPr algn="ctr"/>
+            <a:endParaRPr lang="en-US"/>
+          </a:p>
+        </p:txBody>
+      </p:sp>
+      <p:sp>
+        <p:nvSpPr>
+          <p:cNvPr id="2" name="TextBox 1">
+            <a:extLst>
+              <a:ext uri="{FF2B5EF4-FFF2-40B4-BE49-F238E27FC236}">
+                <a16:creationId xmlns:a16="http://schemas.microsoft.com/office/drawing/2014/main" id="{CD51F447-4C90-B042-B3E2-0278C3F50ABF}"/>
+              </a:ext>
+            </a:extLst>
+          </p:cNvPr>
+          <p:cNvSpPr txBox="1"/>
+          <p:nvPr/>
+        </p:nvSpPr>
+        <p:spPr>
+          <a:xfrm>
+            <a:off x="1723920" y="5498185"/>
+            <a:ext cx="1040022" cy="369332"/>
           </a:xfrm>
           <a:prstGeom prst="rect">
             <a:avLst/>
           </a:prstGeom>
+          <a:noFill/>
+        </p:spPr>
+        <p:txBody>
+          <a:bodyPr wrap="square" rtlCol="0">
+            <a:spAutoFit/>
+          </a:bodyPr>
+          <a:lstStyle/>
+          <a:p>
+            <a:r>
+              <a:rPr lang="en-US" b="1"/>
+              <a:t>GRU</a:t>
+            </a:r>
+          </a:p>
+        </p:txBody>
+      </p:sp>
+      <p:sp>
+        <p:nvSpPr>
+          <p:cNvPr id="115" name="Diamond 114">
+            <a:extLst>
+              <a:ext uri="{FF2B5EF4-FFF2-40B4-BE49-F238E27FC236}">
+                <a16:creationId xmlns:a16="http://schemas.microsoft.com/office/drawing/2014/main" id="{F069E149-BA77-2B4D-A2C9-3C304350BADE}"/>
+              </a:ext>
+            </a:extLst>
+          </p:cNvPr>
+          <p:cNvSpPr/>
+          <p:nvPr/>
+        </p:nvSpPr>
+        <p:spPr>
+          <a:xfrm>
+            <a:off x="4064291" y="6105268"/>
+            <a:ext cx="2423155" cy="756806"/>
+          </a:xfrm>
+          <a:prstGeom prst="diamond">
+            <a:avLst/>
+          </a:prstGeom>
+        </p:spPr>
+        <p:style>
+          <a:lnRef idx="2">
+            <a:schemeClr val="accent1">
+              <a:shade val="50000"/>
+            </a:schemeClr>
+          </a:lnRef>
+          <a:fillRef idx="1">
+            <a:schemeClr val="accent1"/>
+          </a:fillRef>
+          <a:effectRef idx="0">
+            <a:schemeClr val="accent1"/>
+          </a:effectRef>
+          <a:fontRef idx="minor">
+            <a:schemeClr val="lt1"/>
+          </a:fontRef>
+        </p:style>
+        <p:txBody>
+          <a:bodyPr rtlCol="0" anchor="ctr"/>
+          <a:lstStyle/>
+          <a:p>
+            <a:pPr algn="ctr"/>
+            <a:r>
+              <a:rPr lang="en-US"/>
+              <a:t>Layer 2 of GRU</a:t>
+            </a:r>
+          </a:p>
+        </p:txBody>
+      </p:sp>
+      <p:sp>
+        <p:nvSpPr>
+          <p:cNvPr id="116" name="Rectangle 115">
+            <a:extLst>
+              <a:ext uri="{FF2B5EF4-FFF2-40B4-BE49-F238E27FC236}">
+                <a16:creationId xmlns:a16="http://schemas.microsoft.com/office/drawing/2014/main" id="{DFA289A8-0F99-5146-8DC5-32B647A8B770}"/>
+              </a:ext>
+            </a:extLst>
+          </p:cNvPr>
+          <p:cNvSpPr/>
+          <p:nvPr/>
+        </p:nvSpPr>
+        <p:spPr>
+          <a:xfrm>
+            <a:off x="4242482" y="6881353"/>
+            <a:ext cx="1987475" cy="299327"/>
+          </a:xfrm>
+          <a:prstGeom prst="rect">
+            <a:avLst/>
+          </a:prstGeom>
           <a:solidFill>
-            <a:schemeClr val="accent4">
+            <a:schemeClr val="accent5">
               <a:lumMod val="40000"/>
               <a:lumOff val="60000"/>
             </a:schemeClr>
@@ -9156,34 +9854,31 @@
                   <a:schemeClr val="tx1"/>
                 </a:solidFill>
               </a:rPr>
-              <a:t>Predicted probabilities – next word sense</a:t>
-            </a:r>
-          </a:p>
-        </p:txBody>
-      </p:sp>
-      <p:sp>
-        <p:nvSpPr>
-          <p:cNvPr id="28" name="Down Arrow 27">
-            <a:extLst>
-              <a:ext uri="{FF2B5EF4-FFF2-40B4-BE49-F238E27FC236}">
-                <a16:creationId xmlns:a16="http://schemas.microsoft.com/office/drawing/2014/main" id="{60FC0E32-05FF-644D-A9BE-9952CF06BC45}"/>
-              </a:ext>
-            </a:extLst>
-          </p:cNvPr>
-          <p:cNvSpPr/>
-          <p:nvPr/>
-        </p:nvSpPr>
-        <p:spPr>
-          <a:xfrm>
-            <a:off x="9127004" y="3429000"/>
-            <a:ext cx="381964" cy="1264260"/>
-          </a:xfrm>
-          <a:prstGeom prst="downArrow">
-            <a:avLst/>
-          </a:prstGeom>
-          <a:solidFill>
-            <a:schemeClr val="bg1"/>
-          </a:solidFill>
+              <a:t>Hidden state 2</a:t>
+            </a:r>
+          </a:p>
+        </p:txBody>
+      </p:sp>
+      <p:sp>
+        <p:nvSpPr>
+          <p:cNvPr id="117" name="Diamond 116">
+            <a:extLst>
+              <a:ext uri="{FF2B5EF4-FFF2-40B4-BE49-F238E27FC236}">
+                <a16:creationId xmlns:a16="http://schemas.microsoft.com/office/drawing/2014/main" id="{FA4779EC-9A0D-CB41-868F-70F7E232C442}"/>
+              </a:ext>
+            </a:extLst>
+          </p:cNvPr>
+          <p:cNvSpPr/>
+          <p:nvPr/>
+        </p:nvSpPr>
+        <p:spPr>
+          <a:xfrm>
+            <a:off x="7208535" y="6090291"/>
+            <a:ext cx="2423155" cy="756806"/>
+          </a:xfrm>
+          <a:prstGeom prst="diamond">
+            <a:avLst/>
+          </a:prstGeom>
         </p:spPr>
         <p:style>
           <a:lnRef idx="2">
@@ -9202,545 +9897,80 @@
           </a:fontRef>
         </p:style>
         <p:txBody>
-          <a:bodyPr wrap="none" rtlCol="0" anchor="ctr"/>
-          <a:lstStyle/>
-          <a:p>
-            <a:pPr algn="ctr"/>
-            <a:r>
-              <a:rPr lang="en-US" b="1">
+          <a:bodyPr rtlCol="0" anchor="ctr"/>
+          <a:lstStyle/>
+          <a:p>
+            <a:pPr algn="ctr"/>
+            <a:r>
+              <a:rPr lang="en-US"/>
+              <a:t>Layer 2b of GRU</a:t>
+            </a:r>
+          </a:p>
+        </p:txBody>
+      </p:sp>
+      <p:sp>
+        <p:nvSpPr>
+          <p:cNvPr id="118" name="Rectangle 117">
+            <a:extLst>
+              <a:ext uri="{FF2B5EF4-FFF2-40B4-BE49-F238E27FC236}">
+                <a16:creationId xmlns:a16="http://schemas.microsoft.com/office/drawing/2014/main" id="{1D7FA5EB-8E41-BE4A-9971-CF1924145332}"/>
+              </a:ext>
+            </a:extLst>
+          </p:cNvPr>
+          <p:cNvSpPr/>
+          <p:nvPr/>
+        </p:nvSpPr>
+        <p:spPr>
+          <a:xfrm>
+            <a:off x="7427114" y="6854263"/>
+            <a:ext cx="1987475" cy="299327"/>
+          </a:xfrm>
+          <a:prstGeom prst="rect">
+            <a:avLst/>
+          </a:prstGeom>
+          <a:solidFill>
+            <a:schemeClr val="accent5">
+              <a:lumMod val="40000"/>
+              <a:lumOff val="60000"/>
+            </a:schemeClr>
+          </a:solidFill>
+        </p:spPr>
+        <p:style>
+          <a:lnRef idx="2">
+            <a:schemeClr val="accent5">
+              <a:shade val="50000"/>
+            </a:schemeClr>
+          </a:lnRef>
+          <a:fillRef idx="1">
+            <a:schemeClr val="accent5"/>
+          </a:fillRef>
+          <a:effectRef idx="0">
+            <a:schemeClr val="accent5"/>
+          </a:effectRef>
+          <a:fontRef idx="minor">
+            <a:schemeClr val="lt1"/>
+          </a:fontRef>
+        </p:style>
+        <p:txBody>
+          <a:bodyPr rtlCol="0" anchor="ctr"/>
+          <a:lstStyle/>
+          <a:p>
+            <a:pPr algn="ctr"/>
+            <a:r>
+              <a:rPr lang="en-US" sz="1600">
                 <a:solidFill>
                   <a:schemeClr val="tx1"/>
                 </a:solidFill>
               </a:rPr>
-              <a:t>I n p u t</a:t>
-            </a:r>
-          </a:p>
-        </p:txBody>
-      </p:sp>
-      <p:cxnSp>
-        <p:nvCxnSpPr>
-          <p:cNvPr id="29" name="Straight Arrow Connector 28">
-            <a:extLst>
-              <a:ext uri="{FF2B5EF4-FFF2-40B4-BE49-F238E27FC236}">
-                <a16:creationId xmlns:a16="http://schemas.microsoft.com/office/drawing/2014/main" id="{CB7E18E4-7196-0F45-BCF5-E91BA4004445}"/>
-              </a:ext>
-            </a:extLst>
-          </p:cNvPr>
-          <p:cNvCxnSpPr>
-            <a:cxnSpLocks/>
-            <a:stCxn id="7" idx="3"/>
-          </p:cNvCxnSpPr>
-          <p:nvPr/>
-        </p:nvCxnSpPr>
-        <p:spPr>
-          <a:xfrm flipV="1">
-            <a:off x="6559600" y="5284699"/>
-            <a:ext cx="1577403" cy="19338"/>
-          </a:xfrm>
-          <a:prstGeom prst="straightConnector1">
-            <a:avLst/>
-          </a:prstGeom>
-          <a:ln>
-            <a:tailEnd type="triangle"/>
-          </a:ln>
-        </p:spPr>
-        <p:style>
-          <a:lnRef idx="1">
-            <a:schemeClr val="dk1"/>
-          </a:lnRef>
-          <a:fillRef idx="0">
-            <a:schemeClr val="dk1"/>
-          </a:fillRef>
-          <a:effectRef idx="0">
-            <a:schemeClr val="dk1"/>
-          </a:effectRef>
-          <a:fontRef idx="minor">
-            <a:schemeClr val="tx1"/>
-          </a:fontRef>
-        </p:style>
-      </p:cxnSp>
-      <p:sp>
-        <p:nvSpPr>
-          <p:cNvPr id="32" name="TextBox 31">
-            <a:extLst>
-              <a:ext uri="{FF2B5EF4-FFF2-40B4-BE49-F238E27FC236}">
-                <a16:creationId xmlns:a16="http://schemas.microsoft.com/office/drawing/2014/main" id="{F5562014-DAFF-0F47-A405-000F54031463}"/>
-              </a:ext>
-            </a:extLst>
-          </p:cNvPr>
-          <p:cNvSpPr txBox="1"/>
-          <p:nvPr/>
-        </p:nvSpPr>
-        <p:spPr>
-          <a:xfrm>
-            <a:off x="8683037" y="4618911"/>
-            <a:ext cx="1602487" cy="369332"/>
-          </a:xfrm>
-          <a:prstGeom prst="rect">
-            <a:avLst/>
-          </a:prstGeom>
-          <a:noFill/>
-        </p:spPr>
-        <p:txBody>
-          <a:bodyPr wrap="square" rtlCol="0">
-            <a:spAutoFit/>
-          </a:bodyPr>
-          <a:lstStyle/>
-          <a:p>
-            <a:r>
-              <a:rPr lang="en-US"/>
-              <a:t>Concatenate:</a:t>
-            </a:r>
-          </a:p>
-        </p:txBody>
-      </p:sp>
-      <p:sp>
-        <p:nvSpPr>
-          <p:cNvPr id="33" name="Rectangle 32">
-            <a:extLst>
-              <a:ext uri="{FF2B5EF4-FFF2-40B4-BE49-F238E27FC236}">
-                <a16:creationId xmlns:a16="http://schemas.microsoft.com/office/drawing/2014/main" id="{CBBDC58C-FB79-9743-AC32-4E975544F29D}"/>
-              </a:ext>
-            </a:extLst>
-          </p:cNvPr>
-          <p:cNvSpPr/>
-          <p:nvPr/>
-        </p:nvSpPr>
-        <p:spPr>
-          <a:xfrm>
-            <a:off x="9030815" y="5049521"/>
-            <a:ext cx="906930" cy="554077"/>
-          </a:xfrm>
-          <a:prstGeom prst="rect">
-            <a:avLst/>
-          </a:prstGeom>
-          <a:solidFill>
-            <a:schemeClr val="accent2">
-              <a:lumMod val="60000"/>
-              <a:lumOff val="40000"/>
-            </a:schemeClr>
-          </a:solidFill>
-        </p:spPr>
-        <p:style>
-          <a:lnRef idx="2">
-            <a:schemeClr val="accent4">
-              <a:shade val="50000"/>
-            </a:schemeClr>
-          </a:lnRef>
-          <a:fillRef idx="1">
-            <a:schemeClr val="accent4"/>
-          </a:fillRef>
-          <a:effectRef idx="0">
-            <a:schemeClr val="accent4"/>
-          </a:effectRef>
-          <a:fontRef idx="minor">
-            <a:schemeClr val="lt1"/>
-          </a:fontRef>
-        </p:style>
-        <p:txBody>
-          <a:bodyPr rtlCol="0" anchor="ctr"/>
-          <a:lstStyle/>
-          <a:p>
-            <a:pPr algn="ctr"/>
-            <a:r>
-              <a:rPr lang="en-US" sz="1200" b="1">
-                <a:solidFill>
-                  <a:schemeClr val="tx1"/>
-                </a:solidFill>
-              </a:rPr>
-              <a:t>Word Embedding</a:t>
-            </a:r>
-          </a:p>
-        </p:txBody>
-      </p:sp>
-      <p:sp>
-        <p:nvSpPr>
-          <p:cNvPr id="34" name="Rectangle 33">
-            <a:extLst>
-              <a:ext uri="{FF2B5EF4-FFF2-40B4-BE49-F238E27FC236}">
-                <a16:creationId xmlns:a16="http://schemas.microsoft.com/office/drawing/2014/main" id="{CEE65BB6-CFD3-7948-933E-EBD1D87BDFF3}"/>
-              </a:ext>
-            </a:extLst>
-          </p:cNvPr>
-          <p:cNvSpPr/>
-          <p:nvPr/>
-        </p:nvSpPr>
-        <p:spPr>
-          <a:xfrm>
-            <a:off x="9937745" y="5038712"/>
-            <a:ext cx="973594" cy="564886"/>
-          </a:xfrm>
-          <a:prstGeom prst="rect">
-            <a:avLst/>
-          </a:prstGeom>
-        </p:spPr>
-        <p:style>
-          <a:lnRef idx="2">
-            <a:schemeClr val="accent4">
-              <a:shade val="50000"/>
-            </a:schemeClr>
-          </a:lnRef>
-          <a:fillRef idx="1">
-            <a:schemeClr val="accent4"/>
-          </a:fillRef>
-          <a:effectRef idx="0">
-            <a:schemeClr val="accent4"/>
-          </a:effectRef>
-          <a:fontRef idx="minor">
-            <a:schemeClr val="lt1"/>
-          </a:fontRef>
-        </p:style>
-        <p:txBody>
-          <a:bodyPr rtlCol="0" anchor="ctr"/>
-          <a:lstStyle/>
-          <a:p>
-            <a:pPr algn="ctr"/>
-            <a:r>
-              <a:rPr lang="en-US" sz="1200" b="1">
-                <a:solidFill>
-                  <a:schemeClr val="tx1"/>
-                </a:solidFill>
-              </a:rPr>
-              <a:t>Word Node State</a:t>
-            </a:r>
-          </a:p>
-        </p:txBody>
-      </p:sp>
-      <p:sp>
-        <p:nvSpPr>
-          <p:cNvPr id="35" name="Rectangle 34">
-            <a:extLst>
-              <a:ext uri="{FF2B5EF4-FFF2-40B4-BE49-F238E27FC236}">
-                <a16:creationId xmlns:a16="http://schemas.microsoft.com/office/drawing/2014/main" id="{75DA4D2A-83BD-AB40-B037-4DABB3945422}"/>
-              </a:ext>
-            </a:extLst>
-          </p:cNvPr>
-          <p:cNvSpPr/>
-          <p:nvPr/>
-        </p:nvSpPr>
-        <p:spPr>
-          <a:xfrm>
-            <a:off x="10911340" y="5037547"/>
-            <a:ext cx="732793" cy="564884"/>
-          </a:xfrm>
-          <a:prstGeom prst="rect">
-            <a:avLst/>
-          </a:prstGeom>
-        </p:spPr>
-        <p:style>
-          <a:lnRef idx="1">
-            <a:schemeClr val="accent6"/>
-          </a:lnRef>
-          <a:fillRef idx="2">
-            <a:schemeClr val="accent6"/>
-          </a:fillRef>
-          <a:effectRef idx="1">
-            <a:schemeClr val="accent6"/>
-          </a:effectRef>
-          <a:fontRef idx="minor">
-            <a:schemeClr val="dk1"/>
-          </a:fontRef>
-        </p:style>
-        <p:txBody>
-          <a:bodyPr rtlCol="0" anchor="ctr"/>
-          <a:lstStyle/>
-          <a:p>
-            <a:pPr algn="ctr"/>
-            <a:r>
-              <a:rPr lang="en-US" sz="1200" b="1"/>
-              <a:t>Sense </a:t>
-            </a:r>
-            <a:r>
-              <a:rPr lang="en-US" sz="1200" b="1">
-                <a:solidFill>
-                  <a:schemeClr val="tx1"/>
-                </a:solidFill>
-              </a:rPr>
-              <a:t>Node State</a:t>
-            </a:r>
-          </a:p>
-        </p:txBody>
-      </p:sp>
-      <p:sp>
-        <p:nvSpPr>
-          <p:cNvPr id="38" name="TextBox 37">
-            <a:extLst>
-              <a:ext uri="{FF2B5EF4-FFF2-40B4-BE49-F238E27FC236}">
-                <a16:creationId xmlns:a16="http://schemas.microsoft.com/office/drawing/2014/main" id="{61B43942-276C-6D46-8BD6-0F7B64E361B8}"/>
-              </a:ext>
-            </a:extLst>
-          </p:cNvPr>
-          <p:cNvSpPr txBox="1"/>
-          <p:nvPr/>
-        </p:nvSpPr>
-        <p:spPr>
-          <a:xfrm>
-            <a:off x="6877573" y="4826984"/>
-            <a:ext cx="1364765" cy="954107"/>
-          </a:xfrm>
-          <a:prstGeom prst="rect">
-            <a:avLst/>
-          </a:prstGeom>
-          <a:noFill/>
-        </p:spPr>
-        <p:txBody>
-          <a:bodyPr wrap="square" rtlCol="0">
-            <a:spAutoFit/>
-          </a:bodyPr>
-          <a:lstStyle/>
-          <a:p>
-            <a:r>
-              <a:rPr lang="en-US" sz="1400"/>
-              <a:t>Copy without gradient</a:t>
-            </a:r>
-            <a:br>
-              <a:rPr lang="en-US" sz="1400"/>
-            </a:br>
-            <a:r>
-              <a:rPr lang="en-US" sz="1400"/>
-              <a:t>(photo of the current context)</a:t>
-            </a:r>
-          </a:p>
-        </p:txBody>
-      </p:sp>
-      <p:sp>
-        <p:nvSpPr>
-          <p:cNvPr id="39" name="Rectangle 38">
-            <a:extLst>
-              <a:ext uri="{FF2B5EF4-FFF2-40B4-BE49-F238E27FC236}">
-                <a16:creationId xmlns:a16="http://schemas.microsoft.com/office/drawing/2014/main" id="{457E5AAA-6CCC-434B-95B5-DA10C85A4334}"/>
-              </a:ext>
-            </a:extLst>
-          </p:cNvPr>
-          <p:cNvSpPr/>
-          <p:nvPr/>
-        </p:nvSpPr>
-        <p:spPr>
-          <a:xfrm>
-            <a:off x="8134355" y="5050139"/>
-            <a:ext cx="896461" cy="552292"/>
-          </a:xfrm>
-          <a:prstGeom prst="rect">
-            <a:avLst/>
-          </a:prstGeom>
-          <a:solidFill>
-            <a:schemeClr val="accent5">
-              <a:lumMod val="40000"/>
-              <a:lumOff val="60000"/>
-            </a:schemeClr>
-          </a:solidFill>
-        </p:spPr>
-        <p:style>
-          <a:lnRef idx="2">
-            <a:schemeClr val="accent5">
-              <a:shade val="50000"/>
-            </a:schemeClr>
-          </a:lnRef>
-          <a:fillRef idx="1">
-            <a:schemeClr val="accent5"/>
-          </a:fillRef>
-          <a:effectRef idx="0">
-            <a:schemeClr val="accent5"/>
-          </a:effectRef>
-          <a:fontRef idx="minor">
-            <a:schemeClr val="lt1"/>
-          </a:fontRef>
-        </p:style>
-        <p:txBody>
-          <a:bodyPr rtlCol="0" anchor="ctr"/>
-          <a:lstStyle/>
-          <a:p>
-            <a:pPr algn="ctr"/>
-            <a:r>
-              <a:rPr lang="en-US" sz="1400">
-                <a:solidFill>
-                  <a:schemeClr val="tx1"/>
-                </a:solidFill>
-              </a:rPr>
-              <a:t>Encoding </a:t>
-            </a:r>
-            <a:br>
-              <a:rPr lang="en-US" sz="1400">
-                <a:solidFill>
-                  <a:schemeClr val="tx1"/>
-                </a:solidFill>
-              </a:rPr>
-            </a:br>
-            <a:r>
-              <a:rPr lang="en-US" sz="1400">
-                <a:solidFill>
-                  <a:schemeClr val="tx1"/>
-                </a:solidFill>
-              </a:rPr>
-              <a:t>(Hidden state 2)</a:t>
-            </a:r>
-            <a:endParaRPr lang="en-US" sz="1400" b="1">
-              <a:solidFill>
-                <a:schemeClr val="tx1"/>
-              </a:solidFill>
-            </a:endParaRPr>
-          </a:p>
-        </p:txBody>
-      </p:sp>
-      <p:sp>
-        <p:nvSpPr>
-          <p:cNvPr id="40" name="Diamond 39">
-            <a:extLst>
-              <a:ext uri="{FF2B5EF4-FFF2-40B4-BE49-F238E27FC236}">
-                <a16:creationId xmlns:a16="http://schemas.microsoft.com/office/drawing/2014/main" id="{811FA52D-6D28-F24F-8E62-DF24DACE56DD}"/>
-              </a:ext>
-            </a:extLst>
-          </p:cNvPr>
-          <p:cNvSpPr/>
-          <p:nvPr/>
-        </p:nvSpPr>
-        <p:spPr>
-          <a:xfrm>
-            <a:off x="8089148" y="6040185"/>
-            <a:ext cx="2423155" cy="835996"/>
-          </a:xfrm>
-          <a:prstGeom prst="diamond">
-            <a:avLst/>
-          </a:prstGeom>
-        </p:spPr>
-        <p:style>
-          <a:lnRef idx="2">
-            <a:schemeClr val="accent1">
-              <a:shade val="50000"/>
-            </a:schemeClr>
-          </a:lnRef>
-          <a:fillRef idx="1">
-            <a:schemeClr val="accent1"/>
-          </a:fillRef>
-          <a:effectRef idx="0">
-            <a:schemeClr val="accent1"/>
-          </a:effectRef>
-          <a:fontRef idx="minor">
-            <a:schemeClr val="lt1"/>
-          </a:fontRef>
-        </p:style>
-        <p:txBody>
-          <a:bodyPr wrap="none" lIns="36000" rIns="36000" rtlCol="0" anchor="ctr"/>
-          <a:lstStyle/>
-          <a:p>
-            <a:pPr algn="ctr"/>
-            <a:r>
-              <a:rPr lang="en-GB"/>
-              <a:t>FF-NN:</a:t>
-            </a:r>
-            <a:br>
-              <a:rPr lang="en-GB"/>
-            </a:br>
-            <a:r>
-              <a:rPr lang="en-GB"/>
-              <a:t>linear2senses</a:t>
-            </a:r>
-            <a:endParaRPr lang="en-US"/>
-          </a:p>
-        </p:txBody>
-      </p:sp>
-      <p:sp>
-        <p:nvSpPr>
-          <p:cNvPr id="41" name="Down Arrow 40">
-            <a:extLst>
-              <a:ext uri="{FF2B5EF4-FFF2-40B4-BE49-F238E27FC236}">
-                <a16:creationId xmlns:a16="http://schemas.microsoft.com/office/drawing/2014/main" id="{AB2C63ED-0E0E-1D4D-A763-A7BA067BFD03}"/>
-              </a:ext>
-            </a:extLst>
-          </p:cNvPr>
-          <p:cNvSpPr/>
-          <p:nvPr/>
-        </p:nvSpPr>
-        <p:spPr>
-          <a:xfrm>
-            <a:off x="9121318" y="5590408"/>
-            <a:ext cx="381964" cy="428262"/>
-          </a:xfrm>
-          <a:prstGeom prst="downArrow">
-            <a:avLst/>
-          </a:prstGeom>
-          <a:solidFill>
-            <a:schemeClr val="bg1"/>
-          </a:solidFill>
-        </p:spPr>
-        <p:style>
-          <a:lnRef idx="2">
-            <a:schemeClr val="accent1">
-              <a:shade val="50000"/>
-            </a:schemeClr>
-          </a:lnRef>
-          <a:fillRef idx="1">
-            <a:schemeClr val="accent1"/>
-          </a:fillRef>
-          <a:effectRef idx="0">
-            <a:schemeClr val="accent1"/>
-          </a:effectRef>
-          <a:fontRef idx="minor">
-            <a:schemeClr val="lt1"/>
-          </a:fontRef>
-        </p:style>
-        <p:txBody>
-          <a:bodyPr rtlCol="0" anchor="ctr"/>
-          <a:lstStyle/>
-          <a:p>
-            <a:pPr algn="ctr"/>
-            <a:endParaRPr lang="en-US"/>
-          </a:p>
-        </p:txBody>
-      </p:sp>
-      <p:sp>
-        <p:nvSpPr>
-          <p:cNvPr id="42" name="Down Arrow 41">
-            <a:extLst>
-              <a:ext uri="{FF2B5EF4-FFF2-40B4-BE49-F238E27FC236}">
-                <a16:creationId xmlns:a16="http://schemas.microsoft.com/office/drawing/2014/main" id="{66F620D5-822A-5248-8FB1-03CE9BBC3DC1}"/>
-              </a:ext>
-            </a:extLst>
-          </p:cNvPr>
-          <p:cNvSpPr/>
-          <p:nvPr/>
-        </p:nvSpPr>
-        <p:spPr>
-          <a:xfrm>
-            <a:off x="9121318" y="6876181"/>
-            <a:ext cx="381964" cy="428262"/>
-          </a:xfrm>
-          <a:prstGeom prst="downArrow">
-            <a:avLst/>
-          </a:prstGeom>
-          <a:solidFill>
-            <a:schemeClr val="bg1"/>
-          </a:solidFill>
-        </p:spPr>
-        <p:style>
-          <a:lnRef idx="2">
-            <a:schemeClr val="accent1">
-              <a:shade val="50000"/>
-            </a:schemeClr>
-          </a:lnRef>
-          <a:fillRef idx="1">
-            <a:schemeClr val="accent1"/>
-          </a:fillRef>
-          <a:effectRef idx="0">
-            <a:schemeClr val="accent1"/>
-          </a:effectRef>
-          <a:fontRef idx="minor">
-            <a:schemeClr val="lt1"/>
-          </a:fontRef>
-        </p:style>
-        <p:txBody>
-          <a:bodyPr rtlCol="0" anchor="ctr"/>
-          <a:lstStyle/>
-          <a:p>
-            <a:pPr algn="ctr"/>
-            <a:endParaRPr lang="en-US"/>
+              <a:t>Hidden state 2b</a:t>
+            </a:r>
           </a:p>
         </p:txBody>
       </p:sp>
     </p:spTree>
     <p:extLst>
       <p:ext uri="{BB962C8B-B14F-4D97-AF65-F5344CB8AC3E}">
-        <p14:creationId xmlns:p14="http://schemas.microsoft.com/office/powerpoint/2010/main" val="1331181461"/>
+        <p14:creationId xmlns:p14="http://schemas.microsoft.com/office/powerpoint/2010/main" val="657849569"/>
       </p:ext>
     </p:extLst>
   </p:cSld>
@@ -9769,6 +9999,1526 @@
       </p:grpSpPr>
       <p:sp>
         <p:nvSpPr>
+          <p:cNvPr id="4" name="Diamond 3">
+            <a:extLst>
+              <a:ext uri="{FF2B5EF4-FFF2-40B4-BE49-F238E27FC236}">
+                <a16:creationId xmlns:a16="http://schemas.microsoft.com/office/drawing/2014/main" id="{DBB06CCC-4012-7142-8209-4D3CA3521F99}"/>
+              </a:ext>
+            </a:extLst>
+          </p:cNvPr>
+          <p:cNvSpPr/>
+          <p:nvPr/>
+        </p:nvSpPr>
+        <p:spPr>
+          <a:xfrm>
+            <a:off x="4354286" y="3857263"/>
+            <a:ext cx="2423155" cy="835996"/>
+          </a:xfrm>
+          <a:prstGeom prst="diamond">
+            <a:avLst/>
+          </a:prstGeom>
+        </p:spPr>
+        <p:style>
+          <a:lnRef idx="2">
+            <a:schemeClr val="accent1">
+              <a:shade val="50000"/>
+            </a:schemeClr>
+          </a:lnRef>
+          <a:fillRef idx="1">
+            <a:schemeClr val="accent1"/>
+          </a:fillRef>
+          <a:effectRef idx="0">
+            <a:schemeClr val="accent1"/>
+          </a:effectRef>
+          <a:fontRef idx="minor">
+            <a:schemeClr val="lt1"/>
+          </a:fontRef>
+        </p:style>
+        <p:txBody>
+          <a:bodyPr rtlCol="0" anchor="ctr"/>
+          <a:lstStyle/>
+          <a:p>
+            <a:pPr algn="ctr"/>
+            <a:r>
+              <a:rPr lang="en-US"/>
+              <a:t>2-layers</a:t>
+            </a:r>
+            <a:br>
+              <a:rPr lang="en-US"/>
+            </a:br>
+            <a:r>
+              <a:rPr lang="en-US"/>
+              <a:t>GRU</a:t>
+            </a:r>
+          </a:p>
+        </p:txBody>
+      </p:sp>
+      <p:sp>
+        <p:nvSpPr>
+          <p:cNvPr id="5" name="Down Arrow 4">
+            <a:extLst>
+              <a:ext uri="{FF2B5EF4-FFF2-40B4-BE49-F238E27FC236}">
+                <a16:creationId xmlns:a16="http://schemas.microsoft.com/office/drawing/2014/main" id="{2E1E1C2B-5B16-004D-95B2-00203BDC4738}"/>
+              </a:ext>
+            </a:extLst>
+          </p:cNvPr>
+          <p:cNvSpPr/>
+          <p:nvPr/>
+        </p:nvSpPr>
+        <p:spPr>
+          <a:xfrm>
+            <a:off x="5386454" y="3429001"/>
+            <a:ext cx="381964" cy="428262"/>
+          </a:xfrm>
+          <a:prstGeom prst="downArrow">
+            <a:avLst/>
+          </a:prstGeom>
+          <a:solidFill>
+            <a:schemeClr val="bg1"/>
+          </a:solidFill>
+        </p:spPr>
+        <p:style>
+          <a:lnRef idx="2">
+            <a:schemeClr val="accent1">
+              <a:shade val="50000"/>
+            </a:schemeClr>
+          </a:lnRef>
+          <a:fillRef idx="1">
+            <a:schemeClr val="accent1"/>
+          </a:fillRef>
+          <a:effectRef idx="0">
+            <a:schemeClr val="accent1"/>
+          </a:effectRef>
+          <a:fontRef idx="minor">
+            <a:schemeClr val="lt1"/>
+          </a:fontRef>
+        </p:style>
+        <p:txBody>
+          <a:bodyPr wrap="none" rtlCol="0" anchor="ctr"/>
+          <a:lstStyle/>
+          <a:p>
+            <a:pPr algn="ctr"/>
+            <a:r>
+              <a:rPr lang="en-US" b="1">
+                <a:solidFill>
+                  <a:schemeClr val="tx1"/>
+                </a:solidFill>
+              </a:rPr>
+              <a:t>I n p u t</a:t>
+            </a:r>
+          </a:p>
+        </p:txBody>
+      </p:sp>
+      <p:sp>
+        <p:nvSpPr>
+          <p:cNvPr id="7" name="Rectangle 6">
+            <a:extLst>
+              <a:ext uri="{FF2B5EF4-FFF2-40B4-BE49-F238E27FC236}">
+                <a16:creationId xmlns:a16="http://schemas.microsoft.com/office/drawing/2014/main" id="{CEB94528-BBB3-B44D-860D-084ECFCFE803}"/>
+              </a:ext>
+            </a:extLst>
+          </p:cNvPr>
+          <p:cNvSpPr/>
+          <p:nvPr/>
+        </p:nvSpPr>
+        <p:spPr>
+          <a:xfrm>
+            <a:off x="4572125" y="5038712"/>
+            <a:ext cx="1987475" cy="530651"/>
+          </a:xfrm>
+          <a:prstGeom prst="rect">
+            <a:avLst/>
+          </a:prstGeom>
+          <a:solidFill>
+            <a:schemeClr val="accent5">
+              <a:lumMod val="40000"/>
+              <a:lumOff val="60000"/>
+            </a:schemeClr>
+          </a:solidFill>
+        </p:spPr>
+        <p:style>
+          <a:lnRef idx="2">
+            <a:schemeClr val="accent5">
+              <a:shade val="50000"/>
+            </a:schemeClr>
+          </a:lnRef>
+          <a:fillRef idx="1">
+            <a:schemeClr val="accent5"/>
+          </a:fillRef>
+          <a:effectRef idx="0">
+            <a:schemeClr val="accent5"/>
+          </a:effectRef>
+          <a:fontRef idx="minor">
+            <a:schemeClr val="lt1"/>
+          </a:fontRef>
+        </p:style>
+        <p:txBody>
+          <a:bodyPr rtlCol="0" anchor="ctr"/>
+          <a:lstStyle/>
+          <a:p>
+            <a:pPr algn="ctr"/>
+            <a:r>
+              <a:rPr lang="en-US" sz="1600">
+                <a:solidFill>
+                  <a:schemeClr val="tx1"/>
+                </a:solidFill>
+              </a:rPr>
+              <a:t>Encoding </a:t>
+            </a:r>
+            <a:br>
+              <a:rPr lang="en-US" sz="1600">
+                <a:solidFill>
+                  <a:schemeClr val="tx1"/>
+                </a:solidFill>
+              </a:rPr>
+            </a:br>
+            <a:r>
+              <a:rPr lang="en-US" sz="1600">
+                <a:solidFill>
+                  <a:schemeClr val="tx1"/>
+                </a:solidFill>
+              </a:rPr>
+              <a:t>(Hidden state 2)</a:t>
+            </a:r>
+            <a:endParaRPr lang="en-US" sz="1600" b="1">
+              <a:solidFill>
+                <a:schemeClr val="tx1"/>
+              </a:solidFill>
+            </a:endParaRPr>
+          </a:p>
+        </p:txBody>
+      </p:sp>
+      <p:sp>
+        <p:nvSpPr>
+          <p:cNvPr id="10" name="Diamond 9">
+            <a:extLst>
+              <a:ext uri="{FF2B5EF4-FFF2-40B4-BE49-F238E27FC236}">
+                <a16:creationId xmlns:a16="http://schemas.microsoft.com/office/drawing/2014/main" id="{E26FEDF0-E397-024D-A02E-1E1D21E34639}"/>
+              </a:ext>
+            </a:extLst>
+          </p:cNvPr>
+          <p:cNvSpPr/>
+          <p:nvPr/>
+        </p:nvSpPr>
+        <p:spPr>
+          <a:xfrm>
+            <a:off x="4354284" y="6014410"/>
+            <a:ext cx="2423155" cy="835996"/>
+          </a:xfrm>
+          <a:prstGeom prst="diamond">
+            <a:avLst/>
+          </a:prstGeom>
+        </p:spPr>
+        <p:style>
+          <a:lnRef idx="2">
+            <a:schemeClr val="accent1">
+              <a:shade val="50000"/>
+            </a:schemeClr>
+          </a:lnRef>
+          <a:fillRef idx="1">
+            <a:schemeClr val="accent1"/>
+          </a:fillRef>
+          <a:effectRef idx="0">
+            <a:schemeClr val="accent1"/>
+          </a:effectRef>
+          <a:fontRef idx="minor">
+            <a:schemeClr val="lt1"/>
+          </a:fontRef>
+        </p:style>
+        <p:txBody>
+          <a:bodyPr wrap="none" lIns="36000" rIns="36000" rtlCol="0" anchor="ctr"/>
+          <a:lstStyle/>
+          <a:p>
+            <a:pPr algn="ctr"/>
+            <a:r>
+              <a:rPr lang="en-GB"/>
+              <a:t>FF-NN:</a:t>
+            </a:r>
+            <a:br>
+              <a:rPr lang="en-GB"/>
+            </a:br>
+            <a:r>
+              <a:rPr lang="en-GB"/>
+              <a:t>linear2global</a:t>
+            </a:r>
+            <a:endParaRPr lang="en-US"/>
+          </a:p>
+        </p:txBody>
+      </p:sp>
+      <p:sp>
+        <p:nvSpPr>
+          <p:cNvPr id="12" name="Rectangle 11">
+            <a:extLst>
+              <a:ext uri="{FF2B5EF4-FFF2-40B4-BE49-F238E27FC236}">
+                <a16:creationId xmlns:a16="http://schemas.microsoft.com/office/drawing/2014/main" id="{BF9CF074-2BFA-2E4A-A782-5519DDEB6F3B}"/>
+              </a:ext>
+            </a:extLst>
+          </p:cNvPr>
+          <p:cNvSpPr/>
+          <p:nvPr/>
+        </p:nvSpPr>
+        <p:spPr>
+          <a:xfrm>
+            <a:off x="4596390" y="7311609"/>
+            <a:ext cx="1987475" cy="530651"/>
+          </a:xfrm>
+          <a:prstGeom prst="rect">
+            <a:avLst/>
+          </a:prstGeom>
+          <a:solidFill>
+            <a:schemeClr val="accent5">
+              <a:lumMod val="40000"/>
+              <a:lumOff val="60000"/>
+            </a:schemeClr>
+          </a:solidFill>
+        </p:spPr>
+        <p:style>
+          <a:lnRef idx="2">
+            <a:schemeClr val="accent5">
+              <a:shade val="50000"/>
+            </a:schemeClr>
+          </a:lnRef>
+          <a:fillRef idx="1">
+            <a:schemeClr val="accent5"/>
+          </a:fillRef>
+          <a:effectRef idx="0">
+            <a:schemeClr val="accent5"/>
+          </a:effectRef>
+          <a:fontRef idx="minor">
+            <a:schemeClr val="lt1"/>
+          </a:fontRef>
+        </p:style>
+        <p:txBody>
+          <a:bodyPr rtlCol="0" anchor="ctr"/>
+          <a:lstStyle/>
+          <a:p>
+            <a:pPr algn="ctr"/>
+            <a:r>
+              <a:rPr lang="en-US" sz="1600">
+                <a:solidFill>
+                  <a:schemeClr val="tx1"/>
+                </a:solidFill>
+              </a:rPr>
+              <a:t>Logits of global words</a:t>
+            </a:r>
+          </a:p>
+        </p:txBody>
+      </p:sp>
+      <p:sp>
+        <p:nvSpPr>
+          <p:cNvPr id="14" name="Oval 13">
+            <a:extLst>
+              <a:ext uri="{FF2B5EF4-FFF2-40B4-BE49-F238E27FC236}">
+                <a16:creationId xmlns:a16="http://schemas.microsoft.com/office/drawing/2014/main" id="{CC2973EE-8363-8F47-BA1C-C19ED98DECD3}"/>
+              </a:ext>
+            </a:extLst>
+          </p:cNvPr>
+          <p:cNvSpPr/>
+          <p:nvPr/>
+        </p:nvSpPr>
+        <p:spPr>
+          <a:xfrm>
+            <a:off x="5189683" y="8267181"/>
+            <a:ext cx="752354" cy="755561"/>
+          </a:xfrm>
+          <a:prstGeom prst="ellipse">
+            <a:avLst/>
+          </a:prstGeom>
+        </p:spPr>
+        <p:style>
+          <a:lnRef idx="1">
+            <a:schemeClr val="accent3"/>
+          </a:lnRef>
+          <a:fillRef idx="2">
+            <a:schemeClr val="accent3"/>
+          </a:fillRef>
+          <a:effectRef idx="1">
+            <a:schemeClr val="accent3"/>
+          </a:effectRef>
+          <a:fontRef idx="minor">
+            <a:schemeClr val="dk1"/>
+          </a:fontRef>
+        </p:style>
+        <p:txBody>
+          <a:bodyPr wrap="none" rtlCol="0" anchor="ctr"/>
+          <a:lstStyle/>
+          <a:p>
+            <a:pPr algn="ctr"/>
+            <a:r>
+              <a:rPr lang="en-US"/>
+              <a:t>Softmax</a:t>
+            </a:r>
+          </a:p>
+        </p:txBody>
+      </p:sp>
+      <p:cxnSp>
+        <p:nvCxnSpPr>
+          <p:cNvPr id="16" name="Straight Arrow Connector 15">
+            <a:extLst>
+              <a:ext uri="{FF2B5EF4-FFF2-40B4-BE49-F238E27FC236}">
+                <a16:creationId xmlns:a16="http://schemas.microsoft.com/office/drawing/2014/main" id="{085041C8-9843-9647-A903-D4B6FE815AA6}"/>
+              </a:ext>
+            </a:extLst>
+          </p:cNvPr>
+          <p:cNvCxnSpPr>
+            <a:stCxn id="4" idx="2"/>
+            <a:endCxn id="7" idx="0"/>
+          </p:cNvCxnSpPr>
+          <p:nvPr/>
+        </p:nvCxnSpPr>
+        <p:spPr>
+          <a:xfrm flipH="1">
+            <a:off x="5565863" y="4693259"/>
+            <a:ext cx="1" cy="345452"/>
+          </a:xfrm>
+          <a:prstGeom prst="straightConnector1">
+            <a:avLst/>
+          </a:prstGeom>
+          <a:ln>
+            <a:tailEnd type="triangle"/>
+          </a:ln>
+        </p:spPr>
+        <p:style>
+          <a:lnRef idx="1">
+            <a:schemeClr val="dk1"/>
+          </a:lnRef>
+          <a:fillRef idx="0">
+            <a:schemeClr val="dk1"/>
+          </a:fillRef>
+          <a:effectRef idx="0">
+            <a:schemeClr val="dk1"/>
+          </a:effectRef>
+          <a:fontRef idx="minor">
+            <a:schemeClr val="tx1"/>
+          </a:fontRef>
+        </p:style>
+      </p:cxnSp>
+      <p:sp>
+        <p:nvSpPr>
+          <p:cNvPr id="17" name="Down Arrow 16">
+            <a:extLst>
+              <a:ext uri="{FF2B5EF4-FFF2-40B4-BE49-F238E27FC236}">
+                <a16:creationId xmlns:a16="http://schemas.microsoft.com/office/drawing/2014/main" id="{DBF5080D-6078-4A4D-A114-6B041E937229}"/>
+              </a:ext>
+            </a:extLst>
+          </p:cNvPr>
+          <p:cNvSpPr/>
+          <p:nvPr/>
+        </p:nvSpPr>
+        <p:spPr>
+          <a:xfrm>
+            <a:off x="5386454" y="5564633"/>
+            <a:ext cx="381964" cy="428262"/>
+          </a:xfrm>
+          <a:prstGeom prst="downArrow">
+            <a:avLst/>
+          </a:prstGeom>
+          <a:solidFill>
+            <a:schemeClr val="bg1"/>
+          </a:solidFill>
+        </p:spPr>
+        <p:style>
+          <a:lnRef idx="2">
+            <a:schemeClr val="accent1">
+              <a:shade val="50000"/>
+            </a:schemeClr>
+          </a:lnRef>
+          <a:fillRef idx="1">
+            <a:schemeClr val="accent1"/>
+          </a:fillRef>
+          <a:effectRef idx="0">
+            <a:schemeClr val="accent1"/>
+          </a:effectRef>
+          <a:fontRef idx="minor">
+            <a:schemeClr val="lt1"/>
+          </a:fontRef>
+        </p:style>
+        <p:txBody>
+          <a:bodyPr rtlCol="0" anchor="ctr"/>
+          <a:lstStyle/>
+          <a:p>
+            <a:pPr algn="ctr"/>
+            <a:endParaRPr lang="en-US"/>
+          </a:p>
+        </p:txBody>
+      </p:sp>
+      <p:sp>
+        <p:nvSpPr>
+          <p:cNvPr id="18" name="Down Arrow 17">
+            <a:extLst>
+              <a:ext uri="{FF2B5EF4-FFF2-40B4-BE49-F238E27FC236}">
+                <a16:creationId xmlns:a16="http://schemas.microsoft.com/office/drawing/2014/main" id="{78948B97-2EB5-7C44-8661-F8FF659EEC11}"/>
+              </a:ext>
+            </a:extLst>
+          </p:cNvPr>
+          <p:cNvSpPr/>
+          <p:nvPr/>
+        </p:nvSpPr>
+        <p:spPr>
+          <a:xfrm>
+            <a:off x="5386454" y="6850406"/>
+            <a:ext cx="381964" cy="428262"/>
+          </a:xfrm>
+          <a:prstGeom prst="downArrow">
+            <a:avLst/>
+          </a:prstGeom>
+          <a:solidFill>
+            <a:schemeClr val="bg1"/>
+          </a:solidFill>
+        </p:spPr>
+        <p:style>
+          <a:lnRef idx="2">
+            <a:schemeClr val="accent1">
+              <a:shade val="50000"/>
+            </a:schemeClr>
+          </a:lnRef>
+          <a:fillRef idx="1">
+            <a:schemeClr val="accent1"/>
+          </a:fillRef>
+          <a:effectRef idx="0">
+            <a:schemeClr val="accent1"/>
+          </a:effectRef>
+          <a:fontRef idx="minor">
+            <a:schemeClr val="lt1"/>
+          </a:fontRef>
+        </p:style>
+        <p:txBody>
+          <a:bodyPr rtlCol="0" anchor="ctr"/>
+          <a:lstStyle/>
+          <a:p>
+            <a:pPr algn="ctr"/>
+            <a:endParaRPr lang="en-US"/>
+          </a:p>
+        </p:txBody>
+      </p:sp>
+      <p:sp>
+        <p:nvSpPr>
+          <p:cNvPr id="19" name="Down Arrow 18">
+            <a:extLst>
+              <a:ext uri="{FF2B5EF4-FFF2-40B4-BE49-F238E27FC236}">
+                <a16:creationId xmlns:a16="http://schemas.microsoft.com/office/drawing/2014/main" id="{8C470EB7-41A5-5C4D-8682-9F0FDF9C952B}"/>
+              </a:ext>
+            </a:extLst>
+          </p:cNvPr>
+          <p:cNvSpPr/>
+          <p:nvPr/>
+        </p:nvSpPr>
+        <p:spPr>
+          <a:xfrm>
+            <a:off x="5374878" y="7834882"/>
+            <a:ext cx="381964" cy="428262"/>
+          </a:xfrm>
+          <a:prstGeom prst="downArrow">
+            <a:avLst/>
+          </a:prstGeom>
+          <a:solidFill>
+            <a:schemeClr val="bg1"/>
+          </a:solidFill>
+        </p:spPr>
+        <p:style>
+          <a:lnRef idx="2">
+            <a:schemeClr val="accent1">
+              <a:shade val="50000"/>
+            </a:schemeClr>
+          </a:lnRef>
+          <a:fillRef idx="1">
+            <a:schemeClr val="accent1"/>
+          </a:fillRef>
+          <a:effectRef idx="0">
+            <a:schemeClr val="accent1"/>
+          </a:effectRef>
+          <a:fontRef idx="minor">
+            <a:schemeClr val="lt1"/>
+          </a:fontRef>
+        </p:style>
+        <p:txBody>
+          <a:bodyPr rtlCol="0" anchor="ctr"/>
+          <a:lstStyle/>
+          <a:p>
+            <a:pPr algn="ctr"/>
+            <a:endParaRPr lang="en-US"/>
+          </a:p>
+        </p:txBody>
+      </p:sp>
+      <p:sp>
+        <p:nvSpPr>
+          <p:cNvPr id="20" name="Down Arrow 19">
+            <a:extLst>
+              <a:ext uri="{FF2B5EF4-FFF2-40B4-BE49-F238E27FC236}">
+                <a16:creationId xmlns:a16="http://schemas.microsoft.com/office/drawing/2014/main" id="{3D411D0C-0351-B247-8E17-DF97F0AC5EA3}"/>
+              </a:ext>
+            </a:extLst>
+          </p:cNvPr>
+          <p:cNvSpPr/>
+          <p:nvPr/>
+        </p:nvSpPr>
+        <p:spPr>
+          <a:xfrm>
+            <a:off x="5374878" y="9032233"/>
+            <a:ext cx="381964" cy="428262"/>
+          </a:xfrm>
+          <a:prstGeom prst="downArrow">
+            <a:avLst/>
+          </a:prstGeom>
+          <a:solidFill>
+            <a:schemeClr val="bg1"/>
+          </a:solidFill>
+        </p:spPr>
+        <p:style>
+          <a:lnRef idx="2">
+            <a:schemeClr val="accent1">
+              <a:shade val="50000"/>
+            </a:schemeClr>
+          </a:lnRef>
+          <a:fillRef idx="1">
+            <a:schemeClr val="accent1"/>
+          </a:fillRef>
+          <a:effectRef idx="0">
+            <a:schemeClr val="accent1"/>
+          </a:effectRef>
+          <a:fontRef idx="minor">
+            <a:schemeClr val="lt1"/>
+          </a:fontRef>
+        </p:style>
+        <p:txBody>
+          <a:bodyPr rtlCol="0" anchor="ctr"/>
+          <a:lstStyle/>
+          <a:p>
+            <a:pPr algn="ctr"/>
+            <a:endParaRPr lang="en-US"/>
+          </a:p>
+        </p:txBody>
+      </p:sp>
+      <p:sp>
+        <p:nvSpPr>
+          <p:cNvPr id="21" name="Rectangle 20">
+            <a:extLst>
+              <a:ext uri="{FF2B5EF4-FFF2-40B4-BE49-F238E27FC236}">
+                <a16:creationId xmlns:a16="http://schemas.microsoft.com/office/drawing/2014/main" id="{5BACE416-FE57-2945-89A6-FCFC8709676C}"/>
+              </a:ext>
+            </a:extLst>
+          </p:cNvPr>
+          <p:cNvSpPr/>
+          <p:nvPr/>
+        </p:nvSpPr>
+        <p:spPr>
+          <a:xfrm>
+            <a:off x="4572123" y="9460496"/>
+            <a:ext cx="1987475" cy="755561"/>
+          </a:xfrm>
+          <a:prstGeom prst="rect">
+            <a:avLst/>
+          </a:prstGeom>
+          <a:solidFill>
+            <a:schemeClr val="accent4">
+              <a:lumMod val="40000"/>
+              <a:lumOff val="60000"/>
+            </a:schemeClr>
+          </a:solidFill>
+        </p:spPr>
+        <p:style>
+          <a:lnRef idx="2">
+            <a:schemeClr val="accent5">
+              <a:shade val="50000"/>
+            </a:schemeClr>
+          </a:lnRef>
+          <a:fillRef idx="1">
+            <a:schemeClr val="accent5"/>
+          </a:fillRef>
+          <a:effectRef idx="0">
+            <a:schemeClr val="accent5"/>
+          </a:effectRef>
+          <a:fontRef idx="minor">
+            <a:schemeClr val="lt1"/>
+          </a:fontRef>
+        </p:style>
+        <p:txBody>
+          <a:bodyPr rtlCol="0" anchor="ctr"/>
+          <a:lstStyle/>
+          <a:p>
+            <a:pPr algn="ctr"/>
+            <a:r>
+              <a:rPr lang="en-US" sz="1600">
+                <a:solidFill>
+                  <a:schemeClr val="tx1"/>
+                </a:solidFill>
+              </a:rPr>
+              <a:t>Predicted probabilities – next global word</a:t>
+            </a:r>
+          </a:p>
+        </p:txBody>
+      </p:sp>
+      <p:sp>
+        <p:nvSpPr>
+          <p:cNvPr id="22" name="Rectangle 21">
+            <a:extLst>
+              <a:ext uri="{FF2B5EF4-FFF2-40B4-BE49-F238E27FC236}">
+                <a16:creationId xmlns:a16="http://schemas.microsoft.com/office/drawing/2014/main" id="{3F7175FE-C5F5-9A4E-A7A6-7C7AE95F8F13}"/>
+              </a:ext>
+            </a:extLst>
+          </p:cNvPr>
+          <p:cNvSpPr/>
+          <p:nvPr/>
+        </p:nvSpPr>
+        <p:spPr>
+          <a:xfrm>
+            <a:off x="8348517" y="7311609"/>
+            <a:ext cx="1987475" cy="530651"/>
+          </a:xfrm>
+          <a:prstGeom prst="rect">
+            <a:avLst/>
+          </a:prstGeom>
+          <a:solidFill>
+            <a:schemeClr val="accent5">
+              <a:lumMod val="40000"/>
+              <a:lumOff val="60000"/>
+            </a:schemeClr>
+          </a:solidFill>
+        </p:spPr>
+        <p:style>
+          <a:lnRef idx="2">
+            <a:schemeClr val="accent5">
+              <a:shade val="50000"/>
+            </a:schemeClr>
+          </a:lnRef>
+          <a:fillRef idx="1">
+            <a:schemeClr val="accent5"/>
+          </a:fillRef>
+          <a:effectRef idx="0">
+            <a:schemeClr val="accent5"/>
+          </a:effectRef>
+          <a:fontRef idx="minor">
+            <a:schemeClr val="lt1"/>
+          </a:fontRef>
+        </p:style>
+        <p:txBody>
+          <a:bodyPr rtlCol="0" anchor="ctr"/>
+          <a:lstStyle/>
+          <a:p>
+            <a:pPr algn="ctr"/>
+            <a:r>
+              <a:rPr lang="en-US" sz="1600">
+                <a:solidFill>
+                  <a:schemeClr val="tx1"/>
+                </a:solidFill>
+              </a:rPr>
+              <a:t>Logits of senses</a:t>
+            </a:r>
+          </a:p>
+        </p:txBody>
+      </p:sp>
+      <p:sp>
+        <p:nvSpPr>
+          <p:cNvPr id="23" name="Oval 22">
+            <a:extLst>
+              <a:ext uri="{FF2B5EF4-FFF2-40B4-BE49-F238E27FC236}">
+                <a16:creationId xmlns:a16="http://schemas.microsoft.com/office/drawing/2014/main" id="{6EE07ECA-65A2-0641-AE45-4F768DCC5DBD}"/>
+              </a:ext>
+            </a:extLst>
+          </p:cNvPr>
+          <p:cNvSpPr/>
+          <p:nvPr/>
+        </p:nvSpPr>
+        <p:spPr>
+          <a:xfrm>
+            <a:off x="8941810" y="8267181"/>
+            <a:ext cx="752354" cy="755561"/>
+          </a:xfrm>
+          <a:prstGeom prst="ellipse">
+            <a:avLst/>
+          </a:prstGeom>
+        </p:spPr>
+        <p:style>
+          <a:lnRef idx="1">
+            <a:schemeClr val="accent3"/>
+          </a:lnRef>
+          <a:fillRef idx="2">
+            <a:schemeClr val="accent3"/>
+          </a:fillRef>
+          <a:effectRef idx="1">
+            <a:schemeClr val="accent3"/>
+          </a:effectRef>
+          <a:fontRef idx="minor">
+            <a:schemeClr val="dk1"/>
+          </a:fontRef>
+        </p:style>
+        <p:txBody>
+          <a:bodyPr wrap="none" rtlCol="0" anchor="ctr"/>
+          <a:lstStyle/>
+          <a:p>
+            <a:pPr algn="ctr"/>
+            <a:r>
+              <a:rPr lang="en-US"/>
+              <a:t>Softmax</a:t>
+            </a:r>
+          </a:p>
+        </p:txBody>
+      </p:sp>
+      <p:sp>
+        <p:nvSpPr>
+          <p:cNvPr id="24" name="Down Arrow 23">
+            <a:extLst>
+              <a:ext uri="{FF2B5EF4-FFF2-40B4-BE49-F238E27FC236}">
+                <a16:creationId xmlns:a16="http://schemas.microsoft.com/office/drawing/2014/main" id="{5B8A8200-1A61-9A43-8F04-80F717E9B000}"/>
+              </a:ext>
+            </a:extLst>
+          </p:cNvPr>
+          <p:cNvSpPr/>
+          <p:nvPr/>
+        </p:nvSpPr>
+        <p:spPr>
+          <a:xfrm>
+            <a:off x="9127005" y="7834882"/>
+            <a:ext cx="381964" cy="428262"/>
+          </a:xfrm>
+          <a:prstGeom prst="downArrow">
+            <a:avLst/>
+          </a:prstGeom>
+          <a:solidFill>
+            <a:schemeClr val="bg1"/>
+          </a:solidFill>
+        </p:spPr>
+        <p:style>
+          <a:lnRef idx="2">
+            <a:schemeClr val="accent1">
+              <a:shade val="50000"/>
+            </a:schemeClr>
+          </a:lnRef>
+          <a:fillRef idx="1">
+            <a:schemeClr val="accent1"/>
+          </a:fillRef>
+          <a:effectRef idx="0">
+            <a:schemeClr val="accent1"/>
+          </a:effectRef>
+          <a:fontRef idx="minor">
+            <a:schemeClr val="lt1"/>
+          </a:fontRef>
+        </p:style>
+        <p:txBody>
+          <a:bodyPr rtlCol="0" anchor="ctr"/>
+          <a:lstStyle/>
+          <a:p>
+            <a:pPr algn="ctr"/>
+            <a:endParaRPr lang="en-US"/>
+          </a:p>
+        </p:txBody>
+      </p:sp>
+      <p:sp>
+        <p:nvSpPr>
+          <p:cNvPr id="25" name="Down Arrow 24">
+            <a:extLst>
+              <a:ext uri="{FF2B5EF4-FFF2-40B4-BE49-F238E27FC236}">
+                <a16:creationId xmlns:a16="http://schemas.microsoft.com/office/drawing/2014/main" id="{454F61DD-CF26-0343-993B-E71B9524B95F}"/>
+              </a:ext>
+            </a:extLst>
+          </p:cNvPr>
+          <p:cNvSpPr/>
+          <p:nvPr/>
+        </p:nvSpPr>
+        <p:spPr>
+          <a:xfrm>
+            <a:off x="9127005" y="9032233"/>
+            <a:ext cx="381964" cy="428262"/>
+          </a:xfrm>
+          <a:prstGeom prst="downArrow">
+            <a:avLst/>
+          </a:prstGeom>
+          <a:solidFill>
+            <a:schemeClr val="bg1"/>
+          </a:solidFill>
+        </p:spPr>
+        <p:style>
+          <a:lnRef idx="2">
+            <a:schemeClr val="accent1">
+              <a:shade val="50000"/>
+            </a:schemeClr>
+          </a:lnRef>
+          <a:fillRef idx="1">
+            <a:schemeClr val="accent1"/>
+          </a:fillRef>
+          <a:effectRef idx="0">
+            <a:schemeClr val="accent1"/>
+          </a:effectRef>
+          <a:fontRef idx="minor">
+            <a:schemeClr val="lt1"/>
+          </a:fontRef>
+        </p:style>
+        <p:txBody>
+          <a:bodyPr rtlCol="0" anchor="ctr"/>
+          <a:lstStyle/>
+          <a:p>
+            <a:pPr algn="ctr"/>
+            <a:endParaRPr lang="en-US"/>
+          </a:p>
+        </p:txBody>
+      </p:sp>
+      <p:sp>
+        <p:nvSpPr>
+          <p:cNvPr id="26" name="Rectangle 25">
+            <a:extLst>
+              <a:ext uri="{FF2B5EF4-FFF2-40B4-BE49-F238E27FC236}">
+                <a16:creationId xmlns:a16="http://schemas.microsoft.com/office/drawing/2014/main" id="{F289D602-95DA-9B40-AE72-9263EC9FE3D9}"/>
+              </a:ext>
+            </a:extLst>
+          </p:cNvPr>
+          <p:cNvSpPr/>
+          <p:nvPr/>
+        </p:nvSpPr>
+        <p:spPr>
+          <a:xfrm>
+            <a:off x="8324250" y="9460496"/>
+            <a:ext cx="1987475" cy="755561"/>
+          </a:xfrm>
+          <a:prstGeom prst="rect">
+            <a:avLst/>
+          </a:prstGeom>
+          <a:solidFill>
+            <a:schemeClr val="accent4">
+              <a:lumMod val="40000"/>
+              <a:lumOff val="60000"/>
+            </a:schemeClr>
+          </a:solidFill>
+        </p:spPr>
+        <p:style>
+          <a:lnRef idx="2">
+            <a:schemeClr val="accent5">
+              <a:shade val="50000"/>
+            </a:schemeClr>
+          </a:lnRef>
+          <a:fillRef idx="1">
+            <a:schemeClr val="accent5"/>
+          </a:fillRef>
+          <a:effectRef idx="0">
+            <a:schemeClr val="accent5"/>
+          </a:effectRef>
+          <a:fontRef idx="minor">
+            <a:schemeClr val="lt1"/>
+          </a:fontRef>
+        </p:style>
+        <p:txBody>
+          <a:bodyPr rtlCol="0" anchor="ctr"/>
+          <a:lstStyle/>
+          <a:p>
+            <a:pPr algn="ctr"/>
+            <a:r>
+              <a:rPr lang="en-US" sz="1600">
+                <a:solidFill>
+                  <a:schemeClr val="tx1"/>
+                </a:solidFill>
+              </a:rPr>
+              <a:t>Predicted probabilities – next word sense</a:t>
+            </a:r>
+          </a:p>
+        </p:txBody>
+      </p:sp>
+      <p:sp>
+        <p:nvSpPr>
+          <p:cNvPr id="28" name="Down Arrow 27">
+            <a:extLst>
+              <a:ext uri="{FF2B5EF4-FFF2-40B4-BE49-F238E27FC236}">
+                <a16:creationId xmlns:a16="http://schemas.microsoft.com/office/drawing/2014/main" id="{60FC0E32-05FF-644D-A9BE-9952CF06BC45}"/>
+              </a:ext>
+            </a:extLst>
+          </p:cNvPr>
+          <p:cNvSpPr/>
+          <p:nvPr/>
+        </p:nvSpPr>
+        <p:spPr>
+          <a:xfrm>
+            <a:off x="9127004" y="3429000"/>
+            <a:ext cx="381964" cy="1264260"/>
+          </a:xfrm>
+          <a:prstGeom prst="downArrow">
+            <a:avLst/>
+          </a:prstGeom>
+          <a:solidFill>
+            <a:schemeClr val="bg1"/>
+          </a:solidFill>
+        </p:spPr>
+        <p:style>
+          <a:lnRef idx="2">
+            <a:schemeClr val="accent1">
+              <a:shade val="50000"/>
+            </a:schemeClr>
+          </a:lnRef>
+          <a:fillRef idx="1">
+            <a:schemeClr val="accent1"/>
+          </a:fillRef>
+          <a:effectRef idx="0">
+            <a:schemeClr val="accent1"/>
+          </a:effectRef>
+          <a:fontRef idx="minor">
+            <a:schemeClr val="lt1"/>
+          </a:fontRef>
+        </p:style>
+        <p:txBody>
+          <a:bodyPr wrap="none" rtlCol="0" anchor="ctr"/>
+          <a:lstStyle/>
+          <a:p>
+            <a:pPr algn="ctr"/>
+            <a:r>
+              <a:rPr lang="en-US" b="1">
+                <a:solidFill>
+                  <a:schemeClr val="tx1"/>
+                </a:solidFill>
+              </a:rPr>
+              <a:t>I n p u t</a:t>
+            </a:r>
+          </a:p>
+        </p:txBody>
+      </p:sp>
+      <p:cxnSp>
+        <p:nvCxnSpPr>
+          <p:cNvPr id="29" name="Straight Arrow Connector 28">
+            <a:extLst>
+              <a:ext uri="{FF2B5EF4-FFF2-40B4-BE49-F238E27FC236}">
+                <a16:creationId xmlns:a16="http://schemas.microsoft.com/office/drawing/2014/main" id="{CB7E18E4-7196-0F45-BCF5-E91BA4004445}"/>
+              </a:ext>
+            </a:extLst>
+          </p:cNvPr>
+          <p:cNvCxnSpPr>
+            <a:cxnSpLocks/>
+            <a:stCxn id="7" idx="3"/>
+          </p:cNvCxnSpPr>
+          <p:nvPr/>
+        </p:nvCxnSpPr>
+        <p:spPr>
+          <a:xfrm flipV="1">
+            <a:off x="6559600" y="5284699"/>
+            <a:ext cx="1577403" cy="19338"/>
+          </a:xfrm>
+          <a:prstGeom prst="straightConnector1">
+            <a:avLst/>
+          </a:prstGeom>
+          <a:ln>
+            <a:tailEnd type="triangle"/>
+          </a:ln>
+        </p:spPr>
+        <p:style>
+          <a:lnRef idx="1">
+            <a:schemeClr val="dk1"/>
+          </a:lnRef>
+          <a:fillRef idx="0">
+            <a:schemeClr val="dk1"/>
+          </a:fillRef>
+          <a:effectRef idx="0">
+            <a:schemeClr val="dk1"/>
+          </a:effectRef>
+          <a:fontRef idx="minor">
+            <a:schemeClr val="tx1"/>
+          </a:fontRef>
+        </p:style>
+      </p:cxnSp>
+      <p:sp>
+        <p:nvSpPr>
+          <p:cNvPr id="32" name="TextBox 31">
+            <a:extLst>
+              <a:ext uri="{FF2B5EF4-FFF2-40B4-BE49-F238E27FC236}">
+                <a16:creationId xmlns:a16="http://schemas.microsoft.com/office/drawing/2014/main" id="{F5562014-DAFF-0F47-A405-000F54031463}"/>
+              </a:ext>
+            </a:extLst>
+          </p:cNvPr>
+          <p:cNvSpPr txBox="1"/>
+          <p:nvPr/>
+        </p:nvSpPr>
+        <p:spPr>
+          <a:xfrm>
+            <a:off x="8683037" y="4618911"/>
+            <a:ext cx="1602487" cy="369332"/>
+          </a:xfrm>
+          <a:prstGeom prst="rect">
+            <a:avLst/>
+          </a:prstGeom>
+          <a:noFill/>
+        </p:spPr>
+        <p:txBody>
+          <a:bodyPr wrap="square" rtlCol="0">
+            <a:spAutoFit/>
+          </a:bodyPr>
+          <a:lstStyle/>
+          <a:p>
+            <a:r>
+              <a:rPr lang="en-US"/>
+              <a:t>Concatenate:</a:t>
+            </a:r>
+          </a:p>
+        </p:txBody>
+      </p:sp>
+      <p:sp>
+        <p:nvSpPr>
+          <p:cNvPr id="33" name="Rectangle 32">
+            <a:extLst>
+              <a:ext uri="{FF2B5EF4-FFF2-40B4-BE49-F238E27FC236}">
+                <a16:creationId xmlns:a16="http://schemas.microsoft.com/office/drawing/2014/main" id="{CBBDC58C-FB79-9743-AC32-4E975544F29D}"/>
+              </a:ext>
+            </a:extLst>
+          </p:cNvPr>
+          <p:cNvSpPr/>
+          <p:nvPr/>
+        </p:nvSpPr>
+        <p:spPr>
+          <a:xfrm>
+            <a:off x="9030815" y="5049521"/>
+            <a:ext cx="906930" cy="554077"/>
+          </a:xfrm>
+          <a:prstGeom prst="rect">
+            <a:avLst/>
+          </a:prstGeom>
+          <a:solidFill>
+            <a:schemeClr val="accent2">
+              <a:lumMod val="60000"/>
+              <a:lumOff val="40000"/>
+            </a:schemeClr>
+          </a:solidFill>
+        </p:spPr>
+        <p:style>
+          <a:lnRef idx="2">
+            <a:schemeClr val="accent4">
+              <a:shade val="50000"/>
+            </a:schemeClr>
+          </a:lnRef>
+          <a:fillRef idx="1">
+            <a:schemeClr val="accent4"/>
+          </a:fillRef>
+          <a:effectRef idx="0">
+            <a:schemeClr val="accent4"/>
+          </a:effectRef>
+          <a:fontRef idx="minor">
+            <a:schemeClr val="lt1"/>
+          </a:fontRef>
+        </p:style>
+        <p:txBody>
+          <a:bodyPr rtlCol="0" anchor="ctr"/>
+          <a:lstStyle/>
+          <a:p>
+            <a:pPr algn="ctr"/>
+            <a:r>
+              <a:rPr lang="en-US" sz="1200" b="1">
+                <a:solidFill>
+                  <a:schemeClr val="tx1"/>
+                </a:solidFill>
+              </a:rPr>
+              <a:t>Word Embedding</a:t>
+            </a:r>
+          </a:p>
+        </p:txBody>
+      </p:sp>
+      <p:sp>
+        <p:nvSpPr>
+          <p:cNvPr id="34" name="Rectangle 33">
+            <a:extLst>
+              <a:ext uri="{FF2B5EF4-FFF2-40B4-BE49-F238E27FC236}">
+                <a16:creationId xmlns:a16="http://schemas.microsoft.com/office/drawing/2014/main" id="{CEE65BB6-CFD3-7948-933E-EBD1D87BDFF3}"/>
+              </a:ext>
+            </a:extLst>
+          </p:cNvPr>
+          <p:cNvSpPr/>
+          <p:nvPr/>
+        </p:nvSpPr>
+        <p:spPr>
+          <a:xfrm>
+            <a:off x="9937745" y="5038712"/>
+            <a:ext cx="973594" cy="564886"/>
+          </a:xfrm>
+          <a:prstGeom prst="rect">
+            <a:avLst/>
+          </a:prstGeom>
+        </p:spPr>
+        <p:style>
+          <a:lnRef idx="2">
+            <a:schemeClr val="accent4">
+              <a:shade val="50000"/>
+            </a:schemeClr>
+          </a:lnRef>
+          <a:fillRef idx="1">
+            <a:schemeClr val="accent4"/>
+          </a:fillRef>
+          <a:effectRef idx="0">
+            <a:schemeClr val="accent4"/>
+          </a:effectRef>
+          <a:fontRef idx="minor">
+            <a:schemeClr val="lt1"/>
+          </a:fontRef>
+        </p:style>
+        <p:txBody>
+          <a:bodyPr rtlCol="0" anchor="ctr"/>
+          <a:lstStyle/>
+          <a:p>
+            <a:pPr algn="ctr"/>
+            <a:r>
+              <a:rPr lang="en-US" sz="1200" b="1">
+                <a:solidFill>
+                  <a:schemeClr val="tx1"/>
+                </a:solidFill>
+              </a:rPr>
+              <a:t>Word Node State</a:t>
+            </a:r>
+          </a:p>
+        </p:txBody>
+      </p:sp>
+      <p:sp>
+        <p:nvSpPr>
+          <p:cNvPr id="35" name="Rectangle 34">
+            <a:extLst>
+              <a:ext uri="{FF2B5EF4-FFF2-40B4-BE49-F238E27FC236}">
+                <a16:creationId xmlns:a16="http://schemas.microsoft.com/office/drawing/2014/main" id="{75DA4D2A-83BD-AB40-B037-4DABB3945422}"/>
+              </a:ext>
+            </a:extLst>
+          </p:cNvPr>
+          <p:cNvSpPr/>
+          <p:nvPr/>
+        </p:nvSpPr>
+        <p:spPr>
+          <a:xfrm>
+            <a:off x="10911340" y="5037547"/>
+            <a:ext cx="732793" cy="564884"/>
+          </a:xfrm>
+          <a:prstGeom prst="rect">
+            <a:avLst/>
+          </a:prstGeom>
+        </p:spPr>
+        <p:style>
+          <a:lnRef idx="1">
+            <a:schemeClr val="accent6"/>
+          </a:lnRef>
+          <a:fillRef idx="2">
+            <a:schemeClr val="accent6"/>
+          </a:fillRef>
+          <a:effectRef idx="1">
+            <a:schemeClr val="accent6"/>
+          </a:effectRef>
+          <a:fontRef idx="minor">
+            <a:schemeClr val="dk1"/>
+          </a:fontRef>
+        </p:style>
+        <p:txBody>
+          <a:bodyPr rtlCol="0" anchor="ctr"/>
+          <a:lstStyle/>
+          <a:p>
+            <a:pPr algn="ctr"/>
+            <a:r>
+              <a:rPr lang="en-US" sz="1200" b="1"/>
+              <a:t>Sense </a:t>
+            </a:r>
+            <a:r>
+              <a:rPr lang="en-US" sz="1200" b="1">
+                <a:solidFill>
+                  <a:schemeClr val="tx1"/>
+                </a:solidFill>
+              </a:rPr>
+              <a:t>Node State</a:t>
+            </a:r>
+          </a:p>
+        </p:txBody>
+      </p:sp>
+      <p:sp>
+        <p:nvSpPr>
+          <p:cNvPr id="38" name="TextBox 37">
+            <a:extLst>
+              <a:ext uri="{FF2B5EF4-FFF2-40B4-BE49-F238E27FC236}">
+                <a16:creationId xmlns:a16="http://schemas.microsoft.com/office/drawing/2014/main" id="{61B43942-276C-6D46-8BD6-0F7B64E361B8}"/>
+              </a:ext>
+            </a:extLst>
+          </p:cNvPr>
+          <p:cNvSpPr txBox="1"/>
+          <p:nvPr/>
+        </p:nvSpPr>
+        <p:spPr>
+          <a:xfrm>
+            <a:off x="6877573" y="4826984"/>
+            <a:ext cx="1364765" cy="954107"/>
+          </a:xfrm>
+          <a:prstGeom prst="rect">
+            <a:avLst/>
+          </a:prstGeom>
+          <a:noFill/>
+        </p:spPr>
+        <p:txBody>
+          <a:bodyPr wrap="square" rtlCol="0">
+            <a:spAutoFit/>
+          </a:bodyPr>
+          <a:lstStyle/>
+          <a:p>
+            <a:r>
+              <a:rPr lang="en-US" sz="1400"/>
+              <a:t>Copy without gradient</a:t>
+            </a:r>
+            <a:br>
+              <a:rPr lang="en-US" sz="1400"/>
+            </a:br>
+            <a:r>
+              <a:rPr lang="en-US" sz="1400"/>
+              <a:t>(photo of the current context)</a:t>
+            </a:r>
+          </a:p>
+        </p:txBody>
+      </p:sp>
+      <p:sp>
+        <p:nvSpPr>
+          <p:cNvPr id="39" name="Rectangle 38">
+            <a:extLst>
+              <a:ext uri="{FF2B5EF4-FFF2-40B4-BE49-F238E27FC236}">
+                <a16:creationId xmlns:a16="http://schemas.microsoft.com/office/drawing/2014/main" id="{457E5AAA-6CCC-434B-95B5-DA10C85A4334}"/>
+              </a:ext>
+            </a:extLst>
+          </p:cNvPr>
+          <p:cNvSpPr/>
+          <p:nvPr/>
+        </p:nvSpPr>
+        <p:spPr>
+          <a:xfrm>
+            <a:off x="8134355" y="5050139"/>
+            <a:ext cx="896461" cy="552292"/>
+          </a:xfrm>
+          <a:prstGeom prst="rect">
+            <a:avLst/>
+          </a:prstGeom>
+          <a:solidFill>
+            <a:schemeClr val="accent5">
+              <a:lumMod val="40000"/>
+              <a:lumOff val="60000"/>
+            </a:schemeClr>
+          </a:solidFill>
+        </p:spPr>
+        <p:style>
+          <a:lnRef idx="2">
+            <a:schemeClr val="accent5">
+              <a:shade val="50000"/>
+            </a:schemeClr>
+          </a:lnRef>
+          <a:fillRef idx="1">
+            <a:schemeClr val="accent5"/>
+          </a:fillRef>
+          <a:effectRef idx="0">
+            <a:schemeClr val="accent5"/>
+          </a:effectRef>
+          <a:fontRef idx="minor">
+            <a:schemeClr val="lt1"/>
+          </a:fontRef>
+        </p:style>
+        <p:txBody>
+          <a:bodyPr rtlCol="0" anchor="ctr"/>
+          <a:lstStyle/>
+          <a:p>
+            <a:pPr algn="ctr"/>
+            <a:r>
+              <a:rPr lang="en-US" sz="1400">
+                <a:solidFill>
+                  <a:schemeClr val="tx1"/>
+                </a:solidFill>
+              </a:rPr>
+              <a:t>Encoding </a:t>
+            </a:r>
+            <a:br>
+              <a:rPr lang="en-US" sz="1400">
+                <a:solidFill>
+                  <a:schemeClr val="tx1"/>
+                </a:solidFill>
+              </a:rPr>
+            </a:br>
+            <a:r>
+              <a:rPr lang="en-US" sz="1400">
+                <a:solidFill>
+                  <a:schemeClr val="tx1"/>
+                </a:solidFill>
+              </a:rPr>
+              <a:t>(Hidden state 2)</a:t>
+            </a:r>
+            <a:endParaRPr lang="en-US" sz="1400" b="1">
+              <a:solidFill>
+                <a:schemeClr val="tx1"/>
+              </a:solidFill>
+            </a:endParaRPr>
+          </a:p>
+        </p:txBody>
+      </p:sp>
+      <p:sp>
+        <p:nvSpPr>
+          <p:cNvPr id="40" name="Diamond 39">
+            <a:extLst>
+              <a:ext uri="{FF2B5EF4-FFF2-40B4-BE49-F238E27FC236}">
+                <a16:creationId xmlns:a16="http://schemas.microsoft.com/office/drawing/2014/main" id="{811FA52D-6D28-F24F-8E62-DF24DACE56DD}"/>
+              </a:ext>
+            </a:extLst>
+          </p:cNvPr>
+          <p:cNvSpPr/>
+          <p:nvPr/>
+        </p:nvSpPr>
+        <p:spPr>
+          <a:xfrm>
+            <a:off x="8089148" y="6040185"/>
+            <a:ext cx="2423155" cy="835996"/>
+          </a:xfrm>
+          <a:prstGeom prst="diamond">
+            <a:avLst/>
+          </a:prstGeom>
+        </p:spPr>
+        <p:style>
+          <a:lnRef idx="2">
+            <a:schemeClr val="accent1">
+              <a:shade val="50000"/>
+            </a:schemeClr>
+          </a:lnRef>
+          <a:fillRef idx="1">
+            <a:schemeClr val="accent1"/>
+          </a:fillRef>
+          <a:effectRef idx="0">
+            <a:schemeClr val="accent1"/>
+          </a:effectRef>
+          <a:fontRef idx="minor">
+            <a:schemeClr val="lt1"/>
+          </a:fontRef>
+        </p:style>
+        <p:txBody>
+          <a:bodyPr wrap="none" lIns="36000" rIns="36000" rtlCol="0" anchor="ctr"/>
+          <a:lstStyle/>
+          <a:p>
+            <a:pPr algn="ctr"/>
+            <a:r>
+              <a:rPr lang="en-GB"/>
+              <a:t>FF-NN:</a:t>
+            </a:r>
+            <a:br>
+              <a:rPr lang="en-GB"/>
+            </a:br>
+            <a:r>
+              <a:rPr lang="en-GB"/>
+              <a:t>linear2senses</a:t>
+            </a:r>
+            <a:endParaRPr lang="en-US"/>
+          </a:p>
+        </p:txBody>
+      </p:sp>
+      <p:sp>
+        <p:nvSpPr>
+          <p:cNvPr id="41" name="Down Arrow 40">
+            <a:extLst>
+              <a:ext uri="{FF2B5EF4-FFF2-40B4-BE49-F238E27FC236}">
+                <a16:creationId xmlns:a16="http://schemas.microsoft.com/office/drawing/2014/main" id="{AB2C63ED-0E0E-1D4D-A763-A7BA067BFD03}"/>
+              </a:ext>
+            </a:extLst>
+          </p:cNvPr>
+          <p:cNvSpPr/>
+          <p:nvPr/>
+        </p:nvSpPr>
+        <p:spPr>
+          <a:xfrm>
+            <a:off x="9121318" y="5590408"/>
+            <a:ext cx="381964" cy="428262"/>
+          </a:xfrm>
+          <a:prstGeom prst="downArrow">
+            <a:avLst/>
+          </a:prstGeom>
+          <a:solidFill>
+            <a:schemeClr val="bg1"/>
+          </a:solidFill>
+        </p:spPr>
+        <p:style>
+          <a:lnRef idx="2">
+            <a:schemeClr val="accent1">
+              <a:shade val="50000"/>
+            </a:schemeClr>
+          </a:lnRef>
+          <a:fillRef idx="1">
+            <a:schemeClr val="accent1"/>
+          </a:fillRef>
+          <a:effectRef idx="0">
+            <a:schemeClr val="accent1"/>
+          </a:effectRef>
+          <a:fontRef idx="minor">
+            <a:schemeClr val="lt1"/>
+          </a:fontRef>
+        </p:style>
+        <p:txBody>
+          <a:bodyPr rtlCol="0" anchor="ctr"/>
+          <a:lstStyle/>
+          <a:p>
+            <a:pPr algn="ctr"/>
+            <a:endParaRPr lang="en-US"/>
+          </a:p>
+        </p:txBody>
+      </p:sp>
+      <p:sp>
+        <p:nvSpPr>
+          <p:cNvPr id="42" name="Down Arrow 41">
+            <a:extLst>
+              <a:ext uri="{FF2B5EF4-FFF2-40B4-BE49-F238E27FC236}">
+                <a16:creationId xmlns:a16="http://schemas.microsoft.com/office/drawing/2014/main" id="{66F620D5-822A-5248-8FB1-03CE9BBC3DC1}"/>
+              </a:ext>
+            </a:extLst>
+          </p:cNvPr>
+          <p:cNvSpPr/>
+          <p:nvPr/>
+        </p:nvSpPr>
+        <p:spPr>
+          <a:xfrm>
+            <a:off x="9121318" y="6876181"/>
+            <a:ext cx="381964" cy="428262"/>
+          </a:xfrm>
+          <a:prstGeom prst="downArrow">
+            <a:avLst/>
+          </a:prstGeom>
+          <a:solidFill>
+            <a:schemeClr val="bg1"/>
+          </a:solidFill>
+        </p:spPr>
+        <p:style>
+          <a:lnRef idx="2">
+            <a:schemeClr val="accent1">
+              <a:shade val="50000"/>
+            </a:schemeClr>
+          </a:lnRef>
+          <a:fillRef idx="1">
+            <a:schemeClr val="accent1"/>
+          </a:fillRef>
+          <a:effectRef idx="0">
+            <a:schemeClr val="accent1"/>
+          </a:effectRef>
+          <a:fontRef idx="minor">
+            <a:schemeClr val="lt1"/>
+          </a:fontRef>
+        </p:style>
+        <p:txBody>
+          <a:bodyPr rtlCol="0" anchor="ctr"/>
+          <a:lstStyle/>
+          <a:p>
+            <a:pPr algn="ctr"/>
+            <a:endParaRPr lang="en-US"/>
+          </a:p>
+        </p:txBody>
+      </p:sp>
+    </p:spTree>
+    <p:extLst>
+      <p:ext uri="{BB962C8B-B14F-4D97-AF65-F5344CB8AC3E}">
+        <p14:creationId xmlns:p14="http://schemas.microsoft.com/office/powerpoint/2010/main" val="1331181461"/>
+      </p:ext>
+    </p:extLst>
+  </p:cSld>
+  <p:clrMapOvr>
+    <a:masterClrMapping/>
+  </p:clrMapOvr>
+</p:sld>
+</file>
+
+<file path=ppt/slides/slide5.xml><?xml version="1.0" encoding="utf-8"?>
+<p:sld xmlns:a="http://schemas.openxmlformats.org/drawingml/2006/main" xmlns:r="http://schemas.openxmlformats.org/officeDocument/2006/relationships" xmlns:p="http://schemas.openxmlformats.org/presentationml/2006/main">
+  <p:cSld>
+    <p:spTree>
+      <p:nvGrpSpPr>
+        <p:cNvPr id="1" name=""/>
+        <p:cNvGrpSpPr/>
+        <p:nvPr/>
+      </p:nvGrpSpPr>
+      <p:grpSpPr>
+        <a:xfrm>
+          <a:off x="0" y="0"/>
+          <a:ext cx="0" cy="0"/>
+          <a:chOff x="0" y="0"/>
+          <a:chExt cx="0" cy="0"/>
+        </a:xfrm>
+      </p:grpSpPr>
+      <p:sp>
+        <p:nvSpPr>
           <p:cNvPr id="4" name="Down Arrow 3">
             <a:extLst>
               <a:ext uri="{FF2B5EF4-FFF2-40B4-BE49-F238E27FC236}">
@@ -10407,7 +12157,7 @@
 </p:sld>
 </file>
 
-<file path=ppt/slides/slide5.xml><?xml version="1.0" encoding="utf-8"?>
+<file path=ppt/slides/slide6.xml><?xml version="1.0" encoding="utf-8"?>
 <p:sld xmlns:a="http://schemas.openxmlformats.org/drawingml/2006/main" xmlns:r="http://schemas.openxmlformats.org/officeDocument/2006/relationships" xmlns:p="http://schemas.openxmlformats.org/presentationml/2006/main">
   <p:cSld>
     <p:spTree>

--- a/Media/SenseArchitecture.pptx
+++ b/Media/SenseArchitecture.pptx
@@ -6,11 +6,12 @@
   </p:sldMasterIdLst>
   <p:sldIdLst>
     <p:sldId id="257" r:id="rId2"/>
-    <p:sldId id="262" r:id="rId3"/>
-    <p:sldId id="261" r:id="rId4"/>
-    <p:sldId id="258" r:id="rId5"/>
-    <p:sldId id="260" r:id="rId6"/>
-    <p:sldId id="259" r:id="rId7"/>
+    <p:sldId id="263" r:id="rId3"/>
+    <p:sldId id="262" r:id="rId4"/>
+    <p:sldId id="261" r:id="rId5"/>
+    <p:sldId id="258" r:id="rId6"/>
+    <p:sldId id="260" r:id="rId7"/>
+    <p:sldId id="259" r:id="rId8"/>
   </p:sldIdLst>
   <p:sldSz cx="12192000" cy="13716000"/>
   <p:notesSz cx="6858000" cy="9144000"/>
@@ -247,7 +248,7 @@
           <a:lstStyle/>
           <a:p>
             <a:fld id="{803220A4-8895-6D46-A558-2CE2469121C7}" type="datetimeFigureOut">
-              <a:t>04.09.2020</a:t>
+              <a:t>18/11/2020</a:t>
             </a:fld>
             <a:endParaRPr lang="en-US"/>
           </a:p>
@@ -416,7 +417,7 @@
           <a:lstStyle/>
           <a:p>
             <a:fld id="{803220A4-8895-6D46-A558-2CE2469121C7}" type="datetimeFigureOut">
-              <a:t>04.09.2020</a:t>
+              <a:t>18/11/2020</a:t>
             </a:fld>
             <a:endParaRPr lang="en-US"/>
           </a:p>
@@ -595,7 +596,7 @@
           <a:lstStyle/>
           <a:p>
             <a:fld id="{803220A4-8895-6D46-A558-2CE2469121C7}" type="datetimeFigureOut">
-              <a:t>04.09.2020</a:t>
+              <a:t>18/11/2020</a:t>
             </a:fld>
             <a:endParaRPr lang="en-US"/>
           </a:p>
@@ -764,7 +765,7 @@
           <a:lstStyle/>
           <a:p>
             <a:fld id="{803220A4-8895-6D46-A558-2CE2469121C7}" type="datetimeFigureOut">
-              <a:t>04.09.2020</a:t>
+              <a:t>18/11/2020</a:t>
             </a:fld>
             <a:endParaRPr lang="en-US"/>
           </a:p>
@@ -1007,7 +1008,7 @@
           <a:lstStyle/>
           <a:p>
             <a:fld id="{803220A4-8895-6D46-A558-2CE2469121C7}" type="datetimeFigureOut">
-              <a:t>04.09.2020</a:t>
+              <a:t>18/11/2020</a:t>
             </a:fld>
             <a:endParaRPr lang="en-US"/>
           </a:p>
@@ -1238,7 +1239,7 @@
           <a:lstStyle/>
           <a:p>
             <a:fld id="{803220A4-8895-6D46-A558-2CE2469121C7}" type="datetimeFigureOut">
-              <a:t>04.09.2020</a:t>
+              <a:t>18/11/2020</a:t>
             </a:fld>
             <a:endParaRPr lang="en-US"/>
           </a:p>
@@ -1604,7 +1605,7 @@
           <a:lstStyle/>
           <a:p>
             <a:fld id="{803220A4-8895-6D46-A558-2CE2469121C7}" type="datetimeFigureOut">
-              <a:t>04.09.2020</a:t>
+              <a:t>18/11/2020</a:t>
             </a:fld>
             <a:endParaRPr lang="en-US"/>
           </a:p>
@@ -1721,7 +1722,7 @@
           <a:lstStyle/>
           <a:p>
             <a:fld id="{803220A4-8895-6D46-A558-2CE2469121C7}" type="datetimeFigureOut">
-              <a:t>04.09.2020</a:t>
+              <a:t>18/11/2020</a:t>
             </a:fld>
             <a:endParaRPr lang="en-US"/>
           </a:p>
@@ -1815,7 +1816,7 @@
           <a:lstStyle/>
           <a:p>
             <a:fld id="{803220A4-8895-6D46-A558-2CE2469121C7}" type="datetimeFigureOut">
-              <a:t>04.09.2020</a:t>
+              <a:t>18/11/2020</a:t>
             </a:fld>
             <a:endParaRPr lang="en-US"/>
           </a:p>
@@ -2091,7 +2092,7 @@
           <a:lstStyle/>
           <a:p>
             <a:fld id="{803220A4-8895-6D46-A558-2CE2469121C7}" type="datetimeFigureOut">
-              <a:t>04.09.2020</a:t>
+              <a:t>18/11/2020</a:t>
             </a:fld>
             <a:endParaRPr lang="en-US"/>
           </a:p>
@@ -2347,7 +2348,7 @@
           <a:lstStyle/>
           <a:p>
             <a:fld id="{803220A4-8895-6D46-A558-2CE2469121C7}" type="datetimeFigureOut">
-              <a:t>04.09.2020</a:t>
+              <a:t>18/11/2020</a:t>
             </a:fld>
             <a:endParaRPr lang="en-US"/>
           </a:p>
@@ -2559,7 +2560,7 @@
           </a:lstStyle>
           <a:p>
             <a:fld id="{803220A4-8895-6D46-A558-2CE2469121C7}" type="datetimeFigureOut">
-              <a:t>04.09.2020</a:t>
+              <a:t>18/11/2020</a:t>
             </a:fld>
             <a:endParaRPr lang="en-US"/>
           </a:p>
@@ -6929,30 +6930,631 @@
           <a:chExt cx="0" cy="0"/>
         </a:xfrm>
       </p:grpSpPr>
-      <p:sp>
-        <p:nvSpPr>
-          <p:cNvPr id="42" name="Down Arrow 41">
-            <a:extLst>
-              <a:ext uri="{FF2B5EF4-FFF2-40B4-BE49-F238E27FC236}">
-                <a16:creationId xmlns:a16="http://schemas.microsoft.com/office/drawing/2014/main" id="{BAAA1F9F-2859-0C46-BA4D-E8A13AC51CA0}"/>
-              </a:ext>
-            </a:extLst>
-          </p:cNvPr>
-          <p:cNvSpPr/>
-          <p:nvPr/>
-        </p:nvSpPr>
-        <p:spPr>
-          <a:xfrm rot="20028264">
-            <a:off x="3899185" y="3133669"/>
-            <a:ext cx="277323" cy="1327083"/>
-          </a:xfrm>
-          <a:prstGeom prst="downArrow">
+      <p:cxnSp>
+        <p:nvCxnSpPr>
+          <p:cNvPr id="212" name="Straight Arrow Connector 211">
+            <a:extLst>
+              <a:ext uri="{FF2B5EF4-FFF2-40B4-BE49-F238E27FC236}">
+                <a16:creationId xmlns:a16="http://schemas.microsoft.com/office/drawing/2014/main" id="{EB7C526E-7330-46B6-9858-A5CB994A4F8A}"/>
+              </a:ext>
+            </a:extLst>
+          </p:cNvPr>
+          <p:cNvCxnSpPr>
+            <a:cxnSpLocks/>
+          </p:cNvCxnSpPr>
+          <p:nvPr/>
+        </p:nvCxnSpPr>
+        <p:spPr>
+          <a:xfrm>
+            <a:off x="4849150" y="9858568"/>
+            <a:ext cx="1" cy="305122"/>
+          </a:xfrm>
+          <a:prstGeom prst="straightConnector1">
+            <a:avLst/>
+          </a:prstGeom>
+          <a:ln w="28575" cap="rnd">
+            <a:solidFill>
+              <a:schemeClr val="tx1"/>
+            </a:solidFill>
+            <a:round/>
+            <a:tailEnd type="triangle" w="lg" len="lg"/>
+          </a:ln>
+        </p:spPr>
+        <p:style>
+          <a:lnRef idx="1">
+            <a:schemeClr val="accent1"/>
+          </a:lnRef>
+          <a:fillRef idx="0">
+            <a:schemeClr val="accent1"/>
+          </a:fillRef>
+          <a:effectRef idx="0">
+            <a:schemeClr val="accent1"/>
+          </a:effectRef>
+          <a:fontRef idx="minor">
+            <a:schemeClr val="tx1"/>
+          </a:fontRef>
+        </p:style>
+      </p:cxnSp>
+      <p:cxnSp>
+        <p:nvCxnSpPr>
+          <p:cNvPr id="214" name="Straight Arrow Connector 213">
+            <a:extLst>
+              <a:ext uri="{FF2B5EF4-FFF2-40B4-BE49-F238E27FC236}">
+                <a16:creationId xmlns:a16="http://schemas.microsoft.com/office/drawing/2014/main" id="{816D991D-C162-40B0-A3D1-E537127702EF}"/>
+              </a:ext>
+            </a:extLst>
+          </p:cNvPr>
+          <p:cNvCxnSpPr>
+            <a:cxnSpLocks/>
+          </p:cNvCxnSpPr>
+          <p:nvPr/>
+        </p:nvCxnSpPr>
+        <p:spPr>
+          <a:xfrm>
+            <a:off x="4840200" y="10784240"/>
+            <a:ext cx="1" cy="305122"/>
+          </a:xfrm>
+          <a:prstGeom prst="straightConnector1">
+            <a:avLst/>
+          </a:prstGeom>
+          <a:ln w="28575" cap="rnd">
+            <a:solidFill>
+              <a:schemeClr val="tx1"/>
+            </a:solidFill>
+            <a:round/>
+            <a:tailEnd type="triangle" w="lg" len="lg"/>
+          </a:ln>
+        </p:spPr>
+        <p:style>
+          <a:lnRef idx="1">
+            <a:schemeClr val="accent1"/>
+          </a:lnRef>
+          <a:fillRef idx="0">
+            <a:schemeClr val="accent1"/>
+          </a:fillRef>
+          <a:effectRef idx="0">
+            <a:schemeClr val="accent1"/>
+          </a:effectRef>
+          <a:fontRef idx="minor">
+            <a:schemeClr val="tx1"/>
+          </a:fontRef>
+        </p:style>
+      </p:cxnSp>
+      <p:cxnSp>
+        <p:nvCxnSpPr>
+          <p:cNvPr id="216" name="Straight Arrow Connector 215">
+            <a:extLst>
+              <a:ext uri="{FF2B5EF4-FFF2-40B4-BE49-F238E27FC236}">
+                <a16:creationId xmlns:a16="http://schemas.microsoft.com/office/drawing/2014/main" id="{75BCDC57-9091-4AF1-80BD-E8B8218407B6}"/>
+              </a:ext>
+            </a:extLst>
+          </p:cNvPr>
+          <p:cNvCxnSpPr>
+            <a:cxnSpLocks/>
+          </p:cNvCxnSpPr>
+          <p:nvPr/>
+        </p:nvCxnSpPr>
+        <p:spPr>
+          <a:xfrm>
+            <a:off x="7351800" y="10784240"/>
+            <a:ext cx="1" cy="305122"/>
+          </a:xfrm>
+          <a:prstGeom prst="straightConnector1">
+            <a:avLst/>
+          </a:prstGeom>
+          <a:ln w="28575" cap="rnd">
+            <a:solidFill>
+              <a:schemeClr val="tx1"/>
+            </a:solidFill>
+            <a:round/>
+            <a:tailEnd type="triangle" w="lg" len="lg"/>
+          </a:ln>
+        </p:spPr>
+        <p:style>
+          <a:lnRef idx="1">
+            <a:schemeClr val="accent1"/>
+          </a:lnRef>
+          <a:fillRef idx="0">
+            <a:schemeClr val="accent1"/>
+          </a:fillRef>
+          <a:effectRef idx="0">
+            <a:schemeClr val="accent1"/>
+          </a:effectRef>
+          <a:fontRef idx="minor">
+            <a:schemeClr val="tx1"/>
+          </a:fontRef>
+        </p:style>
+      </p:cxnSp>
+      <p:cxnSp>
+        <p:nvCxnSpPr>
+          <p:cNvPr id="219" name="Straight Arrow Connector 218">
+            <a:extLst>
+              <a:ext uri="{FF2B5EF4-FFF2-40B4-BE49-F238E27FC236}">
+                <a16:creationId xmlns:a16="http://schemas.microsoft.com/office/drawing/2014/main" id="{1DF416B5-08A9-48F5-9855-45B975FFC429}"/>
+              </a:ext>
+            </a:extLst>
+          </p:cNvPr>
+          <p:cNvCxnSpPr>
+            <a:cxnSpLocks/>
+          </p:cNvCxnSpPr>
+          <p:nvPr/>
+        </p:nvCxnSpPr>
+        <p:spPr>
+          <a:xfrm>
+            <a:off x="7348131" y="9865153"/>
+            <a:ext cx="1" cy="305122"/>
+          </a:xfrm>
+          <a:prstGeom prst="straightConnector1">
+            <a:avLst/>
+          </a:prstGeom>
+          <a:ln w="28575" cap="rnd">
+            <a:solidFill>
+              <a:schemeClr val="tx1"/>
+            </a:solidFill>
+            <a:round/>
+            <a:tailEnd type="triangle" w="lg" len="lg"/>
+          </a:ln>
+        </p:spPr>
+        <p:style>
+          <a:lnRef idx="1">
+            <a:schemeClr val="accent1"/>
+          </a:lnRef>
+          <a:fillRef idx="0">
+            <a:schemeClr val="accent1"/>
+          </a:fillRef>
+          <a:effectRef idx="0">
+            <a:schemeClr val="accent1"/>
+          </a:effectRef>
+          <a:fontRef idx="minor">
+            <a:schemeClr val="tx1"/>
+          </a:fontRef>
+        </p:style>
+      </p:cxnSp>
+      <p:cxnSp>
+        <p:nvCxnSpPr>
+          <p:cNvPr id="186" name="Straight Arrow Connector 185">
+            <a:extLst>
+              <a:ext uri="{FF2B5EF4-FFF2-40B4-BE49-F238E27FC236}">
+                <a16:creationId xmlns:a16="http://schemas.microsoft.com/office/drawing/2014/main" id="{7B1D0A32-48B6-4C95-BDDE-D3A5CCAA7AAE}"/>
+              </a:ext>
+            </a:extLst>
+          </p:cNvPr>
+          <p:cNvCxnSpPr>
+            <a:cxnSpLocks/>
+            <a:endCxn id="22" idx="0"/>
+          </p:cNvCxnSpPr>
+          <p:nvPr/>
+        </p:nvCxnSpPr>
+        <p:spPr>
+          <a:xfrm>
+            <a:off x="5069489" y="5102410"/>
+            <a:ext cx="1" cy="470797"/>
+          </a:xfrm>
+          <a:prstGeom prst="straightConnector1">
+            <a:avLst/>
+          </a:prstGeom>
+          <a:ln w="28575" cap="rnd">
+            <a:solidFill>
+              <a:schemeClr val="tx1"/>
+            </a:solidFill>
+            <a:round/>
+            <a:tailEnd type="triangle" w="lg" len="lg"/>
+          </a:ln>
+        </p:spPr>
+        <p:style>
+          <a:lnRef idx="1">
+            <a:schemeClr val="accent1"/>
+          </a:lnRef>
+          <a:fillRef idx="0">
+            <a:schemeClr val="accent1"/>
+          </a:fillRef>
+          <a:effectRef idx="0">
+            <a:schemeClr val="accent1"/>
+          </a:effectRef>
+          <a:fontRef idx="minor">
+            <a:schemeClr val="tx1"/>
+          </a:fontRef>
+        </p:style>
+      </p:cxnSp>
+      <p:cxnSp>
+        <p:nvCxnSpPr>
+          <p:cNvPr id="74" name="Straight Arrow Connector 73">
+            <a:extLst>
+              <a:ext uri="{FF2B5EF4-FFF2-40B4-BE49-F238E27FC236}">
+                <a16:creationId xmlns:a16="http://schemas.microsoft.com/office/drawing/2014/main" id="{58DA87E6-6AAB-4C6D-8BD7-5ADE014753DC}"/>
+              </a:ext>
+            </a:extLst>
+          </p:cNvPr>
+          <p:cNvCxnSpPr>
+            <a:cxnSpLocks/>
+          </p:cNvCxnSpPr>
+          <p:nvPr/>
+        </p:nvCxnSpPr>
+        <p:spPr>
+          <a:xfrm>
+            <a:off x="7091538" y="4681611"/>
+            <a:ext cx="0" cy="897386"/>
+          </a:xfrm>
+          <a:prstGeom prst="straightConnector1">
+            <a:avLst/>
+          </a:prstGeom>
+          <a:ln w="28575" cap="rnd">
+            <a:solidFill>
+              <a:schemeClr val="tx1"/>
+            </a:solidFill>
+            <a:round/>
+            <a:tailEnd type="triangle" w="lg" len="lg"/>
+          </a:ln>
+        </p:spPr>
+        <p:style>
+          <a:lnRef idx="1">
+            <a:schemeClr val="accent1"/>
+          </a:lnRef>
+          <a:fillRef idx="0">
+            <a:schemeClr val="accent1"/>
+          </a:fillRef>
+          <a:effectRef idx="0">
+            <a:schemeClr val="accent1"/>
+          </a:effectRef>
+          <a:fontRef idx="minor">
+            <a:schemeClr val="tx1"/>
+          </a:fontRef>
+        </p:style>
+      </p:cxnSp>
+      <p:sp>
+        <p:nvSpPr>
+          <p:cNvPr id="96" name="Rectangle 95">
+            <a:extLst>
+              <a:ext uri="{FF2B5EF4-FFF2-40B4-BE49-F238E27FC236}">
+                <a16:creationId xmlns:a16="http://schemas.microsoft.com/office/drawing/2014/main" id="{8A94CFEB-FC92-364F-99C0-4829BD8C0DAA}"/>
+              </a:ext>
+            </a:extLst>
+          </p:cNvPr>
+          <p:cNvSpPr/>
+          <p:nvPr/>
+        </p:nvSpPr>
+        <p:spPr>
+          <a:xfrm>
+            <a:off x="3881213" y="11089362"/>
+            <a:ext cx="1987475" cy="755561"/>
+          </a:xfrm>
+          <a:prstGeom prst="rect">
             <a:avLst/>
           </a:prstGeom>
           <a:solidFill>
             <a:schemeClr val="bg1"/>
           </a:solidFill>
-          <a:ln w="25400"/>
+          <a:ln w="19050"/>
+        </p:spPr>
+        <p:style>
+          <a:lnRef idx="2">
+            <a:schemeClr val="accent5">
+              <a:shade val="50000"/>
+            </a:schemeClr>
+          </a:lnRef>
+          <a:fillRef idx="1">
+            <a:schemeClr val="accent5"/>
+          </a:fillRef>
+          <a:effectRef idx="0">
+            <a:schemeClr val="accent5"/>
+          </a:effectRef>
+          <a:fontRef idx="minor">
+            <a:schemeClr val="lt1"/>
+          </a:fontRef>
+        </p:style>
+        <p:txBody>
+          <a:bodyPr rtlCol="0" anchor="ctr"/>
+          <a:lstStyle/>
+          <a:p>
+            <a:pPr marL="0" marR="0" lvl="0" indent="0" algn="ctr" defTabSz="457200" rtl="0" eaLnBrk="1" fontAlgn="auto" latinLnBrk="0" hangingPunct="1">
+              <a:lnSpc>
+                <a:spcPct val="100000"/>
+              </a:lnSpc>
+              <a:spcBef>
+                <a:spcPts val="0"/>
+              </a:spcBef>
+              <a:spcAft>
+                <a:spcPts val="0"/>
+              </a:spcAft>
+              <a:buClrTx/>
+              <a:buSzTx/>
+              <a:buFontTx/>
+              <a:buNone/>
+              <a:tabLst/>
+              <a:defRPr/>
+            </a:pPr>
+            <a:r>
+              <a:rPr kumimoji="0" lang="en-US" sz="1600" b="1" i="0" u="none" strike="noStrike" kern="1200" cap="none" spc="0" normalizeH="0" baseline="0" noProof="0" dirty="0">
+                <a:ln>
+                  <a:noFill/>
+                </a:ln>
+                <a:solidFill>
+                  <a:prstClr val="black"/>
+                </a:solidFill>
+                <a:effectLst/>
+                <a:uLnTx/>
+                <a:uFillTx/>
+                <a:latin typeface="Calibri" panose="020F0502020204030204"/>
+                <a:ea typeface="+mn-ea"/>
+                <a:cs typeface="+mn-cs"/>
+              </a:rPr>
+              <a:t>Predicted probabilities – next word</a:t>
+            </a:r>
+          </a:p>
+        </p:txBody>
+      </p:sp>
+      <p:sp>
+        <p:nvSpPr>
+          <p:cNvPr id="13" name="Rectangle 12">
+            <a:extLst>
+              <a:ext uri="{FF2B5EF4-FFF2-40B4-BE49-F238E27FC236}">
+                <a16:creationId xmlns:a16="http://schemas.microsoft.com/office/drawing/2014/main" id="{E4E21549-377A-46C1-A3BE-EA1CEA754AB0}"/>
+              </a:ext>
+            </a:extLst>
+          </p:cNvPr>
+          <p:cNvSpPr/>
+          <p:nvPr/>
+        </p:nvSpPr>
+        <p:spPr>
+          <a:xfrm>
+            <a:off x="6352760" y="9456214"/>
+            <a:ext cx="1987475" cy="530651"/>
+          </a:xfrm>
+          <a:prstGeom prst="rect">
+            <a:avLst/>
+          </a:prstGeom>
+          <a:solidFill>
+            <a:schemeClr val="bg1"/>
+          </a:solidFill>
+        </p:spPr>
+        <p:style>
+          <a:lnRef idx="2">
+            <a:schemeClr val="accent5">
+              <a:shade val="50000"/>
+            </a:schemeClr>
+          </a:lnRef>
+          <a:fillRef idx="1">
+            <a:schemeClr val="accent5"/>
+          </a:fillRef>
+          <a:effectRef idx="0">
+            <a:schemeClr val="accent5"/>
+          </a:effectRef>
+          <a:fontRef idx="minor">
+            <a:schemeClr val="lt1"/>
+          </a:fontRef>
+        </p:style>
+        <p:txBody>
+          <a:bodyPr rtlCol="0" anchor="ctr"/>
+          <a:lstStyle/>
+          <a:p>
+            <a:pPr marL="0" marR="0" lvl="0" indent="0" algn="ctr" defTabSz="457200" rtl="0" eaLnBrk="1" fontAlgn="auto" latinLnBrk="0" hangingPunct="1">
+              <a:lnSpc>
+                <a:spcPct val="100000"/>
+              </a:lnSpc>
+              <a:spcBef>
+                <a:spcPts val="0"/>
+              </a:spcBef>
+              <a:spcAft>
+                <a:spcPts val="0"/>
+              </a:spcAft>
+              <a:buClrTx/>
+              <a:buSzTx/>
+              <a:buFontTx/>
+              <a:buNone/>
+              <a:tabLst/>
+              <a:defRPr/>
+            </a:pPr>
+            <a:r>
+              <a:rPr kumimoji="0" lang="en-US" sz="1600" b="1" i="0" u="none" strike="noStrike" kern="1200" cap="none" spc="0" normalizeH="0" baseline="0" noProof="0" dirty="0">
+                <a:ln>
+                  <a:noFill/>
+                </a:ln>
+                <a:solidFill>
+                  <a:prstClr val="black"/>
+                </a:solidFill>
+                <a:effectLst/>
+                <a:uLnTx/>
+                <a:uFillTx/>
+                <a:latin typeface="Calibri" panose="020F0502020204030204"/>
+                <a:ea typeface="+mn-ea"/>
+                <a:cs typeface="+mn-cs"/>
+              </a:rPr>
+              <a:t>Logits</a:t>
+            </a:r>
+          </a:p>
+        </p:txBody>
+      </p:sp>
+      <p:sp>
+        <p:nvSpPr>
+          <p:cNvPr id="14" name="Oval 13">
+            <a:extLst>
+              <a:ext uri="{FF2B5EF4-FFF2-40B4-BE49-F238E27FC236}">
+                <a16:creationId xmlns:a16="http://schemas.microsoft.com/office/drawing/2014/main" id="{D5EA7C07-5500-44AC-B509-4180785328DE}"/>
+              </a:ext>
+            </a:extLst>
+          </p:cNvPr>
+          <p:cNvSpPr/>
+          <p:nvPr/>
+        </p:nvSpPr>
+        <p:spPr>
+          <a:xfrm>
+            <a:off x="6970320" y="10158700"/>
+            <a:ext cx="752354" cy="755561"/>
+          </a:xfrm>
+          <a:prstGeom prst="ellipse">
+            <a:avLst/>
+          </a:prstGeom>
+        </p:spPr>
+        <p:style>
+          <a:lnRef idx="1">
+            <a:schemeClr val="accent3"/>
+          </a:lnRef>
+          <a:fillRef idx="2">
+            <a:schemeClr val="accent3"/>
+          </a:fillRef>
+          <a:effectRef idx="1">
+            <a:schemeClr val="accent3"/>
+          </a:effectRef>
+          <a:fontRef idx="minor">
+            <a:schemeClr val="dk1"/>
+          </a:fontRef>
+        </p:style>
+        <p:txBody>
+          <a:bodyPr wrap="none" rtlCol="0" anchor="ctr"/>
+          <a:lstStyle/>
+          <a:p>
+            <a:pPr marL="0" marR="0" lvl="0" indent="0" algn="ctr" defTabSz="457200" rtl="0" eaLnBrk="1" fontAlgn="auto" latinLnBrk="0" hangingPunct="1">
+              <a:lnSpc>
+                <a:spcPct val="100000"/>
+              </a:lnSpc>
+              <a:spcBef>
+                <a:spcPts val="0"/>
+              </a:spcBef>
+              <a:spcAft>
+                <a:spcPts val="0"/>
+              </a:spcAft>
+              <a:buClrTx/>
+              <a:buSzTx/>
+              <a:buFontTx/>
+              <a:buNone/>
+              <a:tabLst/>
+              <a:defRPr/>
+            </a:pPr>
+            <a:r>
+              <a:rPr kumimoji="0" lang="en-US" sz="1600" b="1" i="0" u="none" strike="noStrike" kern="1200" cap="none" spc="0" normalizeH="0" baseline="0" noProof="0" dirty="0" err="1">
+                <a:ln>
+                  <a:noFill/>
+                </a:ln>
+                <a:solidFill>
+                  <a:prstClr val="black"/>
+                </a:solidFill>
+                <a:effectLst/>
+                <a:uLnTx/>
+                <a:uFillTx/>
+                <a:latin typeface="Calibri" panose="020F0502020204030204"/>
+                <a:ea typeface="+mn-ea"/>
+                <a:cs typeface="+mn-cs"/>
+              </a:rPr>
+              <a:t>Softmax</a:t>
+            </a:r>
+            <a:endParaRPr kumimoji="0" lang="en-US" sz="1800" b="1" i="0" u="none" strike="noStrike" kern="1200" cap="none" spc="0" normalizeH="0" baseline="0" noProof="0" dirty="0">
+              <a:ln>
+                <a:noFill/>
+              </a:ln>
+              <a:solidFill>
+                <a:prstClr val="black"/>
+              </a:solidFill>
+              <a:effectLst/>
+              <a:uLnTx/>
+              <a:uFillTx/>
+              <a:latin typeface="Calibri" panose="020F0502020204030204"/>
+              <a:ea typeface="+mn-ea"/>
+              <a:cs typeface="+mn-cs"/>
+            </a:endParaRPr>
+          </a:p>
+        </p:txBody>
+      </p:sp>
+      <p:sp>
+        <p:nvSpPr>
+          <p:cNvPr id="17" name="Rectangle 16">
+            <a:extLst>
+              <a:ext uri="{FF2B5EF4-FFF2-40B4-BE49-F238E27FC236}">
+                <a16:creationId xmlns:a16="http://schemas.microsoft.com/office/drawing/2014/main" id="{867FFF97-BD1D-426B-883D-C04CA685A9E9}"/>
+              </a:ext>
+            </a:extLst>
+          </p:cNvPr>
+          <p:cNvSpPr/>
+          <p:nvPr/>
+        </p:nvSpPr>
+        <p:spPr>
+          <a:xfrm>
+            <a:off x="6323313" y="11089362"/>
+            <a:ext cx="1987475" cy="755561"/>
+          </a:xfrm>
+          <a:prstGeom prst="rect">
+            <a:avLst/>
+          </a:prstGeom>
+          <a:solidFill>
+            <a:schemeClr val="bg1"/>
+          </a:solidFill>
+        </p:spPr>
+        <p:style>
+          <a:lnRef idx="2">
+            <a:schemeClr val="accent5">
+              <a:shade val="50000"/>
+            </a:schemeClr>
+          </a:lnRef>
+          <a:fillRef idx="1">
+            <a:schemeClr val="accent5"/>
+          </a:fillRef>
+          <a:effectRef idx="0">
+            <a:schemeClr val="accent5"/>
+          </a:effectRef>
+          <a:fontRef idx="minor">
+            <a:schemeClr val="lt1"/>
+          </a:fontRef>
+        </p:style>
+        <p:txBody>
+          <a:bodyPr rtlCol="0" anchor="ctr"/>
+          <a:lstStyle/>
+          <a:p>
+            <a:pPr marL="0" marR="0" lvl="0" indent="0" algn="ctr" defTabSz="457200" rtl="0" eaLnBrk="1" fontAlgn="auto" latinLnBrk="0" hangingPunct="1">
+              <a:lnSpc>
+                <a:spcPct val="100000"/>
+              </a:lnSpc>
+              <a:spcBef>
+                <a:spcPts val="0"/>
+              </a:spcBef>
+              <a:spcAft>
+                <a:spcPts val="0"/>
+              </a:spcAft>
+              <a:buClrTx/>
+              <a:buSzTx/>
+              <a:buFontTx/>
+              <a:buNone/>
+              <a:tabLst/>
+              <a:defRPr/>
+            </a:pPr>
+            <a:r>
+              <a:rPr kumimoji="0" lang="en-US" sz="1600" b="1" i="0" u="none" strike="noStrike" kern="1200" cap="none" spc="0" normalizeH="0" baseline="0" noProof="0" dirty="0">
+                <a:ln>
+                  <a:noFill/>
+                </a:ln>
+                <a:solidFill>
+                  <a:prstClr val="black"/>
+                </a:solidFill>
+                <a:effectLst/>
+                <a:uLnTx/>
+                <a:uFillTx/>
+                <a:latin typeface="Calibri" panose="020F0502020204030204"/>
+                <a:ea typeface="+mn-ea"/>
+                <a:cs typeface="+mn-cs"/>
+              </a:rPr>
+              <a:t>Predicted probabilities – next sense</a:t>
+            </a:r>
+          </a:p>
+        </p:txBody>
+      </p:sp>
+      <p:sp>
+        <p:nvSpPr>
+          <p:cNvPr id="18" name="Diamond 17">
+            <a:extLst>
+              <a:ext uri="{FF2B5EF4-FFF2-40B4-BE49-F238E27FC236}">
+                <a16:creationId xmlns:a16="http://schemas.microsoft.com/office/drawing/2014/main" id="{27218D31-3D9B-454C-9A4A-6143C0E74C62}"/>
+              </a:ext>
+            </a:extLst>
+          </p:cNvPr>
+          <p:cNvSpPr/>
+          <p:nvPr/>
+        </p:nvSpPr>
+        <p:spPr>
+          <a:xfrm>
+            <a:off x="6322826" y="7054155"/>
+            <a:ext cx="1980000" cy="900000"/>
+          </a:xfrm>
+          <a:prstGeom prst="diamond">
+            <a:avLst/>
+          </a:prstGeom>
         </p:spPr>
         <p:style>
           <a:lnRef idx="2">
@@ -6971,38 +7573,89 @@
           </a:fontRef>
         </p:style>
         <p:txBody>
-          <a:bodyPr rtlCol="0" anchor="ctr"/>
-          <a:lstStyle/>
-          <a:p>
-            <a:pPr algn="ctr"/>
-            <a:endParaRPr lang="en-US"/>
-          </a:p>
-        </p:txBody>
-      </p:sp>
-      <p:sp>
-        <p:nvSpPr>
-          <p:cNvPr id="109" name="Down Arrow 108">
-            <a:extLst>
-              <a:ext uri="{FF2B5EF4-FFF2-40B4-BE49-F238E27FC236}">
-                <a16:creationId xmlns:a16="http://schemas.microsoft.com/office/drawing/2014/main" id="{D1C86BE8-AB9F-3041-B936-F28916657186}"/>
-              </a:ext>
-            </a:extLst>
-          </p:cNvPr>
-          <p:cNvSpPr/>
-          <p:nvPr/>
-        </p:nvSpPr>
-        <p:spPr>
-          <a:xfrm>
-            <a:off x="6759863" y="3718335"/>
-            <a:ext cx="277323" cy="693159"/>
-          </a:xfrm>
-          <a:prstGeom prst="downArrow">
-            <a:avLst/>
-          </a:prstGeom>
-          <a:solidFill>
-            <a:schemeClr val="bg1"/>
-          </a:solidFill>
-          <a:ln w="25400"/>
+          <a:bodyPr wrap="none" lIns="36000" rIns="36000" rtlCol="0" anchor="ctr"/>
+          <a:lstStyle/>
+          <a:p>
+            <a:pPr marL="0" marR="0" lvl="0" indent="0" algn="ctr" defTabSz="457200" rtl="0" eaLnBrk="1" fontAlgn="auto" latinLnBrk="0" hangingPunct="1">
+              <a:lnSpc>
+                <a:spcPct val="100000"/>
+              </a:lnSpc>
+              <a:spcBef>
+                <a:spcPts val="0"/>
+              </a:spcBef>
+              <a:spcAft>
+                <a:spcPts val="0"/>
+              </a:spcAft>
+              <a:buClrTx/>
+              <a:buSzTx/>
+              <a:buFontTx/>
+              <a:buNone/>
+              <a:tabLst/>
+              <a:defRPr/>
+            </a:pPr>
+            <a:r>
+              <a:rPr lang="en-GB" b="1" dirty="0">
+                <a:solidFill>
+                  <a:prstClr val="white"/>
+                </a:solidFill>
+                <a:latin typeface="Calibri" panose="020F0502020204030204"/>
+              </a:rPr>
+              <a:t>3</a:t>
+            </a:r>
+            <a:r>
+              <a:rPr kumimoji="0" lang="en-GB" sz="1800" b="1" i="0" u="none" strike="noStrike" kern="1200" cap="none" spc="0" normalizeH="0" baseline="0" noProof="0" dirty="0">
+                <a:ln>
+                  <a:noFill/>
+                </a:ln>
+                <a:solidFill>
+                  <a:prstClr val="white"/>
+                </a:solidFill>
+                <a:effectLst/>
+                <a:uLnTx/>
+                <a:uFillTx/>
+                <a:latin typeface="Calibri" panose="020F0502020204030204"/>
+                <a:ea typeface="+mn-ea"/>
+                <a:cs typeface="+mn-cs"/>
+              </a:rPr>
+              <a:t>-layer GRU</a:t>
+            </a:r>
+            <a:endParaRPr kumimoji="0" lang="en-US" sz="1800" b="1" i="0" u="none" strike="noStrike" kern="1200" cap="none" spc="0" normalizeH="0" baseline="0" noProof="0" dirty="0">
+              <a:ln>
+                <a:noFill/>
+              </a:ln>
+              <a:solidFill>
+                <a:prstClr val="white"/>
+              </a:solidFill>
+              <a:effectLst/>
+              <a:uLnTx/>
+              <a:uFillTx/>
+              <a:latin typeface="Calibri" panose="020F0502020204030204"/>
+              <a:ea typeface="+mn-ea"/>
+              <a:cs typeface="+mn-cs"/>
+            </a:endParaRPr>
+          </a:p>
+        </p:txBody>
+      </p:sp>
+      <p:sp>
+        <p:nvSpPr>
+          <p:cNvPr id="21" name="Diamond 20">
+            <a:extLst>
+              <a:ext uri="{FF2B5EF4-FFF2-40B4-BE49-F238E27FC236}">
+                <a16:creationId xmlns:a16="http://schemas.microsoft.com/office/drawing/2014/main" id="{7CB0E35E-5207-4700-B44F-001E959E8B03}"/>
+              </a:ext>
+            </a:extLst>
+          </p:cNvPr>
+          <p:cNvSpPr/>
+          <p:nvPr/>
+        </p:nvSpPr>
+        <p:spPr>
+          <a:xfrm>
+            <a:off x="5879961" y="3630474"/>
+            <a:ext cx="2423155" cy="1386806"/>
+          </a:xfrm>
+          <a:prstGeom prst="diamond">
+            <a:avLst/>
+          </a:prstGeom>
         </p:spPr>
         <p:style>
           <a:lnRef idx="2">
@@ -7025,1063 +7678,35 @@
           <a:lstStyle/>
           <a:p>
             <a:pPr algn="ctr"/>
-            <a:endParaRPr lang="en-US"/>
-          </a:p>
-        </p:txBody>
-      </p:sp>
-      <p:sp>
-        <p:nvSpPr>
-          <p:cNvPr id="6" name="Hexagon 5">
-            <a:extLst>
-              <a:ext uri="{FF2B5EF4-FFF2-40B4-BE49-F238E27FC236}">
-                <a16:creationId xmlns:a16="http://schemas.microsoft.com/office/drawing/2014/main" id="{B9F5FB16-C08F-3246-A19F-5249A511A94E}"/>
-              </a:ext>
-            </a:extLst>
-          </p:cNvPr>
-          <p:cNvSpPr/>
-          <p:nvPr/>
-        </p:nvSpPr>
-        <p:spPr>
-          <a:xfrm>
-            <a:off x="4392419" y="599147"/>
-            <a:ext cx="905005" cy="603890"/>
-          </a:xfrm>
-          <a:prstGeom prst="hexagon">
-            <a:avLst/>
-          </a:prstGeom>
-        </p:spPr>
-        <p:style>
-          <a:lnRef idx="1">
-            <a:schemeClr val="accent6"/>
-          </a:lnRef>
-          <a:fillRef idx="2">
-            <a:schemeClr val="accent6"/>
-          </a:fillRef>
-          <a:effectRef idx="1">
-            <a:schemeClr val="accent6"/>
-          </a:effectRef>
-          <a:fontRef idx="minor">
-            <a:schemeClr val="dk1"/>
-          </a:fontRef>
-        </p:style>
-        <p:txBody>
-          <a:bodyPr rtlCol="0" anchor="ctr"/>
-          <a:lstStyle/>
-          <a:p>
-            <a:pPr algn="ctr"/>
-            <a:r>
-              <a:rPr lang="en-US" sz="1600"/>
-              <a:t>move.n.1</a:t>
-            </a:r>
-          </a:p>
-        </p:txBody>
-      </p:sp>
-      <p:sp>
-        <p:nvSpPr>
-          <p:cNvPr id="7" name="Hexagon 6">
-            <a:extLst>
-              <a:ext uri="{FF2B5EF4-FFF2-40B4-BE49-F238E27FC236}">
-                <a16:creationId xmlns:a16="http://schemas.microsoft.com/office/drawing/2014/main" id="{B1C06240-AEB9-4947-925A-8920BEA1706B}"/>
-              </a:ext>
-            </a:extLst>
-          </p:cNvPr>
-          <p:cNvSpPr/>
-          <p:nvPr/>
-        </p:nvSpPr>
-        <p:spPr>
-          <a:xfrm>
-            <a:off x="6764499" y="321174"/>
-            <a:ext cx="910438" cy="515727"/>
-          </a:xfrm>
-          <a:prstGeom prst="hexagon">
-            <a:avLst/>
-          </a:prstGeom>
-        </p:spPr>
-        <p:style>
-          <a:lnRef idx="1">
-            <a:schemeClr val="accent6"/>
-          </a:lnRef>
-          <a:fillRef idx="2">
-            <a:schemeClr val="accent6"/>
-          </a:fillRef>
-          <a:effectRef idx="1">
-            <a:schemeClr val="accent6"/>
-          </a:effectRef>
-          <a:fontRef idx="minor">
-            <a:schemeClr val="dk1"/>
-          </a:fontRef>
-        </p:style>
-        <p:txBody>
-          <a:bodyPr rtlCol="0" anchor="ctr"/>
-          <a:lstStyle/>
-          <a:p>
-            <a:pPr algn="ctr"/>
-            <a:r>
-              <a:rPr lang="en-US" sz="1600"/>
-              <a:t>Move.v.2</a:t>
-            </a:r>
-          </a:p>
-        </p:txBody>
-      </p:sp>
-      <p:sp>
-        <p:nvSpPr>
-          <p:cNvPr id="8" name="Hexagon 7">
-            <a:extLst>
-              <a:ext uri="{FF2B5EF4-FFF2-40B4-BE49-F238E27FC236}">
-                <a16:creationId xmlns:a16="http://schemas.microsoft.com/office/drawing/2014/main" id="{B61C1C5B-0BD1-964A-A000-19B3966DF23A}"/>
-              </a:ext>
-            </a:extLst>
-          </p:cNvPr>
-          <p:cNvSpPr/>
-          <p:nvPr/>
-        </p:nvSpPr>
-        <p:spPr>
-          <a:xfrm>
-            <a:off x="6764499" y="1242892"/>
-            <a:ext cx="905005" cy="517509"/>
-          </a:xfrm>
-          <a:prstGeom prst="hexagon">
-            <a:avLst/>
-          </a:prstGeom>
-        </p:spPr>
-        <p:style>
-          <a:lnRef idx="1">
-            <a:schemeClr val="accent6"/>
-          </a:lnRef>
-          <a:fillRef idx="2">
-            <a:schemeClr val="accent6"/>
-          </a:fillRef>
-          <a:effectRef idx="1">
-            <a:schemeClr val="accent6"/>
-          </a:effectRef>
-          <a:fontRef idx="minor">
-            <a:schemeClr val="dk1"/>
-          </a:fontRef>
-        </p:style>
-        <p:txBody>
-          <a:bodyPr rtlCol="0" anchor="ctr"/>
-          <a:lstStyle/>
-          <a:p>
-            <a:pPr algn="ctr"/>
-            <a:r>
-              <a:rPr lang="en-US" sz="1600"/>
-              <a:t>Move.v.5</a:t>
-            </a:r>
-          </a:p>
-        </p:txBody>
-      </p:sp>
-      <p:sp>
-        <p:nvSpPr>
-          <p:cNvPr id="12" name="Oval 11">
-            <a:extLst>
-              <a:ext uri="{FF2B5EF4-FFF2-40B4-BE49-F238E27FC236}">
-                <a16:creationId xmlns:a16="http://schemas.microsoft.com/office/drawing/2014/main" id="{94D6F858-6725-B745-B91B-B683CD959924}"/>
-              </a:ext>
-            </a:extLst>
-          </p:cNvPr>
-          <p:cNvSpPr/>
-          <p:nvPr/>
-        </p:nvSpPr>
-        <p:spPr>
-          <a:xfrm>
-            <a:off x="7878391" y="265389"/>
-            <a:ext cx="275478" cy="281318"/>
-          </a:xfrm>
-          <a:prstGeom prst="ellipse">
-            <a:avLst/>
-          </a:prstGeom>
-        </p:spPr>
-        <p:style>
-          <a:lnRef idx="1">
-            <a:schemeClr val="accent5"/>
-          </a:lnRef>
-          <a:fillRef idx="2">
-            <a:schemeClr val="accent5"/>
-          </a:fillRef>
-          <a:effectRef idx="1">
-            <a:schemeClr val="accent5"/>
-          </a:effectRef>
-          <a:fontRef idx="minor">
-            <a:schemeClr val="dk1"/>
-          </a:fontRef>
-        </p:style>
-        <p:txBody>
-          <a:bodyPr rtlCol="0" anchor="ctr"/>
-          <a:lstStyle/>
-          <a:p>
-            <a:pPr algn="ctr"/>
-            <a:r>
-              <a:rPr lang="en-US" sz="1600"/>
-              <a:t>d</a:t>
-            </a:r>
-            <a:endParaRPr lang="en-US" sz="1400"/>
-          </a:p>
-        </p:txBody>
-      </p:sp>
-      <p:sp>
-        <p:nvSpPr>
-          <p:cNvPr id="13" name="Oval 12">
-            <a:extLst>
-              <a:ext uri="{FF2B5EF4-FFF2-40B4-BE49-F238E27FC236}">
-                <a16:creationId xmlns:a16="http://schemas.microsoft.com/office/drawing/2014/main" id="{F30636A2-A46C-FB44-8080-905EE3177FDA}"/>
-              </a:ext>
-            </a:extLst>
-          </p:cNvPr>
-          <p:cNvSpPr/>
-          <p:nvPr/>
-        </p:nvSpPr>
-        <p:spPr>
-          <a:xfrm>
-            <a:off x="8215881" y="275181"/>
-            <a:ext cx="277883" cy="271526"/>
-          </a:xfrm>
-          <a:prstGeom prst="ellipse">
-            <a:avLst/>
-          </a:prstGeom>
-        </p:spPr>
-        <p:style>
-          <a:lnRef idx="1">
-            <a:schemeClr val="accent5"/>
-          </a:lnRef>
-          <a:fillRef idx="2">
-            <a:schemeClr val="accent5"/>
-          </a:fillRef>
-          <a:effectRef idx="1">
-            <a:schemeClr val="accent5"/>
-          </a:effectRef>
-          <a:fontRef idx="minor">
-            <a:schemeClr val="dk1"/>
-          </a:fontRef>
-        </p:style>
-        <p:txBody>
-          <a:bodyPr rtlCol="0" anchor="ctr"/>
-          <a:lstStyle/>
-          <a:p>
-            <a:pPr algn="ctr"/>
-            <a:endParaRPr lang="en-US"/>
-          </a:p>
-        </p:txBody>
-      </p:sp>
-      <p:sp>
-        <p:nvSpPr>
-          <p:cNvPr id="17" name="Oval 16">
-            <a:extLst>
-              <a:ext uri="{FF2B5EF4-FFF2-40B4-BE49-F238E27FC236}">
-                <a16:creationId xmlns:a16="http://schemas.microsoft.com/office/drawing/2014/main" id="{C84F0CB5-C438-064D-A3E4-B7046DBAD7C8}"/>
-              </a:ext>
-            </a:extLst>
-          </p:cNvPr>
-          <p:cNvSpPr/>
-          <p:nvPr/>
-        </p:nvSpPr>
-        <p:spPr>
-          <a:xfrm>
-            <a:off x="7849578" y="696579"/>
-            <a:ext cx="275478" cy="276498"/>
-          </a:xfrm>
-          <a:prstGeom prst="ellipse">
-            <a:avLst/>
-          </a:prstGeom>
-        </p:spPr>
-        <p:style>
-          <a:lnRef idx="1">
-            <a:schemeClr val="accent5"/>
-          </a:lnRef>
-          <a:fillRef idx="3">
-            <a:schemeClr val="accent5"/>
-          </a:fillRef>
-          <a:effectRef idx="2">
-            <a:schemeClr val="accent5"/>
-          </a:effectRef>
-          <a:fontRef idx="minor">
-            <a:schemeClr val="lt1"/>
-          </a:fontRef>
-        </p:style>
-        <p:txBody>
-          <a:bodyPr rtlCol="0" anchor="ctr"/>
-          <a:lstStyle/>
-          <a:p>
-            <a:pPr algn="ctr"/>
-            <a:r>
-              <a:rPr lang="en-US" sz="1600"/>
-              <a:t>e</a:t>
-            </a:r>
-          </a:p>
-        </p:txBody>
-      </p:sp>
-      <p:sp>
-        <p:nvSpPr>
-          <p:cNvPr id="18" name="Oval 17">
-            <a:extLst>
-              <a:ext uri="{FF2B5EF4-FFF2-40B4-BE49-F238E27FC236}">
-                <a16:creationId xmlns:a16="http://schemas.microsoft.com/office/drawing/2014/main" id="{5439994B-AF66-AA41-959E-7550A2E95109}"/>
-              </a:ext>
-            </a:extLst>
-          </p:cNvPr>
-          <p:cNvSpPr/>
-          <p:nvPr/>
-        </p:nvSpPr>
-        <p:spPr>
-          <a:xfrm>
-            <a:off x="8215882" y="696579"/>
-            <a:ext cx="277884" cy="276498"/>
-          </a:xfrm>
-          <a:prstGeom prst="ellipse">
-            <a:avLst/>
-          </a:prstGeom>
-        </p:spPr>
-        <p:style>
-          <a:lnRef idx="1">
-            <a:schemeClr val="accent5"/>
-          </a:lnRef>
-          <a:fillRef idx="3">
-            <a:schemeClr val="accent5"/>
-          </a:fillRef>
-          <a:effectRef idx="2">
-            <a:schemeClr val="accent5"/>
-          </a:effectRef>
-          <a:fontRef idx="minor">
-            <a:schemeClr val="lt1"/>
-          </a:fontRef>
-        </p:style>
-        <p:txBody>
-          <a:bodyPr rtlCol="0" anchor="ctr"/>
-          <a:lstStyle/>
-          <a:p>
-            <a:pPr algn="ctr"/>
-            <a:endParaRPr lang="en-US"/>
-          </a:p>
-        </p:txBody>
-      </p:sp>
-      <p:cxnSp>
-        <p:nvCxnSpPr>
-          <p:cNvPr id="19" name="Straight Arrow Connector 18">
-            <a:extLst>
-              <a:ext uri="{FF2B5EF4-FFF2-40B4-BE49-F238E27FC236}">
-                <a16:creationId xmlns:a16="http://schemas.microsoft.com/office/drawing/2014/main" id="{AE503C77-7FDA-F34B-A439-49258FF1DCBF}"/>
-              </a:ext>
-            </a:extLst>
-          </p:cNvPr>
-          <p:cNvCxnSpPr>
-            <a:cxnSpLocks/>
-            <a:stCxn id="50" idx="6"/>
-            <a:endCxn id="6" idx="3"/>
-          </p:cNvCxnSpPr>
-          <p:nvPr/>
-        </p:nvCxnSpPr>
-        <p:spPr>
-          <a:xfrm flipV="1">
-            <a:off x="4060156" y="901092"/>
-            <a:ext cx="332263" cy="68488"/>
-          </a:xfrm>
-          <a:prstGeom prst="straightConnector1">
-            <a:avLst/>
-          </a:prstGeom>
-          <a:ln>
-            <a:tailEnd type="triangle"/>
-          </a:ln>
-        </p:spPr>
-        <p:style>
-          <a:lnRef idx="1">
-            <a:schemeClr val="accent1"/>
-          </a:lnRef>
-          <a:fillRef idx="0">
-            <a:schemeClr val="accent1"/>
-          </a:fillRef>
-          <a:effectRef idx="0">
-            <a:schemeClr val="accent1"/>
-          </a:effectRef>
-          <a:fontRef idx="minor">
-            <a:schemeClr val="tx1"/>
-          </a:fontRef>
-        </p:style>
-      </p:cxnSp>
-      <p:cxnSp>
-        <p:nvCxnSpPr>
-          <p:cNvPr id="22" name="Straight Arrow Connector 21">
-            <a:extLst>
-              <a:ext uri="{FF2B5EF4-FFF2-40B4-BE49-F238E27FC236}">
-                <a16:creationId xmlns:a16="http://schemas.microsoft.com/office/drawing/2014/main" id="{1BECA0FA-EAE7-CF42-8A17-579687C1541A}"/>
-              </a:ext>
-            </a:extLst>
-          </p:cNvPr>
-          <p:cNvCxnSpPr>
-            <a:cxnSpLocks/>
-            <a:stCxn id="12" idx="2"/>
-            <a:endCxn id="7" idx="5"/>
-          </p:cNvCxnSpPr>
-          <p:nvPr/>
-        </p:nvCxnSpPr>
-        <p:spPr>
-          <a:xfrm flipH="1" flipV="1">
-            <a:off x="7546005" y="321174"/>
-            <a:ext cx="332386" cy="84874"/>
-          </a:xfrm>
-          <a:prstGeom prst="straightConnector1">
-            <a:avLst/>
-          </a:prstGeom>
-          <a:ln>
-            <a:tailEnd type="triangle"/>
-          </a:ln>
-        </p:spPr>
-        <p:style>
-          <a:lnRef idx="1">
-            <a:schemeClr val="accent1"/>
-          </a:lnRef>
-          <a:fillRef idx="0">
-            <a:schemeClr val="accent1"/>
-          </a:fillRef>
-          <a:effectRef idx="0">
-            <a:schemeClr val="accent1"/>
-          </a:effectRef>
-          <a:fontRef idx="minor">
-            <a:schemeClr val="tx1"/>
-          </a:fontRef>
-        </p:style>
-      </p:cxnSp>
-      <p:cxnSp>
-        <p:nvCxnSpPr>
-          <p:cNvPr id="23" name="Straight Arrow Connector 22">
-            <a:extLst>
-              <a:ext uri="{FF2B5EF4-FFF2-40B4-BE49-F238E27FC236}">
-                <a16:creationId xmlns:a16="http://schemas.microsoft.com/office/drawing/2014/main" id="{3DF8CF7D-D2C4-3D47-9955-3AF532FB2195}"/>
-              </a:ext>
-            </a:extLst>
-          </p:cNvPr>
-          <p:cNvCxnSpPr>
-            <a:cxnSpLocks/>
-            <a:stCxn id="13" idx="1"/>
-            <a:endCxn id="7" idx="5"/>
-          </p:cNvCxnSpPr>
-          <p:nvPr/>
-        </p:nvCxnSpPr>
-        <p:spPr>
-          <a:xfrm flipH="1">
-            <a:off x="7546005" y="314945"/>
-            <a:ext cx="710571" cy="6229"/>
-          </a:xfrm>
-          <a:prstGeom prst="straightConnector1">
-            <a:avLst/>
-          </a:prstGeom>
-          <a:ln>
-            <a:tailEnd type="triangle"/>
-          </a:ln>
-        </p:spPr>
-        <p:style>
-          <a:lnRef idx="1">
-            <a:schemeClr val="accent1"/>
-          </a:lnRef>
-          <a:fillRef idx="0">
-            <a:schemeClr val="accent1"/>
-          </a:fillRef>
-          <a:effectRef idx="0">
-            <a:schemeClr val="accent1"/>
-          </a:effectRef>
-          <a:fontRef idx="minor">
-            <a:schemeClr val="tx1"/>
-          </a:fontRef>
-        </p:style>
-      </p:cxnSp>
-      <p:cxnSp>
-        <p:nvCxnSpPr>
-          <p:cNvPr id="24" name="Straight Arrow Connector 23">
-            <a:extLst>
-              <a:ext uri="{FF2B5EF4-FFF2-40B4-BE49-F238E27FC236}">
-                <a16:creationId xmlns:a16="http://schemas.microsoft.com/office/drawing/2014/main" id="{27448903-DF5D-6B46-9509-1BE75AC76DBA}"/>
-              </a:ext>
-            </a:extLst>
-          </p:cNvPr>
-          <p:cNvCxnSpPr>
-            <a:cxnSpLocks/>
-            <a:stCxn id="51" idx="7"/>
-            <a:endCxn id="6" idx="3"/>
-          </p:cNvCxnSpPr>
-          <p:nvPr/>
-        </p:nvCxnSpPr>
-        <p:spPr>
-          <a:xfrm flipV="1">
-            <a:off x="4022511" y="901092"/>
-            <a:ext cx="369908" cy="386819"/>
-          </a:xfrm>
-          <a:prstGeom prst="straightConnector1">
-            <a:avLst/>
-          </a:prstGeom>
-          <a:ln>
-            <a:tailEnd type="triangle"/>
-          </a:ln>
-        </p:spPr>
-        <p:style>
-          <a:lnRef idx="1">
-            <a:schemeClr val="accent1"/>
-          </a:lnRef>
-          <a:fillRef idx="0">
-            <a:schemeClr val="accent1"/>
-          </a:fillRef>
-          <a:effectRef idx="0">
-            <a:schemeClr val="accent1"/>
-          </a:effectRef>
-          <a:fontRef idx="minor">
-            <a:schemeClr val="tx1"/>
-          </a:fontRef>
-        </p:style>
-      </p:cxnSp>
-      <p:cxnSp>
-        <p:nvCxnSpPr>
-          <p:cNvPr id="25" name="Straight Arrow Connector 24">
-            <a:extLst>
-              <a:ext uri="{FF2B5EF4-FFF2-40B4-BE49-F238E27FC236}">
-                <a16:creationId xmlns:a16="http://schemas.microsoft.com/office/drawing/2014/main" id="{A08AFBF7-BC85-0442-838B-3B3D395684AE}"/>
-              </a:ext>
-            </a:extLst>
-          </p:cNvPr>
-          <p:cNvCxnSpPr>
-            <a:cxnSpLocks/>
-            <a:stCxn id="56" idx="7"/>
-            <a:endCxn id="6" idx="2"/>
-          </p:cNvCxnSpPr>
-          <p:nvPr/>
-        </p:nvCxnSpPr>
-        <p:spPr>
-          <a:xfrm flipV="1">
-            <a:off x="4323774" y="1203037"/>
-            <a:ext cx="219618" cy="301053"/>
-          </a:xfrm>
-          <a:prstGeom prst="straightConnector1">
-            <a:avLst/>
-          </a:prstGeom>
-          <a:ln>
-            <a:tailEnd type="triangle"/>
-          </a:ln>
-        </p:spPr>
-        <p:style>
-          <a:lnRef idx="1">
-            <a:schemeClr val="accent1"/>
-          </a:lnRef>
-          <a:fillRef idx="0">
-            <a:schemeClr val="accent1"/>
-          </a:fillRef>
-          <a:effectRef idx="0">
-            <a:schemeClr val="accent1"/>
-          </a:effectRef>
-          <a:fontRef idx="minor">
-            <a:schemeClr val="tx1"/>
-          </a:fontRef>
-        </p:style>
-      </p:cxnSp>
-      <p:cxnSp>
-        <p:nvCxnSpPr>
-          <p:cNvPr id="26" name="Straight Arrow Connector 25">
-            <a:extLst>
-              <a:ext uri="{FF2B5EF4-FFF2-40B4-BE49-F238E27FC236}">
-                <a16:creationId xmlns:a16="http://schemas.microsoft.com/office/drawing/2014/main" id="{1AA4A852-D5D9-484D-B139-879158F39CCD}"/>
-              </a:ext>
-            </a:extLst>
-          </p:cNvPr>
-          <p:cNvCxnSpPr>
-            <a:cxnSpLocks/>
-            <a:stCxn id="58" idx="0"/>
-          </p:cNvCxnSpPr>
-          <p:nvPr/>
-        </p:nvCxnSpPr>
-        <p:spPr>
-          <a:xfrm flipH="1" flipV="1">
-            <a:off x="4930240" y="1212113"/>
-            <a:ext cx="45554" cy="256397"/>
-          </a:xfrm>
-          <a:prstGeom prst="straightConnector1">
-            <a:avLst/>
-          </a:prstGeom>
-          <a:ln>
-            <a:tailEnd type="triangle"/>
-          </a:ln>
-        </p:spPr>
-        <p:style>
-          <a:lnRef idx="1">
-            <a:schemeClr val="accent1"/>
-          </a:lnRef>
-          <a:fillRef idx="0">
-            <a:schemeClr val="accent1"/>
-          </a:fillRef>
-          <a:effectRef idx="0">
-            <a:schemeClr val="accent1"/>
-          </a:effectRef>
-          <a:fontRef idx="minor">
-            <a:schemeClr val="tx1"/>
-          </a:fontRef>
-        </p:style>
-      </p:cxnSp>
-      <p:cxnSp>
-        <p:nvCxnSpPr>
-          <p:cNvPr id="27" name="Straight Arrow Connector 26">
-            <a:extLst>
-              <a:ext uri="{FF2B5EF4-FFF2-40B4-BE49-F238E27FC236}">
-                <a16:creationId xmlns:a16="http://schemas.microsoft.com/office/drawing/2014/main" id="{BA5CDD90-ED6D-8743-ABFB-8D39BECF391E}"/>
-              </a:ext>
-            </a:extLst>
-          </p:cNvPr>
-          <p:cNvCxnSpPr>
-            <a:cxnSpLocks/>
-            <a:stCxn id="17" idx="2"/>
-            <a:endCxn id="7" idx="0"/>
-          </p:cNvCxnSpPr>
-          <p:nvPr/>
-        </p:nvCxnSpPr>
-        <p:spPr>
-          <a:xfrm flipH="1" flipV="1">
-            <a:off x="7674937" y="579038"/>
-            <a:ext cx="174641" cy="255790"/>
-          </a:xfrm>
-          <a:prstGeom prst="straightConnector1">
-            <a:avLst/>
-          </a:prstGeom>
-          <a:ln>
-            <a:tailEnd type="triangle"/>
-          </a:ln>
-        </p:spPr>
-        <p:style>
-          <a:lnRef idx="1">
-            <a:schemeClr val="accent1"/>
-          </a:lnRef>
-          <a:fillRef idx="0">
-            <a:schemeClr val="accent1"/>
-          </a:fillRef>
-          <a:effectRef idx="0">
-            <a:schemeClr val="accent1"/>
-          </a:effectRef>
-          <a:fontRef idx="minor">
-            <a:schemeClr val="tx1"/>
-          </a:fontRef>
-        </p:style>
-      </p:cxnSp>
-      <p:cxnSp>
-        <p:nvCxnSpPr>
-          <p:cNvPr id="28" name="Straight Arrow Connector 27">
-            <a:extLst>
-              <a:ext uri="{FF2B5EF4-FFF2-40B4-BE49-F238E27FC236}">
-                <a16:creationId xmlns:a16="http://schemas.microsoft.com/office/drawing/2014/main" id="{12A020E5-726A-AD46-8DBB-5644F0512951}"/>
-              </a:ext>
-            </a:extLst>
-          </p:cNvPr>
-          <p:cNvCxnSpPr>
-            <a:cxnSpLocks/>
-            <a:stCxn id="18" idx="1"/>
-            <a:endCxn id="7" idx="0"/>
-          </p:cNvCxnSpPr>
-          <p:nvPr/>
-        </p:nvCxnSpPr>
-        <p:spPr>
-          <a:xfrm flipH="1" flipV="1">
-            <a:off x="7674937" y="579038"/>
-            <a:ext cx="581640" cy="158033"/>
-          </a:xfrm>
-          <a:prstGeom prst="straightConnector1">
-            <a:avLst/>
-          </a:prstGeom>
-          <a:ln>
-            <a:tailEnd type="triangle"/>
-          </a:ln>
-        </p:spPr>
-        <p:style>
-          <a:lnRef idx="1">
-            <a:schemeClr val="accent1"/>
-          </a:lnRef>
-          <a:fillRef idx="0">
-            <a:schemeClr val="accent1"/>
-          </a:fillRef>
-          <a:effectRef idx="0">
-            <a:schemeClr val="accent1"/>
-          </a:effectRef>
-          <a:fontRef idx="minor">
-            <a:schemeClr val="tx1"/>
-          </a:fontRef>
-        </p:style>
-      </p:cxnSp>
-      <p:sp>
-        <p:nvSpPr>
-          <p:cNvPr id="29" name="Rectangle 28">
-            <a:extLst>
-              <a:ext uri="{FF2B5EF4-FFF2-40B4-BE49-F238E27FC236}">
-                <a16:creationId xmlns:a16="http://schemas.microsoft.com/office/drawing/2014/main" id="{6B1128C9-D8E7-0F46-933C-426C2E29794A}"/>
-              </a:ext>
-            </a:extLst>
-          </p:cNvPr>
-          <p:cNvSpPr/>
-          <p:nvPr/>
-        </p:nvSpPr>
-        <p:spPr>
-          <a:xfrm>
-            <a:off x="5640895" y="698887"/>
-            <a:ext cx="780133" cy="531862"/>
-          </a:xfrm>
-          <a:prstGeom prst="rect">
-            <a:avLst/>
-          </a:prstGeom>
-        </p:spPr>
-        <p:style>
-          <a:lnRef idx="2">
-            <a:schemeClr val="accent4">
-              <a:shade val="50000"/>
-            </a:schemeClr>
-          </a:lnRef>
-          <a:fillRef idx="1">
-            <a:schemeClr val="accent4"/>
-          </a:fillRef>
-          <a:effectRef idx="0">
-            <a:schemeClr val="accent4"/>
-          </a:effectRef>
-          <a:fontRef idx="minor">
-            <a:schemeClr val="lt1"/>
-          </a:fontRef>
-        </p:style>
-        <p:txBody>
-          <a:bodyPr rtlCol="0" anchor="ctr"/>
-          <a:lstStyle/>
-          <a:p>
-            <a:pPr algn="ctr"/>
-            <a:r>
-              <a:rPr lang="en-US" sz="1600" b="1"/>
-              <a:t>move.</a:t>
+            <a:r>
+              <a:rPr lang="en-US" b="1" dirty="0"/>
+              <a:t>GAT</a:t>
             </a:r>
             <a:br>
-              <a:rPr lang="en-US" sz="1600" b="1"/>
+              <a:rPr lang="en-US" b="1" dirty="0"/>
             </a:br>
             <a:r>
-              <a:rPr lang="en-US" sz="1600" b="1"/>
-              <a:t>global</a:t>
-            </a:r>
-          </a:p>
-        </p:txBody>
-      </p:sp>
-      <p:cxnSp>
-        <p:nvCxnSpPr>
-          <p:cNvPr id="30" name="Straight Arrow Connector 29">
-            <a:extLst>
-              <a:ext uri="{FF2B5EF4-FFF2-40B4-BE49-F238E27FC236}">
-                <a16:creationId xmlns:a16="http://schemas.microsoft.com/office/drawing/2014/main" id="{A736506B-C893-FE40-89CB-D66739EAF473}"/>
-              </a:ext>
-            </a:extLst>
-          </p:cNvPr>
-          <p:cNvCxnSpPr>
-            <a:cxnSpLocks/>
-            <a:stCxn id="29" idx="1"/>
-            <a:endCxn id="6" idx="0"/>
-          </p:cNvCxnSpPr>
-          <p:nvPr/>
-        </p:nvCxnSpPr>
-        <p:spPr>
-          <a:xfrm flipH="1" flipV="1">
-            <a:off x="5297424" y="901092"/>
-            <a:ext cx="343471" cy="63726"/>
-          </a:xfrm>
-          <a:prstGeom prst="straightConnector1">
-            <a:avLst/>
-          </a:prstGeom>
-          <a:ln>
-            <a:tailEnd type="triangle"/>
-          </a:ln>
-        </p:spPr>
-        <p:style>
-          <a:lnRef idx="1">
-            <a:schemeClr val="accent1"/>
-          </a:lnRef>
-          <a:fillRef idx="0">
-            <a:schemeClr val="accent1"/>
-          </a:fillRef>
-          <a:effectRef idx="0">
-            <a:schemeClr val="accent1"/>
-          </a:effectRef>
-          <a:fontRef idx="minor">
-            <a:schemeClr val="tx1"/>
-          </a:fontRef>
-        </p:style>
-      </p:cxnSp>
-      <p:cxnSp>
-        <p:nvCxnSpPr>
-          <p:cNvPr id="31" name="Straight Arrow Connector 30">
-            <a:extLst>
-              <a:ext uri="{FF2B5EF4-FFF2-40B4-BE49-F238E27FC236}">
-                <a16:creationId xmlns:a16="http://schemas.microsoft.com/office/drawing/2014/main" id="{04B1E177-FA39-8841-8579-A92B86CA7B05}"/>
-              </a:ext>
-            </a:extLst>
-          </p:cNvPr>
-          <p:cNvCxnSpPr>
-            <a:cxnSpLocks/>
-            <a:stCxn id="29" idx="3"/>
-            <a:endCxn id="7" idx="3"/>
-          </p:cNvCxnSpPr>
-          <p:nvPr/>
-        </p:nvCxnSpPr>
-        <p:spPr>
-          <a:xfrm flipV="1">
-            <a:off x="6421028" y="579038"/>
-            <a:ext cx="343471" cy="385780"/>
-          </a:xfrm>
-          <a:prstGeom prst="straightConnector1">
-            <a:avLst/>
-          </a:prstGeom>
-          <a:ln>
-            <a:tailEnd type="triangle"/>
-          </a:ln>
-        </p:spPr>
-        <p:style>
-          <a:lnRef idx="1">
-            <a:schemeClr val="accent1"/>
-          </a:lnRef>
-          <a:fillRef idx="0">
-            <a:schemeClr val="accent1"/>
-          </a:fillRef>
-          <a:effectRef idx="0">
-            <a:schemeClr val="accent1"/>
-          </a:effectRef>
-          <a:fontRef idx="minor">
-            <a:schemeClr val="tx1"/>
-          </a:fontRef>
-        </p:style>
-      </p:cxnSp>
-      <p:cxnSp>
-        <p:nvCxnSpPr>
-          <p:cNvPr id="32" name="Straight Arrow Connector 31">
-            <a:extLst>
-              <a:ext uri="{FF2B5EF4-FFF2-40B4-BE49-F238E27FC236}">
-                <a16:creationId xmlns:a16="http://schemas.microsoft.com/office/drawing/2014/main" id="{974EBBFC-6471-8F4E-BDAC-C9ECC1B26619}"/>
-              </a:ext>
-            </a:extLst>
-          </p:cNvPr>
-          <p:cNvCxnSpPr>
-            <a:cxnSpLocks/>
-            <a:stCxn id="29" idx="3"/>
-            <a:endCxn id="8" idx="2"/>
-          </p:cNvCxnSpPr>
-          <p:nvPr/>
-        </p:nvCxnSpPr>
-        <p:spPr>
-          <a:xfrm>
-            <a:off x="6421028" y="964818"/>
-            <a:ext cx="472848" cy="795583"/>
-          </a:xfrm>
-          <a:prstGeom prst="straightConnector1">
-            <a:avLst/>
-          </a:prstGeom>
-          <a:ln>
-            <a:tailEnd type="triangle"/>
-          </a:ln>
-        </p:spPr>
-        <p:style>
-          <a:lnRef idx="1">
-            <a:schemeClr val="accent1"/>
-          </a:lnRef>
-          <a:fillRef idx="0">
-            <a:schemeClr val="accent1"/>
-          </a:fillRef>
-          <a:effectRef idx="0">
-            <a:schemeClr val="accent1"/>
-          </a:effectRef>
-          <a:fontRef idx="minor">
-            <a:schemeClr val="tx1"/>
-          </a:fontRef>
-        </p:style>
-      </p:cxnSp>
-      <p:sp>
-        <p:nvSpPr>
-          <p:cNvPr id="34" name="Left Bracket 33">
-            <a:extLst>
-              <a:ext uri="{FF2B5EF4-FFF2-40B4-BE49-F238E27FC236}">
-                <a16:creationId xmlns:a16="http://schemas.microsoft.com/office/drawing/2014/main" id="{058402C6-37B8-4549-AC4D-6678F36C7CAC}"/>
-              </a:ext>
-            </a:extLst>
-          </p:cNvPr>
-          <p:cNvSpPr/>
-          <p:nvPr/>
-        </p:nvSpPr>
-        <p:spPr>
-          <a:xfrm rot="-5400000">
-            <a:off x="5772014" y="-739707"/>
-            <a:ext cx="794092" cy="5165571"/>
-          </a:xfrm>
-          <a:prstGeom prst="leftBracket">
-            <a:avLst/>
-          </a:prstGeom>
-          <a:ln w="12700"/>
-        </p:spPr>
-        <p:style>
-          <a:lnRef idx="1">
-            <a:schemeClr val="accent1"/>
-          </a:lnRef>
-          <a:fillRef idx="0">
-            <a:schemeClr val="accent1"/>
-          </a:fillRef>
-          <a:effectRef idx="0">
-            <a:schemeClr val="accent1"/>
-          </a:effectRef>
-          <a:fontRef idx="minor">
-            <a:schemeClr val="tx1"/>
-          </a:fontRef>
-        </p:style>
-        <p:txBody>
-          <a:bodyPr rtlCol="0" anchor="ctr"/>
-          <a:lstStyle/>
-          <a:p>
-            <a:pPr algn="ctr"/>
-            <a:endParaRPr lang="en-US"/>
-          </a:p>
-        </p:txBody>
-      </p:sp>
-      <p:sp>
-        <p:nvSpPr>
-          <p:cNvPr id="35" name="Down Arrow 34">
-            <a:extLst>
-              <a:ext uri="{FF2B5EF4-FFF2-40B4-BE49-F238E27FC236}">
-                <a16:creationId xmlns:a16="http://schemas.microsoft.com/office/drawing/2014/main" id="{A44F7057-F457-9C41-BBC3-7C1C28952E6D}"/>
-              </a:ext>
-            </a:extLst>
-          </p:cNvPr>
-          <p:cNvSpPr/>
-          <p:nvPr/>
-        </p:nvSpPr>
-        <p:spPr>
-          <a:xfrm>
-            <a:off x="6759863" y="2242665"/>
-            <a:ext cx="277323" cy="655582"/>
-          </a:xfrm>
-          <a:prstGeom prst="downArrow">
-            <a:avLst/>
-          </a:prstGeom>
-          <a:solidFill>
-            <a:schemeClr val="bg1"/>
-          </a:solidFill>
-          <a:ln w="25400"/>
-        </p:spPr>
-        <p:style>
-          <a:lnRef idx="2">
-            <a:schemeClr val="accent1">
-              <a:shade val="50000"/>
-            </a:schemeClr>
-          </a:lnRef>
-          <a:fillRef idx="1">
-            <a:schemeClr val="accent1"/>
-          </a:fillRef>
-          <a:effectRef idx="0">
-            <a:schemeClr val="accent1"/>
-          </a:effectRef>
-          <a:fontRef idx="minor">
-            <a:schemeClr val="lt1"/>
-          </a:fontRef>
-        </p:style>
-        <p:txBody>
-          <a:bodyPr rtlCol="0" anchor="ctr"/>
-          <a:lstStyle/>
-          <a:p>
-            <a:pPr algn="ctr"/>
-            <a:endParaRPr lang="en-US"/>
-          </a:p>
-        </p:txBody>
-      </p:sp>
-      <p:sp>
-        <p:nvSpPr>
-          <p:cNvPr id="36" name="Diamond 35">
-            <a:extLst>
-              <a:ext uri="{FF2B5EF4-FFF2-40B4-BE49-F238E27FC236}">
-                <a16:creationId xmlns:a16="http://schemas.microsoft.com/office/drawing/2014/main" id="{55E24309-70B3-AC4C-82EC-23A84ED501B5}"/>
-              </a:ext>
-            </a:extLst>
-          </p:cNvPr>
-          <p:cNvSpPr/>
-          <p:nvPr/>
-        </p:nvSpPr>
-        <p:spPr>
-          <a:xfrm>
-            <a:off x="5688834" y="2892685"/>
-            <a:ext cx="2423155" cy="835996"/>
-          </a:xfrm>
-          <a:prstGeom prst="diamond">
-            <a:avLst/>
-          </a:prstGeom>
-        </p:spPr>
-        <p:style>
-          <a:lnRef idx="2">
-            <a:schemeClr val="accent1">
-              <a:shade val="50000"/>
-            </a:schemeClr>
-          </a:lnRef>
-          <a:fillRef idx="1">
-            <a:schemeClr val="accent1"/>
-          </a:fillRef>
-          <a:effectRef idx="0">
-            <a:schemeClr val="accent1"/>
-          </a:effectRef>
-          <a:fontRef idx="minor">
-            <a:schemeClr val="lt1"/>
-          </a:fontRef>
-        </p:style>
-        <p:txBody>
-          <a:bodyPr rtlCol="0" anchor="ctr"/>
-          <a:lstStyle/>
-          <a:p>
-            <a:pPr algn="ctr"/>
-            <a:r>
-              <a:rPr lang="en-US"/>
-              <a:t>Graph NN</a:t>
-            </a:r>
-            <a:br>
-              <a:rPr lang="en-US"/>
-            </a:br>
-            <a:r>
-              <a:rPr lang="en-US"/>
-              <a:t>(e.g. GAT)</a:t>
-            </a:r>
-          </a:p>
-        </p:txBody>
-      </p:sp>
-      <p:sp>
-        <p:nvSpPr>
-          <p:cNvPr id="37" name="TextBox 36">
-            <a:extLst>
-              <a:ext uri="{FF2B5EF4-FFF2-40B4-BE49-F238E27FC236}">
-                <a16:creationId xmlns:a16="http://schemas.microsoft.com/office/drawing/2014/main" id="{AAA389CF-74FD-3146-A0BE-C186A89EB181}"/>
-              </a:ext>
-            </a:extLst>
-          </p:cNvPr>
-          <p:cNvSpPr txBox="1"/>
-          <p:nvPr/>
-        </p:nvSpPr>
-        <p:spPr>
-          <a:xfrm>
-            <a:off x="4640937" y="1936650"/>
-            <a:ext cx="3460892" cy="338554"/>
-          </a:xfrm>
-          <a:prstGeom prst="rect">
-            <a:avLst/>
-          </a:prstGeom>
-          <a:noFill/>
-        </p:spPr>
-        <p:txBody>
-          <a:bodyPr wrap="square" rtlCol="0">
-            <a:spAutoFit/>
-          </a:bodyPr>
-          <a:lstStyle/>
-          <a:p>
-            <a:r>
-              <a:rPr lang="en-US" sz="1600"/>
-              <a:t>Graph area (i.e. ~ neighbourhood)</a:t>
-            </a:r>
-          </a:p>
-        </p:txBody>
-      </p:sp>
-      <p:sp>
-        <p:nvSpPr>
-          <p:cNvPr id="39" name="Rectangle 38">
-            <a:extLst>
-              <a:ext uri="{FF2B5EF4-FFF2-40B4-BE49-F238E27FC236}">
-                <a16:creationId xmlns:a16="http://schemas.microsoft.com/office/drawing/2014/main" id="{6AF0C0C8-AF3F-CF40-8510-9B719BE10B41}"/>
-              </a:ext>
-            </a:extLst>
-          </p:cNvPr>
-          <p:cNvSpPr/>
-          <p:nvPr/>
-        </p:nvSpPr>
-        <p:spPr>
-          <a:xfrm>
-            <a:off x="3884625" y="4411932"/>
+              <a:rPr lang="en-US" b="1" dirty="0"/>
+              <a:t>on dictionary graph</a:t>
+            </a:r>
+          </a:p>
+        </p:txBody>
+      </p:sp>
+      <p:sp>
+        <p:nvSpPr>
+          <p:cNvPr id="22" name="Rectangle 21">
+            <a:extLst>
+              <a:ext uri="{FF2B5EF4-FFF2-40B4-BE49-F238E27FC236}">
+                <a16:creationId xmlns:a16="http://schemas.microsoft.com/office/drawing/2014/main" id="{1BDA84C4-9104-4B49-AB32-F74C5C78EACE}"/>
+              </a:ext>
+            </a:extLst>
+          </p:cNvPr>
+          <p:cNvSpPr/>
+          <p:nvPr/>
+        </p:nvSpPr>
+        <p:spPr>
+          <a:xfrm>
+            <a:off x="4075752" y="5573207"/>
             <a:ext cx="1987475" cy="645277"/>
           </a:xfrm>
           <a:prstGeom prst="rect">
@@ -8116,14 +7741,7 @@
           <a:p>
             <a:pPr algn="ctr"/>
             <a:r>
-              <a:rPr lang="en-US" sz="1600"/>
-              <a:t>move</a:t>
-            </a:r>
-            <a:br>
-              <a:rPr lang="en-US" sz="1600" b="1"/>
-            </a:br>
-            <a:r>
-              <a:rPr lang="en-US" sz="1600" b="1">
+              <a:rPr lang="en-US" sz="1600" b="1" dirty="0">
                 <a:solidFill>
                   <a:schemeClr val="tx1"/>
                 </a:solidFill>
@@ -8135,19 +7753,19 @@
       </p:sp>
       <p:sp>
         <p:nvSpPr>
-          <p:cNvPr id="40" name="Rectangle 39">
-            <a:extLst>
-              <a:ext uri="{FF2B5EF4-FFF2-40B4-BE49-F238E27FC236}">
-                <a16:creationId xmlns:a16="http://schemas.microsoft.com/office/drawing/2014/main" id="{E7485753-453C-B242-86E5-671A8BF00634}"/>
-              </a:ext>
-            </a:extLst>
-          </p:cNvPr>
-          <p:cNvSpPr/>
-          <p:nvPr/>
-        </p:nvSpPr>
-        <p:spPr>
-          <a:xfrm>
-            <a:off x="5872100" y="4411933"/>
+          <p:cNvPr id="23" name="Rectangle 22">
+            <a:extLst>
+              <a:ext uri="{FF2B5EF4-FFF2-40B4-BE49-F238E27FC236}">
+                <a16:creationId xmlns:a16="http://schemas.microsoft.com/office/drawing/2014/main" id="{8A322934-6C7A-4525-A475-E7467F575E60}"/>
+              </a:ext>
+            </a:extLst>
+          </p:cNvPr>
+          <p:cNvSpPr/>
+          <p:nvPr/>
+        </p:nvSpPr>
+        <p:spPr>
+          <a:xfrm>
+            <a:off x="6063227" y="5573208"/>
             <a:ext cx="1987475" cy="645277"/>
           </a:xfrm>
           <a:prstGeom prst="rect">
@@ -8176,14 +7794,7 @@
           <a:p>
             <a:pPr algn="ctr"/>
             <a:r>
-              <a:rPr lang="en-US" sz="1600"/>
-              <a:t>move.global</a:t>
-            </a:r>
-            <a:br>
-              <a:rPr lang="en-US" sz="1600" b="1"/>
-            </a:br>
-            <a:r>
-              <a:rPr lang="en-US" sz="1600" b="1">
+              <a:rPr lang="en-US" sz="1600" b="1" dirty="0">
                 <a:solidFill>
                   <a:schemeClr val="tx1"/>
                 </a:solidFill>
@@ -8195,414 +7806,19 @@
       </p:sp>
       <p:sp>
         <p:nvSpPr>
-          <p:cNvPr id="41" name="TextBox 40">
-            <a:extLst>
-              <a:ext uri="{FF2B5EF4-FFF2-40B4-BE49-F238E27FC236}">
-                <a16:creationId xmlns:a16="http://schemas.microsoft.com/office/drawing/2014/main" id="{AF811355-C686-8A4D-A212-C43515DC3854}"/>
-              </a:ext>
-            </a:extLst>
-          </p:cNvPr>
-          <p:cNvSpPr txBox="1"/>
-          <p:nvPr/>
-        </p:nvSpPr>
-        <p:spPr>
-          <a:xfrm>
-            <a:off x="2189907" y="4549904"/>
-            <a:ext cx="1602487" cy="369332"/>
-          </a:xfrm>
-          <a:prstGeom prst="rect">
-            <a:avLst/>
-          </a:prstGeom>
-          <a:noFill/>
-        </p:spPr>
-        <p:txBody>
-          <a:bodyPr wrap="square" rtlCol="0">
-            <a:spAutoFit/>
-          </a:bodyPr>
-          <a:lstStyle/>
-          <a:p>
-            <a:r>
-              <a:rPr lang="en-US"/>
-              <a:t>Concatenated:</a:t>
-            </a:r>
-          </a:p>
-        </p:txBody>
-      </p:sp>
-      <p:sp>
-        <p:nvSpPr>
-          <p:cNvPr id="50" name="Oval 49">
-            <a:extLst>
-              <a:ext uri="{FF2B5EF4-FFF2-40B4-BE49-F238E27FC236}">
-                <a16:creationId xmlns:a16="http://schemas.microsoft.com/office/drawing/2014/main" id="{4562F59A-112B-564A-8BD3-540A3E1811B2}"/>
-              </a:ext>
-            </a:extLst>
-          </p:cNvPr>
-          <p:cNvSpPr/>
-          <p:nvPr/>
-        </p:nvSpPr>
-        <p:spPr>
-          <a:xfrm>
-            <a:off x="3784678" y="828921"/>
-            <a:ext cx="275478" cy="281318"/>
-          </a:xfrm>
-          <a:prstGeom prst="ellipse">
-            <a:avLst/>
-          </a:prstGeom>
-        </p:spPr>
-        <p:style>
-          <a:lnRef idx="1">
-            <a:schemeClr val="accent5"/>
-          </a:lnRef>
-          <a:fillRef idx="2">
-            <a:schemeClr val="accent5"/>
-          </a:fillRef>
-          <a:effectRef idx="1">
-            <a:schemeClr val="accent5"/>
-          </a:effectRef>
-          <a:fontRef idx="minor">
-            <a:schemeClr val="dk1"/>
-          </a:fontRef>
-        </p:style>
-        <p:txBody>
-          <a:bodyPr rtlCol="0" anchor="ctr"/>
-          <a:lstStyle/>
-          <a:p>
-            <a:pPr algn="ctr"/>
-            <a:r>
-              <a:rPr lang="en-US" sz="1600"/>
-              <a:t>d</a:t>
-            </a:r>
-            <a:endParaRPr lang="en-US" sz="1400"/>
-          </a:p>
-        </p:txBody>
-      </p:sp>
-      <p:sp>
-        <p:nvSpPr>
-          <p:cNvPr id="51" name="Oval 50">
-            <a:extLst>
-              <a:ext uri="{FF2B5EF4-FFF2-40B4-BE49-F238E27FC236}">
-                <a16:creationId xmlns:a16="http://schemas.microsoft.com/office/drawing/2014/main" id="{097CFB90-5417-F74F-B44E-B2DAD85F7567}"/>
-              </a:ext>
-            </a:extLst>
-          </p:cNvPr>
-          <p:cNvSpPr/>
-          <p:nvPr/>
-        </p:nvSpPr>
-        <p:spPr>
-          <a:xfrm>
-            <a:off x="3785323" y="1248147"/>
-            <a:ext cx="277883" cy="271526"/>
-          </a:xfrm>
-          <a:prstGeom prst="ellipse">
-            <a:avLst/>
-          </a:prstGeom>
-        </p:spPr>
-        <p:style>
-          <a:lnRef idx="1">
-            <a:schemeClr val="accent5"/>
-          </a:lnRef>
-          <a:fillRef idx="2">
-            <a:schemeClr val="accent5"/>
-          </a:fillRef>
-          <a:effectRef idx="1">
-            <a:schemeClr val="accent5"/>
-          </a:effectRef>
-          <a:fontRef idx="minor">
-            <a:schemeClr val="dk1"/>
-          </a:fontRef>
-        </p:style>
-        <p:txBody>
-          <a:bodyPr rtlCol="0" anchor="ctr"/>
-          <a:lstStyle/>
-          <a:p>
-            <a:pPr algn="ctr"/>
-            <a:endParaRPr lang="en-US"/>
-          </a:p>
-        </p:txBody>
-      </p:sp>
-      <p:sp>
-        <p:nvSpPr>
-          <p:cNvPr id="56" name="Oval 55">
-            <a:extLst>
-              <a:ext uri="{FF2B5EF4-FFF2-40B4-BE49-F238E27FC236}">
-                <a16:creationId xmlns:a16="http://schemas.microsoft.com/office/drawing/2014/main" id="{E86B9250-3420-614D-8DF0-49E89F160662}"/>
-              </a:ext>
-            </a:extLst>
-          </p:cNvPr>
-          <p:cNvSpPr/>
-          <p:nvPr/>
-        </p:nvSpPr>
-        <p:spPr>
-          <a:xfrm>
-            <a:off x="4088639" y="1463598"/>
-            <a:ext cx="275478" cy="276498"/>
-          </a:xfrm>
-          <a:prstGeom prst="ellipse">
-            <a:avLst/>
-          </a:prstGeom>
-        </p:spPr>
-        <p:style>
-          <a:lnRef idx="1">
-            <a:schemeClr val="accent5"/>
-          </a:lnRef>
-          <a:fillRef idx="3">
-            <a:schemeClr val="accent5"/>
-          </a:fillRef>
-          <a:effectRef idx="2">
-            <a:schemeClr val="accent5"/>
-          </a:effectRef>
-          <a:fontRef idx="minor">
-            <a:schemeClr val="lt1"/>
-          </a:fontRef>
-        </p:style>
-        <p:txBody>
-          <a:bodyPr rtlCol="0" anchor="ctr"/>
-          <a:lstStyle/>
-          <a:p>
-            <a:pPr algn="ctr"/>
-            <a:r>
-              <a:rPr lang="en-US" sz="1600"/>
-              <a:t>e</a:t>
-            </a:r>
-            <a:endParaRPr lang="en-US" sz="1400"/>
-          </a:p>
-        </p:txBody>
-      </p:sp>
-      <p:sp>
-        <p:nvSpPr>
-          <p:cNvPr id="57" name="Oval 56">
-            <a:extLst>
-              <a:ext uri="{FF2B5EF4-FFF2-40B4-BE49-F238E27FC236}">
-                <a16:creationId xmlns:a16="http://schemas.microsoft.com/office/drawing/2014/main" id="{DB3EBBC5-8D77-ED42-9F51-12EED5051F8E}"/>
-              </a:ext>
-            </a:extLst>
-          </p:cNvPr>
-          <p:cNvSpPr/>
-          <p:nvPr/>
-        </p:nvSpPr>
-        <p:spPr>
-          <a:xfrm>
-            <a:off x="4454943" y="1463598"/>
-            <a:ext cx="277884" cy="276498"/>
-          </a:xfrm>
-          <a:prstGeom prst="ellipse">
-            <a:avLst/>
-          </a:prstGeom>
-        </p:spPr>
-        <p:style>
-          <a:lnRef idx="1">
-            <a:schemeClr val="accent5"/>
-          </a:lnRef>
-          <a:fillRef idx="3">
-            <a:schemeClr val="accent5"/>
-          </a:fillRef>
-          <a:effectRef idx="2">
-            <a:schemeClr val="accent5"/>
-          </a:effectRef>
-          <a:fontRef idx="minor">
-            <a:schemeClr val="lt1"/>
-          </a:fontRef>
-        </p:style>
-        <p:txBody>
-          <a:bodyPr rtlCol="0" anchor="ctr"/>
-          <a:lstStyle/>
-          <a:p>
-            <a:pPr algn="ctr"/>
-            <a:endParaRPr lang="en-US"/>
-          </a:p>
-        </p:txBody>
-      </p:sp>
-      <p:sp>
-        <p:nvSpPr>
-          <p:cNvPr id="58" name="Oval 57">
-            <a:extLst>
-              <a:ext uri="{FF2B5EF4-FFF2-40B4-BE49-F238E27FC236}">
-                <a16:creationId xmlns:a16="http://schemas.microsoft.com/office/drawing/2014/main" id="{2FCB8F75-42AB-F84B-AD48-D8D639DF295A}"/>
-              </a:ext>
-            </a:extLst>
-          </p:cNvPr>
-          <p:cNvSpPr/>
-          <p:nvPr/>
-        </p:nvSpPr>
-        <p:spPr>
-          <a:xfrm>
-            <a:off x="4836852" y="1468510"/>
-            <a:ext cx="277884" cy="276498"/>
-          </a:xfrm>
-          <a:prstGeom prst="ellipse">
-            <a:avLst/>
-          </a:prstGeom>
-        </p:spPr>
-        <p:style>
-          <a:lnRef idx="1">
-            <a:schemeClr val="accent5"/>
-          </a:lnRef>
-          <a:fillRef idx="3">
-            <a:schemeClr val="accent5"/>
-          </a:fillRef>
-          <a:effectRef idx="2">
-            <a:schemeClr val="accent5"/>
-          </a:effectRef>
-          <a:fontRef idx="minor">
-            <a:schemeClr val="lt1"/>
-          </a:fontRef>
-        </p:style>
-        <p:txBody>
-          <a:bodyPr rtlCol="0" anchor="ctr"/>
-          <a:lstStyle/>
-          <a:p>
-            <a:pPr algn="ctr"/>
-            <a:endParaRPr lang="en-US"/>
-          </a:p>
-        </p:txBody>
-      </p:sp>
-      <p:cxnSp>
-        <p:nvCxnSpPr>
-          <p:cNvPr id="61" name="Straight Arrow Connector 60">
-            <a:extLst>
-              <a:ext uri="{FF2B5EF4-FFF2-40B4-BE49-F238E27FC236}">
-                <a16:creationId xmlns:a16="http://schemas.microsoft.com/office/drawing/2014/main" id="{6A3A36AB-C992-6A4B-96F4-1C811A07B79D}"/>
-              </a:ext>
-            </a:extLst>
-          </p:cNvPr>
-          <p:cNvCxnSpPr>
-            <a:cxnSpLocks/>
-            <a:stCxn id="57" idx="0"/>
-            <a:endCxn id="6" idx="2"/>
-          </p:cNvCxnSpPr>
-          <p:nvPr/>
-        </p:nvCxnSpPr>
-        <p:spPr>
-          <a:xfrm flipH="1" flipV="1">
-            <a:off x="4543392" y="1203037"/>
-            <a:ext cx="50493" cy="260561"/>
-          </a:xfrm>
-          <a:prstGeom prst="straightConnector1">
-            <a:avLst/>
-          </a:prstGeom>
-          <a:ln>
-            <a:tailEnd type="triangle"/>
-          </a:ln>
-        </p:spPr>
-        <p:style>
-          <a:lnRef idx="1">
-            <a:schemeClr val="accent1"/>
-          </a:lnRef>
-          <a:fillRef idx="0">
-            <a:schemeClr val="accent1"/>
-          </a:fillRef>
-          <a:effectRef idx="0">
-            <a:schemeClr val="accent1"/>
-          </a:effectRef>
-          <a:fontRef idx="minor">
-            <a:schemeClr val="tx1"/>
-          </a:fontRef>
-        </p:style>
-      </p:cxnSp>
-      <p:cxnSp>
-        <p:nvCxnSpPr>
-          <p:cNvPr id="105" name="Straight Arrow Connector 104">
-            <a:extLst>
-              <a:ext uri="{FF2B5EF4-FFF2-40B4-BE49-F238E27FC236}">
-                <a16:creationId xmlns:a16="http://schemas.microsoft.com/office/drawing/2014/main" id="{D3333E0A-4CAD-D544-84C9-BB40D0502734}"/>
-              </a:ext>
-            </a:extLst>
-          </p:cNvPr>
-          <p:cNvCxnSpPr>
-            <a:cxnSpLocks/>
-          </p:cNvCxnSpPr>
-          <p:nvPr/>
-        </p:nvCxnSpPr>
-        <p:spPr>
-          <a:xfrm flipH="1" flipV="1">
-            <a:off x="7669504" y="1508244"/>
-            <a:ext cx="581640" cy="158033"/>
-          </a:xfrm>
-          <a:prstGeom prst="straightConnector1">
-            <a:avLst/>
-          </a:prstGeom>
-          <a:ln>
-            <a:tailEnd type="triangle"/>
-          </a:ln>
-        </p:spPr>
-        <p:style>
-          <a:lnRef idx="1">
-            <a:schemeClr val="accent1"/>
-          </a:lnRef>
-          <a:fillRef idx="0">
-            <a:schemeClr val="accent1"/>
-          </a:fillRef>
-          <a:effectRef idx="0">
-            <a:schemeClr val="accent1"/>
-          </a:effectRef>
-          <a:fontRef idx="minor">
-            <a:schemeClr val="tx1"/>
-          </a:fontRef>
-        </p:style>
-      </p:cxnSp>
-      <p:sp>
-        <p:nvSpPr>
-          <p:cNvPr id="106" name="Oval 105">
-            <a:extLst>
-              <a:ext uri="{FF2B5EF4-FFF2-40B4-BE49-F238E27FC236}">
-                <a16:creationId xmlns:a16="http://schemas.microsoft.com/office/drawing/2014/main" id="{0F5EA80F-821B-7A49-839A-F2C01C80C392}"/>
-              </a:ext>
-            </a:extLst>
-          </p:cNvPr>
-          <p:cNvSpPr/>
-          <p:nvPr/>
-        </p:nvSpPr>
-        <p:spPr>
-          <a:xfrm>
-            <a:off x="8232856" y="1572684"/>
-            <a:ext cx="275478" cy="281318"/>
-          </a:xfrm>
-          <a:prstGeom prst="ellipse">
-            <a:avLst/>
-          </a:prstGeom>
-        </p:spPr>
-        <p:style>
-          <a:lnRef idx="1">
-            <a:schemeClr val="accent5"/>
-          </a:lnRef>
-          <a:fillRef idx="2">
-            <a:schemeClr val="accent5"/>
-          </a:fillRef>
-          <a:effectRef idx="1">
-            <a:schemeClr val="accent5"/>
-          </a:effectRef>
-          <a:fontRef idx="minor">
-            <a:schemeClr val="dk1"/>
-          </a:fontRef>
-        </p:style>
-        <p:txBody>
-          <a:bodyPr rtlCol="0" anchor="ctr"/>
-          <a:lstStyle/>
-          <a:p>
-            <a:pPr algn="ctr"/>
-            <a:r>
-              <a:rPr lang="en-US" sz="1600"/>
-              <a:t>d</a:t>
-            </a:r>
-            <a:endParaRPr lang="en-US" sz="1400"/>
-          </a:p>
-        </p:txBody>
-      </p:sp>
-      <p:sp>
-        <p:nvSpPr>
-          <p:cNvPr id="5" name="Rectangle 4">
-            <a:extLst>
-              <a:ext uri="{FF2B5EF4-FFF2-40B4-BE49-F238E27FC236}">
-                <a16:creationId xmlns:a16="http://schemas.microsoft.com/office/drawing/2014/main" id="{DCC2B1D0-F381-C14D-B327-CF627AE1DC2B}"/>
-              </a:ext>
-            </a:extLst>
-          </p:cNvPr>
-          <p:cNvSpPr/>
-          <p:nvPr/>
-        </p:nvSpPr>
-        <p:spPr>
-          <a:xfrm>
-            <a:off x="2035036" y="2611765"/>
+          <p:cNvPr id="25" name="Rectangle 24">
+            <a:extLst>
+              <a:ext uri="{FF2B5EF4-FFF2-40B4-BE49-F238E27FC236}">
+                <a16:creationId xmlns:a16="http://schemas.microsoft.com/office/drawing/2014/main" id="{4ADDD182-7FB8-4D1C-BFFE-4C791E5A40D8}"/>
+              </a:ext>
+            </a:extLst>
+          </p:cNvPr>
+          <p:cNvSpPr/>
+          <p:nvPr/>
+        </p:nvSpPr>
+        <p:spPr>
+          <a:xfrm>
+            <a:off x="4075753" y="4549733"/>
             <a:ext cx="1987475" cy="645277"/>
           </a:xfrm>
           <a:prstGeom prst="rect">
@@ -8637,21 +7853,921 @@
           <a:p>
             <a:pPr algn="ctr"/>
             <a:r>
-              <a:rPr lang="en-US" sz="1600" b="1"/>
-              <a:t>FastText vectors</a:t>
-            </a:r>
-            <a:endParaRPr lang="en-US" sz="1600" b="1">
+              <a:rPr lang="en-US" sz="1600" b="1" dirty="0" err="1">
+                <a:solidFill>
+                  <a:schemeClr val="tx1"/>
+                </a:solidFill>
+              </a:rPr>
+              <a:t>FastText</a:t>
+            </a:r>
+            <a:r>
+              <a:rPr lang="en-US" sz="1600" b="1" dirty="0">
+                <a:solidFill>
+                  <a:schemeClr val="tx1"/>
+                </a:solidFill>
+              </a:rPr>
+              <a:t> vectors</a:t>
+            </a:r>
+          </a:p>
+        </p:txBody>
+      </p:sp>
+      <p:sp>
+        <p:nvSpPr>
+          <p:cNvPr id="26" name="Left Bracket 25">
+            <a:extLst>
+              <a:ext uri="{FF2B5EF4-FFF2-40B4-BE49-F238E27FC236}">
+                <a16:creationId xmlns:a16="http://schemas.microsoft.com/office/drawing/2014/main" id="{79D03A55-7971-4AC1-B5B6-22D6779BCB74}"/>
+              </a:ext>
+            </a:extLst>
+          </p:cNvPr>
+          <p:cNvSpPr/>
+          <p:nvPr/>
+        </p:nvSpPr>
+        <p:spPr>
+          <a:xfrm rot="-5400000">
+            <a:off x="5919227" y="4358591"/>
+            <a:ext cx="288000" cy="3974948"/>
+          </a:xfrm>
+          <a:prstGeom prst="leftBracket">
+            <a:avLst/>
+          </a:prstGeom>
+          <a:ln w="12700"/>
+        </p:spPr>
+        <p:style>
+          <a:lnRef idx="1">
+            <a:schemeClr val="accent1"/>
+          </a:lnRef>
+          <a:fillRef idx="0">
+            <a:schemeClr val="accent1"/>
+          </a:fillRef>
+          <a:effectRef idx="0">
+            <a:schemeClr val="accent1"/>
+          </a:effectRef>
+          <a:fontRef idx="minor">
+            <a:schemeClr val="tx1"/>
+          </a:fontRef>
+        </p:style>
+        <p:txBody>
+          <a:bodyPr rtlCol="0" anchor="ctr"/>
+          <a:lstStyle/>
+          <a:p>
+            <a:pPr algn="ctr"/>
+            <a:endParaRPr lang="en-US"/>
+          </a:p>
+        </p:txBody>
+      </p:sp>
+      <p:sp>
+        <p:nvSpPr>
+          <p:cNvPr id="27" name="TextBox 26">
+            <a:extLst>
+              <a:ext uri="{FF2B5EF4-FFF2-40B4-BE49-F238E27FC236}">
+                <a16:creationId xmlns:a16="http://schemas.microsoft.com/office/drawing/2014/main" id="{CC2440A6-5972-40D5-8A5A-186AC3F7FEA4}"/>
+              </a:ext>
+            </a:extLst>
+          </p:cNvPr>
+          <p:cNvSpPr txBox="1"/>
+          <p:nvPr/>
+        </p:nvSpPr>
+        <p:spPr>
+          <a:xfrm>
+            <a:off x="5364764" y="6190184"/>
+            <a:ext cx="1830681" cy="353943"/>
+          </a:xfrm>
+          <a:prstGeom prst="rect">
+            <a:avLst/>
+          </a:prstGeom>
+          <a:noFill/>
+        </p:spPr>
+        <p:txBody>
+          <a:bodyPr wrap="square" rtlCol="0">
+            <a:spAutoFit/>
+          </a:bodyPr>
+          <a:lstStyle/>
+          <a:p>
+            <a:r>
+              <a:rPr lang="en-US" sz="1700" b="1" dirty="0"/>
+              <a:t>Input signals</a:t>
+            </a:r>
+          </a:p>
+        </p:txBody>
+      </p:sp>
+      <p:sp>
+        <p:nvSpPr>
+          <p:cNvPr id="12" name="Diamond 11">
+            <a:extLst>
+              <a:ext uri="{FF2B5EF4-FFF2-40B4-BE49-F238E27FC236}">
+                <a16:creationId xmlns:a16="http://schemas.microsoft.com/office/drawing/2014/main" id="{D2EF536B-A8B9-4189-A257-41D5D66A4B1B}"/>
+              </a:ext>
+            </a:extLst>
+          </p:cNvPr>
+          <p:cNvSpPr/>
+          <p:nvPr/>
+        </p:nvSpPr>
+        <p:spPr>
+          <a:xfrm>
+            <a:off x="6327049" y="8241207"/>
+            <a:ext cx="1980000" cy="900000"/>
+          </a:xfrm>
+          <a:prstGeom prst="diamond">
+            <a:avLst/>
+          </a:prstGeom>
+        </p:spPr>
+        <p:style>
+          <a:lnRef idx="2">
+            <a:schemeClr val="accent5">
+              <a:shade val="50000"/>
+            </a:schemeClr>
+          </a:lnRef>
+          <a:fillRef idx="1">
+            <a:schemeClr val="accent5"/>
+          </a:fillRef>
+          <a:effectRef idx="0">
+            <a:schemeClr val="accent5"/>
+          </a:effectRef>
+          <a:fontRef idx="minor">
+            <a:schemeClr val="lt1"/>
+          </a:fontRef>
+        </p:style>
+        <p:txBody>
+          <a:bodyPr wrap="none" lIns="36000" rIns="36000" rtlCol="0" anchor="ctr"/>
+          <a:lstStyle/>
+          <a:p>
+            <a:pPr marL="0" marR="0" lvl="0" indent="0" algn="ctr" defTabSz="457200" rtl="0" eaLnBrk="1" fontAlgn="auto" latinLnBrk="0" hangingPunct="1">
+              <a:lnSpc>
+                <a:spcPct val="100000"/>
+              </a:lnSpc>
+              <a:spcBef>
+                <a:spcPts val="0"/>
+              </a:spcBef>
+              <a:spcAft>
+                <a:spcPts val="0"/>
+              </a:spcAft>
+              <a:buClrTx/>
+              <a:buSzTx/>
+              <a:buFontTx/>
+              <a:buNone/>
+              <a:tabLst/>
+              <a:defRPr/>
+            </a:pPr>
+            <a:r>
+              <a:rPr kumimoji="0" lang="en-GB" sz="1800" b="1" i="0" u="none" strike="noStrike" kern="1200" cap="none" spc="0" normalizeH="0" baseline="0" noProof="0" dirty="0">
+                <a:ln>
+                  <a:noFill/>
+                </a:ln>
+                <a:solidFill>
+                  <a:prstClr val="white"/>
+                </a:solidFill>
+                <a:effectLst/>
+                <a:uLnTx/>
+                <a:uFillTx/>
+                <a:latin typeface="Calibri" panose="020F0502020204030204"/>
+                <a:ea typeface="+mn-ea"/>
+                <a:cs typeface="+mn-cs"/>
+              </a:rPr>
+              <a:t>1-layer FF-NN</a:t>
+            </a:r>
+            <a:endParaRPr kumimoji="0" lang="en-US" sz="1800" b="1" i="0" u="none" strike="noStrike" kern="1200" cap="none" spc="0" normalizeH="0" baseline="0" noProof="0" dirty="0">
+              <a:ln>
+                <a:noFill/>
+              </a:ln>
               <a:solidFill>
-                <a:schemeClr val="tx1"/>
+                <a:prstClr val="white"/>
               </a:solidFill>
+              <a:effectLst/>
+              <a:uLnTx/>
+              <a:uFillTx/>
+              <a:latin typeface="Calibri" panose="020F0502020204030204"/>
+              <a:ea typeface="+mn-ea"/>
+              <a:cs typeface="+mn-cs"/>
             </a:endParaRPr>
           </a:p>
         </p:txBody>
       </p:sp>
+      <p:sp>
+        <p:nvSpPr>
+          <p:cNvPr id="45" name="Rectangle 44">
+            <a:extLst>
+              <a:ext uri="{FF2B5EF4-FFF2-40B4-BE49-F238E27FC236}">
+                <a16:creationId xmlns:a16="http://schemas.microsoft.com/office/drawing/2014/main" id="{E1C398FB-3F4E-4358-8073-3A7C070390A2}"/>
+              </a:ext>
+            </a:extLst>
+          </p:cNvPr>
+          <p:cNvSpPr/>
+          <p:nvPr/>
+        </p:nvSpPr>
+        <p:spPr>
+          <a:xfrm>
+            <a:off x="3888968" y="9452140"/>
+            <a:ext cx="1987475" cy="530651"/>
+          </a:xfrm>
+          <a:prstGeom prst="rect">
+            <a:avLst/>
+          </a:prstGeom>
+          <a:solidFill>
+            <a:schemeClr val="bg1"/>
+          </a:solidFill>
+        </p:spPr>
+        <p:style>
+          <a:lnRef idx="2">
+            <a:schemeClr val="accent5">
+              <a:shade val="50000"/>
+            </a:schemeClr>
+          </a:lnRef>
+          <a:fillRef idx="1">
+            <a:schemeClr val="accent5"/>
+          </a:fillRef>
+          <a:effectRef idx="0">
+            <a:schemeClr val="accent5"/>
+          </a:effectRef>
+          <a:fontRef idx="minor">
+            <a:schemeClr val="lt1"/>
+          </a:fontRef>
+        </p:style>
+        <p:txBody>
+          <a:bodyPr rtlCol="0" anchor="ctr"/>
+          <a:lstStyle/>
+          <a:p>
+            <a:pPr marL="0" marR="0" lvl="0" indent="0" algn="ctr" defTabSz="457200" rtl="0" eaLnBrk="1" fontAlgn="auto" latinLnBrk="0" hangingPunct="1">
+              <a:lnSpc>
+                <a:spcPct val="100000"/>
+              </a:lnSpc>
+              <a:spcBef>
+                <a:spcPts val="0"/>
+              </a:spcBef>
+              <a:spcAft>
+                <a:spcPts val="0"/>
+              </a:spcAft>
+              <a:buClrTx/>
+              <a:buSzTx/>
+              <a:buFontTx/>
+              <a:buNone/>
+              <a:tabLst/>
+              <a:defRPr/>
+            </a:pPr>
+            <a:r>
+              <a:rPr kumimoji="0" lang="en-US" sz="1600" b="1" i="0" u="none" strike="noStrike" kern="1200" cap="none" spc="0" normalizeH="0" baseline="0" noProof="0" dirty="0">
+                <a:ln>
+                  <a:noFill/>
+                </a:ln>
+                <a:solidFill>
+                  <a:prstClr val="black"/>
+                </a:solidFill>
+                <a:effectLst/>
+                <a:uLnTx/>
+                <a:uFillTx/>
+                <a:latin typeface="Calibri" panose="020F0502020204030204"/>
+                <a:ea typeface="+mn-ea"/>
+                <a:cs typeface="+mn-cs"/>
+              </a:rPr>
+              <a:t>Logits</a:t>
+            </a:r>
+          </a:p>
+        </p:txBody>
+      </p:sp>
+      <p:sp>
+        <p:nvSpPr>
+          <p:cNvPr id="46" name="Oval 45">
+            <a:extLst>
+              <a:ext uri="{FF2B5EF4-FFF2-40B4-BE49-F238E27FC236}">
+                <a16:creationId xmlns:a16="http://schemas.microsoft.com/office/drawing/2014/main" id="{87854B5C-970E-4D27-B0BC-B82681635C0C}"/>
+              </a:ext>
+            </a:extLst>
+          </p:cNvPr>
+          <p:cNvSpPr/>
+          <p:nvPr/>
+        </p:nvSpPr>
+        <p:spPr>
+          <a:xfrm>
+            <a:off x="4453932" y="10158296"/>
+            <a:ext cx="752354" cy="755561"/>
+          </a:xfrm>
+          <a:prstGeom prst="ellipse">
+            <a:avLst/>
+          </a:prstGeom>
+        </p:spPr>
+        <p:style>
+          <a:lnRef idx="1">
+            <a:schemeClr val="accent3"/>
+          </a:lnRef>
+          <a:fillRef idx="2">
+            <a:schemeClr val="accent3"/>
+          </a:fillRef>
+          <a:effectRef idx="1">
+            <a:schemeClr val="accent3"/>
+          </a:effectRef>
+          <a:fontRef idx="minor">
+            <a:schemeClr val="dk1"/>
+          </a:fontRef>
+        </p:style>
+        <p:txBody>
+          <a:bodyPr wrap="none" rtlCol="0" anchor="ctr"/>
+          <a:lstStyle/>
+          <a:p>
+            <a:pPr marL="0" marR="0" lvl="0" indent="0" algn="ctr" defTabSz="457200" rtl="0" eaLnBrk="1" fontAlgn="auto" latinLnBrk="0" hangingPunct="1">
+              <a:lnSpc>
+                <a:spcPct val="100000"/>
+              </a:lnSpc>
+              <a:spcBef>
+                <a:spcPts val="0"/>
+              </a:spcBef>
+              <a:spcAft>
+                <a:spcPts val="0"/>
+              </a:spcAft>
+              <a:buClrTx/>
+              <a:buSzTx/>
+              <a:buFontTx/>
+              <a:buNone/>
+              <a:tabLst/>
+              <a:defRPr/>
+            </a:pPr>
+            <a:r>
+              <a:rPr kumimoji="0" lang="en-US" sz="1600" b="1" i="0" u="none" strike="noStrike" kern="1200" cap="none" spc="0" normalizeH="0" baseline="0" noProof="0" dirty="0" err="1">
+                <a:ln>
+                  <a:noFill/>
+                </a:ln>
+                <a:solidFill>
+                  <a:prstClr val="black"/>
+                </a:solidFill>
+                <a:effectLst/>
+                <a:uLnTx/>
+                <a:uFillTx/>
+                <a:latin typeface="Calibri" panose="020F0502020204030204"/>
+                <a:ea typeface="+mn-ea"/>
+                <a:cs typeface="+mn-cs"/>
+              </a:rPr>
+              <a:t>Softmax</a:t>
+            </a:r>
+            <a:endParaRPr kumimoji="0" lang="en-US" sz="1800" b="1" i="0" u="none" strike="noStrike" kern="1200" cap="none" spc="0" normalizeH="0" baseline="0" noProof="0" dirty="0">
+              <a:ln>
+                <a:noFill/>
+              </a:ln>
+              <a:solidFill>
+                <a:prstClr val="black"/>
+              </a:solidFill>
+              <a:effectLst/>
+              <a:uLnTx/>
+              <a:uFillTx/>
+              <a:latin typeface="Calibri" panose="020F0502020204030204"/>
+              <a:ea typeface="+mn-ea"/>
+              <a:cs typeface="+mn-cs"/>
+            </a:endParaRPr>
+          </a:p>
+        </p:txBody>
+      </p:sp>
+      <p:sp>
+        <p:nvSpPr>
+          <p:cNvPr id="47" name="Diamond 46">
+            <a:extLst>
+              <a:ext uri="{FF2B5EF4-FFF2-40B4-BE49-F238E27FC236}">
+                <a16:creationId xmlns:a16="http://schemas.microsoft.com/office/drawing/2014/main" id="{AD11ED40-9A64-42E9-9BA9-46B79A4B1180}"/>
+              </a:ext>
+            </a:extLst>
+          </p:cNvPr>
+          <p:cNvSpPr/>
+          <p:nvPr/>
+        </p:nvSpPr>
+        <p:spPr>
+          <a:xfrm>
+            <a:off x="3847459" y="7038506"/>
+            <a:ext cx="1980000" cy="900000"/>
+          </a:xfrm>
+          <a:prstGeom prst="diamond">
+            <a:avLst/>
+          </a:prstGeom>
+        </p:spPr>
+        <p:style>
+          <a:lnRef idx="2">
+            <a:schemeClr val="accent1">
+              <a:shade val="50000"/>
+            </a:schemeClr>
+          </a:lnRef>
+          <a:fillRef idx="1">
+            <a:schemeClr val="accent1"/>
+          </a:fillRef>
+          <a:effectRef idx="0">
+            <a:schemeClr val="accent1"/>
+          </a:effectRef>
+          <a:fontRef idx="minor">
+            <a:schemeClr val="lt1"/>
+          </a:fontRef>
+        </p:style>
+        <p:txBody>
+          <a:bodyPr wrap="none" lIns="36000" rIns="36000" rtlCol="0" anchor="ctr"/>
+          <a:lstStyle/>
+          <a:p>
+            <a:pPr marL="0" marR="0" lvl="0" indent="0" algn="ctr" defTabSz="457200" rtl="0" eaLnBrk="1" fontAlgn="auto" latinLnBrk="0" hangingPunct="1">
+              <a:lnSpc>
+                <a:spcPct val="100000"/>
+              </a:lnSpc>
+              <a:spcBef>
+                <a:spcPts val="0"/>
+              </a:spcBef>
+              <a:spcAft>
+                <a:spcPts val="0"/>
+              </a:spcAft>
+              <a:buClrTx/>
+              <a:buSzTx/>
+              <a:buFontTx/>
+              <a:buNone/>
+              <a:tabLst/>
+              <a:defRPr/>
+            </a:pPr>
+            <a:r>
+              <a:rPr lang="en-GB" b="1" dirty="0">
+                <a:solidFill>
+                  <a:prstClr val="white"/>
+                </a:solidFill>
+                <a:latin typeface="Calibri" panose="020F0502020204030204"/>
+              </a:rPr>
+              <a:t>3</a:t>
+            </a:r>
+            <a:r>
+              <a:rPr kumimoji="0" lang="en-GB" sz="1800" b="1" i="0" u="none" strike="noStrike" kern="1200" cap="none" spc="0" normalizeH="0" baseline="0" noProof="0" dirty="0">
+                <a:ln>
+                  <a:noFill/>
+                </a:ln>
+                <a:solidFill>
+                  <a:prstClr val="white"/>
+                </a:solidFill>
+                <a:effectLst/>
+                <a:uLnTx/>
+                <a:uFillTx/>
+                <a:latin typeface="Calibri" panose="020F0502020204030204"/>
+                <a:ea typeface="+mn-ea"/>
+                <a:cs typeface="+mn-cs"/>
+              </a:rPr>
+              <a:t>-layer GRU</a:t>
+            </a:r>
+            <a:endParaRPr kumimoji="0" lang="en-US" sz="1800" b="1" i="0" u="none" strike="noStrike" kern="1200" cap="none" spc="0" normalizeH="0" baseline="0" noProof="0" dirty="0">
+              <a:ln>
+                <a:noFill/>
+              </a:ln>
+              <a:solidFill>
+                <a:prstClr val="white"/>
+              </a:solidFill>
+              <a:effectLst/>
+              <a:uLnTx/>
+              <a:uFillTx/>
+              <a:latin typeface="Calibri" panose="020F0502020204030204"/>
+              <a:ea typeface="+mn-ea"/>
+              <a:cs typeface="+mn-cs"/>
+            </a:endParaRPr>
+          </a:p>
+        </p:txBody>
+      </p:sp>
+      <p:sp>
+        <p:nvSpPr>
+          <p:cNvPr id="48" name="Diamond 47">
+            <a:extLst>
+              <a:ext uri="{FF2B5EF4-FFF2-40B4-BE49-F238E27FC236}">
+                <a16:creationId xmlns:a16="http://schemas.microsoft.com/office/drawing/2014/main" id="{08C840F6-5706-44CC-95B7-766A0D653931}"/>
+              </a:ext>
+            </a:extLst>
+          </p:cNvPr>
+          <p:cNvSpPr/>
+          <p:nvPr/>
+        </p:nvSpPr>
+        <p:spPr>
+          <a:xfrm>
+            <a:off x="3847459" y="8246150"/>
+            <a:ext cx="1980000" cy="900000"/>
+          </a:xfrm>
+          <a:prstGeom prst="diamond">
+            <a:avLst/>
+          </a:prstGeom>
+        </p:spPr>
+        <p:style>
+          <a:lnRef idx="2">
+            <a:schemeClr val="accent5">
+              <a:shade val="50000"/>
+            </a:schemeClr>
+          </a:lnRef>
+          <a:fillRef idx="1">
+            <a:schemeClr val="accent5"/>
+          </a:fillRef>
+          <a:effectRef idx="0">
+            <a:schemeClr val="accent5"/>
+          </a:effectRef>
+          <a:fontRef idx="minor">
+            <a:schemeClr val="lt1"/>
+          </a:fontRef>
+        </p:style>
+        <p:txBody>
+          <a:bodyPr wrap="none" lIns="36000" rIns="36000" rtlCol="0" anchor="ctr"/>
+          <a:lstStyle/>
+          <a:p>
+            <a:pPr marL="0" marR="0" lvl="0" indent="0" algn="ctr" defTabSz="457200" rtl="0" eaLnBrk="1" fontAlgn="auto" latinLnBrk="0" hangingPunct="1">
+              <a:lnSpc>
+                <a:spcPct val="100000"/>
+              </a:lnSpc>
+              <a:spcBef>
+                <a:spcPts val="0"/>
+              </a:spcBef>
+              <a:spcAft>
+                <a:spcPts val="0"/>
+              </a:spcAft>
+              <a:buClrTx/>
+              <a:buSzTx/>
+              <a:buFontTx/>
+              <a:buNone/>
+              <a:tabLst/>
+              <a:defRPr/>
+            </a:pPr>
+            <a:r>
+              <a:rPr kumimoji="0" lang="en-GB" sz="1800" b="1" i="0" u="none" strike="noStrike" kern="1200" cap="none" spc="0" normalizeH="0" baseline="0" noProof="0" dirty="0">
+                <a:ln>
+                  <a:noFill/>
+                </a:ln>
+                <a:solidFill>
+                  <a:prstClr val="white"/>
+                </a:solidFill>
+                <a:effectLst/>
+                <a:uLnTx/>
+                <a:uFillTx/>
+                <a:latin typeface="Calibri" panose="020F0502020204030204"/>
+                <a:ea typeface="+mn-ea"/>
+                <a:cs typeface="+mn-cs"/>
+              </a:rPr>
+              <a:t>1-layer FF-NN</a:t>
+            </a:r>
+            <a:endParaRPr kumimoji="0" lang="en-US" sz="1800" b="1" i="0" u="none" strike="noStrike" kern="1200" cap="none" spc="0" normalizeH="0" baseline="0" noProof="0" dirty="0">
+              <a:ln>
+                <a:noFill/>
+              </a:ln>
+              <a:solidFill>
+                <a:prstClr val="white"/>
+              </a:solidFill>
+              <a:effectLst/>
+              <a:uLnTx/>
+              <a:uFillTx/>
+              <a:latin typeface="Calibri" panose="020F0502020204030204"/>
+              <a:ea typeface="+mn-ea"/>
+              <a:cs typeface="+mn-cs"/>
+            </a:endParaRPr>
+          </a:p>
+        </p:txBody>
+      </p:sp>
+      <p:cxnSp>
+        <p:nvCxnSpPr>
+          <p:cNvPr id="189" name="Straight Arrow Connector 188">
+            <a:extLst>
+              <a:ext uri="{FF2B5EF4-FFF2-40B4-BE49-F238E27FC236}">
+                <a16:creationId xmlns:a16="http://schemas.microsoft.com/office/drawing/2014/main" id="{0A836653-AE9D-4022-AA31-F53FFE2173EA}"/>
+              </a:ext>
+            </a:extLst>
+          </p:cNvPr>
+          <p:cNvCxnSpPr>
+            <a:cxnSpLocks/>
+            <a:endCxn id="48" idx="0"/>
+          </p:cNvCxnSpPr>
+          <p:nvPr/>
+        </p:nvCxnSpPr>
+        <p:spPr>
+          <a:xfrm>
+            <a:off x="4837458" y="7941028"/>
+            <a:ext cx="1" cy="305122"/>
+          </a:xfrm>
+          <a:prstGeom prst="straightConnector1">
+            <a:avLst/>
+          </a:prstGeom>
+          <a:ln w="28575" cap="rnd">
+            <a:solidFill>
+              <a:schemeClr val="tx1"/>
+            </a:solidFill>
+            <a:round/>
+            <a:tailEnd type="triangle" w="lg" len="lg"/>
+          </a:ln>
+        </p:spPr>
+        <p:style>
+          <a:lnRef idx="1">
+            <a:schemeClr val="accent1"/>
+          </a:lnRef>
+          <a:fillRef idx="0">
+            <a:schemeClr val="accent1"/>
+          </a:fillRef>
+          <a:effectRef idx="0">
+            <a:schemeClr val="accent1"/>
+          </a:effectRef>
+          <a:fontRef idx="minor">
+            <a:schemeClr val="tx1"/>
+          </a:fontRef>
+        </p:style>
+      </p:cxnSp>
+      <p:cxnSp>
+        <p:nvCxnSpPr>
+          <p:cNvPr id="191" name="Straight Arrow Connector 190">
+            <a:extLst>
+              <a:ext uri="{FF2B5EF4-FFF2-40B4-BE49-F238E27FC236}">
+                <a16:creationId xmlns:a16="http://schemas.microsoft.com/office/drawing/2014/main" id="{70DABC08-C2B8-4C7C-A69B-1A2EB4F85714}"/>
+              </a:ext>
+            </a:extLst>
+          </p:cNvPr>
+          <p:cNvCxnSpPr>
+            <a:cxnSpLocks/>
+          </p:cNvCxnSpPr>
+          <p:nvPr/>
+        </p:nvCxnSpPr>
+        <p:spPr>
+          <a:xfrm>
+            <a:off x="4837457" y="9167691"/>
+            <a:ext cx="1" cy="305122"/>
+          </a:xfrm>
+          <a:prstGeom prst="straightConnector1">
+            <a:avLst/>
+          </a:prstGeom>
+          <a:ln w="28575" cap="rnd">
+            <a:solidFill>
+              <a:schemeClr val="tx1"/>
+            </a:solidFill>
+            <a:round/>
+            <a:tailEnd type="triangle" w="lg" len="lg"/>
+          </a:ln>
+        </p:spPr>
+        <p:style>
+          <a:lnRef idx="1">
+            <a:schemeClr val="accent1"/>
+          </a:lnRef>
+          <a:fillRef idx="0">
+            <a:schemeClr val="accent1"/>
+          </a:fillRef>
+          <a:effectRef idx="0">
+            <a:schemeClr val="accent1"/>
+          </a:effectRef>
+          <a:fontRef idx="minor">
+            <a:schemeClr val="tx1"/>
+          </a:fontRef>
+        </p:style>
+      </p:cxnSp>
+      <p:cxnSp>
+        <p:nvCxnSpPr>
+          <p:cNvPr id="192" name="Straight Arrow Connector 191">
+            <a:extLst>
+              <a:ext uri="{FF2B5EF4-FFF2-40B4-BE49-F238E27FC236}">
+                <a16:creationId xmlns:a16="http://schemas.microsoft.com/office/drawing/2014/main" id="{4A9B3367-FDEB-4365-9627-6A8B180642E5}"/>
+              </a:ext>
+            </a:extLst>
+          </p:cNvPr>
+          <p:cNvCxnSpPr>
+            <a:cxnSpLocks/>
+          </p:cNvCxnSpPr>
+          <p:nvPr/>
+        </p:nvCxnSpPr>
+        <p:spPr>
+          <a:xfrm>
+            <a:off x="7328624" y="9172413"/>
+            <a:ext cx="1" cy="305122"/>
+          </a:xfrm>
+          <a:prstGeom prst="straightConnector1">
+            <a:avLst/>
+          </a:prstGeom>
+          <a:ln w="28575" cap="rnd">
+            <a:solidFill>
+              <a:schemeClr val="tx1"/>
+            </a:solidFill>
+            <a:round/>
+            <a:tailEnd type="triangle" w="lg" len="lg"/>
+          </a:ln>
+        </p:spPr>
+        <p:style>
+          <a:lnRef idx="1">
+            <a:schemeClr val="accent1"/>
+          </a:lnRef>
+          <a:fillRef idx="0">
+            <a:schemeClr val="accent1"/>
+          </a:fillRef>
+          <a:effectRef idx="0">
+            <a:schemeClr val="accent1"/>
+          </a:effectRef>
+          <a:fontRef idx="minor">
+            <a:schemeClr val="tx1"/>
+          </a:fontRef>
+        </p:style>
+      </p:cxnSp>
+      <p:cxnSp>
+        <p:nvCxnSpPr>
+          <p:cNvPr id="193" name="Straight Arrow Connector 192">
+            <a:extLst>
+              <a:ext uri="{FF2B5EF4-FFF2-40B4-BE49-F238E27FC236}">
+                <a16:creationId xmlns:a16="http://schemas.microsoft.com/office/drawing/2014/main" id="{EC6044EF-F721-467C-8D92-A09CA0039EA0}"/>
+              </a:ext>
+            </a:extLst>
+          </p:cNvPr>
+          <p:cNvCxnSpPr>
+            <a:cxnSpLocks/>
+          </p:cNvCxnSpPr>
+          <p:nvPr/>
+        </p:nvCxnSpPr>
+        <p:spPr>
+          <a:xfrm>
+            <a:off x="7316604" y="7947625"/>
+            <a:ext cx="1" cy="305122"/>
+          </a:xfrm>
+          <a:prstGeom prst="straightConnector1">
+            <a:avLst/>
+          </a:prstGeom>
+          <a:ln w="28575" cap="rnd">
+            <a:solidFill>
+              <a:schemeClr val="tx1"/>
+            </a:solidFill>
+            <a:round/>
+            <a:tailEnd type="triangle" w="lg" len="lg"/>
+          </a:ln>
+        </p:spPr>
+        <p:style>
+          <a:lnRef idx="1">
+            <a:schemeClr val="accent1"/>
+          </a:lnRef>
+          <a:fillRef idx="0">
+            <a:schemeClr val="accent1"/>
+          </a:fillRef>
+          <a:effectRef idx="0">
+            <a:schemeClr val="accent1"/>
+          </a:effectRef>
+          <a:fontRef idx="minor">
+            <a:schemeClr val="tx1"/>
+          </a:fontRef>
+        </p:style>
+      </p:cxnSp>
+      <p:cxnSp>
+        <p:nvCxnSpPr>
+          <p:cNvPr id="143" name="Straight Connector 142">
+            <a:extLst>
+              <a:ext uri="{FF2B5EF4-FFF2-40B4-BE49-F238E27FC236}">
+                <a16:creationId xmlns:a16="http://schemas.microsoft.com/office/drawing/2014/main" id="{CC800517-94BB-49EF-8041-5D7F298F7358}"/>
+              </a:ext>
+            </a:extLst>
+          </p:cNvPr>
+          <p:cNvCxnSpPr>
+            <a:cxnSpLocks/>
+          </p:cNvCxnSpPr>
+          <p:nvPr/>
+        </p:nvCxnSpPr>
+        <p:spPr>
+          <a:xfrm>
+            <a:off x="6070989" y="6490066"/>
+            <a:ext cx="0" cy="252000"/>
+          </a:xfrm>
+          <a:prstGeom prst="line">
+            <a:avLst/>
+          </a:prstGeom>
+          <a:ln w="25400">
+            <a:solidFill>
+              <a:schemeClr val="tx1"/>
+            </a:solidFill>
+          </a:ln>
+        </p:spPr>
+        <p:style>
+          <a:lnRef idx="1">
+            <a:schemeClr val="accent1"/>
+          </a:lnRef>
+          <a:fillRef idx="0">
+            <a:schemeClr val="accent1"/>
+          </a:fillRef>
+          <a:effectRef idx="0">
+            <a:schemeClr val="accent1"/>
+          </a:effectRef>
+          <a:fontRef idx="minor">
+            <a:schemeClr val="tx1"/>
+          </a:fontRef>
+        </p:style>
+      </p:cxnSp>
+      <p:cxnSp>
+        <p:nvCxnSpPr>
+          <p:cNvPr id="198" name="Straight Arrow Connector 197">
+            <a:extLst>
+              <a:ext uri="{FF2B5EF4-FFF2-40B4-BE49-F238E27FC236}">
+                <a16:creationId xmlns:a16="http://schemas.microsoft.com/office/drawing/2014/main" id="{102FE1DE-FB67-44A7-B458-35FBBC1C20BB}"/>
+              </a:ext>
+            </a:extLst>
+          </p:cNvPr>
+          <p:cNvCxnSpPr>
+            <a:cxnSpLocks/>
+          </p:cNvCxnSpPr>
+          <p:nvPr/>
+        </p:nvCxnSpPr>
+        <p:spPr>
+          <a:xfrm>
+            <a:off x="7316242" y="6776906"/>
+            <a:ext cx="0" cy="284750"/>
+          </a:xfrm>
+          <a:prstGeom prst="straightConnector1">
+            <a:avLst/>
+          </a:prstGeom>
+          <a:ln w="28575" cap="rnd">
+            <a:solidFill>
+              <a:schemeClr val="tx1"/>
+            </a:solidFill>
+            <a:round/>
+            <a:tailEnd type="triangle" w="lg" len="lg"/>
+          </a:ln>
+        </p:spPr>
+        <p:style>
+          <a:lnRef idx="1">
+            <a:schemeClr val="accent1"/>
+          </a:lnRef>
+          <a:fillRef idx="0">
+            <a:schemeClr val="accent1"/>
+          </a:fillRef>
+          <a:effectRef idx="0">
+            <a:schemeClr val="accent1"/>
+          </a:effectRef>
+          <a:fontRef idx="minor">
+            <a:schemeClr val="tx1"/>
+          </a:fontRef>
+        </p:style>
+      </p:cxnSp>
+      <p:cxnSp>
+        <p:nvCxnSpPr>
+          <p:cNvPr id="199" name="Straight Arrow Connector 198">
+            <a:extLst>
+              <a:ext uri="{FF2B5EF4-FFF2-40B4-BE49-F238E27FC236}">
+                <a16:creationId xmlns:a16="http://schemas.microsoft.com/office/drawing/2014/main" id="{281C9086-8694-4D8D-92CD-0F9C01D191EE}"/>
+              </a:ext>
+            </a:extLst>
+          </p:cNvPr>
+          <p:cNvCxnSpPr>
+            <a:cxnSpLocks/>
+          </p:cNvCxnSpPr>
+          <p:nvPr/>
+        </p:nvCxnSpPr>
+        <p:spPr>
+          <a:xfrm flipH="1">
+            <a:off x="4846263" y="6772038"/>
+            <a:ext cx="6996" cy="288000"/>
+          </a:xfrm>
+          <a:prstGeom prst="straightConnector1">
+            <a:avLst/>
+          </a:prstGeom>
+          <a:ln w="28575" cap="rnd">
+            <a:solidFill>
+              <a:schemeClr val="tx1"/>
+            </a:solidFill>
+            <a:round/>
+            <a:tailEnd type="triangle" w="lg" len="lg"/>
+          </a:ln>
+        </p:spPr>
+        <p:style>
+          <a:lnRef idx="1">
+            <a:schemeClr val="accent1"/>
+          </a:lnRef>
+          <a:fillRef idx="0">
+            <a:schemeClr val="accent1"/>
+          </a:fillRef>
+          <a:effectRef idx="0">
+            <a:schemeClr val="accent1"/>
+          </a:effectRef>
+          <a:fontRef idx="minor">
+            <a:schemeClr val="tx1"/>
+          </a:fontRef>
+        </p:style>
+      </p:cxnSp>
+      <p:cxnSp>
+        <p:nvCxnSpPr>
+          <p:cNvPr id="207" name="Straight Connector 206">
+            <a:extLst>
+              <a:ext uri="{FF2B5EF4-FFF2-40B4-BE49-F238E27FC236}">
+                <a16:creationId xmlns:a16="http://schemas.microsoft.com/office/drawing/2014/main" id="{906A3CBD-C9ED-4696-BD30-1F5EFFDBD3AB}"/>
+              </a:ext>
+            </a:extLst>
+          </p:cNvPr>
+          <p:cNvCxnSpPr>
+            <a:cxnSpLocks/>
+          </p:cNvCxnSpPr>
+          <p:nvPr/>
+        </p:nvCxnSpPr>
+        <p:spPr>
+          <a:xfrm flipH="1">
+            <a:off x="4868183" y="6747667"/>
+            <a:ext cx="2448000" cy="0"/>
+          </a:xfrm>
+          <a:prstGeom prst="line">
+            <a:avLst/>
+          </a:prstGeom>
+          <a:ln w="25400">
+            <a:solidFill>
+              <a:schemeClr val="tx1"/>
+            </a:solidFill>
+          </a:ln>
+        </p:spPr>
+        <p:style>
+          <a:lnRef idx="1">
+            <a:schemeClr val="accent1"/>
+          </a:lnRef>
+          <a:fillRef idx="0">
+            <a:schemeClr val="accent1"/>
+          </a:fillRef>
+          <a:effectRef idx="0">
+            <a:schemeClr val="accent1"/>
+          </a:effectRef>
+          <a:fontRef idx="minor">
+            <a:schemeClr val="tx1"/>
+          </a:fontRef>
+        </p:style>
+      </p:cxnSp>
     </p:spTree>
     <p:extLst>
       <p:ext uri="{BB962C8B-B14F-4D97-AF65-F5344CB8AC3E}">
-        <p14:creationId xmlns:p14="http://schemas.microsoft.com/office/powerpoint/2010/main" val="3732675719"/>
+        <p14:creationId xmlns:p14="http://schemas.microsoft.com/office/powerpoint/2010/main" val="3272393323"/>
       </p:ext>
     </p:extLst>
   </p:cSld>
@@ -8680,19 +8796,1157 @@
       </p:grpSpPr>
       <p:sp>
         <p:nvSpPr>
-          <p:cNvPr id="246" name="Rectangle 245">
-            <a:extLst>
-              <a:ext uri="{FF2B5EF4-FFF2-40B4-BE49-F238E27FC236}">
-                <a16:creationId xmlns:a16="http://schemas.microsoft.com/office/drawing/2014/main" id="{21EBD558-2A2F-AE47-AA00-988700403061}"/>
-              </a:ext>
-            </a:extLst>
-          </p:cNvPr>
-          <p:cNvSpPr/>
-          <p:nvPr/>
-        </p:nvSpPr>
-        <p:spPr>
-          <a:xfrm>
-            <a:off x="2636928" y="3680413"/>
+          <p:cNvPr id="42" name="Down Arrow 41">
+            <a:extLst>
+              <a:ext uri="{FF2B5EF4-FFF2-40B4-BE49-F238E27FC236}">
+                <a16:creationId xmlns:a16="http://schemas.microsoft.com/office/drawing/2014/main" id="{BAAA1F9F-2859-0C46-BA4D-E8A13AC51CA0}"/>
+              </a:ext>
+            </a:extLst>
+          </p:cNvPr>
+          <p:cNvSpPr/>
+          <p:nvPr/>
+        </p:nvSpPr>
+        <p:spPr>
+          <a:xfrm rot="20028264">
+            <a:off x="3899185" y="3133669"/>
+            <a:ext cx="277323" cy="1327083"/>
+          </a:xfrm>
+          <a:prstGeom prst="downArrow">
+            <a:avLst/>
+          </a:prstGeom>
+          <a:solidFill>
+            <a:schemeClr val="bg1"/>
+          </a:solidFill>
+          <a:ln w="25400"/>
+        </p:spPr>
+        <p:style>
+          <a:lnRef idx="2">
+            <a:schemeClr val="accent1">
+              <a:shade val="50000"/>
+            </a:schemeClr>
+          </a:lnRef>
+          <a:fillRef idx="1">
+            <a:schemeClr val="accent1"/>
+          </a:fillRef>
+          <a:effectRef idx="0">
+            <a:schemeClr val="accent1"/>
+          </a:effectRef>
+          <a:fontRef idx="minor">
+            <a:schemeClr val="lt1"/>
+          </a:fontRef>
+        </p:style>
+        <p:txBody>
+          <a:bodyPr rtlCol="0" anchor="ctr"/>
+          <a:lstStyle/>
+          <a:p>
+            <a:pPr algn="ctr"/>
+            <a:endParaRPr lang="en-US"/>
+          </a:p>
+        </p:txBody>
+      </p:sp>
+      <p:sp>
+        <p:nvSpPr>
+          <p:cNvPr id="109" name="Down Arrow 108">
+            <a:extLst>
+              <a:ext uri="{FF2B5EF4-FFF2-40B4-BE49-F238E27FC236}">
+                <a16:creationId xmlns:a16="http://schemas.microsoft.com/office/drawing/2014/main" id="{D1C86BE8-AB9F-3041-B936-F28916657186}"/>
+              </a:ext>
+            </a:extLst>
+          </p:cNvPr>
+          <p:cNvSpPr/>
+          <p:nvPr/>
+        </p:nvSpPr>
+        <p:spPr>
+          <a:xfrm>
+            <a:off x="6759863" y="3718335"/>
+            <a:ext cx="277323" cy="693159"/>
+          </a:xfrm>
+          <a:prstGeom prst="downArrow">
+            <a:avLst/>
+          </a:prstGeom>
+          <a:solidFill>
+            <a:schemeClr val="bg1"/>
+          </a:solidFill>
+          <a:ln w="25400"/>
+        </p:spPr>
+        <p:style>
+          <a:lnRef idx="2">
+            <a:schemeClr val="accent1">
+              <a:shade val="50000"/>
+            </a:schemeClr>
+          </a:lnRef>
+          <a:fillRef idx="1">
+            <a:schemeClr val="accent1"/>
+          </a:fillRef>
+          <a:effectRef idx="0">
+            <a:schemeClr val="accent1"/>
+          </a:effectRef>
+          <a:fontRef idx="minor">
+            <a:schemeClr val="lt1"/>
+          </a:fontRef>
+        </p:style>
+        <p:txBody>
+          <a:bodyPr rtlCol="0" anchor="ctr"/>
+          <a:lstStyle/>
+          <a:p>
+            <a:pPr algn="ctr"/>
+            <a:endParaRPr lang="en-US"/>
+          </a:p>
+        </p:txBody>
+      </p:sp>
+      <p:sp>
+        <p:nvSpPr>
+          <p:cNvPr id="6" name="Hexagon 5">
+            <a:extLst>
+              <a:ext uri="{FF2B5EF4-FFF2-40B4-BE49-F238E27FC236}">
+                <a16:creationId xmlns:a16="http://schemas.microsoft.com/office/drawing/2014/main" id="{B9F5FB16-C08F-3246-A19F-5249A511A94E}"/>
+              </a:ext>
+            </a:extLst>
+          </p:cNvPr>
+          <p:cNvSpPr/>
+          <p:nvPr/>
+        </p:nvSpPr>
+        <p:spPr>
+          <a:xfrm>
+            <a:off x="4392419" y="599147"/>
+            <a:ext cx="905005" cy="603890"/>
+          </a:xfrm>
+          <a:prstGeom prst="hexagon">
+            <a:avLst/>
+          </a:prstGeom>
+        </p:spPr>
+        <p:style>
+          <a:lnRef idx="1">
+            <a:schemeClr val="accent6"/>
+          </a:lnRef>
+          <a:fillRef idx="2">
+            <a:schemeClr val="accent6"/>
+          </a:fillRef>
+          <a:effectRef idx="1">
+            <a:schemeClr val="accent6"/>
+          </a:effectRef>
+          <a:fontRef idx="minor">
+            <a:schemeClr val="dk1"/>
+          </a:fontRef>
+        </p:style>
+        <p:txBody>
+          <a:bodyPr rtlCol="0" anchor="ctr"/>
+          <a:lstStyle/>
+          <a:p>
+            <a:pPr algn="ctr"/>
+            <a:r>
+              <a:rPr lang="en-US" sz="1600"/>
+              <a:t>move.n.1</a:t>
+            </a:r>
+          </a:p>
+        </p:txBody>
+      </p:sp>
+      <p:sp>
+        <p:nvSpPr>
+          <p:cNvPr id="7" name="Hexagon 6">
+            <a:extLst>
+              <a:ext uri="{FF2B5EF4-FFF2-40B4-BE49-F238E27FC236}">
+                <a16:creationId xmlns:a16="http://schemas.microsoft.com/office/drawing/2014/main" id="{B1C06240-AEB9-4947-925A-8920BEA1706B}"/>
+              </a:ext>
+            </a:extLst>
+          </p:cNvPr>
+          <p:cNvSpPr/>
+          <p:nvPr/>
+        </p:nvSpPr>
+        <p:spPr>
+          <a:xfrm>
+            <a:off x="6764499" y="321174"/>
+            <a:ext cx="910438" cy="515727"/>
+          </a:xfrm>
+          <a:prstGeom prst="hexagon">
+            <a:avLst/>
+          </a:prstGeom>
+        </p:spPr>
+        <p:style>
+          <a:lnRef idx="1">
+            <a:schemeClr val="accent6"/>
+          </a:lnRef>
+          <a:fillRef idx="2">
+            <a:schemeClr val="accent6"/>
+          </a:fillRef>
+          <a:effectRef idx="1">
+            <a:schemeClr val="accent6"/>
+          </a:effectRef>
+          <a:fontRef idx="minor">
+            <a:schemeClr val="dk1"/>
+          </a:fontRef>
+        </p:style>
+        <p:txBody>
+          <a:bodyPr rtlCol="0" anchor="ctr"/>
+          <a:lstStyle/>
+          <a:p>
+            <a:pPr algn="ctr"/>
+            <a:r>
+              <a:rPr lang="en-US" sz="1600"/>
+              <a:t>Move.v.2</a:t>
+            </a:r>
+          </a:p>
+        </p:txBody>
+      </p:sp>
+      <p:sp>
+        <p:nvSpPr>
+          <p:cNvPr id="8" name="Hexagon 7">
+            <a:extLst>
+              <a:ext uri="{FF2B5EF4-FFF2-40B4-BE49-F238E27FC236}">
+                <a16:creationId xmlns:a16="http://schemas.microsoft.com/office/drawing/2014/main" id="{B61C1C5B-0BD1-964A-A000-19B3966DF23A}"/>
+              </a:ext>
+            </a:extLst>
+          </p:cNvPr>
+          <p:cNvSpPr/>
+          <p:nvPr/>
+        </p:nvSpPr>
+        <p:spPr>
+          <a:xfrm>
+            <a:off x="6764499" y="1242892"/>
+            <a:ext cx="905005" cy="517509"/>
+          </a:xfrm>
+          <a:prstGeom prst="hexagon">
+            <a:avLst/>
+          </a:prstGeom>
+        </p:spPr>
+        <p:style>
+          <a:lnRef idx="1">
+            <a:schemeClr val="accent6"/>
+          </a:lnRef>
+          <a:fillRef idx="2">
+            <a:schemeClr val="accent6"/>
+          </a:fillRef>
+          <a:effectRef idx="1">
+            <a:schemeClr val="accent6"/>
+          </a:effectRef>
+          <a:fontRef idx="minor">
+            <a:schemeClr val="dk1"/>
+          </a:fontRef>
+        </p:style>
+        <p:txBody>
+          <a:bodyPr rtlCol="0" anchor="ctr"/>
+          <a:lstStyle/>
+          <a:p>
+            <a:pPr algn="ctr"/>
+            <a:r>
+              <a:rPr lang="en-US" sz="1600"/>
+              <a:t>Move.v.5</a:t>
+            </a:r>
+          </a:p>
+        </p:txBody>
+      </p:sp>
+      <p:sp>
+        <p:nvSpPr>
+          <p:cNvPr id="12" name="Oval 11">
+            <a:extLst>
+              <a:ext uri="{FF2B5EF4-FFF2-40B4-BE49-F238E27FC236}">
+                <a16:creationId xmlns:a16="http://schemas.microsoft.com/office/drawing/2014/main" id="{94D6F858-6725-B745-B91B-B683CD959924}"/>
+              </a:ext>
+            </a:extLst>
+          </p:cNvPr>
+          <p:cNvSpPr/>
+          <p:nvPr/>
+        </p:nvSpPr>
+        <p:spPr>
+          <a:xfrm>
+            <a:off x="7878391" y="265389"/>
+            <a:ext cx="275478" cy="281318"/>
+          </a:xfrm>
+          <a:prstGeom prst="ellipse">
+            <a:avLst/>
+          </a:prstGeom>
+        </p:spPr>
+        <p:style>
+          <a:lnRef idx="1">
+            <a:schemeClr val="accent5"/>
+          </a:lnRef>
+          <a:fillRef idx="2">
+            <a:schemeClr val="accent5"/>
+          </a:fillRef>
+          <a:effectRef idx="1">
+            <a:schemeClr val="accent5"/>
+          </a:effectRef>
+          <a:fontRef idx="minor">
+            <a:schemeClr val="dk1"/>
+          </a:fontRef>
+        </p:style>
+        <p:txBody>
+          <a:bodyPr rtlCol="0" anchor="ctr"/>
+          <a:lstStyle/>
+          <a:p>
+            <a:pPr algn="ctr"/>
+            <a:r>
+              <a:rPr lang="en-US" sz="1600"/>
+              <a:t>d</a:t>
+            </a:r>
+            <a:endParaRPr lang="en-US" sz="1400"/>
+          </a:p>
+        </p:txBody>
+      </p:sp>
+      <p:sp>
+        <p:nvSpPr>
+          <p:cNvPr id="13" name="Oval 12">
+            <a:extLst>
+              <a:ext uri="{FF2B5EF4-FFF2-40B4-BE49-F238E27FC236}">
+                <a16:creationId xmlns:a16="http://schemas.microsoft.com/office/drawing/2014/main" id="{F30636A2-A46C-FB44-8080-905EE3177FDA}"/>
+              </a:ext>
+            </a:extLst>
+          </p:cNvPr>
+          <p:cNvSpPr/>
+          <p:nvPr/>
+        </p:nvSpPr>
+        <p:spPr>
+          <a:xfrm>
+            <a:off x="8215881" y="275181"/>
+            <a:ext cx="277883" cy="271526"/>
+          </a:xfrm>
+          <a:prstGeom prst="ellipse">
+            <a:avLst/>
+          </a:prstGeom>
+        </p:spPr>
+        <p:style>
+          <a:lnRef idx="1">
+            <a:schemeClr val="accent5"/>
+          </a:lnRef>
+          <a:fillRef idx="2">
+            <a:schemeClr val="accent5"/>
+          </a:fillRef>
+          <a:effectRef idx="1">
+            <a:schemeClr val="accent5"/>
+          </a:effectRef>
+          <a:fontRef idx="minor">
+            <a:schemeClr val="dk1"/>
+          </a:fontRef>
+        </p:style>
+        <p:txBody>
+          <a:bodyPr rtlCol="0" anchor="ctr"/>
+          <a:lstStyle/>
+          <a:p>
+            <a:pPr algn="ctr"/>
+            <a:endParaRPr lang="en-US"/>
+          </a:p>
+        </p:txBody>
+      </p:sp>
+      <p:sp>
+        <p:nvSpPr>
+          <p:cNvPr id="17" name="Oval 16">
+            <a:extLst>
+              <a:ext uri="{FF2B5EF4-FFF2-40B4-BE49-F238E27FC236}">
+                <a16:creationId xmlns:a16="http://schemas.microsoft.com/office/drawing/2014/main" id="{C84F0CB5-C438-064D-A3E4-B7046DBAD7C8}"/>
+              </a:ext>
+            </a:extLst>
+          </p:cNvPr>
+          <p:cNvSpPr/>
+          <p:nvPr/>
+        </p:nvSpPr>
+        <p:spPr>
+          <a:xfrm>
+            <a:off x="7849578" y="696579"/>
+            <a:ext cx="275478" cy="276498"/>
+          </a:xfrm>
+          <a:prstGeom prst="ellipse">
+            <a:avLst/>
+          </a:prstGeom>
+        </p:spPr>
+        <p:style>
+          <a:lnRef idx="1">
+            <a:schemeClr val="accent5"/>
+          </a:lnRef>
+          <a:fillRef idx="3">
+            <a:schemeClr val="accent5"/>
+          </a:fillRef>
+          <a:effectRef idx="2">
+            <a:schemeClr val="accent5"/>
+          </a:effectRef>
+          <a:fontRef idx="minor">
+            <a:schemeClr val="lt1"/>
+          </a:fontRef>
+        </p:style>
+        <p:txBody>
+          <a:bodyPr rtlCol="0" anchor="ctr"/>
+          <a:lstStyle/>
+          <a:p>
+            <a:pPr algn="ctr"/>
+            <a:r>
+              <a:rPr lang="en-US" sz="1600"/>
+              <a:t>e</a:t>
+            </a:r>
+          </a:p>
+        </p:txBody>
+      </p:sp>
+      <p:sp>
+        <p:nvSpPr>
+          <p:cNvPr id="18" name="Oval 17">
+            <a:extLst>
+              <a:ext uri="{FF2B5EF4-FFF2-40B4-BE49-F238E27FC236}">
+                <a16:creationId xmlns:a16="http://schemas.microsoft.com/office/drawing/2014/main" id="{5439994B-AF66-AA41-959E-7550A2E95109}"/>
+              </a:ext>
+            </a:extLst>
+          </p:cNvPr>
+          <p:cNvSpPr/>
+          <p:nvPr/>
+        </p:nvSpPr>
+        <p:spPr>
+          <a:xfrm>
+            <a:off x="8215882" y="696579"/>
+            <a:ext cx="277884" cy="276498"/>
+          </a:xfrm>
+          <a:prstGeom prst="ellipse">
+            <a:avLst/>
+          </a:prstGeom>
+        </p:spPr>
+        <p:style>
+          <a:lnRef idx="1">
+            <a:schemeClr val="accent5"/>
+          </a:lnRef>
+          <a:fillRef idx="3">
+            <a:schemeClr val="accent5"/>
+          </a:fillRef>
+          <a:effectRef idx="2">
+            <a:schemeClr val="accent5"/>
+          </a:effectRef>
+          <a:fontRef idx="minor">
+            <a:schemeClr val="lt1"/>
+          </a:fontRef>
+        </p:style>
+        <p:txBody>
+          <a:bodyPr rtlCol="0" anchor="ctr"/>
+          <a:lstStyle/>
+          <a:p>
+            <a:pPr algn="ctr"/>
+            <a:endParaRPr lang="en-US"/>
+          </a:p>
+        </p:txBody>
+      </p:sp>
+      <p:cxnSp>
+        <p:nvCxnSpPr>
+          <p:cNvPr id="19" name="Straight Arrow Connector 18">
+            <a:extLst>
+              <a:ext uri="{FF2B5EF4-FFF2-40B4-BE49-F238E27FC236}">
+                <a16:creationId xmlns:a16="http://schemas.microsoft.com/office/drawing/2014/main" id="{AE503C77-7FDA-F34B-A439-49258FF1DCBF}"/>
+              </a:ext>
+            </a:extLst>
+          </p:cNvPr>
+          <p:cNvCxnSpPr>
+            <a:cxnSpLocks/>
+            <a:stCxn id="50" idx="6"/>
+            <a:endCxn id="6" idx="3"/>
+          </p:cNvCxnSpPr>
+          <p:nvPr/>
+        </p:nvCxnSpPr>
+        <p:spPr>
+          <a:xfrm flipV="1">
+            <a:off x="4060156" y="901092"/>
+            <a:ext cx="332263" cy="68488"/>
+          </a:xfrm>
+          <a:prstGeom prst="straightConnector1">
+            <a:avLst/>
+          </a:prstGeom>
+          <a:ln>
+            <a:tailEnd type="triangle"/>
+          </a:ln>
+        </p:spPr>
+        <p:style>
+          <a:lnRef idx="1">
+            <a:schemeClr val="accent1"/>
+          </a:lnRef>
+          <a:fillRef idx="0">
+            <a:schemeClr val="accent1"/>
+          </a:fillRef>
+          <a:effectRef idx="0">
+            <a:schemeClr val="accent1"/>
+          </a:effectRef>
+          <a:fontRef idx="minor">
+            <a:schemeClr val="tx1"/>
+          </a:fontRef>
+        </p:style>
+      </p:cxnSp>
+      <p:cxnSp>
+        <p:nvCxnSpPr>
+          <p:cNvPr id="22" name="Straight Arrow Connector 21">
+            <a:extLst>
+              <a:ext uri="{FF2B5EF4-FFF2-40B4-BE49-F238E27FC236}">
+                <a16:creationId xmlns:a16="http://schemas.microsoft.com/office/drawing/2014/main" id="{1BECA0FA-EAE7-CF42-8A17-579687C1541A}"/>
+              </a:ext>
+            </a:extLst>
+          </p:cNvPr>
+          <p:cNvCxnSpPr>
+            <a:cxnSpLocks/>
+            <a:stCxn id="12" idx="2"/>
+            <a:endCxn id="7" idx="5"/>
+          </p:cNvCxnSpPr>
+          <p:nvPr/>
+        </p:nvCxnSpPr>
+        <p:spPr>
+          <a:xfrm flipH="1" flipV="1">
+            <a:off x="7546005" y="321174"/>
+            <a:ext cx="332386" cy="84874"/>
+          </a:xfrm>
+          <a:prstGeom prst="straightConnector1">
+            <a:avLst/>
+          </a:prstGeom>
+          <a:ln>
+            <a:tailEnd type="triangle"/>
+          </a:ln>
+        </p:spPr>
+        <p:style>
+          <a:lnRef idx="1">
+            <a:schemeClr val="accent1"/>
+          </a:lnRef>
+          <a:fillRef idx="0">
+            <a:schemeClr val="accent1"/>
+          </a:fillRef>
+          <a:effectRef idx="0">
+            <a:schemeClr val="accent1"/>
+          </a:effectRef>
+          <a:fontRef idx="minor">
+            <a:schemeClr val="tx1"/>
+          </a:fontRef>
+        </p:style>
+      </p:cxnSp>
+      <p:cxnSp>
+        <p:nvCxnSpPr>
+          <p:cNvPr id="23" name="Straight Arrow Connector 22">
+            <a:extLst>
+              <a:ext uri="{FF2B5EF4-FFF2-40B4-BE49-F238E27FC236}">
+                <a16:creationId xmlns:a16="http://schemas.microsoft.com/office/drawing/2014/main" id="{3DF8CF7D-D2C4-3D47-9955-3AF532FB2195}"/>
+              </a:ext>
+            </a:extLst>
+          </p:cNvPr>
+          <p:cNvCxnSpPr>
+            <a:cxnSpLocks/>
+            <a:stCxn id="13" idx="1"/>
+            <a:endCxn id="7" idx="5"/>
+          </p:cNvCxnSpPr>
+          <p:nvPr/>
+        </p:nvCxnSpPr>
+        <p:spPr>
+          <a:xfrm flipH="1">
+            <a:off x="7546005" y="314945"/>
+            <a:ext cx="710571" cy="6229"/>
+          </a:xfrm>
+          <a:prstGeom prst="straightConnector1">
+            <a:avLst/>
+          </a:prstGeom>
+          <a:ln>
+            <a:tailEnd type="triangle"/>
+          </a:ln>
+        </p:spPr>
+        <p:style>
+          <a:lnRef idx="1">
+            <a:schemeClr val="accent1"/>
+          </a:lnRef>
+          <a:fillRef idx="0">
+            <a:schemeClr val="accent1"/>
+          </a:fillRef>
+          <a:effectRef idx="0">
+            <a:schemeClr val="accent1"/>
+          </a:effectRef>
+          <a:fontRef idx="minor">
+            <a:schemeClr val="tx1"/>
+          </a:fontRef>
+        </p:style>
+      </p:cxnSp>
+      <p:cxnSp>
+        <p:nvCxnSpPr>
+          <p:cNvPr id="24" name="Straight Arrow Connector 23">
+            <a:extLst>
+              <a:ext uri="{FF2B5EF4-FFF2-40B4-BE49-F238E27FC236}">
+                <a16:creationId xmlns:a16="http://schemas.microsoft.com/office/drawing/2014/main" id="{27448903-DF5D-6B46-9509-1BE75AC76DBA}"/>
+              </a:ext>
+            </a:extLst>
+          </p:cNvPr>
+          <p:cNvCxnSpPr>
+            <a:cxnSpLocks/>
+            <a:stCxn id="51" idx="7"/>
+            <a:endCxn id="6" idx="3"/>
+          </p:cNvCxnSpPr>
+          <p:nvPr/>
+        </p:nvCxnSpPr>
+        <p:spPr>
+          <a:xfrm flipV="1">
+            <a:off x="4022511" y="901092"/>
+            <a:ext cx="369908" cy="386819"/>
+          </a:xfrm>
+          <a:prstGeom prst="straightConnector1">
+            <a:avLst/>
+          </a:prstGeom>
+          <a:ln>
+            <a:tailEnd type="triangle"/>
+          </a:ln>
+        </p:spPr>
+        <p:style>
+          <a:lnRef idx="1">
+            <a:schemeClr val="accent1"/>
+          </a:lnRef>
+          <a:fillRef idx="0">
+            <a:schemeClr val="accent1"/>
+          </a:fillRef>
+          <a:effectRef idx="0">
+            <a:schemeClr val="accent1"/>
+          </a:effectRef>
+          <a:fontRef idx="minor">
+            <a:schemeClr val="tx1"/>
+          </a:fontRef>
+        </p:style>
+      </p:cxnSp>
+      <p:cxnSp>
+        <p:nvCxnSpPr>
+          <p:cNvPr id="25" name="Straight Arrow Connector 24">
+            <a:extLst>
+              <a:ext uri="{FF2B5EF4-FFF2-40B4-BE49-F238E27FC236}">
+                <a16:creationId xmlns:a16="http://schemas.microsoft.com/office/drawing/2014/main" id="{A08AFBF7-BC85-0442-838B-3B3D395684AE}"/>
+              </a:ext>
+            </a:extLst>
+          </p:cNvPr>
+          <p:cNvCxnSpPr>
+            <a:cxnSpLocks/>
+            <a:stCxn id="56" idx="7"/>
+            <a:endCxn id="6" idx="2"/>
+          </p:cNvCxnSpPr>
+          <p:nvPr/>
+        </p:nvCxnSpPr>
+        <p:spPr>
+          <a:xfrm flipV="1">
+            <a:off x="4323774" y="1203037"/>
+            <a:ext cx="219618" cy="301053"/>
+          </a:xfrm>
+          <a:prstGeom prst="straightConnector1">
+            <a:avLst/>
+          </a:prstGeom>
+          <a:ln>
+            <a:tailEnd type="triangle"/>
+          </a:ln>
+        </p:spPr>
+        <p:style>
+          <a:lnRef idx="1">
+            <a:schemeClr val="accent1"/>
+          </a:lnRef>
+          <a:fillRef idx="0">
+            <a:schemeClr val="accent1"/>
+          </a:fillRef>
+          <a:effectRef idx="0">
+            <a:schemeClr val="accent1"/>
+          </a:effectRef>
+          <a:fontRef idx="minor">
+            <a:schemeClr val="tx1"/>
+          </a:fontRef>
+        </p:style>
+      </p:cxnSp>
+      <p:cxnSp>
+        <p:nvCxnSpPr>
+          <p:cNvPr id="26" name="Straight Arrow Connector 25">
+            <a:extLst>
+              <a:ext uri="{FF2B5EF4-FFF2-40B4-BE49-F238E27FC236}">
+                <a16:creationId xmlns:a16="http://schemas.microsoft.com/office/drawing/2014/main" id="{1AA4A852-D5D9-484D-B139-879158F39CCD}"/>
+              </a:ext>
+            </a:extLst>
+          </p:cNvPr>
+          <p:cNvCxnSpPr>
+            <a:cxnSpLocks/>
+            <a:stCxn id="58" idx="0"/>
+          </p:cNvCxnSpPr>
+          <p:nvPr/>
+        </p:nvCxnSpPr>
+        <p:spPr>
+          <a:xfrm flipH="1" flipV="1">
+            <a:off x="4930240" y="1212113"/>
+            <a:ext cx="45554" cy="256397"/>
+          </a:xfrm>
+          <a:prstGeom prst="straightConnector1">
+            <a:avLst/>
+          </a:prstGeom>
+          <a:ln>
+            <a:tailEnd type="triangle"/>
+          </a:ln>
+        </p:spPr>
+        <p:style>
+          <a:lnRef idx="1">
+            <a:schemeClr val="accent1"/>
+          </a:lnRef>
+          <a:fillRef idx="0">
+            <a:schemeClr val="accent1"/>
+          </a:fillRef>
+          <a:effectRef idx="0">
+            <a:schemeClr val="accent1"/>
+          </a:effectRef>
+          <a:fontRef idx="minor">
+            <a:schemeClr val="tx1"/>
+          </a:fontRef>
+        </p:style>
+      </p:cxnSp>
+      <p:cxnSp>
+        <p:nvCxnSpPr>
+          <p:cNvPr id="27" name="Straight Arrow Connector 26">
+            <a:extLst>
+              <a:ext uri="{FF2B5EF4-FFF2-40B4-BE49-F238E27FC236}">
+                <a16:creationId xmlns:a16="http://schemas.microsoft.com/office/drawing/2014/main" id="{BA5CDD90-ED6D-8743-ABFB-8D39BECF391E}"/>
+              </a:ext>
+            </a:extLst>
+          </p:cNvPr>
+          <p:cNvCxnSpPr>
+            <a:cxnSpLocks/>
+            <a:stCxn id="17" idx="2"/>
+            <a:endCxn id="7" idx="0"/>
+          </p:cNvCxnSpPr>
+          <p:nvPr/>
+        </p:nvCxnSpPr>
+        <p:spPr>
+          <a:xfrm flipH="1" flipV="1">
+            <a:off x="7674937" y="579038"/>
+            <a:ext cx="174641" cy="255790"/>
+          </a:xfrm>
+          <a:prstGeom prst="straightConnector1">
+            <a:avLst/>
+          </a:prstGeom>
+          <a:ln>
+            <a:tailEnd type="triangle"/>
+          </a:ln>
+        </p:spPr>
+        <p:style>
+          <a:lnRef idx="1">
+            <a:schemeClr val="accent1"/>
+          </a:lnRef>
+          <a:fillRef idx="0">
+            <a:schemeClr val="accent1"/>
+          </a:fillRef>
+          <a:effectRef idx="0">
+            <a:schemeClr val="accent1"/>
+          </a:effectRef>
+          <a:fontRef idx="minor">
+            <a:schemeClr val="tx1"/>
+          </a:fontRef>
+        </p:style>
+      </p:cxnSp>
+      <p:cxnSp>
+        <p:nvCxnSpPr>
+          <p:cNvPr id="28" name="Straight Arrow Connector 27">
+            <a:extLst>
+              <a:ext uri="{FF2B5EF4-FFF2-40B4-BE49-F238E27FC236}">
+                <a16:creationId xmlns:a16="http://schemas.microsoft.com/office/drawing/2014/main" id="{12A020E5-726A-AD46-8DBB-5644F0512951}"/>
+              </a:ext>
+            </a:extLst>
+          </p:cNvPr>
+          <p:cNvCxnSpPr>
+            <a:cxnSpLocks/>
+            <a:stCxn id="18" idx="1"/>
+            <a:endCxn id="7" idx="0"/>
+          </p:cNvCxnSpPr>
+          <p:nvPr/>
+        </p:nvCxnSpPr>
+        <p:spPr>
+          <a:xfrm flipH="1" flipV="1">
+            <a:off x="7674937" y="579038"/>
+            <a:ext cx="581640" cy="158033"/>
+          </a:xfrm>
+          <a:prstGeom prst="straightConnector1">
+            <a:avLst/>
+          </a:prstGeom>
+          <a:ln>
+            <a:tailEnd type="triangle"/>
+          </a:ln>
+        </p:spPr>
+        <p:style>
+          <a:lnRef idx="1">
+            <a:schemeClr val="accent1"/>
+          </a:lnRef>
+          <a:fillRef idx="0">
+            <a:schemeClr val="accent1"/>
+          </a:fillRef>
+          <a:effectRef idx="0">
+            <a:schemeClr val="accent1"/>
+          </a:effectRef>
+          <a:fontRef idx="minor">
+            <a:schemeClr val="tx1"/>
+          </a:fontRef>
+        </p:style>
+      </p:cxnSp>
+      <p:sp>
+        <p:nvSpPr>
+          <p:cNvPr id="29" name="Rectangle 28">
+            <a:extLst>
+              <a:ext uri="{FF2B5EF4-FFF2-40B4-BE49-F238E27FC236}">
+                <a16:creationId xmlns:a16="http://schemas.microsoft.com/office/drawing/2014/main" id="{6B1128C9-D8E7-0F46-933C-426C2E29794A}"/>
+              </a:ext>
+            </a:extLst>
+          </p:cNvPr>
+          <p:cNvSpPr/>
+          <p:nvPr/>
+        </p:nvSpPr>
+        <p:spPr>
+          <a:xfrm>
+            <a:off x="5640895" y="698887"/>
+            <a:ext cx="780133" cy="531862"/>
+          </a:xfrm>
+          <a:prstGeom prst="rect">
+            <a:avLst/>
+          </a:prstGeom>
+        </p:spPr>
+        <p:style>
+          <a:lnRef idx="2">
+            <a:schemeClr val="accent4">
+              <a:shade val="50000"/>
+            </a:schemeClr>
+          </a:lnRef>
+          <a:fillRef idx="1">
+            <a:schemeClr val="accent4"/>
+          </a:fillRef>
+          <a:effectRef idx="0">
+            <a:schemeClr val="accent4"/>
+          </a:effectRef>
+          <a:fontRef idx="minor">
+            <a:schemeClr val="lt1"/>
+          </a:fontRef>
+        </p:style>
+        <p:txBody>
+          <a:bodyPr rtlCol="0" anchor="ctr"/>
+          <a:lstStyle/>
+          <a:p>
+            <a:pPr algn="ctr"/>
+            <a:r>
+              <a:rPr lang="en-US" sz="1600" b="1"/>
+              <a:t>move.</a:t>
+            </a:r>
+            <a:br>
+              <a:rPr lang="en-US" sz="1600" b="1"/>
+            </a:br>
+            <a:r>
+              <a:rPr lang="en-US" sz="1600" b="1"/>
+              <a:t>global</a:t>
+            </a:r>
+          </a:p>
+        </p:txBody>
+      </p:sp>
+      <p:cxnSp>
+        <p:nvCxnSpPr>
+          <p:cNvPr id="30" name="Straight Arrow Connector 29">
+            <a:extLst>
+              <a:ext uri="{FF2B5EF4-FFF2-40B4-BE49-F238E27FC236}">
+                <a16:creationId xmlns:a16="http://schemas.microsoft.com/office/drawing/2014/main" id="{A736506B-C893-FE40-89CB-D66739EAF473}"/>
+              </a:ext>
+            </a:extLst>
+          </p:cNvPr>
+          <p:cNvCxnSpPr>
+            <a:cxnSpLocks/>
+            <a:stCxn id="29" idx="1"/>
+            <a:endCxn id="6" idx="0"/>
+          </p:cNvCxnSpPr>
+          <p:nvPr/>
+        </p:nvCxnSpPr>
+        <p:spPr>
+          <a:xfrm flipH="1" flipV="1">
+            <a:off x="5297424" y="901092"/>
+            <a:ext cx="343471" cy="63726"/>
+          </a:xfrm>
+          <a:prstGeom prst="straightConnector1">
+            <a:avLst/>
+          </a:prstGeom>
+          <a:ln>
+            <a:tailEnd type="triangle"/>
+          </a:ln>
+        </p:spPr>
+        <p:style>
+          <a:lnRef idx="1">
+            <a:schemeClr val="accent1"/>
+          </a:lnRef>
+          <a:fillRef idx="0">
+            <a:schemeClr val="accent1"/>
+          </a:fillRef>
+          <a:effectRef idx="0">
+            <a:schemeClr val="accent1"/>
+          </a:effectRef>
+          <a:fontRef idx="minor">
+            <a:schemeClr val="tx1"/>
+          </a:fontRef>
+        </p:style>
+      </p:cxnSp>
+      <p:cxnSp>
+        <p:nvCxnSpPr>
+          <p:cNvPr id="31" name="Straight Arrow Connector 30">
+            <a:extLst>
+              <a:ext uri="{FF2B5EF4-FFF2-40B4-BE49-F238E27FC236}">
+                <a16:creationId xmlns:a16="http://schemas.microsoft.com/office/drawing/2014/main" id="{04B1E177-FA39-8841-8579-A92B86CA7B05}"/>
+              </a:ext>
+            </a:extLst>
+          </p:cNvPr>
+          <p:cNvCxnSpPr>
+            <a:cxnSpLocks/>
+            <a:stCxn id="29" idx="3"/>
+            <a:endCxn id="7" idx="3"/>
+          </p:cNvCxnSpPr>
+          <p:nvPr/>
+        </p:nvCxnSpPr>
+        <p:spPr>
+          <a:xfrm flipV="1">
+            <a:off x="6421028" y="579038"/>
+            <a:ext cx="343471" cy="385780"/>
+          </a:xfrm>
+          <a:prstGeom prst="straightConnector1">
+            <a:avLst/>
+          </a:prstGeom>
+          <a:ln>
+            <a:tailEnd type="triangle"/>
+          </a:ln>
+        </p:spPr>
+        <p:style>
+          <a:lnRef idx="1">
+            <a:schemeClr val="accent1"/>
+          </a:lnRef>
+          <a:fillRef idx="0">
+            <a:schemeClr val="accent1"/>
+          </a:fillRef>
+          <a:effectRef idx="0">
+            <a:schemeClr val="accent1"/>
+          </a:effectRef>
+          <a:fontRef idx="minor">
+            <a:schemeClr val="tx1"/>
+          </a:fontRef>
+        </p:style>
+      </p:cxnSp>
+      <p:cxnSp>
+        <p:nvCxnSpPr>
+          <p:cNvPr id="32" name="Straight Arrow Connector 31">
+            <a:extLst>
+              <a:ext uri="{FF2B5EF4-FFF2-40B4-BE49-F238E27FC236}">
+                <a16:creationId xmlns:a16="http://schemas.microsoft.com/office/drawing/2014/main" id="{974EBBFC-6471-8F4E-BDAC-C9ECC1B26619}"/>
+              </a:ext>
+            </a:extLst>
+          </p:cNvPr>
+          <p:cNvCxnSpPr>
+            <a:cxnSpLocks/>
+            <a:stCxn id="29" idx="3"/>
+            <a:endCxn id="8" idx="2"/>
+          </p:cNvCxnSpPr>
+          <p:nvPr/>
+        </p:nvCxnSpPr>
+        <p:spPr>
+          <a:xfrm>
+            <a:off x="6421028" y="964818"/>
+            <a:ext cx="472848" cy="795583"/>
+          </a:xfrm>
+          <a:prstGeom prst="straightConnector1">
+            <a:avLst/>
+          </a:prstGeom>
+          <a:ln>
+            <a:tailEnd type="triangle"/>
+          </a:ln>
+        </p:spPr>
+        <p:style>
+          <a:lnRef idx="1">
+            <a:schemeClr val="accent1"/>
+          </a:lnRef>
+          <a:fillRef idx="0">
+            <a:schemeClr val="accent1"/>
+          </a:fillRef>
+          <a:effectRef idx="0">
+            <a:schemeClr val="accent1"/>
+          </a:effectRef>
+          <a:fontRef idx="minor">
+            <a:schemeClr val="tx1"/>
+          </a:fontRef>
+        </p:style>
+      </p:cxnSp>
+      <p:sp>
+        <p:nvSpPr>
+          <p:cNvPr id="34" name="Left Bracket 33">
+            <a:extLst>
+              <a:ext uri="{FF2B5EF4-FFF2-40B4-BE49-F238E27FC236}">
+                <a16:creationId xmlns:a16="http://schemas.microsoft.com/office/drawing/2014/main" id="{058402C6-37B8-4549-AC4D-6678F36C7CAC}"/>
+              </a:ext>
+            </a:extLst>
+          </p:cNvPr>
+          <p:cNvSpPr/>
+          <p:nvPr/>
+        </p:nvSpPr>
+        <p:spPr>
+          <a:xfrm rot="-5400000">
+            <a:off x="5772014" y="-739707"/>
+            <a:ext cx="794092" cy="5165571"/>
+          </a:xfrm>
+          <a:prstGeom prst="leftBracket">
+            <a:avLst/>
+          </a:prstGeom>
+          <a:ln w="12700"/>
+        </p:spPr>
+        <p:style>
+          <a:lnRef idx="1">
+            <a:schemeClr val="accent1"/>
+          </a:lnRef>
+          <a:fillRef idx="0">
+            <a:schemeClr val="accent1"/>
+          </a:fillRef>
+          <a:effectRef idx="0">
+            <a:schemeClr val="accent1"/>
+          </a:effectRef>
+          <a:fontRef idx="minor">
+            <a:schemeClr val="tx1"/>
+          </a:fontRef>
+        </p:style>
+        <p:txBody>
+          <a:bodyPr rtlCol="0" anchor="ctr"/>
+          <a:lstStyle/>
+          <a:p>
+            <a:pPr algn="ctr"/>
+            <a:endParaRPr lang="en-US"/>
+          </a:p>
+        </p:txBody>
+      </p:sp>
+      <p:sp>
+        <p:nvSpPr>
+          <p:cNvPr id="35" name="Down Arrow 34">
+            <a:extLst>
+              <a:ext uri="{FF2B5EF4-FFF2-40B4-BE49-F238E27FC236}">
+                <a16:creationId xmlns:a16="http://schemas.microsoft.com/office/drawing/2014/main" id="{A44F7057-F457-9C41-BBC3-7C1C28952E6D}"/>
+              </a:ext>
+            </a:extLst>
+          </p:cNvPr>
+          <p:cNvSpPr/>
+          <p:nvPr/>
+        </p:nvSpPr>
+        <p:spPr>
+          <a:xfrm>
+            <a:off x="6759863" y="2242665"/>
+            <a:ext cx="277323" cy="655582"/>
+          </a:xfrm>
+          <a:prstGeom prst="downArrow">
+            <a:avLst/>
+          </a:prstGeom>
+          <a:solidFill>
+            <a:schemeClr val="bg1"/>
+          </a:solidFill>
+          <a:ln w="25400"/>
+        </p:spPr>
+        <p:style>
+          <a:lnRef idx="2">
+            <a:schemeClr val="accent1">
+              <a:shade val="50000"/>
+            </a:schemeClr>
+          </a:lnRef>
+          <a:fillRef idx="1">
+            <a:schemeClr val="accent1"/>
+          </a:fillRef>
+          <a:effectRef idx="0">
+            <a:schemeClr val="accent1"/>
+          </a:effectRef>
+          <a:fontRef idx="minor">
+            <a:schemeClr val="lt1"/>
+          </a:fontRef>
+        </p:style>
+        <p:txBody>
+          <a:bodyPr rtlCol="0" anchor="ctr"/>
+          <a:lstStyle/>
+          <a:p>
+            <a:pPr algn="ctr"/>
+            <a:endParaRPr lang="en-US"/>
+          </a:p>
+        </p:txBody>
+      </p:sp>
+      <p:sp>
+        <p:nvSpPr>
+          <p:cNvPr id="36" name="Diamond 35">
+            <a:extLst>
+              <a:ext uri="{FF2B5EF4-FFF2-40B4-BE49-F238E27FC236}">
+                <a16:creationId xmlns:a16="http://schemas.microsoft.com/office/drawing/2014/main" id="{55E24309-70B3-AC4C-82EC-23A84ED501B5}"/>
+              </a:ext>
+            </a:extLst>
+          </p:cNvPr>
+          <p:cNvSpPr/>
+          <p:nvPr/>
+        </p:nvSpPr>
+        <p:spPr>
+          <a:xfrm>
+            <a:off x="5688834" y="2892685"/>
+            <a:ext cx="2423155" cy="835996"/>
+          </a:xfrm>
+          <a:prstGeom prst="diamond">
+            <a:avLst/>
+          </a:prstGeom>
+        </p:spPr>
+        <p:style>
+          <a:lnRef idx="2">
+            <a:schemeClr val="accent1">
+              <a:shade val="50000"/>
+            </a:schemeClr>
+          </a:lnRef>
+          <a:fillRef idx="1">
+            <a:schemeClr val="accent1"/>
+          </a:fillRef>
+          <a:effectRef idx="0">
+            <a:schemeClr val="accent1"/>
+          </a:effectRef>
+          <a:fontRef idx="minor">
+            <a:schemeClr val="lt1"/>
+          </a:fontRef>
+        </p:style>
+        <p:txBody>
+          <a:bodyPr rtlCol="0" anchor="ctr"/>
+          <a:lstStyle/>
+          <a:p>
+            <a:pPr algn="ctr"/>
+            <a:r>
+              <a:rPr lang="en-US"/>
+              <a:t>Graph NN</a:t>
+            </a:r>
+            <a:br>
+              <a:rPr lang="en-US"/>
+            </a:br>
+            <a:r>
+              <a:rPr lang="en-US"/>
+              <a:t>(e.g. GAT)</a:t>
+            </a:r>
+          </a:p>
+        </p:txBody>
+      </p:sp>
+      <p:sp>
+        <p:nvSpPr>
+          <p:cNvPr id="37" name="TextBox 36">
+            <a:extLst>
+              <a:ext uri="{FF2B5EF4-FFF2-40B4-BE49-F238E27FC236}">
+                <a16:creationId xmlns:a16="http://schemas.microsoft.com/office/drawing/2014/main" id="{AAA389CF-74FD-3146-A0BE-C186A89EB181}"/>
+              </a:ext>
+            </a:extLst>
+          </p:cNvPr>
+          <p:cNvSpPr txBox="1"/>
+          <p:nvPr/>
+        </p:nvSpPr>
+        <p:spPr>
+          <a:xfrm>
+            <a:off x="4640937" y="1936650"/>
+            <a:ext cx="3460892" cy="338554"/>
+          </a:xfrm>
+          <a:prstGeom prst="rect">
+            <a:avLst/>
+          </a:prstGeom>
+          <a:noFill/>
+        </p:spPr>
+        <p:txBody>
+          <a:bodyPr wrap="square" rtlCol="0">
+            <a:spAutoFit/>
+          </a:bodyPr>
+          <a:lstStyle/>
+          <a:p>
+            <a:r>
+              <a:rPr lang="en-US" sz="1600"/>
+              <a:t>Graph area (i.e. ~ neighbourhood)</a:t>
+            </a:r>
+          </a:p>
+        </p:txBody>
+      </p:sp>
+      <p:sp>
+        <p:nvSpPr>
+          <p:cNvPr id="39" name="Rectangle 38">
+            <a:extLst>
+              <a:ext uri="{FF2B5EF4-FFF2-40B4-BE49-F238E27FC236}">
+                <a16:creationId xmlns:a16="http://schemas.microsoft.com/office/drawing/2014/main" id="{6AF0C0C8-AF3F-CF40-8510-9B719BE10B41}"/>
+              </a:ext>
+            </a:extLst>
+          </p:cNvPr>
+          <p:cNvSpPr/>
+          <p:nvPr/>
+        </p:nvSpPr>
+        <p:spPr>
+          <a:xfrm>
+            <a:off x="3884625" y="4411932"/>
             <a:ext cx="1987475" cy="645277"/>
           </a:xfrm>
           <a:prstGeom prst="rect">
@@ -8728,7 +9982,7 @@
             <a:pPr algn="ctr"/>
             <a:r>
               <a:rPr lang="en-US" sz="1600"/>
-              <a:t>move.global</a:t>
+              <a:t>move</a:t>
             </a:r>
             <a:br>
               <a:rPr lang="en-US" sz="1600" b="1"/>
@@ -8746,19 +10000,19 @@
       </p:sp>
       <p:sp>
         <p:nvSpPr>
-          <p:cNvPr id="247" name="Rectangle 246">
-            <a:extLst>
-              <a:ext uri="{FF2B5EF4-FFF2-40B4-BE49-F238E27FC236}">
-                <a16:creationId xmlns:a16="http://schemas.microsoft.com/office/drawing/2014/main" id="{4FE39300-1A73-8E45-BF1A-6C75B44DC8C0}"/>
-              </a:ext>
-            </a:extLst>
-          </p:cNvPr>
-          <p:cNvSpPr/>
-          <p:nvPr/>
-        </p:nvSpPr>
-        <p:spPr>
-          <a:xfrm>
-            <a:off x="4647772" y="3680413"/>
+          <p:cNvPr id="40" name="Rectangle 39">
+            <a:extLst>
+              <a:ext uri="{FF2B5EF4-FFF2-40B4-BE49-F238E27FC236}">
+                <a16:creationId xmlns:a16="http://schemas.microsoft.com/office/drawing/2014/main" id="{E7485753-453C-B242-86E5-671A8BF00634}"/>
+              </a:ext>
+            </a:extLst>
+          </p:cNvPr>
+          <p:cNvSpPr/>
+          <p:nvPr/>
+        </p:nvSpPr>
+        <p:spPr>
+          <a:xfrm>
+            <a:off x="5872100" y="4411933"/>
             <a:ext cx="1987475" cy="645277"/>
           </a:xfrm>
           <a:prstGeom prst="rect">
@@ -8806,72 +10060,10 @@
       </p:sp>
       <p:sp>
         <p:nvSpPr>
-          <p:cNvPr id="248" name="Rectangle 247">
-            <a:extLst>
-              <a:ext uri="{FF2B5EF4-FFF2-40B4-BE49-F238E27FC236}">
-                <a16:creationId xmlns:a16="http://schemas.microsoft.com/office/drawing/2014/main" id="{D35CF018-7FC4-684A-9DA9-60D958BF6D57}"/>
-              </a:ext>
-            </a:extLst>
-          </p:cNvPr>
-          <p:cNvSpPr/>
-          <p:nvPr/>
-        </p:nvSpPr>
-        <p:spPr>
-          <a:xfrm>
-            <a:off x="6658616" y="3680413"/>
-            <a:ext cx="1987475" cy="645277"/>
-          </a:xfrm>
-          <a:prstGeom prst="rect">
-            <a:avLst/>
-          </a:prstGeom>
-        </p:spPr>
-        <p:style>
-          <a:lnRef idx="1">
-            <a:schemeClr val="accent6"/>
-          </a:lnRef>
-          <a:fillRef idx="2">
-            <a:schemeClr val="accent6"/>
-          </a:fillRef>
-          <a:effectRef idx="1">
-            <a:schemeClr val="accent6"/>
-          </a:effectRef>
-          <a:fontRef idx="minor">
-            <a:schemeClr val="dk1"/>
-          </a:fontRef>
-        </p:style>
-        <p:txBody>
-          <a:bodyPr rtlCol="0" anchor="ctr"/>
-          <a:lstStyle/>
-          <a:p>
-            <a:pPr algn="ctr"/>
-            <a:r>
-              <a:rPr lang="en-US" sz="1600"/>
-              <a:t>Move.v.2</a:t>
-            </a:r>
-            <a:br>
-              <a:rPr lang="en-US" sz="1600" b="1"/>
-            </a:br>
-            <a:r>
-              <a:rPr lang="en-US" sz="1600" b="1"/>
-              <a:t>Sense </a:t>
-            </a:r>
-            <a:r>
-              <a:rPr lang="en-US" sz="1600" b="1">
-                <a:solidFill>
-                  <a:schemeClr val="tx1"/>
-                </a:solidFill>
-              </a:rPr>
-              <a:t>Node State</a:t>
-            </a:r>
-          </a:p>
-        </p:txBody>
-      </p:sp>
-      <p:sp>
-        <p:nvSpPr>
-          <p:cNvPr id="249" name="TextBox 248">
-            <a:extLst>
-              <a:ext uri="{FF2B5EF4-FFF2-40B4-BE49-F238E27FC236}">
-                <a16:creationId xmlns:a16="http://schemas.microsoft.com/office/drawing/2014/main" id="{1AD4AF1E-29BB-C843-81FD-DB36FE67382B}"/>
+          <p:cNvPr id="41" name="TextBox 40">
+            <a:extLst>
+              <a:ext uri="{FF2B5EF4-FFF2-40B4-BE49-F238E27FC236}">
+                <a16:creationId xmlns:a16="http://schemas.microsoft.com/office/drawing/2014/main" id="{AF811355-C686-8A4D-A212-C43515DC3854}"/>
               </a:ext>
             </a:extLst>
           </p:cNvPr>
@@ -8880,7 +10072,7 @@
         </p:nvSpPr>
         <p:spPr>
           <a:xfrm>
-            <a:off x="838722" y="3869277"/>
+            <a:off x="2189907" y="4549904"/>
             <a:ext cx="1602487" cy="369332"/>
           </a:xfrm>
           <a:prstGeom prst="rect">
@@ -8903,39 +10095,126 @@
       </p:sp>
       <p:sp>
         <p:nvSpPr>
-          <p:cNvPr id="257" name="Down Arrow 256">
-            <a:extLst>
-              <a:ext uri="{FF2B5EF4-FFF2-40B4-BE49-F238E27FC236}">
-                <a16:creationId xmlns:a16="http://schemas.microsoft.com/office/drawing/2014/main" id="{18F0D862-3477-2D4C-BA18-3CA75A087836}"/>
-              </a:ext>
-            </a:extLst>
-          </p:cNvPr>
-          <p:cNvSpPr/>
-          <p:nvPr/>
-        </p:nvSpPr>
-        <p:spPr>
-          <a:xfrm>
-            <a:off x="5075919" y="4525190"/>
-            <a:ext cx="381964" cy="473605"/>
-          </a:xfrm>
-          <a:prstGeom prst="downArrow">
-            <a:avLst/>
-          </a:prstGeom>
-          <a:solidFill>
-            <a:schemeClr val="bg1"/>
-          </a:solidFill>
-        </p:spPr>
-        <p:style>
-          <a:lnRef idx="2">
-            <a:schemeClr val="accent1">
-              <a:shade val="50000"/>
-            </a:schemeClr>
-          </a:lnRef>
-          <a:fillRef idx="1">
-            <a:schemeClr val="accent1"/>
-          </a:fillRef>
-          <a:effectRef idx="0">
-            <a:schemeClr val="accent1"/>
+          <p:cNvPr id="50" name="Oval 49">
+            <a:extLst>
+              <a:ext uri="{FF2B5EF4-FFF2-40B4-BE49-F238E27FC236}">
+                <a16:creationId xmlns:a16="http://schemas.microsoft.com/office/drawing/2014/main" id="{4562F59A-112B-564A-8BD3-540A3E1811B2}"/>
+              </a:ext>
+            </a:extLst>
+          </p:cNvPr>
+          <p:cNvSpPr/>
+          <p:nvPr/>
+        </p:nvSpPr>
+        <p:spPr>
+          <a:xfrm>
+            <a:off x="3784678" y="828921"/>
+            <a:ext cx="275478" cy="281318"/>
+          </a:xfrm>
+          <a:prstGeom prst="ellipse">
+            <a:avLst/>
+          </a:prstGeom>
+        </p:spPr>
+        <p:style>
+          <a:lnRef idx="1">
+            <a:schemeClr val="accent5"/>
+          </a:lnRef>
+          <a:fillRef idx="2">
+            <a:schemeClr val="accent5"/>
+          </a:fillRef>
+          <a:effectRef idx="1">
+            <a:schemeClr val="accent5"/>
+          </a:effectRef>
+          <a:fontRef idx="minor">
+            <a:schemeClr val="dk1"/>
+          </a:fontRef>
+        </p:style>
+        <p:txBody>
+          <a:bodyPr rtlCol="0" anchor="ctr"/>
+          <a:lstStyle/>
+          <a:p>
+            <a:pPr algn="ctr"/>
+            <a:r>
+              <a:rPr lang="en-US" sz="1600"/>
+              <a:t>d</a:t>
+            </a:r>
+            <a:endParaRPr lang="en-US" sz="1400"/>
+          </a:p>
+        </p:txBody>
+      </p:sp>
+      <p:sp>
+        <p:nvSpPr>
+          <p:cNvPr id="51" name="Oval 50">
+            <a:extLst>
+              <a:ext uri="{FF2B5EF4-FFF2-40B4-BE49-F238E27FC236}">
+                <a16:creationId xmlns:a16="http://schemas.microsoft.com/office/drawing/2014/main" id="{097CFB90-5417-F74F-B44E-B2DAD85F7567}"/>
+              </a:ext>
+            </a:extLst>
+          </p:cNvPr>
+          <p:cNvSpPr/>
+          <p:nvPr/>
+        </p:nvSpPr>
+        <p:spPr>
+          <a:xfrm>
+            <a:off x="3785323" y="1248147"/>
+            <a:ext cx="277883" cy="271526"/>
+          </a:xfrm>
+          <a:prstGeom prst="ellipse">
+            <a:avLst/>
+          </a:prstGeom>
+        </p:spPr>
+        <p:style>
+          <a:lnRef idx="1">
+            <a:schemeClr val="accent5"/>
+          </a:lnRef>
+          <a:fillRef idx="2">
+            <a:schemeClr val="accent5"/>
+          </a:fillRef>
+          <a:effectRef idx="1">
+            <a:schemeClr val="accent5"/>
+          </a:effectRef>
+          <a:fontRef idx="minor">
+            <a:schemeClr val="dk1"/>
+          </a:fontRef>
+        </p:style>
+        <p:txBody>
+          <a:bodyPr rtlCol="0" anchor="ctr"/>
+          <a:lstStyle/>
+          <a:p>
+            <a:pPr algn="ctr"/>
+            <a:endParaRPr lang="en-US"/>
+          </a:p>
+        </p:txBody>
+      </p:sp>
+      <p:sp>
+        <p:nvSpPr>
+          <p:cNvPr id="56" name="Oval 55">
+            <a:extLst>
+              <a:ext uri="{FF2B5EF4-FFF2-40B4-BE49-F238E27FC236}">
+                <a16:creationId xmlns:a16="http://schemas.microsoft.com/office/drawing/2014/main" id="{E86B9250-3420-614D-8DF0-49E89F160662}"/>
+              </a:ext>
+            </a:extLst>
+          </p:cNvPr>
+          <p:cNvSpPr/>
+          <p:nvPr/>
+        </p:nvSpPr>
+        <p:spPr>
+          <a:xfrm>
+            <a:off x="4088639" y="1463598"/>
+            <a:ext cx="275478" cy="276498"/>
+          </a:xfrm>
+          <a:prstGeom prst="ellipse">
+            <a:avLst/>
+          </a:prstGeom>
+        </p:spPr>
+        <p:style>
+          <a:lnRef idx="1">
+            <a:schemeClr val="accent5"/>
+          </a:lnRef>
+          <a:fillRef idx="3">
+            <a:schemeClr val="accent5"/>
+          </a:fillRef>
+          <a:effectRef idx="2">
+            <a:schemeClr val="accent5"/>
           </a:effectRef>
           <a:fontRef idx="minor">
             <a:schemeClr val="lt1"/>
@@ -8946,520 +10225,88 @@
           <a:lstStyle/>
           <a:p>
             <a:pPr algn="ctr"/>
+            <a:r>
+              <a:rPr lang="en-US" sz="1600"/>
+              <a:t>e</a:t>
+            </a:r>
+            <a:endParaRPr lang="en-US" sz="1400"/>
+          </a:p>
+        </p:txBody>
+      </p:sp>
+      <p:sp>
+        <p:nvSpPr>
+          <p:cNvPr id="57" name="Oval 56">
+            <a:extLst>
+              <a:ext uri="{FF2B5EF4-FFF2-40B4-BE49-F238E27FC236}">
+                <a16:creationId xmlns:a16="http://schemas.microsoft.com/office/drawing/2014/main" id="{DB3EBBC5-8D77-ED42-9F51-12EED5051F8E}"/>
+              </a:ext>
+            </a:extLst>
+          </p:cNvPr>
+          <p:cNvSpPr/>
+          <p:nvPr/>
+        </p:nvSpPr>
+        <p:spPr>
+          <a:xfrm>
+            <a:off x="4454943" y="1463598"/>
+            <a:ext cx="277884" cy="276498"/>
+          </a:xfrm>
+          <a:prstGeom prst="ellipse">
+            <a:avLst/>
+          </a:prstGeom>
+        </p:spPr>
+        <p:style>
+          <a:lnRef idx="1">
+            <a:schemeClr val="accent5"/>
+          </a:lnRef>
+          <a:fillRef idx="3">
+            <a:schemeClr val="accent5"/>
+          </a:fillRef>
+          <a:effectRef idx="2">
+            <a:schemeClr val="accent5"/>
+          </a:effectRef>
+          <a:fontRef idx="minor">
+            <a:schemeClr val="lt1"/>
+          </a:fontRef>
+        </p:style>
+        <p:txBody>
+          <a:bodyPr rtlCol="0" anchor="ctr"/>
+          <a:lstStyle/>
+          <a:p>
+            <a:pPr algn="ctr"/>
             <a:endParaRPr lang="en-US"/>
           </a:p>
         </p:txBody>
       </p:sp>
       <p:sp>
         <p:nvSpPr>
-          <p:cNvPr id="258" name="Left Bracket 257">
-            <a:extLst>
-              <a:ext uri="{FF2B5EF4-FFF2-40B4-BE49-F238E27FC236}">
-                <a16:creationId xmlns:a16="http://schemas.microsoft.com/office/drawing/2014/main" id="{161D59A0-97E8-A340-937B-F8E6E9BF767B}"/>
-              </a:ext>
-            </a:extLst>
-          </p:cNvPr>
-          <p:cNvSpPr/>
-          <p:nvPr/>
-        </p:nvSpPr>
-        <p:spPr>
-          <a:xfrm rot="-5400000">
-            <a:off x="5497536" y="1181645"/>
-            <a:ext cx="299326" cy="6370202"/>
-          </a:xfrm>
-          <a:prstGeom prst="leftBracket">
-            <a:avLst/>
-          </a:prstGeom>
-          <a:ln w="12700"/>
+          <p:cNvPr id="58" name="Oval 57">
+            <a:extLst>
+              <a:ext uri="{FF2B5EF4-FFF2-40B4-BE49-F238E27FC236}">
+                <a16:creationId xmlns:a16="http://schemas.microsoft.com/office/drawing/2014/main" id="{2FCB8F75-42AB-F84B-AD48-D8D639DF295A}"/>
+              </a:ext>
+            </a:extLst>
+          </p:cNvPr>
+          <p:cNvSpPr/>
+          <p:nvPr/>
+        </p:nvSpPr>
+        <p:spPr>
+          <a:xfrm>
+            <a:off x="4836852" y="1468510"/>
+            <a:ext cx="277884" cy="276498"/>
+          </a:xfrm>
+          <a:prstGeom prst="ellipse">
+            <a:avLst/>
+          </a:prstGeom>
         </p:spPr>
         <p:style>
           <a:lnRef idx="1">
-            <a:schemeClr val="accent1"/>
-          </a:lnRef>
-          <a:fillRef idx="0">
-            <a:schemeClr val="accent1"/>
-          </a:fillRef>
-          <a:effectRef idx="0">
-            <a:schemeClr val="accent1"/>
-          </a:effectRef>
-          <a:fontRef idx="minor">
-            <a:schemeClr val="tx1"/>
-          </a:fontRef>
-        </p:style>
-        <p:txBody>
-          <a:bodyPr rtlCol="0" anchor="ctr"/>
-          <a:lstStyle/>
-          <a:p>
-            <a:pPr algn="ctr"/>
-            <a:endParaRPr lang="en-US"/>
-          </a:p>
-        </p:txBody>
-      </p:sp>
-      <p:sp>
-        <p:nvSpPr>
-          <p:cNvPr id="259" name="Diamond 258">
-            <a:extLst>
-              <a:ext uri="{FF2B5EF4-FFF2-40B4-BE49-F238E27FC236}">
-                <a16:creationId xmlns:a16="http://schemas.microsoft.com/office/drawing/2014/main" id="{39D90A8D-B5BB-4B48-AC59-75E00CEEE05C}"/>
-              </a:ext>
-            </a:extLst>
-          </p:cNvPr>
-          <p:cNvSpPr/>
-          <p:nvPr/>
-        </p:nvSpPr>
-        <p:spPr>
-          <a:xfrm>
-            <a:off x="4054200" y="5026792"/>
-            <a:ext cx="2423155" cy="756806"/>
-          </a:xfrm>
-          <a:prstGeom prst="diamond">
-            <a:avLst/>
-          </a:prstGeom>
-        </p:spPr>
-        <p:style>
-          <a:lnRef idx="2">
-            <a:schemeClr val="accent1">
-              <a:shade val="50000"/>
-            </a:schemeClr>
-          </a:lnRef>
-          <a:fillRef idx="1">
-            <a:schemeClr val="accent1"/>
-          </a:fillRef>
-          <a:effectRef idx="0">
-            <a:schemeClr val="accent1"/>
-          </a:effectRef>
-          <a:fontRef idx="minor">
-            <a:schemeClr val="lt1"/>
-          </a:fontRef>
-        </p:style>
-        <p:txBody>
-          <a:bodyPr rtlCol="0" anchor="ctr"/>
-          <a:lstStyle/>
-          <a:p>
-            <a:pPr algn="ctr"/>
-            <a:r>
-              <a:rPr lang="en-US"/>
-              <a:t>Layer 1 of GRU</a:t>
-            </a:r>
-          </a:p>
-        </p:txBody>
-      </p:sp>
-      <p:sp>
-        <p:nvSpPr>
-          <p:cNvPr id="86" name="Rectangle 85">
-            <a:extLst>
-              <a:ext uri="{FF2B5EF4-FFF2-40B4-BE49-F238E27FC236}">
-                <a16:creationId xmlns:a16="http://schemas.microsoft.com/office/drawing/2014/main" id="{04720A63-B472-2649-946A-1480BD193270}"/>
-              </a:ext>
-            </a:extLst>
-          </p:cNvPr>
-          <p:cNvSpPr/>
-          <p:nvPr/>
-        </p:nvSpPr>
-        <p:spPr>
-          <a:xfrm>
-            <a:off x="4242483" y="5799930"/>
-            <a:ext cx="1987475" cy="299327"/>
-          </a:xfrm>
-          <a:prstGeom prst="rect">
-            <a:avLst/>
-          </a:prstGeom>
-          <a:solidFill>
-            <a:schemeClr val="accent5">
-              <a:lumMod val="40000"/>
-              <a:lumOff val="60000"/>
-            </a:schemeClr>
-          </a:solidFill>
-        </p:spPr>
-        <p:style>
-          <a:lnRef idx="2">
-            <a:schemeClr val="accent5">
-              <a:shade val="50000"/>
-            </a:schemeClr>
-          </a:lnRef>
-          <a:fillRef idx="1">
             <a:schemeClr val="accent5"/>
-          </a:fillRef>
-          <a:effectRef idx="0">
+          </a:lnRef>
+          <a:fillRef idx="3">
             <a:schemeClr val="accent5"/>
-          </a:effectRef>
-          <a:fontRef idx="minor">
-            <a:schemeClr val="lt1"/>
-          </a:fontRef>
-        </p:style>
-        <p:txBody>
-          <a:bodyPr rtlCol="0" anchor="ctr"/>
-          <a:lstStyle/>
-          <a:p>
-            <a:pPr algn="ctr"/>
-            <a:r>
-              <a:rPr lang="en-US" sz="1600">
-                <a:solidFill>
-                  <a:schemeClr val="tx1"/>
-                </a:solidFill>
-              </a:rPr>
-              <a:t>Hidden state 1</a:t>
-            </a:r>
-          </a:p>
-        </p:txBody>
-      </p:sp>
-      <p:sp>
-        <p:nvSpPr>
-          <p:cNvPr id="87" name="Diamond 86">
-            <a:extLst>
-              <a:ext uri="{FF2B5EF4-FFF2-40B4-BE49-F238E27FC236}">
-                <a16:creationId xmlns:a16="http://schemas.microsoft.com/office/drawing/2014/main" id="{D720A14A-448F-C74D-9782-DA58BDCF5657}"/>
-              </a:ext>
-            </a:extLst>
-          </p:cNvPr>
-          <p:cNvSpPr/>
-          <p:nvPr/>
-        </p:nvSpPr>
-        <p:spPr>
-          <a:xfrm>
-            <a:off x="4053586" y="8026165"/>
-            <a:ext cx="2423155" cy="835996"/>
-          </a:xfrm>
-          <a:prstGeom prst="diamond">
-            <a:avLst/>
-          </a:prstGeom>
-        </p:spPr>
-        <p:style>
-          <a:lnRef idx="2">
-            <a:schemeClr val="accent1">
-              <a:shade val="50000"/>
-            </a:schemeClr>
-          </a:lnRef>
-          <a:fillRef idx="1">
-            <a:schemeClr val="accent1"/>
-          </a:fillRef>
-          <a:effectRef idx="0">
-            <a:schemeClr val="accent1"/>
-          </a:effectRef>
-          <a:fontRef idx="minor">
-            <a:schemeClr val="lt1"/>
-          </a:fontRef>
-        </p:style>
-        <p:txBody>
-          <a:bodyPr wrap="none" lIns="36000" rIns="36000" rtlCol="0" anchor="ctr"/>
-          <a:lstStyle/>
-          <a:p>
-            <a:pPr algn="ctr"/>
-            <a:r>
-              <a:rPr lang="en-GB"/>
-              <a:t>FF-NN:</a:t>
-            </a:r>
-            <a:br>
-              <a:rPr lang="en-GB"/>
-            </a:br>
-            <a:r>
-              <a:rPr lang="en-GB"/>
-              <a:t>linear2global</a:t>
-            </a:r>
-            <a:endParaRPr lang="en-US"/>
-          </a:p>
-        </p:txBody>
-      </p:sp>
-      <p:sp>
-        <p:nvSpPr>
-          <p:cNvPr id="88" name="Rectangle 87">
-            <a:extLst>
-              <a:ext uri="{FF2B5EF4-FFF2-40B4-BE49-F238E27FC236}">
-                <a16:creationId xmlns:a16="http://schemas.microsoft.com/office/drawing/2014/main" id="{B6224982-B82A-1543-8A21-0A983FA65669}"/>
-              </a:ext>
-            </a:extLst>
-          </p:cNvPr>
-          <p:cNvSpPr/>
-          <p:nvPr/>
-        </p:nvSpPr>
-        <p:spPr>
-          <a:xfrm>
-            <a:off x="4295692" y="9323364"/>
-            <a:ext cx="1987475" cy="530651"/>
-          </a:xfrm>
-          <a:prstGeom prst="rect">
-            <a:avLst/>
-          </a:prstGeom>
-          <a:solidFill>
-            <a:schemeClr val="accent5">
-              <a:lumMod val="40000"/>
-              <a:lumOff val="60000"/>
-            </a:schemeClr>
-          </a:solidFill>
-        </p:spPr>
-        <p:style>
-          <a:lnRef idx="2">
-            <a:schemeClr val="accent5">
-              <a:shade val="50000"/>
-            </a:schemeClr>
-          </a:lnRef>
-          <a:fillRef idx="1">
+          </a:fillRef>
+          <a:effectRef idx="2">
             <a:schemeClr val="accent5"/>
-          </a:fillRef>
-          <a:effectRef idx="0">
-            <a:schemeClr val="accent5"/>
-          </a:effectRef>
-          <a:fontRef idx="minor">
-            <a:schemeClr val="lt1"/>
-          </a:fontRef>
-        </p:style>
-        <p:txBody>
-          <a:bodyPr rtlCol="0" anchor="ctr"/>
-          <a:lstStyle/>
-          <a:p>
-            <a:pPr algn="ctr"/>
-            <a:r>
-              <a:rPr lang="en-US" sz="1600">
-                <a:solidFill>
-                  <a:schemeClr val="tx1"/>
-                </a:solidFill>
-              </a:rPr>
-              <a:t>Logits of global words</a:t>
-            </a:r>
-          </a:p>
-        </p:txBody>
-      </p:sp>
-      <p:sp>
-        <p:nvSpPr>
-          <p:cNvPr id="92" name="Down Arrow 91">
-            <a:extLst>
-              <a:ext uri="{FF2B5EF4-FFF2-40B4-BE49-F238E27FC236}">
-                <a16:creationId xmlns:a16="http://schemas.microsoft.com/office/drawing/2014/main" id="{8B86E277-3EBE-4D4D-906B-94475D1125B4}"/>
-              </a:ext>
-            </a:extLst>
-          </p:cNvPr>
-          <p:cNvSpPr/>
-          <p:nvPr/>
-        </p:nvSpPr>
-        <p:spPr>
-          <a:xfrm>
-            <a:off x="5096367" y="7190170"/>
-            <a:ext cx="381964" cy="835995"/>
-          </a:xfrm>
-          <a:prstGeom prst="downArrow">
-            <a:avLst/>
-          </a:prstGeom>
-          <a:solidFill>
-            <a:schemeClr val="bg1"/>
-          </a:solidFill>
-        </p:spPr>
-        <p:style>
-          <a:lnRef idx="2">
-            <a:schemeClr val="accent1">
-              <a:shade val="50000"/>
-            </a:schemeClr>
-          </a:lnRef>
-          <a:fillRef idx="1">
-            <a:schemeClr val="accent1"/>
-          </a:fillRef>
-          <a:effectRef idx="0">
-            <a:schemeClr val="accent1"/>
-          </a:effectRef>
-          <a:fontRef idx="minor">
-            <a:schemeClr val="lt1"/>
-          </a:fontRef>
-        </p:style>
-        <p:txBody>
-          <a:bodyPr rtlCol="0" anchor="ctr"/>
-          <a:lstStyle/>
-          <a:p>
-            <a:pPr algn="ctr"/>
-            <a:endParaRPr lang="en-US"/>
-          </a:p>
-        </p:txBody>
-      </p:sp>
-      <p:sp>
-        <p:nvSpPr>
-          <p:cNvPr id="93" name="Down Arrow 92">
-            <a:extLst>
-              <a:ext uri="{FF2B5EF4-FFF2-40B4-BE49-F238E27FC236}">
-                <a16:creationId xmlns:a16="http://schemas.microsoft.com/office/drawing/2014/main" id="{5A0602D7-C1C7-184A-B336-BDBBEA25EBA2}"/>
-              </a:ext>
-            </a:extLst>
-          </p:cNvPr>
-          <p:cNvSpPr/>
-          <p:nvPr/>
-        </p:nvSpPr>
-        <p:spPr>
-          <a:xfrm>
-            <a:off x="5085756" y="8862161"/>
-            <a:ext cx="381964" cy="428262"/>
-          </a:xfrm>
-          <a:prstGeom prst="downArrow">
-            <a:avLst/>
-          </a:prstGeom>
-          <a:solidFill>
-            <a:schemeClr val="bg1"/>
-          </a:solidFill>
-        </p:spPr>
-        <p:style>
-          <a:lnRef idx="2">
-            <a:schemeClr val="accent1">
-              <a:shade val="50000"/>
-            </a:schemeClr>
-          </a:lnRef>
-          <a:fillRef idx="1">
-            <a:schemeClr val="accent1"/>
-          </a:fillRef>
-          <a:effectRef idx="0">
-            <a:schemeClr val="accent1"/>
-          </a:effectRef>
-          <a:fontRef idx="minor">
-            <a:schemeClr val="lt1"/>
-          </a:fontRef>
-        </p:style>
-        <p:txBody>
-          <a:bodyPr rtlCol="0" anchor="ctr"/>
-          <a:lstStyle/>
-          <a:p>
-            <a:pPr algn="ctr"/>
-            <a:endParaRPr lang="en-US"/>
-          </a:p>
-        </p:txBody>
-      </p:sp>
-      <p:sp>
-        <p:nvSpPr>
-          <p:cNvPr id="94" name="Down Arrow 93">
-            <a:extLst>
-              <a:ext uri="{FF2B5EF4-FFF2-40B4-BE49-F238E27FC236}">
-                <a16:creationId xmlns:a16="http://schemas.microsoft.com/office/drawing/2014/main" id="{9C0E5ABE-5384-D840-81FE-E7F6C349D18F}"/>
-              </a:ext>
-            </a:extLst>
-          </p:cNvPr>
-          <p:cNvSpPr/>
-          <p:nvPr/>
-        </p:nvSpPr>
-        <p:spPr>
-          <a:xfrm>
-            <a:off x="5074180" y="9846637"/>
-            <a:ext cx="381964" cy="428262"/>
-          </a:xfrm>
-          <a:prstGeom prst="downArrow">
-            <a:avLst/>
-          </a:prstGeom>
-          <a:solidFill>
-            <a:schemeClr val="bg1"/>
-          </a:solidFill>
-        </p:spPr>
-        <p:style>
-          <a:lnRef idx="2">
-            <a:schemeClr val="accent1">
-              <a:shade val="50000"/>
-            </a:schemeClr>
-          </a:lnRef>
-          <a:fillRef idx="1">
-            <a:schemeClr val="accent1"/>
-          </a:fillRef>
-          <a:effectRef idx="0">
-            <a:schemeClr val="accent1"/>
-          </a:effectRef>
-          <a:fontRef idx="minor">
-            <a:schemeClr val="lt1"/>
-          </a:fontRef>
-        </p:style>
-        <p:txBody>
-          <a:bodyPr rtlCol="0" anchor="ctr"/>
-          <a:lstStyle/>
-          <a:p>
-            <a:pPr algn="ctr"/>
-            <a:endParaRPr lang="en-US"/>
-          </a:p>
-        </p:txBody>
-      </p:sp>
-      <p:sp>
-        <p:nvSpPr>
-          <p:cNvPr id="97" name="Rectangle 96">
-            <a:extLst>
-              <a:ext uri="{FF2B5EF4-FFF2-40B4-BE49-F238E27FC236}">
-                <a16:creationId xmlns:a16="http://schemas.microsoft.com/office/drawing/2014/main" id="{A58CB02F-E5F6-DC40-9916-827FEEA07178}"/>
-              </a:ext>
-            </a:extLst>
-          </p:cNvPr>
-          <p:cNvSpPr/>
-          <p:nvPr/>
-        </p:nvSpPr>
-        <p:spPr>
-          <a:xfrm>
-            <a:off x="7454580" y="9274087"/>
-            <a:ext cx="1987475" cy="530651"/>
-          </a:xfrm>
-          <a:prstGeom prst="rect">
-            <a:avLst/>
-          </a:prstGeom>
-          <a:solidFill>
-            <a:schemeClr val="accent5">
-              <a:lumMod val="40000"/>
-              <a:lumOff val="60000"/>
-            </a:schemeClr>
-          </a:solidFill>
-        </p:spPr>
-        <p:style>
-          <a:lnRef idx="2">
-            <a:schemeClr val="accent5">
-              <a:shade val="50000"/>
-            </a:schemeClr>
-          </a:lnRef>
-          <a:fillRef idx="1">
-            <a:schemeClr val="accent5"/>
-          </a:fillRef>
-          <a:effectRef idx="0">
-            <a:schemeClr val="accent5"/>
-          </a:effectRef>
-          <a:fontRef idx="minor">
-            <a:schemeClr val="lt1"/>
-          </a:fontRef>
-        </p:style>
-        <p:txBody>
-          <a:bodyPr rtlCol="0" anchor="ctr"/>
-          <a:lstStyle/>
-          <a:p>
-            <a:pPr algn="ctr"/>
-            <a:r>
-              <a:rPr lang="en-US" sz="1600">
-                <a:solidFill>
-                  <a:schemeClr val="tx1"/>
-                </a:solidFill>
-              </a:rPr>
-              <a:t>Logits of senses</a:t>
-            </a:r>
-          </a:p>
-        </p:txBody>
-      </p:sp>
-      <p:sp>
-        <p:nvSpPr>
-          <p:cNvPr id="99" name="Down Arrow 98">
-            <a:extLst>
-              <a:ext uri="{FF2B5EF4-FFF2-40B4-BE49-F238E27FC236}">
-                <a16:creationId xmlns:a16="http://schemas.microsoft.com/office/drawing/2014/main" id="{F51D490F-46EF-B84B-A119-C4E3B360FA11}"/>
-              </a:ext>
-            </a:extLst>
-          </p:cNvPr>
-          <p:cNvSpPr/>
-          <p:nvPr/>
-        </p:nvSpPr>
-        <p:spPr>
-          <a:xfrm>
-            <a:off x="8233068" y="9797360"/>
-            <a:ext cx="381964" cy="428262"/>
-          </a:xfrm>
-          <a:prstGeom prst="downArrow">
-            <a:avLst/>
-          </a:prstGeom>
-          <a:solidFill>
-            <a:schemeClr val="bg1"/>
-          </a:solidFill>
-        </p:spPr>
-        <p:style>
-          <a:lnRef idx="2">
-            <a:schemeClr val="accent1">
-              <a:shade val="50000"/>
-            </a:schemeClr>
-          </a:lnRef>
-          <a:fillRef idx="1">
-            <a:schemeClr val="accent1"/>
-          </a:fillRef>
-          <a:effectRef idx="0">
-            <a:schemeClr val="accent1"/>
           </a:effectRef>
           <a:fontRef idx="minor">
             <a:schemeClr val="lt1"/>
@@ -9476,23 +10323,24 @@
       </p:sp>
       <p:cxnSp>
         <p:nvCxnSpPr>
-          <p:cNvPr id="103" name="Straight Arrow Connector 102">
-            <a:extLst>
-              <a:ext uri="{FF2B5EF4-FFF2-40B4-BE49-F238E27FC236}">
-                <a16:creationId xmlns:a16="http://schemas.microsoft.com/office/drawing/2014/main" id="{48E82184-43C1-7D46-9834-06EBC665D3F5}"/>
+          <p:cNvPr id="61" name="Straight Arrow Connector 60">
+            <a:extLst>
+              <a:ext uri="{FF2B5EF4-FFF2-40B4-BE49-F238E27FC236}">
+                <a16:creationId xmlns:a16="http://schemas.microsoft.com/office/drawing/2014/main" id="{6A3A36AB-C992-6A4B-96F4-1C811A07B79D}"/>
               </a:ext>
             </a:extLst>
           </p:cNvPr>
           <p:cNvCxnSpPr>
             <a:cxnSpLocks/>
-            <a:stCxn id="86" idx="3"/>
+            <a:stCxn id="57" idx="0"/>
+            <a:endCxn id="6" idx="2"/>
           </p:cNvCxnSpPr>
           <p:nvPr/>
         </p:nvCxnSpPr>
         <p:spPr>
-          <a:xfrm>
-            <a:off x="6229958" y="5949594"/>
-            <a:ext cx="1374996" cy="344069"/>
+          <a:xfrm flipH="1" flipV="1">
+            <a:off x="4543392" y="1203037"/>
+            <a:ext cx="50493" cy="260561"/>
           </a:xfrm>
           <a:prstGeom prst="straightConnector1">
             <a:avLst/>
@@ -9503,474 +10351,172 @@
         </p:spPr>
         <p:style>
           <a:lnRef idx="1">
+            <a:schemeClr val="accent1"/>
+          </a:lnRef>
+          <a:fillRef idx="0">
+            <a:schemeClr val="accent1"/>
+          </a:fillRef>
+          <a:effectRef idx="0">
+            <a:schemeClr val="accent1"/>
+          </a:effectRef>
+          <a:fontRef idx="minor">
+            <a:schemeClr val="tx1"/>
+          </a:fontRef>
+        </p:style>
+      </p:cxnSp>
+      <p:cxnSp>
+        <p:nvCxnSpPr>
+          <p:cNvPr id="105" name="Straight Arrow Connector 104">
+            <a:extLst>
+              <a:ext uri="{FF2B5EF4-FFF2-40B4-BE49-F238E27FC236}">
+                <a16:creationId xmlns:a16="http://schemas.microsoft.com/office/drawing/2014/main" id="{D3333E0A-4CAD-D544-84C9-BB40D0502734}"/>
+              </a:ext>
+            </a:extLst>
+          </p:cNvPr>
+          <p:cNvCxnSpPr>
+            <a:cxnSpLocks/>
+          </p:cNvCxnSpPr>
+          <p:nvPr/>
+        </p:nvCxnSpPr>
+        <p:spPr>
+          <a:xfrm flipH="1" flipV="1">
+            <a:off x="7669504" y="1508244"/>
+            <a:ext cx="581640" cy="158033"/>
+          </a:xfrm>
+          <a:prstGeom prst="straightConnector1">
+            <a:avLst/>
+          </a:prstGeom>
+          <a:ln>
+            <a:tailEnd type="triangle"/>
+          </a:ln>
+        </p:spPr>
+        <p:style>
+          <a:lnRef idx="1">
+            <a:schemeClr val="accent1"/>
+          </a:lnRef>
+          <a:fillRef idx="0">
+            <a:schemeClr val="accent1"/>
+          </a:fillRef>
+          <a:effectRef idx="0">
+            <a:schemeClr val="accent1"/>
+          </a:effectRef>
+          <a:fontRef idx="minor">
+            <a:schemeClr val="tx1"/>
+          </a:fontRef>
+        </p:style>
+      </p:cxnSp>
+      <p:sp>
+        <p:nvSpPr>
+          <p:cNvPr id="106" name="Oval 105">
+            <a:extLst>
+              <a:ext uri="{FF2B5EF4-FFF2-40B4-BE49-F238E27FC236}">
+                <a16:creationId xmlns:a16="http://schemas.microsoft.com/office/drawing/2014/main" id="{0F5EA80F-821B-7A49-839A-F2C01C80C392}"/>
+              </a:ext>
+            </a:extLst>
+          </p:cNvPr>
+          <p:cNvSpPr/>
+          <p:nvPr/>
+        </p:nvSpPr>
+        <p:spPr>
+          <a:xfrm>
+            <a:off x="8232856" y="1572684"/>
+            <a:ext cx="275478" cy="281318"/>
+          </a:xfrm>
+          <a:prstGeom prst="ellipse">
+            <a:avLst/>
+          </a:prstGeom>
+        </p:spPr>
+        <p:style>
+          <a:lnRef idx="1">
+            <a:schemeClr val="accent5"/>
+          </a:lnRef>
+          <a:fillRef idx="2">
+            <a:schemeClr val="accent5"/>
+          </a:fillRef>
+          <a:effectRef idx="1">
+            <a:schemeClr val="accent5"/>
+          </a:effectRef>
+          <a:fontRef idx="minor">
             <a:schemeClr val="dk1"/>
-          </a:lnRef>
-          <a:fillRef idx="0">
-            <a:schemeClr val="dk1"/>
-          </a:fillRef>
-          <a:effectRef idx="0">
-            <a:schemeClr val="dk1"/>
-          </a:effectRef>
-          <a:fontRef idx="minor">
-            <a:schemeClr val="tx1"/>
-          </a:fontRef>
-        </p:style>
-      </p:cxnSp>
-      <p:sp>
-        <p:nvSpPr>
-          <p:cNvPr id="110" name="Diamond 109">
-            <a:extLst>
-              <a:ext uri="{FF2B5EF4-FFF2-40B4-BE49-F238E27FC236}">
-                <a16:creationId xmlns:a16="http://schemas.microsoft.com/office/drawing/2014/main" id="{AE4C2E08-C7CA-1A4F-8A6E-6E8D16B38182}"/>
-              </a:ext>
-            </a:extLst>
-          </p:cNvPr>
-          <p:cNvSpPr/>
-          <p:nvPr/>
-        </p:nvSpPr>
-        <p:spPr>
-          <a:xfrm>
-            <a:off x="7216984" y="8024023"/>
-            <a:ext cx="2423155" cy="835996"/>
-          </a:xfrm>
-          <a:prstGeom prst="diamond">
-            <a:avLst/>
-          </a:prstGeom>
+          </a:fontRef>
+        </p:style>
+        <p:txBody>
+          <a:bodyPr rtlCol="0" anchor="ctr"/>
+          <a:lstStyle/>
+          <a:p>
+            <a:pPr algn="ctr"/>
+            <a:r>
+              <a:rPr lang="en-US" sz="1600"/>
+              <a:t>d</a:t>
+            </a:r>
+            <a:endParaRPr lang="en-US" sz="1400"/>
+          </a:p>
+        </p:txBody>
+      </p:sp>
+      <p:sp>
+        <p:nvSpPr>
+          <p:cNvPr id="5" name="Rectangle 4">
+            <a:extLst>
+              <a:ext uri="{FF2B5EF4-FFF2-40B4-BE49-F238E27FC236}">
+                <a16:creationId xmlns:a16="http://schemas.microsoft.com/office/drawing/2014/main" id="{DCC2B1D0-F381-C14D-B327-CF627AE1DC2B}"/>
+              </a:ext>
+            </a:extLst>
+          </p:cNvPr>
+          <p:cNvSpPr/>
+          <p:nvPr/>
+        </p:nvSpPr>
+        <p:spPr>
+          <a:xfrm>
+            <a:off x="2035036" y="2611765"/>
+            <a:ext cx="1987475" cy="645277"/>
+          </a:xfrm>
+          <a:prstGeom prst="rect">
+            <a:avLst/>
+          </a:prstGeom>
+          <a:solidFill>
+            <a:schemeClr val="accent2">
+              <a:lumMod val="60000"/>
+              <a:lumOff val="40000"/>
+            </a:schemeClr>
+          </a:solidFill>
         </p:spPr>
         <p:style>
           <a:lnRef idx="2">
-            <a:schemeClr val="accent1">
+            <a:schemeClr val="accent4">
               <a:shade val="50000"/>
             </a:schemeClr>
           </a:lnRef>
           <a:fillRef idx="1">
-            <a:schemeClr val="accent1"/>
-          </a:fillRef>
-          <a:effectRef idx="0">
-            <a:schemeClr val="accent1"/>
+            <a:schemeClr val="accent4"/>
+          </a:fillRef>
+          <a:effectRef idx="0">
+            <a:schemeClr val="accent4"/>
           </a:effectRef>
           <a:fontRef idx="minor">
             <a:schemeClr val="lt1"/>
           </a:fontRef>
         </p:style>
         <p:txBody>
-          <a:bodyPr wrap="none" lIns="36000" rIns="36000" rtlCol="0" anchor="ctr"/>
-          <a:lstStyle/>
-          <a:p>
-            <a:pPr algn="ctr"/>
-            <a:r>
-              <a:rPr lang="en-GB"/>
-              <a:t>FF-NN:</a:t>
-            </a:r>
-            <a:br>
-              <a:rPr lang="en-GB"/>
-            </a:br>
-            <a:r>
-              <a:rPr lang="en-GB"/>
-              <a:t>linear2senses</a:t>
-            </a:r>
-            <a:endParaRPr lang="en-US"/>
-          </a:p>
-        </p:txBody>
-      </p:sp>
-      <p:sp>
-        <p:nvSpPr>
-          <p:cNvPr id="111" name="Down Arrow 110">
-            <a:extLst>
-              <a:ext uri="{FF2B5EF4-FFF2-40B4-BE49-F238E27FC236}">
-                <a16:creationId xmlns:a16="http://schemas.microsoft.com/office/drawing/2014/main" id="{C4A77C34-6AAE-CF4F-9234-5F76595DAA01}"/>
-              </a:ext>
-            </a:extLst>
-          </p:cNvPr>
-          <p:cNvSpPr/>
-          <p:nvPr/>
-        </p:nvSpPr>
-        <p:spPr>
-          <a:xfrm>
-            <a:off x="8229130" y="7168748"/>
-            <a:ext cx="381964" cy="868992"/>
-          </a:xfrm>
-          <a:prstGeom prst="downArrow">
-            <a:avLst/>
-          </a:prstGeom>
-          <a:solidFill>
-            <a:schemeClr val="bg1"/>
-          </a:solidFill>
-        </p:spPr>
-        <p:style>
-          <a:lnRef idx="2">
-            <a:schemeClr val="accent1">
-              <a:shade val="50000"/>
-            </a:schemeClr>
-          </a:lnRef>
-          <a:fillRef idx="1">
-            <a:schemeClr val="accent1"/>
-          </a:fillRef>
-          <a:effectRef idx="0">
-            <a:schemeClr val="accent1"/>
-          </a:effectRef>
-          <a:fontRef idx="minor">
-            <a:schemeClr val="lt1"/>
-          </a:fontRef>
-        </p:style>
-        <p:txBody>
           <a:bodyPr rtlCol="0" anchor="ctr"/>
           <a:lstStyle/>
           <a:p>
             <a:pPr algn="ctr"/>
-            <a:endParaRPr lang="en-US"/>
-          </a:p>
-        </p:txBody>
-      </p:sp>
-      <p:sp>
-        <p:nvSpPr>
-          <p:cNvPr id="112" name="Down Arrow 111">
-            <a:extLst>
-              <a:ext uri="{FF2B5EF4-FFF2-40B4-BE49-F238E27FC236}">
-                <a16:creationId xmlns:a16="http://schemas.microsoft.com/office/drawing/2014/main" id="{FDC1CB01-C028-6C48-95D2-4C7288B55F66}"/>
-              </a:ext>
-            </a:extLst>
-          </p:cNvPr>
-          <p:cNvSpPr/>
-          <p:nvPr/>
-        </p:nvSpPr>
-        <p:spPr>
-          <a:xfrm>
-            <a:off x="8227381" y="8838659"/>
-            <a:ext cx="381964" cy="428262"/>
-          </a:xfrm>
-          <a:prstGeom prst="downArrow">
-            <a:avLst/>
-          </a:prstGeom>
-          <a:solidFill>
-            <a:schemeClr val="bg1"/>
-          </a:solidFill>
-        </p:spPr>
-        <p:style>
-          <a:lnRef idx="2">
-            <a:schemeClr val="accent1">
-              <a:shade val="50000"/>
-            </a:schemeClr>
-          </a:lnRef>
-          <a:fillRef idx="1">
-            <a:schemeClr val="accent1"/>
-          </a:fillRef>
-          <a:effectRef idx="0">
-            <a:schemeClr val="accent1"/>
-          </a:effectRef>
-          <a:fontRef idx="minor">
-            <a:schemeClr val="lt1"/>
-          </a:fontRef>
-        </p:style>
-        <p:txBody>
-          <a:bodyPr rtlCol="0" anchor="ctr"/>
-          <a:lstStyle/>
-          <a:p>
-            <a:pPr algn="ctr"/>
-            <a:endParaRPr lang="en-US"/>
-          </a:p>
-        </p:txBody>
-      </p:sp>
-      <p:sp>
-        <p:nvSpPr>
-          <p:cNvPr id="114" name="Left Bracket 113">
-            <a:extLst>
-              <a:ext uri="{FF2B5EF4-FFF2-40B4-BE49-F238E27FC236}">
-                <a16:creationId xmlns:a16="http://schemas.microsoft.com/office/drawing/2014/main" id="{D6FA0586-C9C1-0645-96D3-C580A6E207AE}"/>
-              </a:ext>
-            </a:extLst>
-          </p:cNvPr>
-          <p:cNvSpPr/>
-          <p:nvPr/>
-        </p:nvSpPr>
-        <p:spPr>
-          <a:xfrm>
-            <a:off x="2698418" y="5231968"/>
-            <a:ext cx="299326" cy="1111170"/>
-          </a:xfrm>
-          <a:prstGeom prst="leftBracket">
-            <a:avLst/>
-          </a:prstGeom>
-          <a:ln w="12700"/>
-        </p:spPr>
-        <p:style>
-          <a:lnRef idx="1">
-            <a:schemeClr val="accent1"/>
-          </a:lnRef>
-          <a:fillRef idx="0">
-            <a:schemeClr val="accent1"/>
-          </a:fillRef>
-          <a:effectRef idx="0">
-            <a:schemeClr val="accent1"/>
-          </a:effectRef>
-          <a:fontRef idx="minor">
-            <a:schemeClr val="tx1"/>
-          </a:fontRef>
-        </p:style>
-        <p:txBody>
-          <a:bodyPr rtlCol="0" anchor="ctr"/>
-          <a:lstStyle/>
-          <a:p>
-            <a:pPr algn="ctr"/>
-            <a:endParaRPr lang="en-US"/>
-          </a:p>
-        </p:txBody>
-      </p:sp>
-      <p:sp>
-        <p:nvSpPr>
-          <p:cNvPr id="2" name="TextBox 1">
-            <a:extLst>
-              <a:ext uri="{FF2B5EF4-FFF2-40B4-BE49-F238E27FC236}">
-                <a16:creationId xmlns:a16="http://schemas.microsoft.com/office/drawing/2014/main" id="{CD51F447-4C90-B042-B3E2-0278C3F50ABF}"/>
-              </a:ext>
-            </a:extLst>
-          </p:cNvPr>
-          <p:cNvSpPr txBox="1"/>
-          <p:nvPr/>
-        </p:nvSpPr>
-        <p:spPr>
-          <a:xfrm>
-            <a:off x="1723920" y="5498185"/>
-            <a:ext cx="1040022" cy="369332"/>
-          </a:xfrm>
-          <a:prstGeom prst="rect">
-            <a:avLst/>
-          </a:prstGeom>
-          <a:noFill/>
-        </p:spPr>
-        <p:txBody>
-          <a:bodyPr wrap="square" rtlCol="0">
-            <a:spAutoFit/>
-          </a:bodyPr>
-          <a:lstStyle/>
-          <a:p>
-            <a:r>
-              <a:rPr lang="en-US" b="1"/>
-              <a:t>GRU</a:t>
-            </a:r>
-          </a:p>
-        </p:txBody>
-      </p:sp>
-      <p:sp>
-        <p:nvSpPr>
-          <p:cNvPr id="115" name="Diamond 114">
-            <a:extLst>
-              <a:ext uri="{FF2B5EF4-FFF2-40B4-BE49-F238E27FC236}">
-                <a16:creationId xmlns:a16="http://schemas.microsoft.com/office/drawing/2014/main" id="{F069E149-BA77-2B4D-A2C9-3C304350BADE}"/>
-              </a:ext>
-            </a:extLst>
-          </p:cNvPr>
-          <p:cNvSpPr/>
-          <p:nvPr/>
-        </p:nvSpPr>
-        <p:spPr>
-          <a:xfrm>
-            <a:off x="4064291" y="6105268"/>
-            <a:ext cx="2423155" cy="756806"/>
-          </a:xfrm>
-          <a:prstGeom prst="diamond">
-            <a:avLst/>
-          </a:prstGeom>
-        </p:spPr>
-        <p:style>
-          <a:lnRef idx="2">
-            <a:schemeClr val="accent1">
-              <a:shade val="50000"/>
-            </a:schemeClr>
-          </a:lnRef>
-          <a:fillRef idx="1">
-            <a:schemeClr val="accent1"/>
-          </a:fillRef>
-          <a:effectRef idx="0">
-            <a:schemeClr val="accent1"/>
-          </a:effectRef>
-          <a:fontRef idx="minor">
-            <a:schemeClr val="lt1"/>
-          </a:fontRef>
-        </p:style>
-        <p:txBody>
-          <a:bodyPr rtlCol="0" anchor="ctr"/>
-          <a:lstStyle/>
-          <a:p>
-            <a:pPr algn="ctr"/>
-            <a:r>
-              <a:rPr lang="en-US"/>
-              <a:t>Layer 2 of GRU</a:t>
-            </a:r>
-          </a:p>
-        </p:txBody>
-      </p:sp>
-      <p:sp>
-        <p:nvSpPr>
-          <p:cNvPr id="116" name="Rectangle 115">
-            <a:extLst>
-              <a:ext uri="{FF2B5EF4-FFF2-40B4-BE49-F238E27FC236}">
-                <a16:creationId xmlns:a16="http://schemas.microsoft.com/office/drawing/2014/main" id="{DFA289A8-0F99-5146-8DC5-32B647A8B770}"/>
-              </a:ext>
-            </a:extLst>
-          </p:cNvPr>
-          <p:cNvSpPr/>
-          <p:nvPr/>
-        </p:nvSpPr>
-        <p:spPr>
-          <a:xfrm>
-            <a:off x="4242482" y="6881353"/>
-            <a:ext cx="1987475" cy="299327"/>
-          </a:xfrm>
-          <a:prstGeom prst="rect">
-            <a:avLst/>
-          </a:prstGeom>
-          <a:solidFill>
-            <a:schemeClr val="accent5">
-              <a:lumMod val="40000"/>
-              <a:lumOff val="60000"/>
-            </a:schemeClr>
-          </a:solidFill>
-        </p:spPr>
-        <p:style>
-          <a:lnRef idx="2">
-            <a:schemeClr val="accent5">
-              <a:shade val="50000"/>
-            </a:schemeClr>
-          </a:lnRef>
-          <a:fillRef idx="1">
-            <a:schemeClr val="accent5"/>
-          </a:fillRef>
-          <a:effectRef idx="0">
-            <a:schemeClr val="accent5"/>
-          </a:effectRef>
-          <a:fontRef idx="minor">
-            <a:schemeClr val="lt1"/>
-          </a:fontRef>
-        </p:style>
-        <p:txBody>
-          <a:bodyPr rtlCol="0" anchor="ctr"/>
-          <a:lstStyle/>
-          <a:p>
-            <a:pPr algn="ctr"/>
-            <a:r>
-              <a:rPr lang="en-US" sz="1600">
-                <a:solidFill>
-                  <a:schemeClr val="tx1"/>
-                </a:solidFill>
-              </a:rPr>
-              <a:t>Hidden state 2</a:t>
-            </a:r>
-          </a:p>
-        </p:txBody>
-      </p:sp>
-      <p:sp>
-        <p:nvSpPr>
-          <p:cNvPr id="117" name="Diamond 116">
-            <a:extLst>
-              <a:ext uri="{FF2B5EF4-FFF2-40B4-BE49-F238E27FC236}">
-                <a16:creationId xmlns:a16="http://schemas.microsoft.com/office/drawing/2014/main" id="{FA4779EC-9A0D-CB41-868F-70F7E232C442}"/>
-              </a:ext>
-            </a:extLst>
-          </p:cNvPr>
-          <p:cNvSpPr/>
-          <p:nvPr/>
-        </p:nvSpPr>
-        <p:spPr>
-          <a:xfrm>
-            <a:off x="7208535" y="6090291"/>
-            <a:ext cx="2423155" cy="756806"/>
-          </a:xfrm>
-          <a:prstGeom prst="diamond">
-            <a:avLst/>
-          </a:prstGeom>
-        </p:spPr>
-        <p:style>
-          <a:lnRef idx="2">
-            <a:schemeClr val="accent1">
-              <a:shade val="50000"/>
-            </a:schemeClr>
-          </a:lnRef>
-          <a:fillRef idx="1">
-            <a:schemeClr val="accent1"/>
-          </a:fillRef>
-          <a:effectRef idx="0">
-            <a:schemeClr val="accent1"/>
-          </a:effectRef>
-          <a:fontRef idx="minor">
-            <a:schemeClr val="lt1"/>
-          </a:fontRef>
-        </p:style>
-        <p:txBody>
-          <a:bodyPr rtlCol="0" anchor="ctr"/>
-          <a:lstStyle/>
-          <a:p>
-            <a:pPr algn="ctr"/>
-            <a:r>
-              <a:rPr lang="en-US"/>
-              <a:t>Layer 2b of GRU</a:t>
-            </a:r>
-          </a:p>
-        </p:txBody>
-      </p:sp>
-      <p:sp>
-        <p:nvSpPr>
-          <p:cNvPr id="118" name="Rectangle 117">
-            <a:extLst>
-              <a:ext uri="{FF2B5EF4-FFF2-40B4-BE49-F238E27FC236}">
-                <a16:creationId xmlns:a16="http://schemas.microsoft.com/office/drawing/2014/main" id="{1D7FA5EB-8E41-BE4A-9971-CF1924145332}"/>
-              </a:ext>
-            </a:extLst>
-          </p:cNvPr>
-          <p:cNvSpPr/>
-          <p:nvPr/>
-        </p:nvSpPr>
-        <p:spPr>
-          <a:xfrm>
-            <a:off x="7427114" y="6854263"/>
-            <a:ext cx="1987475" cy="299327"/>
-          </a:xfrm>
-          <a:prstGeom prst="rect">
-            <a:avLst/>
-          </a:prstGeom>
-          <a:solidFill>
-            <a:schemeClr val="accent5">
-              <a:lumMod val="40000"/>
-              <a:lumOff val="60000"/>
-            </a:schemeClr>
-          </a:solidFill>
-        </p:spPr>
-        <p:style>
-          <a:lnRef idx="2">
-            <a:schemeClr val="accent5">
-              <a:shade val="50000"/>
-            </a:schemeClr>
-          </a:lnRef>
-          <a:fillRef idx="1">
-            <a:schemeClr val="accent5"/>
-          </a:fillRef>
-          <a:effectRef idx="0">
-            <a:schemeClr val="accent5"/>
-          </a:effectRef>
-          <a:fontRef idx="minor">
-            <a:schemeClr val="lt1"/>
-          </a:fontRef>
-        </p:style>
-        <p:txBody>
-          <a:bodyPr rtlCol="0" anchor="ctr"/>
-          <a:lstStyle/>
-          <a:p>
-            <a:pPr algn="ctr"/>
-            <a:r>
-              <a:rPr lang="en-US" sz="1600">
-                <a:solidFill>
-                  <a:schemeClr val="tx1"/>
-                </a:solidFill>
-              </a:rPr>
-              <a:t>Hidden state 2b</a:t>
-            </a:r>
+            <a:r>
+              <a:rPr lang="en-US" sz="1600" b="1"/>
+              <a:t>FastText vectors</a:t>
+            </a:r>
+            <a:endParaRPr lang="en-US" sz="1600" b="1">
+              <a:solidFill>
+                <a:schemeClr val="tx1"/>
+              </a:solidFill>
+            </a:endParaRPr>
           </a:p>
         </p:txBody>
       </p:sp>
     </p:spTree>
     <p:extLst>
       <p:ext uri="{BB962C8B-B14F-4D97-AF65-F5344CB8AC3E}">
-        <p14:creationId xmlns:p14="http://schemas.microsoft.com/office/powerpoint/2010/main" val="657849569"/>
+        <p14:creationId xmlns:p14="http://schemas.microsoft.com/office/powerpoint/2010/main" val="3732675719"/>
       </p:ext>
     </p:extLst>
   </p:cSld>
@@ -9999,24 +10545,250 @@
       </p:grpSpPr>
       <p:sp>
         <p:nvSpPr>
-          <p:cNvPr id="4" name="Diamond 3">
-            <a:extLst>
-              <a:ext uri="{FF2B5EF4-FFF2-40B4-BE49-F238E27FC236}">
-                <a16:creationId xmlns:a16="http://schemas.microsoft.com/office/drawing/2014/main" id="{DBB06CCC-4012-7142-8209-4D3CA3521F99}"/>
-              </a:ext>
-            </a:extLst>
-          </p:cNvPr>
-          <p:cNvSpPr/>
-          <p:nvPr/>
-        </p:nvSpPr>
-        <p:spPr>
-          <a:xfrm>
-            <a:off x="4354286" y="3857263"/>
-            <a:ext cx="2423155" cy="835996"/>
-          </a:xfrm>
-          <a:prstGeom prst="diamond">
-            <a:avLst/>
-          </a:prstGeom>
+          <p:cNvPr id="246" name="Rectangle 245">
+            <a:extLst>
+              <a:ext uri="{FF2B5EF4-FFF2-40B4-BE49-F238E27FC236}">
+                <a16:creationId xmlns:a16="http://schemas.microsoft.com/office/drawing/2014/main" id="{21EBD558-2A2F-AE47-AA00-988700403061}"/>
+              </a:ext>
+            </a:extLst>
+          </p:cNvPr>
+          <p:cNvSpPr/>
+          <p:nvPr/>
+        </p:nvSpPr>
+        <p:spPr>
+          <a:xfrm>
+            <a:off x="2636928" y="3680413"/>
+            <a:ext cx="1987475" cy="645277"/>
+          </a:xfrm>
+          <a:prstGeom prst="rect">
+            <a:avLst/>
+          </a:prstGeom>
+          <a:solidFill>
+            <a:schemeClr val="accent2">
+              <a:lumMod val="60000"/>
+              <a:lumOff val="40000"/>
+            </a:schemeClr>
+          </a:solidFill>
+        </p:spPr>
+        <p:style>
+          <a:lnRef idx="2">
+            <a:schemeClr val="accent4">
+              <a:shade val="50000"/>
+            </a:schemeClr>
+          </a:lnRef>
+          <a:fillRef idx="1">
+            <a:schemeClr val="accent4"/>
+          </a:fillRef>
+          <a:effectRef idx="0">
+            <a:schemeClr val="accent4"/>
+          </a:effectRef>
+          <a:fontRef idx="minor">
+            <a:schemeClr val="lt1"/>
+          </a:fontRef>
+        </p:style>
+        <p:txBody>
+          <a:bodyPr rtlCol="0" anchor="ctr"/>
+          <a:lstStyle/>
+          <a:p>
+            <a:pPr algn="ctr"/>
+            <a:r>
+              <a:rPr lang="en-US" sz="1600"/>
+              <a:t>move.global</a:t>
+            </a:r>
+            <a:br>
+              <a:rPr lang="en-US" sz="1600" b="1"/>
+            </a:br>
+            <a:r>
+              <a:rPr lang="en-US" sz="1600" b="1">
+                <a:solidFill>
+                  <a:schemeClr val="tx1"/>
+                </a:solidFill>
+              </a:rPr>
+              <a:t>Word Embedding</a:t>
+            </a:r>
+          </a:p>
+        </p:txBody>
+      </p:sp>
+      <p:sp>
+        <p:nvSpPr>
+          <p:cNvPr id="247" name="Rectangle 246">
+            <a:extLst>
+              <a:ext uri="{FF2B5EF4-FFF2-40B4-BE49-F238E27FC236}">
+                <a16:creationId xmlns:a16="http://schemas.microsoft.com/office/drawing/2014/main" id="{4FE39300-1A73-8E45-BF1A-6C75B44DC8C0}"/>
+              </a:ext>
+            </a:extLst>
+          </p:cNvPr>
+          <p:cNvSpPr/>
+          <p:nvPr/>
+        </p:nvSpPr>
+        <p:spPr>
+          <a:xfrm>
+            <a:off x="4647772" y="3680413"/>
+            <a:ext cx="1987475" cy="645277"/>
+          </a:xfrm>
+          <a:prstGeom prst="rect">
+            <a:avLst/>
+          </a:prstGeom>
+        </p:spPr>
+        <p:style>
+          <a:lnRef idx="2">
+            <a:schemeClr val="accent4">
+              <a:shade val="50000"/>
+            </a:schemeClr>
+          </a:lnRef>
+          <a:fillRef idx="1">
+            <a:schemeClr val="accent4"/>
+          </a:fillRef>
+          <a:effectRef idx="0">
+            <a:schemeClr val="accent4"/>
+          </a:effectRef>
+          <a:fontRef idx="minor">
+            <a:schemeClr val="lt1"/>
+          </a:fontRef>
+        </p:style>
+        <p:txBody>
+          <a:bodyPr rtlCol="0" anchor="ctr"/>
+          <a:lstStyle/>
+          <a:p>
+            <a:pPr algn="ctr"/>
+            <a:r>
+              <a:rPr lang="en-US" sz="1600"/>
+              <a:t>move.global</a:t>
+            </a:r>
+            <a:br>
+              <a:rPr lang="en-US" sz="1600" b="1"/>
+            </a:br>
+            <a:r>
+              <a:rPr lang="en-US" sz="1600" b="1">
+                <a:solidFill>
+                  <a:schemeClr val="tx1"/>
+                </a:solidFill>
+              </a:rPr>
+              <a:t>Word Node State</a:t>
+            </a:r>
+          </a:p>
+        </p:txBody>
+      </p:sp>
+      <p:sp>
+        <p:nvSpPr>
+          <p:cNvPr id="248" name="Rectangle 247">
+            <a:extLst>
+              <a:ext uri="{FF2B5EF4-FFF2-40B4-BE49-F238E27FC236}">
+                <a16:creationId xmlns:a16="http://schemas.microsoft.com/office/drawing/2014/main" id="{D35CF018-7FC4-684A-9DA9-60D958BF6D57}"/>
+              </a:ext>
+            </a:extLst>
+          </p:cNvPr>
+          <p:cNvSpPr/>
+          <p:nvPr/>
+        </p:nvSpPr>
+        <p:spPr>
+          <a:xfrm>
+            <a:off x="6658616" y="3680413"/>
+            <a:ext cx="1987475" cy="645277"/>
+          </a:xfrm>
+          <a:prstGeom prst="rect">
+            <a:avLst/>
+          </a:prstGeom>
+        </p:spPr>
+        <p:style>
+          <a:lnRef idx="1">
+            <a:schemeClr val="accent6"/>
+          </a:lnRef>
+          <a:fillRef idx="2">
+            <a:schemeClr val="accent6"/>
+          </a:fillRef>
+          <a:effectRef idx="1">
+            <a:schemeClr val="accent6"/>
+          </a:effectRef>
+          <a:fontRef idx="minor">
+            <a:schemeClr val="dk1"/>
+          </a:fontRef>
+        </p:style>
+        <p:txBody>
+          <a:bodyPr rtlCol="0" anchor="ctr"/>
+          <a:lstStyle/>
+          <a:p>
+            <a:pPr algn="ctr"/>
+            <a:r>
+              <a:rPr lang="en-US" sz="1600"/>
+              <a:t>Move.v.2</a:t>
+            </a:r>
+            <a:br>
+              <a:rPr lang="en-US" sz="1600" b="1"/>
+            </a:br>
+            <a:r>
+              <a:rPr lang="en-US" sz="1600" b="1"/>
+              <a:t>Sense </a:t>
+            </a:r>
+            <a:r>
+              <a:rPr lang="en-US" sz="1600" b="1">
+                <a:solidFill>
+                  <a:schemeClr val="tx1"/>
+                </a:solidFill>
+              </a:rPr>
+              <a:t>Node State</a:t>
+            </a:r>
+          </a:p>
+        </p:txBody>
+      </p:sp>
+      <p:sp>
+        <p:nvSpPr>
+          <p:cNvPr id="249" name="TextBox 248">
+            <a:extLst>
+              <a:ext uri="{FF2B5EF4-FFF2-40B4-BE49-F238E27FC236}">
+                <a16:creationId xmlns:a16="http://schemas.microsoft.com/office/drawing/2014/main" id="{1AD4AF1E-29BB-C843-81FD-DB36FE67382B}"/>
+              </a:ext>
+            </a:extLst>
+          </p:cNvPr>
+          <p:cNvSpPr txBox="1"/>
+          <p:nvPr/>
+        </p:nvSpPr>
+        <p:spPr>
+          <a:xfrm>
+            <a:off x="838722" y="3869277"/>
+            <a:ext cx="1602487" cy="369332"/>
+          </a:xfrm>
+          <a:prstGeom prst="rect">
+            <a:avLst/>
+          </a:prstGeom>
+          <a:noFill/>
+        </p:spPr>
+        <p:txBody>
+          <a:bodyPr wrap="square" rtlCol="0">
+            <a:spAutoFit/>
+          </a:bodyPr>
+          <a:lstStyle/>
+          <a:p>
+            <a:r>
+              <a:rPr lang="en-US"/>
+              <a:t>Concatenated:</a:t>
+            </a:r>
+          </a:p>
+        </p:txBody>
+      </p:sp>
+      <p:sp>
+        <p:nvSpPr>
+          <p:cNvPr id="257" name="Down Arrow 256">
+            <a:extLst>
+              <a:ext uri="{FF2B5EF4-FFF2-40B4-BE49-F238E27FC236}">
+                <a16:creationId xmlns:a16="http://schemas.microsoft.com/office/drawing/2014/main" id="{18F0D862-3477-2D4C-BA18-3CA75A087836}"/>
+              </a:ext>
+            </a:extLst>
+          </p:cNvPr>
+          <p:cNvSpPr/>
+          <p:nvPr/>
+        </p:nvSpPr>
+        <p:spPr>
+          <a:xfrm>
+            <a:off x="5075919" y="4525190"/>
+            <a:ext cx="381964" cy="473605"/>
+          </a:xfrm>
+          <a:prstGeom prst="downArrow">
+            <a:avLst/>
+          </a:prstGeom>
+          <a:solidFill>
+            <a:schemeClr val="bg1"/>
+          </a:solidFill>
         </p:spPr>
         <p:style>
           <a:lnRef idx="2">
@@ -10039,43 +10811,75 @@
           <a:lstStyle/>
           <a:p>
             <a:pPr algn="ctr"/>
-            <a:r>
-              <a:rPr lang="en-US"/>
-              <a:t>2-layers</a:t>
-            </a:r>
-            <a:br>
-              <a:rPr lang="en-US"/>
-            </a:br>
-            <a:r>
-              <a:rPr lang="en-US"/>
-              <a:t>GRU</a:t>
-            </a:r>
-          </a:p>
-        </p:txBody>
-      </p:sp>
-      <p:sp>
-        <p:nvSpPr>
-          <p:cNvPr id="5" name="Down Arrow 4">
-            <a:extLst>
-              <a:ext uri="{FF2B5EF4-FFF2-40B4-BE49-F238E27FC236}">
-                <a16:creationId xmlns:a16="http://schemas.microsoft.com/office/drawing/2014/main" id="{2E1E1C2B-5B16-004D-95B2-00203BDC4738}"/>
-              </a:ext>
-            </a:extLst>
-          </p:cNvPr>
-          <p:cNvSpPr/>
-          <p:nvPr/>
-        </p:nvSpPr>
-        <p:spPr>
-          <a:xfrm>
-            <a:off x="5386454" y="3429001"/>
-            <a:ext cx="381964" cy="428262"/>
-          </a:xfrm>
-          <a:prstGeom prst="downArrow">
-            <a:avLst/>
-          </a:prstGeom>
-          <a:solidFill>
-            <a:schemeClr val="bg1"/>
-          </a:solidFill>
+            <a:endParaRPr lang="en-US"/>
+          </a:p>
+        </p:txBody>
+      </p:sp>
+      <p:sp>
+        <p:nvSpPr>
+          <p:cNvPr id="258" name="Left Bracket 257">
+            <a:extLst>
+              <a:ext uri="{FF2B5EF4-FFF2-40B4-BE49-F238E27FC236}">
+                <a16:creationId xmlns:a16="http://schemas.microsoft.com/office/drawing/2014/main" id="{161D59A0-97E8-A340-937B-F8E6E9BF767B}"/>
+              </a:ext>
+            </a:extLst>
+          </p:cNvPr>
+          <p:cNvSpPr/>
+          <p:nvPr/>
+        </p:nvSpPr>
+        <p:spPr>
+          <a:xfrm rot="-5400000">
+            <a:off x="5497536" y="1181645"/>
+            <a:ext cx="299326" cy="6370202"/>
+          </a:xfrm>
+          <a:prstGeom prst="leftBracket">
+            <a:avLst/>
+          </a:prstGeom>
+          <a:ln w="12700"/>
+        </p:spPr>
+        <p:style>
+          <a:lnRef idx="1">
+            <a:schemeClr val="accent1"/>
+          </a:lnRef>
+          <a:fillRef idx="0">
+            <a:schemeClr val="accent1"/>
+          </a:fillRef>
+          <a:effectRef idx="0">
+            <a:schemeClr val="accent1"/>
+          </a:effectRef>
+          <a:fontRef idx="minor">
+            <a:schemeClr val="tx1"/>
+          </a:fontRef>
+        </p:style>
+        <p:txBody>
+          <a:bodyPr rtlCol="0" anchor="ctr"/>
+          <a:lstStyle/>
+          <a:p>
+            <a:pPr algn="ctr"/>
+            <a:endParaRPr lang="en-US"/>
+          </a:p>
+        </p:txBody>
+      </p:sp>
+      <p:sp>
+        <p:nvSpPr>
+          <p:cNvPr id="259" name="Diamond 258">
+            <a:extLst>
+              <a:ext uri="{FF2B5EF4-FFF2-40B4-BE49-F238E27FC236}">
+                <a16:creationId xmlns:a16="http://schemas.microsoft.com/office/drawing/2014/main" id="{39D90A8D-B5BB-4B48-AC59-75E00CEEE05C}"/>
+              </a:ext>
+            </a:extLst>
+          </p:cNvPr>
+          <p:cNvSpPr/>
+          <p:nvPr/>
+        </p:nvSpPr>
+        <p:spPr>
+          <a:xfrm>
+            <a:off x="4054200" y="5026792"/>
+            <a:ext cx="2423155" cy="756806"/>
+          </a:xfrm>
+          <a:prstGeom prst="diamond">
+            <a:avLst/>
+          </a:prstGeom>
         </p:spPr>
         <p:style>
           <a:lnRef idx="2">
@@ -10094,37 +10898,33 @@
           </a:fontRef>
         </p:style>
         <p:txBody>
-          <a:bodyPr wrap="none" rtlCol="0" anchor="ctr"/>
-          <a:lstStyle/>
-          <a:p>
-            <a:pPr algn="ctr"/>
-            <a:r>
-              <a:rPr lang="en-US" b="1">
-                <a:solidFill>
-                  <a:schemeClr val="tx1"/>
-                </a:solidFill>
-              </a:rPr>
-              <a:t>I n p u t</a:t>
-            </a:r>
-          </a:p>
-        </p:txBody>
-      </p:sp>
-      <p:sp>
-        <p:nvSpPr>
-          <p:cNvPr id="7" name="Rectangle 6">
-            <a:extLst>
-              <a:ext uri="{FF2B5EF4-FFF2-40B4-BE49-F238E27FC236}">
-                <a16:creationId xmlns:a16="http://schemas.microsoft.com/office/drawing/2014/main" id="{CEB94528-BBB3-B44D-860D-084ECFCFE803}"/>
-              </a:ext>
-            </a:extLst>
-          </p:cNvPr>
-          <p:cNvSpPr/>
-          <p:nvPr/>
-        </p:nvSpPr>
-        <p:spPr>
-          <a:xfrm>
-            <a:off x="4572125" y="5038712"/>
-            <a:ext cx="1987475" cy="530651"/>
+          <a:bodyPr rtlCol="0" anchor="ctr"/>
+          <a:lstStyle/>
+          <a:p>
+            <a:pPr algn="ctr"/>
+            <a:r>
+              <a:rPr lang="en-US"/>
+              <a:t>Layer 1 of GRU</a:t>
+            </a:r>
+          </a:p>
+        </p:txBody>
+      </p:sp>
+      <p:sp>
+        <p:nvSpPr>
+          <p:cNvPr id="86" name="Rectangle 85">
+            <a:extLst>
+              <a:ext uri="{FF2B5EF4-FFF2-40B4-BE49-F238E27FC236}">
+                <a16:creationId xmlns:a16="http://schemas.microsoft.com/office/drawing/2014/main" id="{04720A63-B472-2649-946A-1480BD193270}"/>
+              </a:ext>
+            </a:extLst>
+          </p:cNvPr>
+          <p:cNvSpPr/>
+          <p:nvPr/>
+        </p:nvSpPr>
+        <p:spPr>
+          <a:xfrm>
+            <a:off x="4242483" y="5799930"/>
+            <a:ext cx="1987475" cy="299327"/>
           </a:xfrm>
           <a:prstGeom prst="rect">
             <a:avLst/>
@@ -10163,46 +10963,26 @@
                   <a:schemeClr val="tx1"/>
                 </a:solidFill>
               </a:rPr>
-              <a:t>Encoding </a:t>
-            </a:r>
-            <a:br>
-              <a:rPr lang="en-US" sz="1600">
-                <a:solidFill>
-                  <a:schemeClr val="tx1"/>
-                </a:solidFill>
-              </a:rPr>
-            </a:br>
-            <a:r>
-              <a:rPr lang="en-US" sz="1600">
-                <a:solidFill>
-                  <a:schemeClr val="tx1"/>
-                </a:solidFill>
-              </a:rPr>
-              <a:t>(Hidden state 2)</a:t>
-            </a:r>
-            <a:endParaRPr lang="en-US" sz="1600" b="1">
-              <a:solidFill>
-                <a:schemeClr val="tx1"/>
-              </a:solidFill>
-            </a:endParaRPr>
-          </a:p>
-        </p:txBody>
-      </p:sp>
-      <p:sp>
-        <p:nvSpPr>
-          <p:cNvPr id="10" name="Diamond 9">
-            <a:extLst>
-              <a:ext uri="{FF2B5EF4-FFF2-40B4-BE49-F238E27FC236}">
-                <a16:creationId xmlns:a16="http://schemas.microsoft.com/office/drawing/2014/main" id="{E26FEDF0-E397-024D-A02E-1E1D21E34639}"/>
-              </a:ext>
-            </a:extLst>
-          </p:cNvPr>
-          <p:cNvSpPr/>
-          <p:nvPr/>
-        </p:nvSpPr>
-        <p:spPr>
-          <a:xfrm>
-            <a:off x="4354284" y="6014410"/>
+              <a:t>Hidden state 1</a:t>
+            </a:r>
+          </a:p>
+        </p:txBody>
+      </p:sp>
+      <p:sp>
+        <p:nvSpPr>
+          <p:cNvPr id="87" name="Diamond 86">
+            <a:extLst>
+              <a:ext uri="{FF2B5EF4-FFF2-40B4-BE49-F238E27FC236}">
+                <a16:creationId xmlns:a16="http://schemas.microsoft.com/office/drawing/2014/main" id="{D720A14A-448F-C74D-9782-DA58BDCF5657}"/>
+              </a:ext>
+            </a:extLst>
+          </p:cNvPr>
+          <p:cNvSpPr/>
+          <p:nvPr/>
+        </p:nvSpPr>
+        <p:spPr>
+          <a:xfrm>
+            <a:off x="4053586" y="8026165"/>
             <a:ext cx="2423155" cy="835996"/>
           </a:xfrm>
           <a:prstGeom prst="diamond">
@@ -10247,19 +11027,19 @@
       </p:sp>
       <p:sp>
         <p:nvSpPr>
-          <p:cNvPr id="12" name="Rectangle 11">
-            <a:extLst>
-              <a:ext uri="{FF2B5EF4-FFF2-40B4-BE49-F238E27FC236}">
-                <a16:creationId xmlns:a16="http://schemas.microsoft.com/office/drawing/2014/main" id="{BF9CF074-2BFA-2E4A-A782-5519DDEB6F3B}"/>
-              </a:ext>
-            </a:extLst>
-          </p:cNvPr>
-          <p:cNvSpPr/>
-          <p:nvPr/>
-        </p:nvSpPr>
-        <p:spPr>
-          <a:xfrm>
-            <a:off x="4596390" y="7311609"/>
+          <p:cNvPr id="88" name="Rectangle 87">
+            <a:extLst>
+              <a:ext uri="{FF2B5EF4-FFF2-40B4-BE49-F238E27FC236}">
+                <a16:creationId xmlns:a16="http://schemas.microsoft.com/office/drawing/2014/main" id="{B6224982-B82A-1543-8A21-0A983FA65669}"/>
+              </a:ext>
+            </a:extLst>
+          </p:cNvPr>
+          <p:cNvSpPr/>
+          <p:nvPr/>
+        </p:nvSpPr>
+        <p:spPr>
+          <a:xfrm>
+            <a:off x="4295692" y="9323364"/>
             <a:ext cx="1987475" cy="530651"/>
           </a:xfrm>
           <a:prstGeom prst="rect">
@@ -10306,109 +11086,20 @@
       </p:sp>
       <p:sp>
         <p:nvSpPr>
-          <p:cNvPr id="14" name="Oval 13">
-            <a:extLst>
-              <a:ext uri="{FF2B5EF4-FFF2-40B4-BE49-F238E27FC236}">
-                <a16:creationId xmlns:a16="http://schemas.microsoft.com/office/drawing/2014/main" id="{CC2973EE-8363-8F47-BA1C-C19ED98DECD3}"/>
-              </a:ext>
-            </a:extLst>
-          </p:cNvPr>
-          <p:cNvSpPr/>
-          <p:nvPr/>
-        </p:nvSpPr>
-        <p:spPr>
-          <a:xfrm>
-            <a:off x="5189683" y="8267181"/>
-            <a:ext cx="752354" cy="755561"/>
-          </a:xfrm>
-          <a:prstGeom prst="ellipse">
-            <a:avLst/>
-          </a:prstGeom>
-        </p:spPr>
-        <p:style>
-          <a:lnRef idx="1">
-            <a:schemeClr val="accent3"/>
-          </a:lnRef>
-          <a:fillRef idx="2">
-            <a:schemeClr val="accent3"/>
-          </a:fillRef>
-          <a:effectRef idx="1">
-            <a:schemeClr val="accent3"/>
-          </a:effectRef>
-          <a:fontRef idx="minor">
-            <a:schemeClr val="dk1"/>
-          </a:fontRef>
-        </p:style>
-        <p:txBody>
-          <a:bodyPr wrap="none" rtlCol="0" anchor="ctr"/>
-          <a:lstStyle/>
-          <a:p>
-            <a:pPr algn="ctr"/>
-            <a:r>
-              <a:rPr lang="en-US"/>
-              <a:t>Softmax</a:t>
-            </a:r>
-          </a:p>
-        </p:txBody>
-      </p:sp>
-      <p:cxnSp>
-        <p:nvCxnSpPr>
-          <p:cNvPr id="16" name="Straight Arrow Connector 15">
-            <a:extLst>
-              <a:ext uri="{FF2B5EF4-FFF2-40B4-BE49-F238E27FC236}">
-                <a16:creationId xmlns:a16="http://schemas.microsoft.com/office/drawing/2014/main" id="{085041C8-9843-9647-A903-D4B6FE815AA6}"/>
-              </a:ext>
-            </a:extLst>
-          </p:cNvPr>
-          <p:cNvCxnSpPr>
-            <a:stCxn id="4" idx="2"/>
-            <a:endCxn id="7" idx="0"/>
-          </p:cNvCxnSpPr>
-          <p:nvPr/>
-        </p:nvCxnSpPr>
-        <p:spPr>
-          <a:xfrm flipH="1">
-            <a:off x="5565863" y="4693259"/>
-            <a:ext cx="1" cy="345452"/>
-          </a:xfrm>
-          <a:prstGeom prst="straightConnector1">
-            <a:avLst/>
-          </a:prstGeom>
-          <a:ln>
-            <a:tailEnd type="triangle"/>
-          </a:ln>
-        </p:spPr>
-        <p:style>
-          <a:lnRef idx="1">
-            <a:schemeClr val="dk1"/>
-          </a:lnRef>
-          <a:fillRef idx="0">
-            <a:schemeClr val="dk1"/>
-          </a:fillRef>
-          <a:effectRef idx="0">
-            <a:schemeClr val="dk1"/>
-          </a:effectRef>
-          <a:fontRef idx="minor">
-            <a:schemeClr val="tx1"/>
-          </a:fontRef>
-        </p:style>
-      </p:cxnSp>
-      <p:sp>
-        <p:nvSpPr>
-          <p:cNvPr id="17" name="Down Arrow 16">
-            <a:extLst>
-              <a:ext uri="{FF2B5EF4-FFF2-40B4-BE49-F238E27FC236}">
-                <a16:creationId xmlns:a16="http://schemas.microsoft.com/office/drawing/2014/main" id="{DBF5080D-6078-4A4D-A114-6B041E937229}"/>
-              </a:ext>
-            </a:extLst>
-          </p:cNvPr>
-          <p:cNvSpPr/>
-          <p:nvPr/>
-        </p:nvSpPr>
-        <p:spPr>
-          <a:xfrm>
-            <a:off x="5386454" y="5564633"/>
-            <a:ext cx="381964" cy="428262"/>
+          <p:cNvPr id="92" name="Down Arrow 91">
+            <a:extLst>
+              <a:ext uri="{FF2B5EF4-FFF2-40B4-BE49-F238E27FC236}">
+                <a16:creationId xmlns:a16="http://schemas.microsoft.com/office/drawing/2014/main" id="{8B86E277-3EBE-4D4D-906B-94475D1125B4}"/>
+              </a:ext>
+            </a:extLst>
+          </p:cNvPr>
+          <p:cNvSpPr/>
+          <p:nvPr/>
+        </p:nvSpPr>
+        <p:spPr>
+          <a:xfrm>
+            <a:off x="5096367" y="7190170"/>
+            <a:ext cx="381964" cy="835995"/>
           </a:xfrm>
           <a:prstGeom prst="downArrow">
             <a:avLst/>
@@ -10444,19 +11135,19 @@
       </p:sp>
       <p:sp>
         <p:nvSpPr>
-          <p:cNvPr id="18" name="Down Arrow 17">
-            <a:extLst>
-              <a:ext uri="{FF2B5EF4-FFF2-40B4-BE49-F238E27FC236}">
-                <a16:creationId xmlns:a16="http://schemas.microsoft.com/office/drawing/2014/main" id="{78948B97-2EB5-7C44-8661-F8FF659EEC11}"/>
-              </a:ext>
-            </a:extLst>
-          </p:cNvPr>
-          <p:cNvSpPr/>
-          <p:nvPr/>
-        </p:nvSpPr>
-        <p:spPr>
-          <a:xfrm>
-            <a:off x="5386454" y="6850406"/>
+          <p:cNvPr id="93" name="Down Arrow 92">
+            <a:extLst>
+              <a:ext uri="{FF2B5EF4-FFF2-40B4-BE49-F238E27FC236}">
+                <a16:creationId xmlns:a16="http://schemas.microsoft.com/office/drawing/2014/main" id="{5A0602D7-C1C7-184A-B336-BDBBEA25EBA2}"/>
+              </a:ext>
+            </a:extLst>
+          </p:cNvPr>
+          <p:cNvSpPr/>
+          <p:nvPr/>
+        </p:nvSpPr>
+        <p:spPr>
+          <a:xfrm>
+            <a:off x="5085756" y="8862161"/>
             <a:ext cx="381964" cy="428262"/>
           </a:xfrm>
           <a:prstGeom prst="downArrow">
@@ -10493,19 +11184,19 @@
       </p:sp>
       <p:sp>
         <p:nvSpPr>
-          <p:cNvPr id="19" name="Down Arrow 18">
-            <a:extLst>
-              <a:ext uri="{FF2B5EF4-FFF2-40B4-BE49-F238E27FC236}">
-                <a16:creationId xmlns:a16="http://schemas.microsoft.com/office/drawing/2014/main" id="{8C470EB7-41A5-5C4D-8682-9F0FDF9C952B}"/>
-              </a:ext>
-            </a:extLst>
-          </p:cNvPr>
-          <p:cNvSpPr/>
-          <p:nvPr/>
-        </p:nvSpPr>
-        <p:spPr>
-          <a:xfrm>
-            <a:off x="5374878" y="7834882"/>
+          <p:cNvPr id="94" name="Down Arrow 93">
+            <a:extLst>
+              <a:ext uri="{FF2B5EF4-FFF2-40B4-BE49-F238E27FC236}">
+                <a16:creationId xmlns:a16="http://schemas.microsoft.com/office/drawing/2014/main" id="{9C0E5ABE-5384-D840-81FE-E7F6C349D18F}"/>
+              </a:ext>
+            </a:extLst>
+          </p:cNvPr>
+          <p:cNvSpPr/>
+          <p:nvPr/>
+        </p:nvSpPr>
+        <p:spPr>
+          <a:xfrm>
+            <a:off x="5074180" y="9846637"/>
             <a:ext cx="381964" cy="428262"/>
           </a:xfrm>
           <a:prstGeom prst="downArrow">
@@ -10542,127 +11233,19 @@
       </p:sp>
       <p:sp>
         <p:nvSpPr>
-          <p:cNvPr id="20" name="Down Arrow 19">
-            <a:extLst>
-              <a:ext uri="{FF2B5EF4-FFF2-40B4-BE49-F238E27FC236}">
-                <a16:creationId xmlns:a16="http://schemas.microsoft.com/office/drawing/2014/main" id="{3D411D0C-0351-B247-8E17-DF97F0AC5EA3}"/>
-              </a:ext>
-            </a:extLst>
-          </p:cNvPr>
-          <p:cNvSpPr/>
-          <p:nvPr/>
-        </p:nvSpPr>
-        <p:spPr>
-          <a:xfrm>
-            <a:off x="5374878" y="9032233"/>
-            <a:ext cx="381964" cy="428262"/>
-          </a:xfrm>
-          <a:prstGeom prst="downArrow">
-            <a:avLst/>
-          </a:prstGeom>
-          <a:solidFill>
-            <a:schemeClr val="bg1"/>
-          </a:solidFill>
-        </p:spPr>
-        <p:style>
-          <a:lnRef idx="2">
-            <a:schemeClr val="accent1">
-              <a:shade val="50000"/>
-            </a:schemeClr>
-          </a:lnRef>
-          <a:fillRef idx="1">
-            <a:schemeClr val="accent1"/>
-          </a:fillRef>
-          <a:effectRef idx="0">
-            <a:schemeClr val="accent1"/>
-          </a:effectRef>
-          <a:fontRef idx="minor">
-            <a:schemeClr val="lt1"/>
-          </a:fontRef>
-        </p:style>
-        <p:txBody>
-          <a:bodyPr rtlCol="0" anchor="ctr"/>
-          <a:lstStyle/>
-          <a:p>
-            <a:pPr algn="ctr"/>
-            <a:endParaRPr lang="en-US"/>
-          </a:p>
-        </p:txBody>
-      </p:sp>
-      <p:sp>
-        <p:nvSpPr>
-          <p:cNvPr id="21" name="Rectangle 20">
-            <a:extLst>
-              <a:ext uri="{FF2B5EF4-FFF2-40B4-BE49-F238E27FC236}">
-                <a16:creationId xmlns:a16="http://schemas.microsoft.com/office/drawing/2014/main" id="{5BACE416-FE57-2945-89A6-FCFC8709676C}"/>
-              </a:ext>
-            </a:extLst>
-          </p:cNvPr>
-          <p:cNvSpPr/>
-          <p:nvPr/>
-        </p:nvSpPr>
-        <p:spPr>
-          <a:xfrm>
-            <a:off x="4572123" y="9460496"/>
-            <a:ext cx="1987475" cy="755561"/>
-          </a:xfrm>
-          <a:prstGeom prst="rect">
-            <a:avLst/>
-          </a:prstGeom>
-          <a:solidFill>
-            <a:schemeClr val="accent4">
-              <a:lumMod val="40000"/>
-              <a:lumOff val="60000"/>
-            </a:schemeClr>
-          </a:solidFill>
-        </p:spPr>
-        <p:style>
-          <a:lnRef idx="2">
-            <a:schemeClr val="accent5">
-              <a:shade val="50000"/>
-            </a:schemeClr>
-          </a:lnRef>
-          <a:fillRef idx="1">
-            <a:schemeClr val="accent5"/>
-          </a:fillRef>
-          <a:effectRef idx="0">
-            <a:schemeClr val="accent5"/>
-          </a:effectRef>
-          <a:fontRef idx="minor">
-            <a:schemeClr val="lt1"/>
-          </a:fontRef>
-        </p:style>
-        <p:txBody>
-          <a:bodyPr rtlCol="0" anchor="ctr"/>
-          <a:lstStyle/>
-          <a:p>
-            <a:pPr algn="ctr"/>
-            <a:r>
-              <a:rPr lang="en-US" sz="1600">
-                <a:solidFill>
-                  <a:schemeClr val="tx1"/>
-                </a:solidFill>
-              </a:rPr>
-              <a:t>Predicted probabilities – next global word</a:t>
-            </a:r>
-          </a:p>
-        </p:txBody>
-      </p:sp>
-      <p:sp>
-        <p:nvSpPr>
-          <p:cNvPr id="22" name="Rectangle 21">
-            <a:extLst>
-              <a:ext uri="{FF2B5EF4-FFF2-40B4-BE49-F238E27FC236}">
-                <a16:creationId xmlns:a16="http://schemas.microsoft.com/office/drawing/2014/main" id="{3F7175FE-C5F5-9A4E-A7A6-7C7AE95F8F13}"/>
-              </a:ext>
-            </a:extLst>
-          </p:cNvPr>
-          <p:cNvSpPr/>
-          <p:nvPr/>
-        </p:nvSpPr>
-        <p:spPr>
-          <a:xfrm>
-            <a:off x="8348517" y="7311609"/>
+          <p:cNvPr id="97" name="Rectangle 96">
+            <a:extLst>
+              <a:ext uri="{FF2B5EF4-FFF2-40B4-BE49-F238E27FC236}">
+                <a16:creationId xmlns:a16="http://schemas.microsoft.com/office/drawing/2014/main" id="{A58CB02F-E5F6-DC40-9916-827FEEA07178}"/>
+              </a:ext>
+            </a:extLst>
+          </p:cNvPr>
+          <p:cNvSpPr/>
+          <p:nvPr/>
+        </p:nvSpPr>
+        <p:spPr>
+          <a:xfrm>
+            <a:off x="7454580" y="9274087"/>
             <a:ext cx="1987475" cy="530651"/>
           </a:xfrm>
           <a:prstGeom prst="rect">
@@ -10709,66 +11292,19 @@
       </p:sp>
       <p:sp>
         <p:nvSpPr>
-          <p:cNvPr id="23" name="Oval 22">
-            <a:extLst>
-              <a:ext uri="{FF2B5EF4-FFF2-40B4-BE49-F238E27FC236}">
-                <a16:creationId xmlns:a16="http://schemas.microsoft.com/office/drawing/2014/main" id="{6EE07ECA-65A2-0641-AE45-4F768DCC5DBD}"/>
-              </a:ext>
-            </a:extLst>
-          </p:cNvPr>
-          <p:cNvSpPr/>
-          <p:nvPr/>
-        </p:nvSpPr>
-        <p:spPr>
-          <a:xfrm>
-            <a:off x="8941810" y="8267181"/>
-            <a:ext cx="752354" cy="755561"/>
-          </a:xfrm>
-          <a:prstGeom prst="ellipse">
-            <a:avLst/>
-          </a:prstGeom>
-        </p:spPr>
-        <p:style>
-          <a:lnRef idx="1">
-            <a:schemeClr val="accent3"/>
-          </a:lnRef>
-          <a:fillRef idx="2">
-            <a:schemeClr val="accent3"/>
-          </a:fillRef>
-          <a:effectRef idx="1">
-            <a:schemeClr val="accent3"/>
-          </a:effectRef>
-          <a:fontRef idx="minor">
-            <a:schemeClr val="dk1"/>
-          </a:fontRef>
-        </p:style>
-        <p:txBody>
-          <a:bodyPr wrap="none" rtlCol="0" anchor="ctr"/>
-          <a:lstStyle/>
-          <a:p>
-            <a:pPr algn="ctr"/>
-            <a:r>
-              <a:rPr lang="en-US"/>
-              <a:t>Softmax</a:t>
-            </a:r>
-          </a:p>
-        </p:txBody>
-      </p:sp>
-      <p:sp>
-        <p:nvSpPr>
-          <p:cNvPr id="24" name="Down Arrow 23">
-            <a:extLst>
-              <a:ext uri="{FF2B5EF4-FFF2-40B4-BE49-F238E27FC236}">
-                <a16:creationId xmlns:a16="http://schemas.microsoft.com/office/drawing/2014/main" id="{5B8A8200-1A61-9A43-8F04-80F717E9B000}"/>
-              </a:ext>
-            </a:extLst>
-          </p:cNvPr>
-          <p:cNvSpPr/>
-          <p:nvPr/>
-        </p:nvSpPr>
-        <p:spPr>
-          <a:xfrm>
-            <a:off x="9127005" y="7834882"/>
+          <p:cNvPr id="99" name="Down Arrow 98">
+            <a:extLst>
+              <a:ext uri="{FF2B5EF4-FFF2-40B4-BE49-F238E27FC236}">
+                <a16:creationId xmlns:a16="http://schemas.microsoft.com/office/drawing/2014/main" id="{F51D490F-46EF-B84B-A119-C4E3B360FA11}"/>
+              </a:ext>
+            </a:extLst>
+          </p:cNvPr>
+          <p:cNvSpPr/>
+          <p:nvPr/>
+        </p:nvSpPr>
+        <p:spPr>
+          <a:xfrm>
+            <a:off x="8233068" y="9797360"/>
             <a:ext cx="381964" cy="428262"/>
           </a:xfrm>
           <a:prstGeom prst="downArrow">
@@ -10803,29 +11339,68 @@
           </a:p>
         </p:txBody>
       </p:sp>
-      <p:sp>
-        <p:nvSpPr>
-          <p:cNvPr id="25" name="Down Arrow 24">
-            <a:extLst>
-              <a:ext uri="{FF2B5EF4-FFF2-40B4-BE49-F238E27FC236}">
-                <a16:creationId xmlns:a16="http://schemas.microsoft.com/office/drawing/2014/main" id="{454F61DD-CF26-0343-993B-E71B9524B95F}"/>
-              </a:ext>
-            </a:extLst>
-          </p:cNvPr>
-          <p:cNvSpPr/>
-          <p:nvPr/>
-        </p:nvSpPr>
-        <p:spPr>
-          <a:xfrm>
-            <a:off x="9127005" y="9032233"/>
-            <a:ext cx="381964" cy="428262"/>
-          </a:xfrm>
-          <a:prstGeom prst="downArrow">
-            <a:avLst/>
-          </a:prstGeom>
-          <a:solidFill>
-            <a:schemeClr val="bg1"/>
-          </a:solidFill>
+      <p:cxnSp>
+        <p:nvCxnSpPr>
+          <p:cNvPr id="103" name="Straight Arrow Connector 102">
+            <a:extLst>
+              <a:ext uri="{FF2B5EF4-FFF2-40B4-BE49-F238E27FC236}">
+                <a16:creationId xmlns:a16="http://schemas.microsoft.com/office/drawing/2014/main" id="{48E82184-43C1-7D46-9834-06EBC665D3F5}"/>
+              </a:ext>
+            </a:extLst>
+          </p:cNvPr>
+          <p:cNvCxnSpPr>
+            <a:cxnSpLocks/>
+            <a:stCxn id="86" idx="3"/>
+          </p:cNvCxnSpPr>
+          <p:nvPr/>
+        </p:nvCxnSpPr>
+        <p:spPr>
+          <a:xfrm>
+            <a:off x="6229958" y="5949594"/>
+            <a:ext cx="1374996" cy="344069"/>
+          </a:xfrm>
+          <a:prstGeom prst="straightConnector1">
+            <a:avLst/>
+          </a:prstGeom>
+          <a:ln>
+            <a:tailEnd type="triangle"/>
+          </a:ln>
+        </p:spPr>
+        <p:style>
+          <a:lnRef idx="1">
+            <a:schemeClr val="dk1"/>
+          </a:lnRef>
+          <a:fillRef idx="0">
+            <a:schemeClr val="dk1"/>
+          </a:fillRef>
+          <a:effectRef idx="0">
+            <a:schemeClr val="dk1"/>
+          </a:effectRef>
+          <a:fontRef idx="minor">
+            <a:schemeClr val="tx1"/>
+          </a:fontRef>
+        </p:style>
+      </p:cxnSp>
+      <p:sp>
+        <p:nvSpPr>
+          <p:cNvPr id="110" name="Diamond 109">
+            <a:extLst>
+              <a:ext uri="{FF2B5EF4-FFF2-40B4-BE49-F238E27FC236}">
+                <a16:creationId xmlns:a16="http://schemas.microsoft.com/office/drawing/2014/main" id="{AE4C2E08-C7CA-1A4F-8A6E-6E8D16B38182}"/>
+              </a:ext>
+            </a:extLst>
+          </p:cNvPr>
+          <p:cNvSpPr/>
+          <p:nvPr/>
+        </p:nvSpPr>
+        <p:spPr>
+          <a:xfrm>
+            <a:off x="7216984" y="8024023"/>
+            <a:ext cx="2423155" cy="835996"/>
+          </a:xfrm>
+          <a:prstGeom prst="diamond">
+            <a:avLst/>
+          </a:prstGeom>
         </p:spPr>
         <p:style>
           <a:lnRef idx="2">
@@ -10844,89 +11419,41 @@
           </a:fontRef>
         </p:style>
         <p:txBody>
-          <a:bodyPr rtlCol="0" anchor="ctr"/>
-          <a:lstStyle/>
-          <a:p>
-            <a:pPr algn="ctr"/>
+          <a:bodyPr wrap="none" lIns="36000" rIns="36000" rtlCol="0" anchor="ctr"/>
+          <a:lstStyle/>
+          <a:p>
+            <a:pPr algn="ctr"/>
+            <a:r>
+              <a:rPr lang="en-GB"/>
+              <a:t>FF-NN:</a:t>
+            </a:r>
+            <a:br>
+              <a:rPr lang="en-GB"/>
+            </a:br>
+            <a:r>
+              <a:rPr lang="en-GB"/>
+              <a:t>linear2senses</a:t>
+            </a:r>
             <a:endParaRPr lang="en-US"/>
           </a:p>
         </p:txBody>
       </p:sp>
       <p:sp>
         <p:nvSpPr>
-          <p:cNvPr id="26" name="Rectangle 25">
-            <a:extLst>
-              <a:ext uri="{FF2B5EF4-FFF2-40B4-BE49-F238E27FC236}">
-                <a16:creationId xmlns:a16="http://schemas.microsoft.com/office/drawing/2014/main" id="{F289D602-95DA-9B40-AE72-9263EC9FE3D9}"/>
-              </a:ext>
-            </a:extLst>
-          </p:cNvPr>
-          <p:cNvSpPr/>
-          <p:nvPr/>
-        </p:nvSpPr>
-        <p:spPr>
-          <a:xfrm>
-            <a:off x="8324250" y="9460496"/>
-            <a:ext cx="1987475" cy="755561"/>
-          </a:xfrm>
-          <a:prstGeom prst="rect">
-            <a:avLst/>
-          </a:prstGeom>
-          <a:solidFill>
-            <a:schemeClr val="accent4">
-              <a:lumMod val="40000"/>
-              <a:lumOff val="60000"/>
-            </a:schemeClr>
-          </a:solidFill>
-        </p:spPr>
-        <p:style>
-          <a:lnRef idx="2">
-            <a:schemeClr val="accent5">
-              <a:shade val="50000"/>
-            </a:schemeClr>
-          </a:lnRef>
-          <a:fillRef idx="1">
-            <a:schemeClr val="accent5"/>
-          </a:fillRef>
-          <a:effectRef idx="0">
-            <a:schemeClr val="accent5"/>
-          </a:effectRef>
-          <a:fontRef idx="minor">
-            <a:schemeClr val="lt1"/>
-          </a:fontRef>
-        </p:style>
-        <p:txBody>
-          <a:bodyPr rtlCol="0" anchor="ctr"/>
-          <a:lstStyle/>
-          <a:p>
-            <a:pPr algn="ctr"/>
-            <a:r>
-              <a:rPr lang="en-US" sz="1600">
-                <a:solidFill>
-                  <a:schemeClr val="tx1"/>
-                </a:solidFill>
-              </a:rPr>
-              <a:t>Predicted probabilities – next word sense</a:t>
-            </a:r>
-          </a:p>
-        </p:txBody>
-      </p:sp>
-      <p:sp>
-        <p:nvSpPr>
-          <p:cNvPr id="28" name="Down Arrow 27">
-            <a:extLst>
-              <a:ext uri="{FF2B5EF4-FFF2-40B4-BE49-F238E27FC236}">
-                <a16:creationId xmlns:a16="http://schemas.microsoft.com/office/drawing/2014/main" id="{60FC0E32-05FF-644D-A9BE-9952CF06BC45}"/>
-              </a:ext>
-            </a:extLst>
-          </p:cNvPr>
-          <p:cNvSpPr/>
-          <p:nvPr/>
-        </p:nvSpPr>
-        <p:spPr>
-          <a:xfrm>
-            <a:off x="9127004" y="3429000"/>
-            <a:ext cx="381964" cy="1264260"/>
+          <p:cNvPr id="111" name="Down Arrow 110">
+            <a:extLst>
+              <a:ext uri="{FF2B5EF4-FFF2-40B4-BE49-F238E27FC236}">
+                <a16:creationId xmlns:a16="http://schemas.microsoft.com/office/drawing/2014/main" id="{C4A77C34-6AAE-CF4F-9234-5F76595DAA01}"/>
+              </a:ext>
+            </a:extLst>
+          </p:cNvPr>
+          <p:cNvSpPr/>
+          <p:nvPr/>
+        </p:nvSpPr>
+        <p:spPr>
+          <a:xfrm>
+            <a:off x="8229130" y="7168748"/>
+            <a:ext cx="381964" cy="868992"/>
           </a:xfrm>
           <a:prstGeom prst="downArrow">
             <a:avLst/>
@@ -10952,69 +11479,114 @@
           </a:fontRef>
         </p:style>
         <p:txBody>
-          <a:bodyPr wrap="none" rtlCol="0" anchor="ctr"/>
-          <a:lstStyle/>
-          <a:p>
-            <a:pPr algn="ctr"/>
-            <a:r>
-              <a:rPr lang="en-US" b="1">
-                <a:solidFill>
-                  <a:schemeClr val="tx1"/>
-                </a:solidFill>
-              </a:rPr>
-              <a:t>I n p u t</a:t>
-            </a:r>
-          </a:p>
-        </p:txBody>
-      </p:sp>
-      <p:cxnSp>
-        <p:nvCxnSpPr>
-          <p:cNvPr id="29" name="Straight Arrow Connector 28">
-            <a:extLst>
-              <a:ext uri="{FF2B5EF4-FFF2-40B4-BE49-F238E27FC236}">
-                <a16:creationId xmlns:a16="http://schemas.microsoft.com/office/drawing/2014/main" id="{CB7E18E4-7196-0F45-BCF5-E91BA4004445}"/>
-              </a:ext>
-            </a:extLst>
-          </p:cNvPr>
-          <p:cNvCxnSpPr>
-            <a:cxnSpLocks/>
-            <a:stCxn id="7" idx="3"/>
-          </p:cNvCxnSpPr>
-          <p:nvPr/>
-        </p:nvCxnSpPr>
-        <p:spPr>
-          <a:xfrm flipV="1">
-            <a:off x="6559600" y="5284699"/>
-            <a:ext cx="1577403" cy="19338"/>
-          </a:xfrm>
-          <a:prstGeom prst="straightConnector1">
-            <a:avLst/>
-          </a:prstGeom>
-          <a:ln>
-            <a:tailEnd type="triangle"/>
-          </a:ln>
+          <a:bodyPr rtlCol="0" anchor="ctr"/>
+          <a:lstStyle/>
+          <a:p>
+            <a:pPr algn="ctr"/>
+            <a:endParaRPr lang="en-US"/>
+          </a:p>
+        </p:txBody>
+      </p:sp>
+      <p:sp>
+        <p:nvSpPr>
+          <p:cNvPr id="112" name="Down Arrow 111">
+            <a:extLst>
+              <a:ext uri="{FF2B5EF4-FFF2-40B4-BE49-F238E27FC236}">
+                <a16:creationId xmlns:a16="http://schemas.microsoft.com/office/drawing/2014/main" id="{FDC1CB01-C028-6C48-95D2-4C7288B55F66}"/>
+              </a:ext>
+            </a:extLst>
+          </p:cNvPr>
+          <p:cNvSpPr/>
+          <p:nvPr/>
+        </p:nvSpPr>
+        <p:spPr>
+          <a:xfrm>
+            <a:off x="8227381" y="8838659"/>
+            <a:ext cx="381964" cy="428262"/>
+          </a:xfrm>
+          <a:prstGeom prst="downArrow">
+            <a:avLst/>
+          </a:prstGeom>
+          <a:solidFill>
+            <a:schemeClr val="bg1"/>
+          </a:solidFill>
+        </p:spPr>
+        <p:style>
+          <a:lnRef idx="2">
+            <a:schemeClr val="accent1">
+              <a:shade val="50000"/>
+            </a:schemeClr>
+          </a:lnRef>
+          <a:fillRef idx="1">
+            <a:schemeClr val="accent1"/>
+          </a:fillRef>
+          <a:effectRef idx="0">
+            <a:schemeClr val="accent1"/>
+          </a:effectRef>
+          <a:fontRef idx="minor">
+            <a:schemeClr val="lt1"/>
+          </a:fontRef>
+        </p:style>
+        <p:txBody>
+          <a:bodyPr rtlCol="0" anchor="ctr"/>
+          <a:lstStyle/>
+          <a:p>
+            <a:pPr algn="ctr"/>
+            <a:endParaRPr lang="en-US"/>
+          </a:p>
+        </p:txBody>
+      </p:sp>
+      <p:sp>
+        <p:nvSpPr>
+          <p:cNvPr id="114" name="Left Bracket 113">
+            <a:extLst>
+              <a:ext uri="{FF2B5EF4-FFF2-40B4-BE49-F238E27FC236}">
+                <a16:creationId xmlns:a16="http://schemas.microsoft.com/office/drawing/2014/main" id="{D6FA0586-C9C1-0645-96D3-C580A6E207AE}"/>
+              </a:ext>
+            </a:extLst>
+          </p:cNvPr>
+          <p:cNvSpPr/>
+          <p:nvPr/>
+        </p:nvSpPr>
+        <p:spPr>
+          <a:xfrm>
+            <a:off x="2698418" y="5231968"/>
+            <a:ext cx="299326" cy="1111170"/>
+          </a:xfrm>
+          <a:prstGeom prst="leftBracket">
+            <a:avLst/>
+          </a:prstGeom>
+          <a:ln w="12700"/>
         </p:spPr>
         <p:style>
           <a:lnRef idx="1">
-            <a:schemeClr val="dk1"/>
+            <a:schemeClr val="accent1"/>
           </a:lnRef>
           <a:fillRef idx="0">
-            <a:schemeClr val="dk1"/>
-          </a:fillRef>
-          <a:effectRef idx="0">
-            <a:schemeClr val="dk1"/>
+            <a:schemeClr val="accent1"/>
+          </a:fillRef>
+          <a:effectRef idx="0">
+            <a:schemeClr val="accent1"/>
           </a:effectRef>
           <a:fontRef idx="minor">
             <a:schemeClr val="tx1"/>
           </a:fontRef>
         </p:style>
-      </p:cxnSp>
-      <p:sp>
-        <p:nvSpPr>
-          <p:cNvPr id="32" name="TextBox 31">
-            <a:extLst>
-              <a:ext uri="{FF2B5EF4-FFF2-40B4-BE49-F238E27FC236}">
-                <a16:creationId xmlns:a16="http://schemas.microsoft.com/office/drawing/2014/main" id="{F5562014-DAFF-0F47-A405-000F54031463}"/>
+        <p:txBody>
+          <a:bodyPr rtlCol="0" anchor="ctr"/>
+          <a:lstStyle/>
+          <a:p>
+            <a:pPr algn="ctr"/>
+            <a:endParaRPr lang="en-US"/>
+          </a:p>
+        </p:txBody>
+      </p:sp>
+      <p:sp>
+        <p:nvSpPr>
+          <p:cNvPr id="2" name="TextBox 1">
+            <a:extLst>
+              <a:ext uri="{FF2B5EF4-FFF2-40B4-BE49-F238E27FC236}">
+                <a16:creationId xmlns:a16="http://schemas.microsoft.com/office/drawing/2014/main" id="{CD51F447-4C90-B042-B3E2-0278C3F50ABF}"/>
               </a:ext>
             </a:extLst>
           </p:cNvPr>
@@ -11023,8 +11595,8 @@
         </p:nvSpPr>
         <p:spPr>
           <a:xfrm>
-            <a:off x="8683037" y="4618911"/>
-            <a:ext cx="1602487" cy="369332"/>
+            <a:off x="1723920" y="5498185"/>
+            <a:ext cx="1040022" cy="369332"/>
           </a:xfrm>
           <a:prstGeom prst="rect">
             <a:avLst/>
@@ -11038,50 +11610,44 @@
           <a:lstStyle/>
           <a:p>
             <a:r>
-              <a:rPr lang="en-US"/>
-              <a:t>Concatenate:</a:t>
-            </a:r>
-          </a:p>
-        </p:txBody>
-      </p:sp>
-      <p:sp>
-        <p:nvSpPr>
-          <p:cNvPr id="33" name="Rectangle 32">
-            <a:extLst>
-              <a:ext uri="{FF2B5EF4-FFF2-40B4-BE49-F238E27FC236}">
-                <a16:creationId xmlns:a16="http://schemas.microsoft.com/office/drawing/2014/main" id="{CBBDC58C-FB79-9743-AC32-4E975544F29D}"/>
-              </a:ext>
-            </a:extLst>
-          </p:cNvPr>
-          <p:cNvSpPr/>
-          <p:nvPr/>
-        </p:nvSpPr>
-        <p:spPr>
-          <a:xfrm>
-            <a:off x="9030815" y="5049521"/>
-            <a:ext cx="906930" cy="554077"/>
-          </a:xfrm>
-          <a:prstGeom prst="rect">
-            <a:avLst/>
-          </a:prstGeom>
-          <a:solidFill>
-            <a:schemeClr val="accent2">
-              <a:lumMod val="60000"/>
-              <a:lumOff val="40000"/>
-            </a:schemeClr>
-          </a:solidFill>
+              <a:rPr lang="en-US" b="1"/>
+              <a:t>GRU</a:t>
+            </a:r>
+          </a:p>
+        </p:txBody>
+      </p:sp>
+      <p:sp>
+        <p:nvSpPr>
+          <p:cNvPr id="115" name="Diamond 114">
+            <a:extLst>
+              <a:ext uri="{FF2B5EF4-FFF2-40B4-BE49-F238E27FC236}">
+                <a16:creationId xmlns:a16="http://schemas.microsoft.com/office/drawing/2014/main" id="{F069E149-BA77-2B4D-A2C9-3C304350BADE}"/>
+              </a:ext>
+            </a:extLst>
+          </p:cNvPr>
+          <p:cNvSpPr/>
+          <p:nvPr/>
+        </p:nvSpPr>
+        <p:spPr>
+          <a:xfrm>
+            <a:off x="4064291" y="6105268"/>
+            <a:ext cx="2423155" cy="756806"/>
+          </a:xfrm>
+          <a:prstGeom prst="diamond">
+            <a:avLst/>
+          </a:prstGeom>
         </p:spPr>
         <p:style>
           <a:lnRef idx="2">
-            <a:schemeClr val="accent4">
+            <a:schemeClr val="accent1">
               <a:shade val="50000"/>
             </a:schemeClr>
           </a:lnRef>
           <a:fillRef idx="1">
-            <a:schemeClr val="accent4"/>
-          </a:fillRef>
-          <a:effectRef idx="0">
-            <a:schemeClr val="accent4"/>
+            <a:schemeClr val="accent1"/>
+          </a:fillRef>
+          <a:effectRef idx="0">
+            <a:schemeClr val="accent1"/>
           </a:effectRef>
           <a:fontRef idx="minor">
             <a:schemeClr val="lt1"/>
@@ -11093,182 +11659,28 @@
           <a:p>
             <a:pPr algn="ctr"/>
             <a:r>
-              <a:rPr lang="en-US" sz="1200" b="1">
-                <a:solidFill>
-                  <a:schemeClr val="tx1"/>
-                </a:solidFill>
-              </a:rPr>
-              <a:t>Word Embedding</a:t>
-            </a:r>
-          </a:p>
-        </p:txBody>
-      </p:sp>
-      <p:sp>
-        <p:nvSpPr>
-          <p:cNvPr id="34" name="Rectangle 33">
-            <a:extLst>
-              <a:ext uri="{FF2B5EF4-FFF2-40B4-BE49-F238E27FC236}">
-                <a16:creationId xmlns:a16="http://schemas.microsoft.com/office/drawing/2014/main" id="{CEE65BB6-CFD3-7948-933E-EBD1D87BDFF3}"/>
-              </a:ext>
-            </a:extLst>
-          </p:cNvPr>
-          <p:cNvSpPr/>
-          <p:nvPr/>
-        </p:nvSpPr>
-        <p:spPr>
-          <a:xfrm>
-            <a:off x="9937745" y="5038712"/>
-            <a:ext cx="973594" cy="564886"/>
-          </a:xfrm>
-          <a:prstGeom prst="rect">
-            <a:avLst/>
-          </a:prstGeom>
-        </p:spPr>
-        <p:style>
-          <a:lnRef idx="2">
-            <a:schemeClr val="accent4">
-              <a:shade val="50000"/>
-            </a:schemeClr>
-          </a:lnRef>
-          <a:fillRef idx="1">
-            <a:schemeClr val="accent4"/>
-          </a:fillRef>
-          <a:effectRef idx="0">
-            <a:schemeClr val="accent4"/>
-          </a:effectRef>
-          <a:fontRef idx="minor">
-            <a:schemeClr val="lt1"/>
-          </a:fontRef>
-        </p:style>
-        <p:txBody>
-          <a:bodyPr rtlCol="0" anchor="ctr"/>
-          <a:lstStyle/>
-          <a:p>
-            <a:pPr algn="ctr"/>
-            <a:r>
-              <a:rPr lang="en-US" sz="1200" b="1">
-                <a:solidFill>
-                  <a:schemeClr val="tx1"/>
-                </a:solidFill>
-              </a:rPr>
-              <a:t>Word Node State</a:t>
-            </a:r>
-          </a:p>
-        </p:txBody>
-      </p:sp>
-      <p:sp>
-        <p:nvSpPr>
-          <p:cNvPr id="35" name="Rectangle 34">
-            <a:extLst>
-              <a:ext uri="{FF2B5EF4-FFF2-40B4-BE49-F238E27FC236}">
-                <a16:creationId xmlns:a16="http://schemas.microsoft.com/office/drawing/2014/main" id="{75DA4D2A-83BD-AB40-B037-4DABB3945422}"/>
-              </a:ext>
-            </a:extLst>
-          </p:cNvPr>
-          <p:cNvSpPr/>
-          <p:nvPr/>
-        </p:nvSpPr>
-        <p:spPr>
-          <a:xfrm>
-            <a:off x="10911340" y="5037547"/>
-            <a:ext cx="732793" cy="564884"/>
-          </a:xfrm>
-          <a:prstGeom prst="rect">
-            <a:avLst/>
-          </a:prstGeom>
-        </p:spPr>
-        <p:style>
-          <a:lnRef idx="1">
-            <a:schemeClr val="accent6"/>
-          </a:lnRef>
-          <a:fillRef idx="2">
-            <a:schemeClr val="accent6"/>
-          </a:fillRef>
-          <a:effectRef idx="1">
-            <a:schemeClr val="accent6"/>
-          </a:effectRef>
-          <a:fontRef idx="minor">
-            <a:schemeClr val="dk1"/>
-          </a:fontRef>
-        </p:style>
-        <p:txBody>
-          <a:bodyPr rtlCol="0" anchor="ctr"/>
-          <a:lstStyle/>
-          <a:p>
-            <a:pPr algn="ctr"/>
-            <a:r>
-              <a:rPr lang="en-US" sz="1200" b="1"/>
-              <a:t>Sense </a:t>
-            </a:r>
-            <a:r>
-              <a:rPr lang="en-US" sz="1200" b="1">
-                <a:solidFill>
-                  <a:schemeClr val="tx1"/>
-                </a:solidFill>
-              </a:rPr>
-              <a:t>Node State</a:t>
-            </a:r>
-          </a:p>
-        </p:txBody>
-      </p:sp>
-      <p:sp>
-        <p:nvSpPr>
-          <p:cNvPr id="38" name="TextBox 37">
-            <a:extLst>
-              <a:ext uri="{FF2B5EF4-FFF2-40B4-BE49-F238E27FC236}">
-                <a16:creationId xmlns:a16="http://schemas.microsoft.com/office/drawing/2014/main" id="{61B43942-276C-6D46-8BD6-0F7B64E361B8}"/>
-              </a:ext>
-            </a:extLst>
-          </p:cNvPr>
-          <p:cNvSpPr txBox="1"/>
-          <p:nvPr/>
-        </p:nvSpPr>
-        <p:spPr>
-          <a:xfrm>
-            <a:off x="6877573" y="4826984"/>
-            <a:ext cx="1364765" cy="954107"/>
-          </a:xfrm>
-          <a:prstGeom prst="rect">
-            <a:avLst/>
-          </a:prstGeom>
-          <a:noFill/>
-        </p:spPr>
-        <p:txBody>
-          <a:bodyPr wrap="square" rtlCol="0">
-            <a:spAutoFit/>
-          </a:bodyPr>
-          <a:lstStyle/>
-          <a:p>
-            <a:r>
-              <a:rPr lang="en-US" sz="1400"/>
-              <a:t>Copy without gradient</a:t>
-            </a:r>
-            <a:br>
-              <a:rPr lang="en-US" sz="1400"/>
-            </a:br>
-            <a:r>
-              <a:rPr lang="en-US" sz="1400"/>
-              <a:t>(photo of the current context)</a:t>
-            </a:r>
-          </a:p>
-        </p:txBody>
-      </p:sp>
-      <p:sp>
-        <p:nvSpPr>
-          <p:cNvPr id="39" name="Rectangle 38">
-            <a:extLst>
-              <a:ext uri="{FF2B5EF4-FFF2-40B4-BE49-F238E27FC236}">
-                <a16:creationId xmlns:a16="http://schemas.microsoft.com/office/drawing/2014/main" id="{457E5AAA-6CCC-434B-95B5-DA10C85A4334}"/>
-              </a:ext>
-            </a:extLst>
-          </p:cNvPr>
-          <p:cNvSpPr/>
-          <p:nvPr/>
-        </p:nvSpPr>
-        <p:spPr>
-          <a:xfrm>
-            <a:off x="8134355" y="5050139"/>
-            <a:ext cx="896461" cy="552292"/>
+              <a:rPr lang="en-US"/>
+              <a:t>Layer 2 of GRU</a:t>
+            </a:r>
+          </a:p>
+        </p:txBody>
+      </p:sp>
+      <p:sp>
+        <p:nvSpPr>
+          <p:cNvPr id="116" name="Rectangle 115">
+            <a:extLst>
+              <a:ext uri="{FF2B5EF4-FFF2-40B4-BE49-F238E27FC236}">
+                <a16:creationId xmlns:a16="http://schemas.microsoft.com/office/drawing/2014/main" id="{DFA289A8-0F99-5146-8DC5-32B647A8B770}"/>
+              </a:ext>
+            </a:extLst>
+          </p:cNvPr>
+          <p:cNvSpPr/>
+          <p:nvPr/>
+        </p:nvSpPr>
+        <p:spPr>
+          <a:xfrm>
+            <a:off x="4242482" y="6881353"/>
+            <a:ext cx="1987475" cy="299327"/>
           </a:xfrm>
           <a:prstGeom prst="rect">
             <a:avLst/>
@@ -11302,195 +11714,128 @@
           <a:p>
             <a:pPr algn="ctr"/>
             <a:r>
-              <a:rPr lang="en-US" sz="1400">
+              <a:rPr lang="en-US" sz="1600">
                 <a:solidFill>
                   <a:schemeClr val="tx1"/>
                 </a:solidFill>
               </a:rPr>
-              <a:t>Encoding </a:t>
-            </a:r>
-            <a:br>
-              <a:rPr lang="en-US" sz="1400">
+              <a:t>Hidden state 2</a:t>
+            </a:r>
+          </a:p>
+        </p:txBody>
+      </p:sp>
+      <p:sp>
+        <p:nvSpPr>
+          <p:cNvPr id="117" name="Diamond 116">
+            <a:extLst>
+              <a:ext uri="{FF2B5EF4-FFF2-40B4-BE49-F238E27FC236}">
+                <a16:creationId xmlns:a16="http://schemas.microsoft.com/office/drawing/2014/main" id="{FA4779EC-9A0D-CB41-868F-70F7E232C442}"/>
+              </a:ext>
+            </a:extLst>
+          </p:cNvPr>
+          <p:cNvSpPr/>
+          <p:nvPr/>
+        </p:nvSpPr>
+        <p:spPr>
+          <a:xfrm>
+            <a:off x="7208535" y="6090291"/>
+            <a:ext cx="2423155" cy="756806"/>
+          </a:xfrm>
+          <a:prstGeom prst="diamond">
+            <a:avLst/>
+          </a:prstGeom>
+        </p:spPr>
+        <p:style>
+          <a:lnRef idx="2">
+            <a:schemeClr val="accent1">
+              <a:shade val="50000"/>
+            </a:schemeClr>
+          </a:lnRef>
+          <a:fillRef idx="1">
+            <a:schemeClr val="accent1"/>
+          </a:fillRef>
+          <a:effectRef idx="0">
+            <a:schemeClr val="accent1"/>
+          </a:effectRef>
+          <a:fontRef idx="minor">
+            <a:schemeClr val="lt1"/>
+          </a:fontRef>
+        </p:style>
+        <p:txBody>
+          <a:bodyPr rtlCol="0" anchor="ctr"/>
+          <a:lstStyle/>
+          <a:p>
+            <a:pPr algn="ctr"/>
+            <a:r>
+              <a:rPr lang="en-US"/>
+              <a:t>Layer 2b of GRU</a:t>
+            </a:r>
+          </a:p>
+        </p:txBody>
+      </p:sp>
+      <p:sp>
+        <p:nvSpPr>
+          <p:cNvPr id="118" name="Rectangle 117">
+            <a:extLst>
+              <a:ext uri="{FF2B5EF4-FFF2-40B4-BE49-F238E27FC236}">
+                <a16:creationId xmlns:a16="http://schemas.microsoft.com/office/drawing/2014/main" id="{1D7FA5EB-8E41-BE4A-9971-CF1924145332}"/>
+              </a:ext>
+            </a:extLst>
+          </p:cNvPr>
+          <p:cNvSpPr/>
+          <p:nvPr/>
+        </p:nvSpPr>
+        <p:spPr>
+          <a:xfrm>
+            <a:off x="7427114" y="6854263"/>
+            <a:ext cx="1987475" cy="299327"/>
+          </a:xfrm>
+          <a:prstGeom prst="rect">
+            <a:avLst/>
+          </a:prstGeom>
+          <a:solidFill>
+            <a:schemeClr val="accent5">
+              <a:lumMod val="40000"/>
+              <a:lumOff val="60000"/>
+            </a:schemeClr>
+          </a:solidFill>
+        </p:spPr>
+        <p:style>
+          <a:lnRef idx="2">
+            <a:schemeClr val="accent5">
+              <a:shade val="50000"/>
+            </a:schemeClr>
+          </a:lnRef>
+          <a:fillRef idx="1">
+            <a:schemeClr val="accent5"/>
+          </a:fillRef>
+          <a:effectRef idx="0">
+            <a:schemeClr val="accent5"/>
+          </a:effectRef>
+          <a:fontRef idx="minor">
+            <a:schemeClr val="lt1"/>
+          </a:fontRef>
+        </p:style>
+        <p:txBody>
+          <a:bodyPr rtlCol="0" anchor="ctr"/>
+          <a:lstStyle/>
+          <a:p>
+            <a:pPr algn="ctr"/>
+            <a:r>
+              <a:rPr lang="en-US" sz="1600">
                 <a:solidFill>
                   <a:schemeClr val="tx1"/>
                 </a:solidFill>
               </a:rPr>
-            </a:br>
-            <a:r>
-              <a:rPr lang="en-US" sz="1400">
-                <a:solidFill>
-                  <a:schemeClr val="tx1"/>
-                </a:solidFill>
-              </a:rPr>
-              <a:t>(Hidden state 2)</a:t>
-            </a:r>
-            <a:endParaRPr lang="en-US" sz="1400" b="1">
-              <a:solidFill>
-                <a:schemeClr val="tx1"/>
-              </a:solidFill>
-            </a:endParaRPr>
-          </a:p>
-        </p:txBody>
-      </p:sp>
-      <p:sp>
-        <p:nvSpPr>
-          <p:cNvPr id="40" name="Diamond 39">
-            <a:extLst>
-              <a:ext uri="{FF2B5EF4-FFF2-40B4-BE49-F238E27FC236}">
-                <a16:creationId xmlns:a16="http://schemas.microsoft.com/office/drawing/2014/main" id="{811FA52D-6D28-F24F-8E62-DF24DACE56DD}"/>
-              </a:ext>
-            </a:extLst>
-          </p:cNvPr>
-          <p:cNvSpPr/>
-          <p:nvPr/>
-        </p:nvSpPr>
-        <p:spPr>
-          <a:xfrm>
-            <a:off x="8089148" y="6040185"/>
-            <a:ext cx="2423155" cy="835996"/>
-          </a:xfrm>
-          <a:prstGeom prst="diamond">
-            <a:avLst/>
-          </a:prstGeom>
-        </p:spPr>
-        <p:style>
-          <a:lnRef idx="2">
-            <a:schemeClr val="accent1">
-              <a:shade val="50000"/>
-            </a:schemeClr>
-          </a:lnRef>
-          <a:fillRef idx="1">
-            <a:schemeClr val="accent1"/>
-          </a:fillRef>
-          <a:effectRef idx="0">
-            <a:schemeClr val="accent1"/>
-          </a:effectRef>
-          <a:fontRef idx="minor">
-            <a:schemeClr val="lt1"/>
-          </a:fontRef>
-        </p:style>
-        <p:txBody>
-          <a:bodyPr wrap="none" lIns="36000" rIns="36000" rtlCol="0" anchor="ctr"/>
-          <a:lstStyle/>
-          <a:p>
-            <a:pPr algn="ctr"/>
-            <a:r>
-              <a:rPr lang="en-GB"/>
-              <a:t>FF-NN:</a:t>
-            </a:r>
-            <a:br>
-              <a:rPr lang="en-GB"/>
-            </a:br>
-            <a:r>
-              <a:rPr lang="en-GB"/>
-              <a:t>linear2senses</a:t>
-            </a:r>
-            <a:endParaRPr lang="en-US"/>
-          </a:p>
-        </p:txBody>
-      </p:sp>
-      <p:sp>
-        <p:nvSpPr>
-          <p:cNvPr id="41" name="Down Arrow 40">
-            <a:extLst>
-              <a:ext uri="{FF2B5EF4-FFF2-40B4-BE49-F238E27FC236}">
-                <a16:creationId xmlns:a16="http://schemas.microsoft.com/office/drawing/2014/main" id="{AB2C63ED-0E0E-1D4D-A763-A7BA067BFD03}"/>
-              </a:ext>
-            </a:extLst>
-          </p:cNvPr>
-          <p:cNvSpPr/>
-          <p:nvPr/>
-        </p:nvSpPr>
-        <p:spPr>
-          <a:xfrm>
-            <a:off x="9121318" y="5590408"/>
-            <a:ext cx="381964" cy="428262"/>
-          </a:xfrm>
-          <a:prstGeom prst="downArrow">
-            <a:avLst/>
-          </a:prstGeom>
-          <a:solidFill>
-            <a:schemeClr val="bg1"/>
-          </a:solidFill>
-        </p:spPr>
-        <p:style>
-          <a:lnRef idx="2">
-            <a:schemeClr val="accent1">
-              <a:shade val="50000"/>
-            </a:schemeClr>
-          </a:lnRef>
-          <a:fillRef idx="1">
-            <a:schemeClr val="accent1"/>
-          </a:fillRef>
-          <a:effectRef idx="0">
-            <a:schemeClr val="accent1"/>
-          </a:effectRef>
-          <a:fontRef idx="minor">
-            <a:schemeClr val="lt1"/>
-          </a:fontRef>
-        </p:style>
-        <p:txBody>
-          <a:bodyPr rtlCol="0" anchor="ctr"/>
-          <a:lstStyle/>
-          <a:p>
-            <a:pPr algn="ctr"/>
-            <a:endParaRPr lang="en-US"/>
-          </a:p>
-        </p:txBody>
-      </p:sp>
-      <p:sp>
-        <p:nvSpPr>
-          <p:cNvPr id="42" name="Down Arrow 41">
-            <a:extLst>
-              <a:ext uri="{FF2B5EF4-FFF2-40B4-BE49-F238E27FC236}">
-                <a16:creationId xmlns:a16="http://schemas.microsoft.com/office/drawing/2014/main" id="{66F620D5-822A-5248-8FB1-03CE9BBC3DC1}"/>
-              </a:ext>
-            </a:extLst>
-          </p:cNvPr>
-          <p:cNvSpPr/>
-          <p:nvPr/>
-        </p:nvSpPr>
-        <p:spPr>
-          <a:xfrm>
-            <a:off x="9121318" y="6876181"/>
-            <a:ext cx="381964" cy="428262"/>
-          </a:xfrm>
-          <a:prstGeom prst="downArrow">
-            <a:avLst/>
-          </a:prstGeom>
-          <a:solidFill>
-            <a:schemeClr val="bg1"/>
-          </a:solidFill>
-        </p:spPr>
-        <p:style>
-          <a:lnRef idx="2">
-            <a:schemeClr val="accent1">
-              <a:shade val="50000"/>
-            </a:schemeClr>
-          </a:lnRef>
-          <a:fillRef idx="1">
-            <a:schemeClr val="accent1"/>
-          </a:fillRef>
-          <a:effectRef idx="0">
-            <a:schemeClr val="accent1"/>
-          </a:effectRef>
-          <a:fontRef idx="minor">
-            <a:schemeClr val="lt1"/>
-          </a:fontRef>
-        </p:style>
-        <p:txBody>
-          <a:bodyPr rtlCol="0" anchor="ctr"/>
-          <a:lstStyle/>
-          <a:p>
-            <a:pPr algn="ctr"/>
-            <a:endParaRPr lang="en-US"/>
+              <a:t>Hidden state 2b</a:t>
+            </a:r>
           </a:p>
         </p:txBody>
       </p:sp>
     </p:spTree>
     <p:extLst>
       <p:ext uri="{BB962C8B-B14F-4D97-AF65-F5344CB8AC3E}">
-        <p14:creationId xmlns:p14="http://schemas.microsoft.com/office/powerpoint/2010/main" val="1331181461"/>
+        <p14:creationId xmlns:p14="http://schemas.microsoft.com/office/powerpoint/2010/main" val="657849569"/>
       </p:ext>
     </p:extLst>
   </p:cSld>
@@ -11519,6 +11864,1526 @@
       </p:grpSpPr>
       <p:sp>
         <p:nvSpPr>
+          <p:cNvPr id="4" name="Diamond 3">
+            <a:extLst>
+              <a:ext uri="{FF2B5EF4-FFF2-40B4-BE49-F238E27FC236}">
+                <a16:creationId xmlns:a16="http://schemas.microsoft.com/office/drawing/2014/main" id="{DBB06CCC-4012-7142-8209-4D3CA3521F99}"/>
+              </a:ext>
+            </a:extLst>
+          </p:cNvPr>
+          <p:cNvSpPr/>
+          <p:nvPr/>
+        </p:nvSpPr>
+        <p:spPr>
+          <a:xfrm>
+            <a:off x="4354286" y="3857263"/>
+            <a:ext cx="2423155" cy="835996"/>
+          </a:xfrm>
+          <a:prstGeom prst="diamond">
+            <a:avLst/>
+          </a:prstGeom>
+        </p:spPr>
+        <p:style>
+          <a:lnRef idx="2">
+            <a:schemeClr val="accent1">
+              <a:shade val="50000"/>
+            </a:schemeClr>
+          </a:lnRef>
+          <a:fillRef idx="1">
+            <a:schemeClr val="accent1"/>
+          </a:fillRef>
+          <a:effectRef idx="0">
+            <a:schemeClr val="accent1"/>
+          </a:effectRef>
+          <a:fontRef idx="minor">
+            <a:schemeClr val="lt1"/>
+          </a:fontRef>
+        </p:style>
+        <p:txBody>
+          <a:bodyPr rtlCol="0" anchor="ctr"/>
+          <a:lstStyle/>
+          <a:p>
+            <a:pPr algn="ctr"/>
+            <a:r>
+              <a:rPr lang="en-US"/>
+              <a:t>2-layers</a:t>
+            </a:r>
+            <a:br>
+              <a:rPr lang="en-US"/>
+            </a:br>
+            <a:r>
+              <a:rPr lang="en-US"/>
+              <a:t>GRU</a:t>
+            </a:r>
+          </a:p>
+        </p:txBody>
+      </p:sp>
+      <p:sp>
+        <p:nvSpPr>
+          <p:cNvPr id="5" name="Down Arrow 4">
+            <a:extLst>
+              <a:ext uri="{FF2B5EF4-FFF2-40B4-BE49-F238E27FC236}">
+                <a16:creationId xmlns:a16="http://schemas.microsoft.com/office/drawing/2014/main" id="{2E1E1C2B-5B16-004D-95B2-00203BDC4738}"/>
+              </a:ext>
+            </a:extLst>
+          </p:cNvPr>
+          <p:cNvSpPr/>
+          <p:nvPr/>
+        </p:nvSpPr>
+        <p:spPr>
+          <a:xfrm>
+            <a:off x="5386454" y="3429001"/>
+            <a:ext cx="381964" cy="428262"/>
+          </a:xfrm>
+          <a:prstGeom prst="downArrow">
+            <a:avLst/>
+          </a:prstGeom>
+          <a:solidFill>
+            <a:schemeClr val="bg1"/>
+          </a:solidFill>
+        </p:spPr>
+        <p:style>
+          <a:lnRef idx="2">
+            <a:schemeClr val="accent1">
+              <a:shade val="50000"/>
+            </a:schemeClr>
+          </a:lnRef>
+          <a:fillRef idx="1">
+            <a:schemeClr val="accent1"/>
+          </a:fillRef>
+          <a:effectRef idx="0">
+            <a:schemeClr val="accent1"/>
+          </a:effectRef>
+          <a:fontRef idx="minor">
+            <a:schemeClr val="lt1"/>
+          </a:fontRef>
+        </p:style>
+        <p:txBody>
+          <a:bodyPr wrap="none" rtlCol="0" anchor="ctr"/>
+          <a:lstStyle/>
+          <a:p>
+            <a:pPr algn="ctr"/>
+            <a:r>
+              <a:rPr lang="en-US" b="1">
+                <a:solidFill>
+                  <a:schemeClr val="tx1"/>
+                </a:solidFill>
+              </a:rPr>
+              <a:t>I n p u t</a:t>
+            </a:r>
+          </a:p>
+        </p:txBody>
+      </p:sp>
+      <p:sp>
+        <p:nvSpPr>
+          <p:cNvPr id="7" name="Rectangle 6">
+            <a:extLst>
+              <a:ext uri="{FF2B5EF4-FFF2-40B4-BE49-F238E27FC236}">
+                <a16:creationId xmlns:a16="http://schemas.microsoft.com/office/drawing/2014/main" id="{CEB94528-BBB3-B44D-860D-084ECFCFE803}"/>
+              </a:ext>
+            </a:extLst>
+          </p:cNvPr>
+          <p:cNvSpPr/>
+          <p:nvPr/>
+        </p:nvSpPr>
+        <p:spPr>
+          <a:xfrm>
+            <a:off x="4572125" y="5038712"/>
+            <a:ext cx="1987475" cy="530651"/>
+          </a:xfrm>
+          <a:prstGeom prst="rect">
+            <a:avLst/>
+          </a:prstGeom>
+          <a:solidFill>
+            <a:schemeClr val="accent5">
+              <a:lumMod val="40000"/>
+              <a:lumOff val="60000"/>
+            </a:schemeClr>
+          </a:solidFill>
+        </p:spPr>
+        <p:style>
+          <a:lnRef idx="2">
+            <a:schemeClr val="accent5">
+              <a:shade val="50000"/>
+            </a:schemeClr>
+          </a:lnRef>
+          <a:fillRef idx="1">
+            <a:schemeClr val="accent5"/>
+          </a:fillRef>
+          <a:effectRef idx="0">
+            <a:schemeClr val="accent5"/>
+          </a:effectRef>
+          <a:fontRef idx="minor">
+            <a:schemeClr val="lt1"/>
+          </a:fontRef>
+        </p:style>
+        <p:txBody>
+          <a:bodyPr rtlCol="0" anchor="ctr"/>
+          <a:lstStyle/>
+          <a:p>
+            <a:pPr algn="ctr"/>
+            <a:r>
+              <a:rPr lang="en-US" sz="1600">
+                <a:solidFill>
+                  <a:schemeClr val="tx1"/>
+                </a:solidFill>
+              </a:rPr>
+              <a:t>Encoding </a:t>
+            </a:r>
+            <a:br>
+              <a:rPr lang="en-US" sz="1600">
+                <a:solidFill>
+                  <a:schemeClr val="tx1"/>
+                </a:solidFill>
+              </a:rPr>
+            </a:br>
+            <a:r>
+              <a:rPr lang="en-US" sz="1600">
+                <a:solidFill>
+                  <a:schemeClr val="tx1"/>
+                </a:solidFill>
+              </a:rPr>
+              <a:t>(Hidden state 2)</a:t>
+            </a:r>
+            <a:endParaRPr lang="en-US" sz="1600" b="1">
+              <a:solidFill>
+                <a:schemeClr val="tx1"/>
+              </a:solidFill>
+            </a:endParaRPr>
+          </a:p>
+        </p:txBody>
+      </p:sp>
+      <p:sp>
+        <p:nvSpPr>
+          <p:cNvPr id="10" name="Diamond 9">
+            <a:extLst>
+              <a:ext uri="{FF2B5EF4-FFF2-40B4-BE49-F238E27FC236}">
+                <a16:creationId xmlns:a16="http://schemas.microsoft.com/office/drawing/2014/main" id="{E26FEDF0-E397-024D-A02E-1E1D21E34639}"/>
+              </a:ext>
+            </a:extLst>
+          </p:cNvPr>
+          <p:cNvSpPr/>
+          <p:nvPr/>
+        </p:nvSpPr>
+        <p:spPr>
+          <a:xfrm>
+            <a:off x="4354284" y="6014410"/>
+            <a:ext cx="2423155" cy="835996"/>
+          </a:xfrm>
+          <a:prstGeom prst="diamond">
+            <a:avLst/>
+          </a:prstGeom>
+        </p:spPr>
+        <p:style>
+          <a:lnRef idx="2">
+            <a:schemeClr val="accent1">
+              <a:shade val="50000"/>
+            </a:schemeClr>
+          </a:lnRef>
+          <a:fillRef idx="1">
+            <a:schemeClr val="accent1"/>
+          </a:fillRef>
+          <a:effectRef idx="0">
+            <a:schemeClr val="accent1"/>
+          </a:effectRef>
+          <a:fontRef idx="minor">
+            <a:schemeClr val="lt1"/>
+          </a:fontRef>
+        </p:style>
+        <p:txBody>
+          <a:bodyPr wrap="none" lIns="36000" rIns="36000" rtlCol="0" anchor="ctr"/>
+          <a:lstStyle/>
+          <a:p>
+            <a:pPr algn="ctr"/>
+            <a:r>
+              <a:rPr lang="en-GB"/>
+              <a:t>FF-NN:</a:t>
+            </a:r>
+            <a:br>
+              <a:rPr lang="en-GB"/>
+            </a:br>
+            <a:r>
+              <a:rPr lang="en-GB"/>
+              <a:t>linear2global</a:t>
+            </a:r>
+            <a:endParaRPr lang="en-US"/>
+          </a:p>
+        </p:txBody>
+      </p:sp>
+      <p:sp>
+        <p:nvSpPr>
+          <p:cNvPr id="12" name="Rectangle 11">
+            <a:extLst>
+              <a:ext uri="{FF2B5EF4-FFF2-40B4-BE49-F238E27FC236}">
+                <a16:creationId xmlns:a16="http://schemas.microsoft.com/office/drawing/2014/main" id="{BF9CF074-2BFA-2E4A-A782-5519DDEB6F3B}"/>
+              </a:ext>
+            </a:extLst>
+          </p:cNvPr>
+          <p:cNvSpPr/>
+          <p:nvPr/>
+        </p:nvSpPr>
+        <p:spPr>
+          <a:xfrm>
+            <a:off x="4596390" y="7311609"/>
+            <a:ext cx="1987475" cy="530651"/>
+          </a:xfrm>
+          <a:prstGeom prst="rect">
+            <a:avLst/>
+          </a:prstGeom>
+          <a:solidFill>
+            <a:schemeClr val="accent5">
+              <a:lumMod val="40000"/>
+              <a:lumOff val="60000"/>
+            </a:schemeClr>
+          </a:solidFill>
+        </p:spPr>
+        <p:style>
+          <a:lnRef idx="2">
+            <a:schemeClr val="accent5">
+              <a:shade val="50000"/>
+            </a:schemeClr>
+          </a:lnRef>
+          <a:fillRef idx="1">
+            <a:schemeClr val="accent5"/>
+          </a:fillRef>
+          <a:effectRef idx="0">
+            <a:schemeClr val="accent5"/>
+          </a:effectRef>
+          <a:fontRef idx="minor">
+            <a:schemeClr val="lt1"/>
+          </a:fontRef>
+        </p:style>
+        <p:txBody>
+          <a:bodyPr rtlCol="0" anchor="ctr"/>
+          <a:lstStyle/>
+          <a:p>
+            <a:pPr algn="ctr"/>
+            <a:r>
+              <a:rPr lang="en-US" sz="1600">
+                <a:solidFill>
+                  <a:schemeClr val="tx1"/>
+                </a:solidFill>
+              </a:rPr>
+              <a:t>Logits of global words</a:t>
+            </a:r>
+          </a:p>
+        </p:txBody>
+      </p:sp>
+      <p:sp>
+        <p:nvSpPr>
+          <p:cNvPr id="14" name="Oval 13">
+            <a:extLst>
+              <a:ext uri="{FF2B5EF4-FFF2-40B4-BE49-F238E27FC236}">
+                <a16:creationId xmlns:a16="http://schemas.microsoft.com/office/drawing/2014/main" id="{CC2973EE-8363-8F47-BA1C-C19ED98DECD3}"/>
+              </a:ext>
+            </a:extLst>
+          </p:cNvPr>
+          <p:cNvSpPr/>
+          <p:nvPr/>
+        </p:nvSpPr>
+        <p:spPr>
+          <a:xfrm>
+            <a:off x="5189683" y="8267181"/>
+            <a:ext cx="752354" cy="755561"/>
+          </a:xfrm>
+          <a:prstGeom prst="ellipse">
+            <a:avLst/>
+          </a:prstGeom>
+        </p:spPr>
+        <p:style>
+          <a:lnRef idx="1">
+            <a:schemeClr val="accent3"/>
+          </a:lnRef>
+          <a:fillRef idx="2">
+            <a:schemeClr val="accent3"/>
+          </a:fillRef>
+          <a:effectRef idx="1">
+            <a:schemeClr val="accent3"/>
+          </a:effectRef>
+          <a:fontRef idx="minor">
+            <a:schemeClr val="dk1"/>
+          </a:fontRef>
+        </p:style>
+        <p:txBody>
+          <a:bodyPr wrap="none" rtlCol="0" anchor="ctr"/>
+          <a:lstStyle/>
+          <a:p>
+            <a:pPr algn="ctr"/>
+            <a:r>
+              <a:rPr lang="en-US"/>
+              <a:t>Softmax</a:t>
+            </a:r>
+          </a:p>
+        </p:txBody>
+      </p:sp>
+      <p:cxnSp>
+        <p:nvCxnSpPr>
+          <p:cNvPr id="16" name="Straight Arrow Connector 15">
+            <a:extLst>
+              <a:ext uri="{FF2B5EF4-FFF2-40B4-BE49-F238E27FC236}">
+                <a16:creationId xmlns:a16="http://schemas.microsoft.com/office/drawing/2014/main" id="{085041C8-9843-9647-A903-D4B6FE815AA6}"/>
+              </a:ext>
+            </a:extLst>
+          </p:cNvPr>
+          <p:cNvCxnSpPr>
+            <a:stCxn id="4" idx="2"/>
+            <a:endCxn id="7" idx="0"/>
+          </p:cNvCxnSpPr>
+          <p:nvPr/>
+        </p:nvCxnSpPr>
+        <p:spPr>
+          <a:xfrm flipH="1">
+            <a:off x="5565863" y="4693259"/>
+            <a:ext cx="1" cy="345452"/>
+          </a:xfrm>
+          <a:prstGeom prst="straightConnector1">
+            <a:avLst/>
+          </a:prstGeom>
+          <a:ln>
+            <a:tailEnd type="triangle"/>
+          </a:ln>
+        </p:spPr>
+        <p:style>
+          <a:lnRef idx="1">
+            <a:schemeClr val="dk1"/>
+          </a:lnRef>
+          <a:fillRef idx="0">
+            <a:schemeClr val="dk1"/>
+          </a:fillRef>
+          <a:effectRef idx="0">
+            <a:schemeClr val="dk1"/>
+          </a:effectRef>
+          <a:fontRef idx="minor">
+            <a:schemeClr val="tx1"/>
+          </a:fontRef>
+        </p:style>
+      </p:cxnSp>
+      <p:sp>
+        <p:nvSpPr>
+          <p:cNvPr id="17" name="Down Arrow 16">
+            <a:extLst>
+              <a:ext uri="{FF2B5EF4-FFF2-40B4-BE49-F238E27FC236}">
+                <a16:creationId xmlns:a16="http://schemas.microsoft.com/office/drawing/2014/main" id="{DBF5080D-6078-4A4D-A114-6B041E937229}"/>
+              </a:ext>
+            </a:extLst>
+          </p:cNvPr>
+          <p:cNvSpPr/>
+          <p:nvPr/>
+        </p:nvSpPr>
+        <p:spPr>
+          <a:xfrm>
+            <a:off x="5386454" y="5564633"/>
+            <a:ext cx="381964" cy="428262"/>
+          </a:xfrm>
+          <a:prstGeom prst="downArrow">
+            <a:avLst/>
+          </a:prstGeom>
+          <a:solidFill>
+            <a:schemeClr val="bg1"/>
+          </a:solidFill>
+        </p:spPr>
+        <p:style>
+          <a:lnRef idx="2">
+            <a:schemeClr val="accent1">
+              <a:shade val="50000"/>
+            </a:schemeClr>
+          </a:lnRef>
+          <a:fillRef idx="1">
+            <a:schemeClr val="accent1"/>
+          </a:fillRef>
+          <a:effectRef idx="0">
+            <a:schemeClr val="accent1"/>
+          </a:effectRef>
+          <a:fontRef idx="minor">
+            <a:schemeClr val="lt1"/>
+          </a:fontRef>
+        </p:style>
+        <p:txBody>
+          <a:bodyPr rtlCol="0" anchor="ctr"/>
+          <a:lstStyle/>
+          <a:p>
+            <a:pPr algn="ctr"/>
+            <a:endParaRPr lang="en-US"/>
+          </a:p>
+        </p:txBody>
+      </p:sp>
+      <p:sp>
+        <p:nvSpPr>
+          <p:cNvPr id="18" name="Down Arrow 17">
+            <a:extLst>
+              <a:ext uri="{FF2B5EF4-FFF2-40B4-BE49-F238E27FC236}">
+                <a16:creationId xmlns:a16="http://schemas.microsoft.com/office/drawing/2014/main" id="{78948B97-2EB5-7C44-8661-F8FF659EEC11}"/>
+              </a:ext>
+            </a:extLst>
+          </p:cNvPr>
+          <p:cNvSpPr/>
+          <p:nvPr/>
+        </p:nvSpPr>
+        <p:spPr>
+          <a:xfrm>
+            <a:off x="5386454" y="6850406"/>
+            <a:ext cx="381964" cy="428262"/>
+          </a:xfrm>
+          <a:prstGeom prst="downArrow">
+            <a:avLst/>
+          </a:prstGeom>
+          <a:solidFill>
+            <a:schemeClr val="bg1"/>
+          </a:solidFill>
+        </p:spPr>
+        <p:style>
+          <a:lnRef idx="2">
+            <a:schemeClr val="accent1">
+              <a:shade val="50000"/>
+            </a:schemeClr>
+          </a:lnRef>
+          <a:fillRef idx="1">
+            <a:schemeClr val="accent1"/>
+          </a:fillRef>
+          <a:effectRef idx="0">
+            <a:schemeClr val="accent1"/>
+          </a:effectRef>
+          <a:fontRef idx="minor">
+            <a:schemeClr val="lt1"/>
+          </a:fontRef>
+        </p:style>
+        <p:txBody>
+          <a:bodyPr rtlCol="0" anchor="ctr"/>
+          <a:lstStyle/>
+          <a:p>
+            <a:pPr algn="ctr"/>
+            <a:endParaRPr lang="en-US"/>
+          </a:p>
+        </p:txBody>
+      </p:sp>
+      <p:sp>
+        <p:nvSpPr>
+          <p:cNvPr id="19" name="Down Arrow 18">
+            <a:extLst>
+              <a:ext uri="{FF2B5EF4-FFF2-40B4-BE49-F238E27FC236}">
+                <a16:creationId xmlns:a16="http://schemas.microsoft.com/office/drawing/2014/main" id="{8C470EB7-41A5-5C4D-8682-9F0FDF9C952B}"/>
+              </a:ext>
+            </a:extLst>
+          </p:cNvPr>
+          <p:cNvSpPr/>
+          <p:nvPr/>
+        </p:nvSpPr>
+        <p:spPr>
+          <a:xfrm>
+            <a:off x="5374878" y="7834882"/>
+            <a:ext cx="381964" cy="428262"/>
+          </a:xfrm>
+          <a:prstGeom prst="downArrow">
+            <a:avLst/>
+          </a:prstGeom>
+          <a:solidFill>
+            <a:schemeClr val="bg1"/>
+          </a:solidFill>
+        </p:spPr>
+        <p:style>
+          <a:lnRef idx="2">
+            <a:schemeClr val="accent1">
+              <a:shade val="50000"/>
+            </a:schemeClr>
+          </a:lnRef>
+          <a:fillRef idx="1">
+            <a:schemeClr val="accent1"/>
+          </a:fillRef>
+          <a:effectRef idx="0">
+            <a:schemeClr val="accent1"/>
+          </a:effectRef>
+          <a:fontRef idx="minor">
+            <a:schemeClr val="lt1"/>
+          </a:fontRef>
+        </p:style>
+        <p:txBody>
+          <a:bodyPr rtlCol="0" anchor="ctr"/>
+          <a:lstStyle/>
+          <a:p>
+            <a:pPr algn="ctr"/>
+            <a:endParaRPr lang="en-US"/>
+          </a:p>
+        </p:txBody>
+      </p:sp>
+      <p:sp>
+        <p:nvSpPr>
+          <p:cNvPr id="20" name="Down Arrow 19">
+            <a:extLst>
+              <a:ext uri="{FF2B5EF4-FFF2-40B4-BE49-F238E27FC236}">
+                <a16:creationId xmlns:a16="http://schemas.microsoft.com/office/drawing/2014/main" id="{3D411D0C-0351-B247-8E17-DF97F0AC5EA3}"/>
+              </a:ext>
+            </a:extLst>
+          </p:cNvPr>
+          <p:cNvSpPr/>
+          <p:nvPr/>
+        </p:nvSpPr>
+        <p:spPr>
+          <a:xfrm>
+            <a:off x="5374878" y="9032233"/>
+            <a:ext cx="381964" cy="428262"/>
+          </a:xfrm>
+          <a:prstGeom prst="downArrow">
+            <a:avLst/>
+          </a:prstGeom>
+          <a:solidFill>
+            <a:schemeClr val="bg1"/>
+          </a:solidFill>
+        </p:spPr>
+        <p:style>
+          <a:lnRef idx="2">
+            <a:schemeClr val="accent1">
+              <a:shade val="50000"/>
+            </a:schemeClr>
+          </a:lnRef>
+          <a:fillRef idx="1">
+            <a:schemeClr val="accent1"/>
+          </a:fillRef>
+          <a:effectRef idx="0">
+            <a:schemeClr val="accent1"/>
+          </a:effectRef>
+          <a:fontRef idx="minor">
+            <a:schemeClr val="lt1"/>
+          </a:fontRef>
+        </p:style>
+        <p:txBody>
+          <a:bodyPr rtlCol="0" anchor="ctr"/>
+          <a:lstStyle/>
+          <a:p>
+            <a:pPr algn="ctr"/>
+            <a:endParaRPr lang="en-US"/>
+          </a:p>
+        </p:txBody>
+      </p:sp>
+      <p:sp>
+        <p:nvSpPr>
+          <p:cNvPr id="21" name="Rectangle 20">
+            <a:extLst>
+              <a:ext uri="{FF2B5EF4-FFF2-40B4-BE49-F238E27FC236}">
+                <a16:creationId xmlns:a16="http://schemas.microsoft.com/office/drawing/2014/main" id="{5BACE416-FE57-2945-89A6-FCFC8709676C}"/>
+              </a:ext>
+            </a:extLst>
+          </p:cNvPr>
+          <p:cNvSpPr/>
+          <p:nvPr/>
+        </p:nvSpPr>
+        <p:spPr>
+          <a:xfrm>
+            <a:off x="4572123" y="9460496"/>
+            <a:ext cx="1987475" cy="755561"/>
+          </a:xfrm>
+          <a:prstGeom prst="rect">
+            <a:avLst/>
+          </a:prstGeom>
+          <a:solidFill>
+            <a:schemeClr val="accent4">
+              <a:lumMod val="40000"/>
+              <a:lumOff val="60000"/>
+            </a:schemeClr>
+          </a:solidFill>
+        </p:spPr>
+        <p:style>
+          <a:lnRef idx="2">
+            <a:schemeClr val="accent5">
+              <a:shade val="50000"/>
+            </a:schemeClr>
+          </a:lnRef>
+          <a:fillRef idx="1">
+            <a:schemeClr val="accent5"/>
+          </a:fillRef>
+          <a:effectRef idx="0">
+            <a:schemeClr val="accent5"/>
+          </a:effectRef>
+          <a:fontRef idx="minor">
+            <a:schemeClr val="lt1"/>
+          </a:fontRef>
+        </p:style>
+        <p:txBody>
+          <a:bodyPr rtlCol="0" anchor="ctr"/>
+          <a:lstStyle/>
+          <a:p>
+            <a:pPr algn="ctr"/>
+            <a:r>
+              <a:rPr lang="en-US" sz="1600">
+                <a:solidFill>
+                  <a:schemeClr val="tx1"/>
+                </a:solidFill>
+              </a:rPr>
+              <a:t>Predicted probabilities – next global word</a:t>
+            </a:r>
+          </a:p>
+        </p:txBody>
+      </p:sp>
+      <p:sp>
+        <p:nvSpPr>
+          <p:cNvPr id="22" name="Rectangle 21">
+            <a:extLst>
+              <a:ext uri="{FF2B5EF4-FFF2-40B4-BE49-F238E27FC236}">
+                <a16:creationId xmlns:a16="http://schemas.microsoft.com/office/drawing/2014/main" id="{3F7175FE-C5F5-9A4E-A7A6-7C7AE95F8F13}"/>
+              </a:ext>
+            </a:extLst>
+          </p:cNvPr>
+          <p:cNvSpPr/>
+          <p:nvPr/>
+        </p:nvSpPr>
+        <p:spPr>
+          <a:xfrm>
+            <a:off x="8348517" y="7311609"/>
+            <a:ext cx="1987475" cy="530651"/>
+          </a:xfrm>
+          <a:prstGeom prst="rect">
+            <a:avLst/>
+          </a:prstGeom>
+          <a:solidFill>
+            <a:schemeClr val="accent5">
+              <a:lumMod val="40000"/>
+              <a:lumOff val="60000"/>
+            </a:schemeClr>
+          </a:solidFill>
+        </p:spPr>
+        <p:style>
+          <a:lnRef idx="2">
+            <a:schemeClr val="accent5">
+              <a:shade val="50000"/>
+            </a:schemeClr>
+          </a:lnRef>
+          <a:fillRef idx="1">
+            <a:schemeClr val="accent5"/>
+          </a:fillRef>
+          <a:effectRef idx="0">
+            <a:schemeClr val="accent5"/>
+          </a:effectRef>
+          <a:fontRef idx="minor">
+            <a:schemeClr val="lt1"/>
+          </a:fontRef>
+        </p:style>
+        <p:txBody>
+          <a:bodyPr rtlCol="0" anchor="ctr"/>
+          <a:lstStyle/>
+          <a:p>
+            <a:pPr algn="ctr"/>
+            <a:r>
+              <a:rPr lang="en-US" sz="1600">
+                <a:solidFill>
+                  <a:schemeClr val="tx1"/>
+                </a:solidFill>
+              </a:rPr>
+              <a:t>Logits of senses</a:t>
+            </a:r>
+          </a:p>
+        </p:txBody>
+      </p:sp>
+      <p:sp>
+        <p:nvSpPr>
+          <p:cNvPr id="23" name="Oval 22">
+            <a:extLst>
+              <a:ext uri="{FF2B5EF4-FFF2-40B4-BE49-F238E27FC236}">
+                <a16:creationId xmlns:a16="http://schemas.microsoft.com/office/drawing/2014/main" id="{6EE07ECA-65A2-0641-AE45-4F768DCC5DBD}"/>
+              </a:ext>
+            </a:extLst>
+          </p:cNvPr>
+          <p:cNvSpPr/>
+          <p:nvPr/>
+        </p:nvSpPr>
+        <p:spPr>
+          <a:xfrm>
+            <a:off x="8941810" y="8267181"/>
+            <a:ext cx="752354" cy="755561"/>
+          </a:xfrm>
+          <a:prstGeom prst="ellipse">
+            <a:avLst/>
+          </a:prstGeom>
+        </p:spPr>
+        <p:style>
+          <a:lnRef idx="1">
+            <a:schemeClr val="accent3"/>
+          </a:lnRef>
+          <a:fillRef idx="2">
+            <a:schemeClr val="accent3"/>
+          </a:fillRef>
+          <a:effectRef idx="1">
+            <a:schemeClr val="accent3"/>
+          </a:effectRef>
+          <a:fontRef idx="minor">
+            <a:schemeClr val="dk1"/>
+          </a:fontRef>
+        </p:style>
+        <p:txBody>
+          <a:bodyPr wrap="none" rtlCol="0" anchor="ctr"/>
+          <a:lstStyle/>
+          <a:p>
+            <a:pPr algn="ctr"/>
+            <a:r>
+              <a:rPr lang="en-US"/>
+              <a:t>Softmax</a:t>
+            </a:r>
+          </a:p>
+        </p:txBody>
+      </p:sp>
+      <p:sp>
+        <p:nvSpPr>
+          <p:cNvPr id="24" name="Down Arrow 23">
+            <a:extLst>
+              <a:ext uri="{FF2B5EF4-FFF2-40B4-BE49-F238E27FC236}">
+                <a16:creationId xmlns:a16="http://schemas.microsoft.com/office/drawing/2014/main" id="{5B8A8200-1A61-9A43-8F04-80F717E9B000}"/>
+              </a:ext>
+            </a:extLst>
+          </p:cNvPr>
+          <p:cNvSpPr/>
+          <p:nvPr/>
+        </p:nvSpPr>
+        <p:spPr>
+          <a:xfrm>
+            <a:off x="9127005" y="7834882"/>
+            <a:ext cx="381964" cy="428262"/>
+          </a:xfrm>
+          <a:prstGeom prst="downArrow">
+            <a:avLst/>
+          </a:prstGeom>
+          <a:solidFill>
+            <a:schemeClr val="bg1"/>
+          </a:solidFill>
+        </p:spPr>
+        <p:style>
+          <a:lnRef idx="2">
+            <a:schemeClr val="accent1">
+              <a:shade val="50000"/>
+            </a:schemeClr>
+          </a:lnRef>
+          <a:fillRef idx="1">
+            <a:schemeClr val="accent1"/>
+          </a:fillRef>
+          <a:effectRef idx="0">
+            <a:schemeClr val="accent1"/>
+          </a:effectRef>
+          <a:fontRef idx="minor">
+            <a:schemeClr val="lt1"/>
+          </a:fontRef>
+        </p:style>
+        <p:txBody>
+          <a:bodyPr rtlCol="0" anchor="ctr"/>
+          <a:lstStyle/>
+          <a:p>
+            <a:pPr algn="ctr"/>
+            <a:endParaRPr lang="en-US"/>
+          </a:p>
+        </p:txBody>
+      </p:sp>
+      <p:sp>
+        <p:nvSpPr>
+          <p:cNvPr id="25" name="Down Arrow 24">
+            <a:extLst>
+              <a:ext uri="{FF2B5EF4-FFF2-40B4-BE49-F238E27FC236}">
+                <a16:creationId xmlns:a16="http://schemas.microsoft.com/office/drawing/2014/main" id="{454F61DD-CF26-0343-993B-E71B9524B95F}"/>
+              </a:ext>
+            </a:extLst>
+          </p:cNvPr>
+          <p:cNvSpPr/>
+          <p:nvPr/>
+        </p:nvSpPr>
+        <p:spPr>
+          <a:xfrm>
+            <a:off x="9127005" y="9032233"/>
+            <a:ext cx="381964" cy="428262"/>
+          </a:xfrm>
+          <a:prstGeom prst="downArrow">
+            <a:avLst/>
+          </a:prstGeom>
+          <a:solidFill>
+            <a:schemeClr val="bg1"/>
+          </a:solidFill>
+        </p:spPr>
+        <p:style>
+          <a:lnRef idx="2">
+            <a:schemeClr val="accent1">
+              <a:shade val="50000"/>
+            </a:schemeClr>
+          </a:lnRef>
+          <a:fillRef idx="1">
+            <a:schemeClr val="accent1"/>
+          </a:fillRef>
+          <a:effectRef idx="0">
+            <a:schemeClr val="accent1"/>
+          </a:effectRef>
+          <a:fontRef idx="minor">
+            <a:schemeClr val="lt1"/>
+          </a:fontRef>
+        </p:style>
+        <p:txBody>
+          <a:bodyPr rtlCol="0" anchor="ctr"/>
+          <a:lstStyle/>
+          <a:p>
+            <a:pPr algn="ctr"/>
+            <a:endParaRPr lang="en-US"/>
+          </a:p>
+        </p:txBody>
+      </p:sp>
+      <p:sp>
+        <p:nvSpPr>
+          <p:cNvPr id="26" name="Rectangle 25">
+            <a:extLst>
+              <a:ext uri="{FF2B5EF4-FFF2-40B4-BE49-F238E27FC236}">
+                <a16:creationId xmlns:a16="http://schemas.microsoft.com/office/drawing/2014/main" id="{F289D602-95DA-9B40-AE72-9263EC9FE3D9}"/>
+              </a:ext>
+            </a:extLst>
+          </p:cNvPr>
+          <p:cNvSpPr/>
+          <p:nvPr/>
+        </p:nvSpPr>
+        <p:spPr>
+          <a:xfrm>
+            <a:off x="8324250" y="9460496"/>
+            <a:ext cx="1987475" cy="755561"/>
+          </a:xfrm>
+          <a:prstGeom prst="rect">
+            <a:avLst/>
+          </a:prstGeom>
+          <a:solidFill>
+            <a:schemeClr val="accent4">
+              <a:lumMod val="40000"/>
+              <a:lumOff val="60000"/>
+            </a:schemeClr>
+          </a:solidFill>
+        </p:spPr>
+        <p:style>
+          <a:lnRef idx="2">
+            <a:schemeClr val="accent5">
+              <a:shade val="50000"/>
+            </a:schemeClr>
+          </a:lnRef>
+          <a:fillRef idx="1">
+            <a:schemeClr val="accent5"/>
+          </a:fillRef>
+          <a:effectRef idx="0">
+            <a:schemeClr val="accent5"/>
+          </a:effectRef>
+          <a:fontRef idx="minor">
+            <a:schemeClr val="lt1"/>
+          </a:fontRef>
+        </p:style>
+        <p:txBody>
+          <a:bodyPr rtlCol="0" anchor="ctr"/>
+          <a:lstStyle/>
+          <a:p>
+            <a:pPr algn="ctr"/>
+            <a:r>
+              <a:rPr lang="en-US" sz="1600">
+                <a:solidFill>
+                  <a:schemeClr val="tx1"/>
+                </a:solidFill>
+              </a:rPr>
+              <a:t>Predicted probabilities – next word sense</a:t>
+            </a:r>
+          </a:p>
+        </p:txBody>
+      </p:sp>
+      <p:sp>
+        <p:nvSpPr>
+          <p:cNvPr id="28" name="Down Arrow 27">
+            <a:extLst>
+              <a:ext uri="{FF2B5EF4-FFF2-40B4-BE49-F238E27FC236}">
+                <a16:creationId xmlns:a16="http://schemas.microsoft.com/office/drawing/2014/main" id="{60FC0E32-05FF-644D-A9BE-9952CF06BC45}"/>
+              </a:ext>
+            </a:extLst>
+          </p:cNvPr>
+          <p:cNvSpPr/>
+          <p:nvPr/>
+        </p:nvSpPr>
+        <p:spPr>
+          <a:xfrm>
+            <a:off x="9127004" y="3429000"/>
+            <a:ext cx="381964" cy="1264260"/>
+          </a:xfrm>
+          <a:prstGeom prst="downArrow">
+            <a:avLst/>
+          </a:prstGeom>
+          <a:solidFill>
+            <a:schemeClr val="bg1"/>
+          </a:solidFill>
+        </p:spPr>
+        <p:style>
+          <a:lnRef idx="2">
+            <a:schemeClr val="accent1">
+              <a:shade val="50000"/>
+            </a:schemeClr>
+          </a:lnRef>
+          <a:fillRef idx="1">
+            <a:schemeClr val="accent1"/>
+          </a:fillRef>
+          <a:effectRef idx="0">
+            <a:schemeClr val="accent1"/>
+          </a:effectRef>
+          <a:fontRef idx="minor">
+            <a:schemeClr val="lt1"/>
+          </a:fontRef>
+        </p:style>
+        <p:txBody>
+          <a:bodyPr wrap="none" rtlCol="0" anchor="ctr"/>
+          <a:lstStyle/>
+          <a:p>
+            <a:pPr algn="ctr"/>
+            <a:r>
+              <a:rPr lang="en-US" b="1">
+                <a:solidFill>
+                  <a:schemeClr val="tx1"/>
+                </a:solidFill>
+              </a:rPr>
+              <a:t>I n p u t</a:t>
+            </a:r>
+          </a:p>
+        </p:txBody>
+      </p:sp>
+      <p:cxnSp>
+        <p:nvCxnSpPr>
+          <p:cNvPr id="29" name="Straight Arrow Connector 28">
+            <a:extLst>
+              <a:ext uri="{FF2B5EF4-FFF2-40B4-BE49-F238E27FC236}">
+                <a16:creationId xmlns:a16="http://schemas.microsoft.com/office/drawing/2014/main" id="{CB7E18E4-7196-0F45-BCF5-E91BA4004445}"/>
+              </a:ext>
+            </a:extLst>
+          </p:cNvPr>
+          <p:cNvCxnSpPr>
+            <a:cxnSpLocks/>
+            <a:stCxn id="7" idx="3"/>
+          </p:cNvCxnSpPr>
+          <p:nvPr/>
+        </p:nvCxnSpPr>
+        <p:spPr>
+          <a:xfrm flipV="1">
+            <a:off x="6559600" y="5284699"/>
+            <a:ext cx="1577403" cy="19338"/>
+          </a:xfrm>
+          <a:prstGeom prst="straightConnector1">
+            <a:avLst/>
+          </a:prstGeom>
+          <a:ln>
+            <a:tailEnd type="triangle"/>
+          </a:ln>
+        </p:spPr>
+        <p:style>
+          <a:lnRef idx="1">
+            <a:schemeClr val="dk1"/>
+          </a:lnRef>
+          <a:fillRef idx="0">
+            <a:schemeClr val="dk1"/>
+          </a:fillRef>
+          <a:effectRef idx="0">
+            <a:schemeClr val="dk1"/>
+          </a:effectRef>
+          <a:fontRef idx="minor">
+            <a:schemeClr val="tx1"/>
+          </a:fontRef>
+        </p:style>
+      </p:cxnSp>
+      <p:sp>
+        <p:nvSpPr>
+          <p:cNvPr id="32" name="TextBox 31">
+            <a:extLst>
+              <a:ext uri="{FF2B5EF4-FFF2-40B4-BE49-F238E27FC236}">
+                <a16:creationId xmlns:a16="http://schemas.microsoft.com/office/drawing/2014/main" id="{F5562014-DAFF-0F47-A405-000F54031463}"/>
+              </a:ext>
+            </a:extLst>
+          </p:cNvPr>
+          <p:cNvSpPr txBox="1"/>
+          <p:nvPr/>
+        </p:nvSpPr>
+        <p:spPr>
+          <a:xfrm>
+            <a:off x="8683037" y="4618911"/>
+            <a:ext cx="1602487" cy="369332"/>
+          </a:xfrm>
+          <a:prstGeom prst="rect">
+            <a:avLst/>
+          </a:prstGeom>
+          <a:noFill/>
+        </p:spPr>
+        <p:txBody>
+          <a:bodyPr wrap="square" rtlCol="0">
+            <a:spAutoFit/>
+          </a:bodyPr>
+          <a:lstStyle/>
+          <a:p>
+            <a:r>
+              <a:rPr lang="en-US"/>
+              <a:t>Concatenate:</a:t>
+            </a:r>
+          </a:p>
+        </p:txBody>
+      </p:sp>
+      <p:sp>
+        <p:nvSpPr>
+          <p:cNvPr id="33" name="Rectangle 32">
+            <a:extLst>
+              <a:ext uri="{FF2B5EF4-FFF2-40B4-BE49-F238E27FC236}">
+                <a16:creationId xmlns:a16="http://schemas.microsoft.com/office/drawing/2014/main" id="{CBBDC58C-FB79-9743-AC32-4E975544F29D}"/>
+              </a:ext>
+            </a:extLst>
+          </p:cNvPr>
+          <p:cNvSpPr/>
+          <p:nvPr/>
+        </p:nvSpPr>
+        <p:spPr>
+          <a:xfrm>
+            <a:off x="9030815" y="5049521"/>
+            <a:ext cx="906930" cy="554077"/>
+          </a:xfrm>
+          <a:prstGeom prst="rect">
+            <a:avLst/>
+          </a:prstGeom>
+          <a:solidFill>
+            <a:schemeClr val="accent2">
+              <a:lumMod val="60000"/>
+              <a:lumOff val="40000"/>
+            </a:schemeClr>
+          </a:solidFill>
+        </p:spPr>
+        <p:style>
+          <a:lnRef idx="2">
+            <a:schemeClr val="accent4">
+              <a:shade val="50000"/>
+            </a:schemeClr>
+          </a:lnRef>
+          <a:fillRef idx="1">
+            <a:schemeClr val="accent4"/>
+          </a:fillRef>
+          <a:effectRef idx="0">
+            <a:schemeClr val="accent4"/>
+          </a:effectRef>
+          <a:fontRef idx="minor">
+            <a:schemeClr val="lt1"/>
+          </a:fontRef>
+        </p:style>
+        <p:txBody>
+          <a:bodyPr rtlCol="0" anchor="ctr"/>
+          <a:lstStyle/>
+          <a:p>
+            <a:pPr algn="ctr"/>
+            <a:r>
+              <a:rPr lang="en-US" sz="1200" b="1">
+                <a:solidFill>
+                  <a:schemeClr val="tx1"/>
+                </a:solidFill>
+              </a:rPr>
+              <a:t>Word Embedding</a:t>
+            </a:r>
+          </a:p>
+        </p:txBody>
+      </p:sp>
+      <p:sp>
+        <p:nvSpPr>
+          <p:cNvPr id="34" name="Rectangle 33">
+            <a:extLst>
+              <a:ext uri="{FF2B5EF4-FFF2-40B4-BE49-F238E27FC236}">
+                <a16:creationId xmlns:a16="http://schemas.microsoft.com/office/drawing/2014/main" id="{CEE65BB6-CFD3-7948-933E-EBD1D87BDFF3}"/>
+              </a:ext>
+            </a:extLst>
+          </p:cNvPr>
+          <p:cNvSpPr/>
+          <p:nvPr/>
+        </p:nvSpPr>
+        <p:spPr>
+          <a:xfrm>
+            <a:off x="9937745" y="5038712"/>
+            <a:ext cx="973594" cy="564886"/>
+          </a:xfrm>
+          <a:prstGeom prst="rect">
+            <a:avLst/>
+          </a:prstGeom>
+        </p:spPr>
+        <p:style>
+          <a:lnRef idx="2">
+            <a:schemeClr val="accent4">
+              <a:shade val="50000"/>
+            </a:schemeClr>
+          </a:lnRef>
+          <a:fillRef idx="1">
+            <a:schemeClr val="accent4"/>
+          </a:fillRef>
+          <a:effectRef idx="0">
+            <a:schemeClr val="accent4"/>
+          </a:effectRef>
+          <a:fontRef idx="minor">
+            <a:schemeClr val="lt1"/>
+          </a:fontRef>
+        </p:style>
+        <p:txBody>
+          <a:bodyPr rtlCol="0" anchor="ctr"/>
+          <a:lstStyle/>
+          <a:p>
+            <a:pPr algn="ctr"/>
+            <a:r>
+              <a:rPr lang="en-US" sz="1200" b="1">
+                <a:solidFill>
+                  <a:schemeClr val="tx1"/>
+                </a:solidFill>
+              </a:rPr>
+              <a:t>Word Node State</a:t>
+            </a:r>
+          </a:p>
+        </p:txBody>
+      </p:sp>
+      <p:sp>
+        <p:nvSpPr>
+          <p:cNvPr id="35" name="Rectangle 34">
+            <a:extLst>
+              <a:ext uri="{FF2B5EF4-FFF2-40B4-BE49-F238E27FC236}">
+                <a16:creationId xmlns:a16="http://schemas.microsoft.com/office/drawing/2014/main" id="{75DA4D2A-83BD-AB40-B037-4DABB3945422}"/>
+              </a:ext>
+            </a:extLst>
+          </p:cNvPr>
+          <p:cNvSpPr/>
+          <p:nvPr/>
+        </p:nvSpPr>
+        <p:spPr>
+          <a:xfrm>
+            <a:off x="10911340" y="5037547"/>
+            <a:ext cx="732793" cy="564884"/>
+          </a:xfrm>
+          <a:prstGeom prst="rect">
+            <a:avLst/>
+          </a:prstGeom>
+        </p:spPr>
+        <p:style>
+          <a:lnRef idx="1">
+            <a:schemeClr val="accent6"/>
+          </a:lnRef>
+          <a:fillRef idx="2">
+            <a:schemeClr val="accent6"/>
+          </a:fillRef>
+          <a:effectRef idx="1">
+            <a:schemeClr val="accent6"/>
+          </a:effectRef>
+          <a:fontRef idx="minor">
+            <a:schemeClr val="dk1"/>
+          </a:fontRef>
+        </p:style>
+        <p:txBody>
+          <a:bodyPr rtlCol="0" anchor="ctr"/>
+          <a:lstStyle/>
+          <a:p>
+            <a:pPr algn="ctr"/>
+            <a:r>
+              <a:rPr lang="en-US" sz="1200" b="1"/>
+              <a:t>Sense </a:t>
+            </a:r>
+            <a:r>
+              <a:rPr lang="en-US" sz="1200" b="1">
+                <a:solidFill>
+                  <a:schemeClr val="tx1"/>
+                </a:solidFill>
+              </a:rPr>
+              <a:t>Node State</a:t>
+            </a:r>
+          </a:p>
+        </p:txBody>
+      </p:sp>
+      <p:sp>
+        <p:nvSpPr>
+          <p:cNvPr id="38" name="TextBox 37">
+            <a:extLst>
+              <a:ext uri="{FF2B5EF4-FFF2-40B4-BE49-F238E27FC236}">
+                <a16:creationId xmlns:a16="http://schemas.microsoft.com/office/drawing/2014/main" id="{61B43942-276C-6D46-8BD6-0F7B64E361B8}"/>
+              </a:ext>
+            </a:extLst>
+          </p:cNvPr>
+          <p:cNvSpPr txBox="1"/>
+          <p:nvPr/>
+        </p:nvSpPr>
+        <p:spPr>
+          <a:xfrm>
+            <a:off x="6877573" y="4826984"/>
+            <a:ext cx="1364765" cy="954107"/>
+          </a:xfrm>
+          <a:prstGeom prst="rect">
+            <a:avLst/>
+          </a:prstGeom>
+          <a:noFill/>
+        </p:spPr>
+        <p:txBody>
+          <a:bodyPr wrap="square" rtlCol="0">
+            <a:spAutoFit/>
+          </a:bodyPr>
+          <a:lstStyle/>
+          <a:p>
+            <a:r>
+              <a:rPr lang="en-US" sz="1400"/>
+              <a:t>Copy without gradient</a:t>
+            </a:r>
+            <a:br>
+              <a:rPr lang="en-US" sz="1400"/>
+            </a:br>
+            <a:r>
+              <a:rPr lang="en-US" sz="1400"/>
+              <a:t>(photo of the current context)</a:t>
+            </a:r>
+          </a:p>
+        </p:txBody>
+      </p:sp>
+      <p:sp>
+        <p:nvSpPr>
+          <p:cNvPr id="39" name="Rectangle 38">
+            <a:extLst>
+              <a:ext uri="{FF2B5EF4-FFF2-40B4-BE49-F238E27FC236}">
+                <a16:creationId xmlns:a16="http://schemas.microsoft.com/office/drawing/2014/main" id="{457E5AAA-6CCC-434B-95B5-DA10C85A4334}"/>
+              </a:ext>
+            </a:extLst>
+          </p:cNvPr>
+          <p:cNvSpPr/>
+          <p:nvPr/>
+        </p:nvSpPr>
+        <p:spPr>
+          <a:xfrm>
+            <a:off x="8134355" y="5050139"/>
+            <a:ext cx="896461" cy="552292"/>
+          </a:xfrm>
+          <a:prstGeom prst="rect">
+            <a:avLst/>
+          </a:prstGeom>
+          <a:solidFill>
+            <a:schemeClr val="accent5">
+              <a:lumMod val="40000"/>
+              <a:lumOff val="60000"/>
+            </a:schemeClr>
+          </a:solidFill>
+        </p:spPr>
+        <p:style>
+          <a:lnRef idx="2">
+            <a:schemeClr val="accent5">
+              <a:shade val="50000"/>
+            </a:schemeClr>
+          </a:lnRef>
+          <a:fillRef idx="1">
+            <a:schemeClr val="accent5"/>
+          </a:fillRef>
+          <a:effectRef idx="0">
+            <a:schemeClr val="accent5"/>
+          </a:effectRef>
+          <a:fontRef idx="minor">
+            <a:schemeClr val="lt1"/>
+          </a:fontRef>
+        </p:style>
+        <p:txBody>
+          <a:bodyPr rtlCol="0" anchor="ctr"/>
+          <a:lstStyle/>
+          <a:p>
+            <a:pPr algn="ctr"/>
+            <a:r>
+              <a:rPr lang="en-US" sz="1400">
+                <a:solidFill>
+                  <a:schemeClr val="tx1"/>
+                </a:solidFill>
+              </a:rPr>
+              <a:t>Encoding </a:t>
+            </a:r>
+            <a:br>
+              <a:rPr lang="en-US" sz="1400">
+                <a:solidFill>
+                  <a:schemeClr val="tx1"/>
+                </a:solidFill>
+              </a:rPr>
+            </a:br>
+            <a:r>
+              <a:rPr lang="en-US" sz="1400">
+                <a:solidFill>
+                  <a:schemeClr val="tx1"/>
+                </a:solidFill>
+              </a:rPr>
+              <a:t>(Hidden state 2)</a:t>
+            </a:r>
+            <a:endParaRPr lang="en-US" sz="1400" b="1">
+              <a:solidFill>
+                <a:schemeClr val="tx1"/>
+              </a:solidFill>
+            </a:endParaRPr>
+          </a:p>
+        </p:txBody>
+      </p:sp>
+      <p:sp>
+        <p:nvSpPr>
+          <p:cNvPr id="40" name="Diamond 39">
+            <a:extLst>
+              <a:ext uri="{FF2B5EF4-FFF2-40B4-BE49-F238E27FC236}">
+                <a16:creationId xmlns:a16="http://schemas.microsoft.com/office/drawing/2014/main" id="{811FA52D-6D28-F24F-8E62-DF24DACE56DD}"/>
+              </a:ext>
+            </a:extLst>
+          </p:cNvPr>
+          <p:cNvSpPr/>
+          <p:nvPr/>
+        </p:nvSpPr>
+        <p:spPr>
+          <a:xfrm>
+            <a:off x="8089148" y="6040185"/>
+            <a:ext cx="2423155" cy="835996"/>
+          </a:xfrm>
+          <a:prstGeom prst="diamond">
+            <a:avLst/>
+          </a:prstGeom>
+        </p:spPr>
+        <p:style>
+          <a:lnRef idx="2">
+            <a:schemeClr val="accent1">
+              <a:shade val="50000"/>
+            </a:schemeClr>
+          </a:lnRef>
+          <a:fillRef idx="1">
+            <a:schemeClr val="accent1"/>
+          </a:fillRef>
+          <a:effectRef idx="0">
+            <a:schemeClr val="accent1"/>
+          </a:effectRef>
+          <a:fontRef idx="minor">
+            <a:schemeClr val="lt1"/>
+          </a:fontRef>
+        </p:style>
+        <p:txBody>
+          <a:bodyPr wrap="none" lIns="36000" rIns="36000" rtlCol="0" anchor="ctr"/>
+          <a:lstStyle/>
+          <a:p>
+            <a:pPr algn="ctr"/>
+            <a:r>
+              <a:rPr lang="en-GB"/>
+              <a:t>FF-NN:</a:t>
+            </a:r>
+            <a:br>
+              <a:rPr lang="en-GB"/>
+            </a:br>
+            <a:r>
+              <a:rPr lang="en-GB"/>
+              <a:t>linear2senses</a:t>
+            </a:r>
+            <a:endParaRPr lang="en-US"/>
+          </a:p>
+        </p:txBody>
+      </p:sp>
+      <p:sp>
+        <p:nvSpPr>
+          <p:cNvPr id="41" name="Down Arrow 40">
+            <a:extLst>
+              <a:ext uri="{FF2B5EF4-FFF2-40B4-BE49-F238E27FC236}">
+                <a16:creationId xmlns:a16="http://schemas.microsoft.com/office/drawing/2014/main" id="{AB2C63ED-0E0E-1D4D-A763-A7BA067BFD03}"/>
+              </a:ext>
+            </a:extLst>
+          </p:cNvPr>
+          <p:cNvSpPr/>
+          <p:nvPr/>
+        </p:nvSpPr>
+        <p:spPr>
+          <a:xfrm>
+            <a:off x="9121318" y="5590408"/>
+            <a:ext cx="381964" cy="428262"/>
+          </a:xfrm>
+          <a:prstGeom prst="downArrow">
+            <a:avLst/>
+          </a:prstGeom>
+          <a:solidFill>
+            <a:schemeClr val="bg1"/>
+          </a:solidFill>
+        </p:spPr>
+        <p:style>
+          <a:lnRef idx="2">
+            <a:schemeClr val="accent1">
+              <a:shade val="50000"/>
+            </a:schemeClr>
+          </a:lnRef>
+          <a:fillRef idx="1">
+            <a:schemeClr val="accent1"/>
+          </a:fillRef>
+          <a:effectRef idx="0">
+            <a:schemeClr val="accent1"/>
+          </a:effectRef>
+          <a:fontRef idx="minor">
+            <a:schemeClr val="lt1"/>
+          </a:fontRef>
+        </p:style>
+        <p:txBody>
+          <a:bodyPr rtlCol="0" anchor="ctr"/>
+          <a:lstStyle/>
+          <a:p>
+            <a:pPr algn="ctr"/>
+            <a:endParaRPr lang="en-US"/>
+          </a:p>
+        </p:txBody>
+      </p:sp>
+      <p:sp>
+        <p:nvSpPr>
+          <p:cNvPr id="42" name="Down Arrow 41">
+            <a:extLst>
+              <a:ext uri="{FF2B5EF4-FFF2-40B4-BE49-F238E27FC236}">
+                <a16:creationId xmlns:a16="http://schemas.microsoft.com/office/drawing/2014/main" id="{66F620D5-822A-5248-8FB1-03CE9BBC3DC1}"/>
+              </a:ext>
+            </a:extLst>
+          </p:cNvPr>
+          <p:cNvSpPr/>
+          <p:nvPr/>
+        </p:nvSpPr>
+        <p:spPr>
+          <a:xfrm>
+            <a:off x="9121318" y="6876181"/>
+            <a:ext cx="381964" cy="428262"/>
+          </a:xfrm>
+          <a:prstGeom prst="downArrow">
+            <a:avLst/>
+          </a:prstGeom>
+          <a:solidFill>
+            <a:schemeClr val="bg1"/>
+          </a:solidFill>
+        </p:spPr>
+        <p:style>
+          <a:lnRef idx="2">
+            <a:schemeClr val="accent1">
+              <a:shade val="50000"/>
+            </a:schemeClr>
+          </a:lnRef>
+          <a:fillRef idx="1">
+            <a:schemeClr val="accent1"/>
+          </a:fillRef>
+          <a:effectRef idx="0">
+            <a:schemeClr val="accent1"/>
+          </a:effectRef>
+          <a:fontRef idx="minor">
+            <a:schemeClr val="lt1"/>
+          </a:fontRef>
+        </p:style>
+        <p:txBody>
+          <a:bodyPr rtlCol="0" anchor="ctr"/>
+          <a:lstStyle/>
+          <a:p>
+            <a:pPr algn="ctr"/>
+            <a:endParaRPr lang="en-US"/>
+          </a:p>
+        </p:txBody>
+      </p:sp>
+    </p:spTree>
+    <p:extLst>
+      <p:ext uri="{BB962C8B-B14F-4D97-AF65-F5344CB8AC3E}">
+        <p14:creationId xmlns:p14="http://schemas.microsoft.com/office/powerpoint/2010/main" val="1331181461"/>
+      </p:ext>
+    </p:extLst>
+  </p:cSld>
+  <p:clrMapOvr>
+    <a:masterClrMapping/>
+  </p:clrMapOvr>
+</p:sld>
+</file>
+
+<file path=ppt/slides/slide6.xml><?xml version="1.0" encoding="utf-8"?>
+<p:sld xmlns:a="http://schemas.openxmlformats.org/drawingml/2006/main" xmlns:r="http://schemas.openxmlformats.org/officeDocument/2006/relationships" xmlns:p="http://schemas.openxmlformats.org/presentationml/2006/main">
+  <p:cSld>
+    <p:spTree>
+      <p:nvGrpSpPr>
+        <p:cNvPr id="1" name=""/>
+        <p:cNvGrpSpPr/>
+        <p:nvPr/>
+      </p:nvGrpSpPr>
+      <p:grpSpPr>
+        <a:xfrm>
+          <a:off x="0" y="0"/>
+          <a:ext cx="0" cy="0"/>
+          <a:chOff x="0" y="0"/>
+          <a:chExt cx="0" cy="0"/>
+        </a:xfrm>
+      </p:grpSpPr>
+      <p:sp>
+        <p:nvSpPr>
           <p:cNvPr id="4" name="Down Arrow 3">
             <a:extLst>
               <a:ext uri="{FF2B5EF4-FFF2-40B4-BE49-F238E27FC236}">
@@ -12157,7 +14022,7 @@
 </p:sld>
 </file>
 
-<file path=ppt/slides/slide6.xml><?xml version="1.0" encoding="utf-8"?>
+<file path=ppt/slides/slide7.xml><?xml version="1.0" encoding="utf-8"?>
 <p:sld xmlns:a="http://schemas.openxmlformats.org/drawingml/2006/main" xmlns:r="http://schemas.openxmlformats.org/officeDocument/2006/relationships" xmlns:p="http://schemas.openxmlformats.org/presentationml/2006/main">
   <p:cSld>
     <p:spTree>

--- a/Media/SenseArchitecture.pptx
+++ b/Media/SenseArchitecture.pptx
@@ -7,11 +7,12 @@
   <p:sldIdLst>
     <p:sldId id="257" r:id="rId2"/>
     <p:sldId id="263" r:id="rId3"/>
-    <p:sldId id="262" r:id="rId4"/>
-    <p:sldId id="261" r:id="rId5"/>
-    <p:sldId id="258" r:id="rId6"/>
-    <p:sldId id="260" r:id="rId7"/>
-    <p:sldId id="259" r:id="rId8"/>
+    <p:sldId id="264" r:id="rId4"/>
+    <p:sldId id="262" r:id="rId5"/>
+    <p:sldId id="261" r:id="rId6"/>
+    <p:sldId id="258" r:id="rId7"/>
+    <p:sldId id="260" r:id="rId8"/>
+    <p:sldId id="259" r:id="rId9"/>
   </p:sldIdLst>
   <p:sldSz cx="12192000" cy="13716000"/>
   <p:notesSz cx="6858000" cy="9144000"/>
@@ -248,7 +249,7 @@
           <a:lstStyle/>
           <a:p>
             <a:fld id="{803220A4-8895-6D46-A558-2CE2469121C7}" type="datetimeFigureOut">
-              <a:t>18/11/2020</a:t>
+              <a:t>23/11/2020</a:t>
             </a:fld>
             <a:endParaRPr lang="en-US"/>
           </a:p>
@@ -417,7 +418,7 @@
           <a:lstStyle/>
           <a:p>
             <a:fld id="{803220A4-8895-6D46-A558-2CE2469121C7}" type="datetimeFigureOut">
-              <a:t>18/11/2020</a:t>
+              <a:t>23/11/2020</a:t>
             </a:fld>
             <a:endParaRPr lang="en-US"/>
           </a:p>
@@ -596,7 +597,7 @@
           <a:lstStyle/>
           <a:p>
             <a:fld id="{803220A4-8895-6D46-A558-2CE2469121C7}" type="datetimeFigureOut">
-              <a:t>18/11/2020</a:t>
+              <a:t>23/11/2020</a:t>
             </a:fld>
             <a:endParaRPr lang="en-US"/>
           </a:p>
@@ -765,7 +766,7 @@
           <a:lstStyle/>
           <a:p>
             <a:fld id="{803220A4-8895-6D46-A558-2CE2469121C7}" type="datetimeFigureOut">
-              <a:t>18/11/2020</a:t>
+              <a:t>23/11/2020</a:t>
             </a:fld>
             <a:endParaRPr lang="en-US"/>
           </a:p>
@@ -1008,7 +1009,7 @@
           <a:lstStyle/>
           <a:p>
             <a:fld id="{803220A4-8895-6D46-A558-2CE2469121C7}" type="datetimeFigureOut">
-              <a:t>18/11/2020</a:t>
+              <a:t>23/11/2020</a:t>
             </a:fld>
             <a:endParaRPr lang="en-US"/>
           </a:p>
@@ -1239,7 +1240,7 @@
           <a:lstStyle/>
           <a:p>
             <a:fld id="{803220A4-8895-6D46-A558-2CE2469121C7}" type="datetimeFigureOut">
-              <a:t>18/11/2020</a:t>
+              <a:t>23/11/2020</a:t>
             </a:fld>
             <a:endParaRPr lang="en-US"/>
           </a:p>
@@ -1605,7 +1606,7 @@
           <a:lstStyle/>
           <a:p>
             <a:fld id="{803220A4-8895-6D46-A558-2CE2469121C7}" type="datetimeFigureOut">
-              <a:t>18/11/2020</a:t>
+              <a:t>23/11/2020</a:t>
             </a:fld>
             <a:endParaRPr lang="en-US"/>
           </a:p>
@@ -1722,7 +1723,7 @@
           <a:lstStyle/>
           <a:p>
             <a:fld id="{803220A4-8895-6D46-A558-2CE2469121C7}" type="datetimeFigureOut">
-              <a:t>18/11/2020</a:t>
+              <a:t>23/11/2020</a:t>
             </a:fld>
             <a:endParaRPr lang="en-US"/>
           </a:p>
@@ -1816,7 +1817,7 @@
           <a:lstStyle/>
           <a:p>
             <a:fld id="{803220A4-8895-6D46-A558-2CE2469121C7}" type="datetimeFigureOut">
-              <a:t>18/11/2020</a:t>
+              <a:t>23/11/2020</a:t>
             </a:fld>
             <a:endParaRPr lang="en-US"/>
           </a:p>
@@ -2092,7 +2093,7 @@
           <a:lstStyle/>
           <a:p>
             <a:fld id="{803220A4-8895-6D46-A558-2CE2469121C7}" type="datetimeFigureOut">
-              <a:t>18/11/2020</a:t>
+              <a:t>23/11/2020</a:t>
             </a:fld>
             <a:endParaRPr lang="en-US"/>
           </a:p>
@@ -2348,7 +2349,7 @@
           <a:lstStyle/>
           <a:p>
             <a:fld id="{803220A4-8895-6D46-A558-2CE2469121C7}" type="datetimeFigureOut">
-              <a:t>18/11/2020</a:t>
+              <a:t>23/11/2020</a:t>
             </a:fld>
             <a:endParaRPr lang="en-US"/>
           </a:p>
@@ -2560,7 +2561,7 @@
           </a:lstStyle>
           <a:p>
             <a:fld id="{803220A4-8895-6D46-A558-2CE2469121C7}" type="datetimeFigureOut">
-              <a:t>18/11/2020</a:t>
+              <a:t>23/11/2020</a:t>
             </a:fld>
             <a:endParaRPr lang="en-US"/>
           </a:p>
@@ -8794,42 +8795,454 @@
           <a:chExt cx="0" cy="0"/>
         </a:xfrm>
       </p:grpSpPr>
-      <p:sp>
-        <p:nvSpPr>
-          <p:cNvPr id="42" name="Down Arrow 41">
-            <a:extLst>
-              <a:ext uri="{FF2B5EF4-FFF2-40B4-BE49-F238E27FC236}">
-                <a16:creationId xmlns:a16="http://schemas.microsoft.com/office/drawing/2014/main" id="{BAAA1F9F-2859-0C46-BA4D-E8A13AC51CA0}"/>
-              </a:ext>
-            </a:extLst>
-          </p:cNvPr>
-          <p:cNvSpPr/>
-          <p:nvPr/>
-        </p:nvSpPr>
-        <p:spPr>
-          <a:xfrm rot="20028264">
-            <a:off x="3899185" y="3133669"/>
-            <a:ext cx="277323" cy="1327083"/>
-          </a:xfrm>
-          <a:prstGeom prst="downArrow">
+      <p:cxnSp>
+        <p:nvCxnSpPr>
+          <p:cNvPr id="90" name="Straight Arrow Connector 89">
+            <a:extLst>
+              <a:ext uri="{FF2B5EF4-FFF2-40B4-BE49-F238E27FC236}">
+                <a16:creationId xmlns:a16="http://schemas.microsoft.com/office/drawing/2014/main" id="{19F90E44-B4CF-462B-8F19-78B5DAD6ED35}"/>
+              </a:ext>
+            </a:extLst>
+          </p:cNvPr>
+          <p:cNvCxnSpPr>
+            <a:cxnSpLocks/>
+          </p:cNvCxnSpPr>
+          <p:nvPr/>
+        </p:nvCxnSpPr>
+        <p:spPr>
+          <a:xfrm>
+            <a:off x="5318728" y="5536922"/>
+            <a:ext cx="1" cy="305122"/>
+          </a:xfrm>
+          <a:prstGeom prst="straightConnector1">
+            <a:avLst/>
+          </a:prstGeom>
+          <a:ln w="28575" cap="rnd">
+            <a:solidFill>
+              <a:schemeClr val="tx1"/>
+            </a:solidFill>
+            <a:round/>
+            <a:tailEnd type="triangle" w="lg" len="lg"/>
+          </a:ln>
+        </p:spPr>
+        <p:style>
+          <a:lnRef idx="1">
+            <a:schemeClr val="accent1"/>
+          </a:lnRef>
+          <a:fillRef idx="0">
+            <a:schemeClr val="accent1"/>
+          </a:fillRef>
+          <a:effectRef idx="0">
+            <a:schemeClr val="accent1"/>
+          </a:effectRef>
+          <a:fontRef idx="minor">
+            <a:schemeClr val="tx1"/>
+          </a:fontRef>
+        </p:style>
+      </p:cxnSp>
+      <p:cxnSp>
+        <p:nvCxnSpPr>
+          <p:cNvPr id="91" name="Straight Arrow Connector 90">
+            <a:extLst>
+              <a:ext uri="{FF2B5EF4-FFF2-40B4-BE49-F238E27FC236}">
+                <a16:creationId xmlns:a16="http://schemas.microsoft.com/office/drawing/2014/main" id="{22FEA49D-4E73-41C7-8FF1-4C2F4E0509C4}"/>
+              </a:ext>
+            </a:extLst>
+          </p:cNvPr>
+          <p:cNvCxnSpPr>
+            <a:cxnSpLocks/>
+          </p:cNvCxnSpPr>
+          <p:nvPr/>
+        </p:nvCxnSpPr>
+        <p:spPr>
+          <a:xfrm>
+            <a:off x="5318728" y="6396728"/>
+            <a:ext cx="1" cy="305122"/>
+          </a:xfrm>
+          <a:prstGeom prst="straightConnector1">
+            <a:avLst/>
+          </a:prstGeom>
+          <a:ln w="28575" cap="rnd">
+            <a:solidFill>
+              <a:schemeClr val="tx1"/>
+            </a:solidFill>
+            <a:round/>
+            <a:tailEnd type="triangle" w="lg" len="lg"/>
+          </a:ln>
+        </p:spPr>
+        <p:style>
+          <a:lnRef idx="1">
+            <a:schemeClr val="accent1"/>
+          </a:lnRef>
+          <a:fillRef idx="0">
+            <a:schemeClr val="accent1"/>
+          </a:fillRef>
+          <a:effectRef idx="0">
+            <a:schemeClr val="accent1"/>
+          </a:effectRef>
+          <a:fontRef idx="minor">
+            <a:schemeClr val="tx1"/>
+          </a:fontRef>
+        </p:style>
+      </p:cxnSp>
+      <p:cxnSp>
+        <p:nvCxnSpPr>
+          <p:cNvPr id="57" name="Straight Arrow Connector 56">
+            <a:extLst>
+              <a:ext uri="{FF2B5EF4-FFF2-40B4-BE49-F238E27FC236}">
+                <a16:creationId xmlns:a16="http://schemas.microsoft.com/office/drawing/2014/main" id="{028656B4-3BF9-4E03-9FF8-0F864BD01090}"/>
+              </a:ext>
+            </a:extLst>
+          </p:cNvPr>
+          <p:cNvCxnSpPr>
+            <a:cxnSpLocks/>
+            <a:stCxn id="38" idx="2"/>
+            <a:endCxn id="58" idx="0"/>
+          </p:cNvCxnSpPr>
+          <p:nvPr/>
+        </p:nvCxnSpPr>
+        <p:spPr>
+          <a:xfrm flipH="1">
+            <a:off x="7160184" y="6939699"/>
+            <a:ext cx="1470" cy="274624"/>
+          </a:xfrm>
+          <a:prstGeom prst="straightConnector1">
+            <a:avLst/>
+          </a:prstGeom>
+          <a:ln w="28575" cap="rnd">
+            <a:solidFill>
+              <a:schemeClr val="tx1"/>
+            </a:solidFill>
+            <a:round/>
+            <a:tailEnd type="triangle" w="lg" len="lg"/>
+          </a:ln>
+        </p:spPr>
+        <p:style>
+          <a:lnRef idx="1">
+            <a:schemeClr val="accent1"/>
+          </a:lnRef>
+          <a:fillRef idx="0">
+            <a:schemeClr val="accent1"/>
+          </a:fillRef>
+          <a:effectRef idx="0">
+            <a:schemeClr val="accent1"/>
+          </a:effectRef>
+          <a:fontRef idx="minor">
+            <a:schemeClr val="tx1"/>
+          </a:fontRef>
+        </p:style>
+      </p:cxnSp>
+      <p:cxnSp>
+        <p:nvCxnSpPr>
+          <p:cNvPr id="69" name="Straight Arrow Connector 68">
+            <a:extLst>
+              <a:ext uri="{FF2B5EF4-FFF2-40B4-BE49-F238E27FC236}">
+                <a16:creationId xmlns:a16="http://schemas.microsoft.com/office/drawing/2014/main" id="{B16C7D57-F4F3-4217-97EE-41D9D2839087}"/>
+              </a:ext>
+            </a:extLst>
+          </p:cNvPr>
+          <p:cNvCxnSpPr>
+            <a:cxnSpLocks/>
+            <a:stCxn id="66" idx="4"/>
+            <a:endCxn id="38" idx="0"/>
+          </p:cNvCxnSpPr>
+          <p:nvPr/>
+        </p:nvCxnSpPr>
+        <p:spPr>
+          <a:xfrm flipH="1">
+            <a:off x="7161654" y="5682476"/>
+            <a:ext cx="838" cy="491644"/>
+          </a:xfrm>
+          <a:prstGeom prst="straightConnector1">
+            <a:avLst/>
+          </a:prstGeom>
+          <a:ln w="28575" cap="rnd">
+            <a:solidFill>
+              <a:schemeClr val="tx1"/>
+            </a:solidFill>
+            <a:round/>
+            <a:tailEnd type="triangle" w="lg" len="lg"/>
+          </a:ln>
+        </p:spPr>
+        <p:style>
+          <a:lnRef idx="1">
+            <a:schemeClr val="accent1"/>
+          </a:lnRef>
+          <a:fillRef idx="0">
+            <a:schemeClr val="accent1"/>
+          </a:fillRef>
+          <a:effectRef idx="0">
+            <a:schemeClr val="accent1"/>
+          </a:effectRef>
+          <a:fontRef idx="minor">
+            <a:schemeClr val="tx1"/>
+          </a:fontRef>
+        </p:style>
+      </p:cxnSp>
+      <p:cxnSp>
+        <p:nvCxnSpPr>
+          <p:cNvPr id="59" name="Straight Arrow Connector 58">
+            <a:extLst>
+              <a:ext uri="{FF2B5EF4-FFF2-40B4-BE49-F238E27FC236}">
+                <a16:creationId xmlns:a16="http://schemas.microsoft.com/office/drawing/2014/main" id="{953FF220-016D-4233-B82A-A734990959FF}"/>
+              </a:ext>
+            </a:extLst>
+          </p:cNvPr>
+          <p:cNvCxnSpPr>
+            <a:cxnSpLocks/>
+            <a:stCxn id="13" idx="2"/>
+            <a:endCxn id="66" idx="0"/>
+          </p:cNvCxnSpPr>
+          <p:nvPr/>
+        </p:nvCxnSpPr>
+        <p:spPr>
+          <a:xfrm>
+            <a:off x="7161654" y="4472423"/>
+            <a:ext cx="838" cy="864906"/>
+          </a:xfrm>
+          <a:prstGeom prst="straightConnector1">
+            <a:avLst/>
+          </a:prstGeom>
+          <a:ln w="28575" cap="rnd">
+            <a:solidFill>
+              <a:schemeClr val="tx1"/>
+            </a:solidFill>
+            <a:round/>
+            <a:tailEnd type="triangle" w="lg" len="lg"/>
+          </a:ln>
+        </p:spPr>
+        <p:style>
+          <a:lnRef idx="1">
+            <a:schemeClr val="accent1"/>
+          </a:lnRef>
+          <a:fillRef idx="0">
+            <a:schemeClr val="accent1"/>
+          </a:fillRef>
+          <a:effectRef idx="0">
+            <a:schemeClr val="accent1"/>
+          </a:effectRef>
+          <a:fontRef idx="minor">
+            <a:schemeClr val="tx1"/>
+          </a:fontRef>
+        </p:style>
+      </p:cxnSp>
+      <p:cxnSp>
+        <p:nvCxnSpPr>
+          <p:cNvPr id="212" name="Straight Arrow Connector 211">
+            <a:extLst>
+              <a:ext uri="{FF2B5EF4-FFF2-40B4-BE49-F238E27FC236}">
+                <a16:creationId xmlns:a16="http://schemas.microsoft.com/office/drawing/2014/main" id="{EB7C526E-7330-46B6-9858-A5CB994A4F8A}"/>
+              </a:ext>
+            </a:extLst>
+          </p:cNvPr>
+          <p:cNvCxnSpPr>
+            <a:cxnSpLocks/>
+          </p:cNvCxnSpPr>
+          <p:nvPr/>
+        </p:nvCxnSpPr>
+        <p:spPr>
+          <a:xfrm>
+            <a:off x="5332911" y="4071266"/>
+            <a:ext cx="1" cy="305122"/>
+          </a:xfrm>
+          <a:prstGeom prst="straightConnector1">
+            <a:avLst/>
+          </a:prstGeom>
+          <a:ln w="28575" cap="rnd">
+            <a:solidFill>
+              <a:schemeClr val="tx1"/>
+            </a:solidFill>
+            <a:round/>
+            <a:tailEnd type="triangle" w="lg" len="lg"/>
+          </a:ln>
+        </p:spPr>
+        <p:style>
+          <a:lnRef idx="1">
+            <a:schemeClr val="accent1"/>
+          </a:lnRef>
+          <a:fillRef idx="0">
+            <a:schemeClr val="accent1"/>
+          </a:fillRef>
+          <a:effectRef idx="0">
+            <a:schemeClr val="accent1"/>
+          </a:effectRef>
+          <a:fontRef idx="minor">
+            <a:schemeClr val="tx1"/>
+          </a:fontRef>
+        </p:style>
+      </p:cxnSp>
+      <p:cxnSp>
+        <p:nvCxnSpPr>
+          <p:cNvPr id="214" name="Straight Arrow Connector 213">
+            <a:extLst>
+              <a:ext uri="{FF2B5EF4-FFF2-40B4-BE49-F238E27FC236}">
+                <a16:creationId xmlns:a16="http://schemas.microsoft.com/office/drawing/2014/main" id="{816D991D-C162-40B0-A3D1-E537127702EF}"/>
+              </a:ext>
+            </a:extLst>
+          </p:cNvPr>
+          <p:cNvCxnSpPr>
+            <a:cxnSpLocks/>
+          </p:cNvCxnSpPr>
+          <p:nvPr/>
+        </p:nvCxnSpPr>
+        <p:spPr>
+          <a:xfrm>
+            <a:off x="5336105" y="4669413"/>
+            <a:ext cx="1" cy="305122"/>
+          </a:xfrm>
+          <a:prstGeom prst="straightConnector1">
+            <a:avLst/>
+          </a:prstGeom>
+          <a:ln w="28575" cap="rnd">
+            <a:solidFill>
+              <a:schemeClr val="tx1"/>
+            </a:solidFill>
+            <a:round/>
+            <a:tailEnd type="triangle" w="lg" len="lg"/>
+          </a:ln>
+        </p:spPr>
+        <p:style>
+          <a:lnRef idx="1">
+            <a:schemeClr val="accent1"/>
+          </a:lnRef>
+          <a:fillRef idx="0">
+            <a:schemeClr val="accent1"/>
+          </a:fillRef>
+          <a:effectRef idx="0">
+            <a:schemeClr val="accent1"/>
+          </a:effectRef>
+          <a:fontRef idx="minor">
+            <a:schemeClr val="tx1"/>
+          </a:fontRef>
+        </p:style>
+      </p:cxnSp>
+      <p:cxnSp>
+        <p:nvCxnSpPr>
+          <p:cNvPr id="216" name="Straight Arrow Connector 215">
+            <a:extLst>
+              <a:ext uri="{FF2B5EF4-FFF2-40B4-BE49-F238E27FC236}">
+                <a16:creationId xmlns:a16="http://schemas.microsoft.com/office/drawing/2014/main" id="{75BCDC57-9091-4AF1-80BD-E8B8218407B6}"/>
+              </a:ext>
+            </a:extLst>
+          </p:cNvPr>
+          <p:cNvCxnSpPr>
+            <a:cxnSpLocks/>
+            <a:stCxn id="58" idx="4"/>
+            <a:endCxn id="17" idx="0"/>
+          </p:cNvCxnSpPr>
+          <p:nvPr/>
+        </p:nvCxnSpPr>
+        <p:spPr>
+          <a:xfrm>
+            <a:off x="7160184" y="7559470"/>
+            <a:ext cx="1470" cy="258300"/>
+          </a:xfrm>
+          <a:prstGeom prst="straightConnector1">
+            <a:avLst/>
+          </a:prstGeom>
+          <a:ln w="28575" cap="rnd">
+            <a:solidFill>
+              <a:schemeClr val="tx1"/>
+            </a:solidFill>
+            <a:round/>
+            <a:tailEnd type="triangle" w="lg" len="lg"/>
+          </a:ln>
+        </p:spPr>
+        <p:style>
+          <a:lnRef idx="1">
+            <a:schemeClr val="accent1"/>
+          </a:lnRef>
+          <a:fillRef idx="0">
+            <a:schemeClr val="accent1"/>
+          </a:fillRef>
+          <a:effectRef idx="0">
+            <a:schemeClr val="accent1"/>
+          </a:effectRef>
+          <a:fontRef idx="minor">
+            <a:schemeClr val="tx1"/>
+          </a:fontRef>
+        </p:style>
+      </p:cxnSp>
+      <p:cxnSp>
+        <p:nvCxnSpPr>
+          <p:cNvPr id="219" name="Straight Arrow Connector 218">
+            <a:extLst>
+              <a:ext uri="{FF2B5EF4-FFF2-40B4-BE49-F238E27FC236}">
+                <a16:creationId xmlns:a16="http://schemas.microsoft.com/office/drawing/2014/main" id="{1DF416B5-08A9-48F5-9855-45B975FFC429}"/>
+              </a:ext>
+            </a:extLst>
+          </p:cNvPr>
+          <p:cNvCxnSpPr>
+            <a:cxnSpLocks/>
+          </p:cNvCxnSpPr>
+          <p:nvPr/>
+        </p:nvCxnSpPr>
+        <p:spPr>
+          <a:xfrm>
+            <a:off x="7185411" y="4011176"/>
+            <a:ext cx="1" cy="305122"/>
+          </a:xfrm>
+          <a:prstGeom prst="straightConnector1">
+            <a:avLst/>
+          </a:prstGeom>
+          <a:ln w="28575" cap="rnd">
+            <a:solidFill>
+              <a:schemeClr val="tx1"/>
+            </a:solidFill>
+            <a:round/>
+            <a:tailEnd type="triangle" w="lg" len="lg"/>
+          </a:ln>
+        </p:spPr>
+        <p:style>
+          <a:lnRef idx="1">
+            <a:schemeClr val="accent1"/>
+          </a:lnRef>
+          <a:fillRef idx="0">
+            <a:schemeClr val="accent1"/>
+          </a:fillRef>
+          <a:effectRef idx="0">
+            <a:schemeClr val="accent1"/>
+          </a:effectRef>
+          <a:fontRef idx="minor">
+            <a:schemeClr val="tx1"/>
+          </a:fontRef>
+        </p:style>
+      </p:cxnSp>
+      <p:sp>
+        <p:nvSpPr>
+          <p:cNvPr id="13" name="Rectangle 12">
+            <a:extLst>
+              <a:ext uri="{FF2B5EF4-FFF2-40B4-BE49-F238E27FC236}">
+                <a16:creationId xmlns:a16="http://schemas.microsoft.com/office/drawing/2014/main" id="{E4E21549-377A-46C1-A3BE-EA1CEA754AB0}"/>
+              </a:ext>
+            </a:extLst>
+          </p:cNvPr>
+          <p:cNvSpPr/>
+          <p:nvPr/>
+        </p:nvSpPr>
+        <p:spPr>
+          <a:xfrm>
+            <a:off x="6524634" y="3706844"/>
+            <a:ext cx="1274040" cy="765579"/>
+          </a:xfrm>
+          <a:prstGeom prst="rect">
             <a:avLst/>
           </a:prstGeom>
           <a:solidFill>
             <a:schemeClr val="bg1"/>
           </a:solidFill>
-          <a:ln w="25400"/>
         </p:spPr>
         <p:style>
           <a:lnRef idx="2">
-            <a:schemeClr val="accent1">
+            <a:schemeClr val="accent5">
               <a:shade val="50000"/>
             </a:schemeClr>
           </a:lnRef>
           <a:fillRef idx="1">
-            <a:schemeClr val="accent1"/>
-          </a:fillRef>
-          <a:effectRef idx="0">
-            <a:schemeClr val="accent1"/>
+            <a:schemeClr val="accent5"/>
+          </a:fillRef>
+          <a:effectRef idx="0">
+            <a:schemeClr val="accent5"/>
           </a:effectRef>
           <a:fontRef idx="minor">
             <a:schemeClr val="lt1"/>
@@ -8839,47 +9252,78 @@
           <a:bodyPr rtlCol="0" anchor="ctr"/>
           <a:lstStyle/>
           <a:p>
-            <a:pPr algn="ctr"/>
-            <a:endParaRPr lang="en-US"/>
-          </a:p>
-        </p:txBody>
-      </p:sp>
-      <p:sp>
-        <p:nvSpPr>
-          <p:cNvPr id="109" name="Down Arrow 108">
-            <a:extLst>
-              <a:ext uri="{FF2B5EF4-FFF2-40B4-BE49-F238E27FC236}">
-                <a16:creationId xmlns:a16="http://schemas.microsoft.com/office/drawing/2014/main" id="{D1C86BE8-AB9F-3041-B936-F28916657186}"/>
-              </a:ext>
-            </a:extLst>
-          </p:cNvPr>
-          <p:cNvSpPr/>
-          <p:nvPr/>
-        </p:nvSpPr>
-        <p:spPr>
-          <a:xfrm>
-            <a:off x="6759863" y="3718335"/>
-            <a:ext cx="277323" cy="693159"/>
-          </a:xfrm>
-          <a:prstGeom prst="downArrow">
+            <a:pPr marL="0" marR="0" lvl="0" indent="0" algn="ctr" defTabSz="457200" rtl="0" eaLnBrk="1" fontAlgn="auto" latinLnBrk="0" hangingPunct="1">
+              <a:lnSpc>
+                <a:spcPct val="100000"/>
+              </a:lnSpc>
+              <a:spcBef>
+                <a:spcPts val="0"/>
+              </a:spcBef>
+              <a:spcAft>
+                <a:spcPts val="0"/>
+              </a:spcAft>
+              <a:buClrTx/>
+              <a:buSzTx/>
+              <a:buFontTx/>
+              <a:buNone/>
+              <a:tabLst/>
+              <a:defRPr/>
+            </a:pPr>
+            <a:r>
+              <a:rPr kumimoji="0" lang="en-US" sz="1600" b="1" i="0" u="none" strike="noStrike" kern="1200" cap="none" spc="0" normalizeH="0" baseline="0" noProof="0" dirty="0">
+                <a:ln>
+                  <a:noFill/>
+                </a:ln>
+                <a:solidFill>
+                  <a:prstClr val="black"/>
+                </a:solidFill>
+                <a:effectLst/>
+                <a:uLnTx/>
+                <a:uFillTx/>
+                <a:latin typeface="Calibri" panose="020F0502020204030204"/>
+                <a:ea typeface="+mn-ea"/>
+                <a:cs typeface="+mn-cs"/>
+              </a:rPr>
+              <a:t>Logits over senses’ vocabulary</a:t>
+            </a:r>
+          </a:p>
+        </p:txBody>
+      </p:sp>
+      <p:sp>
+        <p:nvSpPr>
+          <p:cNvPr id="17" name="Rectangle 16">
+            <a:extLst>
+              <a:ext uri="{FF2B5EF4-FFF2-40B4-BE49-F238E27FC236}">
+                <a16:creationId xmlns:a16="http://schemas.microsoft.com/office/drawing/2014/main" id="{867FFF97-BD1D-426B-883D-C04CA685A9E9}"/>
+              </a:ext>
+            </a:extLst>
+          </p:cNvPr>
+          <p:cNvSpPr/>
+          <p:nvPr/>
+        </p:nvSpPr>
+        <p:spPr>
+          <a:xfrm>
+            <a:off x="6524633" y="7817770"/>
+            <a:ext cx="1274041" cy="581737"/>
+          </a:xfrm>
+          <a:prstGeom prst="rect">
             <a:avLst/>
           </a:prstGeom>
           <a:solidFill>
             <a:schemeClr val="bg1"/>
           </a:solidFill>
-          <a:ln w="25400"/>
         </p:spPr>
         <p:style>
           <a:lnRef idx="2">
-            <a:schemeClr val="accent1">
+            <a:schemeClr val="accent5">
               <a:shade val="50000"/>
             </a:schemeClr>
           </a:lnRef>
           <a:fillRef idx="1">
-            <a:schemeClr val="accent1"/>
-          </a:fillRef>
-          <a:effectRef idx="0">
-            <a:schemeClr val="accent1"/>
+            <a:schemeClr val="accent5"/>
+          </a:fillRef>
+          <a:effectRef idx="0">
+            <a:schemeClr val="accent5"/>
           </a:effectRef>
           <a:fontRef idx="minor">
             <a:schemeClr val="lt1"/>
@@ -8889,361 +9333,163 @@
           <a:bodyPr rtlCol="0" anchor="ctr"/>
           <a:lstStyle/>
           <a:p>
-            <a:pPr algn="ctr"/>
-            <a:endParaRPr lang="en-US"/>
-          </a:p>
-        </p:txBody>
-      </p:sp>
-      <p:sp>
-        <p:nvSpPr>
-          <p:cNvPr id="6" name="Hexagon 5">
-            <a:extLst>
-              <a:ext uri="{FF2B5EF4-FFF2-40B4-BE49-F238E27FC236}">
-                <a16:creationId xmlns:a16="http://schemas.microsoft.com/office/drawing/2014/main" id="{B9F5FB16-C08F-3246-A19F-5249A511A94E}"/>
-              </a:ext>
-            </a:extLst>
-          </p:cNvPr>
-          <p:cNvSpPr/>
-          <p:nvPr/>
-        </p:nvSpPr>
-        <p:spPr>
-          <a:xfrm>
-            <a:off x="4392419" y="599147"/>
-            <a:ext cx="905005" cy="603890"/>
-          </a:xfrm>
-          <a:prstGeom prst="hexagon">
+            <a:pPr marL="0" marR="0" lvl="0" indent="0" algn="ctr" defTabSz="457200" rtl="0" eaLnBrk="1" fontAlgn="auto" latinLnBrk="0" hangingPunct="1">
+              <a:lnSpc>
+                <a:spcPct val="100000"/>
+              </a:lnSpc>
+              <a:spcBef>
+                <a:spcPts val="0"/>
+              </a:spcBef>
+              <a:spcAft>
+                <a:spcPts val="0"/>
+              </a:spcAft>
+              <a:buClrTx/>
+              <a:buSzTx/>
+              <a:buFontTx/>
+              <a:buNone/>
+              <a:tabLst/>
+              <a:defRPr/>
+            </a:pPr>
+            <a:r>
+              <a:rPr kumimoji="0" lang="en-US" sz="1600" b="1" i="0" u="none" strike="noStrike" kern="1200" cap="none" spc="0" normalizeH="0" baseline="0" noProof="0" dirty="0">
+                <a:ln>
+                  <a:noFill/>
+                </a:ln>
+                <a:solidFill>
+                  <a:prstClr val="black"/>
+                </a:solidFill>
+                <a:effectLst/>
+                <a:uLnTx/>
+                <a:uFillTx/>
+                <a:latin typeface="Calibri" panose="020F0502020204030204"/>
+                <a:ea typeface="+mn-ea"/>
+                <a:cs typeface="+mn-cs"/>
+              </a:rPr>
+              <a:t>Probabilities  next sense</a:t>
+            </a:r>
+          </a:p>
+        </p:txBody>
+      </p:sp>
+      <p:sp>
+        <p:nvSpPr>
+          <p:cNvPr id="46" name="Oval 45">
+            <a:extLst>
+              <a:ext uri="{FF2B5EF4-FFF2-40B4-BE49-F238E27FC236}">
+                <a16:creationId xmlns:a16="http://schemas.microsoft.com/office/drawing/2014/main" id="{87854B5C-970E-4D27-B0BC-B82681635C0C}"/>
+              </a:ext>
+            </a:extLst>
+          </p:cNvPr>
+          <p:cNvSpPr/>
+          <p:nvPr/>
+        </p:nvSpPr>
+        <p:spPr>
+          <a:xfrm>
+            <a:off x="4956737" y="4375455"/>
+            <a:ext cx="752347" cy="345147"/>
+          </a:xfrm>
+          <a:prstGeom prst="ellipse">
             <a:avLst/>
           </a:prstGeom>
         </p:spPr>
         <p:style>
           <a:lnRef idx="1">
-            <a:schemeClr val="accent6"/>
+            <a:schemeClr val="accent3"/>
           </a:lnRef>
           <a:fillRef idx="2">
-            <a:schemeClr val="accent6"/>
+            <a:schemeClr val="accent3"/>
           </a:fillRef>
           <a:effectRef idx="1">
-            <a:schemeClr val="accent6"/>
+            <a:schemeClr val="accent3"/>
           </a:effectRef>
           <a:fontRef idx="minor">
             <a:schemeClr val="dk1"/>
           </a:fontRef>
         </p:style>
         <p:txBody>
-          <a:bodyPr rtlCol="0" anchor="ctr"/>
-          <a:lstStyle/>
-          <a:p>
-            <a:pPr algn="ctr"/>
-            <a:r>
-              <a:rPr lang="en-US" sz="1600"/>
-              <a:t>move.n.1</a:t>
-            </a:r>
-          </a:p>
-        </p:txBody>
-      </p:sp>
-      <p:sp>
-        <p:nvSpPr>
-          <p:cNvPr id="7" name="Hexagon 6">
-            <a:extLst>
-              <a:ext uri="{FF2B5EF4-FFF2-40B4-BE49-F238E27FC236}">
-                <a16:creationId xmlns:a16="http://schemas.microsoft.com/office/drawing/2014/main" id="{B1C06240-AEB9-4947-925A-8920BEA1706B}"/>
-              </a:ext>
-            </a:extLst>
-          </p:cNvPr>
-          <p:cNvSpPr/>
-          <p:nvPr/>
-        </p:nvSpPr>
-        <p:spPr>
-          <a:xfrm>
-            <a:off x="6764499" y="321174"/>
-            <a:ext cx="910438" cy="515727"/>
-          </a:xfrm>
-          <a:prstGeom prst="hexagon">
-            <a:avLst/>
-          </a:prstGeom>
-        </p:spPr>
-        <p:style>
-          <a:lnRef idx="1">
-            <a:schemeClr val="accent6"/>
-          </a:lnRef>
-          <a:fillRef idx="2">
-            <a:schemeClr val="accent6"/>
-          </a:fillRef>
-          <a:effectRef idx="1">
-            <a:schemeClr val="accent6"/>
-          </a:effectRef>
-          <a:fontRef idx="minor">
-            <a:schemeClr val="dk1"/>
-          </a:fontRef>
-        </p:style>
-        <p:txBody>
-          <a:bodyPr rtlCol="0" anchor="ctr"/>
-          <a:lstStyle/>
-          <a:p>
-            <a:pPr algn="ctr"/>
-            <a:r>
-              <a:rPr lang="en-US" sz="1600"/>
-              <a:t>Move.v.2</a:t>
-            </a:r>
-          </a:p>
-        </p:txBody>
-      </p:sp>
-      <p:sp>
-        <p:nvSpPr>
-          <p:cNvPr id="8" name="Hexagon 7">
-            <a:extLst>
-              <a:ext uri="{FF2B5EF4-FFF2-40B4-BE49-F238E27FC236}">
-                <a16:creationId xmlns:a16="http://schemas.microsoft.com/office/drawing/2014/main" id="{B61C1C5B-0BD1-964A-A000-19B3966DF23A}"/>
-              </a:ext>
-            </a:extLst>
-          </p:cNvPr>
-          <p:cNvSpPr/>
-          <p:nvPr/>
-        </p:nvSpPr>
-        <p:spPr>
-          <a:xfrm>
-            <a:off x="6764499" y="1242892"/>
-            <a:ext cx="905005" cy="517509"/>
-          </a:xfrm>
-          <a:prstGeom prst="hexagon">
-            <a:avLst/>
-          </a:prstGeom>
-        </p:spPr>
-        <p:style>
-          <a:lnRef idx="1">
-            <a:schemeClr val="accent6"/>
-          </a:lnRef>
-          <a:fillRef idx="2">
-            <a:schemeClr val="accent6"/>
-          </a:fillRef>
-          <a:effectRef idx="1">
-            <a:schemeClr val="accent6"/>
-          </a:effectRef>
-          <a:fontRef idx="minor">
-            <a:schemeClr val="dk1"/>
-          </a:fontRef>
-        </p:style>
-        <p:txBody>
-          <a:bodyPr rtlCol="0" anchor="ctr"/>
-          <a:lstStyle/>
-          <a:p>
-            <a:pPr algn="ctr"/>
-            <a:r>
-              <a:rPr lang="en-US" sz="1600"/>
-              <a:t>Move.v.5</a:t>
-            </a:r>
-          </a:p>
-        </p:txBody>
-      </p:sp>
-      <p:sp>
-        <p:nvSpPr>
-          <p:cNvPr id="12" name="Oval 11">
-            <a:extLst>
-              <a:ext uri="{FF2B5EF4-FFF2-40B4-BE49-F238E27FC236}">
-                <a16:creationId xmlns:a16="http://schemas.microsoft.com/office/drawing/2014/main" id="{94D6F858-6725-B745-B91B-B683CD959924}"/>
-              </a:ext>
-            </a:extLst>
-          </p:cNvPr>
-          <p:cNvSpPr/>
-          <p:nvPr/>
-        </p:nvSpPr>
-        <p:spPr>
-          <a:xfrm>
-            <a:off x="7878391" y="265389"/>
-            <a:ext cx="275478" cy="281318"/>
-          </a:xfrm>
-          <a:prstGeom prst="ellipse">
-            <a:avLst/>
-          </a:prstGeom>
-        </p:spPr>
-        <p:style>
-          <a:lnRef idx="1">
-            <a:schemeClr val="accent5"/>
-          </a:lnRef>
-          <a:fillRef idx="2">
-            <a:schemeClr val="accent5"/>
-          </a:fillRef>
-          <a:effectRef idx="1">
-            <a:schemeClr val="accent5"/>
-          </a:effectRef>
-          <a:fontRef idx="minor">
-            <a:schemeClr val="dk1"/>
-          </a:fontRef>
-        </p:style>
-        <p:txBody>
-          <a:bodyPr rtlCol="0" anchor="ctr"/>
-          <a:lstStyle/>
-          <a:p>
-            <a:pPr algn="ctr"/>
-            <a:r>
-              <a:rPr lang="en-US" sz="1600"/>
-              <a:t>d</a:t>
-            </a:r>
-            <a:endParaRPr lang="en-US" sz="1400"/>
-          </a:p>
-        </p:txBody>
-      </p:sp>
-      <p:sp>
-        <p:nvSpPr>
-          <p:cNvPr id="13" name="Oval 12">
-            <a:extLst>
-              <a:ext uri="{FF2B5EF4-FFF2-40B4-BE49-F238E27FC236}">
-                <a16:creationId xmlns:a16="http://schemas.microsoft.com/office/drawing/2014/main" id="{F30636A2-A46C-FB44-8080-905EE3177FDA}"/>
-              </a:ext>
-            </a:extLst>
-          </p:cNvPr>
-          <p:cNvSpPr/>
-          <p:nvPr/>
-        </p:nvSpPr>
-        <p:spPr>
-          <a:xfrm>
-            <a:off x="8215881" y="275181"/>
-            <a:ext cx="277883" cy="271526"/>
-          </a:xfrm>
-          <a:prstGeom prst="ellipse">
-            <a:avLst/>
-          </a:prstGeom>
-        </p:spPr>
-        <p:style>
-          <a:lnRef idx="1">
-            <a:schemeClr val="accent5"/>
-          </a:lnRef>
-          <a:fillRef idx="2">
-            <a:schemeClr val="accent5"/>
-          </a:fillRef>
-          <a:effectRef idx="1">
-            <a:schemeClr val="accent5"/>
-          </a:effectRef>
-          <a:fontRef idx="minor">
-            <a:schemeClr val="dk1"/>
-          </a:fontRef>
-        </p:style>
-        <p:txBody>
-          <a:bodyPr rtlCol="0" anchor="ctr"/>
-          <a:lstStyle/>
-          <a:p>
-            <a:pPr algn="ctr"/>
-            <a:endParaRPr lang="en-US"/>
-          </a:p>
-        </p:txBody>
-      </p:sp>
-      <p:sp>
-        <p:nvSpPr>
-          <p:cNvPr id="17" name="Oval 16">
-            <a:extLst>
-              <a:ext uri="{FF2B5EF4-FFF2-40B4-BE49-F238E27FC236}">
-                <a16:creationId xmlns:a16="http://schemas.microsoft.com/office/drawing/2014/main" id="{C84F0CB5-C438-064D-A3E4-B7046DBAD7C8}"/>
-              </a:ext>
-            </a:extLst>
-          </p:cNvPr>
-          <p:cNvSpPr/>
-          <p:nvPr/>
-        </p:nvSpPr>
-        <p:spPr>
-          <a:xfrm>
-            <a:off x="7849578" y="696579"/>
-            <a:ext cx="275478" cy="276498"/>
-          </a:xfrm>
-          <a:prstGeom prst="ellipse">
-            <a:avLst/>
-          </a:prstGeom>
-        </p:spPr>
-        <p:style>
-          <a:lnRef idx="1">
-            <a:schemeClr val="accent5"/>
-          </a:lnRef>
-          <a:fillRef idx="3">
-            <a:schemeClr val="accent5"/>
-          </a:fillRef>
-          <a:effectRef idx="2">
-            <a:schemeClr val="accent5"/>
-          </a:effectRef>
-          <a:fontRef idx="minor">
-            <a:schemeClr val="lt1"/>
-          </a:fontRef>
-        </p:style>
-        <p:txBody>
-          <a:bodyPr rtlCol="0" anchor="ctr"/>
-          <a:lstStyle/>
-          <a:p>
-            <a:pPr algn="ctr"/>
-            <a:r>
-              <a:rPr lang="en-US" sz="1600"/>
-              <a:t>e</a:t>
-            </a:r>
-          </a:p>
-        </p:txBody>
-      </p:sp>
-      <p:sp>
-        <p:nvSpPr>
-          <p:cNvPr id="18" name="Oval 17">
-            <a:extLst>
-              <a:ext uri="{FF2B5EF4-FFF2-40B4-BE49-F238E27FC236}">
-                <a16:creationId xmlns:a16="http://schemas.microsoft.com/office/drawing/2014/main" id="{5439994B-AF66-AA41-959E-7550A2E95109}"/>
-              </a:ext>
-            </a:extLst>
-          </p:cNvPr>
-          <p:cNvSpPr/>
-          <p:nvPr/>
-        </p:nvSpPr>
-        <p:spPr>
-          <a:xfrm>
-            <a:off x="8215882" y="696579"/>
-            <a:ext cx="277884" cy="276498"/>
-          </a:xfrm>
-          <a:prstGeom prst="ellipse">
-            <a:avLst/>
-          </a:prstGeom>
-        </p:spPr>
-        <p:style>
-          <a:lnRef idx="1">
-            <a:schemeClr val="accent5"/>
-          </a:lnRef>
-          <a:fillRef idx="3">
-            <a:schemeClr val="accent5"/>
-          </a:fillRef>
-          <a:effectRef idx="2">
-            <a:schemeClr val="accent5"/>
-          </a:effectRef>
-          <a:fontRef idx="minor">
-            <a:schemeClr val="lt1"/>
-          </a:fontRef>
-        </p:style>
-        <p:txBody>
-          <a:bodyPr rtlCol="0" anchor="ctr"/>
-          <a:lstStyle/>
-          <a:p>
-            <a:pPr algn="ctr"/>
-            <a:endParaRPr lang="en-US"/>
+          <a:bodyPr wrap="none" rtlCol="0" anchor="ctr"/>
+          <a:lstStyle/>
+          <a:p>
+            <a:pPr marL="0" marR="0" lvl="0" indent="0" algn="ctr" defTabSz="457200" rtl="0" eaLnBrk="1" fontAlgn="auto" latinLnBrk="0" hangingPunct="1">
+              <a:lnSpc>
+                <a:spcPct val="100000"/>
+              </a:lnSpc>
+              <a:spcBef>
+                <a:spcPts val="0"/>
+              </a:spcBef>
+              <a:spcAft>
+                <a:spcPts val="0"/>
+              </a:spcAft>
+              <a:buClrTx/>
+              <a:buSzTx/>
+              <a:buFontTx/>
+              <a:buNone/>
+              <a:tabLst/>
+              <a:defRPr/>
+            </a:pPr>
+            <a:r>
+              <a:rPr kumimoji="0" lang="en-US" sz="1600" b="1" i="0" u="none" strike="noStrike" kern="1200" cap="none" spc="0" normalizeH="0" baseline="0" noProof="0" dirty="0" err="1">
+                <a:ln>
+                  <a:noFill/>
+                </a:ln>
+                <a:solidFill>
+                  <a:prstClr val="black"/>
+                </a:solidFill>
+                <a:effectLst/>
+                <a:uLnTx/>
+                <a:uFillTx/>
+                <a:latin typeface="Calibri" panose="020F0502020204030204"/>
+                <a:ea typeface="+mn-ea"/>
+                <a:cs typeface="+mn-cs"/>
+              </a:rPr>
+              <a:t>Softmax</a:t>
+            </a:r>
+            <a:endParaRPr kumimoji="0" lang="en-US" sz="1800" b="1" i="0" u="none" strike="noStrike" kern="1200" cap="none" spc="0" normalizeH="0" baseline="0" noProof="0" dirty="0">
+              <a:ln>
+                <a:noFill/>
+              </a:ln>
+              <a:solidFill>
+                <a:prstClr val="black"/>
+              </a:solidFill>
+              <a:effectLst/>
+              <a:uLnTx/>
+              <a:uFillTx/>
+              <a:latin typeface="Calibri" panose="020F0502020204030204"/>
+              <a:ea typeface="+mn-ea"/>
+              <a:cs typeface="+mn-cs"/>
+            </a:endParaRPr>
           </a:p>
         </p:txBody>
       </p:sp>
       <p:cxnSp>
         <p:nvCxnSpPr>
-          <p:cNvPr id="19" name="Straight Arrow Connector 18">
-            <a:extLst>
-              <a:ext uri="{FF2B5EF4-FFF2-40B4-BE49-F238E27FC236}">
-                <a16:creationId xmlns:a16="http://schemas.microsoft.com/office/drawing/2014/main" id="{AE503C77-7FDA-F34B-A439-49258FF1DCBF}"/>
+          <p:cNvPr id="192" name="Straight Arrow Connector 191">
+            <a:extLst>
+              <a:ext uri="{FF2B5EF4-FFF2-40B4-BE49-F238E27FC236}">
+                <a16:creationId xmlns:a16="http://schemas.microsoft.com/office/drawing/2014/main" id="{4A9B3367-FDEB-4365-9627-6A8B180642E5}"/>
               </a:ext>
             </a:extLst>
           </p:cNvPr>
           <p:cNvCxnSpPr>
             <a:cxnSpLocks/>
-            <a:stCxn id="50" idx="6"/>
-            <a:endCxn id="6" idx="3"/>
+            <a:stCxn id="101" idx="2"/>
+            <a:endCxn id="13" idx="0"/>
           </p:cNvCxnSpPr>
           <p:nvPr/>
         </p:nvCxnSpPr>
         <p:spPr>
-          <a:xfrm flipV="1">
-            <a:off x="4060156" y="901092"/>
-            <a:ext cx="332263" cy="68488"/>
+          <a:xfrm>
+            <a:off x="7147126" y="2830803"/>
+            <a:ext cx="14528" cy="876041"/>
           </a:xfrm>
           <a:prstGeom prst="straightConnector1">
             <a:avLst/>
           </a:prstGeom>
-          <a:ln>
-            <a:tailEnd type="triangle"/>
+          <a:ln w="28575" cap="rnd">
+            <a:solidFill>
+              <a:schemeClr val="tx1"/>
+            </a:solidFill>
+            <a:round/>
+            <a:tailEnd type="triangle" w="lg" len="lg"/>
           </a:ln>
         </p:spPr>
         <p:style>
@@ -9263,30 +9509,160 @@
       </p:cxnSp>
       <p:cxnSp>
         <p:nvCxnSpPr>
-          <p:cNvPr id="22" name="Straight Arrow Connector 21">
-            <a:extLst>
-              <a:ext uri="{FF2B5EF4-FFF2-40B4-BE49-F238E27FC236}">
-                <a16:creationId xmlns:a16="http://schemas.microsoft.com/office/drawing/2014/main" id="{1BECA0FA-EAE7-CF42-8A17-579687C1541A}"/>
+          <p:cNvPr id="198" name="Straight Arrow Connector 197">
+            <a:extLst>
+              <a:ext uri="{FF2B5EF4-FFF2-40B4-BE49-F238E27FC236}">
+                <a16:creationId xmlns:a16="http://schemas.microsoft.com/office/drawing/2014/main" id="{102FE1DE-FB67-44A7-B458-35FBBC1C20BB}"/>
               </a:ext>
             </a:extLst>
           </p:cNvPr>
           <p:cNvCxnSpPr>
             <a:cxnSpLocks/>
-            <a:stCxn id="12" idx="2"/>
-            <a:endCxn id="7" idx="5"/>
           </p:cNvCxnSpPr>
           <p:nvPr/>
         </p:nvCxnSpPr>
         <p:spPr>
-          <a:xfrm flipH="1" flipV="1">
-            <a:off x="7546005" y="321174"/>
-            <a:ext cx="332386" cy="84874"/>
+          <a:xfrm>
+            <a:off x="7161654" y="1439474"/>
+            <a:ext cx="0" cy="829202"/>
           </a:xfrm>
           <a:prstGeom prst="straightConnector1">
             <a:avLst/>
           </a:prstGeom>
-          <a:ln>
-            <a:tailEnd type="triangle"/>
+          <a:ln w="28575" cap="rnd">
+            <a:solidFill>
+              <a:schemeClr val="tx1"/>
+            </a:solidFill>
+            <a:round/>
+            <a:tailEnd type="triangle" w="lg" len="lg"/>
+          </a:ln>
+        </p:spPr>
+        <p:style>
+          <a:lnRef idx="1">
+            <a:schemeClr val="accent1"/>
+          </a:lnRef>
+          <a:fillRef idx="0">
+            <a:schemeClr val="accent1"/>
+          </a:fillRef>
+          <a:effectRef idx="0">
+            <a:schemeClr val="accent1"/>
+          </a:effectRef>
+          <a:fontRef idx="minor">
+            <a:schemeClr val="tx1"/>
+          </a:fontRef>
+        </p:style>
+      </p:cxnSp>
+      <p:sp>
+        <p:nvSpPr>
+          <p:cNvPr id="40" name="Rectangle 39">
+            <a:extLst>
+              <a:ext uri="{FF2B5EF4-FFF2-40B4-BE49-F238E27FC236}">
+                <a16:creationId xmlns:a16="http://schemas.microsoft.com/office/drawing/2014/main" id="{3B4A81F2-D6C7-420B-A118-D5607555E394}"/>
+              </a:ext>
+            </a:extLst>
+          </p:cNvPr>
+          <p:cNvSpPr/>
+          <p:nvPr/>
+        </p:nvSpPr>
+        <p:spPr>
+          <a:xfrm>
+            <a:off x="4680121" y="3715622"/>
+            <a:ext cx="1274040" cy="409917"/>
+          </a:xfrm>
+          <a:prstGeom prst="rect">
+            <a:avLst/>
+          </a:prstGeom>
+          <a:solidFill>
+            <a:schemeClr val="bg1"/>
+          </a:solidFill>
+        </p:spPr>
+        <p:style>
+          <a:lnRef idx="2">
+            <a:schemeClr val="accent5">
+              <a:shade val="50000"/>
+            </a:schemeClr>
+          </a:lnRef>
+          <a:fillRef idx="1">
+            <a:schemeClr val="accent5"/>
+          </a:fillRef>
+          <a:effectRef idx="0">
+            <a:schemeClr val="accent5"/>
+          </a:effectRef>
+          <a:fontRef idx="minor">
+            <a:schemeClr val="lt1"/>
+          </a:fontRef>
+        </p:style>
+        <p:txBody>
+          <a:bodyPr rtlCol="0" anchor="ctr"/>
+          <a:lstStyle/>
+          <a:p>
+            <a:pPr marL="0" marR="0" lvl="0" indent="0" algn="ctr" defTabSz="457200" rtl="0" eaLnBrk="1" fontAlgn="auto" latinLnBrk="0" hangingPunct="1">
+              <a:lnSpc>
+                <a:spcPct val="100000"/>
+              </a:lnSpc>
+              <a:spcBef>
+                <a:spcPts val="0"/>
+              </a:spcBef>
+              <a:spcAft>
+                <a:spcPts val="0"/>
+              </a:spcAft>
+              <a:buClrTx/>
+              <a:buSzTx/>
+              <a:buFontTx/>
+              <a:buNone/>
+              <a:tabLst/>
+              <a:defRPr/>
+            </a:pPr>
+            <a:r>
+              <a:rPr kumimoji="0" lang="en-US" sz="1600" b="1" i="0" u="none" strike="noStrike" kern="1200" cap="none" spc="0" normalizeH="0" baseline="0" noProof="0" dirty="0">
+                <a:ln>
+                  <a:noFill/>
+                </a:ln>
+                <a:solidFill>
+                  <a:prstClr val="black"/>
+                </a:solidFill>
+                <a:effectLst/>
+                <a:uLnTx/>
+                <a:uFillTx/>
+                <a:latin typeface="Calibri" panose="020F0502020204030204"/>
+                <a:ea typeface="+mn-ea"/>
+                <a:cs typeface="+mn-cs"/>
+              </a:rPr>
+              <a:t>Logits over vocabulary</a:t>
+            </a:r>
+          </a:p>
+        </p:txBody>
+      </p:sp>
+      <p:cxnSp>
+        <p:nvCxnSpPr>
+          <p:cNvPr id="41" name="Straight Arrow Connector 40">
+            <a:extLst>
+              <a:ext uri="{FF2B5EF4-FFF2-40B4-BE49-F238E27FC236}">
+                <a16:creationId xmlns:a16="http://schemas.microsoft.com/office/drawing/2014/main" id="{DA603ADF-A827-4A7F-B2C2-AA459876244B}"/>
+              </a:ext>
+            </a:extLst>
+          </p:cNvPr>
+          <p:cNvCxnSpPr>
+            <a:cxnSpLocks/>
+            <a:stCxn id="98" idx="2"/>
+            <a:endCxn id="40" idx="0"/>
+          </p:cNvCxnSpPr>
+          <p:nvPr/>
+        </p:nvCxnSpPr>
+        <p:spPr>
+          <a:xfrm flipH="1">
+            <a:off x="5317141" y="2830803"/>
+            <a:ext cx="2668" cy="884819"/>
+          </a:xfrm>
+          <a:prstGeom prst="straightConnector1">
+            <a:avLst/>
+          </a:prstGeom>
+          <a:ln w="28575" cap="rnd">
+            <a:solidFill>
+              <a:schemeClr val="tx1"/>
+            </a:solidFill>
+            <a:round/>
+            <a:tailEnd type="triangle" w="lg" len="lg"/>
           </a:ln>
         </p:spPr>
         <p:style>
@@ -9306,30 +9682,32 @@
       </p:cxnSp>
       <p:cxnSp>
         <p:nvCxnSpPr>
-          <p:cNvPr id="23" name="Straight Arrow Connector 22">
-            <a:extLst>
-              <a:ext uri="{FF2B5EF4-FFF2-40B4-BE49-F238E27FC236}">
-                <a16:creationId xmlns:a16="http://schemas.microsoft.com/office/drawing/2014/main" id="{3DF8CF7D-D2C4-3D47-9955-3AF532FB2195}"/>
+          <p:cNvPr id="44" name="Straight Arrow Connector 43">
+            <a:extLst>
+              <a:ext uri="{FF2B5EF4-FFF2-40B4-BE49-F238E27FC236}">
+                <a16:creationId xmlns:a16="http://schemas.microsoft.com/office/drawing/2014/main" id="{07AD5FE5-2E97-4032-AE5D-C0157C881104}"/>
               </a:ext>
             </a:extLst>
           </p:cNvPr>
           <p:cNvCxnSpPr>
             <a:cxnSpLocks/>
-            <a:stCxn id="13" idx="1"/>
-            <a:endCxn id="7" idx="5"/>
           </p:cNvCxnSpPr>
           <p:nvPr/>
         </p:nvCxnSpPr>
         <p:spPr>
-          <a:xfrm flipH="1">
-            <a:off x="7546005" y="314945"/>
-            <a:ext cx="710571" cy="6229"/>
+          <a:xfrm>
+            <a:off x="5348100" y="1439474"/>
+            <a:ext cx="0" cy="829202"/>
           </a:xfrm>
           <a:prstGeom prst="straightConnector1">
             <a:avLst/>
           </a:prstGeom>
-          <a:ln>
-            <a:tailEnd type="triangle"/>
+          <a:ln w="28575" cap="rnd">
+            <a:solidFill>
+              <a:schemeClr val="tx1"/>
+            </a:solidFill>
+            <a:round/>
+            <a:tailEnd type="triangle" w="lg" len="lg"/>
           </a:ln>
         </p:spPr>
         <p:style>
@@ -9347,607 +9725,22 @@
           </a:fontRef>
         </p:style>
       </p:cxnSp>
-      <p:cxnSp>
-        <p:nvCxnSpPr>
-          <p:cNvPr id="24" name="Straight Arrow Connector 23">
-            <a:extLst>
-              <a:ext uri="{FF2B5EF4-FFF2-40B4-BE49-F238E27FC236}">
-                <a16:creationId xmlns:a16="http://schemas.microsoft.com/office/drawing/2014/main" id="{27448903-DF5D-6B46-9509-1BE75AC76DBA}"/>
-              </a:ext>
-            </a:extLst>
-          </p:cNvPr>
-          <p:cNvCxnSpPr>
-            <a:cxnSpLocks/>
-            <a:stCxn id="51" idx="7"/>
-            <a:endCxn id="6" idx="3"/>
-          </p:cNvCxnSpPr>
-          <p:nvPr/>
-        </p:nvCxnSpPr>
-        <p:spPr>
-          <a:xfrm flipV="1">
-            <a:off x="4022511" y="901092"/>
-            <a:ext cx="369908" cy="386819"/>
-          </a:xfrm>
-          <a:prstGeom prst="straightConnector1">
-            <a:avLst/>
-          </a:prstGeom>
-          <a:ln>
-            <a:tailEnd type="triangle"/>
-          </a:ln>
-        </p:spPr>
-        <p:style>
-          <a:lnRef idx="1">
-            <a:schemeClr val="accent1"/>
-          </a:lnRef>
-          <a:fillRef idx="0">
-            <a:schemeClr val="accent1"/>
-          </a:fillRef>
-          <a:effectRef idx="0">
-            <a:schemeClr val="accent1"/>
-          </a:effectRef>
-          <a:fontRef idx="minor">
-            <a:schemeClr val="tx1"/>
-          </a:fontRef>
-        </p:style>
-      </p:cxnSp>
-      <p:cxnSp>
-        <p:nvCxnSpPr>
-          <p:cNvPr id="25" name="Straight Arrow Connector 24">
-            <a:extLst>
-              <a:ext uri="{FF2B5EF4-FFF2-40B4-BE49-F238E27FC236}">
-                <a16:creationId xmlns:a16="http://schemas.microsoft.com/office/drawing/2014/main" id="{A08AFBF7-BC85-0442-838B-3B3D395684AE}"/>
-              </a:ext>
-            </a:extLst>
-          </p:cNvPr>
-          <p:cNvCxnSpPr>
-            <a:cxnSpLocks/>
-            <a:stCxn id="56" idx="7"/>
-            <a:endCxn id="6" idx="2"/>
-          </p:cNvCxnSpPr>
-          <p:nvPr/>
-        </p:nvCxnSpPr>
-        <p:spPr>
-          <a:xfrm flipV="1">
-            <a:off x="4323774" y="1203037"/>
-            <a:ext cx="219618" cy="301053"/>
-          </a:xfrm>
-          <a:prstGeom prst="straightConnector1">
-            <a:avLst/>
-          </a:prstGeom>
-          <a:ln>
-            <a:tailEnd type="triangle"/>
-          </a:ln>
-        </p:spPr>
-        <p:style>
-          <a:lnRef idx="1">
-            <a:schemeClr val="accent1"/>
-          </a:lnRef>
-          <a:fillRef idx="0">
-            <a:schemeClr val="accent1"/>
-          </a:fillRef>
-          <a:effectRef idx="0">
-            <a:schemeClr val="accent1"/>
-          </a:effectRef>
-          <a:fontRef idx="minor">
-            <a:schemeClr val="tx1"/>
-          </a:fontRef>
-        </p:style>
-      </p:cxnSp>
-      <p:cxnSp>
-        <p:nvCxnSpPr>
-          <p:cNvPr id="26" name="Straight Arrow Connector 25">
-            <a:extLst>
-              <a:ext uri="{FF2B5EF4-FFF2-40B4-BE49-F238E27FC236}">
-                <a16:creationId xmlns:a16="http://schemas.microsoft.com/office/drawing/2014/main" id="{1AA4A852-D5D9-484D-B139-879158F39CCD}"/>
-              </a:ext>
-            </a:extLst>
-          </p:cNvPr>
-          <p:cNvCxnSpPr>
-            <a:cxnSpLocks/>
-            <a:stCxn id="58" idx="0"/>
-          </p:cNvCxnSpPr>
-          <p:nvPr/>
-        </p:nvCxnSpPr>
-        <p:spPr>
-          <a:xfrm flipH="1" flipV="1">
-            <a:off x="4930240" y="1212113"/>
-            <a:ext cx="45554" cy="256397"/>
-          </a:xfrm>
-          <a:prstGeom prst="straightConnector1">
-            <a:avLst/>
-          </a:prstGeom>
-          <a:ln>
-            <a:tailEnd type="triangle"/>
-          </a:ln>
-        </p:spPr>
-        <p:style>
-          <a:lnRef idx="1">
-            <a:schemeClr val="accent1"/>
-          </a:lnRef>
-          <a:fillRef idx="0">
-            <a:schemeClr val="accent1"/>
-          </a:fillRef>
-          <a:effectRef idx="0">
-            <a:schemeClr val="accent1"/>
-          </a:effectRef>
-          <a:fontRef idx="minor">
-            <a:schemeClr val="tx1"/>
-          </a:fontRef>
-        </p:style>
-      </p:cxnSp>
-      <p:cxnSp>
-        <p:nvCxnSpPr>
-          <p:cNvPr id="27" name="Straight Arrow Connector 26">
-            <a:extLst>
-              <a:ext uri="{FF2B5EF4-FFF2-40B4-BE49-F238E27FC236}">
-                <a16:creationId xmlns:a16="http://schemas.microsoft.com/office/drawing/2014/main" id="{BA5CDD90-ED6D-8743-ABFB-8D39BECF391E}"/>
-              </a:ext>
-            </a:extLst>
-          </p:cNvPr>
-          <p:cNvCxnSpPr>
-            <a:cxnSpLocks/>
-            <a:stCxn id="17" idx="2"/>
-            <a:endCxn id="7" idx="0"/>
-          </p:cNvCxnSpPr>
-          <p:nvPr/>
-        </p:nvCxnSpPr>
-        <p:spPr>
-          <a:xfrm flipH="1" flipV="1">
-            <a:off x="7674937" y="579038"/>
-            <a:ext cx="174641" cy="255790"/>
-          </a:xfrm>
-          <a:prstGeom prst="straightConnector1">
-            <a:avLst/>
-          </a:prstGeom>
-          <a:ln>
-            <a:tailEnd type="triangle"/>
-          </a:ln>
-        </p:spPr>
-        <p:style>
-          <a:lnRef idx="1">
-            <a:schemeClr val="accent1"/>
-          </a:lnRef>
-          <a:fillRef idx="0">
-            <a:schemeClr val="accent1"/>
-          </a:fillRef>
-          <a:effectRef idx="0">
-            <a:schemeClr val="accent1"/>
-          </a:effectRef>
-          <a:fontRef idx="minor">
-            <a:schemeClr val="tx1"/>
-          </a:fontRef>
-        </p:style>
-      </p:cxnSp>
-      <p:cxnSp>
-        <p:nvCxnSpPr>
-          <p:cNvPr id="28" name="Straight Arrow Connector 27">
-            <a:extLst>
-              <a:ext uri="{FF2B5EF4-FFF2-40B4-BE49-F238E27FC236}">
-                <a16:creationId xmlns:a16="http://schemas.microsoft.com/office/drawing/2014/main" id="{12A020E5-726A-AD46-8DBB-5644F0512951}"/>
-              </a:ext>
-            </a:extLst>
-          </p:cNvPr>
-          <p:cNvCxnSpPr>
-            <a:cxnSpLocks/>
-            <a:stCxn id="18" idx="1"/>
-            <a:endCxn id="7" idx="0"/>
-          </p:cNvCxnSpPr>
-          <p:nvPr/>
-        </p:nvCxnSpPr>
-        <p:spPr>
-          <a:xfrm flipH="1" flipV="1">
-            <a:off x="7674937" y="579038"/>
-            <a:ext cx="581640" cy="158033"/>
-          </a:xfrm>
-          <a:prstGeom prst="straightConnector1">
-            <a:avLst/>
-          </a:prstGeom>
-          <a:ln>
-            <a:tailEnd type="triangle"/>
-          </a:ln>
-        </p:spPr>
-        <p:style>
-          <a:lnRef idx="1">
-            <a:schemeClr val="accent1"/>
-          </a:lnRef>
-          <a:fillRef idx="0">
-            <a:schemeClr val="accent1"/>
-          </a:fillRef>
-          <a:effectRef idx="0">
-            <a:schemeClr val="accent1"/>
-          </a:effectRef>
-          <a:fontRef idx="minor">
-            <a:schemeClr val="tx1"/>
-          </a:fontRef>
-        </p:style>
-      </p:cxnSp>
-      <p:sp>
-        <p:nvSpPr>
-          <p:cNvPr id="29" name="Rectangle 28">
-            <a:extLst>
-              <a:ext uri="{FF2B5EF4-FFF2-40B4-BE49-F238E27FC236}">
-                <a16:creationId xmlns:a16="http://schemas.microsoft.com/office/drawing/2014/main" id="{6B1128C9-D8E7-0F46-933C-426C2E29794A}"/>
-              </a:ext>
-            </a:extLst>
-          </p:cNvPr>
-          <p:cNvSpPr/>
-          <p:nvPr/>
-        </p:nvSpPr>
-        <p:spPr>
-          <a:xfrm>
-            <a:off x="5640895" y="698887"/>
-            <a:ext cx="780133" cy="531862"/>
-          </a:xfrm>
-          <a:prstGeom prst="rect">
-            <a:avLst/>
-          </a:prstGeom>
-        </p:spPr>
-        <p:style>
-          <a:lnRef idx="2">
-            <a:schemeClr val="accent4">
-              <a:shade val="50000"/>
-            </a:schemeClr>
-          </a:lnRef>
-          <a:fillRef idx="1">
-            <a:schemeClr val="accent4"/>
-          </a:fillRef>
-          <a:effectRef idx="0">
-            <a:schemeClr val="accent4"/>
-          </a:effectRef>
-          <a:fontRef idx="minor">
-            <a:schemeClr val="lt1"/>
-          </a:fontRef>
-        </p:style>
-        <p:txBody>
-          <a:bodyPr rtlCol="0" anchor="ctr"/>
-          <a:lstStyle/>
-          <a:p>
-            <a:pPr algn="ctr"/>
-            <a:r>
-              <a:rPr lang="en-US" sz="1600" b="1"/>
-              <a:t>move.</a:t>
-            </a:r>
-            <a:br>
-              <a:rPr lang="en-US" sz="1600" b="1"/>
-            </a:br>
-            <a:r>
-              <a:rPr lang="en-US" sz="1600" b="1"/>
-              <a:t>global</a:t>
-            </a:r>
-          </a:p>
-        </p:txBody>
-      </p:sp>
-      <p:cxnSp>
-        <p:nvCxnSpPr>
-          <p:cNvPr id="30" name="Straight Arrow Connector 29">
-            <a:extLst>
-              <a:ext uri="{FF2B5EF4-FFF2-40B4-BE49-F238E27FC236}">
-                <a16:creationId xmlns:a16="http://schemas.microsoft.com/office/drawing/2014/main" id="{A736506B-C893-FE40-89CB-D66739EAF473}"/>
-              </a:ext>
-            </a:extLst>
-          </p:cNvPr>
-          <p:cNvCxnSpPr>
-            <a:cxnSpLocks/>
-            <a:stCxn id="29" idx="1"/>
-            <a:endCxn id="6" idx="0"/>
-          </p:cNvCxnSpPr>
-          <p:nvPr/>
-        </p:nvCxnSpPr>
-        <p:spPr>
-          <a:xfrm flipH="1" flipV="1">
-            <a:off x="5297424" y="901092"/>
-            <a:ext cx="343471" cy="63726"/>
-          </a:xfrm>
-          <a:prstGeom prst="straightConnector1">
-            <a:avLst/>
-          </a:prstGeom>
-          <a:ln>
-            <a:tailEnd type="triangle"/>
-          </a:ln>
-        </p:spPr>
-        <p:style>
-          <a:lnRef idx="1">
-            <a:schemeClr val="accent1"/>
-          </a:lnRef>
-          <a:fillRef idx="0">
-            <a:schemeClr val="accent1"/>
-          </a:fillRef>
-          <a:effectRef idx="0">
-            <a:schemeClr val="accent1"/>
-          </a:effectRef>
-          <a:fontRef idx="minor">
-            <a:schemeClr val="tx1"/>
-          </a:fontRef>
-        </p:style>
-      </p:cxnSp>
-      <p:cxnSp>
-        <p:nvCxnSpPr>
-          <p:cNvPr id="31" name="Straight Arrow Connector 30">
-            <a:extLst>
-              <a:ext uri="{FF2B5EF4-FFF2-40B4-BE49-F238E27FC236}">
-                <a16:creationId xmlns:a16="http://schemas.microsoft.com/office/drawing/2014/main" id="{04B1E177-FA39-8841-8579-A92B86CA7B05}"/>
-              </a:ext>
-            </a:extLst>
-          </p:cNvPr>
-          <p:cNvCxnSpPr>
-            <a:cxnSpLocks/>
-            <a:stCxn id="29" idx="3"/>
-            <a:endCxn id="7" idx="3"/>
-          </p:cNvCxnSpPr>
-          <p:nvPr/>
-        </p:nvCxnSpPr>
-        <p:spPr>
-          <a:xfrm flipV="1">
-            <a:off x="6421028" y="579038"/>
-            <a:ext cx="343471" cy="385780"/>
-          </a:xfrm>
-          <a:prstGeom prst="straightConnector1">
-            <a:avLst/>
-          </a:prstGeom>
-          <a:ln>
-            <a:tailEnd type="triangle"/>
-          </a:ln>
-        </p:spPr>
-        <p:style>
-          <a:lnRef idx="1">
-            <a:schemeClr val="accent1"/>
-          </a:lnRef>
-          <a:fillRef idx="0">
-            <a:schemeClr val="accent1"/>
-          </a:fillRef>
-          <a:effectRef idx="0">
-            <a:schemeClr val="accent1"/>
-          </a:effectRef>
-          <a:fontRef idx="minor">
-            <a:schemeClr val="tx1"/>
-          </a:fontRef>
-        </p:style>
-      </p:cxnSp>
-      <p:cxnSp>
-        <p:nvCxnSpPr>
-          <p:cNvPr id="32" name="Straight Arrow Connector 31">
-            <a:extLst>
-              <a:ext uri="{FF2B5EF4-FFF2-40B4-BE49-F238E27FC236}">
-                <a16:creationId xmlns:a16="http://schemas.microsoft.com/office/drawing/2014/main" id="{974EBBFC-6471-8F4E-BDAC-C9ECC1B26619}"/>
-              </a:ext>
-            </a:extLst>
-          </p:cNvPr>
-          <p:cNvCxnSpPr>
-            <a:cxnSpLocks/>
-            <a:stCxn id="29" idx="3"/>
-            <a:endCxn id="8" idx="2"/>
-          </p:cNvCxnSpPr>
-          <p:nvPr/>
-        </p:nvCxnSpPr>
-        <p:spPr>
-          <a:xfrm>
-            <a:off x="6421028" y="964818"/>
-            <a:ext cx="472848" cy="795583"/>
-          </a:xfrm>
-          <a:prstGeom prst="straightConnector1">
-            <a:avLst/>
-          </a:prstGeom>
-          <a:ln>
-            <a:tailEnd type="triangle"/>
-          </a:ln>
-        </p:spPr>
-        <p:style>
-          <a:lnRef idx="1">
-            <a:schemeClr val="accent1"/>
-          </a:lnRef>
-          <a:fillRef idx="0">
-            <a:schemeClr val="accent1"/>
-          </a:fillRef>
-          <a:effectRef idx="0">
-            <a:schemeClr val="accent1"/>
-          </a:effectRef>
-          <a:fontRef idx="minor">
-            <a:schemeClr val="tx1"/>
-          </a:fontRef>
-        </p:style>
-      </p:cxnSp>
-      <p:sp>
-        <p:nvSpPr>
-          <p:cNvPr id="34" name="Left Bracket 33">
-            <a:extLst>
-              <a:ext uri="{FF2B5EF4-FFF2-40B4-BE49-F238E27FC236}">
-                <a16:creationId xmlns:a16="http://schemas.microsoft.com/office/drawing/2014/main" id="{058402C6-37B8-4549-AC4D-6678F36C7CAC}"/>
-              </a:ext>
-            </a:extLst>
-          </p:cNvPr>
-          <p:cNvSpPr/>
-          <p:nvPr/>
-        </p:nvSpPr>
-        <p:spPr>
-          <a:xfrm rot="-5400000">
-            <a:off x="5772014" y="-739707"/>
-            <a:ext cx="794092" cy="5165571"/>
-          </a:xfrm>
-          <a:prstGeom prst="leftBracket">
-            <a:avLst/>
-          </a:prstGeom>
-          <a:ln w="12700"/>
-        </p:spPr>
-        <p:style>
-          <a:lnRef idx="1">
-            <a:schemeClr val="accent1"/>
-          </a:lnRef>
-          <a:fillRef idx="0">
-            <a:schemeClr val="accent1"/>
-          </a:fillRef>
-          <a:effectRef idx="0">
-            <a:schemeClr val="accent1"/>
-          </a:effectRef>
-          <a:fontRef idx="minor">
-            <a:schemeClr val="tx1"/>
-          </a:fontRef>
-        </p:style>
-        <p:txBody>
-          <a:bodyPr rtlCol="0" anchor="ctr"/>
-          <a:lstStyle/>
-          <a:p>
-            <a:pPr algn="ctr"/>
-            <a:endParaRPr lang="en-US"/>
-          </a:p>
-        </p:txBody>
-      </p:sp>
-      <p:sp>
-        <p:nvSpPr>
-          <p:cNvPr id="35" name="Down Arrow 34">
-            <a:extLst>
-              <a:ext uri="{FF2B5EF4-FFF2-40B4-BE49-F238E27FC236}">
-                <a16:creationId xmlns:a16="http://schemas.microsoft.com/office/drawing/2014/main" id="{A44F7057-F457-9C41-BBC3-7C1C28952E6D}"/>
-              </a:ext>
-            </a:extLst>
-          </p:cNvPr>
-          <p:cNvSpPr/>
-          <p:nvPr/>
-        </p:nvSpPr>
-        <p:spPr>
-          <a:xfrm>
-            <a:off x="6759863" y="2242665"/>
-            <a:ext cx="277323" cy="655582"/>
-          </a:xfrm>
-          <a:prstGeom prst="downArrow">
-            <a:avLst/>
-          </a:prstGeom>
-          <a:solidFill>
-            <a:schemeClr val="bg1"/>
-          </a:solidFill>
-          <a:ln w="25400"/>
-        </p:spPr>
-        <p:style>
-          <a:lnRef idx="2">
-            <a:schemeClr val="accent1">
-              <a:shade val="50000"/>
-            </a:schemeClr>
-          </a:lnRef>
-          <a:fillRef idx="1">
-            <a:schemeClr val="accent1"/>
-          </a:fillRef>
-          <a:effectRef idx="0">
-            <a:schemeClr val="accent1"/>
-          </a:effectRef>
-          <a:fontRef idx="minor">
-            <a:schemeClr val="lt1"/>
-          </a:fontRef>
-        </p:style>
-        <p:txBody>
-          <a:bodyPr rtlCol="0" anchor="ctr"/>
-          <a:lstStyle/>
-          <a:p>
-            <a:pPr algn="ctr"/>
-            <a:endParaRPr lang="en-US"/>
-          </a:p>
-        </p:txBody>
-      </p:sp>
-      <p:sp>
-        <p:nvSpPr>
-          <p:cNvPr id="36" name="Diamond 35">
-            <a:extLst>
-              <a:ext uri="{FF2B5EF4-FFF2-40B4-BE49-F238E27FC236}">
-                <a16:creationId xmlns:a16="http://schemas.microsoft.com/office/drawing/2014/main" id="{55E24309-70B3-AC4C-82EC-23A84ED501B5}"/>
-              </a:ext>
-            </a:extLst>
-          </p:cNvPr>
-          <p:cNvSpPr/>
-          <p:nvPr/>
-        </p:nvSpPr>
-        <p:spPr>
-          <a:xfrm>
-            <a:off x="5688834" y="2892685"/>
-            <a:ext cx="2423155" cy="835996"/>
-          </a:xfrm>
-          <a:prstGeom prst="diamond">
-            <a:avLst/>
-          </a:prstGeom>
-        </p:spPr>
-        <p:style>
-          <a:lnRef idx="2">
-            <a:schemeClr val="accent1">
-              <a:shade val="50000"/>
-            </a:schemeClr>
-          </a:lnRef>
-          <a:fillRef idx="1">
-            <a:schemeClr val="accent1"/>
-          </a:fillRef>
-          <a:effectRef idx="0">
-            <a:schemeClr val="accent1"/>
-          </a:effectRef>
-          <a:fontRef idx="minor">
-            <a:schemeClr val="lt1"/>
-          </a:fontRef>
-        </p:style>
-        <p:txBody>
-          <a:bodyPr rtlCol="0" anchor="ctr"/>
-          <a:lstStyle/>
-          <a:p>
-            <a:pPr algn="ctr"/>
-            <a:r>
-              <a:rPr lang="en-US"/>
-              <a:t>Graph NN</a:t>
-            </a:r>
-            <a:br>
-              <a:rPr lang="en-US"/>
-            </a:br>
-            <a:r>
-              <a:rPr lang="en-US"/>
-              <a:t>(e.g. GAT)</a:t>
-            </a:r>
-          </a:p>
-        </p:txBody>
-      </p:sp>
-      <p:sp>
-        <p:nvSpPr>
-          <p:cNvPr id="37" name="TextBox 36">
-            <a:extLst>
-              <a:ext uri="{FF2B5EF4-FFF2-40B4-BE49-F238E27FC236}">
-                <a16:creationId xmlns:a16="http://schemas.microsoft.com/office/drawing/2014/main" id="{AAA389CF-74FD-3146-A0BE-C186A89EB181}"/>
-              </a:ext>
-            </a:extLst>
-          </p:cNvPr>
-          <p:cNvSpPr txBox="1"/>
-          <p:nvPr/>
-        </p:nvSpPr>
-        <p:spPr>
-          <a:xfrm>
-            <a:off x="4640937" y="1936650"/>
-            <a:ext cx="3460892" cy="338554"/>
-          </a:xfrm>
-          <a:prstGeom prst="rect">
-            <a:avLst/>
-          </a:prstGeom>
-          <a:noFill/>
-        </p:spPr>
-        <p:txBody>
-          <a:bodyPr wrap="square" rtlCol="0">
-            <a:spAutoFit/>
-          </a:bodyPr>
-          <a:lstStyle/>
-          <a:p>
-            <a:r>
-              <a:rPr lang="en-US" sz="1600"/>
-              <a:t>Graph area (i.e. ~ neighbourhood)</a:t>
-            </a:r>
-          </a:p>
-        </p:txBody>
-      </p:sp>
-      <p:sp>
-        <p:nvSpPr>
-          <p:cNvPr id="39" name="Rectangle 38">
-            <a:extLst>
-              <a:ext uri="{FF2B5EF4-FFF2-40B4-BE49-F238E27FC236}">
-                <a16:creationId xmlns:a16="http://schemas.microsoft.com/office/drawing/2014/main" id="{6AF0C0C8-AF3F-CF40-8510-9B719BE10B41}"/>
-              </a:ext>
-            </a:extLst>
-          </p:cNvPr>
-          <p:cNvSpPr/>
-          <p:nvPr/>
-        </p:nvSpPr>
-        <p:spPr>
-          <a:xfrm>
-            <a:off x="3884625" y="4411932"/>
-            <a:ext cx="1987475" cy="645277"/>
+      <p:sp>
+        <p:nvSpPr>
+          <p:cNvPr id="25" name="Rectangle 24">
+            <a:extLst>
+              <a:ext uri="{FF2B5EF4-FFF2-40B4-BE49-F238E27FC236}">
+                <a16:creationId xmlns:a16="http://schemas.microsoft.com/office/drawing/2014/main" id="{4ADDD182-7FB8-4D1C-BFFE-4C791E5A40D8}"/>
+              </a:ext>
+            </a:extLst>
+          </p:cNvPr>
+          <p:cNvSpPr/>
+          <p:nvPr/>
+        </p:nvSpPr>
+        <p:spPr>
+          <a:xfrm>
+            <a:off x="5341626" y="1421613"/>
+            <a:ext cx="1828308" cy="530651"/>
           </a:xfrm>
           <a:prstGeom prst="rect">
             <a:avLst/>
@@ -9981,134 +9774,343 @@
           <a:p>
             <a:pPr algn="ctr"/>
             <a:r>
-              <a:rPr lang="en-US" sz="1600"/>
-              <a:t>move</a:t>
-            </a:r>
-            <a:br>
-              <a:rPr lang="en-US" sz="1600" b="1"/>
-            </a:br>
-            <a:r>
-              <a:rPr lang="en-US" sz="1600" b="1">
+              <a:rPr lang="en-US" sz="1600" b="1" dirty="0" err="1">
                 <a:solidFill>
                   <a:schemeClr val="tx1"/>
                 </a:solidFill>
               </a:rPr>
-              <a:t>Word Embedding</a:t>
-            </a:r>
-          </a:p>
-        </p:txBody>
-      </p:sp>
-      <p:sp>
-        <p:nvSpPr>
-          <p:cNvPr id="40" name="Rectangle 39">
-            <a:extLst>
-              <a:ext uri="{FF2B5EF4-FFF2-40B4-BE49-F238E27FC236}">
-                <a16:creationId xmlns:a16="http://schemas.microsoft.com/office/drawing/2014/main" id="{E7485753-453C-B242-86E5-671A8BF00634}"/>
-              </a:ext>
-            </a:extLst>
-          </p:cNvPr>
-          <p:cNvSpPr/>
-          <p:nvPr/>
-        </p:nvSpPr>
-        <p:spPr>
-          <a:xfrm>
-            <a:off x="5872100" y="4411933"/>
-            <a:ext cx="1987475" cy="645277"/>
-          </a:xfrm>
-          <a:prstGeom prst="rect">
-            <a:avLst/>
-          </a:prstGeom>
-        </p:spPr>
-        <p:style>
-          <a:lnRef idx="2">
-            <a:schemeClr val="accent4">
-              <a:shade val="50000"/>
-            </a:schemeClr>
-          </a:lnRef>
-          <a:fillRef idx="1">
-            <a:schemeClr val="accent4"/>
-          </a:fillRef>
-          <a:effectRef idx="0">
-            <a:schemeClr val="accent4"/>
-          </a:effectRef>
-          <a:fontRef idx="minor">
-            <a:schemeClr val="lt1"/>
-          </a:fontRef>
-        </p:style>
-        <p:txBody>
-          <a:bodyPr rtlCol="0" anchor="ctr"/>
-          <a:lstStyle/>
-          <a:p>
-            <a:pPr algn="ctr"/>
-            <a:r>
-              <a:rPr lang="en-US" sz="1600"/>
-              <a:t>move.global</a:t>
-            </a:r>
-            <a:br>
-              <a:rPr lang="en-US" sz="1600" b="1"/>
-            </a:br>
-            <a:r>
-              <a:rPr lang="en-US" sz="1600" b="1">
+              <a:t>FastText</a:t>
+            </a:r>
+            <a:r>
+              <a:rPr lang="en-US" sz="1600" b="1" dirty="0">
                 <a:solidFill>
                   <a:schemeClr val="tx1"/>
                 </a:solidFill>
               </a:rPr>
-              <a:t>Word Node State</a:t>
-            </a:r>
-          </a:p>
-        </p:txBody>
-      </p:sp>
-      <p:sp>
-        <p:nvSpPr>
-          <p:cNvPr id="41" name="TextBox 40">
-            <a:extLst>
-              <a:ext uri="{FF2B5EF4-FFF2-40B4-BE49-F238E27FC236}">
-                <a16:creationId xmlns:a16="http://schemas.microsoft.com/office/drawing/2014/main" id="{AF811355-C686-8A4D-A212-C43515DC3854}"/>
-              </a:ext>
-            </a:extLst>
-          </p:cNvPr>
-          <p:cNvSpPr txBox="1"/>
-          <p:nvPr/>
-        </p:nvSpPr>
-        <p:spPr>
-          <a:xfrm>
-            <a:off x="2189907" y="4549904"/>
-            <a:ext cx="1602487" cy="369332"/>
+              <a:t> word embeddings</a:t>
+            </a:r>
+          </a:p>
+        </p:txBody>
+      </p:sp>
+      <p:sp>
+        <p:nvSpPr>
+          <p:cNvPr id="31" name="Rectangle 30">
+            <a:extLst>
+              <a:ext uri="{FF2B5EF4-FFF2-40B4-BE49-F238E27FC236}">
+                <a16:creationId xmlns:a16="http://schemas.microsoft.com/office/drawing/2014/main" id="{E2C130DE-495E-4A5D-9167-7B1C1B42EC56}"/>
+              </a:ext>
+            </a:extLst>
+          </p:cNvPr>
+          <p:cNvSpPr/>
+          <p:nvPr/>
+        </p:nvSpPr>
+        <p:spPr>
+          <a:xfrm>
+            <a:off x="4670598" y="4970518"/>
+            <a:ext cx="1274039" cy="581737"/>
           </a:xfrm>
           <a:prstGeom prst="rect">
             <a:avLst/>
           </a:prstGeom>
-          <a:noFill/>
-        </p:spPr>
-        <p:txBody>
-          <a:bodyPr wrap="square" rtlCol="0">
-            <a:spAutoFit/>
-          </a:bodyPr>
-          <a:lstStyle/>
-          <a:p>
-            <a:r>
-              <a:rPr lang="en-US"/>
-              <a:t>Concatenated:</a:t>
-            </a:r>
-          </a:p>
-        </p:txBody>
-      </p:sp>
-      <p:sp>
-        <p:nvSpPr>
-          <p:cNvPr id="50" name="Oval 49">
-            <a:extLst>
-              <a:ext uri="{FF2B5EF4-FFF2-40B4-BE49-F238E27FC236}">
-                <a16:creationId xmlns:a16="http://schemas.microsoft.com/office/drawing/2014/main" id="{4562F59A-112B-564A-8BD3-540A3E1811B2}"/>
-              </a:ext>
-            </a:extLst>
-          </p:cNvPr>
-          <p:cNvSpPr/>
-          <p:nvPr/>
-        </p:nvSpPr>
-        <p:spPr>
-          <a:xfrm>
-            <a:off x="3784678" y="828921"/>
-            <a:ext cx="275478" cy="281318"/>
+          <a:solidFill>
+            <a:schemeClr val="bg1"/>
+          </a:solidFill>
+          <a:ln w="12700"/>
+        </p:spPr>
+        <p:style>
+          <a:lnRef idx="2">
+            <a:schemeClr val="accent5">
+              <a:shade val="50000"/>
+            </a:schemeClr>
+          </a:lnRef>
+          <a:fillRef idx="1">
+            <a:schemeClr val="accent5"/>
+          </a:fillRef>
+          <a:effectRef idx="0">
+            <a:schemeClr val="accent5"/>
+          </a:effectRef>
+          <a:fontRef idx="minor">
+            <a:schemeClr val="lt1"/>
+          </a:fontRef>
+        </p:style>
+        <p:txBody>
+          <a:bodyPr rtlCol="0" anchor="ctr"/>
+          <a:lstStyle/>
+          <a:p>
+            <a:pPr marL="0" marR="0" lvl="0" indent="0" algn="ctr" defTabSz="457200" rtl="0" eaLnBrk="1" fontAlgn="auto" latinLnBrk="0" hangingPunct="1">
+              <a:lnSpc>
+                <a:spcPct val="100000"/>
+              </a:lnSpc>
+              <a:spcBef>
+                <a:spcPts val="0"/>
+              </a:spcBef>
+              <a:spcAft>
+                <a:spcPts val="0"/>
+              </a:spcAft>
+              <a:buClrTx/>
+              <a:buSzTx/>
+              <a:buFontTx/>
+              <a:buNone/>
+              <a:tabLst/>
+              <a:defRPr/>
+            </a:pPr>
+            <a:r>
+              <a:rPr lang="en-US" sz="1600" b="1" dirty="0">
+                <a:solidFill>
+                  <a:prstClr val="black"/>
+                </a:solidFill>
+                <a:latin typeface="Calibri" panose="020F0502020204030204"/>
+              </a:rPr>
+              <a:t>Most likely K words</a:t>
+            </a:r>
+            <a:endParaRPr kumimoji="0" lang="en-US" sz="1600" b="1" i="0" u="none" strike="noStrike" kern="1200" cap="none" spc="0" normalizeH="0" baseline="0" noProof="0" dirty="0">
+              <a:ln>
+                <a:noFill/>
+              </a:ln>
+              <a:solidFill>
+                <a:prstClr val="black"/>
+              </a:solidFill>
+              <a:effectLst/>
+              <a:uLnTx/>
+              <a:uFillTx/>
+              <a:latin typeface="Calibri" panose="020F0502020204030204"/>
+              <a:ea typeface="+mn-ea"/>
+              <a:cs typeface="+mn-cs"/>
+            </a:endParaRPr>
+          </a:p>
+        </p:txBody>
+      </p:sp>
+      <p:sp>
+        <p:nvSpPr>
+          <p:cNvPr id="38" name="Rectangle 37">
+            <a:extLst>
+              <a:ext uri="{FF2B5EF4-FFF2-40B4-BE49-F238E27FC236}">
+                <a16:creationId xmlns:a16="http://schemas.microsoft.com/office/drawing/2014/main" id="{46F23464-19BF-462B-9E74-37FBF85AD1C7}"/>
+              </a:ext>
+            </a:extLst>
+          </p:cNvPr>
+          <p:cNvSpPr/>
+          <p:nvPr/>
+        </p:nvSpPr>
+        <p:spPr>
+          <a:xfrm>
+            <a:off x="6524634" y="6174120"/>
+            <a:ext cx="1274040" cy="765579"/>
+          </a:xfrm>
+          <a:prstGeom prst="rect">
+            <a:avLst/>
+          </a:prstGeom>
+          <a:solidFill>
+            <a:schemeClr val="bg1"/>
+          </a:solidFill>
+        </p:spPr>
+        <p:style>
+          <a:lnRef idx="2">
+            <a:schemeClr val="accent5">
+              <a:shade val="50000"/>
+            </a:schemeClr>
+          </a:lnRef>
+          <a:fillRef idx="1">
+            <a:schemeClr val="accent5"/>
+          </a:fillRef>
+          <a:effectRef idx="0">
+            <a:schemeClr val="accent5"/>
+          </a:effectRef>
+          <a:fontRef idx="minor">
+            <a:schemeClr val="lt1"/>
+          </a:fontRef>
+        </p:style>
+        <p:txBody>
+          <a:bodyPr rtlCol="0" anchor="ctr"/>
+          <a:lstStyle/>
+          <a:p>
+            <a:pPr marL="0" marR="0" lvl="0" indent="0" algn="ctr" defTabSz="457200" rtl="0" eaLnBrk="1" fontAlgn="auto" latinLnBrk="0" hangingPunct="1">
+              <a:lnSpc>
+                <a:spcPct val="100000"/>
+              </a:lnSpc>
+              <a:spcBef>
+                <a:spcPts val="0"/>
+              </a:spcBef>
+              <a:spcAft>
+                <a:spcPts val="0"/>
+              </a:spcAft>
+              <a:buClrTx/>
+              <a:buSzTx/>
+              <a:buFontTx/>
+              <a:buNone/>
+              <a:tabLst/>
+              <a:defRPr/>
+            </a:pPr>
+            <a:r>
+              <a:rPr kumimoji="0" lang="en-US" sz="1600" b="1" i="0" u="none" strike="noStrike" kern="1200" cap="none" spc="0" normalizeH="0" baseline="0" noProof="0" dirty="0">
+                <a:ln>
+                  <a:noFill/>
+                </a:ln>
+                <a:solidFill>
+                  <a:prstClr val="black"/>
+                </a:solidFill>
+                <a:effectLst/>
+                <a:uLnTx/>
+                <a:uFillTx/>
+                <a:latin typeface="Calibri" panose="020F0502020204030204"/>
+                <a:ea typeface="+mn-ea"/>
+                <a:cs typeface="+mn-cs"/>
+              </a:rPr>
+              <a:t>Logits of the candidate senses</a:t>
+            </a:r>
+          </a:p>
+        </p:txBody>
+      </p:sp>
+      <p:sp>
+        <p:nvSpPr>
+          <p:cNvPr id="39" name="Rectangle 38">
+            <a:extLst>
+              <a:ext uri="{FF2B5EF4-FFF2-40B4-BE49-F238E27FC236}">
+                <a16:creationId xmlns:a16="http://schemas.microsoft.com/office/drawing/2014/main" id="{145D8E8F-875E-42E4-A054-2389F5038BE1}"/>
+              </a:ext>
+            </a:extLst>
+          </p:cNvPr>
+          <p:cNvSpPr/>
+          <p:nvPr/>
+        </p:nvSpPr>
+        <p:spPr>
+          <a:xfrm>
+            <a:off x="4670597" y="6673394"/>
+            <a:ext cx="1274039" cy="938145"/>
+          </a:xfrm>
+          <a:prstGeom prst="rect">
+            <a:avLst/>
+          </a:prstGeom>
+          <a:solidFill>
+            <a:schemeClr val="bg1"/>
+          </a:solidFill>
+          <a:ln w="12700"/>
+        </p:spPr>
+        <p:style>
+          <a:lnRef idx="2">
+            <a:schemeClr val="accent5">
+              <a:shade val="50000"/>
+            </a:schemeClr>
+          </a:lnRef>
+          <a:fillRef idx="1">
+            <a:schemeClr val="accent5"/>
+          </a:fillRef>
+          <a:effectRef idx="0">
+            <a:schemeClr val="accent5"/>
+          </a:effectRef>
+          <a:fontRef idx="minor">
+            <a:schemeClr val="lt1"/>
+          </a:fontRef>
+        </p:style>
+        <p:txBody>
+          <a:bodyPr rtlCol="0" anchor="ctr"/>
+          <a:lstStyle/>
+          <a:p>
+            <a:pPr marL="0" marR="0" lvl="0" indent="0" algn="ctr" defTabSz="457200" rtl="0" eaLnBrk="1" fontAlgn="auto" latinLnBrk="0" hangingPunct="1">
+              <a:lnSpc>
+                <a:spcPct val="100000"/>
+              </a:lnSpc>
+              <a:spcBef>
+                <a:spcPts val="0"/>
+              </a:spcBef>
+              <a:spcAft>
+                <a:spcPts val="0"/>
+              </a:spcAft>
+              <a:buClrTx/>
+              <a:buSzTx/>
+              <a:buFontTx/>
+              <a:buNone/>
+              <a:tabLst/>
+              <a:defRPr/>
+            </a:pPr>
+            <a:r>
+              <a:rPr lang="en-US" sz="1600" b="1" dirty="0">
+                <a:solidFill>
+                  <a:prstClr val="black"/>
+                </a:solidFill>
+                <a:latin typeface="Calibri" panose="020F0502020204030204"/>
+              </a:rPr>
+              <a:t>Senses of the most likely K words</a:t>
+            </a:r>
+          </a:p>
+        </p:txBody>
+      </p:sp>
+      <p:sp>
+        <p:nvSpPr>
+          <p:cNvPr id="21" name="Rectangle: Single Corner Rounded 20">
+            <a:extLst>
+              <a:ext uri="{FF2B5EF4-FFF2-40B4-BE49-F238E27FC236}">
+                <a16:creationId xmlns:a16="http://schemas.microsoft.com/office/drawing/2014/main" id="{13C0182A-075F-486A-80F6-0AAFF89497C5}"/>
+              </a:ext>
+            </a:extLst>
+          </p:cNvPr>
+          <p:cNvSpPr/>
+          <p:nvPr/>
+        </p:nvSpPr>
+        <p:spPr>
+          <a:xfrm>
+            <a:off x="4670597" y="5837175"/>
+            <a:ext cx="1274040" cy="558826"/>
+          </a:xfrm>
+          <a:prstGeom prst="round1Rect">
+            <a:avLst/>
+          </a:prstGeom>
+          <a:solidFill>
+            <a:schemeClr val="accent6"/>
+          </a:solidFill>
+          <a:ln>
+            <a:solidFill>
+              <a:schemeClr val="accent6">
+                <a:lumMod val="75000"/>
+              </a:schemeClr>
+            </a:solidFill>
+          </a:ln>
+        </p:spPr>
+        <p:style>
+          <a:lnRef idx="2">
+            <a:schemeClr val="accent1">
+              <a:shade val="50000"/>
+            </a:schemeClr>
+          </a:lnRef>
+          <a:fillRef idx="1">
+            <a:schemeClr val="accent1"/>
+          </a:fillRef>
+          <a:effectRef idx="0">
+            <a:schemeClr val="accent1"/>
+          </a:effectRef>
+          <a:fontRef idx="minor">
+            <a:schemeClr val="lt1"/>
+          </a:fontRef>
+        </p:style>
+        <p:txBody>
+          <a:bodyPr rtlCol="0" anchor="ctr"/>
+          <a:lstStyle/>
+          <a:p>
+            <a:pPr algn="ctr"/>
+            <a:r>
+              <a:rPr lang="en-US" dirty="0"/>
+              <a:t>Dictionary Graph</a:t>
+            </a:r>
+            <a:endParaRPr lang="en-DK" dirty="0"/>
+          </a:p>
+        </p:txBody>
+      </p:sp>
+      <p:sp>
+        <p:nvSpPr>
+          <p:cNvPr id="58" name="Oval 57">
+            <a:extLst>
+              <a:ext uri="{FF2B5EF4-FFF2-40B4-BE49-F238E27FC236}">
+                <a16:creationId xmlns:a16="http://schemas.microsoft.com/office/drawing/2014/main" id="{C93CC16F-0798-4DC8-A4C0-8A37B84A2C84}"/>
+              </a:ext>
+            </a:extLst>
+          </p:cNvPr>
+          <p:cNvSpPr/>
+          <p:nvPr/>
+        </p:nvSpPr>
+        <p:spPr>
+          <a:xfrm>
+            <a:off x="6784010" y="7214323"/>
+            <a:ext cx="752347" cy="345147"/>
           </a:xfrm>
           <a:prstGeom prst="ellipse">
             <a:avLst/>
@@ -10116,208 +10118,70 @@
         </p:spPr>
         <p:style>
           <a:lnRef idx="1">
-            <a:schemeClr val="accent5"/>
+            <a:schemeClr val="accent3"/>
           </a:lnRef>
           <a:fillRef idx="2">
-            <a:schemeClr val="accent5"/>
+            <a:schemeClr val="accent3"/>
           </a:fillRef>
           <a:effectRef idx="1">
-            <a:schemeClr val="accent5"/>
+            <a:schemeClr val="accent3"/>
           </a:effectRef>
           <a:fontRef idx="minor">
             <a:schemeClr val="dk1"/>
           </a:fontRef>
         </p:style>
         <p:txBody>
-          <a:bodyPr rtlCol="0" anchor="ctr"/>
-          <a:lstStyle/>
-          <a:p>
-            <a:pPr algn="ctr"/>
-            <a:r>
-              <a:rPr lang="en-US" sz="1600"/>
-              <a:t>d</a:t>
-            </a:r>
-            <a:endParaRPr lang="en-US" sz="1400"/>
-          </a:p>
-        </p:txBody>
-      </p:sp>
-      <p:sp>
-        <p:nvSpPr>
-          <p:cNvPr id="51" name="Oval 50">
-            <a:extLst>
-              <a:ext uri="{FF2B5EF4-FFF2-40B4-BE49-F238E27FC236}">
-                <a16:creationId xmlns:a16="http://schemas.microsoft.com/office/drawing/2014/main" id="{097CFB90-5417-F74F-B44E-B2DAD85F7567}"/>
-              </a:ext>
-            </a:extLst>
-          </p:cNvPr>
-          <p:cNvSpPr/>
-          <p:nvPr/>
-        </p:nvSpPr>
-        <p:spPr>
-          <a:xfrm>
-            <a:off x="3785323" y="1248147"/>
-            <a:ext cx="277883" cy="271526"/>
-          </a:xfrm>
-          <a:prstGeom prst="ellipse">
-            <a:avLst/>
-          </a:prstGeom>
-        </p:spPr>
-        <p:style>
-          <a:lnRef idx="1">
-            <a:schemeClr val="accent5"/>
-          </a:lnRef>
-          <a:fillRef idx="2">
-            <a:schemeClr val="accent5"/>
-          </a:fillRef>
-          <a:effectRef idx="1">
-            <a:schemeClr val="accent5"/>
-          </a:effectRef>
-          <a:fontRef idx="minor">
-            <a:schemeClr val="dk1"/>
-          </a:fontRef>
-        </p:style>
-        <p:txBody>
-          <a:bodyPr rtlCol="0" anchor="ctr"/>
-          <a:lstStyle/>
-          <a:p>
-            <a:pPr algn="ctr"/>
-            <a:endParaRPr lang="en-US"/>
-          </a:p>
-        </p:txBody>
-      </p:sp>
-      <p:sp>
-        <p:nvSpPr>
-          <p:cNvPr id="56" name="Oval 55">
-            <a:extLst>
-              <a:ext uri="{FF2B5EF4-FFF2-40B4-BE49-F238E27FC236}">
-                <a16:creationId xmlns:a16="http://schemas.microsoft.com/office/drawing/2014/main" id="{E86B9250-3420-614D-8DF0-49E89F160662}"/>
-              </a:ext>
-            </a:extLst>
-          </p:cNvPr>
-          <p:cNvSpPr/>
-          <p:nvPr/>
-        </p:nvSpPr>
-        <p:spPr>
-          <a:xfrm>
-            <a:off x="4088639" y="1463598"/>
-            <a:ext cx="275478" cy="276498"/>
-          </a:xfrm>
-          <a:prstGeom prst="ellipse">
-            <a:avLst/>
-          </a:prstGeom>
-        </p:spPr>
-        <p:style>
-          <a:lnRef idx="1">
-            <a:schemeClr val="accent5"/>
-          </a:lnRef>
-          <a:fillRef idx="3">
-            <a:schemeClr val="accent5"/>
-          </a:fillRef>
-          <a:effectRef idx="2">
-            <a:schemeClr val="accent5"/>
-          </a:effectRef>
-          <a:fontRef idx="minor">
-            <a:schemeClr val="lt1"/>
-          </a:fontRef>
-        </p:style>
-        <p:txBody>
-          <a:bodyPr rtlCol="0" anchor="ctr"/>
-          <a:lstStyle/>
-          <a:p>
-            <a:pPr algn="ctr"/>
-            <a:r>
-              <a:rPr lang="en-US" sz="1600"/>
-              <a:t>e</a:t>
-            </a:r>
-            <a:endParaRPr lang="en-US" sz="1400"/>
-          </a:p>
-        </p:txBody>
-      </p:sp>
-      <p:sp>
-        <p:nvSpPr>
-          <p:cNvPr id="57" name="Oval 56">
-            <a:extLst>
-              <a:ext uri="{FF2B5EF4-FFF2-40B4-BE49-F238E27FC236}">
-                <a16:creationId xmlns:a16="http://schemas.microsoft.com/office/drawing/2014/main" id="{DB3EBBC5-8D77-ED42-9F51-12EED5051F8E}"/>
-              </a:ext>
-            </a:extLst>
-          </p:cNvPr>
-          <p:cNvSpPr/>
-          <p:nvPr/>
-        </p:nvSpPr>
-        <p:spPr>
-          <a:xfrm>
-            <a:off x="4454943" y="1463598"/>
-            <a:ext cx="277884" cy="276498"/>
-          </a:xfrm>
-          <a:prstGeom prst="ellipse">
-            <a:avLst/>
-          </a:prstGeom>
-        </p:spPr>
-        <p:style>
-          <a:lnRef idx="1">
-            <a:schemeClr val="accent5"/>
-          </a:lnRef>
-          <a:fillRef idx="3">
-            <a:schemeClr val="accent5"/>
-          </a:fillRef>
-          <a:effectRef idx="2">
-            <a:schemeClr val="accent5"/>
-          </a:effectRef>
-          <a:fontRef idx="minor">
-            <a:schemeClr val="lt1"/>
-          </a:fontRef>
-        </p:style>
-        <p:txBody>
-          <a:bodyPr rtlCol="0" anchor="ctr"/>
-          <a:lstStyle/>
-          <a:p>
-            <a:pPr algn="ctr"/>
-            <a:endParaRPr lang="en-US"/>
-          </a:p>
-        </p:txBody>
-      </p:sp>
-      <p:sp>
-        <p:nvSpPr>
-          <p:cNvPr id="58" name="Oval 57">
-            <a:extLst>
-              <a:ext uri="{FF2B5EF4-FFF2-40B4-BE49-F238E27FC236}">
-                <a16:creationId xmlns:a16="http://schemas.microsoft.com/office/drawing/2014/main" id="{2FCB8F75-42AB-F84B-AD48-D8D639DF295A}"/>
-              </a:ext>
-            </a:extLst>
-          </p:cNvPr>
-          <p:cNvSpPr/>
-          <p:nvPr/>
-        </p:nvSpPr>
-        <p:spPr>
-          <a:xfrm>
-            <a:off x="4836852" y="1468510"/>
-            <a:ext cx="277884" cy="276498"/>
-          </a:xfrm>
-          <a:prstGeom prst="ellipse">
-            <a:avLst/>
-          </a:prstGeom>
-        </p:spPr>
-        <p:style>
-          <a:lnRef idx="1">
-            <a:schemeClr val="accent5"/>
-          </a:lnRef>
-          <a:fillRef idx="3">
-            <a:schemeClr val="accent5"/>
-          </a:fillRef>
-          <a:effectRef idx="2">
-            <a:schemeClr val="accent5"/>
-          </a:effectRef>
-          <a:fontRef idx="minor">
-            <a:schemeClr val="lt1"/>
-          </a:fontRef>
-        </p:style>
-        <p:txBody>
-          <a:bodyPr rtlCol="0" anchor="ctr"/>
-          <a:lstStyle/>
-          <a:p>
-            <a:pPr algn="ctr"/>
-            <a:endParaRPr lang="en-US"/>
+          <a:bodyPr wrap="none" rtlCol="0" anchor="ctr"/>
+          <a:lstStyle/>
+          <a:p>
+            <a:pPr marL="0" marR="0" lvl="0" indent="0" algn="ctr" defTabSz="457200" rtl="0" eaLnBrk="1" fontAlgn="auto" latinLnBrk="0" hangingPunct="1">
+              <a:lnSpc>
+                <a:spcPct val="100000"/>
+              </a:lnSpc>
+              <a:spcBef>
+                <a:spcPts val="0"/>
+              </a:spcBef>
+              <a:spcAft>
+                <a:spcPts val="0"/>
+              </a:spcAft>
+              <a:buClrTx/>
+              <a:buSzTx/>
+              <a:buFontTx/>
+              <a:buNone/>
+              <a:tabLst/>
+              <a:defRPr/>
+            </a:pPr>
+            <a:r>
+              <a:rPr kumimoji="0" lang="en-US" sz="1600" b="1" i="0" u="none" strike="noStrike" kern="1200" cap="none" spc="0" normalizeH="0" baseline="0" noProof="0" dirty="0" err="1">
+                <a:ln>
+                  <a:noFill/>
+                </a:ln>
+                <a:solidFill>
+                  <a:prstClr val="black"/>
+                </a:solidFill>
+                <a:effectLst/>
+                <a:uLnTx/>
+                <a:uFillTx/>
+                <a:latin typeface="Calibri" panose="020F0502020204030204"/>
+                <a:ea typeface="+mn-ea"/>
+                <a:cs typeface="+mn-cs"/>
+              </a:rPr>
+              <a:t>Softmax</a:t>
+            </a:r>
+            <a:endParaRPr kumimoji="0" lang="en-US" sz="1800" b="1" i="0" u="none" strike="noStrike" kern="1200" cap="none" spc="0" normalizeH="0" baseline="0" noProof="0" dirty="0">
+              <a:ln>
+                <a:noFill/>
+              </a:ln>
+              <a:solidFill>
+                <a:prstClr val="black"/>
+              </a:solidFill>
+              <a:effectLst/>
+              <a:uLnTx/>
+              <a:uFillTx/>
+              <a:latin typeface="Calibri" panose="020F0502020204030204"/>
+              <a:ea typeface="+mn-ea"/>
+              <a:cs typeface="+mn-cs"/>
+            </a:endParaRPr>
           </a:p>
         </p:txBody>
       </p:sp>
@@ -10326,27 +10190,156 @@
           <p:cNvPr id="61" name="Straight Arrow Connector 60">
             <a:extLst>
               <a:ext uri="{FF2B5EF4-FFF2-40B4-BE49-F238E27FC236}">
-                <a16:creationId xmlns:a16="http://schemas.microsoft.com/office/drawing/2014/main" id="{6A3A36AB-C992-6A4B-96F4-1C811A07B79D}"/>
+                <a16:creationId xmlns:a16="http://schemas.microsoft.com/office/drawing/2014/main" id="{0E4E5CF0-7329-42FC-A2ED-E1859700E40B}"/>
               </a:ext>
             </a:extLst>
           </p:cNvPr>
           <p:cNvCxnSpPr>
             <a:cxnSpLocks/>
-            <a:stCxn id="57" idx="0"/>
-            <a:endCxn id="6" idx="2"/>
           </p:cNvCxnSpPr>
           <p:nvPr/>
         </p:nvCxnSpPr>
         <p:spPr>
-          <a:xfrm flipH="1" flipV="1">
-            <a:off x="4543392" y="1203037"/>
-            <a:ext cx="50493" cy="260561"/>
+          <a:xfrm flipV="1">
+            <a:off x="6219036" y="5512409"/>
+            <a:ext cx="582140" cy="1190"/>
           </a:xfrm>
           <a:prstGeom prst="straightConnector1">
             <a:avLst/>
           </a:prstGeom>
-          <a:ln>
-            <a:tailEnd type="triangle"/>
+          <a:ln w="28575" cap="rnd">
+            <a:solidFill>
+              <a:schemeClr val="tx1"/>
+            </a:solidFill>
+            <a:round/>
+            <a:tailEnd type="triangle" w="lg" len="lg"/>
+          </a:ln>
+        </p:spPr>
+        <p:style>
+          <a:lnRef idx="1">
+            <a:schemeClr val="accent1"/>
+          </a:lnRef>
+          <a:fillRef idx="0">
+            <a:schemeClr val="accent1"/>
+          </a:fillRef>
+          <a:effectRef idx="0">
+            <a:schemeClr val="accent1"/>
+          </a:effectRef>
+          <a:fontRef idx="minor">
+            <a:schemeClr val="tx1"/>
+          </a:fontRef>
+        </p:style>
+      </p:cxnSp>
+      <p:sp>
+        <p:nvSpPr>
+          <p:cNvPr id="66" name="Oval 65">
+            <a:extLst>
+              <a:ext uri="{FF2B5EF4-FFF2-40B4-BE49-F238E27FC236}">
+                <a16:creationId xmlns:a16="http://schemas.microsoft.com/office/drawing/2014/main" id="{A2FF6D3C-6CF4-44F1-9D12-E0C724027D6E}"/>
+              </a:ext>
+            </a:extLst>
+          </p:cNvPr>
+          <p:cNvSpPr/>
+          <p:nvPr/>
+        </p:nvSpPr>
+        <p:spPr>
+          <a:xfrm>
+            <a:off x="6786318" y="5337329"/>
+            <a:ext cx="752347" cy="345147"/>
+          </a:xfrm>
+          <a:prstGeom prst="ellipse">
+            <a:avLst/>
+          </a:prstGeom>
+        </p:spPr>
+        <p:style>
+          <a:lnRef idx="1">
+            <a:schemeClr val="accent3"/>
+          </a:lnRef>
+          <a:fillRef idx="2">
+            <a:schemeClr val="accent3"/>
+          </a:fillRef>
+          <a:effectRef idx="1">
+            <a:schemeClr val="accent3"/>
+          </a:effectRef>
+          <a:fontRef idx="minor">
+            <a:schemeClr val="dk1"/>
+          </a:fontRef>
+        </p:style>
+        <p:txBody>
+          <a:bodyPr wrap="none" rtlCol="0" anchor="ctr"/>
+          <a:lstStyle/>
+          <a:p>
+            <a:pPr marL="0" marR="0" lvl="0" indent="0" algn="ctr" defTabSz="457200" rtl="0" eaLnBrk="1" fontAlgn="auto" latinLnBrk="0" hangingPunct="1">
+              <a:lnSpc>
+                <a:spcPct val="100000"/>
+              </a:lnSpc>
+              <a:spcBef>
+                <a:spcPts val="0"/>
+              </a:spcBef>
+              <a:spcAft>
+                <a:spcPts val="0"/>
+              </a:spcAft>
+              <a:buClrTx/>
+              <a:buSzTx/>
+              <a:buFontTx/>
+              <a:buNone/>
+              <a:tabLst/>
+              <a:defRPr/>
+            </a:pPr>
+            <a:r>
+              <a:rPr lang="en-US" sz="1600" b="1" dirty="0">
+                <a:solidFill>
+                  <a:prstClr val="black"/>
+                </a:solidFill>
+                <a:latin typeface="Calibri" panose="020F0502020204030204"/>
+              </a:rPr>
+              <a:t>Select</a:t>
+            </a:r>
+            <a:endParaRPr kumimoji="0" lang="en-US" sz="1800" b="1" i="0" u="none" strike="noStrike" kern="1200" cap="none" spc="0" normalizeH="0" baseline="0" noProof="0" dirty="0">
+              <a:ln>
+                <a:noFill/>
+              </a:ln>
+              <a:solidFill>
+                <a:prstClr val="black"/>
+              </a:solidFill>
+              <a:effectLst/>
+              <a:uLnTx/>
+              <a:uFillTx/>
+              <a:latin typeface="Calibri" panose="020F0502020204030204"/>
+              <a:ea typeface="+mn-ea"/>
+              <a:cs typeface="+mn-cs"/>
+            </a:endParaRPr>
+          </a:p>
+        </p:txBody>
+      </p:sp>
+      <p:cxnSp>
+        <p:nvCxnSpPr>
+          <p:cNvPr id="82" name="Straight Arrow Connector 81">
+            <a:extLst>
+              <a:ext uri="{FF2B5EF4-FFF2-40B4-BE49-F238E27FC236}">
+                <a16:creationId xmlns:a16="http://schemas.microsoft.com/office/drawing/2014/main" id="{B01D45BA-85F9-4112-BE71-A004448DE6B8}"/>
+              </a:ext>
+            </a:extLst>
+          </p:cNvPr>
+          <p:cNvCxnSpPr>
+            <a:cxnSpLocks/>
+          </p:cNvCxnSpPr>
+          <p:nvPr/>
+        </p:nvCxnSpPr>
+        <p:spPr>
+          <a:xfrm flipV="1">
+            <a:off x="5937016" y="7142467"/>
+            <a:ext cx="274399" cy="7621"/>
+          </a:xfrm>
+          <a:prstGeom prst="straightConnector1">
+            <a:avLst/>
+          </a:prstGeom>
+          <a:ln w="28575" cap="rnd">
+            <a:solidFill>
+              <a:schemeClr val="tx1"/>
+            </a:solidFill>
+            <a:round/>
+            <a:tailEnd type="none" w="lg" len="lg"/>
           </a:ln>
         </p:spPr>
         <p:style>
@@ -10366,10 +10359,10 @@
       </p:cxnSp>
       <p:cxnSp>
         <p:nvCxnSpPr>
-          <p:cNvPr id="105" name="Straight Arrow Connector 104">
-            <a:extLst>
-              <a:ext uri="{FF2B5EF4-FFF2-40B4-BE49-F238E27FC236}">
-                <a16:creationId xmlns:a16="http://schemas.microsoft.com/office/drawing/2014/main" id="{D3333E0A-4CAD-D544-84C9-BB40D0502734}"/>
+          <p:cNvPr id="86" name="Straight Arrow Connector 85">
+            <a:extLst>
+              <a:ext uri="{FF2B5EF4-FFF2-40B4-BE49-F238E27FC236}">
+                <a16:creationId xmlns:a16="http://schemas.microsoft.com/office/drawing/2014/main" id="{FB2144DF-9D85-4E55-85D5-77F7C4315179}"/>
               </a:ext>
             </a:extLst>
           </p:cNvPr>
@@ -10379,65 +10372,81 @@
           <p:nvPr/>
         </p:nvCxnSpPr>
         <p:spPr>
-          <a:xfrm flipH="1" flipV="1">
-            <a:off x="7669504" y="1508244"/>
-            <a:ext cx="581640" cy="158033"/>
+          <a:xfrm flipV="1">
+            <a:off x="6219035" y="5514478"/>
+            <a:ext cx="1" cy="1620000"/>
           </a:xfrm>
           <a:prstGeom prst="straightConnector1">
             <a:avLst/>
           </a:prstGeom>
+          <a:ln w="28575" cap="rnd">
+            <a:solidFill>
+              <a:schemeClr val="tx1"/>
+            </a:solidFill>
+            <a:round/>
+            <a:tailEnd type="none" w="lg" len="lg"/>
+          </a:ln>
+        </p:spPr>
+        <p:style>
+          <a:lnRef idx="1">
+            <a:schemeClr val="accent1"/>
+          </a:lnRef>
+          <a:fillRef idx="0">
+            <a:schemeClr val="accent1"/>
+          </a:fillRef>
+          <a:effectRef idx="0">
+            <a:schemeClr val="accent1"/>
+          </a:effectRef>
+          <a:fontRef idx="minor">
+            <a:schemeClr val="tx1"/>
+          </a:fontRef>
+        </p:style>
+      </p:cxnSp>
+      <p:sp>
+        <p:nvSpPr>
+          <p:cNvPr id="98" name="Rectangle: Single Corner Rounded 97">
+            <a:extLst>
+              <a:ext uri="{FF2B5EF4-FFF2-40B4-BE49-F238E27FC236}">
+                <a16:creationId xmlns:a16="http://schemas.microsoft.com/office/drawing/2014/main" id="{46140115-2CEB-458A-B68F-B89124CBFC3A}"/>
+              </a:ext>
+            </a:extLst>
+          </p:cNvPr>
+          <p:cNvSpPr/>
+          <p:nvPr/>
+        </p:nvSpPr>
+        <p:spPr>
+          <a:xfrm>
+            <a:off x="4682789" y="2271977"/>
+            <a:ext cx="1274040" cy="558826"/>
+          </a:xfrm>
+          <a:prstGeom prst="round1Rect">
+            <a:avLst/>
+          </a:prstGeom>
+          <a:solidFill>
+            <a:schemeClr val="accent1"/>
+          </a:solidFill>
           <a:ln>
-            <a:tailEnd type="triangle"/>
+            <a:solidFill>
+              <a:schemeClr val="accent1">
+                <a:lumMod val="75000"/>
+              </a:schemeClr>
+            </a:solidFill>
           </a:ln>
         </p:spPr>
         <p:style>
-          <a:lnRef idx="1">
-            <a:schemeClr val="accent1"/>
-          </a:lnRef>
-          <a:fillRef idx="0">
-            <a:schemeClr val="accent1"/>
-          </a:fillRef>
-          <a:effectRef idx="0">
-            <a:schemeClr val="accent1"/>
-          </a:effectRef>
-          <a:fontRef idx="minor">
-            <a:schemeClr val="tx1"/>
-          </a:fontRef>
-        </p:style>
-      </p:cxnSp>
-      <p:sp>
-        <p:nvSpPr>
-          <p:cNvPr id="106" name="Oval 105">
-            <a:extLst>
-              <a:ext uri="{FF2B5EF4-FFF2-40B4-BE49-F238E27FC236}">
-                <a16:creationId xmlns:a16="http://schemas.microsoft.com/office/drawing/2014/main" id="{0F5EA80F-821B-7A49-839A-F2C01C80C392}"/>
-              </a:ext>
-            </a:extLst>
-          </p:cNvPr>
-          <p:cNvSpPr/>
-          <p:nvPr/>
-        </p:nvSpPr>
-        <p:spPr>
-          <a:xfrm>
-            <a:off x="8232856" y="1572684"/>
-            <a:ext cx="275478" cy="281318"/>
-          </a:xfrm>
-          <a:prstGeom prst="ellipse">
-            <a:avLst/>
-          </a:prstGeom>
-        </p:spPr>
-        <p:style>
-          <a:lnRef idx="1">
-            <a:schemeClr val="accent5"/>
-          </a:lnRef>
-          <a:fillRef idx="2">
-            <a:schemeClr val="accent5"/>
-          </a:fillRef>
-          <a:effectRef idx="1">
-            <a:schemeClr val="accent5"/>
-          </a:effectRef>
-          <a:fontRef idx="minor">
-            <a:schemeClr val="dk1"/>
+          <a:lnRef idx="2">
+            <a:schemeClr val="accent1">
+              <a:shade val="50000"/>
+            </a:schemeClr>
+          </a:lnRef>
+          <a:fillRef idx="1">
+            <a:schemeClr val="accent1"/>
+          </a:fillRef>
+          <a:effectRef idx="0">
+            <a:schemeClr val="accent1"/>
+          </a:effectRef>
+          <a:fontRef idx="minor">
+            <a:schemeClr val="lt1"/>
           </a:fontRef>
         </p:style>
         <p:txBody>
@@ -10446,51 +10455,63 @@
           <a:p>
             <a:pPr algn="ctr"/>
             <a:r>
-              <a:rPr lang="en-US" sz="1600"/>
-              <a:t>d</a:t>
-            </a:r>
-            <a:endParaRPr lang="en-US" sz="1400"/>
-          </a:p>
-        </p:txBody>
-      </p:sp>
-      <p:sp>
-        <p:nvSpPr>
-          <p:cNvPr id="5" name="Rectangle 4">
-            <a:extLst>
-              <a:ext uri="{FF2B5EF4-FFF2-40B4-BE49-F238E27FC236}">
-                <a16:creationId xmlns:a16="http://schemas.microsoft.com/office/drawing/2014/main" id="{DCC2B1D0-F381-C14D-B327-CF627AE1DC2B}"/>
-              </a:ext>
-            </a:extLst>
-          </p:cNvPr>
-          <p:cNvSpPr/>
-          <p:nvPr/>
-        </p:nvSpPr>
-        <p:spPr>
-          <a:xfrm>
-            <a:off x="2035036" y="2611765"/>
-            <a:ext cx="1987475" cy="645277"/>
-          </a:xfrm>
-          <a:prstGeom prst="rect">
+              <a:rPr lang="en-US" sz="1700" b="1" dirty="0"/>
+              <a:t>3-layer</a:t>
+            </a:r>
+            <a:br>
+              <a:rPr lang="en-US" sz="1700" b="1" dirty="0"/>
+            </a:br>
+            <a:r>
+              <a:rPr lang="en-US" sz="1700" b="1" dirty="0"/>
+              <a:t>GRU</a:t>
+            </a:r>
+            <a:endParaRPr lang="en-DK" sz="1700" b="1" dirty="0"/>
+          </a:p>
+        </p:txBody>
+      </p:sp>
+      <p:sp>
+        <p:nvSpPr>
+          <p:cNvPr id="99" name="Rectangle: Single Corner Rounded 98">
+            <a:extLst>
+              <a:ext uri="{FF2B5EF4-FFF2-40B4-BE49-F238E27FC236}">
+                <a16:creationId xmlns:a16="http://schemas.microsoft.com/office/drawing/2014/main" id="{67CEC856-A275-4587-9364-C2E2D3CEC099}"/>
+              </a:ext>
+            </a:extLst>
+          </p:cNvPr>
+          <p:cNvSpPr/>
+          <p:nvPr/>
+        </p:nvSpPr>
+        <p:spPr>
+          <a:xfrm>
+            <a:off x="4675613" y="2954399"/>
+            <a:ext cx="1274040" cy="551205"/>
+          </a:xfrm>
+          <a:prstGeom prst="round1Rect">
             <a:avLst/>
           </a:prstGeom>
           <a:solidFill>
-            <a:schemeClr val="accent2">
+            <a:schemeClr val="accent5">
               <a:lumMod val="60000"/>
               <a:lumOff val="40000"/>
             </a:schemeClr>
           </a:solidFill>
+          <a:ln>
+            <a:solidFill>
+              <a:schemeClr val="accent5"/>
+            </a:solidFill>
+          </a:ln>
         </p:spPr>
         <p:style>
           <a:lnRef idx="2">
-            <a:schemeClr val="accent4">
+            <a:schemeClr val="accent1">
               <a:shade val="50000"/>
             </a:schemeClr>
           </a:lnRef>
           <a:fillRef idx="1">
-            <a:schemeClr val="accent4"/>
-          </a:fillRef>
-          <a:effectRef idx="0">
-            <a:schemeClr val="accent4"/>
+            <a:schemeClr val="accent1"/>
+          </a:fillRef>
+          <a:effectRef idx="0">
+            <a:schemeClr val="accent1"/>
           </a:effectRef>
           <a:fontRef idx="minor">
             <a:schemeClr val="lt1"/>
@@ -10502,21 +10523,159 @@
           <a:p>
             <a:pPr algn="ctr"/>
             <a:r>
-              <a:rPr lang="en-US" sz="1600" b="1"/>
-              <a:t>FastText vectors</a:t>
-            </a:r>
-            <a:endParaRPr lang="en-US" sz="1600" b="1">
-              <a:solidFill>
-                <a:schemeClr val="tx1"/>
-              </a:solidFill>
-            </a:endParaRPr>
+              <a:rPr lang="en-US" sz="1700" b="1" dirty="0"/>
+              <a:t>1-layer</a:t>
+            </a:r>
+            <a:br>
+              <a:rPr lang="en-US" sz="1700" b="1" dirty="0"/>
+            </a:br>
+            <a:r>
+              <a:rPr lang="en-US" sz="1700" b="1" dirty="0"/>
+              <a:t> FF-NN</a:t>
+            </a:r>
+            <a:endParaRPr lang="en-DK" sz="1700" b="1" dirty="0"/>
+          </a:p>
+        </p:txBody>
+      </p:sp>
+      <p:sp>
+        <p:nvSpPr>
+          <p:cNvPr id="101" name="Rectangle: Single Corner Rounded 100">
+            <a:extLst>
+              <a:ext uri="{FF2B5EF4-FFF2-40B4-BE49-F238E27FC236}">
+                <a16:creationId xmlns:a16="http://schemas.microsoft.com/office/drawing/2014/main" id="{F086D301-1BF5-4FF6-A24E-A448F2339F7A}"/>
+              </a:ext>
+            </a:extLst>
+          </p:cNvPr>
+          <p:cNvSpPr/>
+          <p:nvPr/>
+        </p:nvSpPr>
+        <p:spPr>
+          <a:xfrm>
+            <a:off x="6510106" y="2271977"/>
+            <a:ext cx="1274040" cy="558826"/>
+          </a:xfrm>
+          <a:prstGeom prst="round1Rect">
+            <a:avLst/>
+          </a:prstGeom>
+          <a:solidFill>
+            <a:schemeClr val="accent1"/>
+          </a:solidFill>
+          <a:ln>
+            <a:solidFill>
+              <a:schemeClr val="accent1">
+                <a:lumMod val="75000"/>
+              </a:schemeClr>
+            </a:solidFill>
+          </a:ln>
+        </p:spPr>
+        <p:style>
+          <a:lnRef idx="2">
+            <a:schemeClr val="accent1">
+              <a:shade val="50000"/>
+            </a:schemeClr>
+          </a:lnRef>
+          <a:fillRef idx="1">
+            <a:schemeClr val="accent1"/>
+          </a:fillRef>
+          <a:effectRef idx="0">
+            <a:schemeClr val="accent1"/>
+          </a:effectRef>
+          <a:fontRef idx="minor">
+            <a:schemeClr val="lt1"/>
+          </a:fontRef>
+        </p:style>
+        <p:txBody>
+          <a:bodyPr rtlCol="0" anchor="ctr"/>
+          <a:lstStyle/>
+          <a:p>
+            <a:pPr algn="ctr"/>
+            <a:r>
+              <a:rPr lang="en-US" sz="1700" b="1" dirty="0"/>
+              <a:t>3-layer</a:t>
+            </a:r>
+            <a:br>
+              <a:rPr lang="en-US" sz="1700" b="1" dirty="0"/>
+            </a:br>
+            <a:r>
+              <a:rPr lang="en-US" sz="1700" b="1" dirty="0"/>
+              <a:t>GRU</a:t>
+            </a:r>
+            <a:endParaRPr lang="en-DK" sz="1700" b="1" dirty="0"/>
+          </a:p>
+        </p:txBody>
+      </p:sp>
+      <p:sp>
+        <p:nvSpPr>
+          <p:cNvPr id="102" name="Rectangle: Single Corner Rounded 101">
+            <a:extLst>
+              <a:ext uri="{FF2B5EF4-FFF2-40B4-BE49-F238E27FC236}">
+                <a16:creationId xmlns:a16="http://schemas.microsoft.com/office/drawing/2014/main" id="{ACA0BC7D-7A2D-4621-859E-CDB1DC5735D7}"/>
+              </a:ext>
+            </a:extLst>
+          </p:cNvPr>
+          <p:cNvSpPr/>
+          <p:nvPr/>
+        </p:nvSpPr>
+        <p:spPr>
+          <a:xfrm>
+            <a:off x="6524634" y="2954399"/>
+            <a:ext cx="1274040" cy="551205"/>
+          </a:xfrm>
+          <a:prstGeom prst="round1Rect">
+            <a:avLst/>
+          </a:prstGeom>
+          <a:solidFill>
+            <a:schemeClr val="accent5">
+              <a:lumMod val="60000"/>
+              <a:lumOff val="40000"/>
+            </a:schemeClr>
+          </a:solidFill>
+          <a:ln>
+            <a:solidFill>
+              <a:schemeClr val="accent5"/>
+            </a:solidFill>
+          </a:ln>
+        </p:spPr>
+        <p:style>
+          <a:lnRef idx="2">
+            <a:schemeClr val="accent1">
+              <a:shade val="50000"/>
+            </a:schemeClr>
+          </a:lnRef>
+          <a:fillRef idx="1">
+            <a:schemeClr val="accent1"/>
+          </a:fillRef>
+          <a:effectRef idx="0">
+            <a:schemeClr val="accent1"/>
+          </a:effectRef>
+          <a:fontRef idx="minor">
+            <a:schemeClr val="lt1"/>
+          </a:fontRef>
+        </p:style>
+        <p:txBody>
+          <a:bodyPr rtlCol="0" anchor="ctr"/>
+          <a:lstStyle/>
+          <a:p>
+            <a:pPr algn="ctr"/>
+            <a:r>
+              <a:rPr lang="en-US" sz="1700" b="1" dirty="0"/>
+              <a:t>1-layer</a:t>
+            </a:r>
+            <a:br>
+              <a:rPr lang="en-US" sz="1700" b="1" dirty="0"/>
+            </a:br>
+            <a:r>
+              <a:rPr lang="en-US" sz="1700" b="1" dirty="0"/>
+              <a:t> FF-NN</a:t>
+            </a:r>
+            <a:endParaRPr lang="en-DK" sz="1700" b="1" dirty="0"/>
           </a:p>
         </p:txBody>
       </p:sp>
     </p:spTree>
     <p:extLst>
       <p:ext uri="{BB962C8B-B14F-4D97-AF65-F5344CB8AC3E}">
-        <p14:creationId xmlns:p14="http://schemas.microsoft.com/office/powerpoint/2010/main" val="3732675719"/>
+        <p14:creationId xmlns:p14="http://schemas.microsoft.com/office/powerpoint/2010/main" val="3210426200"/>
       </p:ext>
     </p:extLst>
   </p:cSld>
@@ -10545,19 +10704,1157 @@
       </p:grpSpPr>
       <p:sp>
         <p:nvSpPr>
-          <p:cNvPr id="246" name="Rectangle 245">
-            <a:extLst>
-              <a:ext uri="{FF2B5EF4-FFF2-40B4-BE49-F238E27FC236}">
-                <a16:creationId xmlns:a16="http://schemas.microsoft.com/office/drawing/2014/main" id="{21EBD558-2A2F-AE47-AA00-988700403061}"/>
-              </a:ext>
-            </a:extLst>
-          </p:cNvPr>
-          <p:cNvSpPr/>
-          <p:nvPr/>
-        </p:nvSpPr>
-        <p:spPr>
-          <a:xfrm>
-            <a:off x="2636928" y="3680413"/>
+          <p:cNvPr id="42" name="Down Arrow 41">
+            <a:extLst>
+              <a:ext uri="{FF2B5EF4-FFF2-40B4-BE49-F238E27FC236}">
+                <a16:creationId xmlns:a16="http://schemas.microsoft.com/office/drawing/2014/main" id="{BAAA1F9F-2859-0C46-BA4D-E8A13AC51CA0}"/>
+              </a:ext>
+            </a:extLst>
+          </p:cNvPr>
+          <p:cNvSpPr/>
+          <p:nvPr/>
+        </p:nvSpPr>
+        <p:spPr>
+          <a:xfrm rot="20028264">
+            <a:off x="3899185" y="3133669"/>
+            <a:ext cx="277323" cy="1327083"/>
+          </a:xfrm>
+          <a:prstGeom prst="downArrow">
+            <a:avLst/>
+          </a:prstGeom>
+          <a:solidFill>
+            <a:schemeClr val="bg1"/>
+          </a:solidFill>
+          <a:ln w="25400"/>
+        </p:spPr>
+        <p:style>
+          <a:lnRef idx="2">
+            <a:schemeClr val="accent1">
+              <a:shade val="50000"/>
+            </a:schemeClr>
+          </a:lnRef>
+          <a:fillRef idx="1">
+            <a:schemeClr val="accent1"/>
+          </a:fillRef>
+          <a:effectRef idx="0">
+            <a:schemeClr val="accent1"/>
+          </a:effectRef>
+          <a:fontRef idx="minor">
+            <a:schemeClr val="lt1"/>
+          </a:fontRef>
+        </p:style>
+        <p:txBody>
+          <a:bodyPr rtlCol="0" anchor="ctr"/>
+          <a:lstStyle/>
+          <a:p>
+            <a:pPr algn="ctr"/>
+            <a:endParaRPr lang="en-US"/>
+          </a:p>
+        </p:txBody>
+      </p:sp>
+      <p:sp>
+        <p:nvSpPr>
+          <p:cNvPr id="109" name="Down Arrow 108">
+            <a:extLst>
+              <a:ext uri="{FF2B5EF4-FFF2-40B4-BE49-F238E27FC236}">
+                <a16:creationId xmlns:a16="http://schemas.microsoft.com/office/drawing/2014/main" id="{D1C86BE8-AB9F-3041-B936-F28916657186}"/>
+              </a:ext>
+            </a:extLst>
+          </p:cNvPr>
+          <p:cNvSpPr/>
+          <p:nvPr/>
+        </p:nvSpPr>
+        <p:spPr>
+          <a:xfrm>
+            <a:off x="6759863" y="3718335"/>
+            <a:ext cx="277323" cy="693159"/>
+          </a:xfrm>
+          <a:prstGeom prst="downArrow">
+            <a:avLst/>
+          </a:prstGeom>
+          <a:solidFill>
+            <a:schemeClr val="bg1"/>
+          </a:solidFill>
+          <a:ln w="25400"/>
+        </p:spPr>
+        <p:style>
+          <a:lnRef idx="2">
+            <a:schemeClr val="accent1">
+              <a:shade val="50000"/>
+            </a:schemeClr>
+          </a:lnRef>
+          <a:fillRef idx="1">
+            <a:schemeClr val="accent1"/>
+          </a:fillRef>
+          <a:effectRef idx="0">
+            <a:schemeClr val="accent1"/>
+          </a:effectRef>
+          <a:fontRef idx="minor">
+            <a:schemeClr val="lt1"/>
+          </a:fontRef>
+        </p:style>
+        <p:txBody>
+          <a:bodyPr rtlCol="0" anchor="ctr"/>
+          <a:lstStyle/>
+          <a:p>
+            <a:pPr algn="ctr"/>
+            <a:endParaRPr lang="en-US"/>
+          </a:p>
+        </p:txBody>
+      </p:sp>
+      <p:sp>
+        <p:nvSpPr>
+          <p:cNvPr id="6" name="Hexagon 5">
+            <a:extLst>
+              <a:ext uri="{FF2B5EF4-FFF2-40B4-BE49-F238E27FC236}">
+                <a16:creationId xmlns:a16="http://schemas.microsoft.com/office/drawing/2014/main" id="{B9F5FB16-C08F-3246-A19F-5249A511A94E}"/>
+              </a:ext>
+            </a:extLst>
+          </p:cNvPr>
+          <p:cNvSpPr/>
+          <p:nvPr/>
+        </p:nvSpPr>
+        <p:spPr>
+          <a:xfrm>
+            <a:off x="4392419" y="599147"/>
+            <a:ext cx="905005" cy="603890"/>
+          </a:xfrm>
+          <a:prstGeom prst="hexagon">
+            <a:avLst/>
+          </a:prstGeom>
+        </p:spPr>
+        <p:style>
+          <a:lnRef idx="1">
+            <a:schemeClr val="accent6"/>
+          </a:lnRef>
+          <a:fillRef idx="2">
+            <a:schemeClr val="accent6"/>
+          </a:fillRef>
+          <a:effectRef idx="1">
+            <a:schemeClr val="accent6"/>
+          </a:effectRef>
+          <a:fontRef idx="minor">
+            <a:schemeClr val="dk1"/>
+          </a:fontRef>
+        </p:style>
+        <p:txBody>
+          <a:bodyPr rtlCol="0" anchor="ctr"/>
+          <a:lstStyle/>
+          <a:p>
+            <a:pPr algn="ctr"/>
+            <a:r>
+              <a:rPr lang="en-US" sz="1600"/>
+              <a:t>move.n.1</a:t>
+            </a:r>
+          </a:p>
+        </p:txBody>
+      </p:sp>
+      <p:sp>
+        <p:nvSpPr>
+          <p:cNvPr id="7" name="Hexagon 6">
+            <a:extLst>
+              <a:ext uri="{FF2B5EF4-FFF2-40B4-BE49-F238E27FC236}">
+                <a16:creationId xmlns:a16="http://schemas.microsoft.com/office/drawing/2014/main" id="{B1C06240-AEB9-4947-925A-8920BEA1706B}"/>
+              </a:ext>
+            </a:extLst>
+          </p:cNvPr>
+          <p:cNvSpPr/>
+          <p:nvPr/>
+        </p:nvSpPr>
+        <p:spPr>
+          <a:xfrm>
+            <a:off x="6764499" y="321174"/>
+            <a:ext cx="910438" cy="515727"/>
+          </a:xfrm>
+          <a:prstGeom prst="hexagon">
+            <a:avLst/>
+          </a:prstGeom>
+        </p:spPr>
+        <p:style>
+          <a:lnRef idx="1">
+            <a:schemeClr val="accent6"/>
+          </a:lnRef>
+          <a:fillRef idx="2">
+            <a:schemeClr val="accent6"/>
+          </a:fillRef>
+          <a:effectRef idx="1">
+            <a:schemeClr val="accent6"/>
+          </a:effectRef>
+          <a:fontRef idx="minor">
+            <a:schemeClr val="dk1"/>
+          </a:fontRef>
+        </p:style>
+        <p:txBody>
+          <a:bodyPr rtlCol="0" anchor="ctr"/>
+          <a:lstStyle/>
+          <a:p>
+            <a:pPr algn="ctr"/>
+            <a:r>
+              <a:rPr lang="en-US" sz="1600"/>
+              <a:t>Move.v.2</a:t>
+            </a:r>
+          </a:p>
+        </p:txBody>
+      </p:sp>
+      <p:sp>
+        <p:nvSpPr>
+          <p:cNvPr id="8" name="Hexagon 7">
+            <a:extLst>
+              <a:ext uri="{FF2B5EF4-FFF2-40B4-BE49-F238E27FC236}">
+                <a16:creationId xmlns:a16="http://schemas.microsoft.com/office/drawing/2014/main" id="{B61C1C5B-0BD1-964A-A000-19B3966DF23A}"/>
+              </a:ext>
+            </a:extLst>
+          </p:cNvPr>
+          <p:cNvSpPr/>
+          <p:nvPr/>
+        </p:nvSpPr>
+        <p:spPr>
+          <a:xfrm>
+            <a:off x="6764499" y="1242892"/>
+            <a:ext cx="905005" cy="517509"/>
+          </a:xfrm>
+          <a:prstGeom prst="hexagon">
+            <a:avLst/>
+          </a:prstGeom>
+        </p:spPr>
+        <p:style>
+          <a:lnRef idx="1">
+            <a:schemeClr val="accent6"/>
+          </a:lnRef>
+          <a:fillRef idx="2">
+            <a:schemeClr val="accent6"/>
+          </a:fillRef>
+          <a:effectRef idx="1">
+            <a:schemeClr val="accent6"/>
+          </a:effectRef>
+          <a:fontRef idx="minor">
+            <a:schemeClr val="dk1"/>
+          </a:fontRef>
+        </p:style>
+        <p:txBody>
+          <a:bodyPr rtlCol="0" anchor="ctr"/>
+          <a:lstStyle/>
+          <a:p>
+            <a:pPr algn="ctr"/>
+            <a:r>
+              <a:rPr lang="en-US" sz="1600"/>
+              <a:t>Move.v.5</a:t>
+            </a:r>
+          </a:p>
+        </p:txBody>
+      </p:sp>
+      <p:sp>
+        <p:nvSpPr>
+          <p:cNvPr id="12" name="Oval 11">
+            <a:extLst>
+              <a:ext uri="{FF2B5EF4-FFF2-40B4-BE49-F238E27FC236}">
+                <a16:creationId xmlns:a16="http://schemas.microsoft.com/office/drawing/2014/main" id="{94D6F858-6725-B745-B91B-B683CD959924}"/>
+              </a:ext>
+            </a:extLst>
+          </p:cNvPr>
+          <p:cNvSpPr/>
+          <p:nvPr/>
+        </p:nvSpPr>
+        <p:spPr>
+          <a:xfrm>
+            <a:off x="7878391" y="265389"/>
+            <a:ext cx="275478" cy="281318"/>
+          </a:xfrm>
+          <a:prstGeom prst="ellipse">
+            <a:avLst/>
+          </a:prstGeom>
+        </p:spPr>
+        <p:style>
+          <a:lnRef idx="1">
+            <a:schemeClr val="accent5"/>
+          </a:lnRef>
+          <a:fillRef idx="2">
+            <a:schemeClr val="accent5"/>
+          </a:fillRef>
+          <a:effectRef idx="1">
+            <a:schemeClr val="accent5"/>
+          </a:effectRef>
+          <a:fontRef idx="minor">
+            <a:schemeClr val="dk1"/>
+          </a:fontRef>
+        </p:style>
+        <p:txBody>
+          <a:bodyPr rtlCol="0" anchor="ctr"/>
+          <a:lstStyle/>
+          <a:p>
+            <a:pPr algn="ctr"/>
+            <a:r>
+              <a:rPr lang="en-US" sz="1600"/>
+              <a:t>d</a:t>
+            </a:r>
+            <a:endParaRPr lang="en-US" sz="1400"/>
+          </a:p>
+        </p:txBody>
+      </p:sp>
+      <p:sp>
+        <p:nvSpPr>
+          <p:cNvPr id="13" name="Oval 12">
+            <a:extLst>
+              <a:ext uri="{FF2B5EF4-FFF2-40B4-BE49-F238E27FC236}">
+                <a16:creationId xmlns:a16="http://schemas.microsoft.com/office/drawing/2014/main" id="{F30636A2-A46C-FB44-8080-905EE3177FDA}"/>
+              </a:ext>
+            </a:extLst>
+          </p:cNvPr>
+          <p:cNvSpPr/>
+          <p:nvPr/>
+        </p:nvSpPr>
+        <p:spPr>
+          <a:xfrm>
+            <a:off x="8215881" y="275181"/>
+            <a:ext cx="277883" cy="271526"/>
+          </a:xfrm>
+          <a:prstGeom prst="ellipse">
+            <a:avLst/>
+          </a:prstGeom>
+        </p:spPr>
+        <p:style>
+          <a:lnRef idx="1">
+            <a:schemeClr val="accent5"/>
+          </a:lnRef>
+          <a:fillRef idx="2">
+            <a:schemeClr val="accent5"/>
+          </a:fillRef>
+          <a:effectRef idx="1">
+            <a:schemeClr val="accent5"/>
+          </a:effectRef>
+          <a:fontRef idx="minor">
+            <a:schemeClr val="dk1"/>
+          </a:fontRef>
+        </p:style>
+        <p:txBody>
+          <a:bodyPr rtlCol="0" anchor="ctr"/>
+          <a:lstStyle/>
+          <a:p>
+            <a:pPr algn="ctr"/>
+            <a:endParaRPr lang="en-US"/>
+          </a:p>
+        </p:txBody>
+      </p:sp>
+      <p:sp>
+        <p:nvSpPr>
+          <p:cNvPr id="17" name="Oval 16">
+            <a:extLst>
+              <a:ext uri="{FF2B5EF4-FFF2-40B4-BE49-F238E27FC236}">
+                <a16:creationId xmlns:a16="http://schemas.microsoft.com/office/drawing/2014/main" id="{C84F0CB5-C438-064D-A3E4-B7046DBAD7C8}"/>
+              </a:ext>
+            </a:extLst>
+          </p:cNvPr>
+          <p:cNvSpPr/>
+          <p:nvPr/>
+        </p:nvSpPr>
+        <p:spPr>
+          <a:xfrm>
+            <a:off x="7849578" y="696579"/>
+            <a:ext cx="275478" cy="276498"/>
+          </a:xfrm>
+          <a:prstGeom prst="ellipse">
+            <a:avLst/>
+          </a:prstGeom>
+        </p:spPr>
+        <p:style>
+          <a:lnRef idx="1">
+            <a:schemeClr val="accent5"/>
+          </a:lnRef>
+          <a:fillRef idx="3">
+            <a:schemeClr val="accent5"/>
+          </a:fillRef>
+          <a:effectRef idx="2">
+            <a:schemeClr val="accent5"/>
+          </a:effectRef>
+          <a:fontRef idx="minor">
+            <a:schemeClr val="lt1"/>
+          </a:fontRef>
+        </p:style>
+        <p:txBody>
+          <a:bodyPr rtlCol="0" anchor="ctr"/>
+          <a:lstStyle/>
+          <a:p>
+            <a:pPr algn="ctr"/>
+            <a:r>
+              <a:rPr lang="en-US" sz="1600"/>
+              <a:t>e</a:t>
+            </a:r>
+          </a:p>
+        </p:txBody>
+      </p:sp>
+      <p:sp>
+        <p:nvSpPr>
+          <p:cNvPr id="18" name="Oval 17">
+            <a:extLst>
+              <a:ext uri="{FF2B5EF4-FFF2-40B4-BE49-F238E27FC236}">
+                <a16:creationId xmlns:a16="http://schemas.microsoft.com/office/drawing/2014/main" id="{5439994B-AF66-AA41-959E-7550A2E95109}"/>
+              </a:ext>
+            </a:extLst>
+          </p:cNvPr>
+          <p:cNvSpPr/>
+          <p:nvPr/>
+        </p:nvSpPr>
+        <p:spPr>
+          <a:xfrm>
+            <a:off x="8215882" y="696579"/>
+            <a:ext cx="277884" cy="276498"/>
+          </a:xfrm>
+          <a:prstGeom prst="ellipse">
+            <a:avLst/>
+          </a:prstGeom>
+        </p:spPr>
+        <p:style>
+          <a:lnRef idx="1">
+            <a:schemeClr val="accent5"/>
+          </a:lnRef>
+          <a:fillRef idx="3">
+            <a:schemeClr val="accent5"/>
+          </a:fillRef>
+          <a:effectRef idx="2">
+            <a:schemeClr val="accent5"/>
+          </a:effectRef>
+          <a:fontRef idx="minor">
+            <a:schemeClr val="lt1"/>
+          </a:fontRef>
+        </p:style>
+        <p:txBody>
+          <a:bodyPr rtlCol="0" anchor="ctr"/>
+          <a:lstStyle/>
+          <a:p>
+            <a:pPr algn="ctr"/>
+            <a:endParaRPr lang="en-US"/>
+          </a:p>
+        </p:txBody>
+      </p:sp>
+      <p:cxnSp>
+        <p:nvCxnSpPr>
+          <p:cNvPr id="19" name="Straight Arrow Connector 18">
+            <a:extLst>
+              <a:ext uri="{FF2B5EF4-FFF2-40B4-BE49-F238E27FC236}">
+                <a16:creationId xmlns:a16="http://schemas.microsoft.com/office/drawing/2014/main" id="{AE503C77-7FDA-F34B-A439-49258FF1DCBF}"/>
+              </a:ext>
+            </a:extLst>
+          </p:cNvPr>
+          <p:cNvCxnSpPr>
+            <a:cxnSpLocks/>
+            <a:stCxn id="50" idx="6"/>
+            <a:endCxn id="6" idx="3"/>
+          </p:cNvCxnSpPr>
+          <p:nvPr/>
+        </p:nvCxnSpPr>
+        <p:spPr>
+          <a:xfrm flipV="1">
+            <a:off x="4060156" y="901092"/>
+            <a:ext cx="332263" cy="68488"/>
+          </a:xfrm>
+          <a:prstGeom prst="straightConnector1">
+            <a:avLst/>
+          </a:prstGeom>
+          <a:ln>
+            <a:tailEnd type="triangle"/>
+          </a:ln>
+        </p:spPr>
+        <p:style>
+          <a:lnRef idx="1">
+            <a:schemeClr val="accent1"/>
+          </a:lnRef>
+          <a:fillRef idx="0">
+            <a:schemeClr val="accent1"/>
+          </a:fillRef>
+          <a:effectRef idx="0">
+            <a:schemeClr val="accent1"/>
+          </a:effectRef>
+          <a:fontRef idx="minor">
+            <a:schemeClr val="tx1"/>
+          </a:fontRef>
+        </p:style>
+      </p:cxnSp>
+      <p:cxnSp>
+        <p:nvCxnSpPr>
+          <p:cNvPr id="22" name="Straight Arrow Connector 21">
+            <a:extLst>
+              <a:ext uri="{FF2B5EF4-FFF2-40B4-BE49-F238E27FC236}">
+                <a16:creationId xmlns:a16="http://schemas.microsoft.com/office/drawing/2014/main" id="{1BECA0FA-EAE7-CF42-8A17-579687C1541A}"/>
+              </a:ext>
+            </a:extLst>
+          </p:cNvPr>
+          <p:cNvCxnSpPr>
+            <a:cxnSpLocks/>
+            <a:stCxn id="12" idx="2"/>
+            <a:endCxn id="7" idx="5"/>
+          </p:cNvCxnSpPr>
+          <p:nvPr/>
+        </p:nvCxnSpPr>
+        <p:spPr>
+          <a:xfrm flipH="1" flipV="1">
+            <a:off x="7546005" y="321174"/>
+            <a:ext cx="332386" cy="84874"/>
+          </a:xfrm>
+          <a:prstGeom prst="straightConnector1">
+            <a:avLst/>
+          </a:prstGeom>
+          <a:ln>
+            <a:tailEnd type="triangle"/>
+          </a:ln>
+        </p:spPr>
+        <p:style>
+          <a:lnRef idx="1">
+            <a:schemeClr val="accent1"/>
+          </a:lnRef>
+          <a:fillRef idx="0">
+            <a:schemeClr val="accent1"/>
+          </a:fillRef>
+          <a:effectRef idx="0">
+            <a:schemeClr val="accent1"/>
+          </a:effectRef>
+          <a:fontRef idx="minor">
+            <a:schemeClr val="tx1"/>
+          </a:fontRef>
+        </p:style>
+      </p:cxnSp>
+      <p:cxnSp>
+        <p:nvCxnSpPr>
+          <p:cNvPr id="23" name="Straight Arrow Connector 22">
+            <a:extLst>
+              <a:ext uri="{FF2B5EF4-FFF2-40B4-BE49-F238E27FC236}">
+                <a16:creationId xmlns:a16="http://schemas.microsoft.com/office/drawing/2014/main" id="{3DF8CF7D-D2C4-3D47-9955-3AF532FB2195}"/>
+              </a:ext>
+            </a:extLst>
+          </p:cNvPr>
+          <p:cNvCxnSpPr>
+            <a:cxnSpLocks/>
+            <a:stCxn id="13" idx="1"/>
+            <a:endCxn id="7" idx="5"/>
+          </p:cNvCxnSpPr>
+          <p:nvPr/>
+        </p:nvCxnSpPr>
+        <p:spPr>
+          <a:xfrm flipH="1">
+            <a:off x="7546005" y="314945"/>
+            <a:ext cx="710571" cy="6229"/>
+          </a:xfrm>
+          <a:prstGeom prst="straightConnector1">
+            <a:avLst/>
+          </a:prstGeom>
+          <a:ln>
+            <a:tailEnd type="triangle"/>
+          </a:ln>
+        </p:spPr>
+        <p:style>
+          <a:lnRef idx="1">
+            <a:schemeClr val="accent1"/>
+          </a:lnRef>
+          <a:fillRef idx="0">
+            <a:schemeClr val="accent1"/>
+          </a:fillRef>
+          <a:effectRef idx="0">
+            <a:schemeClr val="accent1"/>
+          </a:effectRef>
+          <a:fontRef idx="minor">
+            <a:schemeClr val="tx1"/>
+          </a:fontRef>
+        </p:style>
+      </p:cxnSp>
+      <p:cxnSp>
+        <p:nvCxnSpPr>
+          <p:cNvPr id="24" name="Straight Arrow Connector 23">
+            <a:extLst>
+              <a:ext uri="{FF2B5EF4-FFF2-40B4-BE49-F238E27FC236}">
+                <a16:creationId xmlns:a16="http://schemas.microsoft.com/office/drawing/2014/main" id="{27448903-DF5D-6B46-9509-1BE75AC76DBA}"/>
+              </a:ext>
+            </a:extLst>
+          </p:cNvPr>
+          <p:cNvCxnSpPr>
+            <a:cxnSpLocks/>
+            <a:stCxn id="51" idx="7"/>
+            <a:endCxn id="6" idx="3"/>
+          </p:cNvCxnSpPr>
+          <p:nvPr/>
+        </p:nvCxnSpPr>
+        <p:spPr>
+          <a:xfrm flipV="1">
+            <a:off x="4022511" y="901092"/>
+            <a:ext cx="369908" cy="386819"/>
+          </a:xfrm>
+          <a:prstGeom prst="straightConnector1">
+            <a:avLst/>
+          </a:prstGeom>
+          <a:ln>
+            <a:tailEnd type="triangle"/>
+          </a:ln>
+        </p:spPr>
+        <p:style>
+          <a:lnRef idx="1">
+            <a:schemeClr val="accent1"/>
+          </a:lnRef>
+          <a:fillRef idx="0">
+            <a:schemeClr val="accent1"/>
+          </a:fillRef>
+          <a:effectRef idx="0">
+            <a:schemeClr val="accent1"/>
+          </a:effectRef>
+          <a:fontRef idx="minor">
+            <a:schemeClr val="tx1"/>
+          </a:fontRef>
+        </p:style>
+      </p:cxnSp>
+      <p:cxnSp>
+        <p:nvCxnSpPr>
+          <p:cNvPr id="25" name="Straight Arrow Connector 24">
+            <a:extLst>
+              <a:ext uri="{FF2B5EF4-FFF2-40B4-BE49-F238E27FC236}">
+                <a16:creationId xmlns:a16="http://schemas.microsoft.com/office/drawing/2014/main" id="{A08AFBF7-BC85-0442-838B-3B3D395684AE}"/>
+              </a:ext>
+            </a:extLst>
+          </p:cNvPr>
+          <p:cNvCxnSpPr>
+            <a:cxnSpLocks/>
+            <a:stCxn id="56" idx="7"/>
+            <a:endCxn id="6" idx="2"/>
+          </p:cNvCxnSpPr>
+          <p:nvPr/>
+        </p:nvCxnSpPr>
+        <p:spPr>
+          <a:xfrm flipV="1">
+            <a:off x="4323774" y="1203037"/>
+            <a:ext cx="219618" cy="301053"/>
+          </a:xfrm>
+          <a:prstGeom prst="straightConnector1">
+            <a:avLst/>
+          </a:prstGeom>
+          <a:ln>
+            <a:tailEnd type="triangle"/>
+          </a:ln>
+        </p:spPr>
+        <p:style>
+          <a:lnRef idx="1">
+            <a:schemeClr val="accent1"/>
+          </a:lnRef>
+          <a:fillRef idx="0">
+            <a:schemeClr val="accent1"/>
+          </a:fillRef>
+          <a:effectRef idx="0">
+            <a:schemeClr val="accent1"/>
+          </a:effectRef>
+          <a:fontRef idx="minor">
+            <a:schemeClr val="tx1"/>
+          </a:fontRef>
+        </p:style>
+      </p:cxnSp>
+      <p:cxnSp>
+        <p:nvCxnSpPr>
+          <p:cNvPr id="26" name="Straight Arrow Connector 25">
+            <a:extLst>
+              <a:ext uri="{FF2B5EF4-FFF2-40B4-BE49-F238E27FC236}">
+                <a16:creationId xmlns:a16="http://schemas.microsoft.com/office/drawing/2014/main" id="{1AA4A852-D5D9-484D-B139-879158F39CCD}"/>
+              </a:ext>
+            </a:extLst>
+          </p:cNvPr>
+          <p:cNvCxnSpPr>
+            <a:cxnSpLocks/>
+            <a:stCxn id="58" idx="0"/>
+          </p:cNvCxnSpPr>
+          <p:nvPr/>
+        </p:nvCxnSpPr>
+        <p:spPr>
+          <a:xfrm flipH="1" flipV="1">
+            <a:off x="4930240" y="1212113"/>
+            <a:ext cx="45554" cy="256397"/>
+          </a:xfrm>
+          <a:prstGeom prst="straightConnector1">
+            <a:avLst/>
+          </a:prstGeom>
+          <a:ln>
+            <a:tailEnd type="triangle"/>
+          </a:ln>
+        </p:spPr>
+        <p:style>
+          <a:lnRef idx="1">
+            <a:schemeClr val="accent1"/>
+          </a:lnRef>
+          <a:fillRef idx="0">
+            <a:schemeClr val="accent1"/>
+          </a:fillRef>
+          <a:effectRef idx="0">
+            <a:schemeClr val="accent1"/>
+          </a:effectRef>
+          <a:fontRef idx="minor">
+            <a:schemeClr val="tx1"/>
+          </a:fontRef>
+        </p:style>
+      </p:cxnSp>
+      <p:cxnSp>
+        <p:nvCxnSpPr>
+          <p:cNvPr id="27" name="Straight Arrow Connector 26">
+            <a:extLst>
+              <a:ext uri="{FF2B5EF4-FFF2-40B4-BE49-F238E27FC236}">
+                <a16:creationId xmlns:a16="http://schemas.microsoft.com/office/drawing/2014/main" id="{BA5CDD90-ED6D-8743-ABFB-8D39BECF391E}"/>
+              </a:ext>
+            </a:extLst>
+          </p:cNvPr>
+          <p:cNvCxnSpPr>
+            <a:cxnSpLocks/>
+            <a:stCxn id="17" idx="2"/>
+            <a:endCxn id="7" idx="0"/>
+          </p:cNvCxnSpPr>
+          <p:nvPr/>
+        </p:nvCxnSpPr>
+        <p:spPr>
+          <a:xfrm flipH="1" flipV="1">
+            <a:off x="7674937" y="579038"/>
+            <a:ext cx="174641" cy="255790"/>
+          </a:xfrm>
+          <a:prstGeom prst="straightConnector1">
+            <a:avLst/>
+          </a:prstGeom>
+          <a:ln>
+            <a:tailEnd type="triangle"/>
+          </a:ln>
+        </p:spPr>
+        <p:style>
+          <a:lnRef idx="1">
+            <a:schemeClr val="accent1"/>
+          </a:lnRef>
+          <a:fillRef idx="0">
+            <a:schemeClr val="accent1"/>
+          </a:fillRef>
+          <a:effectRef idx="0">
+            <a:schemeClr val="accent1"/>
+          </a:effectRef>
+          <a:fontRef idx="minor">
+            <a:schemeClr val="tx1"/>
+          </a:fontRef>
+        </p:style>
+      </p:cxnSp>
+      <p:cxnSp>
+        <p:nvCxnSpPr>
+          <p:cNvPr id="28" name="Straight Arrow Connector 27">
+            <a:extLst>
+              <a:ext uri="{FF2B5EF4-FFF2-40B4-BE49-F238E27FC236}">
+                <a16:creationId xmlns:a16="http://schemas.microsoft.com/office/drawing/2014/main" id="{12A020E5-726A-AD46-8DBB-5644F0512951}"/>
+              </a:ext>
+            </a:extLst>
+          </p:cNvPr>
+          <p:cNvCxnSpPr>
+            <a:cxnSpLocks/>
+            <a:stCxn id="18" idx="1"/>
+            <a:endCxn id="7" idx="0"/>
+          </p:cNvCxnSpPr>
+          <p:nvPr/>
+        </p:nvCxnSpPr>
+        <p:spPr>
+          <a:xfrm flipH="1" flipV="1">
+            <a:off x="7674937" y="579038"/>
+            <a:ext cx="581640" cy="158033"/>
+          </a:xfrm>
+          <a:prstGeom prst="straightConnector1">
+            <a:avLst/>
+          </a:prstGeom>
+          <a:ln>
+            <a:tailEnd type="triangle"/>
+          </a:ln>
+        </p:spPr>
+        <p:style>
+          <a:lnRef idx="1">
+            <a:schemeClr val="accent1"/>
+          </a:lnRef>
+          <a:fillRef idx="0">
+            <a:schemeClr val="accent1"/>
+          </a:fillRef>
+          <a:effectRef idx="0">
+            <a:schemeClr val="accent1"/>
+          </a:effectRef>
+          <a:fontRef idx="minor">
+            <a:schemeClr val="tx1"/>
+          </a:fontRef>
+        </p:style>
+      </p:cxnSp>
+      <p:sp>
+        <p:nvSpPr>
+          <p:cNvPr id="29" name="Rectangle 28">
+            <a:extLst>
+              <a:ext uri="{FF2B5EF4-FFF2-40B4-BE49-F238E27FC236}">
+                <a16:creationId xmlns:a16="http://schemas.microsoft.com/office/drawing/2014/main" id="{6B1128C9-D8E7-0F46-933C-426C2E29794A}"/>
+              </a:ext>
+            </a:extLst>
+          </p:cNvPr>
+          <p:cNvSpPr/>
+          <p:nvPr/>
+        </p:nvSpPr>
+        <p:spPr>
+          <a:xfrm>
+            <a:off x="5640895" y="698887"/>
+            <a:ext cx="780133" cy="531862"/>
+          </a:xfrm>
+          <a:prstGeom prst="rect">
+            <a:avLst/>
+          </a:prstGeom>
+        </p:spPr>
+        <p:style>
+          <a:lnRef idx="2">
+            <a:schemeClr val="accent4">
+              <a:shade val="50000"/>
+            </a:schemeClr>
+          </a:lnRef>
+          <a:fillRef idx="1">
+            <a:schemeClr val="accent4"/>
+          </a:fillRef>
+          <a:effectRef idx="0">
+            <a:schemeClr val="accent4"/>
+          </a:effectRef>
+          <a:fontRef idx="minor">
+            <a:schemeClr val="lt1"/>
+          </a:fontRef>
+        </p:style>
+        <p:txBody>
+          <a:bodyPr rtlCol="0" anchor="ctr"/>
+          <a:lstStyle/>
+          <a:p>
+            <a:pPr algn="ctr"/>
+            <a:r>
+              <a:rPr lang="en-US" sz="1600" b="1"/>
+              <a:t>move.</a:t>
+            </a:r>
+            <a:br>
+              <a:rPr lang="en-US" sz="1600" b="1"/>
+            </a:br>
+            <a:r>
+              <a:rPr lang="en-US" sz="1600" b="1"/>
+              <a:t>global</a:t>
+            </a:r>
+          </a:p>
+        </p:txBody>
+      </p:sp>
+      <p:cxnSp>
+        <p:nvCxnSpPr>
+          <p:cNvPr id="30" name="Straight Arrow Connector 29">
+            <a:extLst>
+              <a:ext uri="{FF2B5EF4-FFF2-40B4-BE49-F238E27FC236}">
+                <a16:creationId xmlns:a16="http://schemas.microsoft.com/office/drawing/2014/main" id="{A736506B-C893-FE40-89CB-D66739EAF473}"/>
+              </a:ext>
+            </a:extLst>
+          </p:cNvPr>
+          <p:cNvCxnSpPr>
+            <a:cxnSpLocks/>
+            <a:stCxn id="29" idx="1"/>
+            <a:endCxn id="6" idx="0"/>
+          </p:cNvCxnSpPr>
+          <p:nvPr/>
+        </p:nvCxnSpPr>
+        <p:spPr>
+          <a:xfrm flipH="1" flipV="1">
+            <a:off x="5297424" y="901092"/>
+            <a:ext cx="343471" cy="63726"/>
+          </a:xfrm>
+          <a:prstGeom prst="straightConnector1">
+            <a:avLst/>
+          </a:prstGeom>
+          <a:ln>
+            <a:tailEnd type="triangle"/>
+          </a:ln>
+        </p:spPr>
+        <p:style>
+          <a:lnRef idx="1">
+            <a:schemeClr val="accent1"/>
+          </a:lnRef>
+          <a:fillRef idx="0">
+            <a:schemeClr val="accent1"/>
+          </a:fillRef>
+          <a:effectRef idx="0">
+            <a:schemeClr val="accent1"/>
+          </a:effectRef>
+          <a:fontRef idx="minor">
+            <a:schemeClr val="tx1"/>
+          </a:fontRef>
+        </p:style>
+      </p:cxnSp>
+      <p:cxnSp>
+        <p:nvCxnSpPr>
+          <p:cNvPr id="31" name="Straight Arrow Connector 30">
+            <a:extLst>
+              <a:ext uri="{FF2B5EF4-FFF2-40B4-BE49-F238E27FC236}">
+                <a16:creationId xmlns:a16="http://schemas.microsoft.com/office/drawing/2014/main" id="{04B1E177-FA39-8841-8579-A92B86CA7B05}"/>
+              </a:ext>
+            </a:extLst>
+          </p:cNvPr>
+          <p:cNvCxnSpPr>
+            <a:cxnSpLocks/>
+            <a:stCxn id="29" idx="3"/>
+            <a:endCxn id="7" idx="3"/>
+          </p:cNvCxnSpPr>
+          <p:nvPr/>
+        </p:nvCxnSpPr>
+        <p:spPr>
+          <a:xfrm flipV="1">
+            <a:off x="6421028" y="579038"/>
+            <a:ext cx="343471" cy="385780"/>
+          </a:xfrm>
+          <a:prstGeom prst="straightConnector1">
+            <a:avLst/>
+          </a:prstGeom>
+          <a:ln>
+            <a:tailEnd type="triangle"/>
+          </a:ln>
+        </p:spPr>
+        <p:style>
+          <a:lnRef idx="1">
+            <a:schemeClr val="accent1"/>
+          </a:lnRef>
+          <a:fillRef idx="0">
+            <a:schemeClr val="accent1"/>
+          </a:fillRef>
+          <a:effectRef idx="0">
+            <a:schemeClr val="accent1"/>
+          </a:effectRef>
+          <a:fontRef idx="minor">
+            <a:schemeClr val="tx1"/>
+          </a:fontRef>
+        </p:style>
+      </p:cxnSp>
+      <p:cxnSp>
+        <p:nvCxnSpPr>
+          <p:cNvPr id="32" name="Straight Arrow Connector 31">
+            <a:extLst>
+              <a:ext uri="{FF2B5EF4-FFF2-40B4-BE49-F238E27FC236}">
+                <a16:creationId xmlns:a16="http://schemas.microsoft.com/office/drawing/2014/main" id="{974EBBFC-6471-8F4E-BDAC-C9ECC1B26619}"/>
+              </a:ext>
+            </a:extLst>
+          </p:cNvPr>
+          <p:cNvCxnSpPr>
+            <a:cxnSpLocks/>
+            <a:stCxn id="29" idx="3"/>
+            <a:endCxn id="8" idx="2"/>
+          </p:cNvCxnSpPr>
+          <p:nvPr/>
+        </p:nvCxnSpPr>
+        <p:spPr>
+          <a:xfrm>
+            <a:off x="6421028" y="964818"/>
+            <a:ext cx="472848" cy="795583"/>
+          </a:xfrm>
+          <a:prstGeom prst="straightConnector1">
+            <a:avLst/>
+          </a:prstGeom>
+          <a:ln>
+            <a:tailEnd type="triangle"/>
+          </a:ln>
+        </p:spPr>
+        <p:style>
+          <a:lnRef idx="1">
+            <a:schemeClr val="accent1"/>
+          </a:lnRef>
+          <a:fillRef idx="0">
+            <a:schemeClr val="accent1"/>
+          </a:fillRef>
+          <a:effectRef idx="0">
+            <a:schemeClr val="accent1"/>
+          </a:effectRef>
+          <a:fontRef idx="minor">
+            <a:schemeClr val="tx1"/>
+          </a:fontRef>
+        </p:style>
+      </p:cxnSp>
+      <p:sp>
+        <p:nvSpPr>
+          <p:cNvPr id="34" name="Left Bracket 33">
+            <a:extLst>
+              <a:ext uri="{FF2B5EF4-FFF2-40B4-BE49-F238E27FC236}">
+                <a16:creationId xmlns:a16="http://schemas.microsoft.com/office/drawing/2014/main" id="{058402C6-37B8-4549-AC4D-6678F36C7CAC}"/>
+              </a:ext>
+            </a:extLst>
+          </p:cNvPr>
+          <p:cNvSpPr/>
+          <p:nvPr/>
+        </p:nvSpPr>
+        <p:spPr>
+          <a:xfrm rot="-5400000">
+            <a:off x="5772014" y="-739707"/>
+            <a:ext cx="794092" cy="5165571"/>
+          </a:xfrm>
+          <a:prstGeom prst="leftBracket">
+            <a:avLst/>
+          </a:prstGeom>
+          <a:ln w="12700"/>
+        </p:spPr>
+        <p:style>
+          <a:lnRef idx="1">
+            <a:schemeClr val="accent1"/>
+          </a:lnRef>
+          <a:fillRef idx="0">
+            <a:schemeClr val="accent1"/>
+          </a:fillRef>
+          <a:effectRef idx="0">
+            <a:schemeClr val="accent1"/>
+          </a:effectRef>
+          <a:fontRef idx="minor">
+            <a:schemeClr val="tx1"/>
+          </a:fontRef>
+        </p:style>
+        <p:txBody>
+          <a:bodyPr rtlCol="0" anchor="ctr"/>
+          <a:lstStyle/>
+          <a:p>
+            <a:pPr algn="ctr"/>
+            <a:endParaRPr lang="en-US"/>
+          </a:p>
+        </p:txBody>
+      </p:sp>
+      <p:sp>
+        <p:nvSpPr>
+          <p:cNvPr id="35" name="Down Arrow 34">
+            <a:extLst>
+              <a:ext uri="{FF2B5EF4-FFF2-40B4-BE49-F238E27FC236}">
+                <a16:creationId xmlns:a16="http://schemas.microsoft.com/office/drawing/2014/main" id="{A44F7057-F457-9C41-BBC3-7C1C28952E6D}"/>
+              </a:ext>
+            </a:extLst>
+          </p:cNvPr>
+          <p:cNvSpPr/>
+          <p:nvPr/>
+        </p:nvSpPr>
+        <p:spPr>
+          <a:xfrm>
+            <a:off x="6759863" y="2242665"/>
+            <a:ext cx="277323" cy="655582"/>
+          </a:xfrm>
+          <a:prstGeom prst="downArrow">
+            <a:avLst/>
+          </a:prstGeom>
+          <a:solidFill>
+            <a:schemeClr val="bg1"/>
+          </a:solidFill>
+          <a:ln w="25400"/>
+        </p:spPr>
+        <p:style>
+          <a:lnRef idx="2">
+            <a:schemeClr val="accent1">
+              <a:shade val="50000"/>
+            </a:schemeClr>
+          </a:lnRef>
+          <a:fillRef idx="1">
+            <a:schemeClr val="accent1"/>
+          </a:fillRef>
+          <a:effectRef idx="0">
+            <a:schemeClr val="accent1"/>
+          </a:effectRef>
+          <a:fontRef idx="minor">
+            <a:schemeClr val="lt1"/>
+          </a:fontRef>
+        </p:style>
+        <p:txBody>
+          <a:bodyPr rtlCol="0" anchor="ctr"/>
+          <a:lstStyle/>
+          <a:p>
+            <a:pPr algn="ctr"/>
+            <a:endParaRPr lang="en-US"/>
+          </a:p>
+        </p:txBody>
+      </p:sp>
+      <p:sp>
+        <p:nvSpPr>
+          <p:cNvPr id="36" name="Diamond 35">
+            <a:extLst>
+              <a:ext uri="{FF2B5EF4-FFF2-40B4-BE49-F238E27FC236}">
+                <a16:creationId xmlns:a16="http://schemas.microsoft.com/office/drawing/2014/main" id="{55E24309-70B3-AC4C-82EC-23A84ED501B5}"/>
+              </a:ext>
+            </a:extLst>
+          </p:cNvPr>
+          <p:cNvSpPr/>
+          <p:nvPr/>
+        </p:nvSpPr>
+        <p:spPr>
+          <a:xfrm>
+            <a:off x="5688834" y="2892685"/>
+            <a:ext cx="2423155" cy="835996"/>
+          </a:xfrm>
+          <a:prstGeom prst="diamond">
+            <a:avLst/>
+          </a:prstGeom>
+        </p:spPr>
+        <p:style>
+          <a:lnRef idx="2">
+            <a:schemeClr val="accent1">
+              <a:shade val="50000"/>
+            </a:schemeClr>
+          </a:lnRef>
+          <a:fillRef idx="1">
+            <a:schemeClr val="accent1"/>
+          </a:fillRef>
+          <a:effectRef idx="0">
+            <a:schemeClr val="accent1"/>
+          </a:effectRef>
+          <a:fontRef idx="minor">
+            <a:schemeClr val="lt1"/>
+          </a:fontRef>
+        </p:style>
+        <p:txBody>
+          <a:bodyPr rtlCol="0" anchor="ctr"/>
+          <a:lstStyle/>
+          <a:p>
+            <a:pPr algn="ctr"/>
+            <a:r>
+              <a:rPr lang="en-US"/>
+              <a:t>Graph NN</a:t>
+            </a:r>
+            <a:br>
+              <a:rPr lang="en-US"/>
+            </a:br>
+            <a:r>
+              <a:rPr lang="en-US"/>
+              <a:t>(e.g. GAT)</a:t>
+            </a:r>
+          </a:p>
+        </p:txBody>
+      </p:sp>
+      <p:sp>
+        <p:nvSpPr>
+          <p:cNvPr id="37" name="TextBox 36">
+            <a:extLst>
+              <a:ext uri="{FF2B5EF4-FFF2-40B4-BE49-F238E27FC236}">
+                <a16:creationId xmlns:a16="http://schemas.microsoft.com/office/drawing/2014/main" id="{AAA389CF-74FD-3146-A0BE-C186A89EB181}"/>
+              </a:ext>
+            </a:extLst>
+          </p:cNvPr>
+          <p:cNvSpPr txBox="1"/>
+          <p:nvPr/>
+        </p:nvSpPr>
+        <p:spPr>
+          <a:xfrm>
+            <a:off x="4640937" y="1936650"/>
+            <a:ext cx="3460892" cy="338554"/>
+          </a:xfrm>
+          <a:prstGeom prst="rect">
+            <a:avLst/>
+          </a:prstGeom>
+          <a:noFill/>
+        </p:spPr>
+        <p:txBody>
+          <a:bodyPr wrap="square" rtlCol="0">
+            <a:spAutoFit/>
+          </a:bodyPr>
+          <a:lstStyle/>
+          <a:p>
+            <a:r>
+              <a:rPr lang="en-US" sz="1600"/>
+              <a:t>Graph area (i.e. ~ neighbourhood)</a:t>
+            </a:r>
+          </a:p>
+        </p:txBody>
+      </p:sp>
+      <p:sp>
+        <p:nvSpPr>
+          <p:cNvPr id="39" name="Rectangle 38">
+            <a:extLst>
+              <a:ext uri="{FF2B5EF4-FFF2-40B4-BE49-F238E27FC236}">
+                <a16:creationId xmlns:a16="http://schemas.microsoft.com/office/drawing/2014/main" id="{6AF0C0C8-AF3F-CF40-8510-9B719BE10B41}"/>
+              </a:ext>
+            </a:extLst>
+          </p:cNvPr>
+          <p:cNvSpPr/>
+          <p:nvPr/>
+        </p:nvSpPr>
+        <p:spPr>
+          <a:xfrm>
+            <a:off x="3884625" y="4411932"/>
             <a:ext cx="1987475" cy="645277"/>
           </a:xfrm>
           <a:prstGeom prst="rect">
@@ -10593,7 +11890,7 @@
             <a:pPr algn="ctr"/>
             <a:r>
               <a:rPr lang="en-US" sz="1600"/>
-              <a:t>move.global</a:t>
+              <a:t>move</a:t>
             </a:r>
             <a:br>
               <a:rPr lang="en-US" sz="1600" b="1"/>
@@ -10611,19 +11908,19 @@
       </p:sp>
       <p:sp>
         <p:nvSpPr>
-          <p:cNvPr id="247" name="Rectangle 246">
-            <a:extLst>
-              <a:ext uri="{FF2B5EF4-FFF2-40B4-BE49-F238E27FC236}">
-                <a16:creationId xmlns:a16="http://schemas.microsoft.com/office/drawing/2014/main" id="{4FE39300-1A73-8E45-BF1A-6C75B44DC8C0}"/>
-              </a:ext>
-            </a:extLst>
-          </p:cNvPr>
-          <p:cNvSpPr/>
-          <p:nvPr/>
-        </p:nvSpPr>
-        <p:spPr>
-          <a:xfrm>
-            <a:off x="4647772" y="3680413"/>
+          <p:cNvPr id="40" name="Rectangle 39">
+            <a:extLst>
+              <a:ext uri="{FF2B5EF4-FFF2-40B4-BE49-F238E27FC236}">
+                <a16:creationId xmlns:a16="http://schemas.microsoft.com/office/drawing/2014/main" id="{E7485753-453C-B242-86E5-671A8BF00634}"/>
+              </a:ext>
+            </a:extLst>
+          </p:cNvPr>
+          <p:cNvSpPr/>
+          <p:nvPr/>
+        </p:nvSpPr>
+        <p:spPr>
+          <a:xfrm>
+            <a:off x="5872100" y="4411933"/>
             <a:ext cx="1987475" cy="645277"/>
           </a:xfrm>
           <a:prstGeom prst="rect">
@@ -10671,72 +11968,10 @@
       </p:sp>
       <p:sp>
         <p:nvSpPr>
-          <p:cNvPr id="248" name="Rectangle 247">
-            <a:extLst>
-              <a:ext uri="{FF2B5EF4-FFF2-40B4-BE49-F238E27FC236}">
-                <a16:creationId xmlns:a16="http://schemas.microsoft.com/office/drawing/2014/main" id="{D35CF018-7FC4-684A-9DA9-60D958BF6D57}"/>
-              </a:ext>
-            </a:extLst>
-          </p:cNvPr>
-          <p:cNvSpPr/>
-          <p:nvPr/>
-        </p:nvSpPr>
-        <p:spPr>
-          <a:xfrm>
-            <a:off x="6658616" y="3680413"/>
-            <a:ext cx="1987475" cy="645277"/>
-          </a:xfrm>
-          <a:prstGeom prst="rect">
-            <a:avLst/>
-          </a:prstGeom>
-        </p:spPr>
-        <p:style>
-          <a:lnRef idx="1">
-            <a:schemeClr val="accent6"/>
-          </a:lnRef>
-          <a:fillRef idx="2">
-            <a:schemeClr val="accent6"/>
-          </a:fillRef>
-          <a:effectRef idx="1">
-            <a:schemeClr val="accent6"/>
-          </a:effectRef>
-          <a:fontRef idx="minor">
-            <a:schemeClr val="dk1"/>
-          </a:fontRef>
-        </p:style>
-        <p:txBody>
-          <a:bodyPr rtlCol="0" anchor="ctr"/>
-          <a:lstStyle/>
-          <a:p>
-            <a:pPr algn="ctr"/>
-            <a:r>
-              <a:rPr lang="en-US" sz="1600"/>
-              <a:t>Move.v.2</a:t>
-            </a:r>
-            <a:br>
-              <a:rPr lang="en-US" sz="1600" b="1"/>
-            </a:br>
-            <a:r>
-              <a:rPr lang="en-US" sz="1600" b="1"/>
-              <a:t>Sense </a:t>
-            </a:r>
-            <a:r>
-              <a:rPr lang="en-US" sz="1600" b="1">
-                <a:solidFill>
-                  <a:schemeClr val="tx1"/>
-                </a:solidFill>
-              </a:rPr>
-              <a:t>Node State</a:t>
-            </a:r>
-          </a:p>
-        </p:txBody>
-      </p:sp>
-      <p:sp>
-        <p:nvSpPr>
-          <p:cNvPr id="249" name="TextBox 248">
-            <a:extLst>
-              <a:ext uri="{FF2B5EF4-FFF2-40B4-BE49-F238E27FC236}">
-                <a16:creationId xmlns:a16="http://schemas.microsoft.com/office/drawing/2014/main" id="{1AD4AF1E-29BB-C843-81FD-DB36FE67382B}"/>
+          <p:cNvPr id="41" name="TextBox 40">
+            <a:extLst>
+              <a:ext uri="{FF2B5EF4-FFF2-40B4-BE49-F238E27FC236}">
+                <a16:creationId xmlns:a16="http://schemas.microsoft.com/office/drawing/2014/main" id="{AF811355-C686-8A4D-A212-C43515DC3854}"/>
               </a:ext>
             </a:extLst>
           </p:cNvPr>
@@ -10745,7 +11980,7 @@
         </p:nvSpPr>
         <p:spPr>
           <a:xfrm>
-            <a:off x="838722" y="3869277"/>
+            <a:off x="2189907" y="4549904"/>
             <a:ext cx="1602487" cy="369332"/>
           </a:xfrm>
           <a:prstGeom prst="rect">
@@ -10768,42 +12003,85 @@
       </p:sp>
       <p:sp>
         <p:nvSpPr>
-          <p:cNvPr id="257" name="Down Arrow 256">
-            <a:extLst>
-              <a:ext uri="{FF2B5EF4-FFF2-40B4-BE49-F238E27FC236}">
-                <a16:creationId xmlns:a16="http://schemas.microsoft.com/office/drawing/2014/main" id="{18F0D862-3477-2D4C-BA18-3CA75A087836}"/>
-              </a:ext>
-            </a:extLst>
-          </p:cNvPr>
-          <p:cNvSpPr/>
-          <p:nvPr/>
-        </p:nvSpPr>
-        <p:spPr>
-          <a:xfrm>
-            <a:off x="5075919" y="4525190"/>
-            <a:ext cx="381964" cy="473605"/>
-          </a:xfrm>
-          <a:prstGeom prst="downArrow">
-            <a:avLst/>
-          </a:prstGeom>
-          <a:solidFill>
-            <a:schemeClr val="bg1"/>
-          </a:solidFill>
-        </p:spPr>
-        <p:style>
-          <a:lnRef idx="2">
-            <a:schemeClr val="accent1">
-              <a:shade val="50000"/>
-            </a:schemeClr>
-          </a:lnRef>
-          <a:fillRef idx="1">
-            <a:schemeClr val="accent1"/>
-          </a:fillRef>
-          <a:effectRef idx="0">
-            <a:schemeClr val="accent1"/>
-          </a:effectRef>
-          <a:fontRef idx="minor">
-            <a:schemeClr val="lt1"/>
+          <p:cNvPr id="50" name="Oval 49">
+            <a:extLst>
+              <a:ext uri="{FF2B5EF4-FFF2-40B4-BE49-F238E27FC236}">
+                <a16:creationId xmlns:a16="http://schemas.microsoft.com/office/drawing/2014/main" id="{4562F59A-112B-564A-8BD3-540A3E1811B2}"/>
+              </a:ext>
+            </a:extLst>
+          </p:cNvPr>
+          <p:cNvSpPr/>
+          <p:nvPr/>
+        </p:nvSpPr>
+        <p:spPr>
+          <a:xfrm>
+            <a:off x="3784678" y="828921"/>
+            <a:ext cx="275478" cy="281318"/>
+          </a:xfrm>
+          <a:prstGeom prst="ellipse">
+            <a:avLst/>
+          </a:prstGeom>
+        </p:spPr>
+        <p:style>
+          <a:lnRef idx="1">
+            <a:schemeClr val="accent5"/>
+          </a:lnRef>
+          <a:fillRef idx="2">
+            <a:schemeClr val="accent5"/>
+          </a:fillRef>
+          <a:effectRef idx="1">
+            <a:schemeClr val="accent5"/>
+          </a:effectRef>
+          <a:fontRef idx="minor">
+            <a:schemeClr val="dk1"/>
+          </a:fontRef>
+        </p:style>
+        <p:txBody>
+          <a:bodyPr rtlCol="0" anchor="ctr"/>
+          <a:lstStyle/>
+          <a:p>
+            <a:pPr algn="ctr"/>
+            <a:r>
+              <a:rPr lang="en-US" sz="1600"/>
+              <a:t>d</a:t>
+            </a:r>
+            <a:endParaRPr lang="en-US" sz="1400"/>
+          </a:p>
+        </p:txBody>
+      </p:sp>
+      <p:sp>
+        <p:nvSpPr>
+          <p:cNvPr id="51" name="Oval 50">
+            <a:extLst>
+              <a:ext uri="{FF2B5EF4-FFF2-40B4-BE49-F238E27FC236}">
+                <a16:creationId xmlns:a16="http://schemas.microsoft.com/office/drawing/2014/main" id="{097CFB90-5417-F74F-B44E-B2DAD85F7567}"/>
+              </a:ext>
+            </a:extLst>
+          </p:cNvPr>
+          <p:cNvSpPr/>
+          <p:nvPr/>
+        </p:nvSpPr>
+        <p:spPr>
+          <a:xfrm>
+            <a:off x="3785323" y="1248147"/>
+            <a:ext cx="277883" cy="271526"/>
+          </a:xfrm>
+          <a:prstGeom prst="ellipse">
+            <a:avLst/>
+          </a:prstGeom>
+        </p:spPr>
+        <p:style>
+          <a:lnRef idx="1">
+            <a:schemeClr val="accent5"/>
+          </a:lnRef>
+          <a:fillRef idx="2">
+            <a:schemeClr val="accent5"/>
+          </a:fillRef>
+          <a:effectRef idx="1">
+            <a:schemeClr val="accent5"/>
+          </a:effectRef>
+          <a:fontRef idx="minor">
+            <a:schemeClr val="dk1"/>
           </a:fontRef>
         </p:style>
         <p:txBody>
@@ -10817,38 +12095,85 @@
       </p:sp>
       <p:sp>
         <p:nvSpPr>
-          <p:cNvPr id="258" name="Left Bracket 257">
-            <a:extLst>
-              <a:ext uri="{FF2B5EF4-FFF2-40B4-BE49-F238E27FC236}">
-                <a16:creationId xmlns:a16="http://schemas.microsoft.com/office/drawing/2014/main" id="{161D59A0-97E8-A340-937B-F8E6E9BF767B}"/>
-              </a:ext>
-            </a:extLst>
-          </p:cNvPr>
-          <p:cNvSpPr/>
-          <p:nvPr/>
-        </p:nvSpPr>
-        <p:spPr>
-          <a:xfrm rot="-5400000">
-            <a:off x="5497536" y="1181645"/>
-            <a:ext cx="299326" cy="6370202"/>
-          </a:xfrm>
-          <a:prstGeom prst="leftBracket">
-            <a:avLst/>
-          </a:prstGeom>
-          <a:ln w="12700"/>
+          <p:cNvPr id="56" name="Oval 55">
+            <a:extLst>
+              <a:ext uri="{FF2B5EF4-FFF2-40B4-BE49-F238E27FC236}">
+                <a16:creationId xmlns:a16="http://schemas.microsoft.com/office/drawing/2014/main" id="{E86B9250-3420-614D-8DF0-49E89F160662}"/>
+              </a:ext>
+            </a:extLst>
+          </p:cNvPr>
+          <p:cNvSpPr/>
+          <p:nvPr/>
+        </p:nvSpPr>
+        <p:spPr>
+          <a:xfrm>
+            <a:off x="4088639" y="1463598"/>
+            <a:ext cx="275478" cy="276498"/>
+          </a:xfrm>
+          <a:prstGeom prst="ellipse">
+            <a:avLst/>
+          </a:prstGeom>
         </p:spPr>
         <p:style>
           <a:lnRef idx="1">
-            <a:schemeClr val="accent1"/>
-          </a:lnRef>
-          <a:fillRef idx="0">
-            <a:schemeClr val="accent1"/>
-          </a:fillRef>
-          <a:effectRef idx="0">
-            <a:schemeClr val="accent1"/>
-          </a:effectRef>
-          <a:fontRef idx="minor">
-            <a:schemeClr val="tx1"/>
+            <a:schemeClr val="accent5"/>
+          </a:lnRef>
+          <a:fillRef idx="3">
+            <a:schemeClr val="accent5"/>
+          </a:fillRef>
+          <a:effectRef idx="2">
+            <a:schemeClr val="accent5"/>
+          </a:effectRef>
+          <a:fontRef idx="minor">
+            <a:schemeClr val="lt1"/>
+          </a:fontRef>
+        </p:style>
+        <p:txBody>
+          <a:bodyPr rtlCol="0" anchor="ctr"/>
+          <a:lstStyle/>
+          <a:p>
+            <a:pPr algn="ctr"/>
+            <a:r>
+              <a:rPr lang="en-US" sz="1600"/>
+              <a:t>e</a:t>
+            </a:r>
+            <a:endParaRPr lang="en-US" sz="1400"/>
+          </a:p>
+        </p:txBody>
+      </p:sp>
+      <p:sp>
+        <p:nvSpPr>
+          <p:cNvPr id="57" name="Oval 56">
+            <a:extLst>
+              <a:ext uri="{FF2B5EF4-FFF2-40B4-BE49-F238E27FC236}">
+                <a16:creationId xmlns:a16="http://schemas.microsoft.com/office/drawing/2014/main" id="{DB3EBBC5-8D77-ED42-9F51-12EED5051F8E}"/>
+              </a:ext>
+            </a:extLst>
+          </p:cNvPr>
+          <p:cNvSpPr/>
+          <p:nvPr/>
+        </p:nvSpPr>
+        <p:spPr>
+          <a:xfrm>
+            <a:off x="4454943" y="1463598"/>
+            <a:ext cx="277884" cy="276498"/>
+          </a:xfrm>
+          <a:prstGeom prst="ellipse">
+            <a:avLst/>
+          </a:prstGeom>
+        </p:spPr>
+        <p:style>
+          <a:lnRef idx="1">
+            <a:schemeClr val="accent5"/>
+          </a:lnRef>
+          <a:fillRef idx="3">
+            <a:schemeClr val="accent5"/>
+          </a:fillRef>
+          <a:effectRef idx="2">
+            <a:schemeClr val="accent5"/>
+          </a:effectRef>
+          <a:fontRef idx="minor">
+            <a:schemeClr val="lt1"/>
           </a:fontRef>
         </p:style>
         <p:txBody>
@@ -10862,263 +12187,34 @@
       </p:sp>
       <p:sp>
         <p:nvSpPr>
-          <p:cNvPr id="259" name="Diamond 258">
-            <a:extLst>
-              <a:ext uri="{FF2B5EF4-FFF2-40B4-BE49-F238E27FC236}">
-                <a16:creationId xmlns:a16="http://schemas.microsoft.com/office/drawing/2014/main" id="{39D90A8D-B5BB-4B48-AC59-75E00CEEE05C}"/>
-              </a:ext>
-            </a:extLst>
-          </p:cNvPr>
-          <p:cNvSpPr/>
-          <p:nvPr/>
-        </p:nvSpPr>
-        <p:spPr>
-          <a:xfrm>
-            <a:off x="4054200" y="5026792"/>
-            <a:ext cx="2423155" cy="756806"/>
-          </a:xfrm>
-          <a:prstGeom prst="diamond">
-            <a:avLst/>
-          </a:prstGeom>
-        </p:spPr>
-        <p:style>
-          <a:lnRef idx="2">
-            <a:schemeClr val="accent1">
-              <a:shade val="50000"/>
-            </a:schemeClr>
-          </a:lnRef>
-          <a:fillRef idx="1">
-            <a:schemeClr val="accent1"/>
-          </a:fillRef>
-          <a:effectRef idx="0">
-            <a:schemeClr val="accent1"/>
-          </a:effectRef>
-          <a:fontRef idx="minor">
-            <a:schemeClr val="lt1"/>
-          </a:fontRef>
-        </p:style>
-        <p:txBody>
-          <a:bodyPr rtlCol="0" anchor="ctr"/>
-          <a:lstStyle/>
-          <a:p>
-            <a:pPr algn="ctr"/>
-            <a:r>
-              <a:rPr lang="en-US"/>
-              <a:t>Layer 1 of GRU</a:t>
-            </a:r>
-          </a:p>
-        </p:txBody>
-      </p:sp>
-      <p:sp>
-        <p:nvSpPr>
-          <p:cNvPr id="86" name="Rectangle 85">
-            <a:extLst>
-              <a:ext uri="{FF2B5EF4-FFF2-40B4-BE49-F238E27FC236}">
-                <a16:creationId xmlns:a16="http://schemas.microsoft.com/office/drawing/2014/main" id="{04720A63-B472-2649-946A-1480BD193270}"/>
-              </a:ext>
-            </a:extLst>
-          </p:cNvPr>
-          <p:cNvSpPr/>
-          <p:nvPr/>
-        </p:nvSpPr>
-        <p:spPr>
-          <a:xfrm>
-            <a:off x="4242483" y="5799930"/>
-            <a:ext cx="1987475" cy="299327"/>
-          </a:xfrm>
-          <a:prstGeom prst="rect">
-            <a:avLst/>
-          </a:prstGeom>
-          <a:solidFill>
-            <a:schemeClr val="accent5">
-              <a:lumMod val="40000"/>
-              <a:lumOff val="60000"/>
-            </a:schemeClr>
-          </a:solidFill>
-        </p:spPr>
-        <p:style>
-          <a:lnRef idx="2">
-            <a:schemeClr val="accent5">
-              <a:shade val="50000"/>
-            </a:schemeClr>
-          </a:lnRef>
-          <a:fillRef idx="1">
+          <p:cNvPr id="58" name="Oval 57">
+            <a:extLst>
+              <a:ext uri="{FF2B5EF4-FFF2-40B4-BE49-F238E27FC236}">
+                <a16:creationId xmlns:a16="http://schemas.microsoft.com/office/drawing/2014/main" id="{2FCB8F75-42AB-F84B-AD48-D8D639DF295A}"/>
+              </a:ext>
+            </a:extLst>
+          </p:cNvPr>
+          <p:cNvSpPr/>
+          <p:nvPr/>
+        </p:nvSpPr>
+        <p:spPr>
+          <a:xfrm>
+            <a:off x="4836852" y="1468510"/>
+            <a:ext cx="277884" cy="276498"/>
+          </a:xfrm>
+          <a:prstGeom prst="ellipse">
+            <a:avLst/>
+          </a:prstGeom>
+        </p:spPr>
+        <p:style>
+          <a:lnRef idx="1">
             <a:schemeClr val="accent5"/>
-          </a:fillRef>
-          <a:effectRef idx="0">
+          </a:lnRef>
+          <a:fillRef idx="3">
             <a:schemeClr val="accent5"/>
-          </a:effectRef>
-          <a:fontRef idx="minor">
-            <a:schemeClr val="lt1"/>
-          </a:fontRef>
-        </p:style>
-        <p:txBody>
-          <a:bodyPr rtlCol="0" anchor="ctr"/>
-          <a:lstStyle/>
-          <a:p>
-            <a:pPr algn="ctr"/>
-            <a:r>
-              <a:rPr lang="en-US" sz="1600">
-                <a:solidFill>
-                  <a:schemeClr val="tx1"/>
-                </a:solidFill>
-              </a:rPr>
-              <a:t>Hidden state 1</a:t>
-            </a:r>
-          </a:p>
-        </p:txBody>
-      </p:sp>
-      <p:sp>
-        <p:nvSpPr>
-          <p:cNvPr id="87" name="Diamond 86">
-            <a:extLst>
-              <a:ext uri="{FF2B5EF4-FFF2-40B4-BE49-F238E27FC236}">
-                <a16:creationId xmlns:a16="http://schemas.microsoft.com/office/drawing/2014/main" id="{D720A14A-448F-C74D-9782-DA58BDCF5657}"/>
-              </a:ext>
-            </a:extLst>
-          </p:cNvPr>
-          <p:cNvSpPr/>
-          <p:nvPr/>
-        </p:nvSpPr>
-        <p:spPr>
-          <a:xfrm>
-            <a:off x="4053586" y="8026165"/>
-            <a:ext cx="2423155" cy="835996"/>
-          </a:xfrm>
-          <a:prstGeom prst="diamond">
-            <a:avLst/>
-          </a:prstGeom>
-        </p:spPr>
-        <p:style>
-          <a:lnRef idx="2">
-            <a:schemeClr val="accent1">
-              <a:shade val="50000"/>
-            </a:schemeClr>
-          </a:lnRef>
-          <a:fillRef idx="1">
-            <a:schemeClr val="accent1"/>
-          </a:fillRef>
-          <a:effectRef idx="0">
-            <a:schemeClr val="accent1"/>
-          </a:effectRef>
-          <a:fontRef idx="minor">
-            <a:schemeClr val="lt1"/>
-          </a:fontRef>
-        </p:style>
-        <p:txBody>
-          <a:bodyPr wrap="none" lIns="36000" rIns="36000" rtlCol="0" anchor="ctr"/>
-          <a:lstStyle/>
-          <a:p>
-            <a:pPr algn="ctr"/>
-            <a:r>
-              <a:rPr lang="en-GB"/>
-              <a:t>FF-NN:</a:t>
-            </a:r>
-            <a:br>
-              <a:rPr lang="en-GB"/>
-            </a:br>
-            <a:r>
-              <a:rPr lang="en-GB"/>
-              <a:t>linear2global</a:t>
-            </a:r>
-            <a:endParaRPr lang="en-US"/>
-          </a:p>
-        </p:txBody>
-      </p:sp>
-      <p:sp>
-        <p:nvSpPr>
-          <p:cNvPr id="88" name="Rectangle 87">
-            <a:extLst>
-              <a:ext uri="{FF2B5EF4-FFF2-40B4-BE49-F238E27FC236}">
-                <a16:creationId xmlns:a16="http://schemas.microsoft.com/office/drawing/2014/main" id="{B6224982-B82A-1543-8A21-0A983FA65669}"/>
-              </a:ext>
-            </a:extLst>
-          </p:cNvPr>
-          <p:cNvSpPr/>
-          <p:nvPr/>
-        </p:nvSpPr>
-        <p:spPr>
-          <a:xfrm>
-            <a:off x="4295692" y="9323364"/>
-            <a:ext cx="1987475" cy="530651"/>
-          </a:xfrm>
-          <a:prstGeom prst="rect">
-            <a:avLst/>
-          </a:prstGeom>
-          <a:solidFill>
-            <a:schemeClr val="accent5">
-              <a:lumMod val="40000"/>
-              <a:lumOff val="60000"/>
-            </a:schemeClr>
-          </a:solidFill>
-        </p:spPr>
-        <p:style>
-          <a:lnRef idx="2">
-            <a:schemeClr val="accent5">
-              <a:shade val="50000"/>
-            </a:schemeClr>
-          </a:lnRef>
-          <a:fillRef idx="1">
+          </a:fillRef>
+          <a:effectRef idx="2">
             <a:schemeClr val="accent5"/>
-          </a:fillRef>
-          <a:effectRef idx="0">
-            <a:schemeClr val="accent5"/>
-          </a:effectRef>
-          <a:fontRef idx="minor">
-            <a:schemeClr val="lt1"/>
-          </a:fontRef>
-        </p:style>
-        <p:txBody>
-          <a:bodyPr rtlCol="0" anchor="ctr"/>
-          <a:lstStyle/>
-          <a:p>
-            <a:pPr algn="ctr"/>
-            <a:r>
-              <a:rPr lang="en-US" sz="1600">
-                <a:solidFill>
-                  <a:schemeClr val="tx1"/>
-                </a:solidFill>
-              </a:rPr>
-              <a:t>Logits of global words</a:t>
-            </a:r>
-          </a:p>
-        </p:txBody>
-      </p:sp>
-      <p:sp>
-        <p:nvSpPr>
-          <p:cNvPr id="92" name="Down Arrow 91">
-            <a:extLst>
-              <a:ext uri="{FF2B5EF4-FFF2-40B4-BE49-F238E27FC236}">
-                <a16:creationId xmlns:a16="http://schemas.microsoft.com/office/drawing/2014/main" id="{8B86E277-3EBE-4D4D-906B-94475D1125B4}"/>
-              </a:ext>
-            </a:extLst>
-          </p:cNvPr>
-          <p:cNvSpPr/>
-          <p:nvPr/>
-        </p:nvSpPr>
-        <p:spPr>
-          <a:xfrm>
-            <a:off x="5096367" y="7190170"/>
-            <a:ext cx="381964" cy="835995"/>
-          </a:xfrm>
-          <a:prstGeom prst="downArrow">
-            <a:avLst/>
-          </a:prstGeom>
-          <a:solidFill>
-            <a:schemeClr val="bg1"/>
-          </a:solidFill>
-        </p:spPr>
-        <p:style>
-          <a:lnRef idx="2">
-            <a:schemeClr val="accent1">
-              <a:shade val="50000"/>
-            </a:schemeClr>
-          </a:lnRef>
-          <a:fillRef idx="1">
-            <a:schemeClr val="accent1"/>
-          </a:fillRef>
-          <a:effectRef idx="0">
-            <a:schemeClr val="accent1"/>
           </a:effectRef>
           <a:fontRef idx="minor">
             <a:schemeClr val="lt1"/>
@@ -11133,231 +12229,26 @@
           </a:p>
         </p:txBody>
       </p:sp>
-      <p:sp>
-        <p:nvSpPr>
-          <p:cNvPr id="93" name="Down Arrow 92">
-            <a:extLst>
-              <a:ext uri="{FF2B5EF4-FFF2-40B4-BE49-F238E27FC236}">
-                <a16:creationId xmlns:a16="http://schemas.microsoft.com/office/drawing/2014/main" id="{5A0602D7-C1C7-184A-B336-BDBBEA25EBA2}"/>
-              </a:ext>
-            </a:extLst>
-          </p:cNvPr>
-          <p:cNvSpPr/>
-          <p:nvPr/>
-        </p:nvSpPr>
-        <p:spPr>
-          <a:xfrm>
-            <a:off x="5085756" y="8862161"/>
-            <a:ext cx="381964" cy="428262"/>
-          </a:xfrm>
-          <a:prstGeom prst="downArrow">
-            <a:avLst/>
-          </a:prstGeom>
-          <a:solidFill>
-            <a:schemeClr val="bg1"/>
-          </a:solidFill>
-        </p:spPr>
-        <p:style>
-          <a:lnRef idx="2">
-            <a:schemeClr val="accent1">
-              <a:shade val="50000"/>
-            </a:schemeClr>
-          </a:lnRef>
-          <a:fillRef idx="1">
-            <a:schemeClr val="accent1"/>
-          </a:fillRef>
-          <a:effectRef idx="0">
-            <a:schemeClr val="accent1"/>
-          </a:effectRef>
-          <a:fontRef idx="minor">
-            <a:schemeClr val="lt1"/>
-          </a:fontRef>
-        </p:style>
-        <p:txBody>
-          <a:bodyPr rtlCol="0" anchor="ctr"/>
-          <a:lstStyle/>
-          <a:p>
-            <a:pPr algn="ctr"/>
-            <a:endParaRPr lang="en-US"/>
-          </a:p>
-        </p:txBody>
-      </p:sp>
-      <p:sp>
-        <p:nvSpPr>
-          <p:cNvPr id="94" name="Down Arrow 93">
-            <a:extLst>
-              <a:ext uri="{FF2B5EF4-FFF2-40B4-BE49-F238E27FC236}">
-                <a16:creationId xmlns:a16="http://schemas.microsoft.com/office/drawing/2014/main" id="{9C0E5ABE-5384-D840-81FE-E7F6C349D18F}"/>
-              </a:ext>
-            </a:extLst>
-          </p:cNvPr>
-          <p:cNvSpPr/>
-          <p:nvPr/>
-        </p:nvSpPr>
-        <p:spPr>
-          <a:xfrm>
-            <a:off x="5074180" y="9846637"/>
-            <a:ext cx="381964" cy="428262"/>
-          </a:xfrm>
-          <a:prstGeom prst="downArrow">
-            <a:avLst/>
-          </a:prstGeom>
-          <a:solidFill>
-            <a:schemeClr val="bg1"/>
-          </a:solidFill>
-        </p:spPr>
-        <p:style>
-          <a:lnRef idx="2">
-            <a:schemeClr val="accent1">
-              <a:shade val="50000"/>
-            </a:schemeClr>
-          </a:lnRef>
-          <a:fillRef idx="1">
-            <a:schemeClr val="accent1"/>
-          </a:fillRef>
-          <a:effectRef idx="0">
-            <a:schemeClr val="accent1"/>
-          </a:effectRef>
-          <a:fontRef idx="minor">
-            <a:schemeClr val="lt1"/>
-          </a:fontRef>
-        </p:style>
-        <p:txBody>
-          <a:bodyPr rtlCol="0" anchor="ctr"/>
-          <a:lstStyle/>
-          <a:p>
-            <a:pPr algn="ctr"/>
-            <a:endParaRPr lang="en-US"/>
-          </a:p>
-        </p:txBody>
-      </p:sp>
-      <p:sp>
-        <p:nvSpPr>
-          <p:cNvPr id="97" name="Rectangle 96">
-            <a:extLst>
-              <a:ext uri="{FF2B5EF4-FFF2-40B4-BE49-F238E27FC236}">
-                <a16:creationId xmlns:a16="http://schemas.microsoft.com/office/drawing/2014/main" id="{A58CB02F-E5F6-DC40-9916-827FEEA07178}"/>
-              </a:ext>
-            </a:extLst>
-          </p:cNvPr>
-          <p:cNvSpPr/>
-          <p:nvPr/>
-        </p:nvSpPr>
-        <p:spPr>
-          <a:xfrm>
-            <a:off x="7454580" y="9274087"/>
-            <a:ext cx="1987475" cy="530651"/>
-          </a:xfrm>
-          <a:prstGeom prst="rect">
-            <a:avLst/>
-          </a:prstGeom>
-          <a:solidFill>
-            <a:schemeClr val="accent5">
-              <a:lumMod val="40000"/>
-              <a:lumOff val="60000"/>
-            </a:schemeClr>
-          </a:solidFill>
-        </p:spPr>
-        <p:style>
-          <a:lnRef idx="2">
-            <a:schemeClr val="accent5">
-              <a:shade val="50000"/>
-            </a:schemeClr>
-          </a:lnRef>
-          <a:fillRef idx="1">
-            <a:schemeClr val="accent5"/>
-          </a:fillRef>
-          <a:effectRef idx="0">
-            <a:schemeClr val="accent5"/>
-          </a:effectRef>
-          <a:fontRef idx="minor">
-            <a:schemeClr val="lt1"/>
-          </a:fontRef>
-        </p:style>
-        <p:txBody>
-          <a:bodyPr rtlCol="0" anchor="ctr"/>
-          <a:lstStyle/>
-          <a:p>
-            <a:pPr algn="ctr"/>
-            <a:r>
-              <a:rPr lang="en-US" sz="1600">
-                <a:solidFill>
-                  <a:schemeClr val="tx1"/>
-                </a:solidFill>
-              </a:rPr>
-              <a:t>Logits of senses</a:t>
-            </a:r>
-          </a:p>
-        </p:txBody>
-      </p:sp>
-      <p:sp>
-        <p:nvSpPr>
-          <p:cNvPr id="99" name="Down Arrow 98">
-            <a:extLst>
-              <a:ext uri="{FF2B5EF4-FFF2-40B4-BE49-F238E27FC236}">
-                <a16:creationId xmlns:a16="http://schemas.microsoft.com/office/drawing/2014/main" id="{F51D490F-46EF-B84B-A119-C4E3B360FA11}"/>
-              </a:ext>
-            </a:extLst>
-          </p:cNvPr>
-          <p:cNvSpPr/>
-          <p:nvPr/>
-        </p:nvSpPr>
-        <p:spPr>
-          <a:xfrm>
-            <a:off x="8233068" y="9797360"/>
-            <a:ext cx="381964" cy="428262"/>
-          </a:xfrm>
-          <a:prstGeom prst="downArrow">
-            <a:avLst/>
-          </a:prstGeom>
-          <a:solidFill>
-            <a:schemeClr val="bg1"/>
-          </a:solidFill>
-        </p:spPr>
-        <p:style>
-          <a:lnRef idx="2">
-            <a:schemeClr val="accent1">
-              <a:shade val="50000"/>
-            </a:schemeClr>
-          </a:lnRef>
-          <a:fillRef idx="1">
-            <a:schemeClr val="accent1"/>
-          </a:fillRef>
-          <a:effectRef idx="0">
-            <a:schemeClr val="accent1"/>
-          </a:effectRef>
-          <a:fontRef idx="minor">
-            <a:schemeClr val="lt1"/>
-          </a:fontRef>
-        </p:style>
-        <p:txBody>
-          <a:bodyPr rtlCol="0" anchor="ctr"/>
-          <a:lstStyle/>
-          <a:p>
-            <a:pPr algn="ctr"/>
-            <a:endParaRPr lang="en-US"/>
-          </a:p>
-        </p:txBody>
-      </p:sp>
       <p:cxnSp>
         <p:nvCxnSpPr>
-          <p:cNvPr id="103" name="Straight Arrow Connector 102">
-            <a:extLst>
-              <a:ext uri="{FF2B5EF4-FFF2-40B4-BE49-F238E27FC236}">
-                <a16:creationId xmlns:a16="http://schemas.microsoft.com/office/drawing/2014/main" id="{48E82184-43C1-7D46-9834-06EBC665D3F5}"/>
+          <p:cNvPr id="61" name="Straight Arrow Connector 60">
+            <a:extLst>
+              <a:ext uri="{FF2B5EF4-FFF2-40B4-BE49-F238E27FC236}">
+                <a16:creationId xmlns:a16="http://schemas.microsoft.com/office/drawing/2014/main" id="{6A3A36AB-C992-6A4B-96F4-1C811A07B79D}"/>
               </a:ext>
             </a:extLst>
           </p:cNvPr>
           <p:cNvCxnSpPr>
             <a:cxnSpLocks/>
-            <a:stCxn id="86" idx="3"/>
+            <a:stCxn id="57" idx="0"/>
+            <a:endCxn id="6" idx="2"/>
           </p:cNvCxnSpPr>
           <p:nvPr/>
         </p:nvCxnSpPr>
         <p:spPr>
-          <a:xfrm>
-            <a:off x="6229958" y="5949594"/>
-            <a:ext cx="1374996" cy="344069"/>
+          <a:xfrm flipH="1" flipV="1">
+            <a:off x="4543392" y="1203037"/>
+            <a:ext cx="50493" cy="260561"/>
           </a:xfrm>
           <a:prstGeom prst="straightConnector1">
             <a:avLst/>
@@ -11368,474 +12259,172 @@
         </p:spPr>
         <p:style>
           <a:lnRef idx="1">
+            <a:schemeClr val="accent1"/>
+          </a:lnRef>
+          <a:fillRef idx="0">
+            <a:schemeClr val="accent1"/>
+          </a:fillRef>
+          <a:effectRef idx="0">
+            <a:schemeClr val="accent1"/>
+          </a:effectRef>
+          <a:fontRef idx="minor">
+            <a:schemeClr val="tx1"/>
+          </a:fontRef>
+        </p:style>
+      </p:cxnSp>
+      <p:cxnSp>
+        <p:nvCxnSpPr>
+          <p:cNvPr id="105" name="Straight Arrow Connector 104">
+            <a:extLst>
+              <a:ext uri="{FF2B5EF4-FFF2-40B4-BE49-F238E27FC236}">
+                <a16:creationId xmlns:a16="http://schemas.microsoft.com/office/drawing/2014/main" id="{D3333E0A-4CAD-D544-84C9-BB40D0502734}"/>
+              </a:ext>
+            </a:extLst>
+          </p:cNvPr>
+          <p:cNvCxnSpPr>
+            <a:cxnSpLocks/>
+          </p:cNvCxnSpPr>
+          <p:nvPr/>
+        </p:nvCxnSpPr>
+        <p:spPr>
+          <a:xfrm flipH="1" flipV="1">
+            <a:off x="7669504" y="1508244"/>
+            <a:ext cx="581640" cy="158033"/>
+          </a:xfrm>
+          <a:prstGeom prst="straightConnector1">
+            <a:avLst/>
+          </a:prstGeom>
+          <a:ln>
+            <a:tailEnd type="triangle"/>
+          </a:ln>
+        </p:spPr>
+        <p:style>
+          <a:lnRef idx="1">
+            <a:schemeClr val="accent1"/>
+          </a:lnRef>
+          <a:fillRef idx="0">
+            <a:schemeClr val="accent1"/>
+          </a:fillRef>
+          <a:effectRef idx="0">
+            <a:schemeClr val="accent1"/>
+          </a:effectRef>
+          <a:fontRef idx="minor">
+            <a:schemeClr val="tx1"/>
+          </a:fontRef>
+        </p:style>
+      </p:cxnSp>
+      <p:sp>
+        <p:nvSpPr>
+          <p:cNvPr id="106" name="Oval 105">
+            <a:extLst>
+              <a:ext uri="{FF2B5EF4-FFF2-40B4-BE49-F238E27FC236}">
+                <a16:creationId xmlns:a16="http://schemas.microsoft.com/office/drawing/2014/main" id="{0F5EA80F-821B-7A49-839A-F2C01C80C392}"/>
+              </a:ext>
+            </a:extLst>
+          </p:cNvPr>
+          <p:cNvSpPr/>
+          <p:nvPr/>
+        </p:nvSpPr>
+        <p:spPr>
+          <a:xfrm>
+            <a:off x="8232856" y="1572684"/>
+            <a:ext cx="275478" cy="281318"/>
+          </a:xfrm>
+          <a:prstGeom prst="ellipse">
+            <a:avLst/>
+          </a:prstGeom>
+        </p:spPr>
+        <p:style>
+          <a:lnRef idx="1">
+            <a:schemeClr val="accent5"/>
+          </a:lnRef>
+          <a:fillRef idx="2">
+            <a:schemeClr val="accent5"/>
+          </a:fillRef>
+          <a:effectRef idx="1">
+            <a:schemeClr val="accent5"/>
+          </a:effectRef>
+          <a:fontRef idx="minor">
             <a:schemeClr val="dk1"/>
-          </a:lnRef>
-          <a:fillRef idx="0">
-            <a:schemeClr val="dk1"/>
-          </a:fillRef>
-          <a:effectRef idx="0">
-            <a:schemeClr val="dk1"/>
-          </a:effectRef>
-          <a:fontRef idx="minor">
-            <a:schemeClr val="tx1"/>
-          </a:fontRef>
-        </p:style>
-      </p:cxnSp>
-      <p:sp>
-        <p:nvSpPr>
-          <p:cNvPr id="110" name="Diamond 109">
-            <a:extLst>
-              <a:ext uri="{FF2B5EF4-FFF2-40B4-BE49-F238E27FC236}">
-                <a16:creationId xmlns:a16="http://schemas.microsoft.com/office/drawing/2014/main" id="{AE4C2E08-C7CA-1A4F-8A6E-6E8D16B38182}"/>
-              </a:ext>
-            </a:extLst>
-          </p:cNvPr>
-          <p:cNvSpPr/>
-          <p:nvPr/>
-        </p:nvSpPr>
-        <p:spPr>
-          <a:xfrm>
-            <a:off x="7216984" y="8024023"/>
-            <a:ext cx="2423155" cy="835996"/>
-          </a:xfrm>
-          <a:prstGeom prst="diamond">
-            <a:avLst/>
-          </a:prstGeom>
+          </a:fontRef>
+        </p:style>
+        <p:txBody>
+          <a:bodyPr rtlCol="0" anchor="ctr"/>
+          <a:lstStyle/>
+          <a:p>
+            <a:pPr algn="ctr"/>
+            <a:r>
+              <a:rPr lang="en-US" sz="1600"/>
+              <a:t>d</a:t>
+            </a:r>
+            <a:endParaRPr lang="en-US" sz="1400"/>
+          </a:p>
+        </p:txBody>
+      </p:sp>
+      <p:sp>
+        <p:nvSpPr>
+          <p:cNvPr id="5" name="Rectangle 4">
+            <a:extLst>
+              <a:ext uri="{FF2B5EF4-FFF2-40B4-BE49-F238E27FC236}">
+                <a16:creationId xmlns:a16="http://schemas.microsoft.com/office/drawing/2014/main" id="{DCC2B1D0-F381-C14D-B327-CF627AE1DC2B}"/>
+              </a:ext>
+            </a:extLst>
+          </p:cNvPr>
+          <p:cNvSpPr/>
+          <p:nvPr/>
+        </p:nvSpPr>
+        <p:spPr>
+          <a:xfrm>
+            <a:off x="2035036" y="2611765"/>
+            <a:ext cx="1987475" cy="645277"/>
+          </a:xfrm>
+          <a:prstGeom prst="rect">
+            <a:avLst/>
+          </a:prstGeom>
+          <a:solidFill>
+            <a:schemeClr val="accent2">
+              <a:lumMod val="60000"/>
+              <a:lumOff val="40000"/>
+            </a:schemeClr>
+          </a:solidFill>
         </p:spPr>
         <p:style>
           <a:lnRef idx="2">
-            <a:schemeClr val="accent1">
+            <a:schemeClr val="accent4">
               <a:shade val="50000"/>
             </a:schemeClr>
           </a:lnRef>
           <a:fillRef idx="1">
-            <a:schemeClr val="accent1"/>
-          </a:fillRef>
-          <a:effectRef idx="0">
-            <a:schemeClr val="accent1"/>
+            <a:schemeClr val="accent4"/>
+          </a:fillRef>
+          <a:effectRef idx="0">
+            <a:schemeClr val="accent4"/>
           </a:effectRef>
           <a:fontRef idx="minor">
             <a:schemeClr val="lt1"/>
           </a:fontRef>
         </p:style>
         <p:txBody>
-          <a:bodyPr wrap="none" lIns="36000" rIns="36000" rtlCol="0" anchor="ctr"/>
+          <a:bodyPr rtlCol="0" anchor="ctr"/>
           <a:lstStyle/>
           <a:p>
             <a:pPr algn="ctr"/>
             <a:r>
-              <a:rPr lang="en-GB"/>
-              <a:t>FF-NN:</a:t>
-            </a:r>
-            <a:br>
-              <a:rPr lang="en-GB"/>
-            </a:br>
-            <a:r>
-              <a:rPr lang="en-GB"/>
-              <a:t>linear2senses</a:t>
-            </a:r>
-            <a:endParaRPr lang="en-US"/>
-          </a:p>
-        </p:txBody>
-      </p:sp>
-      <p:sp>
-        <p:nvSpPr>
-          <p:cNvPr id="111" name="Down Arrow 110">
-            <a:extLst>
-              <a:ext uri="{FF2B5EF4-FFF2-40B4-BE49-F238E27FC236}">
-                <a16:creationId xmlns:a16="http://schemas.microsoft.com/office/drawing/2014/main" id="{C4A77C34-6AAE-CF4F-9234-5F76595DAA01}"/>
-              </a:ext>
-            </a:extLst>
-          </p:cNvPr>
-          <p:cNvSpPr/>
-          <p:nvPr/>
-        </p:nvSpPr>
-        <p:spPr>
-          <a:xfrm>
-            <a:off x="8229130" y="7168748"/>
-            <a:ext cx="381964" cy="868992"/>
-          </a:xfrm>
-          <a:prstGeom prst="downArrow">
-            <a:avLst/>
-          </a:prstGeom>
-          <a:solidFill>
-            <a:schemeClr val="bg1"/>
-          </a:solidFill>
-        </p:spPr>
-        <p:style>
-          <a:lnRef idx="2">
-            <a:schemeClr val="accent1">
-              <a:shade val="50000"/>
-            </a:schemeClr>
-          </a:lnRef>
-          <a:fillRef idx="1">
-            <a:schemeClr val="accent1"/>
-          </a:fillRef>
-          <a:effectRef idx="0">
-            <a:schemeClr val="accent1"/>
-          </a:effectRef>
-          <a:fontRef idx="minor">
-            <a:schemeClr val="lt1"/>
-          </a:fontRef>
-        </p:style>
-        <p:txBody>
-          <a:bodyPr rtlCol="0" anchor="ctr"/>
-          <a:lstStyle/>
-          <a:p>
-            <a:pPr algn="ctr"/>
-            <a:endParaRPr lang="en-US"/>
-          </a:p>
-        </p:txBody>
-      </p:sp>
-      <p:sp>
-        <p:nvSpPr>
-          <p:cNvPr id="112" name="Down Arrow 111">
-            <a:extLst>
-              <a:ext uri="{FF2B5EF4-FFF2-40B4-BE49-F238E27FC236}">
-                <a16:creationId xmlns:a16="http://schemas.microsoft.com/office/drawing/2014/main" id="{FDC1CB01-C028-6C48-95D2-4C7288B55F66}"/>
-              </a:ext>
-            </a:extLst>
-          </p:cNvPr>
-          <p:cNvSpPr/>
-          <p:nvPr/>
-        </p:nvSpPr>
-        <p:spPr>
-          <a:xfrm>
-            <a:off x="8227381" y="8838659"/>
-            <a:ext cx="381964" cy="428262"/>
-          </a:xfrm>
-          <a:prstGeom prst="downArrow">
-            <a:avLst/>
-          </a:prstGeom>
-          <a:solidFill>
-            <a:schemeClr val="bg1"/>
-          </a:solidFill>
-        </p:spPr>
-        <p:style>
-          <a:lnRef idx="2">
-            <a:schemeClr val="accent1">
-              <a:shade val="50000"/>
-            </a:schemeClr>
-          </a:lnRef>
-          <a:fillRef idx="1">
-            <a:schemeClr val="accent1"/>
-          </a:fillRef>
-          <a:effectRef idx="0">
-            <a:schemeClr val="accent1"/>
-          </a:effectRef>
-          <a:fontRef idx="minor">
-            <a:schemeClr val="lt1"/>
-          </a:fontRef>
-        </p:style>
-        <p:txBody>
-          <a:bodyPr rtlCol="0" anchor="ctr"/>
-          <a:lstStyle/>
-          <a:p>
-            <a:pPr algn="ctr"/>
-            <a:endParaRPr lang="en-US"/>
-          </a:p>
-        </p:txBody>
-      </p:sp>
-      <p:sp>
-        <p:nvSpPr>
-          <p:cNvPr id="114" name="Left Bracket 113">
-            <a:extLst>
-              <a:ext uri="{FF2B5EF4-FFF2-40B4-BE49-F238E27FC236}">
-                <a16:creationId xmlns:a16="http://schemas.microsoft.com/office/drawing/2014/main" id="{D6FA0586-C9C1-0645-96D3-C580A6E207AE}"/>
-              </a:ext>
-            </a:extLst>
-          </p:cNvPr>
-          <p:cNvSpPr/>
-          <p:nvPr/>
-        </p:nvSpPr>
-        <p:spPr>
-          <a:xfrm>
-            <a:off x="2698418" y="5231968"/>
-            <a:ext cx="299326" cy="1111170"/>
-          </a:xfrm>
-          <a:prstGeom prst="leftBracket">
-            <a:avLst/>
-          </a:prstGeom>
-          <a:ln w="12700"/>
-        </p:spPr>
-        <p:style>
-          <a:lnRef idx="1">
-            <a:schemeClr val="accent1"/>
-          </a:lnRef>
-          <a:fillRef idx="0">
-            <a:schemeClr val="accent1"/>
-          </a:fillRef>
-          <a:effectRef idx="0">
-            <a:schemeClr val="accent1"/>
-          </a:effectRef>
-          <a:fontRef idx="minor">
-            <a:schemeClr val="tx1"/>
-          </a:fontRef>
-        </p:style>
-        <p:txBody>
-          <a:bodyPr rtlCol="0" anchor="ctr"/>
-          <a:lstStyle/>
-          <a:p>
-            <a:pPr algn="ctr"/>
-            <a:endParaRPr lang="en-US"/>
-          </a:p>
-        </p:txBody>
-      </p:sp>
-      <p:sp>
-        <p:nvSpPr>
-          <p:cNvPr id="2" name="TextBox 1">
-            <a:extLst>
-              <a:ext uri="{FF2B5EF4-FFF2-40B4-BE49-F238E27FC236}">
-                <a16:creationId xmlns:a16="http://schemas.microsoft.com/office/drawing/2014/main" id="{CD51F447-4C90-B042-B3E2-0278C3F50ABF}"/>
-              </a:ext>
-            </a:extLst>
-          </p:cNvPr>
-          <p:cNvSpPr txBox="1"/>
-          <p:nvPr/>
-        </p:nvSpPr>
-        <p:spPr>
-          <a:xfrm>
-            <a:off x="1723920" y="5498185"/>
-            <a:ext cx="1040022" cy="369332"/>
-          </a:xfrm>
-          <a:prstGeom prst="rect">
-            <a:avLst/>
-          </a:prstGeom>
-          <a:noFill/>
-        </p:spPr>
-        <p:txBody>
-          <a:bodyPr wrap="square" rtlCol="0">
-            <a:spAutoFit/>
-          </a:bodyPr>
-          <a:lstStyle/>
-          <a:p>
-            <a:r>
-              <a:rPr lang="en-US" b="1"/>
-              <a:t>GRU</a:t>
-            </a:r>
-          </a:p>
-        </p:txBody>
-      </p:sp>
-      <p:sp>
-        <p:nvSpPr>
-          <p:cNvPr id="115" name="Diamond 114">
-            <a:extLst>
-              <a:ext uri="{FF2B5EF4-FFF2-40B4-BE49-F238E27FC236}">
-                <a16:creationId xmlns:a16="http://schemas.microsoft.com/office/drawing/2014/main" id="{F069E149-BA77-2B4D-A2C9-3C304350BADE}"/>
-              </a:ext>
-            </a:extLst>
-          </p:cNvPr>
-          <p:cNvSpPr/>
-          <p:nvPr/>
-        </p:nvSpPr>
-        <p:spPr>
-          <a:xfrm>
-            <a:off x="4064291" y="6105268"/>
-            <a:ext cx="2423155" cy="756806"/>
-          </a:xfrm>
-          <a:prstGeom prst="diamond">
-            <a:avLst/>
-          </a:prstGeom>
-        </p:spPr>
-        <p:style>
-          <a:lnRef idx="2">
-            <a:schemeClr val="accent1">
-              <a:shade val="50000"/>
-            </a:schemeClr>
-          </a:lnRef>
-          <a:fillRef idx="1">
-            <a:schemeClr val="accent1"/>
-          </a:fillRef>
-          <a:effectRef idx="0">
-            <a:schemeClr val="accent1"/>
-          </a:effectRef>
-          <a:fontRef idx="minor">
-            <a:schemeClr val="lt1"/>
-          </a:fontRef>
-        </p:style>
-        <p:txBody>
-          <a:bodyPr rtlCol="0" anchor="ctr"/>
-          <a:lstStyle/>
-          <a:p>
-            <a:pPr algn="ctr"/>
-            <a:r>
-              <a:rPr lang="en-US"/>
-              <a:t>Layer 2 of GRU</a:t>
-            </a:r>
-          </a:p>
-        </p:txBody>
-      </p:sp>
-      <p:sp>
-        <p:nvSpPr>
-          <p:cNvPr id="116" name="Rectangle 115">
-            <a:extLst>
-              <a:ext uri="{FF2B5EF4-FFF2-40B4-BE49-F238E27FC236}">
-                <a16:creationId xmlns:a16="http://schemas.microsoft.com/office/drawing/2014/main" id="{DFA289A8-0F99-5146-8DC5-32B647A8B770}"/>
-              </a:ext>
-            </a:extLst>
-          </p:cNvPr>
-          <p:cNvSpPr/>
-          <p:nvPr/>
-        </p:nvSpPr>
-        <p:spPr>
-          <a:xfrm>
-            <a:off x="4242482" y="6881353"/>
-            <a:ext cx="1987475" cy="299327"/>
-          </a:xfrm>
-          <a:prstGeom prst="rect">
-            <a:avLst/>
-          </a:prstGeom>
-          <a:solidFill>
-            <a:schemeClr val="accent5">
-              <a:lumMod val="40000"/>
-              <a:lumOff val="60000"/>
-            </a:schemeClr>
-          </a:solidFill>
-        </p:spPr>
-        <p:style>
-          <a:lnRef idx="2">
-            <a:schemeClr val="accent5">
-              <a:shade val="50000"/>
-            </a:schemeClr>
-          </a:lnRef>
-          <a:fillRef idx="1">
-            <a:schemeClr val="accent5"/>
-          </a:fillRef>
-          <a:effectRef idx="0">
-            <a:schemeClr val="accent5"/>
-          </a:effectRef>
-          <a:fontRef idx="minor">
-            <a:schemeClr val="lt1"/>
-          </a:fontRef>
-        </p:style>
-        <p:txBody>
-          <a:bodyPr rtlCol="0" anchor="ctr"/>
-          <a:lstStyle/>
-          <a:p>
-            <a:pPr algn="ctr"/>
-            <a:r>
-              <a:rPr lang="en-US" sz="1600">
-                <a:solidFill>
-                  <a:schemeClr val="tx1"/>
-                </a:solidFill>
-              </a:rPr>
-              <a:t>Hidden state 2</a:t>
-            </a:r>
-          </a:p>
-        </p:txBody>
-      </p:sp>
-      <p:sp>
-        <p:nvSpPr>
-          <p:cNvPr id="117" name="Diamond 116">
-            <a:extLst>
-              <a:ext uri="{FF2B5EF4-FFF2-40B4-BE49-F238E27FC236}">
-                <a16:creationId xmlns:a16="http://schemas.microsoft.com/office/drawing/2014/main" id="{FA4779EC-9A0D-CB41-868F-70F7E232C442}"/>
-              </a:ext>
-            </a:extLst>
-          </p:cNvPr>
-          <p:cNvSpPr/>
-          <p:nvPr/>
-        </p:nvSpPr>
-        <p:spPr>
-          <a:xfrm>
-            <a:off x="7208535" y="6090291"/>
-            <a:ext cx="2423155" cy="756806"/>
-          </a:xfrm>
-          <a:prstGeom prst="diamond">
-            <a:avLst/>
-          </a:prstGeom>
-        </p:spPr>
-        <p:style>
-          <a:lnRef idx="2">
-            <a:schemeClr val="accent1">
-              <a:shade val="50000"/>
-            </a:schemeClr>
-          </a:lnRef>
-          <a:fillRef idx="1">
-            <a:schemeClr val="accent1"/>
-          </a:fillRef>
-          <a:effectRef idx="0">
-            <a:schemeClr val="accent1"/>
-          </a:effectRef>
-          <a:fontRef idx="minor">
-            <a:schemeClr val="lt1"/>
-          </a:fontRef>
-        </p:style>
-        <p:txBody>
-          <a:bodyPr rtlCol="0" anchor="ctr"/>
-          <a:lstStyle/>
-          <a:p>
-            <a:pPr algn="ctr"/>
-            <a:r>
-              <a:rPr lang="en-US"/>
-              <a:t>Layer 2b of GRU</a:t>
-            </a:r>
-          </a:p>
-        </p:txBody>
-      </p:sp>
-      <p:sp>
-        <p:nvSpPr>
-          <p:cNvPr id="118" name="Rectangle 117">
-            <a:extLst>
-              <a:ext uri="{FF2B5EF4-FFF2-40B4-BE49-F238E27FC236}">
-                <a16:creationId xmlns:a16="http://schemas.microsoft.com/office/drawing/2014/main" id="{1D7FA5EB-8E41-BE4A-9971-CF1924145332}"/>
-              </a:ext>
-            </a:extLst>
-          </p:cNvPr>
-          <p:cNvSpPr/>
-          <p:nvPr/>
-        </p:nvSpPr>
-        <p:spPr>
-          <a:xfrm>
-            <a:off x="7427114" y="6854263"/>
-            <a:ext cx="1987475" cy="299327"/>
-          </a:xfrm>
-          <a:prstGeom prst="rect">
-            <a:avLst/>
-          </a:prstGeom>
-          <a:solidFill>
-            <a:schemeClr val="accent5">
-              <a:lumMod val="40000"/>
-              <a:lumOff val="60000"/>
-            </a:schemeClr>
-          </a:solidFill>
-        </p:spPr>
-        <p:style>
-          <a:lnRef idx="2">
-            <a:schemeClr val="accent5">
-              <a:shade val="50000"/>
-            </a:schemeClr>
-          </a:lnRef>
-          <a:fillRef idx="1">
-            <a:schemeClr val="accent5"/>
-          </a:fillRef>
-          <a:effectRef idx="0">
-            <a:schemeClr val="accent5"/>
-          </a:effectRef>
-          <a:fontRef idx="minor">
-            <a:schemeClr val="lt1"/>
-          </a:fontRef>
-        </p:style>
-        <p:txBody>
-          <a:bodyPr rtlCol="0" anchor="ctr"/>
-          <a:lstStyle/>
-          <a:p>
-            <a:pPr algn="ctr"/>
-            <a:r>
-              <a:rPr lang="en-US" sz="1600">
-                <a:solidFill>
-                  <a:schemeClr val="tx1"/>
-                </a:solidFill>
-              </a:rPr>
-              <a:t>Hidden state 2b</a:t>
-            </a:r>
+              <a:rPr lang="en-US" sz="1600" b="1"/>
+              <a:t>FastText vectors</a:t>
+            </a:r>
+            <a:endParaRPr lang="en-US" sz="1600" b="1">
+              <a:solidFill>
+                <a:schemeClr val="tx1"/>
+              </a:solidFill>
+            </a:endParaRPr>
           </a:p>
         </p:txBody>
       </p:sp>
     </p:spTree>
     <p:extLst>
       <p:ext uri="{BB962C8B-B14F-4D97-AF65-F5344CB8AC3E}">
-        <p14:creationId xmlns:p14="http://schemas.microsoft.com/office/powerpoint/2010/main" val="657849569"/>
+        <p14:creationId xmlns:p14="http://schemas.microsoft.com/office/powerpoint/2010/main" val="3732675719"/>
       </p:ext>
     </p:extLst>
   </p:cSld>
@@ -11864,24 +12453,250 @@
       </p:grpSpPr>
       <p:sp>
         <p:nvSpPr>
-          <p:cNvPr id="4" name="Diamond 3">
-            <a:extLst>
-              <a:ext uri="{FF2B5EF4-FFF2-40B4-BE49-F238E27FC236}">
-                <a16:creationId xmlns:a16="http://schemas.microsoft.com/office/drawing/2014/main" id="{DBB06CCC-4012-7142-8209-4D3CA3521F99}"/>
-              </a:ext>
-            </a:extLst>
-          </p:cNvPr>
-          <p:cNvSpPr/>
-          <p:nvPr/>
-        </p:nvSpPr>
-        <p:spPr>
-          <a:xfrm>
-            <a:off x="4354286" y="3857263"/>
-            <a:ext cx="2423155" cy="835996"/>
-          </a:xfrm>
-          <a:prstGeom prst="diamond">
-            <a:avLst/>
-          </a:prstGeom>
+          <p:cNvPr id="246" name="Rectangle 245">
+            <a:extLst>
+              <a:ext uri="{FF2B5EF4-FFF2-40B4-BE49-F238E27FC236}">
+                <a16:creationId xmlns:a16="http://schemas.microsoft.com/office/drawing/2014/main" id="{21EBD558-2A2F-AE47-AA00-988700403061}"/>
+              </a:ext>
+            </a:extLst>
+          </p:cNvPr>
+          <p:cNvSpPr/>
+          <p:nvPr/>
+        </p:nvSpPr>
+        <p:spPr>
+          <a:xfrm>
+            <a:off x="2636928" y="3680413"/>
+            <a:ext cx="1987475" cy="645277"/>
+          </a:xfrm>
+          <a:prstGeom prst="rect">
+            <a:avLst/>
+          </a:prstGeom>
+          <a:solidFill>
+            <a:schemeClr val="accent2">
+              <a:lumMod val="60000"/>
+              <a:lumOff val="40000"/>
+            </a:schemeClr>
+          </a:solidFill>
+        </p:spPr>
+        <p:style>
+          <a:lnRef idx="2">
+            <a:schemeClr val="accent4">
+              <a:shade val="50000"/>
+            </a:schemeClr>
+          </a:lnRef>
+          <a:fillRef idx="1">
+            <a:schemeClr val="accent4"/>
+          </a:fillRef>
+          <a:effectRef idx="0">
+            <a:schemeClr val="accent4"/>
+          </a:effectRef>
+          <a:fontRef idx="minor">
+            <a:schemeClr val="lt1"/>
+          </a:fontRef>
+        </p:style>
+        <p:txBody>
+          <a:bodyPr rtlCol="0" anchor="ctr"/>
+          <a:lstStyle/>
+          <a:p>
+            <a:pPr algn="ctr"/>
+            <a:r>
+              <a:rPr lang="en-US" sz="1600"/>
+              <a:t>move.global</a:t>
+            </a:r>
+            <a:br>
+              <a:rPr lang="en-US" sz="1600" b="1"/>
+            </a:br>
+            <a:r>
+              <a:rPr lang="en-US" sz="1600" b="1">
+                <a:solidFill>
+                  <a:schemeClr val="tx1"/>
+                </a:solidFill>
+              </a:rPr>
+              <a:t>Word Embedding</a:t>
+            </a:r>
+          </a:p>
+        </p:txBody>
+      </p:sp>
+      <p:sp>
+        <p:nvSpPr>
+          <p:cNvPr id="247" name="Rectangle 246">
+            <a:extLst>
+              <a:ext uri="{FF2B5EF4-FFF2-40B4-BE49-F238E27FC236}">
+                <a16:creationId xmlns:a16="http://schemas.microsoft.com/office/drawing/2014/main" id="{4FE39300-1A73-8E45-BF1A-6C75B44DC8C0}"/>
+              </a:ext>
+            </a:extLst>
+          </p:cNvPr>
+          <p:cNvSpPr/>
+          <p:nvPr/>
+        </p:nvSpPr>
+        <p:spPr>
+          <a:xfrm>
+            <a:off x="4647772" y="3680413"/>
+            <a:ext cx="1987475" cy="645277"/>
+          </a:xfrm>
+          <a:prstGeom prst="rect">
+            <a:avLst/>
+          </a:prstGeom>
+        </p:spPr>
+        <p:style>
+          <a:lnRef idx="2">
+            <a:schemeClr val="accent4">
+              <a:shade val="50000"/>
+            </a:schemeClr>
+          </a:lnRef>
+          <a:fillRef idx="1">
+            <a:schemeClr val="accent4"/>
+          </a:fillRef>
+          <a:effectRef idx="0">
+            <a:schemeClr val="accent4"/>
+          </a:effectRef>
+          <a:fontRef idx="minor">
+            <a:schemeClr val="lt1"/>
+          </a:fontRef>
+        </p:style>
+        <p:txBody>
+          <a:bodyPr rtlCol="0" anchor="ctr"/>
+          <a:lstStyle/>
+          <a:p>
+            <a:pPr algn="ctr"/>
+            <a:r>
+              <a:rPr lang="en-US" sz="1600"/>
+              <a:t>move.global</a:t>
+            </a:r>
+            <a:br>
+              <a:rPr lang="en-US" sz="1600" b="1"/>
+            </a:br>
+            <a:r>
+              <a:rPr lang="en-US" sz="1600" b="1">
+                <a:solidFill>
+                  <a:schemeClr val="tx1"/>
+                </a:solidFill>
+              </a:rPr>
+              <a:t>Word Node State</a:t>
+            </a:r>
+          </a:p>
+        </p:txBody>
+      </p:sp>
+      <p:sp>
+        <p:nvSpPr>
+          <p:cNvPr id="248" name="Rectangle 247">
+            <a:extLst>
+              <a:ext uri="{FF2B5EF4-FFF2-40B4-BE49-F238E27FC236}">
+                <a16:creationId xmlns:a16="http://schemas.microsoft.com/office/drawing/2014/main" id="{D35CF018-7FC4-684A-9DA9-60D958BF6D57}"/>
+              </a:ext>
+            </a:extLst>
+          </p:cNvPr>
+          <p:cNvSpPr/>
+          <p:nvPr/>
+        </p:nvSpPr>
+        <p:spPr>
+          <a:xfrm>
+            <a:off x="6658616" y="3680413"/>
+            <a:ext cx="1987475" cy="645277"/>
+          </a:xfrm>
+          <a:prstGeom prst="rect">
+            <a:avLst/>
+          </a:prstGeom>
+        </p:spPr>
+        <p:style>
+          <a:lnRef idx="1">
+            <a:schemeClr val="accent6"/>
+          </a:lnRef>
+          <a:fillRef idx="2">
+            <a:schemeClr val="accent6"/>
+          </a:fillRef>
+          <a:effectRef idx="1">
+            <a:schemeClr val="accent6"/>
+          </a:effectRef>
+          <a:fontRef idx="minor">
+            <a:schemeClr val="dk1"/>
+          </a:fontRef>
+        </p:style>
+        <p:txBody>
+          <a:bodyPr rtlCol="0" anchor="ctr"/>
+          <a:lstStyle/>
+          <a:p>
+            <a:pPr algn="ctr"/>
+            <a:r>
+              <a:rPr lang="en-US" sz="1600"/>
+              <a:t>Move.v.2</a:t>
+            </a:r>
+            <a:br>
+              <a:rPr lang="en-US" sz="1600" b="1"/>
+            </a:br>
+            <a:r>
+              <a:rPr lang="en-US" sz="1600" b="1"/>
+              <a:t>Sense </a:t>
+            </a:r>
+            <a:r>
+              <a:rPr lang="en-US" sz="1600" b="1">
+                <a:solidFill>
+                  <a:schemeClr val="tx1"/>
+                </a:solidFill>
+              </a:rPr>
+              <a:t>Node State</a:t>
+            </a:r>
+          </a:p>
+        </p:txBody>
+      </p:sp>
+      <p:sp>
+        <p:nvSpPr>
+          <p:cNvPr id="249" name="TextBox 248">
+            <a:extLst>
+              <a:ext uri="{FF2B5EF4-FFF2-40B4-BE49-F238E27FC236}">
+                <a16:creationId xmlns:a16="http://schemas.microsoft.com/office/drawing/2014/main" id="{1AD4AF1E-29BB-C843-81FD-DB36FE67382B}"/>
+              </a:ext>
+            </a:extLst>
+          </p:cNvPr>
+          <p:cNvSpPr txBox="1"/>
+          <p:nvPr/>
+        </p:nvSpPr>
+        <p:spPr>
+          <a:xfrm>
+            <a:off x="838722" y="3869277"/>
+            <a:ext cx="1602487" cy="369332"/>
+          </a:xfrm>
+          <a:prstGeom prst="rect">
+            <a:avLst/>
+          </a:prstGeom>
+          <a:noFill/>
+        </p:spPr>
+        <p:txBody>
+          <a:bodyPr wrap="square" rtlCol="0">
+            <a:spAutoFit/>
+          </a:bodyPr>
+          <a:lstStyle/>
+          <a:p>
+            <a:r>
+              <a:rPr lang="en-US"/>
+              <a:t>Concatenated:</a:t>
+            </a:r>
+          </a:p>
+        </p:txBody>
+      </p:sp>
+      <p:sp>
+        <p:nvSpPr>
+          <p:cNvPr id="257" name="Down Arrow 256">
+            <a:extLst>
+              <a:ext uri="{FF2B5EF4-FFF2-40B4-BE49-F238E27FC236}">
+                <a16:creationId xmlns:a16="http://schemas.microsoft.com/office/drawing/2014/main" id="{18F0D862-3477-2D4C-BA18-3CA75A087836}"/>
+              </a:ext>
+            </a:extLst>
+          </p:cNvPr>
+          <p:cNvSpPr/>
+          <p:nvPr/>
+        </p:nvSpPr>
+        <p:spPr>
+          <a:xfrm>
+            <a:off x="5075919" y="4525190"/>
+            <a:ext cx="381964" cy="473605"/>
+          </a:xfrm>
+          <a:prstGeom prst="downArrow">
+            <a:avLst/>
+          </a:prstGeom>
+          <a:solidFill>
+            <a:schemeClr val="bg1"/>
+          </a:solidFill>
         </p:spPr>
         <p:style>
           <a:lnRef idx="2">
@@ -11904,43 +12719,75 @@
           <a:lstStyle/>
           <a:p>
             <a:pPr algn="ctr"/>
-            <a:r>
-              <a:rPr lang="en-US"/>
-              <a:t>2-layers</a:t>
-            </a:r>
-            <a:br>
-              <a:rPr lang="en-US"/>
-            </a:br>
-            <a:r>
-              <a:rPr lang="en-US"/>
-              <a:t>GRU</a:t>
-            </a:r>
-          </a:p>
-        </p:txBody>
-      </p:sp>
-      <p:sp>
-        <p:nvSpPr>
-          <p:cNvPr id="5" name="Down Arrow 4">
-            <a:extLst>
-              <a:ext uri="{FF2B5EF4-FFF2-40B4-BE49-F238E27FC236}">
-                <a16:creationId xmlns:a16="http://schemas.microsoft.com/office/drawing/2014/main" id="{2E1E1C2B-5B16-004D-95B2-00203BDC4738}"/>
-              </a:ext>
-            </a:extLst>
-          </p:cNvPr>
-          <p:cNvSpPr/>
-          <p:nvPr/>
-        </p:nvSpPr>
-        <p:spPr>
-          <a:xfrm>
-            <a:off x="5386454" y="3429001"/>
-            <a:ext cx="381964" cy="428262"/>
-          </a:xfrm>
-          <a:prstGeom prst="downArrow">
-            <a:avLst/>
-          </a:prstGeom>
-          <a:solidFill>
-            <a:schemeClr val="bg1"/>
-          </a:solidFill>
+            <a:endParaRPr lang="en-US"/>
+          </a:p>
+        </p:txBody>
+      </p:sp>
+      <p:sp>
+        <p:nvSpPr>
+          <p:cNvPr id="258" name="Left Bracket 257">
+            <a:extLst>
+              <a:ext uri="{FF2B5EF4-FFF2-40B4-BE49-F238E27FC236}">
+                <a16:creationId xmlns:a16="http://schemas.microsoft.com/office/drawing/2014/main" id="{161D59A0-97E8-A340-937B-F8E6E9BF767B}"/>
+              </a:ext>
+            </a:extLst>
+          </p:cNvPr>
+          <p:cNvSpPr/>
+          <p:nvPr/>
+        </p:nvSpPr>
+        <p:spPr>
+          <a:xfrm rot="-5400000">
+            <a:off x="5497536" y="1181645"/>
+            <a:ext cx="299326" cy="6370202"/>
+          </a:xfrm>
+          <a:prstGeom prst="leftBracket">
+            <a:avLst/>
+          </a:prstGeom>
+          <a:ln w="12700"/>
+        </p:spPr>
+        <p:style>
+          <a:lnRef idx="1">
+            <a:schemeClr val="accent1"/>
+          </a:lnRef>
+          <a:fillRef idx="0">
+            <a:schemeClr val="accent1"/>
+          </a:fillRef>
+          <a:effectRef idx="0">
+            <a:schemeClr val="accent1"/>
+          </a:effectRef>
+          <a:fontRef idx="minor">
+            <a:schemeClr val="tx1"/>
+          </a:fontRef>
+        </p:style>
+        <p:txBody>
+          <a:bodyPr rtlCol="0" anchor="ctr"/>
+          <a:lstStyle/>
+          <a:p>
+            <a:pPr algn="ctr"/>
+            <a:endParaRPr lang="en-US"/>
+          </a:p>
+        </p:txBody>
+      </p:sp>
+      <p:sp>
+        <p:nvSpPr>
+          <p:cNvPr id="259" name="Diamond 258">
+            <a:extLst>
+              <a:ext uri="{FF2B5EF4-FFF2-40B4-BE49-F238E27FC236}">
+                <a16:creationId xmlns:a16="http://schemas.microsoft.com/office/drawing/2014/main" id="{39D90A8D-B5BB-4B48-AC59-75E00CEEE05C}"/>
+              </a:ext>
+            </a:extLst>
+          </p:cNvPr>
+          <p:cNvSpPr/>
+          <p:nvPr/>
+        </p:nvSpPr>
+        <p:spPr>
+          <a:xfrm>
+            <a:off x="4054200" y="5026792"/>
+            <a:ext cx="2423155" cy="756806"/>
+          </a:xfrm>
+          <a:prstGeom prst="diamond">
+            <a:avLst/>
+          </a:prstGeom>
         </p:spPr>
         <p:style>
           <a:lnRef idx="2">
@@ -11959,37 +12806,33 @@
           </a:fontRef>
         </p:style>
         <p:txBody>
-          <a:bodyPr wrap="none" rtlCol="0" anchor="ctr"/>
+          <a:bodyPr rtlCol="0" anchor="ctr"/>
           <a:lstStyle/>
           <a:p>
             <a:pPr algn="ctr"/>
             <a:r>
-              <a:rPr lang="en-US" b="1">
-                <a:solidFill>
-                  <a:schemeClr val="tx1"/>
-                </a:solidFill>
-              </a:rPr>
-              <a:t>I n p u t</a:t>
-            </a:r>
-          </a:p>
-        </p:txBody>
-      </p:sp>
-      <p:sp>
-        <p:nvSpPr>
-          <p:cNvPr id="7" name="Rectangle 6">
-            <a:extLst>
-              <a:ext uri="{FF2B5EF4-FFF2-40B4-BE49-F238E27FC236}">
-                <a16:creationId xmlns:a16="http://schemas.microsoft.com/office/drawing/2014/main" id="{CEB94528-BBB3-B44D-860D-084ECFCFE803}"/>
-              </a:ext>
-            </a:extLst>
-          </p:cNvPr>
-          <p:cNvSpPr/>
-          <p:nvPr/>
-        </p:nvSpPr>
-        <p:spPr>
-          <a:xfrm>
-            <a:off x="4572125" y="5038712"/>
-            <a:ext cx="1987475" cy="530651"/>
+              <a:rPr lang="en-US"/>
+              <a:t>Layer 1 of GRU</a:t>
+            </a:r>
+          </a:p>
+        </p:txBody>
+      </p:sp>
+      <p:sp>
+        <p:nvSpPr>
+          <p:cNvPr id="86" name="Rectangle 85">
+            <a:extLst>
+              <a:ext uri="{FF2B5EF4-FFF2-40B4-BE49-F238E27FC236}">
+                <a16:creationId xmlns:a16="http://schemas.microsoft.com/office/drawing/2014/main" id="{04720A63-B472-2649-946A-1480BD193270}"/>
+              </a:ext>
+            </a:extLst>
+          </p:cNvPr>
+          <p:cNvSpPr/>
+          <p:nvPr/>
+        </p:nvSpPr>
+        <p:spPr>
+          <a:xfrm>
+            <a:off x="4242483" y="5799930"/>
+            <a:ext cx="1987475" cy="299327"/>
           </a:xfrm>
           <a:prstGeom prst="rect">
             <a:avLst/>
@@ -12028,46 +12871,26 @@
                   <a:schemeClr val="tx1"/>
                 </a:solidFill>
               </a:rPr>
-              <a:t>Encoding </a:t>
-            </a:r>
-            <a:br>
-              <a:rPr lang="en-US" sz="1600">
-                <a:solidFill>
-                  <a:schemeClr val="tx1"/>
-                </a:solidFill>
-              </a:rPr>
-            </a:br>
-            <a:r>
-              <a:rPr lang="en-US" sz="1600">
-                <a:solidFill>
-                  <a:schemeClr val="tx1"/>
-                </a:solidFill>
-              </a:rPr>
-              <a:t>(Hidden state 2)</a:t>
-            </a:r>
-            <a:endParaRPr lang="en-US" sz="1600" b="1">
-              <a:solidFill>
-                <a:schemeClr val="tx1"/>
-              </a:solidFill>
-            </a:endParaRPr>
-          </a:p>
-        </p:txBody>
-      </p:sp>
-      <p:sp>
-        <p:nvSpPr>
-          <p:cNvPr id="10" name="Diamond 9">
-            <a:extLst>
-              <a:ext uri="{FF2B5EF4-FFF2-40B4-BE49-F238E27FC236}">
-                <a16:creationId xmlns:a16="http://schemas.microsoft.com/office/drawing/2014/main" id="{E26FEDF0-E397-024D-A02E-1E1D21E34639}"/>
-              </a:ext>
-            </a:extLst>
-          </p:cNvPr>
-          <p:cNvSpPr/>
-          <p:nvPr/>
-        </p:nvSpPr>
-        <p:spPr>
-          <a:xfrm>
-            <a:off x="4354284" y="6014410"/>
+              <a:t>Hidden state 1</a:t>
+            </a:r>
+          </a:p>
+        </p:txBody>
+      </p:sp>
+      <p:sp>
+        <p:nvSpPr>
+          <p:cNvPr id="87" name="Diamond 86">
+            <a:extLst>
+              <a:ext uri="{FF2B5EF4-FFF2-40B4-BE49-F238E27FC236}">
+                <a16:creationId xmlns:a16="http://schemas.microsoft.com/office/drawing/2014/main" id="{D720A14A-448F-C74D-9782-DA58BDCF5657}"/>
+              </a:ext>
+            </a:extLst>
+          </p:cNvPr>
+          <p:cNvSpPr/>
+          <p:nvPr/>
+        </p:nvSpPr>
+        <p:spPr>
+          <a:xfrm>
+            <a:off x="4053586" y="8026165"/>
             <a:ext cx="2423155" cy="835996"/>
           </a:xfrm>
           <a:prstGeom prst="diamond">
@@ -12112,19 +12935,19 @@
       </p:sp>
       <p:sp>
         <p:nvSpPr>
-          <p:cNvPr id="12" name="Rectangle 11">
-            <a:extLst>
-              <a:ext uri="{FF2B5EF4-FFF2-40B4-BE49-F238E27FC236}">
-                <a16:creationId xmlns:a16="http://schemas.microsoft.com/office/drawing/2014/main" id="{BF9CF074-2BFA-2E4A-A782-5519DDEB6F3B}"/>
-              </a:ext>
-            </a:extLst>
-          </p:cNvPr>
-          <p:cNvSpPr/>
-          <p:nvPr/>
-        </p:nvSpPr>
-        <p:spPr>
-          <a:xfrm>
-            <a:off x="4596390" y="7311609"/>
+          <p:cNvPr id="88" name="Rectangle 87">
+            <a:extLst>
+              <a:ext uri="{FF2B5EF4-FFF2-40B4-BE49-F238E27FC236}">
+                <a16:creationId xmlns:a16="http://schemas.microsoft.com/office/drawing/2014/main" id="{B6224982-B82A-1543-8A21-0A983FA65669}"/>
+              </a:ext>
+            </a:extLst>
+          </p:cNvPr>
+          <p:cNvSpPr/>
+          <p:nvPr/>
+        </p:nvSpPr>
+        <p:spPr>
+          <a:xfrm>
+            <a:off x="4295692" y="9323364"/>
             <a:ext cx="1987475" cy="530651"/>
           </a:xfrm>
           <a:prstGeom prst="rect">
@@ -12171,109 +12994,20 @@
       </p:sp>
       <p:sp>
         <p:nvSpPr>
-          <p:cNvPr id="14" name="Oval 13">
-            <a:extLst>
-              <a:ext uri="{FF2B5EF4-FFF2-40B4-BE49-F238E27FC236}">
-                <a16:creationId xmlns:a16="http://schemas.microsoft.com/office/drawing/2014/main" id="{CC2973EE-8363-8F47-BA1C-C19ED98DECD3}"/>
-              </a:ext>
-            </a:extLst>
-          </p:cNvPr>
-          <p:cNvSpPr/>
-          <p:nvPr/>
-        </p:nvSpPr>
-        <p:spPr>
-          <a:xfrm>
-            <a:off x="5189683" y="8267181"/>
-            <a:ext cx="752354" cy="755561"/>
-          </a:xfrm>
-          <a:prstGeom prst="ellipse">
-            <a:avLst/>
-          </a:prstGeom>
-        </p:spPr>
-        <p:style>
-          <a:lnRef idx="1">
-            <a:schemeClr val="accent3"/>
-          </a:lnRef>
-          <a:fillRef idx="2">
-            <a:schemeClr val="accent3"/>
-          </a:fillRef>
-          <a:effectRef idx="1">
-            <a:schemeClr val="accent3"/>
-          </a:effectRef>
-          <a:fontRef idx="minor">
-            <a:schemeClr val="dk1"/>
-          </a:fontRef>
-        </p:style>
-        <p:txBody>
-          <a:bodyPr wrap="none" rtlCol="0" anchor="ctr"/>
-          <a:lstStyle/>
-          <a:p>
-            <a:pPr algn="ctr"/>
-            <a:r>
-              <a:rPr lang="en-US"/>
-              <a:t>Softmax</a:t>
-            </a:r>
-          </a:p>
-        </p:txBody>
-      </p:sp>
-      <p:cxnSp>
-        <p:nvCxnSpPr>
-          <p:cNvPr id="16" name="Straight Arrow Connector 15">
-            <a:extLst>
-              <a:ext uri="{FF2B5EF4-FFF2-40B4-BE49-F238E27FC236}">
-                <a16:creationId xmlns:a16="http://schemas.microsoft.com/office/drawing/2014/main" id="{085041C8-9843-9647-A903-D4B6FE815AA6}"/>
-              </a:ext>
-            </a:extLst>
-          </p:cNvPr>
-          <p:cNvCxnSpPr>
-            <a:stCxn id="4" idx="2"/>
-            <a:endCxn id="7" idx="0"/>
-          </p:cNvCxnSpPr>
-          <p:nvPr/>
-        </p:nvCxnSpPr>
-        <p:spPr>
-          <a:xfrm flipH="1">
-            <a:off x="5565863" y="4693259"/>
-            <a:ext cx="1" cy="345452"/>
-          </a:xfrm>
-          <a:prstGeom prst="straightConnector1">
-            <a:avLst/>
-          </a:prstGeom>
-          <a:ln>
-            <a:tailEnd type="triangle"/>
-          </a:ln>
-        </p:spPr>
-        <p:style>
-          <a:lnRef idx="1">
-            <a:schemeClr val="dk1"/>
-          </a:lnRef>
-          <a:fillRef idx="0">
-            <a:schemeClr val="dk1"/>
-          </a:fillRef>
-          <a:effectRef idx="0">
-            <a:schemeClr val="dk1"/>
-          </a:effectRef>
-          <a:fontRef idx="minor">
-            <a:schemeClr val="tx1"/>
-          </a:fontRef>
-        </p:style>
-      </p:cxnSp>
-      <p:sp>
-        <p:nvSpPr>
-          <p:cNvPr id="17" name="Down Arrow 16">
-            <a:extLst>
-              <a:ext uri="{FF2B5EF4-FFF2-40B4-BE49-F238E27FC236}">
-                <a16:creationId xmlns:a16="http://schemas.microsoft.com/office/drawing/2014/main" id="{DBF5080D-6078-4A4D-A114-6B041E937229}"/>
-              </a:ext>
-            </a:extLst>
-          </p:cNvPr>
-          <p:cNvSpPr/>
-          <p:nvPr/>
-        </p:nvSpPr>
-        <p:spPr>
-          <a:xfrm>
-            <a:off x="5386454" y="5564633"/>
-            <a:ext cx="381964" cy="428262"/>
+          <p:cNvPr id="92" name="Down Arrow 91">
+            <a:extLst>
+              <a:ext uri="{FF2B5EF4-FFF2-40B4-BE49-F238E27FC236}">
+                <a16:creationId xmlns:a16="http://schemas.microsoft.com/office/drawing/2014/main" id="{8B86E277-3EBE-4D4D-906B-94475D1125B4}"/>
+              </a:ext>
+            </a:extLst>
+          </p:cNvPr>
+          <p:cNvSpPr/>
+          <p:nvPr/>
+        </p:nvSpPr>
+        <p:spPr>
+          <a:xfrm>
+            <a:off x="5096367" y="7190170"/>
+            <a:ext cx="381964" cy="835995"/>
           </a:xfrm>
           <a:prstGeom prst="downArrow">
             <a:avLst/>
@@ -12309,19 +13043,19 @@
       </p:sp>
       <p:sp>
         <p:nvSpPr>
-          <p:cNvPr id="18" name="Down Arrow 17">
-            <a:extLst>
-              <a:ext uri="{FF2B5EF4-FFF2-40B4-BE49-F238E27FC236}">
-                <a16:creationId xmlns:a16="http://schemas.microsoft.com/office/drawing/2014/main" id="{78948B97-2EB5-7C44-8661-F8FF659EEC11}"/>
-              </a:ext>
-            </a:extLst>
-          </p:cNvPr>
-          <p:cNvSpPr/>
-          <p:nvPr/>
-        </p:nvSpPr>
-        <p:spPr>
-          <a:xfrm>
-            <a:off x="5386454" y="6850406"/>
+          <p:cNvPr id="93" name="Down Arrow 92">
+            <a:extLst>
+              <a:ext uri="{FF2B5EF4-FFF2-40B4-BE49-F238E27FC236}">
+                <a16:creationId xmlns:a16="http://schemas.microsoft.com/office/drawing/2014/main" id="{5A0602D7-C1C7-184A-B336-BDBBEA25EBA2}"/>
+              </a:ext>
+            </a:extLst>
+          </p:cNvPr>
+          <p:cNvSpPr/>
+          <p:nvPr/>
+        </p:nvSpPr>
+        <p:spPr>
+          <a:xfrm>
+            <a:off x="5085756" y="8862161"/>
             <a:ext cx="381964" cy="428262"/>
           </a:xfrm>
           <a:prstGeom prst="downArrow">
@@ -12358,19 +13092,19 @@
       </p:sp>
       <p:sp>
         <p:nvSpPr>
-          <p:cNvPr id="19" name="Down Arrow 18">
-            <a:extLst>
-              <a:ext uri="{FF2B5EF4-FFF2-40B4-BE49-F238E27FC236}">
-                <a16:creationId xmlns:a16="http://schemas.microsoft.com/office/drawing/2014/main" id="{8C470EB7-41A5-5C4D-8682-9F0FDF9C952B}"/>
-              </a:ext>
-            </a:extLst>
-          </p:cNvPr>
-          <p:cNvSpPr/>
-          <p:nvPr/>
-        </p:nvSpPr>
-        <p:spPr>
-          <a:xfrm>
-            <a:off x="5374878" y="7834882"/>
+          <p:cNvPr id="94" name="Down Arrow 93">
+            <a:extLst>
+              <a:ext uri="{FF2B5EF4-FFF2-40B4-BE49-F238E27FC236}">
+                <a16:creationId xmlns:a16="http://schemas.microsoft.com/office/drawing/2014/main" id="{9C0E5ABE-5384-D840-81FE-E7F6C349D18F}"/>
+              </a:ext>
+            </a:extLst>
+          </p:cNvPr>
+          <p:cNvSpPr/>
+          <p:nvPr/>
+        </p:nvSpPr>
+        <p:spPr>
+          <a:xfrm>
+            <a:off x="5074180" y="9846637"/>
             <a:ext cx="381964" cy="428262"/>
           </a:xfrm>
           <a:prstGeom prst="downArrow">
@@ -12407,127 +13141,19 @@
       </p:sp>
       <p:sp>
         <p:nvSpPr>
-          <p:cNvPr id="20" name="Down Arrow 19">
-            <a:extLst>
-              <a:ext uri="{FF2B5EF4-FFF2-40B4-BE49-F238E27FC236}">
-                <a16:creationId xmlns:a16="http://schemas.microsoft.com/office/drawing/2014/main" id="{3D411D0C-0351-B247-8E17-DF97F0AC5EA3}"/>
-              </a:ext>
-            </a:extLst>
-          </p:cNvPr>
-          <p:cNvSpPr/>
-          <p:nvPr/>
-        </p:nvSpPr>
-        <p:spPr>
-          <a:xfrm>
-            <a:off x="5374878" y="9032233"/>
-            <a:ext cx="381964" cy="428262"/>
-          </a:xfrm>
-          <a:prstGeom prst="downArrow">
-            <a:avLst/>
-          </a:prstGeom>
-          <a:solidFill>
-            <a:schemeClr val="bg1"/>
-          </a:solidFill>
-        </p:spPr>
-        <p:style>
-          <a:lnRef idx="2">
-            <a:schemeClr val="accent1">
-              <a:shade val="50000"/>
-            </a:schemeClr>
-          </a:lnRef>
-          <a:fillRef idx="1">
-            <a:schemeClr val="accent1"/>
-          </a:fillRef>
-          <a:effectRef idx="0">
-            <a:schemeClr val="accent1"/>
-          </a:effectRef>
-          <a:fontRef idx="minor">
-            <a:schemeClr val="lt1"/>
-          </a:fontRef>
-        </p:style>
-        <p:txBody>
-          <a:bodyPr rtlCol="0" anchor="ctr"/>
-          <a:lstStyle/>
-          <a:p>
-            <a:pPr algn="ctr"/>
-            <a:endParaRPr lang="en-US"/>
-          </a:p>
-        </p:txBody>
-      </p:sp>
-      <p:sp>
-        <p:nvSpPr>
-          <p:cNvPr id="21" name="Rectangle 20">
-            <a:extLst>
-              <a:ext uri="{FF2B5EF4-FFF2-40B4-BE49-F238E27FC236}">
-                <a16:creationId xmlns:a16="http://schemas.microsoft.com/office/drawing/2014/main" id="{5BACE416-FE57-2945-89A6-FCFC8709676C}"/>
-              </a:ext>
-            </a:extLst>
-          </p:cNvPr>
-          <p:cNvSpPr/>
-          <p:nvPr/>
-        </p:nvSpPr>
-        <p:spPr>
-          <a:xfrm>
-            <a:off x="4572123" y="9460496"/>
-            <a:ext cx="1987475" cy="755561"/>
-          </a:xfrm>
-          <a:prstGeom prst="rect">
-            <a:avLst/>
-          </a:prstGeom>
-          <a:solidFill>
-            <a:schemeClr val="accent4">
-              <a:lumMod val="40000"/>
-              <a:lumOff val="60000"/>
-            </a:schemeClr>
-          </a:solidFill>
-        </p:spPr>
-        <p:style>
-          <a:lnRef idx="2">
-            <a:schemeClr val="accent5">
-              <a:shade val="50000"/>
-            </a:schemeClr>
-          </a:lnRef>
-          <a:fillRef idx="1">
-            <a:schemeClr val="accent5"/>
-          </a:fillRef>
-          <a:effectRef idx="0">
-            <a:schemeClr val="accent5"/>
-          </a:effectRef>
-          <a:fontRef idx="minor">
-            <a:schemeClr val="lt1"/>
-          </a:fontRef>
-        </p:style>
-        <p:txBody>
-          <a:bodyPr rtlCol="0" anchor="ctr"/>
-          <a:lstStyle/>
-          <a:p>
-            <a:pPr algn="ctr"/>
-            <a:r>
-              <a:rPr lang="en-US" sz="1600">
-                <a:solidFill>
-                  <a:schemeClr val="tx1"/>
-                </a:solidFill>
-              </a:rPr>
-              <a:t>Predicted probabilities – next global word</a:t>
-            </a:r>
-          </a:p>
-        </p:txBody>
-      </p:sp>
-      <p:sp>
-        <p:nvSpPr>
-          <p:cNvPr id="22" name="Rectangle 21">
-            <a:extLst>
-              <a:ext uri="{FF2B5EF4-FFF2-40B4-BE49-F238E27FC236}">
-                <a16:creationId xmlns:a16="http://schemas.microsoft.com/office/drawing/2014/main" id="{3F7175FE-C5F5-9A4E-A7A6-7C7AE95F8F13}"/>
-              </a:ext>
-            </a:extLst>
-          </p:cNvPr>
-          <p:cNvSpPr/>
-          <p:nvPr/>
-        </p:nvSpPr>
-        <p:spPr>
-          <a:xfrm>
-            <a:off x="8348517" y="7311609"/>
+          <p:cNvPr id="97" name="Rectangle 96">
+            <a:extLst>
+              <a:ext uri="{FF2B5EF4-FFF2-40B4-BE49-F238E27FC236}">
+                <a16:creationId xmlns:a16="http://schemas.microsoft.com/office/drawing/2014/main" id="{A58CB02F-E5F6-DC40-9916-827FEEA07178}"/>
+              </a:ext>
+            </a:extLst>
+          </p:cNvPr>
+          <p:cNvSpPr/>
+          <p:nvPr/>
+        </p:nvSpPr>
+        <p:spPr>
+          <a:xfrm>
+            <a:off x="7454580" y="9274087"/>
             <a:ext cx="1987475" cy="530651"/>
           </a:xfrm>
           <a:prstGeom prst="rect">
@@ -12574,66 +13200,19 @@
       </p:sp>
       <p:sp>
         <p:nvSpPr>
-          <p:cNvPr id="23" name="Oval 22">
-            <a:extLst>
-              <a:ext uri="{FF2B5EF4-FFF2-40B4-BE49-F238E27FC236}">
-                <a16:creationId xmlns:a16="http://schemas.microsoft.com/office/drawing/2014/main" id="{6EE07ECA-65A2-0641-AE45-4F768DCC5DBD}"/>
-              </a:ext>
-            </a:extLst>
-          </p:cNvPr>
-          <p:cNvSpPr/>
-          <p:nvPr/>
-        </p:nvSpPr>
-        <p:spPr>
-          <a:xfrm>
-            <a:off x="8941810" y="8267181"/>
-            <a:ext cx="752354" cy="755561"/>
-          </a:xfrm>
-          <a:prstGeom prst="ellipse">
-            <a:avLst/>
-          </a:prstGeom>
-        </p:spPr>
-        <p:style>
-          <a:lnRef idx="1">
-            <a:schemeClr val="accent3"/>
-          </a:lnRef>
-          <a:fillRef idx="2">
-            <a:schemeClr val="accent3"/>
-          </a:fillRef>
-          <a:effectRef idx="1">
-            <a:schemeClr val="accent3"/>
-          </a:effectRef>
-          <a:fontRef idx="minor">
-            <a:schemeClr val="dk1"/>
-          </a:fontRef>
-        </p:style>
-        <p:txBody>
-          <a:bodyPr wrap="none" rtlCol="0" anchor="ctr"/>
-          <a:lstStyle/>
-          <a:p>
-            <a:pPr algn="ctr"/>
-            <a:r>
-              <a:rPr lang="en-US"/>
-              <a:t>Softmax</a:t>
-            </a:r>
-          </a:p>
-        </p:txBody>
-      </p:sp>
-      <p:sp>
-        <p:nvSpPr>
-          <p:cNvPr id="24" name="Down Arrow 23">
-            <a:extLst>
-              <a:ext uri="{FF2B5EF4-FFF2-40B4-BE49-F238E27FC236}">
-                <a16:creationId xmlns:a16="http://schemas.microsoft.com/office/drawing/2014/main" id="{5B8A8200-1A61-9A43-8F04-80F717E9B000}"/>
-              </a:ext>
-            </a:extLst>
-          </p:cNvPr>
-          <p:cNvSpPr/>
-          <p:nvPr/>
-        </p:nvSpPr>
-        <p:spPr>
-          <a:xfrm>
-            <a:off x="9127005" y="7834882"/>
+          <p:cNvPr id="99" name="Down Arrow 98">
+            <a:extLst>
+              <a:ext uri="{FF2B5EF4-FFF2-40B4-BE49-F238E27FC236}">
+                <a16:creationId xmlns:a16="http://schemas.microsoft.com/office/drawing/2014/main" id="{F51D490F-46EF-B84B-A119-C4E3B360FA11}"/>
+              </a:ext>
+            </a:extLst>
+          </p:cNvPr>
+          <p:cNvSpPr/>
+          <p:nvPr/>
+        </p:nvSpPr>
+        <p:spPr>
+          <a:xfrm>
+            <a:off x="8233068" y="9797360"/>
             <a:ext cx="381964" cy="428262"/>
           </a:xfrm>
           <a:prstGeom prst="downArrow">
@@ -12668,29 +13247,68 @@
           </a:p>
         </p:txBody>
       </p:sp>
-      <p:sp>
-        <p:nvSpPr>
-          <p:cNvPr id="25" name="Down Arrow 24">
-            <a:extLst>
-              <a:ext uri="{FF2B5EF4-FFF2-40B4-BE49-F238E27FC236}">
-                <a16:creationId xmlns:a16="http://schemas.microsoft.com/office/drawing/2014/main" id="{454F61DD-CF26-0343-993B-E71B9524B95F}"/>
-              </a:ext>
-            </a:extLst>
-          </p:cNvPr>
-          <p:cNvSpPr/>
-          <p:nvPr/>
-        </p:nvSpPr>
-        <p:spPr>
-          <a:xfrm>
-            <a:off x="9127005" y="9032233"/>
-            <a:ext cx="381964" cy="428262"/>
-          </a:xfrm>
-          <a:prstGeom prst="downArrow">
-            <a:avLst/>
-          </a:prstGeom>
-          <a:solidFill>
-            <a:schemeClr val="bg1"/>
-          </a:solidFill>
+      <p:cxnSp>
+        <p:nvCxnSpPr>
+          <p:cNvPr id="103" name="Straight Arrow Connector 102">
+            <a:extLst>
+              <a:ext uri="{FF2B5EF4-FFF2-40B4-BE49-F238E27FC236}">
+                <a16:creationId xmlns:a16="http://schemas.microsoft.com/office/drawing/2014/main" id="{48E82184-43C1-7D46-9834-06EBC665D3F5}"/>
+              </a:ext>
+            </a:extLst>
+          </p:cNvPr>
+          <p:cNvCxnSpPr>
+            <a:cxnSpLocks/>
+            <a:stCxn id="86" idx="3"/>
+          </p:cNvCxnSpPr>
+          <p:nvPr/>
+        </p:nvCxnSpPr>
+        <p:spPr>
+          <a:xfrm>
+            <a:off x="6229958" y="5949594"/>
+            <a:ext cx="1374996" cy="344069"/>
+          </a:xfrm>
+          <a:prstGeom prst="straightConnector1">
+            <a:avLst/>
+          </a:prstGeom>
+          <a:ln>
+            <a:tailEnd type="triangle"/>
+          </a:ln>
+        </p:spPr>
+        <p:style>
+          <a:lnRef idx="1">
+            <a:schemeClr val="dk1"/>
+          </a:lnRef>
+          <a:fillRef idx="0">
+            <a:schemeClr val="dk1"/>
+          </a:fillRef>
+          <a:effectRef idx="0">
+            <a:schemeClr val="dk1"/>
+          </a:effectRef>
+          <a:fontRef idx="minor">
+            <a:schemeClr val="tx1"/>
+          </a:fontRef>
+        </p:style>
+      </p:cxnSp>
+      <p:sp>
+        <p:nvSpPr>
+          <p:cNvPr id="110" name="Diamond 109">
+            <a:extLst>
+              <a:ext uri="{FF2B5EF4-FFF2-40B4-BE49-F238E27FC236}">
+                <a16:creationId xmlns:a16="http://schemas.microsoft.com/office/drawing/2014/main" id="{AE4C2E08-C7CA-1A4F-8A6E-6E8D16B38182}"/>
+              </a:ext>
+            </a:extLst>
+          </p:cNvPr>
+          <p:cNvSpPr/>
+          <p:nvPr/>
+        </p:nvSpPr>
+        <p:spPr>
+          <a:xfrm>
+            <a:off x="7216984" y="8024023"/>
+            <a:ext cx="2423155" cy="835996"/>
+          </a:xfrm>
+          <a:prstGeom prst="diamond">
+            <a:avLst/>
+          </a:prstGeom>
         </p:spPr>
         <p:style>
           <a:lnRef idx="2">
@@ -12709,89 +13327,41 @@
           </a:fontRef>
         </p:style>
         <p:txBody>
-          <a:bodyPr rtlCol="0" anchor="ctr"/>
+          <a:bodyPr wrap="none" lIns="36000" rIns="36000" rtlCol="0" anchor="ctr"/>
           <a:lstStyle/>
           <a:p>
             <a:pPr algn="ctr"/>
+            <a:r>
+              <a:rPr lang="en-GB"/>
+              <a:t>FF-NN:</a:t>
+            </a:r>
+            <a:br>
+              <a:rPr lang="en-GB"/>
+            </a:br>
+            <a:r>
+              <a:rPr lang="en-GB"/>
+              <a:t>linear2senses</a:t>
+            </a:r>
             <a:endParaRPr lang="en-US"/>
           </a:p>
         </p:txBody>
       </p:sp>
       <p:sp>
         <p:nvSpPr>
-          <p:cNvPr id="26" name="Rectangle 25">
-            <a:extLst>
-              <a:ext uri="{FF2B5EF4-FFF2-40B4-BE49-F238E27FC236}">
-                <a16:creationId xmlns:a16="http://schemas.microsoft.com/office/drawing/2014/main" id="{F289D602-95DA-9B40-AE72-9263EC9FE3D9}"/>
-              </a:ext>
-            </a:extLst>
-          </p:cNvPr>
-          <p:cNvSpPr/>
-          <p:nvPr/>
-        </p:nvSpPr>
-        <p:spPr>
-          <a:xfrm>
-            <a:off x="8324250" y="9460496"/>
-            <a:ext cx="1987475" cy="755561"/>
-          </a:xfrm>
-          <a:prstGeom prst="rect">
-            <a:avLst/>
-          </a:prstGeom>
-          <a:solidFill>
-            <a:schemeClr val="accent4">
-              <a:lumMod val="40000"/>
-              <a:lumOff val="60000"/>
-            </a:schemeClr>
-          </a:solidFill>
-        </p:spPr>
-        <p:style>
-          <a:lnRef idx="2">
-            <a:schemeClr val="accent5">
-              <a:shade val="50000"/>
-            </a:schemeClr>
-          </a:lnRef>
-          <a:fillRef idx="1">
-            <a:schemeClr val="accent5"/>
-          </a:fillRef>
-          <a:effectRef idx="0">
-            <a:schemeClr val="accent5"/>
-          </a:effectRef>
-          <a:fontRef idx="minor">
-            <a:schemeClr val="lt1"/>
-          </a:fontRef>
-        </p:style>
-        <p:txBody>
-          <a:bodyPr rtlCol="0" anchor="ctr"/>
-          <a:lstStyle/>
-          <a:p>
-            <a:pPr algn="ctr"/>
-            <a:r>
-              <a:rPr lang="en-US" sz="1600">
-                <a:solidFill>
-                  <a:schemeClr val="tx1"/>
-                </a:solidFill>
-              </a:rPr>
-              <a:t>Predicted probabilities – next word sense</a:t>
-            </a:r>
-          </a:p>
-        </p:txBody>
-      </p:sp>
-      <p:sp>
-        <p:nvSpPr>
-          <p:cNvPr id="28" name="Down Arrow 27">
-            <a:extLst>
-              <a:ext uri="{FF2B5EF4-FFF2-40B4-BE49-F238E27FC236}">
-                <a16:creationId xmlns:a16="http://schemas.microsoft.com/office/drawing/2014/main" id="{60FC0E32-05FF-644D-A9BE-9952CF06BC45}"/>
-              </a:ext>
-            </a:extLst>
-          </p:cNvPr>
-          <p:cNvSpPr/>
-          <p:nvPr/>
-        </p:nvSpPr>
-        <p:spPr>
-          <a:xfrm>
-            <a:off x="9127004" y="3429000"/>
-            <a:ext cx="381964" cy="1264260"/>
+          <p:cNvPr id="111" name="Down Arrow 110">
+            <a:extLst>
+              <a:ext uri="{FF2B5EF4-FFF2-40B4-BE49-F238E27FC236}">
+                <a16:creationId xmlns:a16="http://schemas.microsoft.com/office/drawing/2014/main" id="{C4A77C34-6AAE-CF4F-9234-5F76595DAA01}"/>
+              </a:ext>
+            </a:extLst>
+          </p:cNvPr>
+          <p:cNvSpPr/>
+          <p:nvPr/>
+        </p:nvSpPr>
+        <p:spPr>
+          <a:xfrm>
+            <a:off x="8229130" y="7168748"/>
+            <a:ext cx="381964" cy="868992"/>
           </a:xfrm>
           <a:prstGeom prst="downArrow">
             <a:avLst/>
@@ -12817,69 +13387,114 @@
           </a:fontRef>
         </p:style>
         <p:txBody>
-          <a:bodyPr wrap="none" rtlCol="0" anchor="ctr"/>
+          <a:bodyPr rtlCol="0" anchor="ctr"/>
           <a:lstStyle/>
           <a:p>
             <a:pPr algn="ctr"/>
-            <a:r>
-              <a:rPr lang="en-US" b="1">
-                <a:solidFill>
-                  <a:schemeClr val="tx1"/>
-                </a:solidFill>
-              </a:rPr>
-              <a:t>I n p u t</a:t>
-            </a:r>
-          </a:p>
-        </p:txBody>
-      </p:sp>
-      <p:cxnSp>
-        <p:nvCxnSpPr>
-          <p:cNvPr id="29" name="Straight Arrow Connector 28">
-            <a:extLst>
-              <a:ext uri="{FF2B5EF4-FFF2-40B4-BE49-F238E27FC236}">
-                <a16:creationId xmlns:a16="http://schemas.microsoft.com/office/drawing/2014/main" id="{CB7E18E4-7196-0F45-BCF5-E91BA4004445}"/>
-              </a:ext>
-            </a:extLst>
-          </p:cNvPr>
-          <p:cNvCxnSpPr>
-            <a:cxnSpLocks/>
-            <a:stCxn id="7" idx="3"/>
-          </p:cNvCxnSpPr>
-          <p:nvPr/>
-        </p:nvCxnSpPr>
-        <p:spPr>
-          <a:xfrm flipV="1">
-            <a:off x="6559600" y="5284699"/>
-            <a:ext cx="1577403" cy="19338"/>
-          </a:xfrm>
-          <a:prstGeom prst="straightConnector1">
-            <a:avLst/>
-          </a:prstGeom>
-          <a:ln>
-            <a:tailEnd type="triangle"/>
-          </a:ln>
+            <a:endParaRPr lang="en-US"/>
+          </a:p>
+        </p:txBody>
+      </p:sp>
+      <p:sp>
+        <p:nvSpPr>
+          <p:cNvPr id="112" name="Down Arrow 111">
+            <a:extLst>
+              <a:ext uri="{FF2B5EF4-FFF2-40B4-BE49-F238E27FC236}">
+                <a16:creationId xmlns:a16="http://schemas.microsoft.com/office/drawing/2014/main" id="{FDC1CB01-C028-6C48-95D2-4C7288B55F66}"/>
+              </a:ext>
+            </a:extLst>
+          </p:cNvPr>
+          <p:cNvSpPr/>
+          <p:nvPr/>
+        </p:nvSpPr>
+        <p:spPr>
+          <a:xfrm>
+            <a:off x="8227381" y="8838659"/>
+            <a:ext cx="381964" cy="428262"/>
+          </a:xfrm>
+          <a:prstGeom prst="downArrow">
+            <a:avLst/>
+          </a:prstGeom>
+          <a:solidFill>
+            <a:schemeClr val="bg1"/>
+          </a:solidFill>
+        </p:spPr>
+        <p:style>
+          <a:lnRef idx="2">
+            <a:schemeClr val="accent1">
+              <a:shade val="50000"/>
+            </a:schemeClr>
+          </a:lnRef>
+          <a:fillRef idx="1">
+            <a:schemeClr val="accent1"/>
+          </a:fillRef>
+          <a:effectRef idx="0">
+            <a:schemeClr val="accent1"/>
+          </a:effectRef>
+          <a:fontRef idx="minor">
+            <a:schemeClr val="lt1"/>
+          </a:fontRef>
+        </p:style>
+        <p:txBody>
+          <a:bodyPr rtlCol="0" anchor="ctr"/>
+          <a:lstStyle/>
+          <a:p>
+            <a:pPr algn="ctr"/>
+            <a:endParaRPr lang="en-US"/>
+          </a:p>
+        </p:txBody>
+      </p:sp>
+      <p:sp>
+        <p:nvSpPr>
+          <p:cNvPr id="114" name="Left Bracket 113">
+            <a:extLst>
+              <a:ext uri="{FF2B5EF4-FFF2-40B4-BE49-F238E27FC236}">
+                <a16:creationId xmlns:a16="http://schemas.microsoft.com/office/drawing/2014/main" id="{D6FA0586-C9C1-0645-96D3-C580A6E207AE}"/>
+              </a:ext>
+            </a:extLst>
+          </p:cNvPr>
+          <p:cNvSpPr/>
+          <p:nvPr/>
+        </p:nvSpPr>
+        <p:spPr>
+          <a:xfrm>
+            <a:off x="2698418" y="5231968"/>
+            <a:ext cx="299326" cy="1111170"/>
+          </a:xfrm>
+          <a:prstGeom prst="leftBracket">
+            <a:avLst/>
+          </a:prstGeom>
+          <a:ln w="12700"/>
         </p:spPr>
         <p:style>
           <a:lnRef idx="1">
-            <a:schemeClr val="dk1"/>
+            <a:schemeClr val="accent1"/>
           </a:lnRef>
           <a:fillRef idx="0">
-            <a:schemeClr val="dk1"/>
-          </a:fillRef>
-          <a:effectRef idx="0">
-            <a:schemeClr val="dk1"/>
+            <a:schemeClr val="accent1"/>
+          </a:fillRef>
+          <a:effectRef idx="0">
+            <a:schemeClr val="accent1"/>
           </a:effectRef>
           <a:fontRef idx="minor">
             <a:schemeClr val="tx1"/>
           </a:fontRef>
         </p:style>
-      </p:cxnSp>
-      <p:sp>
-        <p:nvSpPr>
-          <p:cNvPr id="32" name="TextBox 31">
-            <a:extLst>
-              <a:ext uri="{FF2B5EF4-FFF2-40B4-BE49-F238E27FC236}">
-                <a16:creationId xmlns:a16="http://schemas.microsoft.com/office/drawing/2014/main" id="{F5562014-DAFF-0F47-A405-000F54031463}"/>
+        <p:txBody>
+          <a:bodyPr rtlCol="0" anchor="ctr"/>
+          <a:lstStyle/>
+          <a:p>
+            <a:pPr algn="ctr"/>
+            <a:endParaRPr lang="en-US"/>
+          </a:p>
+        </p:txBody>
+      </p:sp>
+      <p:sp>
+        <p:nvSpPr>
+          <p:cNvPr id="2" name="TextBox 1">
+            <a:extLst>
+              <a:ext uri="{FF2B5EF4-FFF2-40B4-BE49-F238E27FC236}">
+                <a16:creationId xmlns:a16="http://schemas.microsoft.com/office/drawing/2014/main" id="{CD51F447-4C90-B042-B3E2-0278C3F50ABF}"/>
               </a:ext>
             </a:extLst>
           </p:cNvPr>
@@ -12888,8 +13503,8 @@
         </p:nvSpPr>
         <p:spPr>
           <a:xfrm>
-            <a:off x="8683037" y="4618911"/>
-            <a:ext cx="1602487" cy="369332"/>
+            <a:off x="1723920" y="5498185"/>
+            <a:ext cx="1040022" cy="369332"/>
           </a:xfrm>
           <a:prstGeom prst="rect">
             <a:avLst/>
@@ -12903,50 +13518,44 @@
           <a:lstStyle/>
           <a:p>
             <a:r>
-              <a:rPr lang="en-US"/>
-              <a:t>Concatenate:</a:t>
-            </a:r>
-          </a:p>
-        </p:txBody>
-      </p:sp>
-      <p:sp>
-        <p:nvSpPr>
-          <p:cNvPr id="33" name="Rectangle 32">
-            <a:extLst>
-              <a:ext uri="{FF2B5EF4-FFF2-40B4-BE49-F238E27FC236}">
-                <a16:creationId xmlns:a16="http://schemas.microsoft.com/office/drawing/2014/main" id="{CBBDC58C-FB79-9743-AC32-4E975544F29D}"/>
-              </a:ext>
-            </a:extLst>
-          </p:cNvPr>
-          <p:cNvSpPr/>
-          <p:nvPr/>
-        </p:nvSpPr>
-        <p:spPr>
-          <a:xfrm>
-            <a:off x="9030815" y="5049521"/>
-            <a:ext cx="906930" cy="554077"/>
-          </a:xfrm>
-          <a:prstGeom prst="rect">
-            <a:avLst/>
-          </a:prstGeom>
-          <a:solidFill>
-            <a:schemeClr val="accent2">
-              <a:lumMod val="60000"/>
-              <a:lumOff val="40000"/>
-            </a:schemeClr>
-          </a:solidFill>
+              <a:rPr lang="en-US" b="1"/>
+              <a:t>GRU</a:t>
+            </a:r>
+          </a:p>
+        </p:txBody>
+      </p:sp>
+      <p:sp>
+        <p:nvSpPr>
+          <p:cNvPr id="115" name="Diamond 114">
+            <a:extLst>
+              <a:ext uri="{FF2B5EF4-FFF2-40B4-BE49-F238E27FC236}">
+                <a16:creationId xmlns:a16="http://schemas.microsoft.com/office/drawing/2014/main" id="{F069E149-BA77-2B4D-A2C9-3C304350BADE}"/>
+              </a:ext>
+            </a:extLst>
+          </p:cNvPr>
+          <p:cNvSpPr/>
+          <p:nvPr/>
+        </p:nvSpPr>
+        <p:spPr>
+          <a:xfrm>
+            <a:off x="4064291" y="6105268"/>
+            <a:ext cx="2423155" cy="756806"/>
+          </a:xfrm>
+          <a:prstGeom prst="diamond">
+            <a:avLst/>
+          </a:prstGeom>
         </p:spPr>
         <p:style>
           <a:lnRef idx="2">
-            <a:schemeClr val="accent4">
+            <a:schemeClr val="accent1">
               <a:shade val="50000"/>
             </a:schemeClr>
           </a:lnRef>
           <a:fillRef idx="1">
-            <a:schemeClr val="accent4"/>
-          </a:fillRef>
-          <a:effectRef idx="0">
-            <a:schemeClr val="accent4"/>
+            <a:schemeClr val="accent1"/>
+          </a:fillRef>
+          <a:effectRef idx="0">
+            <a:schemeClr val="accent1"/>
           </a:effectRef>
           <a:fontRef idx="minor">
             <a:schemeClr val="lt1"/>
@@ -12958,182 +13567,28 @@
           <a:p>
             <a:pPr algn="ctr"/>
             <a:r>
-              <a:rPr lang="en-US" sz="1200" b="1">
-                <a:solidFill>
-                  <a:schemeClr val="tx1"/>
-                </a:solidFill>
-              </a:rPr>
-              <a:t>Word Embedding</a:t>
-            </a:r>
-          </a:p>
-        </p:txBody>
-      </p:sp>
-      <p:sp>
-        <p:nvSpPr>
-          <p:cNvPr id="34" name="Rectangle 33">
-            <a:extLst>
-              <a:ext uri="{FF2B5EF4-FFF2-40B4-BE49-F238E27FC236}">
-                <a16:creationId xmlns:a16="http://schemas.microsoft.com/office/drawing/2014/main" id="{CEE65BB6-CFD3-7948-933E-EBD1D87BDFF3}"/>
-              </a:ext>
-            </a:extLst>
-          </p:cNvPr>
-          <p:cNvSpPr/>
-          <p:nvPr/>
-        </p:nvSpPr>
-        <p:spPr>
-          <a:xfrm>
-            <a:off x="9937745" y="5038712"/>
-            <a:ext cx="973594" cy="564886"/>
-          </a:xfrm>
-          <a:prstGeom prst="rect">
-            <a:avLst/>
-          </a:prstGeom>
-        </p:spPr>
-        <p:style>
-          <a:lnRef idx="2">
-            <a:schemeClr val="accent4">
-              <a:shade val="50000"/>
-            </a:schemeClr>
-          </a:lnRef>
-          <a:fillRef idx="1">
-            <a:schemeClr val="accent4"/>
-          </a:fillRef>
-          <a:effectRef idx="0">
-            <a:schemeClr val="accent4"/>
-          </a:effectRef>
-          <a:fontRef idx="minor">
-            <a:schemeClr val="lt1"/>
-          </a:fontRef>
-        </p:style>
-        <p:txBody>
-          <a:bodyPr rtlCol="0" anchor="ctr"/>
-          <a:lstStyle/>
-          <a:p>
-            <a:pPr algn="ctr"/>
-            <a:r>
-              <a:rPr lang="en-US" sz="1200" b="1">
-                <a:solidFill>
-                  <a:schemeClr val="tx1"/>
-                </a:solidFill>
-              </a:rPr>
-              <a:t>Word Node State</a:t>
-            </a:r>
-          </a:p>
-        </p:txBody>
-      </p:sp>
-      <p:sp>
-        <p:nvSpPr>
-          <p:cNvPr id="35" name="Rectangle 34">
-            <a:extLst>
-              <a:ext uri="{FF2B5EF4-FFF2-40B4-BE49-F238E27FC236}">
-                <a16:creationId xmlns:a16="http://schemas.microsoft.com/office/drawing/2014/main" id="{75DA4D2A-83BD-AB40-B037-4DABB3945422}"/>
-              </a:ext>
-            </a:extLst>
-          </p:cNvPr>
-          <p:cNvSpPr/>
-          <p:nvPr/>
-        </p:nvSpPr>
-        <p:spPr>
-          <a:xfrm>
-            <a:off x="10911340" y="5037547"/>
-            <a:ext cx="732793" cy="564884"/>
-          </a:xfrm>
-          <a:prstGeom prst="rect">
-            <a:avLst/>
-          </a:prstGeom>
-        </p:spPr>
-        <p:style>
-          <a:lnRef idx="1">
-            <a:schemeClr val="accent6"/>
-          </a:lnRef>
-          <a:fillRef idx="2">
-            <a:schemeClr val="accent6"/>
-          </a:fillRef>
-          <a:effectRef idx="1">
-            <a:schemeClr val="accent6"/>
-          </a:effectRef>
-          <a:fontRef idx="minor">
-            <a:schemeClr val="dk1"/>
-          </a:fontRef>
-        </p:style>
-        <p:txBody>
-          <a:bodyPr rtlCol="0" anchor="ctr"/>
-          <a:lstStyle/>
-          <a:p>
-            <a:pPr algn="ctr"/>
-            <a:r>
-              <a:rPr lang="en-US" sz="1200" b="1"/>
-              <a:t>Sense </a:t>
-            </a:r>
-            <a:r>
-              <a:rPr lang="en-US" sz="1200" b="1">
-                <a:solidFill>
-                  <a:schemeClr val="tx1"/>
-                </a:solidFill>
-              </a:rPr>
-              <a:t>Node State</a:t>
-            </a:r>
-          </a:p>
-        </p:txBody>
-      </p:sp>
-      <p:sp>
-        <p:nvSpPr>
-          <p:cNvPr id="38" name="TextBox 37">
-            <a:extLst>
-              <a:ext uri="{FF2B5EF4-FFF2-40B4-BE49-F238E27FC236}">
-                <a16:creationId xmlns:a16="http://schemas.microsoft.com/office/drawing/2014/main" id="{61B43942-276C-6D46-8BD6-0F7B64E361B8}"/>
-              </a:ext>
-            </a:extLst>
-          </p:cNvPr>
-          <p:cNvSpPr txBox="1"/>
-          <p:nvPr/>
-        </p:nvSpPr>
-        <p:spPr>
-          <a:xfrm>
-            <a:off x="6877573" y="4826984"/>
-            <a:ext cx="1364765" cy="954107"/>
-          </a:xfrm>
-          <a:prstGeom prst="rect">
-            <a:avLst/>
-          </a:prstGeom>
-          <a:noFill/>
-        </p:spPr>
-        <p:txBody>
-          <a:bodyPr wrap="square" rtlCol="0">
-            <a:spAutoFit/>
-          </a:bodyPr>
-          <a:lstStyle/>
-          <a:p>
-            <a:r>
-              <a:rPr lang="en-US" sz="1400"/>
-              <a:t>Copy without gradient</a:t>
-            </a:r>
-            <a:br>
-              <a:rPr lang="en-US" sz="1400"/>
-            </a:br>
-            <a:r>
-              <a:rPr lang="en-US" sz="1400"/>
-              <a:t>(photo of the current context)</a:t>
-            </a:r>
-          </a:p>
-        </p:txBody>
-      </p:sp>
-      <p:sp>
-        <p:nvSpPr>
-          <p:cNvPr id="39" name="Rectangle 38">
-            <a:extLst>
-              <a:ext uri="{FF2B5EF4-FFF2-40B4-BE49-F238E27FC236}">
-                <a16:creationId xmlns:a16="http://schemas.microsoft.com/office/drawing/2014/main" id="{457E5AAA-6CCC-434B-95B5-DA10C85A4334}"/>
-              </a:ext>
-            </a:extLst>
-          </p:cNvPr>
-          <p:cNvSpPr/>
-          <p:nvPr/>
-        </p:nvSpPr>
-        <p:spPr>
-          <a:xfrm>
-            <a:off x="8134355" y="5050139"/>
-            <a:ext cx="896461" cy="552292"/>
+              <a:rPr lang="en-US"/>
+              <a:t>Layer 2 of GRU</a:t>
+            </a:r>
+          </a:p>
+        </p:txBody>
+      </p:sp>
+      <p:sp>
+        <p:nvSpPr>
+          <p:cNvPr id="116" name="Rectangle 115">
+            <a:extLst>
+              <a:ext uri="{FF2B5EF4-FFF2-40B4-BE49-F238E27FC236}">
+                <a16:creationId xmlns:a16="http://schemas.microsoft.com/office/drawing/2014/main" id="{DFA289A8-0F99-5146-8DC5-32B647A8B770}"/>
+              </a:ext>
+            </a:extLst>
+          </p:cNvPr>
+          <p:cNvSpPr/>
+          <p:nvPr/>
+        </p:nvSpPr>
+        <p:spPr>
+          <a:xfrm>
+            <a:off x="4242482" y="6881353"/>
+            <a:ext cx="1987475" cy="299327"/>
           </a:xfrm>
           <a:prstGeom prst="rect">
             <a:avLst/>
@@ -13167,195 +13622,128 @@
           <a:p>
             <a:pPr algn="ctr"/>
             <a:r>
-              <a:rPr lang="en-US" sz="1400">
+              <a:rPr lang="en-US" sz="1600">
                 <a:solidFill>
                   <a:schemeClr val="tx1"/>
                 </a:solidFill>
               </a:rPr>
-              <a:t>Encoding </a:t>
-            </a:r>
-            <a:br>
-              <a:rPr lang="en-US" sz="1400">
+              <a:t>Hidden state 2</a:t>
+            </a:r>
+          </a:p>
+        </p:txBody>
+      </p:sp>
+      <p:sp>
+        <p:nvSpPr>
+          <p:cNvPr id="117" name="Diamond 116">
+            <a:extLst>
+              <a:ext uri="{FF2B5EF4-FFF2-40B4-BE49-F238E27FC236}">
+                <a16:creationId xmlns:a16="http://schemas.microsoft.com/office/drawing/2014/main" id="{FA4779EC-9A0D-CB41-868F-70F7E232C442}"/>
+              </a:ext>
+            </a:extLst>
+          </p:cNvPr>
+          <p:cNvSpPr/>
+          <p:nvPr/>
+        </p:nvSpPr>
+        <p:spPr>
+          <a:xfrm>
+            <a:off x="7208535" y="6090291"/>
+            <a:ext cx="2423155" cy="756806"/>
+          </a:xfrm>
+          <a:prstGeom prst="diamond">
+            <a:avLst/>
+          </a:prstGeom>
+        </p:spPr>
+        <p:style>
+          <a:lnRef idx="2">
+            <a:schemeClr val="accent1">
+              <a:shade val="50000"/>
+            </a:schemeClr>
+          </a:lnRef>
+          <a:fillRef idx="1">
+            <a:schemeClr val="accent1"/>
+          </a:fillRef>
+          <a:effectRef idx="0">
+            <a:schemeClr val="accent1"/>
+          </a:effectRef>
+          <a:fontRef idx="minor">
+            <a:schemeClr val="lt1"/>
+          </a:fontRef>
+        </p:style>
+        <p:txBody>
+          <a:bodyPr rtlCol="0" anchor="ctr"/>
+          <a:lstStyle/>
+          <a:p>
+            <a:pPr algn="ctr"/>
+            <a:r>
+              <a:rPr lang="en-US"/>
+              <a:t>Layer 2b of GRU</a:t>
+            </a:r>
+          </a:p>
+        </p:txBody>
+      </p:sp>
+      <p:sp>
+        <p:nvSpPr>
+          <p:cNvPr id="118" name="Rectangle 117">
+            <a:extLst>
+              <a:ext uri="{FF2B5EF4-FFF2-40B4-BE49-F238E27FC236}">
+                <a16:creationId xmlns:a16="http://schemas.microsoft.com/office/drawing/2014/main" id="{1D7FA5EB-8E41-BE4A-9971-CF1924145332}"/>
+              </a:ext>
+            </a:extLst>
+          </p:cNvPr>
+          <p:cNvSpPr/>
+          <p:nvPr/>
+        </p:nvSpPr>
+        <p:spPr>
+          <a:xfrm>
+            <a:off x="7427114" y="6854263"/>
+            <a:ext cx="1987475" cy="299327"/>
+          </a:xfrm>
+          <a:prstGeom prst="rect">
+            <a:avLst/>
+          </a:prstGeom>
+          <a:solidFill>
+            <a:schemeClr val="accent5">
+              <a:lumMod val="40000"/>
+              <a:lumOff val="60000"/>
+            </a:schemeClr>
+          </a:solidFill>
+        </p:spPr>
+        <p:style>
+          <a:lnRef idx="2">
+            <a:schemeClr val="accent5">
+              <a:shade val="50000"/>
+            </a:schemeClr>
+          </a:lnRef>
+          <a:fillRef idx="1">
+            <a:schemeClr val="accent5"/>
+          </a:fillRef>
+          <a:effectRef idx="0">
+            <a:schemeClr val="accent5"/>
+          </a:effectRef>
+          <a:fontRef idx="minor">
+            <a:schemeClr val="lt1"/>
+          </a:fontRef>
+        </p:style>
+        <p:txBody>
+          <a:bodyPr rtlCol="0" anchor="ctr"/>
+          <a:lstStyle/>
+          <a:p>
+            <a:pPr algn="ctr"/>
+            <a:r>
+              <a:rPr lang="en-US" sz="1600">
                 <a:solidFill>
                   <a:schemeClr val="tx1"/>
                 </a:solidFill>
               </a:rPr>
-            </a:br>
-            <a:r>
-              <a:rPr lang="en-US" sz="1400">
-                <a:solidFill>
-                  <a:schemeClr val="tx1"/>
-                </a:solidFill>
-              </a:rPr>
-              <a:t>(Hidden state 2)</a:t>
-            </a:r>
-            <a:endParaRPr lang="en-US" sz="1400" b="1">
-              <a:solidFill>
-                <a:schemeClr val="tx1"/>
-              </a:solidFill>
-            </a:endParaRPr>
-          </a:p>
-        </p:txBody>
-      </p:sp>
-      <p:sp>
-        <p:nvSpPr>
-          <p:cNvPr id="40" name="Diamond 39">
-            <a:extLst>
-              <a:ext uri="{FF2B5EF4-FFF2-40B4-BE49-F238E27FC236}">
-                <a16:creationId xmlns:a16="http://schemas.microsoft.com/office/drawing/2014/main" id="{811FA52D-6D28-F24F-8E62-DF24DACE56DD}"/>
-              </a:ext>
-            </a:extLst>
-          </p:cNvPr>
-          <p:cNvSpPr/>
-          <p:nvPr/>
-        </p:nvSpPr>
-        <p:spPr>
-          <a:xfrm>
-            <a:off x="8089148" y="6040185"/>
-            <a:ext cx="2423155" cy="835996"/>
-          </a:xfrm>
-          <a:prstGeom prst="diamond">
-            <a:avLst/>
-          </a:prstGeom>
-        </p:spPr>
-        <p:style>
-          <a:lnRef idx="2">
-            <a:schemeClr val="accent1">
-              <a:shade val="50000"/>
-            </a:schemeClr>
-          </a:lnRef>
-          <a:fillRef idx="1">
-            <a:schemeClr val="accent1"/>
-          </a:fillRef>
-          <a:effectRef idx="0">
-            <a:schemeClr val="accent1"/>
-          </a:effectRef>
-          <a:fontRef idx="minor">
-            <a:schemeClr val="lt1"/>
-          </a:fontRef>
-        </p:style>
-        <p:txBody>
-          <a:bodyPr wrap="none" lIns="36000" rIns="36000" rtlCol="0" anchor="ctr"/>
-          <a:lstStyle/>
-          <a:p>
-            <a:pPr algn="ctr"/>
-            <a:r>
-              <a:rPr lang="en-GB"/>
-              <a:t>FF-NN:</a:t>
-            </a:r>
-            <a:br>
-              <a:rPr lang="en-GB"/>
-            </a:br>
-            <a:r>
-              <a:rPr lang="en-GB"/>
-              <a:t>linear2senses</a:t>
-            </a:r>
-            <a:endParaRPr lang="en-US"/>
-          </a:p>
-        </p:txBody>
-      </p:sp>
-      <p:sp>
-        <p:nvSpPr>
-          <p:cNvPr id="41" name="Down Arrow 40">
-            <a:extLst>
-              <a:ext uri="{FF2B5EF4-FFF2-40B4-BE49-F238E27FC236}">
-                <a16:creationId xmlns:a16="http://schemas.microsoft.com/office/drawing/2014/main" id="{AB2C63ED-0E0E-1D4D-A763-A7BA067BFD03}"/>
-              </a:ext>
-            </a:extLst>
-          </p:cNvPr>
-          <p:cNvSpPr/>
-          <p:nvPr/>
-        </p:nvSpPr>
-        <p:spPr>
-          <a:xfrm>
-            <a:off x="9121318" y="5590408"/>
-            <a:ext cx="381964" cy="428262"/>
-          </a:xfrm>
-          <a:prstGeom prst="downArrow">
-            <a:avLst/>
-          </a:prstGeom>
-          <a:solidFill>
-            <a:schemeClr val="bg1"/>
-          </a:solidFill>
-        </p:spPr>
-        <p:style>
-          <a:lnRef idx="2">
-            <a:schemeClr val="accent1">
-              <a:shade val="50000"/>
-            </a:schemeClr>
-          </a:lnRef>
-          <a:fillRef idx="1">
-            <a:schemeClr val="accent1"/>
-          </a:fillRef>
-          <a:effectRef idx="0">
-            <a:schemeClr val="accent1"/>
-          </a:effectRef>
-          <a:fontRef idx="minor">
-            <a:schemeClr val="lt1"/>
-          </a:fontRef>
-        </p:style>
-        <p:txBody>
-          <a:bodyPr rtlCol="0" anchor="ctr"/>
-          <a:lstStyle/>
-          <a:p>
-            <a:pPr algn="ctr"/>
-            <a:endParaRPr lang="en-US"/>
-          </a:p>
-        </p:txBody>
-      </p:sp>
-      <p:sp>
-        <p:nvSpPr>
-          <p:cNvPr id="42" name="Down Arrow 41">
-            <a:extLst>
-              <a:ext uri="{FF2B5EF4-FFF2-40B4-BE49-F238E27FC236}">
-                <a16:creationId xmlns:a16="http://schemas.microsoft.com/office/drawing/2014/main" id="{66F620D5-822A-5248-8FB1-03CE9BBC3DC1}"/>
-              </a:ext>
-            </a:extLst>
-          </p:cNvPr>
-          <p:cNvSpPr/>
-          <p:nvPr/>
-        </p:nvSpPr>
-        <p:spPr>
-          <a:xfrm>
-            <a:off x="9121318" y="6876181"/>
-            <a:ext cx="381964" cy="428262"/>
-          </a:xfrm>
-          <a:prstGeom prst="downArrow">
-            <a:avLst/>
-          </a:prstGeom>
-          <a:solidFill>
-            <a:schemeClr val="bg1"/>
-          </a:solidFill>
-        </p:spPr>
-        <p:style>
-          <a:lnRef idx="2">
-            <a:schemeClr val="accent1">
-              <a:shade val="50000"/>
-            </a:schemeClr>
-          </a:lnRef>
-          <a:fillRef idx="1">
-            <a:schemeClr val="accent1"/>
-          </a:fillRef>
-          <a:effectRef idx="0">
-            <a:schemeClr val="accent1"/>
-          </a:effectRef>
-          <a:fontRef idx="minor">
-            <a:schemeClr val="lt1"/>
-          </a:fontRef>
-        </p:style>
-        <p:txBody>
-          <a:bodyPr rtlCol="0" anchor="ctr"/>
-          <a:lstStyle/>
-          <a:p>
-            <a:pPr algn="ctr"/>
-            <a:endParaRPr lang="en-US"/>
+              <a:t>Hidden state 2b</a:t>
+            </a:r>
           </a:p>
         </p:txBody>
       </p:sp>
     </p:spTree>
     <p:extLst>
       <p:ext uri="{BB962C8B-B14F-4D97-AF65-F5344CB8AC3E}">
-        <p14:creationId xmlns:p14="http://schemas.microsoft.com/office/powerpoint/2010/main" val="1331181461"/>
+        <p14:creationId xmlns:p14="http://schemas.microsoft.com/office/powerpoint/2010/main" val="657849569"/>
       </p:ext>
     </p:extLst>
   </p:cSld>
@@ -13384,6 +13772,1526 @@
       </p:grpSpPr>
       <p:sp>
         <p:nvSpPr>
+          <p:cNvPr id="4" name="Diamond 3">
+            <a:extLst>
+              <a:ext uri="{FF2B5EF4-FFF2-40B4-BE49-F238E27FC236}">
+                <a16:creationId xmlns:a16="http://schemas.microsoft.com/office/drawing/2014/main" id="{DBB06CCC-4012-7142-8209-4D3CA3521F99}"/>
+              </a:ext>
+            </a:extLst>
+          </p:cNvPr>
+          <p:cNvSpPr/>
+          <p:nvPr/>
+        </p:nvSpPr>
+        <p:spPr>
+          <a:xfrm>
+            <a:off x="4354286" y="3857263"/>
+            <a:ext cx="2423155" cy="835996"/>
+          </a:xfrm>
+          <a:prstGeom prst="diamond">
+            <a:avLst/>
+          </a:prstGeom>
+        </p:spPr>
+        <p:style>
+          <a:lnRef idx="2">
+            <a:schemeClr val="accent1">
+              <a:shade val="50000"/>
+            </a:schemeClr>
+          </a:lnRef>
+          <a:fillRef idx="1">
+            <a:schemeClr val="accent1"/>
+          </a:fillRef>
+          <a:effectRef idx="0">
+            <a:schemeClr val="accent1"/>
+          </a:effectRef>
+          <a:fontRef idx="minor">
+            <a:schemeClr val="lt1"/>
+          </a:fontRef>
+        </p:style>
+        <p:txBody>
+          <a:bodyPr rtlCol="0" anchor="ctr"/>
+          <a:lstStyle/>
+          <a:p>
+            <a:pPr algn="ctr"/>
+            <a:r>
+              <a:rPr lang="en-US"/>
+              <a:t>2-layers</a:t>
+            </a:r>
+            <a:br>
+              <a:rPr lang="en-US"/>
+            </a:br>
+            <a:r>
+              <a:rPr lang="en-US"/>
+              <a:t>GRU</a:t>
+            </a:r>
+          </a:p>
+        </p:txBody>
+      </p:sp>
+      <p:sp>
+        <p:nvSpPr>
+          <p:cNvPr id="5" name="Down Arrow 4">
+            <a:extLst>
+              <a:ext uri="{FF2B5EF4-FFF2-40B4-BE49-F238E27FC236}">
+                <a16:creationId xmlns:a16="http://schemas.microsoft.com/office/drawing/2014/main" id="{2E1E1C2B-5B16-004D-95B2-00203BDC4738}"/>
+              </a:ext>
+            </a:extLst>
+          </p:cNvPr>
+          <p:cNvSpPr/>
+          <p:nvPr/>
+        </p:nvSpPr>
+        <p:spPr>
+          <a:xfrm>
+            <a:off x="5386454" y="3429001"/>
+            <a:ext cx="381964" cy="428262"/>
+          </a:xfrm>
+          <a:prstGeom prst="downArrow">
+            <a:avLst/>
+          </a:prstGeom>
+          <a:solidFill>
+            <a:schemeClr val="bg1"/>
+          </a:solidFill>
+        </p:spPr>
+        <p:style>
+          <a:lnRef idx="2">
+            <a:schemeClr val="accent1">
+              <a:shade val="50000"/>
+            </a:schemeClr>
+          </a:lnRef>
+          <a:fillRef idx="1">
+            <a:schemeClr val="accent1"/>
+          </a:fillRef>
+          <a:effectRef idx="0">
+            <a:schemeClr val="accent1"/>
+          </a:effectRef>
+          <a:fontRef idx="minor">
+            <a:schemeClr val="lt1"/>
+          </a:fontRef>
+        </p:style>
+        <p:txBody>
+          <a:bodyPr wrap="none" rtlCol="0" anchor="ctr"/>
+          <a:lstStyle/>
+          <a:p>
+            <a:pPr algn="ctr"/>
+            <a:r>
+              <a:rPr lang="en-US" b="1">
+                <a:solidFill>
+                  <a:schemeClr val="tx1"/>
+                </a:solidFill>
+              </a:rPr>
+              <a:t>I n p u t</a:t>
+            </a:r>
+          </a:p>
+        </p:txBody>
+      </p:sp>
+      <p:sp>
+        <p:nvSpPr>
+          <p:cNvPr id="7" name="Rectangle 6">
+            <a:extLst>
+              <a:ext uri="{FF2B5EF4-FFF2-40B4-BE49-F238E27FC236}">
+                <a16:creationId xmlns:a16="http://schemas.microsoft.com/office/drawing/2014/main" id="{CEB94528-BBB3-B44D-860D-084ECFCFE803}"/>
+              </a:ext>
+            </a:extLst>
+          </p:cNvPr>
+          <p:cNvSpPr/>
+          <p:nvPr/>
+        </p:nvSpPr>
+        <p:spPr>
+          <a:xfrm>
+            <a:off x="4572125" y="5038712"/>
+            <a:ext cx="1987475" cy="530651"/>
+          </a:xfrm>
+          <a:prstGeom prst="rect">
+            <a:avLst/>
+          </a:prstGeom>
+          <a:solidFill>
+            <a:schemeClr val="accent5">
+              <a:lumMod val="40000"/>
+              <a:lumOff val="60000"/>
+            </a:schemeClr>
+          </a:solidFill>
+        </p:spPr>
+        <p:style>
+          <a:lnRef idx="2">
+            <a:schemeClr val="accent5">
+              <a:shade val="50000"/>
+            </a:schemeClr>
+          </a:lnRef>
+          <a:fillRef idx="1">
+            <a:schemeClr val="accent5"/>
+          </a:fillRef>
+          <a:effectRef idx="0">
+            <a:schemeClr val="accent5"/>
+          </a:effectRef>
+          <a:fontRef idx="minor">
+            <a:schemeClr val="lt1"/>
+          </a:fontRef>
+        </p:style>
+        <p:txBody>
+          <a:bodyPr rtlCol="0" anchor="ctr"/>
+          <a:lstStyle/>
+          <a:p>
+            <a:pPr algn="ctr"/>
+            <a:r>
+              <a:rPr lang="en-US" sz="1600">
+                <a:solidFill>
+                  <a:schemeClr val="tx1"/>
+                </a:solidFill>
+              </a:rPr>
+              <a:t>Encoding </a:t>
+            </a:r>
+            <a:br>
+              <a:rPr lang="en-US" sz="1600">
+                <a:solidFill>
+                  <a:schemeClr val="tx1"/>
+                </a:solidFill>
+              </a:rPr>
+            </a:br>
+            <a:r>
+              <a:rPr lang="en-US" sz="1600">
+                <a:solidFill>
+                  <a:schemeClr val="tx1"/>
+                </a:solidFill>
+              </a:rPr>
+              <a:t>(Hidden state 2)</a:t>
+            </a:r>
+            <a:endParaRPr lang="en-US" sz="1600" b="1">
+              <a:solidFill>
+                <a:schemeClr val="tx1"/>
+              </a:solidFill>
+            </a:endParaRPr>
+          </a:p>
+        </p:txBody>
+      </p:sp>
+      <p:sp>
+        <p:nvSpPr>
+          <p:cNvPr id="10" name="Diamond 9">
+            <a:extLst>
+              <a:ext uri="{FF2B5EF4-FFF2-40B4-BE49-F238E27FC236}">
+                <a16:creationId xmlns:a16="http://schemas.microsoft.com/office/drawing/2014/main" id="{E26FEDF0-E397-024D-A02E-1E1D21E34639}"/>
+              </a:ext>
+            </a:extLst>
+          </p:cNvPr>
+          <p:cNvSpPr/>
+          <p:nvPr/>
+        </p:nvSpPr>
+        <p:spPr>
+          <a:xfrm>
+            <a:off x="4354284" y="6014410"/>
+            <a:ext cx="2423155" cy="835996"/>
+          </a:xfrm>
+          <a:prstGeom prst="diamond">
+            <a:avLst/>
+          </a:prstGeom>
+        </p:spPr>
+        <p:style>
+          <a:lnRef idx="2">
+            <a:schemeClr val="accent1">
+              <a:shade val="50000"/>
+            </a:schemeClr>
+          </a:lnRef>
+          <a:fillRef idx="1">
+            <a:schemeClr val="accent1"/>
+          </a:fillRef>
+          <a:effectRef idx="0">
+            <a:schemeClr val="accent1"/>
+          </a:effectRef>
+          <a:fontRef idx="minor">
+            <a:schemeClr val="lt1"/>
+          </a:fontRef>
+        </p:style>
+        <p:txBody>
+          <a:bodyPr wrap="none" lIns="36000" rIns="36000" rtlCol="0" anchor="ctr"/>
+          <a:lstStyle/>
+          <a:p>
+            <a:pPr algn="ctr"/>
+            <a:r>
+              <a:rPr lang="en-GB"/>
+              <a:t>FF-NN:</a:t>
+            </a:r>
+            <a:br>
+              <a:rPr lang="en-GB"/>
+            </a:br>
+            <a:r>
+              <a:rPr lang="en-GB"/>
+              <a:t>linear2global</a:t>
+            </a:r>
+            <a:endParaRPr lang="en-US"/>
+          </a:p>
+        </p:txBody>
+      </p:sp>
+      <p:sp>
+        <p:nvSpPr>
+          <p:cNvPr id="12" name="Rectangle 11">
+            <a:extLst>
+              <a:ext uri="{FF2B5EF4-FFF2-40B4-BE49-F238E27FC236}">
+                <a16:creationId xmlns:a16="http://schemas.microsoft.com/office/drawing/2014/main" id="{BF9CF074-2BFA-2E4A-A782-5519DDEB6F3B}"/>
+              </a:ext>
+            </a:extLst>
+          </p:cNvPr>
+          <p:cNvSpPr/>
+          <p:nvPr/>
+        </p:nvSpPr>
+        <p:spPr>
+          <a:xfrm>
+            <a:off x="4596390" y="7311609"/>
+            <a:ext cx="1987475" cy="530651"/>
+          </a:xfrm>
+          <a:prstGeom prst="rect">
+            <a:avLst/>
+          </a:prstGeom>
+          <a:solidFill>
+            <a:schemeClr val="accent5">
+              <a:lumMod val="40000"/>
+              <a:lumOff val="60000"/>
+            </a:schemeClr>
+          </a:solidFill>
+        </p:spPr>
+        <p:style>
+          <a:lnRef idx="2">
+            <a:schemeClr val="accent5">
+              <a:shade val="50000"/>
+            </a:schemeClr>
+          </a:lnRef>
+          <a:fillRef idx="1">
+            <a:schemeClr val="accent5"/>
+          </a:fillRef>
+          <a:effectRef idx="0">
+            <a:schemeClr val="accent5"/>
+          </a:effectRef>
+          <a:fontRef idx="minor">
+            <a:schemeClr val="lt1"/>
+          </a:fontRef>
+        </p:style>
+        <p:txBody>
+          <a:bodyPr rtlCol="0" anchor="ctr"/>
+          <a:lstStyle/>
+          <a:p>
+            <a:pPr algn="ctr"/>
+            <a:r>
+              <a:rPr lang="en-US" sz="1600">
+                <a:solidFill>
+                  <a:schemeClr val="tx1"/>
+                </a:solidFill>
+              </a:rPr>
+              <a:t>Logits of global words</a:t>
+            </a:r>
+          </a:p>
+        </p:txBody>
+      </p:sp>
+      <p:sp>
+        <p:nvSpPr>
+          <p:cNvPr id="14" name="Oval 13">
+            <a:extLst>
+              <a:ext uri="{FF2B5EF4-FFF2-40B4-BE49-F238E27FC236}">
+                <a16:creationId xmlns:a16="http://schemas.microsoft.com/office/drawing/2014/main" id="{CC2973EE-8363-8F47-BA1C-C19ED98DECD3}"/>
+              </a:ext>
+            </a:extLst>
+          </p:cNvPr>
+          <p:cNvSpPr/>
+          <p:nvPr/>
+        </p:nvSpPr>
+        <p:spPr>
+          <a:xfrm>
+            <a:off x="5189683" y="8267181"/>
+            <a:ext cx="752354" cy="755561"/>
+          </a:xfrm>
+          <a:prstGeom prst="ellipse">
+            <a:avLst/>
+          </a:prstGeom>
+        </p:spPr>
+        <p:style>
+          <a:lnRef idx="1">
+            <a:schemeClr val="accent3"/>
+          </a:lnRef>
+          <a:fillRef idx="2">
+            <a:schemeClr val="accent3"/>
+          </a:fillRef>
+          <a:effectRef idx="1">
+            <a:schemeClr val="accent3"/>
+          </a:effectRef>
+          <a:fontRef idx="minor">
+            <a:schemeClr val="dk1"/>
+          </a:fontRef>
+        </p:style>
+        <p:txBody>
+          <a:bodyPr wrap="none" rtlCol="0" anchor="ctr"/>
+          <a:lstStyle/>
+          <a:p>
+            <a:pPr algn="ctr"/>
+            <a:r>
+              <a:rPr lang="en-US"/>
+              <a:t>Softmax</a:t>
+            </a:r>
+          </a:p>
+        </p:txBody>
+      </p:sp>
+      <p:cxnSp>
+        <p:nvCxnSpPr>
+          <p:cNvPr id="16" name="Straight Arrow Connector 15">
+            <a:extLst>
+              <a:ext uri="{FF2B5EF4-FFF2-40B4-BE49-F238E27FC236}">
+                <a16:creationId xmlns:a16="http://schemas.microsoft.com/office/drawing/2014/main" id="{085041C8-9843-9647-A903-D4B6FE815AA6}"/>
+              </a:ext>
+            </a:extLst>
+          </p:cNvPr>
+          <p:cNvCxnSpPr>
+            <a:stCxn id="4" idx="2"/>
+            <a:endCxn id="7" idx="0"/>
+          </p:cNvCxnSpPr>
+          <p:nvPr/>
+        </p:nvCxnSpPr>
+        <p:spPr>
+          <a:xfrm flipH="1">
+            <a:off x="5565863" y="4693259"/>
+            <a:ext cx="1" cy="345452"/>
+          </a:xfrm>
+          <a:prstGeom prst="straightConnector1">
+            <a:avLst/>
+          </a:prstGeom>
+          <a:ln>
+            <a:tailEnd type="triangle"/>
+          </a:ln>
+        </p:spPr>
+        <p:style>
+          <a:lnRef idx="1">
+            <a:schemeClr val="dk1"/>
+          </a:lnRef>
+          <a:fillRef idx="0">
+            <a:schemeClr val="dk1"/>
+          </a:fillRef>
+          <a:effectRef idx="0">
+            <a:schemeClr val="dk1"/>
+          </a:effectRef>
+          <a:fontRef idx="minor">
+            <a:schemeClr val="tx1"/>
+          </a:fontRef>
+        </p:style>
+      </p:cxnSp>
+      <p:sp>
+        <p:nvSpPr>
+          <p:cNvPr id="17" name="Down Arrow 16">
+            <a:extLst>
+              <a:ext uri="{FF2B5EF4-FFF2-40B4-BE49-F238E27FC236}">
+                <a16:creationId xmlns:a16="http://schemas.microsoft.com/office/drawing/2014/main" id="{DBF5080D-6078-4A4D-A114-6B041E937229}"/>
+              </a:ext>
+            </a:extLst>
+          </p:cNvPr>
+          <p:cNvSpPr/>
+          <p:nvPr/>
+        </p:nvSpPr>
+        <p:spPr>
+          <a:xfrm>
+            <a:off x="5386454" y="5564633"/>
+            <a:ext cx="381964" cy="428262"/>
+          </a:xfrm>
+          <a:prstGeom prst="downArrow">
+            <a:avLst/>
+          </a:prstGeom>
+          <a:solidFill>
+            <a:schemeClr val="bg1"/>
+          </a:solidFill>
+        </p:spPr>
+        <p:style>
+          <a:lnRef idx="2">
+            <a:schemeClr val="accent1">
+              <a:shade val="50000"/>
+            </a:schemeClr>
+          </a:lnRef>
+          <a:fillRef idx="1">
+            <a:schemeClr val="accent1"/>
+          </a:fillRef>
+          <a:effectRef idx="0">
+            <a:schemeClr val="accent1"/>
+          </a:effectRef>
+          <a:fontRef idx="minor">
+            <a:schemeClr val="lt1"/>
+          </a:fontRef>
+        </p:style>
+        <p:txBody>
+          <a:bodyPr rtlCol="0" anchor="ctr"/>
+          <a:lstStyle/>
+          <a:p>
+            <a:pPr algn="ctr"/>
+            <a:endParaRPr lang="en-US"/>
+          </a:p>
+        </p:txBody>
+      </p:sp>
+      <p:sp>
+        <p:nvSpPr>
+          <p:cNvPr id="18" name="Down Arrow 17">
+            <a:extLst>
+              <a:ext uri="{FF2B5EF4-FFF2-40B4-BE49-F238E27FC236}">
+                <a16:creationId xmlns:a16="http://schemas.microsoft.com/office/drawing/2014/main" id="{78948B97-2EB5-7C44-8661-F8FF659EEC11}"/>
+              </a:ext>
+            </a:extLst>
+          </p:cNvPr>
+          <p:cNvSpPr/>
+          <p:nvPr/>
+        </p:nvSpPr>
+        <p:spPr>
+          <a:xfrm>
+            <a:off x="5386454" y="6850406"/>
+            <a:ext cx="381964" cy="428262"/>
+          </a:xfrm>
+          <a:prstGeom prst="downArrow">
+            <a:avLst/>
+          </a:prstGeom>
+          <a:solidFill>
+            <a:schemeClr val="bg1"/>
+          </a:solidFill>
+        </p:spPr>
+        <p:style>
+          <a:lnRef idx="2">
+            <a:schemeClr val="accent1">
+              <a:shade val="50000"/>
+            </a:schemeClr>
+          </a:lnRef>
+          <a:fillRef idx="1">
+            <a:schemeClr val="accent1"/>
+          </a:fillRef>
+          <a:effectRef idx="0">
+            <a:schemeClr val="accent1"/>
+          </a:effectRef>
+          <a:fontRef idx="minor">
+            <a:schemeClr val="lt1"/>
+          </a:fontRef>
+        </p:style>
+        <p:txBody>
+          <a:bodyPr rtlCol="0" anchor="ctr"/>
+          <a:lstStyle/>
+          <a:p>
+            <a:pPr algn="ctr"/>
+            <a:endParaRPr lang="en-US"/>
+          </a:p>
+        </p:txBody>
+      </p:sp>
+      <p:sp>
+        <p:nvSpPr>
+          <p:cNvPr id="19" name="Down Arrow 18">
+            <a:extLst>
+              <a:ext uri="{FF2B5EF4-FFF2-40B4-BE49-F238E27FC236}">
+                <a16:creationId xmlns:a16="http://schemas.microsoft.com/office/drawing/2014/main" id="{8C470EB7-41A5-5C4D-8682-9F0FDF9C952B}"/>
+              </a:ext>
+            </a:extLst>
+          </p:cNvPr>
+          <p:cNvSpPr/>
+          <p:nvPr/>
+        </p:nvSpPr>
+        <p:spPr>
+          <a:xfrm>
+            <a:off x="5374878" y="7834882"/>
+            <a:ext cx="381964" cy="428262"/>
+          </a:xfrm>
+          <a:prstGeom prst="downArrow">
+            <a:avLst/>
+          </a:prstGeom>
+          <a:solidFill>
+            <a:schemeClr val="bg1"/>
+          </a:solidFill>
+        </p:spPr>
+        <p:style>
+          <a:lnRef idx="2">
+            <a:schemeClr val="accent1">
+              <a:shade val="50000"/>
+            </a:schemeClr>
+          </a:lnRef>
+          <a:fillRef idx="1">
+            <a:schemeClr val="accent1"/>
+          </a:fillRef>
+          <a:effectRef idx="0">
+            <a:schemeClr val="accent1"/>
+          </a:effectRef>
+          <a:fontRef idx="minor">
+            <a:schemeClr val="lt1"/>
+          </a:fontRef>
+        </p:style>
+        <p:txBody>
+          <a:bodyPr rtlCol="0" anchor="ctr"/>
+          <a:lstStyle/>
+          <a:p>
+            <a:pPr algn="ctr"/>
+            <a:endParaRPr lang="en-US"/>
+          </a:p>
+        </p:txBody>
+      </p:sp>
+      <p:sp>
+        <p:nvSpPr>
+          <p:cNvPr id="20" name="Down Arrow 19">
+            <a:extLst>
+              <a:ext uri="{FF2B5EF4-FFF2-40B4-BE49-F238E27FC236}">
+                <a16:creationId xmlns:a16="http://schemas.microsoft.com/office/drawing/2014/main" id="{3D411D0C-0351-B247-8E17-DF97F0AC5EA3}"/>
+              </a:ext>
+            </a:extLst>
+          </p:cNvPr>
+          <p:cNvSpPr/>
+          <p:nvPr/>
+        </p:nvSpPr>
+        <p:spPr>
+          <a:xfrm>
+            <a:off x="5374878" y="9032233"/>
+            <a:ext cx="381964" cy="428262"/>
+          </a:xfrm>
+          <a:prstGeom prst="downArrow">
+            <a:avLst/>
+          </a:prstGeom>
+          <a:solidFill>
+            <a:schemeClr val="bg1"/>
+          </a:solidFill>
+        </p:spPr>
+        <p:style>
+          <a:lnRef idx="2">
+            <a:schemeClr val="accent1">
+              <a:shade val="50000"/>
+            </a:schemeClr>
+          </a:lnRef>
+          <a:fillRef idx="1">
+            <a:schemeClr val="accent1"/>
+          </a:fillRef>
+          <a:effectRef idx="0">
+            <a:schemeClr val="accent1"/>
+          </a:effectRef>
+          <a:fontRef idx="minor">
+            <a:schemeClr val="lt1"/>
+          </a:fontRef>
+        </p:style>
+        <p:txBody>
+          <a:bodyPr rtlCol="0" anchor="ctr"/>
+          <a:lstStyle/>
+          <a:p>
+            <a:pPr algn="ctr"/>
+            <a:endParaRPr lang="en-US"/>
+          </a:p>
+        </p:txBody>
+      </p:sp>
+      <p:sp>
+        <p:nvSpPr>
+          <p:cNvPr id="21" name="Rectangle 20">
+            <a:extLst>
+              <a:ext uri="{FF2B5EF4-FFF2-40B4-BE49-F238E27FC236}">
+                <a16:creationId xmlns:a16="http://schemas.microsoft.com/office/drawing/2014/main" id="{5BACE416-FE57-2945-89A6-FCFC8709676C}"/>
+              </a:ext>
+            </a:extLst>
+          </p:cNvPr>
+          <p:cNvSpPr/>
+          <p:nvPr/>
+        </p:nvSpPr>
+        <p:spPr>
+          <a:xfrm>
+            <a:off x="4572123" y="9460496"/>
+            <a:ext cx="1987475" cy="755561"/>
+          </a:xfrm>
+          <a:prstGeom prst="rect">
+            <a:avLst/>
+          </a:prstGeom>
+          <a:solidFill>
+            <a:schemeClr val="accent4">
+              <a:lumMod val="40000"/>
+              <a:lumOff val="60000"/>
+            </a:schemeClr>
+          </a:solidFill>
+        </p:spPr>
+        <p:style>
+          <a:lnRef idx="2">
+            <a:schemeClr val="accent5">
+              <a:shade val="50000"/>
+            </a:schemeClr>
+          </a:lnRef>
+          <a:fillRef idx="1">
+            <a:schemeClr val="accent5"/>
+          </a:fillRef>
+          <a:effectRef idx="0">
+            <a:schemeClr val="accent5"/>
+          </a:effectRef>
+          <a:fontRef idx="minor">
+            <a:schemeClr val="lt1"/>
+          </a:fontRef>
+        </p:style>
+        <p:txBody>
+          <a:bodyPr rtlCol="0" anchor="ctr"/>
+          <a:lstStyle/>
+          <a:p>
+            <a:pPr algn="ctr"/>
+            <a:r>
+              <a:rPr lang="en-US" sz="1600">
+                <a:solidFill>
+                  <a:schemeClr val="tx1"/>
+                </a:solidFill>
+              </a:rPr>
+              <a:t>Predicted probabilities – next global word</a:t>
+            </a:r>
+          </a:p>
+        </p:txBody>
+      </p:sp>
+      <p:sp>
+        <p:nvSpPr>
+          <p:cNvPr id="22" name="Rectangle 21">
+            <a:extLst>
+              <a:ext uri="{FF2B5EF4-FFF2-40B4-BE49-F238E27FC236}">
+                <a16:creationId xmlns:a16="http://schemas.microsoft.com/office/drawing/2014/main" id="{3F7175FE-C5F5-9A4E-A7A6-7C7AE95F8F13}"/>
+              </a:ext>
+            </a:extLst>
+          </p:cNvPr>
+          <p:cNvSpPr/>
+          <p:nvPr/>
+        </p:nvSpPr>
+        <p:spPr>
+          <a:xfrm>
+            <a:off x="8348517" y="7311609"/>
+            <a:ext cx="1987475" cy="530651"/>
+          </a:xfrm>
+          <a:prstGeom prst="rect">
+            <a:avLst/>
+          </a:prstGeom>
+          <a:solidFill>
+            <a:schemeClr val="accent5">
+              <a:lumMod val="40000"/>
+              <a:lumOff val="60000"/>
+            </a:schemeClr>
+          </a:solidFill>
+        </p:spPr>
+        <p:style>
+          <a:lnRef idx="2">
+            <a:schemeClr val="accent5">
+              <a:shade val="50000"/>
+            </a:schemeClr>
+          </a:lnRef>
+          <a:fillRef idx="1">
+            <a:schemeClr val="accent5"/>
+          </a:fillRef>
+          <a:effectRef idx="0">
+            <a:schemeClr val="accent5"/>
+          </a:effectRef>
+          <a:fontRef idx="minor">
+            <a:schemeClr val="lt1"/>
+          </a:fontRef>
+        </p:style>
+        <p:txBody>
+          <a:bodyPr rtlCol="0" anchor="ctr"/>
+          <a:lstStyle/>
+          <a:p>
+            <a:pPr algn="ctr"/>
+            <a:r>
+              <a:rPr lang="en-US" sz="1600">
+                <a:solidFill>
+                  <a:schemeClr val="tx1"/>
+                </a:solidFill>
+              </a:rPr>
+              <a:t>Logits of senses</a:t>
+            </a:r>
+          </a:p>
+        </p:txBody>
+      </p:sp>
+      <p:sp>
+        <p:nvSpPr>
+          <p:cNvPr id="23" name="Oval 22">
+            <a:extLst>
+              <a:ext uri="{FF2B5EF4-FFF2-40B4-BE49-F238E27FC236}">
+                <a16:creationId xmlns:a16="http://schemas.microsoft.com/office/drawing/2014/main" id="{6EE07ECA-65A2-0641-AE45-4F768DCC5DBD}"/>
+              </a:ext>
+            </a:extLst>
+          </p:cNvPr>
+          <p:cNvSpPr/>
+          <p:nvPr/>
+        </p:nvSpPr>
+        <p:spPr>
+          <a:xfrm>
+            <a:off x="8941810" y="8267181"/>
+            <a:ext cx="752354" cy="755561"/>
+          </a:xfrm>
+          <a:prstGeom prst="ellipse">
+            <a:avLst/>
+          </a:prstGeom>
+        </p:spPr>
+        <p:style>
+          <a:lnRef idx="1">
+            <a:schemeClr val="accent3"/>
+          </a:lnRef>
+          <a:fillRef idx="2">
+            <a:schemeClr val="accent3"/>
+          </a:fillRef>
+          <a:effectRef idx="1">
+            <a:schemeClr val="accent3"/>
+          </a:effectRef>
+          <a:fontRef idx="minor">
+            <a:schemeClr val="dk1"/>
+          </a:fontRef>
+        </p:style>
+        <p:txBody>
+          <a:bodyPr wrap="none" rtlCol="0" anchor="ctr"/>
+          <a:lstStyle/>
+          <a:p>
+            <a:pPr algn="ctr"/>
+            <a:r>
+              <a:rPr lang="en-US"/>
+              <a:t>Softmax</a:t>
+            </a:r>
+          </a:p>
+        </p:txBody>
+      </p:sp>
+      <p:sp>
+        <p:nvSpPr>
+          <p:cNvPr id="24" name="Down Arrow 23">
+            <a:extLst>
+              <a:ext uri="{FF2B5EF4-FFF2-40B4-BE49-F238E27FC236}">
+                <a16:creationId xmlns:a16="http://schemas.microsoft.com/office/drawing/2014/main" id="{5B8A8200-1A61-9A43-8F04-80F717E9B000}"/>
+              </a:ext>
+            </a:extLst>
+          </p:cNvPr>
+          <p:cNvSpPr/>
+          <p:nvPr/>
+        </p:nvSpPr>
+        <p:spPr>
+          <a:xfrm>
+            <a:off x="9127005" y="7834882"/>
+            <a:ext cx="381964" cy="428262"/>
+          </a:xfrm>
+          <a:prstGeom prst="downArrow">
+            <a:avLst/>
+          </a:prstGeom>
+          <a:solidFill>
+            <a:schemeClr val="bg1"/>
+          </a:solidFill>
+        </p:spPr>
+        <p:style>
+          <a:lnRef idx="2">
+            <a:schemeClr val="accent1">
+              <a:shade val="50000"/>
+            </a:schemeClr>
+          </a:lnRef>
+          <a:fillRef idx="1">
+            <a:schemeClr val="accent1"/>
+          </a:fillRef>
+          <a:effectRef idx="0">
+            <a:schemeClr val="accent1"/>
+          </a:effectRef>
+          <a:fontRef idx="minor">
+            <a:schemeClr val="lt1"/>
+          </a:fontRef>
+        </p:style>
+        <p:txBody>
+          <a:bodyPr rtlCol="0" anchor="ctr"/>
+          <a:lstStyle/>
+          <a:p>
+            <a:pPr algn="ctr"/>
+            <a:endParaRPr lang="en-US"/>
+          </a:p>
+        </p:txBody>
+      </p:sp>
+      <p:sp>
+        <p:nvSpPr>
+          <p:cNvPr id="25" name="Down Arrow 24">
+            <a:extLst>
+              <a:ext uri="{FF2B5EF4-FFF2-40B4-BE49-F238E27FC236}">
+                <a16:creationId xmlns:a16="http://schemas.microsoft.com/office/drawing/2014/main" id="{454F61DD-CF26-0343-993B-E71B9524B95F}"/>
+              </a:ext>
+            </a:extLst>
+          </p:cNvPr>
+          <p:cNvSpPr/>
+          <p:nvPr/>
+        </p:nvSpPr>
+        <p:spPr>
+          <a:xfrm>
+            <a:off x="9127005" y="9032233"/>
+            <a:ext cx="381964" cy="428262"/>
+          </a:xfrm>
+          <a:prstGeom prst="downArrow">
+            <a:avLst/>
+          </a:prstGeom>
+          <a:solidFill>
+            <a:schemeClr val="bg1"/>
+          </a:solidFill>
+        </p:spPr>
+        <p:style>
+          <a:lnRef idx="2">
+            <a:schemeClr val="accent1">
+              <a:shade val="50000"/>
+            </a:schemeClr>
+          </a:lnRef>
+          <a:fillRef idx="1">
+            <a:schemeClr val="accent1"/>
+          </a:fillRef>
+          <a:effectRef idx="0">
+            <a:schemeClr val="accent1"/>
+          </a:effectRef>
+          <a:fontRef idx="minor">
+            <a:schemeClr val="lt1"/>
+          </a:fontRef>
+        </p:style>
+        <p:txBody>
+          <a:bodyPr rtlCol="0" anchor="ctr"/>
+          <a:lstStyle/>
+          <a:p>
+            <a:pPr algn="ctr"/>
+            <a:endParaRPr lang="en-US"/>
+          </a:p>
+        </p:txBody>
+      </p:sp>
+      <p:sp>
+        <p:nvSpPr>
+          <p:cNvPr id="26" name="Rectangle 25">
+            <a:extLst>
+              <a:ext uri="{FF2B5EF4-FFF2-40B4-BE49-F238E27FC236}">
+                <a16:creationId xmlns:a16="http://schemas.microsoft.com/office/drawing/2014/main" id="{F289D602-95DA-9B40-AE72-9263EC9FE3D9}"/>
+              </a:ext>
+            </a:extLst>
+          </p:cNvPr>
+          <p:cNvSpPr/>
+          <p:nvPr/>
+        </p:nvSpPr>
+        <p:spPr>
+          <a:xfrm>
+            <a:off x="8324250" y="9460496"/>
+            <a:ext cx="1987475" cy="755561"/>
+          </a:xfrm>
+          <a:prstGeom prst="rect">
+            <a:avLst/>
+          </a:prstGeom>
+          <a:solidFill>
+            <a:schemeClr val="accent4">
+              <a:lumMod val="40000"/>
+              <a:lumOff val="60000"/>
+            </a:schemeClr>
+          </a:solidFill>
+        </p:spPr>
+        <p:style>
+          <a:lnRef idx="2">
+            <a:schemeClr val="accent5">
+              <a:shade val="50000"/>
+            </a:schemeClr>
+          </a:lnRef>
+          <a:fillRef idx="1">
+            <a:schemeClr val="accent5"/>
+          </a:fillRef>
+          <a:effectRef idx="0">
+            <a:schemeClr val="accent5"/>
+          </a:effectRef>
+          <a:fontRef idx="minor">
+            <a:schemeClr val="lt1"/>
+          </a:fontRef>
+        </p:style>
+        <p:txBody>
+          <a:bodyPr rtlCol="0" anchor="ctr"/>
+          <a:lstStyle/>
+          <a:p>
+            <a:pPr algn="ctr"/>
+            <a:r>
+              <a:rPr lang="en-US" sz="1600">
+                <a:solidFill>
+                  <a:schemeClr val="tx1"/>
+                </a:solidFill>
+              </a:rPr>
+              <a:t>Predicted probabilities – next word sense</a:t>
+            </a:r>
+          </a:p>
+        </p:txBody>
+      </p:sp>
+      <p:sp>
+        <p:nvSpPr>
+          <p:cNvPr id="28" name="Down Arrow 27">
+            <a:extLst>
+              <a:ext uri="{FF2B5EF4-FFF2-40B4-BE49-F238E27FC236}">
+                <a16:creationId xmlns:a16="http://schemas.microsoft.com/office/drawing/2014/main" id="{60FC0E32-05FF-644D-A9BE-9952CF06BC45}"/>
+              </a:ext>
+            </a:extLst>
+          </p:cNvPr>
+          <p:cNvSpPr/>
+          <p:nvPr/>
+        </p:nvSpPr>
+        <p:spPr>
+          <a:xfrm>
+            <a:off x="9127004" y="3429000"/>
+            <a:ext cx="381964" cy="1264260"/>
+          </a:xfrm>
+          <a:prstGeom prst="downArrow">
+            <a:avLst/>
+          </a:prstGeom>
+          <a:solidFill>
+            <a:schemeClr val="bg1"/>
+          </a:solidFill>
+        </p:spPr>
+        <p:style>
+          <a:lnRef idx="2">
+            <a:schemeClr val="accent1">
+              <a:shade val="50000"/>
+            </a:schemeClr>
+          </a:lnRef>
+          <a:fillRef idx="1">
+            <a:schemeClr val="accent1"/>
+          </a:fillRef>
+          <a:effectRef idx="0">
+            <a:schemeClr val="accent1"/>
+          </a:effectRef>
+          <a:fontRef idx="minor">
+            <a:schemeClr val="lt1"/>
+          </a:fontRef>
+        </p:style>
+        <p:txBody>
+          <a:bodyPr wrap="none" rtlCol="0" anchor="ctr"/>
+          <a:lstStyle/>
+          <a:p>
+            <a:pPr algn="ctr"/>
+            <a:r>
+              <a:rPr lang="en-US" b="1">
+                <a:solidFill>
+                  <a:schemeClr val="tx1"/>
+                </a:solidFill>
+              </a:rPr>
+              <a:t>I n p u t</a:t>
+            </a:r>
+          </a:p>
+        </p:txBody>
+      </p:sp>
+      <p:cxnSp>
+        <p:nvCxnSpPr>
+          <p:cNvPr id="29" name="Straight Arrow Connector 28">
+            <a:extLst>
+              <a:ext uri="{FF2B5EF4-FFF2-40B4-BE49-F238E27FC236}">
+                <a16:creationId xmlns:a16="http://schemas.microsoft.com/office/drawing/2014/main" id="{CB7E18E4-7196-0F45-BCF5-E91BA4004445}"/>
+              </a:ext>
+            </a:extLst>
+          </p:cNvPr>
+          <p:cNvCxnSpPr>
+            <a:cxnSpLocks/>
+            <a:stCxn id="7" idx="3"/>
+          </p:cNvCxnSpPr>
+          <p:nvPr/>
+        </p:nvCxnSpPr>
+        <p:spPr>
+          <a:xfrm flipV="1">
+            <a:off x="6559600" y="5284699"/>
+            <a:ext cx="1577403" cy="19338"/>
+          </a:xfrm>
+          <a:prstGeom prst="straightConnector1">
+            <a:avLst/>
+          </a:prstGeom>
+          <a:ln>
+            <a:tailEnd type="triangle"/>
+          </a:ln>
+        </p:spPr>
+        <p:style>
+          <a:lnRef idx="1">
+            <a:schemeClr val="dk1"/>
+          </a:lnRef>
+          <a:fillRef idx="0">
+            <a:schemeClr val="dk1"/>
+          </a:fillRef>
+          <a:effectRef idx="0">
+            <a:schemeClr val="dk1"/>
+          </a:effectRef>
+          <a:fontRef idx="minor">
+            <a:schemeClr val="tx1"/>
+          </a:fontRef>
+        </p:style>
+      </p:cxnSp>
+      <p:sp>
+        <p:nvSpPr>
+          <p:cNvPr id="32" name="TextBox 31">
+            <a:extLst>
+              <a:ext uri="{FF2B5EF4-FFF2-40B4-BE49-F238E27FC236}">
+                <a16:creationId xmlns:a16="http://schemas.microsoft.com/office/drawing/2014/main" id="{F5562014-DAFF-0F47-A405-000F54031463}"/>
+              </a:ext>
+            </a:extLst>
+          </p:cNvPr>
+          <p:cNvSpPr txBox="1"/>
+          <p:nvPr/>
+        </p:nvSpPr>
+        <p:spPr>
+          <a:xfrm>
+            <a:off x="8683037" y="4618911"/>
+            <a:ext cx="1602487" cy="369332"/>
+          </a:xfrm>
+          <a:prstGeom prst="rect">
+            <a:avLst/>
+          </a:prstGeom>
+          <a:noFill/>
+        </p:spPr>
+        <p:txBody>
+          <a:bodyPr wrap="square" rtlCol="0">
+            <a:spAutoFit/>
+          </a:bodyPr>
+          <a:lstStyle/>
+          <a:p>
+            <a:r>
+              <a:rPr lang="en-US"/>
+              <a:t>Concatenate:</a:t>
+            </a:r>
+          </a:p>
+        </p:txBody>
+      </p:sp>
+      <p:sp>
+        <p:nvSpPr>
+          <p:cNvPr id="33" name="Rectangle 32">
+            <a:extLst>
+              <a:ext uri="{FF2B5EF4-FFF2-40B4-BE49-F238E27FC236}">
+                <a16:creationId xmlns:a16="http://schemas.microsoft.com/office/drawing/2014/main" id="{CBBDC58C-FB79-9743-AC32-4E975544F29D}"/>
+              </a:ext>
+            </a:extLst>
+          </p:cNvPr>
+          <p:cNvSpPr/>
+          <p:nvPr/>
+        </p:nvSpPr>
+        <p:spPr>
+          <a:xfrm>
+            <a:off x="9030815" y="5049521"/>
+            <a:ext cx="906930" cy="554077"/>
+          </a:xfrm>
+          <a:prstGeom prst="rect">
+            <a:avLst/>
+          </a:prstGeom>
+          <a:solidFill>
+            <a:schemeClr val="accent2">
+              <a:lumMod val="60000"/>
+              <a:lumOff val="40000"/>
+            </a:schemeClr>
+          </a:solidFill>
+        </p:spPr>
+        <p:style>
+          <a:lnRef idx="2">
+            <a:schemeClr val="accent4">
+              <a:shade val="50000"/>
+            </a:schemeClr>
+          </a:lnRef>
+          <a:fillRef idx="1">
+            <a:schemeClr val="accent4"/>
+          </a:fillRef>
+          <a:effectRef idx="0">
+            <a:schemeClr val="accent4"/>
+          </a:effectRef>
+          <a:fontRef idx="minor">
+            <a:schemeClr val="lt1"/>
+          </a:fontRef>
+        </p:style>
+        <p:txBody>
+          <a:bodyPr rtlCol="0" anchor="ctr"/>
+          <a:lstStyle/>
+          <a:p>
+            <a:pPr algn="ctr"/>
+            <a:r>
+              <a:rPr lang="en-US" sz="1200" b="1">
+                <a:solidFill>
+                  <a:schemeClr val="tx1"/>
+                </a:solidFill>
+              </a:rPr>
+              <a:t>Word Embedding</a:t>
+            </a:r>
+          </a:p>
+        </p:txBody>
+      </p:sp>
+      <p:sp>
+        <p:nvSpPr>
+          <p:cNvPr id="34" name="Rectangle 33">
+            <a:extLst>
+              <a:ext uri="{FF2B5EF4-FFF2-40B4-BE49-F238E27FC236}">
+                <a16:creationId xmlns:a16="http://schemas.microsoft.com/office/drawing/2014/main" id="{CEE65BB6-CFD3-7948-933E-EBD1D87BDFF3}"/>
+              </a:ext>
+            </a:extLst>
+          </p:cNvPr>
+          <p:cNvSpPr/>
+          <p:nvPr/>
+        </p:nvSpPr>
+        <p:spPr>
+          <a:xfrm>
+            <a:off x="9937745" y="5038712"/>
+            <a:ext cx="973594" cy="564886"/>
+          </a:xfrm>
+          <a:prstGeom prst="rect">
+            <a:avLst/>
+          </a:prstGeom>
+        </p:spPr>
+        <p:style>
+          <a:lnRef idx="2">
+            <a:schemeClr val="accent4">
+              <a:shade val="50000"/>
+            </a:schemeClr>
+          </a:lnRef>
+          <a:fillRef idx="1">
+            <a:schemeClr val="accent4"/>
+          </a:fillRef>
+          <a:effectRef idx="0">
+            <a:schemeClr val="accent4"/>
+          </a:effectRef>
+          <a:fontRef idx="minor">
+            <a:schemeClr val="lt1"/>
+          </a:fontRef>
+        </p:style>
+        <p:txBody>
+          <a:bodyPr rtlCol="0" anchor="ctr"/>
+          <a:lstStyle/>
+          <a:p>
+            <a:pPr algn="ctr"/>
+            <a:r>
+              <a:rPr lang="en-US" sz="1200" b="1">
+                <a:solidFill>
+                  <a:schemeClr val="tx1"/>
+                </a:solidFill>
+              </a:rPr>
+              <a:t>Word Node State</a:t>
+            </a:r>
+          </a:p>
+        </p:txBody>
+      </p:sp>
+      <p:sp>
+        <p:nvSpPr>
+          <p:cNvPr id="35" name="Rectangle 34">
+            <a:extLst>
+              <a:ext uri="{FF2B5EF4-FFF2-40B4-BE49-F238E27FC236}">
+                <a16:creationId xmlns:a16="http://schemas.microsoft.com/office/drawing/2014/main" id="{75DA4D2A-83BD-AB40-B037-4DABB3945422}"/>
+              </a:ext>
+            </a:extLst>
+          </p:cNvPr>
+          <p:cNvSpPr/>
+          <p:nvPr/>
+        </p:nvSpPr>
+        <p:spPr>
+          <a:xfrm>
+            <a:off x="10911340" y="5037547"/>
+            <a:ext cx="732793" cy="564884"/>
+          </a:xfrm>
+          <a:prstGeom prst="rect">
+            <a:avLst/>
+          </a:prstGeom>
+        </p:spPr>
+        <p:style>
+          <a:lnRef idx="1">
+            <a:schemeClr val="accent6"/>
+          </a:lnRef>
+          <a:fillRef idx="2">
+            <a:schemeClr val="accent6"/>
+          </a:fillRef>
+          <a:effectRef idx="1">
+            <a:schemeClr val="accent6"/>
+          </a:effectRef>
+          <a:fontRef idx="minor">
+            <a:schemeClr val="dk1"/>
+          </a:fontRef>
+        </p:style>
+        <p:txBody>
+          <a:bodyPr rtlCol="0" anchor="ctr"/>
+          <a:lstStyle/>
+          <a:p>
+            <a:pPr algn="ctr"/>
+            <a:r>
+              <a:rPr lang="en-US" sz="1200" b="1"/>
+              <a:t>Sense </a:t>
+            </a:r>
+            <a:r>
+              <a:rPr lang="en-US" sz="1200" b="1">
+                <a:solidFill>
+                  <a:schemeClr val="tx1"/>
+                </a:solidFill>
+              </a:rPr>
+              <a:t>Node State</a:t>
+            </a:r>
+          </a:p>
+        </p:txBody>
+      </p:sp>
+      <p:sp>
+        <p:nvSpPr>
+          <p:cNvPr id="38" name="TextBox 37">
+            <a:extLst>
+              <a:ext uri="{FF2B5EF4-FFF2-40B4-BE49-F238E27FC236}">
+                <a16:creationId xmlns:a16="http://schemas.microsoft.com/office/drawing/2014/main" id="{61B43942-276C-6D46-8BD6-0F7B64E361B8}"/>
+              </a:ext>
+            </a:extLst>
+          </p:cNvPr>
+          <p:cNvSpPr txBox="1"/>
+          <p:nvPr/>
+        </p:nvSpPr>
+        <p:spPr>
+          <a:xfrm>
+            <a:off x="6877573" y="4826984"/>
+            <a:ext cx="1364765" cy="954107"/>
+          </a:xfrm>
+          <a:prstGeom prst="rect">
+            <a:avLst/>
+          </a:prstGeom>
+          <a:noFill/>
+        </p:spPr>
+        <p:txBody>
+          <a:bodyPr wrap="square" rtlCol="0">
+            <a:spAutoFit/>
+          </a:bodyPr>
+          <a:lstStyle/>
+          <a:p>
+            <a:r>
+              <a:rPr lang="en-US" sz="1400"/>
+              <a:t>Copy without gradient</a:t>
+            </a:r>
+            <a:br>
+              <a:rPr lang="en-US" sz="1400"/>
+            </a:br>
+            <a:r>
+              <a:rPr lang="en-US" sz="1400"/>
+              <a:t>(photo of the current context)</a:t>
+            </a:r>
+          </a:p>
+        </p:txBody>
+      </p:sp>
+      <p:sp>
+        <p:nvSpPr>
+          <p:cNvPr id="39" name="Rectangle 38">
+            <a:extLst>
+              <a:ext uri="{FF2B5EF4-FFF2-40B4-BE49-F238E27FC236}">
+                <a16:creationId xmlns:a16="http://schemas.microsoft.com/office/drawing/2014/main" id="{457E5AAA-6CCC-434B-95B5-DA10C85A4334}"/>
+              </a:ext>
+            </a:extLst>
+          </p:cNvPr>
+          <p:cNvSpPr/>
+          <p:nvPr/>
+        </p:nvSpPr>
+        <p:spPr>
+          <a:xfrm>
+            <a:off x="8134355" y="5050139"/>
+            <a:ext cx="896461" cy="552292"/>
+          </a:xfrm>
+          <a:prstGeom prst="rect">
+            <a:avLst/>
+          </a:prstGeom>
+          <a:solidFill>
+            <a:schemeClr val="accent5">
+              <a:lumMod val="40000"/>
+              <a:lumOff val="60000"/>
+            </a:schemeClr>
+          </a:solidFill>
+        </p:spPr>
+        <p:style>
+          <a:lnRef idx="2">
+            <a:schemeClr val="accent5">
+              <a:shade val="50000"/>
+            </a:schemeClr>
+          </a:lnRef>
+          <a:fillRef idx="1">
+            <a:schemeClr val="accent5"/>
+          </a:fillRef>
+          <a:effectRef idx="0">
+            <a:schemeClr val="accent5"/>
+          </a:effectRef>
+          <a:fontRef idx="minor">
+            <a:schemeClr val="lt1"/>
+          </a:fontRef>
+        </p:style>
+        <p:txBody>
+          <a:bodyPr rtlCol="0" anchor="ctr"/>
+          <a:lstStyle/>
+          <a:p>
+            <a:pPr algn="ctr"/>
+            <a:r>
+              <a:rPr lang="en-US" sz="1400">
+                <a:solidFill>
+                  <a:schemeClr val="tx1"/>
+                </a:solidFill>
+              </a:rPr>
+              <a:t>Encoding </a:t>
+            </a:r>
+            <a:br>
+              <a:rPr lang="en-US" sz="1400">
+                <a:solidFill>
+                  <a:schemeClr val="tx1"/>
+                </a:solidFill>
+              </a:rPr>
+            </a:br>
+            <a:r>
+              <a:rPr lang="en-US" sz="1400">
+                <a:solidFill>
+                  <a:schemeClr val="tx1"/>
+                </a:solidFill>
+              </a:rPr>
+              <a:t>(Hidden state 2)</a:t>
+            </a:r>
+            <a:endParaRPr lang="en-US" sz="1400" b="1">
+              <a:solidFill>
+                <a:schemeClr val="tx1"/>
+              </a:solidFill>
+            </a:endParaRPr>
+          </a:p>
+        </p:txBody>
+      </p:sp>
+      <p:sp>
+        <p:nvSpPr>
+          <p:cNvPr id="40" name="Diamond 39">
+            <a:extLst>
+              <a:ext uri="{FF2B5EF4-FFF2-40B4-BE49-F238E27FC236}">
+                <a16:creationId xmlns:a16="http://schemas.microsoft.com/office/drawing/2014/main" id="{811FA52D-6D28-F24F-8E62-DF24DACE56DD}"/>
+              </a:ext>
+            </a:extLst>
+          </p:cNvPr>
+          <p:cNvSpPr/>
+          <p:nvPr/>
+        </p:nvSpPr>
+        <p:spPr>
+          <a:xfrm>
+            <a:off x="8089148" y="6040185"/>
+            <a:ext cx="2423155" cy="835996"/>
+          </a:xfrm>
+          <a:prstGeom prst="diamond">
+            <a:avLst/>
+          </a:prstGeom>
+        </p:spPr>
+        <p:style>
+          <a:lnRef idx="2">
+            <a:schemeClr val="accent1">
+              <a:shade val="50000"/>
+            </a:schemeClr>
+          </a:lnRef>
+          <a:fillRef idx="1">
+            <a:schemeClr val="accent1"/>
+          </a:fillRef>
+          <a:effectRef idx="0">
+            <a:schemeClr val="accent1"/>
+          </a:effectRef>
+          <a:fontRef idx="minor">
+            <a:schemeClr val="lt1"/>
+          </a:fontRef>
+        </p:style>
+        <p:txBody>
+          <a:bodyPr wrap="none" lIns="36000" rIns="36000" rtlCol="0" anchor="ctr"/>
+          <a:lstStyle/>
+          <a:p>
+            <a:pPr algn="ctr"/>
+            <a:r>
+              <a:rPr lang="en-GB"/>
+              <a:t>FF-NN:</a:t>
+            </a:r>
+            <a:br>
+              <a:rPr lang="en-GB"/>
+            </a:br>
+            <a:r>
+              <a:rPr lang="en-GB"/>
+              <a:t>linear2senses</a:t>
+            </a:r>
+            <a:endParaRPr lang="en-US"/>
+          </a:p>
+        </p:txBody>
+      </p:sp>
+      <p:sp>
+        <p:nvSpPr>
+          <p:cNvPr id="41" name="Down Arrow 40">
+            <a:extLst>
+              <a:ext uri="{FF2B5EF4-FFF2-40B4-BE49-F238E27FC236}">
+                <a16:creationId xmlns:a16="http://schemas.microsoft.com/office/drawing/2014/main" id="{AB2C63ED-0E0E-1D4D-A763-A7BA067BFD03}"/>
+              </a:ext>
+            </a:extLst>
+          </p:cNvPr>
+          <p:cNvSpPr/>
+          <p:nvPr/>
+        </p:nvSpPr>
+        <p:spPr>
+          <a:xfrm>
+            <a:off x="9121318" y="5590408"/>
+            <a:ext cx="381964" cy="428262"/>
+          </a:xfrm>
+          <a:prstGeom prst="downArrow">
+            <a:avLst/>
+          </a:prstGeom>
+          <a:solidFill>
+            <a:schemeClr val="bg1"/>
+          </a:solidFill>
+        </p:spPr>
+        <p:style>
+          <a:lnRef idx="2">
+            <a:schemeClr val="accent1">
+              <a:shade val="50000"/>
+            </a:schemeClr>
+          </a:lnRef>
+          <a:fillRef idx="1">
+            <a:schemeClr val="accent1"/>
+          </a:fillRef>
+          <a:effectRef idx="0">
+            <a:schemeClr val="accent1"/>
+          </a:effectRef>
+          <a:fontRef idx="minor">
+            <a:schemeClr val="lt1"/>
+          </a:fontRef>
+        </p:style>
+        <p:txBody>
+          <a:bodyPr rtlCol="0" anchor="ctr"/>
+          <a:lstStyle/>
+          <a:p>
+            <a:pPr algn="ctr"/>
+            <a:endParaRPr lang="en-US"/>
+          </a:p>
+        </p:txBody>
+      </p:sp>
+      <p:sp>
+        <p:nvSpPr>
+          <p:cNvPr id="42" name="Down Arrow 41">
+            <a:extLst>
+              <a:ext uri="{FF2B5EF4-FFF2-40B4-BE49-F238E27FC236}">
+                <a16:creationId xmlns:a16="http://schemas.microsoft.com/office/drawing/2014/main" id="{66F620D5-822A-5248-8FB1-03CE9BBC3DC1}"/>
+              </a:ext>
+            </a:extLst>
+          </p:cNvPr>
+          <p:cNvSpPr/>
+          <p:nvPr/>
+        </p:nvSpPr>
+        <p:spPr>
+          <a:xfrm>
+            <a:off x="9121318" y="6876181"/>
+            <a:ext cx="381964" cy="428262"/>
+          </a:xfrm>
+          <a:prstGeom prst="downArrow">
+            <a:avLst/>
+          </a:prstGeom>
+          <a:solidFill>
+            <a:schemeClr val="bg1"/>
+          </a:solidFill>
+        </p:spPr>
+        <p:style>
+          <a:lnRef idx="2">
+            <a:schemeClr val="accent1">
+              <a:shade val="50000"/>
+            </a:schemeClr>
+          </a:lnRef>
+          <a:fillRef idx="1">
+            <a:schemeClr val="accent1"/>
+          </a:fillRef>
+          <a:effectRef idx="0">
+            <a:schemeClr val="accent1"/>
+          </a:effectRef>
+          <a:fontRef idx="minor">
+            <a:schemeClr val="lt1"/>
+          </a:fontRef>
+        </p:style>
+        <p:txBody>
+          <a:bodyPr rtlCol="0" anchor="ctr"/>
+          <a:lstStyle/>
+          <a:p>
+            <a:pPr algn="ctr"/>
+            <a:endParaRPr lang="en-US"/>
+          </a:p>
+        </p:txBody>
+      </p:sp>
+    </p:spTree>
+    <p:extLst>
+      <p:ext uri="{BB962C8B-B14F-4D97-AF65-F5344CB8AC3E}">
+        <p14:creationId xmlns:p14="http://schemas.microsoft.com/office/powerpoint/2010/main" val="1331181461"/>
+      </p:ext>
+    </p:extLst>
+  </p:cSld>
+  <p:clrMapOvr>
+    <a:masterClrMapping/>
+  </p:clrMapOvr>
+</p:sld>
+</file>
+
+<file path=ppt/slides/slide7.xml><?xml version="1.0" encoding="utf-8"?>
+<p:sld xmlns:a="http://schemas.openxmlformats.org/drawingml/2006/main" xmlns:r="http://schemas.openxmlformats.org/officeDocument/2006/relationships" xmlns:p="http://schemas.openxmlformats.org/presentationml/2006/main">
+  <p:cSld>
+    <p:spTree>
+      <p:nvGrpSpPr>
+        <p:cNvPr id="1" name=""/>
+        <p:cNvGrpSpPr/>
+        <p:nvPr/>
+      </p:nvGrpSpPr>
+      <p:grpSpPr>
+        <a:xfrm>
+          <a:off x="0" y="0"/>
+          <a:ext cx="0" cy="0"/>
+          <a:chOff x="0" y="0"/>
+          <a:chExt cx="0" cy="0"/>
+        </a:xfrm>
+      </p:grpSpPr>
+      <p:sp>
+        <p:nvSpPr>
           <p:cNvPr id="4" name="Down Arrow 3">
             <a:extLst>
               <a:ext uri="{FF2B5EF4-FFF2-40B4-BE49-F238E27FC236}">
@@ -14022,7 +15930,7 @@
 </p:sld>
 </file>
 
-<file path=ppt/slides/slide7.xml><?xml version="1.0" encoding="utf-8"?>
+<file path=ppt/slides/slide8.xml><?xml version="1.0" encoding="utf-8"?>
 <p:sld xmlns:a="http://schemas.openxmlformats.org/drawingml/2006/main" xmlns:r="http://schemas.openxmlformats.org/officeDocument/2006/relationships" xmlns:p="http://schemas.openxmlformats.org/presentationml/2006/main">
   <p:cSld>
     <p:spTree>
